--- a/source/_assets/ironman.pptx
+++ b/source/_assets/ironman.pptx
@@ -244,7 +244,7 @@
             <a:fld id="{3CDD3A71-4C75-488C-A8F3-A1F163ED0DB9}" type="datetimeFigureOut">
               <a:rPr lang="en-US" smtClean="0"/>
               <a:pPr/>
-              <a:t>12/10/2017</a:t>
+              <a:t>12/11/2017</a:t>
             </a:fld>
             <a:endParaRPr lang="en-US" dirty="0"/>
           </a:p>
@@ -412,7 +412,7 @@
             <a:fld id="{523CC419-8FB3-4D1C-8127-E63C1A13459D}" type="datetimeFigureOut">
               <a:rPr lang="en-US" smtClean="0"/>
               <a:pPr/>
-              <a:t>12/10/2017</a:t>
+              <a:t>12/11/2017</a:t>
             </a:fld>
             <a:endParaRPr lang="en-US" dirty="0"/>
           </a:p>
@@ -815,7 +815,7 @@
           <a:p>
             <a:fld id="{237FF733-248C-4CF7-A090-89CF012E357B}" type="datetimeFigureOut">
               <a:rPr lang="zh-TW" altLang="en-US" smtClean="0"/>
-              <a:t>2017/12/10</a:t>
+              <a:t>2017/12/11</a:t>
             </a:fld>
             <a:endParaRPr lang="zh-TW" altLang="en-US"/>
           </a:p>
@@ -986,7 +986,7 @@
           <a:p>
             <a:fld id="{237FF733-248C-4CF7-A090-89CF012E357B}" type="datetimeFigureOut">
               <a:rPr lang="zh-TW" altLang="en-US" smtClean="0"/>
-              <a:t>2017/12/10</a:t>
+              <a:t>2017/12/11</a:t>
             </a:fld>
             <a:endParaRPr lang="zh-TW" altLang="en-US"/>
           </a:p>
@@ -1167,7 +1167,7 @@
           <a:p>
             <a:fld id="{237FF733-248C-4CF7-A090-89CF012E357B}" type="datetimeFigureOut">
               <a:rPr lang="zh-TW" altLang="en-US" smtClean="0"/>
-              <a:t>2017/12/10</a:t>
+              <a:t>2017/12/11</a:t>
             </a:fld>
             <a:endParaRPr lang="zh-TW" altLang="en-US"/>
           </a:p>
@@ -1338,7 +1338,7 @@
           <a:p>
             <a:fld id="{237FF733-248C-4CF7-A090-89CF012E357B}" type="datetimeFigureOut">
               <a:rPr lang="zh-TW" altLang="en-US" smtClean="0"/>
-              <a:t>2017/12/10</a:t>
+              <a:t>2017/12/11</a:t>
             </a:fld>
             <a:endParaRPr lang="zh-TW" altLang="en-US"/>
           </a:p>
@@ -1585,7 +1585,7 @@
           <a:p>
             <a:fld id="{237FF733-248C-4CF7-A090-89CF012E357B}" type="datetimeFigureOut">
               <a:rPr lang="zh-TW" altLang="en-US" smtClean="0"/>
-              <a:t>2017/12/10</a:t>
+              <a:t>2017/12/11</a:t>
             </a:fld>
             <a:endParaRPr lang="zh-TW" altLang="en-US"/>
           </a:p>
@@ -1818,7 +1818,7 @@
           <a:p>
             <a:fld id="{237FF733-248C-4CF7-A090-89CF012E357B}" type="datetimeFigureOut">
               <a:rPr lang="zh-TW" altLang="en-US" smtClean="0"/>
-              <a:t>2017/12/10</a:t>
+              <a:t>2017/12/11</a:t>
             </a:fld>
             <a:endParaRPr lang="zh-TW" altLang="en-US"/>
           </a:p>
@@ -2186,7 +2186,7 @@
           <a:p>
             <a:fld id="{237FF733-248C-4CF7-A090-89CF012E357B}" type="datetimeFigureOut">
               <a:rPr lang="zh-TW" altLang="en-US" smtClean="0"/>
-              <a:t>2017/12/10</a:t>
+              <a:t>2017/12/11</a:t>
             </a:fld>
             <a:endParaRPr lang="zh-TW" altLang="en-US"/>
           </a:p>
@@ -2305,7 +2305,7 @@
           <a:p>
             <a:fld id="{237FF733-248C-4CF7-A090-89CF012E357B}" type="datetimeFigureOut">
               <a:rPr lang="zh-TW" altLang="en-US" smtClean="0"/>
-              <a:t>2017/12/10</a:t>
+              <a:t>2017/12/11</a:t>
             </a:fld>
             <a:endParaRPr lang="zh-TW" altLang="en-US"/>
           </a:p>
@@ -2401,7 +2401,7 @@
           <a:p>
             <a:fld id="{237FF733-248C-4CF7-A090-89CF012E357B}" type="datetimeFigureOut">
               <a:rPr lang="zh-TW" altLang="en-US" smtClean="0"/>
-              <a:t>2017/12/10</a:t>
+              <a:t>2017/12/11</a:t>
             </a:fld>
             <a:endParaRPr lang="zh-TW" altLang="en-US"/>
           </a:p>
@@ -2679,7 +2679,7 @@
           <a:p>
             <a:fld id="{237FF733-248C-4CF7-A090-89CF012E357B}" type="datetimeFigureOut">
               <a:rPr lang="zh-TW" altLang="en-US" smtClean="0"/>
-              <a:t>2017/12/10</a:t>
+              <a:t>2017/12/11</a:t>
             </a:fld>
             <a:endParaRPr lang="zh-TW" altLang="en-US"/>
           </a:p>
@@ -2937,7 +2937,7 @@
           <a:p>
             <a:fld id="{237FF733-248C-4CF7-A090-89CF012E357B}" type="datetimeFigureOut">
               <a:rPr lang="zh-TW" altLang="en-US" smtClean="0"/>
-              <a:t>2017/12/10</a:t>
+              <a:t>2017/12/11</a:t>
             </a:fld>
             <a:endParaRPr lang="zh-TW" altLang="en-US"/>
           </a:p>
@@ -3151,7 +3151,7 @@
           <a:p>
             <a:fld id="{237FF733-248C-4CF7-A090-89CF012E357B}" type="datetimeFigureOut">
               <a:rPr lang="zh-TW" altLang="en-US" smtClean="0"/>
-              <a:t>2017/12/10</a:t>
+              <a:t>2017/12/11</a:t>
             </a:fld>
             <a:endParaRPr lang="zh-TW" altLang="en-US"/>
           </a:p>
@@ -31507,18 +31507,18 @@
 </file>
 
 <file path=customXml/item1.xml><?xml version="1.0" encoding="utf-8"?>
+<p:properties xmlns:p="http://schemas.microsoft.com/office/2006/metadata/properties" xmlns:xsi="http://www.w3.org/2001/XMLSchema-instance">
+  <documentManagement/>
+</p:properties>
+</file>
+
+<file path=customXml/item2.xml><?xml version="1.0" encoding="utf-8"?>
 <?mso-contentType ?>
 <FormTemplates xmlns="http://schemas.microsoft.com/sharepoint/v3/contenttype/forms">
   <Display>DocumentLibraryForm</Display>
   <Edit>DocumentLibraryForm</Edit>
   <New>DocumentLibraryForm</New>
 </FormTemplates>
-</file>
-
-<file path=customXml/item2.xml><?xml version="1.0" encoding="utf-8"?>
-<p:properties xmlns:p="http://schemas.microsoft.com/office/2006/metadata/properties" xmlns:xsi="http://www.w3.org/2001/XMLSchema-instance">
-  <documentManagement/>
-</p:properties>
 </file>
 
 <file path=customXml/item3.xml><?xml version="1.0" encoding="utf-8"?>
@@ -31571,14 +31571,6 @@
 </file>
 
 <file path=customXml/itemProps1.xml><?xml version="1.0" encoding="utf-8"?>
-<ds:datastoreItem xmlns:ds="http://schemas.openxmlformats.org/officeDocument/2006/customXml" ds:itemID="{A1770BF7-49D5-46D6-8B76-1D8AF290B450}">
-  <ds:schemaRefs>
-    <ds:schemaRef ds:uri="http://schemas.microsoft.com/sharepoint/v3/contenttype/forms"/>
-  </ds:schemaRefs>
-</ds:datastoreItem>
-</file>
-
-<file path=customXml/itemProps2.xml><?xml version="1.0" encoding="utf-8"?>
 <ds:datastoreItem xmlns:ds="http://schemas.openxmlformats.org/officeDocument/2006/customXml" ds:itemID="{892A9AA9-F261-48C5-9DFB-0929A9F0E540}">
   <ds:schemaRefs>
     <ds:schemaRef ds:uri="http://purl.org/dc/dcmitype/"/>
@@ -31588,6 +31580,14 @@
     <ds:schemaRef ds:uri="http://www.w3.org/XML/1998/namespace"/>
     <ds:schemaRef ds:uri="http://purl.org/dc/terms/"/>
     <ds:schemaRef ds:uri="http://schemas.openxmlformats.org/package/2006/metadata/core-properties"/>
+  </ds:schemaRefs>
+</ds:datastoreItem>
+</file>
+
+<file path=customXml/itemProps2.xml><?xml version="1.0" encoding="utf-8"?>
+<ds:datastoreItem xmlns:ds="http://schemas.openxmlformats.org/officeDocument/2006/customXml" ds:itemID="{A1770BF7-49D5-46D6-8B76-1D8AF290B450}">
+  <ds:schemaRefs>
+    <ds:schemaRef ds:uri="http://schemas.microsoft.com/sharepoint/v3/contenttype/forms"/>
   </ds:schemaRefs>
 </ds:datastoreItem>
 </file>

--- a/source/_assets/ironman.pptx
+++ b/source/_assets/ironman.pptx
@@ -5,32 +5,33 @@
     <p:sldMasterId id="2147483752" r:id="rId4"/>
   </p:sldMasterIdLst>
   <p:notesMasterIdLst>
-    <p:notesMasterId r:id="rId25"/>
+    <p:notesMasterId r:id="rId26"/>
   </p:notesMasterIdLst>
   <p:handoutMasterIdLst>
-    <p:handoutMasterId r:id="rId26"/>
+    <p:handoutMasterId r:id="rId27"/>
   </p:handoutMasterIdLst>
   <p:sldIdLst>
     <p:sldId id="316" r:id="rId5"/>
     <p:sldId id="317" r:id="rId6"/>
     <p:sldId id="318" r:id="rId7"/>
-    <p:sldId id="341" r:id="rId8"/>
-    <p:sldId id="342" r:id="rId9"/>
-    <p:sldId id="343" r:id="rId10"/>
-    <p:sldId id="325" r:id="rId11"/>
-    <p:sldId id="344" r:id="rId12"/>
-    <p:sldId id="326" r:id="rId13"/>
-    <p:sldId id="327" r:id="rId14"/>
-    <p:sldId id="330" r:id="rId15"/>
-    <p:sldId id="331" r:id="rId16"/>
-    <p:sldId id="332" r:id="rId17"/>
-    <p:sldId id="333" r:id="rId18"/>
-    <p:sldId id="334" r:id="rId19"/>
-    <p:sldId id="335" r:id="rId20"/>
-    <p:sldId id="336" r:id="rId21"/>
-    <p:sldId id="337" r:id="rId22"/>
-    <p:sldId id="340" r:id="rId23"/>
-    <p:sldId id="339" r:id="rId24"/>
+    <p:sldId id="345" r:id="rId8"/>
+    <p:sldId id="341" r:id="rId9"/>
+    <p:sldId id="342" r:id="rId10"/>
+    <p:sldId id="343" r:id="rId11"/>
+    <p:sldId id="325" r:id="rId12"/>
+    <p:sldId id="344" r:id="rId13"/>
+    <p:sldId id="326" r:id="rId14"/>
+    <p:sldId id="327" r:id="rId15"/>
+    <p:sldId id="330" r:id="rId16"/>
+    <p:sldId id="331" r:id="rId17"/>
+    <p:sldId id="332" r:id="rId18"/>
+    <p:sldId id="333" r:id="rId19"/>
+    <p:sldId id="334" r:id="rId20"/>
+    <p:sldId id="335" r:id="rId21"/>
+    <p:sldId id="336" r:id="rId22"/>
+    <p:sldId id="337" r:id="rId23"/>
+    <p:sldId id="340" r:id="rId24"/>
+    <p:sldId id="339" r:id="rId25"/>
   </p:sldIdLst>
   <p:sldSz cx="12192000" cy="6858000"/>
   <p:notesSz cx="7099300" cy="10234613"/>
@@ -245,7 +246,7 @@
             <a:fld id="{3CDD3A71-4C75-488C-A8F3-A1F163ED0DB9}" type="datetimeFigureOut">
               <a:rPr lang="en-US" smtClean="0"/>
               <a:pPr/>
-              <a:t>12/12/2017</a:t>
+              <a:t>12/20/2017</a:t>
             </a:fld>
             <a:endParaRPr lang="en-US" dirty="0"/>
           </a:p>
@@ -413,7 +414,7 @@
             <a:fld id="{523CC419-8FB3-4D1C-8127-E63C1A13459D}" type="datetimeFigureOut">
               <a:rPr lang="en-US" smtClean="0"/>
               <a:pPr/>
-              <a:t>12/12/2017</a:t>
+              <a:t>12/20/2017</a:t>
             </a:fld>
             <a:endParaRPr lang="en-US" dirty="0"/>
           </a:p>
@@ -816,7 +817,7 @@
           <a:p>
             <a:fld id="{237FF733-248C-4CF7-A090-89CF012E357B}" type="datetimeFigureOut">
               <a:rPr lang="zh-TW" altLang="en-US" smtClean="0"/>
-              <a:t>2017/12/12</a:t>
+              <a:t>2017/12/20</a:t>
             </a:fld>
             <a:endParaRPr lang="zh-TW" altLang="en-US"/>
           </a:p>
@@ -987,7 +988,7 @@
           <a:p>
             <a:fld id="{237FF733-248C-4CF7-A090-89CF012E357B}" type="datetimeFigureOut">
               <a:rPr lang="zh-TW" altLang="en-US" smtClean="0"/>
-              <a:t>2017/12/12</a:t>
+              <a:t>2017/12/20</a:t>
             </a:fld>
             <a:endParaRPr lang="zh-TW" altLang="en-US"/>
           </a:p>
@@ -1168,7 +1169,7 @@
           <a:p>
             <a:fld id="{237FF733-248C-4CF7-A090-89CF012E357B}" type="datetimeFigureOut">
               <a:rPr lang="zh-TW" altLang="en-US" smtClean="0"/>
-              <a:t>2017/12/12</a:t>
+              <a:t>2017/12/20</a:t>
             </a:fld>
             <a:endParaRPr lang="zh-TW" altLang="en-US"/>
           </a:p>
@@ -1339,7 +1340,7 @@
           <a:p>
             <a:fld id="{237FF733-248C-4CF7-A090-89CF012E357B}" type="datetimeFigureOut">
               <a:rPr lang="zh-TW" altLang="en-US" smtClean="0"/>
-              <a:t>2017/12/12</a:t>
+              <a:t>2017/12/20</a:t>
             </a:fld>
             <a:endParaRPr lang="zh-TW" altLang="en-US"/>
           </a:p>
@@ -1586,7 +1587,7 @@
           <a:p>
             <a:fld id="{237FF733-248C-4CF7-A090-89CF012E357B}" type="datetimeFigureOut">
               <a:rPr lang="zh-TW" altLang="en-US" smtClean="0"/>
-              <a:t>2017/12/12</a:t>
+              <a:t>2017/12/20</a:t>
             </a:fld>
             <a:endParaRPr lang="zh-TW" altLang="en-US"/>
           </a:p>
@@ -1819,7 +1820,7 @@
           <a:p>
             <a:fld id="{237FF733-248C-4CF7-A090-89CF012E357B}" type="datetimeFigureOut">
               <a:rPr lang="zh-TW" altLang="en-US" smtClean="0"/>
-              <a:t>2017/12/12</a:t>
+              <a:t>2017/12/20</a:t>
             </a:fld>
             <a:endParaRPr lang="zh-TW" altLang="en-US"/>
           </a:p>
@@ -2187,7 +2188,7 @@
           <a:p>
             <a:fld id="{237FF733-248C-4CF7-A090-89CF012E357B}" type="datetimeFigureOut">
               <a:rPr lang="zh-TW" altLang="en-US" smtClean="0"/>
-              <a:t>2017/12/12</a:t>
+              <a:t>2017/12/20</a:t>
             </a:fld>
             <a:endParaRPr lang="zh-TW" altLang="en-US"/>
           </a:p>
@@ -2306,7 +2307,7 @@
           <a:p>
             <a:fld id="{237FF733-248C-4CF7-A090-89CF012E357B}" type="datetimeFigureOut">
               <a:rPr lang="zh-TW" altLang="en-US" smtClean="0"/>
-              <a:t>2017/12/12</a:t>
+              <a:t>2017/12/20</a:t>
             </a:fld>
             <a:endParaRPr lang="zh-TW" altLang="en-US"/>
           </a:p>
@@ -2402,7 +2403,7 @@
           <a:p>
             <a:fld id="{237FF733-248C-4CF7-A090-89CF012E357B}" type="datetimeFigureOut">
               <a:rPr lang="zh-TW" altLang="en-US" smtClean="0"/>
-              <a:t>2017/12/12</a:t>
+              <a:t>2017/12/20</a:t>
             </a:fld>
             <a:endParaRPr lang="zh-TW" altLang="en-US"/>
           </a:p>
@@ -2680,7 +2681,7 @@
           <a:p>
             <a:fld id="{237FF733-248C-4CF7-A090-89CF012E357B}" type="datetimeFigureOut">
               <a:rPr lang="zh-TW" altLang="en-US" smtClean="0"/>
-              <a:t>2017/12/12</a:t>
+              <a:t>2017/12/20</a:t>
             </a:fld>
             <a:endParaRPr lang="zh-TW" altLang="en-US"/>
           </a:p>
@@ -2938,7 +2939,7 @@
           <a:p>
             <a:fld id="{237FF733-248C-4CF7-A090-89CF012E357B}" type="datetimeFigureOut">
               <a:rPr lang="zh-TW" altLang="en-US" smtClean="0"/>
-              <a:t>2017/12/12</a:t>
+              <a:t>2017/12/20</a:t>
             </a:fld>
             <a:endParaRPr lang="zh-TW" altLang="en-US"/>
           </a:p>
@@ -3152,7 +3153,7 @@
           <a:p>
             <a:fld id="{237FF733-248C-4CF7-A090-89CF012E357B}" type="datetimeFigureOut">
               <a:rPr lang="zh-TW" altLang="en-US" smtClean="0"/>
-              <a:t>2017/12/12</a:t>
+              <a:t>2017/12/20</a:t>
             </a:fld>
             <a:endParaRPr lang="zh-TW" altLang="en-US"/>
           </a:p>
@@ -5730,6 +5731,575 @@
 </file>
 
 <file path=ppt/slides/slide10.xml><?xml version="1.0" encoding="utf-8"?>
+<p:sld xmlns:a="http://schemas.openxmlformats.org/drawingml/2006/main" xmlns:r="http://schemas.openxmlformats.org/officeDocument/2006/relationships" xmlns:p="http://schemas.openxmlformats.org/presentationml/2006/main">
+  <p:cSld>
+    <p:spTree>
+      <p:nvGrpSpPr>
+        <p:cNvPr id="1" name=""/>
+        <p:cNvGrpSpPr/>
+        <p:nvPr/>
+      </p:nvGrpSpPr>
+      <p:grpSpPr>
+        <a:xfrm>
+          <a:off x="0" y="0"/>
+          <a:ext cx="0" cy="0"/>
+          <a:chOff x="0" y="0"/>
+          <a:chExt cx="0" cy="0"/>
+        </a:xfrm>
+      </p:grpSpPr>
+      <p:sp>
+        <p:nvSpPr>
+          <p:cNvPr id="16" name="矩形 15"/>
+          <p:cNvSpPr/>
+          <p:nvPr/>
+        </p:nvSpPr>
+        <p:spPr>
+          <a:xfrm>
+            <a:off x="381000" y="-3795188"/>
+            <a:ext cx="7634668" cy="4294501"/>
+          </a:xfrm>
+          <a:prstGeom prst="rect">
+            <a:avLst/>
+          </a:prstGeom>
+        </p:spPr>
+        <p:style>
+          <a:lnRef idx="2">
+            <a:schemeClr val="dk1">
+              <a:shade val="50000"/>
+            </a:schemeClr>
+          </a:lnRef>
+          <a:fillRef idx="1">
+            <a:schemeClr val="dk1"/>
+          </a:fillRef>
+          <a:effectRef idx="0">
+            <a:schemeClr val="dk1"/>
+          </a:effectRef>
+          <a:fontRef idx="minor">
+            <a:schemeClr val="lt1"/>
+          </a:fontRef>
+        </p:style>
+        <p:txBody>
+          <a:bodyPr rtlCol="0" anchor="ctr"/>
+          <a:lstStyle/>
+          <a:p>
+            <a:pPr algn="ctr"/>
+            <a:endParaRPr lang="zh-TW" altLang="en-US"/>
+          </a:p>
+        </p:txBody>
+      </p:sp>
+      <p:sp>
+        <p:nvSpPr>
+          <p:cNvPr id="13" name="橢圓 12"/>
+          <p:cNvSpPr/>
+          <p:nvPr/>
+        </p:nvSpPr>
+        <p:spPr>
+          <a:xfrm>
+            <a:off x="1761222" y="980643"/>
+            <a:ext cx="3962400" cy="3962400"/>
+          </a:xfrm>
+          <a:prstGeom prst="ellipse">
+            <a:avLst/>
+          </a:prstGeom>
+        </p:spPr>
+        <p:style>
+          <a:lnRef idx="0">
+            <a:schemeClr val="accent5"/>
+          </a:lnRef>
+          <a:fillRef idx="3">
+            <a:schemeClr val="accent5"/>
+          </a:fillRef>
+          <a:effectRef idx="3">
+            <a:schemeClr val="accent5"/>
+          </a:effectRef>
+          <a:fontRef idx="minor">
+            <a:schemeClr val="lt1"/>
+          </a:fontRef>
+        </p:style>
+        <p:txBody>
+          <a:bodyPr rtlCol="0" anchor="t"/>
+          <a:lstStyle/>
+          <a:p>
+            <a:pPr algn="ctr"/>
+            <a:endParaRPr lang="zh-TW" altLang="en-US" dirty="0">
+              <a:solidFill>
+                <a:schemeClr val="bg1"/>
+              </a:solidFill>
+            </a:endParaRPr>
+          </a:p>
+        </p:txBody>
+      </p:sp>
+      <p:sp>
+        <p:nvSpPr>
+          <p:cNvPr id="12" name="橢圓 11"/>
+          <p:cNvSpPr/>
+          <p:nvPr/>
+        </p:nvSpPr>
+        <p:spPr>
+          <a:xfrm>
+            <a:off x="2133600" y="1667778"/>
+            <a:ext cx="3217644" cy="3217644"/>
+          </a:xfrm>
+          <a:prstGeom prst="ellipse">
+            <a:avLst/>
+          </a:prstGeom>
+        </p:spPr>
+        <p:style>
+          <a:lnRef idx="0">
+            <a:schemeClr val="accent2"/>
+          </a:lnRef>
+          <a:fillRef idx="3">
+            <a:schemeClr val="accent2"/>
+          </a:fillRef>
+          <a:effectRef idx="3">
+            <a:schemeClr val="accent2"/>
+          </a:effectRef>
+          <a:fontRef idx="minor">
+            <a:schemeClr val="lt1"/>
+          </a:fontRef>
+        </p:style>
+        <p:txBody>
+          <a:bodyPr rtlCol="0" anchor="t"/>
+          <a:lstStyle/>
+          <a:p>
+            <a:pPr algn="ctr"/>
+            <a:endParaRPr lang="zh-TW" altLang="en-US" dirty="0">
+              <a:solidFill>
+                <a:schemeClr val="bg1"/>
+              </a:solidFill>
+            </a:endParaRPr>
+          </a:p>
+        </p:txBody>
+      </p:sp>
+      <p:sp>
+        <p:nvSpPr>
+          <p:cNvPr id="4" name="橢圓 3"/>
+          <p:cNvSpPr/>
+          <p:nvPr/>
+        </p:nvSpPr>
+        <p:spPr>
+          <a:xfrm>
+            <a:off x="2565400" y="3276600"/>
+            <a:ext cx="2311400" cy="1447800"/>
+          </a:xfrm>
+          <a:prstGeom prst="ellipse">
+            <a:avLst/>
+          </a:prstGeom>
+        </p:spPr>
+        <p:style>
+          <a:lnRef idx="0">
+            <a:schemeClr val="accent3"/>
+          </a:lnRef>
+          <a:fillRef idx="3">
+            <a:schemeClr val="accent3"/>
+          </a:fillRef>
+          <a:effectRef idx="3">
+            <a:schemeClr val="accent3"/>
+          </a:effectRef>
+          <a:fontRef idx="minor">
+            <a:schemeClr val="lt1"/>
+          </a:fontRef>
+        </p:style>
+        <p:txBody>
+          <a:bodyPr rtlCol="0" anchor="t"/>
+          <a:lstStyle/>
+          <a:p>
+            <a:pPr algn="ctr"/>
+            <a:endParaRPr lang="zh-TW" altLang="en-US" dirty="0">
+              <a:solidFill>
+                <a:schemeClr val="bg1"/>
+              </a:solidFill>
+            </a:endParaRPr>
+          </a:p>
+        </p:txBody>
+      </p:sp>
+      <p:sp>
+        <p:nvSpPr>
+          <p:cNvPr id="9" name="橢圓 8"/>
+          <p:cNvSpPr/>
+          <p:nvPr/>
+        </p:nvSpPr>
+        <p:spPr>
+          <a:xfrm>
+            <a:off x="2904559" y="3682654"/>
+            <a:ext cx="1633076" cy="978932"/>
+          </a:xfrm>
+          <a:prstGeom prst="ellipse">
+            <a:avLst/>
+          </a:prstGeom>
+        </p:spPr>
+        <p:style>
+          <a:lnRef idx="0">
+            <a:schemeClr val="accent1"/>
+          </a:lnRef>
+          <a:fillRef idx="3">
+            <a:schemeClr val="accent1"/>
+          </a:fillRef>
+          <a:effectRef idx="3">
+            <a:schemeClr val="accent1"/>
+          </a:effectRef>
+          <a:fontRef idx="minor">
+            <a:schemeClr val="lt1"/>
+          </a:fontRef>
+        </p:style>
+        <p:txBody>
+          <a:bodyPr rtlCol="0" anchor="t"/>
+          <a:lstStyle/>
+          <a:p>
+            <a:pPr algn="ctr"/>
+            <a:endParaRPr lang="zh-TW" altLang="en-US" dirty="0">
+              <a:solidFill>
+                <a:schemeClr val="bg1"/>
+              </a:solidFill>
+            </a:endParaRPr>
+          </a:p>
+        </p:txBody>
+      </p:sp>
+      <p:sp>
+        <p:nvSpPr>
+          <p:cNvPr id="8" name="橢圓 7"/>
+          <p:cNvSpPr/>
+          <p:nvPr/>
+        </p:nvSpPr>
+        <p:spPr>
+          <a:xfrm>
+            <a:off x="3130547" y="4090086"/>
+            <a:ext cx="1181100" cy="457200"/>
+          </a:xfrm>
+          <a:prstGeom prst="ellipse">
+            <a:avLst/>
+          </a:prstGeom>
+        </p:spPr>
+        <p:style>
+          <a:lnRef idx="0">
+            <a:schemeClr val="accent6"/>
+          </a:lnRef>
+          <a:fillRef idx="3">
+            <a:schemeClr val="accent6"/>
+          </a:fillRef>
+          <a:effectRef idx="3">
+            <a:schemeClr val="accent6"/>
+          </a:effectRef>
+          <a:fontRef idx="minor">
+            <a:schemeClr val="lt1"/>
+          </a:fontRef>
+        </p:style>
+        <p:txBody>
+          <a:bodyPr rtlCol="0" anchor="ctr"/>
+          <a:lstStyle/>
+          <a:p>
+            <a:pPr algn="ctr"/>
+            <a:r>
+              <a:rPr lang="en-US" altLang="zh-TW" dirty="0" smtClean="0">
+                <a:solidFill>
+                  <a:schemeClr val="bg1"/>
+                </a:solidFill>
+              </a:rPr>
+              <a:t>Action</a:t>
+            </a:r>
+            <a:endParaRPr lang="zh-TW" altLang="en-US" dirty="0">
+              <a:solidFill>
+                <a:schemeClr val="bg1"/>
+              </a:solidFill>
+            </a:endParaRPr>
+          </a:p>
+        </p:txBody>
+      </p:sp>
+      <p:sp>
+        <p:nvSpPr>
+          <p:cNvPr id="2" name="矩形 1"/>
+          <p:cNvSpPr/>
+          <p:nvPr/>
+        </p:nvSpPr>
+        <p:spPr>
+          <a:xfrm>
+            <a:off x="2904560" y="3364468"/>
+            <a:ext cx="1633075" cy="369332"/>
+          </a:xfrm>
+          <a:prstGeom prst="rect">
+            <a:avLst/>
+          </a:prstGeom>
+        </p:spPr>
+        <p:txBody>
+          <a:bodyPr wrap="none">
+            <a:spAutoFit/>
+          </a:bodyPr>
+          <a:lstStyle/>
+          <a:p>
+            <a:pPr algn="ctr"/>
+            <a:r>
+              <a:rPr lang="en-US" altLang="zh-TW" dirty="0">
+                <a:solidFill>
+                  <a:schemeClr val="bg1"/>
+                </a:solidFill>
+              </a:rPr>
+              <a:t>Exception Filter</a:t>
+            </a:r>
+            <a:endParaRPr lang="zh-TW" altLang="en-US" dirty="0">
+              <a:solidFill>
+                <a:schemeClr val="bg1"/>
+              </a:solidFill>
+            </a:endParaRPr>
+          </a:p>
+        </p:txBody>
+      </p:sp>
+      <p:sp>
+        <p:nvSpPr>
+          <p:cNvPr id="3" name="矩形 2"/>
+          <p:cNvSpPr/>
+          <p:nvPr/>
+        </p:nvSpPr>
+        <p:spPr>
+          <a:xfrm>
+            <a:off x="3059344" y="3758854"/>
+            <a:ext cx="1323503" cy="369332"/>
+          </a:xfrm>
+          <a:prstGeom prst="rect">
+            <a:avLst/>
+          </a:prstGeom>
+        </p:spPr>
+        <p:txBody>
+          <a:bodyPr wrap="none">
+            <a:spAutoFit/>
+          </a:bodyPr>
+          <a:lstStyle/>
+          <a:p>
+            <a:pPr algn="ctr"/>
+            <a:r>
+              <a:rPr lang="en-US" altLang="zh-TW" dirty="0">
+                <a:solidFill>
+                  <a:schemeClr val="bg1"/>
+                </a:solidFill>
+              </a:rPr>
+              <a:t>Action Filter</a:t>
+            </a:r>
+            <a:endParaRPr lang="zh-TW" altLang="en-US" dirty="0">
+              <a:solidFill>
+                <a:schemeClr val="bg1"/>
+              </a:solidFill>
+            </a:endParaRPr>
+          </a:p>
+        </p:txBody>
+      </p:sp>
+      <p:sp>
+        <p:nvSpPr>
+          <p:cNvPr id="6" name="矩形 5"/>
+          <p:cNvSpPr/>
+          <p:nvPr/>
+        </p:nvSpPr>
+        <p:spPr>
+          <a:xfrm>
+            <a:off x="2734977" y="2845846"/>
+            <a:ext cx="1972235" cy="381000"/>
+          </a:xfrm>
+          <a:prstGeom prst="rect">
+            <a:avLst/>
+          </a:prstGeom>
+        </p:spPr>
+        <p:style>
+          <a:lnRef idx="0">
+            <a:schemeClr val="accent4"/>
+          </a:lnRef>
+          <a:fillRef idx="3">
+            <a:schemeClr val="accent4"/>
+          </a:fillRef>
+          <a:effectRef idx="3">
+            <a:schemeClr val="accent4"/>
+          </a:effectRef>
+          <a:fontRef idx="minor">
+            <a:schemeClr val="lt1"/>
+          </a:fontRef>
+        </p:style>
+        <p:txBody>
+          <a:bodyPr rtlCol="0" anchor="ctr"/>
+          <a:lstStyle/>
+          <a:p>
+            <a:pPr algn="ctr"/>
+            <a:r>
+              <a:rPr lang="en-US" altLang="zh-TW" dirty="0" smtClean="0">
+                <a:solidFill>
+                  <a:schemeClr val="bg1"/>
+                </a:solidFill>
+              </a:rPr>
+              <a:t>Result Filter</a:t>
+            </a:r>
+            <a:endParaRPr lang="zh-TW" altLang="en-US" dirty="0">
+              <a:solidFill>
+                <a:schemeClr val="bg1"/>
+              </a:solidFill>
+            </a:endParaRPr>
+          </a:p>
+        </p:txBody>
+      </p:sp>
+      <p:sp>
+        <p:nvSpPr>
+          <p:cNvPr id="11" name="矩形 10"/>
+          <p:cNvSpPr/>
+          <p:nvPr/>
+        </p:nvSpPr>
+        <p:spPr>
+          <a:xfrm>
+            <a:off x="2734977" y="2381832"/>
+            <a:ext cx="1972235" cy="381000"/>
+          </a:xfrm>
+          <a:prstGeom prst="rect">
+            <a:avLst/>
+          </a:prstGeom>
+        </p:spPr>
+        <p:style>
+          <a:lnRef idx="0">
+            <a:schemeClr val="accent4"/>
+          </a:lnRef>
+          <a:fillRef idx="3">
+            <a:schemeClr val="accent4"/>
+          </a:fillRef>
+          <a:effectRef idx="3">
+            <a:schemeClr val="accent4"/>
+          </a:effectRef>
+          <a:fontRef idx="minor">
+            <a:schemeClr val="lt1"/>
+          </a:fontRef>
+        </p:style>
+        <p:txBody>
+          <a:bodyPr rtlCol="0" anchor="ctr"/>
+          <a:lstStyle/>
+          <a:p>
+            <a:pPr algn="ctr"/>
+            <a:r>
+              <a:rPr lang="en-US" altLang="zh-TW" dirty="0">
+                <a:solidFill>
+                  <a:schemeClr val="bg1"/>
+                </a:solidFill>
+              </a:rPr>
+              <a:t>Resource Filter</a:t>
+            </a:r>
+            <a:endParaRPr lang="zh-TW" altLang="en-US" dirty="0">
+              <a:solidFill>
+                <a:schemeClr val="bg1"/>
+              </a:solidFill>
+            </a:endParaRPr>
+          </a:p>
+        </p:txBody>
+      </p:sp>
+      <p:sp>
+        <p:nvSpPr>
+          <p:cNvPr id="14" name="矩形 13"/>
+          <p:cNvSpPr/>
+          <p:nvPr/>
+        </p:nvSpPr>
+        <p:spPr>
+          <a:xfrm>
+            <a:off x="3073713" y="1021447"/>
+            <a:ext cx="1337417" cy="646331"/>
+          </a:xfrm>
+          <a:prstGeom prst="rect">
+            <a:avLst/>
+          </a:prstGeom>
+        </p:spPr>
+        <p:txBody>
+          <a:bodyPr wrap="none">
+            <a:spAutoFit/>
+          </a:bodyPr>
+          <a:lstStyle/>
+          <a:p>
+            <a:pPr algn="ctr"/>
+            <a:r>
+              <a:rPr lang="en-US" altLang="zh-TW" dirty="0" smtClean="0">
+                <a:solidFill>
+                  <a:schemeClr val="bg1"/>
+                </a:solidFill>
+              </a:rPr>
+              <a:t>Exception</a:t>
+            </a:r>
+          </a:p>
+          <a:p>
+            <a:pPr algn="ctr"/>
+            <a:r>
+              <a:rPr lang="en-US" altLang="zh-TW" dirty="0" smtClean="0">
+                <a:solidFill>
+                  <a:schemeClr val="bg1"/>
+                </a:solidFill>
+              </a:rPr>
+              <a:t>Middleware</a:t>
+            </a:r>
+            <a:endParaRPr lang="zh-TW" altLang="en-US" dirty="0">
+              <a:solidFill>
+                <a:schemeClr val="bg1"/>
+              </a:solidFill>
+            </a:endParaRPr>
+          </a:p>
+        </p:txBody>
+      </p:sp>
+      <p:sp>
+        <p:nvSpPr>
+          <p:cNvPr id="15" name="矩形 14"/>
+          <p:cNvSpPr/>
+          <p:nvPr/>
+        </p:nvSpPr>
+        <p:spPr>
+          <a:xfrm>
+            <a:off x="3086793" y="1696940"/>
+            <a:ext cx="1311256" cy="646331"/>
+          </a:xfrm>
+          <a:prstGeom prst="rect">
+            <a:avLst/>
+          </a:prstGeom>
+        </p:spPr>
+        <p:txBody>
+          <a:bodyPr wrap="none">
+            <a:spAutoFit/>
+          </a:bodyPr>
+          <a:lstStyle/>
+          <a:p>
+            <a:pPr algn="ctr"/>
+            <a:r>
+              <a:rPr lang="en-US" altLang="zh-TW" dirty="0" smtClean="0">
+                <a:solidFill>
+                  <a:schemeClr val="bg1"/>
+                </a:solidFill>
+              </a:rPr>
+              <a:t>Other</a:t>
+            </a:r>
+          </a:p>
+          <a:p>
+            <a:pPr algn="ctr"/>
+            <a:r>
+              <a:rPr lang="en-US" altLang="zh-TW" dirty="0" smtClean="0">
+                <a:solidFill>
+                  <a:schemeClr val="bg1"/>
+                </a:solidFill>
+              </a:rPr>
+              <a:t>Middleware</a:t>
+            </a:r>
+            <a:endParaRPr lang="zh-TW" altLang="en-US" dirty="0">
+              <a:solidFill>
+                <a:schemeClr val="bg1"/>
+              </a:solidFill>
+            </a:endParaRPr>
+          </a:p>
+        </p:txBody>
+      </p:sp>
+    </p:spTree>
+    <p:extLst>
+      <p:ext uri="{BB962C8B-B14F-4D97-AF65-F5344CB8AC3E}">
+        <p14:creationId xmlns:p14="http://schemas.microsoft.com/office/powerpoint/2010/main" val="473120441"/>
+      </p:ext>
+    </p:extLst>
+  </p:cSld>
+  <p:clrMapOvr>
+    <a:masterClrMapping/>
+  </p:clrMapOvr>
+  <p:timing>
+    <p:tnLst>
+      <p:par>
+        <p:cTn id="1" dur="indefinite" restart="never" nodeType="tmRoot"/>
+      </p:par>
+    </p:tnLst>
+  </p:timing>
+</p:sld>
+</file>
+
+<file path=ppt/slides/slide11.xml><?xml version="1.0" encoding="utf-8"?>
 <p:sld xmlns:a="http://schemas.openxmlformats.org/drawingml/2006/main" xmlns:r="http://schemas.openxmlformats.org/officeDocument/2006/relationships" xmlns:p="http://schemas.openxmlformats.org/presentationml/2006/main">
   <p:cSld>
     <p:spTree>
@@ -9526,7 +10096,7 @@
 </p:sld>
 </file>
 
-<file path=ppt/slides/slide11.xml><?xml version="1.0" encoding="utf-8"?>
+<file path=ppt/slides/slide12.xml><?xml version="1.0" encoding="utf-8"?>
 <p:sld xmlns:a="http://schemas.openxmlformats.org/drawingml/2006/main" xmlns:r="http://schemas.openxmlformats.org/officeDocument/2006/relationships" xmlns:p="http://schemas.openxmlformats.org/presentationml/2006/main">
   <p:cSld>
     <p:spTree>
@@ -12275,7 +12845,7 @@
 </p:sld>
 </file>
 
-<file path=ppt/slides/slide12.xml><?xml version="1.0" encoding="utf-8"?>
+<file path=ppt/slides/slide13.xml><?xml version="1.0" encoding="utf-8"?>
 <p:sld xmlns:a="http://schemas.openxmlformats.org/drawingml/2006/main" xmlns:r="http://schemas.openxmlformats.org/officeDocument/2006/relationships" xmlns:p="http://schemas.openxmlformats.org/presentationml/2006/main">
   <p:cSld>
     <p:spTree>
@@ -12704,7 +13274,7 @@
 </p:sld>
 </file>
 
-<file path=ppt/slides/slide13.xml><?xml version="1.0" encoding="utf-8"?>
+<file path=ppt/slides/slide14.xml><?xml version="1.0" encoding="utf-8"?>
 <p:sld xmlns:a="http://schemas.openxmlformats.org/drawingml/2006/main" xmlns:r="http://schemas.openxmlformats.org/officeDocument/2006/relationships" xmlns:p="http://schemas.openxmlformats.org/presentationml/2006/main">
   <p:cSld>
     <p:spTree>
@@ -13321,7 +13891,7 @@
 </p:sld>
 </file>
 
-<file path=ppt/slides/slide14.xml><?xml version="1.0" encoding="utf-8"?>
+<file path=ppt/slides/slide15.xml><?xml version="1.0" encoding="utf-8"?>
 <p:sld xmlns:a="http://schemas.openxmlformats.org/drawingml/2006/main" xmlns:r="http://schemas.openxmlformats.org/officeDocument/2006/relationships" xmlns:p="http://schemas.openxmlformats.org/presentationml/2006/main">
   <p:cSld>
     <p:spTree>
@@ -14063,7 +14633,7 @@
 </p:sld>
 </file>
 
-<file path=ppt/slides/slide15.xml><?xml version="1.0" encoding="utf-8"?>
+<file path=ppt/slides/slide16.xml><?xml version="1.0" encoding="utf-8"?>
 <p:sld xmlns:a="http://schemas.openxmlformats.org/drawingml/2006/main" xmlns:r="http://schemas.openxmlformats.org/officeDocument/2006/relationships" xmlns:p="http://schemas.openxmlformats.org/presentationml/2006/main">
   <p:cSld>
     <p:spTree>
@@ -14967,7 +15537,7 @@
 </p:sld>
 </file>
 
-<file path=ppt/slides/slide16.xml><?xml version="1.0" encoding="utf-8"?>
+<file path=ppt/slides/slide17.xml><?xml version="1.0" encoding="utf-8"?>
 <p:sld xmlns:a="http://schemas.openxmlformats.org/drawingml/2006/main" xmlns:r="http://schemas.openxmlformats.org/officeDocument/2006/relationships" xmlns:p="http://schemas.openxmlformats.org/presentationml/2006/main">
   <p:cSld>
     <p:spTree>
@@ -15829,7 +16399,7 @@
 </p:sld>
 </file>
 
-<file path=ppt/slides/slide17.xml><?xml version="1.0" encoding="utf-8"?>
+<file path=ppt/slides/slide18.xml><?xml version="1.0" encoding="utf-8"?>
 <p:sld xmlns:a="http://schemas.openxmlformats.org/drawingml/2006/main" xmlns:r="http://schemas.openxmlformats.org/officeDocument/2006/relationships" xmlns:p="http://schemas.openxmlformats.org/presentationml/2006/main">
   <p:cSld>
     <p:spTree>
@@ -16552,7 +17122,7 @@
 </p:sld>
 </file>
 
-<file path=ppt/slides/slide18.xml><?xml version="1.0" encoding="utf-8"?>
+<file path=ppt/slides/slide19.xml><?xml version="1.0" encoding="utf-8"?>
 <p:sld xmlns:a="http://schemas.openxmlformats.org/drawingml/2006/main" xmlns:r="http://schemas.openxmlformats.org/officeDocument/2006/relationships" xmlns:p="http://schemas.openxmlformats.org/presentationml/2006/main">
   <p:cSld>
     <p:spTree>
@@ -16980,2003 +17550,6 @@
     <p:extLst>
       <p:ext uri="{BB962C8B-B14F-4D97-AF65-F5344CB8AC3E}">
         <p14:creationId xmlns:p14="http://schemas.microsoft.com/office/powerpoint/2010/main" val="3819257950"/>
-      </p:ext>
-    </p:extLst>
-  </p:cSld>
-  <p:clrMapOvr>
-    <a:masterClrMapping/>
-  </p:clrMapOvr>
-  <p:timing>
-    <p:tnLst>
-      <p:par>
-        <p:cTn id="1" dur="indefinite" restart="never" nodeType="tmRoot"/>
-      </p:par>
-    </p:tnLst>
-  </p:timing>
-</p:sld>
-</file>
-
-<file path=ppt/slides/slide19.xml><?xml version="1.0" encoding="utf-8"?>
-<p:sld xmlns:a="http://schemas.openxmlformats.org/drawingml/2006/main" xmlns:r="http://schemas.openxmlformats.org/officeDocument/2006/relationships" xmlns:p="http://schemas.openxmlformats.org/presentationml/2006/main">
-  <p:cSld>
-    <p:spTree>
-      <p:nvGrpSpPr>
-        <p:cNvPr id="1" name=""/>
-        <p:cNvGrpSpPr/>
-        <p:nvPr/>
-      </p:nvGrpSpPr>
-      <p:grpSpPr>
-        <a:xfrm>
-          <a:off x="0" y="0"/>
-          <a:ext cx="0" cy="0"/>
-          <a:chOff x="0" y="0"/>
-          <a:chExt cx="0" cy="0"/>
-        </a:xfrm>
-      </p:grpSpPr>
-      <p:sp>
-        <p:nvSpPr>
-          <p:cNvPr id="3" name="矩形 2"/>
-          <p:cNvSpPr/>
-          <p:nvPr/>
-        </p:nvSpPr>
-        <p:spPr>
-          <a:xfrm>
-            <a:off x="1828800" y="-2054318"/>
-            <a:ext cx="5760000" cy="3240000"/>
-          </a:xfrm>
-          <a:prstGeom prst="rect">
-            <a:avLst/>
-          </a:prstGeom>
-        </p:spPr>
-        <p:style>
-          <a:lnRef idx="2">
-            <a:schemeClr val="dk1">
-              <a:shade val="50000"/>
-            </a:schemeClr>
-          </a:lnRef>
-          <a:fillRef idx="1">
-            <a:schemeClr val="dk1"/>
-          </a:fillRef>
-          <a:effectRef idx="0">
-            <a:schemeClr val="dk1"/>
-          </a:effectRef>
-          <a:fontRef idx="minor">
-            <a:schemeClr val="lt1"/>
-          </a:fontRef>
-        </p:style>
-        <p:txBody>
-          <a:bodyPr rtlCol="0" anchor="ctr"/>
-          <a:lstStyle/>
-          <a:p>
-            <a:pPr algn="ctr"/>
-            <a:endParaRPr lang="zh-TW" altLang="en-US"/>
-          </a:p>
-        </p:txBody>
-      </p:sp>
-      <p:sp>
-        <p:nvSpPr>
-          <p:cNvPr id="58" name="矩形 57"/>
-          <p:cNvSpPr/>
-          <p:nvPr/>
-        </p:nvSpPr>
-        <p:spPr>
-          <a:xfrm>
-            <a:off x="303516" y="2140085"/>
-            <a:ext cx="5400000" cy="576000"/>
-          </a:xfrm>
-          <a:prstGeom prst="rect">
-            <a:avLst/>
-          </a:prstGeom>
-        </p:spPr>
-        <p:style>
-          <a:lnRef idx="1">
-            <a:schemeClr val="accent6"/>
-          </a:lnRef>
-          <a:fillRef idx="3">
-            <a:schemeClr val="accent6"/>
-          </a:fillRef>
-          <a:effectRef idx="2">
-            <a:schemeClr val="accent6"/>
-          </a:effectRef>
-          <a:fontRef idx="minor">
-            <a:schemeClr val="lt1"/>
-          </a:fontRef>
-        </p:style>
-        <p:txBody>
-          <a:bodyPr rtlCol="0" anchor="ctr"/>
-          <a:lstStyle/>
-          <a:p>
-            <a:r>
-              <a:rPr lang="en-US" altLang="zh-TW" sz="1600" b="1" dirty="0"/>
-              <a:t>Presentation </a:t>
-            </a:r>
-            <a:r>
-              <a:rPr lang="en-US" altLang="zh-TW" sz="1600" b="1" dirty="0" smtClean="0"/>
-              <a:t>Layer</a:t>
-            </a:r>
-            <a:endParaRPr lang="en-US" altLang="zh-TW" sz="1600" dirty="0"/>
-          </a:p>
-        </p:txBody>
-      </p:sp>
-      <p:sp>
-        <p:nvSpPr>
-          <p:cNvPr id="54" name="矩形 53"/>
-          <p:cNvSpPr/>
-          <p:nvPr/>
-        </p:nvSpPr>
-        <p:spPr>
-          <a:xfrm>
-            <a:off x="304800" y="1676400"/>
-            <a:ext cx="5400000" cy="360000"/>
-          </a:xfrm>
-          <a:prstGeom prst="rect">
-            <a:avLst/>
-          </a:prstGeom>
-        </p:spPr>
-        <p:style>
-          <a:lnRef idx="1">
-            <a:schemeClr val="accent3"/>
-          </a:lnRef>
-          <a:fillRef idx="3">
-            <a:schemeClr val="accent3"/>
-          </a:fillRef>
-          <a:effectRef idx="2">
-            <a:schemeClr val="accent3"/>
-          </a:effectRef>
-          <a:fontRef idx="minor">
-            <a:schemeClr val="lt1"/>
-          </a:fontRef>
-        </p:style>
-        <p:txBody>
-          <a:bodyPr rtlCol="0" anchor="ctr"/>
-          <a:lstStyle/>
-          <a:p>
-            <a:r>
-              <a:rPr lang="en-US" altLang="zh-TW" sz="1600" b="1" dirty="0" smtClean="0"/>
-              <a:t>Users</a:t>
-            </a:r>
-            <a:endParaRPr lang="en-US" altLang="zh-TW" sz="1600" dirty="0"/>
-          </a:p>
-        </p:txBody>
-      </p:sp>
-      <p:sp>
-        <p:nvSpPr>
-          <p:cNvPr id="19" name="矩形 18"/>
-          <p:cNvSpPr/>
-          <p:nvPr/>
-        </p:nvSpPr>
-        <p:spPr>
-          <a:xfrm>
-            <a:off x="303516" y="3517018"/>
-            <a:ext cx="5400000" cy="576000"/>
-          </a:xfrm>
-          <a:prstGeom prst="rect">
-            <a:avLst/>
-          </a:prstGeom>
-        </p:spPr>
-        <p:style>
-          <a:lnRef idx="1">
-            <a:schemeClr val="accent1"/>
-          </a:lnRef>
-          <a:fillRef idx="3">
-            <a:schemeClr val="accent1"/>
-          </a:fillRef>
-          <a:effectRef idx="2">
-            <a:schemeClr val="accent1"/>
-          </a:effectRef>
-          <a:fontRef idx="minor">
-            <a:schemeClr val="lt1"/>
-          </a:fontRef>
-        </p:style>
-        <p:txBody>
-          <a:bodyPr rtlCol="0" anchor="ctr"/>
-          <a:lstStyle/>
-          <a:p>
-            <a:r>
-              <a:rPr lang="en-US" altLang="zh-TW" sz="1600" b="1" dirty="0" smtClean="0"/>
-              <a:t>Data Layer</a:t>
-            </a:r>
-            <a:endParaRPr lang="en-US" altLang="zh-TW" sz="1600" dirty="0"/>
-          </a:p>
-        </p:txBody>
-      </p:sp>
-      <p:sp>
-        <p:nvSpPr>
-          <p:cNvPr id="33" name="矩形 32"/>
-          <p:cNvSpPr/>
-          <p:nvPr/>
-        </p:nvSpPr>
-        <p:spPr>
-          <a:xfrm>
-            <a:off x="303516" y="2826179"/>
-            <a:ext cx="5400000" cy="576000"/>
-          </a:xfrm>
-          <a:prstGeom prst="rect">
-            <a:avLst/>
-          </a:prstGeom>
-        </p:spPr>
-        <p:style>
-          <a:lnRef idx="0">
-            <a:schemeClr val="accent2"/>
-          </a:lnRef>
-          <a:fillRef idx="3">
-            <a:schemeClr val="accent2"/>
-          </a:fillRef>
-          <a:effectRef idx="3">
-            <a:schemeClr val="accent2"/>
-          </a:effectRef>
-          <a:fontRef idx="minor">
-            <a:schemeClr val="lt1"/>
-          </a:fontRef>
-        </p:style>
-        <p:txBody>
-          <a:bodyPr rtlCol="0" anchor="ctr"/>
-          <a:lstStyle/>
-          <a:p>
-            <a:r>
-              <a:rPr lang="en-US" altLang="zh-TW" sz="1600" b="1" dirty="0"/>
-              <a:t>Business Layer</a:t>
-            </a:r>
-            <a:endParaRPr lang="en-US" altLang="zh-TW" sz="1600" dirty="0"/>
-          </a:p>
-        </p:txBody>
-      </p:sp>
-      <p:sp>
-        <p:nvSpPr>
-          <p:cNvPr id="4" name="圓角矩形 3"/>
-          <p:cNvSpPr/>
-          <p:nvPr/>
-        </p:nvSpPr>
-        <p:spPr>
-          <a:xfrm>
-            <a:off x="2563852" y="2251289"/>
-            <a:ext cx="1332000" cy="360000"/>
-          </a:xfrm>
-          <a:prstGeom prst="roundRect">
-            <a:avLst/>
-          </a:prstGeom>
-        </p:spPr>
-        <p:style>
-          <a:lnRef idx="0">
-            <a:schemeClr val="accent4"/>
-          </a:lnRef>
-          <a:fillRef idx="3">
-            <a:schemeClr val="accent4"/>
-          </a:fillRef>
-          <a:effectRef idx="3">
-            <a:schemeClr val="accent4"/>
-          </a:effectRef>
-          <a:fontRef idx="minor">
-            <a:schemeClr val="lt1"/>
-          </a:fontRef>
-        </p:style>
-        <p:txBody>
-          <a:bodyPr rtlCol="0" anchor="ctr"/>
-          <a:lstStyle/>
-          <a:p>
-            <a:pPr algn="ctr"/>
-            <a:r>
-              <a:rPr lang="en-US" altLang="zh-TW" sz="1600" dirty="0" smtClean="0">
-                <a:solidFill>
-                  <a:schemeClr val="tx1"/>
-                </a:solidFill>
-              </a:rPr>
-              <a:t>Component</a:t>
-            </a:r>
-            <a:endParaRPr lang="zh-TW" altLang="en-US" sz="1600" dirty="0">
-              <a:solidFill>
-                <a:schemeClr val="tx1"/>
-              </a:solidFill>
-            </a:endParaRPr>
-          </a:p>
-        </p:txBody>
-      </p:sp>
-      <p:sp>
-        <p:nvSpPr>
-          <p:cNvPr id="29" name="圓角矩形 28"/>
-          <p:cNvSpPr/>
-          <p:nvPr/>
-        </p:nvSpPr>
-        <p:spPr>
-          <a:xfrm>
-            <a:off x="4158093" y="2251289"/>
-            <a:ext cx="1332000" cy="360000"/>
-          </a:xfrm>
-          <a:prstGeom prst="roundRect">
-            <a:avLst/>
-          </a:prstGeom>
-        </p:spPr>
-        <p:style>
-          <a:lnRef idx="0">
-            <a:schemeClr val="accent4"/>
-          </a:lnRef>
-          <a:fillRef idx="3">
-            <a:schemeClr val="accent4"/>
-          </a:fillRef>
-          <a:effectRef idx="3">
-            <a:schemeClr val="accent4"/>
-          </a:effectRef>
-          <a:fontRef idx="minor">
-            <a:schemeClr val="lt1"/>
-          </a:fontRef>
-        </p:style>
-        <p:txBody>
-          <a:bodyPr rtlCol="0" anchor="ctr"/>
-          <a:lstStyle/>
-          <a:p>
-            <a:pPr algn="ctr"/>
-            <a:r>
-              <a:rPr lang="en-US" altLang="zh-TW" sz="1600" dirty="0">
-                <a:solidFill>
-                  <a:schemeClr val="tx1"/>
-                </a:solidFill>
-              </a:rPr>
-              <a:t>Component</a:t>
-            </a:r>
-            <a:endParaRPr lang="zh-TW" altLang="en-US" sz="1600" dirty="0">
-              <a:solidFill>
-                <a:schemeClr val="tx1"/>
-              </a:solidFill>
-            </a:endParaRPr>
-          </a:p>
-        </p:txBody>
-      </p:sp>
-      <p:sp>
-        <p:nvSpPr>
-          <p:cNvPr id="30" name="圓角矩形 29"/>
-          <p:cNvSpPr/>
-          <p:nvPr/>
-        </p:nvSpPr>
-        <p:spPr>
-          <a:xfrm>
-            <a:off x="2563852" y="2934179"/>
-            <a:ext cx="1332000" cy="360000"/>
-          </a:xfrm>
-          <a:prstGeom prst="roundRect">
-            <a:avLst/>
-          </a:prstGeom>
-        </p:spPr>
-        <p:style>
-          <a:lnRef idx="0">
-            <a:schemeClr val="accent4"/>
-          </a:lnRef>
-          <a:fillRef idx="3">
-            <a:schemeClr val="accent4"/>
-          </a:fillRef>
-          <a:effectRef idx="3">
-            <a:schemeClr val="accent4"/>
-          </a:effectRef>
-          <a:fontRef idx="minor">
-            <a:schemeClr val="lt1"/>
-          </a:fontRef>
-        </p:style>
-        <p:txBody>
-          <a:bodyPr rtlCol="0" anchor="ctr"/>
-          <a:lstStyle/>
-          <a:p>
-            <a:pPr algn="ctr"/>
-            <a:r>
-              <a:rPr lang="en-US" altLang="zh-TW" sz="1600" dirty="0">
-                <a:solidFill>
-                  <a:schemeClr val="tx1"/>
-                </a:solidFill>
-              </a:rPr>
-              <a:t>Component</a:t>
-            </a:r>
-            <a:endParaRPr lang="zh-TW" altLang="en-US" sz="1600" dirty="0">
-              <a:solidFill>
-                <a:schemeClr val="tx1"/>
-              </a:solidFill>
-            </a:endParaRPr>
-          </a:p>
-        </p:txBody>
-      </p:sp>
-      <p:sp>
-        <p:nvSpPr>
-          <p:cNvPr id="31" name="圓角矩形 30"/>
-          <p:cNvSpPr/>
-          <p:nvPr/>
-        </p:nvSpPr>
-        <p:spPr>
-          <a:xfrm>
-            <a:off x="4158093" y="2934179"/>
-            <a:ext cx="1332000" cy="360000"/>
-          </a:xfrm>
-          <a:prstGeom prst="roundRect">
-            <a:avLst/>
-          </a:prstGeom>
-        </p:spPr>
-        <p:style>
-          <a:lnRef idx="0">
-            <a:schemeClr val="accent4"/>
-          </a:lnRef>
-          <a:fillRef idx="3">
-            <a:schemeClr val="accent4"/>
-          </a:fillRef>
-          <a:effectRef idx="3">
-            <a:schemeClr val="accent4"/>
-          </a:effectRef>
-          <a:fontRef idx="minor">
-            <a:schemeClr val="lt1"/>
-          </a:fontRef>
-        </p:style>
-        <p:txBody>
-          <a:bodyPr rtlCol="0" anchor="ctr"/>
-          <a:lstStyle/>
-          <a:p>
-            <a:pPr algn="ctr"/>
-            <a:r>
-              <a:rPr lang="en-US" altLang="zh-TW" sz="1600" dirty="0">
-                <a:solidFill>
-                  <a:schemeClr val="tx1"/>
-                </a:solidFill>
-              </a:rPr>
-              <a:t>Component</a:t>
-            </a:r>
-            <a:endParaRPr lang="zh-TW" altLang="en-US" sz="1600" dirty="0">
-              <a:solidFill>
-                <a:schemeClr val="tx1"/>
-              </a:solidFill>
-            </a:endParaRPr>
-          </a:p>
-        </p:txBody>
-      </p:sp>
-      <p:sp>
-        <p:nvSpPr>
-          <p:cNvPr id="37" name="圓角矩形 36"/>
-          <p:cNvSpPr/>
-          <p:nvPr/>
-        </p:nvSpPr>
-        <p:spPr>
-          <a:xfrm>
-            <a:off x="2563852" y="3625018"/>
-            <a:ext cx="1332000" cy="360000"/>
-          </a:xfrm>
-          <a:prstGeom prst="roundRect">
-            <a:avLst/>
-          </a:prstGeom>
-        </p:spPr>
-        <p:style>
-          <a:lnRef idx="0">
-            <a:schemeClr val="accent4"/>
-          </a:lnRef>
-          <a:fillRef idx="3">
-            <a:schemeClr val="accent4"/>
-          </a:fillRef>
-          <a:effectRef idx="3">
-            <a:schemeClr val="accent4"/>
-          </a:effectRef>
-          <a:fontRef idx="minor">
-            <a:schemeClr val="lt1"/>
-          </a:fontRef>
-        </p:style>
-        <p:txBody>
-          <a:bodyPr rtlCol="0" anchor="ctr"/>
-          <a:lstStyle/>
-          <a:p>
-            <a:pPr algn="ctr"/>
-            <a:r>
-              <a:rPr lang="en-US" altLang="zh-TW" sz="1600" dirty="0">
-                <a:solidFill>
-                  <a:schemeClr val="tx1"/>
-                </a:solidFill>
-              </a:rPr>
-              <a:t>Component</a:t>
-            </a:r>
-            <a:endParaRPr lang="zh-TW" altLang="en-US" sz="1600" dirty="0">
-              <a:solidFill>
-                <a:schemeClr val="tx1"/>
-              </a:solidFill>
-            </a:endParaRPr>
-          </a:p>
-        </p:txBody>
-      </p:sp>
-      <p:sp>
-        <p:nvSpPr>
-          <p:cNvPr id="38" name="圓角矩形 37"/>
-          <p:cNvSpPr/>
-          <p:nvPr/>
-        </p:nvSpPr>
-        <p:spPr>
-          <a:xfrm>
-            <a:off x="4158093" y="3625018"/>
-            <a:ext cx="1332000" cy="360000"/>
-          </a:xfrm>
-          <a:prstGeom prst="roundRect">
-            <a:avLst/>
-          </a:prstGeom>
-        </p:spPr>
-        <p:style>
-          <a:lnRef idx="0">
-            <a:schemeClr val="accent4"/>
-          </a:lnRef>
-          <a:fillRef idx="3">
-            <a:schemeClr val="accent4"/>
-          </a:fillRef>
-          <a:effectRef idx="3">
-            <a:schemeClr val="accent4"/>
-          </a:effectRef>
-          <a:fontRef idx="minor">
-            <a:schemeClr val="lt1"/>
-          </a:fontRef>
-        </p:style>
-        <p:txBody>
-          <a:bodyPr rtlCol="0" anchor="ctr"/>
-          <a:lstStyle/>
-          <a:p>
-            <a:pPr algn="ctr"/>
-            <a:r>
-              <a:rPr lang="en-US" altLang="zh-TW" sz="1600" dirty="0">
-                <a:solidFill>
-                  <a:schemeClr val="tx1"/>
-                </a:solidFill>
-              </a:rPr>
-              <a:t>Component</a:t>
-            </a:r>
-            <a:endParaRPr lang="zh-TW" altLang="en-US" sz="1600" dirty="0">
-              <a:solidFill>
-                <a:schemeClr val="tx1"/>
-              </a:solidFill>
-            </a:endParaRPr>
-          </a:p>
-        </p:txBody>
-      </p:sp>
-      <p:sp>
-        <p:nvSpPr>
-          <p:cNvPr id="44" name="矩形 43"/>
-          <p:cNvSpPr/>
-          <p:nvPr/>
-        </p:nvSpPr>
-        <p:spPr>
-          <a:xfrm>
-            <a:off x="303516" y="4206395"/>
-            <a:ext cx="2592000" cy="360000"/>
-          </a:xfrm>
-          <a:prstGeom prst="rect">
-            <a:avLst/>
-          </a:prstGeom>
-        </p:spPr>
-        <p:style>
-          <a:lnRef idx="1">
-            <a:schemeClr val="accent3"/>
-          </a:lnRef>
-          <a:fillRef idx="3">
-            <a:schemeClr val="accent3"/>
-          </a:fillRef>
-          <a:effectRef idx="2">
-            <a:schemeClr val="accent3"/>
-          </a:effectRef>
-          <a:fontRef idx="minor">
-            <a:schemeClr val="lt1"/>
-          </a:fontRef>
-        </p:style>
-        <p:txBody>
-          <a:bodyPr rtlCol="0" anchor="ctr"/>
-          <a:lstStyle/>
-          <a:p>
-            <a:pPr algn="ctr"/>
-            <a:r>
-              <a:rPr lang="en-US" altLang="zh-TW" sz="1600" b="1" dirty="0" smtClean="0"/>
-              <a:t>Database</a:t>
-            </a:r>
-            <a:endParaRPr lang="en-US" altLang="zh-TW" sz="1600" dirty="0"/>
-          </a:p>
-        </p:txBody>
-      </p:sp>
-      <p:sp>
-        <p:nvSpPr>
-          <p:cNvPr id="50" name="矩形 49"/>
-          <p:cNvSpPr/>
-          <p:nvPr/>
-        </p:nvSpPr>
-        <p:spPr>
-          <a:xfrm>
-            <a:off x="3111516" y="4206395"/>
-            <a:ext cx="2592000" cy="360000"/>
-          </a:xfrm>
-          <a:prstGeom prst="rect">
-            <a:avLst/>
-          </a:prstGeom>
-        </p:spPr>
-        <p:style>
-          <a:lnRef idx="1">
-            <a:schemeClr val="accent3"/>
-          </a:lnRef>
-          <a:fillRef idx="3">
-            <a:schemeClr val="accent3"/>
-          </a:fillRef>
-          <a:effectRef idx="2">
-            <a:schemeClr val="accent3"/>
-          </a:effectRef>
-          <a:fontRef idx="minor">
-            <a:schemeClr val="lt1"/>
-          </a:fontRef>
-        </p:style>
-        <p:txBody>
-          <a:bodyPr rtlCol="0" anchor="ctr"/>
-          <a:lstStyle/>
-          <a:p>
-            <a:pPr algn="ctr"/>
-            <a:r>
-              <a:rPr lang="en-US" altLang="zh-TW" sz="1600" b="1" dirty="0"/>
-              <a:t>External </a:t>
-            </a:r>
-            <a:r>
-              <a:rPr lang="en-US" altLang="zh-TW" sz="1600" b="1" dirty="0" smtClean="0"/>
-              <a:t>Services</a:t>
-            </a:r>
-            <a:endParaRPr lang="en-US" altLang="zh-TW" sz="1600" dirty="0"/>
-          </a:p>
-        </p:txBody>
-      </p:sp>
-      <p:sp>
-        <p:nvSpPr>
-          <p:cNvPr id="25" name="Send Log F2L"/>
-          <p:cNvSpPr/>
-          <p:nvPr/>
-        </p:nvSpPr>
-        <p:spPr>
-          <a:xfrm rot="5400000">
-            <a:off x="2121611" y="2671050"/>
-            <a:ext cx="360000" cy="288000"/>
-          </a:xfrm>
-          <a:prstGeom prst="rightArrow">
-            <a:avLst/>
-          </a:prstGeom>
-          <a:solidFill>
-            <a:srgbClr val="FF0000"/>
-          </a:solidFill>
-          <a:ln>
-            <a:solidFill>
-              <a:schemeClr val="tx1"/>
-            </a:solidFill>
-          </a:ln>
-        </p:spPr>
-        <p:style>
-          <a:lnRef idx="3">
-            <a:schemeClr val="lt1"/>
-          </a:lnRef>
-          <a:fillRef idx="1">
-            <a:schemeClr val="accent4"/>
-          </a:fillRef>
-          <a:effectRef idx="1">
-            <a:schemeClr val="accent4"/>
-          </a:effectRef>
-          <a:fontRef idx="minor">
-            <a:schemeClr val="lt1"/>
-          </a:fontRef>
-        </p:style>
-        <p:txBody>
-          <a:bodyPr rtlCol="0" anchor="ctr"/>
-          <a:lstStyle/>
-          <a:p>
-            <a:pPr algn="ctr"/>
-            <a:endParaRPr lang="zh-TW" altLang="en-US" sz="1200" b="1" dirty="0"/>
-          </a:p>
-        </p:txBody>
-      </p:sp>
-      <p:sp>
-        <p:nvSpPr>
-          <p:cNvPr id="26" name="Send Log F2L"/>
-          <p:cNvSpPr/>
-          <p:nvPr/>
-        </p:nvSpPr>
-        <p:spPr>
-          <a:xfrm rot="5400000">
-            <a:off x="2121611" y="3348011"/>
-            <a:ext cx="360000" cy="288000"/>
-          </a:xfrm>
-          <a:prstGeom prst="rightArrow">
-            <a:avLst/>
-          </a:prstGeom>
-          <a:solidFill>
-            <a:srgbClr val="FF0000"/>
-          </a:solidFill>
-          <a:ln>
-            <a:solidFill>
-              <a:schemeClr val="tx1"/>
-            </a:solidFill>
-          </a:ln>
-        </p:spPr>
-        <p:style>
-          <a:lnRef idx="3">
-            <a:schemeClr val="lt1"/>
-          </a:lnRef>
-          <a:fillRef idx="1">
-            <a:schemeClr val="accent4"/>
-          </a:fillRef>
-          <a:effectRef idx="1">
-            <a:schemeClr val="accent4"/>
-          </a:effectRef>
-          <a:fontRef idx="minor">
-            <a:schemeClr val="lt1"/>
-          </a:fontRef>
-        </p:style>
-        <p:txBody>
-          <a:bodyPr rtlCol="0" anchor="ctr"/>
-          <a:lstStyle/>
-          <a:p>
-            <a:pPr algn="ctr"/>
-            <a:endParaRPr lang="zh-TW" altLang="en-US" sz="1200" b="1" dirty="0"/>
-          </a:p>
-        </p:txBody>
-      </p:sp>
-      <p:sp>
-        <p:nvSpPr>
-          <p:cNvPr id="27" name="Send Log F2L"/>
-          <p:cNvSpPr/>
-          <p:nvPr/>
-        </p:nvSpPr>
-        <p:spPr>
-          <a:xfrm rot="5400000">
-            <a:off x="2121611" y="1994089"/>
-            <a:ext cx="360000" cy="288000"/>
-          </a:xfrm>
-          <a:prstGeom prst="rightArrow">
-            <a:avLst/>
-          </a:prstGeom>
-          <a:solidFill>
-            <a:srgbClr val="FF0000"/>
-          </a:solidFill>
-          <a:ln>
-            <a:solidFill>
-              <a:schemeClr val="tx1"/>
-            </a:solidFill>
-          </a:ln>
-        </p:spPr>
-        <p:style>
-          <a:lnRef idx="3">
-            <a:schemeClr val="lt1"/>
-          </a:lnRef>
-          <a:fillRef idx="1">
-            <a:schemeClr val="accent4"/>
-          </a:fillRef>
-          <a:effectRef idx="1">
-            <a:schemeClr val="accent4"/>
-          </a:effectRef>
-          <a:fontRef idx="minor">
-            <a:schemeClr val="lt1"/>
-          </a:fontRef>
-        </p:style>
-        <p:txBody>
-          <a:bodyPr rtlCol="0" anchor="ctr"/>
-          <a:lstStyle/>
-          <a:p>
-            <a:pPr algn="ctr"/>
-            <a:endParaRPr lang="zh-TW" altLang="en-US" sz="1200" b="1" dirty="0"/>
-          </a:p>
-        </p:txBody>
-      </p:sp>
-      <p:sp>
-        <p:nvSpPr>
-          <p:cNvPr id="2" name="文字方塊 1"/>
-          <p:cNvSpPr txBox="1"/>
-          <p:nvPr/>
-        </p:nvSpPr>
-        <p:spPr>
-          <a:xfrm>
-            <a:off x="1907817" y="1665048"/>
-            <a:ext cx="787588" cy="307777"/>
-          </a:xfrm>
-          <a:prstGeom prst="rect">
-            <a:avLst/>
-          </a:prstGeom>
-          <a:noFill/>
-        </p:spPr>
-        <p:txBody>
-          <a:bodyPr wrap="none" rtlCol="0">
-            <a:spAutoFit/>
-          </a:bodyPr>
-          <a:lstStyle/>
-          <a:p>
-            <a:r>
-              <a:rPr lang="en-US" altLang="zh-TW" sz="1400" b="1" dirty="0" smtClean="0">
-                <a:solidFill>
-                  <a:srgbClr val="C00000"/>
-                </a:solidFill>
-              </a:rPr>
-              <a:t>Request</a:t>
-            </a:r>
-            <a:endParaRPr lang="zh-TW" altLang="en-US" sz="1400" b="1" dirty="0">
-              <a:solidFill>
-                <a:srgbClr val="C00000"/>
-              </a:solidFill>
-            </a:endParaRPr>
-          </a:p>
-        </p:txBody>
-      </p:sp>
-      <p:sp>
-        <p:nvSpPr>
-          <p:cNvPr id="36" name="Send Log F2L"/>
-          <p:cNvSpPr/>
-          <p:nvPr/>
-        </p:nvSpPr>
-        <p:spPr>
-          <a:xfrm rot="5400000">
-            <a:off x="2121611" y="4024971"/>
-            <a:ext cx="360000" cy="288000"/>
-          </a:xfrm>
-          <a:prstGeom prst="rightArrow">
-            <a:avLst/>
-          </a:prstGeom>
-          <a:solidFill>
-            <a:srgbClr val="FF0000"/>
-          </a:solidFill>
-          <a:ln>
-            <a:solidFill>
-              <a:schemeClr val="tx1"/>
-            </a:solidFill>
-          </a:ln>
-        </p:spPr>
-        <p:style>
-          <a:lnRef idx="3">
-            <a:schemeClr val="lt1"/>
-          </a:lnRef>
-          <a:fillRef idx="1">
-            <a:schemeClr val="accent4"/>
-          </a:fillRef>
-          <a:effectRef idx="1">
-            <a:schemeClr val="accent4"/>
-          </a:effectRef>
-          <a:fontRef idx="minor">
-            <a:schemeClr val="lt1"/>
-          </a:fontRef>
-        </p:style>
-        <p:txBody>
-          <a:bodyPr rtlCol="0" anchor="ctr"/>
-          <a:lstStyle/>
-          <a:p>
-            <a:pPr algn="ctr"/>
-            <a:endParaRPr lang="zh-TW" altLang="en-US" sz="1200" b="1" dirty="0"/>
-          </a:p>
-        </p:txBody>
-      </p:sp>
-      <p:sp>
-        <p:nvSpPr>
-          <p:cNvPr id="39" name="Send Log F2L"/>
-          <p:cNvSpPr/>
-          <p:nvPr/>
-        </p:nvSpPr>
-        <p:spPr>
-          <a:xfrm rot="5400000">
-            <a:off x="3850543" y="4026395"/>
-            <a:ext cx="360000" cy="288000"/>
-          </a:xfrm>
-          <a:prstGeom prst="rightArrow">
-            <a:avLst/>
-          </a:prstGeom>
-          <a:solidFill>
-            <a:srgbClr val="FF0000"/>
-          </a:solidFill>
-          <a:ln>
-            <a:solidFill>
-              <a:schemeClr val="tx1"/>
-            </a:solidFill>
-          </a:ln>
-        </p:spPr>
-        <p:style>
-          <a:lnRef idx="3">
-            <a:schemeClr val="lt1"/>
-          </a:lnRef>
-          <a:fillRef idx="1">
-            <a:schemeClr val="accent4"/>
-          </a:fillRef>
-          <a:effectRef idx="1">
-            <a:schemeClr val="accent4"/>
-          </a:effectRef>
-          <a:fontRef idx="minor">
-            <a:schemeClr val="lt1"/>
-          </a:fontRef>
-        </p:style>
-        <p:txBody>
-          <a:bodyPr rtlCol="0" anchor="ctr"/>
-          <a:lstStyle/>
-          <a:p>
-            <a:pPr algn="ctr"/>
-            <a:endParaRPr lang="zh-TW" altLang="en-US" sz="1200" b="1" dirty="0"/>
-          </a:p>
-        </p:txBody>
-      </p:sp>
-      <p:sp>
-        <p:nvSpPr>
-          <p:cNvPr id="47" name="矩形 46"/>
-          <p:cNvSpPr/>
-          <p:nvPr/>
-        </p:nvSpPr>
-        <p:spPr>
-          <a:xfrm>
-            <a:off x="5964473" y="2821790"/>
-            <a:ext cx="5400000" cy="576000"/>
-          </a:xfrm>
-          <a:prstGeom prst="rect">
-            <a:avLst/>
-          </a:prstGeom>
-          <a:ln w="19050">
-            <a:solidFill>
-              <a:srgbClr val="FF0000"/>
-            </a:solidFill>
-            <a:prstDash val="dash"/>
-          </a:ln>
-        </p:spPr>
-        <p:style>
-          <a:lnRef idx="1">
-            <a:schemeClr val="accent5"/>
-          </a:lnRef>
-          <a:fillRef idx="3">
-            <a:schemeClr val="accent5"/>
-          </a:fillRef>
-          <a:effectRef idx="2">
-            <a:schemeClr val="accent5"/>
-          </a:effectRef>
-          <a:fontRef idx="minor">
-            <a:schemeClr val="lt1"/>
-          </a:fontRef>
-        </p:style>
-        <p:txBody>
-          <a:bodyPr rtlCol="0" anchor="ctr"/>
-          <a:lstStyle/>
-          <a:p>
-            <a:r>
-              <a:rPr lang="en-US" altLang="zh-TW" sz="1600" b="1" dirty="0" smtClean="0"/>
-              <a:t>Service Layer</a:t>
-            </a:r>
-            <a:endParaRPr lang="en-US" altLang="zh-TW" sz="1600" dirty="0"/>
-          </a:p>
-        </p:txBody>
-      </p:sp>
-      <p:sp>
-        <p:nvSpPr>
-          <p:cNvPr id="48" name="矩形 47"/>
-          <p:cNvSpPr/>
-          <p:nvPr/>
-        </p:nvSpPr>
-        <p:spPr>
-          <a:xfrm>
-            <a:off x="5964473" y="2128733"/>
-            <a:ext cx="3657600" cy="576000"/>
-          </a:xfrm>
-          <a:prstGeom prst="rect">
-            <a:avLst/>
-          </a:prstGeom>
-        </p:spPr>
-        <p:style>
-          <a:lnRef idx="1">
-            <a:schemeClr val="accent6"/>
-          </a:lnRef>
-          <a:fillRef idx="3">
-            <a:schemeClr val="accent6"/>
-          </a:fillRef>
-          <a:effectRef idx="2">
-            <a:schemeClr val="accent6"/>
-          </a:effectRef>
-          <a:fontRef idx="minor">
-            <a:schemeClr val="lt1"/>
-          </a:fontRef>
-        </p:style>
-        <p:txBody>
-          <a:bodyPr rtlCol="0" anchor="ctr"/>
-          <a:lstStyle/>
-          <a:p>
-            <a:r>
-              <a:rPr lang="en-US" altLang="zh-TW" sz="1600" b="1" dirty="0"/>
-              <a:t>Presentation </a:t>
-            </a:r>
-            <a:r>
-              <a:rPr lang="en-US" altLang="zh-TW" sz="1600" b="1" dirty="0" smtClean="0"/>
-              <a:t>Layer</a:t>
-            </a:r>
-            <a:endParaRPr lang="en-US" altLang="zh-TW" sz="1600" dirty="0"/>
-          </a:p>
-        </p:txBody>
-      </p:sp>
-      <p:sp>
-        <p:nvSpPr>
-          <p:cNvPr id="49" name="矩形 48"/>
-          <p:cNvSpPr/>
-          <p:nvPr/>
-        </p:nvSpPr>
-        <p:spPr>
-          <a:xfrm>
-            <a:off x="5965757" y="1665048"/>
-            <a:ext cx="2590716" cy="360000"/>
-          </a:xfrm>
-          <a:prstGeom prst="rect">
-            <a:avLst/>
-          </a:prstGeom>
-        </p:spPr>
-        <p:style>
-          <a:lnRef idx="1">
-            <a:schemeClr val="accent3"/>
-          </a:lnRef>
-          <a:fillRef idx="3">
-            <a:schemeClr val="accent3"/>
-          </a:fillRef>
-          <a:effectRef idx="2">
-            <a:schemeClr val="accent3"/>
-          </a:effectRef>
-          <a:fontRef idx="minor">
-            <a:schemeClr val="lt1"/>
-          </a:fontRef>
-        </p:style>
-        <p:txBody>
-          <a:bodyPr rtlCol="0" anchor="ctr"/>
-          <a:lstStyle/>
-          <a:p>
-            <a:r>
-              <a:rPr lang="en-US" altLang="zh-TW" sz="1600" b="1" dirty="0" smtClean="0"/>
-              <a:t>Users</a:t>
-            </a:r>
-            <a:endParaRPr lang="en-US" altLang="zh-TW" sz="1600" dirty="0"/>
-          </a:p>
-        </p:txBody>
-      </p:sp>
-      <p:sp>
-        <p:nvSpPr>
-          <p:cNvPr id="51" name="矩形 50"/>
-          <p:cNvSpPr/>
-          <p:nvPr/>
-        </p:nvSpPr>
-        <p:spPr>
-          <a:xfrm>
-            <a:off x="5964473" y="4188996"/>
-            <a:ext cx="5400000" cy="576000"/>
-          </a:xfrm>
-          <a:prstGeom prst="rect">
-            <a:avLst/>
-          </a:prstGeom>
-        </p:spPr>
-        <p:style>
-          <a:lnRef idx="1">
-            <a:schemeClr val="accent1"/>
-          </a:lnRef>
-          <a:fillRef idx="3">
-            <a:schemeClr val="accent1"/>
-          </a:fillRef>
-          <a:effectRef idx="2">
-            <a:schemeClr val="accent1"/>
-          </a:effectRef>
-          <a:fontRef idx="minor">
-            <a:schemeClr val="lt1"/>
-          </a:fontRef>
-        </p:style>
-        <p:txBody>
-          <a:bodyPr rtlCol="0" anchor="ctr"/>
-          <a:lstStyle/>
-          <a:p>
-            <a:r>
-              <a:rPr lang="en-US" altLang="zh-TW" sz="1600" b="1" dirty="0" smtClean="0"/>
-              <a:t>Data Layer</a:t>
-            </a:r>
-            <a:endParaRPr lang="en-US" altLang="zh-TW" sz="1600" dirty="0"/>
-          </a:p>
-        </p:txBody>
-      </p:sp>
-      <p:sp>
-        <p:nvSpPr>
-          <p:cNvPr id="55" name="矩形 54"/>
-          <p:cNvSpPr/>
-          <p:nvPr/>
-        </p:nvSpPr>
-        <p:spPr>
-          <a:xfrm>
-            <a:off x="5964473" y="3498157"/>
-            <a:ext cx="5400000" cy="576000"/>
-          </a:xfrm>
-          <a:prstGeom prst="rect">
-            <a:avLst/>
-          </a:prstGeom>
-        </p:spPr>
-        <p:style>
-          <a:lnRef idx="0">
-            <a:schemeClr val="accent2"/>
-          </a:lnRef>
-          <a:fillRef idx="3">
-            <a:schemeClr val="accent2"/>
-          </a:fillRef>
-          <a:effectRef idx="3">
-            <a:schemeClr val="accent2"/>
-          </a:effectRef>
-          <a:fontRef idx="minor">
-            <a:schemeClr val="lt1"/>
-          </a:fontRef>
-        </p:style>
-        <p:txBody>
-          <a:bodyPr rtlCol="0" anchor="ctr"/>
-          <a:lstStyle/>
-          <a:p>
-            <a:r>
-              <a:rPr lang="en-US" altLang="zh-TW" sz="1600" b="1" dirty="0"/>
-              <a:t>Business Layer</a:t>
-            </a:r>
-            <a:endParaRPr lang="en-US" altLang="zh-TW" sz="1600" dirty="0"/>
-          </a:p>
-        </p:txBody>
-      </p:sp>
-      <p:sp>
-        <p:nvSpPr>
-          <p:cNvPr id="56" name="圓角矩形 55"/>
-          <p:cNvSpPr/>
-          <p:nvPr/>
-        </p:nvSpPr>
-        <p:spPr>
-          <a:xfrm>
-            <a:off x="8224809" y="2239937"/>
-            <a:ext cx="1332000" cy="360000"/>
-          </a:xfrm>
-          <a:prstGeom prst="roundRect">
-            <a:avLst/>
-          </a:prstGeom>
-        </p:spPr>
-        <p:style>
-          <a:lnRef idx="0">
-            <a:schemeClr val="accent4"/>
-          </a:lnRef>
-          <a:fillRef idx="3">
-            <a:schemeClr val="accent4"/>
-          </a:fillRef>
-          <a:effectRef idx="3">
-            <a:schemeClr val="accent4"/>
-          </a:effectRef>
-          <a:fontRef idx="minor">
-            <a:schemeClr val="lt1"/>
-          </a:fontRef>
-        </p:style>
-        <p:txBody>
-          <a:bodyPr rtlCol="0" anchor="ctr"/>
-          <a:lstStyle/>
-          <a:p>
-            <a:pPr algn="ctr"/>
-            <a:r>
-              <a:rPr lang="en-US" altLang="zh-TW" sz="1600" dirty="0" smtClean="0">
-                <a:solidFill>
-                  <a:schemeClr val="tx1"/>
-                </a:solidFill>
-              </a:rPr>
-              <a:t>Components</a:t>
-            </a:r>
-            <a:endParaRPr lang="zh-TW" altLang="en-US" sz="1600" dirty="0">
-              <a:solidFill>
-                <a:schemeClr val="tx1"/>
-              </a:solidFill>
-            </a:endParaRPr>
-          </a:p>
-        </p:txBody>
-      </p:sp>
-      <p:sp>
-        <p:nvSpPr>
-          <p:cNvPr id="62" name="圓角矩形 61"/>
-          <p:cNvSpPr/>
-          <p:nvPr/>
-        </p:nvSpPr>
-        <p:spPr>
-          <a:xfrm>
-            <a:off x="8224809" y="3606157"/>
-            <a:ext cx="1332000" cy="360000"/>
-          </a:xfrm>
-          <a:prstGeom prst="roundRect">
-            <a:avLst/>
-          </a:prstGeom>
-        </p:spPr>
-        <p:style>
-          <a:lnRef idx="0">
-            <a:schemeClr val="accent4"/>
-          </a:lnRef>
-          <a:fillRef idx="3">
-            <a:schemeClr val="accent4"/>
-          </a:fillRef>
-          <a:effectRef idx="3">
-            <a:schemeClr val="accent4"/>
-          </a:effectRef>
-          <a:fontRef idx="minor">
-            <a:schemeClr val="lt1"/>
-          </a:fontRef>
-        </p:style>
-        <p:txBody>
-          <a:bodyPr rtlCol="0" anchor="ctr"/>
-          <a:lstStyle/>
-          <a:p>
-            <a:pPr algn="ctr"/>
-            <a:r>
-              <a:rPr lang="en-US" altLang="zh-TW" sz="1600" dirty="0">
-                <a:solidFill>
-                  <a:schemeClr val="tx1"/>
-                </a:solidFill>
-              </a:rPr>
-              <a:t>Component</a:t>
-            </a:r>
-            <a:endParaRPr lang="zh-TW" altLang="en-US" sz="1600" dirty="0">
-              <a:solidFill>
-                <a:schemeClr val="tx1"/>
-              </a:solidFill>
-            </a:endParaRPr>
-          </a:p>
-        </p:txBody>
-      </p:sp>
-      <p:sp>
-        <p:nvSpPr>
-          <p:cNvPr id="63" name="圓角矩形 62"/>
-          <p:cNvSpPr/>
-          <p:nvPr/>
-        </p:nvSpPr>
-        <p:spPr>
-          <a:xfrm>
-            <a:off x="9819050" y="3606157"/>
-            <a:ext cx="1332000" cy="360000"/>
-          </a:xfrm>
-          <a:prstGeom prst="roundRect">
-            <a:avLst/>
-          </a:prstGeom>
-        </p:spPr>
-        <p:style>
-          <a:lnRef idx="0">
-            <a:schemeClr val="accent4"/>
-          </a:lnRef>
-          <a:fillRef idx="3">
-            <a:schemeClr val="accent4"/>
-          </a:fillRef>
-          <a:effectRef idx="3">
-            <a:schemeClr val="accent4"/>
-          </a:effectRef>
-          <a:fontRef idx="minor">
-            <a:schemeClr val="lt1"/>
-          </a:fontRef>
-        </p:style>
-        <p:txBody>
-          <a:bodyPr rtlCol="0" anchor="ctr"/>
-          <a:lstStyle/>
-          <a:p>
-            <a:pPr algn="ctr"/>
-            <a:r>
-              <a:rPr lang="en-US" altLang="zh-TW" sz="1600" dirty="0">
-                <a:solidFill>
-                  <a:schemeClr val="tx1"/>
-                </a:solidFill>
-              </a:rPr>
-              <a:t>Component</a:t>
-            </a:r>
-            <a:endParaRPr lang="zh-TW" altLang="en-US" sz="1600" dirty="0">
-              <a:solidFill>
-                <a:schemeClr val="tx1"/>
-              </a:solidFill>
-            </a:endParaRPr>
-          </a:p>
-        </p:txBody>
-      </p:sp>
-      <p:sp>
-        <p:nvSpPr>
-          <p:cNvPr id="64" name="圓角矩形 63"/>
-          <p:cNvSpPr/>
-          <p:nvPr/>
-        </p:nvSpPr>
-        <p:spPr>
-          <a:xfrm>
-            <a:off x="8224809" y="4296996"/>
-            <a:ext cx="1332000" cy="360000"/>
-          </a:xfrm>
-          <a:prstGeom prst="roundRect">
-            <a:avLst/>
-          </a:prstGeom>
-        </p:spPr>
-        <p:style>
-          <a:lnRef idx="0">
-            <a:schemeClr val="accent4"/>
-          </a:lnRef>
-          <a:fillRef idx="3">
-            <a:schemeClr val="accent4"/>
-          </a:fillRef>
-          <a:effectRef idx="3">
-            <a:schemeClr val="accent4"/>
-          </a:effectRef>
-          <a:fontRef idx="minor">
-            <a:schemeClr val="lt1"/>
-          </a:fontRef>
-        </p:style>
-        <p:txBody>
-          <a:bodyPr rtlCol="0" anchor="ctr"/>
-          <a:lstStyle/>
-          <a:p>
-            <a:pPr algn="ctr"/>
-            <a:r>
-              <a:rPr lang="en-US" altLang="zh-TW" sz="1600" dirty="0">
-                <a:solidFill>
-                  <a:schemeClr val="tx1"/>
-                </a:solidFill>
-              </a:rPr>
-              <a:t>Component</a:t>
-            </a:r>
-            <a:endParaRPr lang="zh-TW" altLang="en-US" sz="1600" dirty="0">
-              <a:solidFill>
-                <a:schemeClr val="tx1"/>
-              </a:solidFill>
-            </a:endParaRPr>
-          </a:p>
-        </p:txBody>
-      </p:sp>
-      <p:sp>
-        <p:nvSpPr>
-          <p:cNvPr id="65" name="圓角矩形 64"/>
-          <p:cNvSpPr/>
-          <p:nvPr/>
-        </p:nvSpPr>
-        <p:spPr>
-          <a:xfrm>
-            <a:off x="9819050" y="4296996"/>
-            <a:ext cx="1332000" cy="360000"/>
-          </a:xfrm>
-          <a:prstGeom prst="roundRect">
-            <a:avLst/>
-          </a:prstGeom>
-        </p:spPr>
-        <p:style>
-          <a:lnRef idx="0">
-            <a:schemeClr val="accent4"/>
-          </a:lnRef>
-          <a:fillRef idx="3">
-            <a:schemeClr val="accent4"/>
-          </a:fillRef>
-          <a:effectRef idx="3">
-            <a:schemeClr val="accent4"/>
-          </a:effectRef>
-          <a:fontRef idx="minor">
-            <a:schemeClr val="lt1"/>
-          </a:fontRef>
-        </p:style>
-        <p:txBody>
-          <a:bodyPr rtlCol="0" anchor="ctr"/>
-          <a:lstStyle/>
-          <a:p>
-            <a:pPr algn="ctr"/>
-            <a:r>
-              <a:rPr lang="en-US" altLang="zh-TW" sz="1600" dirty="0">
-                <a:solidFill>
-                  <a:schemeClr val="tx1"/>
-                </a:solidFill>
-              </a:rPr>
-              <a:t>Component</a:t>
-            </a:r>
-            <a:endParaRPr lang="zh-TW" altLang="en-US" sz="1600" dirty="0">
-              <a:solidFill>
-                <a:schemeClr val="tx1"/>
-              </a:solidFill>
-            </a:endParaRPr>
-          </a:p>
-        </p:txBody>
-      </p:sp>
-      <p:sp>
-        <p:nvSpPr>
-          <p:cNvPr id="66" name="矩形 65"/>
-          <p:cNvSpPr/>
-          <p:nvPr/>
-        </p:nvSpPr>
-        <p:spPr>
-          <a:xfrm>
-            <a:off x="5964473" y="4878373"/>
-            <a:ext cx="2592000" cy="360000"/>
-          </a:xfrm>
-          <a:prstGeom prst="rect">
-            <a:avLst/>
-          </a:prstGeom>
-        </p:spPr>
-        <p:style>
-          <a:lnRef idx="1">
-            <a:schemeClr val="accent3"/>
-          </a:lnRef>
-          <a:fillRef idx="3">
-            <a:schemeClr val="accent3"/>
-          </a:fillRef>
-          <a:effectRef idx="2">
-            <a:schemeClr val="accent3"/>
-          </a:effectRef>
-          <a:fontRef idx="minor">
-            <a:schemeClr val="lt1"/>
-          </a:fontRef>
-        </p:style>
-        <p:txBody>
-          <a:bodyPr rtlCol="0" anchor="ctr"/>
-          <a:lstStyle/>
-          <a:p>
-            <a:pPr algn="ctr"/>
-            <a:r>
-              <a:rPr lang="en-US" altLang="zh-TW" sz="1600" b="1" dirty="0" smtClean="0"/>
-              <a:t>Database</a:t>
-            </a:r>
-            <a:endParaRPr lang="en-US" altLang="zh-TW" sz="1600" dirty="0"/>
-          </a:p>
-        </p:txBody>
-      </p:sp>
-      <p:sp>
-        <p:nvSpPr>
-          <p:cNvPr id="67" name="矩形 66"/>
-          <p:cNvSpPr/>
-          <p:nvPr/>
-        </p:nvSpPr>
-        <p:spPr>
-          <a:xfrm>
-            <a:off x="8772473" y="4878373"/>
-            <a:ext cx="2592000" cy="360000"/>
-          </a:xfrm>
-          <a:prstGeom prst="rect">
-            <a:avLst/>
-          </a:prstGeom>
-        </p:spPr>
-        <p:style>
-          <a:lnRef idx="1">
-            <a:schemeClr val="accent3"/>
-          </a:lnRef>
-          <a:fillRef idx="3">
-            <a:schemeClr val="accent3"/>
-          </a:fillRef>
-          <a:effectRef idx="2">
-            <a:schemeClr val="accent3"/>
-          </a:effectRef>
-          <a:fontRef idx="minor">
-            <a:schemeClr val="lt1"/>
-          </a:fontRef>
-        </p:style>
-        <p:txBody>
-          <a:bodyPr rtlCol="0" anchor="ctr"/>
-          <a:lstStyle/>
-          <a:p>
-            <a:pPr algn="ctr"/>
-            <a:r>
-              <a:rPr lang="en-US" altLang="zh-TW" sz="1600" b="1" dirty="0"/>
-              <a:t>External </a:t>
-            </a:r>
-            <a:r>
-              <a:rPr lang="en-US" altLang="zh-TW" sz="1600" b="1" dirty="0" smtClean="0"/>
-              <a:t>Services</a:t>
-            </a:r>
-            <a:endParaRPr lang="en-US" altLang="zh-TW" sz="1600" dirty="0"/>
-          </a:p>
-        </p:txBody>
-      </p:sp>
-      <p:sp>
-        <p:nvSpPr>
-          <p:cNvPr id="68" name="Send Log F2L"/>
-          <p:cNvSpPr/>
-          <p:nvPr/>
-        </p:nvSpPr>
-        <p:spPr>
-          <a:xfrm rot="5400000">
-            <a:off x="7782568" y="3343028"/>
-            <a:ext cx="360000" cy="288000"/>
-          </a:xfrm>
-          <a:prstGeom prst="rightArrow">
-            <a:avLst/>
-          </a:prstGeom>
-          <a:solidFill>
-            <a:srgbClr val="FF0000"/>
-          </a:solidFill>
-          <a:ln>
-            <a:solidFill>
-              <a:schemeClr val="tx1"/>
-            </a:solidFill>
-          </a:ln>
-        </p:spPr>
-        <p:style>
-          <a:lnRef idx="3">
-            <a:schemeClr val="lt1"/>
-          </a:lnRef>
-          <a:fillRef idx="1">
-            <a:schemeClr val="accent4"/>
-          </a:fillRef>
-          <a:effectRef idx="1">
-            <a:schemeClr val="accent4"/>
-          </a:effectRef>
-          <a:fontRef idx="minor">
-            <a:schemeClr val="lt1"/>
-          </a:fontRef>
-        </p:style>
-        <p:txBody>
-          <a:bodyPr rtlCol="0" anchor="ctr"/>
-          <a:lstStyle/>
-          <a:p>
-            <a:pPr algn="ctr"/>
-            <a:endParaRPr lang="zh-TW" altLang="en-US" sz="1200" b="1" dirty="0"/>
-          </a:p>
-        </p:txBody>
-      </p:sp>
-      <p:sp>
-        <p:nvSpPr>
-          <p:cNvPr id="69" name="Send Log F2L"/>
-          <p:cNvSpPr/>
-          <p:nvPr/>
-        </p:nvSpPr>
-        <p:spPr>
-          <a:xfrm rot="5400000">
-            <a:off x="7782568" y="4019989"/>
-            <a:ext cx="360000" cy="288000"/>
-          </a:xfrm>
-          <a:prstGeom prst="rightArrow">
-            <a:avLst/>
-          </a:prstGeom>
-          <a:solidFill>
-            <a:srgbClr val="FF0000"/>
-          </a:solidFill>
-          <a:ln>
-            <a:solidFill>
-              <a:schemeClr val="tx1"/>
-            </a:solidFill>
-          </a:ln>
-        </p:spPr>
-        <p:style>
-          <a:lnRef idx="3">
-            <a:schemeClr val="lt1"/>
-          </a:lnRef>
-          <a:fillRef idx="1">
-            <a:schemeClr val="accent4"/>
-          </a:fillRef>
-          <a:effectRef idx="1">
-            <a:schemeClr val="accent4"/>
-          </a:effectRef>
-          <a:fontRef idx="minor">
-            <a:schemeClr val="lt1"/>
-          </a:fontRef>
-        </p:style>
-        <p:txBody>
-          <a:bodyPr rtlCol="0" anchor="ctr"/>
-          <a:lstStyle/>
-          <a:p>
-            <a:pPr algn="ctr"/>
-            <a:endParaRPr lang="zh-TW" altLang="en-US" sz="1200" b="1" dirty="0"/>
-          </a:p>
-        </p:txBody>
-      </p:sp>
-      <p:sp>
-        <p:nvSpPr>
-          <p:cNvPr id="70" name="Send Log F2L"/>
-          <p:cNvSpPr/>
-          <p:nvPr/>
-        </p:nvSpPr>
-        <p:spPr>
-          <a:xfrm rot="5400000">
-            <a:off x="7782568" y="1982737"/>
-            <a:ext cx="360000" cy="288000"/>
-          </a:xfrm>
-          <a:prstGeom prst="rightArrow">
-            <a:avLst/>
-          </a:prstGeom>
-          <a:solidFill>
-            <a:srgbClr val="FF0000"/>
-          </a:solidFill>
-          <a:ln>
-            <a:solidFill>
-              <a:schemeClr val="tx1"/>
-            </a:solidFill>
-          </a:ln>
-        </p:spPr>
-        <p:style>
-          <a:lnRef idx="3">
-            <a:schemeClr val="lt1"/>
-          </a:lnRef>
-          <a:fillRef idx="1">
-            <a:schemeClr val="accent4"/>
-          </a:fillRef>
-          <a:effectRef idx="1">
-            <a:schemeClr val="accent4"/>
-          </a:effectRef>
-          <a:fontRef idx="minor">
-            <a:schemeClr val="lt1"/>
-          </a:fontRef>
-        </p:style>
-        <p:txBody>
-          <a:bodyPr rtlCol="0" anchor="ctr"/>
-          <a:lstStyle/>
-          <a:p>
-            <a:pPr algn="ctr"/>
-            <a:endParaRPr lang="zh-TW" altLang="en-US" sz="1200" b="1" dirty="0"/>
-          </a:p>
-        </p:txBody>
-      </p:sp>
-      <p:sp>
-        <p:nvSpPr>
-          <p:cNvPr id="71" name="文字方塊 70"/>
-          <p:cNvSpPr txBox="1"/>
-          <p:nvPr/>
-        </p:nvSpPr>
-        <p:spPr>
-          <a:xfrm>
-            <a:off x="7568774" y="1653696"/>
-            <a:ext cx="787588" cy="307777"/>
-          </a:xfrm>
-          <a:prstGeom prst="rect">
-            <a:avLst/>
-          </a:prstGeom>
-          <a:noFill/>
-        </p:spPr>
-        <p:txBody>
-          <a:bodyPr wrap="none" rtlCol="0">
-            <a:spAutoFit/>
-          </a:bodyPr>
-          <a:lstStyle/>
-          <a:p>
-            <a:r>
-              <a:rPr lang="en-US" altLang="zh-TW" sz="1400" b="1" dirty="0" smtClean="0">
-                <a:solidFill>
-                  <a:srgbClr val="C00000"/>
-                </a:solidFill>
-              </a:rPr>
-              <a:t>Request</a:t>
-            </a:r>
-            <a:endParaRPr lang="zh-TW" altLang="en-US" sz="1400" b="1" dirty="0">
-              <a:solidFill>
-                <a:srgbClr val="C00000"/>
-              </a:solidFill>
-            </a:endParaRPr>
-          </a:p>
-        </p:txBody>
-      </p:sp>
-      <p:sp>
-        <p:nvSpPr>
-          <p:cNvPr id="72" name="Send Log F2L"/>
-          <p:cNvSpPr/>
-          <p:nvPr/>
-        </p:nvSpPr>
-        <p:spPr>
-          <a:xfrm rot="5400000">
-            <a:off x="7782568" y="4696949"/>
-            <a:ext cx="360000" cy="288000"/>
-          </a:xfrm>
-          <a:prstGeom prst="rightArrow">
-            <a:avLst/>
-          </a:prstGeom>
-          <a:solidFill>
-            <a:srgbClr val="FF0000"/>
-          </a:solidFill>
-          <a:ln>
-            <a:solidFill>
-              <a:schemeClr val="tx1"/>
-            </a:solidFill>
-          </a:ln>
-        </p:spPr>
-        <p:style>
-          <a:lnRef idx="3">
-            <a:schemeClr val="lt1"/>
-          </a:lnRef>
-          <a:fillRef idx="1">
-            <a:schemeClr val="accent4"/>
-          </a:fillRef>
-          <a:effectRef idx="1">
-            <a:schemeClr val="accent4"/>
-          </a:effectRef>
-          <a:fontRef idx="minor">
-            <a:schemeClr val="lt1"/>
-          </a:fontRef>
-        </p:style>
-        <p:txBody>
-          <a:bodyPr rtlCol="0" anchor="ctr"/>
-          <a:lstStyle/>
-          <a:p>
-            <a:pPr algn="ctr"/>
-            <a:endParaRPr lang="zh-TW" altLang="en-US" sz="1200" b="1" dirty="0"/>
-          </a:p>
-        </p:txBody>
-      </p:sp>
-      <p:sp>
-        <p:nvSpPr>
-          <p:cNvPr id="73" name="Send Log F2L"/>
-          <p:cNvSpPr/>
-          <p:nvPr/>
-        </p:nvSpPr>
-        <p:spPr>
-          <a:xfrm rot="5400000">
-            <a:off x="9511500" y="4698373"/>
-            <a:ext cx="360000" cy="288000"/>
-          </a:xfrm>
-          <a:prstGeom prst="rightArrow">
-            <a:avLst/>
-          </a:prstGeom>
-          <a:solidFill>
-            <a:srgbClr val="FF0000"/>
-          </a:solidFill>
-          <a:ln>
-            <a:solidFill>
-              <a:schemeClr val="tx1"/>
-            </a:solidFill>
-          </a:ln>
-        </p:spPr>
-        <p:style>
-          <a:lnRef idx="3">
-            <a:schemeClr val="lt1"/>
-          </a:lnRef>
-          <a:fillRef idx="1">
-            <a:schemeClr val="accent4"/>
-          </a:fillRef>
-          <a:effectRef idx="1">
-            <a:schemeClr val="accent4"/>
-          </a:effectRef>
-          <a:fontRef idx="minor">
-            <a:schemeClr val="lt1"/>
-          </a:fontRef>
-        </p:style>
-        <p:txBody>
-          <a:bodyPr rtlCol="0" anchor="ctr"/>
-          <a:lstStyle/>
-          <a:p>
-            <a:pPr algn="ctr"/>
-            <a:endParaRPr lang="zh-TW" altLang="en-US" sz="1200" b="1" dirty="0"/>
-          </a:p>
-        </p:txBody>
-      </p:sp>
-      <p:sp>
-        <p:nvSpPr>
-          <p:cNvPr id="74" name="圓角矩形 73"/>
-          <p:cNvSpPr/>
-          <p:nvPr/>
-        </p:nvSpPr>
-        <p:spPr>
-          <a:xfrm>
-            <a:off x="8236317" y="2914479"/>
-            <a:ext cx="1332000" cy="360000"/>
-          </a:xfrm>
-          <a:prstGeom prst="roundRect">
-            <a:avLst/>
-          </a:prstGeom>
-        </p:spPr>
-        <p:style>
-          <a:lnRef idx="0">
-            <a:schemeClr val="accent4"/>
-          </a:lnRef>
-          <a:fillRef idx="3">
-            <a:schemeClr val="accent4"/>
-          </a:fillRef>
-          <a:effectRef idx="3">
-            <a:schemeClr val="accent4"/>
-          </a:effectRef>
-          <a:fontRef idx="minor">
-            <a:schemeClr val="lt1"/>
-          </a:fontRef>
-        </p:style>
-        <p:txBody>
-          <a:bodyPr rtlCol="0" anchor="ctr"/>
-          <a:lstStyle/>
-          <a:p>
-            <a:pPr algn="ctr"/>
-            <a:r>
-              <a:rPr lang="en-US" altLang="zh-TW" sz="1600" dirty="0">
-                <a:solidFill>
-                  <a:schemeClr val="tx1"/>
-                </a:solidFill>
-              </a:rPr>
-              <a:t>Component</a:t>
-            </a:r>
-            <a:endParaRPr lang="zh-TW" altLang="en-US" sz="1600" dirty="0">
-              <a:solidFill>
-                <a:schemeClr val="tx1"/>
-              </a:solidFill>
-            </a:endParaRPr>
-          </a:p>
-        </p:txBody>
-      </p:sp>
-      <p:sp>
-        <p:nvSpPr>
-          <p:cNvPr id="75" name="圓角矩形 74"/>
-          <p:cNvSpPr/>
-          <p:nvPr/>
-        </p:nvSpPr>
-        <p:spPr>
-          <a:xfrm>
-            <a:off x="9830558" y="2914479"/>
-            <a:ext cx="1332000" cy="360000"/>
-          </a:xfrm>
-          <a:prstGeom prst="roundRect">
-            <a:avLst/>
-          </a:prstGeom>
-        </p:spPr>
-        <p:style>
-          <a:lnRef idx="0">
-            <a:schemeClr val="accent4"/>
-          </a:lnRef>
-          <a:fillRef idx="3">
-            <a:schemeClr val="accent4"/>
-          </a:fillRef>
-          <a:effectRef idx="3">
-            <a:schemeClr val="accent4"/>
-          </a:effectRef>
-          <a:fontRef idx="minor">
-            <a:schemeClr val="lt1"/>
-          </a:fontRef>
-        </p:style>
-        <p:txBody>
-          <a:bodyPr rtlCol="0" anchor="ctr"/>
-          <a:lstStyle/>
-          <a:p>
-            <a:pPr algn="ctr"/>
-            <a:r>
-              <a:rPr lang="en-US" altLang="zh-TW" sz="1600" dirty="0">
-                <a:solidFill>
-                  <a:schemeClr val="tx1"/>
-                </a:solidFill>
-              </a:rPr>
-              <a:t>Component</a:t>
-            </a:r>
-            <a:endParaRPr lang="zh-TW" altLang="en-US" sz="1600" dirty="0">
-              <a:solidFill>
-                <a:schemeClr val="tx1"/>
-              </a:solidFill>
-            </a:endParaRPr>
-          </a:p>
-        </p:txBody>
-      </p:sp>
-      <p:sp>
-        <p:nvSpPr>
-          <p:cNvPr id="76" name="矩形 75"/>
-          <p:cNvSpPr/>
-          <p:nvPr/>
-        </p:nvSpPr>
-        <p:spPr>
-          <a:xfrm>
-            <a:off x="8772473" y="1665048"/>
-            <a:ext cx="2592000" cy="360000"/>
-          </a:xfrm>
-          <a:prstGeom prst="rect">
-            <a:avLst/>
-          </a:prstGeom>
-        </p:spPr>
-        <p:style>
-          <a:lnRef idx="1">
-            <a:schemeClr val="accent3"/>
-          </a:lnRef>
-          <a:fillRef idx="3">
-            <a:schemeClr val="accent3"/>
-          </a:fillRef>
-          <a:effectRef idx="2">
-            <a:schemeClr val="accent3"/>
-          </a:effectRef>
-          <a:fontRef idx="minor">
-            <a:schemeClr val="lt1"/>
-          </a:fontRef>
-        </p:style>
-        <p:txBody>
-          <a:bodyPr rtlCol="0" anchor="ctr"/>
-          <a:lstStyle/>
-          <a:p>
-            <a:r>
-              <a:rPr lang="en-US" altLang="zh-TW" sz="1600" b="1" dirty="0"/>
-              <a:t>External </a:t>
-            </a:r>
-            <a:r>
-              <a:rPr lang="en-US" altLang="zh-TW" sz="1600" b="1" dirty="0" smtClean="0"/>
-              <a:t>Systems</a:t>
-            </a:r>
-            <a:endParaRPr lang="en-US" altLang="zh-TW" sz="1600" dirty="0"/>
-          </a:p>
-        </p:txBody>
-      </p:sp>
-      <p:sp>
-        <p:nvSpPr>
-          <p:cNvPr id="77" name="Send Log F2L"/>
-          <p:cNvSpPr/>
-          <p:nvPr/>
-        </p:nvSpPr>
-        <p:spPr>
-          <a:xfrm rot="5400000">
-            <a:off x="10522010" y="2270737"/>
-            <a:ext cx="936000" cy="288000"/>
-          </a:xfrm>
-          <a:prstGeom prst="rightArrow">
-            <a:avLst/>
-          </a:prstGeom>
-          <a:solidFill>
-            <a:srgbClr val="FF0000"/>
-          </a:solidFill>
-          <a:ln>
-            <a:solidFill>
-              <a:schemeClr val="tx1"/>
-            </a:solidFill>
-          </a:ln>
-        </p:spPr>
-        <p:style>
-          <a:lnRef idx="3">
-            <a:schemeClr val="lt1"/>
-          </a:lnRef>
-          <a:fillRef idx="1">
-            <a:schemeClr val="accent4"/>
-          </a:fillRef>
-          <a:effectRef idx="1">
-            <a:schemeClr val="accent4"/>
-          </a:effectRef>
-          <a:fontRef idx="minor">
-            <a:schemeClr val="lt1"/>
-          </a:fontRef>
-        </p:style>
-        <p:txBody>
-          <a:bodyPr rtlCol="0" anchor="ctr"/>
-          <a:lstStyle/>
-          <a:p>
-            <a:pPr algn="ctr"/>
-            <a:endParaRPr lang="zh-TW" altLang="en-US" sz="1200" b="1" dirty="0"/>
-          </a:p>
-        </p:txBody>
-      </p:sp>
-      <p:sp>
-        <p:nvSpPr>
-          <p:cNvPr id="78" name="文字方塊 77"/>
-          <p:cNvSpPr txBox="1"/>
-          <p:nvPr/>
-        </p:nvSpPr>
-        <p:spPr>
-          <a:xfrm>
-            <a:off x="10596216" y="1669743"/>
-            <a:ext cx="787588" cy="307777"/>
-          </a:xfrm>
-          <a:prstGeom prst="rect">
-            <a:avLst/>
-          </a:prstGeom>
-          <a:noFill/>
-        </p:spPr>
-        <p:txBody>
-          <a:bodyPr wrap="none" rtlCol="0">
-            <a:spAutoFit/>
-          </a:bodyPr>
-          <a:lstStyle/>
-          <a:p>
-            <a:r>
-              <a:rPr lang="en-US" altLang="zh-TW" sz="1400" b="1" dirty="0" smtClean="0">
-                <a:solidFill>
-                  <a:srgbClr val="C00000"/>
-                </a:solidFill>
-              </a:rPr>
-              <a:t>Request</a:t>
-            </a:r>
-            <a:endParaRPr lang="zh-TW" altLang="en-US" sz="1400" b="1" dirty="0">
-              <a:solidFill>
-                <a:srgbClr val="C00000"/>
-              </a:solidFill>
-            </a:endParaRPr>
-          </a:p>
-        </p:txBody>
-      </p:sp>
-      <p:sp>
-        <p:nvSpPr>
-          <p:cNvPr id="79" name="Send Log F2L"/>
-          <p:cNvSpPr/>
-          <p:nvPr/>
-        </p:nvSpPr>
-        <p:spPr>
-          <a:xfrm rot="5400000">
-            <a:off x="7781197" y="2666067"/>
-            <a:ext cx="360000" cy="288000"/>
-          </a:xfrm>
-          <a:prstGeom prst="rightArrow">
-            <a:avLst/>
-          </a:prstGeom>
-          <a:solidFill>
-            <a:srgbClr val="FF0000"/>
-          </a:solidFill>
-          <a:ln>
-            <a:solidFill>
-              <a:schemeClr val="tx1"/>
-            </a:solidFill>
-          </a:ln>
-        </p:spPr>
-        <p:style>
-          <a:lnRef idx="3">
-            <a:schemeClr val="lt1"/>
-          </a:lnRef>
-          <a:fillRef idx="1">
-            <a:schemeClr val="accent4"/>
-          </a:fillRef>
-          <a:effectRef idx="1">
-            <a:schemeClr val="accent4"/>
-          </a:effectRef>
-          <a:fontRef idx="minor">
-            <a:schemeClr val="lt1"/>
-          </a:fontRef>
-        </p:style>
-        <p:txBody>
-          <a:bodyPr rtlCol="0" anchor="ctr"/>
-          <a:lstStyle/>
-          <a:p>
-            <a:pPr algn="ctr"/>
-            <a:endParaRPr lang="zh-TW" altLang="en-US" sz="1200" b="1" dirty="0"/>
-          </a:p>
-        </p:txBody>
-      </p:sp>
-    </p:spTree>
-    <p:extLst>
-      <p:ext uri="{BB962C8B-B14F-4D97-AF65-F5344CB8AC3E}">
-        <p14:creationId xmlns:p14="http://schemas.microsoft.com/office/powerpoint/2010/main" val="709949974"/>
       </p:ext>
     </p:extLst>
   </p:cSld>
@@ -21225,6 +19798,2003 @@
           <a:chExt cx="0" cy="0"/>
         </a:xfrm>
       </p:grpSpPr>
+      <p:sp>
+        <p:nvSpPr>
+          <p:cNvPr id="3" name="矩形 2"/>
+          <p:cNvSpPr/>
+          <p:nvPr/>
+        </p:nvSpPr>
+        <p:spPr>
+          <a:xfrm>
+            <a:off x="1828800" y="-2054318"/>
+            <a:ext cx="5760000" cy="3240000"/>
+          </a:xfrm>
+          <a:prstGeom prst="rect">
+            <a:avLst/>
+          </a:prstGeom>
+        </p:spPr>
+        <p:style>
+          <a:lnRef idx="2">
+            <a:schemeClr val="dk1">
+              <a:shade val="50000"/>
+            </a:schemeClr>
+          </a:lnRef>
+          <a:fillRef idx="1">
+            <a:schemeClr val="dk1"/>
+          </a:fillRef>
+          <a:effectRef idx="0">
+            <a:schemeClr val="dk1"/>
+          </a:effectRef>
+          <a:fontRef idx="minor">
+            <a:schemeClr val="lt1"/>
+          </a:fontRef>
+        </p:style>
+        <p:txBody>
+          <a:bodyPr rtlCol="0" anchor="ctr"/>
+          <a:lstStyle/>
+          <a:p>
+            <a:pPr algn="ctr"/>
+            <a:endParaRPr lang="zh-TW" altLang="en-US"/>
+          </a:p>
+        </p:txBody>
+      </p:sp>
+      <p:sp>
+        <p:nvSpPr>
+          <p:cNvPr id="58" name="矩形 57"/>
+          <p:cNvSpPr/>
+          <p:nvPr/>
+        </p:nvSpPr>
+        <p:spPr>
+          <a:xfrm>
+            <a:off x="303516" y="2140085"/>
+            <a:ext cx="5400000" cy="576000"/>
+          </a:xfrm>
+          <a:prstGeom prst="rect">
+            <a:avLst/>
+          </a:prstGeom>
+        </p:spPr>
+        <p:style>
+          <a:lnRef idx="1">
+            <a:schemeClr val="accent6"/>
+          </a:lnRef>
+          <a:fillRef idx="3">
+            <a:schemeClr val="accent6"/>
+          </a:fillRef>
+          <a:effectRef idx="2">
+            <a:schemeClr val="accent6"/>
+          </a:effectRef>
+          <a:fontRef idx="minor">
+            <a:schemeClr val="lt1"/>
+          </a:fontRef>
+        </p:style>
+        <p:txBody>
+          <a:bodyPr rtlCol="0" anchor="ctr"/>
+          <a:lstStyle/>
+          <a:p>
+            <a:r>
+              <a:rPr lang="en-US" altLang="zh-TW" sz="1600" b="1" dirty="0"/>
+              <a:t>Presentation </a:t>
+            </a:r>
+            <a:r>
+              <a:rPr lang="en-US" altLang="zh-TW" sz="1600" b="1" dirty="0" smtClean="0"/>
+              <a:t>Layer</a:t>
+            </a:r>
+            <a:endParaRPr lang="en-US" altLang="zh-TW" sz="1600" dirty="0"/>
+          </a:p>
+        </p:txBody>
+      </p:sp>
+      <p:sp>
+        <p:nvSpPr>
+          <p:cNvPr id="54" name="矩形 53"/>
+          <p:cNvSpPr/>
+          <p:nvPr/>
+        </p:nvSpPr>
+        <p:spPr>
+          <a:xfrm>
+            <a:off x="304800" y="1676400"/>
+            <a:ext cx="5400000" cy="360000"/>
+          </a:xfrm>
+          <a:prstGeom prst="rect">
+            <a:avLst/>
+          </a:prstGeom>
+        </p:spPr>
+        <p:style>
+          <a:lnRef idx="1">
+            <a:schemeClr val="accent3"/>
+          </a:lnRef>
+          <a:fillRef idx="3">
+            <a:schemeClr val="accent3"/>
+          </a:fillRef>
+          <a:effectRef idx="2">
+            <a:schemeClr val="accent3"/>
+          </a:effectRef>
+          <a:fontRef idx="minor">
+            <a:schemeClr val="lt1"/>
+          </a:fontRef>
+        </p:style>
+        <p:txBody>
+          <a:bodyPr rtlCol="0" anchor="ctr"/>
+          <a:lstStyle/>
+          <a:p>
+            <a:r>
+              <a:rPr lang="en-US" altLang="zh-TW" sz="1600" b="1" dirty="0" smtClean="0"/>
+              <a:t>Users</a:t>
+            </a:r>
+            <a:endParaRPr lang="en-US" altLang="zh-TW" sz="1600" dirty="0"/>
+          </a:p>
+        </p:txBody>
+      </p:sp>
+      <p:sp>
+        <p:nvSpPr>
+          <p:cNvPr id="19" name="矩形 18"/>
+          <p:cNvSpPr/>
+          <p:nvPr/>
+        </p:nvSpPr>
+        <p:spPr>
+          <a:xfrm>
+            <a:off x="303516" y="3517018"/>
+            <a:ext cx="5400000" cy="576000"/>
+          </a:xfrm>
+          <a:prstGeom prst="rect">
+            <a:avLst/>
+          </a:prstGeom>
+        </p:spPr>
+        <p:style>
+          <a:lnRef idx="1">
+            <a:schemeClr val="accent1"/>
+          </a:lnRef>
+          <a:fillRef idx="3">
+            <a:schemeClr val="accent1"/>
+          </a:fillRef>
+          <a:effectRef idx="2">
+            <a:schemeClr val="accent1"/>
+          </a:effectRef>
+          <a:fontRef idx="minor">
+            <a:schemeClr val="lt1"/>
+          </a:fontRef>
+        </p:style>
+        <p:txBody>
+          <a:bodyPr rtlCol="0" anchor="ctr"/>
+          <a:lstStyle/>
+          <a:p>
+            <a:r>
+              <a:rPr lang="en-US" altLang="zh-TW" sz="1600" b="1" dirty="0" smtClean="0"/>
+              <a:t>Data Layer</a:t>
+            </a:r>
+            <a:endParaRPr lang="en-US" altLang="zh-TW" sz="1600" dirty="0"/>
+          </a:p>
+        </p:txBody>
+      </p:sp>
+      <p:sp>
+        <p:nvSpPr>
+          <p:cNvPr id="33" name="矩形 32"/>
+          <p:cNvSpPr/>
+          <p:nvPr/>
+        </p:nvSpPr>
+        <p:spPr>
+          <a:xfrm>
+            <a:off x="303516" y="2826179"/>
+            <a:ext cx="5400000" cy="576000"/>
+          </a:xfrm>
+          <a:prstGeom prst="rect">
+            <a:avLst/>
+          </a:prstGeom>
+        </p:spPr>
+        <p:style>
+          <a:lnRef idx="0">
+            <a:schemeClr val="accent2"/>
+          </a:lnRef>
+          <a:fillRef idx="3">
+            <a:schemeClr val="accent2"/>
+          </a:fillRef>
+          <a:effectRef idx="3">
+            <a:schemeClr val="accent2"/>
+          </a:effectRef>
+          <a:fontRef idx="minor">
+            <a:schemeClr val="lt1"/>
+          </a:fontRef>
+        </p:style>
+        <p:txBody>
+          <a:bodyPr rtlCol="0" anchor="ctr"/>
+          <a:lstStyle/>
+          <a:p>
+            <a:r>
+              <a:rPr lang="en-US" altLang="zh-TW" sz="1600" b="1" dirty="0"/>
+              <a:t>Business Layer</a:t>
+            </a:r>
+            <a:endParaRPr lang="en-US" altLang="zh-TW" sz="1600" dirty="0"/>
+          </a:p>
+        </p:txBody>
+      </p:sp>
+      <p:sp>
+        <p:nvSpPr>
+          <p:cNvPr id="4" name="圓角矩形 3"/>
+          <p:cNvSpPr/>
+          <p:nvPr/>
+        </p:nvSpPr>
+        <p:spPr>
+          <a:xfrm>
+            <a:off x="2563852" y="2251289"/>
+            <a:ext cx="1332000" cy="360000"/>
+          </a:xfrm>
+          <a:prstGeom prst="roundRect">
+            <a:avLst/>
+          </a:prstGeom>
+        </p:spPr>
+        <p:style>
+          <a:lnRef idx="0">
+            <a:schemeClr val="accent4"/>
+          </a:lnRef>
+          <a:fillRef idx="3">
+            <a:schemeClr val="accent4"/>
+          </a:fillRef>
+          <a:effectRef idx="3">
+            <a:schemeClr val="accent4"/>
+          </a:effectRef>
+          <a:fontRef idx="minor">
+            <a:schemeClr val="lt1"/>
+          </a:fontRef>
+        </p:style>
+        <p:txBody>
+          <a:bodyPr rtlCol="0" anchor="ctr"/>
+          <a:lstStyle/>
+          <a:p>
+            <a:pPr algn="ctr"/>
+            <a:r>
+              <a:rPr lang="en-US" altLang="zh-TW" sz="1600" dirty="0" smtClean="0">
+                <a:solidFill>
+                  <a:schemeClr val="tx1"/>
+                </a:solidFill>
+              </a:rPr>
+              <a:t>Component</a:t>
+            </a:r>
+            <a:endParaRPr lang="zh-TW" altLang="en-US" sz="1600" dirty="0">
+              <a:solidFill>
+                <a:schemeClr val="tx1"/>
+              </a:solidFill>
+            </a:endParaRPr>
+          </a:p>
+        </p:txBody>
+      </p:sp>
+      <p:sp>
+        <p:nvSpPr>
+          <p:cNvPr id="29" name="圓角矩形 28"/>
+          <p:cNvSpPr/>
+          <p:nvPr/>
+        </p:nvSpPr>
+        <p:spPr>
+          <a:xfrm>
+            <a:off x="4158093" y="2251289"/>
+            <a:ext cx="1332000" cy="360000"/>
+          </a:xfrm>
+          <a:prstGeom prst="roundRect">
+            <a:avLst/>
+          </a:prstGeom>
+        </p:spPr>
+        <p:style>
+          <a:lnRef idx="0">
+            <a:schemeClr val="accent4"/>
+          </a:lnRef>
+          <a:fillRef idx="3">
+            <a:schemeClr val="accent4"/>
+          </a:fillRef>
+          <a:effectRef idx="3">
+            <a:schemeClr val="accent4"/>
+          </a:effectRef>
+          <a:fontRef idx="minor">
+            <a:schemeClr val="lt1"/>
+          </a:fontRef>
+        </p:style>
+        <p:txBody>
+          <a:bodyPr rtlCol="0" anchor="ctr"/>
+          <a:lstStyle/>
+          <a:p>
+            <a:pPr algn="ctr"/>
+            <a:r>
+              <a:rPr lang="en-US" altLang="zh-TW" sz="1600" dirty="0">
+                <a:solidFill>
+                  <a:schemeClr val="tx1"/>
+                </a:solidFill>
+              </a:rPr>
+              <a:t>Component</a:t>
+            </a:r>
+            <a:endParaRPr lang="zh-TW" altLang="en-US" sz="1600" dirty="0">
+              <a:solidFill>
+                <a:schemeClr val="tx1"/>
+              </a:solidFill>
+            </a:endParaRPr>
+          </a:p>
+        </p:txBody>
+      </p:sp>
+      <p:sp>
+        <p:nvSpPr>
+          <p:cNvPr id="30" name="圓角矩形 29"/>
+          <p:cNvSpPr/>
+          <p:nvPr/>
+        </p:nvSpPr>
+        <p:spPr>
+          <a:xfrm>
+            <a:off x="2563852" y="2934179"/>
+            <a:ext cx="1332000" cy="360000"/>
+          </a:xfrm>
+          <a:prstGeom prst="roundRect">
+            <a:avLst/>
+          </a:prstGeom>
+        </p:spPr>
+        <p:style>
+          <a:lnRef idx="0">
+            <a:schemeClr val="accent4"/>
+          </a:lnRef>
+          <a:fillRef idx="3">
+            <a:schemeClr val="accent4"/>
+          </a:fillRef>
+          <a:effectRef idx="3">
+            <a:schemeClr val="accent4"/>
+          </a:effectRef>
+          <a:fontRef idx="minor">
+            <a:schemeClr val="lt1"/>
+          </a:fontRef>
+        </p:style>
+        <p:txBody>
+          <a:bodyPr rtlCol="0" anchor="ctr"/>
+          <a:lstStyle/>
+          <a:p>
+            <a:pPr algn="ctr"/>
+            <a:r>
+              <a:rPr lang="en-US" altLang="zh-TW" sz="1600" dirty="0">
+                <a:solidFill>
+                  <a:schemeClr val="tx1"/>
+                </a:solidFill>
+              </a:rPr>
+              <a:t>Component</a:t>
+            </a:r>
+            <a:endParaRPr lang="zh-TW" altLang="en-US" sz="1600" dirty="0">
+              <a:solidFill>
+                <a:schemeClr val="tx1"/>
+              </a:solidFill>
+            </a:endParaRPr>
+          </a:p>
+        </p:txBody>
+      </p:sp>
+      <p:sp>
+        <p:nvSpPr>
+          <p:cNvPr id="31" name="圓角矩形 30"/>
+          <p:cNvSpPr/>
+          <p:nvPr/>
+        </p:nvSpPr>
+        <p:spPr>
+          <a:xfrm>
+            <a:off x="4158093" y="2934179"/>
+            <a:ext cx="1332000" cy="360000"/>
+          </a:xfrm>
+          <a:prstGeom prst="roundRect">
+            <a:avLst/>
+          </a:prstGeom>
+        </p:spPr>
+        <p:style>
+          <a:lnRef idx="0">
+            <a:schemeClr val="accent4"/>
+          </a:lnRef>
+          <a:fillRef idx="3">
+            <a:schemeClr val="accent4"/>
+          </a:fillRef>
+          <a:effectRef idx="3">
+            <a:schemeClr val="accent4"/>
+          </a:effectRef>
+          <a:fontRef idx="minor">
+            <a:schemeClr val="lt1"/>
+          </a:fontRef>
+        </p:style>
+        <p:txBody>
+          <a:bodyPr rtlCol="0" anchor="ctr"/>
+          <a:lstStyle/>
+          <a:p>
+            <a:pPr algn="ctr"/>
+            <a:r>
+              <a:rPr lang="en-US" altLang="zh-TW" sz="1600" dirty="0">
+                <a:solidFill>
+                  <a:schemeClr val="tx1"/>
+                </a:solidFill>
+              </a:rPr>
+              <a:t>Component</a:t>
+            </a:r>
+            <a:endParaRPr lang="zh-TW" altLang="en-US" sz="1600" dirty="0">
+              <a:solidFill>
+                <a:schemeClr val="tx1"/>
+              </a:solidFill>
+            </a:endParaRPr>
+          </a:p>
+        </p:txBody>
+      </p:sp>
+      <p:sp>
+        <p:nvSpPr>
+          <p:cNvPr id="37" name="圓角矩形 36"/>
+          <p:cNvSpPr/>
+          <p:nvPr/>
+        </p:nvSpPr>
+        <p:spPr>
+          <a:xfrm>
+            <a:off x="2563852" y="3625018"/>
+            <a:ext cx="1332000" cy="360000"/>
+          </a:xfrm>
+          <a:prstGeom prst="roundRect">
+            <a:avLst/>
+          </a:prstGeom>
+        </p:spPr>
+        <p:style>
+          <a:lnRef idx="0">
+            <a:schemeClr val="accent4"/>
+          </a:lnRef>
+          <a:fillRef idx="3">
+            <a:schemeClr val="accent4"/>
+          </a:fillRef>
+          <a:effectRef idx="3">
+            <a:schemeClr val="accent4"/>
+          </a:effectRef>
+          <a:fontRef idx="minor">
+            <a:schemeClr val="lt1"/>
+          </a:fontRef>
+        </p:style>
+        <p:txBody>
+          <a:bodyPr rtlCol="0" anchor="ctr"/>
+          <a:lstStyle/>
+          <a:p>
+            <a:pPr algn="ctr"/>
+            <a:r>
+              <a:rPr lang="en-US" altLang="zh-TW" sz="1600" dirty="0">
+                <a:solidFill>
+                  <a:schemeClr val="tx1"/>
+                </a:solidFill>
+              </a:rPr>
+              <a:t>Component</a:t>
+            </a:r>
+            <a:endParaRPr lang="zh-TW" altLang="en-US" sz="1600" dirty="0">
+              <a:solidFill>
+                <a:schemeClr val="tx1"/>
+              </a:solidFill>
+            </a:endParaRPr>
+          </a:p>
+        </p:txBody>
+      </p:sp>
+      <p:sp>
+        <p:nvSpPr>
+          <p:cNvPr id="38" name="圓角矩形 37"/>
+          <p:cNvSpPr/>
+          <p:nvPr/>
+        </p:nvSpPr>
+        <p:spPr>
+          <a:xfrm>
+            <a:off x="4158093" y="3625018"/>
+            <a:ext cx="1332000" cy="360000"/>
+          </a:xfrm>
+          <a:prstGeom prst="roundRect">
+            <a:avLst/>
+          </a:prstGeom>
+        </p:spPr>
+        <p:style>
+          <a:lnRef idx="0">
+            <a:schemeClr val="accent4"/>
+          </a:lnRef>
+          <a:fillRef idx="3">
+            <a:schemeClr val="accent4"/>
+          </a:fillRef>
+          <a:effectRef idx="3">
+            <a:schemeClr val="accent4"/>
+          </a:effectRef>
+          <a:fontRef idx="minor">
+            <a:schemeClr val="lt1"/>
+          </a:fontRef>
+        </p:style>
+        <p:txBody>
+          <a:bodyPr rtlCol="0" anchor="ctr"/>
+          <a:lstStyle/>
+          <a:p>
+            <a:pPr algn="ctr"/>
+            <a:r>
+              <a:rPr lang="en-US" altLang="zh-TW" sz="1600" dirty="0">
+                <a:solidFill>
+                  <a:schemeClr val="tx1"/>
+                </a:solidFill>
+              </a:rPr>
+              <a:t>Component</a:t>
+            </a:r>
+            <a:endParaRPr lang="zh-TW" altLang="en-US" sz="1600" dirty="0">
+              <a:solidFill>
+                <a:schemeClr val="tx1"/>
+              </a:solidFill>
+            </a:endParaRPr>
+          </a:p>
+        </p:txBody>
+      </p:sp>
+      <p:sp>
+        <p:nvSpPr>
+          <p:cNvPr id="44" name="矩形 43"/>
+          <p:cNvSpPr/>
+          <p:nvPr/>
+        </p:nvSpPr>
+        <p:spPr>
+          <a:xfrm>
+            <a:off x="303516" y="4206395"/>
+            <a:ext cx="2592000" cy="360000"/>
+          </a:xfrm>
+          <a:prstGeom prst="rect">
+            <a:avLst/>
+          </a:prstGeom>
+        </p:spPr>
+        <p:style>
+          <a:lnRef idx="1">
+            <a:schemeClr val="accent3"/>
+          </a:lnRef>
+          <a:fillRef idx="3">
+            <a:schemeClr val="accent3"/>
+          </a:fillRef>
+          <a:effectRef idx="2">
+            <a:schemeClr val="accent3"/>
+          </a:effectRef>
+          <a:fontRef idx="minor">
+            <a:schemeClr val="lt1"/>
+          </a:fontRef>
+        </p:style>
+        <p:txBody>
+          <a:bodyPr rtlCol="0" anchor="ctr"/>
+          <a:lstStyle/>
+          <a:p>
+            <a:pPr algn="ctr"/>
+            <a:r>
+              <a:rPr lang="en-US" altLang="zh-TW" sz="1600" b="1" dirty="0" smtClean="0"/>
+              <a:t>Database</a:t>
+            </a:r>
+            <a:endParaRPr lang="en-US" altLang="zh-TW" sz="1600" dirty="0"/>
+          </a:p>
+        </p:txBody>
+      </p:sp>
+      <p:sp>
+        <p:nvSpPr>
+          <p:cNvPr id="50" name="矩形 49"/>
+          <p:cNvSpPr/>
+          <p:nvPr/>
+        </p:nvSpPr>
+        <p:spPr>
+          <a:xfrm>
+            <a:off x="3111516" y="4206395"/>
+            <a:ext cx="2592000" cy="360000"/>
+          </a:xfrm>
+          <a:prstGeom prst="rect">
+            <a:avLst/>
+          </a:prstGeom>
+        </p:spPr>
+        <p:style>
+          <a:lnRef idx="1">
+            <a:schemeClr val="accent3"/>
+          </a:lnRef>
+          <a:fillRef idx="3">
+            <a:schemeClr val="accent3"/>
+          </a:fillRef>
+          <a:effectRef idx="2">
+            <a:schemeClr val="accent3"/>
+          </a:effectRef>
+          <a:fontRef idx="minor">
+            <a:schemeClr val="lt1"/>
+          </a:fontRef>
+        </p:style>
+        <p:txBody>
+          <a:bodyPr rtlCol="0" anchor="ctr"/>
+          <a:lstStyle/>
+          <a:p>
+            <a:pPr algn="ctr"/>
+            <a:r>
+              <a:rPr lang="en-US" altLang="zh-TW" sz="1600" b="1" dirty="0"/>
+              <a:t>External </a:t>
+            </a:r>
+            <a:r>
+              <a:rPr lang="en-US" altLang="zh-TW" sz="1600" b="1" dirty="0" smtClean="0"/>
+              <a:t>Services</a:t>
+            </a:r>
+            <a:endParaRPr lang="en-US" altLang="zh-TW" sz="1600" dirty="0"/>
+          </a:p>
+        </p:txBody>
+      </p:sp>
+      <p:sp>
+        <p:nvSpPr>
+          <p:cNvPr id="25" name="Send Log F2L"/>
+          <p:cNvSpPr/>
+          <p:nvPr/>
+        </p:nvSpPr>
+        <p:spPr>
+          <a:xfrm rot="5400000">
+            <a:off x="2121611" y="2671050"/>
+            <a:ext cx="360000" cy="288000"/>
+          </a:xfrm>
+          <a:prstGeom prst="rightArrow">
+            <a:avLst/>
+          </a:prstGeom>
+          <a:solidFill>
+            <a:srgbClr val="FF0000"/>
+          </a:solidFill>
+          <a:ln>
+            <a:solidFill>
+              <a:schemeClr val="tx1"/>
+            </a:solidFill>
+          </a:ln>
+        </p:spPr>
+        <p:style>
+          <a:lnRef idx="3">
+            <a:schemeClr val="lt1"/>
+          </a:lnRef>
+          <a:fillRef idx="1">
+            <a:schemeClr val="accent4"/>
+          </a:fillRef>
+          <a:effectRef idx="1">
+            <a:schemeClr val="accent4"/>
+          </a:effectRef>
+          <a:fontRef idx="minor">
+            <a:schemeClr val="lt1"/>
+          </a:fontRef>
+        </p:style>
+        <p:txBody>
+          <a:bodyPr rtlCol="0" anchor="ctr"/>
+          <a:lstStyle/>
+          <a:p>
+            <a:pPr algn="ctr"/>
+            <a:endParaRPr lang="zh-TW" altLang="en-US" sz="1200" b="1" dirty="0"/>
+          </a:p>
+        </p:txBody>
+      </p:sp>
+      <p:sp>
+        <p:nvSpPr>
+          <p:cNvPr id="26" name="Send Log F2L"/>
+          <p:cNvSpPr/>
+          <p:nvPr/>
+        </p:nvSpPr>
+        <p:spPr>
+          <a:xfrm rot="5400000">
+            <a:off x="2121611" y="3348011"/>
+            <a:ext cx="360000" cy="288000"/>
+          </a:xfrm>
+          <a:prstGeom prst="rightArrow">
+            <a:avLst/>
+          </a:prstGeom>
+          <a:solidFill>
+            <a:srgbClr val="FF0000"/>
+          </a:solidFill>
+          <a:ln>
+            <a:solidFill>
+              <a:schemeClr val="tx1"/>
+            </a:solidFill>
+          </a:ln>
+        </p:spPr>
+        <p:style>
+          <a:lnRef idx="3">
+            <a:schemeClr val="lt1"/>
+          </a:lnRef>
+          <a:fillRef idx="1">
+            <a:schemeClr val="accent4"/>
+          </a:fillRef>
+          <a:effectRef idx="1">
+            <a:schemeClr val="accent4"/>
+          </a:effectRef>
+          <a:fontRef idx="minor">
+            <a:schemeClr val="lt1"/>
+          </a:fontRef>
+        </p:style>
+        <p:txBody>
+          <a:bodyPr rtlCol="0" anchor="ctr"/>
+          <a:lstStyle/>
+          <a:p>
+            <a:pPr algn="ctr"/>
+            <a:endParaRPr lang="zh-TW" altLang="en-US" sz="1200" b="1" dirty="0"/>
+          </a:p>
+        </p:txBody>
+      </p:sp>
+      <p:sp>
+        <p:nvSpPr>
+          <p:cNvPr id="27" name="Send Log F2L"/>
+          <p:cNvSpPr/>
+          <p:nvPr/>
+        </p:nvSpPr>
+        <p:spPr>
+          <a:xfrm rot="5400000">
+            <a:off x="2121611" y="1994089"/>
+            <a:ext cx="360000" cy="288000"/>
+          </a:xfrm>
+          <a:prstGeom prst="rightArrow">
+            <a:avLst/>
+          </a:prstGeom>
+          <a:solidFill>
+            <a:srgbClr val="FF0000"/>
+          </a:solidFill>
+          <a:ln>
+            <a:solidFill>
+              <a:schemeClr val="tx1"/>
+            </a:solidFill>
+          </a:ln>
+        </p:spPr>
+        <p:style>
+          <a:lnRef idx="3">
+            <a:schemeClr val="lt1"/>
+          </a:lnRef>
+          <a:fillRef idx="1">
+            <a:schemeClr val="accent4"/>
+          </a:fillRef>
+          <a:effectRef idx="1">
+            <a:schemeClr val="accent4"/>
+          </a:effectRef>
+          <a:fontRef idx="minor">
+            <a:schemeClr val="lt1"/>
+          </a:fontRef>
+        </p:style>
+        <p:txBody>
+          <a:bodyPr rtlCol="0" anchor="ctr"/>
+          <a:lstStyle/>
+          <a:p>
+            <a:pPr algn="ctr"/>
+            <a:endParaRPr lang="zh-TW" altLang="en-US" sz="1200" b="1" dirty="0"/>
+          </a:p>
+        </p:txBody>
+      </p:sp>
+      <p:sp>
+        <p:nvSpPr>
+          <p:cNvPr id="2" name="文字方塊 1"/>
+          <p:cNvSpPr txBox="1"/>
+          <p:nvPr/>
+        </p:nvSpPr>
+        <p:spPr>
+          <a:xfrm>
+            <a:off x="1907817" y="1665048"/>
+            <a:ext cx="787588" cy="307777"/>
+          </a:xfrm>
+          <a:prstGeom prst="rect">
+            <a:avLst/>
+          </a:prstGeom>
+          <a:noFill/>
+        </p:spPr>
+        <p:txBody>
+          <a:bodyPr wrap="none" rtlCol="0">
+            <a:spAutoFit/>
+          </a:bodyPr>
+          <a:lstStyle/>
+          <a:p>
+            <a:r>
+              <a:rPr lang="en-US" altLang="zh-TW" sz="1400" b="1" dirty="0" smtClean="0">
+                <a:solidFill>
+                  <a:srgbClr val="C00000"/>
+                </a:solidFill>
+              </a:rPr>
+              <a:t>Request</a:t>
+            </a:r>
+            <a:endParaRPr lang="zh-TW" altLang="en-US" sz="1400" b="1" dirty="0">
+              <a:solidFill>
+                <a:srgbClr val="C00000"/>
+              </a:solidFill>
+            </a:endParaRPr>
+          </a:p>
+        </p:txBody>
+      </p:sp>
+      <p:sp>
+        <p:nvSpPr>
+          <p:cNvPr id="36" name="Send Log F2L"/>
+          <p:cNvSpPr/>
+          <p:nvPr/>
+        </p:nvSpPr>
+        <p:spPr>
+          <a:xfrm rot="5400000">
+            <a:off x="2121611" y="4024971"/>
+            <a:ext cx="360000" cy="288000"/>
+          </a:xfrm>
+          <a:prstGeom prst="rightArrow">
+            <a:avLst/>
+          </a:prstGeom>
+          <a:solidFill>
+            <a:srgbClr val="FF0000"/>
+          </a:solidFill>
+          <a:ln>
+            <a:solidFill>
+              <a:schemeClr val="tx1"/>
+            </a:solidFill>
+          </a:ln>
+        </p:spPr>
+        <p:style>
+          <a:lnRef idx="3">
+            <a:schemeClr val="lt1"/>
+          </a:lnRef>
+          <a:fillRef idx="1">
+            <a:schemeClr val="accent4"/>
+          </a:fillRef>
+          <a:effectRef idx="1">
+            <a:schemeClr val="accent4"/>
+          </a:effectRef>
+          <a:fontRef idx="minor">
+            <a:schemeClr val="lt1"/>
+          </a:fontRef>
+        </p:style>
+        <p:txBody>
+          <a:bodyPr rtlCol="0" anchor="ctr"/>
+          <a:lstStyle/>
+          <a:p>
+            <a:pPr algn="ctr"/>
+            <a:endParaRPr lang="zh-TW" altLang="en-US" sz="1200" b="1" dirty="0"/>
+          </a:p>
+        </p:txBody>
+      </p:sp>
+      <p:sp>
+        <p:nvSpPr>
+          <p:cNvPr id="39" name="Send Log F2L"/>
+          <p:cNvSpPr/>
+          <p:nvPr/>
+        </p:nvSpPr>
+        <p:spPr>
+          <a:xfrm rot="5400000">
+            <a:off x="3850543" y="4026395"/>
+            <a:ext cx="360000" cy="288000"/>
+          </a:xfrm>
+          <a:prstGeom prst="rightArrow">
+            <a:avLst/>
+          </a:prstGeom>
+          <a:solidFill>
+            <a:srgbClr val="FF0000"/>
+          </a:solidFill>
+          <a:ln>
+            <a:solidFill>
+              <a:schemeClr val="tx1"/>
+            </a:solidFill>
+          </a:ln>
+        </p:spPr>
+        <p:style>
+          <a:lnRef idx="3">
+            <a:schemeClr val="lt1"/>
+          </a:lnRef>
+          <a:fillRef idx="1">
+            <a:schemeClr val="accent4"/>
+          </a:fillRef>
+          <a:effectRef idx="1">
+            <a:schemeClr val="accent4"/>
+          </a:effectRef>
+          <a:fontRef idx="minor">
+            <a:schemeClr val="lt1"/>
+          </a:fontRef>
+        </p:style>
+        <p:txBody>
+          <a:bodyPr rtlCol="0" anchor="ctr"/>
+          <a:lstStyle/>
+          <a:p>
+            <a:pPr algn="ctr"/>
+            <a:endParaRPr lang="zh-TW" altLang="en-US" sz="1200" b="1" dirty="0"/>
+          </a:p>
+        </p:txBody>
+      </p:sp>
+      <p:sp>
+        <p:nvSpPr>
+          <p:cNvPr id="47" name="矩形 46"/>
+          <p:cNvSpPr/>
+          <p:nvPr/>
+        </p:nvSpPr>
+        <p:spPr>
+          <a:xfrm>
+            <a:off x="5964473" y="2821790"/>
+            <a:ext cx="5400000" cy="576000"/>
+          </a:xfrm>
+          <a:prstGeom prst="rect">
+            <a:avLst/>
+          </a:prstGeom>
+          <a:ln w="19050">
+            <a:solidFill>
+              <a:srgbClr val="FF0000"/>
+            </a:solidFill>
+            <a:prstDash val="dash"/>
+          </a:ln>
+        </p:spPr>
+        <p:style>
+          <a:lnRef idx="1">
+            <a:schemeClr val="accent5"/>
+          </a:lnRef>
+          <a:fillRef idx="3">
+            <a:schemeClr val="accent5"/>
+          </a:fillRef>
+          <a:effectRef idx="2">
+            <a:schemeClr val="accent5"/>
+          </a:effectRef>
+          <a:fontRef idx="minor">
+            <a:schemeClr val="lt1"/>
+          </a:fontRef>
+        </p:style>
+        <p:txBody>
+          <a:bodyPr rtlCol="0" anchor="ctr"/>
+          <a:lstStyle/>
+          <a:p>
+            <a:r>
+              <a:rPr lang="en-US" altLang="zh-TW" sz="1600" b="1" dirty="0" smtClean="0"/>
+              <a:t>Service Layer</a:t>
+            </a:r>
+            <a:endParaRPr lang="en-US" altLang="zh-TW" sz="1600" dirty="0"/>
+          </a:p>
+        </p:txBody>
+      </p:sp>
+      <p:sp>
+        <p:nvSpPr>
+          <p:cNvPr id="48" name="矩形 47"/>
+          <p:cNvSpPr/>
+          <p:nvPr/>
+        </p:nvSpPr>
+        <p:spPr>
+          <a:xfrm>
+            <a:off x="5964473" y="2128733"/>
+            <a:ext cx="3657600" cy="576000"/>
+          </a:xfrm>
+          <a:prstGeom prst="rect">
+            <a:avLst/>
+          </a:prstGeom>
+        </p:spPr>
+        <p:style>
+          <a:lnRef idx="1">
+            <a:schemeClr val="accent6"/>
+          </a:lnRef>
+          <a:fillRef idx="3">
+            <a:schemeClr val="accent6"/>
+          </a:fillRef>
+          <a:effectRef idx="2">
+            <a:schemeClr val="accent6"/>
+          </a:effectRef>
+          <a:fontRef idx="minor">
+            <a:schemeClr val="lt1"/>
+          </a:fontRef>
+        </p:style>
+        <p:txBody>
+          <a:bodyPr rtlCol="0" anchor="ctr"/>
+          <a:lstStyle/>
+          <a:p>
+            <a:r>
+              <a:rPr lang="en-US" altLang="zh-TW" sz="1600" b="1" dirty="0"/>
+              <a:t>Presentation </a:t>
+            </a:r>
+            <a:r>
+              <a:rPr lang="en-US" altLang="zh-TW" sz="1600" b="1" dirty="0" smtClean="0"/>
+              <a:t>Layer</a:t>
+            </a:r>
+            <a:endParaRPr lang="en-US" altLang="zh-TW" sz="1600" dirty="0"/>
+          </a:p>
+        </p:txBody>
+      </p:sp>
+      <p:sp>
+        <p:nvSpPr>
+          <p:cNvPr id="49" name="矩形 48"/>
+          <p:cNvSpPr/>
+          <p:nvPr/>
+        </p:nvSpPr>
+        <p:spPr>
+          <a:xfrm>
+            <a:off x="5965757" y="1665048"/>
+            <a:ext cx="2590716" cy="360000"/>
+          </a:xfrm>
+          <a:prstGeom prst="rect">
+            <a:avLst/>
+          </a:prstGeom>
+        </p:spPr>
+        <p:style>
+          <a:lnRef idx="1">
+            <a:schemeClr val="accent3"/>
+          </a:lnRef>
+          <a:fillRef idx="3">
+            <a:schemeClr val="accent3"/>
+          </a:fillRef>
+          <a:effectRef idx="2">
+            <a:schemeClr val="accent3"/>
+          </a:effectRef>
+          <a:fontRef idx="minor">
+            <a:schemeClr val="lt1"/>
+          </a:fontRef>
+        </p:style>
+        <p:txBody>
+          <a:bodyPr rtlCol="0" anchor="ctr"/>
+          <a:lstStyle/>
+          <a:p>
+            <a:r>
+              <a:rPr lang="en-US" altLang="zh-TW" sz="1600" b="1" dirty="0" smtClean="0"/>
+              <a:t>Users</a:t>
+            </a:r>
+            <a:endParaRPr lang="en-US" altLang="zh-TW" sz="1600" dirty="0"/>
+          </a:p>
+        </p:txBody>
+      </p:sp>
+      <p:sp>
+        <p:nvSpPr>
+          <p:cNvPr id="51" name="矩形 50"/>
+          <p:cNvSpPr/>
+          <p:nvPr/>
+        </p:nvSpPr>
+        <p:spPr>
+          <a:xfrm>
+            <a:off x="5964473" y="4188996"/>
+            <a:ext cx="5400000" cy="576000"/>
+          </a:xfrm>
+          <a:prstGeom prst="rect">
+            <a:avLst/>
+          </a:prstGeom>
+        </p:spPr>
+        <p:style>
+          <a:lnRef idx="1">
+            <a:schemeClr val="accent1"/>
+          </a:lnRef>
+          <a:fillRef idx="3">
+            <a:schemeClr val="accent1"/>
+          </a:fillRef>
+          <a:effectRef idx="2">
+            <a:schemeClr val="accent1"/>
+          </a:effectRef>
+          <a:fontRef idx="minor">
+            <a:schemeClr val="lt1"/>
+          </a:fontRef>
+        </p:style>
+        <p:txBody>
+          <a:bodyPr rtlCol="0" anchor="ctr"/>
+          <a:lstStyle/>
+          <a:p>
+            <a:r>
+              <a:rPr lang="en-US" altLang="zh-TW" sz="1600" b="1" dirty="0" smtClean="0"/>
+              <a:t>Data Layer</a:t>
+            </a:r>
+            <a:endParaRPr lang="en-US" altLang="zh-TW" sz="1600" dirty="0"/>
+          </a:p>
+        </p:txBody>
+      </p:sp>
+      <p:sp>
+        <p:nvSpPr>
+          <p:cNvPr id="55" name="矩形 54"/>
+          <p:cNvSpPr/>
+          <p:nvPr/>
+        </p:nvSpPr>
+        <p:spPr>
+          <a:xfrm>
+            <a:off x="5964473" y="3498157"/>
+            <a:ext cx="5400000" cy="576000"/>
+          </a:xfrm>
+          <a:prstGeom prst="rect">
+            <a:avLst/>
+          </a:prstGeom>
+        </p:spPr>
+        <p:style>
+          <a:lnRef idx="0">
+            <a:schemeClr val="accent2"/>
+          </a:lnRef>
+          <a:fillRef idx="3">
+            <a:schemeClr val="accent2"/>
+          </a:fillRef>
+          <a:effectRef idx="3">
+            <a:schemeClr val="accent2"/>
+          </a:effectRef>
+          <a:fontRef idx="minor">
+            <a:schemeClr val="lt1"/>
+          </a:fontRef>
+        </p:style>
+        <p:txBody>
+          <a:bodyPr rtlCol="0" anchor="ctr"/>
+          <a:lstStyle/>
+          <a:p>
+            <a:r>
+              <a:rPr lang="en-US" altLang="zh-TW" sz="1600" b="1" dirty="0"/>
+              <a:t>Business Layer</a:t>
+            </a:r>
+            <a:endParaRPr lang="en-US" altLang="zh-TW" sz="1600" dirty="0"/>
+          </a:p>
+        </p:txBody>
+      </p:sp>
+      <p:sp>
+        <p:nvSpPr>
+          <p:cNvPr id="56" name="圓角矩形 55"/>
+          <p:cNvSpPr/>
+          <p:nvPr/>
+        </p:nvSpPr>
+        <p:spPr>
+          <a:xfrm>
+            <a:off x="8224809" y="2239937"/>
+            <a:ext cx="1332000" cy="360000"/>
+          </a:xfrm>
+          <a:prstGeom prst="roundRect">
+            <a:avLst/>
+          </a:prstGeom>
+        </p:spPr>
+        <p:style>
+          <a:lnRef idx="0">
+            <a:schemeClr val="accent4"/>
+          </a:lnRef>
+          <a:fillRef idx="3">
+            <a:schemeClr val="accent4"/>
+          </a:fillRef>
+          <a:effectRef idx="3">
+            <a:schemeClr val="accent4"/>
+          </a:effectRef>
+          <a:fontRef idx="minor">
+            <a:schemeClr val="lt1"/>
+          </a:fontRef>
+        </p:style>
+        <p:txBody>
+          <a:bodyPr rtlCol="0" anchor="ctr"/>
+          <a:lstStyle/>
+          <a:p>
+            <a:pPr algn="ctr"/>
+            <a:r>
+              <a:rPr lang="en-US" altLang="zh-TW" sz="1600" dirty="0" smtClean="0">
+                <a:solidFill>
+                  <a:schemeClr val="tx1"/>
+                </a:solidFill>
+              </a:rPr>
+              <a:t>Components</a:t>
+            </a:r>
+            <a:endParaRPr lang="zh-TW" altLang="en-US" sz="1600" dirty="0">
+              <a:solidFill>
+                <a:schemeClr val="tx1"/>
+              </a:solidFill>
+            </a:endParaRPr>
+          </a:p>
+        </p:txBody>
+      </p:sp>
+      <p:sp>
+        <p:nvSpPr>
+          <p:cNvPr id="62" name="圓角矩形 61"/>
+          <p:cNvSpPr/>
+          <p:nvPr/>
+        </p:nvSpPr>
+        <p:spPr>
+          <a:xfrm>
+            <a:off x="8224809" y="3606157"/>
+            <a:ext cx="1332000" cy="360000"/>
+          </a:xfrm>
+          <a:prstGeom prst="roundRect">
+            <a:avLst/>
+          </a:prstGeom>
+        </p:spPr>
+        <p:style>
+          <a:lnRef idx="0">
+            <a:schemeClr val="accent4"/>
+          </a:lnRef>
+          <a:fillRef idx="3">
+            <a:schemeClr val="accent4"/>
+          </a:fillRef>
+          <a:effectRef idx="3">
+            <a:schemeClr val="accent4"/>
+          </a:effectRef>
+          <a:fontRef idx="minor">
+            <a:schemeClr val="lt1"/>
+          </a:fontRef>
+        </p:style>
+        <p:txBody>
+          <a:bodyPr rtlCol="0" anchor="ctr"/>
+          <a:lstStyle/>
+          <a:p>
+            <a:pPr algn="ctr"/>
+            <a:r>
+              <a:rPr lang="en-US" altLang="zh-TW" sz="1600" dirty="0">
+                <a:solidFill>
+                  <a:schemeClr val="tx1"/>
+                </a:solidFill>
+              </a:rPr>
+              <a:t>Component</a:t>
+            </a:r>
+            <a:endParaRPr lang="zh-TW" altLang="en-US" sz="1600" dirty="0">
+              <a:solidFill>
+                <a:schemeClr val="tx1"/>
+              </a:solidFill>
+            </a:endParaRPr>
+          </a:p>
+        </p:txBody>
+      </p:sp>
+      <p:sp>
+        <p:nvSpPr>
+          <p:cNvPr id="63" name="圓角矩形 62"/>
+          <p:cNvSpPr/>
+          <p:nvPr/>
+        </p:nvSpPr>
+        <p:spPr>
+          <a:xfrm>
+            <a:off x="9819050" y="3606157"/>
+            <a:ext cx="1332000" cy="360000"/>
+          </a:xfrm>
+          <a:prstGeom prst="roundRect">
+            <a:avLst/>
+          </a:prstGeom>
+        </p:spPr>
+        <p:style>
+          <a:lnRef idx="0">
+            <a:schemeClr val="accent4"/>
+          </a:lnRef>
+          <a:fillRef idx="3">
+            <a:schemeClr val="accent4"/>
+          </a:fillRef>
+          <a:effectRef idx="3">
+            <a:schemeClr val="accent4"/>
+          </a:effectRef>
+          <a:fontRef idx="minor">
+            <a:schemeClr val="lt1"/>
+          </a:fontRef>
+        </p:style>
+        <p:txBody>
+          <a:bodyPr rtlCol="0" anchor="ctr"/>
+          <a:lstStyle/>
+          <a:p>
+            <a:pPr algn="ctr"/>
+            <a:r>
+              <a:rPr lang="en-US" altLang="zh-TW" sz="1600" dirty="0">
+                <a:solidFill>
+                  <a:schemeClr val="tx1"/>
+                </a:solidFill>
+              </a:rPr>
+              <a:t>Component</a:t>
+            </a:r>
+            <a:endParaRPr lang="zh-TW" altLang="en-US" sz="1600" dirty="0">
+              <a:solidFill>
+                <a:schemeClr val="tx1"/>
+              </a:solidFill>
+            </a:endParaRPr>
+          </a:p>
+        </p:txBody>
+      </p:sp>
+      <p:sp>
+        <p:nvSpPr>
+          <p:cNvPr id="64" name="圓角矩形 63"/>
+          <p:cNvSpPr/>
+          <p:nvPr/>
+        </p:nvSpPr>
+        <p:spPr>
+          <a:xfrm>
+            <a:off x="8224809" y="4296996"/>
+            <a:ext cx="1332000" cy="360000"/>
+          </a:xfrm>
+          <a:prstGeom prst="roundRect">
+            <a:avLst/>
+          </a:prstGeom>
+        </p:spPr>
+        <p:style>
+          <a:lnRef idx="0">
+            <a:schemeClr val="accent4"/>
+          </a:lnRef>
+          <a:fillRef idx="3">
+            <a:schemeClr val="accent4"/>
+          </a:fillRef>
+          <a:effectRef idx="3">
+            <a:schemeClr val="accent4"/>
+          </a:effectRef>
+          <a:fontRef idx="minor">
+            <a:schemeClr val="lt1"/>
+          </a:fontRef>
+        </p:style>
+        <p:txBody>
+          <a:bodyPr rtlCol="0" anchor="ctr"/>
+          <a:lstStyle/>
+          <a:p>
+            <a:pPr algn="ctr"/>
+            <a:r>
+              <a:rPr lang="en-US" altLang="zh-TW" sz="1600" dirty="0">
+                <a:solidFill>
+                  <a:schemeClr val="tx1"/>
+                </a:solidFill>
+              </a:rPr>
+              <a:t>Component</a:t>
+            </a:r>
+            <a:endParaRPr lang="zh-TW" altLang="en-US" sz="1600" dirty="0">
+              <a:solidFill>
+                <a:schemeClr val="tx1"/>
+              </a:solidFill>
+            </a:endParaRPr>
+          </a:p>
+        </p:txBody>
+      </p:sp>
+      <p:sp>
+        <p:nvSpPr>
+          <p:cNvPr id="65" name="圓角矩形 64"/>
+          <p:cNvSpPr/>
+          <p:nvPr/>
+        </p:nvSpPr>
+        <p:spPr>
+          <a:xfrm>
+            <a:off x="9819050" y="4296996"/>
+            <a:ext cx="1332000" cy="360000"/>
+          </a:xfrm>
+          <a:prstGeom prst="roundRect">
+            <a:avLst/>
+          </a:prstGeom>
+        </p:spPr>
+        <p:style>
+          <a:lnRef idx="0">
+            <a:schemeClr val="accent4"/>
+          </a:lnRef>
+          <a:fillRef idx="3">
+            <a:schemeClr val="accent4"/>
+          </a:fillRef>
+          <a:effectRef idx="3">
+            <a:schemeClr val="accent4"/>
+          </a:effectRef>
+          <a:fontRef idx="minor">
+            <a:schemeClr val="lt1"/>
+          </a:fontRef>
+        </p:style>
+        <p:txBody>
+          <a:bodyPr rtlCol="0" anchor="ctr"/>
+          <a:lstStyle/>
+          <a:p>
+            <a:pPr algn="ctr"/>
+            <a:r>
+              <a:rPr lang="en-US" altLang="zh-TW" sz="1600" dirty="0">
+                <a:solidFill>
+                  <a:schemeClr val="tx1"/>
+                </a:solidFill>
+              </a:rPr>
+              <a:t>Component</a:t>
+            </a:r>
+            <a:endParaRPr lang="zh-TW" altLang="en-US" sz="1600" dirty="0">
+              <a:solidFill>
+                <a:schemeClr val="tx1"/>
+              </a:solidFill>
+            </a:endParaRPr>
+          </a:p>
+        </p:txBody>
+      </p:sp>
+      <p:sp>
+        <p:nvSpPr>
+          <p:cNvPr id="66" name="矩形 65"/>
+          <p:cNvSpPr/>
+          <p:nvPr/>
+        </p:nvSpPr>
+        <p:spPr>
+          <a:xfrm>
+            <a:off x="5964473" y="4878373"/>
+            <a:ext cx="2592000" cy="360000"/>
+          </a:xfrm>
+          <a:prstGeom prst="rect">
+            <a:avLst/>
+          </a:prstGeom>
+        </p:spPr>
+        <p:style>
+          <a:lnRef idx="1">
+            <a:schemeClr val="accent3"/>
+          </a:lnRef>
+          <a:fillRef idx="3">
+            <a:schemeClr val="accent3"/>
+          </a:fillRef>
+          <a:effectRef idx="2">
+            <a:schemeClr val="accent3"/>
+          </a:effectRef>
+          <a:fontRef idx="minor">
+            <a:schemeClr val="lt1"/>
+          </a:fontRef>
+        </p:style>
+        <p:txBody>
+          <a:bodyPr rtlCol="0" anchor="ctr"/>
+          <a:lstStyle/>
+          <a:p>
+            <a:pPr algn="ctr"/>
+            <a:r>
+              <a:rPr lang="en-US" altLang="zh-TW" sz="1600" b="1" dirty="0" smtClean="0"/>
+              <a:t>Database</a:t>
+            </a:r>
+            <a:endParaRPr lang="en-US" altLang="zh-TW" sz="1600" dirty="0"/>
+          </a:p>
+        </p:txBody>
+      </p:sp>
+      <p:sp>
+        <p:nvSpPr>
+          <p:cNvPr id="67" name="矩形 66"/>
+          <p:cNvSpPr/>
+          <p:nvPr/>
+        </p:nvSpPr>
+        <p:spPr>
+          <a:xfrm>
+            <a:off x="8772473" y="4878373"/>
+            <a:ext cx="2592000" cy="360000"/>
+          </a:xfrm>
+          <a:prstGeom prst="rect">
+            <a:avLst/>
+          </a:prstGeom>
+        </p:spPr>
+        <p:style>
+          <a:lnRef idx="1">
+            <a:schemeClr val="accent3"/>
+          </a:lnRef>
+          <a:fillRef idx="3">
+            <a:schemeClr val="accent3"/>
+          </a:fillRef>
+          <a:effectRef idx="2">
+            <a:schemeClr val="accent3"/>
+          </a:effectRef>
+          <a:fontRef idx="minor">
+            <a:schemeClr val="lt1"/>
+          </a:fontRef>
+        </p:style>
+        <p:txBody>
+          <a:bodyPr rtlCol="0" anchor="ctr"/>
+          <a:lstStyle/>
+          <a:p>
+            <a:pPr algn="ctr"/>
+            <a:r>
+              <a:rPr lang="en-US" altLang="zh-TW" sz="1600" b="1" dirty="0"/>
+              <a:t>External </a:t>
+            </a:r>
+            <a:r>
+              <a:rPr lang="en-US" altLang="zh-TW" sz="1600" b="1" dirty="0" smtClean="0"/>
+              <a:t>Services</a:t>
+            </a:r>
+            <a:endParaRPr lang="en-US" altLang="zh-TW" sz="1600" dirty="0"/>
+          </a:p>
+        </p:txBody>
+      </p:sp>
+      <p:sp>
+        <p:nvSpPr>
+          <p:cNvPr id="68" name="Send Log F2L"/>
+          <p:cNvSpPr/>
+          <p:nvPr/>
+        </p:nvSpPr>
+        <p:spPr>
+          <a:xfrm rot="5400000">
+            <a:off x="7782568" y="3343028"/>
+            <a:ext cx="360000" cy="288000"/>
+          </a:xfrm>
+          <a:prstGeom prst="rightArrow">
+            <a:avLst/>
+          </a:prstGeom>
+          <a:solidFill>
+            <a:srgbClr val="FF0000"/>
+          </a:solidFill>
+          <a:ln>
+            <a:solidFill>
+              <a:schemeClr val="tx1"/>
+            </a:solidFill>
+          </a:ln>
+        </p:spPr>
+        <p:style>
+          <a:lnRef idx="3">
+            <a:schemeClr val="lt1"/>
+          </a:lnRef>
+          <a:fillRef idx="1">
+            <a:schemeClr val="accent4"/>
+          </a:fillRef>
+          <a:effectRef idx="1">
+            <a:schemeClr val="accent4"/>
+          </a:effectRef>
+          <a:fontRef idx="minor">
+            <a:schemeClr val="lt1"/>
+          </a:fontRef>
+        </p:style>
+        <p:txBody>
+          <a:bodyPr rtlCol="0" anchor="ctr"/>
+          <a:lstStyle/>
+          <a:p>
+            <a:pPr algn="ctr"/>
+            <a:endParaRPr lang="zh-TW" altLang="en-US" sz="1200" b="1" dirty="0"/>
+          </a:p>
+        </p:txBody>
+      </p:sp>
+      <p:sp>
+        <p:nvSpPr>
+          <p:cNvPr id="69" name="Send Log F2L"/>
+          <p:cNvSpPr/>
+          <p:nvPr/>
+        </p:nvSpPr>
+        <p:spPr>
+          <a:xfrm rot="5400000">
+            <a:off x="7782568" y="4019989"/>
+            <a:ext cx="360000" cy="288000"/>
+          </a:xfrm>
+          <a:prstGeom prst="rightArrow">
+            <a:avLst/>
+          </a:prstGeom>
+          <a:solidFill>
+            <a:srgbClr val="FF0000"/>
+          </a:solidFill>
+          <a:ln>
+            <a:solidFill>
+              <a:schemeClr val="tx1"/>
+            </a:solidFill>
+          </a:ln>
+        </p:spPr>
+        <p:style>
+          <a:lnRef idx="3">
+            <a:schemeClr val="lt1"/>
+          </a:lnRef>
+          <a:fillRef idx="1">
+            <a:schemeClr val="accent4"/>
+          </a:fillRef>
+          <a:effectRef idx="1">
+            <a:schemeClr val="accent4"/>
+          </a:effectRef>
+          <a:fontRef idx="minor">
+            <a:schemeClr val="lt1"/>
+          </a:fontRef>
+        </p:style>
+        <p:txBody>
+          <a:bodyPr rtlCol="0" anchor="ctr"/>
+          <a:lstStyle/>
+          <a:p>
+            <a:pPr algn="ctr"/>
+            <a:endParaRPr lang="zh-TW" altLang="en-US" sz="1200" b="1" dirty="0"/>
+          </a:p>
+        </p:txBody>
+      </p:sp>
+      <p:sp>
+        <p:nvSpPr>
+          <p:cNvPr id="70" name="Send Log F2L"/>
+          <p:cNvSpPr/>
+          <p:nvPr/>
+        </p:nvSpPr>
+        <p:spPr>
+          <a:xfrm rot="5400000">
+            <a:off x="7782568" y="1982737"/>
+            <a:ext cx="360000" cy="288000"/>
+          </a:xfrm>
+          <a:prstGeom prst="rightArrow">
+            <a:avLst/>
+          </a:prstGeom>
+          <a:solidFill>
+            <a:srgbClr val="FF0000"/>
+          </a:solidFill>
+          <a:ln>
+            <a:solidFill>
+              <a:schemeClr val="tx1"/>
+            </a:solidFill>
+          </a:ln>
+        </p:spPr>
+        <p:style>
+          <a:lnRef idx="3">
+            <a:schemeClr val="lt1"/>
+          </a:lnRef>
+          <a:fillRef idx="1">
+            <a:schemeClr val="accent4"/>
+          </a:fillRef>
+          <a:effectRef idx="1">
+            <a:schemeClr val="accent4"/>
+          </a:effectRef>
+          <a:fontRef idx="minor">
+            <a:schemeClr val="lt1"/>
+          </a:fontRef>
+        </p:style>
+        <p:txBody>
+          <a:bodyPr rtlCol="0" anchor="ctr"/>
+          <a:lstStyle/>
+          <a:p>
+            <a:pPr algn="ctr"/>
+            <a:endParaRPr lang="zh-TW" altLang="en-US" sz="1200" b="1" dirty="0"/>
+          </a:p>
+        </p:txBody>
+      </p:sp>
+      <p:sp>
+        <p:nvSpPr>
+          <p:cNvPr id="71" name="文字方塊 70"/>
+          <p:cNvSpPr txBox="1"/>
+          <p:nvPr/>
+        </p:nvSpPr>
+        <p:spPr>
+          <a:xfrm>
+            <a:off x="7568774" y="1653696"/>
+            <a:ext cx="787588" cy="307777"/>
+          </a:xfrm>
+          <a:prstGeom prst="rect">
+            <a:avLst/>
+          </a:prstGeom>
+          <a:noFill/>
+        </p:spPr>
+        <p:txBody>
+          <a:bodyPr wrap="none" rtlCol="0">
+            <a:spAutoFit/>
+          </a:bodyPr>
+          <a:lstStyle/>
+          <a:p>
+            <a:r>
+              <a:rPr lang="en-US" altLang="zh-TW" sz="1400" b="1" dirty="0" smtClean="0">
+                <a:solidFill>
+                  <a:srgbClr val="C00000"/>
+                </a:solidFill>
+              </a:rPr>
+              <a:t>Request</a:t>
+            </a:r>
+            <a:endParaRPr lang="zh-TW" altLang="en-US" sz="1400" b="1" dirty="0">
+              <a:solidFill>
+                <a:srgbClr val="C00000"/>
+              </a:solidFill>
+            </a:endParaRPr>
+          </a:p>
+        </p:txBody>
+      </p:sp>
+      <p:sp>
+        <p:nvSpPr>
+          <p:cNvPr id="72" name="Send Log F2L"/>
+          <p:cNvSpPr/>
+          <p:nvPr/>
+        </p:nvSpPr>
+        <p:spPr>
+          <a:xfrm rot="5400000">
+            <a:off x="7782568" y="4696949"/>
+            <a:ext cx="360000" cy="288000"/>
+          </a:xfrm>
+          <a:prstGeom prst="rightArrow">
+            <a:avLst/>
+          </a:prstGeom>
+          <a:solidFill>
+            <a:srgbClr val="FF0000"/>
+          </a:solidFill>
+          <a:ln>
+            <a:solidFill>
+              <a:schemeClr val="tx1"/>
+            </a:solidFill>
+          </a:ln>
+        </p:spPr>
+        <p:style>
+          <a:lnRef idx="3">
+            <a:schemeClr val="lt1"/>
+          </a:lnRef>
+          <a:fillRef idx="1">
+            <a:schemeClr val="accent4"/>
+          </a:fillRef>
+          <a:effectRef idx="1">
+            <a:schemeClr val="accent4"/>
+          </a:effectRef>
+          <a:fontRef idx="minor">
+            <a:schemeClr val="lt1"/>
+          </a:fontRef>
+        </p:style>
+        <p:txBody>
+          <a:bodyPr rtlCol="0" anchor="ctr"/>
+          <a:lstStyle/>
+          <a:p>
+            <a:pPr algn="ctr"/>
+            <a:endParaRPr lang="zh-TW" altLang="en-US" sz="1200" b="1" dirty="0"/>
+          </a:p>
+        </p:txBody>
+      </p:sp>
+      <p:sp>
+        <p:nvSpPr>
+          <p:cNvPr id="73" name="Send Log F2L"/>
+          <p:cNvSpPr/>
+          <p:nvPr/>
+        </p:nvSpPr>
+        <p:spPr>
+          <a:xfrm rot="5400000">
+            <a:off x="9511500" y="4698373"/>
+            <a:ext cx="360000" cy="288000"/>
+          </a:xfrm>
+          <a:prstGeom prst="rightArrow">
+            <a:avLst/>
+          </a:prstGeom>
+          <a:solidFill>
+            <a:srgbClr val="FF0000"/>
+          </a:solidFill>
+          <a:ln>
+            <a:solidFill>
+              <a:schemeClr val="tx1"/>
+            </a:solidFill>
+          </a:ln>
+        </p:spPr>
+        <p:style>
+          <a:lnRef idx="3">
+            <a:schemeClr val="lt1"/>
+          </a:lnRef>
+          <a:fillRef idx="1">
+            <a:schemeClr val="accent4"/>
+          </a:fillRef>
+          <a:effectRef idx="1">
+            <a:schemeClr val="accent4"/>
+          </a:effectRef>
+          <a:fontRef idx="minor">
+            <a:schemeClr val="lt1"/>
+          </a:fontRef>
+        </p:style>
+        <p:txBody>
+          <a:bodyPr rtlCol="0" anchor="ctr"/>
+          <a:lstStyle/>
+          <a:p>
+            <a:pPr algn="ctr"/>
+            <a:endParaRPr lang="zh-TW" altLang="en-US" sz="1200" b="1" dirty="0"/>
+          </a:p>
+        </p:txBody>
+      </p:sp>
+      <p:sp>
+        <p:nvSpPr>
+          <p:cNvPr id="74" name="圓角矩形 73"/>
+          <p:cNvSpPr/>
+          <p:nvPr/>
+        </p:nvSpPr>
+        <p:spPr>
+          <a:xfrm>
+            <a:off x="8236317" y="2914479"/>
+            <a:ext cx="1332000" cy="360000"/>
+          </a:xfrm>
+          <a:prstGeom prst="roundRect">
+            <a:avLst/>
+          </a:prstGeom>
+        </p:spPr>
+        <p:style>
+          <a:lnRef idx="0">
+            <a:schemeClr val="accent4"/>
+          </a:lnRef>
+          <a:fillRef idx="3">
+            <a:schemeClr val="accent4"/>
+          </a:fillRef>
+          <a:effectRef idx="3">
+            <a:schemeClr val="accent4"/>
+          </a:effectRef>
+          <a:fontRef idx="minor">
+            <a:schemeClr val="lt1"/>
+          </a:fontRef>
+        </p:style>
+        <p:txBody>
+          <a:bodyPr rtlCol="0" anchor="ctr"/>
+          <a:lstStyle/>
+          <a:p>
+            <a:pPr algn="ctr"/>
+            <a:r>
+              <a:rPr lang="en-US" altLang="zh-TW" sz="1600" dirty="0">
+                <a:solidFill>
+                  <a:schemeClr val="tx1"/>
+                </a:solidFill>
+              </a:rPr>
+              <a:t>Component</a:t>
+            </a:r>
+            <a:endParaRPr lang="zh-TW" altLang="en-US" sz="1600" dirty="0">
+              <a:solidFill>
+                <a:schemeClr val="tx1"/>
+              </a:solidFill>
+            </a:endParaRPr>
+          </a:p>
+        </p:txBody>
+      </p:sp>
+      <p:sp>
+        <p:nvSpPr>
+          <p:cNvPr id="75" name="圓角矩形 74"/>
+          <p:cNvSpPr/>
+          <p:nvPr/>
+        </p:nvSpPr>
+        <p:spPr>
+          <a:xfrm>
+            <a:off x="9830558" y="2914479"/>
+            <a:ext cx="1332000" cy="360000"/>
+          </a:xfrm>
+          <a:prstGeom prst="roundRect">
+            <a:avLst/>
+          </a:prstGeom>
+        </p:spPr>
+        <p:style>
+          <a:lnRef idx="0">
+            <a:schemeClr val="accent4"/>
+          </a:lnRef>
+          <a:fillRef idx="3">
+            <a:schemeClr val="accent4"/>
+          </a:fillRef>
+          <a:effectRef idx="3">
+            <a:schemeClr val="accent4"/>
+          </a:effectRef>
+          <a:fontRef idx="minor">
+            <a:schemeClr val="lt1"/>
+          </a:fontRef>
+        </p:style>
+        <p:txBody>
+          <a:bodyPr rtlCol="0" anchor="ctr"/>
+          <a:lstStyle/>
+          <a:p>
+            <a:pPr algn="ctr"/>
+            <a:r>
+              <a:rPr lang="en-US" altLang="zh-TW" sz="1600" dirty="0">
+                <a:solidFill>
+                  <a:schemeClr val="tx1"/>
+                </a:solidFill>
+              </a:rPr>
+              <a:t>Component</a:t>
+            </a:r>
+            <a:endParaRPr lang="zh-TW" altLang="en-US" sz="1600" dirty="0">
+              <a:solidFill>
+                <a:schemeClr val="tx1"/>
+              </a:solidFill>
+            </a:endParaRPr>
+          </a:p>
+        </p:txBody>
+      </p:sp>
+      <p:sp>
+        <p:nvSpPr>
+          <p:cNvPr id="76" name="矩形 75"/>
+          <p:cNvSpPr/>
+          <p:nvPr/>
+        </p:nvSpPr>
+        <p:spPr>
+          <a:xfrm>
+            <a:off x="8772473" y="1665048"/>
+            <a:ext cx="2592000" cy="360000"/>
+          </a:xfrm>
+          <a:prstGeom prst="rect">
+            <a:avLst/>
+          </a:prstGeom>
+        </p:spPr>
+        <p:style>
+          <a:lnRef idx="1">
+            <a:schemeClr val="accent3"/>
+          </a:lnRef>
+          <a:fillRef idx="3">
+            <a:schemeClr val="accent3"/>
+          </a:fillRef>
+          <a:effectRef idx="2">
+            <a:schemeClr val="accent3"/>
+          </a:effectRef>
+          <a:fontRef idx="minor">
+            <a:schemeClr val="lt1"/>
+          </a:fontRef>
+        </p:style>
+        <p:txBody>
+          <a:bodyPr rtlCol="0" anchor="ctr"/>
+          <a:lstStyle/>
+          <a:p>
+            <a:r>
+              <a:rPr lang="en-US" altLang="zh-TW" sz="1600" b="1" dirty="0"/>
+              <a:t>External </a:t>
+            </a:r>
+            <a:r>
+              <a:rPr lang="en-US" altLang="zh-TW" sz="1600" b="1" dirty="0" smtClean="0"/>
+              <a:t>Systems</a:t>
+            </a:r>
+            <a:endParaRPr lang="en-US" altLang="zh-TW" sz="1600" dirty="0"/>
+          </a:p>
+        </p:txBody>
+      </p:sp>
+      <p:sp>
+        <p:nvSpPr>
+          <p:cNvPr id="77" name="Send Log F2L"/>
+          <p:cNvSpPr/>
+          <p:nvPr/>
+        </p:nvSpPr>
+        <p:spPr>
+          <a:xfrm rot="5400000">
+            <a:off x="10522010" y="2270737"/>
+            <a:ext cx="936000" cy="288000"/>
+          </a:xfrm>
+          <a:prstGeom prst="rightArrow">
+            <a:avLst/>
+          </a:prstGeom>
+          <a:solidFill>
+            <a:srgbClr val="FF0000"/>
+          </a:solidFill>
+          <a:ln>
+            <a:solidFill>
+              <a:schemeClr val="tx1"/>
+            </a:solidFill>
+          </a:ln>
+        </p:spPr>
+        <p:style>
+          <a:lnRef idx="3">
+            <a:schemeClr val="lt1"/>
+          </a:lnRef>
+          <a:fillRef idx="1">
+            <a:schemeClr val="accent4"/>
+          </a:fillRef>
+          <a:effectRef idx="1">
+            <a:schemeClr val="accent4"/>
+          </a:effectRef>
+          <a:fontRef idx="minor">
+            <a:schemeClr val="lt1"/>
+          </a:fontRef>
+        </p:style>
+        <p:txBody>
+          <a:bodyPr rtlCol="0" anchor="ctr"/>
+          <a:lstStyle/>
+          <a:p>
+            <a:pPr algn="ctr"/>
+            <a:endParaRPr lang="zh-TW" altLang="en-US" sz="1200" b="1" dirty="0"/>
+          </a:p>
+        </p:txBody>
+      </p:sp>
+      <p:sp>
+        <p:nvSpPr>
+          <p:cNvPr id="78" name="文字方塊 77"/>
+          <p:cNvSpPr txBox="1"/>
+          <p:nvPr/>
+        </p:nvSpPr>
+        <p:spPr>
+          <a:xfrm>
+            <a:off x="10596216" y="1669743"/>
+            <a:ext cx="787588" cy="307777"/>
+          </a:xfrm>
+          <a:prstGeom prst="rect">
+            <a:avLst/>
+          </a:prstGeom>
+          <a:noFill/>
+        </p:spPr>
+        <p:txBody>
+          <a:bodyPr wrap="none" rtlCol="0">
+            <a:spAutoFit/>
+          </a:bodyPr>
+          <a:lstStyle/>
+          <a:p>
+            <a:r>
+              <a:rPr lang="en-US" altLang="zh-TW" sz="1400" b="1" dirty="0" smtClean="0">
+                <a:solidFill>
+                  <a:srgbClr val="C00000"/>
+                </a:solidFill>
+              </a:rPr>
+              <a:t>Request</a:t>
+            </a:r>
+            <a:endParaRPr lang="zh-TW" altLang="en-US" sz="1400" b="1" dirty="0">
+              <a:solidFill>
+                <a:srgbClr val="C00000"/>
+              </a:solidFill>
+            </a:endParaRPr>
+          </a:p>
+        </p:txBody>
+      </p:sp>
+      <p:sp>
+        <p:nvSpPr>
+          <p:cNvPr id="79" name="Send Log F2L"/>
+          <p:cNvSpPr/>
+          <p:nvPr/>
+        </p:nvSpPr>
+        <p:spPr>
+          <a:xfrm rot="5400000">
+            <a:off x="7781197" y="2666067"/>
+            <a:ext cx="360000" cy="288000"/>
+          </a:xfrm>
+          <a:prstGeom prst="rightArrow">
+            <a:avLst/>
+          </a:prstGeom>
+          <a:solidFill>
+            <a:srgbClr val="FF0000"/>
+          </a:solidFill>
+          <a:ln>
+            <a:solidFill>
+              <a:schemeClr val="tx1"/>
+            </a:solidFill>
+          </a:ln>
+        </p:spPr>
+        <p:style>
+          <a:lnRef idx="3">
+            <a:schemeClr val="lt1"/>
+          </a:lnRef>
+          <a:fillRef idx="1">
+            <a:schemeClr val="accent4"/>
+          </a:fillRef>
+          <a:effectRef idx="1">
+            <a:schemeClr val="accent4"/>
+          </a:effectRef>
+          <a:fontRef idx="minor">
+            <a:schemeClr val="lt1"/>
+          </a:fontRef>
+        </p:style>
+        <p:txBody>
+          <a:bodyPr rtlCol="0" anchor="ctr"/>
+          <a:lstStyle/>
+          <a:p>
+            <a:pPr algn="ctr"/>
+            <a:endParaRPr lang="zh-TW" altLang="en-US" sz="1200" b="1" dirty="0"/>
+          </a:p>
+        </p:txBody>
+      </p:sp>
+    </p:spTree>
+    <p:extLst>
+      <p:ext uri="{BB962C8B-B14F-4D97-AF65-F5344CB8AC3E}">
+        <p14:creationId xmlns:p14="http://schemas.microsoft.com/office/powerpoint/2010/main" val="709949974"/>
+      </p:ext>
+    </p:extLst>
+  </p:cSld>
+  <p:clrMapOvr>
+    <a:masterClrMapping/>
+  </p:clrMapOvr>
+  <p:timing>
+    <p:tnLst>
+      <p:par>
+        <p:cTn id="1" dur="indefinite" restart="never" nodeType="tmRoot"/>
+      </p:par>
+    </p:tnLst>
+  </p:timing>
+</p:sld>
+</file>
+
+<file path=ppt/slides/slide21.xml><?xml version="1.0" encoding="utf-8"?>
+<p:sld xmlns:a="http://schemas.openxmlformats.org/drawingml/2006/main" xmlns:r="http://schemas.openxmlformats.org/officeDocument/2006/relationships" xmlns:p="http://schemas.openxmlformats.org/presentationml/2006/main">
+  <p:cSld>
+    <p:spTree>
+      <p:nvGrpSpPr>
+        <p:cNvPr id="1" name=""/>
+        <p:cNvGrpSpPr/>
+        <p:nvPr/>
+      </p:nvGrpSpPr>
+      <p:grpSpPr>
+        <a:xfrm>
+          <a:off x="0" y="0"/>
+          <a:ext cx="0" cy="0"/>
+          <a:chOff x="0" y="0"/>
+          <a:chExt cx="0" cy="0"/>
+        </a:xfrm>
+      </p:grpSpPr>
       <p:grpSp>
         <p:nvGrpSpPr>
           <p:cNvPr id="24" name="群組 23"/>
@@ -23573,6 +24143,566 @@
           <a:chExt cx="0" cy="0"/>
         </a:xfrm>
       </p:grpSpPr>
+      <p:sp>
+        <p:nvSpPr>
+          <p:cNvPr id="5" name="矩形 4"/>
+          <p:cNvSpPr/>
+          <p:nvPr/>
+        </p:nvSpPr>
+        <p:spPr>
+          <a:xfrm>
+            <a:off x="1066800" y="838199"/>
+            <a:ext cx="1905000" cy="3657601"/>
+          </a:xfrm>
+          <a:prstGeom prst="rect">
+            <a:avLst/>
+          </a:prstGeom>
+        </p:spPr>
+        <p:style>
+          <a:lnRef idx="1">
+            <a:schemeClr val="accent1"/>
+          </a:lnRef>
+          <a:fillRef idx="2">
+            <a:schemeClr val="accent1"/>
+          </a:fillRef>
+          <a:effectRef idx="1">
+            <a:schemeClr val="accent1"/>
+          </a:effectRef>
+          <a:fontRef idx="minor">
+            <a:schemeClr val="dk1"/>
+          </a:fontRef>
+        </p:style>
+        <p:txBody>
+          <a:bodyPr rtlCol="0" anchor="t"/>
+          <a:lstStyle/>
+          <a:p>
+            <a:r>
+              <a:rPr lang="en-US" altLang="zh-TW" dirty="0"/>
+              <a:t>Application </a:t>
+            </a:r>
+            <a:r>
+              <a:rPr lang="en-US" altLang="zh-TW" dirty="0" smtClean="0"/>
+              <a:t>– Start</a:t>
+            </a:r>
+          </a:p>
+          <a:p>
+            <a:endParaRPr lang="en-US" altLang="zh-TW" dirty="0"/>
+          </a:p>
+          <a:p>
+            <a:endParaRPr lang="en-US" altLang="zh-TW" dirty="0" smtClean="0"/>
+          </a:p>
+          <a:p>
+            <a:endParaRPr lang="en-US" altLang="zh-TW" dirty="0"/>
+          </a:p>
+          <a:p>
+            <a:endParaRPr lang="en-US" altLang="zh-TW" dirty="0" smtClean="0"/>
+          </a:p>
+          <a:p>
+            <a:endParaRPr lang="en-US" altLang="zh-TW" dirty="0"/>
+          </a:p>
+          <a:p>
+            <a:endParaRPr lang="en-US" altLang="zh-TW" dirty="0" smtClean="0"/>
+          </a:p>
+          <a:p>
+            <a:endParaRPr lang="en-US" altLang="zh-TW" dirty="0"/>
+          </a:p>
+          <a:p>
+            <a:endParaRPr lang="en-US" altLang="zh-TW" dirty="0" smtClean="0"/>
+          </a:p>
+          <a:p>
+            <a:endParaRPr lang="en-US" altLang="zh-TW" dirty="0"/>
+          </a:p>
+          <a:p>
+            <a:endParaRPr lang="en-US" altLang="zh-TW" dirty="0"/>
+          </a:p>
+          <a:p>
+            <a:endParaRPr lang="en-US" altLang="zh-TW" dirty="0"/>
+          </a:p>
+          <a:p>
+            <a:r>
+              <a:rPr lang="en-US" altLang="zh-TW" dirty="0"/>
+              <a:t>Application – </a:t>
+            </a:r>
+            <a:r>
+              <a:rPr lang="en-US" altLang="zh-TW" dirty="0" smtClean="0"/>
+              <a:t>End</a:t>
+            </a:r>
+            <a:endParaRPr lang="en-US" altLang="zh-TW" dirty="0"/>
+          </a:p>
+        </p:txBody>
+      </p:sp>
+      <p:sp>
+        <p:nvSpPr>
+          <p:cNvPr id="6" name="矩形 5"/>
+          <p:cNvSpPr/>
+          <p:nvPr/>
+        </p:nvSpPr>
+        <p:spPr>
+          <a:xfrm>
+            <a:off x="1066800" y="468868"/>
+            <a:ext cx="997517" cy="369332"/>
+          </a:xfrm>
+          <a:prstGeom prst="rect">
+            <a:avLst/>
+          </a:prstGeom>
+        </p:spPr>
+        <p:txBody>
+          <a:bodyPr wrap="none">
+            <a:spAutoFit/>
+          </a:bodyPr>
+          <a:lstStyle/>
+          <a:p>
+            <a:r>
+              <a:rPr lang="en-US" altLang="zh-TW" b="1" dirty="0" smtClean="0"/>
+              <a:t>Program</a:t>
+            </a:r>
+            <a:endParaRPr lang="zh-TW" altLang="en-US" b="1" dirty="0"/>
+          </a:p>
+        </p:txBody>
+      </p:sp>
+      <p:sp>
+        <p:nvSpPr>
+          <p:cNvPr id="7" name="矩形 6"/>
+          <p:cNvSpPr/>
+          <p:nvPr/>
+        </p:nvSpPr>
+        <p:spPr>
+          <a:xfrm>
+            <a:off x="3391099" y="1715307"/>
+            <a:ext cx="894156" cy="369332"/>
+          </a:xfrm>
+          <a:prstGeom prst="rect">
+            <a:avLst/>
+          </a:prstGeom>
+        </p:spPr>
+        <p:txBody>
+          <a:bodyPr wrap="none">
+            <a:spAutoFit/>
+          </a:bodyPr>
+          <a:lstStyle/>
+          <a:p>
+            <a:r>
+              <a:rPr lang="en-US" altLang="zh-TW" b="1" dirty="0" smtClean="0"/>
+              <a:t>Startup</a:t>
+            </a:r>
+            <a:endParaRPr lang="zh-TW" altLang="en-US" b="1" dirty="0"/>
+          </a:p>
+        </p:txBody>
+      </p:sp>
+      <p:sp>
+        <p:nvSpPr>
+          <p:cNvPr id="8" name="矩形 7"/>
+          <p:cNvSpPr/>
+          <p:nvPr/>
+        </p:nvSpPr>
+        <p:spPr>
+          <a:xfrm>
+            <a:off x="3478221" y="1194390"/>
+            <a:ext cx="1905000" cy="457200"/>
+          </a:xfrm>
+          <a:prstGeom prst="rect">
+            <a:avLst/>
+          </a:prstGeom>
+        </p:spPr>
+        <p:style>
+          <a:lnRef idx="1">
+            <a:schemeClr val="accent2"/>
+          </a:lnRef>
+          <a:fillRef idx="2">
+            <a:schemeClr val="accent2"/>
+          </a:fillRef>
+          <a:effectRef idx="1">
+            <a:schemeClr val="accent2"/>
+          </a:effectRef>
+          <a:fontRef idx="minor">
+            <a:schemeClr val="dk1"/>
+          </a:fontRef>
+        </p:style>
+        <p:txBody>
+          <a:bodyPr rtlCol="0" anchor="t"/>
+          <a:lstStyle/>
+          <a:p>
+            <a:r>
+              <a:rPr lang="en-US" altLang="zh-TW" dirty="0" err="1"/>
+              <a:t>ConfigureServices</a:t>
+            </a:r>
+            <a:endParaRPr lang="en-US" altLang="zh-TW" dirty="0"/>
+          </a:p>
+        </p:txBody>
+      </p:sp>
+      <p:sp>
+        <p:nvSpPr>
+          <p:cNvPr id="9" name="矩形 8"/>
+          <p:cNvSpPr/>
+          <p:nvPr/>
+        </p:nvSpPr>
+        <p:spPr>
+          <a:xfrm>
+            <a:off x="3478221" y="824542"/>
+            <a:ext cx="1802545" cy="369332"/>
+          </a:xfrm>
+          <a:prstGeom prst="rect">
+            <a:avLst/>
+          </a:prstGeom>
+        </p:spPr>
+        <p:txBody>
+          <a:bodyPr wrap="none">
+            <a:spAutoFit/>
+          </a:bodyPr>
+          <a:lstStyle/>
+          <a:p>
+            <a:r>
+              <a:rPr lang="en-US" altLang="zh-TW" b="1" dirty="0" err="1"/>
+              <a:t>WebHost</a:t>
+            </a:r>
+            <a:r>
+              <a:rPr lang="en-US" altLang="zh-TW" b="1" dirty="0"/>
+              <a:t> Builder</a:t>
+            </a:r>
+          </a:p>
+        </p:txBody>
+      </p:sp>
+      <p:sp>
+        <p:nvSpPr>
+          <p:cNvPr id="12" name="矩形 11"/>
+          <p:cNvSpPr/>
+          <p:nvPr/>
+        </p:nvSpPr>
+        <p:spPr>
+          <a:xfrm>
+            <a:off x="3487479" y="2084639"/>
+            <a:ext cx="1905000" cy="685800"/>
+          </a:xfrm>
+          <a:prstGeom prst="rect">
+            <a:avLst/>
+          </a:prstGeom>
+        </p:spPr>
+        <p:style>
+          <a:lnRef idx="1">
+            <a:schemeClr val="accent4"/>
+          </a:lnRef>
+          <a:fillRef idx="2">
+            <a:schemeClr val="accent4"/>
+          </a:fillRef>
+          <a:effectRef idx="1">
+            <a:schemeClr val="accent4"/>
+          </a:effectRef>
+          <a:fontRef idx="minor">
+            <a:schemeClr val="dk1"/>
+          </a:fontRef>
+        </p:style>
+        <p:txBody>
+          <a:bodyPr rtlCol="0" anchor="t"/>
+          <a:lstStyle/>
+          <a:p>
+            <a:r>
+              <a:rPr lang="en-US" altLang="zh-TW" dirty="0" err="1" smtClean="0"/>
+              <a:t>ConfigureServices</a:t>
+            </a:r>
+            <a:endParaRPr lang="en-US" altLang="zh-TW" dirty="0" smtClean="0"/>
+          </a:p>
+          <a:p>
+            <a:r>
+              <a:rPr lang="en-US" altLang="zh-TW" dirty="0"/>
+              <a:t>Configure</a:t>
+            </a:r>
+            <a:endParaRPr lang="en-US" altLang="zh-TW" dirty="0"/>
+          </a:p>
+        </p:txBody>
+      </p:sp>
+      <p:sp>
+        <p:nvSpPr>
+          <p:cNvPr id="13" name="矩形 12"/>
+          <p:cNvSpPr/>
+          <p:nvPr/>
+        </p:nvSpPr>
+        <p:spPr>
+          <a:xfrm>
+            <a:off x="5908159" y="2971800"/>
+            <a:ext cx="1905000" cy="1524000"/>
+          </a:xfrm>
+          <a:prstGeom prst="rect">
+            <a:avLst/>
+          </a:prstGeom>
+        </p:spPr>
+        <p:style>
+          <a:lnRef idx="1">
+            <a:schemeClr val="accent6"/>
+          </a:lnRef>
+          <a:fillRef idx="2">
+            <a:schemeClr val="accent6"/>
+          </a:fillRef>
+          <a:effectRef idx="1">
+            <a:schemeClr val="accent6"/>
+          </a:effectRef>
+          <a:fontRef idx="minor">
+            <a:schemeClr val="dk1"/>
+          </a:fontRef>
+        </p:style>
+        <p:txBody>
+          <a:bodyPr rtlCol="0" anchor="t"/>
+          <a:lstStyle/>
+          <a:p>
+            <a:pPr marL="72000"/>
+            <a:r>
+              <a:rPr lang="en-US" altLang="zh-TW" dirty="0" smtClean="0"/>
+              <a:t>Started</a:t>
+            </a:r>
+          </a:p>
+          <a:p>
+            <a:pPr marL="72000"/>
+            <a:r>
+              <a:rPr lang="en-US" altLang="zh-TW" dirty="0" smtClean="0"/>
+              <a:t>…</a:t>
+            </a:r>
+          </a:p>
+          <a:p>
+            <a:pPr marL="72000"/>
+            <a:r>
+              <a:rPr lang="en-US" altLang="zh-TW" dirty="0" err="1" smtClean="0"/>
+              <a:t>Stoping</a:t>
+            </a:r>
+            <a:endParaRPr lang="en-US" altLang="zh-TW" dirty="0" smtClean="0"/>
+          </a:p>
+          <a:p>
+            <a:pPr marL="72000"/>
+            <a:r>
+              <a:rPr lang="en-US" altLang="zh-TW" dirty="0" smtClean="0"/>
+              <a:t>…</a:t>
+            </a:r>
+            <a:endParaRPr lang="en-US" altLang="zh-TW" dirty="0"/>
+          </a:p>
+          <a:p>
+            <a:pPr marL="72000"/>
+            <a:r>
+              <a:rPr lang="en-US" altLang="zh-TW" dirty="0" smtClean="0"/>
+              <a:t>Started</a:t>
+            </a:r>
+          </a:p>
+        </p:txBody>
+      </p:sp>
+      <p:sp>
+        <p:nvSpPr>
+          <p:cNvPr id="14" name="矩形 13"/>
+          <p:cNvSpPr/>
+          <p:nvPr/>
+        </p:nvSpPr>
+        <p:spPr>
+          <a:xfrm>
+            <a:off x="5908158" y="2602468"/>
+            <a:ext cx="1063561" cy="369332"/>
+          </a:xfrm>
+          <a:prstGeom prst="rect">
+            <a:avLst/>
+          </a:prstGeom>
+        </p:spPr>
+        <p:txBody>
+          <a:bodyPr wrap="none">
+            <a:spAutoFit/>
+          </a:bodyPr>
+          <a:lstStyle/>
+          <a:p>
+            <a:r>
+              <a:rPr lang="en-US" altLang="zh-TW" b="1" dirty="0" err="1"/>
+              <a:t>WebHost</a:t>
+            </a:r>
+            <a:endParaRPr lang="zh-TW" altLang="en-US" b="1" dirty="0"/>
+          </a:p>
+        </p:txBody>
+      </p:sp>
+      <p:sp>
+        <p:nvSpPr>
+          <p:cNvPr id="15" name="向右箭號 14"/>
+          <p:cNvSpPr/>
+          <p:nvPr/>
+        </p:nvSpPr>
+        <p:spPr>
+          <a:xfrm>
+            <a:off x="2888658" y="1252520"/>
+            <a:ext cx="672706" cy="304800"/>
+          </a:xfrm>
+          <a:prstGeom prst="rightArrow">
+            <a:avLst/>
+          </a:prstGeom>
+        </p:spPr>
+        <p:style>
+          <a:lnRef idx="0">
+            <a:schemeClr val="accent5"/>
+          </a:lnRef>
+          <a:fillRef idx="3">
+            <a:schemeClr val="accent5"/>
+          </a:fillRef>
+          <a:effectRef idx="3">
+            <a:schemeClr val="accent5"/>
+          </a:effectRef>
+          <a:fontRef idx="minor">
+            <a:schemeClr val="lt1"/>
+          </a:fontRef>
+        </p:style>
+        <p:txBody>
+          <a:bodyPr rtlCol="0" anchor="ctr"/>
+          <a:lstStyle/>
+          <a:p>
+            <a:pPr algn="ctr"/>
+            <a:endParaRPr lang="zh-TW" altLang="en-US"/>
+          </a:p>
+        </p:txBody>
+      </p:sp>
+      <p:sp>
+        <p:nvSpPr>
+          <p:cNvPr id="16" name="向右箭號 15"/>
+          <p:cNvSpPr/>
+          <p:nvPr/>
+        </p:nvSpPr>
+        <p:spPr>
+          <a:xfrm rot="5400000">
+            <a:off x="4176427" y="1723936"/>
+            <a:ext cx="562544" cy="304800"/>
+          </a:xfrm>
+          <a:prstGeom prst="rightArrow">
+            <a:avLst/>
+          </a:prstGeom>
+        </p:spPr>
+        <p:style>
+          <a:lnRef idx="0">
+            <a:schemeClr val="accent5"/>
+          </a:lnRef>
+          <a:fillRef idx="3">
+            <a:schemeClr val="accent5"/>
+          </a:fillRef>
+          <a:effectRef idx="3">
+            <a:schemeClr val="accent5"/>
+          </a:effectRef>
+          <a:fontRef idx="minor">
+            <a:schemeClr val="lt1"/>
+          </a:fontRef>
+        </p:style>
+        <p:txBody>
+          <a:bodyPr rtlCol="0" anchor="ctr"/>
+          <a:lstStyle/>
+          <a:p>
+            <a:pPr algn="ctr"/>
+            <a:endParaRPr lang="zh-TW" altLang="en-US"/>
+          </a:p>
+        </p:txBody>
+      </p:sp>
+      <p:sp>
+        <p:nvSpPr>
+          <p:cNvPr id="18" name="向右箭號 17"/>
+          <p:cNvSpPr/>
+          <p:nvPr/>
+        </p:nvSpPr>
+        <p:spPr>
+          <a:xfrm rot="10800000">
+            <a:off x="2895600" y="4112307"/>
+            <a:ext cx="3124200" cy="304800"/>
+          </a:xfrm>
+          <a:prstGeom prst="rightArrow">
+            <a:avLst/>
+          </a:prstGeom>
+        </p:spPr>
+        <p:style>
+          <a:lnRef idx="0">
+            <a:schemeClr val="accent5"/>
+          </a:lnRef>
+          <a:fillRef idx="3">
+            <a:schemeClr val="accent5"/>
+          </a:fillRef>
+          <a:effectRef idx="3">
+            <a:schemeClr val="accent5"/>
+          </a:effectRef>
+          <a:fontRef idx="minor">
+            <a:schemeClr val="lt1"/>
+          </a:fontRef>
+        </p:style>
+        <p:txBody>
+          <a:bodyPr rtlCol="0" anchor="ctr"/>
+          <a:lstStyle/>
+          <a:p>
+            <a:pPr algn="ctr"/>
+            <a:endParaRPr lang="zh-TW" altLang="en-US"/>
+          </a:p>
+        </p:txBody>
+      </p:sp>
+      <p:sp>
+        <p:nvSpPr>
+          <p:cNvPr id="21" name="上彎箭號 20"/>
+          <p:cNvSpPr/>
+          <p:nvPr/>
+        </p:nvSpPr>
+        <p:spPr>
+          <a:xfrm rot="5400000">
+            <a:off x="4913363" y="2206900"/>
+            <a:ext cx="572565" cy="1640307"/>
+          </a:xfrm>
+          <a:prstGeom prst="bentUpArrow">
+            <a:avLst>
+              <a:gd name="adj1" fmla="val 29478"/>
+              <a:gd name="adj2" fmla="val 27826"/>
+              <a:gd name="adj3" fmla="val 32463"/>
+            </a:avLst>
+          </a:prstGeom>
+        </p:spPr>
+        <p:style>
+          <a:lnRef idx="0">
+            <a:schemeClr val="accent5"/>
+          </a:lnRef>
+          <a:fillRef idx="3">
+            <a:schemeClr val="accent5"/>
+          </a:fillRef>
+          <a:effectRef idx="3">
+            <a:schemeClr val="accent5"/>
+          </a:effectRef>
+          <a:fontRef idx="minor">
+            <a:schemeClr val="lt1"/>
+          </a:fontRef>
+        </p:style>
+        <p:txBody>
+          <a:bodyPr rtlCol="0" anchor="ctr"/>
+          <a:lstStyle/>
+          <a:p>
+            <a:pPr algn="ctr"/>
+            <a:endParaRPr lang="zh-TW" altLang="en-US"/>
+          </a:p>
+        </p:txBody>
+      </p:sp>
+    </p:spTree>
+    <p:extLst>
+      <p:ext uri="{BB962C8B-B14F-4D97-AF65-F5344CB8AC3E}">
+        <p14:creationId xmlns:p14="http://schemas.microsoft.com/office/powerpoint/2010/main" val="2832892607"/>
+      </p:ext>
+    </p:extLst>
+  </p:cSld>
+  <p:clrMapOvr>
+    <a:masterClrMapping/>
+  </p:clrMapOvr>
+  <p:timing>
+    <p:tnLst>
+      <p:par>
+        <p:cTn id="1" dur="indefinite" restart="never" nodeType="tmRoot"/>
+      </p:par>
+    </p:tnLst>
+  </p:timing>
+</p:sld>
+</file>
+
+<file path=ppt/slides/slide5.xml><?xml version="1.0" encoding="utf-8"?>
+<p:sld xmlns:a="http://schemas.openxmlformats.org/drawingml/2006/main" xmlns:r="http://schemas.openxmlformats.org/officeDocument/2006/relationships" xmlns:p="http://schemas.openxmlformats.org/presentationml/2006/main">
+  <p:cSld>
+    <p:spTree>
+      <p:nvGrpSpPr>
+        <p:cNvPr id="1" name=""/>
+        <p:cNvGrpSpPr/>
+        <p:nvPr/>
+      </p:nvGrpSpPr>
+      <p:grpSpPr>
+        <a:xfrm>
+          <a:off x="0" y="0"/>
+          <a:ext cx="0" cy="0"/>
+          <a:chOff x="0" y="0"/>
+          <a:chExt cx="0" cy="0"/>
+        </a:xfrm>
+      </p:grpSpPr>
       <p:grpSp>
         <p:nvGrpSpPr>
           <p:cNvPr id="20" name="群組 19"/>
@@ -25027,7 +26157,7 @@
 </p:sld>
 </file>
 
-<file path=ppt/slides/slide5.xml><?xml version="1.0" encoding="utf-8"?>
+<file path=ppt/slides/slide6.xml><?xml version="1.0" encoding="utf-8"?>
 <p:sld xmlns:a="http://schemas.openxmlformats.org/drawingml/2006/main" xmlns:r="http://schemas.openxmlformats.org/officeDocument/2006/relationships" xmlns:p="http://schemas.openxmlformats.org/presentationml/2006/main">
   <p:cSld>
     <p:spTree>
@@ -26750,1771 +27880,6 @@
     <p:extLst>
       <p:ext uri="{BB962C8B-B14F-4D97-AF65-F5344CB8AC3E}">
         <p14:creationId xmlns:p14="http://schemas.microsoft.com/office/powerpoint/2010/main" val="4099442769"/>
-      </p:ext>
-    </p:extLst>
-  </p:cSld>
-  <p:clrMapOvr>
-    <a:masterClrMapping/>
-  </p:clrMapOvr>
-  <p:timing>
-    <p:tnLst>
-      <p:par>
-        <p:cTn id="1" dur="indefinite" restart="never" nodeType="tmRoot">
-          <p:childTnLst>
-            <p:seq concurrent="1" nextAc="seek">
-              <p:cTn id="2" dur="indefinite" nodeType="mainSeq">
-                <p:childTnLst>
-                  <p:par>
-                    <p:cTn id="3" fill="hold">
-                      <p:stCondLst>
-                        <p:cond delay="indefinite"/>
-                      </p:stCondLst>
-                      <p:childTnLst>
-                        <p:par>
-                          <p:cTn id="4" fill="hold">
-                            <p:stCondLst>
-                              <p:cond delay="0"/>
-                            </p:stCondLst>
-                            <p:childTnLst>
-                              <p:par>
-                                <p:cTn id="5" presetID="10" presetClass="entr" presetSubtype="0" fill="hold" grpId="0" nodeType="clickEffect">
-                                  <p:stCondLst>
-                                    <p:cond delay="0"/>
-                                  </p:stCondLst>
-                                  <p:childTnLst>
-                                    <p:set>
-                                      <p:cBhvr>
-                                        <p:cTn id="6" dur="1" fill="hold">
-                                          <p:stCondLst>
-                                            <p:cond delay="0"/>
-                                          </p:stCondLst>
-                                        </p:cTn>
-                                        <p:tgtEl>
-                                          <p:spTgt spid="158"/>
-                                        </p:tgtEl>
-                                        <p:attrNameLst>
-                                          <p:attrName>style.visibility</p:attrName>
-                                        </p:attrNameLst>
-                                      </p:cBhvr>
-                                      <p:to>
-                                        <p:strVal val="visible"/>
-                                      </p:to>
-                                    </p:set>
-                                    <p:animEffect transition="in" filter="fade">
-                                      <p:cBhvr>
-                                        <p:cTn id="7" dur="500"/>
-                                        <p:tgtEl>
-                                          <p:spTgt spid="158"/>
-                                        </p:tgtEl>
-                                      </p:cBhvr>
-                                    </p:animEffect>
-                                  </p:childTnLst>
-                                </p:cTn>
-                              </p:par>
-                            </p:childTnLst>
-                          </p:cTn>
-                        </p:par>
-                      </p:childTnLst>
-                    </p:cTn>
-                  </p:par>
-                  <p:par>
-                    <p:cTn id="8" fill="hold">
-                      <p:stCondLst>
-                        <p:cond delay="indefinite"/>
-                      </p:stCondLst>
-                      <p:childTnLst>
-                        <p:par>
-                          <p:cTn id="9" fill="hold">
-                            <p:stCondLst>
-                              <p:cond delay="0"/>
-                            </p:stCondLst>
-                            <p:childTnLst>
-                              <p:par>
-                                <p:cTn id="10" presetID="10" presetClass="entr" presetSubtype="0" fill="hold" grpId="0" nodeType="clickEffect">
-                                  <p:stCondLst>
-                                    <p:cond delay="0"/>
-                                  </p:stCondLst>
-                                  <p:childTnLst>
-                                    <p:set>
-                                      <p:cBhvr>
-                                        <p:cTn id="11" dur="1" fill="hold">
-                                          <p:stCondLst>
-                                            <p:cond delay="0"/>
-                                          </p:stCondLst>
-                                        </p:cTn>
-                                        <p:tgtEl>
-                                          <p:spTgt spid="163"/>
-                                        </p:tgtEl>
-                                        <p:attrNameLst>
-                                          <p:attrName>style.visibility</p:attrName>
-                                        </p:attrNameLst>
-                                      </p:cBhvr>
-                                      <p:to>
-                                        <p:strVal val="visible"/>
-                                      </p:to>
-                                    </p:set>
-                                    <p:animEffect transition="in" filter="fade">
-                                      <p:cBhvr>
-                                        <p:cTn id="12" dur="500"/>
-                                        <p:tgtEl>
-                                          <p:spTgt spid="163"/>
-                                        </p:tgtEl>
-                                      </p:cBhvr>
-                                    </p:animEffect>
-                                  </p:childTnLst>
-                                </p:cTn>
-                              </p:par>
-                            </p:childTnLst>
-                          </p:cTn>
-                        </p:par>
-                      </p:childTnLst>
-                    </p:cTn>
-                  </p:par>
-                  <p:par>
-                    <p:cTn id="13" fill="hold">
-                      <p:stCondLst>
-                        <p:cond delay="indefinite"/>
-                      </p:stCondLst>
-                      <p:childTnLst>
-                        <p:par>
-                          <p:cTn id="14" fill="hold">
-                            <p:stCondLst>
-                              <p:cond delay="0"/>
-                            </p:stCondLst>
-                            <p:childTnLst>
-                              <p:par>
-                                <p:cTn id="15" presetID="10" presetClass="entr" presetSubtype="0" fill="hold" grpId="0" nodeType="clickEffect">
-                                  <p:stCondLst>
-                                    <p:cond delay="0"/>
-                                  </p:stCondLst>
-                                  <p:childTnLst>
-                                    <p:set>
-                                      <p:cBhvr>
-                                        <p:cTn id="16" dur="1" fill="hold">
-                                          <p:stCondLst>
-                                            <p:cond delay="0"/>
-                                          </p:stCondLst>
-                                        </p:cTn>
-                                        <p:tgtEl>
-                                          <p:spTgt spid="162"/>
-                                        </p:tgtEl>
-                                        <p:attrNameLst>
-                                          <p:attrName>style.visibility</p:attrName>
-                                        </p:attrNameLst>
-                                      </p:cBhvr>
-                                      <p:to>
-                                        <p:strVal val="visible"/>
-                                      </p:to>
-                                    </p:set>
-                                    <p:animEffect transition="in" filter="fade">
-                                      <p:cBhvr>
-                                        <p:cTn id="17" dur="500"/>
-                                        <p:tgtEl>
-                                          <p:spTgt spid="162"/>
-                                        </p:tgtEl>
-                                      </p:cBhvr>
-                                    </p:animEffect>
-                                  </p:childTnLst>
-                                </p:cTn>
-                              </p:par>
-                            </p:childTnLst>
-                          </p:cTn>
-                        </p:par>
-                      </p:childTnLst>
-                    </p:cTn>
-                  </p:par>
-                  <p:par>
-                    <p:cTn id="18" fill="hold">
-                      <p:stCondLst>
-                        <p:cond delay="indefinite"/>
-                      </p:stCondLst>
-                      <p:childTnLst>
-                        <p:par>
-                          <p:cTn id="19" fill="hold">
-                            <p:stCondLst>
-                              <p:cond delay="0"/>
-                            </p:stCondLst>
-                            <p:childTnLst>
-                              <p:par>
-                                <p:cTn id="20" presetID="10" presetClass="entr" presetSubtype="0" fill="hold" grpId="0" nodeType="clickEffect">
-                                  <p:stCondLst>
-                                    <p:cond delay="0"/>
-                                  </p:stCondLst>
-                                  <p:childTnLst>
-                                    <p:set>
-                                      <p:cBhvr>
-                                        <p:cTn id="21" dur="1" fill="hold">
-                                          <p:stCondLst>
-                                            <p:cond delay="0"/>
-                                          </p:stCondLst>
-                                        </p:cTn>
-                                        <p:tgtEl>
-                                          <p:spTgt spid="167"/>
-                                        </p:tgtEl>
-                                        <p:attrNameLst>
-                                          <p:attrName>style.visibility</p:attrName>
-                                        </p:attrNameLst>
-                                      </p:cBhvr>
-                                      <p:to>
-                                        <p:strVal val="visible"/>
-                                      </p:to>
-                                    </p:set>
-                                    <p:animEffect transition="in" filter="fade">
-                                      <p:cBhvr>
-                                        <p:cTn id="22" dur="500"/>
-                                        <p:tgtEl>
-                                          <p:spTgt spid="167"/>
-                                        </p:tgtEl>
-                                      </p:cBhvr>
-                                    </p:animEffect>
-                                  </p:childTnLst>
-                                </p:cTn>
-                              </p:par>
-                            </p:childTnLst>
-                          </p:cTn>
-                        </p:par>
-                      </p:childTnLst>
-                    </p:cTn>
-                  </p:par>
-                  <p:par>
-                    <p:cTn id="23" fill="hold">
-                      <p:stCondLst>
-                        <p:cond delay="indefinite"/>
-                      </p:stCondLst>
-                      <p:childTnLst>
-                        <p:par>
-                          <p:cTn id="24" fill="hold">
-                            <p:stCondLst>
-                              <p:cond delay="0"/>
-                            </p:stCondLst>
-                            <p:childTnLst>
-                              <p:par>
-                                <p:cTn id="25" presetID="10" presetClass="entr" presetSubtype="0" fill="hold" grpId="0" nodeType="clickEffect">
-                                  <p:stCondLst>
-                                    <p:cond delay="0"/>
-                                  </p:stCondLst>
-                                  <p:childTnLst>
-                                    <p:set>
-                                      <p:cBhvr>
-                                        <p:cTn id="26" dur="1" fill="hold">
-                                          <p:stCondLst>
-                                            <p:cond delay="0"/>
-                                          </p:stCondLst>
-                                        </p:cTn>
-                                        <p:tgtEl>
-                                          <p:spTgt spid="166"/>
-                                        </p:tgtEl>
-                                        <p:attrNameLst>
-                                          <p:attrName>style.visibility</p:attrName>
-                                        </p:attrNameLst>
-                                      </p:cBhvr>
-                                      <p:to>
-                                        <p:strVal val="visible"/>
-                                      </p:to>
-                                    </p:set>
-                                    <p:animEffect transition="in" filter="fade">
-                                      <p:cBhvr>
-                                        <p:cTn id="27" dur="500"/>
-                                        <p:tgtEl>
-                                          <p:spTgt spid="166"/>
-                                        </p:tgtEl>
-                                      </p:cBhvr>
-                                    </p:animEffect>
-                                  </p:childTnLst>
-                                </p:cTn>
-                              </p:par>
-                            </p:childTnLst>
-                          </p:cTn>
-                        </p:par>
-                      </p:childTnLst>
-                    </p:cTn>
-                  </p:par>
-                  <p:par>
-                    <p:cTn id="28" fill="hold">
-                      <p:stCondLst>
-                        <p:cond delay="indefinite"/>
-                      </p:stCondLst>
-                      <p:childTnLst>
-                        <p:par>
-                          <p:cTn id="29" fill="hold">
-                            <p:stCondLst>
-                              <p:cond delay="0"/>
-                            </p:stCondLst>
-                            <p:childTnLst>
-                              <p:par>
-                                <p:cTn id="30" presetID="10" presetClass="entr" presetSubtype="0" fill="hold" grpId="0" nodeType="clickEffect">
-                                  <p:stCondLst>
-                                    <p:cond delay="0"/>
-                                  </p:stCondLst>
-                                  <p:childTnLst>
-                                    <p:set>
-                                      <p:cBhvr>
-                                        <p:cTn id="31" dur="1" fill="hold">
-                                          <p:stCondLst>
-                                            <p:cond delay="0"/>
-                                          </p:stCondLst>
-                                        </p:cTn>
-                                        <p:tgtEl>
-                                          <p:spTgt spid="157"/>
-                                        </p:tgtEl>
-                                        <p:attrNameLst>
-                                          <p:attrName>style.visibility</p:attrName>
-                                        </p:attrNameLst>
-                                      </p:cBhvr>
-                                      <p:to>
-                                        <p:strVal val="visible"/>
-                                      </p:to>
-                                    </p:set>
-                                    <p:animEffect transition="in" filter="fade">
-                                      <p:cBhvr>
-                                        <p:cTn id="32" dur="500"/>
-                                        <p:tgtEl>
-                                          <p:spTgt spid="157"/>
-                                        </p:tgtEl>
-                                      </p:cBhvr>
-                                    </p:animEffect>
-                                  </p:childTnLst>
-                                </p:cTn>
-                              </p:par>
-                            </p:childTnLst>
-                          </p:cTn>
-                        </p:par>
-                      </p:childTnLst>
-                    </p:cTn>
-                  </p:par>
-                  <p:par>
-                    <p:cTn id="33" fill="hold">
-                      <p:stCondLst>
-                        <p:cond delay="indefinite"/>
-                      </p:stCondLst>
-                      <p:childTnLst>
-                        <p:par>
-                          <p:cTn id="34" fill="hold">
-                            <p:stCondLst>
-                              <p:cond delay="0"/>
-                            </p:stCondLst>
-                            <p:childTnLst>
-                              <p:par>
-                                <p:cTn id="35" presetID="10" presetClass="entr" presetSubtype="0" fill="hold" grpId="0" nodeType="clickEffect">
-                                  <p:stCondLst>
-                                    <p:cond delay="0"/>
-                                  </p:stCondLst>
-                                  <p:childTnLst>
-                                    <p:set>
-                                      <p:cBhvr>
-                                        <p:cTn id="36" dur="1" fill="hold">
-                                          <p:stCondLst>
-                                            <p:cond delay="0"/>
-                                          </p:stCondLst>
-                                        </p:cTn>
-                                        <p:tgtEl>
-                                          <p:spTgt spid="156"/>
-                                        </p:tgtEl>
-                                        <p:attrNameLst>
-                                          <p:attrName>style.visibility</p:attrName>
-                                        </p:attrNameLst>
-                                      </p:cBhvr>
-                                      <p:to>
-                                        <p:strVal val="visible"/>
-                                      </p:to>
-                                    </p:set>
-                                    <p:animEffect transition="in" filter="fade">
-                                      <p:cBhvr>
-                                        <p:cTn id="37" dur="500"/>
-                                        <p:tgtEl>
-                                          <p:spTgt spid="156"/>
-                                        </p:tgtEl>
-                                      </p:cBhvr>
-                                    </p:animEffect>
-                                  </p:childTnLst>
-                                </p:cTn>
-                              </p:par>
-                              <p:par>
-                                <p:cTn id="38" presetID="10" presetClass="entr" presetSubtype="0" fill="hold" grpId="0" nodeType="withEffect">
-                                  <p:stCondLst>
-                                    <p:cond delay="0"/>
-                                  </p:stCondLst>
-                                  <p:childTnLst>
-                                    <p:set>
-                                      <p:cBhvr>
-                                        <p:cTn id="39" dur="1" fill="hold">
-                                          <p:stCondLst>
-                                            <p:cond delay="0"/>
-                                          </p:stCondLst>
-                                        </p:cTn>
-                                        <p:tgtEl>
-                                          <p:spTgt spid="153"/>
-                                        </p:tgtEl>
-                                        <p:attrNameLst>
-                                          <p:attrName>style.visibility</p:attrName>
-                                        </p:attrNameLst>
-                                      </p:cBhvr>
-                                      <p:to>
-                                        <p:strVal val="visible"/>
-                                      </p:to>
-                                    </p:set>
-                                    <p:animEffect transition="in" filter="fade">
-                                      <p:cBhvr>
-                                        <p:cTn id="40" dur="500"/>
-                                        <p:tgtEl>
-                                          <p:spTgt spid="153"/>
-                                        </p:tgtEl>
-                                      </p:cBhvr>
-                                    </p:animEffect>
-                                  </p:childTnLst>
-                                </p:cTn>
-                              </p:par>
-                            </p:childTnLst>
-                          </p:cTn>
-                        </p:par>
-                      </p:childTnLst>
-                    </p:cTn>
-                  </p:par>
-                </p:childTnLst>
-              </p:cTn>
-              <p:prevCondLst>
-                <p:cond evt="onPrev" delay="0">
-                  <p:tgtEl>
-                    <p:sldTgt/>
-                  </p:tgtEl>
-                </p:cond>
-              </p:prevCondLst>
-              <p:nextCondLst>
-                <p:cond evt="onNext" delay="0">
-                  <p:tgtEl>
-                    <p:sldTgt/>
-                  </p:tgtEl>
-                </p:cond>
-              </p:nextCondLst>
-            </p:seq>
-          </p:childTnLst>
-        </p:cTn>
-      </p:par>
-    </p:tnLst>
-    <p:bldLst>
-      <p:bldP spid="153" grpId="0" animBg="1"/>
-      <p:bldP spid="156" grpId="0"/>
-      <p:bldP spid="157" grpId="0" animBg="1"/>
-      <p:bldP spid="158" grpId="0" animBg="1"/>
-      <p:bldP spid="162" grpId="0" animBg="1"/>
-      <p:bldP spid="163" grpId="0" animBg="1"/>
-      <p:bldP spid="166" grpId="0" animBg="1"/>
-      <p:bldP spid="167" grpId="0" animBg="1"/>
-    </p:bldLst>
-  </p:timing>
-</p:sld>
-</file>
-
-<file path=ppt/slides/slide6.xml><?xml version="1.0" encoding="utf-8"?>
-<p:sld xmlns:a="http://schemas.openxmlformats.org/drawingml/2006/main" xmlns:r="http://schemas.openxmlformats.org/officeDocument/2006/relationships" xmlns:p="http://schemas.openxmlformats.org/presentationml/2006/main">
-  <p:cSld>
-    <p:spTree>
-      <p:nvGrpSpPr>
-        <p:cNvPr id="1" name=""/>
-        <p:cNvGrpSpPr/>
-        <p:nvPr/>
-      </p:nvGrpSpPr>
-      <p:grpSpPr>
-        <a:xfrm>
-          <a:off x="0" y="0"/>
-          <a:ext cx="0" cy="0"/>
-          <a:chOff x="0" y="0"/>
-          <a:chExt cx="0" cy="0"/>
-        </a:xfrm>
-      </p:grpSpPr>
-      <p:sp>
-        <p:nvSpPr>
-          <p:cNvPr id="2" name="矩形 1"/>
-          <p:cNvSpPr/>
-          <p:nvPr/>
-        </p:nvSpPr>
-        <p:spPr>
-          <a:xfrm>
-            <a:off x="1753558" y="3580232"/>
-            <a:ext cx="1840943" cy="2124000"/>
-          </a:xfrm>
-          <a:prstGeom prst="rect">
-            <a:avLst/>
-          </a:prstGeom>
-          <a:ln w="28575"/>
-        </p:spPr>
-        <p:style>
-          <a:lnRef idx="2">
-            <a:schemeClr val="accent1"/>
-          </a:lnRef>
-          <a:fillRef idx="1">
-            <a:schemeClr val="lt1"/>
-          </a:fillRef>
-          <a:effectRef idx="0">
-            <a:schemeClr val="accent1"/>
-          </a:effectRef>
-          <a:fontRef idx="minor">
-            <a:schemeClr val="dk1"/>
-          </a:fontRef>
-        </p:style>
-        <p:txBody>
-          <a:bodyPr rtlCol="0" anchor="ctr"/>
-          <a:lstStyle/>
-          <a:p>
-            <a:pPr algn="ctr"/>
-            <a:endParaRPr lang="zh-TW" altLang="en-US"/>
-          </a:p>
-        </p:txBody>
-      </p:sp>
-      <p:cxnSp>
-        <p:nvCxnSpPr>
-          <p:cNvPr id="5" name="肘形接點 4"/>
-          <p:cNvCxnSpPr>
-            <a:endCxn id="51" idx="0"/>
-          </p:cNvCxnSpPr>
-          <p:nvPr/>
-        </p:nvCxnSpPr>
-        <p:spPr>
-          <a:xfrm>
-            <a:off x="1893978" y="3676749"/>
-            <a:ext cx="918822" cy="244702"/>
-          </a:xfrm>
-          <a:prstGeom prst="bentConnector2">
-            <a:avLst/>
-          </a:prstGeom>
-          <a:ln w="38100">
-            <a:solidFill>
-              <a:schemeClr val="tx1"/>
-            </a:solidFill>
-            <a:tailEnd type="triangle"/>
-          </a:ln>
-        </p:spPr>
-        <p:style>
-          <a:lnRef idx="1">
-            <a:schemeClr val="accent1"/>
-          </a:lnRef>
-          <a:fillRef idx="0">
-            <a:schemeClr val="accent1"/>
-          </a:fillRef>
-          <a:effectRef idx="0">
-            <a:schemeClr val="accent1"/>
-          </a:effectRef>
-          <a:fontRef idx="minor">
-            <a:schemeClr val="tx1"/>
-          </a:fontRef>
-        </p:style>
-      </p:cxnSp>
-      <p:sp>
-        <p:nvSpPr>
-          <p:cNvPr id="128" name="矩形 127"/>
-          <p:cNvSpPr/>
-          <p:nvPr/>
-        </p:nvSpPr>
-        <p:spPr>
-          <a:xfrm>
-            <a:off x="6858000" y="548557"/>
-            <a:ext cx="4567452" cy="2569191"/>
-          </a:xfrm>
-          <a:prstGeom prst="rect">
-            <a:avLst/>
-          </a:prstGeom>
-        </p:spPr>
-        <p:style>
-          <a:lnRef idx="2">
-            <a:schemeClr val="dk1">
-              <a:shade val="50000"/>
-            </a:schemeClr>
-          </a:lnRef>
-          <a:fillRef idx="1">
-            <a:schemeClr val="dk1"/>
-          </a:fillRef>
-          <a:effectRef idx="0">
-            <a:schemeClr val="dk1"/>
-          </a:effectRef>
-          <a:fontRef idx="minor">
-            <a:schemeClr val="lt1"/>
-          </a:fontRef>
-        </p:style>
-        <p:txBody>
-          <a:bodyPr rtlCol="0" anchor="ctr"/>
-          <a:lstStyle/>
-          <a:p>
-            <a:pPr algn="ctr"/>
-            <a:endParaRPr lang="zh-TW" altLang="en-US"/>
-          </a:p>
-        </p:txBody>
-      </p:sp>
-      <p:sp>
-        <p:nvSpPr>
-          <p:cNvPr id="140" name="矩形 139"/>
-          <p:cNvSpPr/>
-          <p:nvPr/>
-        </p:nvSpPr>
-        <p:spPr>
-          <a:xfrm>
-            <a:off x="2362200" y="2049240"/>
-            <a:ext cx="972000" cy="792000"/>
-          </a:xfrm>
-          <a:prstGeom prst="rect">
-            <a:avLst/>
-          </a:prstGeom>
-        </p:spPr>
-        <p:style>
-          <a:lnRef idx="0">
-            <a:schemeClr val="accent4"/>
-          </a:lnRef>
-          <a:fillRef idx="3">
-            <a:schemeClr val="accent4"/>
-          </a:fillRef>
-          <a:effectRef idx="3">
-            <a:schemeClr val="accent4"/>
-          </a:effectRef>
-          <a:fontRef idx="minor">
-            <a:schemeClr val="lt1"/>
-          </a:fontRef>
-        </p:style>
-        <p:txBody>
-          <a:bodyPr rtlCol="0" anchor="ctr"/>
-          <a:lstStyle/>
-          <a:p>
-            <a:pPr algn="ctr"/>
-            <a:r>
-              <a:rPr lang="en-US" altLang="zh-TW">
-                <a:solidFill>
-                  <a:schemeClr val="bg1"/>
-                </a:solidFill>
-              </a:rPr>
-              <a:t>View</a:t>
-            </a:r>
-            <a:endParaRPr lang="zh-TW" altLang="en-US" dirty="0">
-              <a:solidFill>
-                <a:schemeClr val="bg1"/>
-              </a:solidFill>
-            </a:endParaRPr>
-          </a:p>
-        </p:txBody>
-      </p:sp>
-      <p:grpSp>
-        <p:nvGrpSpPr>
-          <p:cNvPr id="142" name="群組 141"/>
-          <p:cNvGrpSpPr/>
-          <p:nvPr/>
-        </p:nvGrpSpPr>
-        <p:grpSpPr>
-          <a:xfrm>
-            <a:off x="1236026" y="3562232"/>
-            <a:ext cx="900000" cy="2160000"/>
-            <a:chOff x="2438400" y="1178074"/>
-            <a:chExt cx="1440000" cy="720000"/>
-          </a:xfrm>
-        </p:grpSpPr>
-        <p:sp>
-          <p:nvSpPr>
-            <p:cNvPr id="143" name="圓柱 142"/>
-            <p:cNvSpPr/>
-            <p:nvPr/>
-          </p:nvSpPr>
-          <p:spPr>
-            <a:xfrm rot="16200000">
-              <a:off x="2798400" y="818074"/>
-              <a:ext cx="720000" cy="1440000"/>
-            </a:xfrm>
-            <a:prstGeom prst="can">
-              <a:avLst/>
-            </a:prstGeom>
-          </p:spPr>
-          <p:style>
-            <a:lnRef idx="0">
-              <a:schemeClr val="accent5"/>
-            </a:lnRef>
-            <a:fillRef idx="3">
-              <a:schemeClr val="accent5"/>
-            </a:fillRef>
-            <a:effectRef idx="3">
-              <a:schemeClr val="accent5"/>
-            </a:effectRef>
-            <a:fontRef idx="minor">
-              <a:schemeClr val="lt1"/>
-            </a:fontRef>
-          </p:style>
-          <p:txBody>
-            <a:bodyPr rtlCol="0" anchor="ctr"/>
-            <a:lstStyle/>
-            <a:p>
-              <a:pPr algn="ctr"/>
-              <a:endParaRPr lang="zh-TW" altLang="en-US"/>
-            </a:p>
-          </p:txBody>
-        </p:sp>
-        <p:sp>
-          <p:nvSpPr>
-            <p:cNvPr id="144" name="矩形 143"/>
-            <p:cNvSpPr/>
-            <p:nvPr/>
-          </p:nvSpPr>
-          <p:spPr>
-            <a:xfrm rot="16200000">
-              <a:off x="2855551" y="1021010"/>
-              <a:ext cx="681900" cy="1034130"/>
-            </a:xfrm>
-            <a:prstGeom prst="rect">
-              <a:avLst/>
-            </a:prstGeom>
-          </p:spPr>
-          <p:txBody>
-            <a:bodyPr wrap="square" anchor="ctr">
-              <a:spAutoFit/>
-            </a:bodyPr>
-            <a:lstStyle/>
-            <a:p>
-              <a:pPr algn="ctr"/>
-              <a:r>
-                <a:rPr lang="en-US" altLang="zh-TW" dirty="0" smtClean="0">
-                  <a:solidFill>
-                    <a:schemeClr val="bg1"/>
-                  </a:solidFill>
-                </a:rPr>
-                <a:t>Router</a:t>
-              </a:r>
-              <a:r>
-                <a:rPr lang="en-US" altLang="zh-TW" dirty="0">
-                  <a:solidFill>
-                    <a:schemeClr val="bg1"/>
-                  </a:solidFill>
-                </a:rPr>
-                <a:t/>
-              </a:r>
-              <a:br>
-                <a:rPr lang="en-US" altLang="zh-TW" dirty="0">
-                  <a:solidFill>
-                    <a:schemeClr val="bg1"/>
-                  </a:solidFill>
-                </a:rPr>
-              </a:br>
-              <a:r>
-                <a:rPr lang="en-US" altLang="zh-TW" dirty="0" smtClean="0">
-                  <a:solidFill>
-                    <a:schemeClr val="bg1"/>
-                  </a:solidFill>
-                </a:rPr>
-                <a:t>Middleware</a:t>
-              </a:r>
-              <a:endParaRPr lang="zh-TW" altLang="en-US" dirty="0">
-                <a:solidFill>
-                  <a:schemeClr val="bg1"/>
-                </a:solidFill>
-              </a:endParaRPr>
-            </a:p>
-          </p:txBody>
-        </p:sp>
-      </p:grpSp>
-      <p:grpSp>
-        <p:nvGrpSpPr>
-          <p:cNvPr id="145" name="群組 144"/>
-          <p:cNvGrpSpPr/>
-          <p:nvPr/>
-        </p:nvGrpSpPr>
-        <p:grpSpPr>
-          <a:xfrm>
-            <a:off x="2362200" y="674458"/>
-            <a:ext cx="2088000" cy="900000"/>
-            <a:chOff x="7231200" y="2209799"/>
-            <a:chExt cx="1440000" cy="720001"/>
-          </a:xfrm>
-        </p:grpSpPr>
-        <p:sp>
-          <p:nvSpPr>
-            <p:cNvPr id="146" name="矩形 145"/>
-            <p:cNvSpPr/>
-            <p:nvPr/>
-          </p:nvSpPr>
-          <p:spPr>
-            <a:xfrm>
-              <a:off x="7231200" y="2209799"/>
-              <a:ext cx="1440000" cy="720001"/>
-            </a:xfrm>
-            <a:prstGeom prst="rect">
-              <a:avLst/>
-            </a:prstGeom>
-          </p:spPr>
-          <p:style>
-            <a:lnRef idx="1">
-              <a:schemeClr val="accent6"/>
-            </a:lnRef>
-            <a:fillRef idx="3">
-              <a:schemeClr val="accent6"/>
-            </a:fillRef>
-            <a:effectRef idx="2">
-              <a:schemeClr val="accent6"/>
-            </a:effectRef>
-            <a:fontRef idx="minor">
-              <a:schemeClr val="lt1"/>
-            </a:fontRef>
-          </p:style>
-          <p:txBody>
-            <a:bodyPr rtlCol="0" anchor="ctr"/>
-            <a:lstStyle/>
-            <a:p>
-              <a:pPr algn="ctr"/>
-              <a:endParaRPr lang="zh-TW" altLang="en-US"/>
-            </a:p>
-          </p:txBody>
-        </p:sp>
-        <p:sp>
-          <p:nvSpPr>
-            <p:cNvPr id="147" name="矩形 146"/>
-            <p:cNvSpPr/>
-            <p:nvPr/>
-          </p:nvSpPr>
-          <p:spPr>
-            <a:xfrm>
-              <a:off x="7269301" y="2399712"/>
-              <a:ext cx="1363800" cy="340175"/>
-            </a:xfrm>
-            <a:prstGeom prst="rect">
-              <a:avLst/>
-            </a:prstGeom>
-          </p:spPr>
-          <p:txBody>
-            <a:bodyPr wrap="square" anchor="ctr">
-              <a:spAutoFit/>
-            </a:bodyPr>
-            <a:lstStyle/>
-            <a:p>
-              <a:pPr algn="ctr"/>
-              <a:r>
-                <a:rPr lang="en-US" altLang="zh-TW" dirty="0" smtClean="0">
-                  <a:solidFill>
-                    <a:schemeClr val="bg1"/>
-                  </a:solidFill>
-                </a:rPr>
-                <a:t>Controller</a:t>
-              </a:r>
-              <a:endParaRPr lang="zh-TW" altLang="en-US" dirty="0">
-                <a:solidFill>
-                  <a:schemeClr val="bg1"/>
-                </a:solidFill>
-              </a:endParaRPr>
-            </a:p>
-          </p:txBody>
-        </p:sp>
-      </p:grpSp>
-      <p:sp>
-        <p:nvSpPr>
-          <p:cNvPr id="153" name="向右箭號 152"/>
-          <p:cNvSpPr/>
-          <p:nvPr/>
-        </p:nvSpPr>
-        <p:spPr>
-          <a:xfrm rot="10800000">
-            <a:off x="632697" y="5344221"/>
-            <a:ext cx="720000" cy="360000"/>
-          </a:xfrm>
-          <a:prstGeom prst="rightArrow">
-            <a:avLst/>
-          </a:prstGeom>
-        </p:spPr>
-        <p:style>
-          <a:lnRef idx="0">
-            <a:schemeClr val="accent2"/>
-          </a:lnRef>
-          <a:fillRef idx="3">
-            <a:schemeClr val="accent2"/>
-          </a:fillRef>
-          <a:effectRef idx="3">
-            <a:schemeClr val="accent2"/>
-          </a:effectRef>
-          <a:fontRef idx="minor">
-            <a:schemeClr val="lt1"/>
-          </a:fontRef>
-        </p:style>
-        <p:txBody>
-          <a:bodyPr rtlCol="0" anchor="ctr"/>
-          <a:lstStyle/>
-          <a:p>
-            <a:pPr algn="ctr"/>
-            <a:endParaRPr lang="zh-TW" altLang="en-US"/>
-          </a:p>
-        </p:txBody>
-      </p:sp>
-      <p:sp>
-        <p:nvSpPr>
-          <p:cNvPr id="154" name="向右箭號 153"/>
-          <p:cNvSpPr/>
-          <p:nvPr/>
-        </p:nvSpPr>
-        <p:spPr>
-          <a:xfrm>
-            <a:off x="648674" y="3804684"/>
-            <a:ext cx="720000" cy="360000"/>
-          </a:xfrm>
-          <a:prstGeom prst="rightArrow">
-            <a:avLst/>
-          </a:prstGeom>
-        </p:spPr>
-        <p:style>
-          <a:lnRef idx="0">
-            <a:schemeClr val="accent2"/>
-          </a:lnRef>
-          <a:fillRef idx="3">
-            <a:schemeClr val="accent2"/>
-          </a:fillRef>
-          <a:effectRef idx="3">
-            <a:schemeClr val="accent2"/>
-          </a:effectRef>
-          <a:fontRef idx="minor">
-            <a:schemeClr val="lt1"/>
-          </a:fontRef>
-        </p:style>
-        <p:txBody>
-          <a:bodyPr rtlCol="0" anchor="ctr"/>
-          <a:lstStyle/>
-          <a:p>
-            <a:pPr algn="ctr"/>
-            <a:endParaRPr lang="zh-TW" altLang="en-US"/>
-          </a:p>
-        </p:txBody>
-      </p:sp>
-      <p:sp>
-        <p:nvSpPr>
-          <p:cNvPr id="155" name="矩形 154"/>
-          <p:cNvSpPr/>
-          <p:nvPr/>
-        </p:nvSpPr>
-        <p:spPr>
-          <a:xfrm>
-            <a:off x="530408" y="3495030"/>
-            <a:ext cx="944297" cy="369332"/>
-          </a:xfrm>
-          <a:prstGeom prst="rect">
-            <a:avLst/>
-          </a:prstGeom>
-        </p:spPr>
-        <p:txBody>
-          <a:bodyPr wrap="none">
-            <a:spAutoFit/>
-          </a:bodyPr>
-          <a:lstStyle/>
-          <a:p>
-            <a:r>
-              <a:rPr lang="en-US" altLang="zh-TW" dirty="0"/>
-              <a:t>Request</a:t>
-            </a:r>
-            <a:endParaRPr lang="zh-TW" altLang="en-US" dirty="0"/>
-          </a:p>
-        </p:txBody>
-      </p:sp>
-      <p:sp>
-        <p:nvSpPr>
-          <p:cNvPr id="156" name="矩形 155"/>
-          <p:cNvSpPr/>
-          <p:nvPr/>
-        </p:nvSpPr>
-        <p:spPr>
-          <a:xfrm>
-            <a:off x="472698" y="5070818"/>
-            <a:ext cx="1081514" cy="369332"/>
-          </a:xfrm>
-          <a:prstGeom prst="rect">
-            <a:avLst/>
-          </a:prstGeom>
-        </p:spPr>
-        <p:txBody>
-          <a:bodyPr wrap="none">
-            <a:spAutoFit/>
-          </a:bodyPr>
-          <a:lstStyle/>
-          <a:p>
-            <a:r>
-              <a:rPr lang="en-US" altLang="zh-TW" dirty="0"/>
-              <a:t>Response</a:t>
-            </a:r>
-            <a:endParaRPr lang="zh-TW" altLang="en-US" dirty="0"/>
-          </a:p>
-        </p:txBody>
-      </p:sp>
-      <p:sp>
-        <p:nvSpPr>
-          <p:cNvPr id="157" name="向右箭號 156"/>
-          <p:cNvSpPr/>
-          <p:nvPr/>
-        </p:nvSpPr>
-        <p:spPr>
-          <a:xfrm rot="10800000">
-            <a:off x="1933133" y="1157067"/>
-            <a:ext cx="540000" cy="360000"/>
-          </a:xfrm>
-          <a:prstGeom prst="rightArrow">
-            <a:avLst/>
-          </a:prstGeom>
-        </p:spPr>
-        <p:style>
-          <a:lnRef idx="0">
-            <a:schemeClr val="accent2"/>
-          </a:lnRef>
-          <a:fillRef idx="3">
-            <a:schemeClr val="accent2"/>
-          </a:fillRef>
-          <a:effectRef idx="3">
-            <a:schemeClr val="accent2"/>
-          </a:effectRef>
-          <a:fontRef idx="minor">
-            <a:schemeClr val="lt1"/>
-          </a:fontRef>
-        </p:style>
-        <p:txBody>
-          <a:bodyPr rtlCol="0" anchor="ctr"/>
-          <a:lstStyle/>
-          <a:p>
-            <a:pPr algn="ctr"/>
-            <a:endParaRPr lang="zh-TW" altLang="en-US"/>
-          </a:p>
-        </p:txBody>
-      </p:sp>
-      <p:sp>
-        <p:nvSpPr>
-          <p:cNvPr id="158" name="向右箭號 157"/>
-          <p:cNvSpPr/>
-          <p:nvPr/>
-        </p:nvSpPr>
-        <p:spPr>
-          <a:xfrm>
-            <a:off x="1965364" y="732636"/>
-            <a:ext cx="540000" cy="360000"/>
-          </a:xfrm>
-          <a:prstGeom prst="rightArrow">
-            <a:avLst/>
-          </a:prstGeom>
-        </p:spPr>
-        <p:style>
-          <a:lnRef idx="0">
-            <a:schemeClr val="accent2"/>
-          </a:lnRef>
-          <a:fillRef idx="3">
-            <a:schemeClr val="accent2"/>
-          </a:fillRef>
-          <a:effectRef idx="3">
-            <a:schemeClr val="accent2"/>
-          </a:effectRef>
-          <a:fontRef idx="minor">
-            <a:schemeClr val="lt1"/>
-          </a:fontRef>
-        </p:style>
-        <p:txBody>
-          <a:bodyPr rtlCol="0" anchor="ctr"/>
-          <a:lstStyle/>
-          <a:p>
-            <a:pPr algn="ctr"/>
-            <a:endParaRPr lang="zh-TW" altLang="en-US"/>
-          </a:p>
-        </p:txBody>
-      </p:sp>
-      <p:sp>
-        <p:nvSpPr>
-          <p:cNvPr id="161" name="矩形 160"/>
-          <p:cNvSpPr/>
-          <p:nvPr/>
-        </p:nvSpPr>
-        <p:spPr>
-          <a:xfrm>
-            <a:off x="3481728" y="2048235"/>
-            <a:ext cx="972000" cy="792000"/>
-          </a:xfrm>
-          <a:prstGeom prst="rect">
-            <a:avLst/>
-          </a:prstGeom>
-        </p:spPr>
-        <p:style>
-          <a:lnRef idx="0">
-            <a:schemeClr val="accent1"/>
-          </a:lnRef>
-          <a:fillRef idx="3">
-            <a:schemeClr val="accent1"/>
-          </a:fillRef>
-          <a:effectRef idx="3">
-            <a:schemeClr val="accent1"/>
-          </a:effectRef>
-          <a:fontRef idx="minor">
-            <a:schemeClr val="lt1"/>
-          </a:fontRef>
-        </p:style>
-        <p:txBody>
-          <a:bodyPr rtlCol="0" anchor="ctr"/>
-          <a:lstStyle/>
-          <a:p>
-            <a:pPr algn="ctr"/>
-            <a:r>
-              <a:rPr lang="en-US" altLang="zh-TW" dirty="0" smtClean="0"/>
-              <a:t>Model</a:t>
-            </a:r>
-            <a:endParaRPr lang="zh-TW" altLang="en-US" dirty="0"/>
-          </a:p>
-        </p:txBody>
-      </p:sp>
-      <p:sp>
-        <p:nvSpPr>
-          <p:cNvPr id="162" name="向右箭號 161"/>
-          <p:cNvSpPr/>
-          <p:nvPr/>
-        </p:nvSpPr>
-        <p:spPr>
-          <a:xfrm rot="16200000">
-            <a:off x="3485512" y="1620922"/>
-            <a:ext cx="540000" cy="360000"/>
-          </a:xfrm>
-          <a:prstGeom prst="rightArrow">
-            <a:avLst/>
-          </a:prstGeom>
-        </p:spPr>
-        <p:style>
-          <a:lnRef idx="0">
-            <a:schemeClr val="accent2"/>
-          </a:lnRef>
-          <a:fillRef idx="3">
-            <a:schemeClr val="accent2"/>
-          </a:fillRef>
-          <a:effectRef idx="3">
-            <a:schemeClr val="accent2"/>
-          </a:effectRef>
-          <a:fontRef idx="minor">
-            <a:schemeClr val="lt1"/>
-          </a:fontRef>
-        </p:style>
-        <p:txBody>
-          <a:bodyPr rtlCol="0" anchor="ctr"/>
-          <a:lstStyle/>
-          <a:p>
-            <a:pPr algn="ctr"/>
-            <a:endParaRPr lang="zh-TW" altLang="en-US"/>
-          </a:p>
-        </p:txBody>
-      </p:sp>
-      <p:sp>
-        <p:nvSpPr>
-          <p:cNvPr id="163" name="向右箭號 162"/>
-          <p:cNvSpPr/>
-          <p:nvPr/>
-        </p:nvSpPr>
-        <p:spPr>
-          <a:xfrm rot="5400000">
-            <a:off x="3909943" y="1653153"/>
-            <a:ext cx="540000" cy="360000"/>
-          </a:xfrm>
-          <a:prstGeom prst="rightArrow">
-            <a:avLst/>
-          </a:prstGeom>
-        </p:spPr>
-        <p:style>
-          <a:lnRef idx="0">
-            <a:schemeClr val="accent2"/>
-          </a:lnRef>
-          <a:fillRef idx="3">
-            <a:schemeClr val="accent2"/>
-          </a:fillRef>
-          <a:effectRef idx="3">
-            <a:schemeClr val="accent2"/>
-          </a:effectRef>
-          <a:fontRef idx="minor">
-            <a:schemeClr val="lt1"/>
-          </a:fontRef>
-        </p:style>
-        <p:txBody>
-          <a:bodyPr rtlCol="0" anchor="ctr"/>
-          <a:lstStyle/>
-          <a:p>
-            <a:pPr algn="ctr"/>
-            <a:endParaRPr lang="zh-TW" altLang="en-US"/>
-          </a:p>
-        </p:txBody>
-      </p:sp>
-      <p:sp>
-        <p:nvSpPr>
-          <p:cNvPr id="166" name="向右箭號 165"/>
-          <p:cNvSpPr/>
-          <p:nvPr/>
-        </p:nvSpPr>
-        <p:spPr>
-          <a:xfrm rot="16200000">
-            <a:off x="2364528" y="1620922"/>
-            <a:ext cx="540000" cy="360000"/>
-          </a:xfrm>
-          <a:prstGeom prst="rightArrow">
-            <a:avLst/>
-          </a:prstGeom>
-        </p:spPr>
-        <p:style>
-          <a:lnRef idx="0">
-            <a:schemeClr val="accent2"/>
-          </a:lnRef>
-          <a:fillRef idx="3">
-            <a:schemeClr val="accent2"/>
-          </a:fillRef>
-          <a:effectRef idx="3">
-            <a:schemeClr val="accent2"/>
-          </a:effectRef>
-          <a:fontRef idx="minor">
-            <a:schemeClr val="lt1"/>
-          </a:fontRef>
-        </p:style>
-        <p:txBody>
-          <a:bodyPr rtlCol="0" anchor="ctr"/>
-          <a:lstStyle/>
-          <a:p>
-            <a:pPr algn="ctr"/>
-            <a:endParaRPr lang="zh-TW" altLang="en-US"/>
-          </a:p>
-        </p:txBody>
-      </p:sp>
-      <p:sp>
-        <p:nvSpPr>
-          <p:cNvPr id="167" name="向右箭號 166"/>
-          <p:cNvSpPr/>
-          <p:nvPr/>
-        </p:nvSpPr>
-        <p:spPr>
-          <a:xfrm rot="5400000">
-            <a:off x="2788959" y="1653153"/>
-            <a:ext cx="540000" cy="360000"/>
-          </a:xfrm>
-          <a:prstGeom prst="rightArrow">
-            <a:avLst/>
-          </a:prstGeom>
-        </p:spPr>
-        <p:style>
-          <a:lnRef idx="0">
-            <a:schemeClr val="accent2"/>
-          </a:lnRef>
-          <a:fillRef idx="3">
-            <a:schemeClr val="accent2"/>
-          </a:fillRef>
-          <a:effectRef idx="3">
-            <a:schemeClr val="accent2"/>
-          </a:effectRef>
-          <a:fontRef idx="minor">
-            <a:schemeClr val="lt1"/>
-          </a:fontRef>
-        </p:style>
-        <p:txBody>
-          <a:bodyPr rtlCol="0" anchor="ctr"/>
-          <a:lstStyle/>
-          <a:p>
-            <a:pPr algn="ctr"/>
-            <a:endParaRPr lang="zh-TW" altLang="en-US"/>
-          </a:p>
-        </p:txBody>
-      </p:sp>
-      <p:sp>
-        <p:nvSpPr>
-          <p:cNvPr id="51" name="矩形 50"/>
-          <p:cNvSpPr/>
-          <p:nvPr/>
-        </p:nvSpPr>
-        <p:spPr>
-          <a:xfrm>
-            <a:off x="2272800" y="3921451"/>
-            <a:ext cx="1080000" cy="648000"/>
-          </a:xfrm>
-          <a:prstGeom prst="rect">
-            <a:avLst/>
-          </a:prstGeom>
-        </p:spPr>
-        <p:style>
-          <a:lnRef idx="0">
-            <a:schemeClr val="accent1"/>
-          </a:lnRef>
-          <a:fillRef idx="3">
-            <a:schemeClr val="accent1"/>
-          </a:fillRef>
-          <a:effectRef idx="3">
-            <a:schemeClr val="accent1"/>
-          </a:effectRef>
-          <a:fontRef idx="minor">
-            <a:schemeClr val="lt1"/>
-          </a:fontRef>
-        </p:style>
-        <p:txBody>
-          <a:bodyPr rtlCol="0" anchor="ctr"/>
-          <a:lstStyle/>
-          <a:p>
-            <a:pPr algn="ctr"/>
-            <a:r>
-              <a:rPr lang="en-US" altLang="zh-TW" dirty="0" smtClean="0"/>
-              <a:t>Route</a:t>
-            </a:r>
-          </a:p>
-          <a:p>
-            <a:pPr algn="ctr"/>
-            <a:r>
-              <a:rPr lang="en-US" altLang="zh-TW" dirty="0" smtClean="0"/>
-              <a:t>Attribute</a:t>
-            </a:r>
-            <a:endParaRPr lang="zh-TW" altLang="en-US" dirty="0"/>
-          </a:p>
-        </p:txBody>
-      </p:sp>
-      <p:sp>
-        <p:nvSpPr>
-          <p:cNvPr id="52" name="矩形 51"/>
-          <p:cNvSpPr/>
-          <p:nvPr/>
-        </p:nvSpPr>
-        <p:spPr>
-          <a:xfrm>
-            <a:off x="2272800" y="4792150"/>
-            <a:ext cx="1080000" cy="648000"/>
-          </a:xfrm>
-          <a:prstGeom prst="rect">
-            <a:avLst/>
-          </a:prstGeom>
-        </p:spPr>
-        <p:style>
-          <a:lnRef idx="0">
-            <a:schemeClr val="accent1"/>
-          </a:lnRef>
-          <a:fillRef idx="3">
-            <a:schemeClr val="accent1"/>
-          </a:fillRef>
-          <a:effectRef idx="3">
-            <a:schemeClr val="accent1"/>
-          </a:effectRef>
-          <a:fontRef idx="minor">
-            <a:schemeClr val="lt1"/>
-          </a:fontRef>
-        </p:style>
-        <p:txBody>
-          <a:bodyPr rtlCol="0" anchor="ctr"/>
-          <a:lstStyle/>
-          <a:p>
-            <a:pPr algn="ctr"/>
-            <a:r>
-              <a:rPr lang="en-US" altLang="zh-TW" dirty="0" smtClean="0"/>
-              <a:t>Map</a:t>
-            </a:r>
-          </a:p>
-          <a:p>
-            <a:pPr algn="ctr"/>
-            <a:r>
-              <a:rPr lang="en-US" altLang="zh-TW" dirty="0" smtClean="0"/>
-              <a:t>Route</a:t>
-            </a:r>
-            <a:endParaRPr lang="en-US" altLang="zh-TW" dirty="0"/>
-          </a:p>
-        </p:txBody>
-      </p:sp>
-      <p:cxnSp>
-        <p:nvCxnSpPr>
-          <p:cNvPr id="9" name="直線單箭頭接點 8"/>
-          <p:cNvCxnSpPr>
-            <a:stCxn id="51" idx="2"/>
-            <a:endCxn id="52" idx="0"/>
-          </p:cNvCxnSpPr>
-          <p:nvPr/>
-        </p:nvCxnSpPr>
-        <p:spPr>
-          <a:xfrm>
-            <a:off x="2812800" y="4569451"/>
-            <a:ext cx="0" cy="222699"/>
-          </a:xfrm>
-          <a:prstGeom prst="straightConnector1">
-            <a:avLst/>
-          </a:prstGeom>
-          <a:ln w="38100">
-            <a:solidFill>
-              <a:schemeClr val="tx1"/>
-            </a:solidFill>
-            <a:tailEnd type="triangle"/>
-          </a:ln>
-        </p:spPr>
-        <p:style>
-          <a:lnRef idx="1">
-            <a:schemeClr val="accent1"/>
-          </a:lnRef>
-          <a:fillRef idx="0">
-            <a:schemeClr val="accent1"/>
-          </a:fillRef>
-          <a:effectRef idx="0">
-            <a:schemeClr val="accent1"/>
-          </a:effectRef>
-          <a:fontRef idx="minor">
-            <a:schemeClr val="tx1"/>
-          </a:fontRef>
-        </p:style>
-      </p:cxnSp>
-      <p:grpSp>
-        <p:nvGrpSpPr>
-          <p:cNvPr id="59" name="群組 58"/>
-          <p:cNvGrpSpPr/>
-          <p:nvPr/>
-        </p:nvGrpSpPr>
-        <p:grpSpPr>
-          <a:xfrm>
-            <a:off x="3820200" y="3562979"/>
-            <a:ext cx="1260000" cy="900000"/>
-            <a:chOff x="7231200" y="2209799"/>
-            <a:chExt cx="1440000" cy="720001"/>
-          </a:xfrm>
-        </p:grpSpPr>
-        <p:sp>
-          <p:nvSpPr>
-            <p:cNvPr id="60" name="矩形 59"/>
-            <p:cNvSpPr/>
-            <p:nvPr/>
-          </p:nvSpPr>
-          <p:spPr>
-            <a:xfrm>
-              <a:off x="7231200" y="2209799"/>
-              <a:ext cx="1440000" cy="720001"/>
-            </a:xfrm>
-            <a:prstGeom prst="rect">
-              <a:avLst/>
-            </a:prstGeom>
-          </p:spPr>
-          <p:style>
-            <a:lnRef idx="1">
-              <a:schemeClr val="accent6"/>
-            </a:lnRef>
-            <a:fillRef idx="3">
-              <a:schemeClr val="accent6"/>
-            </a:fillRef>
-            <a:effectRef idx="2">
-              <a:schemeClr val="accent6"/>
-            </a:effectRef>
-            <a:fontRef idx="minor">
-              <a:schemeClr val="lt1"/>
-            </a:fontRef>
-          </p:style>
-          <p:txBody>
-            <a:bodyPr rtlCol="0" anchor="ctr"/>
-            <a:lstStyle/>
-            <a:p>
-              <a:pPr algn="ctr"/>
-              <a:endParaRPr lang="zh-TW" altLang="en-US"/>
-            </a:p>
-          </p:txBody>
-        </p:sp>
-        <p:sp>
-          <p:nvSpPr>
-            <p:cNvPr id="61" name="矩形 60"/>
-            <p:cNvSpPr/>
-            <p:nvPr/>
-          </p:nvSpPr>
-          <p:spPr>
-            <a:xfrm>
-              <a:off x="7269301" y="2422066"/>
-              <a:ext cx="1363800" cy="295466"/>
-            </a:xfrm>
-            <a:prstGeom prst="rect">
-              <a:avLst/>
-            </a:prstGeom>
-          </p:spPr>
-          <p:txBody>
-            <a:bodyPr wrap="square" anchor="ctr">
-              <a:spAutoFit/>
-            </a:bodyPr>
-            <a:lstStyle/>
-            <a:p>
-              <a:pPr algn="ctr"/>
-              <a:r>
-                <a:rPr lang="en-US" altLang="zh-TW" dirty="0" smtClean="0">
-                  <a:solidFill>
-                    <a:schemeClr val="bg1"/>
-                  </a:solidFill>
-                </a:rPr>
-                <a:t>Action</a:t>
-              </a:r>
-              <a:endParaRPr lang="zh-TW" altLang="en-US" dirty="0">
-                <a:solidFill>
-                  <a:schemeClr val="bg1"/>
-                </a:solidFill>
-              </a:endParaRPr>
-            </a:p>
-          </p:txBody>
-        </p:sp>
-      </p:grpSp>
-      <p:cxnSp>
-        <p:nvCxnSpPr>
-          <p:cNvPr id="11" name="肘形接點 10"/>
-          <p:cNvCxnSpPr>
-            <a:stCxn id="52" idx="2"/>
-            <a:endCxn id="2" idx="3"/>
-          </p:cNvCxnSpPr>
-          <p:nvPr/>
-        </p:nvCxnSpPr>
-        <p:spPr>
-          <a:xfrm rot="5400000" flipH="1" flipV="1">
-            <a:off x="2804691" y="4650340"/>
-            <a:ext cx="797918" cy="781701"/>
-          </a:xfrm>
-          <a:prstGeom prst="bentConnector4">
-            <a:avLst>
-              <a:gd name="adj1" fmla="val -16862"/>
-              <a:gd name="adj2" fmla="val 78554"/>
-            </a:avLst>
-          </a:prstGeom>
-          <a:ln w="38100">
-            <a:solidFill>
-              <a:schemeClr val="tx1"/>
-            </a:solidFill>
-            <a:tailEnd type="triangle"/>
-          </a:ln>
-        </p:spPr>
-        <p:style>
-          <a:lnRef idx="1">
-            <a:schemeClr val="accent1"/>
-          </a:lnRef>
-          <a:fillRef idx="0">
-            <a:schemeClr val="accent1"/>
-          </a:fillRef>
-          <a:effectRef idx="0">
-            <a:schemeClr val="accent1"/>
-          </a:effectRef>
-          <a:fontRef idx="minor">
-            <a:schemeClr val="tx1"/>
-          </a:fontRef>
-        </p:style>
-      </p:cxnSp>
-      <p:grpSp>
-        <p:nvGrpSpPr>
-          <p:cNvPr id="78" name="群組 77"/>
-          <p:cNvGrpSpPr/>
-          <p:nvPr/>
-        </p:nvGrpSpPr>
-        <p:grpSpPr>
-          <a:xfrm>
-            <a:off x="3820200" y="4822979"/>
-            <a:ext cx="1260000" cy="900000"/>
-            <a:chOff x="7231200" y="2209799"/>
-            <a:chExt cx="1440000" cy="720001"/>
-          </a:xfrm>
-        </p:grpSpPr>
-        <p:sp>
-          <p:nvSpPr>
-            <p:cNvPr id="79" name="矩形 78"/>
-            <p:cNvSpPr/>
-            <p:nvPr/>
-          </p:nvSpPr>
-          <p:spPr>
-            <a:xfrm>
-              <a:off x="7231200" y="2209799"/>
-              <a:ext cx="1440000" cy="720001"/>
-            </a:xfrm>
-            <a:prstGeom prst="rect">
-              <a:avLst/>
-            </a:prstGeom>
-          </p:spPr>
-          <p:style>
-            <a:lnRef idx="1">
-              <a:schemeClr val="accent3"/>
-            </a:lnRef>
-            <a:fillRef idx="3">
-              <a:schemeClr val="accent3"/>
-            </a:fillRef>
-            <a:effectRef idx="2">
-              <a:schemeClr val="accent3"/>
-            </a:effectRef>
-            <a:fontRef idx="minor">
-              <a:schemeClr val="lt1"/>
-            </a:fontRef>
-          </p:style>
-          <p:txBody>
-            <a:bodyPr rtlCol="0" anchor="ctr"/>
-            <a:lstStyle/>
-            <a:p>
-              <a:pPr algn="ctr"/>
-              <a:endParaRPr lang="zh-TW" altLang="en-US"/>
-            </a:p>
-          </p:txBody>
-        </p:sp>
-        <p:sp>
-          <p:nvSpPr>
-            <p:cNvPr id="80" name="矩形 79"/>
-            <p:cNvSpPr/>
-            <p:nvPr/>
-          </p:nvSpPr>
-          <p:spPr>
-            <a:xfrm>
-              <a:off x="7269301" y="2385133"/>
-              <a:ext cx="1363800" cy="369333"/>
-            </a:xfrm>
-            <a:prstGeom prst="rect">
-              <a:avLst/>
-            </a:prstGeom>
-          </p:spPr>
-          <p:txBody>
-            <a:bodyPr wrap="square" anchor="ctr">
-              <a:spAutoFit/>
-            </a:bodyPr>
-            <a:lstStyle/>
-            <a:p>
-              <a:pPr algn="ctr"/>
-              <a:r>
-                <a:rPr lang="en-US" altLang="zh-TW" dirty="0" smtClean="0">
-                  <a:solidFill>
-                    <a:schemeClr val="bg1"/>
-                  </a:solidFill>
-                </a:rPr>
-                <a:t>Not Found</a:t>
-              </a:r>
-              <a:endParaRPr lang="zh-TW" altLang="en-US" dirty="0">
-                <a:solidFill>
-                  <a:schemeClr val="bg1"/>
-                </a:solidFill>
-              </a:endParaRPr>
-            </a:p>
-          </p:txBody>
-        </p:sp>
-      </p:grpSp>
-      <p:sp>
-        <p:nvSpPr>
-          <p:cNvPr id="81" name="向右箭號 80"/>
-          <p:cNvSpPr/>
-          <p:nvPr/>
-        </p:nvSpPr>
-        <p:spPr>
-          <a:xfrm rot="10800000">
-            <a:off x="3532799" y="5362232"/>
-            <a:ext cx="360000" cy="360000"/>
-          </a:xfrm>
-          <a:prstGeom prst="rightArrow">
-            <a:avLst/>
-          </a:prstGeom>
-        </p:spPr>
-        <p:style>
-          <a:lnRef idx="0">
-            <a:schemeClr val="accent3"/>
-          </a:lnRef>
-          <a:fillRef idx="3">
-            <a:schemeClr val="accent3"/>
-          </a:fillRef>
-          <a:effectRef idx="3">
-            <a:schemeClr val="accent3"/>
-          </a:effectRef>
-          <a:fontRef idx="minor">
-            <a:schemeClr val="lt1"/>
-          </a:fontRef>
-        </p:style>
-        <p:txBody>
-          <a:bodyPr rtlCol="0" anchor="ctr"/>
-          <a:lstStyle/>
-          <a:p>
-            <a:pPr algn="ctr"/>
-            <a:endParaRPr lang="zh-TW" altLang="en-US"/>
-          </a:p>
-        </p:txBody>
-      </p:sp>
-      <p:sp>
-        <p:nvSpPr>
-          <p:cNvPr id="82" name="向右箭號 81"/>
-          <p:cNvSpPr/>
-          <p:nvPr/>
-        </p:nvSpPr>
-        <p:spPr>
-          <a:xfrm>
-            <a:off x="3537179" y="4822979"/>
-            <a:ext cx="360000" cy="360000"/>
-          </a:xfrm>
-          <a:prstGeom prst="rightArrow">
-            <a:avLst/>
-          </a:prstGeom>
-        </p:spPr>
-        <p:style>
-          <a:lnRef idx="0">
-            <a:schemeClr val="accent3"/>
-          </a:lnRef>
-          <a:fillRef idx="3">
-            <a:schemeClr val="accent3"/>
-          </a:fillRef>
-          <a:effectRef idx="3">
-            <a:schemeClr val="accent3"/>
-          </a:effectRef>
-          <a:fontRef idx="minor">
-            <a:schemeClr val="lt1"/>
-          </a:fontRef>
-        </p:style>
-        <p:txBody>
-          <a:bodyPr rtlCol="0" anchor="ctr"/>
-          <a:lstStyle/>
-          <a:p>
-            <a:pPr algn="ctr"/>
-            <a:endParaRPr lang="zh-TW" altLang="en-US"/>
-          </a:p>
-        </p:txBody>
-      </p:sp>
-      <p:sp>
-        <p:nvSpPr>
-          <p:cNvPr id="85" name="向右箭號 84"/>
-          <p:cNvSpPr/>
-          <p:nvPr/>
-        </p:nvSpPr>
-        <p:spPr>
-          <a:xfrm rot="10800000">
-            <a:off x="3532799" y="4096455"/>
-            <a:ext cx="360000" cy="360000"/>
-          </a:xfrm>
-          <a:prstGeom prst="rightArrow">
-            <a:avLst/>
-          </a:prstGeom>
-        </p:spPr>
-        <p:style>
-          <a:lnRef idx="0">
-            <a:schemeClr val="accent2"/>
-          </a:lnRef>
-          <a:fillRef idx="3">
-            <a:schemeClr val="accent2"/>
-          </a:fillRef>
-          <a:effectRef idx="3">
-            <a:schemeClr val="accent2"/>
-          </a:effectRef>
-          <a:fontRef idx="minor">
-            <a:schemeClr val="lt1"/>
-          </a:fontRef>
-        </p:style>
-        <p:txBody>
-          <a:bodyPr rtlCol="0" anchor="ctr"/>
-          <a:lstStyle/>
-          <a:p>
-            <a:pPr algn="ctr"/>
-            <a:endParaRPr lang="zh-TW" altLang="en-US"/>
-          </a:p>
-        </p:txBody>
-      </p:sp>
-      <p:sp>
-        <p:nvSpPr>
-          <p:cNvPr id="86" name="向右箭號 85"/>
-          <p:cNvSpPr/>
-          <p:nvPr/>
-        </p:nvSpPr>
-        <p:spPr>
-          <a:xfrm>
-            <a:off x="3537179" y="3557202"/>
-            <a:ext cx="360000" cy="360000"/>
-          </a:xfrm>
-          <a:prstGeom prst="rightArrow">
-            <a:avLst/>
-          </a:prstGeom>
-        </p:spPr>
-        <p:style>
-          <a:lnRef idx="0">
-            <a:schemeClr val="accent2"/>
-          </a:lnRef>
-          <a:fillRef idx="3">
-            <a:schemeClr val="accent2"/>
-          </a:fillRef>
-          <a:effectRef idx="3">
-            <a:schemeClr val="accent2"/>
-          </a:effectRef>
-          <a:fontRef idx="minor">
-            <a:schemeClr val="lt1"/>
-          </a:fontRef>
-        </p:style>
-        <p:txBody>
-          <a:bodyPr rtlCol="0" anchor="ctr"/>
-          <a:lstStyle/>
-          <a:p>
-            <a:pPr algn="ctr"/>
-            <a:endParaRPr lang="zh-TW" altLang="en-US"/>
-          </a:p>
-        </p:txBody>
-      </p:sp>
-    </p:spTree>
-    <p:extLst>
-      <p:ext uri="{BB962C8B-B14F-4D97-AF65-F5344CB8AC3E}">
-        <p14:creationId xmlns:p14="http://schemas.microsoft.com/office/powerpoint/2010/main" val="3955574995"/>
       </p:ext>
     </p:extLst>
   </p:cSld>
@@ -28989,6 +28354,1771 @@
       </p:grpSpPr>
       <p:sp>
         <p:nvSpPr>
+          <p:cNvPr id="2" name="矩形 1"/>
+          <p:cNvSpPr/>
+          <p:nvPr/>
+        </p:nvSpPr>
+        <p:spPr>
+          <a:xfrm>
+            <a:off x="1753558" y="3580232"/>
+            <a:ext cx="1840943" cy="2124000"/>
+          </a:xfrm>
+          <a:prstGeom prst="rect">
+            <a:avLst/>
+          </a:prstGeom>
+          <a:ln w="28575"/>
+        </p:spPr>
+        <p:style>
+          <a:lnRef idx="2">
+            <a:schemeClr val="accent1"/>
+          </a:lnRef>
+          <a:fillRef idx="1">
+            <a:schemeClr val="lt1"/>
+          </a:fillRef>
+          <a:effectRef idx="0">
+            <a:schemeClr val="accent1"/>
+          </a:effectRef>
+          <a:fontRef idx="minor">
+            <a:schemeClr val="dk1"/>
+          </a:fontRef>
+        </p:style>
+        <p:txBody>
+          <a:bodyPr rtlCol="0" anchor="ctr"/>
+          <a:lstStyle/>
+          <a:p>
+            <a:pPr algn="ctr"/>
+            <a:endParaRPr lang="zh-TW" altLang="en-US"/>
+          </a:p>
+        </p:txBody>
+      </p:sp>
+      <p:cxnSp>
+        <p:nvCxnSpPr>
+          <p:cNvPr id="5" name="肘形接點 4"/>
+          <p:cNvCxnSpPr>
+            <a:endCxn id="51" idx="0"/>
+          </p:cNvCxnSpPr>
+          <p:nvPr/>
+        </p:nvCxnSpPr>
+        <p:spPr>
+          <a:xfrm>
+            <a:off x="1893978" y="3676749"/>
+            <a:ext cx="918822" cy="244702"/>
+          </a:xfrm>
+          <a:prstGeom prst="bentConnector2">
+            <a:avLst/>
+          </a:prstGeom>
+          <a:ln w="38100">
+            <a:solidFill>
+              <a:schemeClr val="tx1"/>
+            </a:solidFill>
+            <a:tailEnd type="triangle"/>
+          </a:ln>
+        </p:spPr>
+        <p:style>
+          <a:lnRef idx="1">
+            <a:schemeClr val="accent1"/>
+          </a:lnRef>
+          <a:fillRef idx="0">
+            <a:schemeClr val="accent1"/>
+          </a:fillRef>
+          <a:effectRef idx="0">
+            <a:schemeClr val="accent1"/>
+          </a:effectRef>
+          <a:fontRef idx="minor">
+            <a:schemeClr val="tx1"/>
+          </a:fontRef>
+        </p:style>
+      </p:cxnSp>
+      <p:sp>
+        <p:nvSpPr>
+          <p:cNvPr id="128" name="矩形 127"/>
+          <p:cNvSpPr/>
+          <p:nvPr/>
+        </p:nvSpPr>
+        <p:spPr>
+          <a:xfrm>
+            <a:off x="6858000" y="548557"/>
+            <a:ext cx="4567452" cy="2569191"/>
+          </a:xfrm>
+          <a:prstGeom prst="rect">
+            <a:avLst/>
+          </a:prstGeom>
+        </p:spPr>
+        <p:style>
+          <a:lnRef idx="2">
+            <a:schemeClr val="dk1">
+              <a:shade val="50000"/>
+            </a:schemeClr>
+          </a:lnRef>
+          <a:fillRef idx="1">
+            <a:schemeClr val="dk1"/>
+          </a:fillRef>
+          <a:effectRef idx="0">
+            <a:schemeClr val="dk1"/>
+          </a:effectRef>
+          <a:fontRef idx="minor">
+            <a:schemeClr val="lt1"/>
+          </a:fontRef>
+        </p:style>
+        <p:txBody>
+          <a:bodyPr rtlCol="0" anchor="ctr"/>
+          <a:lstStyle/>
+          <a:p>
+            <a:pPr algn="ctr"/>
+            <a:endParaRPr lang="zh-TW" altLang="en-US"/>
+          </a:p>
+        </p:txBody>
+      </p:sp>
+      <p:sp>
+        <p:nvSpPr>
+          <p:cNvPr id="140" name="矩形 139"/>
+          <p:cNvSpPr/>
+          <p:nvPr/>
+        </p:nvSpPr>
+        <p:spPr>
+          <a:xfrm>
+            <a:off x="2362200" y="2049240"/>
+            <a:ext cx="972000" cy="792000"/>
+          </a:xfrm>
+          <a:prstGeom prst="rect">
+            <a:avLst/>
+          </a:prstGeom>
+        </p:spPr>
+        <p:style>
+          <a:lnRef idx="0">
+            <a:schemeClr val="accent4"/>
+          </a:lnRef>
+          <a:fillRef idx="3">
+            <a:schemeClr val="accent4"/>
+          </a:fillRef>
+          <a:effectRef idx="3">
+            <a:schemeClr val="accent4"/>
+          </a:effectRef>
+          <a:fontRef idx="minor">
+            <a:schemeClr val="lt1"/>
+          </a:fontRef>
+        </p:style>
+        <p:txBody>
+          <a:bodyPr rtlCol="0" anchor="ctr"/>
+          <a:lstStyle/>
+          <a:p>
+            <a:pPr algn="ctr"/>
+            <a:r>
+              <a:rPr lang="en-US" altLang="zh-TW">
+                <a:solidFill>
+                  <a:schemeClr val="bg1"/>
+                </a:solidFill>
+              </a:rPr>
+              <a:t>View</a:t>
+            </a:r>
+            <a:endParaRPr lang="zh-TW" altLang="en-US" dirty="0">
+              <a:solidFill>
+                <a:schemeClr val="bg1"/>
+              </a:solidFill>
+            </a:endParaRPr>
+          </a:p>
+        </p:txBody>
+      </p:sp>
+      <p:grpSp>
+        <p:nvGrpSpPr>
+          <p:cNvPr id="142" name="群組 141"/>
+          <p:cNvGrpSpPr/>
+          <p:nvPr/>
+        </p:nvGrpSpPr>
+        <p:grpSpPr>
+          <a:xfrm>
+            <a:off x="1236026" y="3562232"/>
+            <a:ext cx="900000" cy="2160000"/>
+            <a:chOff x="2438400" y="1178074"/>
+            <a:chExt cx="1440000" cy="720000"/>
+          </a:xfrm>
+        </p:grpSpPr>
+        <p:sp>
+          <p:nvSpPr>
+            <p:cNvPr id="143" name="圓柱 142"/>
+            <p:cNvSpPr/>
+            <p:nvPr/>
+          </p:nvSpPr>
+          <p:spPr>
+            <a:xfrm rot="16200000">
+              <a:off x="2798400" y="818074"/>
+              <a:ext cx="720000" cy="1440000"/>
+            </a:xfrm>
+            <a:prstGeom prst="can">
+              <a:avLst/>
+            </a:prstGeom>
+          </p:spPr>
+          <p:style>
+            <a:lnRef idx="0">
+              <a:schemeClr val="accent5"/>
+            </a:lnRef>
+            <a:fillRef idx="3">
+              <a:schemeClr val="accent5"/>
+            </a:fillRef>
+            <a:effectRef idx="3">
+              <a:schemeClr val="accent5"/>
+            </a:effectRef>
+            <a:fontRef idx="minor">
+              <a:schemeClr val="lt1"/>
+            </a:fontRef>
+          </p:style>
+          <p:txBody>
+            <a:bodyPr rtlCol="0" anchor="ctr"/>
+            <a:lstStyle/>
+            <a:p>
+              <a:pPr algn="ctr"/>
+              <a:endParaRPr lang="zh-TW" altLang="en-US"/>
+            </a:p>
+          </p:txBody>
+        </p:sp>
+        <p:sp>
+          <p:nvSpPr>
+            <p:cNvPr id="144" name="矩形 143"/>
+            <p:cNvSpPr/>
+            <p:nvPr/>
+          </p:nvSpPr>
+          <p:spPr>
+            <a:xfrm rot="16200000">
+              <a:off x="2855551" y="1021010"/>
+              <a:ext cx="681900" cy="1034130"/>
+            </a:xfrm>
+            <a:prstGeom prst="rect">
+              <a:avLst/>
+            </a:prstGeom>
+          </p:spPr>
+          <p:txBody>
+            <a:bodyPr wrap="square" anchor="ctr">
+              <a:spAutoFit/>
+            </a:bodyPr>
+            <a:lstStyle/>
+            <a:p>
+              <a:pPr algn="ctr"/>
+              <a:r>
+                <a:rPr lang="en-US" altLang="zh-TW" dirty="0" smtClean="0">
+                  <a:solidFill>
+                    <a:schemeClr val="bg1"/>
+                  </a:solidFill>
+                </a:rPr>
+                <a:t>Router</a:t>
+              </a:r>
+              <a:r>
+                <a:rPr lang="en-US" altLang="zh-TW" dirty="0">
+                  <a:solidFill>
+                    <a:schemeClr val="bg1"/>
+                  </a:solidFill>
+                </a:rPr>
+                <a:t/>
+              </a:r>
+              <a:br>
+                <a:rPr lang="en-US" altLang="zh-TW" dirty="0">
+                  <a:solidFill>
+                    <a:schemeClr val="bg1"/>
+                  </a:solidFill>
+                </a:rPr>
+              </a:br>
+              <a:r>
+                <a:rPr lang="en-US" altLang="zh-TW" dirty="0" smtClean="0">
+                  <a:solidFill>
+                    <a:schemeClr val="bg1"/>
+                  </a:solidFill>
+                </a:rPr>
+                <a:t>Middleware</a:t>
+              </a:r>
+              <a:endParaRPr lang="zh-TW" altLang="en-US" dirty="0">
+                <a:solidFill>
+                  <a:schemeClr val="bg1"/>
+                </a:solidFill>
+              </a:endParaRPr>
+            </a:p>
+          </p:txBody>
+        </p:sp>
+      </p:grpSp>
+      <p:grpSp>
+        <p:nvGrpSpPr>
+          <p:cNvPr id="145" name="群組 144"/>
+          <p:cNvGrpSpPr/>
+          <p:nvPr/>
+        </p:nvGrpSpPr>
+        <p:grpSpPr>
+          <a:xfrm>
+            <a:off x="2362200" y="674458"/>
+            <a:ext cx="2088000" cy="900000"/>
+            <a:chOff x="7231200" y="2209799"/>
+            <a:chExt cx="1440000" cy="720001"/>
+          </a:xfrm>
+        </p:grpSpPr>
+        <p:sp>
+          <p:nvSpPr>
+            <p:cNvPr id="146" name="矩形 145"/>
+            <p:cNvSpPr/>
+            <p:nvPr/>
+          </p:nvSpPr>
+          <p:spPr>
+            <a:xfrm>
+              <a:off x="7231200" y="2209799"/>
+              <a:ext cx="1440000" cy="720001"/>
+            </a:xfrm>
+            <a:prstGeom prst="rect">
+              <a:avLst/>
+            </a:prstGeom>
+          </p:spPr>
+          <p:style>
+            <a:lnRef idx="1">
+              <a:schemeClr val="accent6"/>
+            </a:lnRef>
+            <a:fillRef idx="3">
+              <a:schemeClr val="accent6"/>
+            </a:fillRef>
+            <a:effectRef idx="2">
+              <a:schemeClr val="accent6"/>
+            </a:effectRef>
+            <a:fontRef idx="minor">
+              <a:schemeClr val="lt1"/>
+            </a:fontRef>
+          </p:style>
+          <p:txBody>
+            <a:bodyPr rtlCol="0" anchor="ctr"/>
+            <a:lstStyle/>
+            <a:p>
+              <a:pPr algn="ctr"/>
+              <a:endParaRPr lang="zh-TW" altLang="en-US"/>
+            </a:p>
+          </p:txBody>
+        </p:sp>
+        <p:sp>
+          <p:nvSpPr>
+            <p:cNvPr id="147" name="矩形 146"/>
+            <p:cNvSpPr/>
+            <p:nvPr/>
+          </p:nvSpPr>
+          <p:spPr>
+            <a:xfrm>
+              <a:off x="7269301" y="2399712"/>
+              <a:ext cx="1363800" cy="340175"/>
+            </a:xfrm>
+            <a:prstGeom prst="rect">
+              <a:avLst/>
+            </a:prstGeom>
+          </p:spPr>
+          <p:txBody>
+            <a:bodyPr wrap="square" anchor="ctr">
+              <a:spAutoFit/>
+            </a:bodyPr>
+            <a:lstStyle/>
+            <a:p>
+              <a:pPr algn="ctr"/>
+              <a:r>
+                <a:rPr lang="en-US" altLang="zh-TW" dirty="0" smtClean="0">
+                  <a:solidFill>
+                    <a:schemeClr val="bg1"/>
+                  </a:solidFill>
+                </a:rPr>
+                <a:t>Controller</a:t>
+              </a:r>
+              <a:endParaRPr lang="zh-TW" altLang="en-US" dirty="0">
+                <a:solidFill>
+                  <a:schemeClr val="bg1"/>
+                </a:solidFill>
+              </a:endParaRPr>
+            </a:p>
+          </p:txBody>
+        </p:sp>
+      </p:grpSp>
+      <p:sp>
+        <p:nvSpPr>
+          <p:cNvPr id="153" name="向右箭號 152"/>
+          <p:cNvSpPr/>
+          <p:nvPr/>
+        </p:nvSpPr>
+        <p:spPr>
+          <a:xfrm rot="10800000">
+            <a:off x="632697" y="5344221"/>
+            <a:ext cx="720000" cy="360000"/>
+          </a:xfrm>
+          <a:prstGeom prst="rightArrow">
+            <a:avLst/>
+          </a:prstGeom>
+        </p:spPr>
+        <p:style>
+          <a:lnRef idx="0">
+            <a:schemeClr val="accent2"/>
+          </a:lnRef>
+          <a:fillRef idx="3">
+            <a:schemeClr val="accent2"/>
+          </a:fillRef>
+          <a:effectRef idx="3">
+            <a:schemeClr val="accent2"/>
+          </a:effectRef>
+          <a:fontRef idx="minor">
+            <a:schemeClr val="lt1"/>
+          </a:fontRef>
+        </p:style>
+        <p:txBody>
+          <a:bodyPr rtlCol="0" anchor="ctr"/>
+          <a:lstStyle/>
+          <a:p>
+            <a:pPr algn="ctr"/>
+            <a:endParaRPr lang="zh-TW" altLang="en-US"/>
+          </a:p>
+        </p:txBody>
+      </p:sp>
+      <p:sp>
+        <p:nvSpPr>
+          <p:cNvPr id="154" name="向右箭號 153"/>
+          <p:cNvSpPr/>
+          <p:nvPr/>
+        </p:nvSpPr>
+        <p:spPr>
+          <a:xfrm>
+            <a:off x="648674" y="3804684"/>
+            <a:ext cx="720000" cy="360000"/>
+          </a:xfrm>
+          <a:prstGeom prst="rightArrow">
+            <a:avLst/>
+          </a:prstGeom>
+        </p:spPr>
+        <p:style>
+          <a:lnRef idx="0">
+            <a:schemeClr val="accent2"/>
+          </a:lnRef>
+          <a:fillRef idx="3">
+            <a:schemeClr val="accent2"/>
+          </a:fillRef>
+          <a:effectRef idx="3">
+            <a:schemeClr val="accent2"/>
+          </a:effectRef>
+          <a:fontRef idx="minor">
+            <a:schemeClr val="lt1"/>
+          </a:fontRef>
+        </p:style>
+        <p:txBody>
+          <a:bodyPr rtlCol="0" anchor="ctr"/>
+          <a:lstStyle/>
+          <a:p>
+            <a:pPr algn="ctr"/>
+            <a:endParaRPr lang="zh-TW" altLang="en-US"/>
+          </a:p>
+        </p:txBody>
+      </p:sp>
+      <p:sp>
+        <p:nvSpPr>
+          <p:cNvPr id="155" name="矩形 154"/>
+          <p:cNvSpPr/>
+          <p:nvPr/>
+        </p:nvSpPr>
+        <p:spPr>
+          <a:xfrm>
+            <a:off x="530408" y="3495030"/>
+            <a:ext cx="944297" cy="369332"/>
+          </a:xfrm>
+          <a:prstGeom prst="rect">
+            <a:avLst/>
+          </a:prstGeom>
+        </p:spPr>
+        <p:txBody>
+          <a:bodyPr wrap="none">
+            <a:spAutoFit/>
+          </a:bodyPr>
+          <a:lstStyle/>
+          <a:p>
+            <a:r>
+              <a:rPr lang="en-US" altLang="zh-TW" dirty="0"/>
+              <a:t>Request</a:t>
+            </a:r>
+            <a:endParaRPr lang="zh-TW" altLang="en-US" dirty="0"/>
+          </a:p>
+        </p:txBody>
+      </p:sp>
+      <p:sp>
+        <p:nvSpPr>
+          <p:cNvPr id="156" name="矩形 155"/>
+          <p:cNvSpPr/>
+          <p:nvPr/>
+        </p:nvSpPr>
+        <p:spPr>
+          <a:xfrm>
+            <a:off x="472698" y="5070818"/>
+            <a:ext cx="1081514" cy="369332"/>
+          </a:xfrm>
+          <a:prstGeom prst="rect">
+            <a:avLst/>
+          </a:prstGeom>
+        </p:spPr>
+        <p:txBody>
+          <a:bodyPr wrap="none">
+            <a:spAutoFit/>
+          </a:bodyPr>
+          <a:lstStyle/>
+          <a:p>
+            <a:r>
+              <a:rPr lang="en-US" altLang="zh-TW" dirty="0"/>
+              <a:t>Response</a:t>
+            </a:r>
+            <a:endParaRPr lang="zh-TW" altLang="en-US" dirty="0"/>
+          </a:p>
+        </p:txBody>
+      </p:sp>
+      <p:sp>
+        <p:nvSpPr>
+          <p:cNvPr id="157" name="向右箭號 156"/>
+          <p:cNvSpPr/>
+          <p:nvPr/>
+        </p:nvSpPr>
+        <p:spPr>
+          <a:xfrm rot="10800000">
+            <a:off x="1933133" y="1157067"/>
+            <a:ext cx="540000" cy="360000"/>
+          </a:xfrm>
+          <a:prstGeom prst="rightArrow">
+            <a:avLst/>
+          </a:prstGeom>
+        </p:spPr>
+        <p:style>
+          <a:lnRef idx="0">
+            <a:schemeClr val="accent2"/>
+          </a:lnRef>
+          <a:fillRef idx="3">
+            <a:schemeClr val="accent2"/>
+          </a:fillRef>
+          <a:effectRef idx="3">
+            <a:schemeClr val="accent2"/>
+          </a:effectRef>
+          <a:fontRef idx="minor">
+            <a:schemeClr val="lt1"/>
+          </a:fontRef>
+        </p:style>
+        <p:txBody>
+          <a:bodyPr rtlCol="0" anchor="ctr"/>
+          <a:lstStyle/>
+          <a:p>
+            <a:pPr algn="ctr"/>
+            <a:endParaRPr lang="zh-TW" altLang="en-US"/>
+          </a:p>
+        </p:txBody>
+      </p:sp>
+      <p:sp>
+        <p:nvSpPr>
+          <p:cNvPr id="158" name="向右箭號 157"/>
+          <p:cNvSpPr/>
+          <p:nvPr/>
+        </p:nvSpPr>
+        <p:spPr>
+          <a:xfrm>
+            <a:off x="1965364" y="732636"/>
+            <a:ext cx="540000" cy="360000"/>
+          </a:xfrm>
+          <a:prstGeom prst="rightArrow">
+            <a:avLst/>
+          </a:prstGeom>
+        </p:spPr>
+        <p:style>
+          <a:lnRef idx="0">
+            <a:schemeClr val="accent2"/>
+          </a:lnRef>
+          <a:fillRef idx="3">
+            <a:schemeClr val="accent2"/>
+          </a:fillRef>
+          <a:effectRef idx="3">
+            <a:schemeClr val="accent2"/>
+          </a:effectRef>
+          <a:fontRef idx="minor">
+            <a:schemeClr val="lt1"/>
+          </a:fontRef>
+        </p:style>
+        <p:txBody>
+          <a:bodyPr rtlCol="0" anchor="ctr"/>
+          <a:lstStyle/>
+          <a:p>
+            <a:pPr algn="ctr"/>
+            <a:endParaRPr lang="zh-TW" altLang="en-US"/>
+          </a:p>
+        </p:txBody>
+      </p:sp>
+      <p:sp>
+        <p:nvSpPr>
+          <p:cNvPr id="161" name="矩形 160"/>
+          <p:cNvSpPr/>
+          <p:nvPr/>
+        </p:nvSpPr>
+        <p:spPr>
+          <a:xfrm>
+            <a:off x="3481728" y="2048235"/>
+            <a:ext cx="972000" cy="792000"/>
+          </a:xfrm>
+          <a:prstGeom prst="rect">
+            <a:avLst/>
+          </a:prstGeom>
+        </p:spPr>
+        <p:style>
+          <a:lnRef idx="0">
+            <a:schemeClr val="accent1"/>
+          </a:lnRef>
+          <a:fillRef idx="3">
+            <a:schemeClr val="accent1"/>
+          </a:fillRef>
+          <a:effectRef idx="3">
+            <a:schemeClr val="accent1"/>
+          </a:effectRef>
+          <a:fontRef idx="minor">
+            <a:schemeClr val="lt1"/>
+          </a:fontRef>
+        </p:style>
+        <p:txBody>
+          <a:bodyPr rtlCol="0" anchor="ctr"/>
+          <a:lstStyle/>
+          <a:p>
+            <a:pPr algn="ctr"/>
+            <a:r>
+              <a:rPr lang="en-US" altLang="zh-TW" dirty="0" smtClean="0"/>
+              <a:t>Model</a:t>
+            </a:r>
+            <a:endParaRPr lang="zh-TW" altLang="en-US" dirty="0"/>
+          </a:p>
+        </p:txBody>
+      </p:sp>
+      <p:sp>
+        <p:nvSpPr>
+          <p:cNvPr id="162" name="向右箭號 161"/>
+          <p:cNvSpPr/>
+          <p:nvPr/>
+        </p:nvSpPr>
+        <p:spPr>
+          <a:xfrm rot="16200000">
+            <a:off x="3485512" y="1620922"/>
+            <a:ext cx="540000" cy="360000"/>
+          </a:xfrm>
+          <a:prstGeom prst="rightArrow">
+            <a:avLst/>
+          </a:prstGeom>
+        </p:spPr>
+        <p:style>
+          <a:lnRef idx="0">
+            <a:schemeClr val="accent2"/>
+          </a:lnRef>
+          <a:fillRef idx="3">
+            <a:schemeClr val="accent2"/>
+          </a:fillRef>
+          <a:effectRef idx="3">
+            <a:schemeClr val="accent2"/>
+          </a:effectRef>
+          <a:fontRef idx="minor">
+            <a:schemeClr val="lt1"/>
+          </a:fontRef>
+        </p:style>
+        <p:txBody>
+          <a:bodyPr rtlCol="0" anchor="ctr"/>
+          <a:lstStyle/>
+          <a:p>
+            <a:pPr algn="ctr"/>
+            <a:endParaRPr lang="zh-TW" altLang="en-US"/>
+          </a:p>
+        </p:txBody>
+      </p:sp>
+      <p:sp>
+        <p:nvSpPr>
+          <p:cNvPr id="163" name="向右箭號 162"/>
+          <p:cNvSpPr/>
+          <p:nvPr/>
+        </p:nvSpPr>
+        <p:spPr>
+          <a:xfrm rot="5400000">
+            <a:off x="3909943" y="1653153"/>
+            <a:ext cx="540000" cy="360000"/>
+          </a:xfrm>
+          <a:prstGeom prst="rightArrow">
+            <a:avLst/>
+          </a:prstGeom>
+        </p:spPr>
+        <p:style>
+          <a:lnRef idx="0">
+            <a:schemeClr val="accent2"/>
+          </a:lnRef>
+          <a:fillRef idx="3">
+            <a:schemeClr val="accent2"/>
+          </a:fillRef>
+          <a:effectRef idx="3">
+            <a:schemeClr val="accent2"/>
+          </a:effectRef>
+          <a:fontRef idx="minor">
+            <a:schemeClr val="lt1"/>
+          </a:fontRef>
+        </p:style>
+        <p:txBody>
+          <a:bodyPr rtlCol="0" anchor="ctr"/>
+          <a:lstStyle/>
+          <a:p>
+            <a:pPr algn="ctr"/>
+            <a:endParaRPr lang="zh-TW" altLang="en-US"/>
+          </a:p>
+        </p:txBody>
+      </p:sp>
+      <p:sp>
+        <p:nvSpPr>
+          <p:cNvPr id="166" name="向右箭號 165"/>
+          <p:cNvSpPr/>
+          <p:nvPr/>
+        </p:nvSpPr>
+        <p:spPr>
+          <a:xfrm rot="16200000">
+            <a:off x="2364528" y="1620922"/>
+            <a:ext cx="540000" cy="360000"/>
+          </a:xfrm>
+          <a:prstGeom prst="rightArrow">
+            <a:avLst/>
+          </a:prstGeom>
+        </p:spPr>
+        <p:style>
+          <a:lnRef idx="0">
+            <a:schemeClr val="accent2"/>
+          </a:lnRef>
+          <a:fillRef idx="3">
+            <a:schemeClr val="accent2"/>
+          </a:fillRef>
+          <a:effectRef idx="3">
+            <a:schemeClr val="accent2"/>
+          </a:effectRef>
+          <a:fontRef idx="minor">
+            <a:schemeClr val="lt1"/>
+          </a:fontRef>
+        </p:style>
+        <p:txBody>
+          <a:bodyPr rtlCol="0" anchor="ctr"/>
+          <a:lstStyle/>
+          <a:p>
+            <a:pPr algn="ctr"/>
+            <a:endParaRPr lang="zh-TW" altLang="en-US"/>
+          </a:p>
+        </p:txBody>
+      </p:sp>
+      <p:sp>
+        <p:nvSpPr>
+          <p:cNvPr id="167" name="向右箭號 166"/>
+          <p:cNvSpPr/>
+          <p:nvPr/>
+        </p:nvSpPr>
+        <p:spPr>
+          <a:xfrm rot="5400000">
+            <a:off x="2788959" y="1653153"/>
+            <a:ext cx="540000" cy="360000"/>
+          </a:xfrm>
+          <a:prstGeom prst="rightArrow">
+            <a:avLst/>
+          </a:prstGeom>
+        </p:spPr>
+        <p:style>
+          <a:lnRef idx="0">
+            <a:schemeClr val="accent2"/>
+          </a:lnRef>
+          <a:fillRef idx="3">
+            <a:schemeClr val="accent2"/>
+          </a:fillRef>
+          <a:effectRef idx="3">
+            <a:schemeClr val="accent2"/>
+          </a:effectRef>
+          <a:fontRef idx="minor">
+            <a:schemeClr val="lt1"/>
+          </a:fontRef>
+        </p:style>
+        <p:txBody>
+          <a:bodyPr rtlCol="0" anchor="ctr"/>
+          <a:lstStyle/>
+          <a:p>
+            <a:pPr algn="ctr"/>
+            <a:endParaRPr lang="zh-TW" altLang="en-US"/>
+          </a:p>
+        </p:txBody>
+      </p:sp>
+      <p:sp>
+        <p:nvSpPr>
+          <p:cNvPr id="51" name="矩形 50"/>
+          <p:cNvSpPr/>
+          <p:nvPr/>
+        </p:nvSpPr>
+        <p:spPr>
+          <a:xfrm>
+            <a:off x="2272800" y="3921451"/>
+            <a:ext cx="1080000" cy="648000"/>
+          </a:xfrm>
+          <a:prstGeom prst="rect">
+            <a:avLst/>
+          </a:prstGeom>
+        </p:spPr>
+        <p:style>
+          <a:lnRef idx="0">
+            <a:schemeClr val="accent1"/>
+          </a:lnRef>
+          <a:fillRef idx="3">
+            <a:schemeClr val="accent1"/>
+          </a:fillRef>
+          <a:effectRef idx="3">
+            <a:schemeClr val="accent1"/>
+          </a:effectRef>
+          <a:fontRef idx="minor">
+            <a:schemeClr val="lt1"/>
+          </a:fontRef>
+        </p:style>
+        <p:txBody>
+          <a:bodyPr rtlCol="0" anchor="ctr"/>
+          <a:lstStyle/>
+          <a:p>
+            <a:pPr algn="ctr"/>
+            <a:r>
+              <a:rPr lang="en-US" altLang="zh-TW" dirty="0" smtClean="0"/>
+              <a:t>Route</a:t>
+            </a:r>
+          </a:p>
+          <a:p>
+            <a:pPr algn="ctr"/>
+            <a:r>
+              <a:rPr lang="en-US" altLang="zh-TW" dirty="0" smtClean="0"/>
+              <a:t>Attribute</a:t>
+            </a:r>
+            <a:endParaRPr lang="zh-TW" altLang="en-US" dirty="0"/>
+          </a:p>
+        </p:txBody>
+      </p:sp>
+      <p:sp>
+        <p:nvSpPr>
+          <p:cNvPr id="52" name="矩形 51"/>
+          <p:cNvSpPr/>
+          <p:nvPr/>
+        </p:nvSpPr>
+        <p:spPr>
+          <a:xfrm>
+            <a:off x="2272800" y="4792150"/>
+            <a:ext cx="1080000" cy="648000"/>
+          </a:xfrm>
+          <a:prstGeom prst="rect">
+            <a:avLst/>
+          </a:prstGeom>
+        </p:spPr>
+        <p:style>
+          <a:lnRef idx="0">
+            <a:schemeClr val="accent1"/>
+          </a:lnRef>
+          <a:fillRef idx="3">
+            <a:schemeClr val="accent1"/>
+          </a:fillRef>
+          <a:effectRef idx="3">
+            <a:schemeClr val="accent1"/>
+          </a:effectRef>
+          <a:fontRef idx="minor">
+            <a:schemeClr val="lt1"/>
+          </a:fontRef>
+        </p:style>
+        <p:txBody>
+          <a:bodyPr rtlCol="0" anchor="ctr"/>
+          <a:lstStyle/>
+          <a:p>
+            <a:pPr algn="ctr"/>
+            <a:r>
+              <a:rPr lang="en-US" altLang="zh-TW" dirty="0" smtClean="0"/>
+              <a:t>Map</a:t>
+            </a:r>
+          </a:p>
+          <a:p>
+            <a:pPr algn="ctr"/>
+            <a:r>
+              <a:rPr lang="en-US" altLang="zh-TW" dirty="0" smtClean="0"/>
+              <a:t>Route</a:t>
+            </a:r>
+            <a:endParaRPr lang="en-US" altLang="zh-TW" dirty="0"/>
+          </a:p>
+        </p:txBody>
+      </p:sp>
+      <p:cxnSp>
+        <p:nvCxnSpPr>
+          <p:cNvPr id="9" name="直線單箭頭接點 8"/>
+          <p:cNvCxnSpPr>
+            <a:stCxn id="51" idx="2"/>
+            <a:endCxn id="52" idx="0"/>
+          </p:cNvCxnSpPr>
+          <p:nvPr/>
+        </p:nvCxnSpPr>
+        <p:spPr>
+          <a:xfrm>
+            <a:off x="2812800" y="4569451"/>
+            <a:ext cx="0" cy="222699"/>
+          </a:xfrm>
+          <a:prstGeom prst="straightConnector1">
+            <a:avLst/>
+          </a:prstGeom>
+          <a:ln w="38100">
+            <a:solidFill>
+              <a:schemeClr val="tx1"/>
+            </a:solidFill>
+            <a:tailEnd type="triangle"/>
+          </a:ln>
+        </p:spPr>
+        <p:style>
+          <a:lnRef idx="1">
+            <a:schemeClr val="accent1"/>
+          </a:lnRef>
+          <a:fillRef idx="0">
+            <a:schemeClr val="accent1"/>
+          </a:fillRef>
+          <a:effectRef idx="0">
+            <a:schemeClr val="accent1"/>
+          </a:effectRef>
+          <a:fontRef idx="minor">
+            <a:schemeClr val="tx1"/>
+          </a:fontRef>
+        </p:style>
+      </p:cxnSp>
+      <p:grpSp>
+        <p:nvGrpSpPr>
+          <p:cNvPr id="59" name="群組 58"/>
+          <p:cNvGrpSpPr/>
+          <p:nvPr/>
+        </p:nvGrpSpPr>
+        <p:grpSpPr>
+          <a:xfrm>
+            <a:off x="3820200" y="3562979"/>
+            <a:ext cx="1260000" cy="900000"/>
+            <a:chOff x="7231200" y="2209799"/>
+            <a:chExt cx="1440000" cy="720001"/>
+          </a:xfrm>
+        </p:grpSpPr>
+        <p:sp>
+          <p:nvSpPr>
+            <p:cNvPr id="60" name="矩形 59"/>
+            <p:cNvSpPr/>
+            <p:nvPr/>
+          </p:nvSpPr>
+          <p:spPr>
+            <a:xfrm>
+              <a:off x="7231200" y="2209799"/>
+              <a:ext cx="1440000" cy="720001"/>
+            </a:xfrm>
+            <a:prstGeom prst="rect">
+              <a:avLst/>
+            </a:prstGeom>
+          </p:spPr>
+          <p:style>
+            <a:lnRef idx="1">
+              <a:schemeClr val="accent6"/>
+            </a:lnRef>
+            <a:fillRef idx="3">
+              <a:schemeClr val="accent6"/>
+            </a:fillRef>
+            <a:effectRef idx="2">
+              <a:schemeClr val="accent6"/>
+            </a:effectRef>
+            <a:fontRef idx="minor">
+              <a:schemeClr val="lt1"/>
+            </a:fontRef>
+          </p:style>
+          <p:txBody>
+            <a:bodyPr rtlCol="0" anchor="ctr"/>
+            <a:lstStyle/>
+            <a:p>
+              <a:pPr algn="ctr"/>
+              <a:endParaRPr lang="zh-TW" altLang="en-US"/>
+            </a:p>
+          </p:txBody>
+        </p:sp>
+        <p:sp>
+          <p:nvSpPr>
+            <p:cNvPr id="61" name="矩形 60"/>
+            <p:cNvSpPr/>
+            <p:nvPr/>
+          </p:nvSpPr>
+          <p:spPr>
+            <a:xfrm>
+              <a:off x="7269301" y="2422066"/>
+              <a:ext cx="1363800" cy="295466"/>
+            </a:xfrm>
+            <a:prstGeom prst="rect">
+              <a:avLst/>
+            </a:prstGeom>
+          </p:spPr>
+          <p:txBody>
+            <a:bodyPr wrap="square" anchor="ctr">
+              <a:spAutoFit/>
+            </a:bodyPr>
+            <a:lstStyle/>
+            <a:p>
+              <a:pPr algn="ctr"/>
+              <a:r>
+                <a:rPr lang="en-US" altLang="zh-TW" dirty="0" smtClean="0">
+                  <a:solidFill>
+                    <a:schemeClr val="bg1"/>
+                  </a:solidFill>
+                </a:rPr>
+                <a:t>Action</a:t>
+              </a:r>
+              <a:endParaRPr lang="zh-TW" altLang="en-US" dirty="0">
+                <a:solidFill>
+                  <a:schemeClr val="bg1"/>
+                </a:solidFill>
+              </a:endParaRPr>
+            </a:p>
+          </p:txBody>
+        </p:sp>
+      </p:grpSp>
+      <p:cxnSp>
+        <p:nvCxnSpPr>
+          <p:cNvPr id="11" name="肘形接點 10"/>
+          <p:cNvCxnSpPr>
+            <a:stCxn id="52" idx="2"/>
+            <a:endCxn id="2" idx="3"/>
+          </p:cNvCxnSpPr>
+          <p:nvPr/>
+        </p:nvCxnSpPr>
+        <p:spPr>
+          <a:xfrm rot="5400000" flipH="1" flipV="1">
+            <a:off x="2804691" y="4650340"/>
+            <a:ext cx="797918" cy="781701"/>
+          </a:xfrm>
+          <a:prstGeom prst="bentConnector4">
+            <a:avLst>
+              <a:gd name="adj1" fmla="val -16862"/>
+              <a:gd name="adj2" fmla="val 78554"/>
+            </a:avLst>
+          </a:prstGeom>
+          <a:ln w="38100">
+            <a:solidFill>
+              <a:schemeClr val="tx1"/>
+            </a:solidFill>
+            <a:tailEnd type="triangle"/>
+          </a:ln>
+        </p:spPr>
+        <p:style>
+          <a:lnRef idx="1">
+            <a:schemeClr val="accent1"/>
+          </a:lnRef>
+          <a:fillRef idx="0">
+            <a:schemeClr val="accent1"/>
+          </a:fillRef>
+          <a:effectRef idx="0">
+            <a:schemeClr val="accent1"/>
+          </a:effectRef>
+          <a:fontRef idx="minor">
+            <a:schemeClr val="tx1"/>
+          </a:fontRef>
+        </p:style>
+      </p:cxnSp>
+      <p:grpSp>
+        <p:nvGrpSpPr>
+          <p:cNvPr id="78" name="群組 77"/>
+          <p:cNvGrpSpPr/>
+          <p:nvPr/>
+        </p:nvGrpSpPr>
+        <p:grpSpPr>
+          <a:xfrm>
+            <a:off x="3820200" y="4822979"/>
+            <a:ext cx="1260000" cy="900000"/>
+            <a:chOff x="7231200" y="2209799"/>
+            <a:chExt cx="1440000" cy="720001"/>
+          </a:xfrm>
+        </p:grpSpPr>
+        <p:sp>
+          <p:nvSpPr>
+            <p:cNvPr id="79" name="矩形 78"/>
+            <p:cNvSpPr/>
+            <p:nvPr/>
+          </p:nvSpPr>
+          <p:spPr>
+            <a:xfrm>
+              <a:off x="7231200" y="2209799"/>
+              <a:ext cx="1440000" cy="720001"/>
+            </a:xfrm>
+            <a:prstGeom prst="rect">
+              <a:avLst/>
+            </a:prstGeom>
+          </p:spPr>
+          <p:style>
+            <a:lnRef idx="1">
+              <a:schemeClr val="accent3"/>
+            </a:lnRef>
+            <a:fillRef idx="3">
+              <a:schemeClr val="accent3"/>
+            </a:fillRef>
+            <a:effectRef idx="2">
+              <a:schemeClr val="accent3"/>
+            </a:effectRef>
+            <a:fontRef idx="minor">
+              <a:schemeClr val="lt1"/>
+            </a:fontRef>
+          </p:style>
+          <p:txBody>
+            <a:bodyPr rtlCol="0" anchor="ctr"/>
+            <a:lstStyle/>
+            <a:p>
+              <a:pPr algn="ctr"/>
+              <a:endParaRPr lang="zh-TW" altLang="en-US"/>
+            </a:p>
+          </p:txBody>
+        </p:sp>
+        <p:sp>
+          <p:nvSpPr>
+            <p:cNvPr id="80" name="矩形 79"/>
+            <p:cNvSpPr/>
+            <p:nvPr/>
+          </p:nvSpPr>
+          <p:spPr>
+            <a:xfrm>
+              <a:off x="7269301" y="2385133"/>
+              <a:ext cx="1363800" cy="369333"/>
+            </a:xfrm>
+            <a:prstGeom prst="rect">
+              <a:avLst/>
+            </a:prstGeom>
+          </p:spPr>
+          <p:txBody>
+            <a:bodyPr wrap="square" anchor="ctr">
+              <a:spAutoFit/>
+            </a:bodyPr>
+            <a:lstStyle/>
+            <a:p>
+              <a:pPr algn="ctr"/>
+              <a:r>
+                <a:rPr lang="en-US" altLang="zh-TW" dirty="0" smtClean="0">
+                  <a:solidFill>
+                    <a:schemeClr val="bg1"/>
+                  </a:solidFill>
+                </a:rPr>
+                <a:t>Not Found</a:t>
+              </a:r>
+              <a:endParaRPr lang="zh-TW" altLang="en-US" dirty="0">
+                <a:solidFill>
+                  <a:schemeClr val="bg1"/>
+                </a:solidFill>
+              </a:endParaRPr>
+            </a:p>
+          </p:txBody>
+        </p:sp>
+      </p:grpSp>
+      <p:sp>
+        <p:nvSpPr>
+          <p:cNvPr id="81" name="向右箭號 80"/>
+          <p:cNvSpPr/>
+          <p:nvPr/>
+        </p:nvSpPr>
+        <p:spPr>
+          <a:xfrm rot="10800000">
+            <a:off x="3532799" y="5362232"/>
+            <a:ext cx="360000" cy="360000"/>
+          </a:xfrm>
+          <a:prstGeom prst="rightArrow">
+            <a:avLst/>
+          </a:prstGeom>
+        </p:spPr>
+        <p:style>
+          <a:lnRef idx="0">
+            <a:schemeClr val="accent3"/>
+          </a:lnRef>
+          <a:fillRef idx="3">
+            <a:schemeClr val="accent3"/>
+          </a:fillRef>
+          <a:effectRef idx="3">
+            <a:schemeClr val="accent3"/>
+          </a:effectRef>
+          <a:fontRef idx="minor">
+            <a:schemeClr val="lt1"/>
+          </a:fontRef>
+        </p:style>
+        <p:txBody>
+          <a:bodyPr rtlCol="0" anchor="ctr"/>
+          <a:lstStyle/>
+          <a:p>
+            <a:pPr algn="ctr"/>
+            <a:endParaRPr lang="zh-TW" altLang="en-US"/>
+          </a:p>
+        </p:txBody>
+      </p:sp>
+      <p:sp>
+        <p:nvSpPr>
+          <p:cNvPr id="82" name="向右箭號 81"/>
+          <p:cNvSpPr/>
+          <p:nvPr/>
+        </p:nvSpPr>
+        <p:spPr>
+          <a:xfrm>
+            <a:off x="3537179" y="4822979"/>
+            <a:ext cx="360000" cy="360000"/>
+          </a:xfrm>
+          <a:prstGeom prst="rightArrow">
+            <a:avLst/>
+          </a:prstGeom>
+        </p:spPr>
+        <p:style>
+          <a:lnRef idx="0">
+            <a:schemeClr val="accent3"/>
+          </a:lnRef>
+          <a:fillRef idx="3">
+            <a:schemeClr val="accent3"/>
+          </a:fillRef>
+          <a:effectRef idx="3">
+            <a:schemeClr val="accent3"/>
+          </a:effectRef>
+          <a:fontRef idx="minor">
+            <a:schemeClr val="lt1"/>
+          </a:fontRef>
+        </p:style>
+        <p:txBody>
+          <a:bodyPr rtlCol="0" anchor="ctr"/>
+          <a:lstStyle/>
+          <a:p>
+            <a:pPr algn="ctr"/>
+            <a:endParaRPr lang="zh-TW" altLang="en-US"/>
+          </a:p>
+        </p:txBody>
+      </p:sp>
+      <p:sp>
+        <p:nvSpPr>
+          <p:cNvPr id="85" name="向右箭號 84"/>
+          <p:cNvSpPr/>
+          <p:nvPr/>
+        </p:nvSpPr>
+        <p:spPr>
+          <a:xfrm rot="10800000">
+            <a:off x="3532799" y="4096455"/>
+            <a:ext cx="360000" cy="360000"/>
+          </a:xfrm>
+          <a:prstGeom prst="rightArrow">
+            <a:avLst/>
+          </a:prstGeom>
+        </p:spPr>
+        <p:style>
+          <a:lnRef idx="0">
+            <a:schemeClr val="accent2"/>
+          </a:lnRef>
+          <a:fillRef idx="3">
+            <a:schemeClr val="accent2"/>
+          </a:fillRef>
+          <a:effectRef idx="3">
+            <a:schemeClr val="accent2"/>
+          </a:effectRef>
+          <a:fontRef idx="minor">
+            <a:schemeClr val="lt1"/>
+          </a:fontRef>
+        </p:style>
+        <p:txBody>
+          <a:bodyPr rtlCol="0" anchor="ctr"/>
+          <a:lstStyle/>
+          <a:p>
+            <a:pPr algn="ctr"/>
+            <a:endParaRPr lang="zh-TW" altLang="en-US"/>
+          </a:p>
+        </p:txBody>
+      </p:sp>
+      <p:sp>
+        <p:nvSpPr>
+          <p:cNvPr id="86" name="向右箭號 85"/>
+          <p:cNvSpPr/>
+          <p:nvPr/>
+        </p:nvSpPr>
+        <p:spPr>
+          <a:xfrm>
+            <a:off x="3537179" y="3557202"/>
+            <a:ext cx="360000" cy="360000"/>
+          </a:xfrm>
+          <a:prstGeom prst="rightArrow">
+            <a:avLst/>
+          </a:prstGeom>
+        </p:spPr>
+        <p:style>
+          <a:lnRef idx="0">
+            <a:schemeClr val="accent2"/>
+          </a:lnRef>
+          <a:fillRef idx="3">
+            <a:schemeClr val="accent2"/>
+          </a:fillRef>
+          <a:effectRef idx="3">
+            <a:schemeClr val="accent2"/>
+          </a:effectRef>
+          <a:fontRef idx="minor">
+            <a:schemeClr val="lt1"/>
+          </a:fontRef>
+        </p:style>
+        <p:txBody>
+          <a:bodyPr rtlCol="0" anchor="ctr"/>
+          <a:lstStyle/>
+          <a:p>
+            <a:pPr algn="ctr"/>
+            <a:endParaRPr lang="zh-TW" altLang="en-US"/>
+          </a:p>
+        </p:txBody>
+      </p:sp>
+    </p:spTree>
+    <p:extLst>
+      <p:ext uri="{BB962C8B-B14F-4D97-AF65-F5344CB8AC3E}">
+        <p14:creationId xmlns:p14="http://schemas.microsoft.com/office/powerpoint/2010/main" val="3955574995"/>
+      </p:ext>
+    </p:extLst>
+  </p:cSld>
+  <p:clrMapOvr>
+    <a:masterClrMapping/>
+  </p:clrMapOvr>
+  <p:timing>
+    <p:tnLst>
+      <p:par>
+        <p:cTn id="1" dur="indefinite" restart="never" nodeType="tmRoot">
+          <p:childTnLst>
+            <p:seq concurrent="1" nextAc="seek">
+              <p:cTn id="2" dur="indefinite" nodeType="mainSeq">
+                <p:childTnLst>
+                  <p:par>
+                    <p:cTn id="3" fill="hold">
+                      <p:stCondLst>
+                        <p:cond delay="indefinite"/>
+                      </p:stCondLst>
+                      <p:childTnLst>
+                        <p:par>
+                          <p:cTn id="4" fill="hold">
+                            <p:stCondLst>
+                              <p:cond delay="0"/>
+                            </p:stCondLst>
+                            <p:childTnLst>
+                              <p:par>
+                                <p:cTn id="5" presetID="10" presetClass="entr" presetSubtype="0" fill="hold" grpId="0" nodeType="clickEffect">
+                                  <p:stCondLst>
+                                    <p:cond delay="0"/>
+                                  </p:stCondLst>
+                                  <p:childTnLst>
+                                    <p:set>
+                                      <p:cBhvr>
+                                        <p:cTn id="6" dur="1" fill="hold">
+                                          <p:stCondLst>
+                                            <p:cond delay="0"/>
+                                          </p:stCondLst>
+                                        </p:cTn>
+                                        <p:tgtEl>
+                                          <p:spTgt spid="158"/>
+                                        </p:tgtEl>
+                                        <p:attrNameLst>
+                                          <p:attrName>style.visibility</p:attrName>
+                                        </p:attrNameLst>
+                                      </p:cBhvr>
+                                      <p:to>
+                                        <p:strVal val="visible"/>
+                                      </p:to>
+                                    </p:set>
+                                    <p:animEffect transition="in" filter="fade">
+                                      <p:cBhvr>
+                                        <p:cTn id="7" dur="500"/>
+                                        <p:tgtEl>
+                                          <p:spTgt spid="158"/>
+                                        </p:tgtEl>
+                                      </p:cBhvr>
+                                    </p:animEffect>
+                                  </p:childTnLst>
+                                </p:cTn>
+                              </p:par>
+                            </p:childTnLst>
+                          </p:cTn>
+                        </p:par>
+                      </p:childTnLst>
+                    </p:cTn>
+                  </p:par>
+                  <p:par>
+                    <p:cTn id="8" fill="hold">
+                      <p:stCondLst>
+                        <p:cond delay="indefinite"/>
+                      </p:stCondLst>
+                      <p:childTnLst>
+                        <p:par>
+                          <p:cTn id="9" fill="hold">
+                            <p:stCondLst>
+                              <p:cond delay="0"/>
+                            </p:stCondLst>
+                            <p:childTnLst>
+                              <p:par>
+                                <p:cTn id="10" presetID="10" presetClass="entr" presetSubtype="0" fill="hold" grpId="0" nodeType="clickEffect">
+                                  <p:stCondLst>
+                                    <p:cond delay="0"/>
+                                  </p:stCondLst>
+                                  <p:childTnLst>
+                                    <p:set>
+                                      <p:cBhvr>
+                                        <p:cTn id="11" dur="1" fill="hold">
+                                          <p:stCondLst>
+                                            <p:cond delay="0"/>
+                                          </p:stCondLst>
+                                        </p:cTn>
+                                        <p:tgtEl>
+                                          <p:spTgt spid="163"/>
+                                        </p:tgtEl>
+                                        <p:attrNameLst>
+                                          <p:attrName>style.visibility</p:attrName>
+                                        </p:attrNameLst>
+                                      </p:cBhvr>
+                                      <p:to>
+                                        <p:strVal val="visible"/>
+                                      </p:to>
+                                    </p:set>
+                                    <p:animEffect transition="in" filter="fade">
+                                      <p:cBhvr>
+                                        <p:cTn id="12" dur="500"/>
+                                        <p:tgtEl>
+                                          <p:spTgt spid="163"/>
+                                        </p:tgtEl>
+                                      </p:cBhvr>
+                                    </p:animEffect>
+                                  </p:childTnLst>
+                                </p:cTn>
+                              </p:par>
+                            </p:childTnLst>
+                          </p:cTn>
+                        </p:par>
+                      </p:childTnLst>
+                    </p:cTn>
+                  </p:par>
+                  <p:par>
+                    <p:cTn id="13" fill="hold">
+                      <p:stCondLst>
+                        <p:cond delay="indefinite"/>
+                      </p:stCondLst>
+                      <p:childTnLst>
+                        <p:par>
+                          <p:cTn id="14" fill="hold">
+                            <p:stCondLst>
+                              <p:cond delay="0"/>
+                            </p:stCondLst>
+                            <p:childTnLst>
+                              <p:par>
+                                <p:cTn id="15" presetID="10" presetClass="entr" presetSubtype="0" fill="hold" grpId="0" nodeType="clickEffect">
+                                  <p:stCondLst>
+                                    <p:cond delay="0"/>
+                                  </p:stCondLst>
+                                  <p:childTnLst>
+                                    <p:set>
+                                      <p:cBhvr>
+                                        <p:cTn id="16" dur="1" fill="hold">
+                                          <p:stCondLst>
+                                            <p:cond delay="0"/>
+                                          </p:stCondLst>
+                                        </p:cTn>
+                                        <p:tgtEl>
+                                          <p:spTgt spid="162"/>
+                                        </p:tgtEl>
+                                        <p:attrNameLst>
+                                          <p:attrName>style.visibility</p:attrName>
+                                        </p:attrNameLst>
+                                      </p:cBhvr>
+                                      <p:to>
+                                        <p:strVal val="visible"/>
+                                      </p:to>
+                                    </p:set>
+                                    <p:animEffect transition="in" filter="fade">
+                                      <p:cBhvr>
+                                        <p:cTn id="17" dur="500"/>
+                                        <p:tgtEl>
+                                          <p:spTgt spid="162"/>
+                                        </p:tgtEl>
+                                      </p:cBhvr>
+                                    </p:animEffect>
+                                  </p:childTnLst>
+                                </p:cTn>
+                              </p:par>
+                            </p:childTnLst>
+                          </p:cTn>
+                        </p:par>
+                      </p:childTnLst>
+                    </p:cTn>
+                  </p:par>
+                  <p:par>
+                    <p:cTn id="18" fill="hold">
+                      <p:stCondLst>
+                        <p:cond delay="indefinite"/>
+                      </p:stCondLst>
+                      <p:childTnLst>
+                        <p:par>
+                          <p:cTn id="19" fill="hold">
+                            <p:stCondLst>
+                              <p:cond delay="0"/>
+                            </p:stCondLst>
+                            <p:childTnLst>
+                              <p:par>
+                                <p:cTn id="20" presetID="10" presetClass="entr" presetSubtype="0" fill="hold" grpId="0" nodeType="clickEffect">
+                                  <p:stCondLst>
+                                    <p:cond delay="0"/>
+                                  </p:stCondLst>
+                                  <p:childTnLst>
+                                    <p:set>
+                                      <p:cBhvr>
+                                        <p:cTn id="21" dur="1" fill="hold">
+                                          <p:stCondLst>
+                                            <p:cond delay="0"/>
+                                          </p:stCondLst>
+                                        </p:cTn>
+                                        <p:tgtEl>
+                                          <p:spTgt spid="167"/>
+                                        </p:tgtEl>
+                                        <p:attrNameLst>
+                                          <p:attrName>style.visibility</p:attrName>
+                                        </p:attrNameLst>
+                                      </p:cBhvr>
+                                      <p:to>
+                                        <p:strVal val="visible"/>
+                                      </p:to>
+                                    </p:set>
+                                    <p:animEffect transition="in" filter="fade">
+                                      <p:cBhvr>
+                                        <p:cTn id="22" dur="500"/>
+                                        <p:tgtEl>
+                                          <p:spTgt spid="167"/>
+                                        </p:tgtEl>
+                                      </p:cBhvr>
+                                    </p:animEffect>
+                                  </p:childTnLst>
+                                </p:cTn>
+                              </p:par>
+                            </p:childTnLst>
+                          </p:cTn>
+                        </p:par>
+                      </p:childTnLst>
+                    </p:cTn>
+                  </p:par>
+                  <p:par>
+                    <p:cTn id="23" fill="hold">
+                      <p:stCondLst>
+                        <p:cond delay="indefinite"/>
+                      </p:stCondLst>
+                      <p:childTnLst>
+                        <p:par>
+                          <p:cTn id="24" fill="hold">
+                            <p:stCondLst>
+                              <p:cond delay="0"/>
+                            </p:stCondLst>
+                            <p:childTnLst>
+                              <p:par>
+                                <p:cTn id="25" presetID="10" presetClass="entr" presetSubtype="0" fill="hold" grpId="0" nodeType="clickEffect">
+                                  <p:stCondLst>
+                                    <p:cond delay="0"/>
+                                  </p:stCondLst>
+                                  <p:childTnLst>
+                                    <p:set>
+                                      <p:cBhvr>
+                                        <p:cTn id="26" dur="1" fill="hold">
+                                          <p:stCondLst>
+                                            <p:cond delay="0"/>
+                                          </p:stCondLst>
+                                        </p:cTn>
+                                        <p:tgtEl>
+                                          <p:spTgt spid="166"/>
+                                        </p:tgtEl>
+                                        <p:attrNameLst>
+                                          <p:attrName>style.visibility</p:attrName>
+                                        </p:attrNameLst>
+                                      </p:cBhvr>
+                                      <p:to>
+                                        <p:strVal val="visible"/>
+                                      </p:to>
+                                    </p:set>
+                                    <p:animEffect transition="in" filter="fade">
+                                      <p:cBhvr>
+                                        <p:cTn id="27" dur="500"/>
+                                        <p:tgtEl>
+                                          <p:spTgt spid="166"/>
+                                        </p:tgtEl>
+                                      </p:cBhvr>
+                                    </p:animEffect>
+                                  </p:childTnLst>
+                                </p:cTn>
+                              </p:par>
+                            </p:childTnLst>
+                          </p:cTn>
+                        </p:par>
+                      </p:childTnLst>
+                    </p:cTn>
+                  </p:par>
+                  <p:par>
+                    <p:cTn id="28" fill="hold">
+                      <p:stCondLst>
+                        <p:cond delay="indefinite"/>
+                      </p:stCondLst>
+                      <p:childTnLst>
+                        <p:par>
+                          <p:cTn id="29" fill="hold">
+                            <p:stCondLst>
+                              <p:cond delay="0"/>
+                            </p:stCondLst>
+                            <p:childTnLst>
+                              <p:par>
+                                <p:cTn id="30" presetID="10" presetClass="entr" presetSubtype="0" fill="hold" grpId="0" nodeType="clickEffect">
+                                  <p:stCondLst>
+                                    <p:cond delay="0"/>
+                                  </p:stCondLst>
+                                  <p:childTnLst>
+                                    <p:set>
+                                      <p:cBhvr>
+                                        <p:cTn id="31" dur="1" fill="hold">
+                                          <p:stCondLst>
+                                            <p:cond delay="0"/>
+                                          </p:stCondLst>
+                                        </p:cTn>
+                                        <p:tgtEl>
+                                          <p:spTgt spid="157"/>
+                                        </p:tgtEl>
+                                        <p:attrNameLst>
+                                          <p:attrName>style.visibility</p:attrName>
+                                        </p:attrNameLst>
+                                      </p:cBhvr>
+                                      <p:to>
+                                        <p:strVal val="visible"/>
+                                      </p:to>
+                                    </p:set>
+                                    <p:animEffect transition="in" filter="fade">
+                                      <p:cBhvr>
+                                        <p:cTn id="32" dur="500"/>
+                                        <p:tgtEl>
+                                          <p:spTgt spid="157"/>
+                                        </p:tgtEl>
+                                      </p:cBhvr>
+                                    </p:animEffect>
+                                  </p:childTnLst>
+                                </p:cTn>
+                              </p:par>
+                            </p:childTnLst>
+                          </p:cTn>
+                        </p:par>
+                      </p:childTnLst>
+                    </p:cTn>
+                  </p:par>
+                  <p:par>
+                    <p:cTn id="33" fill="hold">
+                      <p:stCondLst>
+                        <p:cond delay="indefinite"/>
+                      </p:stCondLst>
+                      <p:childTnLst>
+                        <p:par>
+                          <p:cTn id="34" fill="hold">
+                            <p:stCondLst>
+                              <p:cond delay="0"/>
+                            </p:stCondLst>
+                            <p:childTnLst>
+                              <p:par>
+                                <p:cTn id="35" presetID="10" presetClass="entr" presetSubtype="0" fill="hold" grpId="0" nodeType="clickEffect">
+                                  <p:stCondLst>
+                                    <p:cond delay="0"/>
+                                  </p:stCondLst>
+                                  <p:childTnLst>
+                                    <p:set>
+                                      <p:cBhvr>
+                                        <p:cTn id="36" dur="1" fill="hold">
+                                          <p:stCondLst>
+                                            <p:cond delay="0"/>
+                                          </p:stCondLst>
+                                        </p:cTn>
+                                        <p:tgtEl>
+                                          <p:spTgt spid="156"/>
+                                        </p:tgtEl>
+                                        <p:attrNameLst>
+                                          <p:attrName>style.visibility</p:attrName>
+                                        </p:attrNameLst>
+                                      </p:cBhvr>
+                                      <p:to>
+                                        <p:strVal val="visible"/>
+                                      </p:to>
+                                    </p:set>
+                                    <p:animEffect transition="in" filter="fade">
+                                      <p:cBhvr>
+                                        <p:cTn id="37" dur="500"/>
+                                        <p:tgtEl>
+                                          <p:spTgt spid="156"/>
+                                        </p:tgtEl>
+                                      </p:cBhvr>
+                                    </p:animEffect>
+                                  </p:childTnLst>
+                                </p:cTn>
+                              </p:par>
+                              <p:par>
+                                <p:cTn id="38" presetID="10" presetClass="entr" presetSubtype="0" fill="hold" grpId="0" nodeType="withEffect">
+                                  <p:stCondLst>
+                                    <p:cond delay="0"/>
+                                  </p:stCondLst>
+                                  <p:childTnLst>
+                                    <p:set>
+                                      <p:cBhvr>
+                                        <p:cTn id="39" dur="1" fill="hold">
+                                          <p:stCondLst>
+                                            <p:cond delay="0"/>
+                                          </p:stCondLst>
+                                        </p:cTn>
+                                        <p:tgtEl>
+                                          <p:spTgt spid="153"/>
+                                        </p:tgtEl>
+                                        <p:attrNameLst>
+                                          <p:attrName>style.visibility</p:attrName>
+                                        </p:attrNameLst>
+                                      </p:cBhvr>
+                                      <p:to>
+                                        <p:strVal val="visible"/>
+                                      </p:to>
+                                    </p:set>
+                                    <p:animEffect transition="in" filter="fade">
+                                      <p:cBhvr>
+                                        <p:cTn id="40" dur="500"/>
+                                        <p:tgtEl>
+                                          <p:spTgt spid="153"/>
+                                        </p:tgtEl>
+                                      </p:cBhvr>
+                                    </p:animEffect>
+                                  </p:childTnLst>
+                                </p:cTn>
+                              </p:par>
+                            </p:childTnLst>
+                          </p:cTn>
+                        </p:par>
+                      </p:childTnLst>
+                    </p:cTn>
+                  </p:par>
+                </p:childTnLst>
+              </p:cTn>
+              <p:prevCondLst>
+                <p:cond evt="onPrev" delay="0">
+                  <p:tgtEl>
+                    <p:sldTgt/>
+                  </p:tgtEl>
+                </p:cond>
+              </p:prevCondLst>
+              <p:nextCondLst>
+                <p:cond evt="onNext" delay="0">
+                  <p:tgtEl>
+                    <p:sldTgt/>
+                  </p:tgtEl>
+                </p:cond>
+              </p:nextCondLst>
+            </p:seq>
+          </p:childTnLst>
+        </p:cTn>
+      </p:par>
+    </p:tnLst>
+    <p:bldLst>
+      <p:bldP spid="153" grpId="0" animBg="1"/>
+      <p:bldP spid="156" grpId="0"/>
+      <p:bldP spid="157" grpId="0" animBg="1"/>
+      <p:bldP spid="158" grpId="0" animBg="1"/>
+      <p:bldP spid="162" grpId="0" animBg="1"/>
+      <p:bldP spid="163" grpId="0" animBg="1"/>
+      <p:bldP spid="166" grpId="0" animBg="1"/>
+      <p:bldP spid="167" grpId="0" animBg="1"/>
+    </p:bldLst>
+  </p:timing>
+</p:sld>
+</file>
+
+<file path=ppt/slides/slide8.xml><?xml version="1.0" encoding="utf-8"?>
+<p:sld xmlns:a="http://schemas.openxmlformats.org/drawingml/2006/main" xmlns:r="http://schemas.openxmlformats.org/officeDocument/2006/relationships" xmlns:p="http://schemas.openxmlformats.org/presentationml/2006/main">
+  <p:cSld>
+    <p:spTree>
+      <p:nvGrpSpPr>
+        <p:cNvPr id="1" name=""/>
+        <p:cNvGrpSpPr/>
+        <p:nvPr/>
+      </p:nvGrpSpPr>
+      <p:grpSpPr>
+        <a:xfrm>
+          <a:off x="0" y="0"/>
+          <a:ext cx="0" cy="0"/>
+          <a:chOff x="0" y="0"/>
+          <a:chExt cx="0" cy="0"/>
+        </a:xfrm>
+      </p:grpSpPr>
+      <p:sp>
+        <p:nvSpPr>
           <p:cNvPr id="3" name="矩形 2"/>
           <p:cNvSpPr/>
           <p:nvPr/>
@@ -30111,7 +31241,7 @@
 </p:sld>
 </file>
 
-<file path=ppt/slides/slide8.xml><?xml version="1.0" encoding="utf-8"?>
+<file path=ppt/slides/slide9.xml><?xml version="1.0" encoding="utf-8"?>
 <p:sld xmlns:a="http://schemas.openxmlformats.org/drawingml/2006/main" xmlns:r="http://schemas.openxmlformats.org/officeDocument/2006/relationships" xmlns:p="http://schemas.openxmlformats.org/presentationml/2006/main">
   <p:cSld>
     <p:spTree>
@@ -30673,575 +31803,6 @@
     <p:extLst>
       <p:ext uri="{BB962C8B-B14F-4D97-AF65-F5344CB8AC3E}">
         <p14:creationId xmlns:p14="http://schemas.microsoft.com/office/powerpoint/2010/main" val="1013104883"/>
-      </p:ext>
-    </p:extLst>
-  </p:cSld>
-  <p:clrMapOvr>
-    <a:masterClrMapping/>
-  </p:clrMapOvr>
-  <p:timing>
-    <p:tnLst>
-      <p:par>
-        <p:cTn id="1" dur="indefinite" restart="never" nodeType="tmRoot"/>
-      </p:par>
-    </p:tnLst>
-  </p:timing>
-</p:sld>
-</file>
-
-<file path=ppt/slides/slide9.xml><?xml version="1.0" encoding="utf-8"?>
-<p:sld xmlns:a="http://schemas.openxmlformats.org/drawingml/2006/main" xmlns:r="http://schemas.openxmlformats.org/officeDocument/2006/relationships" xmlns:p="http://schemas.openxmlformats.org/presentationml/2006/main">
-  <p:cSld>
-    <p:spTree>
-      <p:nvGrpSpPr>
-        <p:cNvPr id="1" name=""/>
-        <p:cNvGrpSpPr/>
-        <p:nvPr/>
-      </p:nvGrpSpPr>
-      <p:grpSpPr>
-        <a:xfrm>
-          <a:off x="0" y="0"/>
-          <a:ext cx="0" cy="0"/>
-          <a:chOff x="0" y="0"/>
-          <a:chExt cx="0" cy="0"/>
-        </a:xfrm>
-      </p:grpSpPr>
-      <p:sp>
-        <p:nvSpPr>
-          <p:cNvPr id="16" name="矩形 15"/>
-          <p:cNvSpPr/>
-          <p:nvPr/>
-        </p:nvSpPr>
-        <p:spPr>
-          <a:xfrm>
-            <a:off x="381000" y="-3795188"/>
-            <a:ext cx="7634668" cy="4294501"/>
-          </a:xfrm>
-          <a:prstGeom prst="rect">
-            <a:avLst/>
-          </a:prstGeom>
-        </p:spPr>
-        <p:style>
-          <a:lnRef idx="2">
-            <a:schemeClr val="dk1">
-              <a:shade val="50000"/>
-            </a:schemeClr>
-          </a:lnRef>
-          <a:fillRef idx="1">
-            <a:schemeClr val="dk1"/>
-          </a:fillRef>
-          <a:effectRef idx="0">
-            <a:schemeClr val="dk1"/>
-          </a:effectRef>
-          <a:fontRef idx="minor">
-            <a:schemeClr val="lt1"/>
-          </a:fontRef>
-        </p:style>
-        <p:txBody>
-          <a:bodyPr rtlCol="0" anchor="ctr"/>
-          <a:lstStyle/>
-          <a:p>
-            <a:pPr algn="ctr"/>
-            <a:endParaRPr lang="zh-TW" altLang="en-US"/>
-          </a:p>
-        </p:txBody>
-      </p:sp>
-      <p:sp>
-        <p:nvSpPr>
-          <p:cNvPr id="13" name="橢圓 12"/>
-          <p:cNvSpPr/>
-          <p:nvPr/>
-        </p:nvSpPr>
-        <p:spPr>
-          <a:xfrm>
-            <a:off x="1761222" y="980643"/>
-            <a:ext cx="3962400" cy="3962400"/>
-          </a:xfrm>
-          <a:prstGeom prst="ellipse">
-            <a:avLst/>
-          </a:prstGeom>
-        </p:spPr>
-        <p:style>
-          <a:lnRef idx="0">
-            <a:schemeClr val="accent5"/>
-          </a:lnRef>
-          <a:fillRef idx="3">
-            <a:schemeClr val="accent5"/>
-          </a:fillRef>
-          <a:effectRef idx="3">
-            <a:schemeClr val="accent5"/>
-          </a:effectRef>
-          <a:fontRef idx="minor">
-            <a:schemeClr val="lt1"/>
-          </a:fontRef>
-        </p:style>
-        <p:txBody>
-          <a:bodyPr rtlCol="0" anchor="t"/>
-          <a:lstStyle/>
-          <a:p>
-            <a:pPr algn="ctr"/>
-            <a:endParaRPr lang="zh-TW" altLang="en-US" dirty="0">
-              <a:solidFill>
-                <a:schemeClr val="bg1"/>
-              </a:solidFill>
-            </a:endParaRPr>
-          </a:p>
-        </p:txBody>
-      </p:sp>
-      <p:sp>
-        <p:nvSpPr>
-          <p:cNvPr id="12" name="橢圓 11"/>
-          <p:cNvSpPr/>
-          <p:nvPr/>
-        </p:nvSpPr>
-        <p:spPr>
-          <a:xfrm>
-            <a:off x="2133600" y="1667778"/>
-            <a:ext cx="3217644" cy="3217644"/>
-          </a:xfrm>
-          <a:prstGeom prst="ellipse">
-            <a:avLst/>
-          </a:prstGeom>
-        </p:spPr>
-        <p:style>
-          <a:lnRef idx="0">
-            <a:schemeClr val="accent2"/>
-          </a:lnRef>
-          <a:fillRef idx="3">
-            <a:schemeClr val="accent2"/>
-          </a:fillRef>
-          <a:effectRef idx="3">
-            <a:schemeClr val="accent2"/>
-          </a:effectRef>
-          <a:fontRef idx="minor">
-            <a:schemeClr val="lt1"/>
-          </a:fontRef>
-        </p:style>
-        <p:txBody>
-          <a:bodyPr rtlCol="0" anchor="t"/>
-          <a:lstStyle/>
-          <a:p>
-            <a:pPr algn="ctr"/>
-            <a:endParaRPr lang="zh-TW" altLang="en-US" dirty="0">
-              <a:solidFill>
-                <a:schemeClr val="bg1"/>
-              </a:solidFill>
-            </a:endParaRPr>
-          </a:p>
-        </p:txBody>
-      </p:sp>
-      <p:sp>
-        <p:nvSpPr>
-          <p:cNvPr id="4" name="橢圓 3"/>
-          <p:cNvSpPr/>
-          <p:nvPr/>
-        </p:nvSpPr>
-        <p:spPr>
-          <a:xfrm>
-            <a:off x="2565400" y="3276600"/>
-            <a:ext cx="2311400" cy="1447800"/>
-          </a:xfrm>
-          <a:prstGeom prst="ellipse">
-            <a:avLst/>
-          </a:prstGeom>
-        </p:spPr>
-        <p:style>
-          <a:lnRef idx="0">
-            <a:schemeClr val="accent3"/>
-          </a:lnRef>
-          <a:fillRef idx="3">
-            <a:schemeClr val="accent3"/>
-          </a:fillRef>
-          <a:effectRef idx="3">
-            <a:schemeClr val="accent3"/>
-          </a:effectRef>
-          <a:fontRef idx="minor">
-            <a:schemeClr val="lt1"/>
-          </a:fontRef>
-        </p:style>
-        <p:txBody>
-          <a:bodyPr rtlCol="0" anchor="t"/>
-          <a:lstStyle/>
-          <a:p>
-            <a:pPr algn="ctr"/>
-            <a:endParaRPr lang="zh-TW" altLang="en-US" dirty="0">
-              <a:solidFill>
-                <a:schemeClr val="bg1"/>
-              </a:solidFill>
-            </a:endParaRPr>
-          </a:p>
-        </p:txBody>
-      </p:sp>
-      <p:sp>
-        <p:nvSpPr>
-          <p:cNvPr id="9" name="橢圓 8"/>
-          <p:cNvSpPr/>
-          <p:nvPr/>
-        </p:nvSpPr>
-        <p:spPr>
-          <a:xfrm>
-            <a:off x="2904559" y="3682654"/>
-            <a:ext cx="1633076" cy="978932"/>
-          </a:xfrm>
-          <a:prstGeom prst="ellipse">
-            <a:avLst/>
-          </a:prstGeom>
-        </p:spPr>
-        <p:style>
-          <a:lnRef idx="0">
-            <a:schemeClr val="accent1"/>
-          </a:lnRef>
-          <a:fillRef idx="3">
-            <a:schemeClr val="accent1"/>
-          </a:fillRef>
-          <a:effectRef idx="3">
-            <a:schemeClr val="accent1"/>
-          </a:effectRef>
-          <a:fontRef idx="minor">
-            <a:schemeClr val="lt1"/>
-          </a:fontRef>
-        </p:style>
-        <p:txBody>
-          <a:bodyPr rtlCol="0" anchor="t"/>
-          <a:lstStyle/>
-          <a:p>
-            <a:pPr algn="ctr"/>
-            <a:endParaRPr lang="zh-TW" altLang="en-US" dirty="0">
-              <a:solidFill>
-                <a:schemeClr val="bg1"/>
-              </a:solidFill>
-            </a:endParaRPr>
-          </a:p>
-        </p:txBody>
-      </p:sp>
-      <p:sp>
-        <p:nvSpPr>
-          <p:cNvPr id="8" name="橢圓 7"/>
-          <p:cNvSpPr/>
-          <p:nvPr/>
-        </p:nvSpPr>
-        <p:spPr>
-          <a:xfrm>
-            <a:off x="3130547" y="4090086"/>
-            <a:ext cx="1181100" cy="457200"/>
-          </a:xfrm>
-          <a:prstGeom prst="ellipse">
-            <a:avLst/>
-          </a:prstGeom>
-        </p:spPr>
-        <p:style>
-          <a:lnRef idx="0">
-            <a:schemeClr val="accent6"/>
-          </a:lnRef>
-          <a:fillRef idx="3">
-            <a:schemeClr val="accent6"/>
-          </a:fillRef>
-          <a:effectRef idx="3">
-            <a:schemeClr val="accent6"/>
-          </a:effectRef>
-          <a:fontRef idx="minor">
-            <a:schemeClr val="lt1"/>
-          </a:fontRef>
-        </p:style>
-        <p:txBody>
-          <a:bodyPr rtlCol="0" anchor="ctr"/>
-          <a:lstStyle/>
-          <a:p>
-            <a:pPr algn="ctr"/>
-            <a:r>
-              <a:rPr lang="en-US" altLang="zh-TW" dirty="0" smtClean="0">
-                <a:solidFill>
-                  <a:schemeClr val="bg1"/>
-                </a:solidFill>
-              </a:rPr>
-              <a:t>Action</a:t>
-            </a:r>
-            <a:endParaRPr lang="zh-TW" altLang="en-US" dirty="0">
-              <a:solidFill>
-                <a:schemeClr val="bg1"/>
-              </a:solidFill>
-            </a:endParaRPr>
-          </a:p>
-        </p:txBody>
-      </p:sp>
-      <p:sp>
-        <p:nvSpPr>
-          <p:cNvPr id="2" name="矩形 1"/>
-          <p:cNvSpPr/>
-          <p:nvPr/>
-        </p:nvSpPr>
-        <p:spPr>
-          <a:xfrm>
-            <a:off x="2904560" y="3364468"/>
-            <a:ext cx="1633075" cy="369332"/>
-          </a:xfrm>
-          <a:prstGeom prst="rect">
-            <a:avLst/>
-          </a:prstGeom>
-        </p:spPr>
-        <p:txBody>
-          <a:bodyPr wrap="none">
-            <a:spAutoFit/>
-          </a:bodyPr>
-          <a:lstStyle/>
-          <a:p>
-            <a:pPr algn="ctr"/>
-            <a:r>
-              <a:rPr lang="en-US" altLang="zh-TW" dirty="0">
-                <a:solidFill>
-                  <a:schemeClr val="bg1"/>
-                </a:solidFill>
-              </a:rPr>
-              <a:t>Exception Filter</a:t>
-            </a:r>
-            <a:endParaRPr lang="zh-TW" altLang="en-US" dirty="0">
-              <a:solidFill>
-                <a:schemeClr val="bg1"/>
-              </a:solidFill>
-            </a:endParaRPr>
-          </a:p>
-        </p:txBody>
-      </p:sp>
-      <p:sp>
-        <p:nvSpPr>
-          <p:cNvPr id="3" name="矩形 2"/>
-          <p:cNvSpPr/>
-          <p:nvPr/>
-        </p:nvSpPr>
-        <p:spPr>
-          <a:xfrm>
-            <a:off x="3059344" y="3758854"/>
-            <a:ext cx="1323503" cy="369332"/>
-          </a:xfrm>
-          <a:prstGeom prst="rect">
-            <a:avLst/>
-          </a:prstGeom>
-        </p:spPr>
-        <p:txBody>
-          <a:bodyPr wrap="none">
-            <a:spAutoFit/>
-          </a:bodyPr>
-          <a:lstStyle/>
-          <a:p>
-            <a:pPr algn="ctr"/>
-            <a:r>
-              <a:rPr lang="en-US" altLang="zh-TW" dirty="0">
-                <a:solidFill>
-                  <a:schemeClr val="bg1"/>
-                </a:solidFill>
-              </a:rPr>
-              <a:t>Action Filter</a:t>
-            </a:r>
-            <a:endParaRPr lang="zh-TW" altLang="en-US" dirty="0">
-              <a:solidFill>
-                <a:schemeClr val="bg1"/>
-              </a:solidFill>
-            </a:endParaRPr>
-          </a:p>
-        </p:txBody>
-      </p:sp>
-      <p:sp>
-        <p:nvSpPr>
-          <p:cNvPr id="6" name="矩形 5"/>
-          <p:cNvSpPr/>
-          <p:nvPr/>
-        </p:nvSpPr>
-        <p:spPr>
-          <a:xfrm>
-            <a:off x="2734977" y="2845846"/>
-            <a:ext cx="1972235" cy="381000"/>
-          </a:xfrm>
-          <a:prstGeom prst="rect">
-            <a:avLst/>
-          </a:prstGeom>
-        </p:spPr>
-        <p:style>
-          <a:lnRef idx="0">
-            <a:schemeClr val="accent4"/>
-          </a:lnRef>
-          <a:fillRef idx="3">
-            <a:schemeClr val="accent4"/>
-          </a:fillRef>
-          <a:effectRef idx="3">
-            <a:schemeClr val="accent4"/>
-          </a:effectRef>
-          <a:fontRef idx="minor">
-            <a:schemeClr val="lt1"/>
-          </a:fontRef>
-        </p:style>
-        <p:txBody>
-          <a:bodyPr rtlCol="0" anchor="ctr"/>
-          <a:lstStyle/>
-          <a:p>
-            <a:pPr algn="ctr"/>
-            <a:r>
-              <a:rPr lang="en-US" altLang="zh-TW" dirty="0" smtClean="0">
-                <a:solidFill>
-                  <a:schemeClr val="bg1"/>
-                </a:solidFill>
-              </a:rPr>
-              <a:t>Result Filter</a:t>
-            </a:r>
-            <a:endParaRPr lang="zh-TW" altLang="en-US" dirty="0">
-              <a:solidFill>
-                <a:schemeClr val="bg1"/>
-              </a:solidFill>
-            </a:endParaRPr>
-          </a:p>
-        </p:txBody>
-      </p:sp>
-      <p:sp>
-        <p:nvSpPr>
-          <p:cNvPr id="11" name="矩形 10"/>
-          <p:cNvSpPr/>
-          <p:nvPr/>
-        </p:nvSpPr>
-        <p:spPr>
-          <a:xfrm>
-            <a:off x="2734977" y="2381832"/>
-            <a:ext cx="1972235" cy="381000"/>
-          </a:xfrm>
-          <a:prstGeom prst="rect">
-            <a:avLst/>
-          </a:prstGeom>
-        </p:spPr>
-        <p:style>
-          <a:lnRef idx="0">
-            <a:schemeClr val="accent4"/>
-          </a:lnRef>
-          <a:fillRef idx="3">
-            <a:schemeClr val="accent4"/>
-          </a:fillRef>
-          <a:effectRef idx="3">
-            <a:schemeClr val="accent4"/>
-          </a:effectRef>
-          <a:fontRef idx="minor">
-            <a:schemeClr val="lt1"/>
-          </a:fontRef>
-        </p:style>
-        <p:txBody>
-          <a:bodyPr rtlCol="0" anchor="ctr"/>
-          <a:lstStyle/>
-          <a:p>
-            <a:pPr algn="ctr"/>
-            <a:r>
-              <a:rPr lang="en-US" altLang="zh-TW" dirty="0">
-                <a:solidFill>
-                  <a:schemeClr val="bg1"/>
-                </a:solidFill>
-              </a:rPr>
-              <a:t>Resource Filter</a:t>
-            </a:r>
-            <a:endParaRPr lang="zh-TW" altLang="en-US" dirty="0">
-              <a:solidFill>
-                <a:schemeClr val="bg1"/>
-              </a:solidFill>
-            </a:endParaRPr>
-          </a:p>
-        </p:txBody>
-      </p:sp>
-      <p:sp>
-        <p:nvSpPr>
-          <p:cNvPr id="14" name="矩形 13"/>
-          <p:cNvSpPr/>
-          <p:nvPr/>
-        </p:nvSpPr>
-        <p:spPr>
-          <a:xfrm>
-            <a:off x="3073713" y="1021447"/>
-            <a:ext cx="1337417" cy="646331"/>
-          </a:xfrm>
-          <a:prstGeom prst="rect">
-            <a:avLst/>
-          </a:prstGeom>
-        </p:spPr>
-        <p:txBody>
-          <a:bodyPr wrap="none">
-            <a:spAutoFit/>
-          </a:bodyPr>
-          <a:lstStyle/>
-          <a:p>
-            <a:pPr algn="ctr"/>
-            <a:r>
-              <a:rPr lang="en-US" altLang="zh-TW" dirty="0" smtClean="0">
-                <a:solidFill>
-                  <a:schemeClr val="bg1"/>
-                </a:solidFill>
-              </a:rPr>
-              <a:t>Exception</a:t>
-            </a:r>
-          </a:p>
-          <a:p>
-            <a:pPr algn="ctr"/>
-            <a:r>
-              <a:rPr lang="en-US" altLang="zh-TW" dirty="0" smtClean="0">
-                <a:solidFill>
-                  <a:schemeClr val="bg1"/>
-                </a:solidFill>
-              </a:rPr>
-              <a:t>Middleware</a:t>
-            </a:r>
-            <a:endParaRPr lang="zh-TW" altLang="en-US" dirty="0">
-              <a:solidFill>
-                <a:schemeClr val="bg1"/>
-              </a:solidFill>
-            </a:endParaRPr>
-          </a:p>
-        </p:txBody>
-      </p:sp>
-      <p:sp>
-        <p:nvSpPr>
-          <p:cNvPr id="15" name="矩形 14"/>
-          <p:cNvSpPr/>
-          <p:nvPr/>
-        </p:nvSpPr>
-        <p:spPr>
-          <a:xfrm>
-            <a:off x="3086793" y="1696940"/>
-            <a:ext cx="1311256" cy="646331"/>
-          </a:xfrm>
-          <a:prstGeom prst="rect">
-            <a:avLst/>
-          </a:prstGeom>
-        </p:spPr>
-        <p:txBody>
-          <a:bodyPr wrap="none">
-            <a:spAutoFit/>
-          </a:bodyPr>
-          <a:lstStyle/>
-          <a:p>
-            <a:pPr algn="ctr"/>
-            <a:r>
-              <a:rPr lang="en-US" altLang="zh-TW" dirty="0" smtClean="0">
-                <a:solidFill>
-                  <a:schemeClr val="bg1"/>
-                </a:solidFill>
-              </a:rPr>
-              <a:t>Other</a:t>
-            </a:r>
-          </a:p>
-          <a:p>
-            <a:pPr algn="ctr"/>
-            <a:r>
-              <a:rPr lang="en-US" altLang="zh-TW" dirty="0" smtClean="0">
-                <a:solidFill>
-                  <a:schemeClr val="bg1"/>
-                </a:solidFill>
-              </a:rPr>
-              <a:t>Middleware</a:t>
-            </a:r>
-            <a:endParaRPr lang="zh-TW" altLang="en-US" dirty="0">
-              <a:solidFill>
-                <a:schemeClr val="bg1"/>
-              </a:solidFill>
-            </a:endParaRPr>
-          </a:p>
-        </p:txBody>
-      </p:sp>
-    </p:spTree>
-    <p:extLst>
-      <p:ext uri="{BB962C8B-B14F-4D97-AF65-F5344CB8AC3E}">
-        <p14:creationId xmlns:p14="http://schemas.microsoft.com/office/powerpoint/2010/main" val="473120441"/>
       </p:ext>
     </p:extLst>
   </p:cSld>
@@ -32086,18 +32647,18 @@
 </file>
 
 <file path=customXml/item1.xml><?xml version="1.0" encoding="utf-8"?>
+<p:properties xmlns:p="http://schemas.microsoft.com/office/2006/metadata/properties" xmlns:xsi="http://www.w3.org/2001/XMLSchema-instance">
+  <documentManagement/>
+</p:properties>
+</file>
+
+<file path=customXml/item2.xml><?xml version="1.0" encoding="utf-8"?>
 <?mso-contentType ?>
 <FormTemplates xmlns="http://schemas.microsoft.com/sharepoint/v3/contenttype/forms">
   <Display>DocumentLibraryForm</Display>
   <Edit>DocumentLibraryForm</Edit>
   <New>DocumentLibraryForm</New>
 </FormTemplates>
-</file>
-
-<file path=customXml/item2.xml><?xml version="1.0" encoding="utf-8"?>
-<p:properties xmlns:p="http://schemas.microsoft.com/office/2006/metadata/properties" xmlns:xsi="http://www.w3.org/2001/XMLSchema-instance">
-  <documentManagement/>
-</p:properties>
 </file>
 
 <file path=customXml/item3.xml><?xml version="1.0" encoding="utf-8"?>
@@ -32150,14 +32711,6 @@
 </file>
 
 <file path=customXml/itemProps1.xml><?xml version="1.0" encoding="utf-8"?>
-<ds:datastoreItem xmlns:ds="http://schemas.openxmlformats.org/officeDocument/2006/customXml" ds:itemID="{A1770BF7-49D5-46D6-8B76-1D8AF290B450}">
-  <ds:schemaRefs>
-    <ds:schemaRef ds:uri="http://schemas.microsoft.com/sharepoint/v3/contenttype/forms"/>
-  </ds:schemaRefs>
-</ds:datastoreItem>
-</file>
-
-<file path=customXml/itemProps2.xml><?xml version="1.0" encoding="utf-8"?>
 <ds:datastoreItem xmlns:ds="http://schemas.openxmlformats.org/officeDocument/2006/customXml" ds:itemID="{892A9AA9-F261-48C5-9DFB-0929A9F0E540}">
   <ds:schemaRefs>
     <ds:schemaRef ds:uri="http://purl.org/dc/dcmitype/"/>
@@ -32167,6 +32720,14 @@
     <ds:schemaRef ds:uri="http://www.w3.org/XML/1998/namespace"/>
     <ds:schemaRef ds:uri="http://purl.org/dc/terms/"/>
     <ds:schemaRef ds:uri="http://schemas.openxmlformats.org/package/2006/metadata/core-properties"/>
+  </ds:schemaRefs>
+</ds:datastoreItem>
+</file>
+
+<file path=customXml/itemProps2.xml><?xml version="1.0" encoding="utf-8"?>
+<ds:datastoreItem xmlns:ds="http://schemas.openxmlformats.org/officeDocument/2006/customXml" ds:itemID="{A1770BF7-49D5-46D6-8B76-1D8AF290B450}">
+  <ds:schemaRefs>
+    <ds:schemaRef ds:uri="http://schemas.microsoft.com/sharepoint/v3/contenttype/forms"/>
   </ds:schemaRefs>
 </ds:datastoreItem>
 </file>

--- a/source/_assets/ironman.pptx
+++ b/source/_assets/ironman.pptx
@@ -5,10 +5,10 @@
     <p:sldMasterId id="2147483752" r:id="rId4"/>
   </p:sldMasterIdLst>
   <p:notesMasterIdLst>
-    <p:notesMasterId r:id="rId26"/>
+    <p:notesMasterId r:id="rId27"/>
   </p:notesMasterIdLst>
   <p:handoutMasterIdLst>
-    <p:handoutMasterId r:id="rId27"/>
+    <p:handoutMasterId r:id="rId28"/>
   </p:handoutMasterIdLst>
   <p:sldIdLst>
     <p:sldId id="316" r:id="rId5"/>
@@ -21,17 +21,18 @@
     <p:sldId id="325" r:id="rId12"/>
     <p:sldId id="344" r:id="rId13"/>
     <p:sldId id="326" r:id="rId14"/>
-    <p:sldId id="327" r:id="rId15"/>
-    <p:sldId id="330" r:id="rId16"/>
-    <p:sldId id="331" r:id="rId17"/>
-    <p:sldId id="332" r:id="rId18"/>
-    <p:sldId id="333" r:id="rId19"/>
-    <p:sldId id="334" r:id="rId20"/>
-    <p:sldId id="335" r:id="rId21"/>
-    <p:sldId id="336" r:id="rId22"/>
-    <p:sldId id="337" r:id="rId23"/>
-    <p:sldId id="340" r:id="rId24"/>
-    <p:sldId id="339" r:id="rId25"/>
+    <p:sldId id="346" r:id="rId15"/>
+    <p:sldId id="327" r:id="rId16"/>
+    <p:sldId id="330" r:id="rId17"/>
+    <p:sldId id="331" r:id="rId18"/>
+    <p:sldId id="332" r:id="rId19"/>
+    <p:sldId id="333" r:id="rId20"/>
+    <p:sldId id="334" r:id="rId21"/>
+    <p:sldId id="335" r:id="rId22"/>
+    <p:sldId id="336" r:id="rId23"/>
+    <p:sldId id="337" r:id="rId24"/>
+    <p:sldId id="340" r:id="rId25"/>
+    <p:sldId id="339" r:id="rId26"/>
   </p:sldIdLst>
   <p:sldSz cx="12192000" cy="6858000"/>
   <p:notesSz cx="7099300" cy="10234613"/>
@@ -246,7 +247,7 @@
             <a:fld id="{3CDD3A71-4C75-488C-A8F3-A1F163ED0DB9}" type="datetimeFigureOut">
               <a:rPr lang="en-US" smtClean="0"/>
               <a:pPr/>
-              <a:t>12/20/2017</a:t>
+              <a:t>12/22/2017</a:t>
             </a:fld>
             <a:endParaRPr lang="en-US" dirty="0"/>
           </a:p>
@@ -414,7 +415,7 @@
             <a:fld id="{523CC419-8FB3-4D1C-8127-E63C1A13459D}" type="datetimeFigureOut">
               <a:rPr lang="en-US" smtClean="0"/>
               <a:pPr/>
-              <a:t>12/20/2017</a:t>
+              <a:t>12/22/2017</a:t>
             </a:fld>
             <a:endParaRPr lang="en-US" dirty="0"/>
           </a:p>
@@ -817,7 +818,7 @@
           <a:p>
             <a:fld id="{237FF733-248C-4CF7-A090-89CF012E357B}" type="datetimeFigureOut">
               <a:rPr lang="zh-TW" altLang="en-US" smtClean="0"/>
-              <a:t>2017/12/20</a:t>
+              <a:t>2017/12/22</a:t>
             </a:fld>
             <a:endParaRPr lang="zh-TW" altLang="en-US"/>
           </a:p>
@@ -988,7 +989,7 @@
           <a:p>
             <a:fld id="{237FF733-248C-4CF7-A090-89CF012E357B}" type="datetimeFigureOut">
               <a:rPr lang="zh-TW" altLang="en-US" smtClean="0"/>
-              <a:t>2017/12/20</a:t>
+              <a:t>2017/12/22</a:t>
             </a:fld>
             <a:endParaRPr lang="zh-TW" altLang="en-US"/>
           </a:p>
@@ -1169,7 +1170,7 @@
           <a:p>
             <a:fld id="{237FF733-248C-4CF7-A090-89CF012E357B}" type="datetimeFigureOut">
               <a:rPr lang="zh-TW" altLang="en-US" smtClean="0"/>
-              <a:t>2017/12/20</a:t>
+              <a:t>2017/12/22</a:t>
             </a:fld>
             <a:endParaRPr lang="zh-TW" altLang="en-US"/>
           </a:p>
@@ -1340,7 +1341,7 @@
           <a:p>
             <a:fld id="{237FF733-248C-4CF7-A090-89CF012E357B}" type="datetimeFigureOut">
               <a:rPr lang="zh-TW" altLang="en-US" smtClean="0"/>
-              <a:t>2017/12/20</a:t>
+              <a:t>2017/12/22</a:t>
             </a:fld>
             <a:endParaRPr lang="zh-TW" altLang="en-US"/>
           </a:p>
@@ -1587,7 +1588,7 @@
           <a:p>
             <a:fld id="{237FF733-248C-4CF7-A090-89CF012E357B}" type="datetimeFigureOut">
               <a:rPr lang="zh-TW" altLang="en-US" smtClean="0"/>
-              <a:t>2017/12/20</a:t>
+              <a:t>2017/12/22</a:t>
             </a:fld>
             <a:endParaRPr lang="zh-TW" altLang="en-US"/>
           </a:p>
@@ -1820,7 +1821,7 @@
           <a:p>
             <a:fld id="{237FF733-248C-4CF7-A090-89CF012E357B}" type="datetimeFigureOut">
               <a:rPr lang="zh-TW" altLang="en-US" smtClean="0"/>
-              <a:t>2017/12/20</a:t>
+              <a:t>2017/12/22</a:t>
             </a:fld>
             <a:endParaRPr lang="zh-TW" altLang="en-US"/>
           </a:p>
@@ -2188,7 +2189,7 @@
           <a:p>
             <a:fld id="{237FF733-248C-4CF7-A090-89CF012E357B}" type="datetimeFigureOut">
               <a:rPr lang="zh-TW" altLang="en-US" smtClean="0"/>
-              <a:t>2017/12/20</a:t>
+              <a:t>2017/12/22</a:t>
             </a:fld>
             <a:endParaRPr lang="zh-TW" altLang="en-US"/>
           </a:p>
@@ -2307,7 +2308,7 @@
           <a:p>
             <a:fld id="{237FF733-248C-4CF7-A090-89CF012E357B}" type="datetimeFigureOut">
               <a:rPr lang="zh-TW" altLang="en-US" smtClean="0"/>
-              <a:t>2017/12/20</a:t>
+              <a:t>2017/12/22</a:t>
             </a:fld>
             <a:endParaRPr lang="zh-TW" altLang="en-US"/>
           </a:p>
@@ -2403,7 +2404,7 @@
           <a:p>
             <a:fld id="{237FF733-248C-4CF7-A090-89CF012E357B}" type="datetimeFigureOut">
               <a:rPr lang="zh-TW" altLang="en-US" smtClean="0"/>
-              <a:t>2017/12/20</a:t>
+              <a:t>2017/12/22</a:t>
             </a:fld>
             <a:endParaRPr lang="zh-TW" altLang="en-US"/>
           </a:p>
@@ -2681,7 +2682,7 @@
           <a:p>
             <a:fld id="{237FF733-248C-4CF7-A090-89CF012E357B}" type="datetimeFigureOut">
               <a:rPr lang="zh-TW" altLang="en-US" smtClean="0"/>
-              <a:t>2017/12/20</a:t>
+              <a:t>2017/12/22</a:t>
             </a:fld>
             <a:endParaRPr lang="zh-TW" altLang="en-US"/>
           </a:p>
@@ -2939,7 +2940,7 @@
           <a:p>
             <a:fld id="{237FF733-248C-4CF7-A090-89CF012E357B}" type="datetimeFigureOut">
               <a:rPr lang="zh-TW" altLang="en-US" smtClean="0"/>
-              <a:t>2017/12/20</a:t>
+              <a:t>2017/12/22</a:t>
             </a:fld>
             <a:endParaRPr lang="zh-TW" altLang="en-US"/>
           </a:p>
@@ -3153,7 +3154,7 @@
           <a:p>
             <a:fld id="{237FF733-248C-4CF7-A090-89CF012E357B}" type="datetimeFigureOut">
               <a:rPr lang="zh-TW" altLang="en-US" smtClean="0"/>
-              <a:t>2017/12/20</a:t>
+              <a:t>2017/12/22</a:t>
             </a:fld>
             <a:endParaRPr lang="zh-TW" altLang="en-US"/>
           </a:p>
@@ -6318,6 +6319,866 @@
       </p:grpSpPr>
       <p:sp>
         <p:nvSpPr>
+          <p:cNvPr id="20" name="矩形 19"/>
+          <p:cNvSpPr/>
+          <p:nvPr/>
+        </p:nvSpPr>
+        <p:spPr>
+          <a:xfrm>
+            <a:off x="8001000" y="2101559"/>
+            <a:ext cx="5115969" cy="2685884"/>
+          </a:xfrm>
+          <a:prstGeom prst="rect">
+            <a:avLst/>
+          </a:prstGeom>
+          <a:noFill/>
+          <a:ln w="28575">
+            <a:prstDash val="lgDash"/>
+          </a:ln>
+        </p:spPr>
+        <p:style>
+          <a:lnRef idx="2">
+            <a:schemeClr val="dk1">
+              <a:shade val="50000"/>
+            </a:schemeClr>
+          </a:lnRef>
+          <a:fillRef idx="1">
+            <a:schemeClr val="dk1"/>
+          </a:fillRef>
+          <a:effectRef idx="0">
+            <a:schemeClr val="dk1"/>
+          </a:effectRef>
+          <a:fontRef idx="minor">
+            <a:schemeClr val="lt1"/>
+          </a:fontRef>
+        </p:style>
+        <p:txBody>
+          <a:bodyPr rtlCol="0" anchor="ctr"/>
+          <a:lstStyle/>
+          <a:p>
+            <a:pPr algn="ctr"/>
+            <a:endParaRPr lang="zh-TW" altLang="en-US"/>
+          </a:p>
+        </p:txBody>
+      </p:sp>
+      <p:pic>
+        <p:nvPicPr>
+          <p:cNvPr id="5" name="圖片 4"/>
+          <p:cNvPicPr>
+            <a:picLocks noChangeAspect="1"/>
+          </p:cNvPicPr>
+          <p:nvPr/>
+        </p:nvPicPr>
+        <p:blipFill>
+          <a:blip r:embed="rId2">
+            <a:extLst>
+              <a:ext uri="{28A0092B-C50C-407E-A947-70E740481C1C}">
+                <a14:useLocalDpi xmlns:a14="http://schemas.microsoft.com/office/drawing/2010/main" val="0"/>
+              </a:ext>
+            </a:extLst>
+          </a:blip>
+          <a:stretch>
+            <a:fillRect/>
+          </a:stretch>
+        </p:blipFill>
+        <p:spPr>
+          <a:xfrm>
+            <a:off x="4075649" y="3084501"/>
+            <a:ext cx="630000" cy="720000"/>
+          </a:xfrm>
+          <a:prstGeom prst="rect">
+            <a:avLst/>
+          </a:prstGeom>
+        </p:spPr>
+      </p:pic>
+      <p:pic>
+        <p:nvPicPr>
+          <p:cNvPr id="8" name="圖片 7"/>
+          <p:cNvPicPr>
+            <a:picLocks noChangeAspect="1"/>
+          </p:cNvPicPr>
+          <p:nvPr/>
+        </p:nvPicPr>
+        <p:blipFill>
+          <a:blip r:embed="rId3">
+            <a:extLst>
+              <a:ext uri="{28A0092B-C50C-407E-A947-70E740481C1C}">
+                <a14:useLocalDpi xmlns:a14="http://schemas.microsoft.com/office/drawing/2010/main" val="0"/>
+              </a:ext>
+            </a:extLst>
+          </a:blip>
+          <a:stretch>
+            <a:fillRect/>
+          </a:stretch>
+        </p:blipFill>
+        <p:spPr>
+          <a:xfrm flipH="1">
+            <a:off x="1600200" y="1711557"/>
+            <a:ext cx="720000" cy="720000"/>
+          </a:xfrm>
+          <a:prstGeom prst="rect">
+            <a:avLst/>
+          </a:prstGeom>
+        </p:spPr>
+      </p:pic>
+      <p:sp>
+        <p:nvSpPr>
+          <p:cNvPr id="9" name="圓角矩形圖說文字 8"/>
+          <p:cNvSpPr/>
+          <p:nvPr/>
+        </p:nvSpPr>
+        <p:spPr>
+          <a:xfrm>
+            <a:off x="2438400" y="1586671"/>
+            <a:ext cx="1338461" cy="775529"/>
+          </a:xfrm>
+          <a:prstGeom prst="wedgeRoundRectCallout">
+            <a:avLst>
+              <a:gd name="adj1" fmla="val -62780"/>
+              <a:gd name="adj2" fmla="val 23932"/>
+              <a:gd name="adj3" fmla="val 16667"/>
+            </a:avLst>
+          </a:prstGeom>
+        </p:spPr>
+        <p:style>
+          <a:lnRef idx="1">
+            <a:schemeClr val="accent4"/>
+          </a:lnRef>
+          <a:fillRef idx="2">
+            <a:schemeClr val="accent4"/>
+          </a:fillRef>
+          <a:effectRef idx="1">
+            <a:schemeClr val="accent4"/>
+          </a:effectRef>
+          <a:fontRef idx="minor">
+            <a:schemeClr val="dk1"/>
+          </a:fontRef>
+        </p:style>
+        <p:txBody>
+          <a:bodyPr rtlCol="0" anchor="ctr"/>
+          <a:lstStyle/>
+          <a:p>
+            <a:pPr algn="ctr"/>
+            <a:r>
+              <a:rPr lang="zh-TW" altLang="en-US" sz="1200" dirty="0">
+                <a:ea typeface="微軟正黑體" panose="020B0604030504040204" pitchFamily="34" charset="-120"/>
+              </a:rPr>
+              <a:t>我</a:t>
+            </a:r>
+            <a:r>
+              <a:rPr lang="zh-TW" altLang="en-US" sz="1200" dirty="0" smtClean="0">
+                <a:ea typeface="微軟正黑體" panose="020B0604030504040204" pitchFamily="34" charset="-120"/>
+              </a:rPr>
+              <a:t>要</a:t>
+            </a:r>
+            <a:r>
+              <a:rPr lang="zh-TW" altLang="en-US" sz="1200" dirty="0">
+                <a:ea typeface="微軟正黑體" panose="020B0604030504040204" pitchFamily="34" charset="-120"/>
+              </a:rPr>
+              <a:t>建立</a:t>
+            </a:r>
+            <a:r>
+              <a:rPr lang="en-US" altLang="zh-TW" sz="1200" dirty="0" smtClean="0">
+                <a:ea typeface="微軟正黑體" panose="020B0604030504040204" pitchFamily="34" charset="-120"/>
+              </a:rPr>
+              <a:t> </a:t>
+            </a:r>
+            <a:r>
+              <a:rPr lang="en-US" altLang="zh-TW" sz="1200" dirty="0" err="1">
+                <a:ea typeface="微軟正黑體" panose="020B0604030504040204" pitchFamily="34" charset="-120"/>
+              </a:rPr>
+              <a:t>HomeController</a:t>
+            </a:r>
+            <a:endParaRPr lang="en-US" altLang="zh-TW" sz="1200" dirty="0">
+              <a:ea typeface="微軟正黑體" panose="020B0604030504040204" pitchFamily="34" charset="-120"/>
+            </a:endParaRPr>
+          </a:p>
+          <a:p>
+            <a:pPr algn="ctr"/>
+            <a:r>
+              <a:rPr lang="zh-TW" altLang="en-US" sz="1200" dirty="0">
+                <a:ea typeface="微軟正黑體" panose="020B0604030504040204" pitchFamily="34" charset="-120"/>
+              </a:rPr>
+              <a:t>需要 </a:t>
+            </a:r>
+            <a:r>
+              <a:rPr lang="en-US" altLang="zh-TW" sz="1200" dirty="0" err="1" smtClean="0">
+                <a:ea typeface="微軟正黑體" panose="020B0604030504040204" pitchFamily="34" charset="-120"/>
+              </a:rPr>
+              <a:t>ISample</a:t>
+            </a:r>
+            <a:endParaRPr lang="zh-TW" altLang="en-US" sz="1200" dirty="0">
+              <a:ea typeface="微軟正黑體" panose="020B0604030504040204" pitchFamily="34" charset="-120"/>
+            </a:endParaRPr>
+          </a:p>
+        </p:txBody>
+      </p:sp>
+      <p:graphicFrame>
+        <p:nvGraphicFramePr>
+          <p:cNvPr id="11" name="表格 10"/>
+          <p:cNvGraphicFramePr>
+            <a:graphicFrameLocks noGrp="1"/>
+          </p:cNvGraphicFramePr>
+          <p:nvPr>
+            <p:extLst>
+              <p:ext uri="{D42A27DB-BD31-4B8C-83A1-F6EECF244321}">
+                <p14:modId xmlns:p14="http://schemas.microsoft.com/office/powerpoint/2010/main" val="2749318523"/>
+              </p:ext>
+            </p:extLst>
+          </p:nvPr>
+        </p:nvGraphicFramePr>
+        <p:xfrm>
+          <a:off x="5246247" y="1748472"/>
+          <a:ext cx="1224000" cy="2213927"/>
+        </p:xfrm>
+        <a:graphic>
+          <a:graphicData uri="http://schemas.openxmlformats.org/drawingml/2006/table">
+            <a:tbl>
+              <a:tblPr bandRow="1">
+                <a:tableStyleId>{69CF1AB2-1976-4502-BF36-3FF5EA218861}</a:tableStyleId>
+              </a:tblPr>
+              <a:tblGrid>
+                <a:gridCol w="1224000"/>
+              </a:tblGrid>
+              <a:tr h="812131">
+                <a:tc>
+                  <a:txBody>
+                    <a:bodyPr/>
+                    <a:lstStyle/>
+                    <a:p>
+                      <a:r>
+                        <a:rPr lang="zh-TW" altLang="en-US" sz="1200" b="0" i="0" kern="1200" dirty="0" smtClean="0">
+                          <a:solidFill>
+                            <a:schemeClr val="dk1"/>
+                          </a:solidFill>
+                          <a:effectLst/>
+                          <a:latin typeface="+mn-lt"/>
+                          <a:ea typeface="微軟正黑體" panose="020B0604030504040204" pitchFamily="34" charset="-120"/>
+                          <a:cs typeface="+mn-cs"/>
+                        </a:rPr>
+                        <a:t>代碼：</a:t>
+                      </a:r>
+                      <a:r>
+                        <a:rPr lang="en-US" altLang="zh-TW" sz="1400" b="0" i="0" kern="1200" dirty="0" err="1" smtClean="0">
+                          <a:solidFill>
+                            <a:schemeClr val="dk1"/>
+                          </a:solidFill>
+                          <a:effectLst/>
+                          <a:latin typeface="+mn-lt"/>
+                          <a:ea typeface="微軟正黑體" panose="020B0604030504040204" pitchFamily="34" charset="-120"/>
+                          <a:cs typeface="+mn-cs"/>
+                        </a:rPr>
+                        <a:t>ISample</a:t>
+                      </a:r>
+                      <a:endParaRPr lang="en-US" altLang="zh-TW" sz="1400" b="0" i="0" kern="1200" dirty="0" smtClean="0">
+                        <a:solidFill>
+                          <a:schemeClr val="dk1"/>
+                        </a:solidFill>
+                        <a:effectLst/>
+                        <a:latin typeface="+mn-lt"/>
+                        <a:ea typeface="微軟正黑體" panose="020B0604030504040204" pitchFamily="34" charset="-120"/>
+                        <a:cs typeface="+mn-cs"/>
+                      </a:endParaRPr>
+                    </a:p>
+                    <a:p>
+                      <a:r>
+                        <a:rPr lang="zh-TW" altLang="en-US" sz="1200" b="0" i="0" kern="1200" dirty="0" smtClean="0">
+                          <a:solidFill>
+                            <a:schemeClr val="dk1"/>
+                          </a:solidFill>
+                          <a:effectLst/>
+                          <a:latin typeface="+mn-lt"/>
+                          <a:ea typeface="微軟正黑體" panose="020B0604030504040204" pitchFamily="34" charset="-120"/>
+                          <a:cs typeface="+mn-cs"/>
+                        </a:rPr>
+                        <a:t>商品：</a:t>
+                      </a:r>
+                      <a:r>
+                        <a:rPr lang="en-US" altLang="zh-TW" sz="1400" b="0" i="0" kern="1200" dirty="0" smtClean="0">
+                          <a:solidFill>
+                            <a:schemeClr val="dk1"/>
+                          </a:solidFill>
+                          <a:effectLst/>
+                          <a:latin typeface="+mn-lt"/>
+                          <a:ea typeface="微軟正黑體" panose="020B0604030504040204" pitchFamily="34" charset="-120"/>
+                          <a:cs typeface="+mn-cs"/>
+                        </a:rPr>
+                        <a:t>Sample</a:t>
+                      </a:r>
+                      <a:endParaRPr lang="zh-TW" altLang="en-US" sz="1400" dirty="0">
+                        <a:latin typeface="+mn-lt"/>
+                        <a:ea typeface="微軟正黑體" panose="020B0604030504040204" pitchFamily="34" charset="-120"/>
+                      </a:endParaRPr>
+                    </a:p>
+                  </a:txBody>
+                  <a:tcPr anchor="ctr"/>
+                </a:tc>
+              </a:tr>
+              <a:tr h="700898">
+                <a:tc>
+                  <a:txBody>
+                    <a:bodyPr/>
+                    <a:lstStyle/>
+                    <a:p>
+                      <a:endParaRPr lang="zh-TW" altLang="en-US" sz="1400" dirty="0">
+                        <a:latin typeface="+mn-lt"/>
+                        <a:ea typeface="微軟正黑體" panose="020B0604030504040204" pitchFamily="34" charset="-120"/>
+                      </a:endParaRPr>
+                    </a:p>
+                  </a:txBody>
+                  <a:tcPr anchor="ctr"/>
+                </a:tc>
+              </a:tr>
+              <a:tr h="700898">
+                <a:tc>
+                  <a:txBody>
+                    <a:bodyPr/>
+                    <a:lstStyle/>
+                    <a:p>
+                      <a:endParaRPr lang="zh-TW" altLang="en-US" sz="1400" dirty="0">
+                        <a:latin typeface="+mn-lt"/>
+                        <a:ea typeface="微軟正黑體" panose="020B0604030504040204" pitchFamily="34" charset="-120"/>
+                      </a:endParaRPr>
+                    </a:p>
+                  </a:txBody>
+                  <a:tcPr anchor="ctr"/>
+                </a:tc>
+              </a:tr>
+            </a:tbl>
+          </a:graphicData>
+        </a:graphic>
+      </p:graphicFrame>
+      <p:sp>
+        <p:nvSpPr>
+          <p:cNvPr id="15" name="圓角矩形 14"/>
+          <p:cNvSpPr/>
+          <p:nvPr/>
+        </p:nvSpPr>
+        <p:spPr>
+          <a:xfrm>
+            <a:off x="3855354" y="1586671"/>
+            <a:ext cx="76074" cy="2375729"/>
+          </a:xfrm>
+          <a:prstGeom prst="roundRect">
+            <a:avLst/>
+          </a:prstGeom>
+        </p:spPr>
+        <p:style>
+          <a:lnRef idx="0">
+            <a:schemeClr val="accent5"/>
+          </a:lnRef>
+          <a:fillRef idx="3">
+            <a:schemeClr val="accent5"/>
+          </a:fillRef>
+          <a:effectRef idx="3">
+            <a:schemeClr val="accent5"/>
+          </a:effectRef>
+          <a:fontRef idx="minor">
+            <a:schemeClr val="lt1"/>
+          </a:fontRef>
+        </p:style>
+        <p:txBody>
+          <a:bodyPr rtlCol="0" anchor="ctr"/>
+          <a:lstStyle/>
+          <a:p>
+            <a:pPr algn="ctr"/>
+            <a:endParaRPr lang="zh-TW" altLang="en-US">
+              <a:ea typeface="微軟正黑體" panose="020B0604030504040204" pitchFamily="34" charset="-120"/>
+            </a:endParaRPr>
+          </a:p>
+        </p:txBody>
+      </p:sp>
+      <p:sp>
+        <p:nvSpPr>
+          <p:cNvPr id="16" name="圓角矩形圖說文字 15"/>
+          <p:cNvSpPr/>
+          <p:nvPr/>
+        </p:nvSpPr>
+        <p:spPr>
+          <a:xfrm>
+            <a:off x="2608658" y="3152299"/>
+            <a:ext cx="1105478" cy="663596"/>
+          </a:xfrm>
+          <a:prstGeom prst="wedgeRoundRectCallout">
+            <a:avLst>
+              <a:gd name="adj1" fmla="val 74802"/>
+              <a:gd name="adj2" fmla="val 19864"/>
+              <a:gd name="adj3" fmla="val 16667"/>
+            </a:avLst>
+          </a:prstGeom>
+        </p:spPr>
+        <p:style>
+          <a:lnRef idx="1">
+            <a:schemeClr val="accent4"/>
+          </a:lnRef>
+          <a:fillRef idx="2">
+            <a:schemeClr val="accent4"/>
+          </a:fillRef>
+          <a:effectRef idx="1">
+            <a:schemeClr val="accent4"/>
+          </a:effectRef>
+          <a:fontRef idx="minor">
+            <a:schemeClr val="dk1"/>
+          </a:fontRef>
+        </p:style>
+        <p:txBody>
+          <a:bodyPr rtlCol="0" anchor="t"/>
+          <a:lstStyle/>
+          <a:p>
+            <a:pPr algn="ctr"/>
+            <a:r>
+              <a:rPr lang="zh-TW" altLang="en-US" sz="1200" dirty="0">
+                <a:ea typeface="微軟正黑體" panose="020B0604030504040204" pitchFamily="34" charset="-120"/>
+              </a:rPr>
+              <a:t>好</a:t>
+            </a:r>
+            <a:r>
+              <a:rPr lang="zh-TW" altLang="en-US" sz="1200" dirty="0" smtClean="0">
+                <a:ea typeface="微軟正黑體" panose="020B0604030504040204" pitchFamily="34" charset="-120"/>
+              </a:rPr>
+              <a:t>的，給你</a:t>
+            </a:r>
+            <a:endParaRPr lang="zh-TW" altLang="en-US" sz="1200" dirty="0">
+              <a:ea typeface="微軟正黑體" panose="020B0604030504040204" pitchFamily="34" charset="-120"/>
+            </a:endParaRPr>
+          </a:p>
+        </p:txBody>
+      </p:sp>
+      <p:sp>
+        <p:nvSpPr>
+          <p:cNvPr id="17" name="橢圓 16"/>
+          <p:cNvSpPr/>
+          <p:nvPr/>
+        </p:nvSpPr>
+        <p:spPr>
+          <a:xfrm>
+            <a:off x="2678861" y="3425506"/>
+            <a:ext cx="965072" cy="357267"/>
+          </a:xfrm>
+          <a:prstGeom prst="ellipse">
+            <a:avLst/>
+          </a:prstGeom>
+        </p:spPr>
+        <p:style>
+          <a:lnRef idx="0">
+            <a:schemeClr val="accent6"/>
+          </a:lnRef>
+          <a:fillRef idx="3">
+            <a:schemeClr val="accent6"/>
+          </a:fillRef>
+          <a:effectRef idx="3">
+            <a:schemeClr val="accent6"/>
+          </a:effectRef>
+          <a:fontRef idx="minor">
+            <a:schemeClr val="lt1"/>
+          </a:fontRef>
+        </p:style>
+        <p:txBody>
+          <a:bodyPr rtlCol="0" anchor="ctr"/>
+          <a:lstStyle/>
+          <a:p>
+            <a:pPr algn="ctr"/>
+            <a:r>
+              <a:rPr lang="en-US" altLang="zh-TW" sz="1200" b="1" dirty="0" smtClean="0">
+                <a:ea typeface="微軟正黑體" panose="020B0604030504040204" pitchFamily="34" charset="-120"/>
+              </a:rPr>
+              <a:t>Sample</a:t>
+            </a:r>
+            <a:endParaRPr lang="zh-TW" altLang="en-US" sz="1200" b="1" dirty="0">
+              <a:ea typeface="微軟正黑體" panose="020B0604030504040204" pitchFamily="34" charset="-120"/>
+            </a:endParaRPr>
+          </a:p>
+        </p:txBody>
+      </p:sp>
+      <p:cxnSp>
+        <p:nvCxnSpPr>
+          <p:cNvPr id="19" name="肘形接點 18"/>
+          <p:cNvCxnSpPr>
+            <a:stCxn id="17" idx="2"/>
+            <a:endCxn id="8" idx="2"/>
+          </p:cNvCxnSpPr>
+          <p:nvPr/>
+        </p:nvCxnSpPr>
+        <p:spPr>
+          <a:xfrm rot="10800000">
+            <a:off x="1960201" y="2431558"/>
+            <a:ext cx="718661" cy="1172583"/>
+          </a:xfrm>
+          <a:prstGeom prst="bentConnector2">
+            <a:avLst/>
+          </a:prstGeom>
+          <a:ln w="38100">
+            <a:solidFill>
+              <a:schemeClr val="tx1"/>
+            </a:solidFill>
+            <a:tailEnd type="triangle"/>
+          </a:ln>
+        </p:spPr>
+        <p:style>
+          <a:lnRef idx="1">
+            <a:schemeClr val="accent1"/>
+          </a:lnRef>
+          <a:fillRef idx="0">
+            <a:schemeClr val="accent1"/>
+          </a:fillRef>
+          <a:effectRef idx="0">
+            <a:schemeClr val="accent1"/>
+          </a:effectRef>
+          <a:fontRef idx="minor">
+            <a:schemeClr val="tx1"/>
+          </a:fontRef>
+        </p:style>
+      </p:cxnSp>
+      <p:sp>
+        <p:nvSpPr>
+          <p:cNvPr id="6" name="矩形 5"/>
+          <p:cNvSpPr/>
+          <p:nvPr/>
+        </p:nvSpPr>
+        <p:spPr>
+          <a:xfrm>
+            <a:off x="3893398" y="3767358"/>
+            <a:ext cx="986489" cy="276999"/>
+          </a:xfrm>
+          <a:prstGeom prst="rect">
+            <a:avLst/>
+          </a:prstGeom>
+          <a:noFill/>
+          <a:ln>
+            <a:noFill/>
+          </a:ln>
+        </p:spPr>
+        <p:txBody>
+          <a:bodyPr wrap="none">
+            <a:spAutoFit/>
+          </a:bodyPr>
+          <a:lstStyle/>
+          <a:p>
+            <a:pPr algn="ctr"/>
+            <a:r>
+              <a:rPr lang="en-US" altLang="zh-TW" sz="1200" b="1" dirty="0" smtClean="0">
+                <a:ea typeface="微軟正黑體" panose="020B0604030504040204" pitchFamily="34" charset="-120"/>
+              </a:rPr>
+              <a:t>DI</a:t>
+            </a:r>
+            <a:r>
+              <a:rPr lang="zh-TW" altLang="en-US" sz="1200" b="1" dirty="0" smtClean="0">
+                <a:ea typeface="微軟正黑體" panose="020B0604030504040204" pitchFamily="34" charset="-120"/>
+              </a:rPr>
+              <a:t> </a:t>
+            </a:r>
+            <a:r>
+              <a:rPr lang="en-US" altLang="zh-TW" sz="1200" b="1" dirty="0" smtClean="0">
+                <a:ea typeface="微軟正黑體" panose="020B0604030504040204" pitchFamily="34" charset="-120"/>
+              </a:rPr>
+              <a:t>Container</a:t>
+            </a:r>
+            <a:endParaRPr lang="zh-TW" altLang="en-US" sz="1200" b="1" dirty="0">
+              <a:ea typeface="微軟正黑體" panose="020B0604030504040204" pitchFamily="34" charset="-120"/>
+            </a:endParaRPr>
+          </a:p>
+        </p:txBody>
+      </p:sp>
+      <p:sp>
+        <p:nvSpPr>
+          <p:cNvPr id="45" name="矩形 44"/>
+          <p:cNvSpPr/>
+          <p:nvPr/>
+        </p:nvSpPr>
+        <p:spPr>
+          <a:xfrm>
+            <a:off x="5527247" y="1471472"/>
+            <a:ext cx="646331" cy="276999"/>
+          </a:xfrm>
+          <a:prstGeom prst="rect">
+            <a:avLst/>
+          </a:prstGeom>
+          <a:noFill/>
+          <a:ln>
+            <a:noFill/>
+          </a:ln>
+        </p:spPr>
+        <p:txBody>
+          <a:bodyPr wrap="none">
+            <a:spAutoFit/>
+          </a:bodyPr>
+          <a:lstStyle/>
+          <a:p>
+            <a:pPr algn="ctr"/>
+            <a:r>
+              <a:rPr lang="zh-TW" altLang="en-US" sz="1200" b="1" dirty="0" smtClean="0">
+                <a:ea typeface="微軟正黑體" panose="020B0604030504040204" pitchFamily="34" charset="-120"/>
+              </a:rPr>
+              <a:t>商品</a:t>
+            </a:r>
+            <a:r>
+              <a:rPr lang="zh-TW" altLang="en-US" sz="1200" b="1" dirty="0">
+                <a:ea typeface="微軟正黑體" panose="020B0604030504040204" pitchFamily="34" charset="-120"/>
+              </a:rPr>
+              <a:t>櫃</a:t>
+            </a:r>
+            <a:endParaRPr lang="zh-TW" altLang="en-US" sz="1200" b="1" dirty="0">
+              <a:ea typeface="微軟正黑體" panose="020B0604030504040204" pitchFamily="34" charset="-120"/>
+            </a:endParaRPr>
+          </a:p>
+        </p:txBody>
+      </p:sp>
+      <p:cxnSp>
+        <p:nvCxnSpPr>
+          <p:cNvPr id="47" name="肘形接點 46"/>
+          <p:cNvCxnSpPr>
+            <a:stCxn id="5" idx="3"/>
+          </p:cNvCxnSpPr>
+          <p:nvPr/>
+        </p:nvCxnSpPr>
+        <p:spPr>
+          <a:xfrm flipV="1">
+            <a:off x="4705649" y="2167670"/>
+            <a:ext cx="527862" cy="1276831"/>
+          </a:xfrm>
+          <a:prstGeom prst="bentConnector3">
+            <a:avLst>
+              <a:gd name="adj1" fmla="val 50000"/>
+            </a:avLst>
+          </a:prstGeom>
+          <a:ln w="38100">
+            <a:prstDash val="sysDot"/>
+            <a:headEnd type="none" w="med" len="med"/>
+            <a:tailEnd type="triangle" w="med" len="med"/>
+          </a:ln>
+        </p:spPr>
+        <p:style>
+          <a:lnRef idx="1">
+            <a:schemeClr val="accent1"/>
+          </a:lnRef>
+          <a:fillRef idx="0">
+            <a:schemeClr val="accent1"/>
+          </a:fillRef>
+          <a:effectRef idx="0">
+            <a:schemeClr val="accent1"/>
+          </a:effectRef>
+          <a:fontRef idx="minor">
+            <a:schemeClr val="tx1"/>
+          </a:fontRef>
+        </p:style>
+      </p:cxnSp>
+      <p:sp>
+        <p:nvSpPr>
+          <p:cNvPr id="58" name="文字方塊 57"/>
+          <p:cNvSpPr txBox="1"/>
+          <p:nvPr/>
+        </p:nvSpPr>
+        <p:spPr>
+          <a:xfrm>
+            <a:off x="4116966" y="2349086"/>
+            <a:ext cx="872355" cy="276999"/>
+          </a:xfrm>
+          <a:prstGeom prst="rect">
+            <a:avLst/>
+          </a:prstGeom>
+          <a:noFill/>
+        </p:spPr>
+        <p:txBody>
+          <a:bodyPr wrap="none" rtlCol="0">
+            <a:spAutoFit/>
+          </a:bodyPr>
+          <a:lstStyle/>
+          <a:p>
+            <a:r>
+              <a:rPr lang="zh-TW" altLang="en-US" sz="1200" dirty="0" smtClean="0">
+                <a:ea typeface="微軟正黑體" panose="020B0604030504040204" pitchFamily="34" charset="-120"/>
+              </a:rPr>
+              <a:t>找 </a:t>
+            </a:r>
+            <a:r>
+              <a:rPr lang="en-US" altLang="zh-TW" sz="1200" dirty="0" err="1" smtClean="0">
+                <a:ea typeface="微軟正黑體" panose="020B0604030504040204" pitchFamily="34" charset="-120"/>
+              </a:rPr>
+              <a:t>ISample</a:t>
+            </a:r>
+            <a:endParaRPr lang="zh-TW" altLang="en-US" sz="1200" dirty="0">
+              <a:ea typeface="微軟正黑體" panose="020B0604030504040204" pitchFamily="34" charset="-120"/>
+            </a:endParaRPr>
+          </a:p>
+        </p:txBody>
+      </p:sp>
+      <p:sp>
+        <p:nvSpPr>
+          <p:cNvPr id="61" name="橢圓 60"/>
+          <p:cNvSpPr/>
+          <p:nvPr/>
+        </p:nvSpPr>
+        <p:spPr>
+          <a:xfrm>
+            <a:off x="2377465" y="1528324"/>
+            <a:ext cx="213212" cy="213212"/>
+          </a:xfrm>
+          <a:prstGeom prst="ellipse">
+            <a:avLst/>
+          </a:prstGeom>
+        </p:spPr>
+        <p:style>
+          <a:lnRef idx="0">
+            <a:schemeClr val="accent2"/>
+          </a:lnRef>
+          <a:fillRef idx="3">
+            <a:schemeClr val="accent2"/>
+          </a:fillRef>
+          <a:effectRef idx="3">
+            <a:schemeClr val="accent2"/>
+          </a:effectRef>
+          <a:fontRef idx="minor">
+            <a:schemeClr val="lt1"/>
+          </a:fontRef>
+        </p:style>
+        <p:txBody>
+          <a:bodyPr rtlCol="0" anchor="ctr"/>
+          <a:lstStyle/>
+          <a:p>
+            <a:pPr algn="ctr"/>
+            <a:r>
+              <a:rPr lang="en-US" altLang="zh-TW" sz="1200" b="1" dirty="0" smtClean="0">
+                <a:ea typeface="微軟正黑體" panose="020B0604030504040204" pitchFamily="34" charset="-120"/>
+              </a:rPr>
+              <a:t>1</a:t>
+            </a:r>
+            <a:endParaRPr lang="zh-TW" altLang="en-US" sz="1200" b="1" dirty="0">
+              <a:ea typeface="微軟正黑體" panose="020B0604030504040204" pitchFamily="34" charset="-120"/>
+            </a:endParaRPr>
+          </a:p>
+        </p:txBody>
+      </p:sp>
+      <p:sp>
+        <p:nvSpPr>
+          <p:cNvPr id="62" name="橢圓 61"/>
+          <p:cNvSpPr/>
+          <p:nvPr/>
+        </p:nvSpPr>
+        <p:spPr>
+          <a:xfrm>
+            <a:off x="3962400" y="2371367"/>
+            <a:ext cx="213212" cy="213212"/>
+          </a:xfrm>
+          <a:prstGeom prst="ellipse">
+            <a:avLst/>
+          </a:prstGeom>
+        </p:spPr>
+        <p:style>
+          <a:lnRef idx="0">
+            <a:schemeClr val="accent2"/>
+          </a:lnRef>
+          <a:fillRef idx="3">
+            <a:schemeClr val="accent2"/>
+          </a:fillRef>
+          <a:effectRef idx="3">
+            <a:schemeClr val="accent2"/>
+          </a:effectRef>
+          <a:fontRef idx="minor">
+            <a:schemeClr val="lt1"/>
+          </a:fontRef>
+        </p:style>
+        <p:txBody>
+          <a:bodyPr rtlCol="0" anchor="ctr"/>
+          <a:lstStyle/>
+          <a:p>
+            <a:pPr algn="ctr"/>
+            <a:r>
+              <a:rPr lang="en-US" altLang="zh-TW" sz="1200" b="1" dirty="0" smtClean="0">
+                <a:ea typeface="微軟正黑體" panose="020B0604030504040204" pitchFamily="34" charset="-120"/>
+              </a:rPr>
+              <a:t>2</a:t>
+            </a:r>
+            <a:endParaRPr lang="zh-TW" altLang="en-US" sz="1200" b="1" dirty="0">
+              <a:ea typeface="微軟正黑體" panose="020B0604030504040204" pitchFamily="34" charset="-120"/>
+            </a:endParaRPr>
+          </a:p>
+        </p:txBody>
+      </p:sp>
+      <p:sp>
+        <p:nvSpPr>
+          <p:cNvPr id="63" name="橢圓 62"/>
+          <p:cNvSpPr/>
+          <p:nvPr/>
+        </p:nvSpPr>
+        <p:spPr>
+          <a:xfrm>
+            <a:off x="2545879" y="3075691"/>
+            <a:ext cx="213212" cy="213212"/>
+          </a:xfrm>
+          <a:prstGeom prst="ellipse">
+            <a:avLst/>
+          </a:prstGeom>
+        </p:spPr>
+        <p:style>
+          <a:lnRef idx="0">
+            <a:schemeClr val="accent2"/>
+          </a:lnRef>
+          <a:fillRef idx="3">
+            <a:schemeClr val="accent2"/>
+          </a:fillRef>
+          <a:effectRef idx="3">
+            <a:schemeClr val="accent2"/>
+          </a:effectRef>
+          <a:fontRef idx="minor">
+            <a:schemeClr val="lt1"/>
+          </a:fontRef>
+        </p:style>
+        <p:txBody>
+          <a:bodyPr rtlCol="0" anchor="ctr"/>
+          <a:lstStyle/>
+          <a:p>
+            <a:pPr algn="ctr"/>
+            <a:r>
+              <a:rPr lang="en-US" altLang="zh-TW" sz="1200" b="1" dirty="0" smtClean="0">
+                <a:ea typeface="微軟正黑體" panose="020B0604030504040204" pitchFamily="34" charset="-120"/>
+              </a:rPr>
+              <a:t>3</a:t>
+            </a:r>
+            <a:endParaRPr lang="zh-TW" altLang="en-US" sz="1200" b="1" dirty="0">
+              <a:ea typeface="微軟正黑體" panose="020B0604030504040204" pitchFamily="34" charset="-120"/>
+            </a:endParaRPr>
+          </a:p>
+        </p:txBody>
+      </p:sp>
+    </p:spTree>
+    <p:extLst>
+      <p:ext uri="{BB962C8B-B14F-4D97-AF65-F5344CB8AC3E}">
+        <p14:creationId xmlns:p14="http://schemas.microsoft.com/office/powerpoint/2010/main" val="1753381023"/>
+      </p:ext>
+    </p:extLst>
+  </p:cSld>
+  <p:clrMapOvr>
+    <a:masterClrMapping/>
+  </p:clrMapOvr>
+  <p:timing>
+    <p:tnLst>
+      <p:par>
+        <p:cTn id="1" dur="indefinite" restart="never" nodeType="tmRoot"/>
+      </p:par>
+    </p:tnLst>
+  </p:timing>
+</p:sld>
+</file>
+
+<file path=ppt/slides/slide12.xml><?xml version="1.0" encoding="utf-8"?>
+<p:sld xmlns:a="http://schemas.openxmlformats.org/drawingml/2006/main" xmlns:r="http://schemas.openxmlformats.org/officeDocument/2006/relationships" xmlns:p="http://schemas.openxmlformats.org/presentationml/2006/main">
+  <p:cSld>
+    <p:spTree>
+      <p:nvGrpSpPr>
+        <p:cNvPr id="1" name=""/>
+        <p:cNvGrpSpPr/>
+        <p:nvPr/>
+      </p:nvGrpSpPr>
+      <p:grpSpPr>
+        <a:xfrm>
+          <a:off x="0" y="0"/>
+          <a:ext cx="0" cy="0"/>
+          <a:chOff x="0" y="0"/>
+          <a:chExt cx="0" cy="0"/>
+        </a:xfrm>
+      </p:grpSpPr>
+      <p:sp>
+        <p:nvSpPr>
           <p:cNvPr id="5" name="矩形 4"/>
           <p:cNvSpPr/>
           <p:nvPr/>
@@ -6373,8 +7234,8 @@
         </p:nvSpPr>
         <p:spPr>
           <a:xfrm>
-            <a:off x="6384695" y="956709"/>
-            <a:ext cx="1948867" cy="369332"/>
+            <a:off x="6669452" y="956709"/>
+            <a:ext cx="1379352" cy="369332"/>
           </a:xfrm>
           <a:prstGeom prst="rect">
             <a:avLst/>
@@ -6393,7 +7254,7 @@
             <a:pPr algn="ctr"/>
             <a:r>
               <a:rPr lang="en-US" altLang="zh-TW" b="1" dirty="0" smtClean="0"/>
-              <a:t>Services</a:t>
+              <a:t>DI</a:t>
             </a:r>
             <a:r>
               <a:rPr lang="zh-TW" altLang="en-US" b="1" dirty="0" smtClean="0"/>
@@ -10096,7 +10957,7 @@
 </p:sld>
 </file>
 
-<file path=ppt/slides/slide12.xml><?xml version="1.0" encoding="utf-8"?>
+<file path=ppt/slides/slide13.xml><?xml version="1.0" encoding="utf-8"?>
 <p:sld xmlns:a="http://schemas.openxmlformats.org/drawingml/2006/main" xmlns:r="http://schemas.openxmlformats.org/officeDocument/2006/relationships" xmlns:p="http://schemas.openxmlformats.org/presentationml/2006/main">
   <p:cSld>
     <p:spTree>
@@ -12845,7 +13706,7 @@
 </p:sld>
 </file>
 
-<file path=ppt/slides/slide13.xml><?xml version="1.0" encoding="utf-8"?>
+<file path=ppt/slides/slide14.xml><?xml version="1.0" encoding="utf-8"?>
 <p:sld xmlns:a="http://schemas.openxmlformats.org/drawingml/2006/main" xmlns:r="http://schemas.openxmlformats.org/officeDocument/2006/relationships" xmlns:p="http://schemas.openxmlformats.org/presentationml/2006/main">
   <p:cSld>
     <p:spTree>
@@ -13274,7 +14135,7 @@
 </p:sld>
 </file>
 
-<file path=ppt/slides/slide14.xml><?xml version="1.0" encoding="utf-8"?>
+<file path=ppt/slides/slide15.xml><?xml version="1.0" encoding="utf-8"?>
 <p:sld xmlns:a="http://schemas.openxmlformats.org/drawingml/2006/main" xmlns:r="http://schemas.openxmlformats.org/officeDocument/2006/relationships" xmlns:p="http://schemas.openxmlformats.org/presentationml/2006/main">
   <p:cSld>
     <p:spTree>
@@ -13891,7 +14752,7 @@
 </p:sld>
 </file>
 
-<file path=ppt/slides/slide15.xml><?xml version="1.0" encoding="utf-8"?>
+<file path=ppt/slides/slide16.xml><?xml version="1.0" encoding="utf-8"?>
 <p:sld xmlns:a="http://schemas.openxmlformats.org/drawingml/2006/main" xmlns:r="http://schemas.openxmlformats.org/officeDocument/2006/relationships" xmlns:p="http://schemas.openxmlformats.org/presentationml/2006/main">
   <p:cSld>
     <p:spTree>
@@ -14633,7 +15494,7 @@
 </p:sld>
 </file>
 
-<file path=ppt/slides/slide16.xml><?xml version="1.0" encoding="utf-8"?>
+<file path=ppt/slides/slide17.xml><?xml version="1.0" encoding="utf-8"?>
 <p:sld xmlns:a="http://schemas.openxmlformats.org/drawingml/2006/main" xmlns:r="http://schemas.openxmlformats.org/officeDocument/2006/relationships" xmlns:p="http://schemas.openxmlformats.org/presentationml/2006/main">
   <p:cSld>
     <p:spTree>
@@ -15537,868 +16398,6 @@
 </p:sld>
 </file>
 
-<file path=ppt/slides/slide17.xml><?xml version="1.0" encoding="utf-8"?>
-<p:sld xmlns:a="http://schemas.openxmlformats.org/drawingml/2006/main" xmlns:r="http://schemas.openxmlformats.org/officeDocument/2006/relationships" xmlns:p="http://schemas.openxmlformats.org/presentationml/2006/main">
-  <p:cSld>
-    <p:spTree>
-      <p:nvGrpSpPr>
-        <p:cNvPr id="1" name=""/>
-        <p:cNvGrpSpPr/>
-        <p:nvPr/>
-      </p:nvGrpSpPr>
-      <p:grpSpPr>
-        <a:xfrm>
-          <a:off x="0" y="0"/>
-          <a:ext cx="0" cy="0"/>
-          <a:chOff x="0" y="0"/>
-          <a:chExt cx="0" cy="0"/>
-        </a:xfrm>
-      </p:grpSpPr>
-      <p:sp>
-        <p:nvSpPr>
-          <p:cNvPr id="3" name="矩形 2"/>
-          <p:cNvSpPr/>
-          <p:nvPr/>
-        </p:nvSpPr>
-        <p:spPr>
-          <a:xfrm>
-            <a:off x="433235" y="-4014395"/>
-            <a:ext cx="7634668" cy="4294501"/>
-          </a:xfrm>
-          <a:prstGeom prst="rect">
-            <a:avLst/>
-          </a:prstGeom>
-        </p:spPr>
-        <p:style>
-          <a:lnRef idx="2">
-            <a:schemeClr val="dk1">
-              <a:shade val="50000"/>
-            </a:schemeClr>
-          </a:lnRef>
-          <a:fillRef idx="1">
-            <a:schemeClr val="dk1"/>
-          </a:fillRef>
-          <a:effectRef idx="0">
-            <a:schemeClr val="dk1"/>
-          </a:effectRef>
-          <a:fontRef idx="minor">
-            <a:schemeClr val="lt1"/>
-          </a:fontRef>
-        </p:style>
-        <p:txBody>
-          <a:bodyPr rtlCol="0" anchor="ctr"/>
-          <a:lstStyle/>
-          <a:p>
-            <a:pPr algn="ctr"/>
-            <a:endParaRPr lang="zh-TW" altLang="en-US"/>
-          </a:p>
-        </p:txBody>
-      </p:sp>
-      <p:sp>
-        <p:nvSpPr>
-          <p:cNvPr id="13" name="矩形 12"/>
-          <p:cNvSpPr/>
-          <p:nvPr/>
-        </p:nvSpPr>
-        <p:spPr>
-          <a:xfrm>
-            <a:off x="6784603" y="1769146"/>
-            <a:ext cx="1467582" cy="3904552"/>
-          </a:xfrm>
-          <a:prstGeom prst="rect">
-            <a:avLst/>
-          </a:prstGeom>
-        </p:spPr>
-        <p:style>
-          <a:lnRef idx="1">
-            <a:schemeClr val="accent6"/>
-          </a:lnRef>
-          <a:fillRef idx="3">
-            <a:schemeClr val="accent6"/>
-          </a:fillRef>
-          <a:effectRef idx="2">
-            <a:schemeClr val="accent6"/>
-          </a:effectRef>
-          <a:fontRef idx="minor">
-            <a:schemeClr val="lt1"/>
-          </a:fontRef>
-        </p:style>
-        <p:txBody>
-          <a:bodyPr rtlCol="0" anchor="ctr"/>
-          <a:lstStyle/>
-          <a:p>
-            <a:pPr algn="ctr"/>
-            <a:r>
-              <a:rPr lang="en-US" altLang="zh-TW" sz="1600" b="1" dirty="0" smtClean="0"/>
-              <a:t>Action</a:t>
-            </a:r>
-            <a:endParaRPr lang="zh-TW" altLang="en-US" sz="1600" b="1" dirty="0"/>
-          </a:p>
-        </p:txBody>
-      </p:sp>
-      <p:sp>
-        <p:nvSpPr>
-          <p:cNvPr id="16" name="矩形 15"/>
-          <p:cNvSpPr/>
-          <p:nvPr/>
-        </p:nvSpPr>
-        <p:spPr>
-          <a:xfrm rot="5400000">
-            <a:off x="-29173" y="3361421"/>
-            <a:ext cx="3904550" cy="720000"/>
-          </a:xfrm>
-          <a:prstGeom prst="rect">
-            <a:avLst/>
-          </a:prstGeom>
-        </p:spPr>
-        <p:style>
-          <a:lnRef idx="0">
-            <a:schemeClr val="accent2"/>
-          </a:lnRef>
-          <a:fillRef idx="3">
-            <a:schemeClr val="accent2"/>
-          </a:fillRef>
-          <a:effectRef idx="3">
-            <a:schemeClr val="accent2"/>
-          </a:effectRef>
-          <a:fontRef idx="minor">
-            <a:schemeClr val="lt1"/>
-          </a:fontRef>
-        </p:style>
-        <p:txBody>
-          <a:bodyPr rtlCol="0" anchor="ctr"/>
-          <a:lstStyle/>
-          <a:p>
-            <a:pPr algn="ctr"/>
-            <a:r>
-              <a:rPr lang="en-US" altLang="zh-TW" sz="1600" b="1" dirty="0" smtClean="0"/>
-              <a:t>HTTP</a:t>
-            </a:r>
-            <a:r>
-              <a:rPr lang="zh-TW" altLang="en-US" sz="1600" b="1" dirty="0" smtClean="0"/>
-              <a:t> </a:t>
-            </a:r>
-            <a:r>
-              <a:rPr lang="en-US" altLang="zh-TW" sz="1600" b="1" dirty="0" smtClean="0"/>
-              <a:t>Module 1</a:t>
-            </a:r>
-            <a:endParaRPr lang="zh-TW" altLang="en-US" sz="1600" b="1" dirty="0"/>
-          </a:p>
-        </p:txBody>
-      </p:sp>
-      <p:sp>
-        <p:nvSpPr>
-          <p:cNvPr id="19" name="矩形 18"/>
-          <p:cNvSpPr/>
-          <p:nvPr/>
-        </p:nvSpPr>
-        <p:spPr>
-          <a:xfrm rot="5400000">
-            <a:off x="4148025" y="3361423"/>
-            <a:ext cx="3904553" cy="720000"/>
-          </a:xfrm>
-          <a:prstGeom prst="rect">
-            <a:avLst/>
-          </a:prstGeom>
-        </p:spPr>
-        <p:style>
-          <a:lnRef idx="1">
-            <a:schemeClr val="accent1"/>
-          </a:lnRef>
-          <a:fillRef idx="3">
-            <a:schemeClr val="accent1"/>
-          </a:fillRef>
-          <a:effectRef idx="2">
-            <a:schemeClr val="accent1"/>
-          </a:effectRef>
-          <a:fontRef idx="minor">
-            <a:schemeClr val="lt1"/>
-          </a:fontRef>
-        </p:style>
-        <p:txBody>
-          <a:bodyPr rtlCol="0" anchor="ctr"/>
-          <a:lstStyle/>
-          <a:p>
-            <a:pPr algn="ctr"/>
-            <a:r>
-              <a:rPr lang="en-US" altLang="zh-TW" sz="1600" b="1" dirty="0" smtClean="0"/>
-              <a:t>Action Filters</a:t>
-            </a:r>
-            <a:endParaRPr lang="zh-TW" altLang="en-US" sz="1600" b="1" dirty="0"/>
-          </a:p>
-        </p:txBody>
-      </p:sp>
-      <p:sp>
-        <p:nvSpPr>
-          <p:cNvPr id="24" name="Send Log F2L"/>
-          <p:cNvSpPr/>
-          <p:nvPr/>
-        </p:nvSpPr>
-        <p:spPr>
-          <a:xfrm>
-            <a:off x="693546" y="2081489"/>
-            <a:ext cx="1080000" cy="540000"/>
-          </a:xfrm>
-          <a:prstGeom prst="rightArrow">
-            <a:avLst/>
-          </a:prstGeom>
-        </p:spPr>
-        <p:style>
-          <a:lnRef idx="1">
-            <a:schemeClr val="accent4"/>
-          </a:lnRef>
-          <a:fillRef idx="2">
-            <a:schemeClr val="accent4"/>
-          </a:fillRef>
-          <a:effectRef idx="1">
-            <a:schemeClr val="accent4"/>
-          </a:effectRef>
-          <a:fontRef idx="minor">
-            <a:schemeClr val="dk1"/>
-          </a:fontRef>
-        </p:style>
-        <p:txBody>
-          <a:bodyPr rtlCol="0" anchor="ctr"/>
-          <a:lstStyle/>
-          <a:p>
-            <a:pPr algn="ctr"/>
-            <a:r>
-              <a:rPr lang="en-US" altLang="zh-TW" sz="1400" b="1" dirty="0" smtClean="0"/>
-              <a:t>Request</a:t>
-            </a:r>
-            <a:endParaRPr lang="zh-TW" altLang="en-US" sz="1400" b="1" dirty="0"/>
-          </a:p>
-        </p:txBody>
-      </p:sp>
-      <p:sp>
-        <p:nvSpPr>
-          <p:cNvPr id="28" name="Send Log F2L"/>
-          <p:cNvSpPr/>
-          <p:nvPr/>
-        </p:nvSpPr>
-        <p:spPr>
-          <a:xfrm flipH="1">
-            <a:off x="693546" y="4785700"/>
-            <a:ext cx="1080000" cy="540000"/>
-          </a:xfrm>
-          <a:prstGeom prst="rightArrow">
-            <a:avLst/>
-          </a:prstGeom>
-        </p:spPr>
-        <p:style>
-          <a:lnRef idx="1">
-            <a:schemeClr val="accent4"/>
-          </a:lnRef>
-          <a:fillRef idx="2">
-            <a:schemeClr val="accent4"/>
-          </a:fillRef>
-          <a:effectRef idx="1">
-            <a:schemeClr val="accent4"/>
-          </a:effectRef>
-          <a:fontRef idx="minor">
-            <a:schemeClr val="dk1"/>
-          </a:fontRef>
-        </p:style>
-        <p:txBody>
-          <a:bodyPr rtlCol="0" anchor="ctr"/>
-          <a:lstStyle/>
-          <a:p>
-            <a:pPr algn="ctr"/>
-            <a:r>
-              <a:rPr lang="en-US" altLang="zh-TW" sz="1400" b="1" dirty="0" err="1"/>
-              <a:t>Respose</a:t>
-            </a:r>
-            <a:endParaRPr lang="zh-TW" altLang="en-US" sz="1400" b="1" dirty="0"/>
-          </a:p>
-        </p:txBody>
-      </p:sp>
-      <p:sp>
-        <p:nvSpPr>
-          <p:cNvPr id="32" name="矩形 31"/>
-          <p:cNvSpPr/>
-          <p:nvPr/>
-        </p:nvSpPr>
-        <p:spPr>
-          <a:xfrm rot="5400000">
-            <a:off x="1021687" y="3361421"/>
-            <a:ext cx="3904550" cy="720000"/>
-          </a:xfrm>
-          <a:prstGeom prst="rect">
-            <a:avLst/>
-          </a:prstGeom>
-        </p:spPr>
-        <p:style>
-          <a:lnRef idx="0">
-            <a:schemeClr val="accent2"/>
-          </a:lnRef>
-          <a:fillRef idx="3">
-            <a:schemeClr val="accent2"/>
-          </a:fillRef>
-          <a:effectRef idx="3">
-            <a:schemeClr val="accent2"/>
-          </a:effectRef>
-          <a:fontRef idx="minor">
-            <a:schemeClr val="lt1"/>
-          </a:fontRef>
-        </p:style>
-        <p:txBody>
-          <a:bodyPr rtlCol="0" anchor="ctr"/>
-          <a:lstStyle/>
-          <a:p>
-            <a:pPr algn="ctr"/>
-            <a:r>
-              <a:rPr lang="en-US" altLang="zh-TW" sz="1600" b="1" dirty="0" smtClean="0"/>
-              <a:t>HTTP</a:t>
-            </a:r>
-            <a:r>
-              <a:rPr lang="zh-TW" altLang="en-US" sz="1600" b="1" dirty="0" smtClean="0"/>
-              <a:t> </a:t>
-            </a:r>
-            <a:r>
-              <a:rPr lang="en-US" altLang="zh-TW" sz="1600" b="1" dirty="0" smtClean="0"/>
-              <a:t>Module 2</a:t>
-            </a:r>
-            <a:endParaRPr lang="zh-TW" altLang="en-US" sz="1600" b="1" dirty="0"/>
-          </a:p>
-        </p:txBody>
-      </p:sp>
-      <p:sp>
-        <p:nvSpPr>
-          <p:cNvPr id="33" name="矩形 32"/>
-          <p:cNvSpPr/>
-          <p:nvPr/>
-        </p:nvSpPr>
-        <p:spPr>
-          <a:xfrm rot="5400000">
-            <a:off x="2055656" y="3361421"/>
-            <a:ext cx="3904550" cy="720000"/>
-          </a:xfrm>
-          <a:prstGeom prst="rect">
-            <a:avLst/>
-          </a:prstGeom>
-        </p:spPr>
-        <p:style>
-          <a:lnRef idx="0">
-            <a:schemeClr val="accent2"/>
-          </a:lnRef>
-          <a:fillRef idx="3">
-            <a:schemeClr val="accent2"/>
-          </a:fillRef>
-          <a:effectRef idx="3">
-            <a:schemeClr val="accent2"/>
-          </a:effectRef>
-          <a:fontRef idx="minor">
-            <a:schemeClr val="lt1"/>
-          </a:fontRef>
-        </p:style>
-        <p:txBody>
-          <a:bodyPr rtlCol="0" anchor="ctr"/>
-          <a:lstStyle/>
-          <a:p>
-            <a:pPr algn="ctr"/>
-            <a:r>
-              <a:rPr lang="en-US" altLang="zh-TW" sz="1600" b="1" dirty="0" smtClean="0"/>
-              <a:t>HTTP</a:t>
-            </a:r>
-            <a:r>
-              <a:rPr lang="zh-TW" altLang="en-US" sz="1600" b="1" dirty="0" smtClean="0"/>
-              <a:t> </a:t>
-            </a:r>
-            <a:r>
-              <a:rPr lang="en-US" altLang="zh-TW" sz="1600" b="1" dirty="0" smtClean="0"/>
-              <a:t>Module n</a:t>
-            </a:r>
-            <a:endParaRPr lang="zh-TW" altLang="en-US" sz="1600" b="1" dirty="0"/>
-          </a:p>
-        </p:txBody>
-      </p:sp>
-      <p:sp>
-        <p:nvSpPr>
-          <p:cNvPr id="34" name="矩形 33"/>
-          <p:cNvSpPr/>
-          <p:nvPr/>
-        </p:nvSpPr>
-        <p:spPr>
-          <a:xfrm rot="5400000">
-            <a:off x="3110557" y="3361420"/>
-            <a:ext cx="3904553" cy="720000"/>
-          </a:xfrm>
-          <a:prstGeom prst="rect">
-            <a:avLst/>
-          </a:prstGeom>
-        </p:spPr>
-        <p:style>
-          <a:lnRef idx="1">
-            <a:schemeClr val="accent1"/>
-          </a:lnRef>
-          <a:fillRef idx="3">
-            <a:schemeClr val="accent1"/>
-          </a:fillRef>
-          <a:effectRef idx="2">
-            <a:schemeClr val="accent1"/>
-          </a:effectRef>
-          <a:fontRef idx="minor">
-            <a:schemeClr val="lt1"/>
-          </a:fontRef>
-        </p:style>
-        <p:txBody>
-          <a:bodyPr rtlCol="0" anchor="ctr"/>
-          <a:lstStyle/>
-          <a:p>
-            <a:pPr algn="ctr"/>
-            <a:r>
-              <a:rPr lang="en-US" altLang="zh-TW" sz="1600" b="1" dirty="0" smtClean="0"/>
-              <a:t>HTTP Handlers</a:t>
-            </a:r>
-            <a:endParaRPr lang="zh-TW" altLang="en-US" sz="1600" b="1" dirty="0"/>
-          </a:p>
-        </p:txBody>
-      </p:sp>
-      <p:sp>
-        <p:nvSpPr>
-          <p:cNvPr id="45" name="Send Log F2L"/>
-          <p:cNvSpPr/>
-          <p:nvPr/>
-        </p:nvSpPr>
-        <p:spPr>
-          <a:xfrm>
-            <a:off x="4252687" y="2077190"/>
-            <a:ext cx="585919" cy="540000"/>
-          </a:xfrm>
-          <a:prstGeom prst="rightArrow">
-            <a:avLst/>
-          </a:prstGeom>
-        </p:spPr>
-        <p:style>
-          <a:lnRef idx="1">
-            <a:schemeClr val="accent4"/>
-          </a:lnRef>
-          <a:fillRef idx="2">
-            <a:schemeClr val="accent4"/>
-          </a:fillRef>
-          <a:effectRef idx="1">
-            <a:schemeClr val="accent4"/>
-          </a:effectRef>
-          <a:fontRef idx="minor">
-            <a:schemeClr val="dk1"/>
-          </a:fontRef>
-        </p:style>
-        <p:txBody>
-          <a:bodyPr rtlCol="0" anchor="ctr"/>
-          <a:lstStyle/>
-          <a:p>
-            <a:pPr algn="ctr"/>
-            <a:endParaRPr lang="zh-TW" altLang="en-US" sz="1400" b="1" dirty="0"/>
-          </a:p>
-        </p:txBody>
-      </p:sp>
-      <p:sp>
-        <p:nvSpPr>
-          <p:cNvPr id="46" name="Send Log F2L"/>
-          <p:cNvSpPr/>
-          <p:nvPr/>
-        </p:nvSpPr>
-        <p:spPr>
-          <a:xfrm>
-            <a:off x="5288607" y="2072479"/>
-            <a:ext cx="585919" cy="540000"/>
-          </a:xfrm>
-          <a:prstGeom prst="rightArrow">
-            <a:avLst/>
-          </a:prstGeom>
-        </p:spPr>
-        <p:style>
-          <a:lnRef idx="1">
-            <a:schemeClr val="accent4"/>
-          </a:lnRef>
-          <a:fillRef idx="2">
-            <a:schemeClr val="accent4"/>
-          </a:fillRef>
-          <a:effectRef idx="1">
-            <a:schemeClr val="accent4"/>
-          </a:effectRef>
-          <a:fontRef idx="minor">
-            <a:schemeClr val="dk1"/>
-          </a:fontRef>
-        </p:style>
-        <p:txBody>
-          <a:bodyPr rtlCol="0" anchor="ctr"/>
-          <a:lstStyle/>
-          <a:p>
-            <a:pPr algn="ctr"/>
-            <a:endParaRPr lang="zh-TW" altLang="en-US" sz="1400" b="1" dirty="0"/>
-          </a:p>
-        </p:txBody>
-      </p:sp>
-      <p:sp>
-        <p:nvSpPr>
-          <p:cNvPr id="47" name="Send Log F2L"/>
-          <p:cNvSpPr/>
-          <p:nvPr/>
-        </p:nvSpPr>
-        <p:spPr>
-          <a:xfrm>
-            <a:off x="6324529" y="2081489"/>
-            <a:ext cx="585919" cy="540000"/>
-          </a:xfrm>
-          <a:prstGeom prst="rightArrow">
-            <a:avLst/>
-          </a:prstGeom>
-        </p:spPr>
-        <p:style>
-          <a:lnRef idx="1">
-            <a:schemeClr val="accent4"/>
-          </a:lnRef>
-          <a:fillRef idx="2">
-            <a:schemeClr val="accent4"/>
-          </a:fillRef>
-          <a:effectRef idx="1">
-            <a:schemeClr val="accent4"/>
-          </a:effectRef>
-          <a:fontRef idx="minor">
-            <a:schemeClr val="dk1"/>
-          </a:fontRef>
-        </p:style>
-        <p:txBody>
-          <a:bodyPr rtlCol="0" anchor="ctr"/>
-          <a:lstStyle/>
-          <a:p>
-            <a:pPr algn="ctr"/>
-            <a:endParaRPr lang="zh-TW" altLang="en-US" sz="1400" b="1" dirty="0"/>
-          </a:p>
-        </p:txBody>
-      </p:sp>
-      <p:sp>
-        <p:nvSpPr>
-          <p:cNvPr id="48" name="Send Log F2L"/>
-          <p:cNvSpPr/>
-          <p:nvPr/>
-        </p:nvSpPr>
-        <p:spPr>
-          <a:xfrm>
-            <a:off x="3216767" y="2081489"/>
-            <a:ext cx="585919" cy="540000"/>
-          </a:xfrm>
-          <a:prstGeom prst="rightArrow">
-            <a:avLst/>
-          </a:prstGeom>
-        </p:spPr>
-        <p:style>
-          <a:lnRef idx="1">
-            <a:schemeClr val="accent4"/>
-          </a:lnRef>
-          <a:fillRef idx="2">
-            <a:schemeClr val="accent4"/>
-          </a:fillRef>
-          <a:effectRef idx="1">
-            <a:schemeClr val="accent4"/>
-          </a:effectRef>
-          <a:fontRef idx="minor">
-            <a:schemeClr val="dk1"/>
-          </a:fontRef>
-        </p:style>
-        <p:txBody>
-          <a:bodyPr rtlCol="0" anchor="ctr"/>
-          <a:lstStyle/>
-          <a:p>
-            <a:pPr algn="ctr"/>
-            <a:endParaRPr lang="zh-TW" altLang="en-US" sz="1400" b="1" dirty="0"/>
-          </a:p>
-        </p:txBody>
-      </p:sp>
-      <p:sp>
-        <p:nvSpPr>
-          <p:cNvPr id="49" name="Send Log F2L"/>
-          <p:cNvSpPr/>
-          <p:nvPr/>
-        </p:nvSpPr>
-        <p:spPr>
-          <a:xfrm>
-            <a:off x="2180847" y="2081489"/>
-            <a:ext cx="585919" cy="540000"/>
-          </a:xfrm>
-          <a:prstGeom prst="rightArrow">
-            <a:avLst/>
-          </a:prstGeom>
-        </p:spPr>
-        <p:style>
-          <a:lnRef idx="1">
-            <a:schemeClr val="accent4"/>
-          </a:lnRef>
-          <a:fillRef idx="2">
-            <a:schemeClr val="accent4"/>
-          </a:fillRef>
-          <a:effectRef idx="1">
-            <a:schemeClr val="accent4"/>
-          </a:effectRef>
-          <a:fontRef idx="minor">
-            <a:schemeClr val="dk1"/>
-          </a:fontRef>
-        </p:style>
-        <p:txBody>
-          <a:bodyPr rtlCol="0" anchor="ctr"/>
-          <a:lstStyle/>
-          <a:p>
-            <a:pPr algn="ctr"/>
-            <a:endParaRPr lang="zh-TW" altLang="en-US" sz="1400" b="1" dirty="0"/>
-          </a:p>
-        </p:txBody>
-      </p:sp>
-      <p:sp>
-        <p:nvSpPr>
-          <p:cNvPr id="35" name="Send Log F2L"/>
-          <p:cNvSpPr/>
-          <p:nvPr/>
-        </p:nvSpPr>
-        <p:spPr>
-          <a:xfrm rot="10800000">
-            <a:off x="4255333" y="4774992"/>
-            <a:ext cx="585919" cy="540000"/>
-          </a:xfrm>
-          <a:prstGeom prst="rightArrow">
-            <a:avLst/>
-          </a:prstGeom>
-        </p:spPr>
-        <p:style>
-          <a:lnRef idx="1">
-            <a:schemeClr val="accent4"/>
-          </a:lnRef>
-          <a:fillRef idx="2">
-            <a:schemeClr val="accent4"/>
-          </a:fillRef>
-          <a:effectRef idx="1">
-            <a:schemeClr val="accent4"/>
-          </a:effectRef>
-          <a:fontRef idx="minor">
-            <a:schemeClr val="dk1"/>
-          </a:fontRef>
-        </p:style>
-        <p:txBody>
-          <a:bodyPr rtlCol="0" anchor="ctr"/>
-          <a:lstStyle/>
-          <a:p>
-            <a:pPr algn="ctr"/>
-            <a:endParaRPr lang="zh-TW" altLang="en-US" sz="1400" b="1" dirty="0"/>
-          </a:p>
-        </p:txBody>
-      </p:sp>
-      <p:sp>
-        <p:nvSpPr>
-          <p:cNvPr id="36" name="Send Log F2L"/>
-          <p:cNvSpPr/>
-          <p:nvPr/>
-        </p:nvSpPr>
-        <p:spPr>
-          <a:xfrm rot="10800000">
-            <a:off x="5291253" y="4770281"/>
-            <a:ext cx="585919" cy="540000"/>
-          </a:xfrm>
-          <a:prstGeom prst="rightArrow">
-            <a:avLst/>
-          </a:prstGeom>
-        </p:spPr>
-        <p:style>
-          <a:lnRef idx="1">
-            <a:schemeClr val="accent4"/>
-          </a:lnRef>
-          <a:fillRef idx="2">
-            <a:schemeClr val="accent4"/>
-          </a:fillRef>
-          <a:effectRef idx="1">
-            <a:schemeClr val="accent4"/>
-          </a:effectRef>
-          <a:fontRef idx="minor">
-            <a:schemeClr val="dk1"/>
-          </a:fontRef>
-        </p:style>
-        <p:txBody>
-          <a:bodyPr rtlCol="0" anchor="ctr"/>
-          <a:lstStyle/>
-          <a:p>
-            <a:pPr algn="ctr"/>
-            <a:endParaRPr lang="zh-TW" altLang="en-US" sz="1400" b="1" dirty="0"/>
-          </a:p>
-        </p:txBody>
-      </p:sp>
-      <p:sp>
-        <p:nvSpPr>
-          <p:cNvPr id="39" name="Send Log F2L"/>
-          <p:cNvSpPr/>
-          <p:nvPr/>
-        </p:nvSpPr>
-        <p:spPr>
-          <a:xfrm rot="10800000">
-            <a:off x="6327175" y="4779291"/>
-            <a:ext cx="585919" cy="540000"/>
-          </a:xfrm>
-          <a:prstGeom prst="rightArrow">
-            <a:avLst/>
-          </a:prstGeom>
-        </p:spPr>
-        <p:style>
-          <a:lnRef idx="1">
-            <a:schemeClr val="accent4"/>
-          </a:lnRef>
-          <a:fillRef idx="2">
-            <a:schemeClr val="accent4"/>
-          </a:fillRef>
-          <a:effectRef idx="1">
-            <a:schemeClr val="accent4"/>
-          </a:effectRef>
-          <a:fontRef idx="minor">
-            <a:schemeClr val="dk1"/>
-          </a:fontRef>
-        </p:style>
-        <p:txBody>
-          <a:bodyPr rtlCol="0" anchor="ctr"/>
-          <a:lstStyle/>
-          <a:p>
-            <a:pPr algn="ctr"/>
-            <a:endParaRPr lang="zh-TW" altLang="en-US" sz="1400" b="1" dirty="0"/>
-          </a:p>
-        </p:txBody>
-      </p:sp>
-      <p:sp>
-        <p:nvSpPr>
-          <p:cNvPr id="40" name="Send Log F2L"/>
-          <p:cNvSpPr/>
-          <p:nvPr/>
-        </p:nvSpPr>
-        <p:spPr>
-          <a:xfrm rot="10800000">
-            <a:off x="3219413" y="4779291"/>
-            <a:ext cx="585919" cy="540000"/>
-          </a:xfrm>
-          <a:prstGeom prst="rightArrow">
-            <a:avLst/>
-          </a:prstGeom>
-        </p:spPr>
-        <p:style>
-          <a:lnRef idx="1">
-            <a:schemeClr val="accent4"/>
-          </a:lnRef>
-          <a:fillRef idx="2">
-            <a:schemeClr val="accent4"/>
-          </a:fillRef>
-          <a:effectRef idx="1">
-            <a:schemeClr val="accent4"/>
-          </a:effectRef>
-          <a:fontRef idx="minor">
-            <a:schemeClr val="dk1"/>
-          </a:fontRef>
-        </p:style>
-        <p:txBody>
-          <a:bodyPr rtlCol="0" anchor="ctr"/>
-          <a:lstStyle/>
-          <a:p>
-            <a:pPr algn="ctr"/>
-            <a:endParaRPr lang="zh-TW" altLang="en-US" sz="1400" b="1" dirty="0"/>
-          </a:p>
-        </p:txBody>
-      </p:sp>
-      <p:sp>
-        <p:nvSpPr>
-          <p:cNvPr id="51" name="Send Log F2L"/>
-          <p:cNvSpPr/>
-          <p:nvPr/>
-        </p:nvSpPr>
-        <p:spPr>
-          <a:xfrm rot="10800000">
-            <a:off x="2183493" y="4779291"/>
-            <a:ext cx="585919" cy="540000"/>
-          </a:xfrm>
-          <a:prstGeom prst="rightArrow">
-            <a:avLst/>
-          </a:prstGeom>
-        </p:spPr>
-        <p:style>
-          <a:lnRef idx="1">
-            <a:schemeClr val="accent4"/>
-          </a:lnRef>
-          <a:fillRef idx="2">
-            <a:schemeClr val="accent4"/>
-          </a:fillRef>
-          <a:effectRef idx="1">
-            <a:schemeClr val="accent4"/>
-          </a:effectRef>
-          <a:fontRef idx="minor">
-            <a:schemeClr val="dk1"/>
-          </a:fontRef>
-        </p:style>
-        <p:txBody>
-          <a:bodyPr rtlCol="0" anchor="ctr"/>
-          <a:lstStyle/>
-          <a:p>
-            <a:pPr algn="ctr"/>
-            <a:endParaRPr lang="zh-TW" altLang="en-US" sz="1400" b="1" dirty="0"/>
-          </a:p>
-        </p:txBody>
-      </p:sp>
-      <p:sp>
-        <p:nvSpPr>
-          <p:cNvPr id="15" name="標題 2"/>
-          <p:cNvSpPr>
-            <a:spLocks noGrp="1"/>
-          </p:cNvSpPr>
-          <p:nvPr>
-            <p:ph type="title"/>
-          </p:nvPr>
-        </p:nvSpPr>
-        <p:spPr>
-          <a:xfrm>
-            <a:off x="1726638" y="3058638"/>
-            <a:ext cx="5638015" cy="1325563"/>
-          </a:xfrm>
-          <a:noFill/>
-        </p:spPr>
-        <p:txBody>
-          <a:bodyPr>
-            <a:noAutofit/>
-          </a:bodyPr>
-          <a:lstStyle/>
-          <a:p>
-            <a:r>
-              <a:rPr lang="en-US" altLang="zh-TW" sz="6600" b="1" dirty="0" smtClean="0">
-                <a:solidFill>
-                  <a:schemeClr val="tx1">
-                    <a:alpha val="8000"/>
-                  </a:schemeClr>
-                </a:solidFill>
-                <a:latin typeface="+mn-lt"/>
-              </a:rPr>
-              <a:t>blog.johnwu.cc</a:t>
-            </a:r>
-            <a:endParaRPr lang="zh-TW" altLang="en-US" sz="6600" b="1" dirty="0">
-              <a:solidFill>
-                <a:schemeClr val="tx1">
-                  <a:alpha val="8000"/>
-                </a:schemeClr>
-              </a:solidFill>
-              <a:latin typeface="+mn-lt"/>
-            </a:endParaRPr>
-          </a:p>
-        </p:txBody>
-      </p:sp>
-    </p:spTree>
-    <p:extLst>
-      <p:ext uri="{BB962C8B-B14F-4D97-AF65-F5344CB8AC3E}">
-        <p14:creationId xmlns:p14="http://schemas.microsoft.com/office/powerpoint/2010/main" val="4015888149"/>
-      </p:ext>
-    </p:extLst>
-  </p:cSld>
-  <p:clrMapOvr>
-    <a:masterClrMapping/>
-  </p:clrMapOvr>
-  <p:timing>
-    <p:tnLst>
-      <p:par>
-        <p:cTn id="1" dur="indefinite" restart="never" nodeType="tmRoot"/>
-      </p:par>
-    </p:tnLst>
-  </p:timing>
-</p:sld>
-</file>
-
 <file path=ppt/slides/slide18.xml><?xml version="1.0" encoding="utf-8"?>
 <p:sld xmlns:a="http://schemas.openxmlformats.org/drawingml/2006/main" xmlns:r="http://schemas.openxmlformats.org/officeDocument/2006/relationships" xmlns:p="http://schemas.openxmlformats.org/presentationml/2006/main">
   <p:cSld>
@@ -16418,28 +16417,30 @@
       </p:grpSpPr>
       <p:sp>
         <p:nvSpPr>
-          <p:cNvPr id="5" name="矩形 4"/>
+          <p:cNvPr id="3" name="矩形 2"/>
           <p:cNvSpPr/>
           <p:nvPr/>
         </p:nvSpPr>
         <p:spPr>
           <a:xfrm>
-            <a:off x="3657600" y="990600"/>
-            <a:ext cx="1440000" cy="540000"/>
+            <a:off x="433235" y="-4014395"/>
+            <a:ext cx="7634668" cy="4294501"/>
           </a:xfrm>
           <a:prstGeom prst="rect">
             <a:avLst/>
           </a:prstGeom>
         </p:spPr>
         <p:style>
-          <a:lnRef idx="0">
-            <a:schemeClr val="accent4"/>
+          <a:lnRef idx="2">
+            <a:schemeClr val="dk1">
+              <a:shade val="50000"/>
+            </a:schemeClr>
           </a:lnRef>
-          <a:fillRef idx="3">
-            <a:schemeClr val="accent4"/>
+          <a:fillRef idx="1">
+            <a:schemeClr val="dk1"/>
           </a:fillRef>
-          <a:effectRef idx="3">
-            <a:schemeClr val="accent4"/>
+          <a:effectRef idx="0">
+            <a:schemeClr val="dk1"/>
           </a:effectRef>
           <a:fontRef idx="minor">
             <a:schemeClr val="lt1"/>
@@ -16450,39 +16451,33 @@
           <a:lstStyle/>
           <a:p>
             <a:pPr algn="ctr"/>
-            <a:r>
-              <a:rPr lang="en-US" altLang="zh-TW" dirty="0" smtClean="0"/>
-              <a:t>Module A</a:t>
-            </a:r>
-            <a:endParaRPr lang="zh-TW" altLang="en-US" dirty="0"/>
-          </a:p>
-        </p:txBody>
-      </p:sp>
-      <p:sp>
-        <p:nvSpPr>
-          <p:cNvPr id="6" name="矩形 5"/>
+            <a:endParaRPr lang="zh-TW" altLang="en-US"/>
+          </a:p>
+        </p:txBody>
+      </p:sp>
+      <p:sp>
+        <p:nvSpPr>
+          <p:cNvPr id="13" name="矩形 12"/>
           <p:cNvSpPr/>
           <p:nvPr/>
         </p:nvSpPr>
         <p:spPr>
           <a:xfrm>
-            <a:off x="2751000" y="1964122"/>
-            <a:ext cx="1440000" cy="540000"/>
+            <a:off x="6784603" y="1769146"/>
+            <a:ext cx="1467582" cy="3904552"/>
           </a:xfrm>
           <a:prstGeom prst="rect">
             <a:avLst/>
           </a:prstGeom>
         </p:spPr>
         <p:style>
-          <a:lnRef idx="2">
-            <a:schemeClr val="accent6">
-              <a:shade val="50000"/>
-            </a:schemeClr>
+          <a:lnRef idx="1">
+            <a:schemeClr val="accent6"/>
           </a:lnRef>
-          <a:fillRef idx="1">
+          <a:fillRef idx="3">
             <a:schemeClr val="accent6"/>
           </a:fillRef>
-          <a:effectRef idx="0">
+          <a:effectRef idx="2">
             <a:schemeClr val="accent6"/>
           </a:effectRef>
           <a:fontRef idx="minor">
@@ -16495,75 +16490,23 @@
           <a:p>
             <a:pPr algn="ctr"/>
             <a:r>
-              <a:rPr lang="en-US" altLang="zh-TW" dirty="0"/>
-              <a:t>Module </a:t>
-            </a:r>
-            <a:r>
-              <a:rPr lang="en-US" altLang="zh-TW" dirty="0" smtClean="0"/>
-              <a:t>B</a:t>
-            </a:r>
-            <a:endParaRPr lang="zh-TW" altLang="en-US" dirty="0"/>
-          </a:p>
-        </p:txBody>
-      </p:sp>
-      <p:sp>
-        <p:nvSpPr>
-          <p:cNvPr id="7" name="矩形 6"/>
+              <a:rPr lang="en-US" altLang="zh-TW" sz="1600" b="1" dirty="0" smtClean="0"/>
+              <a:t>Action</a:t>
+            </a:r>
+            <a:endParaRPr lang="zh-TW" altLang="en-US" sz="1600" b="1" dirty="0"/>
+          </a:p>
+        </p:txBody>
+      </p:sp>
+      <p:sp>
+        <p:nvSpPr>
+          <p:cNvPr id="16" name="矩形 15"/>
           <p:cNvSpPr/>
           <p:nvPr/>
         </p:nvSpPr>
         <p:spPr>
-          <a:xfrm>
-            <a:off x="4572000" y="1978886"/>
-            <a:ext cx="1440000" cy="540000"/>
-          </a:xfrm>
-          <a:prstGeom prst="rect">
-            <a:avLst/>
-          </a:prstGeom>
-        </p:spPr>
-        <p:style>
-          <a:lnRef idx="2">
-            <a:schemeClr val="accent6">
-              <a:shade val="50000"/>
-            </a:schemeClr>
-          </a:lnRef>
-          <a:fillRef idx="1">
-            <a:schemeClr val="accent6"/>
-          </a:fillRef>
-          <a:effectRef idx="0">
-            <a:schemeClr val="accent6"/>
-          </a:effectRef>
-          <a:fontRef idx="minor">
-            <a:schemeClr val="lt1"/>
-          </a:fontRef>
-        </p:style>
-        <p:txBody>
-          <a:bodyPr rtlCol="0" anchor="ctr"/>
-          <a:lstStyle/>
-          <a:p>
-            <a:pPr algn="ctr"/>
-            <a:r>
-              <a:rPr lang="en-US" altLang="zh-TW" dirty="0"/>
-              <a:t>Module </a:t>
-            </a:r>
-            <a:r>
-              <a:rPr lang="en-US" altLang="zh-TW" dirty="0" smtClean="0"/>
-              <a:t>C</a:t>
-            </a:r>
-            <a:endParaRPr lang="zh-TW" altLang="en-US" dirty="0"/>
-          </a:p>
-        </p:txBody>
-      </p:sp>
-      <p:sp>
-        <p:nvSpPr>
-          <p:cNvPr id="8" name="矩形 7"/>
-          <p:cNvSpPr/>
-          <p:nvPr/>
-        </p:nvSpPr>
-        <p:spPr>
-          <a:xfrm>
-            <a:off x="1836600" y="2971800"/>
-            <a:ext cx="1440000" cy="540000"/>
+          <a:xfrm rot="5400000">
+            <a:off x="-29173" y="3361421"/>
+            <a:ext cx="3904550" cy="720000"/>
           </a:xfrm>
           <a:prstGeom prst="rect">
             <a:avLst/>
@@ -16589,27 +16532,157 @@
           <a:p>
             <a:pPr algn="ctr"/>
             <a:r>
-              <a:rPr lang="en-US" altLang="zh-TW" dirty="0"/>
-              <a:t>Module </a:t>
-            </a:r>
-            <a:r>
-              <a:rPr lang="en-US" altLang="zh-TW" dirty="0" smtClean="0"/>
-              <a:t>D</a:t>
-            </a:r>
-            <a:endParaRPr lang="zh-TW" altLang="en-US" dirty="0"/>
-          </a:p>
-        </p:txBody>
-      </p:sp>
-      <p:sp>
-        <p:nvSpPr>
-          <p:cNvPr id="9" name="矩形 8"/>
+              <a:rPr lang="en-US" altLang="zh-TW" sz="1600" b="1" dirty="0" smtClean="0"/>
+              <a:t>HTTP</a:t>
+            </a:r>
+            <a:r>
+              <a:rPr lang="zh-TW" altLang="en-US" sz="1600" b="1" dirty="0" smtClean="0"/>
+              <a:t> </a:t>
+            </a:r>
+            <a:r>
+              <a:rPr lang="en-US" altLang="zh-TW" sz="1600" b="1" dirty="0" smtClean="0"/>
+              <a:t>Module 1</a:t>
+            </a:r>
+            <a:endParaRPr lang="zh-TW" altLang="en-US" sz="1600" b="1" dirty="0"/>
+          </a:p>
+        </p:txBody>
+      </p:sp>
+      <p:sp>
+        <p:nvSpPr>
+          <p:cNvPr id="19" name="矩形 18"/>
           <p:cNvSpPr/>
           <p:nvPr/>
         </p:nvSpPr>
         <p:spPr>
+          <a:xfrm rot="5400000">
+            <a:off x="4148025" y="3361423"/>
+            <a:ext cx="3904553" cy="720000"/>
+          </a:xfrm>
+          <a:prstGeom prst="rect">
+            <a:avLst/>
+          </a:prstGeom>
+        </p:spPr>
+        <p:style>
+          <a:lnRef idx="1">
+            <a:schemeClr val="accent1"/>
+          </a:lnRef>
+          <a:fillRef idx="3">
+            <a:schemeClr val="accent1"/>
+          </a:fillRef>
+          <a:effectRef idx="2">
+            <a:schemeClr val="accent1"/>
+          </a:effectRef>
+          <a:fontRef idx="minor">
+            <a:schemeClr val="lt1"/>
+          </a:fontRef>
+        </p:style>
+        <p:txBody>
+          <a:bodyPr rtlCol="0" anchor="ctr"/>
+          <a:lstStyle/>
+          <a:p>
+            <a:pPr algn="ctr"/>
+            <a:r>
+              <a:rPr lang="en-US" altLang="zh-TW" sz="1600" b="1" dirty="0" smtClean="0"/>
+              <a:t>Action Filters</a:t>
+            </a:r>
+            <a:endParaRPr lang="zh-TW" altLang="en-US" sz="1600" b="1" dirty="0"/>
+          </a:p>
+        </p:txBody>
+      </p:sp>
+      <p:sp>
+        <p:nvSpPr>
+          <p:cNvPr id="24" name="Send Log F2L"/>
+          <p:cNvSpPr/>
+          <p:nvPr/>
+        </p:nvSpPr>
+        <p:spPr>
           <a:xfrm>
-            <a:off x="5478600" y="2971800"/>
-            <a:ext cx="1440000" cy="540000"/>
+            <a:off x="693546" y="2081489"/>
+            <a:ext cx="1080000" cy="540000"/>
+          </a:xfrm>
+          <a:prstGeom prst="rightArrow">
+            <a:avLst/>
+          </a:prstGeom>
+        </p:spPr>
+        <p:style>
+          <a:lnRef idx="1">
+            <a:schemeClr val="accent4"/>
+          </a:lnRef>
+          <a:fillRef idx="2">
+            <a:schemeClr val="accent4"/>
+          </a:fillRef>
+          <a:effectRef idx="1">
+            <a:schemeClr val="accent4"/>
+          </a:effectRef>
+          <a:fontRef idx="minor">
+            <a:schemeClr val="dk1"/>
+          </a:fontRef>
+        </p:style>
+        <p:txBody>
+          <a:bodyPr rtlCol="0" anchor="ctr"/>
+          <a:lstStyle/>
+          <a:p>
+            <a:pPr algn="ctr"/>
+            <a:r>
+              <a:rPr lang="en-US" altLang="zh-TW" sz="1400" b="1" dirty="0" smtClean="0"/>
+              <a:t>Request</a:t>
+            </a:r>
+            <a:endParaRPr lang="zh-TW" altLang="en-US" sz="1400" b="1" dirty="0"/>
+          </a:p>
+        </p:txBody>
+      </p:sp>
+      <p:sp>
+        <p:nvSpPr>
+          <p:cNvPr id="28" name="Send Log F2L"/>
+          <p:cNvSpPr/>
+          <p:nvPr/>
+        </p:nvSpPr>
+        <p:spPr>
+          <a:xfrm flipH="1">
+            <a:off x="693546" y="4785700"/>
+            <a:ext cx="1080000" cy="540000"/>
+          </a:xfrm>
+          <a:prstGeom prst="rightArrow">
+            <a:avLst/>
+          </a:prstGeom>
+        </p:spPr>
+        <p:style>
+          <a:lnRef idx="1">
+            <a:schemeClr val="accent4"/>
+          </a:lnRef>
+          <a:fillRef idx="2">
+            <a:schemeClr val="accent4"/>
+          </a:fillRef>
+          <a:effectRef idx="1">
+            <a:schemeClr val="accent4"/>
+          </a:effectRef>
+          <a:fontRef idx="minor">
+            <a:schemeClr val="dk1"/>
+          </a:fontRef>
+        </p:style>
+        <p:txBody>
+          <a:bodyPr rtlCol="0" anchor="ctr"/>
+          <a:lstStyle/>
+          <a:p>
+            <a:pPr algn="ctr"/>
+            <a:r>
+              <a:rPr lang="en-US" altLang="zh-TW" sz="1400" b="1" dirty="0" err="1"/>
+              <a:t>Respose</a:t>
+            </a:r>
+            <a:endParaRPr lang="zh-TW" altLang="en-US" sz="1400" b="1" dirty="0"/>
+          </a:p>
+        </p:txBody>
+      </p:sp>
+      <p:sp>
+        <p:nvSpPr>
+          <p:cNvPr id="32" name="矩形 31"/>
+          <p:cNvSpPr/>
+          <p:nvPr/>
+        </p:nvSpPr>
+        <p:spPr>
+          <a:xfrm rot="5400000">
+            <a:off x="1021687" y="3361421"/>
+            <a:ext cx="3904550" cy="720000"/>
           </a:xfrm>
           <a:prstGeom prst="rect">
             <a:avLst/>
@@ -16635,27 +16708,31 @@
           <a:p>
             <a:pPr algn="ctr"/>
             <a:r>
-              <a:rPr lang="en-US" altLang="zh-TW" dirty="0"/>
-              <a:t>Module </a:t>
-            </a:r>
-            <a:r>
-              <a:rPr lang="en-US" altLang="zh-TW" dirty="0" smtClean="0"/>
-              <a:t>F</a:t>
-            </a:r>
-            <a:endParaRPr lang="zh-TW" altLang="en-US" dirty="0"/>
-          </a:p>
-        </p:txBody>
-      </p:sp>
-      <p:sp>
-        <p:nvSpPr>
-          <p:cNvPr id="10" name="矩形 9"/>
+              <a:rPr lang="en-US" altLang="zh-TW" sz="1600" b="1" dirty="0" smtClean="0"/>
+              <a:t>HTTP</a:t>
+            </a:r>
+            <a:r>
+              <a:rPr lang="zh-TW" altLang="en-US" sz="1600" b="1" dirty="0" smtClean="0"/>
+              <a:t> </a:t>
+            </a:r>
+            <a:r>
+              <a:rPr lang="en-US" altLang="zh-TW" sz="1600" b="1" dirty="0" smtClean="0"/>
+              <a:t>Module 2</a:t>
+            </a:r>
+            <a:endParaRPr lang="zh-TW" altLang="en-US" sz="1600" b="1" dirty="0"/>
+          </a:p>
+        </p:txBody>
+      </p:sp>
+      <p:sp>
+        <p:nvSpPr>
+          <p:cNvPr id="33" name="矩形 32"/>
           <p:cNvSpPr/>
           <p:nvPr/>
         </p:nvSpPr>
         <p:spPr>
-          <a:xfrm>
-            <a:off x="3657600" y="2971800"/>
-            <a:ext cx="1440000" cy="540000"/>
+          <a:xfrm rot="5400000">
+            <a:off x="2055656" y="3361421"/>
+            <a:ext cx="3904550" cy="720000"/>
           </a:xfrm>
           <a:prstGeom prst="rect">
             <a:avLst/>
@@ -16681,37 +16758,45 @@
           <a:p>
             <a:pPr algn="ctr"/>
             <a:r>
-              <a:rPr lang="en-US" altLang="zh-TW" dirty="0"/>
-              <a:t>Module E</a:t>
-            </a:r>
-            <a:endParaRPr lang="zh-TW" altLang="en-US" dirty="0"/>
-          </a:p>
-        </p:txBody>
-      </p:sp>
-      <p:sp>
-        <p:nvSpPr>
-          <p:cNvPr id="11" name="矩形 10"/>
+              <a:rPr lang="en-US" altLang="zh-TW" sz="1600" b="1" dirty="0" smtClean="0"/>
+              <a:t>HTTP</a:t>
+            </a:r>
+            <a:r>
+              <a:rPr lang="zh-TW" altLang="en-US" sz="1600" b="1" dirty="0" smtClean="0"/>
+              <a:t> </a:t>
+            </a:r>
+            <a:r>
+              <a:rPr lang="en-US" altLang="zh-TW" sz="1600" b="1" dirty="0" smtClean="0"/>
+              <a:t>Module n</a:t>
+            </a:r>
+            <a:endParaRPr lang="zh-TW" altLang="en-US" sz="1600" b="1" dirty="0"/>
+          </a:p>
+        </p:txBody>
+      </p:sp>
+      <p:sp>
+        <p:nvSpPr>
+          <p:cNvPr id="34" name="矩形 33"/>
           <p:cNvSpPr/>
           <p:nvPr/>
         </p:nvSpPr>
         <p:spPr>
-          <a:xfrm>
-            <a:off x="1836600" y="3954328"/>
-            <a:ext cx="1440000" cy="540000"/>
+          <a:xfrm rot="5400000">
+            <a:off x="3110557" y="3361420"/>
+            <a:ext cx="3904553" cy="720000"/>
           </a:xfrm>
           <a:prstGeom prst="rect">
             <a:avLst/>
           </a:prstGeom>
         </p:spPr>
         <p:style>
-          <a:lnRef idx="0">
-            <a:schemeClr val="accent5"/>
+          <a:lnRef idx="1">
+            <a:schemeClr val="accent1"/>
           </a:lnRef>
           <a:fillRef idx="3">
-            <a:schemeClr val="accent5"/>
+            <a:schemeClr val="accent1"/>
           </a:fillRef>
-          <a:effectRef idx="3">
-            <a:schemeClr val="accent5"/>
+          <a:effectRef idx="2">
+            <a:schemeClr val="accent1"/>
           </a:effectRef>
           <a:fontRef idx="minor">
             <a:schemeClr val="lt1"/>
@@ -16723,40 +16808,40 @@
           <a:p>
             <a:pPr algn="ctr"/>
             <a:r>
-              <a:rPr lang="en-US" altLang="zh-TW" dirty="0" smtClean="0"/>
-              <a:t>Application</a:t>
-            </a:r>
-            <a:endParaRPr lang="zh-TW" altLang="en-US" dirty="0"/>
-          </a:p>
-        </p:txBody>
-      </p:sp>
-      <p:sp>
-        <p:nvSpPr>
-          <p:cNvPr id="12" name="矩形 11"/>
+              <a:rPr lang="en-US" altLang="zh-TW" sz="1600" b="1" dirty="0" smtClean="0"/>
+              <a:t>HTTP Handlers</a:t>
+            </a:r>
+            <a:endParaRPr lang="zh-TW" altLang="en-US" sz="1600" b="1" dirty="0"/>
+          </a:p>
+        </p:txBody>
+      </p:sp>
+      <p:sp>
+        <p:nvSpPr>
+          <p:cNvPr id="45" name="Send Log F2L"/>
           <p:cNvSpPr/>
           <p:nvPr/>
         </p:nvSpPr>
         <p:spPr>
           <a:xfrm>
-            <a:off x="4572000" y="3964714"/>
-            <a:ext cx="1440000" cy="540000"/>
-          </a:xfrm>
-          <a:prstGeom prst="rect">
+            <a:off x="4252687" y="2077190"/>
+            <a:ext cx="585919" cy="540000"/>
+          </a:xfrm>
+          <a:prstGeom prst="rightArrow">
             <a:avLst/>
           </a:prstGeom>
         </p:spPr>
         <p:style>
-          <a:lnRef idx="0">
-            <a:schemeClr val="accent5"/>
+          <a:lnRef idx="1">
+            <a:schemeClr val="accent4"/>
           </a:lnRef>
-          <a:fillRef idx="3">
-            <a:schemeClr val="accent5"/>
+          <a:fillRef idx="2">
+            <a:schemeClr val="accent4"/>
           </a:fillRef>
-          <a:effectRef idx="3">
-            <a:schemeClr val="accent5"/>
+          <a:effectRef idx="1">
+            <a:schemeClr val="accent4"/>
           </a:effectRef>
           <a:fontRef idx="minor">
-            <a:schemeClr val="lt1"/>
+            <a:schemeClr val="dk1"/>
           </a:fontRef>
         </p:style>
         <p:txBody>
@@ -16764,348 +16849,401 @@
           <a:lstStyle/>
           <a:p>
             <a:pPr algn="ctr"/>
-            <a:r>
-              <a:rPr lang="en-US" altLang="zh-TW" dirty="0" smtClean="0"/>
-              <a:t>Website</a:t>
-            </a:r>
-            <a:endParaRPr lang="zh-TW" altLang="en-US" dirty="0"/>
-          </a:p>
-        </p:txBody>
-      </p:sp>
-      <p:cxnSp>
-        <p:nvCxnSpPr>
-          <p:cNvPr id="14" name="肘形接點 13"/>
-          <p:cNvCxnSpPr>
-            <a:stCxn id="6" idx="0"/>
-            <a:endCxn id="5" idx="2"/>
-          </p:cNvCxnSpPr>
-          <p:nvPr/>
-        </p:nvCxnSpPr>
-        <p:spPr>
-          <a:xfrm rot="5400000" flipH="1" flipV="1">
-            <a:off x="3707539" y="1294061"/>
-            <a:ext cx="433522" cy="906600"/>
-          </a:xfrm>
-          <a:prstGeom prst="bentConnector3">
-            <a:avLst/>
-          </a:prstGeom>
-          <a:ln w="19050">
-            <a:solidFill>
-              <a:schemeClr val="tx1"/>
-            </a:solidFill>
-            <a:prstDash val="sysDash"/>
-            <a:headEnd type="none" w="med" len="med"/>
-            <a:tailEnd type="arrow" w="med" len="med"/>
-          </a:ln>
+            <a:endParaRPr lang="zh-TW" altLang="en-US" sz="1400" b="1" dirty="0"/>
+          </a:p>
+        </p:txBody>
+      </p:sp>
+      <p:sp>
+        <p:nvSpPr>
+          <p:cNvPr id="46" name="Send Log F2L"/>
+          <p:cNvSpPr/>
+          <p:nvPr/>
+        </p:nvSpPr>
+        <p:spPr>
+          <a:xfrm>
+            <a:off x="5288607" y="2072479"/>
+            <a:ext cx="585919" cy="540000"/>
+          </a:xfrm>
+          <a:prstGeom prst="rightArrow">
+            <a:avLst/>
+          </a:prstGeom>
         </p:spPr>
         <p:style>
           <a:lnRef idx="1">
-            <a:schemeClr val="accent1"/>
+            <a:schemeClr val="accent4"/>
           </a:lnRef>
-          <a:fillRef idx="0">
-            <a:schemeClr val="accent1"/>
+          <a:fillRef idx="2">
+            <a:schemeClr val="accent4"/>
           </a:fillRef>
-          <a:effectRef idx="0">
-            <a:schemeClr val="accent1"/>
+          <a:effectRef idx="1">
+            <a:schemeClr val="accent4"/>
           </a:effectRef>
           <a:fontRef idx="minor">
-            <a:schemeClr val="tx1"/>
+            <a:schemeClr val="dk1"/>
           </a:fontRef>
         </p:style>
-      </p:cxnSp>
-      <p:cxnSp>
-        <p:nvCxnSpPr>
-          <p:cNvPr id="16" name="肘形接點 15"/>
-          <p:cNvCxnSpPr>
-            <a:stCxn id="7" idx="0"/>
-            <a:endCxn id="5" idx="2"/>
-          </p:cNvCxnSpPr>
-          <p:nvPr/>
-        </p:nvCxnSpPr>
-        <p:spPr>
-          <a:xfrm rot="16200000" flipV="1">
-            <a:off x="4610657" y="1297543"/>
-            <a:ext cx="448286" cy="914400"/>
-          </a:xfrm>
-          <a:prstGeom prst="bentConnector3">
-            <a:avLst>
-              <a:gd name="adj1" fmla="val 52125"/>
-            </a:avLst>
-          </a:prstGeom>
-          <a:ln w="19050">
-            <a:solidFill>
-              <a:schemeClr val="tx1"/>
-            </a:solidFill>
-            <a:prstDash val="sysDash"/>
-            <a:headEnd type="none" w="med" len="med"/>
-            <a:tailEnd type="arrow" w="med" len="med"/>
-          </a:ln>
+        <p:txBody>
+          <a:bodyPr rtlCol="0" anchor="ctr"/>
+          <a:lstStyle/>
+          <a:p>
+            <a:pPr algn="ctr"/>
+            <a:endParaRPr lang="zh-TW" altLang="en-US" sz="1400" b="1" dirty="0"/>
+          </a:p>
+        </p:txBody>
+      </p:sp>
+      <p:sp>
+        <p:nvSpPr>
+          <p:cNvPr id="47" name="Send Log F2L"/>
+          <p:cNvSpPr/>
+          <p:nvPr/>
+        </p:nvSpPr>
+        <p:spPr>
+          <a:xfrm>
+            <a:off x="6324529" y="2081489"/>
+            <a:ext cx="585919" cy="540000"/>
+          </a:xfrm>
+          <a:prstGeom prst="rightArrow">
+            <a:avLst/>
+          </a:prstGeom>
         </p:spPr>
         <p:style>
           <a:lnRef idx="1">
-            <a:schemeClr val="accent1"/>
+            <a:schemeClr val="accent4"/>
           </a:lnRef>
-          <a:fillRef idx="0">
-            <a:schemeClr val="accent1"/>
+          <a:fillRef idx="2">
+            <a:schemeClr val="accent4"/>
           </a:fillRef>
-          <a:effectRef idx="0">
-            <a:schemeClr val="accent1"/>
+          <a:effectRef idx="1">
+            <a:schemeClr val="accent4"/>
           </a:effectRef>
           <a:fontRef idx="minor">
-            <a:schemeClr val="tx1"/>
+            <a:schemeClr val="dk1"/>
           </a:fontRef>
         </p:style>
-      </p:cxnSp>
-      <p:cxnSp>
-        <p:nvCxnSpPr>
-          <p:cNvPr id="18" name="肘形接點 17"/>
-          <p:cNvCxnSpPr>
-            <a:stCxn id="8" idx="0"/>
-            <a:endCxn id="6" idx="2"/>
-          </p:cNvCxnSpPr>
-          <p:nvPr/>
-        </p:nvCxnSpPr>
-        <p:spPr>
-          <a:xfrm rot="5400000" flipH="1" flipV="1">
-            <a:off x="2779961" y="2280761"/>
-            <a:ext cx="467678" cy="914400"/>
-          </a:xfrm>
-          <a:prstGeom prst="bentConnector3">
-            <a:avLst/>
-          </a:prstGeom>
-          <a:ln w="19050">
-            <a:solidFill>
-              <a:schemeClr val="tx1"/>
-            </a:solidFill>
-            <a:prstDash val="sysDash"/>
-            <a:headEnd type="none" w="med" len="med"/>
-            <a:tailEnd type="arrow" w="med" len="med"/>
-          </a:ln>
+        <p:txBody>
+          <a:bodyPr rtlCol="0" anchor="ctr"/>
+          <a:lstStyle/>
+          <a:p>
+            <a:pPr algn="ctr"/>
+            <a:endParaRPr lang="zh-TW" altLang="en-US" sz="1400" b="1" dirty="0"/>
+          </a:p>
+        </p:txBody>
+      </p:sp>
+      <p:sp>
+        <p:nvSpPr>
+          <p:cNvPr id="48" name="Send Log F2L"/>
+          <p:cNvSpPr/>
+          <p:nvPr/>
+        </p:nvSpPr>
+        <p:spPr>
+          <a:xfrm>
+            <a:off x="3216767" y="2081489"/>
+            <a:ext cx="585919" cy="540000"/>
+          </a:xfrm>
+          <a:prstGeom prst="rightArrow">
+            <a:avLst/>
+          </a:prstGeom>
         </p:spPr>
         <p:style>
           <a:lnRef idx="1">
-            <a:schemeClr val="accent1"/>
+            <a:schemeClr val="accent4"/>
           </a:lnRef>
-          <a:fillRef idx="0">
-            <a:schemeClr val="accent1"/>
+          <a:fillRef idx="2">
+            <a:schemeClr val="accent4"/>
           </a:fillRef>
-          <a:effectRef idx="0">
-            <a:schemeClr val="accent1"/>
+          <a:effectRef idx="1">
+            <a:schemeClr val="accent4"/>
           </a:effectRef>
           <a:fontRef idx="minor">
-            <a:schemeClr val="tx1"/>
+            <a:schemeClr val="dk1"/>
           </a:fontRef>
         </p:style>
-      </p:cxnSp>
-      <p:cxnSp>
-        <p:nvCxnSpPr>
-          <p:cNvPr id="20" name="肘形接點 19"/>
-          <p:cNvCxnSpPr>
-            <a:stCxn id="10" idx="0"/>
-            <a:endCxn id="6" idx="2"/>
-          </p:cNvCxnSpPr>
-          <p:nvPr/>
-        </p:nvCxnSpPr>
-        <p:spPr>
-          <a:xfrm rot="16200000" flipV="1">
-            <a:off x="3690461" y="2284661"/>
-            <a:ext cx="467678" cy="906600"/>
-          </a:xfrm>
-          <a:prstGeom prst="bentConnector3">
-            <a:avLst/>
-          </a:prstGeom>
-          <a:ln w="19050">
-            <a:solidFill>
-              <a:schemeClr val="tx1"/>
-            </a:solidFill>
-            <a:prstDash val="sysDash"/>
-            <a:headEnd type="none" w="med" len="med"/>
-            <a:tailEnd type="arrow" w="med" len="med"/>
-          </a:ln>
+        <p:txBody>
+          <a:bodyPr rtlCol="0" anchor="ctr"/>
+          <a:lstStyle/>
+          <a:p>
+            <a:pPr algn="ctr"/>
+            <a:endParaRPr lang="zh-TW" altLang="en-US" sz="1400" b="1" dirty="0"/>
+          </a:p>
+        </p:txBody>
+      </p:sp>
+      <p:sp>
+        <p:nvSpPr>
+          <p:cNvPr id="49" name="Send Log F2L"/>
+          <p:cNvSpPr/>
+          <p:nvPr/>
+        </p:nvSpPr>
+        <p:spPr>
+          <a:xfrm>
+            <a:off x="2180847" y="2081489"/>
+            <a:ext cx="585919" cy="540000"/>
+          </a:xfrm>
+          <a:prstGeom prst="rightArrow">
+            <a:avLst/>
+          </a:prstGeom>
         </p:spPr>
         <p:style>
           <a:lnRef idx="1">
-            <a:schemeClr val="accent1"/>
+            <a:schemeClr val="accent4"/>
           </a:lnRef>
-          <a:fillRef idx="0">
-            <a:schemeClr val="accent1"/>
+          <a:fillRef idx="2">
+            <a:schemeClr val="accent4"/>
           </a:fillRef>
-          <a:effectRef idx="0">
-            <a:schemeClr val="accent1"/>
+          <a:effectRef idx="1">
+            <a:schemeClr val="accent4"/>
           </a:effectRef>
           <a:fontRef idx="minor">
-            <a:schemeClr val="tx1"/>
+            <a:schemeClr val="dk1"/>
           </a:fontRef>
         </p:style>
-      </p:cxnSp>
-      <p:cxnSp>
-        <p:nvCxnSpPr>
-          <p:cNvPr id="22" name="肘形接點 21"/>
-          <p:cNvCxnSpPr>
-            <a:stCxn id="9" idx="0"/>
-            <a:endCxn id="7" idx="2"/>
-          </p:cNvCxnSpPr>
-          <p:nvPr/>
-        </p:nvCxnSpPr>
-        <p:spPr>
-          <a:xfrm rot="16200000" flipV="1">
-            <a:off x="5518843" y="2292043"/>
-            <a:ext cx="452914" cy="906600"/>
-          </a:xfrm>
-          <a:prstGeom prst="bentConnector3">
-            <a:avLst/>
-          </a:prstGeom>
-          <a:ln w="19050">
-            <a:solidFill>
-              <a:schemeClr val="tx1"/>
-            </a:solidFill>
-            <a:prstDash val="sysDash"/>
-            <a:headEnd type="none" w="med" len="med"/>
-            <a:tailEnd type="arrow" w="med" len="med"/>
-          </a:ln>
+        <p:txBody>
+          <a:bodyPr rtlCol="0" anchor="ctr"/>
+          <a:lstStyle/>
+          <a:p>
+            <a:pPr algn="ctr"/>
+            <a:endParaRPr lang="zh-TW" altLang="en-US" sz="1400" b="1" dirty="0"/>
+          </a:p>
+        </p:txBody>
+      </p:sp>
+      <p:sp>
+        <p:nvSpPr>
+          <p:cNvPr id="35" name="Send Log F2L"/>
+          <p:cNvSpPr/>
+          <p:nvPr/>
+        </p:nvSpPr>
+        <p:spPr>
+          <a:xfrm rot="10800000">
+            <a:off x="4255333" y="4774992"/>
+            <a:ext cx="585919" cy="540000"/>
+          </a:xfrm>
+          <a:prstGeom prst="rightArrow">
+            <a:avLst/>
+          </a:prstGeom>
         </p:spPr>
         <p:style>
           <a:lnRef idx="1">
-            <a:schemeClr val="accent1"/>
+            <a:schemeClr val="accent4"/>
           </a:lnRef>
-          <a:fillRef idx="0">
-            <a:schemeClr val="accent1"/>
+          <a:fillRef idx="2">
+            <a:schemeClr val="accent4"/>
           </a:fillRef>
-          <a:effectRef idx="0">
-            <a:schemeClr val="accent1"/>
+          <a:effectRef idx="1">
+            <a:schemeClr val="accent4"/>
           </a:effectRef>
           <a:fontRef idx="minor">
-            <a:schemeClr val="tx1"/>
+            <a:schemeClr val="dk1"/>
           </a:fontRef>
         </p:style>
-      </p:cxnSp>
-      <p:cxnSp>
-        <p:nvCxnSpPr>
-          <p:cNvPr id="24" name="肘形接點 23"/>
-          <p:cNvCxnSpPr>
-            <a:stCxn id="12" idx="0"/>
-            <a:endCxn id="9" idx="2"/>
-          </p:cNvCxnSpPr>
-          <p:nvPr/>
-        </p:nvCxnSpPr>
-        <p:spPr>
-          <a:xfrm rot="5400000" flipH="1" flipV="1">
-            <a:off x="5518843" y="3284957"/>
-            <a:ext cx="452914" cy="906600"/>
-          </a:xfrm>
-          <a:prstGeom prst="bentConnector3">
-            <a:avLst/>
-          </a:prstGeom>
-          <a:ln w="19050">
-            <a:solidFill>
-              <a:schemeClr val="tx1"/>
-            </a:solidFill>
-            <a:prstDash val="sysDash"/>
-            <a:headEnd type="none" w="med" len="med"/>
-            <a:tailEnd type="arrow" w="med" len="med"/>
-          </a:ln>
+        <p:txBody>
+          <a:bodyPr rtlCol="0" anchor="ctr"/>
+          <a:lstStyle/>
+          <a:p>
+            <a:pPr algn="ctr"/>
+            <a:endParaRPr lang="zh-TW" altLang="en-US" sz="1400" b="1" dirty="0"/>
+          </a:p>
+        </p:txBody>
+      </p:sp>
+      <p:sp>
+        <p:nvSpPr>
+          <p:cNvPr id="36" name="Send Log F2L"/>
+          <p:cNvSpPr/>
+          <p:nvPr/>
+        </p:nvSpPr>
+        <p:spPr>
+          <a:xfrm rot="10800000">
+            <a:off x="5291253" y="4770281"/>
+            <a:ext cx="585919" cy="540000"/>
+          </a:xfrm>
+          <a:prstGeom prst="rightArrow">
+            <a:avLst/>
+          </a:prstGeom>
         </p:spPr>
         <p:style>
           <a:lnRef idx="1">
-            <a:schemeClr val="accent1"/>
+            <a:schemeClr val="accent4"/>
           </a:lnRef>
-          <a:fillRef idx="0">
-            <a:schemeClr val="accent1"/>
+          <a:fillRef idx="2">
+            <a:schemeClr val="accent4"/>
           </a:fillRef>
-          <a:effectRef idx="0">
-            <a:schemeClr val="accent1"/>
+          <a:effectRef idx="1">
+            <a:schemeClr val="accent4"/>
           </a:effectRef>
           <a:fontRef idx="minor">
-            <a:schemeClr val="tx1"/>
+            <a:schemeClr val="dk1"/>
           </a:fontRef>
         </p:style>
-      </p:cxnSp>
-      <p:cxnSp>
-        <p:nvCxnSpPr>
-          <p:cNvPr id="30" name="肘形接點 29"/>
-          <p:cNvCxnSpPr>
-            <a:stCxn id="12" idx="0"/>
-            <a:endCxn id="10" idx="2"/>
-          </p:cNvCxnSpPr>
-          <p:nvPr/>
-        </p:nvCxnSpPr>
-        <p:spPr>
-          <a:xfrm rot="16200000" flipV="1">
-            <a:off x="4608343" y="3281057"/>
-            <a:ext cx="452914" cy="914400"/>
-          </a:xfrm>
-          <a:prstGeom prst="bentConnector3">
-            <a:avLst/>
-          </a:prstGeom>
-          <a:ln w="19050">
-            <a:solidFill>
-              <a:schemeClr val="tx1"/>
-            </a:solidFill>
-            <a:prstDash val="sysDash"/>
-            <a:headEnd type="none" w="med" len="med"/>
-            <a:tailEnd type="arrow" w="med" len="med"/>
-          </a:ln>
+        <p:txBody>
+          <a:bodyPr rtlCol="0" anchor="ctr"/>
+          <a:lstStyle/>
+          <a:p>
+            <a:pPr algn="ctr"/>
+            <a:endParaRPr lang="zh-TW" altLang="en-US" sz="1400" b="1" dirty="0"/>
+          </a:p>
+        </p:txBody>
+      </p:sp>
+      <p:sp>
+        <p:nvSpPr>
+          <p:cNvPr id="39" name="Send Log F2L"/>
+          <p:cNvSpPr/>
+          <p:nvPr/>
+        </p:nvSpPr>
+        <p:spPr>
+          <a:xfrm rot="10800000">
+            <a:off x="6327175" y="4779291"/>
+            <a:ext cx="585919" cy="540000"/>
+          </a:xfrm>
+          <a:prstGeom prst="rightArrow">
+            <a:avLst/>
+          </a:prstGeom>
         </p:spPr>
         <p:style>
           <a:lnRef idx="1">
-            <a:schemeClr val="accent1"/>
+            <a:schemeClr val="accent4"/>
           </a:lnRef>
-          <a:fillRef idx="0">
-            <a:schemeClr val="accent1"/>
+          <a:fillRef idx="2">
+            <a:schemeClr val="accent4"/>
           </a:fillRef>
-          <a:effectRef idx="0">
-            <a:schemeClr val="accent1"/>
+          <a:effectRef idx="1">
+            <a:schemeClr val="accent4"/>
           </a:effectRef>
           <a:fontRef idx="minor">
-            <a:schemeClr val="tx1"/>
+            <a:schemeClr val="dk1"/>
           </a:fontRef>
         </p:style>
-      </p:cxnSp>
-      <p:cxnSp>
-        <p:nvCxnSpPr>
-          <p:cNvPr id="61" name="直線單箭頭接點 60"/>
-          <p:cNvCxnSpPr>
-            <a:stCxn id="11" idx="0"/>
-            <a:endCxn id="8" idx="2"/>
-          </p:cNvCxnSpPr>
-          <p:nvPr/>
-        </p:nvCxnSpPr>
-        <p:spPr>
-          <a:xfrm flipV="1">
-            <a:off x="2556600" y="3511800"/>
-            <a:ext cx="0" cy="442528"/>
-          </a:xfrm>
-          <a:prstGeom prst="straightConnector1">
-            <a:avLst/>
-          </a:prstGeom>
-          <a:ln w="19050">
-            <a:solidFill>
-              <a:schemeClr val="tx1"/>
-            </a:solidFill>
-            <a:prstDash val="sysDash"/>
-            <a:headEnd type="none" w="med" len="med"/>
-            <a:tailEnd type="arrow" w="med" len="med"/>
-          </a:ln>
+        <p:txBody>
+          <a:bodyPr rtlCol="0" anchor="ctr"/>
+          <a:lstStyle/>
+          <a:p>
+            <a:pPr algn="ctr"/>
+            <a:endParaRPr lang="zh-TW" altLang="en-US" sz="1400" b="1" dirty="0"/>
+          </a:p>
+        </p:txBody>
+      </p:sp>
+      <p:sp>
+        <p:nvSpPr>
+          <p:cNvPr id="40" name="Send Log F2L"/>
+          <p:cNvSpPr/>
+          <p:nvPr/>
+        </p:nvSpPr>
+        <p:spPr>
+          <a:xfrm rot="10800000">
+            <a:off x="3219413" y="4779291"/>
+            <a:ext cx="585919" cy="540000"/>
+          </a:xfrm>
+          <a:prstGeom prst="rightArrow">
+            <a:avLst/>
+          </a:prstGeom>
         </p:spPr>
         <p:style>
           <a:lnRef idx="1">
-            <a:schemeClr val="accent1"/>
+            <a:schemeClr val="accent4"/>
           </a:lnRef>
-          <a:fillRef idx="0">
-            <a:schemeClr val="accent1"/>
+          <a:fillRef idx="2">
+            <a:schemeClr val="accent4"/>
           </a:fillRef>
-          <a:effectRef idx="0">
-            <a:schemeClr val="accent1"/>
+          <a:effectRef idx="1">
+            <a:schemeClr val="accent4"/>
           </a:effectRef>
           <a:fontRef idx="minor">
-            <a:schemeClr val="tx1"/>
+            <a:schemeClr val="dk1"/>
           </a:fontRef>
         </p:style>
-      </p:cxnSp>
+        <p:txBody>
+          <a:bodyPr rtlCol="0" anchor="ctr"/>
+          <a:lstStyle/>
+          <a:p>
+            <a:pPr algn="ctr"/>
+            <a:endParaRPr lang="zh-TW" altLang="en-US" sz="1400" b="1" dirty="0"/>
+          </a:p>
+        </p:txBody>
+      </p:sp>
+      <p:sp>
+        <p:nvSpPr>
+          <p:cNvPr id="51" name="Send Log F2L"/>
+          <p:cNvSpPr/>
+          <p:nvPr/>
+        </p:nvSpPr>
+        <p:spPr>
+          <a:xfrm rot="10800000">
+            <a:off x="2183493" y="4779291"/>
+            <a:ext cx="585919" cy="540000"/>
+          </a:xfrm>
+          <a:prstGeom prst="rightArrow">
+            <a:avLst/>
+          </a:prstGeom>
+        </p:spPr>
+        <p:style>
+          <a:lnRef idx="1">
+            <a:schemeClr val="accent4"/>
+          </a:lnRef>
+          <a:fillRef idx="2">
+            <a:schemeClr val="accent4"/>
+          </a:fillRef>
+          <a:effectRef idx="1">
+            <a:schemeClr val="accent4"/>
+          </a:effectRef>
+          <a:fontRef idx="minor">
+            <a:schemeClr val="dk1"/>
+          </a:fontRef>
+        </p:style>
+        <p:txBody>
+          <a:bodyPr rtlCol="0" anchor="ctr"/>
+          <a:lstStyle/>
+          <a:p>
+            <a:pPr algn="ctr"/>
+            <a:endParaRPr lang="zh-TW" altLang="en-US" sz="1400" b="1" dirty="0"/>
+          </a:p>
+        </p:txBody>
+      </p:sp>
+      <p:sp>
+        <p:nvSpPr>
+          <p:cNvPr id="15" name="標題 2"/>
+          <p:cNvSpPr>
+            <a:spLocks noGrp="1"/>
+          </p:cNvSpPr>
+          <p:nvPr>
+            <p:ph type="title"/>
+          </p:nvPr>
+        </p:nvSpPr>
+        <p:spPr>
+          <a:xfrm>
+            <a:off x="1726638" y="3058638"/>
+            <a:ext cx="5638015" cy="1325563"/>
+          </a:xfrm>
+          <a:noFill/>
+        </p:spPr>
+        <p:txBody>
+          <a:bodyPr>
+            <a:noAutofit/>
+          </a:bodyPr>
+          <a:lstStyle/>
+          <a:p>
+            <a:r>
+              <a:rPr lang="en-US" altLang="zh-TW" sz="6600" b="1" dirty="0" smtClean="0">
+                <a:solidFill>
+                  <a:schemeClr val="tx1">
+                    <a:alpha val="8000"/>
+                  </a:schemeClr>
+                </a:solidFill>
+                <a:latin typeface="+mn-lt"/>
+              </a:rPr>
+              <a:t>blog.johnwu.cc</a:t>
+            </a:r>
+            <a:endParaRPr lang="zh-TW" altLang="en-US" sz="6600" b="1" dirty="0">
+              <a:solidFill>
+                <a:schemeClr val="tx1">
+                  <a:alpha val="8000"/>
+                </a:schemeClr>
+              </a:solidFill>
+              <a:latin typeface="+mn-lt"/>
+            </a:endParaRPr>
+          </a:p>
+        </p:txBody>
+      </p:sp>
     </p:spTree>
     <p:extLst>
       <p:ext uri="{BB962C8B-B14F-4D97-AF65-F5344CB8AC3E}">
-        <p14:creationId xmlns:p14="http://schemas.microsoft.com/office/powerpoint/2010/main" val="2387380010"/>
+        <p14:creationId xmlns:p14="http://schemas.microsoft.com/office/powerpoint/2010/main" val="4015888149"/>
       </p:ext>
     </p:extLst>
   </p:cSld>
@@ -17147,8 +17285,8 @@
         </p:nvSpPr>
         <p:spPr>
           <a:xfrm>
-            <a:off x="3662250" y="1219200"/>
-            <a:ext cx="1440000" cy="720000"/>
+            <a:off x="3657600" y="990600"/>
+            <a:ext cx="1440000" cy="540000"/>
           </a:xfrm>
           <a:prstGeom prst="rect">
             <a:avLst/>
@@ -17175,14 +17313,7 @@
             <a:pPr algn="ctr"/>
             <a:r>
               <a:rPr lang="en-US" altLang="zh-TW" dirty="0" smtClean="0"/>
-              <a:t>Example</a:t>
-            </a:r>
-            <a:br>
-              <a:rPr lang="en-US" altLang="zh-TW" dirty="0" smtClean="0"/>
-            </a:br>
-            <a:r>
-              <a:rPr lang="en-US" altLang="zh-TW" dirty="0" smtClean="0"/>
-              <a:t>(DLL)</a:t>
+              <a:t>Module A</a:t>
             </a:r>
             <a:endParaRPr lang="zh-TW" altLang="en-US" dirty="0"/>
           </a:p>
@@ -17196,8 +17327,8 @@
         </p:nvSpPr>
         <p:spPr>
           <a:xfrm>
-            <a:off x="3662250" y="2362200"/>
-            <a:ext cx="1440000" cy="720000"/>
+            <a:off x="2751000" y="1964122"/>
+            <a:ext cx="1440000" cy="540000"/>
           </a:xfrm>
           <a:prstGeom prst="rect">
             <a:avLst/>
@@ -17225,124 +17356,27 @@
           <a:p>
             <a:pPr algn="ctr"/>
             <a:r>
-              <a:rPr lang="en-US" altLang="zh-TW" dirty="0" err="1" smtClean="0"/>
-              <a:t>ExampleApp</a:t>
-            </a:r>
-            <a:r>
               <a:rPr lang="en-US" altLang="zh-TW" dirty="0"/>
-              <a:t/>
-            </a:r>
-            <a:br>
-              <a:rPr lang="en-US" altLang="zh-TW" dirty="0"/>
-            </a:br>
+              <a:t>Module </a:t>
+            </a:r>
             <a:r>
               <a:rPr lang="en-US" altLang="zh-TW" dirty="0" smtClean="0"/>
-              <a:t>(EXE)</a:t>
+              <a:t>B</a:t>
             </a:r>
             <a:endParaRPr lang="zh-TW" altLang="en-US" dirty="0"/>
           </a:p>
         </p:txBody>
       </p:sp>
-      <p:cxnSp>
-        <p:nvCxnSpPr>
-          <p:cNvPr id="21" name="直線單箭頭接點 20"/>
-          <p:cNvCxnSpPr>
-            <a:stCxn id="6" idx="0"/>
-            <a:endCxn id="5" idx="2"/>
-          </p:cNvCxnSpPr>
-          <p:nvPr/>
-        </p:nvCxnSpPr>
-        <p:spPr>
-          <a:xfrm flipV="1">
-            <a:off x="4382250" y="1939200"/>
-            <a:ext cx="0" cy="423000"/>
-          </a:xfrm>
-          <a:prstGeom prst="straightConnector1">
-            <a:avLst/>
-          </a:prstGeom>
-          <a:ln w="28575">
-            <a:solidFill>
-              <a:schemeClr val="tx1"/>
-            </a:solidFill>
-            <a:prstDash val="sysDash"/>
-            <a:headEnd type="none" w="med" len="med"/>
-            <a:tailEnd type="arrow" w="med" len="med"/>
-          </a:ln>
-        </p:spPr>
-        <p:style>
-          <a:lnRef idx="1">
-            <a:schemeClr val="accent1"/>
-          </a:lnRef>
-          <a:fillRef idx="0">
-            <a:schemeClr val="accent1"/>
-          </a:fillRef>
-          <a:effectRef idx="0">
-            <a:schemeClr val="accent1"/>
-          </a:effectRef>
-          <a:fontRef idx="minor">
-            <a:schemeClr val="tx1"/>
-          </a:fontRef>
-        </p:style>
-      </p:cxnSp>
-      <p:sp>
-        <p:nvSpPr>
-          <p:cNvPr id="29" name="矩形 28"/>
+      <p:sp>
+        <p:nvSpPr>
+          <p:cNvPr id="7" name="矩形 6"/>
           <p:cNvSpPr/>
           <p:nvPr/>
         </p:nvSpPr>
         <p:spPr>
           <a:xfrm>
-            <a:off x="6858000" y="1219200"/>
-            <a:ext cx="1440000" cy="720000"/>
-          </a:xfrm>
-          <a:prstGeom prst="rect">
-            <a:avLst/>
-          </a:prstGeom>
-        </p:spPr>
-        <p:style>
-          <a:lnRef idx="0">
-            <a:schemeClr val="accent4"/>
-          </a:lnRef>
-          <a:fillRef idx="3">
-            <a:schemeClr val="accent4"/>
-          </a:fillRef>
-          <a:effectRef idx="3">
-            <a:schemeClr val="accent4"/>
-          </a:effectRef>
-          <a:fontRef idx="minor">
-            <a:schemeClr val="lt1"/>
-          </a:fontRef>
-        </p:style>
-        <p:txBody>
-          <a:bodyPr rtlCol="0" anchor="ctr"/>
-          <a:lstStyle/>
-          <a:p>
-            <a:pPr algn="ctr"/>
-            <a:r>
-              <a:rPr lang="en-US" altLang="zh-TW" dirty="0" smtClean="0"/>
-              <a:t>Example</a:t>
-            </a:r>
-            <a:br>
-              <a:rPr lang="en-US" altLang="zh-TW" dirty="0" smtClean="0"/>
-            </a:br>
-            <a:r>
-              <a:rPr lang="en-US" altLang="zh-TW" dirty="0" smtClean="0"/>
-              <a:t>(DLL)</a:t>
-            </a:r>
-            <a:endParaRPr lang="zh-TW" altLang="en-US" dirty="0"/>
-          </a:p>
-        </p:txBody>
-      </p:sp>
-      <p:sp>
-        <p:nvSpPr>
-          <p:cNvPr id="31" name="矩形 30"/>
-          <p:cNvSpPr/>
-          <p:nvPr/>
-        </p:nvSpPr>
-        <p:spPr>
-          <a:xfrm>
-            <a:off x="6858000" y="2362200"/>
-            <a:ext cx="1440000" cy="720000"/>
+            <a:off x="4572000" y="1978886"/>
+            <a:ext cx="1440000" cy="540000"/>
           </a:xfrm>
           <a:prstGeom prst="rect">
             <a:avLst/>
@@ -17370,19 +17404,58 @@
           <a:p>
             <a:pPr algn="ctr"/>
             <a:r>
-              <a:rPr lang="en-US" altLang="zh-TW" dirty="0" err="1" smtClean="0"/>
-              <a:t>ExampleApp</a:t>
-            </a:r>
-            <a:r>
               <a:rPr lang="en-US" altLang="zh-TW" dirty="0"/>
-              <a:t/>
-            </a:r>
-            <a:br>
+              <a:t>Module </a:t>
+            </a:r>
+            <a:r>
+              <a:rPr lang="en-US" altLang="zh-TW" dirty="0" smtClean="0"/>
+              <a:t>C</a:t>
+            </a:r>
+            <a:endParaRPr lang="zh-TW" altLang="en-US" dirty="0"/>
+          </a:p>
+        </p:txBody>
+      </p:sp>
+      <p:sp>
+        <p:nvSpPr>
+          <p:cNvPr id="8" name="矩形 7"/>
+          <p:cNvSpPr/>
+          <p:nvPr/>
+        </p:nvSpPr>
+        <p:spPr>
+          <a:xfrm>
+            <a:off x="1836600" y="2971800"/>
+            <a:ext cx="1440000" cy="540000"/>
+          </a:xfrm>
+          <a:prstGeom prst="rect">
+            <a:avLst/>
+          </a:prstGeom>
+        </p:spPr>
+        <p:style>
+          <a:lnRef idx="0">
+            <a:schemeClr val="accent2"/>
+          </a:lnRef>
+          <a:fillRef idx="3">
+            <a:schemeClr val="accent2"/>
+          </a:fillRef>
+          <a:effectRef idx="3">
+            <a:schemeClr val="accent2"/>
+          </a:effectRef>
+          <a:fontRef idx="minor">
+            <a:schemeClr val="lt1"/>
+          </a:fontRef>
+        </p:style>
+        <p:txBody>
+          <a:bodyPr rtlCol="0" anchor="ctr"/>
+          <a:lstStyle/>
+          <a:p>
+            <a:pPr algn="ctr"/>
+            <a:r>
               <a:rPr lang="en-US" altLang="zh-TW" dirty="0"/>
-            </a:br>
+              <a:t>Module </a:t>
+            </a:r>
             <a:r>
               <a:rPr lang="en-US" altLang="zh-TW" dirty="0" smtClean="0"/>
-              <a:t>(EXE)</a:t>
+              <a:t>D</a:t>
             </a:r>
             <a:endParaRPr lang="zh-TW" altLang="en-US" dirty="0"/>
           </a:p>
@@ -17390,14 +17463,102 @@
       </p:sp>
       <p:sp>
         <p:nvSpPr>
-          <p:cNvPr id="33" name="矩形 32"/>
+          <p:cNvPr id="9" name="矩形 8"/>
           <p:cNvSpPr/>
           <p:nvPr/>
         </p:nvSpPr>
         <p:spPr>
           <a:xfrm>
-            <a:off x="8763000" y="1219200"/>
-            <a:ext cx="1440000" cy="720000"/>
+            <a:off x="5478600" y="2971800"/>
+            <a:ext cx="1440000" cy="540000"/>
+          </a:xfrm>
+          <a:prstGeom prst="rect">
+            <a:avLst/>
+          </a:prstGeom>
+        </p:spPr>
+        <p:style>
+          <a:lnRef idx="0">
+            <a:schemeClr val="accent2"/>
+          </a:lnRef>
+          <a:fillRef idx="3">
+            <a:schemeClr val="accent2"/>
+          </a:fillRef>
+          <a:effectRef idx="3">
+            <a:schemeClr val="accent2"/>
+          </a:effectRef>
+          <a:fontRef idx="minor">
+            <a:schemeClr val="lt1"/>
+          </a:fontRef>
+        </p:style>
+        <p:txBody>
+          <a:bodyPr rtlCol="0" anchor="ctr"/>
+          <a:lstStyle/>
+          <a:p>
+            <a:pPr algn="ctr"/>
+            <a:r>
+              <a:rPr lang="en-US" altLang="zh-TW" dirty="0"/>
+              <a:t>Module </a:t>
+            </a:r>
+            <a:r>
+              <a:rPr lang="en-US" altLang="zh-TW" dirty="0" smtClean="0"/>
+              <a:t>F</a:t>
+            </a:r>
+            <a:endParaRPr lang="zh-TW" altLang="en-US" dirty="0"/>
+          </a:p>
+        </p:txBody>
+      </p:sp>
+      <p:sp>
+        <p:nvSpPr>
+          <p:cNvPr id="10" name="矩形 9"/>
+          <p:cNvSpPr/>
+          <p:nvPr/>
+        </p:nvSpPr>
+        <p:spPr>
+          <a:xfrm>
+            <a:off x="3657600" y="2971800"/>
+            <a:ext cx="1440000" cy="540000"/>
+          </a:xfrm>
+          <a:prstGeom prst="rect">
+            <a:avLst/>
+          </a:prstGeom>
+        </p:spPr>
+        <p:style>
+          <a:lnRef idx="0">
+            <a:schemeClr val="accent2"/>
+          </a:lnRef>
+          <a:fillRef idx="3">
+            <a:schemeClr val="accent2"/>
+          </a:fillRef>
+          <a:effectRef idx="3">
+            <a:schemeClr val="accent2"/>
+          </a:effectRef>
+          <a:fontRef idx="minor">
+            <a:schemeClr val="lt1"/>
+          </a:fontRef>
+        </p:style>
+        <p:txBody>
+          <a:bodyPr rtlCol="0" anchor="ctr"/>
+          <a:lstStyle/>
+          <a:p>
+            <a:pPr algn="ctr"/>
+            <a:r>
+              <a:rPr lang="en-US" altLang="zh-TW" dirty="0"/>
+              <a:t>Module E</a:t>
+            </a:r>
+            <a:endParaRPr lang="zh-TW" altLang="en-US" dirty="0"/>
+          </a:p>
+        </p:txBody>
+      </p:sp>
+      <p:sp>
+        <p:nvSpPr>
+          <p:cNvPr id="11" name="矩形 10"/>
+          <p:cNvSpPr/>
+          <p:nvPr/>
+        </p:nvSpPr>
+        <p:spPr>
+          <a:xfrm>
+            <a:off x="1836600" y="3954328"/>
+            <a:ext cx="1440000" cy="540000"/>
           </a:xfrm>
           <a:prstGeom prst="rect">
             <a:avLst/>
@@ -17424,14 +17585,49 @@
             <a:pPr algn="ctr"/>
             <a:r>
               <a:rPr lang="en-US" altLang="zh-TW" dirty="0" smtClean="0"/>
-              <a:t>Example</a:t>
-            </a:r>
-            <a:br>
+              <a:t>Application</a:t>
+            </a:r>
+            <a:endParaRPr lang="zh-TW" altLang="en-US" dirty="0"/>
+          </a:p>
+        </p:txBody>
+      </p:sp>
+      <p:sp>
+        <p:nvSpPr>
+          <p:cNvPr id="12" name="矩形 11"/>
+          <p:cNvSpPr/>
+          <p:nvPr/>
+        </p:nvSpPr>
+        <p:spPr>
+          <a:xfrm>
+            <a:off x="4572000" y="3964714"/>
+            <a:ext cx="1440000" cy="540000"/>
+          </a:xfrm>
+          <a:prstGeom prst="rect">
+            <a:avLst/>
+          </a:prstGeom>
+        </p:spPr>
+        <p:style>
+          <a:lnRef idx="0">
+            <a:schemeClr val="accent5"/>
+          </a:lnRef>
+          <a:fillRef idx="3">
+            <a:schemeClr val="accent5"/>
+          </a:fillRef>
+          <a:effectRef idx="3">
+            <a:schemeClr val="accent5"/>
+          </a:effectRef>
+          <a:fontRef idx="minor">
+            <a:schemeClr val="lt1"/>
+          </a:fontRef>
+        </p:style>
+        <p:txBody>
+          <a:bodyPr rtlCol="0" anchor="ctr"/>
+          <a:lstStyle/>
+          <a:p>
+            <a:pPr algn="ctr"/>
+            <a:r>
               <a:rPr lang="en-US" altLang="zh-TW" dirty="0" smtClean="0"/>
-            </a:br>
-            <a:r>
-              <a:rPr lang="en-US" altLang="zh-TW" dirty="0" smtClean="0"/>
-              <a:t>(DLL)</a:t>
+              <a:t>Website</a:t>
             </a:r>
             <a:endParaRPr lang="zh-TW" altLang="en-US" dirty="0"/>
           </a:p>
@@ -17439,22 +17635,22 @@
       </p:sp>
       <p:cxnSp>
         <p:nvCxnSpPr>
-          <p:cNvPr id="35" name="肘形接點 34"/>
+          <p:cNvPr id="14" name="肘形接點 13"/>
           <p:cNvCxnSpPr>
-            <a:stCxn id="31" idx="3"/>
-            <a:endCxn id="33" idx="2"/>
+            <a:stCxn id="6" idx="0"/>
+            <a:endCxn id="5" idx="2"/>
           </p:cNvCxnSpPr>
           <p:nvPr/>
         </p:nvCxnSpPr>
         <p:spPr>
-          <a:xfrm flipV="1">
-            <a:off x="8298000" y="1939200"/>
-            <a:ext cx="1185000" cy="783000"/>
-          </a:xfrm>
-          <a:prstGeom prst="bentConnector2">
-            <a:avLst/>
-          </a:prstGeom>
-          <a:ln w="28575">
+          <a:xfrm rot="5400000" flipH="1" flipV="1">
+            <a:off x="3707539" y="1294061"/>
+            <a:ext cx="433522" cy="906600"/>
+          </a:xfrm>
+          <a:prstGeom prst="bentConnector3">
+            <a:avLst/>
+          </a:prstGeom>
+          <a:ln w="19050">
             <a:solidFill>
               <a:schemeClr val="tx1"/>
             </a:solidFill>
@@ -17478,78 +17674,299 @@
           </a:fontRef>
         </p:style>
       </p:cxnSp>
-      <p:sp>
-        <p:nvSpPr>
-          <p:cNvPr id="36" name="乘號 35"/>
-          <p:cNvSpPr/>
-          <p:nvPr/>
-        </p:nvSpPr>
-        <p:spPr>
-          <a:xfrm>
-            <a:off x="6176061" y="1007700"/>
-            <a:ext cx="2841937" cy="1202100"/>
-          </a:xfrm>
-          <a:prstGeom prst="mathMultiply">
+      <p:cxnSp>
+        <p:nvCxnSpPr>
+          <p:cNvPr id="16" name="肘形接點 15"/>
+          <p:cNvCxnSpPr>
+            <a:stCxn id="7" idx="0"/>
+            <a:endCxn id="5" idx="2"/>
+          </p:cNvCxnSpPr>
+          <p:nvPr/>
+        </p:nvCxnSpPr>
+        <p:spPr>
+          <a:xfrm rot="16200000" flipV="1">
+            <a:off x="4610657" y="1297543"/>
+            <a:ext cx="448286" cy="914400"/>
+          </a:xfrm>
+          <a:prstGeom prst="bentConnector3">
             <a:avLst>
-              <a:gd name="adj1" fmla="val 10058"/>
+              <a:gd name="adj1" fmla="val 52125"/>
             </a:avLst>
           </a:prstGeom>
-          <a:gradFill>
-            <a:gsLst>
-              <a:gs pos="0">
-                <a:schemeClr val="accent2">
-                  <a:satMod val="103000"/>
-                  <a:lumMod val="102000"/>
-                  <a:tint val="94000"/>
-                  <a:alpha val="50000"/>
-                </a:schemeClr>
-              </a:gs>
-              <a:gs pos="50000">
-                <a:schemeClr val="accent2">
-                  <a:satMod val="110000"/>
-                  <a:lumMod val="100000"/>
-                  <a:shade val="100000"/>
-                  <a:alpha val="50000"/>
-                </a:schemeClr>
-              </a:gs>
-              <a:gs pos="100000">
-                <a:schemeClr val="accent2">
-                  <a:lumMod val="99000"/>
-                  <a:satMod val="120000"/>
-                  <a:shade val="78000"/>
-                  <a:alpha val="50000"/>
-                </a:schemeClr>
-              </a:gs>
-            </a:gsLst>
-          </a:gradFill>
+          <a:ln w="19050">
+            <a:solidFill>
+              <a:schemeClr val="tx1"/>
+            </a:solidFill>
+            <a:prstDash val="sysDash"/>
+            <a:headEnd type="none" w="med" len="med"/>
+            <a:tailEnd type="arrow" w="med" len="med"/>
+          </a:ln>
         </p:spPr>
         <p:style>
-          <a:lnRef idx="0">
-            <a:schemeClr val="accent2"/>
+          <a:lnRef idx="1">
+            <a:schemeClr val="accent1"/>
           </a:lnRef>
-          <a:fillRef idx="3">
-            <a:schemeClr val="accent2"/>
+          <a:fillRef idx="0">
+            <a:schemeClr val="accent1"/>
           </a:fillRef>
-          <a:effectRef idx="3">
-            <a:schemeClr val="accent2"/>
+          <a:effectRef idx="0">
+            <a:schemeClr val="accent1"/>
           </a:effectRef>
           <a:fontRef idx="minor">
-            <a:schemeClr val="lt1"/>
+            <a:schemeClr val="tx1"/>
           </a:fontRef>
         </p:style>
-        <p:txBody>
-          <a:bodyPr rtlCol="0" anchor="ctr"/>
-          <a:lstStyle/>
-          <a:p>
-            <a:pPr algn="ctr"/>
-            <a:endParaRPr lang="zh-TW" altLang="en-US"/>
-          </a:p>
-        </p:txBody>
-      </p:sp>
+      </p:cxnSp>
+      <p:cxnSp>
+        <p:nvCxnSpPr>
+          <p:cNvPr id="18" name="肘形接點 17"/>
+          <p:cNvCxnSpPr>
+            <a:stCxn id="8" idx="0"/>
+            <a:endCxn id="6" idx="2"/>
+          </p:cNvCxnSpPr>
+          <p:nvPr/>
+        </p:nvCxnSpPr>
+        <p:spPr>
+          <a:xfrm rot="5400000" flipH="1" flipV="1">
+            <a:off x="2779961" y="2280761"/>
+            <a:ext cx="467678" cy="914400"/>
+          </a:xfrm>
+          <a:prstGeom prst="bentConnector3">
+            <a:avLst/>
+          </a:prstGeom>
+          <a:ln w="19050">
+            <a:solidFill>
+              <a:schemeClr val="tx1"/>
+            </a:solidFill>
+            <a:prstDash val="sysDash"/>
+            <a:headEnd type="none" w="med" len="med"/>
+            <a:tailEnd type="arrow" w="med" len="med"/>
+          </a:ln>
+        </p:spPr>
+        <p:style>
+          <a:lnRef idx="1">
+            <a:schemeClr val="accent1"/>
+          </a:lnRef>
+          <a:fillRef idx="0">
+            <a:schemeClr val="accent1"/>
+          </a:fillRef>
+          <a:effectRef idx="0">
+            <a:schemeClr val="accent1"/>
+          </a:effectRef>
+          <a:fontRef idx="minor">
+            <a:schemeClr val="tx1"/>
+          </a:fontRef>
+        </p:style>
+      </p:cxnSp>
+      <p:cxnSp>
+        <p:nvCxnSpPr>
+          <p:cNvPr id="20" name="肘形接點 19"/>
+          <p:cNvCxnSpPr>
+            <a:stCxn id="10" idx="0"/>
+            <a:endCxn id="6" idx="2"/>
+          </p:cNvCxnSpPr>
+          <p:nvPr/>
+        </p:nvCxnSpPr>
+        <p:spPr>
+          <a:xfrm rot="16200000" flipV="1">
+            <a:off x="3690461" y="2284661"/>
+            <a:ext cx="467678" cy="906600"/>
+          </a:xfrm>
+          <a:prstGeom prst="bentConnector3">
+            <a:avLst/>
+          </a:prstGeom>
+          <a:ln w="19050">
+            <a:solidFill>
+              <a:schemeClr val="tx1"/>
+            </a:solidFill>
+            <a:prstDash val="sysDash"/>
+            <a:headEnd type="none" w="med" len="med"/>
+            <a:tailEnd type="arrow" w="med" len="med"/>
+          </a:ln>
+        </p:spPr>
+        <p:style>
+          <a:lnRef idx="1">
+            <a:schemeClr val="accent1"/>
+          </a:lnRef>
+          <a:fillRef idx="0">
+            <a:schemeClr val="accent1"/>
+          </a:fillRef>
+          <a:effectRef idx="0">
+            <a:schemeClr val="accent1"/>
+          </a:effectRef>
+          <a:fontRef idx="minor">
+            <a:schemeClr val="tx1"/>
+          </a:fontRef>
+        </p:style>
+      </p:cxnSp>
+      <p:cxnSp>
+        <p:nvCxnSpPr>
+          <p:cNvPr id="22" name="肘形接點 21"/>
+          <p:cNvCxnSpPr>
+            <a:stCxn id="9" idx="0"/>
+            <a:endCxn id="7" idx="2"/>
+          </p:cNvCxnSpPr>
+          <p:nvPr/>
+        </p:nvCxnSpPr>
+        <p:spPr>
+          <a:xfrm rot="16200000" flipV="1">
+            <a:off x="5518843" y="2292043"/>
+            <a:ext cx="452914" cy="906600"/>
+          </a:xfrm>
+          <a:prstGeom prst="bentConnector3">
+            <a:avLst/>
+          </a:prstGeom>
+          <a:ln w="19050">
+            <a:solidFill>
+              <a:schemeClr val="tx1"/>
+            </a:solidFill>
+            <a:prstDash val="sysDash"/>
+            <a:headEnd type="none" w="med" len="med"/>
+            <a:tailEnd type="arrow" w="med" len="med"/>
+          </a:ln>
+        </p:spPr>
+        <p:style>
+          <a:lnRef idx="1">
+            <a:schemeClr val="accent1"/>
+          </a:lnRef>
+          <a:fillRef idx="0">
+            <a:schemeClr val="accent1"/>
+          </a:fillRef>
+          <a:effectRef idx="0">
+            <a:schemeClr val="accent1"/>
+          </a:effectRef>
+          <a:fontRef idx="minor">
+            <a:schemeClr val="tx1"/>
+          </a:fontRef>
+        </p:style>
+      </p:cxnSp>
+      <p:cxnSp>
+        <p:nvCxnSpPr>
+          <p:cNvPr id="24" name="肘形接點 23"/>
+          <p:cNvCxnSpPr>
+            <a:stCxn id="12" idx="0"/>
+            <a:endCxn id="9" idx="2"/>
+          </p:cNvCxnSpPr>
+          <p:nvPr/>
+        </p:nvCxnSpPr>
+        <p:spPr>
+          <a:xfrm rot="5400000" flipH="1" flipV="1">
+            <a:off x="5518843" y="3284957"/>
+            <a:ext cx="452914" cy="906600"/>
+          </a:xfrm>
+          <a:prstGeom prst="bentConnector3">
+            <a:avLst/>
+          </a:prstGeom>
+          <a:ln w="19050">
+            <a:solidFill>
+              <a:schemeClr val="tx1"/>
+            </a:solidFill>
+            <a:prstDash val="sysDash"/>
+            <a:headEnd type="none" w="med" len="med"/>
+            <a:tailEnd type="arrow" w="med" len="med"/>
+          </a:ln>
+        </p:spPr>
+        <p:style>
+          <a:lnRef idx="1">
+            <a:schemeClr val="accent1"/>
+          </a:lnRef>
+          <a:fillRef idx="0">
+            <a:schemeClr val="accent1"/>
+          </a:fillRef>
+          <a:effectRef idx="0">
+            <a:schemeClr val="accent1"/>
+          </a:effectRef>
+          <a:fontRef idx="minor">
+            <a:schemeClr val="tx1"/>
+          </a:fontRef>
+        </p:style>
+      </p:cxnSp>
+      <p:cxnSp>
+        <p:nvCxnSpPr>
+          <p:cNvPr id="30" name="肘形接點 29"/>
+          <p:cNvCxnSpPr>
+            <a:stCxn id="12" idx="0"/>
+            <a:endCxn id="10" idx="2"/>
+          </p:cNvCxnSpPr>
+          <p:nvPr/>
+        </p:nvCxnSpPr>
+        <p:spPr>
+          <a:xfrm rot="16200000" flipV="1">
+            <a:off x="4608343" y="3281057"/>
+            <a:ext cx="452914" cy="914400"/>
+          </a:xfrm>
+          <a:prstGeom prst="bentConnector3">
+            <a:avLst/>
+          </a:prstGeom>
+          <a:ln w="19050">
+            <a:solidFill>
+              <a:schemeClr val="tx1"/>
+            </a:solidFill>
+            <a:prstDash val="sysDash"/>
+            <a:headEnd type="none" w="med" len="med"/>
+            <a:tailEnd type="arrow" w="med" len="med"/>
+          </a:ln>
+        </p:spPr>
+        <p:style>
+          <a:lnRef idx="1">
+            <a:schemeClr val="accent1"/>
+          </a:lnRef>
+          <a:fillRef idx="0">
+            <a:schemeClr val="accent1"/>
+          </a:fillRef>
+          <a:effectRef idx="0">
+            <a:schemeClr val="accent1"/>
+          </a:effectRef>
+          <a:fontRef idx="minor">
+            <a:schemeClr val="tx1"/>
+          </a:fontRef>
+        </p:style>
+      </p:cxnSp>
+      <p:cxnSp>
+        <p:nvCxnSpPr>
+          <p:cNvPr id="61" name="直線單箭頭接點 60"/>
+          <p:cNvCxnSpPr>
+            <a:stCxn id="11" idx="0"/>
+            <a:endCxn id="8" idx="2"/>
+          </p:cNvCxnSpPr>
+          <p:nvPr/>
+        </p:nvCxnSpPr>
+        <p:spPr>
+          <a:xfrm flipV="1">
+            <a:off x="2556600" y="3511800"/>
+            <a:ext cx="0" cy="442528"/>
+          </a:xfrm>
+          <a:prstGeom prst="straightConnector1">
+            <a:avLst/>
+          </a:prstGeom>
+          <a:ln w="19050">
+            <a:solidFill>
+              <a:schemeClr val="tx1"/>
+            </a:solidFill>
+            <a:prstDash val="sysDash"/>
+            <a:headEnd type="none" w="med" len="med"/>
+            <a:tailEnd type="arrow" w="med" len="med"/>
+          </a:ln>
+        </p:spPr>
+        <p:style>
+          <a:lnRef idx="1">
+            <a:schemeClr val="accent1"/>
+          </a:lnRef>
+          <a:fillRef idx="0">
+            <a:schemeClr val="accent1"/>
+          </a:fillRef>
+          <a:effectRef idx="0">
+            <a:schemeClr val="accent1"/>
+          </a:effectRef>
+          <a:fontRef idx="minor">
+            <a:schemeClr val="tx1"/>
+          </a:fontRef>
+        </p:style>
+      </p:cxnSp>
     </p:spTree>
     <p:extLst>
       <p:ext uri="{BB962C8B-B14F-4D97-AF65-F5344CB8AC3E}">
-        <p14:creationId xmlns:p14="http://schemas.microsoft.com/office/powerpoint/2010/main" val="3819257950"/>
+        <p14:creationId xmlns:p14="http://schemas.microsoft.com/office/powerpoint/2010/main" val="2387380010"/>
       </p:ext>
     </p:extLst>
   </p:cSld>
@@ -19800,6 +20217,450 @@
       </p:grpSpPr>
       <p:sp>
         <p:nvSpPr>
+          <p:cNvPr id="5" name="矩形 4"/>
+          <p:cNvSpPr/>
+          <p:nvPr/>
+        </p:nvSpPr>
+        <p:spPr>
+          <a:xfrm>
+            <a:off x="3662250" y="1219200"/>
+            <a:ext cx="1440000" cy="720000"/>
+          </a:xfrm>
+          <a:prstGeom prst="rect">
+            <a:avLst/>
+          </a:prstGeom>
+        </p:spPr>
+        <p:style>
+          <a:lnRef idx="0">
+            <a:schemeClr val="accent4"/>
+          </a:lnRef>
+          <a:fillRef idx="3">
+            <a:schemeClr val="accent4"/>
+          </a:fillRef>
+          <a:effectRef idx="3">
+            <a:schemeClr val="accent4"/>
+          </a:effectRef>
+          <a:fontRef idx="minor">
+            <a:schemeClr val="lt1"/>
+          </a:fontRef>
+        </p:style>
+        <p:txBody>
+          <a:bodyPr rtlCol="0" anchor="ctr"/>
+          <a:lstStyle/>
+          <a:p>
+            <a:pPr algn="ctr"/>
+            <a:r>
+              <a:rPr lang="en-US" altLang="zh-TW" dirty="0" smtClean="0"/>
+              <a:t>Example</a:t>
+            </a:r>
+            <a:br>
+              <a:rPr lang="en-US" altLang="zh-TW" dirty="0" smtClean="0"/>
+            </a:br>
+            <a:r>
+              <a:rPr lang="en-US" altLang="zh-TW" dirty="0" smtClean="0"/>
+              <a:t>(DLL)</a:t>
+            </a:r>
+            <a:endParaRPr lang="zh-TW" altLang="en-US" dirty="0"/>
+          </a:p>
+        </p:txBody>
+      </p:sp>
+      <p:sp>
+        <p:nvSpPr>
+          <p:cNvPr id="6" name="矩形 5"/>
+          <p:cNvSpPr/>
+          <p:nvPr/>
+        </p:nvSpPr>
+        <p:spPr>
+          <a:xfrm>
+            <a:off x="3662250" y="2362200"/>
+            <a:ext cx="1440000" cy="720000"/>
+          </a:xfrm>
+          <a:prstGeom prst="rect">
+            <a:avLst/>
+          </a:prstGeom>
+        </p:spPr>
+        <p:style>
+          <a:lnRef idx="2">
+            <a:schemeClr val="accent6">
+              <a:shade val="50000"/>
+            </a:schemeClr>
+          </a:lnRef>
+          <a:fillRef idx="1">
+            <a:schemeClr val="accent6"/>
+          </a:fillRef>
+          <a:effectRef idx="0">
+            <a:schemeClr val="accent6"/>
+          </a:effectRef>
+          <a:fontRef idx="minor">
+            <a:schemeClr val="lt1"/>
+          </a:fontRef>
+        </p:style>
+        <p:txBody>
+          <a:bodyPr rtlCol="0" anchor="ctr"/>
+          <a:lstStyle/>
+          <a:p>
+            <a:pPr algn="ctr"/>
+            <a:r>
+              <a:rPr lang="en-US" altLang="zh-TW" dirty="0" err="1" smtClean="0"/>
+              <a:t>ExampleApp</a:t>
+            </a:r>
+            <a:r>
+              <a:rPr lang="en-US" altLang="zh-TW" dirty="0"/>
+              <a:t/>
+            </a:r>
+            <a:br>
+              <a:rPr lang="en-US" altLang="zh-TW" dirty="0"/>
+            </a:br>
+            <a:r>
+              <a:rPr lang="en-US" altLang="zh-TW" dirty="0" smtClean="0"/>
+              <a:t>(EXE)</a:t>
+            </a:r>
+            <a:endParaRPr lang="zh-TW" altLang="en-US" dirty="0"/>
+          </a:p>
+        </p:txBody>
+      </p:sp>
+      <p:cxnSp>
+        <p:nvCxnSpPr>
+          <p:cNvPr id="21" name="直線單箭頭接點 20"/>
+          <p:cNvCxnSpPr>
+            <a:stCxn id="6" idx="0"/>
+            <a:endCxn id="5" idx="2"/>
+          </p:cNvCxnSpPr>
+          <p:nvPr/>
+        </p:nvCxnSpPr>
+        <p:spPr>
+          <a:xfrm flipV="1">
+            <a:off x="4382250" y="1939200"/>
+            <a:ext cx="0" cy="423000"/>
+          </a:xfrm>
+          <a:prstGeom prst="straightConnector1">
+            <a:avLst/>
+          </a:prstGeom>
+          <a:ln w="28575">
+            <a:solidFill>
+              <a:schemeClr val="tx1"/>
+            </a:solidFill>
+            <a:prstDash val="sysDash"/>
+            <a:headEnd type="none" w="med" len="med"/>
+            <a:tailEnd type="arrow" w="med" len="med"/>
+          </a:ln>
+        </p:spPr>
+        <p:style>
+          <a:lnRef idx="1">
+            <a:schemeClr val="accent1"/>
+          </a:lnRef>
+          <a:fillRef idx="0">
+            <a:schemeClr val="accent1"/>
+          </a:fillRef>
+          <a:effectRef idx="0">
+            <a:schemeClr val="accent1"/>
+          </a:effectRef>
+          <a:fontRef idx="minor">
+            <a:schemeClr val="tx1"/>
+          </a:fontRef>
+        </p:style>
+      </p:cxnSp>
+      <p:sp>
+        <p:nvSpPr>
+          <p:cNvPr id="29" name="矩形 28"/>
+          <p:cNvSpPr/>
+          <p:nvPr/>
+        </p:nvSpPr>
+        <p:spPr>
+          <a:xfrm>
+            <a:off x="6858000" y="1219200"/>
+            <a:ext cx="1440000" cy="720000"/>
+          </a:xfrm>
+          <a:prstGeom prst="rect">
+            <a:avLst/>
+          </a:prstGeom>
+        </p:spPr>
+        <p:style>
+          <a:lnRef idx="0">
+            <a:schemeClr val="accent4"/>
+          </a:lnRef>
+          <a:fillRef idx="3">
+            <a:schemeClr val="accent4"/>
+          </a:fillRef>
+          <a:effectRef idx="3">
+            <a:schemeClr val="accent4"/>
+          </a:effectRef>
+          <a:fontRef idx="minor">
+            <a:schemeClr val="lt1"/>
+          </a:fontRef>
+        </p:style>
+        <p:txBody>
+          <a:bodyPr rtlCol="0" anchor="ctr"/>
+          <a:lstStyle/>
+          <a:p>
+            <a:pPr algn="ctr"/>
+            <a:r>
+              <a:rPr lang="en-US" altLang="zh-TW" dirty="0" smtClean="0"/>
+              <a:t>Example</a:t>
+            </a:r>
+            <a:br>
+              <a:rPr lang="en-US" altLang="zh-TW" dirty="0" smtClean="0"/>
+            </a:br>
+            <a:r>
+              <a:rPr lang="en-US" altLang="zh-TW" dirty="0" smtClean="0"/>
+              <a:t>(DLL)</a:t>
+            </a:r>
+            <a:endParaRPr lang="zh-TW" altLang="en-US" dirty="0"/>
+          </a:p>
+        </p:txBody>
+      </p:sp>
+      <p:sp>
+        <p:nvSpPr>
+          <p:cNvPr id="31" name="矩形 30"/>
+          <p:cNvSpPr/>
+          <p:nvPr/>
+        </p:nvSpPr>
+        <p:spPr>
+          <a:xfrm>
+            <a:off x="6858000" y="2362200"/>
+            <a:ext cx="1440000" cy="720000"/>
+          </a:xfrm>
+          <a:prstGeom prst="rect">
+            <a:avLst/>
+          </a:prstGeom>
+        </p:spPr>
+        <p:style>
+          <a:lnRef idx="2">
+            <a:schemeClr val="accent6">
+              <a:shade val="50000"/>
+            </a:schemeClr>
+          </a:lnRef>
+          <a:fillRef idx="1">
+            <a:schemeClr val="accent6"/>
+          </a:fillRef>
+          <a:effectRef idx="0">
+            <a:schemeClr val="accent6"/>
+          </a:effectRef>
+          <a:fontRef idx="minor">
+            <a:schemeClr val="lt1"/>
+          </a:fontRef>
+        </p:style>
+        <p:txBody>
+          <a:bodyPr rtlCol="0" anchor="ctr"/>
+          <a:lstStyle/>
+          <a:p>
+            <a:pPr algn="ctr"/>
+            <a:r>
+              <a:rPr lang="en-US" altLang="zh-TW" dirty="0" err="1" smtClean="0"/>
+              <a:t>ExampleApp</a:t>
+            </a:r>
+            <a:r>
+              <a:rPr lang="en-US" altLang="zh-TW" dirty="0"/>
+              <a:t/>
+            </a:r>
+            <a:br>
+              <a:rPr lang="en-US" altLang="zh-TW" dirty="0"/>
+            </a:br>
+            <a:r>
+              <a:rPr lang="en-US" altLang="zh-TW" dirty="0" smtClean="0"/>
+              <a:t>(EXE)</a:t>
+            </a:r>
+            <a:endParaRPr lang="zh-TW" altLang="en-US" dirty="0"/>
+          </a:p>
+        </p:txBody>
+      </p:sp>
+      <p:sp>
+        <p:nvSpPr>
+          <p:cNvPr id="33" name="矩形 32"/>
+          <p:cNvSpPr/>
+          <p:nvPr/>
+        </p:nvSpPr>
+        <p:spPr>
+          <a:xfrm>
+            <a:off x="8763000" y="1219200"/>
+            <a:ext cx="1440000" cy="720000"/>
+          </a:xfrm>
+          <a:prstGeom prst="rect">
+            <a:avLst/>
+          </a:prstGeom>
+        </p:spPr>
+        <p:style>
+          <a:lnRef idx="0">
+            <a:schemeClr val="accent5"/>
+          </a:lnRef>
+          <a:fillRef idx="3">
+            <a:schemeClr val="accent5"/>
+          </a:fillRef>
+          <a:effectRef idx="3">
+            <a:schemeClr val="accent5"/>
+          </a:effectRef>
+          <a:fontRef idx="minor">
+            <a:schemeClr val="lt1"/>
+          </a:fontRef>
+        </p:style>
+        <p:txBody>
+          <a:bodyPr rtlCol="0" anchor="ctr"/>
+          <a:lstStyle/>
+          <a:p>
+            <a:pPr algn="ctr"/>
+            <a:r>
+              <a:rPr lang="en-US" altLang="zh-TW" dirty="0" smtClean="0"/>
+              <a:t>Example</a:t>
+            </a:r>
+            <a:br>
+              <a:rPr lang="en-US" altLang="zh-TW" dirty="0" smtClean="0"/>
+            </a:br>
+            <a:r>
+              <a:rPr lang="en-US" altLang="zh-TW" dirty="0" smtClean="0"/>
+              <a:t>(DLL)</a:t>
+            </a:r>
+            <a:endParaRPr lang="zh-TW" altLang="en-US" dirty="0"/>
+          </a:p>
+        </p:txBody>
+      </p:sp>
+      <p:cxnSp>
+        <p:nvCxnSpPr>
+          <p:cNvPr id="35" name="肘形接點 34"/>
+          <p:cNvCxnSpPr>
+            <a:stCxn id="31" idx="3"/>
+            <a:endCxn id="33" idx="2"/>
+          </p:cNvCxnSpPr>
+          <p:nvPr/>
+        </p:nvCxnSpPr>
+        <p:spPr>
+          <a:xfrm flipV="1">
+            <a:off x="8298000" y="1939200"/>
+            <a:ext cx="1185000" cy="783000"/>
+          </a:xfrm>
+          <a:prstGeom prst="bentConnector2">
+            <a:avLst/>
+          </a:prstGeom>
+          <a:ln w="28575">
+            <a:solidFill>
+              <a:schemeClr val="tx1"/>
+            </a:solidFill>
+            <a:prstDash val="sysDash"/>
+            <a:headEnd type="none" w="med" len="med"/>
+            <a:tailEnd type="arrow" w="med" len="med"/>
+          </a:ln>
+        </p:spPr>
+        <p:style>
+          <a:lnRef idx="1">
+            <a:schemeClr val="accent1"/>
+          </a:lnRef>
+          <a:fillRef idx="0">
+            <a:schemeClr val="accent1"/>
+          </a:fillRef>
+          <a:effectRef idx="0">
+            <a:schemeClr val="accent1"/>
+          </a:effectRef>
+          <a:fontRef idx="minor">
+            <a:schemeClr val="tx1"/>
+          </a:fontRef>
+        </p:style>
+      </p:cxnSp>
+      <p:sp>
+        <p:nvSpPr>
+          <p:cNvPr id="36" name="乘號 35"/>
+          <p:cNvSpPr/>
+          <p:nvPr/>
+        </p:nvSpPr>
+        <p:spPr>
+          <a:xfrm>
+            <a:off x="6176061" y="1007700"/>
+            <a:ext cx="2841937" cy="1202100"/>
+          </a:xfrm>
+          <a:prstGeom prst="mathMultiply">
+            <a:avLst>
+              <a:gd name="adj1" fmla="val 10058"/>
+            </a:avLst>
+          </a:prstGeom>
+          <a:gradFill>
+            <a:gsLst>
+              <a:gs pos="0">
+                <a:schemeClr val="accent2">
+                  <a:satMod val="103000"/>
+                  <a:lumMod val="102000"/>
+                  <a:tint val="94000"/>
+                  <a:alpha val="50000"/>
+                </a:schemeClr>
+              </a:gs>
+              <a:gs pos="50000">
+                <a:schemeClr val="accent2">
+                  <a:satMod val="110000"/>
+                  <a:lumMod val="100000"/>
+                  <a:shade val="100000"/>
+                  <a:alpha val="50000"/>
+                </a:schemeClr>
+              </a:gs>
+              <a:gs pos="100000">
+                <a:schemeClr val="accent2">
+                  <a:lumMod val="99000"/>
+                  <a:satMod val="120000"/>
+                  <a:shade val="78000"/>
+                  <a:alpha val="50000"/>
+                </a:schemeClr>
+              </a:gs>
+            </a:gsLst>
+          </a:gradFill>
+        </p:spPr>
+        <p:style>
+          <a:lnRef idx="0">
+            <a:schemeClr val="accent2"/>
+          </a:lnRef>
+          <a:fillRef idx="3">
+            <a:schemeClr val="accent2"/>
+          </a:fillRef>
+          <a:effectRef idx="3">
+            <a:schemeClr val="accent2"/>
+          </a:effectRef>
+          <a:fontRef idx="minor">
+            <a:schemeClr val="lt1"/>
+          </a:fontRef>
+        </p:style>
+        <p:txBody>
+          <a:bodyPr rtlCol="0" anchor="ctr"/>
+          <a:lstStyle/>
+          <a:p>
+            <a:pPr algn="ctr"/>
+            <a:endParaRPr lang="zh-TW" altLang="en-US"/>
+          </a:p>
+        </p:txBody>
+      </p:sp>
+    </p:spTree>
+    <p:extLst>
+      <p:ext uri="{BB962C8B-B14F-4D97-AF65-F5344CB8AC3E}">
+        <p14:creationId xmlns:p14="http://schemas.microsoft.com/office/powerpoint/2010/main" val="3819257950"/>
+      </p:ext>
+    </p:extLst>
+  </p:cSld>
+  <p:clrMapOvr>
+    <a:masterClrMapping/>
+  </p:clrMapOvr>
+  <p:timing>
+    <p:tnLst>
+      <p:par>
+        <p:cTn id="1" dur="indefinite" restart="never" nodeType="tmRoot"/>
+      </p:par>
+    </p:tnLst>
+  </p:timing>
+</p:sld>
+</file>
+
+<file path=ppt/slides/slide21.xml><?xml version="1.0" encoding="utf-8"?>
+<p:sld xmlns:a="http://schemas.openxmlformats.org/drawingml/2006/main" xmlns:r="http://schemas.openxmlformats.org/officeDocument/2006/relationships" xmlns:p="http://schemas.openxmlformats.org/presentationml/2006/main">
+  <p:cSld>
+    <p:spTree>
+      <p:nvGrpSpPr>
+        <p:cNvPr id="1" name=""/>
+        <p:cNvGrpSpPr/>
+        <p:nvPr/>
+      </p:nvGrpSpPr>
+      <p:grpSpPr>
+        <a:xfrm>
+          <a:off x="0" y="0"/>
+          <a:ext cx="0" cy="0"/>
+          <a:chOff x="0" y="0"/>
+          <a:chExt cx="0" cy="0"/>
+        </a:xfrm>
+      </p:grpSpPr>
+      <p:sp>
+        <p:nvSpPr>
           <p:cNvPr id="3" name="矩形 2"/>
           <p:cNvSpPr/>
           <p:nvPr/>
@@ -21778,7 +22639,7 @@
 </p:sld>
 </file>
 
-<file path=ppt/slides/slide21.xml><?xml version="1.0" encoding="utf-8"?>
+<file path=ppt/slides/slide22.xml><?xml version="1.0" encoding="utf-8"?>
 <p:sld xmlns:a="http://schemas.openxmlformats.org/drawingml/2006/main" xmlns:r="http://schemas.openxmlformats.org/officeDocument/2006/relationships" xmlns:p="http://schemas.openxmlformats.org/presentationml/2006/main">
   <p:cSld>
     <p:spTree>
@@ -24406,7 +25267,6 @@
               <a:rPr lang="en-US" altLang="zh-TW" dirty="0"/>
               <a:t>Configure</a:t>
             </a:r>
-            <a:endParaRPr lang="en-US" altLang="zh-TW" dirty="0"/>
           </a:p>
         </p:txBody>
       </p:sp>
@@ -32647,18 +33507,18 @@
 </file>
 
 <file path=customXml/item1.xml><?xml version="1.0" encoding="utf-8"?>
-<p:properties xmlns:p="http://schemas.microsoft.com/office/2006/metadata/properties" xmlns:xsi="http://www.w3.org/2001/XMLSchema-instance">
-  <documentManagement/>
-</p:properties>
-</file>
-
-<file path=customXml/item2.xml><?xml version="1.0" encoding="utf-8"?>
 <?mso-contentType ?>
 <FormTemplates xmlns="http://schemas.microsoft.com/sharepoint/v3/contenttype/forms">
   <Display>DocumentLibraryForm</Display>
   <Edit>DocumentLibraryForm</Edit>
   <New>DocumentLibraryForm</New>
 </FormTemplates>
+</file>
+
+<file path=customXml/item2.xml><?xml version="1.0" encoding="utf-8"?>
+<p:properties xmlns:p="http://schemas.microsoft.com/office/2006/metadata/properties" xmlns:xsi="http://www.w3.org/2001/XMLSchema-instance">
+  <documentManagement/>
+</p:properties>
 </file>
 
 <file path=customXml/item3.xml><?xml version="1.0" encoding="utf-8"?>
@@ -32711,6 +33571,14 @@
 </file>
 
 <file path=customXml/itemProps1.xml><?xml version="1.0" encoding="utf-8"?>
+<ds:datastoreItem xmlns:ds="http://schemas.openxmlformats.org/officeDocument/2006/customXml" ds:itemID="{A1770BF7-49D5-46D6-8B76-1D8AF290B450}">
+  <ds:schemaRefs>
+    <ds:schemaRef ds:uri="http://schemas.microsoft.com/sharepoint/v3/contenttype/forms"/>
+  </ds:schemaRefs>
+</ds:datastoreItem>
+</file>
+
+<file path=customXml/itemProps2.xml><?xml version="1.0" encoding="utf-8"?>
 <ds:datastoreItem xmlns:ds="http://schemas.openxmlformats.org/officeDocument/2006/customXml" ds:itemID="{892A9AA9-F261-48C5-9DFB-0929A9F0E540}">
   <ds:schemaRefs>
     <ds:schemaRef ds:uri="http://purl.org/dc/dcmitype/"/>
@@ -32720,14 +33588,6 @@
     <ds:schemaRef ds:uri="http://www.w3.org/XML/1998/namespace"/>
     <ds:schemaRef ds:uri="http://purl.org/dc/terms/"/>
     <ds:schemaRef ds:uri="http://schemas.openxmlformats.org/package/2006/metadata/core-properties"/>
-  </ds:schemaRefs>
-</ds:datastoreItem>
-</file>
-
-<file path=customXml/itemProps2.xml><?xml version="1.0" encoding="utf-8"?>
-<ds:datastoreItem xmlns:ds="http://schemas.openxmlformats.org/officeDocument/2006/customXml" ds:itemID="{A1770BF7-49D5-46D6-8B76-1D8AF290B450}">
-  <ds:schemaRefs>
-    <ds:schemaRef ds:uri="http://schemas.microsoft.com/sharepoint/v3/contenttype/forms"/>
   </ds:schemaRefs>
 </ds:datastoreItem>
 </file>

--- a/source/_assets/ironman.pptx
+++ b/source/_assets/ironman.pptx
@@ -5,10 +5,10 @@
     <p:sldMasterId id="2147483752" r:id="rId4"/>
   </p:sldMasterIdLst>
   <p:notesMasterIdLst>
-    <p:notesMasterId r:id="rId27"/>
+    <p:notesMasterId r:id="rId28"/>
   </p:notesMasterIdLst>
   <p:handoutMasterIdLst>
-    <p:handoutMasterId r:id="rId28"/>
+    <p:handoutMasterId r:id="rId29"/>
   </p:handoutMasterIdLst>
   <p:sldIdLst>
     <p:sldId id="316" r:id="rId5"/>
@@ -22,17 +22,18 @@
     <p:sldId id="344" r:id="rId13"/>
     <p:sldId id="326" r:id="rId14"/>
     <p:sldId id="346" r:id="rId15"/>
-    <p:sldId id="327" r:id="rId16"/>
-    <p:sldId id="330" r:id="rId17"/>
-    <p:sldId id="331" r:id="rId18"/>
-    <p:sldId id="332" r:id="rId19"/>
-    <p:sldId id="333" r:id="rId20"/>
-    <p:sldId id="334" r:id="rId21"/>
-    <p:sldId id="335" r:id="rId22"/>
-    <p:sldId id="336" r:id="rId23"/>
-    <p:sldId id="337" r:id="rId24"/>
-    <p:sldId id="340" r:id="rId25"/>
-    <p:sldId id="339" r:id="rId26"/>
+    <p:sldId id="347" r:id="rId16"/>
+    <p:sldId id="327" r:id="rId17"/>
+    <p:sldId id="330" r:id="rId18"/>
+    <p:sldId id="331" r:id="rId19"/>
+    <p:sldId id="332" r:id="rId20"/>
+    <p:sldId id="333" r:id="rId21"/>
+    <p:sldId id="334" r:id="rId22"/>
+    <p:sldId id="335" r:id="rId23"/>
+    <p:sldId id="336" r:id="rId24"/>
+    <p:sldId id="337" r:id="rId25"/>
+    <p:sldId id="340" r:id="rId26"/>
+    <p:sldId id="339" r:id="rId27"/>
   </p:sldIdLst>
   <p:sldSz cx="12192000" cy="6858000"/>
   <p:notesSz cx="7099300" cy="10234613"/>
@@ -247,7 +248,7 @@
             <a:fld id="{3CDD3A71-4C75-488C-A8F3-A1F163ED0DB9}" type="datetimeFigureOut">
               <a:rPr lang="en-US" smtClean="0"/>
               <a:pPr/>
-              <a:t>12/22/2017</a:t>
+              <a:t>12/25/2017</a:t>
             </a:fld>
             <a:endParaRPr lang="en-US" dirty="0"/>
           </a:p>
@@ -415,7 +416,7 @@
             <a:fld id="{523CC419-8FB3-4D1C-8127-E63C1A13459D}" type="datetimeFigureOut">
               <a:rPr lang="en-US" smtClean="0"/>
               <a:pPr/>
-              <a:t>12/22/2017</a:t>
+              <a:t>12/25/2017</a:t>
             </a:fld>
             <a:endParaRPr lang="en-US" dirty="0"/>
           </a:p>
@@ -818,7 +819,7 @@
           <a:p>
             <a:fld id="{237FF733-248C-4CF7-A090-89CF012E357B}" type="datetimeFigureOut">
               <a:rPr lang="zh-TW" altLang="en-US" smtClean="0"/>
-              <a:t>2017/12/22</a:t>
+              <a:t>2017/12/25</a:t>
             </a:fld>
             <a:endParaRPr lang="zh-TW" altLang="en-US"/>
           </a:p>
@@ -989,7 +990,7 @@
           <a:p>
             <a:fld id="{237FF733-248C-4CF7-A090-89CF012E357B}" type="datetimeFigureOut">
               <a:rPr lang="zh-TW" altLang="en-US" smtClean="0"/>
-              <a:t>2017/12/22</a:t>
+              <a:t>2017/12/25</a:t>
             </a:fld>
             <a:endParaRPr lang="zh-TW" altLang="en-US"/>
           </a:p>
@@ -1170,7 +1171,7 @@
           <a:p>
             <a:fld id="{237FF733-248C-4CF7-A090-89CF012E357B}" type="datetimeFigureOut">
               <a:rPr lang="zh-TW" altLang="en-US" smtClean="0"/>
-              <a:t>2017/12/22</a:t>
+              <a:t>2017/12/25</a:t>
             </a:fld>
             <a:endParaRPr lang="zh-TW" altLang="en-US"/>
           </a:p>
@@ -1341,7 +1342,7 @@
           <a:p>
             <a:fld id="{237FF733-248C-4CF7-A090-89CF012E357B}" type="datetimeFigureOut">
               <a:rPr lang="zh-TW" altLang="en-US" smtClean="0"/>
-              <a:t>2017/12/22</a:t>
+              <a:t>2017/12/25</a:t>
             </a:fld>
             <a:endParaRPr lang="zh-TW" altLang="en-US"/>
           </a:p>
@@ -1588,7 +1589,7 @@
           <a:p>
             <a:fld id="{237FF733-248C-4CF7-A090-89CF012E357B}" type="datetimeFigureOut">
               <a:rPr lang="zh-TW" altLang="en-US" smtClean="0"/>
-              <a:t>2017/12/22</a:t>
+              <a:t>2017/12/25</a:t>
             </a:fld>
             <a:endParaRPr lang="zh-TW" altLang="en-US"/>
           </a:p>
@@ -1821,7 +1822,7 @@
           <a:p>
             <a:fld id="{237FF733-248C-4CF7-A090-89CF012E357B}" type="datetimeFigureOut">
               <a:rPr lang="zh-TW" altLang="en-US" smtClean="0"/>
-              <a:t>2017/12/22</a:t>
+              <a:t>2017/12/25</a:t>
             </a:fld>
             <a:endParaRPr lang="zh-TW" altLang="en-US"/>
           </a:p>
@@ -2189,7 +2190,7 @@
           <a:p>
             <a:fld id="{237FF733-248C-4CF7-A090-89CF012E357B}" type="datetimeFigureOut">
               <a:rPr lang="zh-TW" altLang="en-US" smtClean="0"/>
-              <a:t>2017/12/22</a:t>
+              <a:t>2017/12/25</a:t>
             </a:fld>
             <a:endParaRPr lang="zh-TW" altLang="en-US"/>
           </a:p>
@@ -2308,7 +2309,7 @@
           <a:p>
             <a:fld id="{237FF733-248C-4CF7-A090-89CF012E357B}" type="datetimeFigureOut">
               <a:rPr lang="zh-TW" altLang="en-US" smtClean="0"/>
-              <a:t>2017/12/22</a:t>
+              <a:t>2017/12/25</a:t>
             </a:fld>
             <a:endParaRPr lang="zh-TW" altLang="en-US"/>
           </a:p>
@@ -2404,7 +2405,7 @@
           <a:p>
             <a:fld id="{237FF733-248C-4CF7-A090-89CF012E357B}" type="datetimeFigureOut">
               <a:rPr lang="zh-TW" altLang="en-US" smtClean="0"/>
-              <a:t>2017/12/22</a:t>
+              <a:t>2017/12/25</a:t>
             </a:fld>
             <a:endParaRPr lang="zh-TW" altLang="en-US"/>
           </a:p>
@@ -2682,7 +2683,7 @@
           <a:p>
             <a:fld id="{237FF733-248C-4CF7-A090-89CF012E357B}" type="datetimeFigureOut">
               <a:rPr lang="zh-TW" altLang="en-US" smtClean="0"/>
-              <a:t>2017/12/22</a:t>
+              <a:t>2017/12/25</a:t>
             </a:fld>
             <a:endParaRPr lang="zh-TW" altLang="en-US"/>
           </a:p>
@@ -2940,7 +2941,7 @@
           <a:p>
             <a:fld id="{237FF733-248C-4CF7-A090-89CF012E357B}" type="datetimeFigureOut">
               <a:rPr lang="zh-TW" altLang="en-US" smtClean="0"/>
-              <a:t>2017/12/22</a:t>
+              <a:t>2017/12/25</a:t>
             </a:fld>
             <a:endParaRPr lang="zh-TW" altLang="en-US"/>
           </a:p>
@@ -3154,7 +3155,7 @@
           <a:p>
             <a:fld id="{237FF733-248C-4CF7-A090-89CF012E357B}" type="datetimeFigureOut">
               <a:rPr lang="zh-TW" altLang="en-US" smtClean="0"/>
-              <a:t>2017/12/22</a:t>
+              <a:t>2017/12/25</a:t>
             </a:fld>
             <a:endParaRPr lang="zh-TW" altLang="en-US"/>
           </a:p>
@@ -6917,9 +6918,6 @@
               </a:rPr>
               <a:t>櫃</a:t>
             </a:r>
-            <a:endParaRPr lang="zh-TW" altLang="en-US" sz="1200" b="1" dirty="0">
-              <a:ea typeface="微軟正黑體" panose="020B0604030504040204" pitchFamily="34" charset="-120"/>
-            </a:endParaRPr>
           </a:p>
         </p:txBody>
       </p:sp>
@@ -7161,6 +7159,1863 @@
 </file>
 
 <file path=ppt/slides/slide12.xml><?xml version="1.0" encoding="utf-8"?>
+<p:sld xmlns:a="http://schemas.openxmlformats.org/drawingml/2006/main" xmlns:r="http://schemas.openxmlformats.org/officeDocument/2006/relationships" xmlns:p="http://schemas.openxmlformats.org/presentationml/2006/main">
+  <p:cSld>
+    <p:spTree>
+      <p:nvGrpSpPr>
+        <p:cNvPr id="1" name=""/>
+        <p:cNvGrpSpPr/>
+        <p:nvPr/>
+      </p:nvGrpSpPr>
+      <p:grpSpPr>
+        <a:xfrm>
+          <a:off x="0" y="0"/>
+          <a:ext cx="0" cy="0"/>
+          <a:chOff x="0" y="0"/>
+          <a:chExt cx="0" cy="0"/>
+        </a:xfrm>
+      </p:grpSpPr>
+      <p:sp>
+        <p:nvSpPr>
+          <p:cNvPr id="20" name="矩形 19"/>
+          <p:cNvSpPr/>
+          <p:nvPr/>
+        </p:nvSpPr>
+        <p:spPr>
+          <a:xfrm>
+            <a:off x="763297" y="3232901"/>
+            <a:ext cx="5115969" cy="2685884"/>
+          </a:xfrm>
+          <a:prstGeom prst="rect">
+            <a:avLst/>
+          </a:prstGeom>
+          <a:noFill/>
+          <a:ln w="28575">
+            <a:prstDash val="lgDash"/>
+          </a:ln>
+        </p:spPr>
+        <p:style>
+          <a:lnRef idx="2">
+            <a:schemeClr val="dk1">
+              <a:shade val="50000"/>
+            </a:schemeClr>
+          </a:lnRef>
+          <a:fillRef idx="1">
+            <a:schemeClr val="dk1"/>
+          </a:fillRef>
+          <a:effectRef idx="0">
+            <a:schemeClr val="dk1"/>
+          </a:effectRef>
+          <a:fontRef idx="minor">
+            <a:schemeClr val="lt1"/>
+          </a:fontRef>
+        </p:style>
+        <p:txBody>
+          <a:bodyPr rtlCol="0" anchor="ctr"/>
+          <a:lstStyle/>
+          <a:p>
+            <a:pPr algn="ctr"/>
+            <a:endParaRPr lang="zh-TW" altLang="en-US"/>
+          </a:p>
+        </p:txBody>
+      </p:sp>
+      <p:pic>
+        <p:nvPicPr>
+          <p:cNvPr id="69" name="圖片 68"/>
+          <p:cNvPicPr>
+            <a:picLocks noChangeAspect="1"/>
+          </p:cNvPicPr>
+          <p:nvPr/>
+        </p:nvPicPr>
+        <p:blipFill>
+          <a:blip r:embed="rId2">
+            <a:extLst>
+              <a:ext uri="{28A0092B-C50C-407E-A947-70E740481C1C}">
+                <a14:useLocalDpi xmlns:a14="http://schemas.microsoft.com/office/drawing/2010/main" val="0"/>
+              </a:ext>
+            </a:extLst>
+          </a:blip>
+          <a:stretch>
+            <a:fillRect/>
+          </a:stretch>
+        </p:blipFill>
+        <p:spPr>
+          <a:xfrm>
+            <a:off x="2475449" y="1650229"/>
+            <a:ext cx="630000" cy="720000"/>
+          </a:xfrm>
+          <a:prstGeom prst="rect">
+            <a:avLst/>
+          </a:prstGeom>
+        </p:spPr>
+      </p:pic>
+      <p:pic>
+        <p:nvPicPr>
+          <p:cNvPr id="70" name="圖片 69"/>
+          <p:cNvPicPr>
+            <a:picLocks noChangeAspect="1"/>
+          </p:cNvPicPr>
+          <p:nvPr/>
+        </p:nvPicPr>
+        <p:blipFill>
+          <a:blip r:embed="rId3">
+            <a:extLst>
+              <a:ext uri="{28A0092B-C50C-407E-A947-70E740481C1C}">
+                <a14:useLocalDpi xmlns:a14="http://schemas.microsoft.com/office/drawing/2010/main" val="0"/>
+              </a:ext>
+            </a:extLst>
+          </a:blip>
+          <a:stretch>
+            <a:fillRect/>
+          </a:stretch>
+        </p:blipFill>
+        <p:spPr>
+          <a:xfrm flipH="1">
+            <a:off x="0" y="277285"/>
+            <a:ext cx="720000" cy="720000"/>
+          </a:xfrm>
+          <a:prstGeom prst="rect">
+            <a:avLst/>
+          </a:prstGeom>
+        </p:spPr>
+      </p:pic>
+      <p:sp>
+        <p:nvSpPr>
+          <p:cNvPr id="71" name="圓角矩形圖說文字 70"/>
+          <p:cNvSpPr/>
+          <p:nvPr/>
+        </p:nvSpPr>
+        <p:spPr>
+          <a:xfrm>
+            <a:off x="838200" y="152400"/>
+            <a:ext cx="1338461" cy="356189"/>
+          </a:xfrm>
+          <a:prstGeom prst="wedgeRoundRectCallout">
+            <a:avLst>
+              <a:gd name="adj1" fmla="val -62780"/>
+              <a:gd name="adj2" fmla="val 23932"/>
+              <a:gd name="adj3" fmla="val 16667"/>
+            </a:avLst>
+          </a:prstGeom>
+        </p:spPr>
+        <p:style>
+          <a:lnRef idx="1">
+            <a:schemeClr val="accent4"/>
+          </a:lnRef>
+          <a:fillRef idx="2">
+            <a:schemeClr val="accent4"/>
+          </a:fillRef>
+          <a:effectRef idx="1">
+            <a:schemeClr val="accent4"/>
+          </a:effectRef>
+          <a:fontRef idx="minor">
+            <a:schemeClr val="dk1"/>
+          </a:fontRef>
+        </p:style>
+        <p:txBody>
+          <a:bodyPr rtlCol="0" anchor="ctr"/>
+          <a:lstStyle/>
+          <a:p>
+            <a:r>
+              <a:rPr lang="zh-TW" altLang="en-US" sz="1200" dirty="0" smtClean="0">
+                <a:ea typeface="微軟正黑體" panose="020B0604030504040204" pitchFamily="34" charset="-120"/>
+              </a:rPr>
+              <a:t>我</a:t>
+            </a:r>
+            <a:r>
+              <a:rPr lang="zh-TW" altLang="en-US" sz="1200" dirty="0" smtClean="0">
+                <a:ea typeface="微軟正黑體" panose="020B0604030504040204" pitchFamily="34" charset="-120"/>
+              </a:rPr>
+              <a:t>要 </a:t>
+            </a:r>
+            <a:r>
+              <a:rPr lang="en-US" altLang="zh-TW" sz="1200" dirty="0" smtClean="0">
+                <a:ea typeface="微軟正黑體" panose="020B0604030504040204" pitchFamily="34" charset="-120"/>
+              </a:rPr>
+              <a:t>/about.aspx</a:t>
+            </a:r>
+            <a:endParaRPr lang="en-US" altLang="zh-TW" sz="1200" dirty="0">
+              <a:ea typeface="微軟正黑體" panose="020B0604030504040204" pitchFamily="34" charset="-120"/>
+            </a:endParaRPr>
+          </a:p>
+        </p:txBody>
+      </p:sp>
+      <p:sp>
+        <p:nvSpPr>
+          <p:cNvPr id="72" name="圓角矩形 71"/>
+          <p:cNvSpPr/>
+          <p:nvPr/>
+        </p:nvSpPr>
+        <p:spPr>
+          <a:xfrm>
+            <a:off x="2255154" y="152399"/>
+            <a:ext cx="76074" cy="2375729"/>
+          </a:xfrm>
+          <a:prstGeom prst="roundRect">
+            <a:avLst/>
+          </a:prstGeom>
+        </p:spPr>
+        <p:style>
+          <a:lnRef idx="0">
+            <a:schemeClr val="accent5"/>
+          </a:lnRef>
+          <a:fillRef idx="3">
+            <a:schemeClr val="accent5"/>
+          </a:fillRef>
+          <a:effectRef idx="3">
+            <a:schemeClr val="accent5"/>
+          </a:effectRef>
+          <a:fontRef idx="minor">
+            <a:schemeClr val="lt1"/>
+          </a:fontRef>
+        </p:style>
+        <p:txBody>
+          <a:bodyPr rtlCol="0" anchor="ctr"/>
+          <a:lstStyle/>
+          <a:p>
+            <a:pPr algn="ctr"/>
+            <a:endParaRPr lang="zh-TW" altLang="en-US">
+              <a:ea typeface="微軟正黑體" panose="020B0604030504040204" pitchFamily="34" charset="-120"/>
+            </a:endParaRPr>
+          </a:p>
+        </p:txBody>
+      </p:sp>
+      <p:sp>
+        <p:nvSpPr>
+          <p:cNvPr id="73" name="圓角矩形圖說文字 72"/>
+          <p:cNvSpPr/>
+          <p:nvPr/>
+        </p:nvSpPr>
+        <p:spPr>
+          <a:xfrm>
+            <a:off x="504669" y="1543624"/>
+            <a:ext cx="1609267" cy="984504"/>
+          </a:xfrm>
+          <a:prstGeom prst="wedgeRoundRectCallout">
+            <a:avLst>
+              <a:gd name="adj1" fmla="val 74802"/>
+              <a:gd name="adj2" fmla="val 19864"/>
+              <a:gd name="adj3" fmla="val 16667"/>
+            </a:avLst>
+          </a:prstGeom>
+        </p:spPr>
+        <p:style>
+          <a:lnRef idx="1">
+            <a:schemeClr val="accent4"/>
+          </a:lnRef>
+          <a:fillRef idx="2">
+            <a:schemeClr val="accent4"/>
+          </a:fillRef>
+          <a:effectRef idx="1">
+            <a:schemeClr val="accent4"/>
+          </a:effectRef>
+          <a:fontRef idx="minor">
+            <a:schemeClr val="dk1"/>
+          </a:fontRef>
+        </p:style>
+        <p:txBody>
+          <a:bodyPr rtlCol="0" anchor="t"/>
+          <a:lstStyle/>
+          <a:p>
+            <a:pPr algn="ctr"/>
+            <a:r>
+              <a:rPr lang="zh-TW" altLang="en-US" sz="1200" dirty="0" smtClean="0">
+                <a:ea typeface="微軟正黑體" panose="020B0604030504040204" pitchFamily="34" charset="-120"/>
+              </a:rPr>
+              <a:t>好的，給你</a:t>
+            </a:r>
+            <a:endParaRPr lang="en-US" altLang="zh-TW" sz="1200" dirty="0" smtClean="0">
+              <a:ea typeface="微軟正黑體" panose="020B0604030504040204" pitchFamily="34" charset="-120"/>
+            </a:endParaRPr>
+          </a:p>
+          <a:p>
+            <a:pPr algn="ctr"/>
+            <a:r>
+              <a:rPr lang="en-US" altLang="zh-TW" sz="1100" i="1" dirty="0" smtClean="0">
+                <a:ea typeface="微軟正黑體" panose="020B0604030504040204" pitchFamily="34" charset="-120"/>
+              </a:rPr>
+              <a:t>Code: 200 (OK)</a:t>
+            </a:r>
+          </a:p>
+          <a:p>
+            <a:pPr algn="ctr"/>
+            <a:r>
+              <a:rPr lang="en-US" altLang="zh-TW" sz="1100" i="1" dirty="0" smtClean="0">
+                <a:ea typeface="微軟正黑體" panose="020B0604030504040204" pitchFamily="34" charset="-120"/>
+              </a:rPr>
+              <a:t>URL: /about.aspx</a:t>
+            </a:r>
+            <a:endParaRPr lang="zh-TW" altLang="en-US" sz="1100" i="1" dirty="0">
+              <a:ea typeface="微軟正黑體" panose="020B0604030504040204" pitchFamily="34" charset="-120"/>
+            </a:endParaRPr>
+          </a:p>
+        </p:txBody>
+      </p:sp>
+      <p:cxnSp>
+        <p:nvCxnSpPr>
+          <p:cNvPr id="75" name="肘形接點 74"/>
+          <p:cNvCxnSpPr>
+            <a:stCxn id="73" idx="1"/>
+            <a:endCxn id="70" idx="2"/>
+          </p:cNvCxnSpPr>
+          <p:nvPr/>
+        </p:nvCxnSpPr>
+        <p:spPr>
+          <a:xfrm rot="10800000">
+            <a:off x="360001" y="997286"/>
+            <a:ext cx="144669" cy="1038591"/>
+          </a:xfrm>
+          <a:prstGeom prst="bentConnector2">
+            <a:avLst/>
+          </a:prstGeom>
+          <a:ln w="38100">
+            <a:solidFill>
+              <a:schemeClr val="tx1"/>
+            </a:solidFill>
+            <a:tailEnd type="triangle"/>
+          </a:ln>
+        </p:spPr>
+        <p:style>
+          <a:lnRef idx="1">
+            <a:schemeClr val="accent1"/>
+          </a:lnRef>
+          <a:fillRef idx="0">
+            <a:schemeClr val="accent1"/>
+          </a:fillRef>
+          <a:effectRef idx="0">
+            <a:schemeClr val="accent1"/>
+          </a:effectRef>
+          <a:fontRef idx="minor">
+            <a:schemeClr val="tx1"/>
+          </a:fontRef>
+        </p:style>
+      </p:cxnSp>
+      <p:sp>
+        <p:nvSpPr>
+          <p:cNvPr id="76" name="矩形 75"/>
+          <p:cNvSpPr/>
+          <p:nvPr/>
+        </p:nvSpPr>
+        <p:spPr>
+          <a:xfrm>
+            <a:off x="2490560" y="2333086"/>
+            <a:ext cx="591765" cy="276999"/>
+          </a:xfrm>
+          <a:prstGeom prst="rect">
+            <a:avLst/>
+          </a:prstGeom>
+          <a:noFill/>
+          <a:ln>
+            <a:noFill/>
+          </a:ln>
+        </p:spPr>
+        <p:txBody>
+          <a:bodyPr wrap="none">
+            <a:spAutoFit/>
+          </a:bodyPr>
+          <a:lstStyle/>
+          <a:p>
+            <a:pPr algn="ctr"/>
+            <a:r>
+              <a:rPr lang="en-US" altLang="zh-TW" sz="1200" b="1" dirty="0" smtClean="0">
+                <a:ea typeface="微軟正黑體" panose="020B0604030504040204" pitchFamily="34" charset="-120"/>
+              </a:rPr>
+              <a:t>Server</a:t>
+            </a:r>
+            <a:endParaRPr lang="zh-TW" altLang="en-US" sz="1200" b="1" dirty="0">
+              <a:ea typeface="微軟正黑體" panose="020B0604030504040204" pitchFamily="34" charset="-120"/>
+            </a:endParaRPr>
+          </a:p>
+        </p:txBody>
+      </p:sp>
+      <p:sp>
+        <p:nvSpPr>
+          <p:cNvPr id="77" name="橢圓 76"/>
+          <p:cNvSpPr/>
+          <p:nvPr/>
+        </p:nvSpPr>
+        <p:spPr>
+          <a:xfrm>
+            <a:off x="777265" y="94052"/>
+            <a:ext cx="213212" cy="213212"/>
+          </a:xfrm>
+          <a:prstGeom prst="ellipse">
+            <a:avLst/>
+          </a:prstGeom>
+        </p:spPr>
+        <p:style>
+          <a:lnRef idx="0">
+            <a:schemeClr val="accent2"/>
+          </a:lnRef>
+          <a:fillRef idx="3">
+            <a:schemeClr val="accent2"/>
+          </a:fillRef>
+          <a:effectRef idx="3">
+            <a:schemeClr val="accent2"/>
+          </a:effectRef>
+          <a:fontRef idx="minor">
+            <a:schemeClr val="lt1"/>
+          </a:fontRef>
+        </p:style>
+        <p:txBody>
+          <a:bodyPr rtlCol="0" anchor="ctr"/>
+          <a:lstStyle/>
+          <a:p>
+            <a:pPr algn="ctr"/>
+            <a:r>
+              <a:rPr lang="en-US" altLang="zh-TW" sz="1200" b="1" dirty="0" smtClean="0">
+                <a:ea typeface="微軟正黑體" panose="020B0604030504040204" pitchFamily="34" charset="-120"/>
+              </a:rPr>
+              <a:t>1</a:t>
+            </a:r>
+            <a:endParaRPr lang="zh-TW" altLang="en-US" sz="1200" b="1" dirty="0">
+              <a:ea typeface="微軟正黑體" panose="020B0604030504040204" pitchFamily="34" charset="-120"/>
+            </a:endParaRPr>
+          </a:p>
+        </p:txBody>
+      </p:sp>
+      <p:sp>
+        <p:nvSpPr>
+          <p:cNvPr id="78" name="橢圓 77"/>
+          <p:cNvSpPr/>
+          <p:nvPr/>
+        </p:nvSpPr>
+        <p:spPr>
+          <a:xfrm>
+            <a:off x="2369932" y="848430"/>
+            <a:ext cx="213212" cy="213212"/>
+          </a:xfrm>
+          <a:prstGeom prst="ellipse">
+            <a:avLst/>
+          </a:prstGeom>
+        </p:spPr>
+        <p:style>
+          <a:lnRef idx="0">
+            <a:schemeClr val="accent2"/>
+          </a:lnRef>
+          <a:fillRef idx="3">
+            <a:schemeClr val="accent2"/>
+          </a:fillRef>
+          <a:effectRef idx="3">
+            <a:schemeClr val="accent2"/>
+          </a:effectRef>
+          <a:fontRef idx="minor">
+            <a:schemeClr val="lt1"/>
+          </a:fontRef>
+        </p:style>
+        <p:txBody>
+          <a:bodyPr rtlCol="0" anchor="ctr"/>
+          <a:lstStyle/>
+          <a:p>
+            <a:pPr algn="ctr"/>
+            <a:r>
+              <a:rPr lang="en-US" altLang="zh-TW" sz="1200" b="1" dirty="0" smtClean="0">
+                <a:ea typeface="微軟正黑體" panose="020B0604030504040204" pitchFamily="34" charset="-120"/>
+              </a:rPr>
+              <a:t>2</a:t>
+            </a:r>
+            <a:endParaRPr lang="zh-TW" altLang="en-US" sz="1200" b="1" dirty="0">
+              <a:ea typeface="微軟正黑體" panose="020B0604030504040204" pitchFamily="34" charset="-120"/>
+            </a:endParaRPr>
+          </a:p>
+        </p:txBody>
+      </p:sp>
+      <p:sp>
+        <p:nvSpPr>
+          <p:cNvPr id="79" name="橢圓 78"/>
+          <p:cNvSpPr/>
+          <p:nvPr/>
+        </p:nvSpPr>
+        <p:spPr>
+          <a:xfrm>
+            <a:off x="467053" y="1458628"/>
+            <a:ext cx="213212" cy="213212"/>
+          </a:xfrm>
+          <a:prstGeom prst="ellipse">
+            <a:avLst/>
+          </a:prstGeom>
+        </p:spPr>
+        <p:style>
+          <a:lnRef idx="0">
+            <a:schemeClr val="accent2"/>
+          </a:lnRef>
+          <a:fillRef idx="3">
+            <a:schemeClr val="accent2"/>
+          </a:fillRef>
+          <a:effectRef idx="3">
+            <a:schemeClr val="accent2"/>
+          </a:effectRef>
+          <a:fontRef idx="minor">
+            <a:schemeClr val="lt1"/>
+          </a:fontRef>
+        </p:style>
+        <p:txBody>
+          <a:bodyPr rtlCol="0" anchor="ctr"/>
+          <a:lstStyle/>
+          <a:p>
+            <a:pPr algn="ctr"/>
+            <a:r>
+              <a:rPr lang="en-US" altLang="zh-TW" sz="1200" b="1" dirty="0">
+                <a:ea typeface="微軟正黑體" panose="020B0604030504040204" pitchFamily="34" charset="-120"/>
+              </a:rPr>
+              <a:t>4</a:t>
+            </a:r>
+            <a:endParaRPr lang="zh-TW" altLang="en-US" sz="1200" b="1" dirty="0">
+              <a:ea typeface="微軟正黑體" panose="020B0604030504040204" pitchFamily="34" charset="-120"/>
+            </a:endParaRPr>
+          </a:p>
+        </p:txBody>
+      </p:sp>
+      <p:pic>
+        <p:nvPicPr>
+          <p:cNvPr id="18" name="圖片 17"/>
+          <p:cNvPicPr>
+            <a:picLocks noChangeAspect="1"/>
+          </p:cNvPicPr>
+          <p:nvPr/>
+        </p:nvPicPr>
+        <p:blipFill rotWithShape="1">
+          <a:blip r:embed="rId4">
+            <a:extLst>
+              <a:ext uri="{28A0092B-C50C-407E-A947-70E740481C1C}">
+                <a14:useLocalDpi xmlns:a14="http://schemas.microsoft.com/office/drawing/2010/main" val="0"/>
+              </a:ext>
+            </a:extLst>
+          </a:blip>
+          <a:srcRect l="18143" t="18143" r="15333" b="15975"/>
+          <a:stretch/>
+        </p:blipFill>
+        <p:spPr>
+          <a:xfrm>
+            <a:off x="3800296" y="370871"/>
+            <a:ext cx="838200" cy="830117"/>
+          </a:xfrm>
+          <a:prstGeom prst="rect">
+            <a:avLst/>
+          </a:prstGeom>
+        </p:spPr>
+      </p:pic>
+      <p:sp>
+        <p:nvSpPr>
+          <p:cNvPr id="80" name="矩形 79"/>
+          <p:cNvSpPr/>
+          <p:nvPr/>
+        </p:nvSpPr>
+        <p:spPr>
+          <a:xfrm>
+            <a:off x="3707108" y="1126657"/>
+            <a:ext cx="1024576" cy="276999"/>
+          </a:xfrm>
+          <a:prstGeom prst="rect">
+            <a:avLst/>
+          </a:prstGeom>
+          <a:noFill/>
+          <a:ln>
+            <a:noFill/>
+          </a:ln>
+        </p:spPr>
+        <p:txBody>
+          <a:bodyPr wrap="none">
+            <a:spAutoFit/>
+          </a:bodyPr>
+          <a:lstStyle/>
+          <a:p>
+            <a:pPr algn="ctr"/>
+            <a:r>
+              <a:rPr lang="en-US" altLang="zh-TW" sz="1200" b="1" dirty="0" smtClean="0"/>
+              <a:t>URL Rewriter</a:t>
+            </a:r>
+            <a:endParaRPr lang="zh-TW" altLang="en-US" sz="1200" b="1" dirty="0">
+              <a:ea typeface="微軟正黑體" panose="020B0604030504040204" pitchFamily="34" charset="-120"/>
+            </a:endParaRPr>
+          </a:p>
+        </p:txBody>
+      </p:sp>
+      <p:cxnSp>
+        <p:nvCxnSpPr>
+          <p:cNvPr id="82" name="肘形接點 81"/>
+          <p:cNvCxnSpPr>
+            <a:stCxn id="69" idx="3"/>
+            <a:endCxn id="18" idx="1"/>
+          </p:cNvCxnSpPr>
+          <p:nvPr/>
+        </p:nvCxnSpPr>
+        <p:spPr>
+          <a:xfrm flipV="1">
+            <a:off x="3105449" y="785930"/>
+            <a:ext cx="694847" cy="1224299"/>
+          </a:xfrm>
+          <a:prstGeom prst="bentConnector3">
+            <a:avLst>
+              <a:gd name="adj1" fmla="val 50000"/>
+            </a:avLst>
+          </a:prstGeom>
+          <a:ln w="38100">
+            <a:prstDash val="sysDot"/>
+            <a:headEnd type="none" w="med" len="med"/>
+            <a:tailEnd type="triangle" w="med" len="med"/>
+          </a:ln>
+        </p:spPr>
+        <p:style>
+          <a:lnRef idx="1">
+            <a:schemeClr val="accent1"/>
+          </a:lnRef>
+          <a:fillRef idx="0">
+            <a:schemeClr val="accent1"/>
+          </a:fillRef>
+          <a:effectRef idx="0">
+            <a:schemeClr val="accent1"/>
+          </a:effectRef>
+          <a:fontRef idx="minor">
+            <a:schemeClr val="tx1"/>
+          </a:fontRef>
+        </p:style>
+      </p:cxnSp>
+      <p:sp>
+        <p:nvSpPr>
+          <p:cNvPr id="85" name="矩形 84"/>
+          <p:cNvSpPr/>
+          <p:nvPr/>
+        </p:nvSpPr>
+        <p:spPr>
+          <a:xfrm>
+            <a:off x="2382258" y="996963"/>
+            <a:ext cx="1157939" cy="461665"/>
+          </a:xfrm>
+          <a:prstGeom prst="rect">
+            <a:avLst/>
+          </a:prstGeom>
+        </p:spPr>
+        <p:txBody>
+          <a:bodyPr wrap="square">
+            <a:spAutoFit/>
+          </a:bodyPr>
+          <a:lstStyle/>
+          <a:p>
+            <a:r>
+              <a:rPr lang="zh-TW" altLang="en-US" sz="1200" b="1" dirty="0" smtClean="0">
+                <a:latin typeface="Consolas" panose="020B0609020204030204" pitchFamily="49" charset="0"/>
+              </a:rPr>
+              <a:t>客人要</a:t>
+            </a:r>
+            <a:r>
+              <a:rPr lang="en-US" altLang="zh-TW" sz="1200" b="1" dirty="0" smtClean="0">
+                <a:latin typeface="Consolas" panose="020B0609020204030204" pitchFamily="49" charset="0"/>
+              </a:rPr>
+              <a:t>/about.aspx</a:t>
+            </a:r>
+            <a:r>
+              <a:rPr lang="zh-TW" altLang="en-US" sz="1200" b="1" dirty="0" smtClean="0">
+                <a:latin typeface="Consolas" panose="020B0609020204030204" pitchFamily="49" charset="0"/>
+              </a:rPr>
+              <a:t> </a:t>
+            </a:r>
+            <a:endParaRPr lang="en-US" altLang="zh-TW" sz="1200" b="1" dirty="0" smtClean="0">
+              <a:latin typeface="Consolas" panose="020B0609020204030204" pitchFamily="49" charset="0"/>
+            </a:endParaRPr>
+          </a:p>
+        </p:txBody>
+      </p:sp>
+      <p:cxnSp>
+        <p:nvCxnSpPr>
+          <p:cNvPr id="87" name="肘形接點 86"/>
+          <p:cNvCxnSpPr>
+            <a:stCxn id="80" idx="2"/>
+          </p:cNvCxnSpPr>
+          <p:nvPr/>
+        </p:nvCxnSpPr>
+        <p:spPr>
+          <a:xfrm rot="5400000">
+            <a:off x="3208473" y="1322163"/>
+            <a:ext cx="929430" cy="1092417"/>
+          </a:xfrm>
+          <a:prstGeom prst="bentConnector2">
+            <a:avLst/>
+          </a:prstGeom>
+          <a:ln w="38100">
+            <a:prstDash val="sysDot"/>
+            <a:headEnd type="none" w="med" len="med"/>
+            <a:tailEnd type="triangle" w="med" len="med"/>
+          </a:ln>
+        </p:spPr>
+        <p:style>
+          <a:lnRef idx="1">
+            <a:schemeClr val="accent1"/>
+          </a:lnRef>
+          <a:fillRef idx="0">
+            <a:schemeClr val="accent1"/>
+          </a:fillRef>
+          <a:effectRef idx="0">
+            <a:schemeClr val="accent1"/>
+          </a:effectRef>
+          <a:fontRef idx="minor">
+            <a:schemeClr val="tx1"/>
+          </a:fontRef>
+        </p:style>
+      </p:cxnSp>
+      <p:sp>
+        <p:nvSpPr>
+          <p:cNvPr id="91" name="矩形 90"/>
+          <p:cNvSpPr/>
+          <p:nvPr/>
+        </p:nvSpPr>
+        <p:spPr>
+          <a:xfrm>
+            <a:off x="763297" y="2182546"/>
+            <a:ext cx="1113743" cy="310928"/>
+          </a:xfrm>
+          <a:prstGeom prst="rect">
+            <a:avLst/>
+          </a:prstGeom>
+        </p:spPr>
+        <p:style>
+          <a:lnRef idx="0">
+            <a:schemeClr val="accent6"/>
+          </a:lnRef>
+          <a:fillRef idx="3">
+            <a:schemeClr val="accent6"/>
+          </a:fillRef>
+          <a:effectRef idx="3">
+            <a:schemeClr val="accent6"/>
+          </a:effectRef>
+          <a:fontRef idx="minor">
+            <a:schemeClr val="lt1"/>
+          </a:fontRef>
+        </p:style>
+        <p:txBody>
+          <a:bodyPr rtlCol="0" anchor="ctr"/>
+          <a:lstStyle/>
+          <a:p>
+            <a:r>
+              <a:rPr lang="en-US" altLang="zh-TW" sz="1200" b="1" dirty="0">
+                <a:latin typeface="Consolas" panose="020B0609020204030204" pitchFamily="49" charset="0"/>
+              </a:rPr>
+              <a:t>/home/about </a:t>
+            </a:r>
+            <a:endParaRPr lang="en-US" altLang="zh-TW" sz="1200" b="1" dirty="0">
+              <a:latin typeface="Consolas" panose="020B0609020204030204" pitchFamily="49" charset="0"/>
+            </a:endParaRPr>
+          </a:p>
+        </p:txBody>
+      </p:sp>
+      <p:sp>
+        <p:nvSpPr>
+          <p:cNvPr id="95" name="矩形 94"/>
+          <p:cNvSpPr/>
+          <p:nvPr/>
+        </p:nvSpPr>
+        <p:spPr>
+          <a:xfrm>
+            <a:off x="3795046" y="2144577"/>
+            <a:ext cx="1113743" cy="310928"/>
+          </a:xfrm>
+          <a:prstGeom prst="rect">
+            <a:avLst/>
+          </a:prstGeom>
+        </p:spPr>
+        <p:style>
+          <a:lnRef idx="0">
+            <a:schemeClr val="accent6"/>
+          </a:lnRef>
+          <a:fillRef idx="3">
+            <a:schemeClr val="accent6"/>
+          </a:fillRef>
+          <a:effectRef idx="3">
+            <a:schemeClr val="accent6"/>
+          </a:effectRef>
+          <a:fontRef idx="minor">
+            <a:schemeClr val="lt1"/>
+          </a:fontRef>
+        </p:style>
+        <p:txBody>
+          <a:bodyPr rtlCol="0" anchor="ctr"/>
+          <a:lstStyle/>
+          <a:p>
+            <a:r>
+              <a:rPr lang="en-US" altLang="zh-TW" sz="1200" b="1" dirty="0">
+                <a:latin typeface="Consolas" panose="020B0609020204030204" pitchFamily="49" charset="0"/>
+              </a:rPr>
+              <a:t>/home/about </a:t>
+            </a:r>
+            <a:endParaRPr lang="en-US" altLang="zh-TW" sz="1200" b="1" dirty="0">
+              <a:latin typeface="Consolas" panose="020B0609020204030204" pitchFamily="49" charset="0"/>
+            </a:endParaRPr>
+          </a:p>
+        </p:txBody>
+      </p:sp>
+      <p:sp>
+        <p:nvSpPr>
+          <p:cNvPr id="94" name="橢圓 93"/>
+          <p:cNvSpPr/>
+          <p:nvPr/>
+        </p:nvSpPr>
+        <p:spPr>
+          <a:xfrm>
+            <a:off x="3704201" y="1993697"/>
+            <a:ext cx="213212" cy="213212"/>
+          </a:xfrm>
+          <a:prstGeom prst="ellipse">
+            <a:avLst/>
+          </a:prstGeom>
+        </p:spPr>
+        <p:style>
+          <a:lnRef idx="0">
+            <a:schemeClr val="accent2"/>
+          </a:lnRef>
+          <a:fillRef idx="3">
+            <a:schemeClr val="accent2"/>
+          </a:fillRef>
+          <a:effectRef idx="3">
+            <a:schemeClr val="accent2"/>
+          </a:effectRef>
+          <a:fontRef idx="minor">
+            <a:schemeClr val="lt1"/>
+          </a:fontRef>
+        </p:style>
+        <p:txBody>
+          <a:bodyPr rtlCol="0" anchor="ctr"/>
+          <a:lstStyle/>
+          <a:p>
+            <a:pPr algn="ctr"/>
+            <a:r>
+              <a:rPr lang="en-US" altLang="zh-TW" sz="1200" b="1" dirty="0" smtClean="0">
+                <a:ea typeface="微軟正黑體" panose="020B0604030504040204" pitchFamily="34" charset="-120"/>
+              </a:rPr>
+              <a:t>3</a:t>
+            </a:r>
+            <a:endParaRPr lang="zh-TW" altLang="en-US" sz="1200" b="1" dirty="0">
+              <a:ea typeface="微軟正黑體" panose="020B0604030504040204" pitchFamily="34" charset="-120"/>
+            </a:endParaRPr>
+          </a:p>
+        </p:txBody>
+      </p:sp>
+      <p:pic>
+        <p:nvPicPr>
+          <p:cNvPr id="96" name="圖片 95"/>
+          <p:cNvPicPr>
+            <a:picLocks noChangeAspect="1"/>
+          </p:cNvPicPr>
+          <p:nvPr/>
+        </p:nvPicPr>
+        <p:blipFill>
+          <a:blip r:embed="rId2">
+            <a:extLst>
+              <a:ext uri="{28A0092B-C50C-407E-A947-70E740481C1C}">
+                <a14:useLocalDpi xmlns:a14="http://schemas.microsoft.com/office/drawing/2010/main" val="0"/>
+              </a:ext>
+            </a:extLst>
+          </a:blip>
+          <a:stretch>
+            <a:fillRect/>
+          </a:stretch>
+        </p:blipFill>
+        <p:spPr>
+          <a:xfrm>
+            <a:off x="8952449" y="1828323"/>
+            <a:ext cx="630000" cy="720000"/>
+          </a:xfrm>
+          <a:prstGeom prst="rect">
+            <a:avLst/>
+          </a:prstGeom>
+        </p:spPr>
+      </p:pic>
+      <p:pic>
+        <p:nvPicPr>
+          <p:cNvPr id="97" name="圖片 96"/>
+          <p:cNvPicPr>
+            <a:picLocks noChangeAspect="1"/>
+          </p:cNvPicPr>
+          <p:nvPr/>
+        </p:nvPicPr>
+        <p:blipFill>
+          <a:blip r:embed="rId3">
+            <a:extLst>
+              <a:ext uri="{28A0092B-C50C-407E-A947-70E740481C1C}">
+                <a14:useLocalDpi xmlns:a14="http://schemas.microsoft.com/office/drawing/2010/main" val="0"/>
+              </a:ext>
+            </a:extLst>
+          </a:blip>
+          <a:stretch>
+            <a:fillRect/>
+          </a:stretch>
+        </p:blipFill>
+        <p:spPr>
+          <a:xfrm flipH="1">
+            <a:off x="6135911" y="1092056"/>
+            <a:ext cx="720000" cy="720000"/>
+          </a:xfrm>
+          <a:prstGeom prst="rect">
+            <a:avLst/>
+          </a:prstGeom>
+        </p:spPr>
+      </p:pic>
+      <p:sp>
+        <p:nvSpPr>
+          <p:cNvPr id="98" name="圓角矩形圖說文字 97"/>
+          <p:cNvSpPr/>
+          <p:nvPr/>
+        </p:nvSpPr>
+        <p:spPr>
+          <a:xfrm>
+            <a:off x="6979554" y="511121"/>
+            <a:ext cx="914400" cy="356189"/>
+          </a:xfrm>
+          <a:prstGeom prst="wedgeRoundRectCallout">
+            <a:avLst>
+              <a:gd name="adj1" fmla="val -78668"/>
+              <a:gd name="adj2" fmla="val 95910"/>
+              <a:gd name="adj3" fmla="val 16667"/>
+            </a:avLst>
+          </a:prstGeom>
+        </p:spPr>
+        <p:style>
+          <a:lnRef idx="1">
+            <a:schemeClr val="accent4"/>
+          </a:lnRef>
+          <a:fillRef idx="2">
+            <a:schemeClr val="accent4"/>
+          </a:fillRef>
+          <a:effectRef idx="1">
+            <a:schemeClr val="accent4"/>
+          </a:effectRef>
+          <a:fontRef idx="minor">
+            <a:schemeClr val="dk1"/>
+          </a:fontRef>
+        </p:style>
+        <p:txBody>
+          <a:bodyPr rtlCol="0" anchor="ctr"/>
+          <a:lstStyle/>
+          <a:p>
+            <a:r>
+              <a:rPr lang="zh-TW" altLang="en-US" sz="1200" dirty="0" smtClean="0">
+                <a:ea typeface="微軟正黑體" panose="020B0604030504040204" pitchFamily="34" charset="-120"/>
+              </a:rPr>
+              <a:t>我</a:t>
+            </a:r>
+            <a:r>
+              <a:rPr lang="zh-TW" altLang="en-US" sz="1200" dirty="0" smtClean="0">
+                <a:ea typeface="微軟正黑體" panose="020B0604030504040204" pitchFamily="34" charset="-120"/>
+              </a:rPr>
+              <a:t>要 </a:t>
+            </a:r>
+            <a:r>
+              <a:rPr lang="en-US" altLang="zh-TW" sz="1200" dirty="0" smtClean="0">
+                <a:ea typeface="微軟正黑體" panose="020B0604030504040204" pitchFamily="34" charset="-120"/>
+              </a:rPr>
+              <a:t>/first</a:t>
+            </a:r>
+            <a:endParaRPr lang="en-US" altLang="zh-TW" sz="1200" dirty="0">
+              <a:ea typeface="微軟正黑體" panose="020B0604030504040204" pitchFamily="34" charset="-120"/>
+            </a:endParaRPr>
+          </a:p>
+        </p:txBody>
+      </p:sp>
+      <p:sp>
+        <p:nvSpPr>
+          <p:cNvPr id="99" name="圓角矩形 98"/>
+          <p:cNvSpPr/>
+          <p:nvPr/>
+        </p:nvSpPr>
+        <p:spPr>
+          <a:xfrm>
+            <a:off x="8732154" y="330492"/>
+            <a:ext cx="76074" cy="3240000"/>
+          </a:xfrm>
+          <a:prstGeom prst="roundRect">
+            <a:avLst/>
+          </a:prstGeom>
+        </p:spPr>
+        <p:style>
+          <a:lnRef idx="0">
+            <a:schemeClr val="accent5"/>
+          </a:lnRef>
+          <a:fillRef idx="3">
+            <a:schemeClr val="accent5"/>
+          </a:fillRef>
+          <a:effectRef idx="3">
+            <a:schemeClr val="accent5"/>
+          </a:effectRef>
+          <a:fontRef idx="minor">
+            <a:schemeClr val="lt1"/>
+          </a:fontRef>
+        </p:style>
+        <p:txBody>
+          <a:bodyPr rtlCol="0" anchor="ctr"/>
+          <a:lstStyle/>
+          <a:p>
+            <a:pPr algn="ctr"/>
+            <a:endParaRPr lang="zh-TW" altLang="en-US">
+              <a:ea typeface="微軟正黑體" panose="020B0604030504040204" pitchFamily="34" charset="-120"/>
+            </a:endParaRPr>
+          </a:p>
+        </p:txBody>
+      </p:sp>
+      <p:sp>
+        <p:nvSpPr>
+          <p:cNvPr id="100" name="圓角矩形圖說文字 99"/>
+          <p:cNvSpPr/>
+          <p:nvPr/>
+        </p:nvSpPr>
+        <p:spPr>
+          <a:xfrm>
+            <a:off x="6959131" y="2585988"/>
+            <a:ext cx="1609267" cy="984504"/>
+          </a:xfrm>
+          <a:prstGeom prst="wedgeRoundRectCallout">
+            <a:avLst>
+              <a:gd name="adj1" fmla="val 69492"/>
+              <a:gd name="adj2" fmla="val -48711"/>
+              <a:gd name="adj3" fmla="val 16667"/>
+            </a:avLst>
+          </a:prstGeom>
+        </p:spPr>
+        <p:style>
+          <a:lnRef idx="1">
+            <a:schemeClr val="accent4"/>
+          </a:lnRef>
+          <a:fillRef idx="2">
+            <a:schemeClr val="accent4"/>
+          </a:fillRef>
+          <a:effectRef idx="1">
+            <a:schemeClr val="accent4"/>
+          </a:effectRef>
+          <a:fontRef idx="minor">
+            <a:schemeClr val="dk1"/>
+          </a:fontRef>
+        </p:style>
+        <p:txBody>
+          <a:bodyPr rtlCol="0" anchor="t"/>
+          <a:lstStyle/>
+          <a:p>
+            <a:pPr algn="ctr"/>
+            <a:r>
+              <a:rPr lang="zh-TW" altLang="en-US" sz="1200" dirty="0" smtClean="0">
+                <a:ea typeface="微軟正黑體" panose="020B0604030504040204" pitchFamily="34" charset="-120"/>
+              </a:rPr>
+              <a:t>好的，給你</a:t>
+            </a:r>
+            <a:endParaRPr lang="en-US" altLang="zh-TW" sz="1200" dirty="0" smtClean="0">
+              <a:ea typeface="微軟正黑體" panose="020B0604030504040204" pitchFamily="34" charset="-120"/>
+            </a:endParaRPr>
+          </a:p>
+          <a:p>
+            <a:pPr algn="ctr"/>
+            <a:r>
+              <a:rPr lang="en-US" altLang="zh-TW" sz="1100" i="1" dirty="0" smtClean="0">
+                <a:ea typeface="微軟正黑體" panose="020B0604030504040204" pitchFamily="34" charset="-120"/>
+              </a:rPr>
+              <a:t>Code: 200 (OK)</a:t>
+            </a:r>
+          </a:p>
+          <a:p>
+            <a:pPr algn="ctr"/>
+            <a:r>
+              <a:rPr lang="en-US" altLang="zh-TW" sz="1100" i="1" dirty="0" smtClean="0">
+                <a:ea typeface="微軟正黑體" panose="020B0604030504040204" pitchFamily="34" charset="-120"/>
+              </a:rPr>
+              <a:t>URL: /home/index</a:t>
+            </a:r>
+            <a:endParaRPr lang="zh-TW" altLang="en-US" sz="1100" i="1" dirty="0">
+              <a:ea typeface="微軟正黑體" panose="020B0604030504040204" pitchFamily="34" charset="-120"/>
+            </a:endParaRPr>
+          </a:p>
+        </p:txBody>
+      </p:sp>
+      <p:cxnSp>
+        <p:nvCxnSpPr>
+          <p:cNvPr id="101" name="肘形接點 100"/>
+          <p:cNvCxnSpPr>
+            <a:stCxn id="100" idx="1"/>
+            <a:endCxn id="97" idx="2"/>
+          </p:cNvCxnSpPr>
+          <p:nvPr/>
+        </p:nvCxnSpPr>
+        <p:spPr>
+          <a:xfrm rot="10800000">
+            <a:off x="6495911" y="1812056"/>
+            <a:ext cx="463220" cy="1266184"/>
+          </a:xfrm>
+          <a:prstGeom prst="bentConnector2">
+            <a:avLst/>
+          </a:prstGeom>
+          <a:ln w="38100">
+            <a:solidFill>
+              <a:schemeClr val="tx1"/>
+            </a:solidFill>
+            <a:tailEnd type="triangle"/>
+          </a:ln>
+        </p:spPr>
+        <p:style>
+          <a:lnRef idx="1">
+            <a:schemeClr val="accent1"/>
+          </a:lnRef>
+          <a:fillRef idx="0">
+            <a:schemeClr val="accent1"/>
+          </a:fillRef>
+          <a:effectRef idx="0">
+            <a:schemeClr val="accent1"/>
+          </a:effectRef>
+          <a:fontRef idx="minor">
+            <a:schemeClr val="tx1"/>
+          </a:fontRef>
+        </p:style>
+      </p:cxnSp>
+      <p:sp>
+        <p:nvSpPr>
+          <p:cNvPr id="102" name="矩形 101"/>
+          <p:cNvSpPr/>
+          <p:nvPr/>
+        </p:nvSpPr>
+        <p:spPr>
+          <a:xfrm>
+            <a:off x="8967560" y="2511180"/>
+            <a:ext cx="591765" cy="276999"/>
+          </a:xfrm>
+          <a:prstGeom prst="rect">
+            <a:avLst/>
+          </a:prstGeom>
+          <a:noFill/>
+          <a:ln>
+            <a:noFill/>
+          </a:ln>
+        </p:spPr>
+        <p:txBody>
+          <a:bodyPr wrap="none">
+            <a:spAutoFit/>
+          </a:bodyPr>
+          <a:lstStyle/>
+          <a:p>
+            <a:pPr algn="ctr"/>
+            <a:r>
+              <a:rPr lang="en-US" altLang="zh-TW" sz="1200" b="1" dirty="0" smtClean="0">
+                <a:ea typeface="微軟正黑體" panose="020B0604030504040204" pitchFamily="34" charset="-120"/>
+              </a:rPr>
+              <a:t>Server</a:t>
+            </a:r>
+            <a:endParaRPr lang="zh-TW" altLang="en-US" sz="1200" b="1" dirty="0">
+              <a:ea typeface="微軟正黑體" panose="020B0604030504040204" pitchFamily="34" charset="-120"/>
+            </a:endParaRPr>
+          </a:p>
+        </p:txBody>
+      </p:sp>
+      <p:sp>
+        <p:nvSpPr>
+          <p:cNvPr id="103" name="橢圓 102"/>
+          <p:cNvSpPr/>
+          <p:nvPr/>
+        </p:nvSpPr>
+        <p:spPr>
+          <a:xfrm>
+            <a:off x="6918618" y="452773"/>
+            <a:ext cx="213212" cy="213212"/>
+          </a:xfrm>
+          <a:prstGeom prst="ellipse">
+            <a:avLst/>
+          </a:prstGeom>
+        </p:spPr>
+        <p:style>
+          <a:lnRef idx="0">
+            <a:schemeClr val="accent2"/>
+          </a:lnRef>
+          <a:fillRef idx="3">
+            <a:schemeClr val="accent2"/>
+          </a:fillRef>
+          <a:effectRef idx="3">
+            <a:schemeClr val="accent2"/>
+          </a:effectRef>
+          <a:fontRef idx="minor">
+            <a:schemeClr val="lt1"/>
+          </a:fontRef>
+        </p:style>
+        <p:txBody>
+          <a:bodyPr rtlCol="0" anchor="ctr"/>
+          <a:lstStyle/>
+          <a:p>
+            <a:pPr algn="ctr"/>
+            <a:r>
+              <a:rPr lang="en-US" altLang="zh-TW" sz="1200" b="1" dirty="0" smtClean="0">
+                <a:ea typeface="微軟正黑體" panose="020B0604030504040204" pitchFamily="34" charset="-120"/>
+              </a:rPr>
+              <a:t>1</a:t>
+            </a:r>
+            <a:endParaRPr lang="zh-TW" altLang="en-US" sz="1200" b="1" dirty="0">
+              <a:ea typeface="微軟正黑體" panose="020B0604030504040204" pitchFamily="34" charset="-120"/>
+            </a:endParaRPr>
+          </a:p>
+        </p:txBody>
+      </p:sp>
+      <p:sp>
+        <p:nvSpPr>
+          <p:cNvPr id="104" name="橢圓 103"/>
+          <p:cNvSpPr/>
+          <p:nvPr/>
+        </p:nvSpPr>
+        <p:spPr>
+          <a:xfrm>
+            <a:off x="8846932" y="1026524"/>
+            <a:ext cx="213212" cy="213212"/>
+          </a:xfrm>
+          <a:prstGeom prst="ellipse">
+            <a:avLst/>
+          </a:prstGeom>
+        </p:spPr>
+        <p:style>
+          <a:lnRef idx="0">
+            <a:schemeClr val="accent2"/>
+          </a:lnRef>
+          <a:fillRef idx="3">
+            <a:schemeClr val="accent2"/>
+          </a:fillRef>
+          <a:effectRef idx="3">
+            <a:schemeClr val="accent2"/>
+          </a:effectRef>
+          <a:fontRef idx="minor">
+            <a:schemeClr val="lt1"/>
+          </a:fontRef>
+        </p:style>
+        <p:txBody>
+          <a:bodyPr rtlCol="0" anchor="ctr"/>
+          <a:lstStyle/>
+          <a:p>
+            <a:pPr algn="ctr"/>
+            <a:r>
+              <a:rPr lang="en-US" altLang="zh-TW" sz="1200" b="1" dirty="0" smtClean="0">
+                <a:ea typeface="微軟正黑體" panose="020B0604030504040204" pitchFamily="34" charset="-120"/>
+              </a:rPr>
+              <a:t>2</a:t>
+            </a:r>
+            <a:endParaRPr lang="zh-TW" altLang="en-US" sz="1200" b="1" dirty="0">
+              <a:ea typeface="微軟正黑體" panose="020B0604030504040204" pitchFamily="34" charset="-120"/>
+            </a:endParaRPr>
+          </a:p>
+        </p:txBody>
+      </p:sp>
+      <p:sp>
+        <p:nvSpPr>
+          <p:cNvPr id="105" name="橢圓 104"/>
+          <p:cNvSpPr/>
+          <p:nvPr/>
+        </p:nvSpPr>
+        <p:spPr>
+          <a:xfrm>
+            <a:off x="6921515" y="2500992"/>
+            <a:ext cx="213212" cy="213212"/>
+          </a:xfrm>
+          <a:prstGeom prst="ellipse">
+            <a:avLst/>
+          </a:prstGeom>
+        </p:spPr>
+        <p:style>
+          <a:lnRef idx="0">
+            <a:schemeClr val="accent2"/>
+          </a:lnRef>
+          <a:fillRef idx="3">
+            <a:schemeClr val="accent2"/>
+          </a:fillRef>
+          <a:effectRef idx="3">
+            <a:schemeClr val="accent2"/>
+          </a:effectRef>
+          <a:fontRef idx="minor">
+            <a:schemeClr val="lt1"/>
+          </a:fontRef>
+        </p:style>
+        <p:txBody>
+          <a:bodyPr rtlCol="0" anchor="ctr"/>
+          <a:lstStyle/>
+          <a:p>
+            <a:pPr algn="ctr"/>
+            <a:r>
+              <a:rPr lang="en-US" altLang="zh-TW" sz="1200" b="1" dirty="0" smtClean="0">
+                <a:ea typeface="微軟正黑體" panose="020B0604030504040204" pitchFamily="34" charset="-120"/>
+              </a:rPr>
+              <a:t>6</a:t>
+            </a:r>
+            <a:endParaRPr lang="zh-TW" altLang="en-US" sz="1200" b="1" dirty="0">
+              <a:ea typeface="微軟正黑體" panose="020B0604030504040204" pitchFamily="34" charset="-120"/>
+            </a:endParaRPr>
+          </a:p>
+        </p:txBody>
+      </p:sp>
+      <p:pic>
+        <p:nvPicPr>
+          <p:cNvPr id="106" name="圖片 105"/>
+          <p:cNvPicPr>
+            <a:picLocks noChangeAspect="1"/>
+          </p:cNvPicPr>
+          <p:nvPr/>
+        </p:nvPicPr>
+        <p:blipFill rotWithShape="1">
+          <a:blip r:embed="rId4">
+            <a:extLst>
+              <a:ext uri="{28A0092B-C50C-407E-A947-70E740481C1C}">
+                <a14:useLocalDpi xmlns:a14="http://schemas.microsoft.com/office/drawing/2010/main" val="0"/>
+              </a:ext>
+            </a:extLst>
+          </a:blip>
+          <a:srcRect l="18143" t="18143" r="15333" b="15975"/>
+          <a:stretch/>
+        </p:blipFill>
+        <p:spPr>
+          <a:xfrm>
+            <a:off x="10277296" y="548965"/>
+            <a:ext cx="838200" cy="830117"/>
+          </a:xfrm>
+          <a:prstGeom prst="rect">
+            <a:avLst/>
+          </a:prstGeom>
+        </p:spPr>
+      </p:pic>
+      <p:sp>
+        <p:nvSpPr>
+          <p:cNvPr id="107" name="矩形 106"/>
+          <p:cNvSpPr/>
+          <p:nvPr/>
+        </p:nvSpPr>
+        <p:spPr>
+          <a:xfrm>
+            <a:off x="10184108" y="1304751"/>
+            <a:ext cx="1024576" cy="276999"/>
+          </a:xfrm>
+          <a:prstGeom prst="rect">
+            <a:avLst/>
+          </a:prstGeom>
+          <a:noFill/>
+          <a:ln>
+            <a:noFill/>
+          </a:ln>
+        </p:spPr>
+        <p:txBody>
+          <a:bodyPr wrap="none">
+            <a:spAutoFit/>
+          </a:bodyPr>
+          <a:lstStyle/>
+          <a:p>
+            <a:pPr algn="ctr"/>
+            <a:r>
+              <a:rPr lang="en-US" altLang="zh-TW" sz="1200" b="1" dirty="0" smtClean="0"/>
+              <a:t>URL Rewriter</a:t>
+            </a:r>
+            <a:endParaRPr lang="zh-TW" altLang="en-US" sz="1200" b="1" dirty="0">
+              <a:ea typeface="微軟正黑體" panose="020B0604030504040204" pitchFamily="34" charset="-120"/>
+            </a:endParaRPr>
+          </a:p>
+        </p:txBody>
+      </p:sp>
+      <p:cxnSp>
+        <p:nvCxnSpPr>
+          <p:cNvPr id="108" name="肘形接點 107"/>
+          <p:cNvCxnSpPr>
+            <a:stCxn id="96" idx="3"/>
+            <a:endCxn id="106" idx="1"/>
+          </p:cNvCxnSpPr>
+          <p:nvPr/>
+        </p:nvCxnSpPr>
+        <p:spPr>
+          <a:xfrm flipV="1">
+            <a:off x="9582449" y="964024"/>
+            <a:ext cx="694847" cy="1224299"/>
+          </a:xfrm>
+          <a:prstGeom prst="bentConnector3">
+            <a:avLst>
+              <a:gd name="adj1" fmla="val 50000"/>
+            </a:avLst>
+          </a:prstGeom>
+          <a:ln w="38100">
+            <a:prstDash val="sysDot"/>
+            <a:headEnd type="none" w="med" len="med"/>
+            <a:tailEnd type="triangle" w="med" len="med"/>
+          </a:ln>
+        </p:spPr>
+        <p:style>
+          <a:lnRef idx="1">
+            <a:schemeClr val="accent1"/>
+          </a:lnRef>
+          <a:fillRef idx="0">
+            <a:schemeClr val="accent1"/>
+          </a:fillRef>
+          <a:effectRef idx="0">
+            <a:schemeClr val="accent1"/>
+          </a:effectRef>
+          <a:fontRef idx="minor">
+            <a:schemeClr val="tx1"/>
+          </a:fontRef>
+        </p:style>
+      </p:cxnSp>
+      <p:sp>
+        <p:nvSpPr>
+          <p:cNvPr id="109" name="矩形 108"/>
+          <p:cNvSpPr/>
+          <p:nvPr/>
+        </p:nvSpPr>
+        <p:spPr>
+          <a:xfrm>
+            <a:off x="8859258" y="1175057"/>
+            <a:ext cx="1157939" cy="276999"/>
+          </a:xfrm>
+          <a:prstGeom prst="rect">
+            <a:avLst/>
+          </a:prstGeom>
+        </p:spPr>
+        <p:txBody>
+          <a:bodyPr wrap="square">
+            <a:spAutoFit/>
+          </a:bodyPr>
+          <a:lstStyle/>
+          <a:p>
+            <a:r>
+              <a:rPr lang="zh-TW" altLang="en-US" sz="1200" b="1" dirty="0" smtClean="0">
+                <a:latin typeface="Consolas" panose="020B0609020204030204" pitchFamily="49" charset="0"/>
+              </a:rPr>
+              <a:t>客人要</a:t>
+            </a:r>
+            <a:r>
+              <a:rPr lang="en-US" altLang="zh-TW" sz="1200" b="1" dirty="0" smtClean="0">
+                <a:latin typeface="Consolas" panose="020B0609020204030204" pitchFamily="49" charset="0"/>
+              </a:rPr>
+              <a:t>/first</a:t>
+            </a:r>
+          </a:p>
+        </p:txBody>
+      </p:sp>
+      <p:cxnSp>
+        <p:nvCxnSpPr>
+          <p:cNvPr id="110" name="肘形接點 109"/>
+          <p:cNvCxnSpPr>
+            <a:stCxn id="107" idx="2"/>
+          </p:cNvCxnSpPr>
+          <p:nvPr/>
+        </p:nvCxnSpPr>
+        <p:spPr>
+          <a:xfrm rot="5400000">
+            <a:off x="9685473" y="1500257"/>
+            <a:ext cx="929430" cy="1092417"/>
+          </a:xfrm>
+          <a:prstGeom prst="bentConnector2">
+            <a:avLst/>
+          </a:prstGeom>
+          <a:ln w="38100">
+            <a:prstDash val="sysDot"/>
+            <a:headEnd type="none" w="med" len="med"/>
+            <a:tailEnd type="triangle" w="med" len="med"/>
+          </a:ln>
+        </p:spPr>
+        <p:style>
+          <a:lnRef idx="1">
+            <a:schemeClr val="accent1"/>
+          </a:lnRef>
+          <a:fillRef idx="0">
+            <a:schemeClr val="accent1"/>
+          </a:fillRef>
+          <a:effectRef idx="0">
+            <a:schemeClr val="accent1"/>
+          </a:effectRef>
+          <a:fontRef idx="minor">
+            <a:schemeClr val="tx1"/>
+          </a:fontRef>
+        </p:style>
+      </p:cxnSp>
+      <p:sp>
+        <p:nvSpPr>
+          <p:cNvPr id="111" name="矩形 110"/>
+          <p:cNvSpPr/>
+          <p:nvPr/>
+        </p:nvSpPr>
+        <p:spPr>
+          <a:xfrm>
+            <a:off x="7217759" y="3224910"/>
+            <a:ext cx="1113743" cy="310928"/>
+          </a:xfrm>
+          <a:prstGeom prst="rect">
+            <a:avLst/>
+          </a:prstGeom>
+        </p:spPr>
+        <p:style>
+          <a:lnRef idx="0">
+            <a:schemeClr val="accent6"/>
+          </a:lnRef>
+          <a:fillRef idx="3">
+            <a:schemeClr val="accent6"/>
+          </a:fillRef>
+          <a:effectRef idx="3">
+            <a:schemeClr val="accent6"/>
+          </a:effectRef>
+          <a:fontRef idx="minor">
+            <a:schemeClr val="lt1"/>
+          </a:fontRef>
+        </p:style>
+        <p:txBody>
+          <a:bodyPr rtlCol="0" anchor="ctr"/>
+          <a:lstStyle/>
+          <a:p>
+            <a:r>
+              <a:rPr lang="en-US" altLang="zh-TW" sz="1200" b="1" dirty="0">
+                <a:latin typeface="Consolas" panose="020B0609020204030204" pitchFamily="49" charset="0"/>
+              </a:rPr>
+              <a:t>/</a:t>
+            </a:r>
+            <a:r>
+              <a:rPr lang="en-US" altLang="zh-TW" sz="1200" b="1" dirty="0" smtClean="0">
+                <a:latin typeface="Consolas" panose="020B0609020204030204" pitchFamily="49" charset="0"/>
+              </a:rPr>
+              <a:t>home/index</a:t>
+            </a:r>
+            <a:endParaRPr lang="en-US" altLang="zh-TW" sz="1200" b="1" dirty="0">
+              <a:latin typeface="Consolas" panose="020B0609020204030204" pitchFamily="49" charset="0"/>
+            </a:endParaRPr>
+          </a:p>
+        </p:txBody>
+      </p:sp>
+      <p:sp>
+        <p:nvSpPr>
+          <p:cNvPr id="113" name="橢圓 112"/>
+          <p:cNvSpPr/>
+          <p:nvPr/>
+        </p:nvSpPr>
+        <p:spPr>
+          <a:xfrm>
+            <a:off x="10064084" y="1671840"/>
+            <a:ext cx="213212" cy="213212"/>
+          </a:xfrm>
+          <a:prstGeom prst="ellipse">
+            <a:avLst/>
+          </a:prstGeom>
+        </p:spPr>
+        <p:style>
+          <a:lnRef idx="0">
+            <a:schemeClr val="accent2"/>
+          </a:lnRef>
+          <a:fillRef idx="3">
+            <a:schemeClr val="accent2"/>
+          </a:fillRef>
+          <a:effectRef idx="3">
+            <a:schemeClr val="accent2"/>
+          </a:effectRef>
+          <a:fontRef idx="minor">
+            <a:schemeClr val="lt1"/>
+          </a:fontRef>
+        </p:style>
+        <p:txBody>
+          <a:bodyPr rtlCol="0" anchor="ctr"/>
+          <a:lstStyle/>
+          <a:p>
+            <a:pPr algn="ctr"/>
+            <a:r>
+              <a:rPr lang="en-US" altLang="zh-TW" sz="1200" b="1" dirty="0" smtClean="0">
+                <a:ea typeface="微軟正黑體" panose="020B0604030504040204" pitchFamily="34" charset="-120"/>
+              </a:rPr>
+              <a:t>3</a:t>
+            </a:r>
+            <a:endParaRPr lang="zh-TW" altLang="en-US" sz="1200" b="1" dirty="0">
+              <a:ea typeface="微軟正黑體" panose="020B0604030504040204" pitchFamily="34" charset="-120"/>
+            </a:endParaRPr>
+          </a:p>
+        </p:txBody>
+      </p:sp>
+      <p:sp>
+        <p:nvSpPr>
+          <p:cNvPr id="114" name="矩形 113"/>
+          <p:cNvSpPr/>
+          <p:nvPr/>
+        </p:nvSpPr>
+        <p:spPr>
+          <a:xfrm>
+            <a:off x="10032957" y="1799112"/>
+            <a:ext cx="1309969" cy="461665"/>
+          </a:xfrm>
+          <a:prstGeom prst="rect">
+            <a:avLst/>
+          </a:prstGeom>
+        </p:spPr>
+        <p:txBody>
+          <a:bodyPr wrap="square">
+            <a:spAutoFit/>
+          </a:bodyPr>
+          <a:lstStyle/>
+          <a:p>
+            <a:r>
+              <a:rPr lang="zh-TW" altLang="en-US" sz="1200" b="1" dirty="0" smtClean="0">
+                <a:latin typeface="Consolas" panose="020B0609020204030204" pitchFamily="49" charset="0"/>
+              </a:rPr>
+              <a:t>沒有了，已改成</a:t>
+            </a:r>
+            <a:r>
+              <a:rPr lang="en-US" altLang="zh-TW" sz="1200" b="1" dirty="0" smtClean="0">
+                <a:latin typeface="Consolas" panose="020B0609020204030204" pitchFamily="49" charset="0"/>
+              </a:rPr>
+              <a:t>/home/index</a:t>
+            </a:r>
+          </a:p>
+        </p:txBody>
+      </p:sp>
+      <p:sp>
+        <p:nvSpPr>
+          <p:cNvPr id="118" name="圓角矩形圖說文字 117"/>
+          <p:cNvSpPr/>
+          <p:nvPr/>
+        </p:nvSpPr>
+        <p:spPr>
+          <a:xfrm>
+            <a:off x="6997389" y="1085714"/>
+            <a:ext cx="1609267" cy="813472"/>
+          </a:xfrm>
+          <a:prstGeom prst="wedgeRoundRectCallout">
+            <a:avLst>
+              <a:gd name="adj1" fmla="val 69492"/>
+              <a:gd name="adj2" fmla="val 50240"/>
+              <a:gd name="adj3" fmla="val 16667"/>
+            </a:avLst>
+          </a:prstGeom>
+        </p:spPr>
+        <p:style>
+          <a:lnRef idx="1">
+            <a:schemeClr val="accent4"/>
+          </a:lnRef>
+          <a:fillRef idx="2">
+            <a:schemeClr val="accent4"/>
+          </a:fillRef>
+          <a:effectRef idx="1">
+            <a:schemeClr val="accent4"/>
+          </a:effectRef>
+          <a:fontRef idx="minor">
+            <a:schemeClr val="dk1"/>
+          </a:fontRef>
+        </p:style>
+        <p:txBody>
+          <a:bodyPr rtlCol="0" anchor="t"/>
+          <a:lstStyle/>
+          <a:p>
+            <a:pPr algn="ctr"/>
+            <a:r>
+              <a:rPr lang="zh-TW" altLang="en-US" sz="1200" dirty="0">
+                <a:ea typeface="微軟正黑體" panose="020B0604030504040204" pitchFamily="34" charset="-120"/>
+              </a:rPr>
+              <a:t>沒有了</a:t>
+            </a:r>
+            <a:r>
+              <a:rPr lang="zh-TW" altLang="en-US" sz="1200" dirty="0" smtClean="0">
+                <a:ea typeface="微軟正黑體" panose="020B0604030504040204" pitchFamily="34" charset="-120"/>
+              </a:rPr>
+              <a:t>，改成　</a:t>
+            </a:r>
+            <a:r>
+              <a:rPr lang="en-US" altLang="zh-TW" sz="1200" dirty="0" smtClean="0">
+                <a:ea typeface="微軟正黑體" panose="020B0604030504040204" pitchFamily="34" charset="-120"/>
+              </a:rPr>
+              <a:t>/home/index </a:t>
+            </a:r>
+            <a:r>
+              <a:rPr lang="zh-TW" altLang="en-US" sz="1200" dirty="0" smtClean="0">
+                <a:ea typeface="微軟正黑體" panose="020B0604030504040204" pitchFamily="34" charset="-120"/>
+              </a:rPr>
+              <a:t>可以嗎？ </a:t>
+            </a:r>
+            <a:endParaRPr lang="en-US" altLang="zh-TW" sz="1200" dirty="0" smtClean="0">
+              <a:ea typeface="微軟正黑體" panose="020B0604030504040204" pitchFamily="34" charset="-120"/>
+            </a:endParaRPr>
+          </a:p>
+          <a:p>
+            <a:pPr algn="ctr"/>
+            <a:r>
+              <a:rPr lang="en-US" altLang="zh-TW" sz="1100" i="1" dirty="0" smtClean="0">
+                <a:ea typeface="微軟正黑體" panose="020B0604030504040204" pitchFamily="34" charset="-120"/>
+              </a:rPr>
+              <a:t>Code: 302 (Found)</a:t>
+            </a:r>
+          </a:p>
+          <a:p>
+            <a:pPr algn="ctr"/>
+            <a:r>
+              <a:rPr lang="en-US" altLang="zh-TW" sz="1100" i="1" dirty="0" smtClean="0">
+                <a:ea typeface="微軟正黑體" panose="020B0604030504040204" pitchFamily="34" charset="-120"/>
+              </a:rPr>
+              <a:t>URL: /first</a:t>
+            </a:r>
+            <a:endParaRPr lang="zh-TW" altLang="en-US" sz="1100" i="1" dirty="0">
+              <a:ea typeface="微軟正黑體" panose="020B0604030504040204" pitchFamily="34" charset="-120"/>
+            </a:endParaRPr>
+          </a:p>
+        </p:txBody>
+      </p:sp>
+      <p:sp>
+        <p:nvSpPr>
+          <p:cNvPr id="121" name="圓角矩形圖說文字 120"/>
+          <p:cNvSpPr/>
+          <p:nvPr/>
+        </p:nvSpPr>
+        <p:spPr>
+          <a:xfrm>
+            <a:off x="6831395" y="2086177"/>
+            <a:ext cx="1724541" cy="356189"/>
+          </a:xfrm>
+          <a:prstGeom prst="wedgeRoundRectCallout">
+            <a:avLst>
+              <a:gd name="adj1" fmla="val -59312"/>
+              <a:gd name="adj2" fmla="val -134417"/>
+              <a:gd name="adj3" fmla="val 16667"/>
+            </a:avLst>
+          </a:prstGeom>
+        </p:spPr>
+        <p:style>
+          <a:lnRef idx="1">
+            <a:schemeClr val="accent4"/>
+          </a:lnRef>
+          <a:fillRef idx="2">
+            <a:schemeClr val="accent4"/>
+          </a:fillRef>
+          <a:effectRef idx="1">
+            <a:schemeClr val="accent4"/>
+          </a:effectRef>
+          <a:fontRef idx="minor">
+            <a:schemeClr val="dk1"/>
+          </a:fontRef>
+        </p:style>
+        <p:txBody>
+          <a:bodyPr rtlCol="0" anchor="ctr"/>
+          <a:lstStyle/>
+          <a:p>
+            <a:r>
+              <a:rPr lang="zh-TW" altLang="en-US" sz="1200" dirty="0" smtClean="0">
+                <a:ea typeface="微軟正黑體" panose="020B0604030504040204" pitchFamily="34" charset="-120"/>
+              </a:rPr>
+              <a:t>好吧</a:t>
+            </a:r>
+            <a:r>
+              <a:rPr lang="en-US" altLang="zh-TW" sz="1200" dirty="0" smtClean="0">
+                <a:ea typeface="微軟正黑體" panose="020B0604030504040204" pitchFamily="34" charset="-120"/>
+              </a:rPr>
+              <a:t>!</a:t>
+            </a:r>
+            <a:r>
+              <a:rPr lang="zh-TW" altLang="en-US" sz="1200" dirty="0" smtClean="0">
+                <a:ea typeface="微軟正黑體" panose="020B0604030504040204" pitchFamily="34" charset="-120"/>
+              </a:rPr>
+              <a:t> 給我</a:t>
+            </a:r>
+            <a:r>
+              <a:rPr lang="en-US" altLang="zh-TW" sz="1200" dirty="0" smtClean="0">
+                <a:ea typeface="微軟正黑體" panose="020B0604030504040204" pitchFamily="34" charset="-120"/>
+              </a:rPr>
+              <a:t>/home/index</a:t>
+            </a:r>
+            <a:endParaRPr lang="en-US" altLang="zh-TW" sz="1200" dirty="0">
+              <a:ea typeface="微軟正黑體" panose="020B0604030504040204" pitchFamily="34" charset="-120"/>
+            </a:endParaRPr>
+          </a:p>
+        </p:txBody>
+      </p:sp>
+      <p:sp>
+        <p:nvSpPr>
+          <p:cNvPr id="122" name="橢圓 121"/>
+          <p:cNvSpPr/>
+          <p:nvPr/>
+        </p:nvSpPr>
+        <p:spPr>
+          <a:xfrm>
+            <a:off x="6666918" y="2010229"/>
+            <a:ext cx="213212" cy="213212"/>
+          </a:xfrm>
+          <a:prstGeom prst="ellipse">
+            <a:avLst/>
+          </a:prstGeom>
+        </p:spPr>
+        <p:style>
+          <a:lnRef idx="0">
+            <a:schemeClr val="accent2"/>
+          </a:lnRef>
+          <a:fillRef idx="3">
+            <a:schemeClr val="accent2"/>
+          </a:fillRef>
+          <a:effectRef idx="3">
+            <a:schemeClr val="accent2"/>
+          </a:effectRef>
+          <a:fontRef idx="minor">
+            <a:schemeClr val="lt1"/>
+          </a:fontRef>
+        </p:style>
+        <p:txBody>
+          <a:bodyPr rtlCol="0" anchor="ctr"/>
+          <a:lstStyle/>
+          <a:p>
+            <a:pPr algn="ctr"/>
+            <a:r>
+              <a:rPr lang="en-US" altLang="zh-TW" sz="1200" b="1" dirty="0" smtClean="0">
+                <a:ea typeface="微軟正黑體" panose="020B0604030504040204" pitchFamily="34" charset="-120"/>
+              </a:rPr>
+              <a:t>5</a:t>
+            </a:r>
+            <a:endParaRPr lang="zh-TW" altLang="en-US" sz="1200" b="1" dirty="0">
+              <a:ea typeface="微軟正黑體" panose="020B0604030504040204" pitchFamily="34" charset="-120"/>
+            </a:endParaRPr>
+          </a:p>
+        </p:txBody>
+      </p:sp>
+      <p:sp>
+        <p:nvSpPr>
+          <p:cNvPr id="123" name="橢圓 122"/>
+          <p:cNvSpPr/>
+          <p:nvPr/>
+        </p:nvSpPr>
+        <p:spPr>
+          <a:xfrm>
+            <a:off x="6983653" y="1044777"/>
+            <a:ext cx="213212" cy="213212"/>
+          </a:xfrm>
+          <a:prstGeom prst="ellipse">
+            <a:avLst/>
+          </a:prstGeom>
+        </p:spPr>
+        <p:style>
+          <a:lnRef idx="0">
+            <a:schemeClr val="accent2"/>
+          </a:lnRef>
+          <a:fillRef idx="3">
+            <a:schemeClr val="accent2"/>
+          </a:fillRef>
+          <a:effectRef idx="3">
+            <a:schemeClr val="accent2"/>
+          </a:effectRef>
+          <a:fontRef idx="minor">
+            <a:schemeClr val="lt1"/>
+          </a:fontRef>
+        </p:style>
+        <p:txBody>
+          <a:bodyPr rtlCol="0" anchor="ctr"/>
+          <a:lstStyle/>
+          <a:p>
+            <a:pPr algn="ctr"/>
+            <a:r>
+              <a:rPr lang="en-US" altLang="zh-TW" sz="1200" b="1" dirty="0" smtClean="0">
+                <a:ea typeface="微軟正黑體" panose="020B0604030504040204" pitchFamily="34" charset="-120"/>
+              </a:rPr>
+              <a:t>4</a:t>
+            </a:r>
+            <a:endParaRPr lang="zh-TW" altLang="en-US" sz="1200" b="1" dirty="0">
+              <a:ea typeface="微軟正黑體" panose="020B0604030504040204" pitchFamily="34" charset="-120"/>
+            </a:endParaRPr>
+          </a:p>
+        </p:txBody>
+      </p:sp>
+    </p:spTree>
+    <p:extLst>
+      <p:ext uri="{BB962C8B-B14F-4D97-AF65-F5344CB8AC3E}">
+        <p14:creationId xmlns:p14="http://schemas.microsoft.com/office/powerpoint/2010/main" val="3943133287"/>
+      </p:ext>
+    </p:extLst>
+  </p:cSld>
+  <p:clrMapOvr>
+    <a:masterClrMapping/>
+  </p:clrMapOvr>
+  <p:timing>
+    <p:tnLst>
+      <p:par>
+        <p:cTn id="1" dur="indefinite" restart="never" nodeType="tmRoot"/>
+      </p:par>
+    </p:tnLst>
+  </p:timing>
+</p:sld>
+</file>
+
+<file path=ppt/slides/slide13.xml><?xml version="1.0" encoding="utf-8"?>
 <p:sld xmlns:a="http://schemas.openxmlformats.org/drawingml/2006/main" xmlns:r="http://schemas.openxmlformats.org/officeDocument/2006/relationships" xmlns:p="http://schemas.openxmlformats.org/presentationml/2006/main">
   <p:cSld>
     <p:spTree>
@@ -10957,7 +12812,7 @@
 </p:sld>
 </file>
 
-<file path=ppt/slides/slide13.xml><?xml version="1.0" encoding="utf-8"?>
+<file path=ppt/slides/slide14.xml><?xml version="1.0" encoding="utf-8"?>
 <p:sld xmlns:a="http://schemas.openxmlformats.org/drawingml/2006/main" xmlns:r="http://schemas.openxmlformats.org/officeDocument/2006/relationships" xmlns:p="http://schemas.openxmlformats.org/presentationml/2006/main">
   <p:cSld>
     <p:spTree>
@@ -13706,7 +15561,7 @@
 </p:sld>
 </file>
 
-<file path=ppt/slides/slide14.xml><?xml version="1.0" encoding="utf-8"?>
+<file path=ppt/slides/slide15.xml><?xml version="1.0" encoding="utf-8"?>
 <p:sld xmlns:a="http://schemas.openxmlformats.org/drawingml/2006/main" xmlns:r="http://schemas.openxmlformats.org/officeDocument/2006/relationships" xmlns:p="http://schemas.openxmlformats.org/presentationml/2006/main">
   <p:cSld>
     <p:spTree>
@@ -14135,7 +15990,7 @@
 </p:sld>
 </file>
 
-<file path=ppt/slides/slide15.xml><?xml version="1.0" encoding="utf-8"?>
+<file path=ppt/slides/slide16.xml><?xml version="1.0" encoding="utf-8"?>
 <p:sld xmlns:a="http://schemas.openxmlformats.org/drawingml/2006/main" xmlns:r="http://schemas.openxmlformats.org/officeDocument/2006/relationships" xmlns:p="http://schemas.openxmlformats.org/presentationml/2006/main">
   <p:cSld>
     <p:spTree>
@@ -14752,7 +16607,7 @@
 </p:sld>
 </file>
 
-<file path=ppt/slides/slide16.xml><?xml version="1.0" encoding="utf-8"?>
+<file path=ppt/slides/slide17.xml><?xml version="1.0" encoding="utf-8"?>
 <p:sld xmlns:a="http://schemas.openxmlformats.org/drawingml/2006/main" xmlns:r="http://schemas.openxmlformats.org/officeDocument/2006/relationships" xmlns:p="http://schemas.openxmlformats.org/presentationml/2006/main">
   <p:cSld>
     <p:spTree>
@@ -15494,7 +17349,7 @@
 </p:sld>
 </file>
 
-<file path=ppt/slides/slide17.xml><?xml version="1.0" encoding="utf-8"?>
+<file path=ppt/slides/slide18.xml><?xml version="1.0" encoding="utf-8"?>
 <p:sld xmlns:a="http://schemas.openxmlformats.org/drawingml/2006/main" xmlns:r="http://schemas.openxmlformats.org/officeDocument/2006/relationships" xmlns:p="http://schemas.openxmlformats.org/presentationml/2006/main">
   <p:cSld>
     <p:spTree>
@@ -16398,868 +18253,6 @@
 </p:sld>
 </file>
 
-<file path=ppt/slides/slide18.xml><?xml version="1.0" encoding="utf-8"?>
-<p:sld xmlns:a="http://schemas.openxmlformats.org/drawingml/2006/main" xmlns:r="http://schemas.openxmlformats.org/officeDocument/2006/relationships" xmlns:p="http://schemas.openxmlformats.org/presentationml/2006/main">
-  <p:cSld>
-    <p:spTree>
-      <p:nvGrpSpPr>
-        <p:cNvPr id="1" name=""/>
-        <p:cNvGrpSpPr/>
-        <p:nvPr/>
-      </p:nvGrpSpPr>
-      <p:grpSpPr>
-        <a:xfrm>
-          <a:off x="0" y="0"/>
-          <a:ext cx="0" cy="0"/>
-          <a:chOff x="0" y="0"/>
-          <a:chExt cx="0" cy="0"/>
-        </a:xfrm>
-      </p:grpSpPr>
-      <p:sp>
-        <p:nvSpPr>
-          <p:cNvPr id="3" name="矩形 2"/>
-          <p:cNvSpPr/>
-          <p:nvPr/>
-        </p:nvSpPr>
-        <p:spPr>
-          <a:xfrm>
-            <a:off x="433235" y="-4014395"/>
-            <a:ext cx="7634668" cy="4294501"/>
-          </a:xfrm>
-          <a:prstGeom prst="rect">
-            <a:avLst/>
-          </a:prstGeom>
-        </p:spPr>
-        <p:style>
-          <a:lnRef idx="2">
-            <a:schemeClr val="dk1">
-              <a:shade val="50000"/>
-            </a:schemeClr>
-          </a:lnRef>
-          <a:fillRef idx="1">
-            <a:schemeClr val="dk1"/>
-          </a:fillRef>
-          <a:effectRef idx="0">
-            <a:schemeClr val="dk1"/>
-          </a:effectRef>
-          <a:fontRef idx="minor">
-            <a:schemeClr val="lt1"/>
-          </a:fontRef>
-        </p:style>
-        <p:txBody>
-          <a:bodyPr rtlCol="0" anchor="ctr"/>
-          <a:lstStyle/>
-          <a:p>
-            <a:pPr algn="ctr"/>
-            <a:endParaRPr lang="zh-TW" altLang="en-US"/>
-          </a:p>
-        </p:txBody>
-      </p:sp>
-      <p:sp>
-        <p:nvSpPr>
-          <p:cNvPr id="13" name="矩形 12"/>
-          <p:cNvSpPr/>
-          <p:nvPr/>
-        </p:nvSpPr>
-        <p:spPr>
-          <a:xfrm>
-            <a:off x="6784603" y="1769146"/>
-            <a:ext cx="1467582" cy="3904552"/>
-          </a:xfrm>
-          <a:prstGeom prst="rect">
-            <a:avLst/>
-          </a:prstGeom>
-        </p:spPr>
-        <p:style>
-          <a:lnRef idx="1">
-            <a:schemeClr val="accent6"/>
-          </a:lnRef>
-          <a:fillRef idx="3">
-            <a:schemeClr val="accent6"/>
-          </a:fillRef>
-          <a:effectRef idx="2">
-            <a:schemeClr val="accent6"/>
-          </a:effectRef>
-          <a:fontRef idx="minor">
-            <a:schemeClr val="lt1"/>
-          </a:fontRef>
-        </p:style>
-        <p:txBody>
-          <a:bodyPr rtlCol="0" anchor="ctr"/>
-          <a:lstStyle/>
-          <a:p>
-            <a:pPr algn="ctr"/>
-            <a:r>
-              <a:rPr lang="en-US" altLang="zh-TW" sz="1600" b="1" dirty="0" smtClean="0"/>
-              <a:t>Action</a:t>
-            </a:r>
-            <a:endParaRPr lang="zh-TW" altLang="en-US" sz="1600" b="1" dirty="0"/>
-          </a:p>
-        </p:txBody>
-      </p:sp>
-      <p:sp>
-        <p:nvSpPr>
-          <p:cNvPr id="16" name="矩形 15"/>
-          <p:cNvSpPr/>
-          <p:nvPr/>
-        </p:nvSpPr>
-        <p:spPr>
-          <a:xfrm rot="5400000">
-            <a:off x="-29173" y="3361421"/>
-            <a:ext cx="3904550" cy="720000"/>
-          </a:xfrm>
-          <a:prstGeom prst="rect">
-            <a:avLst/>
-          </a:prstGeom>
-        </p:spPr>
-        <p:style>
-          <a:lnRef idx="0">
-            <a:schemeClr val="accent2"/>
-          </a:lnRef>
-          <a:fillRef idx="3">
-            <a:schemeClr val="accent2"/>
-          </a:fillRef>
-          <a:effectRef idx="3">
-            <a:schemeClr val="accent2"/>
-          </a:effectRef>
-          <a:fontRef idx="minor">
-            <a:schemeClr val="lt1"/>
-          </a:fontRef>
-        </p:style>
-        <p:txBody>
-          <a:bodyPr rtlCol="0" anchor="ctr"/>
-          <a:lstStyle/>
-          <a:p>
-            <a:pPr algn="ctr"/>
-            <a:r>
-              <a:rPr lang="en-US" altLang="zh-TW" sz="1600" b="1" dirty="0" smtClean="0"/>
-              <a:t>HTTP</a:t>
-            </a:r>
-            <a:r>
-              <a:rPr lang="zh-TW" altLang="en-US" sz="1600" b="1" dirty="0" smtClean="0"/>
-              <a:t> </a:t>
-            </a:r>
-            <a:r>
-              <a:rPr lang="en-US" altLang="zh-TW" sz="1600" b="1" dirty="0" smtClean="0"/>
-              <a:t>Module 1</a:t>
-            </a:r>
-            <a:endParaRPr lang="zh-TW" altLang="en-US" sz="1600" b="1" dirty="0"/>
-          </a:p>
-        </p:txBody>
-      </p:sp>
-      <p:sp>
-        <p:nvSpPr>
-          <p:cNvPr id="19" name="矩形 18"/>
-          <p:cNvSpPr/>
-          <p:nvPr/>
-        </p:nvSpPr>
-        <p:spPr>
-          <a:xfrm rot="5400000">
-            <a:off x="4148025" y="3361423"/>
-            <a:ext cx="3904553" cy="720000"/>
-          </a:xfrm>
-          <a:prstGeom prst="rect">
-            <a:avLst/>
-          </a:prstGeom>
-        </p:spPr>
-        <p:style>
-          <a:lnRef idx="1">
-            <a:schemeClr val="accent1"/>
-          </a:lnRef>
-          <a:fillRef idx="3">
-            <a:schemeClr val="accent1"/>
-          </a:fillRef>
-          <a:effectRef idx="2">
-            <a:schemeClr val="accent1"/>
-          </a:effectRef>
-          <a:fontRef idx="minor">
-            <a:schemeClr val="lt1"/>
-          </a:fontRef>
-        </p:style>
-        <p:txBody>
-          <a:bodyPr rtlCol="0" anchor="ctr"/>
-          <a:lstStyle/>
-          <a:p>
-            <a:pPr algn="ctr"/>
-            <a:r>
-              <a:rPr lang="en-US" altLang="zh-TW" sz="1600" b="1" dirty="0" smtClean="0"/>
-              <a:t>Action Filters</a:t>
-            </a:r>
-            <a:endParaRPr lang="zh-TW" altLang="en-US" sz="1600" b="1" dirty="0"/>
-          </a:p>
-        </p:txBody>
-      </p:sp>
-      <p:sp>
-        <p:nvSpPr>
-          <p:cNvPr id="24" name="Send Log F2L"/>
-          <p:cNvSpPr/>
-          <p:nvPr/>
-        </p:nvSpPr>
-        <p:spPr>
-          <a:xfrm>
-            <a:off x="693546" y="2081489"/>
-            <a:ext cx="1080000" cy="540000"/>
-          </a:xfrm>
-          <a:prstGeom prst="rightArrow">
-            <a:avLst/>
-          </a:prstGeom>
-        </p:spPr>
-        <p:style>
-          <a:lnRef idx="1">
-            <a:schemeClr val="accent4"/>
-          </a:lnRef>
-          <a:fillRef idx="2">
-            <a:schemeClr val="accent4"/>
-          </a:fillRef>
-          <a:effectRef idx="1">
-            <a:schemeClr val="accent4"/>
-          </a:effectRef>
-          <a:fontRef idx="minor">
-            <a:schemeClr val="dk1"/>
-          </a:fontRef>
-        </p:style>
-        <p:txBody>
-          <a:bodyPr rtlCol="0" anchor="ctr"/>
-          <a:lstStyle/>
-          <a:p>
-            <a:pPr algn="ctr"/>
-            <a:r>
-              <a:rPr lang="en-US" altLang="zh-TW" sz="1400" b="1" dirty="0" smtClean="0"/>
-              <a:t>Request</a:t>
-            </a:r>
-            <a:endParaRPr lang="zh-TW" altLang="en-US" sz="1400" b="1" dirty="0"/>
-          </a:p>
-        </p:txBody>
-      </p:sp>
-      <p:sp>
-        <p:nvSpPr>
-          <p:cNvPr id="28" name="Send Log F2L"/>
-          <p:cNvSpPr/>
-          <p:nvPr/>
-        </p:nvSpPr>
-        <p:spPr>
-          <a:xfrm flipH="1">
-            <a:off x="693546" y="4785700"/>
-            <a:ext cx="1080000" cy="540000"/>
-          </a:xfrm>
-          <a:prstGeom prst="rightArrow">
-            <a:avLst/>
-          </a:prstGeom>
-        </p:spPr>
-        <p:style>
-          <a:lnRef idx="1">
-            <a:schemeClr val="accent4"/>
-          </a:lnRef>
-          <a:fillRef idx="2">
-            <a:schemeClr val="accent4"/>
-          </a:fillRef>
-          <a:effectRef idx="1">
-            <a:schemeClr val="accent4"/>
-          </a:effectRef>
-          <a:fontRef idx="minor">
-            <a:schemeClr val="dk1"/>
-          </a:fontRef>
-        </p:style>
-        <p:txBody>
-          <a:bodyPr rtlCol="0" anchor="ctr"/>
-          <a:lstStyle/>
-          <a:p>
-            <a:pPr algn="ctr"/>
-            <a:r>
-              <a:rPr lang="en-US" altLang="zh-TW" sz="1400" b="1" dirty="0" err="1"/>
-              <a:t>Respose</a:t>
-            </a:r>
-            <a:endParaRPr lang="zh-TW" altLang="en-US" sz="1400" b="1" dirty="0"/>
-          </a:p>
-        </p:txBody>
-      </p:sp>
-      <p:sp>
-        <p:nvSpPr>
-          <p:cNvPr id="32" name="矩形 31"/>
-          <p:cNvSpPr/>
-          <p:nvPr/>
-        </p:nvSpPr>
-        <p:spPr>
-          <a:xfrm rot="5400000">
-            <a:off x="1021687" y="3361421"/>
-            <a:ext cx="3904550" cy="720000"/>
-          </a:xfrm>
-          <a:prstGeom prst="rect">
-            <a:avLst/>
-          </a:prstGeom>
-        </p:spPr>
-        <p:style>
-          <a:lnRef idx="0">
-            <a:schemeClr val="accent2"/>
-          </a:lnRef>
-          <a:fillRef idx="3">
-            <a:schemeClr val="accent2"/>
-          </a:fillRef>
-          <a:effectRef idx="3">
-            <a:schemeClr val="accent2"/>
-          </a:effectRef>
-          <a:fontRef idx="minor">
-            <a:schemeClr val="lt1"/>
-          </a:fontRef>
-        </p:style>
-        <p:txBody>
-          <a:bodyPr rtlCol="0" anchor="ctr"/>
-          <a:lstStyle/>
-          <a:p>
-            <a:pPr algn="ctr"/>
-            <a:r>
-              <a:rPr lang="en-US" altLang="zh-TW" sz="1600" b="1" dirty="0" smtClean="0"/>
-              <a:t>HTTP</a:t>
-            </a:r>
-            <a:r>
-              <a:rPr lang="zh-TW" altLang="en-US" sz="1600" b="1" dirty="0" smtClean="0"/>
-              <a:t> </a:t>
-            </a:r>
-            <a:r>
-              <a:rPr lang="en-US" altLang="zh-TW" sz="1600" b="1" dirty="0" smtClean="0"/>
-              <a:t>Module 2</a:t>
-            </a:r>
-            <a:endParaRPr lang="zh-TW" altLang="en-US" sz="1600" b="1" dirty="0"/>
-          </a:p>
-        </p:txBody>
-      </p:sp>
-      <p:sp>
-        <p:nvSpPr>
-          <p:cNvPr id="33" name="矩形 32"/>
-          <p:cNvSpPr/>
-          <p:nvPr/>
-        </p:nvSpPr>
-        <p:spPr>
-          <a:xfrm rot="5400000">
-            <a:off x="2055656" y="3361421"/>
-            <a:ext cx="3904550" cy="720000"/>
-          </a:xfrm>
-          <a:prstGeom prst="rect">
-            <a:avLst/>
-          </a:prstGeom>
-        </p:spPr>
-        <p:style>
-          <a:lnRef idx="0">
-            <a:schemeClr val="accent2"/>
-          </a:lnRef>
-          <a:fillRef idx="3">
-            <a:schemeClr val="accent2"/>
-          </a:fillRef>
-          <a:effectRef idx="3">
-            <a:schemeClr val="accent2"/>
-          </a:effectRef>
-          <a:fontRef idx="minor">
-            <a:schemeClr val="lt1"/>
-          </a:fontRef>
-        </p:style>
-        <p:txBody>
-          <a:bodyPr rtlCol="0" anchor="ctr"/>
-          <a:lstStyle/>
-          <a:p>
-            <a:pPr algn="ctr"/>
-            <a:r>
-              <a:rPr lang="en-US" altLang="zh-TW" sz="1600" b="1" dirty="0" smtClean="0"/>
-              <a:t>HTTP</a:t>
-            </a:r>
-            <a:r>
-              <a:rPr lang="zh-TW" altLang="en-US" sz="1600" b="1" dirty="0" smtClean="0"/>
-              <a:t> </a:t>
-            </a:r>
-            <a:r>
-              <a:rPr lang="en-US" altLang="zh-TW" sz="1600" b="1" dirty="0" smtClean="0"/>
-              <a:t>Module n</a:t>
-            </a:r>
-            <a:endParaRPr lang="zh-TW" altLang="en-US" sz="1600" b="1" dirty="0"/>
-          </a:p>
-        </p:txBody>
-      </p:sp>
-      <p:sp>
-        <p:nvSpPr>
-          <p:cNvPr id="34" name="矩形 33"/>
-          <p:cNvSpPr/>
-          <p:nvPr/>
-        </p:nvSpPr>
-        <p:spPr>
-          <a:xfrm rot="5400000">
-            <a:off x="3110557" y="3361420"/>
-            <a:ext cx="3904553" cy="720000"/>
-          </a:xfrm>
-          <a:prstGeom prst="rect">
-            <a:avLst/>
-          </a:prstGeom>
-        </p:spPr>
-        <p:style>
-          <a:lnRef idx="1">
-            <a:schemeClr val="accent1"/>
-          </a:lnRef>
-          <a:fillRef idx="3">
-            <a:schemeClr val="accent1"/>
-          </a:fillRef>
-          <a:effectRef idx="2">
-            <a:schemeClr val="accent1"/>
-          </a:effectRef>
-          <a:fontRef idx="minor">
-            <a:schemeClr val="lt1"/>
-          </a:fontRef>
-        </p:style>
-        <p:txBody>
-          <a:bodyPr rtlCol="0" anchor="ctr"/>
-          <a:lstStyle/>
-          <a:p>
-            <a:pPr algn="ctr"/>
-            <a:r>
-              <a:rPr lang="en-US" altLang="zh-TW" sz="1600" b="1" dirty="0" smtClean="0"/>
-              <a:t>HTTP Handlers</a:t>
-            </a:r>
-            <a:endParaRPr lang="zh-TW" altLang="en-US" sz="1600" b="1" dirty="0"/>
-          </a:p>
-        </p:txBody>
-      </p:sp>
-      <p:sp>
-        <p:nvSpPr>
-          <p:cNvPr id="45" name="Send Log F2L"/>
-          <p:cNvSpPr/>
-          <p:nvPr/>
-        </p:nvSpPr>
-        <p:spPr>
-          <a:xfrm>
-            <a:off x="4252687" y="2077190"/>
-            <a:ext cx="585919" cy="540000"/>
-          </a:xfrm>
-          <a:prstGeom prst="rightArrow">
-            <a:avLst/>
-          </a:prstGeom>
-        </p:spPr>
-        <p:style>
-          <a:lnRef idx="1">
-            <a:schemeClr val="accent4"/>
-          </a:lnRef>
-          <a:fillRef idx="2">
-            <a:schemeClr val="accent4"/>
-          </a:fillRef>
-          <a:effectRef idx="1">
-            <a:schemeClr val="accent4"/>
-          </a:effectRef>
-          <a:fontRef idx="minor">
-            <a:schemeClr val="dk1"/>
-          </a:fontRef>
-        </p:style>
-        <p:txBody>
-          <a:bodyPr rtlCol="0" anchor="ctr"/>
-          <a:lstStyle/>
-          <a:p>
-            <a:pPr algn="ctr"/>
-            <a:endParaRPr lang="zh-TW" altLang="en-US" sz="1400" b="1" dirty="0"/>
-          </a:p>
-        </p:txBody>
-      </p:sp>
-      <p:sp>
-        <p:nvSpPr>
-          <p:cNvPr id="46" name="Send Log F2L"/>
-          <p:cNvSpPr/>
-          <p:nvPr/>
-        </p:nvSpPr>
-        <p:spPr>
-          <a:xfrm>
-            <a:off x="5288607" y="2072479"/>
-            <a:ext cx="585919" cy="540000"/>
-          </a:xfrm>
-          <a:prstGeom prst="rightArrow">
-            <a:avLst/>
-          </a:prstGeom>
-        </p:spPr>
-        <p:style>
-          <a:lnRef idx="1">
-            <a:schemeClr val="accent4"/>
-          </a:lnRef>
-          <a:fillRef idx="2">
-            <a:schemeClr val="accent4"/>
-          </a:fillRef>
-          <a:effectRef idx="1">
-            <a:schemeClr val="accent4"/>
-          </a:effectRef>
-          <a:fontRef idx="minor">
-            <a:schemeClr val="dk1"/>
-          </a:fontRef>
-        </p:style>
-        <p:txBody>
-          <a:bodyPr rtlCol="0" anchor="ctr"/>
-          <a:lstStyle/>
-          <a:p>
-            <a:pPr algn="ctr"/>
-            <a:endParaRPr lang="zh-TW" altLang="en-US" sz="1400" b="1" dirty="0"/>
-          </a:p>
-        </p:txBody>
-      </p:sp>
-      <p:sp>
-        <p:nvSpPr>
-          <p:cNvPr id="47" name="Send Log F2L"/>
-          <p:cNvSpPr/>
-          <p:nvPr/>
-        </p:nvSpPr>
-        <p:spPr>
-          <a:xfrm>
-            <a:off x="6324529" y="2081489"/>
-            <a:ext cx="585919" cy="540000"/>
-          </a:xfrm>
-          <a:prstGeom prst="rightArrow">
-            <a:avLst/>
-          </a:prstGeom>
-        </p:spPr>
-        <p:style>
-          <a:lnRef idx="1">
-            <a:schemeClr val="accent4"/>
-          </a:lnRef>
-          <a:fillRef idx="2">
-            <a:schemeClr val="accent4"/>
-          </a:fillRef>
-          <a:effectRef idx="1">
-            <a:schemeClr val="accent4"/>
-          </a:effectRef>
-          <a:fontRef idx="minor">
-            <a:schemeClr val="dk1"/>
-          </a:fontRef>
-        </p:style>
-        <p:txBody>
-          <a:bodyPr rtlCol="0" anchor="ctr"/>
-          <a:lstStyle/>
-          <a:p>
-            <a:pPr algn="ctr"/>
-            <a:endParaRPr lang="zh-TW" altLang="en-US" sz="1400" b="1" dirty="0"/>
-          </a:p>
-        </p:txBody>
-      </p:sp>
-      <p:sp>
-        <p:nvSpPr>
-          <p:cNvPr id="48" name="Send Log F2L"/>
-          <p:cNvSpPr/>
-          <p:nvPr/>
-        </p:nvSpPr>
-        <p:spPr>
-          <a:xfrm>
-            <a:off x="3216767" y="2081489"/>
-            <a:ext cx="585919" cy="540000"/>
-          </a:xfrm>
-          <a:prstGeom prst="rightArrow">
-            <a:avLst/>
-          </a:prstGeom>
-        </p:spPr>
-        <p:style>
-          <a:lnRef idx="1">
-            <a:schemeClr val="accent4"/>
-          </a:lnRef>
-          <a:fillRef idx="2">
-            <a:schemeClr val="accent4"/>
-          </a:fillRef>
-          <a:effectRef idx="1">
-            <a:schemeClr val="accent4"/>
-          </a:effectRef>
-          <a:fontRef idx="minor">
-            <a:schemeClr val="dk1"/>
-          </a:fontRef>
-        </p:style>
-        <p:txBody>
-          <a:bodyPr rtlCol="0" anchor="ctr"/>
-          <a:lstStyle/>
-          <a:p>
-            <a:pPr algn="ctr"/>
-            <a:endParaRPr lang="zh-TW" altLang="en-US" sz="1400" b="1" dirty="0"/>
-          </a:p>
-        </p:txBody>
-      </p:sp>
-      <p:sp>
-        <p:nvSpPr>
-          <p:cNvPr id="49" name="Send Log F2L"/>
-          <p:cNvSpPr/>
-          <p:nvPr/>
-        </p:nvSpPr>
-        <p:spPr>
-          <a:xfrm>
-            <a:off x="2180847" y="2081489"/>
-            <a:ext cx="585919" cy="540000"/>
-          </a:xfrm>
-          <a:prstGeom prst="rightArrow">
-            <a:avLst/>
-          </a:prstGeom>
-        </p:spPr>
-        <p:style>
-          <a:lnRef idx="1">
-            <a:schemeClr val="accent4"/>
-          </a:lnRef>
-          <a:fillRef idx="2">
-            <a:schemeClr val="accent4"/>
-          </a:fillRef>
-          <a:effectRef idx="1">
-            <a:schemeClr val="accent4"/>
-          </a:effectRef>
-          <a:fontRef idx="minor">
-            <a:schemeClr val="dk1"/>
-          </a:fontRef>
-        </p:style>
-        <p:txBody>
-          <a:bodyPr rtlCol="0" anchor="ctr"/>
-          <a:lstStyle/>
-          <a:p>
-            <a:pPr algn="ctr"/>
-            <a:endParaRPr lang="zh-TW" altLang="en-US" sz="1400" b="1" dirty="0"/>
-          </a:p>
-        </p:txBody>
-      </p:sp>
-      <p:sp>
-        <p:nvSpPr>
-          <p:cNvPr id="35" name="Send Log F2L"/>
-          <p:cNvSpPr/>
-          <p:nvPr/>
-        </p:nvSpPr>
-        <p:spPr>
-          <a:xfrm rot="10800000">
-            <a:off x="4255333" y="4774992"/>
-            <a:ext cx="585919" cy="540000"/>
-          </a:xfrm>
-          <a:prstGeom prst="rightArrow">
-            <a:avLst/>
-          </a:prstGeom>
-        </p:spPr>
-        <p:style>
-          <a:lnRef idx="1">
-            <a:schemeClr val="accent4"/>
-          </a:lnRef>
-          <a:fillRef idx="2">
-            <a:schemeClr val="accent4"/>
-          </a:fillRef>
-          <a:effectRef idx="1">
-            <a:schemeClr val="accent4"/>
-          </a:effectRef>
-          <a:fontRef idx="minor">
-            <a:schemeClr val="dk1"/>
-          </a:fontRef>
-        </p:style>
-        <p:txBody>
-          <a:bodyPr rtlCol="0" anchor="ctr"/>
-          <a:lstStyle/>
-          <a:p>
-            <a:pPr algn="ctr"/>
-            <a:endParaRPr lang="zh-TW" altLang="en-US" sz="1400" b="1" dirty="0"/>
-          </a:p>
-        </p:txBody>
-      </p:sp>
-      <p:sp>
-        <p:nvSpPr>
-          <p:cNvPr id="36" name="Send Log F2L"/>
-          <p:cNvSpPr/>
-          <p:nvPr/>
-        </p:nvSpPr>
-        <p:spPr>
-          <a:xfrm rot="10800000">
-            <a:off x="5291253" y="4770281"/>
-            <a:ext cx="585919" cy="540000"/>
-          </a:xfrm>
-          <a:prstGeom prst="rightArrow">
-            <a:avLst/>
-          </a:prstGeom>
-        </p:spPr>
-        <p:style>
-          <a:lnRef idx="1">
-            <a:schemeClr val="accent4"/>
-          </a:lnRef>
-          <a:fillRef idx="2">
-            <a:schemeClr val="accent4"/>
-          </a:fillRef>
-          <a:effectRef idx="1">
-            <a:schemeClr val="accent4"/>
-          </a:effectRef>
-          <a:fontRef idx="minor">
-            <a:schemeClr val="dk1"/>
-          </a:fontRef>
-        </p:style>
-        <p:txBody>
-          <a:bodyPr rtlCol="0" anchor="ctr"/>
-          <a:lstStyle/>
-          <a:p>
-            <a:pPr algn="ctr"/>
-            <a:endParaRPr lang="zh-TW" altLang="en-US" sz="1400" b="1" dirty="0"/>
-          </a:p>
-        </p:txBody>
-      </p:sp>
-      <p:sp>
-        <p:nvSpPr>
-          <p:cNvPr id="39" name="Send Log F2L"/>
-          <p:cNvSpPr/>
-          <p:nvPr/>
-        </p:nvSpPr>
-        <p:spPr>
-          <a:xfrm rot="10800000">
-            <a:off x="6327175" y="4779291"/>
-            <a:ext cx="585919" cy="540000"/>
-          </a:xfrm>
-          <a:prstGeom prst="rightArrow">
-            <a:avLst/>
-          </a:prstGeom>
-        </p:spPr>
-        <p:style>
-          <a:lnRef idx="1">
-            <a:schemeClr val="accent4"/>
-          </a:lnRef>
-          <a:fillRef idx="2">
-            <a:schemeClr val="accent4"/>
-          </a:fillRef>
-          <a:effectRef idx="1">
-            <a:schemeClr val="accent4"/>
-          </a:effectRef>
-          <a:fontRef idx="minor">
-            <a:schemeClr val="dk1"/>
-          </a:fontRef>
-        </p:style>
-        <p:txBody>
-          <a:bodyPr rtlCol="0" anchor="ctr"/>
-          <a:lstStyle/>
-          <a:p>
-            <a:pPr algn="ctr"/>
-            <a:endParaRPr lang="zh-TW" altLang="en-US" sz="1400" b="1" dirty="0"/>
-          </a:p>
-        </p:txBody>
-      </p:sp>
-      <p:sp>
-        <p:nvSpPr>
-          <p:cNvPr id="40" name="Send Log F2L"/>
-          <p:cNvSpPr/>
-          <p:nvPr/>
-        </p:nvSpPr>
-        <p:spPr>
-          <a:xfrm rot="10800000">
-            <a:off x="3219413" y="4779291"/>
-            <a:ext cx="585919" cy="540000"/>
-          </a:xfrm>
-          <a:prstGeom prst="rightArrow">
-            <a:avLst/>
-          </a:prstGeom>
-        </p:spPr>
-        <p:style>
-          <a:lnRef idx="1">
-            <a:schemeClr val="accent4"/>
-          </a:lnRef>
-          <a:fillRef idx="2">
-            <a:schemeClr val="accent4"/>
-          </a:fillRef>
-          <a:effectRef idx="1">
-            <a:schemeClr val="accent4"/>
-          </a:effectRef>
-          <a:fontRef idx="minor">
-            <a:schemeClr val="dk1"/>
-          </a:fontRef>
-        </p:style>
-        <p:txBody>
-          <a:bodyPr rtlCol="0" anchor="ctr"/>
-          <a:lstStyle/>
-          <a:p>
-            <a:pPr algn="ctr"/>
-            <a:endParaRPr lang="zh-TW" altLang="en-US" sz="1400" b="1" dirty="0"/>
-          </a:p>
-        </p:txBody>
-      </p:sp>
-      <p:sp>
-        <p:nvSpPr>
-          <p:cNvPr id="51" name="Send Log F2L"/>
-          <p:cNvSpPr/>
-          <p:nvPr/>
-        </p:nvSpPr>
-        <p:spPr>
-          <a:xfrm rot="10800000">
-            <a:off x="2183493" y="4779291"/>
-            <a:ext cx="585919" cy="540000"/>
-          </a:xfrm>
-          <a:prstGeom prst="rightArrow">
-            <a:avLst/>
-          </a:prstGeom>
-        </p:spPr>
-        <p:style>
-          <a:lnRef idx="1">
-            <a:schemeClr val="accent4"/>
-          </a:lnRef>
-          <a:fillRef idx="2">
-            <a:schemeClr val="accent4"/>
-          </a:fillRef>
-          <a:effectRef idx="1">
-            <a:schemeClr val="accent4"/>
-          </a:effectRef>
-          <a:fontRef idx="minor">
-            <a:schemeClr val="dk1"/>
-          </a:fontRef>
-        </p:style>
-        <p:txBody>
-          <a:bodyPr rtlCol="0" anchor="ctr"/>
-          <a:lstStyle/>
-          <a:p>
-            <a:pPr algn="ctr"/>
-            <a:endParaRPr lang="zh-TW" altLang="en-US" sz="1400" b="1" dirty="0"/>
-          </a:p>
-        </p:txBody>
-      </p:sp>
-      <p:sp>
-        <p:nvSpPr>
-          <p:cNvPr id="15" name="標題 2"/>
-          <p:cNvSpPr>
-            <a:spLocks noGrp="1"/>
-          </p:cNvSpPr>
-          <p:nvPr>
-            <p:ph type="title"/>
-          </p:nvPr>
-        </p:nvSpPr>
-        <p:spPr>
-          <a:xfrm>
-            <a:off x="1726638" y="3058638"/>
-            <a:ext cx="5638015" cy="1325563"/>
-          </a:xfrm>
-          <a:noFill/>
-        </p:spPr>
-        <p:txBody>
-          <a:bodyPr>
-            <a:noAutofit/>
-          </a:bodyPr>
-          <a:lstStyle/>
-          <a:p>
-            <a:r>
-              <a:rPr lang="en-US" altLang="zh-TW" sz="6600" b="1" dirty="0" smtClean="0">
-                <a:solidFill>
-                  <a:schemeClr val="tx1">
-                    <a:alpha val="8000"/>
-                  </a:schemeClr>
-                </a:solidFill>
-                <a:latin typeface="+mn-lt"/>
-              </a:rPr>
-              <a:t>blog.johnwu.cc</a:t>
-            </a:r>
-            <a:endParaRPr lang="zh-TW" altLang="en-US" sz="6600" b="1" dirty="0">
-              <a:solidFill>
-                <a:schemeClr val="tx1">
-                  <a:alpha val="8000"/>
-                </a:schemeClr>
-              </a:solidFill>
-              <a:latin typeface="+mn-lt"/>
-            </a:endParaRPr>
-          </a:p>
-        </p:txBody>
-      </p:sp>
-    </p:spTree>
-    <p:extLst>
-      <p:ext uri="{BB962C8B-B14F-4D97-AF65-F5344CB8AC3E}">
-        <p14:creationId xmlns:p14="http://schemas.microsoft.com/office/powerpoint/2010/main" val="4015888149"/>
-      </p:ext>
-    </p:extLst>
-  </p:cSld>
-  <p:clrMapOvr>
-    <a:masterClrMapping/>
-  </p:clrMapOvr>
-  <p:timing>
-    <p:tnLst>
-      <p:par>
-        <p:cTn id="1" dur="indefinite" restart="never" nodeType="tmRoot"/>
-      </p:par>
-    </p:tnLst>
-  </p:timing>
-</p:sld>
-</file>
-
 <file path=ppt/slides/slide19.xml><?xml version="1.0" encoding="utf-8"?>
 <p:sld xmlns:a="http://schemas.openxmlformats.org/drawingml/2006/main" xmlns:r="http://schemas.openxmlformats.org/officeDocument/2006/relationships" xmlns:p="http://schemas.openxmlformats.org/presentationml/2006/main">
   <p:cSld>
@@ -17279,28 +18272,30 @@
       </p:grpSpPr>
       <p:sp>
         <p:nvSpPr>
-          <p:cNvPr id="5" name="矩形 4"/>
+          <p:cNvPr id="3" name="矩形 2"/>
           <p:cNvSpPr/>
           <p:nvPr/>
         </p:nvSpPr>
         <p:spPr>
           <a:xfrm>
-            <a:off x="3657600" y="990600"/>
-            <a:ext cx="1440000" cy="540000"/>
+            <a:off x="433235" y="-4014395"/>
+            <a:ext cx="7634668" cy="4294501"/>
           </a:xfrm>
           <a:prstGeom prst="rect">
             <a:avLst/>
           </a:prstGeom>
         </p:spPr>
         <p:style>
-          <a:lnRef idx="0">
-            <a:schemeClr val="accent4"/>
+          <a:lnRef idx="2">
+            <a:schemeClr val="dk1">
+              <a:shade val="50000"/>
+            </a:schemeClr>
           </a:lnRef>
-          <a:fillRef idx="3">
-            <a:schemeClr val="accent4"/>
+          <a:fillRef idx="1">
+            <a:schemeClr val="dk1"/>
           </a:fillRef>
-          <a:effectRef idx="3">
-            <a:schemeClr val="accent4"/>
+          <a:effectRef idx="0">
+            <a:schemeClr val="dk1"/>
           </a:effectRef>
           <a:fontRef idx="minor">
             <a:schemeClr val="lt1"/>
@@ -17311,39 +18306,33 @@
           <a:lstStyle/>
           <a:p>
             <a:pPr algn="ctr"/>
-            <a:r>
-              <a:rPr lang="en-US" altLang="zh-TW" dirty="0" smtClean="0"/>
-              <a:t>Module A</a:t>
-            </a:r>
-            <a:endParaRPr lang="zh-TW" altLang="en-US" dirty="0"/>
-          </a:p>
-        </p:txBody>
-      </p:sp>
-      <p:sp>
-        <p:nvSpPr>
-          <p:cNvPr id="6" name="矩形 5"/>
+            <a:endParaRPr lang="zh-TW" altLang="en-US"/>
+          </a:p>
+        </p:txBody>
+      </p:sp>
+      <p:sp>
+        <p:nvSpPr>
+          <p:cNvPr id="13" name="矩形 12"/>
           <p:cNvSpPr/>
           <p:nvPr/>
         </p:nvSpPr>
         <p:spPr>
           <a:xfrm>
-            <a:off x="2751000" y="1964122"/>
-            <a:ext cx="1440000" cy="540000"/>
+            <a:off x="6784603" y="1769146"/>
+            <a:ext cx="1467582" cy="3904552"/>
           </a:xfrm>
           <a:prstGeom prst="rect">
             <a:avLst/>
           </a:prstGeom>
         </p:spPr>
         <p:style>
-          <a:lnRef idx="2">
-            <a:schemeClr val="accent6">
-              <a:shade val="50000"/>
-            </a:schemeClr>
+          <a:lnRef idx="1">
+            <a:schemeClr val="accent6"/>
           </a:lnRef>
-          <a:fillRef idx="1">
+          <a:fillRef idx="3">
             <a:schemeClr val="accent6"/>
           </a:fillRef>
-          <a:effectRef idx="0">
+          <a:effectRef idx="2">
             <a:schemeClr val="accent6"/>
           </a:effectRef>
           <a:fontRef idx="minor">
@@ -17356,75 +18345,23 @@
           <a:p>
             <a:pPr algn="ctr"/>
             <a:r>
-              <a:rPr lang="en-US" altLang="zh-TW" dirty="0"/>
-              <a:t>Module </a:t>
-            </a:r>
-            <a:r>
-              <a:rPr lang="en-US" altLang="zh-TW" dirty="0" smtClean="0"/>
-              <a:t>B</a:t>
-            </a:r>
-            <a:endParaRPr lang="zh-TW" altLang="en-US" dirty="0"/>
-          </a:p>
-        </p:txBody>
-      </p:sp>
-      <p:sp>
-        <p:nvSpPr>
-          <p:cNvPr id="7" name="矩形 6"/>
+              <a:rPr lang="en-US" altLang="zh-TW" sz="1600" b="1" dirty="0" smtClean="0"/>
+              <a:t>Action</a:t>
+            </a:r>
+            <a:endParaRPr lang="zh-TW" altLang="en-US" sz="1600" b="1" dirty="0"/>
+          </a:p>
+        </p:txBody>
+      </p:sp>
+      <p:sp>
+        <p:nvSpPr>
+          <p:cNvPr id="16" name="矩形 15"/>
           <p:cNvSpPr/>
           <p:nvPr/>
         </p:nvSpPr>
         <p:spPr>
-          <a:xfrm>
-            <a:off x="4572000" y="1978886"/>
-            <a:ext cx="1440000" cy="540000"/>
-          </a:xfrm>
-          <a:prstGeom prst="rect">
-            <a:avLst/>
-          </a:prstGeom>
-        </p:spPr>
-        <p:style>
-          <a:lnRef idx="2">
-            <a:schemeClr val="accent6">
-              <a:shade val="50000"/>
-            </a:schemeClr>
-          </a:lnRef>
-          <a:fillRef idx="1">
-            <a:schemeClr val="accent6"/>
-          </a:fillRef>
-          <a:effectRef idx="0">
-            <a:schemeClr val="accent6"/>
-          </a:effectRef>
-          <a:fontRef idx="minor">
-            <a:schemeClr val="lt1"/>
-          </a:fontRef>
-        </p:style>
-        <p:txBody>
-          <a:bodyPr rtlCol="0" anchor="ctr"/>
-          <a:lstStyle/>
-          <a:p>
-            <a:pPr algn="ctr"/>
-            <a:r>
-              <a:rPr lang="en-US" altLang="zh-TW" dirty="0"/>
-              <a:t>Module </a:t>
-            </a:r>
-            <a:r>
-              <a:rPr lang="en-US" altLang="zh-TW" dirty="0" smtClean="0"/>
-              <a:t>C</a:t>
-            </a:r>
-            <a:endParaRPr lang="zh-TW" altLang="en-US" dirty="0"/>
-          </a:p>
-        </p:txBody>
-      </p:sp>
-      <p:sp>
-        <p:nvSpPr>
-          <p:cNvPr id="8" name="矩形 7"/>
-          <p:cNvSpPr/>
-          <p:nvPr/>
-        </p:nvSpPr>
-        <p:spPr>
-          <a:xfrm>
-            <a:off x="1836600" y="2971800"/>
-            <a:ext cx="1440000" cy="540000"/>
+          <a:xfrm rot="5400000">
+            <a:off x="-29173" y="3361421"/>
+            <a:ext cx="3904550" cy="720000"/>
           </a:xfrm>
           <a:prstGeom prst="rect">
             <a:avLst/>
@@ -17450,27 +18387,157 @@
           <a:p>
             <a:pPr algn="ctr"/>
             <a:r>
-              <a:rPr lang="en-US" altLang="zh-TW" dirty="0"/>
-              <a:t>Module </a:t>
-            </a:r>
-            <a:r>
-              <a:rPr lang="en-US" altLang="zh-TW" dirty="0" smtClean="0"/>
-              <a:t>D</a:t>
-            </a:r>
-            <a:endParaRPr lang="zh-TW" altLang="en-US" dirty="0"/>
-          </a:p>
-        </p:txBody>
-      </p:sp>
-      <p:sp>
-        <p:nvSpPr>
-          <p:cNvPr id="9" name="矩形 8"/>
+              <a:rPr lang="en-US" altLang="zh-TW" sz="1600" b="1" dirty="0" smtClean="0"/>
+              <a:t>HTTP</a:t>
+            </a:r>
+            <a:r>
+              <a:rPr lang="zh-TW" altLang="en-US" sz="1600" b="1" dirty="0" smtClean="0"/>
+              <a:t> </a:t>
+            </a:r>
+            <a:r>
+              <a:rPr lang="en-US" altLang="zh-TW" sz="1600" b="1" dirty="0" smtClean="0"/>
+              <a:t>Module 1</a:t>
+            </a:r>
+            <a:endParaRPr lang="zh-TW" altLang="en-US" sz="1600" b="1" dirty="0"/>
+          </a:p>
+        </p:txBody>
+      </p:sp>
+      <p:sp>
+        <p:nvSpPr>
+          <p:cNvPr id="19" name="矩形 18"/>
           <p:cNvSpPr/>
           <p:nvPr/>
         </p:nvSpPr>
         <p:spPr>
+          <a:xfrm rot="5400000">
+            <a:off x="4148025" y="3361423"/>
+            <a:ext cx="3904553" cy="720000"/>
+          </a:xfrm>
+          <a:prstGeom prst="rect">
+            <a:avLst/>
+          </a:prstGeom>
+        </p:spPr>
+        <p:style>
+          <a:lnRef idx="1">
+            <a:schemeClr val="accent1"/>
+          </a:lnRef>
+          <a:fillRef idx="3">
+            <a:schemeClr val="accent1"/>
+          </a:fillRef>
+          <a:effectRef idx="2">
+            <a:schemeClr val="accent1"/>
+          </a:effectRef>
+          <a:fontRef idx="minor">
+            <a:schemeClr val="lt1"/>
+          </a:fontRef>
+        </p:style>
+        <p:txBody>
+          <a:bodyPr rtlCol="0" anchor="ctr"/>
+          <a:lstStyle/>
+          <a:p>
+            <a:pPr algn="ctr"/>
+            <a:r>
+              <a:rPr lang="en-US" altLang="zh-TW" sz="1600" b="1" dirty="0" smtClean="0"/>
+              <a:t>Action Filters</a:t>
+            </a:r>
+            <a:endParaRPr lang="zh-TW" altLang="en-US" sz="1600" b="1" dirty="0"/>
+          </a:p>
+        </p:txBody>
+      </p:sp>
+      <p:sp>
+        <p:nvSpPr>
+          <p:cNvPr id="24" name="Send Log F2L"/>
+          <p:cNvSpPr/>
+          <p:nvPr/>
+        </p:nvSpPr>
+        <p:spPr>
           <a:xfrm>
-            <a:off x="5478600" y="2971800"/>
-            <a:ext cx="1440000" cy="540000"/>
+            <a:off x="693546" y="2081489"/>
+            <a:ext cx="1080000" cy="540000"/>
+          </a:xfrm>
+          <a:prstGeom prst="rightArrow">
+            <a:avLst/>
+          </a:prstGeom>
+        </p:spPr>
+        <p:style>
+          <a:lnRef idx="1">
+            <a:schemeClr val="accent4"/>
+          </a:lnRef>
+          <a:fillRef idx="2">
+            <a:schemeClr val="accent4"/>
+          </a:fillRef>
+          <a:effectRef idx="1">
+            <a:schemeClr val="accent4"/>
+          </a:effectRef>
+          <a:fontRef idx="minor">
+            <a:schemeClr val="dk1"/>
+          </a:fontRef>
+        </p:style>
+        <p:txBody>
+          <a:bodyPr rtlCol="0" anchor="ctr"/>
+          <a:lstStyle/>
+          <a:p>
+            <a:pPr algn="ctr"/>
+            <a:r>
+              <a:rPr lang="en-US" altLang="zh-TW" sz="1400" b="1" dirty="0" smtClean="0"/>
+              <a:t>Request</a:t>
+            </a:r>
+            <a:endParaRPr lang="zh-TW" altLang="en-US" sz="1400" b="1" dirty="0"/>
+          </a:p>
+        </p:txBody>
+      </p:sp>
+      <p:sp>
+        <p:nvSpPr>
+          <p:cNvPr id="28" name="Send Log F2L"/>
+          <p:cNvSpPr/>
+          <p:nvPr/>
+        </p:nvSpPr>
+        <p:spPr>
+          <a:xfrm flipH="1">
+            <a:off x="693546" y="4785700"/>
+            <a:ext cx="1080000" cy="540000"/>
+          </a:xfrm>
+          <a:prstGeom prst="rightArrow">
+            <a:avLst/>
+          </a:prstGeom>
+        </p:spPr>
+        <p:style>
+          <a:lnRef idx="1">
+            <a:schemeClr val="accent4"/>
+          </a:lnRef>
+          <a:fillRef idx="2">
+            <a:schemeClr val="accent4"/>
+          </a:fillRef>
+          <a:effectRef idx="1">
+            <a:schemeClr val="accent4"/>
+          </a:effectRef>
+          <a:fontRef idx="minor">
+            <a:schemeClr val="dk1"/>
+          </a:fontRef>
+        </p:style>
+        <p:txBody>
+          <a:bodyPr rtlCol="0" anchor="ctr"/>
+          <a:lstStyle/>
+          <a:p>
+            <a:pPr algn="ctr"/>
+            <a:r>
+              <a:rPr lang="en-US" altLang="zh-TW" sz="1400" b="1" dirty="0" err="1"/>
+              <a:t>Respose</a:t>
+            </a:r>
+            <a:endParaRPr lang="zh-TW" altLang="en-US" sz="1400" b="1" dirty="0"/>
+          </a:p>
+        </p:txBody>
+      </p:sp>
+      <p:sp>
+        <p:nvSpPr>
+          <p:cNvPr id="32" name="矩形 31"/>
+          <p:cNvSpPr/>
+          <p:nvPr/>
+        </p:nvSpPr>
+        <p:spPr>
+          <a:xfrm rot="5400000">
+            <a:off x="1021687" y="3361421"/>
+            <a:ext cx="3904550" cy="720000"/>
           </a:xfrm>
           <a:prstGeom prst="rect">
             <a:avLst/>
@@ -17496,27 +18563,31 @@
           <a:p>
             <a:pPr algn="ctr"/>
             <a:r>
-              <a:rPr lang="en-US" altLang="zh-TW" dirty="0"/>
-              <a:t>Module </a:t>
-            </a:r>
-            <a:r>
-              <a:rPr lang="en-US" altLang="zh-TW" dirty="0" smtClean="0"/>
-              <a:t>F</a:t>
-            </a:r>
-            <a:endParaRPr lang="zh-TW" altLang="en-US" dirty="0"/>
-          </a:p>
-        </p:txBody>
-      </p:sp>
-      <p:sp>
-        <p:nvSpPr>
-          <p:cNvPr id="10" name="矩形 9"/>
+              <a:rPr lang="en-US" altLang="zh-TW" sz="1600" b="1" dirty="0" smtClean="0"/>
+              <a:t>HTTP</a:t>
+            </a:r>
+            <a:r>
+              <a:rPr lang="zh-TW" altLang="en-US" sz="1600" b="1" dirty="0" smtClean="0"/>
+              <a:t> </a:t>
+            </a:r>
+            <a:r>
+              <a:rPr lang="en-US" altLang="zh-TW" sz="1600" b="1" dirty="0" smtClean="0"/>
+              <a:t>Module 2</a:t>
+            </a:r>
+            <a:endParaRPr lang="zh-TW" altLang="en-US" sz="1600" b="1" dirty="0"/>
+          </a:p>
+        </p:txBody>
+      </p:sp>
+      <p:sp>
+        <p:nvSpPr>
+          <p:cNvPr id="33" name="矩形 32"/>
           <p:cNvSpPr/>
           <p:nvPr/>
         </p:nvSpPr>
         <p:spPr>
-          <a:xfrm>
-            <a:off x="3657600" y="2971800"/>
-            <a:ext cx="1440000" cy="540000"/>
+          <a:xfrm rot="5400000">
+            <a:off x="2055656" y="3361421"/>
+            <a:ext cx="3904550" cy="720000"/>
           </a:xfrm>
           <a:prstGeom prst="rect">
             <a:avLst/>
@@ -17542,37 +18613,45 @@
           <a:p>
             <a:pPr algn="ctr"/>
             <a:r>
-              <a:rPr lang="en-US" altLang="zh-TW" dirty="0"/>
-              <a:t>Module E</a:t>
-            </a:r>
-            <a:endParaRPr lang="zh-TW" altLang="en-US" dirty="0"/>
-          </a:p>
-        </p:txBody>
-      </p:sp>
-      <p:sp>
-        <p:nvSpPr>
-          <p:cNvPr id="11" name="矩形 10"/>
+              <a:rPr lang="en-US" altLang="zh-TW" sz="1600" b="1" dirty="0" smtClean="0"/>
+              <a:t>HTTP</a:t>
+            </a:r>
+            <a:r>
+              <a:rPr lang="zh-TW" altLang="en-US" sz="1600" b="1" dirty="0" smtClean="0"/>
+              <a:t> </a:t>
+            </a:r>
+            <a:r>
+              <a:rPr lang="en-US" altLang="zh-TW" sz="1600" b="1" dirty="0" smtClean="0"/>
+              <a:t>Module n</a:t>
+            </a:r>
+            <a:endParaRPr lang="zh-TW" altLang="en-US" sz="1600" b="1" dirty="0"/>
+          </a:p>
+        </p:txBody>
+      </p:sp>
+      <p:sp>
+        <p:nvSpPr>
+          <p:cNvPr id="34" name="矩形 33"/>
           <p:cNvSpPr/>
           <p:nvPr/>
         </p:nvSpPr>
         <p:spPr>
-          <a:xfrm>
-            <a:off x="1836600" y="3954328"/>
-            <a:ext cx="1440000" cy="540000"/>
+          <a:xfrm rot="5400000">
+            <a:off x="3110557" y="3361420"/>
+            <a:ext cx="3904553" cy="720000"/>
           </a:xfrm>
           <a:prstGeom prst="rect">
             <a:avLst/>
           </a:prstGeom>
         </p:spPr>
         <p:style>
-          <a:lnRef idx="0">
-            <a:schemeClr val="accent5"/>
+          <a:lnRef idx="1">
+            <a:schemeClr val="accent1"/>
           </a:lnRef>
           <a:fillRef idx="3">
-            <a:schemeClr val="accent5"/>
+            <a:schemeClr val="accent1"/>
           </a:fillRef>
-          <a:effectRef idx="3">
-            <a:schemeClr val="accent5"/>
+          <a:effectRef idx="2">
+            <a:schemeClr val="accent1"/>
           </a:effectRef>
           <a:fontRef idx="minor">
             <a:schemeClr val="lt1"/>
@@ -17584,40 +18663,40 @@
           <a:p>
             <a:pPr algn="ctr"/>
             <a:r>
-              <a:rPr lang="en-US" altLang="zh-TW" dirty="0" smtClean="0"/>
-              <a:t>Application</a:t>
-            </a:r>
-            <a:endParaRPr lang="zh-TW" altLang="en-US" dirty="0"/>
-          </a:p>
-        </p:txBody>
-      </p:sp>
-      <p:sp>
-        <p:nvSpPr>
-          <p:cNvPr id="12" name="矩形 11"/>
+              <a:rPr lang="en-US" altLang="zh-TW" sz="1600" b="1" dirty="0" smtClean="0"/>
+              <a:t>HTTP Handlers</a:t>
+            </a:r>
+            <a:endParaRPr lang="zh-TW" altLang="en-US" sz="1600" b="1" dirty="0"/>
+          </a:p>
+        </p:txBody>
+      </p:sp>
+      <p:sp>
+        <p:nvSpPr>
+          <p:cNvPr id="45" name="Send Log F2L"/>
           <p:cNvSpPr/>
           <p:nvPr/>
         </p:nvSpPr>
         <p:spPr>
           <a:xfrm>
-            <a:off x="4572000" y="3964714"/>
-            <a:ext cx="1440000" cy="540000"/>
-          </a:xfrm>
-          <a:prstGeom prst="rect">
+            <a:off x="4252687" y="2077190"/>
+            <a:ext cx="585919" cy="540000"/>
+          </a:xfrm>
+          <a:prstGeom prst="rightArrow">
             <a:avLst/>
           </a:prstGeom>
         </p:spPr>
         <p:style>
-          <a:lnRef idx="0">
-            <a:schemeClr val="accent5"/>
+          <a:lnRef idx="1">
+            <a:schemeClr val="accent4"/>
           </a:lnRef>
-          <a:fillRef idx="3">
-            <a:schemeClr val="accent5"/>
+          <a:fillRef idx="2">
+            <a:schemeClr val="accent4"/>
           </a:fillRef>
-          <a:effectRef idx="3">
-            <a:schemeClr val="accent5"/>
+          <a:effectRef idx="1">
+            <a:schemeClr val="accent4"/>
           </a:effectRef>
           <a:fontRef idx="minor">
-            <a:schemeClr val="lt1"/>
+            <a:schemeClr val="dk1"/>
           </a:fontRef>
         </p:style>
         <p:txBody>
@@ -17625,348 +18704,401 @@
           <a:lstStyle/>
           <a:p>
             <a:pPr algn="ctr"/>
-            <a:r>
-              <a:rPr lang="en-US" altLang="zh-TW" dirty="0" smtClean="0"/>
-              <a:t>Website</a:t>
-            </a:r>
-            <a:endParaRPr lang="zh-TW" altLang="en-US" dirty="0"/>
-          </a:p>
-        </p:txBody>
-      </p:sp>
-      <p:cxnSp>
-        <p:nvCxnSpPr>
-          <p:cNvPr id="14" name="肘形接點 13"/>
-          <p:cNvCxnSpPr>
-            <a:stCxn id="6" idx="0"/>
-            <a:endCxn id="5" idx="2"/>
-          </p:cNvCxnSpPr>
-          <p:nvPr/>
-        </p:nvCxnSpPr>
-        <p:spPr>
-          <a:xfrm rot="5400000" flipH="1" flipV="1">
-            <a:off x="3707539" y="1294061"/>
-            <a:ext cx="433522" cy="906600"/>
-          </a:xfrm>
-          <a:prstGeom prst="bentConnector3">
-            <a:avLst/>
-          </a:prstGeom>
-          <a:ln w="19050">
-            <a:solidFill>
-              <a:schemeClr val="tx1"/>
-            </a:solidFill>
-            <a:prstDash val="sysDash"/>
-            <a:headEnd type="none" w="med" len="med"/>
-            <a:tailEnd type="arrow" w="med" len="med"/>
-          </a:ln>
+            <a:endParaRPr lang="zh-TW" altLang="en-US" sz="1400" b="1" dirty="0"/>
+          </a:p>
+        </p:txBody>
+      </p:sp>
+      <p:sp>
+        <p:nvSpPr>
+          <p:cNvPr id="46" name="Send Log F2L"/>
+          <p:cNvSpPr/>
+          <p:nvPr/>
+        </p:nvSpPr>
+        <p:spPr>
+          <a:xfrm>
+            <a:off x="5288607" y="2072479"/>
+            <a:ext cx="585919" cy="540000"/>
+          </a:xfrm>
+          <a:prstGeom prst="rightArrow">
+            <a:avLst/>
+          </a:prstGeom>
         </p:spPr>
         <p:style>
           <a:lnRef idx="1">
-            <a:schemeClr val="accent1"/>
+            <a:schemeClr val="accent4"/>
           </a:lnRef>
-          <a:fillRef idx="0">
-            <a:schemeClr val="accent1"/>
+          <a:fillRef idx="2">
+            <a:schemeClr val="accent4"/>
           </a:fillRef>
-          <a:effectRef idx="0">
-            <a:schemeClr val="accent1"/>
+          <a:effectRef idx="1">
+            <a:schemeClr val="accent4"/>
           </a:effectRef>
           <a:fontRef idx="minor">
-            <a:schemeClr val="tx1"/>
+            <a:schemeClr val="dk1"/>
           </a:fontRef>
         </p:style>
-      </p:cxnSp>
-      <p:cxnSp>
-        <p:nvCxnSpPr>
-          <p:cNvPr id="16" name="肘形接點 15"/>
-          <p:cNvCxnSpPr>
-            <a:stCxn id="7" idx="0"/>
-            <a:endCxn id="5" idx="2"/>
-          </p:cNvCxnSpPr>
-          <p:nvPr/>
-        </p:nvCxnSpPr>
-        <p:spPr>
-          <a:xfrm rot="16200000" flipV="1">
-            <a:off x="4610657" y="1297543"/>
-            <a:ext cx="448286" cy="914400"/>
-          </a:xfrm>
-          <a:prstGeom prst="bentConnector3">
-            <a:avLst>
-              <a:gd name="adj1" fmla="val 52125"/>
-            </a:avLst>
-          </a:prstGeom>
-          <a:ln w="19050">
-            <a:solidFill>
-              <a:schemeClr val="tx1"/>
-            </a:solidFill>
-            <a:prstDash val="sysDash"/>
-            <a:headEnd type="none" w="med" len="med"/>
-            <a:tailEnd type="arrow" w="med" len="med"/>
-          </a:ln>
+        <p:txBody>
+          <a:bodyPr rtlCol="0" anchor="ctr"/>
+          <a:lstStyle/>
+          <a:p>
+            <a:pPr algn="ctr"/>
+            <a:endParaRPr lang="zh-TW" altLang="en-US" sz="1400" b="1" dirty="0"/>
+          </a:p>
+        </p:txBody>
+      </p:sp>
+      <p:sp>
+        <p:nvSpPr>
+          <p:cNvPr id="47" name="Send Log F2L"/>
+          <p:cNvSpPr/>
+          <p:nvPr/>
+        </p:nvSpPr>
+        <p:spPr>
+          <a:xfrm>
+            <a:off x="6324529" y="2081489"/>
+            <a:ext cx="585919" cy="540000"/>
+          </a:xfrm>
+          <a:prstGeom prst="rightArrow">
+            <a:avLst/>
+          </a:prstGeom>
         </p:spPr>
         <p:style>
           <a:lnRef idx="1">
-            <a:schemeClr val="accent1"/>
+            <a:schemeClr val="accent4"/>
           </a:lnRef>
-          <a:fillRef idx="0">
-            <a:schemeClr val="accent1"/>
+          <a:fillRef idx="2">
+            <a:schemeClr val="accent4"/>
           </a:fillRef>
-          <a:effectRef idx="0">
-            <a:schemeClr val="accent1"/>
+          <a:effectRef idx="1">
+            <a:schemeClr val="accent4"/>
           </a:effectRef>
           <a:fontRef idx="minor">
-            <a:schemeClr val="tx1"/>
+            <a:schemeClr val="dk1"/>
           </a:fontRef>
         </p:style>
-      </p:cxnSp>
-      <p:cxnSp>
-        <p:nvCxnSpPr>
-          <p:cNvPr id="18" name="肘形接點 17"/>
-          <p:cNvCxnSpPr>
-            <a:stCxn id="8" idx="0"/>
-            <a:endCxn id="6" idx="2"/>
-          </p:cNvCxnSpPr>
-          <p:nvPr/>
-        </p:nvCxnSpPr>
-        <p:spPr>
-          <a:xfrm rot="5400000" flipH="1" flipV="1">
-            <a:off x="2779961" y="2280761"/>
-            <a:ext cx="467678" cy="914400"/>
-          </a:xfrm>
-          <a:prstGeom prst="bentConnector3">
-            <a:avLst/>
-          </a:prstGeom>
-          <a:ln w="19050">
-            <a:solidFill>
-              <a:schemeClr val="tx1"/>
-            </a:solidFill>
-            <a:prstDash val="sysDash"/>
-            <a:headEnd type="none" w="med" len="med"/>
-            <a:tailEnd type="arrow" w="med" len="med"/>
-          </a:ln>
+        <p:txBody>
+          <a:bodyPr rtlCol="0" anchor="ctr"/>
+          <a:lstStyle/>
+          <a:p>
+            <a:pPr algn="ctr"/>
+            <a:endParaRPr lang="zh-TW" altLang="en-US" sz="1400" b="1" dirty="0"/>
+          </a:p>
+        </p:txBody>
+      </p:sp>
+      <p:sp>
+        <p:nvSpPr>
+          <p:cNvPr id="48" name="Send Log F2L"/>
+          <p:cNvSpPr/>
+          <p:nvPr/>
+        </p:nvSpPr>
+        <p:spPr>
+          <a:xfrm>
+            <a:off x="3216767" y="2081489"/>
+            <a:ext cx="585919" cy="540000"/>
+          </a:xfrm>
+          <a:prstGeom prst="rightArrow">
+            <a:avLst/>
+          </a:prstGeom>
         </p:spPr>
         <p:style>
           <a:lnRef idx="1">
-            <a:schemeClr val="accent1"/>
+            <a:schemeClr val="accent4"/>
           </a:lnRef>
-          <a:fillRef idx="0">
-            <a:schemeClr val="accent1"/>
+          <a:fillRef idx="2">
+            <a:schemeClr val="accent4"/>
           </a:fillRef>
-          <a:effectRef idx="0">
-            <a:schemeClr val="accent1"/>
+          <a:effectRef idx="1">
+            <a:schemeClr val="accent4"/>
           </a:effectRef>
           <a:fontRef idx="minor">
-            <a:schemeClr val="tx1"/>
+            <a:schemeClr val="dk1"/>
           </a:fontRef>
         </p:style>
-      </p:cxnSp>
-      <p:cxnSp>
-        <p:nvCxnSpPr>
-          <p:cNvPr id="20" name="肘形接點 19"/>
-          <p:cNvCxnSpPr>
-            <a:stCxn id="10" idx="0"/>
-            <a:endCxn id="6" idx="2"/>
-          </p:cNvCxnSpPr>
-          <p:nvPr/>
-        </p:nvCxnSpPr>
-        <p:spPr>
-          <a:xfrm rot="16200000" flipV="1">
-            <a:off x="3690461" y="2284661"/>
-            <a:ext cx="467678" cy="906600"/>
-          </a:xfrm>
-          <a:prstGeom prst="bentConnector3">
-            <a:avLst/>
-          </a:prstGeom>
-          <a:ln w="19050">
-            <a:solidFill>
-              <a:schemeClr val="tx1"/>
-            </a:solidFill>
-            <a:prstDash val="sysDash"/>
-            <a:headEnd type="none" w="med" len="med"/>
-            <a:tailEnd type="arrow" w="med" len="med"/>
-          </a:ln>
+        <p:txBody>
+          <a:bodyPr rtlCol="0" anchor="ctr"/>
+          <a:lstStyle/>
+          <a:p>
+            <a:pPr algn="ctr"/>
+            <a:endParaRPr lang="zh-TW" altLang="en-US" sz="1400" b="1" dirty="0"/>
+          </a:p>
+        </p:txBody>
+      </p:sp>
+      <p:sp>
+        <p:nvSpPr>
+          <p:cNvPr id="49" name="Send Log F2L"/>
+          <p:cNvSpPr/>
+          <p:nvPr/>
+        </p:nvSpPr>
+        <p:spPr>
+          <a:xfrm>
+            <a:off x="2180847" y="2081489"/>
+            <a:ext cx="585919" cy="540000"/>
+          </a:xfrm>
+          <a:prstGeom prst="rightArrow">
+            <a:avLst/>
+          </a:prstGeom>
         </p:spPr>
         <p:style>
           <a:lnRef idx="1">
-            <a:schemeClr val="accent1"/>
+            <a:schemeClr val="accent4"/>
           </a:lnRef>
-          <a:fillRef idx="0">
-            <a:schemeClr val="accent1"/>
+          <a:fillRef idx="2">
+            <a:schemeClr val="accent4"/>
           </a:fillRef>
-          <a:effectRef idx="0">
-            <a:schemeClr val="accent1"/>
+          <a:effectRef idx="1">
+            <a:schemeClr val="accent4"/>
           </a:effectRef>
           <a:fontRef idx="minor">
-            <a:schemeClr val="tx1"/>
+            <a:schemeClr val="dk1"/>
           </a:fontRef>
         </p:style>
-      </p:cxnSp>
-      <p:cxnSp>
-        <p:nvCxnSpPr>
-          <p:cNvPr id="22" name="肘形接點 21"/>
-          <p:cNvCxnSpPr>
-            <a:stCxn id="9" idx="0"/>
-            <a:endCxn id="7" idx="2"/>
-          </p:cNvCxnSpPr>
-          <p:nvPr/>
-        </p:nvCxnSpPr>
-        <p:spPr>
-          <a:xfrm rot="16200000" flipV="1">
-            <a:off x="5518843" y="2292043"/>
-            <a:ext cx="452914" cy="906600"/>
-          </a:xfrm>
-          <a:prstGeom prst="bentConnector3">
-            <a:avLst/>
-          </a:prstGeom>
-          <a:ln w="19050">
-            <a:solidFill>
-              <a:schemeClr val="tx1"/>
-            </a:solidFill>
-            <a:prstDash val="sysDash"/>
-            <a:headEnd type="none" w="med" len="med"/>
-            <a:tailEnd type="arrow" w="med" len="med"/>
-          </a:ln>
+        <p:txBody>
+          <a:bodyPr rtlCol="0" anchor="ctr"/>
+          <a:lstStyle/>
+          <a:p>
+            <a:pPr algn="ctr"/>
+            <a:endParaRPr lang="zh-TW" altLang="en-US" sz="1400" b="1" dirty="0"/>
+          </a:p>
+        </p:txBody>
+      </p:sp>
+      <p:sp>
+        <p:nvSpPr>
+          <p:cNvPr id="35" name="Send Log F2L"/>
+          <p:cNvSpPr/>
+          <p:nvPr/>
+        </p:nvSpPr>
+        <p:spPr>
+          <a:xfrm rot="10800000">
+            <a:off x="4255333" y="4774992"/>
+            <a:ext cx="585919" cy="540000"/>
+          </a:xfrm>
+          <a:prstGeom prst="rightArrow">
+            <a:avLst/>
+          </a:prstGeom>
         </p:spPr>
         <p:style>
           <a:lnRef idx="1">
-            <a:schemeClr val="accent1"/>
+            <a:schemeClr val="accent4"/>
           </a:lnRef>
-          <a:fillRef idx="0">
-            <a:schemeClr val="accent1"/>
+          <a:fillRef idx="2">
+            <a:schemeClr val="accent4"/>
           </a:fillRef>
-          <a:effectRef idx="0">
-            <a:schemeClr val="accent1"/>
+          <a:effectRef idx="1">
+            <a:schemeClr val="accent4"/>
           </a:effectRef>
           <a:fontRef idx="minor">
-            <a:schemeClr val="tx1"/>
+            <a:schemeClr val="dk1"/>
           </a:fontRef>
         </p:style>
-      </p:cxnSp>
-      <p:cxnSp>
-        <p:nvCxnSpPr>
-          <p:cNvPr id="24" name="肘形接點 23"/>
-          <p:cNvCxnSpPr>
-            <a:stCxn id="12" idx="0"/>
-            <a:endCxn id="9" idx="2"/>
-          </p:cNvCxnSpPr>
-          <p:nvPr/>
-        </p:nvCxnSpPr>
-        <p:spPr>
-          <a:xfrm rot="5400000" flipH="1" flipV="1">
-            <a:off x="5518843" y="3284957"/>
-            <a:ext cx="452914" cy="906600"/>
-          </a:xfrm>
-          <a:prstGeom prst="bentConnector3">
-            <a:avLst/>
-          </a:prstGeom>
-          <a:ln w="19050">
-            <a:solidFill>
-              <a:schemeClr val="tx1"/>
-            </a:solidFill>
-            <a:prstDash val="sysDash"/>
-            <a:headEnd type="none" w="med" len="med"/>
-            <a:tailEnd type="arrow" w="med" len="med"/>
-          </a:ln>
+        <p:txBody>
+          <a:bodyPr rtlCol="0" anchor="ctr"/>
+          <a:lstStyle/>
+          <a:p>
+            <a:pPr algn="ctr"/>
+            <a:endParaRPr lang="zh-TW" altLang="en-US" sz="1400" b="1" dirty="0"/>
+          </a:p>
+        </p:txBody>
+      </p:sp>
+      <p:sp>
+        <p:nvSpPr>
+          <p:cNvPr id="36" name="Send Log F2L"/>
+          <p:cNvSpPr/>
+          <p:nvPr/>
+        </p:nvSpPr>
+        <p:spPr>
+          <a:xfrm rot="10800000">
+            <a:off x="5291253" y="4770281"/>
+            <a:ext cx="585919" cy="540000"/>
+          </a:xfrm>
+          <a:prstGeom prst="rightArrow">
+            <a:avLst/>
+          </a:prstGeom>
         </p:spPr>
         <p:style>
           <a:lnRef idx="1">
-            <a:schemeClr val="accent1"/>
+            <a:schemeClr val="accent4"/>
           </a:lnRef>
-          <a:fillRef idx="0">
-            <a:schemeClr val="accent1"/>
+          <a:fillRef idx="2">
+            <a:schemeClr val="accent4"/>
           </a:fillRef>
-          <a:effectRef idx="0">
-            <a:schemeClr val="accent1"/>
+          <a:effectRef idx="1">
+            <a:schemeClr val="accent4"/>
           </a:effectRef>
           <a:fontRef idx="minor">
-            <a:schemeClr val="tx1"/>
+            <a:schemeClr val="dk1"/>
           </a:fontRef>
         </p:style>
-      </p:cxnSp>
-      <p:cxnSp>
-        <p:nvCxnSpPr>
-          <p:cNvPr id="30" name="肘形接點 29"/>
-          <p:cNvCxnSpPr>
-            <a:stCxn id="12" idx="0"/>
-            <a:endCxn id="10" idx="2"/>
-          </p:cNvCxnSpPr>
-          <p:nvPr/>
-        </p:nvCxnSpPr>
-        <p:spPr>
-          <a:xfrm rot="16200000" flipV="1">
-            <a:off x="4608343" y="3281057"/>
-            <a:ext cx="452914" cy="914400"/>
-          </a:xfrm>
-          <a:prstGeom prst="bentConnector3">
-            <a:avLst/>
-          </a:prstGeom>
-          <a:ln w="19050">
-            <a:solidFill>
-              <a:schemeClr val="tx1"/>
-            </a:solidFill>
-            <a:prstDash val="sysDash"/>
-            <a:headEnd type="none" w="med" len="med"/>
-            <a:tailEnd type="arrow" w="med" len="med"/>
-          </a:ln>
+        <p:txBody>
+          <a:bodyPr rtlCol="0" anchor="ctr"/>
+          <a:lstStyle/>
+          <a:p>
+            <a:pPr algn="ctr"/>
+            <a:endParaRPr lang="zh-TW" altLang="en-US" sz="1400" b="1" dirty="0"/>
+          </a:p>
+        </p:txBody>
+      </p:sp>
+      <p:sp>
+        <p:nvSpPr>
+          <p:cNvPr id="39" name="Send Log F2L"/>
+          <p:cNvSpPr/>
+          <p:nvPr/>
+        </p:nvSpPr>
+        <p:spPr>
+          <a:xfrm rot="10800000">
+            <a:off x="6327175" y="4779291"/>
+            <a:ext cx="585919" cy="540000"/>
+          </a:xfrm>
+          <a:prstGeom prst="rightArrow">
+            <a:avLst/>
+          </a:prstGeom>
         </p:spPr>
         <p:style>
           <a:lnRef idx="1">
-            <a:schemeClr val="accent1"/>
+            <a:schemeClr val="accent4"/>
           </a:lnRef>
-          <a:fillRef idx="0">
-            <a:schemeClr val="accent1"/>
+          <a:fillRef idx="2">
+            <a:schemeClr val="accent4"/>
           </a:fillRef>
-          <a:effectRef idx="0">
-            <a:schemeClr val="accent1"/>
+          <a:effectRef idx="1">
+            <a:schemeClr val="accent4"/>
           </a:effectRef>
           <a:fontRef idx="minor">
-            <a:schemeClr val="tx1"/>
+            <a:schemeClr val="dk1"/>
           </a:fontRef>
         </p:style>
-      </p:cxnSp>
-      <p:cxnSp>
-        <p:nvCxnSpPr>
-          <p:cNvPr id="61" name="直線單箭頭接點 60"/>
-          <p:cNvCxnSpPr>
-            <a:stCxn id="11" idx="0"/>
-            <a:endCxn id="8" idx="2"/>
-          </p:cNvCxnSpPr>
-          <p:nvPr/>
-        </p:nvCxnSpPr>
-        <p:spPr>
-          <a:xfrm flipV="1">
-            <a:off x="2556600" y="3511800"/>
-            <a:ext cx="0" cy="442528"/>
-          </a:xfrm>
-          <a:prstGeom prst="straightConnector1">
-            <a:avLst/>
-          </a:prstGeom>
-          <a:ln w="19050">
-            <a:solidFill>
-              <a:schemeClr val="tx1"/>
-            </a:solidFill>
-            <a:prstDash val="sysDash"/>
-            <a:headEnd type="none" w="med" len="med"/>
-            <a:tailEnd type="arrow" w="med" len="med"/>
-          </a:ln>
+        <p:txBody>
+          <a:bodyPr rtlCol="0" anchor="ctr"/>
+          <a:lstStyle/>
+          <a:p>
+            <a:pPr algn="ctr"/>
+            <a:endParaRPr lang="zh-TW" altLang="en-US" sz="1400" b="1" dirty="0"/>
+          </a:p>
+        </p:txBody>
+      </p:sp>
+      <p:sp>
+        <p:nvSpPr>
+          <p:cNvPr id="40" name="Send Log F2L"/>
+          <p:cNvSpPr/>
+          <p:nvPr/>
+        </p:nvSpPr>
+        <p:spPr>
+          <a:xfrm rot="10800000">
+            <a:off x="3219413" y="4779291"/>
+            <a:ext cx="585919" cy="540000"/>
+          </a:xfrm>
+          <a:prstGeom prst="rightArrow">
+            <a:avLst/>
+          </a:prstGeom>
         </p:spPr>
         <p:style>
           <a:lnRef idx="1">
-            <a:schemeClr val="accent1"/>
+            <a:schemeClr val="accent4"/>
           </a:lnRef>
-          <a:fillRef idx="0">
-            <a:schemeClr val="accent1"/>
+          <a:fillRef idx="2">
+            <a:schemeClr val="accent4"/>
           </a:fillRef>
-          <a:effectRef idx="0">
-            <a:schemeClr val="accent1"/>
+          <a:effectRef idx="1">
+            <a:schemeClr val="accent4"/>
           </a:effectRef>
           <a:fontRef idx="minor">
-            <a:schemeClr val="tx1"/>
+            <a:schemeClr val="dk1"/>
           </a:fontRef>
         </p:style>
-      </p:cxnSp>
+        <p:txBody>
+          <a:bodyPr rtlCol="0" anchor="ctr"/>
+          <a:lstStyle/>
+          <a:p>
+            <a:pPr algn="ctr"/>
+            <a:endParaRPr lang="zh-TW" altLang="en-US" sz="1400" b="1" dirty="0"/>
+          </a:p>
+        </p:txBody>
+      </p:sp>
+      <p:sp>
+        <p:nvSpPr>
+          <p:cNvPr id="51" name="Send Log F2L"/>
+          <p:cNvSpPr/>
+          <p:nvPr/>
+        </p:nvSpPr>
+        <p:spPr>
+          <a:xfrm rot="10800000">
+            <a:off x="2183493" y="4779291"/>
+            <a:ext cx="585919" cy="540000"/>
+          </a:xfrm>
+          <a:prstGeom prst="rightArrow">
+            <a:avLst/>
+          </a:prstGeom>
+        </p:spPr>
+        <p:style>
+          <a:lnRef idx="1">
+            <a:schemeClr val="accent4"/>
+          </a:lnRef>
+          <a:fillRef idx="2">
+            <a:schemeClr val="accent4"/>
+          </a:fillRef>
+          <a:effectRef idx="1">
+            <a:schemeClr val="accent4"/>
+          </a:effectRef>
+          <a:fontRef idx="minor">
+            <a:schemeClr val="dk1"/>
+          </a:fontRef>
+        </p:style>
+        <p:txBody>
+          <a:bodyPr rtlCol="0" anchor="ctr"/>
+          <a:lstStyle/>
+          <a:p>
+            <a:pPr algn="ctr"/>
+            <a:endParaRPr lang="zh-TW" altLang="en-US" sz="1400" b="1" dirty="0"/>
+          </a:p>
+        </p:txBody>
+      </p:sp>
+      <p:sp>
+        <p:nvSpPr>
+          <p:cNvPr id="15" name="標題 2"/>
+          <p:cNvSpPr>
+            <a:spLocks noGrp="1"/>
+          </p:cNvSpPr>
+          <p:nvPr>
+            <p:ph type="title"/>
+          </p:nvPr>
+        </p:nvSpPr>
+        <p:spPr>
+          <a:xfrm>
+            <a:off x="1726638" y="3058638"/>
+            <a:ext cx="5638015" cy="1325563"/>
+          </a:xfrm>
+          <a:noFill/>
+        </p:spPr>
+        <p:txBody>
+          <a:bodyPr>
+            <a:noAutofit/>
+          </a:bodyPr>
+          <a:lstStyle/>
+          <a:p>
+            <a:r>
+              <a:rPr lang="en-US" altLang="zh-TW" sz="6600" b="1" dirty="0" smtClean="0">
+                <a:solidFill>
+                  <a:schemeClr val="tx1">
+                    <a:alpha val="8000"/>
+                  </a:schemeClr>
+                </a:solidFill>
+                <a:latin typeface="+mn-lt"/>
+              </a:rPr>
+              <a:t>blog.johnwu.cc</a:t>
+            </a:r>
+            <a:endParaRPr lang="zh-TW" altLang="en-US" sz="6600" b="1" dirty="0">
+              <a:solidFill>
+                <a:schemeClr val="tx1">
+                  <a:alpha val="8000"/>
+                </a:schemeClr>
+              </a:solidFill>
+              <a:latin typeface="+mn-lt"/>
+            </a:endParaRPr>
+          </a:p>
+        </p:txBody>
+      </p:sp>
     </p:spTree>
     <p:extLst>
       <p:ext uri="{BB962C8B-B14F-4D97-AF65-F5344CB8AC3E}">
-        <p14:creationId xmlns:p14="http://schemas.microsoft.com/office/powerpoint/2010/main" val="2387380010"/>
+        <p14:creationId xmlns:p14="http://schemas.microsoft.com/office/powerpoint/2010/main" val="4015888149"/>
       </p:ext>
     </p:extLst>
   </p:cSld>
@@ -20223,8 +21355,8 @@
         </p:nvSpPr>
         <p:spPr>
           <a:xfrm>
-            <a:off x="3662250" y="1219200"/>
-            <a:ext cx="1440000" cy="720000"/>
+            <a:off x="3657600" y="990600"/>
+            <a:ext cx="1440000" cy="540000"/>
           </a:xfrm>
           <a:prstGeom prst="rect">
             <a:avLst/>
@@ -20251,14 +21383,7 @@
             <a:pPr algn="ctr"/>
             <a:r>
               <a:rPr lang="en-US" altLang="zh-TW" dirty="0" smtClean="0"/>
-              <a:t>Example</a:t>
-            </a:r>
-            <a:br>
-              <a:rPr lang="en-US" altLang="zh-TW" dirty="0" smtClean="0"/>
-            </a:br>
-            <a:r>
-              <a:rPr lang="en-US" altLang="zh-TW" dirty="0" smtClean="0"/>
-              <a:t>(DLL)</a:t>
+              <a:t>Module A</a:t>
             </a:r>
             <a:endParaRPr lang="zh-TW" altLang="en-US" dirty="0"/>
           </a:p>
@@ -20272,8 +21397,8 @@
         </p:nvSpPr>
         <p:spPr>
           <a:xfrm>
-            <a:off x="3662250" y="2362200"/>
-            <a:ext cx="1440000" cy="720000"/>
+            <a:off x="2751000" y="1964122"/>
+            <a:ext cx="1440000" cy="540000"/>
           </a:xfrm>
           <a:prstGeom prst="rect">
             <a:avLst/>
@@ -20301,124 +21426,27 @@
           <a:p>
             <a:pPr algn="ctr"/>
             <a:r>
-              <a:rPr lang="en-US" altLang="zh-TW" dirty="0" err="1" smtClean="0"/>
-              <a:t>ExampleApp</a:t>
-            </a:r>
-            <a:r>
               <a:rPr lang="en-US" altLang="zh-TW" dirty="0"/>
-              <a:t/>
-            </a:r>
-            <a:br>
-              <a:rPr lang="en-US" altLang="zh-TW" dirty="0"/>
-            </a:br>
+              <a:t>Module </a:t>
+            </a:r>
             <a:r>
               <a:rPr lang="en-US" altLang="zh-TW" dirty="0" smtClean="0"/>
-              <a:t>(EXE)</a:t>
+              <a:t>B</a:t>
             </a:r>
             <a:endParaRPr lang="zh-TW" altLang="en-US" dirty="0"/>
           </a:p>
         </p:txBody>
       </p:sp>
-      <p:cxnSp>
-        <p:nvCxnSpPr>
-          <p:cNvPr id="21" name="直線單箭頭接點 20"/>
-          <p:cNvCxnSpPr>
-            <a:stCxn id="6" idx="0"/>
-            <a:endCxn id="5" idx="2"/>
-          </p:cNvCxnSpPr>
-          <p:nvPr/>
-        </p:nvCxnSpPr>
-        <p:spPr>
-          <a:xfrm flipV="1">
-            <a:off x="4382250" y="1939200"/>
-            <a:ext cx="0" cy="423000"/>
-          </a:xfrm>
-          <a:prstGeom prst="straightConnector1">
-            <a:avLst/>
-          </a:prstGeom>
-          <a:ln w="28575">
-            <a:solidFill>
-              <a:schemeClr val="tx1"/>
-            </a:solidFill>
-            <a:prstDash val="sysDash"/>
-            <a:headEnd type="none" w="med" len="med"/>
-            <a:tailEnd type="arrow" w="med" len="med"/>
-          </a:ln>
-        </p:spPr>
-        <p:style>
-          <a:lnRef idx="1">
-            <a:schemeClr val="accent1"/>
-          </a:lnRef>
-          <a:fillRef idx="0">
-            <a:schemeClr val="accent1"/>
-          </a:fillRef>
-          <a:effectRef idx="0">
-            <a:schemeClr val="accent1"/>
-          </a:effectRef>
-          <a:fontRef idx="minor">
-            <a:schemeClr val="tx1"/>
-          </a:fontRef>
-        </p:style>
-      </p:cxnSp>
-      <p:sp>
-        <p:nvSpPr>
-          <p:cNvPr id="29" name="矩形 28"/>
+      <p:sp>
+        <p:nvSpPr>
+          <p:cNvPr id="7" name="矩形 6"/>
           <p:cNvSpPr/>
           <p:nvPr/>
         </p:nvSpPr>
         <p:spPr>
           <a:xfrm>
-            <a:off x="6858000" y="1219200"/>
-            <a:ext cx="1440000" cy="720000"/>
-          </a:xfrm>
-          <a:prstGeom prst="rect">
-            <a:avLst/>
-          </a:prstGeom>
-        </p:spPr>
-        <p:style>
-          <a:lnRef idx="0">
-            <a:schemeClr val="accent4"/>
-          </a:lnRef>
-          <a:fillRef idx="3">
-            <a:schemeClr val="accent4"/>
-          </a:fillRef>
-          <a:effectRef idx="3">
-            <a:schemeClr val="accent4"/>
-          </a:effectRef>
-          <a:fontRef idx="minor">
-            <a:schemeClr val="lt1"/>
-          </a:fontRef>
-        </p:style>
-        <p:txBody>
-          <a:bodyPr rtlCol="0" anchor="ctr"/>
-          <a:lstStyle/>
-          <a:p>
-            <a:pPr algn="ctr"/>
-            <a:r>
-              <a:rPr lang="en-US" altLang="zh-TW" dirty="0" smtClean="0"/>
-              <a:t>Example</a:t>
-            </a:r>
-            <a:br>
-              <a:rPr lang="en-US" altLang="zh-TW" dirty="0" smtClean="0"/>
-            </a:br>
-            <a:r>
-              <a:rPr lang="en-US" altLang="zh-TW" dirty="0" smtClean="0"/>
-              <a:t>(DLL)</a:t>
-            </a:r>
-            <a:endParaRPr lang="zh-TW" altLang="en-US" dirty="0"/>
-          </a:p>
-        </p:txBody>
-      </p:sp>
-      <p:sp>
-        <p:nvSpPr>
-          <p:cNvPr id="31" name="矩形 30"/>
-          <p:cNvSpPr/>
-          <p:nvPr/>
-        </p:nvSpPr>
-        <p:spPr>
-          <a:xfrm>
-            <a:off x="6858000" y="2362200"/>
-            <a:ext cx="1440000" cy="720000"/>
+            <a:off x="4572000" y="1978886"/>
+            <a:ext cx="1440000" cy="540000"/>
           </a:xfrm>
           <a:prstGeom prst="rect">
             <a:avLst/>
@@ -20446,19 +21474,58 @@
           <a:p>
             <a:pPr algn="ctr"/>
             <a:r>
-              <a:rPr lang="en-US" altLang="zh-TW" dirty="0" err="1" smtClean="0"/>
-              <a:t>ExampleApp</a:t>
-            </a:r>
-            <a:r>
               <a:rPr lang="en-US" altLang="zh-TW" dirty="0"/>
-              <a:t/>
-            </a:r>
-            <a:br>
+              <a:t>Module </a:t>
+            </a:r>
+            <a:r>
+              <a:rPr lang="en-US" altLang="zh-TW" dirty="0" smtClean="0"/>
+              <a:t>C</a:t>
+            </a:r>
+            <a:endParaRPr lang="zh-TW" altLang="en-US" dirty="0"/>
+          </a:p>
+        </p:txBody>
+      </p:sp>
+      <p:sp>
+        <p:nvSpPr>
+          <p:cNvPr id="8" name="矩形 7"/>
+          <p:cNvSpPr/>
+          <p:nvPr/>
+        </p:nvSpPr>
+        <p:spPr>
+          <a:xfrm>
+            <a:off x="1836600" y="2971800"/>
+            <a:ext cx="1440000" cy="540000"/>
+          </a:xfrm>
+          <a:prstGeom prst="rect">
+            <a:avLst/>
+          </a:prstGeom>
+        </p:spPr>
+        <p:style>
+          <a:lnRef idx="0">
+            <a:schemeClr val="accent2"/>
+          </a:lnRef>
+          <a:fillRef idx="3">
+            <a:schemeClr val="accent2"/>
+          </a:fillRef>
+          <a:effectRef idx="3">
+            <a:schemeClr val="accent2"/>
+          </a:effectRef>
+          <a:fontRef idx="minor">
+            <a:schemeClr val="lt1"/>
+          </a:fontRef>
+        </p:style>
+        <p:txBody>
+          <a:bodyPr rtlCol="0" anchor="ctr"/>
+          <a:lstStyle/>
+          <a:p>
+            <a:pPr algn="ctr"/>
+            <a:r>
               <a:rPr lang="en-US" altLang="zh-TW" dirty="0"/>
-            </a:br>
+              <a:t>Module </a:t>
+            </a:r>
             <a:r>
               <a:rPr lang="en-US" altLang="zh-TW" dirty="0" smtClean="0"/>
-              <a:t>(EXE)</a:t>
+              <a:t>D</a:t>
             </a:r>
             <a:endParaRPr lang="zh-TW" altLang="en-US" dirty="0"/>
           </a:p>
@@ -20466,14 +21533,102 @@
       </p:sp>
       <p:sp>
         <p:nvSpPr>
-          <p:cNvPr id="33" name="矩形 32"/>
+          <p:cNvPr id="9" name="矩形 8"/>
           <p:cNvSpPr/>
           <p:nvPr/>
         </p:nvSpPr>
         <p:spPr>
           <a:xfrm>
-            <a:off x="8763000" y="1219200"/>
-            <a:ext cx="1440000" cy="720000"/>
+            <a:off x="5478600" y="2971800"/>
+            <a:ext cx="1440000" cy="540000"/>
+          </a:xfrm>
+          <a:prstGeom prst="rect">
+            <a:avLst/>
+          </a:prstGeom>
+        </p:spPr>
+        <p:style>
+          <a:lnRef idx="0">
+            <a:schemeClr val="accent2"/>
+          </a:lnRef>
+          <a:fillRef idx="3">
+            <a:schemeClr val="accent2"/>
+          </a:fillRef>
+          <a:effectRef idx="3">
+            <a:schemeClr val="accent2"/>
+          </a:effectRef>
+          <a:fontRef idx="minor">
+            <a:schemeClr val="lt1"/>
+          </a:fontRef>
+        </p:style>
+        <p:txBody>
+          <a:bodyPr rtlCol="0" anchor="ctr"/>
+          <a:lstStyle/>
+          <a:p>
+            <a:pPr algn="ctr"/>
+            <a:r>
+              <a:rPr lang="en-US" altLang="zh-TW" dirty="0"/>
+              <a:t>Module </a:t>
+            </a:r>
+            <a:r>
+              <a:rPr lang="en-US" altLang="zh-TW" dirty="0" smtClean="0"/>
+              <a:t>F</a:t>
+            </a:r>
+            <a:endParaRPr lang="zh-TW" altLang="en-US" dirty="0"/>
+          </a:p>
+        </p:txBody>
+      </p:sp>
+      <p:sp>
+        <p:nvSpPr>
+          <p:cNvPr id="10" name="矩形 9"/>
+          <p:cNvSpPr/>
+          <p:nvPr/>
+        </p:nvSpPr>
+        <p:spPr>
+          <a:xfrm>
+            <a:off x="3657600" y="2971800"/>
+            <a:ext cx="1440000" cy="540000"/>
+          </a:xfrm>
+          <a:prstGeom prst="rect">
+            <a:avLst/>
+          </a:prstGeom>
+        </p:spPr>
+        <p:style>
+          <a:lnRef idx="0">
+            <a:schemeClr val="accent2"/>
+          </a:lnRef>
+          <a:fillRef idx="3">
+            <a:schemeClr val="accent2"/>
+          </a:fillRef>
+          <a:effectRef idx="3">
+            <a:schemeClr val="accent2"/>
+          </a:effectRef>
+          <a:fontRef idx="minor">
+            <a:schemeClr val="lt1"/>
+          </a:fontRef>
+        </p:style>
+        <p:txBody>
+          <a:bodyPr rtlCol="0" anchor="ctr"/>
+          <a:lstStyle/>
+          <a:p>
+            <a:pPr algn="ctr"/>
+            <a:r>
+              <a:rPr lang="en-US" altLang="zh-TW" dirty="0"/>
+              <a:t>Module E</a:t>
+            </a:r>
+            <a:endParaRPr lang="zh-TW" altLang="en-US" dirty="0"/>
+          </a:p>
+        </p:txBody>
+      </p:sp>
+      <p:sp>
+        <p:nvSpPr>
+          <p:cNvPr id="11" name="矩形 10"/>
+          <p:cNvSpPr/>
+          <p:nvPr/>
+        </p:nvSpPr>
+        <p:spPr>
+          <a:xfrm>
+            <a:off x="1836600" y="3954328"/>
+            <a:ext cx="1440000" cy="540000"/>
           </a:xfrm>
           <a:prstGeom prst="rect">
             <a:avLst/>
@@ -20500,14 +21655,49 @@
             <a:pPr algn="ctr"/>
             <a:r>
               <a:rPr lang="en-US" altLang="zh-TW" dirty="0" smtClean="0"/>
-              <a:t>Example</a:t>
-            </a:r>
-            <a:br>
+              <a:t>Application</a:t>
+            </a:r>
+            <a:endParaRPr lang="zh-TW" altLang="en-US" dirty="0"/>
+          </a:p>
+        </p:txBody>
+      </p:sp>
+      <p:sp>
+        <p:nvSpPr>
+          <p:cNvPr id="12" name="矩形 11"/>
+          <p:cNvSpPr/>
+          <p:nvPr/>
+        </p:nvSpPr>
+        <p:spPr>
+          <a:xfrm>
+            <a:off x="4572000" y="3964714"/>
+            <a:ext cx="1440000" cy="540000"/>
+          </a:xfrm>
+          <a:prstGeom prst="rect">
+            <a:avLst/>
+          </a:prstGeom>
+        </p:spPr>
+        <p:style>
+          <a:lnRef idx="0">
+            <a:schemeClr val="accent5"/>
+          </a:lnRef>
+          <a:fillRef idx="3">
+            <a:schemeClr val="accent5"/>
+          </a:fillRef>
+          <a:effectRef idx="3">
+            <a:schemeClr val="accent5"/>
+          </a:effectRef>
+          <a:fontRef idx="minor">
+            <a:schemeClr val="lt1"/>
+          </a:fontRef>
+        </p:style>
+        <p:txBody>
+          <a:bodyPr rtlCol="0" anchor="ctr"/>
+          <a:lstStyle/>
+          <a:p>
+            <a:pPr algn="ctr"/>
+            <a:r>
               <a:rPr lang="en-US" altLang="zh-TW" dirty="0" smtClean="0"/>
-            </a:br>
-            <a:r>
-              <a:rPr lang="en-US" altLang="zh-TW" dirty="0" smtClean="0"/>
-              <a:t>(DLL)</a:t>
+              <a:t>Website</a:t>
             </a:r>
             <a:endParaRPr lang="zh-TW" altLang="en-US" dirty="0"/>
           </a:p>
@@ -20515,22 +21705,22 @@
       </p:sp>
       <p:cxnSp>
         <p:nvCxnSpPr>
-          <p:cNvPr id="35" name="肘形接點 34"/>
+          <p:cNvPr id="14" name="肘形接點 13"/>
           <p:cNvCxnSpPr>
-            <a:stCxn id="31" idx="3"/>
-            <a:endCxn id="33" idx="2"/>
+            <a:stCxn id="6" idx="0"/>
+            <a:endCxn id="5" idx="2"/>
           </p:cNvCxnSpPr>
           <p:nvPr/>
         </p:nvCxnSpPr>
         <p:spPr>
-          <a:xfrm flipV="1">
-            <a:off x="8298000" y="1939200"/>
-            <a:ext cx="1185000" cy="783000"/>
-          </a:xfrm>
-          <a:prstGeom prst="bentConnector2">
-            <a:avLst/>
-          </a:prstGeom>
-          <a:ln w="28575">
+          <a:xfrm rot="5400000" flipH="1" flipV="1">
+            <a:off x="3707539" y="1294061"/>
+            <a:ext cx="433522" cy="906600"/>
+          </a:xfrm>
+          <a:prstGeom prst="bentConnector3">
+            <a:avLst/>
+          </a:prstGeom>
+          <a:ln w="19050">
             <a:solidFill>
               <a:schemeClr val="tx1"/>
             </a:solidFill>
@@ -20554,78 +21744,299 @@
           </a:fontRef>
         </p:style>
       </p:cxnSp>
-      <p:sp>
-        <p:nvSpPr>
-          <p:cNvPr id="36" name="乘號 35"/>
-          <p:cNvSpPr/>
-          <p:nvPr/>
-        </p:nvSpPr>
-        <p:spPr>
-          <a:xfrm>
-            <a:off x="6176061" y="1007700"/>
-            <a:ext cx="2841937" cy="1202100"/>
-          </a:xfrm>
-          <a:prstGeom prst="mathMultiply">
+      <p:cxnSp>
+        <p:nvCxnSpPr>
+          <p:cNvPr id="16" name="肘形接點 15"/>
+          <p:cNvCxnSpPr>
+            <a:stCxn id="7" idx="0"/>
+            <a:endCxn id="5" idx="2"/>
+          </p:cNvCxnSpPr>
+          <p:nvPr/>
+        </p:nvCxnSpPr>
+        <p:spPr>
+          <a:xfrm rot="16200000" flipV="1">
+            <a:off x="4610657" y="1297543"/>
+            <a:ext cx="448286" cy="914400"/>
+          </a:xfrm>
+          <a:prstGeom prst="bentConnector3">
             <a:avLst>
-              <a:gd name="adj1" fmla="val 10058"/>
+              <a:gd name="adj1" fmla="val 52125"/>
             </a:avLst>
           </a:prstGeom>
-          <a:gradFill>
-            <a:gsLst>
-              <a:gs pos="0">
-                <a:schemeClr val="accent2">
-                  <a:satMod val="103000"/>
-                  <a:lumMod val="102000"/>
-                  <a:tint val="94000"/>
-                  <a:alpha val="50000"/>
-                </a:schemeClr>
-              </a:gs>
-              <a:gs pos="50000">
-                <a:schemeClr val="accent2">
-                  <a:satMod val="110000"/>
-                  <a:lumMod val="100000"/>
-                  <a:shade val="100000"/>
-                  <a:alpha val="50000"/>
-                </a:schemeClr>
-              </a:gs>
-              <a:gs pos="100000">
-                <a:schemeClr val="accent2">
-                  <a:lumMod val="99000"/>
-                  <a:satMod val="120000"/>
-                  <a:shade val="78000"/>
-                  <a:alpha val="50000"/>
-                </a:schemeClr>
-              </a:gs>
-            </a:gsLst>
-          </a:gradFill>
+          <a:ln w="19050">
+            <a:solidFill>
+              <a:schemeClr val="tx1"/>
+            </a:solidFill>
+            <a:prstDash val="sysDash"/>
+            <a:headEnd type="none" w="med" len="med"/>
+            <a:tailEnd type="arrow" w="med" len="med"/>
+          </a:ln>
         </p:spPr>
         <p:style>
-          <a:lnRef idx="0">
-            <a:schemeClr val="accent2"/>
+          <a:lnRef idx="1">
+            <a:schemeClr val="accent1"/>
           </a:lnRef>
-          <a:fillRef idx="3">
-            <a:schemeClr val="accent2"/>
+          <a:fillRef idx="0">
+            <a:schemeClr val="accent1"/>
           </a:fillRef>
-          <a:effectRef idx="3">
-            <a:schemeClr val="accent2"/>
+          <a:effectRef idx="0">
+            <a:schemeClr val="accent1"/>
           </a:effectRef>
           <a:fontRef idx="minor">
-            <a:schemeClr val="lt1"/>
+            <a:schemeClr val="tx1"/>
           </a:fontRef>
         </p:style>
-        <p:txBody>
-          <a:bodyPr rtlCol="0" anchor="ctr"/>
-          <a:lstStyle/>
-          <a:p>
-            <a:pPr algn="ctr"/>
-            <a:endParaRPr lang="zh-TW" altLang="en-US"/>
-          </a:p>
-        </p:txBody>
-      </p:sp>
+      </p:cxnSp>
+      <p:cxnSp>
+        <p:nvCxnSpPr>
+          <p:cNvPr id="18" name="肘形接點 17"/>
+          <p:cNvCxnSpPr>
+            <a:stCxn id="8" idx="0"/>
+            <a:endCxn id="6" idx="2"/>
+          </p:cNvCxnSpPr>
+          <p:nvPr/>
+        </p:nvCxnSpPr>
+        <p:spPr>
+          <a:xfrm rot="5400000" flipH="1" flipV="1">
+            <a:off x="2779961" y="2280761"/>
+            <a:ext cx="467678" cy="914400"/>
+          </a:xfrm>
+          <a:prstGeom prst="bentConnector3">
+            <a:avLst/>
+          </a:prstGeom>
+          <a:ln w="19050">
+            <a:solidFill>
+              <a:schemeClr val="tx1"/>
+            </a:solidFill>
+            <a:prstDash val="sysDash"/>
+            <a:headEnd type="none" w="med" len="med"/>
+            <a:tailEnd type="arrow" w="med" len="med"/>
+          </a:ln>
+        </p:spPr>
+        <p:style>
+          <a:lnRef idx="1">
+            <a:schemeClr val="accent1"/>
+          </a:lnRef>
+          <a:fillRef idx="0">
+            <a:schemeClr val="accent1"/>
+          </a:fillRef>
+          <a:effectRef idx="0">
+            <a:schemeClr val="accent1"/>
+          </a:effectRef>
+          <a:fontRef idx="minor">
+            <a:schemeClr val="tx1"/>
+          </a:fontRef>
+        </p:style>
+      </p:cxnSp>
+      <p:cxnSp>
+        <p:nvCxnSpPr>
+          <p:cNvPr id="20" name="肘形接點 19"/>
+          <p:cNvCxnSpPr>
+            <a:stCxn id="10" idx="0"/>
+            <a:endCxn id="6" idx="2"/>
+          </p:cNvCxnSpPr>
+          <p:nvPr/>
+        </p:nvCxnSpPr>
+        <p:spPr>
+          <a:xfrm rot="16200000" flipV="1">
+            <a:off x="3690461" y="2284661"/>
+            <a:ext cx="467678" cy="906600"/>
+          </a:xfrm>
+          <a:prstGeom prst="bentConnector3">
+            <a:avLst/>
+          </a:prstGeom>
+          <a:ln w="19050">
+            <a:solidFill>
+              <a:schemeClr val="tx1"/>
+            </a:solidFill>
+            <a:prstDash val="sysDash"/>
+            <a:headEnd type="none" w="med" len="med"/>
+            <a:tailEnd type="arrow" w="med" len="med"/>
+          </a:ln>
+        </p:spPr>
+        <p:style>
+          <a:lnRef idx="1">
+            <a:schemeClr val="accent1"/>
+          </a:lnRef>
+          <a:fillRef idx="0">
+            <a:schemeClr val="accent1"/>
+          </a:fillRef>
+          <a:effectRef idx="0">
+            <a:schemeClr val="accent1"/>
+          </a:effectRef>
+          <a:fontRef idx="minor">
+            <a:schemeClr val="tx1"/>
+          </a:fontRef>
+        </p:style>
+      </p:cxnSp>
+      <p:cxnSp>
+        <p:nvCxnSpPr>
+          <p:cNvPr id="22" name="肘形接點 21"/>
+          <p:cNvCxnSpPr>
+            <a:stCxn id="9" idx="0"/>
+            <a:endCxn id="7" idx="2"/>
+          </p:cNvCxnSpPr>
+          <p:nvPr/>
+        </p:nvCxnSpPr>
+        <p:spPr>
+          <a:xfrm rot="16200000" flipV="1">
+            <a:off x="5518843" y="2292043"/>
+            <a:ext cx="452914" cy="906600"/>
+          </a:xfrm>
+          <a:prstGeom prst="bentConnector3">
+            <a:avLst/>
+          </a:prstGeom>
+          <a:ln w="19050">
+            <a:solidFill>
+              <a:schemeClr val="tx1"/>
+            </a:solidFill>
+            <a:prstDash val="sysDash"/>
+            <a:headEnd type="none" w="med" len="med"/>
+            <a:tailEnd type="arrow" w="med" len="med"/>
+          </a:ln>
+        </p:spPr>
+        <p:style>
+          <a:lnRef idx="1">
+            <a:schemeClr val="accent1"/>
+          </a:lnRef>
+          <a:fillRef idx="0">
+            <a:schemeClr val="accent1"/>
+          </a:fillRef>
+          <a:effectRef idx="0">
+            <a:schemeClr val="accent1"/>
+          </a:effectRef>
+          <a:fontRef idx="minor">
+            <a:schemeClr val="tx1"/>
+          </a:fontRef>
+        </p:style>
+      </p:cxnSp>
+      <p:cxnSp>
+        <p:nvCxnSpPr>
+          <p:cNvPr id="24" name="肘形接點 23"/>
+          <p:cNvCxnSpPr>
+            <a:stCxn id="12" idx="0"/>
+            <a:endCxn id="9" idx="2"/>
+          </p:cNvCxnSpPr>
+          <p:nvPr/>
+        </p:nvCxnSpPr>
+        <p:spPr>
+          <a:xfrm rot="5400000" flipH="1" flipV="1">
+            <a:off x="5518843" y="3284957"/>
+            <a:ext cx="452914" cy="906600"/>
+          </a:xfrm>
+          <a:prstGeom prst="bentConnector3">
+            <a:avLst/>
+          </a:prstGeom>
+          <a:ln w="19050">
+            <a:solidFill>
+              <a:schemeClr val="tx1"/>
+            </a:solidFill>
+            <a:prstDash val="sysDash"/>
+            <a:headEnd type="none" w="med" len="med"/>
+            <a:tailEnd type="arrow" w="med" len="med"/>
+          </a:ln>
+        </p:spPr>
+        <p:style>
+          <a:lnRef idx="1">
+            <a:schemeClr val="accent1"/>
+          </a:lnRef>
+          <a:fillRef idx="0">
+            <a:schemeClr val="accent1"/>
+          </a:fillRef>
+          <a:effectRef idx="0">
+            <a:schemeClr val="accent1"/>
+          </a:effectRef>
+          <a:fontRef idx="minor">
+            <a:schemeClr val="tx1"/>
+          </a:fontRef>
+        </p:style>
+      </p:cxnSp>
+      <p:cxnSp>
+        <p:nvCxnSpPr>
+          <p:cNvPr id="30" name="肘形接點 29"/>
+          <p:cNvCxnSpPr>
+            <a:stCxn id="12" idx="0"/>
+            <a:endCxn id="10" idx="2"/>
+          </p:cNvCxnSpPr>
+          <p:nvPr/>
+        </p:nvCxnSpPr>
+        <p:spPr>
+          <a:xfrm rot="16200000" flipV="1">
+            <a:off x="4608343" y="3281057"/>
+            <a:ext cx="452914" cy="914400"/>
+          </a:xfrm>
+          <a:prstGeom prst="bentConnector3">
+            <a:avLst/>
+          </a:prstGeom>
+          <a:ln w="19050">
+            <a:solidFill>
+              <a:schemeClr val="tx1"/>
+            </a:solidFill>
+            <a:prstDash val="sysDash"/>
+            <a:headEnd type="none" w="med" len="med"/>
+            <a:tailEnd type="arrow" w="med" len="med"/>
+          </a:ln>
+        </p:spPr>
+        <p:style>
+          <a:lnRef idx="1">
+            <a:schemeClr val="accent1"/>
+          </a:lnRef>
+          <a:fillRef idx="0">
+            <a:schemeClr val="accent1"/>
+          </a:fillRef>
+          <a:effectRef idx="0">
+            <a:schemeClr val="accent1"/>
+          </a:effectRef>
+          <a:fontRef idx="minor">
+            <a:schemeClr val="tx1"/>
+          </a:fontRef>
+        </p:style>
+      </p:cxnSp>
+      <p:cxnSp>
+        <p:nvCxnSpPr>
+          <p:cNvPr id="61" name="直線單箭頭接點 60"/>
+          <p:cNvCxnSpPr>
+            <a:stCxn id="11" idx="0"/>
+            <a:endCxn id="8" idx="2"/>
+          </p:cNvCxnSpPr>
+          <p:nvPr/>
+        </p:nvCxnSpPr>
+        <p:spPr>
+          <a:xfrm flipV="1">
+            <a:off x="2556600" y="3511800"/>
+            <a:ext cx="0" cy="442528"/>
+          </a:xfrm>
+          <a:prstGeom prst="straightConnector1">
+            <a:avLst/>
+          </a:prstGeom>
+          <a:ln w="19050">
+            <a:solidFill>
+              <a:schemeClr val="tx1"/>
+            </a:solidFill>
+            <a:prstDash val="sysDash"/>
+            <a:headEnd type="none" w="med" len="med"/>
+            <a:tailEnd type="arrow" w="med" len="med"/>
+          </a:ln>
+        </p:spPr>
+        <p:style>
+          <a:lnRef idx="1">
+            <a:schemeClr val="accent1"/>
+          </a:lnRef>
+          <a:fillRef idx="0">
+            <a:schemeClr val="accent1"/>
+          </a:fillRef>
+          <a:effectRef idx="0">
+            <a:schemeClr val="accent1"/>
+          </a:effectRef>
+          <a:fontRef idx="minor">
+            <a:schemeClr val="tx1"/>
+          </a:fontRef>
+        </p:style>
+      </p:cxnSp>
     </p:spTree>
     <p:extLst>
       <p:ext uri="{BB962C8B-B14F-4D97-AF65-F5344CB8AC3E}">
-        <p14:creationId xmlns:p14="http://schemas.microsoft.com/office/powerpoint/2010/main" val="3819257950"/>
+        <p14:creationId xmlns:p14="http://schemas.microsoft.com/office/powerpoint/2010/main" val="2387380010"/>
       </p:ext>
     </p:extLst>
   </p:cSld>
@@ -20661,6 +22072,450 @@
       </p:grpSpPr>
       <p:sp>
         <p:nvSpPr>
+          <p:cNvPr id="5" name="矩形 4"/>
+          <p:cNvSpPr/>
+          <p:nvPr/>
+        </p:nvSpPr>
+        <p:spPr>
+          <a:xfrm>
+            <a:off x="3662250" y="1219200"/>
+            <a:ext cx="1440000" cy="720000"/>
+          </a:xfrm>
+          <a:prstGeom prst="rect">
+            <a:avLst/>
+          </a:prstGeom>
+        </p:spPr>
+        <p:style>
+          <a:lnRef idx="0">
+            <a:schemeClr val="accent4"/>
+          </a:lnRef>
+          <a:fillRef idx="3">
+            <a:schemeClr val="accent4"/>
+          </a:fillRef>
+          <a:effectRef idx="3">
+            <a:schemeClr val="accent4"/>
+          </a:effectRef>
+          <a:fontRef idx="minor">
+            <a:schemeClr val="lt1"/>
+          </a:fontRef>
+        </p:style>
+        <p:txBody>
+          <a:bodyPr rtlCol="0" anchor="ctr"/>
+          <a:lstStyle/>
+          <a:p>
+            <a:pPr algn="ctr"/>
+            <a:r>
+              <a:rPr lang="en-US" altLang="zh-TW" dirty="0" smtClean="0"/>
+              <a:t>Example</a:t>
+            </a:r>
+            <a:br>
+              <a:rPr lang="en-US" altLang="zh-TW" dirty="0" smtClean="0"/>
+            </a:br>
+            <a:r>
+              <a:rPr lang="en-US" altLang="zh-TW" dirty="0" smtClean="0"/>
+              <a:t>(DLL)</a:t>
+            </a:r>
+            <a:endParaRPr lang="zh-TW" altLang="en-US" dirty="0"/>
+          </a:p>
+        </p:txBody>
+      </p:sp>
+      <p:sp>
+        <p:nvSpPr>
+          <p:cNvPr id="6" name="矩形 5"/>
+          <p:cNvSpPr/>
+          <p:nvPr/>
+        </p:nvSpPr>
+        <p:spPr>
+          <a:xfrm>
+            <a:off x="3662250" y="2362200"/>
+            <a:ext cx="1440000" cy="720000"/>
+          </a:xfrm>
+          <a:prstGeom prst="rect">
+            <a:avLst/>
+          </a:prstGeom>
+        </p:spPr>
+        <p:style>
+          <a:lnRef idx="2">
+            <a:schemeClr val="accent6">
+              <a:shade val="50000"/>
+            </a:schemeClr>
+          </a:lnRef>
+          <a:fillRef idx="1">
+            <a:schemeClr val="accent6"/>
+          </a:fillRef>
+          <a:effectRef idx="0">
+            <a:schemeClr val="accent6"/>
+          </a:effectRef>
+          <a:fontRef idx="minor">
+            <a:schemeClr val="lt1"/>
+          </a:fontRef>
+        </p:style>
+        <p:txBody>
+          <a:bodyPr rtlCol="0" anchor="ctr"/>
+          <a:lstStyle/>
+          <a:p>
+            <a:pPr algn="ctr"/>
+            <a:r>
+              <a:rPr lang="en-US" altLang="zh-TW" dirty="0" err="1" smtClean="0"/>
+              <a:t>ExampleApp</a:t>
+            </a:r>
+            <a:r>
+              <a:rPr lang="en-US" altLang="zh-TW" dirty="0"/>
+              <a:t/>
+            </a:r>
+            <a:br>
+              <a:rPr lang="en-US" altLang="zh-TW" dirty="0"/>
+            </a:br>
+            <a:r>
+              <a:rPr lang="en-US" altLang="zh-TW" dirty="0" smtClean="0"/>
+              <a:t>(EXE)</a:t>
+            </a:r>
+            <a:endParaRPr lang="zh-TW" altLang="en-US" dirty="0"/>
+          </a:p>
+        </p:txBody>
+      </p:sp>
+      <p:cxnSp>
+        <p:nvCxnSpPr>
+          <p:cNvPr id="21" name="直線單箭頭接點 20"/>
+          <p:cNvCxnSpPr>
+            <a:stCxn id="6" idx="0"/>
+            <a:endCxn id="5" idx="2"/>
+          </p:cNvCxnSpPr>
+          <p:nvPr/>
+        </p:nvCxnSpPr>
+        <p:spPr>
+          <a:xfrm flipV="1">
+            <a:off x="4382250" y="1939200"/>
+            <a:ext cx="0" cy="423000"/>
+          </a:xfrm>
+          <a:prstGeom prst="straightConnector1">
+            <a:avLst/>
+          </a:prstGeom>
+          <a:ln w="28575">
+            <a:solidFill>
+              <a:schemeClr val="tx1"/>
+            </a:solidFill>
+            <a:prstDash val="sysDash"/>
+            <a:headEnd type="none" w="med" len="med"/>
+            <a:tailEnd type="arrow" w="med" len="med"/>
+          </a:ln>
+        </p:spPr>
+        <p:style>
+          <a:lnRef idx="1">
+            <a:schemeClr val="accent1"/>
+          </a:lnRef>
+          <a:fillRef idx="0">
+            <a:schemeClr val="accent1"/>
+          </a:fillRef>
+          <a:effectRef idx="0">
+            <a:schemeClr val="accent1"/>
+          </a:effectRef>
+          <a:fontRef idx="minor">
+            <a:schemeClr val="tx1"/>
+          </a:fontRef>
+        </p:style>
+      </p:cxnSp>
+      <p:sp>
+        <p:nvSpPr>
+          <p:cNvPr id="29" name="矩形 28"/>
+          <p:cNvSpPr/>
+          <p:nvPr/>
+        </p:nvSpPr>
+        <p:spPr>
+          <a:xfrm>
+            <a:off x="6858000" y="1219200"/>
+            <a:ext cx="1440000" cy="720000"/>
+          </a:xfrm>
+          <a:prstGeom prst="rect">
+            <a:avLst/>
+          </a:prstGeom>
+        </p:spPr>
+        <p:style>
+          <a:lnRef idx="0">
+            <a:schemeClr val="accent4"/>
+          </a:lnRef>
+          <a:fillRef idx="3">
+            <a:schemeClr val="accent4"/>
+          </a:fillRef>
+          <a:effectRef idx="3">
+            <a:schemeClr val="accent4"/>
+          </a:effectRef>
+          <a:fontRef idx="minor">
+            <a:schemeClr val="lt1"/>
+          </a:fontRef>
+        </p:style>
+        <p:txBody>
+          <a:bodyPr rtlCol="0" anchor="ctr"/>
+          <a:lstStyle/>
+          <a:p>
+            <a:pPr algn="ctr"/>
+            <a:r>
+              <a:rPr lang="en-US" altLang="zh-TW" dirty="0" smtClean="0"/>
+              <a:t>Example</a:t>
+            </a:r>
+            <a:br>
+              <a:rPr lang="en-US" altLang="zh-TW" dirty="0" smtClean="0"/>
+            </a:br>
+            <a:r>
+              <a:rPr lang="en-US" altLang="zh-TW" dirty="0" smtClean="0"/>
+              <a:t>(DLL)</a:t>
+            </a:r>
+            <a:endParaRPr lang="zh-TW" altLang="en-US" dirty="0"/>
+          </a:p>
+        </p:txBody>
+      </p:sp>
+      <p:sp>
+        <p:nvSpPr>
+          <p:cNvPr id="31" name="矩形 30"/>
+          <p:cNvSpPr/>
+          <p:nvPr/>
+        </p:nvSpPr>
+        <p:spPr>
+          <a:xfrm>
+            <a:off x="6858000" y="2362200"/>
+            <a:ext cx="1440000" cy="720000"/>
+          </a:xfrm>
+          <a:prstGeom prst="rect">
+            <a:avLst/>
+          </a:prstGeom>
+        </p:spPr>
+        <p:style>
+          <a:lnRef idx="2">
+            <a:schemeClr val="accent6">
+              <a:shade val="50000"/>
+            </a:schemeClr>
+          </a:lnRef>
+          <a:fillRef idx="1">
+            <a:schemeClr val="accent6"/>
+          </a:fillRef>
+          <a:effectRef idx="0">
+            <a:schemeClr val="accent6"/>
+          </a:effectRef>
+          <a:fontRef idx="minor">
+            <a:schemeClr val="lt1"/>
+          </a:fontRef>
+        </p:style>
+        <p:txBody>
+          <a:bodyPr rtlCol="0" anchor="ctr"/>
+          <a:lstStyle/>
+          <a:p>
+            <a:pPr algn="ctr"/>
+            <a:r>
+              <a:rPr lang="en-US" altLang="zh-TW" dirty="0" err="1" smtClean="0"/>
+              <a:t>ExampleApp</a:t>
+            </a:r>
+            <a:r>
+              <a:rPr lang="en-US" altLang="zh-TW" dirty="0"/>
+              <a:t/>
+            </a:r>
+            <a:br>
+              <a:rPr lang="en-US" altLang="zh-TW" dirty="0"/>
+            </a:br>
+            <a:r>
+              <a:rPr lang="en-US" altLang="zh-TW" dirty="0" smtClean="0"/>
+              <a:t>(EXE)</a:t>
+            </a:r>
+            <a:endParaRPr lang="zh-TW" altLang="en-US" dirty="0"/>
+          </a:p>
+        </p:txBody>
+      </p:sp>
+      <p:sp>
+        <p:nvSpPr>
+          <p:cNvPr id="33" name="矩形 32"/>
+          <p:cNvSpPr/>
+          <p:nvPr/>
+        </p:nvSpPr>
+        <p:spPr>
+          <a:xfrm>
+            <a:off x="8763000" y="1219200"/>
+            <a:ext cx="1440000" cy="720000"/>
+          </a:xfrm>
+          <a:prstGeom prst="rect">
+            <a:avLst/>
+          </a:prstGeom>
+        </p:spPr>
+        <p:style>
+          <a:lnRef idx="0">
+            <a:schemeClr val="accent5"/>
+          </a:lnRef>
+          <a:fillRef idx="3">
+            <a:schemeClr val="accent5"/>
+          </a:fillRef>
+          <a:effectRef idx="3">
+            <a:schemeClr val="accent5"/>
+          </a:effectRef>
+          <a:fontRef idx="minor">
+            <a:schemeClr val="lt1"/>
+          </a:fontRef>
+        </p:style>
+        <p:txBody>
+          <a:bodyPr rtlCol="0" anchor="ctr"/>
+          <a:lstStyle/>
+          <a:p>
+            <a:pPr algn="ctr"/>
+            <a:r>
+              <a:rPr lang="en-US" altLang="zh-TW" dirty="0" smtClean="0"/>
+              <a:t>Example</a:t>
+            </a:r>
+            <a:br>
+              <a:rPr lang="en-US" altLang="zh-TW" dirty="0" smtClean="0"/>
+            </a:br>
+            <a:r>
+              <a:rPr lang="en-US" altLang="zh-TW" dirty="0" smtClean="0"/>
+              <a:t>(DLL)</a:t>
+            </a:r>
+            <a:endParaRPr lang="zh-TW" altLang="en-US" dirty="0"/>
+          </a:p>
+        </p:txBody>
+      </p:sp>
+      <p:cxnSp>
+        <p:nvCxnSpPr>
+          <p:cNvPr id="35" name="肘形接點 34"/>
+          <p:cNvCxnSpPr>
+            <a:stCxn id="31" idx="3"/>
+            <a:endCxn id="33" idx="2"/>
+          </p:cNvCxnSpPr>
+          <p:nvPr/>
+        </p:nvCxnSpPr>
+        <p:spPr>
+          <a:xfrm flipV="1">
+            <a:off x="8298000" y="1939200"/>
+            <a:ext cx="1185000" cy="783000"/>
+          </a:xfrm>
+          <a:prstGeom prst="bentConnector2">
+            <a:avLst/>
+          </a:prstGeom>
+          <a:ln w="28575">
+            <a:solidFill>
+              <a:schemeClr val="tx1"/>
+            </a:solidFill>
+            <a:prstDash val="sysDash"/>
+            <a:headEnd type="none" w="med" len="med"/>
+            <a:tailEnd type="arrow" w="med" len="med"/>
+          </a:ln>
+        </p:spPr>
+        <p:style>
+          <a:lnRef idx="1">
+            <a:schemeClr val="accent1"/>
+          </a:lnRef>
+          <a:fillRef idx="0">
+            <a:schemeClr val="accent1"/>
+          </a:fillRef>
+          <a:effectRef idx="0">
+            <a:schemeClr val="accent1"/>
+          </a:effectRef>
+          <a:fontRef idx="minor">
+            <a:schemeClr val="tx1"/>
+          </a:fontRef>
+        </p:style>
+      </p:cxnSp>
+      <p:sp>
+        <p:nvSpPr>
+          <p:cNvPr id="36" name="乘號 35"/>
+          <p:cNvSpPr/>
+          <p:nvPr/>
+        </p:nvSpPr>
+        <p:spPr>
+          <a:xfrm>
+            <a:off x="6176061" y="1007700"/>
+            <a:ext cx="2841937" cy="1202100"/>
+          </a:xfrm>
+          <a:prstGeom prst="mathMultiply">
+            <a:avLst>
+              <a:gd name="adj1" fmla="val 10058"/>
+            </a:avLst>
+          </a:prstGeom>
+          <a:gradFill>
+            <a:gsLst>
+              <a:gs pos="0">
+                <a:schemeClr val="accent2">
+                  <a:satMod val="103000"/>
+                  <a:lumMod val="102000"/>
+                  <a:tint val="94000"/>
+                  <a:alpha val="50000"/>
+                </a:schemeClr>
+              </a:gs>
+              <a:gs pos="50000">
+                <a:schemeClr val="accent2">
+                  <a:satMod val="110000"/>
+                  <a:lumMod val="100000"/>
+                  <a:shade val="100000"/>
+                  <a:alpha val="50000"/>
+                </a:schemeClr>
+              </a:gs>
+              <a:gs pos="100000">
+                <a:schemeClr val="accent2">
+                  <a:lumMod val="99000"/>
+                  <a:satMod val="120000"/>
+                  <a:shade val="78000"/>
+                  <a:alpha val="50000"/>
+                </a:schemeClr>
+              </a:gs>
+            </a:gsLst>
+          </a:gradFill>
+        </p:spPr>
+        <p:style>
+          <a:lnRef idx="0">
+            <a:schemeClr val="accent2"/>
+          </a:lnRef>
+          <a:fillRef idx="3">
+            <a:schemeClr val="accent2"/>
+          </a:fillRef>
+          <a:effectRef idx="3">
+            <a:schemeClr val="accent2"/>
+          </a:effectRef>
+          <a:fontRef idx="minor">
+            <a:schemeClr val="lt1"/>
+          </a:fontRef>
+        </p:style>
+        <p:txBody>
+          <a:bodyPr rtlCol="0" anchor="ctr"/>
+          <a:lstStyle/>
+          <a:p>
+            <a:pPr algn="ctr"/>
+            <a:endParaRPr lang="zh-TW" altLang="en-US"/>
+          </a:p>
+        </p:txBody>
+      </p:sp>
+    </p:spTree>
+    <p:extLst>
+      <p:ext uri="{BB962C8B-B14F-4D97-AF65-F5344CB8AC3E}">
+        <p14:creationId xmlns:p14="http://schemas.microsoft.com/office/powerpoint/2010/main" val="3819257950"/>
+      </p:ext>
+    </p:extLst>
+  </p:cSld>
+  <p:clrMapOvr>
+    <a:masterClrMapping/>
+  </p:clrMapOvr>
+  <p:timing>
+    <p:tnLst>
+      <p:par>
+        <p:cTn id="1" dur="indefinite" restart="never" nodeType="tmRoot"/>
+      </p:par>
+    </p:tnLst>
+  </p:timing>
+</p:sld>
+</file>
+
+<file path=ppt/slides/slide22.xml><?xml version="1.0" encoding="utf-8"?>
+<p:sld xmlns:a="http://schemas.openxmlformats.org/drawingml/2006/main" xmlns:r="http://schemas.openxmlformats.org/officeDocument/2006/relationships" xmlns:p="http://schemas.openxmlformats.org/presentationml/2006/main">
+  <p:cSld>
+    <p:spTree>
+      <p:nvGrpSpPr>
+        <p:cNvPr id="1" name=""/>
+        <p:cNvGrpSpPr/>
+        <p:nvPr/>
+      </p:nvGrpSpPr>
+      <p:grpSpPr>
+        <a:xfrm>
+          <a:off x="0" y="0"/>
+          <a:ext cx="0" cy="0"/>
+          <a:chOff x="0" y="0"/>
+          <a:chExt cx="0" cy="0"/>
+        </a:xfrm>
+      </p:grpSpPr>
+      <p:sp>
+        <p:nvSpPr>
           <p:cNvPr id="3" name="矩形 2"/>
           <p:cNvSpPr/>
           <p:nvPr/>
@@ -22639,7 +24494,7 @@
 </p:sld>
 </file>
 
-<file path=ppt/slides/slide22.xml><?xml version="1.0" encoding="utf-8"?>
+<file path=ppt/slides/slide23.xml><?xml version="1.0" encoding="utf-8"?>
 <p:sld xmlns:a="http://schemas.openxmlformats.org/drawingml/2006/main" xmlns:r="http://schemas.openxmlformats.org/officeDocument/2006/relationships" xmlns:p="http://schemas.openxmlformats.org/presentationml/2006/main">
   <p:cSld>
     <p:spTree>
@@ -33507,18 +35362,18 @@
 </file>
 
 <file path=customXml/item1.xml><?xml version="1.0" encoding="utf-8"?>
+<p:properties xmlns:p="http://schemas.microsoft.com/office/2006/metadata/properties" xmlns:xsi="http://www.w3.org/2001/XMLSchema-instance">
+  <documentManagement/>
+</p:properties>
+</file>
+
+<file path=customXml/item2.xml><?xml version="1.0" encoding="utf-8"?>
 <?mso-contentType ?>
 <FormTemplates xmlns="http://schemas.microsoft.com/sharepoint/v3/contenttype/forms">
   <Display>DocumentLibraryForm</Display>
   <Edit>DocumentLibraryForm</Edit>
   <New>DocumentLibraryForm</New>
 </FormTemplates>
-</file>
-
-<file path=customXml/item2.xml><?xml version="1.0" encoding="utf-8"?>
-<p:properties xmlns:p="http://schemas.microsoft.com/office/2006/metadata/properties" xmlns:xsi="http://www.w3.org/2001/XMLSchema-instance">
-  <documentManagement/>
-</p:properties>
 </file>
 
 <file path=customXml/item3.xml><?xml version="1.0" encoding="utf-8"?>
@@ -33571,14 +35426,6 @@
 </file>
 
 <file path=customXml/itemProps1.xml><?xml version="1.0" encoding="utf-8"?>
-<ds:datastoreItem xmlns:ds="http://schemas.openxmlformats.org/officeDocument/2006/customXml" ds:itemID="{A1770BF7-49D5-46D6-8B76-1D8AF290B450}">
-  <ds:schemaRefs>
-    <ds:schemaRef ds:uri="http://schemas.microsoft.com/sharepoint/v3/contenttype/forms"/>
-  </ds:schemaRefs>
-</ds:datastoreItem>
-</file>
-
-<file path=customXml/itemProps2.xml><?xml version="1.0" encoding="utf-8"?>
 <ds:datastoreItem xmlns:ds="http://schemas.openxmlformats.org/officeDocument/2006/customXml" ds:itemID="{892A9AA9-F261-48C5-9DFB-0929A9F0E540}">
   <ds:schemaRefs>
     <ds:schemaRef ds:uri="http://purl.org/dc/dcmitype/"/>
@@ -33588,6 +35435,14 @@
     <ds:schemaRef ds:uri="http://www.w3.org/XML/1998/namespace"/>
     <ds:schemaRef ds:uri="http://purl.org/dc/terms/"/>
     <ds:schemaRef ds:uri="http://schemas.openxmlformats.org/package/2006/metadata/core-properties"/>
+  </ds:schemaRefs>
+</ds:datastoreItem>
+</file>
+
+<file path=customXml/itemProps2.xml><?xml version="1.0" encoding="utf-8"?>
+<ds:datastoreItem xmlns:ds="http://schemas.openxmlformats.org/officeDocument/2006/customXml" ds:itemID="{A1770BF7-49D5-46D6-8B76-1D8AF290B450}">
+  <ds:schemaRefs>
+    <ds:schemaRef ds:uri="http://schemas.microsoft.com/sharepoint/v3/contenttype/forms"/>
   </ds:schemaRefs>
 </ds:datastoreItem>
 </file>

--- a/source/_assets/ironman.pptx
+++ b/source/_assets/ironman.pptx
@@ -5,10 +5,10 @@
     <p:sldMasterId id="2147483752" r:id="rId4"/>
   </p:sldMasterIdLst>
   <p:notesMasterIdLst>
-    <p:notesMasterId r:id="rId28"/>
+    <p:notesMasterId r:id="rId29"/>
   </p:notesMasterIdLst>
   <p:handoutMasterIdLst>
-    <p:handoutMasterId r:id="rId29"/>
+    <p:handoutMasterId r:id="rId30"/>
   </p:handoutMasterIdLst>
   <p:sldIdLst>
     <p:sldId id="316" r:id="rId5"/>
@@ -34,6 +34,7 @@
     <p:sldId id="337" r:id="rId25"/>
     <p:sldId id="340" r:id="rId26"/>
     <p:sldId id="339" r:id="rId27"/>
+    <p:sldId id="348" r:id="rId28"/>
   </p:sldIdLst>
   <p:sldSz cx="12192000" cy="6858000"/>
   <p:notesSz cx="7099300" cy="10234613"/>
@@ -248,7 +249,7 @@
             <a:fld id="{3CDD3A71-4C75-488C-A8F3-A1F163ED0DB9}" type="datetimeFigureOut">
               <a:rPr lang="en-US" smtClean="0"/>
               <a:pPr/>
-              <a:t>12/25/2017</a:t>
+              <a:t>12/27/2017</a:t>
             </a:fld>
             <a:endParaRPr lang="en-US" dirty="0"/>
           </a:p>
@@ -416,7 +417,7 @@
             <a:fld id="{523CC419-8FB3-4D1C-8127-E63C1A13459D}" type="datetimeFigureOut">
               <a:rPr lang="en-US" smtClean="0"/>
               <a:pPr/>
-              <a:t>12/25/2017</a:t>
+              <a:t>12/27/2017</a:t>
             </a:fld>
             <a:endParaRPr lang="en-US" dirty="0"/>
           </a:p>
@@ -819,7 +820,7 @@
           <a:p>
             <a:fld id="{237FF733-248C-4CF7-A090-89CF012E357B}" type="datetimeFigureOut">
               <a:rPr lang="zh-TW" altLang="en-US" smtClean="0"/>
-              <a:t>2017/12/25</a:t>
+              <a:t>2017/12/27</a:t>
             </a:fld>
             <a:endParaRPr lang="zh-TW" altLang="en-US"/>
           </a:p>
@@ -990,7 +991,7 @@
           <a:p>
             <a:fld id="{237FF733-248C-4CF7-A090-89CF012E357B}" type="datetimeFigureOut">
               <a:rPr lang="zh-TW" altLang="en-US" smtClean="0"/>
-              <a:t>2017/12/25</a:t>
+              <a:t>2017/12/27</a:t>
             </a:fld>
             <a:endParaRPr lang="zh-TW" altLang="en-US"/>
           </a:p>
@@ -1171,7 +1172,7 @@
           <a:p>
             <a:fld id="{237FF733-248C-4CF7-A090-89CF012E357B}" type="datetimeFigureOut">
               <a:rPr lang="zh-TW" altLang="en-US" smtClean="0"/>
-              <a:t>2017/12/25</a:t>
+              <a:t>2017/12/27</a:t>
             </a:fld>
             <a:endParaRPr lang="zh-TW" altLang="en-US"/>
           </a:p>
@@ -1342,7 +1343,7 @@
           <a:p>
             <a:fld id="{237FF733-248C-4CF7-A090-89CF012E357B}" type="datetimeFigureOut">
               <a:rPr lang="zh-TW" altLang="en-US" smtClean="0"/>
-              <a:t>2017/12/25</a:t>
+              <a:t>2017/12/27</a:t>
             </a:fld>
             <a:endParaRPr lang="zh-TW" altLang="en-US"/>
           </a:p>
@@ -1589,7 +1590,7 @@
           <a:p>
             <a:fld id="{237FF733-248C-4CF7-A090-89CF012E357B}" type="datetimeFigureOut">
               <a:rPr lang="zh-TW" altLang="en-US" smtClean="0"/>
-              <a:t>2017/12/25</a:t>
+              <a:t>2017/12/27</a:t>
             </a:fld>
             <a:endParaRPr lang="zh-TW" altLang="en-US"/>
           </a:p>
@@ -1822,7 +1823,7 @@
           <a:p>
             <a:fld id="{237FF733-248C-4CF7-A090-89CF012E357B}" type="datetimeFigureOut">
               <a:rPr lang="zh-TW" altLang="en-US" smtClean="0"/>
-              <a:t>2017/12/25</a:t>
+              <a:t>2017/12/27</a:t>
             </a:fld>
             <a:endParaRPr lang="zh-TW" altLang="en-US"/>
           </a:p>
@@ -2190,7 +2191,7 @@
           <a:p>
             <a:fld id="{237FF733-248C-4CF7-A090-89CF012E357B}" type="datetimeFigureOut">
               <a:rPr lang="zh-TW" altLang="en-US" smtClean="0"/>
-              <a:t>2017/12/25</a:t>
+              <a:t>2017/12/27</a:t>
             </a:fld>
             <a:endParaRPr lang="zh-TW" altLang="en-US"/>
           </a:p>
@@ -2309,7 +2310,7 @@
           <a:p>
             <a:fld id="{237FF733-248C-4CF7-A090-89CF012E357B}" type="datetimeFigureOut">
               <a:rPr lang="zh-TW" altLang="en-US" smtClean="0"/>
-              <a:t>2017/12/25</a:t>
+              <a:t>2017/12/27</a:t>
             </a:fld>
             <a:endParaRPr lang="zh-TW" altLang="en-US"/>
           </a:p>
@@ -2405,7 +2406,7 @@
           <a:p>
             <a:fld id="{237FF733-248C-4CF7-A090-89CF012E357B}" type="datetimeFigureOut">
               <a:rPr lang="zh-TW" altLang="en-US" smtClean="0"/>
-              <a:t>2017/12/25</a:t>
+              <a:t>2017/12/27</a:t>
             </a:fld>
             <a:endParaRPr lang="zh-TW" altLang="en-US"/>
           </a:p>
@@ -2683,7 +2684,7 @@
           <a:p>
             <a:fld id="{237FF733-248C-4CF7-A090-89CF012E357B}" type="datetimeFigureOut">
               <a:rPr lang="zh-TW" altLang="en-US" smtClean="0"/>
-              <a:t>2017/12/25</a:t>
+              <a:t>2017/12/27</a:t>
             </a:fld>
             <a:endParaRPr lang="zh-TW" altLang="en-US"/>
           </a:p>
@@ -2941,7 +2942,7 @@
           <a:p>
             <a:fld id="{237FF733-248C-4CF7-A090-89CF012E357B}" type="datetimeFigureOut">
               <a:rPr lang="zh-TW" altLang="en-US" smtClean="0"/>
-              <a:t>2017/12/25</a:t>
+              <a:t>2017/12/27</a:t>
             </a:fld>
             <a:endParaRPr lang="zh-TW" altLang="en-US"/>
           </a:p>
@@ -3155,7 +3156,7 @@
           <a:p>
             <a:fld id="{237FF733-248C-4CF7-A090-89CF012E357B}" type="datetimeFigureOut">
               <a:rPr lang="zh-TW" altLang="en-US" smtClean="0"/>
-              <a:t>2017/12/25</a:t>
+              <a:t>2017/12/27</a:t>
             </a:fld>
             <a:endParaRPr lang="zh-TW" altLang="en-US"/>
           </a:p>
@@ -7320,13 +7321,7 @@
               <a:rPr lang="zh-TW" altLang="en-US" sz="1200" dirty="0" smtClean="0">
                 <a:ea typeface="微軟正黑體" panose="020B0604030504040204" pitchFamily="34" charset="-120"/>
               </a:rPr>
-              <a:t>我</a:t>
-            </a:r>
-            <a:r>
-              <a:rPr lang="zh-TW" altLang="en-US" sz="1200" dirty="0" smtClean="0">
-                <a:ea typeface="微軟正黑體" panose="020B0604030504040204" pitchFamily="34" charset="-120"/>
-              </a:rPr>
-              <a:t>要 </a:t>
+              <a:t>我要 </a:t>
             </a:r>
             <a:r>
               <a:rPr lang="en-US" altLang="zh-TW" sz="1200" dirty="0" smtClean="0">
@@ -7892,9 +7887,6 @@
               </a:rPr>
               <a:t>/home/about </a:t>
             </a:r>
-            <a:endParaRPr lang="en-US" altLang="zh-TW" sz="1200" b="1" dirty="0">
-              <a:latin typeface="Consolas" panose="020B0609020204030204" pitchFamily="49" charset="0"/>
-            </a:endParaRPr>
           </a:p>
         </p:txBody>
       </p:sp>
@@ -7937,9 +7929,6 @@
               </a:rPr>
               <a:t>/home/about </a:t>
             </a:r>
-            <a:endParaRPr lang="en-US" altLang="zh-TW" sz="1200" b="1" dirty="0">
-              <a:latin typeface="Consolas" panose="020B0609020204030204" pitchFamily="49" charset="0"/>
-            </a:endParaRPr>
           </a:p>
         </p:txBody>
       </p:sp>
@@ -8090,13 +8079,7 @@
               <a:rPr lang="zh-TW" altLang="en-US" sz="1200" dirty="0" smtClean="0">
                 <a:ea typeface="微軟正黑體" panose="020B0604030504040204" pitchFamily="34" charset="-120"/>
               </a:rPr>
-              <a:t>我</a:t>
-            </a:r>
-            <a:r>
-              <a:rPr lang="zh-TW" altLang="en-US" sz="1200" dirty="0" smtClean="0">
-                <a:ea typeface="微軟正黑體" panose="020B0604030504040204" pitchFamily="34" charset="-120"/>
-              </a:rPr>
-              <a:t>要 </a:t>
+              <a:t>我要 </a:t>
             </a:r>
             <a:r>
               <a:rPr lang="en-US" altLang="zh-TW" sz="1200" dirty="0" smtClean="0">
@@ -25145,6 +25128,213 @@
 </p:sld>
 </file>
 
+<file path=ppt/slides/slide24.xml><?xml version="1.0" encoding="utf-8"?>
+<p:sld xmlns:a="http://schemas.openxmlformats.org/drawingml/2006/main" xmlns:r="http://schemas.openxmlformats.org/officeDocument/2006/relationships" xmlns:p="http://schemas.openxmlformats.org/presentationml/2006/main">
+  <p:cSld>
+    <p:spTree>
+      <p:nvGrpSpPr>
+        <p:cNvPr id="1" name=""/>
+        <p:cNvGrpSpPr/>
+        <p:nvPr/>
+      </p:nvGrpSpPr>
+      <p:grpSpPr>
+        <a:xfrm>
+          <a:off x="0" y="0"/>
+          <a:ext cx="0" cy="0"/>
+          <a:chOff x="0" y="0"/>
+          <a:chExt cx="0" cy="0"/>
+        </a:xfrm>
+      </p:grpSpPr>
+      <p:sp>
+        <p:nvSpPr>
+          <p:cNvPr id="8" name="矩形 7"/>
+          <p:cNvSpPr/>
+          <p:nvPr/>
+        </p:nvSpPr>
+        <p:spPr>
+          <a:xfrm>
+            <a:off x="1447799" y="2064000"/>
+            <a:ext cx="5115969" cy="1605884"/>
+          </a:xfrm>
+          <a:prstGeom prst="rect">
+            <a:avLst/>
+          </a:prstGeom>
+        </p:spPr>
+        <p:style>
+          <a:lnRef idx="0">
+            <a:schemeClr val="accent4"/>
+          </a:lnRef>
+          <a:fillRef idx="3">
+            <a:schemeClr val="accent4"/>
+          </a:fillRef>
+          <a:effectRef idx="3">
+            <a:schemeClr val="accent4"/>
+          </a:effectRef>
+          <a:fontRef idx="minor">
+            <a:schemeClr val="lt1"/>
+          </a:fontRef>
+        </p:style>
+        <p:txBody>
+          <a:bodyPr rtlCol="0" anchor="ctr"/>
+          <a:lstStyle/>
+          <a:p>
+            <a:pPr algn="ctr"/>
+            <a:r>
+              <a:rPr lang="en-US" altLang="zh-TW" dirty="0" smtClean="0"/>
+              <a:t>Content</a:t>
+            </a:r>
+            <a:endParaRPr lang="zh-TW" altLang="en-US" dirty="0"/>
+          </a:p>
+        </p:txBody>
+      </p:sp>
+      <p:sp>
+        <p:nvSpPr>
+          <p:cNvPr id="5" name="矩形 4"/>
+          <p:cNvSpPr/>
+          <p:nvPr/>
+        </p:nvSpPr>
+        <p:spPr>
+          <a:xfrm>
+            <a:off x="6934200" y="451058"/>
+            <a:ext cx="5115969" cy="2685884"/>
+          </a:xfrm>
+          <a:prstGeom prst="rect">
+            <a:avLst/>
+          </a:prstGeom>
+          <a:noFill/>
+          <a:ln w="28575">
+            <a:prstDash val="lgDash"/>
+          </a:ln>
+        </p:spPr>
+        <p:style>
+          <a:lnRef idx="2">
+            <a:schemeClr val="dk1">
+              <a:shade val="50000"/>
+            </a:schemeClr>
+          </a:lnRef>
+          <a:fillRef idx="1">
+            <a:schemeClr val="dk1"/>
+          </a:fillRef>
+          <a:effectRef idx="0">
+            <a:schemeClr val="dk1"/>
+          </a:effectRef>
+          <a:fontRef idx="minor">
+            <a:schemeClr val="lt1"/>
+          </a:fontRef>
+        </p:style>
+        <p:txBody>
+          <a:bodyPr rtlCol="0" anchor="ctr"/>
+          <a:lstStyle/>
+          <a:p>
+            <a:pPr algn="ctr"/>
+            <a:endParaRPr lang="zh-TW" altLang="en-US"/>
+          </a:p>
+        </p:txBody>
+      </p:sp>
+      <p:sp>
+        <p:nvSpPr>
+          <p:cNvPr id="6" name="矩形 5"/>
+          <p:cNvSpPr/>
+          <p:nvPr/>
+        </p:nvSpPr>
+        <p:spPr>
+          <a:xfrm>
+            <a:off x="1447799" y="1524000"/>
+            <a:ext cx="5115969" cy="540000"/>
+          </a:xfrm>
+          <a:prstGeom prst="rect">
+            <a:avLst/>
+          </a:prstGeom>
+        </p:spPr>
+        <p:style>
+          <a:lnRef idx="0">
+            <a:schemeClr val="accent1"/>
+          </a:lnRef>
+          <a:fillRef idx="3">
+            <a:schemeClr val="accent1"/>
+          </a:fillRef>
+          <a:effectRef idx="3">
+            <a:schemeClr val="accent1"/>
+          </a:effectRef>
+          <a:fontRef idx="minor">
+            <a:schemeClr val="lt1"/>
+          </a:fontRef>
+        </p:style>
+        <p:txBody>
+          <a:bodyPr rtlCol="0" anchor="ctr"/>
+          <a:lstStyle/>
+          <a:p>
+            <a:pPr algn="ctr"/>
+            <a:r>
+              <a:rPr lang="en-US" altLang="zh-TW" dirty="0" smtClean="0"/>
+              <a:t>Header</a:t>
+            </a:r>
+            <a:endParaRPr lang="zh-TW" altLang="en-US" dirty="0"/>
+          </a:p>
+        </p:txBody>
+      </p:sp>
+      <p:sp>
+        <p:nvSpPr>
+          <p:cNvPr id="7" name="矩形 6"/>
+          <p:cNvSpPr/>
+          <p:nvPr/>
+        </p:nvSpPr>
+        <p:spPr>
+          <a:xfrm>
+            <a:off x="1447799" y="3669884"/>
+            <a:ext cx="5115969" cy="540000"/>
+          </a:xfrm>
+          <a:prstGeom prst="rect">
+            <a:avLst/>
+          </a:prstGeom>
+        </p:spPr>
+        <p:style>
+          <a:lnRef idx="0">
+            <a:schemeClr val="accent1"/>
+          </a:lnRef>
+          <a:fillRef idx="3">
+            <a:schemeClr val="accent1"/>
+          </a:fillRef>
+          <a:effectRef idx="3">
+            <a:schemeClr val="accent1"/>
+          </a:effectRef>
+          <a:fontRef idx="minor">
+            <a:schemeClr val="lt1"/>
+          </a:fontRef>
+        </p:style>
+        <p:txBody>
+          <a:bodyPr rtlCol="0" anchor="ctr"/>
+          <a:lstStyle/>
+          <a:p>
+            <a:pPr algn="ctr"/>
+            <a:r>
+              <a:rPr lang="en-US" altLang="zh-TW" dirty="0" smtClean="0"/>
+              <a:t>Footer</a:t>
+            </a:r>
+            <a:endParaRPr lang="zh-TW" altLang="en-US" dirty="0"/>
+          </a:p>
+        </p:txBody>
+      </p:sp>
+    </p:spTree>
+    <p:extLst>
+      <p:ext uri="{BB962C8B-B14F-4D97-AF65-F5344CB8AC3E}">
+        <p14:creationId xmlns:p14="http://schemas.microsoft.com/office/powerpoint/2010/main" val="2564765899"/>
+      </p:ext>
+    </p:extLst>
+  </p:cSld>
+  <p:clrMapOvr>
+    <a:masterClrMapping/>
+  </p:clrMapOvr>
+  <p:timing>
+    <p:tnLst>
+      <p:par>
+        <p:cTn id="1" dur="indefinite" restart="never" nodeType="tmRoot"/>
+      </p:par>
+    </p:tnLst>
+  </p:timing>
+</p:sld>
+</file>
+
 <file path=ppt/slides/slide3.xml><?xml version="1.0" encoding="utf-8"?>
 <p:sld xmlns:a="http://schemas.openxmlformats.org/drawingml/2006/main" xmlns:r="http://schemas.openxmlformats.org/officeDocument/2006/relationships" xmlns:p="http://schemas.openxmlformats.org/presentationml/2006/main">
   <p:cSld>
@@ -35362,18 +35552,18 @@
 </file>
 
 <file path=customXml/item1.xml><?xml version="1.0" encoding="utf-8"?>
-<p:properties xmlns:p="http://schemas.microsoft.com/office/2006/metadata/properties" xmlns:xsi="http://www.w3.org/2001/XMLSchema-instance">
-  <documentManagement/>
-</p:properties>
-</file>
-
-<file path=customXml/item2.xml><?xml version="1.0" encoding="utf-8"?>
 <?mso-contentType ?>
 <FormTemplates xmlns="http://schemas.microsoft.com/sharepoint/v3/contenttype/forms">
   <Display>DocumentLibraryForm</Display>
   <Edit>DocumentLibraryForm</Edit>
   <New>DocumentLibraryForm</New>
 </FormTemplates>
+</file>
+
+<file path=customXml/item2.xml><?xml version="1.0" encoding="utf-8"?>
+<p:properties xmlns:p="http://schemas.microsoft.com/office/2006/metadata/properties" xmlns:xsi="http://www.w3.org/2001/XMLSchema-instance">
+  <documentManagement/>
+</p:properties>
 </file>
 
 <file path=customXml/item3.xml><?xml version="1.0" encoding="utf-8"?>
@@ -35426,6 +35616,14 @@
 </file>
 
 <file path=customXml/itemProps1.xml><?xml version="1.0" encoding="utf-8"?>
+<ds:datastoreItem xmlns:ds="http://schemas.openxmlformats.org/officeDocument/2006/customXml" ds:itemID="{A1770BF7-49D5-46D6-8B76-1D8AF290B450}">
+  <ds:schemaRefs>
+    <ds:schemaRef ds:uri="http://schemas.microsoft.com/sharepoint/v3/contenttype/forms"/>
+  </ds:schemaRefs>
+</ds:datastoreItem>
+</file>
+
+<file path=customXml/itemProps2.xml><?xml version="1.0" encoding="utf-8"?>
 <ds:datastoreItem xmlns:ds="http://schemas.openxmlformats.org/officeDocument/2006/customXml" ds:itemID="{892A9AA9-F261-48C5-9DFB-0929A9F0E540}">
   <ds:schemaRefs>
     <ds:schemaRef ds:uri="http://purl.org/dc/dcmitype/"/>
@@ -35435,14 +35633,6 @@
     <ds:schemaRef ds:uri="http://www.w3.org/XML/1998/namespace"/>
     <ds:schemaRef ds:uri="http://purl.org/dc/terms/"/>
     <ds:schemaRef ds:uri="http://schemas.openxmlformats.org/package/2006/metadata/core-properties"/>
-  </ds:schemaRefs>
-</ds:datastoreItem>
-</file>
-
-<file path=customXml/itemProps2.xml><?xml version="1.0" encoding="utf-8"?>
-<ds:datastoreItem xmlns:ds="http://schemas.openxmlformats.org/officeDocument/2006/customXml" ds:itemID="{A1770BF7-49D5-46D6-8B76-1D8AF290B450}">
-  <ds:schemaRefs>
-    <ds:schemaRef ds:uri="http://schemas.microsoft.com/sharepoint/v3/contenttype/forms"/>
   </ds:schemaRefs>
 </ds:datastoreItem>
 </file>

--- a/source/_assets/ironman.pptx
+++ b/source/_assets/ironman.pptx
@@ -5,10 +5,10 @@
     <p:sldMasterId id="2147483752" r:id="rId4"/>
   </p:sldMasterIdLst>
   <p:notesMasterIdLst>
-    <p:notesMasterId r:id="rId29"/>
+    <p:notesMasterId r:id="rId30"/>
   </p:notesMasterIdLst>
   <p:handoutMasterIdLst>
-    <p:handoutMasterId r:id="rId30"/>
+    <p:handoutMasterId r:id="rId31"/>
   </p:handoutMasterIdLst>
   <p:sldIdLst>
     <p:sldId id="316" r:id="rId5"/>
@@ -23,18 +23,19 @@
     <p:sldId id="326" r:id="rId14"/>
     <p:sldId id="346" r:id="rId15"/>
     <p:sldId id="347" r:id="rId16"/>
-    <p:sldId id="327" r:id="rId17"/>
-    <p:sldId id="330" r:id="rId18"/>
-    <p:sldId id="331" r:id="rId19"/>
-    <p:sldId id="332" r:id="rId20"/>
-    <p:sldId id="333" r:id="rId21"/>
-    <p:sldId id="334" r:id="rId22"/>
-    <p:sldId id="335" r:id="rId23"/>
-    <p:sldId id="336" r:id="rId24"/>
-    <p:sldId id="337" r:id="rId25"/>
-    <p:sldId id="340" r:id="rId26"/>
-    <p:sldId id="339" r:id="rId27"/>
-    <p:sldId id="348" r:id="rId28"/>
+    <p:sldId id="349" r:id="rId17"/>
+    <p:sldId id="327" r:id="rId18"/>
+    <p:sldId id="330" r:id="rId19"/>
+    <p:sldId id="331" r:id="rId20"/>
+    <p:sldId id="332" r:id="rId21"/>
+    <p:sldId id="333" r:id="rId22"/>
+    <p:sldId id="334" r:id="rId23"/>
+    <p:sldId id="335" r:id="rId24"/>
+    <p:sldId id="336" r:id="rId25"/>
+    <p:sldId id="337" r:id="rId26"/>
+    <p:sldId id="340" r:id="rId27"/>
+    <p:sldId id="339" r:id="rId28"/>
+    <p:sldId id="348" r:id="rId29"/>
   </p:sldIdLst>
   <p:sldSz cx="12192000" cy="6858000"/>
   <p:notesSz cx="7099300" cy="10234613"/>
@@ -249,7 +250,7 @@
             <a:fld id="{3CDD3A71-4C75-488C-A8F3-A1F163ED0DB9}" type="datetimeFigureOut">
               <a:rPr lang="en-US" smtClean="0"/>
               <a:pPr/>
-              <a:t>12/27/2017</a:t>
+              <a:t>12/31/2017</a:t>
             </a:fld>
             <a:endParaRPr lang="en-US" dirty="0"/>
           </a:p>
@@ -417,7 +418,7 @@
             <a:fld id="{523CC419-8FB3-4D1C-8127-E63C1A13459D}" type="datetimeFigureOut">
               <a:rPr lang="en-US" smtClean="0"/>
               <a:pPr/>
-              <a:t>12/27/2017</a:t>
+              <a:t>12/31/2017</a:t>
             </a:fld>
             <a:endParaRPr lang="en-US" dirty="0"/>
           </a:p>
@@ -820,7 +821,7 @@
           <a:p>
             <a:fld id="{237FF733-248C-4CF7-A090-89CF012E357B}" type="datetimeFigureOut">
               <a:rPr lang="zh-TW" altLang="en-US" smtClean="0"/>
-              <a:t>2017/12/27</a:t>
+              <a:t>2017/12/31</a:t>
             </a:fld>
             <a:endParaRPr lang="zh-TW" altLang="en-US"/>
           </a:p>
@@ -991,7 +992,7 @@
           <a:p>
             <a:fld id="{237FF733-248C-4CF7-A090-89CF012E357B}" type="datetimeFigureOut">
               <a:rPr lang="zh-TW" altLang="en-US" smtClean="0"/>
-              <a:t>2017/12/27</a:t>
+              <a:t>2017/12/31</a:t>
             </a:fld>
             <a:endParaRPr lang="zh-TW" altLang="en-US"/>
           </a:p>
@@ -1172,7 +1173,7 @@
           <a:p>
             <a:fld id="{237FF733-248C-4CF7-A090-89CF012E357B}" type="datetimeFigureOut">
               <a:rPr lang="zh-TW" altLang="en-US" smtClean="0"/>
-              <a:t>2017/12/27</a:t>
+              <a:t>2017/12/31</a:t>
             </a:fld>
             <a:endParaRPr lang="zh-TW" altLang="en-US"/>
           </a:p>
@@ -1343,7 +1344,7 @@
           <a:p>
             <a:fld id="{237FF733-248C-4CF7-A090-89CF012E357B}" type="datetimeFigureOut">
               <a:rPr lang="zh-TW" altLang="en-US" smtClean="0"/>
-              <a:t>2017/12/27</a:t>
+              <a:t>2017/12/31</a:t>
             </a:fld>
             <a:endParaRPr lang="zh-TW" altLang="en-US"/>
           </a:p>
@@ -1590,7 +1591,7 @@
           <a:p>
             <a:fld id="{237FF733-248C-4CF7-A090-89CF012E357B}" type="datetimeFigureOut">
               <a:rPr lang="zh-TW" altLang="en-US" smtClean="0"/>
-              <a:t>2017/12/27</a:t>
+              <a:t>2017/12/31</a:t>
             </a:fld>
             <a:endParaRPr lang="zh-TW" altLang="en-US"/>
           </a:p>
@@ -1823,7 +1824,7 @@
           <a:p>
             <a:fld id="{237FF733-248C-4CF7-A090-89CF012E357B}" type="datetimeFigureOut">
               <a:rPr lang="zh-TW" altLang="en-US" smtClean="0"/>
-              <a:t>2017/12/27</a:t>
+              <a:t>2017/12/31</a:t>
             </a:fld>
             <a:endParaRPr lang="zh-TW" altLang="en-US"/>
           </a:p>
@@ -2191,7 +2192,7 @@
           <a:p>
             <a:fld id="{237FF733-248C-4CF7-A090-89CF012E357B}" type="datetimeFigureOut">
               <a:rPr lang="zh-TW" altLang="en-US" smtClean="0"/>
-              <a:t>2017/12/27</a:t>
+              <a:t>2017/12/31</a:t>
             </a:fld>
             <a:endParaRPr lang="zh-TW" altLang="en-US"/>
           </a:p>
@@ -2310,7 +2311,7 @@
           <a:p>
             <a:fld id="{237FF733-248C-4CF7-A090-89CF012E357B}" type="datetimeFigureOut">
               <a:rPr lang="zh-TW" altLang="en-US" smtClean="0"/>
-              <a:t>2017/12/27</a:t>
+              <a:t>2017/12/31</a:t>
             </a:fld>
             <a:endParaRPr lang="zh-TW" altLang="en-US"/>
           </a:p>
@@ -2406,7 +2407,7 @@
           <a:p>
             <a:fld id="{237FF733-248C-4CF7-A090-89CF012E357B}" type="datetimeFigureOut">
               <a:rPr lang="zh-TW" altLang="en-US" smtClean="0"/>
-              <a:t>2017/12/27</a:t>
+              <a:t>2017/12/31</a:t>
             </a:fld>
             <a:endParaRPr lang="zh-TW" altLang="en-US"/>
           </a:p>
@@ -2684,7 +2685,7 @@
           <a:p>
             <a:fld id="{237FF733-248C-4CF7-A090-89CF012E357B}" type="datetimeFigureOut">
               <a:rPr lang="zh-TW" altLang="en-US" smtClean="0"/>
-              <a:t>2017/12/27</a:t>
+              <a:t>2017/12/31</a:t>
             </a:fld>
             <a:endParaRPr lang="zh-TW" altLang="en-US"/>
           </a:p>
@@ -2942,7 +2943,7 @@
           <a:p>
             <a:fld id="{237FF733-248C-4CF7-A090-89CF012E357B}" type="datetimeFigureOut">
               <a:rPr lang="zh-TW" altLang="en-US" smtClean="0"/>
-              <a:t>2017/12/27</a:t>
+              <a:t>2017/12/31</a:t>
             </a:fld>
             <a:endParaRPr lang="zh-TW" altLang="en-US"/>
           </a:p>
@@ -3156,7 +3157,7 @@
           <a:p>
             <a:fld id="{237FF733-248C-4CF7-A090-89CF012E357B}" type="datetimeFigureOut">
               <a:rPr lang="zh-TW" altLang="en-US" smtClean="0"/>
-              <a:t>2017/12/27</a:t>
+              <a:t>2017/12/31</a:t>
             </a:fld>
             <a:endParaRPr lang="zh-TW" altLang="en-US"/>
           </a:p>
@@ -8999,6 +9000,755 @@
 </file>
 
 <file path=ppt/slides/slide13.xml><?xml version="1.0" encoding="utf-8"?>
+<p:sld xmlns:a="http://schemas.openxmlformats.org/drawingml/2006/main" xmlns:r="http://schemas.openxmlformats.org/officeDocument/2006/relationships" xmlns:p="http://schemas.openxmlformats.org/presentationml/2006/main">
+  <p:cSld>
+    <p:spTree>
+      <p:nvGrpSpPr>
+        <p:cNvPr id="1" name=""/>
+        <p:cNvGrpSpPr/>
+        <p:nvPr/>
+      </p:nvGrpSpPr>
+      <p:grpSpPr>
+        <a:xfrm>
+          <a:off x="0" y="0"/>
+          <a:ext cx="0" cy="0"/>
+          <a:chOff x="0" y="0"/>
+          <a:chExt cx="0" cy="0"/>
+        </a:xfrm>
+      </p:grpSpPr>
+      <p:sp>
+        <p:nvSpPr>
+          <p:cNvPr id="5" name="矩形 4"/>
+          <p:cNvSpPr/>
+          <p:nvPr/>
+        </p:nvSpPr>
+        <p:spPr>
+          <a:xfrm>
+            <a:off x="6705600" y="304800"/>
+            <a:ext cx="5115969" cy="2685884"/>
+          </a:xfrm>
+          <a:prstGeom prst="rect">
+            <a:avLst/>
+          </a:prstGeom>
+          <a:noFill/>
+          <a:ln w="28575">
+            <a:prstDash val="lgDash"/>
+          </a:ln>
+        </p:spPr>
+        <p:style>
+          <a:lnRef idx="2">
+            <a:schemeClr val="dk1">
+              <a:shade val="50000"/>
+            </a:schemeClr>
+          </a:lnRef>
+          <a:fillRef idx="1">
+            <a:schemeClr val="dk1"/>
+          </a:fillRef>
+          <a:effectRef idx="0">
+            <a:schemeClr val="dk1"/>
+          </a:effectRef>
+          <a:fontRef idx="minor">
+            <a:schemeClr val="lt1"/>
+          </a:fontRef>
+        </p:style>
+        <p:txBody>
+          <a:bodyPr rtlCol="0" anchor="ctr"/>
+          <a:lstStyle/>
+          <a:p>
+            <a:pPr algn="ctr"/>
+            <a:endParaRPr lang="zh-TW" altLang="en-US"/>
+          </a:p>
+        </p:txBody>
+      </p:sp>
+      <p:grpSp>
+        <p:nvGrpSpPr>
+          <p:cNvPr id="18" name="群組 17"/>
+          <p:cNvGrpSpPr/>
+          <p:nvPr/>
+        </p:nvGrpSpPr>
+        <p:grpSpPr>
+          <a:xfrm>
+            <a:off x="911862" y="4343400"/>
+            <a:ext cx="1447800" cy="1452966"/>
+            <a:chOff x="1066800" y="4100661"/>
+            <a:chExt cx="1447800" cy="1452966"/>
+          </a:xfrm>
+        </p:grpSpPr>
+        <p:grpSp>
+          <p:nvGrpSpPr>
+            <p:cNvPr id="7" name="群組 6"/>
+            <p:cNvGrpSpPr/>
+            <p:nvPr/>
+          </p:nvGrpSpPr>
+          <p:grpSpPr>
+            <a:xfrm>
+              <a:off x="1320540" y="4343400"/>
+              <a:ext cx="1194060" cy="1210227"/>
+              <a:chOff x="941473" y="1579980"/>
+              <a:chExt cx="1769199" cy="1869369"/>
+            </a:xfrm>
+          </p:grpSpPr>
+          <p:pic>
+            <p:nvPicPr>
+              <p:cNvPr id="8" name="圖片 7"/>
+              <p:cNvPicPr>
+                <a:picLocks noChangeAspect="1"/>
+              </p:cNvPicPr>
+              <p:nvPr/>
+            </p:nvPicPr>
+            <p:blipFill>
+              <a:blip r:embed="rId2">
+                <a:extLst>
+                  <a:ext uri="{28A0092B-C50C-407E-A947-70E740481C1C}">
+                    <a14:useLocalDpi xmlns:a14="http://schemas.microsoft.com/office/drawing/2010/main" val="0"/>
+                  </a:ext>
+                </a:extLst>
+              </a:blip>
+              <a:stretch>
+                <a:fillRect/>
+              </a:stretch>
+            </p:blipFill>
+            <p:spPr>
+              <a:xfrm>
+                <a:off x="1241656" y="1579980"/>
+                <a:ext cx="1156879" cy="1287657"/>
+              </a:xfrm>
+              <a:prstGeom prst="rect">
+                <a:avLst/>
+              </a:prstGeom>
+            </p:spPr>
+          </p:pic>
+          <p:sp>
+            <p:nvSpPr>
+              <p:cNvPr id="9" name="文字方塊 8"/>
+              <p:cNvSpPr txBox="1"/>
+              <p:nvPr/>
+            </p:nvSpPr>
+            <p:spPr>
+              <a:xfrm>
+                <a:off x="941473" y="2878863"/>
+                <a:ext cx="1769199" cy="570486"/>
+              </a:xfrm>
+              <a:prstGeom prst="rect">
+                <a:avLst/>
+              </a:prstGeom>
+              <a:noFill/>
+            </p:spPr>
+            <p:txBody>
+              <a:bodyPr wrap="square" rtlCol="0">
+                <a:spAutoFit/>
+              </a:bodyPr>
+              <a:lstStyle/>
+              <a:p>
+                <a:pPr algn="ctr"/>
+                <a:r>
+                  <a:rPr lang="en-US" altLang="zh-TW" dirty="0" smtClean="0"/>
+                  <a:t>Website</a:t>
+                </a:r>
+                <a:r>
+                  <a:rPr lang="zh-TW" altLang="en-US" dirty="0" smtClean="0"/>
+                  <a:t> </a:t>
+                </a:r>
+                <a:r>
+                  <a:rPr lang="en-US" altLang="zh-TW" dirty="0" smtClean="0"/>
+                  <a:t>A</a:t>
+                </a:r>
+                <a:endParaRPr lang="zh-TW" altLang="en-US" dirty="0"/>
+              </a:p>
+            </p:txBody>
+          </p:sp>
+        </p:grpSp>
+        <p:pic>
+          <p:nvPicPr>
+            <p:cNvPr id="6" name="圖片 5"/>
+            <p:cNvPicPr>
+              <a:picLocks noChangeAspect="1"/>
+            </p:cNvPicPr>
+            <p:nvPr/>
+          </p:nvPicPr>
+          <p:blipFill>
+            <a:blip r:embed="rId3">
+              <a:extLst>
+                <a:ext uri="{28A0092B-C50C-407E-A947-70E740481C1C}">
+                  <a14:useLocalDpi xmlns:a14="http://schemas.microsoft.com/office/drawing/2010/main" val="0"/>
+                </a:ext>
+              </a:extLst>
+            </a:blip>
+            <a:stretch>
+              <a:fillRect/>
+            </a:stretch>
+          </p:blipFill>
+          <p:spPr>
+            <a:xfrm>
+              <a:off x="1066800" y="4100661"/>
+              <a:ext cx="720000" cy="720000"/>
+            </a:xfrm>
+            <a:prstGeom prst="rect">
+              <a:avLst/>
+            </a:prstGeom>
+          </p:spPr>
+        </p:pic>
+      </p:grpSp>
+      <p:grpSp>
+        <p:nvGrpSpPr>
+          <p:cNvPr id="19" name="群組 18"/>
+          <p:cNvGrpSpPr/>
+          <p:nvPr/>
+        </p:nvGrpSpPr>
+        <p:grpSpPr>
+          <a:xfrm>
+            <a:off x="2553088" y="4341190"/>
+            <a:ext cx="1447800" cy="1452966"/>
+            <a:chOff x="2855393" y="4100661"/>
+            <a:chExt cx="1447800" cy="1452966"/>
+          </a:xfrm>
+        </p:grpSpPr>
+        <p:grpSp>
+          <p:nvGrpSpPr>
+            <p:cNvPr id="14" name="群組 13"/>
+            <p:cNvGrpSpPr/>
+            <p:nvPr/>
+          </p:nvGrpSpPr>
+          <p:grpSpPr>
+            <a:xfrm>
+              <a:off x="3109133" y="4343400"/>
+              <a:ext cx="1194060" cy="1210227"/>
+              <a:chOff x="941473" y="1579980"/>
+              <a:chExt cx="1769199" cy="1869369"/>
+            </a:xfrm>
+          </p:grpSpPr>
+          <p:pic>
+            <p:nvPicPr>
+              <p:cNvPr id="15" name="圖片 14"/>
+              <p:cNvPicPr>
+                <a:picLocks noChangeAspect="1"/>
+              </p:cNvPicPr>
+              <p:nvPr/>
+            </p:nvPicPr>
+            <p:blipFill>
+              <a:blip r:embed="rId2">
+                <a:extLst>
+                  <a:ext uri="{28A0092B-C50C-407E-A947-70E740481C1C}">
+                    <a14:useLocalDpi xmlns:a14="http://schemas.microsoft.com/office/drawing/2010/main" val="0"/>
+                  </a:ext>
+                </a:extLst>
+              </a:blip>
+              <a:stretch>
+                <a:fillRect/>
+              </a:stretch>
+            </p:blipFill>
+            <p:spPr>
+              <a:xfrm>
+                <a:off x="1241656" y="1579980"/>
+                <a:ext cx="1156879" cy="1287657"/>
+              </a:xfrm>
+              <a:prstGeom prst="rect">
+                <a:avLst/>
+              </a:prstGeom>
+            </p:spPr>
+          </p:pic>
+          <p:sp>
+            <p:nvSpPr>
+              <p:cNvPr id="16" name="文字方塊 15"/>
+              <p:cNvSpPr txBox="1"/>
+              <p:nvPr/>
+            </p:nvSpPr>
+            <p:spPr>
+              <a:xfrm>
+                <a:off x="941473" y="2878863"/>
+                <a:ext cx="1769199" cy="570486"/>
+              </a:xfrm>
+              <a:prstGeom prst="rect">
+                <a:avLst/>
+              </a:prstGeom>
+              <a:noFill/>
+            </p:spPr>
+            <p:txBody>
+              <a:bodyPr wrap="square" rtlCol="0">
+                <a:spAutoFit/>
+              </a:bodyPr>
+              <a:lstStyle/>
+              <a:p>
+                <a:pPr algn="ctr"/>
+                <a:r>
+                  <a:rPr lang="en-US" altLang="zh-TW" dirty="0" smtClean="0"/>
+                  <a:t>Website</a:t>
+                </a:r>
+                <a:r>
+                  <a:rPr lang="zh-TW" altLang="en-US" dirty="0" smtClean="0"/>
+                  <a:t> </a:t>
+                </a:r>
+                <a:r>
+                  <a:rPr lang="en-US" altLang="zh-TW" dirty="0" smtClean="0"/>
+                  <a:t>B</a:t>
+                </a:r>
+                <a:endParaRPr lang="zh-TW" altLang="en-US" dirty="0"/>
+              </a:p>
+            </p:txBody>
+          </p:sp>
+        </p:grpSp>
+        <p:pic>
+          <p:nvPicPr>
+            <p:cNvPr id="17" name="圖片 16"/>
+            <p:cNvPicPr>
+              <a:picLocks noChangeAspect="1"/>
+            </p:cNvPicPr>
+            <p:nvPr/>
+          </p:nvPicPr>
+          <p:blipFill>
+            <a:blip r:embed="rId3">
+              <a:extLst>
+                <a:ext uri="{28A0092B-C50C-407E-A947-70E740481C1C}">
+                  <a14:useLocalDpi xmlns:a14="http://schemas.microsoft.com/office/drawing/2010/main" val="0"/>
+                </a:ext>
+              </a:extLst>
+            </a:blip>
+            <a:stretch>
+              <a:fillRect/>
+            </a:stretch>
+          </p:blipFill>
+          <p:spPr>
+            <a:xfrm>
+              <a:off x="2855393" y="4100661"/>
+              <a:ext cx="720000" cy="720000"/>
+            </a:xfrm>
+            <a:prstGeom prst="rect">
+              <a:avLst/>
+            </a:prstGeom>
+          </p:spPr>
+        </p:pic>
+      </p:grpSp>
+      <p:grpSp>
+        <p:nvGrpSpPr>
+          <p:cNvPr id="20" name="群組 19"/>
+          <p:cNvGrpSpPr/>
+          <p:nvPr/>
+        </p:nvGrpSpPr>
+        <p:grpSpPr>
+          <a:xfrm>
+            <a:off x="4320115" y="4344852"/>
+            <a:ext cx="1447800" cy="1452966"/>
+            <a:chOff x="2855393" y="4100661"/>
+            <a:chExt cx="1447800" cy="1452966"/>
+          </a:xfrm>
+        </p:grpSpPr>
+        <p:grpSp>
+          <p:nvGrpSpPr>
+            <p:cNvPr id="21" name="群組 20"/>
+            <p:cNvGrpSpPr/>
+            <p:nvPr/>
+          </p:nvGrpSpPr>
+          <p:grpSpPr>
+            <a:xfrm>
+              <a:off x="3109133" y="4343400"/>
+              <a:ext cx="1194060" cy="1210227"/>
+              <a:chOff x="941473" y="1579980"/>
+              <a:chExt cx="1769199" cy="1869369"/>
+            </a:xfrm>
+          </p:grpSpPr>
+          <p:pic>
+            <p:nvPicPr>
+              <p:cNvPr id="23" name="圖片 22"/>
+              <p:cNvPicPr>
+                <a:picLocks noChangeAspect="1"/>
+              </p:cNvPicPr>
+              <p:nvPr/>
+            </p:nvPicPr>
+            <p:blipFill>
+              <a:blip r:embed="rId2">
+                <a:extLst>
+                  <a:ext uri="{28A0092B-C50C-407E-A947-70E740481C1C}">
+                    <a14:useLocalDpi xmlns:a14="http://schemas.microsoft.com/office/drawing/2010/main" val="0"/>
+                  </a:ext>
+                </a:extLst>
+              </a:blip>
+              <a:stretch>
+                <a:fillRect/>
+              </a:stretch>
+            </p:blipFill>
+            <p:spPr>
+              <a:xfrm>
+                <a:off x="1241656" y="1579980"/>
+                <a:ext cx="1156879" cy="1287657"/>
+              </a:xfrm>
+              <a:prstGeom prst="rect">
+                <a:avLst/>
+              </a:prstGeom>
+            </p:spPr>
+          </p:pic>
+          <p:sp>
+            <p:nvSpPr>
+              <p:cNvPr id="24" name="文字方塊 23"/>
+              <p:cNvSpPr txBox="1"/>
+              <p:nvPr/>
+            </p:nvSpPr>
+            <p:spPr>
+              <a:xfrm>
+                <a:off x="941473" y="2878863"/>
+                <a:ext cx="1769199" cy="570486"/>
+              </a:xfrm>
+              <a:prstGeom prst="rect">
+                <a:avLst/>
+              </a:prstGeom>
+              <a:noFill/>
+            </p:spPr>
+            <p:txBody>
+              <a:bodyPr wrap="square" rtlCol="0">
+                <a:spAutoFit/>
+              </a:bodyPr>
+              <a:lstStyle/>
+              <a:p>
+                <a:pPr algn="ctr"/>
+                <a:r>
+                  <a:rPr lang="en-US" altLang="zh-TW" dirty="0" smtClean="0"/>
+                  <a:t>Website</a:t>
+                </a:r>
+                <a:r>
+                  <a:rPr lang="zh-TW" altLang="en-US" dirty="0" smtClean="0"/>
+                  <a:t> </a:t>
+                </a:r>
+                <a:r>
+                  <a:rPr lang="en-US" altLang="zh-TW" dirty="0" smtClean="0"/>
+                  <a:t>C</a:t>
+                </a:r>
+                <a:endParaRPr lang="zh-TW" altLang="en-US" dirty="0"/>
+              </a:p>
+            </p:txBody>
+          </p:sp>
+        </p:grpSp>
+        <p:pic>
+          <p:nvPicPr>
+            <p:cNvPr id="22" name="圖片 21"/>
+            <p:cNvPicPr>
+              <a:picLocks noChangeAspect="1"/>
+            </p:cNvPicPr>
+            <p:nvPr/>
+          </p:nvPicPr>
+          <p:blipFill>
+            <a:blip r:embed="rId3">
+              <a:extLst>
+                <a:ext uri="{28A0092B-C50C-407E-A947-70E740481C1C}">
+                  <a14:useLocalDpi xmlns:a14="http://schemas.microsoft.com/office/drawing/2010/main" val="0"/>
+                </a:ext>
+              </a:extLst>
+            </a:blip>
+            <a:stretch>
+              <a:fillRect/>
+            </a:stretch>
+          </p:blipFill>
+          <p:spPr>
+            <a:xfrm>
+              <a:off x="2855393" y="4100661"/>
+              <a:ext cx="720000" cy="720000"/>
+            </a:xfrm>
+            <a:prstGeom prst="rect">
+              <a:avLst/>
+            </a:prstGeom>
+          </p:spPr>
+        </p:pic>
+      </p:grpSp>
+      <p:sp>
+        <p:nvSpPr>
+          <p:cNvPr id="25" name="文字方塊 24"/>
+          <p:cNvSpPr txBox="1"/>
+          <p:nvPr/>
+        </p:nvSpPr>
+        <p:spPr>
+          <a:xfrm>
+            <a:off x="4280005" y="4219752"/>
+            <a:ext cx="800219" cy="276999"/>
+          </a:xfrm>
+          <a:prstGeom prst="rect">
+            <a:avLst/>
+          </a:prstGeom>
+          <a:noFill/>
+        </p:spPr>
+        <p:txBody>
+          <a:bodyPr wrap="none" rtlCol="0">
+            <a:spAutoFit/>
+          </a:bodyPr>
+          <a:lstStyle/>
+          <a:p>
+            <a:r>
+              <a:rPr lang="zh-TW" altLang="en-US" sz="1200" b="1" dirty="0" smtClean="0">
+                <a:latin typeface="微軟正黑體" panose="020B0604030504040204" pitchFamily="34" charset="-120"/>
+                <a:ea typeface="微軟正黑體" panose="020B0604030504040204" pitchFamily="34" charset="-120"/>
+              </a:rPr>
+              <a:t>本機快取</a:t>
+            </a:r>
+            <a:endParaRPr lang="zh-TW" altLang="en-US" sz="1200" b="1" dirty="0">
+              <a:latin typeface="微軟正黑體" panose="020B0604030504040204" pitchFamily="34" charset="-120"/>
+              <a:ea typeface="微軟正黑體" panose="020B0604030504040204" pitchFamily="34" charset="-120"/>
+            </a:endParaRPr>
+          </a:p>
+        </p:txBody>
+      </p:sp>
+      <p:sp>
+        <p:nvSpPr>
+          <p:cNvPr id="26" name="文字方塊 25"/>
+          <p:cNvSpPr txBox="1"/>
+          <p:nvPr/>
+        </p:nvSpPr>
+        <p:spPr>
+          <a:xfrm>
+            <a:off x="2512978" y="4218696"/>
+            <a:ext cx="800219" cy="276999"/>
+          </a:xfrm>
+          <a:prstGeom prst="rect">
+            <a:avLst/>
+          </a:prstGeom>
+          <a:noFill/>
+        </p:spPr>
+        <p:txBody>
+          <a:bodyPr wrap="none" rtlCol="0">
+            <a:spAutoFit/>
+          </a:bodyPr>
+          <a:lstStyle/>
+          <a:p>
+            <a:r>
+              <a:rPr lang="zh-TW" altLang="en-US" sz="1200" b="1" dirty="0" smtClean="0">
+                <a:latin typeface="微軟正黑體" panose="020B0604030504040204" pitchFamily="34" charset="-120"/>
+                <a:ea typeface="微軟正黑體" panose="020B0604030504040204" pitchFamily="34" charset="-120"/>
+              </a:rPr>
+              <a:t>本機快取</a:t>
+            </a:r>
+            <a:endParaRPr lang="zh-TW" altLang="en-US" sz="1200" b="1" dirty="0">
+              <a:latin typeface="微軟正黑體" panose="020B0604030504040204" pitchFamily="34" charset="-120"/>
+              <a:ea typeface="微軟正黑體" panose="020B0604030504040204" pitchFamily="34" charset="-120"/>
+            </a:endParaRPr>
+          </a:p>
+        </p:txBody>
+      </p:sp>
+      <p:sp>
+        <p:nvSpPr>
+          <p:cNvPr id="27" name="文字方塊 26"/>
+          <p:cNvSpPr txBox="1"/>
+          <p:nvPr/>
+        </p:nvSpPr>
+        <p:spPr>
+          <a:xfrm>
+            <a:off x="871752" y="4218695"/>
+            <a:ext cx="800219" cy="276999"/>
+          </a:xfrm>
+          <a:prstGeom prst="rect">
+            <a:avLst/>
+          </a:prstGeom>
+          <a:noFill/>
+        </p:spPr>
+        <p:txBody>
+          <a:bodyPr wrap="none" rtlCol="0">
+            <a:spAutoFit/>
+          </a:bodyPr>
+          <a:lstStyle/>
+          <a:p>
+            <a:r>
+              <a:rPr lang="zh-TW" altLang="en-US" sz="1200" b="1" dirty="0" smtClean="0">
+                <a:latin typeface="微軟正黑體" panose="020B0604030504040204" pitchFamily="34" charset="-120"/>
+                <a:ea typeface="微軟正黑體" panose="020B0604030504040204" pitchFamily="34" charset="-120"/>
+              </a:rPr>
+              <a:t>本機快取</a:t>
+            </a:r>
+            <a:endParaRPr lang="zh-TW" altLang="en-US" sz="1200" b="1" dirty="0">
+              <a:latin typeface="微軟正黑體" panose="020B0604030504040204" pitchFamily="34" charset="-120"/>
+              <a:ea typeface="微軟正黑體" panose="020B0604030504040204" pitchFamily="34" charset="-120"/>
+            </a:endParaRPr>
+          </a:p>
+        </p:txBody>
+      </p:sp>
+      <p:pic>
+        <p:nvPicPr>
+          <p:cNvPr id="28" name="圖片 27"/>
+          <p:cNvPicPr>
+            <a:picLocks noChangeAspect="1"/>
+          </p:cNvPicPr>
+          <p:nvPr/>
+        </p:nvPicPr>
+        <p:blipFill rotWithShape="1">
+          <a:blip r:embed="rId4">
+            <a:extLst>
+              <a:ext uri="{28A0092B-C50C-407E-A947-70E740481C1C}">
+                <a14:useLocalDpi xmlns:a14="http://schemas.microsoft.com/office/drawing/2010/main" val="0"/>
+              </a:ext>
+            </a:extLst>
+          </a:blip>
+          <a:srcRect b="13438"/>
+          <a:stretch/>
+        </p:blipFill>
+        <p:spPr>
+          <a:xfrm>
+            <a:off x="2859824" y="3179925"/>
+            <a:ext cx="1080000" cy="934875"/>
+          </a:xfrm>
+          <a:prstGeom prst="rect">
+            <a:avLst/>
+          </a:prstGeom>
+        </p:spPr>
+      </p:pic>
+      <p:sp>
+        <p:nvSpPr>
+          <p:cNvPr id="29" name="文字方塊 28"/>
+          <p:cNvSpPr txBox="1"/>
+          <p:nvPr/>
+        </p:nvSpPr>
+        <p:spPr>
+          <a:xfrm>
+            <a:off x="2922770" y="3098660"/>
+            <a:ext cx="954107" cy="276999"/>
+          </a:xfrm>
+          <a:prstGeom prst="rect">
+            <a:avLst/>
+          </a:prstGeom>
+          <a:noFill/>
+        </p:spPr>
+        <p:txBody>
+          <a:bodyPr wrap="none" rtlCol="0">
+            <a:spAutoFit/>
+          </a:bodyPr>
+          <a:lstStyle/>
+          <a:p>
+            <a:r>
+              <a:rPr lang="zh-TW" altLang="en-US" sz="1200" b="1" dirty="0" smtClean="0">
+                <a:latin typeface="微軟正黑體" panose="020B0604030504040204" pitchFamily="34" charset="-120"/>
+                <a:ea typeface="微軟正黑體" panose="020B0604030504040204" pitchFamily="34" charset="-120"/>
+              </a:rPr>
+              <a:t>分散式快取</a:t>
+            </a:r>
+            <a:endParaRPr lang="zh-TW" altLang="en-US" sz="1200" b="1" dirty="0">
+              <a:latin typeface="微軟正黑體" panose="020B0604030504040204" pitchFamily="34" charset="-120"/>
+              <a:ea typeface="微軟正黑體" panose="020B0604030504040204" pitchFamily="34" charset="-120"/>
+            </a:endParaRPr>
+          </a:p>
+        </p:txBody>
+      </p:sp>
+      <p:cxnSp>
+        <p:nvCxnSpPr>
+          <p:cNvPr id="31" name="肘形接點 30"/>
+          <p:cNvCxnSpPr>
+            <a:stCxn id="23" idx="0"/>
+            <a:endCxn id="28" idx="3"/>
+          </p:cNvCxnSpPr>
+          <p:nvPr/>
+        </p:nvCxnSpPr>
+        <p:spPr>
+          <a:xfrm rot="16200000" flipV="1">
+            <a:off x="4083224" y="3503963"/>
+            <a:ext cx="940228" cy="1227027"/>
+          </a:xfrm>
+          <a:prstGeom prst="bentConnector2">
+            <a:avLst/>
+          </a:prstGeom>
+          <a:ln w="38100">
+            <a:tailEnd type="triangle"/>
+          </a:ln>
+        </p:spPr>
+        <p:style>
+          <a:lnRef idx="1">
+            <a:schemeClr val="accent1"/>
+          </a:lnRef>
+          <a:fillRef idx="0">
+            <a:schemeClr val="accent1"/>
+          </a:fillRef>
+          <a:effectRef idx="0">
+            <a:schemeClr val="accent1"/>
+          </a:effectRef>
+          <a:fontRef idx="minor">
+            <a:schemeClr val="tx1"/>
+          </a:fontRef>
+        </p:style>
+      </p:cxnSp>
+      <p:cxnSp>
+        <p:nvCxnSpPr>
+          <p:cNvPr id="33" name="肘形接點 32"/>
+          <p:cNvCxnSpPr>
+            <a:stCxn id="8" idx="0"/>
+            <a:endCxn id="28" idx="1"/>
+          </p:cNvCxnSpPr>
+          <p:nvPr/>
+        </p:nvCxnSpPr>
+        <p:spPr>
+          <a:xfrm rot="5400000" flipH="1" flipV="1">
+            <a:off x="1839823" y="3566138"/>
+            <a:ext cx="938776" cy="1101226"/>
+          </a:xfrm>
+          <a:prstGeom prst="bentConnector2">
+            <a:avLst/>
+          </a:prstGeom>
+          <a:ln w="38100">
+            <a:tailEnd type="triangle"/>
+          </a:ln>
+        </p:spPr>
+        <p:style>
+          <a:lnRef idx="1">
+            <a:schemeClr val="accent1"/>
+          </a:lnRef>
+          <a:fillRef idx="0">
+            <a:schemeClr val="accent1"/>
+          </a:fillRef>
+          <a:effectRef idx="0">
+            <a:schemeClr val="accent1"/>
+          </a:effectRef>
+          <a:fontRef idx="minor">
+            <a:schemeClr val="tx1"/>
+          </a:fontRef>
+        </p:style>
+      </p:cxnSp>
+      <p:cxnSp>
+        <p:nvCxnSpPr>
+          <p:cNvPr id="35" name="直線單箭頭接點 34"/>
+          <p:cNvCxnSpPr>
+            <a:stCxn id="15" idx="0"/>
+            <a:endCxn id="28" idx="2"/>
+          </p:cNvCxnSpPr>
+          <p:nvPr/>
+        </p:nvCxnSpPr>
+        <p:spPr>
+          <a:xfrm flipV="1">
+            <a:off x="3399824" y="4114800"/>
+            <a:ext cx="0" cy="469129"/>
+          </a:xfrm>
+          <a:prstGeom prst="straightConnector1">
+            <a:avLst/>
+          </a:prstGeom>
+          <a:ln w="38100">
+            <a:tailEnd type="triangle"/>
+          </a:ln>
+        </p:spPr>
+        <p:style>
+          <a:lnRef idx="1">
+            <a:schemeClr val="accent1"/>
+          </a:lnRef>
+          <a:fillRef idx="0">
+            <a:schemeClr val="accent1"/>
+          </a:fillRef>
+          <a:effectRef idx="0">
+            <a:schemeClr val="accent1"/>
+          </a:effectRef>
+          <a:fontRef idx="minor">
+            <a:schemeClr val="tx1"/>
+          </a:fontRef>
+        </p:style>
+      </p:cxnSp>
+    </p:spTree>
+    <p:extLst>
+      <p:ext uri="{BB962C8B-B14F-4D97-AF65-F5344CB8AC3E}">
+        <p14:creationId xmlns:p14="http://schemas.microsoft.com/office/powerpoint/2010/main" val="1618138942"/>
+      </p:ext>
+    </p:extLst>
+  </p:cSld>
+  <p:clrMapOvr>
+    <a:masterClrMapping/>
+  </p:clrMapOvr>
+  <p:timing>
+    <p:tnLst>
+      <p:par>
+        <p:cTn id="1" dur="indefinite" restart="never" nodeType="tmRoot"/>
+      </p:par>
+    </p:tnLst>
+  </p:timing>
+</p:sld>
+</file>
+
+<file path=ppt/slides/slide14.xml><?xml version="1.0" encoding="utf-8"?>
 <p:sld xmlns:a="http://schemas.openxmlformats.org/drawingml/2006/main" xmlns:r="http://schemas.openxmlformats.org/officeDocument/2006/relationships" xmlns:p="http://schemas.openxmlformats.org/presentationml/2006/main">
   <p:cSld>
     <p:spTree>
@@ -12795,7 +13545,7 @@
 </p:sld>
 </file>
 
-<file path=ppt/slides/slide14.xml><?xml version="1.0" encoding="utf-8"?>
+<file path=ppt/slides/slide15.xml><?xml version="1.0" encoding="utf-8"?>
 <p:sld xmlns:a="http://schemas.openxmlformats.org/drawingml/2006/main" xmlns:r="http://schemas.openxmlformats.org/officeDocument/2006/relationships" xmlns:p="http://schemas.openxmlformats.org/presentationml/2006/main">
   <p:cSld>
     <p:spTree>
@@ -15544,7 +16294,7 @@
 </p:sld>
 </file>
 
-<file path=ppt/slides/slide15.xml><?xml version="1.0" encoding="utf-8"?>
+<file path=ppt/slides/slide16.xml><?xml version="1.0" encoding="utf-8"?>
 <p:sld xmlns:a="http://schemas.openxmlformats.org/drawingml/2006/main" xmlns:r="http://schemas.openxmlformats.org/officeDocument/2006/relationships" xmlns:p="http://schemas.openxmlformats.org/presentationml/2006/main">
   <p:cSld>
     <p:spTree>
@@ -15973,7 +16723,7 @@
 </p:sld>
 </file>
 
-<file path=ppt/slides/slide16.xml><?xml version="1.0" encoding="utf-8"?>
+<file path=ppt/slides/slide17.xml><?xml version="1.0" encoding="utf-8"?>
 <p:sld xmlns:a="http://schemas.openxmlformats.org/drawingml/2006/main" xmlns:r="http://schemas.openxmlformats.org/officeDocument/2006/relationships" xmlns:p="http://schemas.openxmlformats.org/presentationml/2006/main">
   <p:cSld>
     <p:spTree>
@@ -16590,7 +17340,7 @@
 </p:sld>
 </file>
 
-<file path=ppt/slides/slide17.xml><?xml version="1.0" encoding="utf-8"?>
+<file path=ppt/slides/slide18.xml><?xml version="1.0" encoding="utf-8"?>
 <p:sld xmlns:a="http://schemas.openxmlformats.org/drawingml/2006/main" xmlns:r="http://schemas.openxmlformats.org/officeDocument/2006/relationships" xmlns:p="http://schemas.openxmlformats.org/presentationml/2006/main">
   <p:cSld>
     <p:spTree>
@@ -17332,7 +18082,7 @@
 </p:sld>
 </file>
 
-<file path=ppt/slides/slide18.xml><?xml version="1.0" encoding="utf-8"?>
+<file path=ppt/slides/slide19.xml><?xml version="1.0" encoding="utf-8"?>
 <p:sld xmlns:a="http://schemas.openxmlformats.org/drawingml/2006/main" xmlns:r="http://schemas.openxmlformats.org/officeDocument/2006/relationships" xmlns:p="http://schemas.openxmlformats.org/presentationml/2006/main">
   <p:cSld>
     <p:spTree>
@@ -18232,868 +18982,6 @@
       <p:bldP spid="8" grpId="0" animBg="1"/>
       <p:bldP spid="8" grpId="1" animBg="1"/>
     </p:bldLst>
-  </p:timing>
-</p:sld>
-</file>
-
-<file path=ppt/slides/slide19.xml><?xml version="1.0" encoding="utf-8"?>
-<p:sld xmlns:a="http://schemas.openxmlformats.org/drawingml/2006/main" xmlns:r="http://schemas.openxmlformats.org/officeDocument/2006/relationships" xmlns:p="http://schemas.openxmlformats.org/presentationml/2006/main">
-  <p:cSld>
-    <p:spTree>
-      <p:nvGrpSpPr>
-        <p:cNvPr id="1" name=""/>
-        <p:cNvGrpSpPr/>
-        <p:nvPr/>
-      </p:nvGrpSpPr>
-      <p:grpSpPr>
-        <a:xfrm>
-          <a:off x="0" y="0"/>
-          <a:ext cx="0" cy="0"/>
-          <a:chOff x="0" y="0"/>
-          <a:chExt cx="0" cy="0"/>
-        </a:xfrm>
-      </p:grpSpPr>
-      <p:sp>
-        <p:nvSpPr>
-          <p:cNvPr id="3" name="矩形 2"/>
-          <p:cNvSpPr/>
-          <p:nvPr/>
-        </p:nvSpPr>
-        <p:spPr>
-          <a:xfrm>
-            <a:off x="433235" y="-4014395"/>
-            <a:ext cx="7634668" cy="4294501"/>
-          </a:xfrm>
-          <a:prstGeom prst="rect">
-            <a:avLst/>
-          </a:prstGeom>
-        </p:spPr>
-        <p:style>
-          <a:lnRef idx="2">
-            <a:schemeClr val="dk1">
-              <a:shade val="50000"/>
-            </a:schemeClr>
-          </a:lnRef>
-          <a:fillRef idx="1">
-            <a:schemeClr val="dk1"/>
-          </a:fillRef>
-          <a:effectRef idx="0">
-            <a:schemeClr val="dk1"/>
-          </a:effectRef>
-          <a:fontRef idx="minor">
-            <a:schemeClr val="lt1"/>
-          </a:fontRef>
-        </p:style>
-        <p:txBody>
-          <a:bodyPr rtlCol="0" anchor="ctr"/>
-          <a:lstStyle/>
-          <a:p>
-            <a:pPr algn="ctr"/>
-            <a:endParaRPr lang="zh-TW" altLang="en-US"/>
-          </a:p>
-        </p:txBody>
-      </p:sp>
-      <p:sp>
-        <p:nvSpPr>
-          <p:cNvPr id="13" name="矩形 12"/>
-          <p:cNvSpPr/>
-          <p:nvPr/>
-        </p:nvSpPr>
-        <p:spPr>
-          <a:xfrm>
-            <a:off x="6784603" y="1769146"/>
-            <a:ext cx="1467582" cy="3904552"/>
-          </a:xfrm>
-          <a:prstGeom prst="rect">
-            <a:avLst/>
-          </a:prstGeom>
-        </p:spPr>
-        <p:style>
-          <a:lnRef idx="1">
-            <a:schemeClr val="accent6"/>
-          </a:lnRef>
-          <a:fillRef idx="3">
-            <a:schemeClr val="accent6"/>
-          </a:fillRef>
-          <a:effectRef idx="2">
-            <a:schemeClr val="accent6"/>
-          </a:effectRef>
-          <a:fontRef idx="minor">
-            <a:schemeClr val="lt1"/>
-          </a:fontRef>
-        </p:style>
-        <p:txBody>
-          <a:bodyPr rtlCol="0" anchor="ctr"/>
-          <a:lstStyle/>
-          <a:p>
-            <a:pPr algn="ctr"/>
-            <a:r>
-              <a:rPr lang="en-US" altLang="zh-TW" sz="1600" b="1" dirty="0" smtClean="0"/>
-              <a:t>Action</a:t>
-            </a:r>
-            <a:endParaRPr lang="zh-TW" altLang="en-US" sz="1600" b="1" dirty="0"/>
-          </a:p>
-        </p:txBody>
-      </p:sp>
-      <p:sp>
-        <p:nvSpPr>
-          <p:cNvPr id="16" name="矩形 15"/>
-          <p:cNvSpPr/>
-          <p:nvPr/>
-        </p:nvSpPr>
-        <p:spPr>
-          <a:xfrm rot="5400000">
-            <a:off x="-29173" y="3361421"/>
-            <a:ext cx="3904550" cy="720000"/>
-          </a:xfrm>
-          <a:prstGeom prst="rect">
-            <a:avLst/>
-          </a:prstGeom>
-        </p:spPr>
-        <p:style>
-          <a:lnRef idx="0">
-            <a:schemeClr val="accent2"/>
-          </a:lnRef>
-          <a:fillRef idx="3">
-            <a:schemeClr val="accent2"/>
-          </a:fillRef>
-          <a:effectRef idx="3">
-            <a:schemeClr val="accent2"/>
-          </a:effectRef>
-          <a:fontRef idx="minor">
-            <a:schemeClr val="lt1"/>
-          </a:fontRef>
-        </p:style>
-        <p:txBody>
-          <a:bodyPr rtlCol="0" anchor="ctr"/>
-          <a:lstStyle/>
-          <a:p>
-            <a:pPr algn="ctr"/>
-            <a:r>
-              <a:rPr lang="en-US" altLang="zh-TW" sz="1600" b="1" dirty="0" smtClean="0"/>
-              <a:t>HTTP</a:t>
-            </a:r>
-            <a:r>
-              <a:rPr lang="zh-TW" altLang="en-US" sz="1600" b="1" dirty="0" smtClean="0"/>
-              <a:t> </a:t>
-            </a:r>
-            <a:r>
-              <a:rPr lang="en-US" altLang="zh-TW" sz="1600" b="1" dirty="0" smtClean="0"/>
-              <a:t>Module 1</a:t>
-            </a:r>
-            <a:endParaRPr lang="zh-TW" altLang="en-US" sz="1600" b="1" dirty="0"/>
-          </a:p>
-        </p:txBody>
-      </p:sp>
-      <p:sp>
-        <p:nvSpPr>
-          <p:cNvPr id="19" name="矩形 18"/>
-          <p:cNvSpPr/>
-          <p:nvPr/>
-        </p:nvSpPr>
-        <p:spPr>
-          <a:xfrm rot="5400000">
-            <a:off x="4148025" y="3361423"/>
-            <a:ext cx="3904553" cy="720000"/>
-          </a:xfrm>
-          <a:prstGeom prst="rect">
-            <a:avLst/>
-          </a:prstGeom>
-        </p:spPr>
-        <p:style>
-          <a:lnRef idx="1">
-            <a:schemeClr val="accent1"/>
-          </a:lnRef>
-          <a:fillRef idx="3">
-            <a:schemeClr val="accent1"/>
-          </a:fillRef>
-          <a:effectRef idx="2">
-            <a:schemeClr val="accent1"/>
-          </a:effectRef>
-          <a:fontRef idx="minor">
-            <a:schemeClr val="lt1"/>
-          </a:fontRef>
-        </p:style>
-        <p:txBody>
-          <a:bodyPr rtlCol="0" anchor="ctr"/>
-          <a:lstStyle/>
-          <a:p>
-            <a:pPr algn="ctr"/>
-            <a:r>
-              <a:rPr lang="en-US" altLang="zh-TW" sz="1600" b="1" dirty="0" smtClean="0"/>
-              <a:t>Action Filters</a:t>
-            </a:r>
-            <a:endParaRPr lang="zh-TW" altLang="en-US" sz="1600" b="1" dirty="0"/>
-          </a:p>
-        </p:txBody>
-      </p:sp>
-      <p:sp>
-        <p:nvSpPr>
-          <p:cNvPr id="24" name="Send Log F2L"/>
-          <p:cNvSpPr/>
-          <p:nvPr/>
-        </p:nvSpPr>
-        <p:spPr>
-          <a:xfrm>
-            <a:off x="693546" y="2081489"/>
-            <a:ext cx="1080000" cy="540000"/>
-          </a:xfrm>
-          <a:prstGeom prst="rightArrow">
-            <a:avLst/>
-          </a:prstGeom>
-        </p:spPr>
-        <p:style>
-          <a:lnRef idx="1">
-            <a:schemeClr val="accent4"/>
-          </a:lnRef>
-          <a:fillRef idx="2">
-            <a:schemeClr val="accent4"/>
-          </a:fillRef>
-          <a:effectRef idx="1">
-            <a:schemeClr val="accent4"/>
-          </a:effectRef>
-          <a:fontRef idx="minor">
-            <a:schemeClr val="dk1"/>
-          </a:fontRef>
-        </p:style>
-        <p:txBody>
-          <a:bodyPr rtlCol="0" anchor="ctr"/>
-          <a:lstStyle/>
-          <a:p>
-            <a:pPr algn="ctr"/>
-            <a:r>
-              <a:rPr lang="en-US" altLang="zh-TW" sz="1400" b="1" dirty="0" smtClean="0"/>
-              <a:t>Request</a:t>
-            </a:r>
-            <a:endParaRPr lang="zh-TW" altLang="en-US" sz="1400" b="1" dirty="0"/>
-          </a:p>
-        </p:txBody>
-      </p:sp>
-      <p:sp>
-        <p:nvSpPr>
-          <p:cNvPr id="28" name="Send Log F2L"/>
-          <p:cNvSpPr/>
-          <p:nvPr/>
-        </p:nvSpPr>
-        <p:spPr>
-          <a:xfrm flipH="1">
-            <a:off x="693546" y="4785700"/>
-            <a:ext cx="1080000" cy="540000"/>
-          </a:xfrm>
-          <a:prstGeom prst="rightArrow">
-            <a:avLst/>
-          </a:prstGeom>
-        </p:spPr>
-        <p:style>
-          <a:lnRef idx="1">
-            <a:schemeClr val="accent4"/>
-          </a:lnRef>
-          <a:fillRef idx="2">
-            <a:schemeClr val="accent4"/>
-          </a:fillRef>
-          <a:effectRef idx="1">
-            <a:schemeClr val="accent4"/>
-          </a:effectRef>
-          <a:fontRef idx="minor">
-            <a:schemeClr val="dk1"/>
-          </a:fontRef>
-        </p:style>
-        <p:txBody>
-          <a:bodyPr rtlCol="0" anchor="ctr"/>
-          <a:lstStyle/>
-          <a:p>
-            <a:pPr algn="ctr"/>
-            <a:r>
-              <a:rPr lang="en-US" altLang="zh-TW" sz="1400" b="1" dirty="0" err="1"/>
-              <a:t>Respose</a:t>
-            </a:r>
-            <a:endParaRPr lang="zh-TW" altLang="en-US" sz="1400" b="1" dirty="0"/>
-          </a:p>
-        </p:txBody>
-      </p:sp>
-      <p:sp>
-        <p:nvSpPr>
-          <p:cNvPr id="32" name="矩形 31"/>
-          <p:cNvSpPr/>
-          <p:nvPr/>
-        </p:nvSpPr>
-        <p:spPr>
-          <a:xfrm rot="5400000">
-            <a:off x="1021687" y="3361421"/>
-            <a:ext cx="3904550" cy="720000"/>
-          </a:xfrm>
-          <a:prstGeom prst="rect">
-            <a:avLst/>
-          </a:prstGeom>
-        </p:spPr>
-        <p:style>
-          <a:lnRef idx="0">
-            <a:schemeClr val="accent2"/>
-          </a:lnRef>
-          <a:fillRef idx="3">
-            <a:schemeClr val="accent2"/>
-          </a:fillRef>
-          <a:effectRef idx="3">
-            <a:schemeClr val="accent2"/>
-          </a:effectRef>
-          <a:fontRef idx="minor">
-            <a:schemeClr val="lt1"/>
-          </a:fontRef>
-        </p:style>
-        <p:txBody>
-          <a:bodyPr rtlCol="0" anchor="ctr"/>
-          <a:lstStyle/>
-          <a:p>
-            <a:pPr algn="ctr"/>
-            <a:r>
-              <a:rPr lang="en-US" altLang="zh-TW" sz="1600" b="1" dirty="0" smtClean="0"/>
-              <a:t>HTTP</a:t>
-            </a:r>
-            <a:r>
-              <a:rPr lang="zh-TW" altLang="en-US" sz="1600" b="1" dirty="0" smtClean="0"/>
-              <a:t> </a:t>
-            </a:r>
-            <a:r>
-              <a:rPr lang="en-US" altLang="zh-TW" sz="1600" b="1" dirty="0" smtClean="0"/>
-              <a:t>Module 2</a:t>
-            </a:r>
-            <a:endParaRPr lang="zh-TW" altLang="en-US" sz="1600" b="1" dirty="0"/>
-          </a:p>
-        </p:txBody>
-      </p:sp>
-      <p:sp>
-        <p:nvSpPr>
-          <p:cNvPr id="33" name="矩形 32"/>
-          <p:cNvSpPr/>
-          <p:nvPr/>
-        </p:nvSpPr>
-        <p:spPr>
-          <a:xfrm rot="5400000">
-            <a:off x="2055656" y="3361421"/>
-            <a:ext cx="3904550" cy="720000"/>
-          </a:xfrm>
-          <a:prstGeom prst="rect">
-            <a:avLst/>
-          </a:prstGeom>
-        </p:spPr>
-        <p:style>
-          <a:lnRef idx="0">
-            <a:schemeClr val="accent2"/>
-          </a:lnRef>
-          <a:fillRef idx="3">
-            <a:schemeClr val="accent2"/>
-          </a:fillRef>
-          <a:effectRef idx="3">
-            <a:schemeClr val="accent2"/>
-          </a:effectRef>
-          <a:fontRef idx="minor">
-            <a:schemeClr val="lt1"/>
-          </a:fontRef>
-        </p:style>
-        <p:txBody>
-          <a:bodyPr rtlCol="0" anchor="ctr"/>
-          <a:lstStyle/>
-          <a:p>
-            <a:pPr algn="ctr"/>
-            <a:r>
-              <a:rPr lang="en-US" altLang="zh-TW" sz="1600" b="1" dirty="0" smtClean="0"/>
-              <a:t>HTTP</a:t>
-            </a:r>
-            <a:r>
-              <a:rPr lang="zh-TW" altLang="en-US" sz="1600" b="1" dirty="0" smtClean="0"/>
-              <a:t> </a:t>
-            </a:r>
-            <a:r>
-              <a:rPr lang="en-US" altLang="zh-TW" sz="1600" b="1" dirty="0" smtClean="0"/>
-              <a:t>Module n</a:t>
-            </a:r>
-            <a:endParaRPr lang="zh-TW" altLang="en-US" sz="1600" b="1" dirty="0"/>
-          </a:p>
-        </p:txBody>
-      </p:sp>
-      <p:sp>
-        <p:nvSpPr>
-          <p:cNvPr id="34" name="矩形 33"/>
-          <p:cNvSpPr/>
-          <p:nvPr/>
-        </p:nvSpPr>
-        <p:spPr>
-          <a:xfrm rot="5400000">
-            <a:off x="3110557" y="3361420"/>
-            <a:ext cx="3904553" cy="720000"/>
-          </a:xfrm>
-          <a:prstGeom prst="rect">
-            <a:avLst/>
-          </a:prstGeom>
-        </p:spPr>
-        <p:style>
-          <a:lnRef idx="1">
-            <a:schemeClr val="accent1"/>
-          </a:lnRef>
-          <a:fillRef idx="3">
-            <a:schemeClr val="accent1"/>
-          </a:fillRef>
-          <a:effectRef idx="2">
-            <a:schemeClr val="accent1"/>
-          </a:effectRef>
-          <a:fontRef idx="minor">
-            <a:schemeClr val="lt1"/>
-          </a:fontRef>
-        </p:style>
-        <p:txBody>
-          <a:bodyPr rtlCol="0" anchor="ctr"/>
-          <a:lstStyle/>
-          <a:p>
-            <a:pPr algn="ctr"/>
-            <a:r>
-              <a:rPr lang="en-US" altLang="zh-TW" sz="1600" b="1" dirty="0" smtClean="0"/>
-              <a:t>HTTP Handlers</a:t>
-            </a:r>
-            <a:endParaRPr lang="zh-TW" altLang="en-US" sz="1600" b="1" dirty="0"/>
-          </a:p>
-        </p:txBody>
-      </p:sp>
-      <p:sp>
-        <p:nvSpPr>
-          <p:cNvPr id="45" name="Send Log F2L"/>
-          <p:cNvSpPr/>
-          <p:nvPr/>
-        </p:nvSpPr>
-        <p:spPr>
-          <a:xfrm>
-            <a:off x="4252687" y="2077190"/>
-            <a:ext cx="585919" cy="540000"/>
-          </a:xfrm>
-          <a:prstGeom prst="rightArrow">
-            <a:avLst/>
-          </a:prstGeom>
-        </p:spPr>
-        <p:style>
-          <a:lnRef idx="1">
-            <a:schemeClr val="accent4"/>
-          </a:lnRef>
-          <a:fillRef idx="2">
-            <a:schemeClr val="accent4"/>
-          </a:fillRef>
-          <a:effectRef idx="1">
-            <a:schemeClr val="accent4"/>
-          </a:effectRef>
-          <a:fontRef idx="minor">
-            <a:schemeClr val="dk1"/>
-          </a:fontRef>
-        </p:style>
-        <p:txBody>
-          <a:bodyPr rtlCol="0" anchor="ctr"/>
-          <a:lstStyle/>
-          <a:p>
-            <a:pPr algn="ctr"/>
-            <a:endParaRPr lang="zh-TW" altLang="en-US" sz="1400" b="1" dirty="0"/>
-          </a:p>
-        </p:txBody>
-      </p:sp>
-      <p:sp>
-        <p:nvSpPr>
-          <p:cNvPr id="46" name="Send Log F2L"/>
-          <p:cNvSpPr/>
-          <p:nvPr/>
-        </p:nvSpPr>
-        <p:spPr>
-          <a:xfrm>
-            <a:off x="5288607" y="2072479"/>
-            <a:ext cx="585919" cy="540000"/>
-          </a:xfrm>
-          <a:prstGeom prst="rightArrow">
-            <a:avLst/>
-          </a:prstGeom>
-        </p:spPr>
-        <p:style>
-          <a:lnRef idx="1">
-            <a:schemeClr val="accent4"/>
-          </a:lnRef>
-          <a:fillRef idx="2">
-            <a:schemeClr val="accent4"/>
-          </a:fillRef>
-          <a:effectRef idx="1">
-            <a:schemeClr val="accent4"/>
-          </a:effectRef>
-          <a:fontRef idx="minor">
-            <a:schemeClr val="dk1"/>
-          </a:fontRef>
-        </p:style>
-        <p:txBody>
-          <a:bodyPr rtlCol="0" anchor="ctr"/>
-          <a:lstStyle/>
-          <a:p>
-            <a:pPr algn="ctr"/>
-            <a:endParaRPr lang="zh-TW" altLang="en-US" sz="1400" b="1" dirty="0"/>
-          </a:p>
-        </p:txBody>
-      </p:sp>
-      <p:sp>
-        <p:nvSpPr>
-          <p:cNvPr id="47" name="Send Log F2L"/>
-          <p:cNvSpPr/>
-          <p:nvPr/>
-        </p:nvSpPr>
-        <p:spPr>
-          <a:xfrm>
-            <a:off x="6324529" y="2081489"/>
-            <a:ext cx="585919" cy="540000"/>
-          </a:xfrm>
-          <a:prstGeom prst="rightArrow">
-            <a:avLst/>
-          </a:prstGeom>
-        </p:spPr>
-        <p:style>
-          <a:lnRef idx="1">
-            <a:schemeClr val="accent4"/>
-          </a:lnRef>
-          <a:fillRef idx="2">
-            <a:schemeClr val="accent4"/>
-          </a:fillRef>
-          <a:effectRef idx="1">
-            <a:schemeClr val="accent4"/>
-          </a:effectRef>
-          <a:fontRef idx="minor">
-            <a:schemeClr val="dk1"/>
-          </a:fontRef>
-        </p:style>
-        <p:txBody>
-          <a:bodyPr rtlCol="0" anchor="ctr"/>
-          <a:lstStyle/>
-          <a:p>
-            <a:pPr algn="ctr"/>
-            <a:endParaRPr lang="zh-TW" altLang="en-US" sz="1400" b="1" dirty="0"/>
-          </a:p>
-        </p:txBody>
-      </p:sp>
-      <p:sp>
-        <p:nvSpPr>
-          <p:cNvPr id="48" name="Send Log F2L"/>
-          <p:cNvSpPr/>
-          <p:nvPr/>
-        </p:nvSpPr>
-        <p:spPr>
-          <a:xfrm>
-            <a:off x="3216767" y="2081489"/>
-            <a:ext cx="585919" cy="540000"/>
-          </a:xfrm>
-          <a:prstGeom prst="rightArrow">
-            <a:avLst/>
-          </a:prstGeom>
-        </p:spPr>
-        <p:style>
-          <a:lnRef idx="1">
-            <a:schemeClr val="accent4"/>
-          </a:lnRef>
-          <a:fillRef idx="2">
-            <a:schemeClr val="accent4"/>
-          </a:fillRef>
-          <a:effectRef idx="1">
-            <a:schemeClr val="accent4"/>
-          </a:effectRef>
-          <a:fontRef idx="minor">
-            <a:schemeClr val="dk1"/>
-          </a:fontRef>
-        </p:style>
-        <p:txBody>
-          <a:bodyPr rtlCol="0" anchor="ctr"/>
-          <a:lstStyle/>
-          <a:p>
-            <a:pPr algn="ctr"/>
-            <a:endParaRPr lang="zh-TW" altLang="en-US" sz="1400" b="1" dirty="0"/>
-          </a:p>
-        </p:txBody>
-      </p:sp>
-      <p:sp>
-        <p:nvSpPr>
-          <p:cNvPr id="49" name="Send Log F2L"/>
-          <p:cNvSpPr/>
-          <p:nvPr/>
-        </p:nvSpPr>
-        <p:spPr>
-          <a:xfrm>
-            <a:off x="2180847" y="2081489"/>
-            <a:ext cx="585919" cy="540000"/>
-          </a:xfrm>
-          <a:prstGeom prst="rightArrow">
-            <a:avLst/>
-          </a:prstGeom>
-        </p:spPr>
-        <p:style>
-          <a:lnRef idx="1">
-            <a:schemeClr val="accent4"/>
-          </a:lnRef>
-          <a:fillRef idx="2">
-            <a:schemeClr val="accent4"/>
-          </a:fillRef>
-          <a:effectRef idx="1">
-            <a:schemeClr val="accent4"/>
-          </a:effectRef>
-          <a:fontRef idx="minor">
-            <a:schemeClr val="dk1"/>
-          </a:fontRef>
-        </p:style>
-        <p:txBody>
-          <a:bodyPr rtlCol="0" anchor="ctr"/>
-          <a:lstStyle/>
-          <a:p>
-            <a:pPr algn="ctr"/>
-            <a:endParaRPr lang="zh-TW" altLang="en-US" sz="1400" b="1" dirty="0"/>
-          </a:p>
-        </p:txBody>
-      </p:sp>
-      <p:sp>
-        <p:nvSpPr>
-          <p:cNvPr id="35" name="Send Log F2L"/>
-          <p:cNvSpPr/>
-          <p:nvPr/>
-        </p:nvSpPr>
-        <p:spPr>
-          <a:xfrm rot="10800000">
-            <a:off x="4255333" y="4774992"/>
-            <a:ext cx="585919" cy="540000"/>
-          </a:xfrm>
-          <a:prstGeom prst="rightArrow">
-            <a:avLst/>
-          </a:prstGeom>
-        </p:spPr>
-        <p:style>
-          <a:lnRef idx="1">
-            <a:schemeClr val="accent4"/>
-          </a:lnRef>
-          <a:fillRef idx="2">
-            <a:schemeClr val="accent4"/>
-          </a:fillRef>
-          <a:effectRef idx="1">
-            <a:schemeClr val="accent4"/>
-          </a:effectRef>
-          <a:fontRef idx="minor">
-            <a:schemeClr val="dk1"/>
-          </a:fontRef>
-        </p:style>
-        <p:txBody>
-          <a:bodyPr rtlCol="0" anchor="ctr"/>
-          <a:lstStyle/>
-          <a:p>
-            <a:pPr algn="ctr"/>
-            <a:endParaRPr lang="zh-TW" altLang="en-US" sz="1400" b="1" dirty="0"/>
-          </a:p>
-        </p:txBody>
-      </p:sp>
-      <p:sp>
-        <p:nvSpPr>
-          <p:cNvPr id="36" name="Send Log F2L"/>
-          <p:cNvSpPr/>
-          <p:nvPr/>
-        </p:nvSpPr>
-        <p:spPr>
-          <a:xfrm rot="10800000">
-            <a:off x="5291253" y="4770281"/>
-            <a:ext cx="585919" cy="540000"/>
-          </a:xfrm>
-          <a:prstGeom prst="rightArrow">
-            <a:avLst/>
-          </a:prstGeom>
-        </p:spPr>
-        <p:style>
-          <a:lnRef idx="1">
-            <a:schemeClr val="accent4"/>
-          </a:lnRef>
-          <a:fillRef idx="2">
-            <a:schemeClr val="accent4"/>
-          </a:fillRef>
-          <a:effectRef idx="1">
-            <a:schemeClr val="accent4"/>
-          </a:effectRef>
-          <a:fontRef idx="minor">
-            <a:schemeClr val="dk1"/>
-          </a:fontRef>
-        </p:style>
-        <p:txBody>
-          <a:bodyPr rtlCol="0" anchor="ctr"/>
-          <a:lstStyle/>
-          <a:p>
-            <a:pPr algn="ctr"/>
-            <a:endParaRPr lang="zh-TW" altLang="en-US" sz="1400" b="1" dirty="0"/>
-          </a:p>
-        </p:txBody>
-      </p:sp>
-      <p:sp>
-        <p:nvSpPr>
-          <p:cNvPr id="39" name="Send Log F2L"/>
-          <p:cNvSpPr/>
-          <p:nvPr/>
-        </p:nvSpPr>
-        <p:spPr>
-          <a:xfrm rot="10800000">
-            <a:off x="6327175" y="4779291"/>
-            <a:ext cx="585919" cy="540000"/>
-          </a:xfrm>
-          <a:prstGeom prst="rightArrow">
-            <a:avLst/>
-          </a:prstGeom>
-        </p:spPr>
-        <p:style>
-          <a:lnRef idx="1">
-            <a:schemeClr val="accent4"/>
-          </a:lnRef>
-          <a:fillRef idx="2">
-            <a:schemeClr val="accent4"/>
-          </a:fillRef>
-          <a:effectRef idx="1">
-            <a:schemeClr val="accent4"/>
-          </a:effectRef>
-          <a:fontRef idx="minor">
-            <a:schemeClr val="dk1"/>
-          </a:fontRef>
-        </p:style>
-        <p:txBody>
-          <a:bodyPr rtlCol="0" anchor="ctr"/>
-          <a:lstStyle/>
-          <a:p>
-            <a:pPr algn="ctr"/>
-            <a:endParaRPr lang="zh-TW" altLang="en-US" sz="1400" b="1" dirty="0"/>
-          </a:p>
-        </p:txBody>
-      </p:sp>
-      <p:sp>
-        <p:nvSpPr>
-          <p:cNvPr id="40" name="Send Log F2L"/>
-          <p:cNvSpPr/>
-          <p:nvPr/>
-        </p:nvSpPr>
-        <p:spPr>
-          <a:xfrm rot="10800000">
-            <a:off x="3219413" y="4779291"/>
-            <a:ext cx="585919" cy="540000"/>
-          </a:xfrm>
-          <a:prstGeom prst="rightArrow">
-            <a:avLst/>
-          </a:prstGeom>
-        </p:spPr>
-        <p:style>
-          <a:lnRef idx="1">
-            <a:schemeClr val="accent4"/>
-          </a:lnRef>
-          <a:fillRef idx="2">
-            <a:schemeClr val="accent4"/>
-          </a:fillRef>
-          <a:effectRef idx="1">
-            <a:schemeClr val="accent4"/>
-          </a:effectRef>
-          <a:fontRef idx="minor">
-            <a:schemeClr val="dk1"/>
-          </a:fontRef>
-        </p:style>
-        <p:txBody>
-          <a:bodyPr rtlCol="0" anchor="ctr"/>
-          <a:lstStyle/>
-          <a:p>
-            <a:pPr algn="ctr"/>
-            <a:endParaRPr lang="zh-TW" altLang="en-US" sz="1400" b="1" dirty="0"/>
-          </a:p>
-        </p:txBody>
-      </p:sp>
-      <p:sp>
-        <p:nvSpPr>
-          <p:cNvPr id="51" name="Send Log F2L"/>
-          <p:cNvSpPr/>
-          <p:nvPr/>
-        </p:nvSpPr>
-        <p:spPr>
-          <a:xfrm rot="10800000">
-            <a:off x="2183493" y="4779291"/>
-            <a:ext cx="585919" cy="540000"/>
-          </a:xfrm>
-          <a:prstGeom prst="rightArrow">
-            <a:avLst/>
-          </a:prstGeom>
-        </p:spPr>
-        <p:style>
-          <a:lnRef idx="1">
-            <a:schemeClr val="accent4"/>
-          </a:lnRef>
-          <a:fillRef idx="2">
-            <a:schemeClr val="accent4"/>
-          </a:fillRef>
-          <a:effectRef idx="1">
-            <a:schemeClr val="accent4"/>
-          </a:effectRef>
-          <a:fontRef idx="minor">
-            <a:schemeClr val="dk1"/>
-          </a:fontRef>
-        </p:style>
-        <p:txBody>
-          <a:bodyPr rtlCol="0" anchor="ctr"/>
-          <a:lstStyle/>
-          <a:p>
-            <a:pPr algn="ctr"/>
-            <a:endParaRPr lang="zh-TW" altLang="en-US" sz="1400" b="1" dirty="0"/>
-          </a:p>
-        </p:txBody>
-      </p:sp>
-      <p:sp>
-        <p:nvSpPr>
-          <p:cNvPr id="15" name="標題 2"/>
-          <p:cNvSpPr>
-            <a:spLocks noGrp="1"/>
-          </p:cNvSpPr>
-          <p:nvPr>
-            <p:ph type="title"/>
-          </p:nvPr>
-        </p:nvSpPr>
-        <p:spPr>
-          <a:xfrm>
-            <a:off x="1726638" y="3058638"/>
-            <a:ext cx="5638015" cy="1325563"/>
-          </a:xfrm>
-          <a:noFill/>
-        </p:spPr>
-        <p:txBody>
-          <a:bodyPr>
-            <a:noAutofit/>
-          </a:bodyPr>
-          <a:lstStyle/>
-          <a:p>
-            <a:r>
-              <a:rPr lang="en-US" altLang="zh-TW" sz="6600" b="1" dirty="0" smtClean="0">
-                <a:solidFill>
-                  <a:schemeClr val="tx1">
-                    <a:alpha val="8000"/>
-                  </a:schemeClr>
-                </a:solidFill>
-                <a:latin typeface="+mn-lt"/>
-              </a:rPr>
-              <a:t>blog.johnwu.cc</a:t>
-            </a:r>
-            <a:endParaRPr lang="zh-TW" altLang="en-US" sz="6600" b="1" dirty="0">
-              <a:solidFill>
-                <a:schemeClr val="tx1">
-                  <a:alpha val="8000"/>
-                </a:schemeClr>
-              </a:solidFill>
-              <a:latin typeface="+mn-lt"/>
-            </a:endParaRPr>
-          </a:p>
-        </p:txBody>
-      </p:sp>
-    </p:spTree>
-    <p:extLst>
-      <p:ext uri="{BB962C8B-B14F-4D97-AF65-F5344CB8AC3E}">
-        <p14:creationId xmlns:p14="http://schemas.microsoft.com/office/powerpoint/2010/main" val="4015888149"/>
-      </p:ext>
-    </p:extLst>
-  </p:cSld>
-  <p:clrMapOvr>
-    <a:masterClrMapping/>
-  </p:clrMapOvr>
-  <p:timing>
-    <p:tnLst>
-      <p:par>
-        <p:cTn id="1" dur="indefinite" restart="never" nodeType="tmRoot"/>
-      </p:par>
-    </p:tnLst>
   </p:timing>
 </p:sld>
 </file>
@@ -21332,6 +21220,868 @@
       </p:grpSpPr>
       <p:sp>
         <p:nvSpPr>
+          <p:cNvPr id="3" name="矩形 2"/>
+          <p:cNvSpPr/>
+          <p:nvPr/>
+        </p:nvSpPr>
+        <p:spPr>
+          <a:xfrm>
+            <a:off x="433235" y="-4014395"/>
+            <a:ext cx="7634668" cy="4294501"/>
+          </a:xfrm>
+          <a:prstGeom prst="rect">
+            <a:avLst/>
+          </a:prstGeom>
+        </p:spPr>
+        <p:style>
+          <a:lnRef idx="2">
+            <a:schemeClr val="dk1">
+              <a:shade val="50000"/>
+            </a:schemeClr>
+          </a:lnRef>
+          <a:fillRef idx="1">
+            <a:schemeClr val="dk1"/>
+          </a:fillRef>
+          <a:effectRef idx="0">
+            <a:schemeClr val="dk1"/>
+          </a:effectRef>
+          <a:fontRef idx="minor">
+            <a:schemeClr val="lt1"/>
+          </a:fontRef>
+        </p:style>
+        <p:txBody>
+          <a:bodyPr rtlCol="0" anchor="ctr"/>
+          <a:lstStyle/>
+          <a:p>
+            <a:pPr algn="ctr"/>
+            <a:endParaRPr lang="zh-TW" altLang="en-US"/>
+          </a:p>
+        </p:txBody>
+      </p:sp>
+      <p:sp>
+        <p:nvSpPr>
+          <p:cNvPr id="13" name="矩形 12"/>
+          <p:cNvSpPr/>
+          <p:nvPr/>
+        </p:nvSpPr>
+        <p:spPr>
+          <a:xfrm>
+            <a:off x="6784603" y="1769146"/>
+            <a:ext cx="1467582" cy="3904552"/>
+          </a:xfrm>
+          <a:prstGeom prst="rect">
+            <a:avLst/>
+          </a:prstGeom>
+        </p:spPr>
+        <p:style>
+          <a:lnRef idx="1">
+            <a:schemeClr val="accent6"/>
+          </a:lnRef>
+          <a:fillRef idx="3">
+            <a:schemeClr val="accent6"/>
+          </a:fillRef>
+          <a:effectRef idx="2">
+            <a:schemeClr val="accent6"/>
+          </a:effectRef>
+          <a:fontRef idx="minor">
+            <a:schemeClr val="lt1"/>
+          </a:fontRef>
+        </p:style>
+        <p:txBody>
+          <a:bodyPr rtlCol="0" anchor="ctr"/>
+          <a:lstStyle/>
+          <a:p>
+            <a:pPr algn="ctr"/>
+            <a:r>
+              <a:rPr lang="en-US" altLang="zh-TW" sz="1600" b="1" dirty="0" smtClean="0"/>
+              <a:t>Action</a:t>
+            </a:r>
+            <a:endParaRPr lang="zh-TW" altLang="en-US" sz="1600" b="1" dirty="0"/>
+          </a:p>
+        </p:txBody>
+      </p:sp>
+      <p:sp>
+        <p:nvSpPr>
+          <p:cNvPr id="16" name="矩形 15"/>
+          <p:cNvSpPr/>
+          <p:nvPr/>
+        </p:nvSpPr>
+        <p:spPr>
+          <a:xfrm rot="5400000">
+            <a:off x="-29173" y="3361421"/>
+            <a:ext cx="3904550" cy="720000"/>
+          </a:xfrm>
+          <a:prstGeom prst="rect">
+            <a:avLst/>
+          </a:prstGeom>
+        </p:spPr>
+        <p:style>
+          <a:lnRef idx="0">
+            <a:schemeClr val="accent2"/>
+          </a:lnRef>
+          <a:fillRef idx="3">
+            <a:schemeClr val="accent2"/>
+          </a:fillRef>
+          <a:effectRef idx="3">
+            <a:schemeClr val="accent2"/>
+          </a:effectRef>
+          <a:fontRef idx="minor">
+            <a:schemeClr val="lt1"/>
+          </a:fontRef>
+        </p:style>
+        <p:txBody>
+          <a:bodyPr rtlCol="0" anchor="ctr"/>
+          <a:lstStyle/>
+          <a:p>
+            <a:pPr algn="ctr"/>
+            <a:r>
+              <a:rPr lang="en-US" altLang="zh-TW" sz="1600" b="1" dirty="0" smtClean="0"/>
+              <a:t>HTTP</a:t>
+            </a:r>
+            <a:r>
+              <a:rPr lang="zh-TW" altLang="en-US" sz="1600" b="1" dirty="0" smtClean="0"/>
+              <a:t> </a:t>
+            </a:r>
+            <a:r>
+              <a:rPr lang="en-US" altLang="zh-TW" sz="1600" b="1" dirty="0" smtClean="0"/>
+              <a:t>Module 1</a:t>
+            </a:r>
+            <a:endParaRPr lang="zh-TW" altLang="en-US" sz="1600" b="1" dirty="0"/>
+          </a:p>
+        </p:txBody>
+      </p:sp>
+      <p:sp>
+        <p:nvSpPr>
+          <p:cNvPr id="19" name="矩形 18"/>
+          <p:cNvSpPr/>
+          <p:nvPr/>
+        </p:nvSpPr>
+        <p:spPr>
+          <a:xfrm rot="5400000">
+            <a:off x="4148025" y="3361423"/>
+            <a:ext cx="3904553" cy="720000"/>
+          </a:xfrm>
+          <a:prstGeom prst="rect">
+            <a:avLst/>
+          </a:prstGeom>
+        </p:spPr>
+        <p:style>
+          <a:lnRef idx="1">
+            <a:schemeClr val="accent1"/>
+          </a:lnRef>
+          <a:fillRef idx="3">
+            <a:schemeClr val="accent1"/>
+          </a:fillRef>
+          <a:effectRef idx="2">
+            <a:schemeClr val="accent1"/>
+          </a:effectRef>
+          <a:fontRef idx="minor">
+            <a:schemeClr val="lt1"/>
+          </a:fontRef>
+        </p:style>
+        <p:txBody>
+          <a:bodyPr rtlCol="0" anchor="ctr"/>
+          <a:lstStyle/>
+          <a:p>
+            <a:pPr algn="ctr"/>
+            <a:r>
+              <a:rPr lang="en-US" altLang="zh-TW" sz="1600" b="1" dirty="0" smtClean="0"/>
+              <a:t>Action Filters</a:t>
+            </a:r>
+            <a:endParaRPr lang="zh-TW" altLang="en-US" sz="1600" b="1" dirty="0"/>
+          </a:p>
+        </p:txBody>
+      </p:sp>
+      <p:sp>
+        <p:nvSpPr>
+          <p:cNvPr id="24" name="Send Log F2L"/>
+          <p:cNvSpPr/>
+          <p:nvPr/>
+        </p:nvSpPr>
+        <p:spPr>
+          <a:xfrm>
+            <a:off x="693546" y="2081489"/>
+            <a:ext cx="1080000" cy="540000"/>
+          </a:xfrm>
+          <a:prstGeom prst="rightArrow">
+            <a:avLst/>
+          </a:prstGeom>
+        </p:spPr>
+        <p:style>
+          <a:lnRef idx="1">
+            <a:schemeClr val="accent4"/>
+          </a:lnRef>
+          <a:fillRef idx="2">
+            <a:schemeClr val="accent4"/>
+          </a:fillRef>
+          <a:effectRef idx="1">
+            <a:schemeClr val="accent4"/>
+          </a:effectRef>
+          <a:fontRef idx="minor">
+            <a:schemeClr val="dk1"/>
+          </a:fontRef>
+        </p:style>
+        <p:txBody>
+          <a:bodyPr rtlCol="0" anchor="ctr"/>
+          <a:lstStyle/>
+          <a:p>
+            <a:pPr algn="ctr"/>
+            <a:r>
+              <a:rPr lang="en-US" altLang="zh-TW" sz="1400" b="1" dirty="0" smtClean="0"/>
+              <a:t>Request</a:t>
+            </a:r>
+            <a:endParaRPr lang="zh-TW" altLang="en-US" sz="1400" b="1" dirty="0"/>
+          </a:p>
+        </p:txBody>
+      </p:sp>
+      <p:sp>
+        <p:nvSpPr>
+          <p:cNvPr id="28" name="Send Log F2L"/>
+          <p:cNvSpPr/>
+          <p:nvPr/>
+        </p:nvSpPr>
+        <p:spPr>
+          <a:xfrm flipH="1">
+            <a:off x="693546" y="4785700"/>
+            <a:ext cx="1080000" cy="540000"/>
+          </a:xfrm>
+          <a:prstGeom prst="rightArrow">
+            <a:avLst/>
+          </a:prstGeom>
+        </p:spPr>
+        <p:style>
+          <a:lnRef idx="1">
+            <a:schemeClr val="accent4"/>
+          </a:lnRef>
+          <a:fillRef idx="2">
+            <a:schemeClr val="accent4"/>
+          </a:fillRef>
+          <a:effectRef idx="1">
+            <a:schemeClr val="accent4"/>
+          </a:effectRef>
+          <a:fontRef idx="minor">
+            <a:schemeClr val="dk1"/>
+          </a:fontRef>
+        </p:style>
+        <p:txBody>
+          <a:bodyPr rtlCol="0" anchor="ctr"/>
+          <a:lstStyle/>
+          <a:p>
+            <a:pPr algn="ctr"/>
+            <a:r>
+              <a:rPr lang="en-US" altLang="zh-TW" sz="1400" b="1" dirty="0" err="1"/>
+              <a:t>Respose</a:t>
+            </a:r>
+            <a:endParaRPr lang="zh-TW" altLang="en-US" sz="1400" b="1" dirty="0"/>
+          </a:p>
+        </p:txBody>
+      </p:sp>
+      <p:sp>
+        <p:nvSpPr>
+          <p:cNvPr id="32" name="矩形 31"/>
+          <p:cNvSpPr/>
+          <p:nvPr/>
+        </p:nvSpPr>
+        <p:spPr>
+          <a:xfrm rot="5400000">
+            <a:off x="1021687" y="3361421"/>
+            <a:ext cx="3904550" cy="720000"/>
+          </a:xfrm>
+          <a:prstGeom prst="rect">
+            <a:avLst/>
+          </a:prstGeom>
+        </p:spPr>
+        <p:style>
+          <a:lnRef idx="0">
+            <a:schemeClr val="accent2"/>
+          </a:lnRef>
+          <a:fillRef idx="3">
+            <a:schemeClr val="accent2"/>
+          </a:fillRef>
+          <a:effectRef idx="3">
+            <a:schemeClr val="accent2"/>
+          </a:effectRef>
+          <a:fontRef idx="minor">
+            <a:schemeClr val="lt1"/>
+          </a:fontRef>
+        </p:style>
+        <p:txBody>
+          <a:bodyPr rtlCol="0" anchor="ctr"/>
+          <a:lstStyle/>
+          <a:p>
+            <a:pPr algn="ctr"/>
+            <a:r>
+              <a:rPr lang="en-US" altLang="zh-TW" sz="1600" b="1" dirty="0" smtClean="0"/>
+              <a:t>HTTP</a:t>
+            </a:r>
+            <a:r>
+              <a:rPr lang="zh-TW" altLang="en-US" sz="1600" b="1" dirty="0" smtClean="0"/>
+              <a:t> </a:t>
+            </a:r>
+            <a:r>
+              <a:rPr lang="en-US" altLang="zh-TW" sz="1600" b="1" dirty="0" smtClean="0"/>
+              <a:t>Module 2</a:t>
+            </a:r>
+            <a:endParaRPr lang="zh-TW" altLang="en-US" sz="1600" b="1" dirty="0"/>
+          </a:p>
+        </p:txBody>
+      </p:sp>
+      <p:sp>
+        <p:nvSpPr>
+          <p:cNvPr id="33" name="矩形 32"/>
+          <p:cNvSpPr/>
+          <p:nvPr/>
+        </p:nvSpPr>
+        <p:spPr>
+          <a:xfrm rot="5400000">
+            <a:off x="2055656" y="3361421"/>
+            <a:ext cx="3904550" cy="720000"/>
+          </a:xfrm>
+          <a:prstGeom prst="rect">
+            <a:avLst/>
+          </a:prstGeom>
+        </p:spPr>
+        <p:style>
+          <a:lnRef idx="0">
+            <a:schemeClr val="accent2"/>
+          </a:lnRef>
+          <a:fillRef idx="3">
+            <a:schemeClr val="accent2"/>
+          </a:fillRef>
+          <a:effectRef idx="3">
+            <a:schemeClr val="accent2"/>
+          </a:effectRef>
+          <a:fontRef idx="minor">
+            <a:schemeClr val="lt1"/>
+          </a:fontRef>
+        </p:style>
+        <p:txBody>
+          <a:bodyPr rtlCol="0" anchor="ctr"/>
+          <a:lstStyle/>
+          <a:p>
+            <a:pPr algn="ctr"/>
+            <a:r>
+              <a:rPr lang="en-US" altLang="zh-TW" sz="1600" b="1" dirty="0" smtClean="0"/>
+              <a:t>HTTP</a:t>
+            </a:r>
+            <a:r>
+              <a:rPr lang="zh-TW" altLang="en-US" sz="1600" b="1" dirty="0" smtClean="0"/>
+              <a:t> </a:t>
+            </a:r>
+            <a:r>
+              <a:rPr lang="en-US" altLang="zh-TW" sz="1600" b="1" dirty="0" smtClean="0"/>
+              <a:t>Module n</a:t>
+            </a:r>
+            <a:endParaRPr lang="zh-TW" altLang="en-US" sz="1600" b="1" dirty="0"/>
+          </a:p>
+        </p:txBody>
+      </p:sp>
+      <p:sp>
+        <p:nvSpPr>
+          <p:cNvPr id="34" name="矩形 33"/>
+          <p:cNvSpPr/>
+          <p:nvPr/>
+        </p:nvSpPr>
+        <p:spPr>
+          <a:xfrm rot="5400000">
+            <a:off x="3110557" y="3361420"/>
+            <a:ext cx="3904553" cy="720000"/>
+          </a:xfrm>
+          <a:prstGeom prst="rect">
+            <a:avLst/>
+          </a:prstGeom>
+        </p:spPr>
+        <p:style>
+          <a:lnRef idx="1">
+            <a:schemeClr val="accent1"/>
+          </a:lnRef>
+          <a:fillRef idx="3">
+            <a:schemeClr val="accent1"/>
+          </a:fillRef>
+          <a:effectRef idx="2">
+            <a:schemeClr val="accent1"/>
+          </a:effectRef>
+          <a:fontRef idx="minor">
+            <a:schemeClr val="lt1"/>
+          </a:fontRef>
+        </p:style>
+        <p:txBody>
+          <a:bodyPr rtlCol="0" anchor="ctr"/>
+          <a:lstStyle/>
+          <a:p>
+            <a:pPr algn="ctr"/>
+            <a:r>
+              <a:rPr lang="en-US" altLang="zh-TW" sz="1600" b="1" dirty="0" smtClean="0"/>
+              <a:t>HTTP Handlers</a:t>
+            </a:r>
+            <a:endParaRPr lang="zh-TW" altLang="en-US" sz="1600" b="1" dirty="0"/>
+          </a:p>
+        </p:txBody>
+      </p:sp>
+      <p:sp>
+        <p:nvSpPr>
+          <p:cNvPr id="45" name="Send Log F2L"/>
+          <p:cNvSpPr/>
+          <p:nvPr/>
+        </p:nvSpPr>
+        <p:spPr>
+          <a:xfrm>
+            <a:off x="4252687" y="2077190"/>
+            <a:ext cx="585919" cy="540000"/>
+          </a:xfrm>
+          <a:prstGeom prst="rightArrow">
+            <a:avLst/>
+          </a:prstGeom>
+        </p:spPr>
+        <p:style>
+          <a:lnRef idx="1">
+            <a:schemeClr val="accent4"/>
+          </a:lnRef>
+          <a:fillRef idx="2">
+            <a:schemeClr val="accent4"/>
+          </a:fillRef>
+          <a:effectRef idx="1">
+            <a:schemeClr val="accent4"/>
+          </a:effectRef>
+          <a:fontRef idx="minor">
+            <a:schemeClr val="dk1"/>
+          </a:fontRef>
+        </p:style>
+        <p:txBody>
+          <a:bodyPr rtlCol="0" anchor="ctr"/>
+          <a:lstStyle/>
+          <a:p>
+            <a:pPr algn="ctr"/>
+            <a:endParaRPr lang="zh-TW" altLang="en-US" sz="1400" b="1" dirty="0"/>
+          </a:p>
+        </p:txBody>
+      </p:sp>
+      <p:sp>
+        <p:nvSpPr>
+          <p:cNvPr id="46" name="Send Log F2L"/>
+          <p:cNvSpPr/>
+          <p:nvPr/>
+        </p:nvSpPr>
+        <p:spPr>
+          <a:xfrm>
+            <a:off x="5288607" y="2072479"/>
+            <a:ext cx="585919" cy="540000"/>
+          </a:xfrm>
+          <a:prstGeom prst="rightArrow">
+            <a:avLst/>
+          </a:prstGeom>
+        </p:spPr>
+        <p:style>
+          <a:lnRef idx="1">
+            <a:schemeClr val="accent4"/>
+          </a:lnRef>
+          <a:fillRef idx="2">
+            <a:schemeClr val="accent4"/>
+          </a:fillRef>
+          <a:effectRef idx="1">
+            <a:schemeClr val="accent4"/>
+          </a:effectRef>
+          <a:fontRef idx="minor">
+            <a:schemeClr val="dk1"/>
+          </a:fontRef>
+        </p:style>
+        <p:txBody>
+          <a:bodyPr rtlCol="0" anchor="ctr"/>
+          <a:lstStyle/>
+          <a:p>
+            <a:pPr algn="ctr"/>
+            <a:endParaRPr lang="zh-TW" altLang="en-US" sz="1400" b="1" dirty="0"/>
+          </a:p>
+        </p:txBody>
+      </p:sp>
+      <p:sp>
+        <p:nvSpPr>
+          <p:cNvPr id="47" name="Send Log F2L"/>
+          <p:cNvSpPr/>
+          <p:nvPr/>
+        </p:nvSpPr>
+        <p:spPr>
+          <a:xfrm>
+            <a:off x="6324529" y="2081489"/>
+            <a:ext cx="585919" cy="540000"/>
+          </a:xfrm>
+          <a:prstGeom prst="rightArrow">
+            <a:avLst/>
+          </a:prstGeom>
+        </p:spPr>
+        <p:style>
+          <a:lnRef idx="1">
+            <a:schemeClr val="accent4"/>
+          </a:lnRef>
+          <a:fillRef idx="2">
+            <a:schemeClr val="accent4"/>
+          </a:fillRef>
+          <a:effectRef idx="1">
+            <a:schemeClr val="accent4"/>
+          </a:effectRef>
+          <a:fontRef idx="minor">
+            <a:schemeClr val="dk1"/>
+          </a:fontRef>
+        </p:style>
+        <p:txBody>
+          <a:bodyPr rtlCol="0" anchor="ctr"/>
+          <a:lstStyle/>
+          <a:p>
+            <a:pPr algn="ctr"/>
+            <a:endParaRPr lang="zh-TW" altLang="en-US" sz="1400" b="1" dirty="0"/>
+          </a:p>
+        </p:txBody>
+      </p:sp>
+      <p:sp>
+        <p:nvSpPr>
+          <p:cNvPr id="48" name="Send Log F2L"/>
+          <p:cNvSpPr/>
+          <p:nvPr/>
+        </p:nvSpPr>
+        <p:spPr>
+          <a:xfrm>
+            <a:off x="3216767" y="2081489"/>
+            <a:ext cx="585919" cy="540000"/>
+          </a:xfrm>
+          <a:prstGeom prst="rightArrow">
+            <a:avLst/>
+          </a:prstGeom>
+        </p:spPr>
+        <p:style>
+          <a:lnRef idx="1">
+            <a:schemeClr val="accent4"/>
+          </a:lnRef>
+          <a:fillRef idx="2">
+            <a:schemeClr val="accent4"/>
+          </a:fillRef>
+          <a:effectRef idx="1">
+            <a:schemeClr val="accent4"/>
+          </a:effectRef>
+          <a:fontRef idx="minor">
+            <a:schemeClr val="dk1"/>
+          </a:fontRef>
+        </p:style>
+        <p:txBody>
+          <a:bodyPr rtlCol="0" anchor="ctr"/>
+          <a:lstStyle/>
+          <a:p>
+            <a:pPr algn="ctr"/>
+            <a:endParaRPr lang="zh-TW" altLang="en-US" sz="1400" b="1" dirty="0"/>
+          </a:p>
+        </p:txBody>
+      </p:sp>
+      <p:sp>
+        <p:nvSpPr>
+          <p:cNvPr id="49" name="Send Log F2L"/>
+          <p:cNvSpPr/>
+          <p:nvPr/>
+        </p:nvSpPr>
+        <p:spPr>
+          <a:xfrm>
+            <a:off x="2180847" y="2081489"/>
+            <a:ext cx="585919" cy="540000"/>
+          </a:xfrm>
+          <a:prstGeom prst="rightArrow">
+            <a:avLst/>
+          </a:prstGeom>
+        </p:spPr>
+        <p:style>
+          <a:lnRef idx="1">
+            <a:schemeClr val="accent4"/>
+          </a:lnRef>
+          <a:fillRef idx="2">
+            <a:schemeClr val="accent4"/>
+          </a:fillRef>
+          <a:effectRef idx="1">
+            <a:schemeClr val="accent4"/>
+          </a:effectRef>
+          <a:fontRef idx="minor">
+            <a:schemeClr val="dk1"/>
+          </a:fontRef>
+        </p:style>
+        <p:txBody>
+          <a:bodyPr rtlCol="0" anchor="ctr"/>
+          <a:lstStyle/>
+          <a:p>
+            <a:pPr algn="ctr"/>
+            <a:endParaRPr lang="zh-TW" altLang="en-US" sz="1400" b="1" dirty="0"/>
+          </a:p>
+        </p:txBody>
+      </p:sp>
+      <p:sp>
+        <p:nvSpPr>
+          <p:cNvPr id="35" name="Send Log F2L"/>
+          <p:cNvSpPr/>
+          <p:nvPr/>
+        </p:nvSpPr>
+        <p:spPr>
+          <a:xfrm rot="10800000">
+            <a:off x="4255333" y="4774992"/>
+            <a:ext cx="585919" cy="540000"/>
+          </a:xfrm>
+          <a:prstGeom prst="rightArrow">
+            <a:avLst/>
+          </a:prstGeom>
+        </p:spPr>
+        <p:style>
+          <a:lnRef idx="1">
+            <a:schemeClr val="accent4"/>
+          </a:lnRef>
+          <a:fillRef idx="2">
+            <a:schemeClr val="accent4"/>
+          </a:fillRef>
+          <a:effectRef idx="1">
+            <a:schemeClr val="accent4"/>
+          </a:effectRef>
+          <a:fontRef idx="minor">
+            <a:schemeClr val="dk1"/>
+          </a:fontRef>
+        </p:style>
+        <p:txBody>
+          <a:bodyPr rtlCol="0" anchor="ctr"/>
+          <a:lstStyle/>
+          <a:p>
+            <a:pPr algn="ctr"/>
+            <a:endParaRPr lang="zh-TW" altLang="en-US" sz="1400" b="1" dirty="0"/>
+          </a:p>
+        </p:txBody>
+      </p:sp>
+      <p:sp>
+        <p:nvSpPr>
+          <p:cNvPr id="36" name="Send Log F2L"/>
+          <p:cNvSpPr/>
+          <p:nvPr/>
+        </p:nvSpPr>
+        <p:spPr>
+          <a:xfrm rot="10800000">
+            <a:off x="5291253" y="4770281"/>
+            <a:ext cx="585919" cy="540000"/>
+          </a:xfrm>
+          <a:prstGeom prst="rightArrow">
+            <a:avLst/>
+          </a:prstGeom>
+        </p:spPr>
+        <p:style>
+          <a:lnRef idx="1">
+            <a:schemeClr val="accent4"/>
+          </a:lnRef>
+          <a:fillRef idx="2">
+            <a:schemeClr val="accent4"/>
+          </a:fillRef>
+          <a:effectRef idx="1">
+            <a:schemeClr val="accent4"/>
+          </a:effectRef>
+          <a:fontRef idx="minor">
+            <a:schemeClr val="dk1"/>
+          </a:fontRef>
+        </p:style>
+        <p:txBody>
+          <a:bodyPr rtlCol="0" anchor="ctr"/>
+          <a:lstStyle/>
+          <a:p>
+            <a:pPr algn="ctr"/>
+            <a:endParaRPr lang="zh-TW" altLang="en-US" sz="1400" b="1" dirty="0"/>
+          </a:p>
+        </p:txBody>
+      </p:sp>
+      <p:sp>
+        <p:nvSpPr>
+          <p:cNvPr id="39" name="Send Log F2L"/>
+          <p:cNvSpPr/>
+          <p:nvPr/>
+        </p:nvSpPr>
+        <p:spPr>
+          <a:xfrm rot="10800000">
+            <a:off x="6327175" y="4779291"/>
+            <a:ext cx="585919" cy="540000"/>
+          </a:xfrm>
+          <a:prstGeom prst="rightArrow">
+            <a:avLst/>
+          </a:prstGeom>
+        </p:spPr>
+        <p:style>
+          <a:lnRef idx="1">
+            <a:schemeClr val="accent4"/>
+          </a:lnRef>
+          <a:fillRef idx="2">
+            <a:schemeClr val="accent4"/>
+          </a:fillRef>
+          <a:effectRef idx="1">
+            <a:schemeClr val="accent4"/>
+          </a:effectRef>
+          <a:fontRef idx="minor">
+            <a:schemeClr val="dk1"/>
+          </a:fontRef>
+        </p:style>
+        <p:txBody>
+          <a:bodyPr rtlCol="0" anchor="ctr"/>
+          <a:lstStyle/>
+          <a:p>
+            <a:pPr algn="ctr"/>
+            <a:endParaRPr lang="zh-TW" altLang="en-US" sz="1400" b="1" dirty="0"/>
+          </a:p>
+        </p:txBody>
+      </p:sp>
+      <p:sp>
+        <p:nvSpPr>
+          <p:cNvPr id="40" name="Send Log F2L"/>
+          <p:cNvSpPr/>
+          <p:nvPr/>
+        </p:nvSpPr>
+        <p:spPr>
+          <a:xfrm rot="10800000">
+            <a:off x="3219413" y="4779291"/>
+            <a:ext cx="585919" cy="540000"/>
+          </a:xfrm>
+          <a:prstGeom prst="rightArrow">
+            <a:avLst/>
+          </a:prstGeom>
+        </p:spPr>
+        <p:style>
+          <a:lnRef idx="1">
+            <a:schemeClr val="accent4"/>
+          </a:lnRef>
+          <a:fillRef idx="2">
+            <a:schemeClr val="accent4"/>
+          </a:fillRef>
+          <a:effectRef idx="1">
+            <a:schemeClr val="accent4"/>
+          </a:effectRef>
+          <a:fontRef idx="minor">
+            <a:schemeClr val="dk1"/>
+          </a:fontRef>
+        </p:style>
+        <p:txBody>
+          <a:bodyPr rtlCol="0" anchor="ctr"/>
+          <a:lstStyle/>
+          <a:p>
+            <a:pPr algn="ctr"/>
+            <a:endParaRPr lang="zh-TW" altLang="en-US" sz="1400" b="1" dirty="0"/>
+          </a:p>
+        </p:txBody>
+      </p:sp>
+      <p:sp>
+        <p:nvSpPr>
+          <p:cNvPr id="51" name="Send Log F2L"/>
+          <p:cNvSpPr/>
+          <p:nvPr/>
+        </p:nvSpPr>
+        <p:spPr>
+          <a:xfrm rot="10800000">
+            <a:off x="2183493" y="4779291"/>
+            <a:ext cx="585919" cy="540000"/>
+          </a:xfrm>
+          <a:prstGeom prst="rightArrow">
+            <a:avLst/>
+          </a:prstGeom>
+        </p:spPr>
+        <p:style>
+          <a:lnRef idx="1">
+            <a:schemeClr val="accent4"/>
+          </a:lnRef>
+          <a:fillRef idx="2">
+            <a:schemeClr val="accent4"/>
+          </a:fillRef>
+          <a:effectRef idx="1">
+            <a:schemeClr val="accent4"/>
+          </a:effectRef>
+          <a:fontRef idx="minor">
+            <a:schemeClr val="dk1"/>
+          </a:fontRef>
+        </p:style>
+        <p:txBody>
+          <a:bodyPr rtlCol="0" anchor="ctr"/>
+          <a:lstStyle/>
+          <a:p>
+            <a:pPr algn="ctr"/>
+            <a:endParaRPr lang="zh-TW" altLang="en-US" sz="1400" b="1" dirty="0"/>
+          </a:p>
+        </p:txBody>
+      </p:sp>
+      <p:sp>
+        <p:nvSpPr>
+          <p:cNvPr id="15" name="標題 2"/>
+          <p:cNvSpPr>
+            <a:spLocks noGrp="1"/>
+          </p:cNvSpPr>
+          <p:nvPr>
+            <p:ph type="title"/>
+          </p:nvPr>
+        </p:nvSpPr>
+        <p:spPr>
+          <a:xfrm>
+            <a:off x="1726638" y="3058638"/>
+            <a:ext cx="5638015" cy="1325563"/>
+          </a:xfrm>
+          <a:noFill/>
+        </p:spPr>
+        <p:txBody>
+          <a:bodyPr>
+            <a:noAutofit/>
+          </a:bodyPr>
+          <a:lstStyle/>
+          <a:p>
+            <a:r>
+              <a:rPr lang="en-US" altLang="zh-TW" sz="6600" b="1" dirty="0" smtClean="0">
+                <a:solidFill>
+                  <a:schemeClr val="tx1">
+                    <a:alpha val="8000"/>
+                  </a:schemeClr>
+                </a:solidFill>
+                <a:latin typeface="+mn-lt"/>
+              </a:rPr>
+              <a:t>blog.johnwu.cc</a:t>
+            </a:r>
+            <a:endParaRPr lang="zh-TW" altLang="en-US" sz="6600" b="1" dirty="0">
+              <a:solidFill>
+                <a:schemeClr val="tx1">
+                  <a:alpha val="8000"/>
+                </a:schemeClr>
+              </a:solidFill>
+              <a:latin typeface="+mn-lt"/>
+            </a:endParaRPr>
+          </a:p>
+        </p:txBody>
+      </p:sp>
+    </p:spTree>
+    <p:extLst>
+      <p:ext uri="{BB962C8B-B14F-4D97-AF65-F5344CB8AC3E}">
+        <p14:creationId xmlns:p14="http://schemas.microsoft.com/office/powerpoint/2010/main" val="4015888149"/>
+      </p:ext>
+    </p:extLst>
+  </p:cSld>
+  <p:clrMapOvr>
+    <a:masterClrMapping/>
+  </p:clrMapOvr>
+  <p:timing>
+    <p:tnLst>
+      <p:par>
+        <p:cTn id="1" dur="indefinite" restart="never" nodeType="tmRoot"/>
+      </p:par>
+    </p:tnLst>
+  </p:timing>
+</p:sld>
+</file>
+
+<file path=ppt/slides/slide21.xml><?xml version="1.0" encoding="utf-8"?>
+<p:sld xmlns:a="http://schemas.openxmlformats.org/drawingml/2006/main" xmlns:r="http://schemas.openxmlformats.org/officeDocument/2006/relationships" xmlns:p="http://schemas.openxmlformats.org/presentationml/2006/main">
+  <p:cSld>
+    <p:spTree>
+      <p:nvGrpSpPr>
+        <p:cNvPr id="1" name=""/>
+        <p:cNvGrpSpPr/>
+        <p:nvPr/>
+      </p:nvGrpSpPr>
+      <p:grpSpPr>
+        <a:xfrm>
+          <a:off x="0" y="0"/>
+          <a:ext cx="0" cy="0"/>
+          <a:chOff x="0" y="0"/>
+          <a:chExt cx="0" cy="0"/>
+        </a:xfrm>
+      </p:grpSpPr>
+      <p:sp>
+        <p:nvSpPr>
           <p:cNvPr id="5" name="矩形 4"/>
           <p:cNvSpPr/>
           <p:nvPr/>
@@ -22036,7 +22786,7 @@
 </p:sld>
 </file>
 
-<file path=ppt/slides/slide21.xml><?xml version="1.0" encoding="utf-8"?>
+<file path=ppt/slides/slide22.xml><?xml version="1.0" encoding="utf-8"?>
 <p:sld xmlns:a="http://schemas.openxmlformats.org/drawingml/2006/main" xmlns:r="http://schemas.openxmlformats.org/officeDocument/2006/relationships" xmlns:p="http://schemas.openxmlformats.org/presentationml/2006/main">
   <p:cSld>
     <p:spTree>
@@ -22480,7 +23230,7 @@
 </p:sld>
 </file>
 
-<file path=ppt/slides/slide22.xml><?xml version="1.0" encoding="utf-8"?>
+<file path=ppt/slides/slide23.xml><?xml version="1.0" encoding="utf-8"?>
 <p:sld xmlns:a="http://schemas.openxmlformats.org/drawingml/2006/main" xmlns:r="http://schemas.openxmlformats.org/officeDocument/2006/relationships" xmlns:p="http://schemas.openxmlformats.org/presentationml/2006/main">
   <p:cSld>
     <p:spTree>
@@ -24477,7 +25227,7 @@
 </p:sld>
 </file>
 
-<file path=ppt/slides/slide23.xml><?xml version="1.0" encoding="utf-8"?>
+<file path=ppt/slides/slide24.xml><?xml version="1.0" encoding="utf-8"?>
 <p:sld xmlns:a="http://schemas.openxmlformats.org/drawingml/2006/main" xmlns:r="http://schemas.openxmlformats.org/officeDocument/2006/relationships" xmlns:p="http://schemas.openxmlformats.org/presentationml/2006/main">
   <p:cSld>
     <p:spTree>
@@ -25128,7 +25878,7 @@
 </p:sld>
 </file>
 
-<file path=ppt/slides/slide24.xml><?xml version="1.0" encoding="utf-8"?>
+<file path=ppt/slides/slide25.xml><?xml version="1.0" encoding="utf-8"?>
 <p:sld xmlns:a="http://schemas.openxmlformats.org/drawingml/2006/main" xmlns:r="http://schemas.openxmlformats.org/officeDocument/2006/relationships" xmlns:p="http://schemas.openxmlformats.org/presentationml/2006/main">
   <p:cSld>
     <p:spTree>
@@ -35552,18 +36302,18 @@
 </file>
 
 <file path=customXml/item1.xml><?xml version="1.0" encoding="utf-8"?>
+<p:properties xmlns:p="http://schemas.microsoft.com/office/2006/metadata/properties" xmlns:xsi="http://www.w3.org/2001/XMLSchema-instance">
+  <documentManagement/>
+</p:properties>
+</file>
+
+<file path=customXml/item2.xml><?xml version="1.0" encoding="utf-8"?>
 <?mso-contentType ?>
 <FormTemplates xmlns="http://schemas.microsoft.com/sharepoint/v3/contenttype/forms">
   <Display>DocumentLibraryForm</Display>
   <Edit>DocumentLibraryForm</Edit>
   <New>DocumentLibraryForm</New>
 </FormTemplates>
-</file>
-
-<file path=customXml/item2.xml><?xml version="1.0" encoding="utf-8"?>
-<p:properties xmlns:p="http://schemas.microsoft.com/office/2006/metadata/properties" xmlns:xsi="http://www.w3.org/2001/XMLSchema-instance">
-  <documentManagement/>
-</p:properties>
 </file>
 
 <file path=customXml/item3.xml><?xml version="1.0" encoding="utf-8"?>
@@ -35616,14 +36366,6 @@
 </file>
 
 <file path=customXml/itemProps1.xml><?xml version="1.0" encoding="utf-8"?>
-<ds:datastoreItem xmlns:ds="http://schemas.openxmlformats.org/officeDocument/2006/customXml" ds:itemID="{A1770BF7-49D5-46D6-8B76-1D8AF290B450}">
-  <ds:schemaRefs>
-    <ds:schemaRef ds:uri="http://schemas.microsoft.com/sharepoint/v3/contenttype/forms"/>
-  </ds:schemaRefs>
-</ds:datastoreItem>
-</file>
-
-<file path=customXml/itemProps2.xml><?xml version="1.0" encoding="utf-8"?>
 <ds:datastoreItem xmlns:ds="http://schemas.openxmlformats.org/officeDocument/2006/customXml" ds:itemID="{892A9AA9-F261-48C5-9DFB-0929A9F0E540}">
   <ds:schemaRefs>
     <ds:schemaRef ds:uri="http://purl.org/dc/dcmitype/"/>
@@ -35633,6 +36375,14 @@
     <ds:schemaRef ds:uri="http://www.w3.org/XML/1998/namespace"/>
     <ds:schemaRef ds:uri="http://purl.org/dc/terms/"/>
     <ds:schemaRef ds:uri="http://schemas.openxmlformats.org/package/2006/metadata/core-properties"/>
+  </ds:schemaRefs>
+</ds:datastoreItem>
+</file>
+
+<file path=customXml/itemProps2.xml><?xml version="1.0" encoding="utf-8"?>
+<ds:datastoreItem xmlns:ds="http://schemas.openxmlformats.org/officeDocument/2006/customXml" ds:itemID="{A1770BF7-49D5-46D6-8B76-1D8AF290B450}">
+  <ds:schemaRefs>
+    <ds:schemaRef ds:uri="http://schemas.microsoft.com/sharepoint/v3/contenttype/forms"/>
   </ds:schemaRefs>
 </ds:datastoreItem>
 </file>

--- a/source/_assets/ironman.pptx
+++ b/source/_assets/ironman.pptx
@@ -25,17 +25,17 @@
     <p:sldId id="347" r:id="rId16"/>
     <p:sldId id="349" r:id="rId17"/>
     <p:sldId id="327" r:id="rId18"/>
-    <p:sldId id="330" r:id="rId19"/>
-    <p:sldId id="331" r:id="rId20"/>
-    <p:sldId id="332" r:id="rId21"/>
-    <p:sldId id="333" r:id="rId22"/>
-    <p:sldId id="334" r:id="rId23"/>
-    <p:sldId id="335" r:id="rId24"/>
-    <p:sldId id="336" r:id="rId25"/>
-    <p:sldId id="337" r:id="rId26"/>
-    <p:sldId id="340" r:id="rId27"/>
-    <p:sldId id="339" r:id="rId28"/>
-    <p:sldId id="348" r:id="rId29"/>
+    <p:sldId id="331" r:id="rId19"/>
+    <p:sldId id="332" r:id="rId20"/>
+    <p:sldId id="333" r:id="rId21"/>
+    <p:sldId id="334" r:id="rId22"/>
+    <p:sldId id="335" r:id="rId23"/>
+    <p:sldId id="336" r:id="rId24"/>
+    <p:sldId id="337" r:id="rId25"/>
+    <p:sldId id="340" r:id="rId26"/>
+    <p:sldId id="339" r:id="rId27"/>
+    <p:sldId id="348" r:id="rId28"/>
+    <p:sldId id="350" r:id="rId29"/>
   </p:sldIdLst>
   <p:sldSz cx="12192000" cy="6858000"/>
   <p:notesSz cx="7099300" cy="10234613"/>
@@ -250,7 +250,7 @@
             <a:fld id="{3CDD3A71-4C75-488C-A8F3-A1F163ED0DB9}" type="datetimeFigureOut">
               <a:rPr lang="en-US" smtClean="0"/>
               <a:pPr/>
-              <a:t>12/31/2017</a:t>
+              <a:t>1/7/2018</a:t>
             </a:fld>
             <a:endParaRPr lang="en-US" dirty="0"/>
           </a:p>
@@ -418,7 +418,7 @@
             <a:fld id="{523CC419-8FB3-4D1C-8127-E63C1A13459D}" type="datetimeFigureOut">
               <a:rPr lang="en-US" smtClean="0"/>
               <a:pPr/>
-              <a:t>12/31/2017</a:t>
+              <a:t>1/7/2018</a:t>
             </a:fld>
             <a:endParaRPr lang="en-US" dirty="0"/>
           </a:p>
@@ -821,7 +821,7 @@
           <a:p>
             <a:fld id="{237FF733-248C-4CF7-A090-89CF012E357B}" type="datetimeFigureOut">
               <a:rPr lang="zh-TW" altLang="en-US" smtClean="0"/>
-              <a:t>2017/12/31</a:t>
+              <a:t>2018/1/7</a:t>
             </a:fld>
             <a:endParaRPr lang="zh-TW" altLang="en-US"/>
           </a:p>
@@ -992,7 +992,7 @@
           <a:p>
             <a:fld id="{237FF733-248C-4CF7-A090-89CF012E357B}" type="datetimeFigureOut">
               <a:rPr lang="zh-TW" altLang="en-US" smtClean="0"/>
-              <a:t>2017/12/31</a:t>
+              <a:t>2018/1/7</a:t>
             </a:fld>
             <a:endParaRPr lang="zh-TW" altLang="en-US"/>
           </a:p>
@@ -1173,7 +1173,7 @@
           <a:p>
             <a:fld id="{237FF733-248C-4CF7-A090-89CF012E357B}" type="datetimeFigureOut">
               <a:rPr lang="zh-TW" altLang="en-US" smtClean="0"/>
-              <a:t>2017/12/31</a:t>
+              <a:t>2018/1/7</a:t>
             </a:fld>
             <a:endParaRPr lang="zh-TW" altLang="en-US"/>
           </a:p>
@@ -1344,7 +1344,7 @@
           <a:p>
             <a:fld id="{237FF733-248C-4CF7-A090-89CF012E357B}" type="datetimeFigureOut">
               <a:rPr lang="zh-TW" altLang="en-US" smtClean="0"/>
-              <a:t>2017/12/31</a:t>
+              <a:t>2018/1/7</a:t>
             </a:fld>
             <a:endParaRPr lang="zh-TW" altLang="en-US"/>
           </a:p>
@@ -1591,7 +1591,7 @@
           <a:p>
             <a:fld id="{237FF733-248C-4CF7-A090-89CF012E357B}" type="datetimeFigureOut">
               <a:rPr lang="zh-TW" altLang="en-US" smtClean="0"/>
-              <a:t>2017/12/31</a:t>
+              <a:t>2018/1/7</a:t>
             </a:fld>
             <a:endParaRPr lang="zh-TW" altLang="en-US"/>
           </a:p>
@@ -1824,7 +1824,7 @@
           <a:p>
             <a:fld id="{237FF733-248C-4CF7-A090-89CF012E357B}" type="datetimeFigureOut">
               <a:rPr lang="zh-TW" altLang="en-US" smtClean="0"/>
-              <a:t>2017/12/31</a:t>
+              <a:t>2018/1/7</a:t>
             </a:fld>
             <a:endParaRPr lang="zh-TW" altLang="en-US"/>
           </a:p>
@@ -2192,7 +2192,7 @@
           <a:p>
             <a:fld id="{237FF733-248C-4CF7-A090-89CF012E357B}" type="datetimeFigureOut">
               <a:rPr lang="zh-TW" altLang="en-US" smtClean="0"/>
-              <a:t>2017/12/31</a:t>
+              <a:t>2018/1/7</a:t>
             </a:fld>
             <a:endParaRPr lang="zh-TW" altLang="en-US"/>
           </a:p>
@@ -2311,7 +2311,7 @@
           <a:p>
             <a:fld id="{237FF733-248C-4CF7-A090-89CF012E357B}" type="datetimeFigureOut">
               <a:rPr lang="zh-TW" altLang="en-US" smtClean="0"/>
-              <a:t>2017/12/31</a:t>
+              <a:t>2018/1/7</a:t>
             </a:fld>
             <a:endParaRPr lang="zh-TW" altLang="en-US"/>
           </a:p>
@@ -2407,7 +2407,7 @@
           <a:p>
             <a:fld id="{237FF733-248C-4CF7-A090-89CF012E357B}" type="datetimeFigureOut">
               <a:rPr lang="zh-TW" altLang="en-US" smtClean="0"/>
-              <a:t>2017/12/31</a:t>
+              <a:t>2018/1/7</a:t>
             </a:fld>
             <a:endParaRPr lang="zh-TW" altLang="en-US"/>
           </a:p>
@@ -2685,7 +2685,7 @@
           <a:p>
             <a:fld id="{237FF733-248C-4CF7-A090-89CF012E357B}" type="datetimeFigureOut">
               <a:rPr lang="zh-TW" altLang="en-US" smtClean="0"/>
-              <a:t>2017/12/31</a:t>
+              <a:t>2018/1/7</a:t>
             </a:fld>
             <a:endParaRPr lang="zh-TW" altLang="en-US"/>
           </a:p>
@@ -2943,7 +2943,7 @@
           <a:p>
             <a:fld id="{237FF733-248C-4CF7-A090-89CF012E357B}" type="datetimeFigureOut">
               <a:rPr lang="zh-TW" altLang="en-US" smtClean="0"/>
-              <a:t>2017/12/31</a:t>
+              <a:t>2018/1/7</a:t>
             </a:fld>
             <a:endParaRPr lang="zh-TW" altLang="en-US"/>
           </a:p>
@@ -3157,7 +3157,7 @@
           <a:p>
             <a:fld id="{237FF733-248C-4CF7-A090-89CF012E357B}" type="datetimeFigureOut">
               <a:rPr lang="zh-TW" altLang="en-US" smtClean="0"/>
-              <a:t>2017/12/31</a:t>
+              <a:t>2018/1/7</a:t>
             </a:fld>
             <a:endParaRPr lang="zh-TW" altLang="en-US"/>
           </a:p>
@@ -13564,2533 +13564,400 @@
       </p:grpSpPr>
       <p:sp>
         <p:nvSpPr>
-          <p:cNvPr id="60" name="矩形 59"/>
+          <p:cNvPr id="5" name="矩形 4"/>
           <p:cNvSpPr/>
           <p:nvPr/>
         </p:nvSpPr>
         <p:spPr>
           <a:xfrm>
-            <a:off x="2809712" y="-2195836"/>
-            <a:ext cx="2438400" cy="2045732"/>
+            <a:off x="2819400" y="4114800"/>
+            <a:ext cx="2160000" cy="720000"/>
           </a:xfrm>
           <a:prstGeom prst="rect">
             <a:avLst/>
           </a:prstGeom>
-          <a:noFill/>
+        </p:spPr>
+        <p:style>
+          <a:lnRef idx="0">
+            <a:schemeClr val="accent5"/>
+          </a:lnRef>
+          <a:fillRef idx="3">
+            <a:schemeClr val="accent5"/>
+          </a:fillRef>
+          <a:effectRef idx="3">
+            <a:schemeClr val="accent5"/>
+          </a:effectRef>
+          <a:fontRef idx="minor">
+            <a:schemeClr val="lt1"/>
+          </a:fontRef>
+        </p:style>
+        <p:txBody>
+          <a:bodyPr rtlCol="0" anchor="ctr"/>
+          <a:lstStyle/>
+          <a:p>
+            <a:pPr algn="ctr"/>
+            <a:r>
+              <a:rPr lang="en-US" altLang="zh-TW"/>
+              <a:t>MyWebsite</a:t>
+            </a:r>
+            <a:endParaRPr lang="zh-TW" altLang="en-US"/>
+          </a:p>
+        </p:txBody>
+      </p:sp>
+      <p:sp>
+        <p:nvSpPr>
+          <p:cNvPr id="6" name="矩形 5"/>
+          <p:cNvSpPr/>
+          <p:nvPr/>
+        </p:nvSpPr>
+        <p:spPr>
+          <a:xfrm>
+            <a:off x="2819400" y="1980140"/>
+            <a:ext cx="2160000" cy="720000"/>
+          </a:xfrm>
+          <a:prstGeom prst="rect">
+            <a:avLst/>
+          </a:prstGeom>
+        </p:spPr>
+        <p:style>
+          <a:lnRef idx="0">
+            <a:schemeClr val="accent4"/>
+          </a:lnRef>
+          <a:fillRef idx="3">
+            <a:schemeClr val="accent4"/>
+          </a:fillRef>
+          <a:effectRef idx="3">
+            <a:schemeClr val="accent4"/>
+          </a:effectRef>
+          <a:fontRef idx="minor">
+            <a:schemeClr val="lt1"/>
+          </a:fontRef>
+        </p:style>
+        <p:txBody>
+          <a:bodyPr rtlCol="0" anchor="ctr"/>
+          <a:lstStyle/>
+          <a:p>
+            <a:pPr algn="ctr"/>
+            <a:r>
+              <a:rPr lang="en-US" altLang="zh-TW" dirty="0" smtClean="0"/>
+              <a:t>DAL</a:t>
+            </a:r>
+            <a:endParaRPr lang="en-US" altLang="zh-TW" dirty="0"/>
+          </a:p>
+          <a:p>
+            <a:pPr algn="ctr"/>
+            <a:r>
+              <a:rPr lang="en-US" altLang="zh-TW" dirty="0" smtClean="0"/>
+              <a:t>(Data Access Layer)</a:t>
+            </a:r>
+            <a:endParaRPr lang="zh-TW" altLang="en-US" dirty="0"/>
+          </a:p>
+        </p:txBody>
+      </p:sp>
+      <p:sp>
+        <p:nvSpPr>
+          <p:cNvPr id="7" name="矩形 6"/>
+          <p:cNvSpPr/>
+          <p:nvPr/>
+        </p:nvSpPr>
+        <p:spPr>
+          <a:xfrm>
+            <a:off x="2819400" y="3048000"/>
+            <a:ext cx="2160000" cy="720000"/>
+          </a:xfrm>
+          <a:prstGeom prst="rect">
+            <a:avLst/>
+          </a:prstGeom>
+        </p:spPr>
+        <p:style>
+          <a:lnRef idx="0">
+            <a:schemeClr val="accent2"/>
+          </a:lnRef>
+          <a:fillRef idx="3">
+            <a:schemeClr val="accent2"/>
+          </a:fillRef>
+          <a:effectRef idx="3">
+            <a:schemeClr val="accent2"/>
+          </a:effectRef>
+          <a:fontRef idx="minor">
+            <a:schemeClr val="lt1"/>
+          </a:fontRef>
+        </p:style>
+        <p:txBody>
+          <a:bodyPr rtlCol="0" anchor="ctr"/>
+          <a:lstStyle/>
+          <a:p>
+            <a:pPr algn="ctr"/>
+            <a:r>
+              <a:rPr lang="en-US" altLang="zh-TW" dirty="0" smtClean="0"/>
+              <a:t>BLL</a:t>
+            </a:r>
+          </a:p>
+          <a:p>
+            <a:pPr algn="ctr"/>
+            <a:r>
+              <a:rPr lang="en-US" altLang="zh-TW" dirty="0"/>
+              <a:t>(Business Logic Layer</a:t>
+            </a:r>
+            <a:r>
+              <a:rPr lang="en-US" altLang="zh-TW" dirty="0" smtClean="0"/>
+              <a:t>)</a:t>
+            </a:r>
+            <a:endParaRPr lang="zh-TW" altLang="en-US" dirty="0"/>
+          </a:p>
+        </p:txBody>
+      </p:sp>
+      <p:sp>
+        <p:nvSpPr>
+          <p:cNvPr id="8" name="矩形 7"/>
+          <p:cNvSpPr/>
+          <p:nvPr/>
+        </p:nvSpPr>
+        <p:spPr>
+          <a:xfrm>
+            <a:off x="5486400" y="3048000"/>
+            <a:ext cx="2160000" cy="720000"/>
+          </a:xfrm>
+          <a:prstGeom prst="rect">
+            <a:avLst/>
+          </a:prstGeom>
+        </p:spPr>
+        <p:style>
+          <a:lnRef idx="0">
+            <a:schemeClr val="accent6"/>
+          </a:lnRef>
+          <a:fillRef idx="3">
+            <a:schemeClr val="accent6"/>
+          </a:fillRef>
+          <a:effectRef idx="3">
+            <a:schemeClr val="accent6"/>
+          </a:effectRef>
+          <a:fontRef idx="minor">
+            <a:schemeClr val="lt1"/>
+          </a:fontRef>
+        </p:style>
+        <p:txBody>
+          <a:bodyPr rtlCol="0" anchor="ctr"/>
+          <a:lstStyle/>
+          <a:p>
+            <a:pPr algn="ctr"/>
+            <a:r>
+              <a:rPr lang="en-US" altLang="zh-TW" dirty="0"/>
+              <a:t>Entities</a:t>
+            </a:r>
+            <a:endParaRPr lang="zh-TW" altLang="en-US" dirty="0"/>
+          </a:p>
+        </p:txBody>
+      </p:sp>
+      <p:cxnSp>
+        <p:nvCxnSpPr>
+          <p:cNvPr id="11" name="直線單箭頭接點 10"/>
+          <p:cNvCxnSpPr>
+            <a:stCxn id="7" idx="0"/>
+            <a:endCxn id="6" idx="2"/>
+          </p:cNvCxnSpPr>
+          <p:nvPr/>
+        </p:nvCxnSpPr>
+        <p:spPr>
+          <a:xfrm flipV="1">
+            <a:off x="3899400" y="2700140"/>
+            <a:ext cx="0" cy="347860"/>
+          </a:xfrm>
+          <a:prstGeom prst="straightConnector1">
+            <a:avLst/>
+          </a:prstGeom>
           <a:ln w="19050">
             <a:solidFill>
               <a:schemeClr val="tx1"/>
             </a:solidFill>
-            <a:prstDash val="dashDot"/>
+            <a:prstDash val="sysDash"/>
+            <a:headEnd type="none" w="med" len="med"/>
+            <a:tailEnd type="arrow" w="med" len="med"/>
           </a:ln>
         </p:spPr>
         <p:style>
-          <a:lnRef idx="0">
+          <a:lnRef idx="1">
             <a:schemeClr val="accent1"/>
           </a:lnRef>
-          <a:fillRef idx="3">
+          <a:fillRef idx="0">
             <a:schemeClr val="accent1"/>
           </a:fillRef>
-          <a:effectRef idx="3">
+          <a:effectRef idx="0">
             <a:schemeClr val="accent1"/>
           </a:effectRef>
           <a:fontRef idx="minor">
-            <a:schemeClr val="lt1"/>
-          </a:fontRef>
-        </p:style>
-        <p:txBody>
-          <a:bodyPr rtlCol="0" anchor="ctr"/>
-          <a:lstStyle/>
-          <a:p>
-            <a:pPr algn="ctr"/>
-            <a:endParaRPr lang="zh-TW" altLang="en-US">
-              <a:solidFill>
-                <a:schemeClr val="tx1"/>
-              </a:solidFill>
-            </a:endParaRPr>
-          </a:p>
-        </p:txBody>
-      </p:sp>
-      <p:sp>
-        <p:nvSpPr>
-          <p:cNvPr id="61" name="矩形 60"/>
-          <p:cNvSpPr/>
-          <p:nvPr/>
-        </p:nvSpPr>
-        <p:spPr>
-          <a:xfrm>
-            <a:off x="3330619" y="-2192359"/>
-            <a:ext cx="1314782" cy="369332"/>
-          </a:xfrm>
-          <a:prstGeom prst="rect">
-            <a:avLst/>
-          </a:prstGeom>
-          <a:noFill/>
-          <a:ln>
-            <a:noFill/>
-          </a:ln>
-        </p:spPr>
-        <p:txBody>
-          <a:bodyPr wrap="none">
-            <a:spAutoFit/>
-          </a:bodyPr>
-          <a:lstStyle/>
-          <a:p>
-            <a:pPr algn="ctr"/>
-            <a:r>
-              <a:rPr lang="en-US" altLang="zh-TW" b="1" dirty="0" err="1" smtClean="0"/>
-              <a:t>AppModule</a:t>
-            </a:r>
-            <a:endParaRPr lang="zh-TW" altLang="en-US" b="1" dirty="0"/>
-          </a:p>
-        </p:txBody>
-      </p:sp>
-      <p:sp>
-        <p:nvSpPr>
-          <p:cNvPr id="67" name="矩形 66"/>
-          <p:cNvSpPr/>
-          <p:nvPr/>
-        </p:nvSpPr>
-        <p:spPr>
-          <a:xfrm>
-            <a:off x="2955779" y="-1743217"/>
-            <a:ext cx="2064466" cy="690381"/>
-          </a:xfrm>
-          <a:prstGeom prst="rect">
-            <a:avLst/>
-          </a:prstGeom>
-        </p:spPr>
-        <p:style>
-          <a:lnRef idx="0">
-            <a:schemeClr val="accent5"/>
-          </a:lnRef>
-          <a:fillRef idx="3">
-            <a:schemeClr val="accent5"/>
-          </a:fillRef>
-          <a:effectRef idx="3">
-            <a:schemeClr val="accent5"/>
-          </a:effectRef>
-          <a:fontRef idx="minor">
-            <a:schemeClr val="lt1"/>
-          </a:fontRef>
-        </p:style>
-        <p:txBody>
-          <a:bodyPr rtlCol="0" anchor="ctr"/>
-          <a:lstStyle/>
-          <a:p>
-            <a:pPr algn="ctr"/>
-            <a:endParaRPr lang="zh-TW" altLang="en-US" sz="1400" dirty="0">
-              <a:solidFill>
-                <a:schemeClr val="bg1"/>
-              </a:solidFill>
-            </a:endParaRPr>
-          </a:p>
-        </p:txBody>
-      </p:sp>
-      <p:sp>
-        <p:nvSpPr>
-          <p:cNvPr id="4" name="矩形 3"/>
-          <p:cNvSpPr/>
-          <p:nvPr/>
-        </p:nvSpPr>
-        <p:spPr>
-          <a:xfrm>
-            <a:off x="3191414" y="-1708206"/>
-            <a:ext cx="1593193" cy="369332"/>
-          </a:xfrm>
-          <a:prstGeom prst="rect">
-            <a:avLst/>
-          </a:prstGeom>
-        </p:spPr>
-        <p:txBody>
-          <a:bodyPr wrap="none">
-            <a:spAutoFit/>
-          </a:bodyPr>
-          <a:lstStyle/>
-          <a:p>
-            <a:pPr algn="ctr"/>
-            <a:r>
-              <a:rPr lang="en-US" altLang="zh-TW" dirty="0" err="1">
-                <a:solidFill>
-                  <a:schemeClr val="bg1"/>
-                </a:solidFill>
-              </a:rPr>
-              <a:t>MyComponent</a:t>
-            </a:r>
-            <a:endParaRPr lang="zh-TW" altLang="en-US" dirty="0">
-              <a:solidFill>
-                <a:schemeClr val="bg1"/>
-              </a:solidFill>
-            </a:endParaRPr>
-          </a:p>
-        </p:txBody>
-      </p:sp>
-      <p:grpSp>
-        <p:nvGrpSpPr>
-          <p:cNvPr id="8" name="群組 7"/>
-          <p:cNvGrpSpPr/>
-          <p:nvPr/>
-        </p:nvGrpSpPr>
-        <p:grpSpPr>
-          <a:xfrm>
-            <a:off x="8392560" y="-1926047"/>
-            <a:ext cx="2064466" cy="1295400"/>
-            <a:chOff x="4800600" y="2286000"/>
-            <a:chExt cx="2064466" cy="1295400"/>
-          </a:xfrm>
-        </p:grpSpPr>
-        <p:sp>
-          <p:nvSpPr>
-            <p:cNvPr id="69" name="矩形 68"/>
-            <p:cNvSpPr/>
-            <p:nvPr/>
-          </p:nvSpPr>
-          <p:spPr>
-            <a:xfrm>
-              <a:off x="4800600" y="2286000"/>
-              <a:ext cx="2064466" cy="1295400"/>
-            </a:xfrm>
-            <a:prstGeom prst="rect">
-              <a:avLst/>
-            </a:prstGeom>
-          </p:spPr>
-          <p:style>
-            <a:lnRef idx="0">
-              <a:schemeClr val="accent4"/>
-            </a:lnRef>
-            <a:fillRef idx="3">
-              <a:schemeClr val="accent4"/>
-            </a:fillRef>
-            <a:effectRef idx="3">
-              <a:schemeClr val="accent4"/>
-            </a:effectRef>
-            <a:fontRef idx="minor">
-              <a:schemeClr val="lt1"/>
-            </a:fontRef>
-          </p:style>
-          <p:txBody>
-            <a:bodyPr rtlCol="0" anchor="ctr"/>
-            <a:lstStyle/>
-            <a:p>
-              <a:pPr algn="ctr"/>
-              <a:endParaRPr lang="zh-TW" altLang="en-US" dirty="0">
-                <a:solidFill>
-                  <a:schemeClr val="bg1"/>
-                </a:solidFill>
-              </a:endParaRPr>
-            </a:p>
-          </p:txBody>
-        </p:sp>
-        <p:sp>
-          <p:nvSpPr>
-            <p:cNvPr id="7" name="矩形 6"/>
-            <p:cNvSpPr/>
-            <p:nvPr/>
-          </p:nvSpPr>
-          <p:spPr>
-            <a:xfrm>
-              <a:off x="4800600" y="2286000"/>
-              <a:ext cx="2064466" cy="369332"/>
-            </a:xfrm>
-            <a:prstGeom prst="rect">
-              <a:avLst/>
-            </a:prstGeom>
-          </p:spPr>
-          <p:txBody>
-            <a:bodyPr wrap="square">
-              <a:spAutoFit/>
-            </a:bodyPr>
-            <a:lstStyle/>
-            <a:p>
-              <a:pPr algn="ctr"/>
-              <a:r>
-                <a:rPr lang="en-US" altLang="zh-TW" dirty="0">
-                  <a:solidFill>
-                    <a:schemeClr val="bg1"/>
-                  </a:solidFill>
-                </a:rPr>
-                <a:t>Providers</a:t>
-              </a:r>
-              <a:endParaRPr lang="zh-TW" altLang="en-US" dirty="0"/>
-            </a:p>
-          </p:txBody>
-        </p:sp>
-        <p:sp>
-          <p:nvSpPr>
-            <p:cNvPr id="68" name="橢圓 67"/>
-            <p:cNvSpPr/>
-            <p:nvPr/>
-          </p:nvSpPr>
-          <p:spPr>
-            <a:xfrm>
-              <a:off x="4842233" y="2700887"/>
-              <a:ext cx="1981200" cy="518995"/>
-            </a:xfrm>
-            <a:prstGeom prst="ellipse">
-              <a:avLst/>
-            </a:prstGeom>
-          </p:spPr>
-          <p:style>
-            <a:lnRef idx="0">
-              <a:schemeClr val="accent2"/>
-            </a:lnRef>
-            <a:fillRef idx="3">
-              <a:schemeClr val="accent2"/>
-            </a:fillRef>
-            <a:effectRef idx="3">
-              <a:schemeClr val="accent2"/>
-            </a:effectRef>
-            <a:fontRef idx="minor">
-              <a:schemeClr val="lt1"/>
-            </a:fontRef>
-          </p:style>
-          <p:txBody>
-            <a:bodyPr rtlCol="0" anchor="t"/>
-            <a:lstStyle/>
-            <a:p>
-              <a:pPr algn="ctr"/>
-              <a:r>
-                <a:rPr lang="en-US" altLang="zh-TW" sz="1600" dirty="0" err="1">
-                  <a:solidFill>
-                    <a:schemeClr val="bg1"/>
-                  </a:solidFill>
-                </a:rPr>
-                <a:t>SampleService</a:t>
-              </a:r>
-              <a:endParaRPr lang="zh-TW" altLang="en-US" sz="1600" dirty="0">
-                <a:solidFill>
-                  <a:schemeClr val="bg1"/>
-                </a:solidFill>
-              </a:endParaRPr>
-            </a:p>
-            <a:p>
-              <a:pPr algn="ctr"/>
-              <a:endParaRPr lang="en-US" altLang="zh-TW" sz="1600" dirty="0">
-                <a:solidFill>
-                  <a:schemeClr val="bg1"/>
-                </a:solidFill>
-              </a:endParaRPr>
-            </a:p>
-          </p:txBody>
-        </p:sp>
-      </p:grpSp>
-      <p:sp>
-        <p:nvSpPr>
-          <p:cNvPr id="92" name="矩形 91"/>
-          <p:cNvSpPr/>
-          <p:nvPr/>
-        </p:nvSpPr>
-        <p:spPr>
-          <a:xfrm>
-            <a:off x="265834" y="-2230847"/>
-            <a:ext cx="2396774" cy="1905000"/>
-          </a:xfrm>
-          <a:prstGeom prst="rect">
-            <a:avLst/>
-          </a:prstGeom>
-        </p:spPr>
-        <p:style>
-          <a:lnRef idx="0">
-            <a:schemeClr val="accent5"/>
-          </a:lnRef>
-          <a:fillRef idx="3">
-            <a:schemeClr val="accent5"/>
-          </a:fillRef>
-          <a:effectRef idx="3">
-            <a:schemeClr val="accent5"/>
-          </a:effectRef>
-          <a:fontRef idx="minor">
-            <a:schemeClr val="lt1"/>
-          </a:fontRef>
-        </p:style>
-        <p:txBody>
-          <a:bodyPr rtlCol="0" anchor="ctr"/>
-          <a:lstStyle/>
-          <a:p>
-            <a:pPr algn="ctr"/>
-            <a:endParaRPr lang="zh-TW" altLang="en-US" sz="1400" dirty="0">
-              <a:solidFill>
-                <a:schemeClr val="bg1"/>
-              </a:solidFill>
-            </a:endParaRPr>
-          </a:p>
-        </p:txBody>
-      </p:sp>
-      <p:sp>
-        <p:nvSpPr>
-          <p:cNvPr id="93" name="矩形 92"/>
-          <p:cNvSpPr/>
-          <p:nvPr/>
-        </p:nvSpPr>
-        <p:spPr>
-          <a:xfrm>
-            <a:off x="265835" y="-2195836"/>
-            <a:ext cx="2396774" cy="369332"/>
-          </a:xfrm>
-          <a:prstGeom prst="rect">
-            <a:avLst/>
-          </a:prstGeom>
-        </p:spPr>
-        <p:txBody>
-          <a:bodyPr wrap="square">
-            <a:spAutoFit/>
-          </a:bodyPr>
-          <a:lstStyle/>
-          <a:p>
-            <a:pPr algn="ctr"/>
-            <a:r>
-              <a:rPr lang="en-US" altLang="zh-TW" dirty="0" err="1">
-                <a:solidFill>
-                  <a:schemeClr val="bg1"/>
-                </a:solidFill>
-              </a:rPr>
-              <a:t>MyComponent</a:t>
-            </a:r>
-            <a:endParaRPr lang="zh-TW" altLang="en-US" dirty="0">
-              <a:solidFill>
-                <a:schemeClr val="bg1"/>
-              </a:solidFill>
-            </a:endParaRPr>
-          </a:p>
-        </p:txBody>
-      </p:sp>
-      <p:grpSp>
-        <p:nvGrpSpPr>
-          <p:cNvPr id="94" name="群組 93"/>
-          <p:cNvGrpSpPr/>
-          <p:nvPr/>
-        </p:nvGrpSpPr>
-        <p:grpSpPr>
-          <a:xfrm>
-            <a:off x="431988" y="-1722374"/>
-            <a:ext cx="2064466" cy="1295400"/>
-            <a:chOff x="4800600" y="2286000"/>
-            <a:chExt cx="2064466" cy="1295400"/>
-          </a:xfrm>
-        </p:grpSpPr>
-        <p:sp>
-          <p:nvSpPr>
-            <p:cNvPr id="95" name="矩形 94"/>
-            <p:cNvSpPr/>
-            <p:nvPr/>
-          </p:nvSpPr>
-          <p:spPr>
-            <a:xfrm>
-              <a:off x="4800600" y="2286000"/>
-              <a:ext cx="2064466" cy="1295400"/>
-            </a:xfrm>
-            <a:prstGeom prst="rect">
-              <a:avLst/>
-            </a:prstGeom>
-          </p:spPr>
-          <p:style>
-            <a:lnRef idx="0">
-              <a:schemeClr val="accent4"/>
-            </a:lnRef>
-            <a:fillRef idx="3">
-              <a:schemeClr val="accent4"/>
-            </a:fillRef>
-            <a:effectRef idx="3">
-              <a:schemeClr val="accent4"/>
-            </a:effectRef>
-            <a:fontRef idx="minor">
-              <a:schemeClr val="lt1"/>
-            </a:fontRef>
-          </p:style>
-          <p:txBody>
-            <a:bodyPr rtlCol="0" anchor="ctr"/>
-            <a:lstStyle/>
-            <a:p>
-              <a:pPr algn="ctr"/>
-              <a:endParaRPr lang="zh-TW" altLang="en-US" dirty="0">
-                <a:solidFill>
-                  <a:schemeClr val="bg1"/>
-                </a:solidFill>
-              </a:endParaRPr>
-            </a:p>
-          </p:txBody>
-        </p:sp>
-        <p:sp>
-          <p:nvSpPr>
-            <p:cNvPr id="96" name="矩形 95"/>
-            <p:cNvSpPr/>
-            <p:nvPr/>
-          </p:nvSpPr>
-          <p:spPr>
-            <a:xfrm>
-              <a:off x="4800600" y="2286000"/>
-              <a:ext cx="2064466" cy="369332"/>
-            </a:xfrm>
-            <a:prstGeom prst="rect">
-              <a:avLst/>
-            </a:prstGeom>
-          </p:spPr>
-          <p:txBody>
-            <a:bodyPr wrap="square">
-              <a:spAutoFit/>
-            </a:bodyPr>
-            <a:lstStyle/>
-            <a:p>
-              <a:pPr algn="ctr"/>
-              <a:r>
-                <a:rPr lang="en-US" altLang="zh-TW" dirty="0">
-                  <a:solidFill>
-                    <a:schemeClr val="bg1"/>
-                  </a:solidFill>
-                </a:rPr>
-                <a:t>Providers</a:t>
-              </a:r>
-              <a:endParaRPr lang="zh-TW" altLang="en-US" dirty="0"/>
-            </a:p>
-          </p:txBody>
-        </p:sp>
-        <p:sp>
-          <p:nvSpPr>
-            <p:cNvPr id="97" name="橢圓 96"/>
-            <p:cNvSpPr/>
-            <p:nvPr/>
-          </p:nvSpPr>
-          <p:spPr>
-            <a:xfrm>
-              <a:off x="4842233" y="2700887"/>
-              <a:ext cx="1981200" cy="518995"/>
-            </a:xfrm>
-            <a:prstGeom prst="ellipse">
-              <a:avLst/>
-            </a:prstGeom>
-          </p:spPr>
-          <p:style>
-            <a:lnRef idx="0">
-              <a:schemeClr val="accent2"/>
-            </a:lnRef>
-            <a:fillRef idx="3">
-              <a:schemeClr val="accent2"/>
-            </a:fillRef>
-            <a:effectRef idx="3">
-              <a:schemeClr val="accent2"/>
-            </a:effectRef>
-            <a:fontRef idx="minor">
-              <a:schemeClr val="lt1"/>
-            </a:fontRef>
-          </p:style>
-          <p:txBody>
-            <a:bodyPr rtlCol="0" anchor="t"/>
-            <a:lstStyle/>
-            <a:p>
-              <a:pPr algn="ctr"/>
-              <a:r>
-                <a:rPr lang="en-US" altLang="zh-TW" sz="1600" dirty="0" err="1">
-                  <a:solidFill>
-                    <a:schemeClr val="bg1"/>
-                  </a:solidFill>
-                </a:rPr>
-                <a:t>SampleService</a:t>
-              </a:r>
-              <a:endParaRPr lang="zh-TW" altLang="en-US" sz="1600" dirty="0">
-                <a:solidFill>
-                  <a:schemeClr val="bg1"/>
-                </a:solidFill>
-              </a:endParaRPr>
-            </a:p>
-            <a:p>
-              <a:pPr algn="ctr"/>
-              <a:endParaRPr lang="en-US" altLang="zh-TW" sz="1600" dirty="0">
-                <a:solidFill>
-                  <a:schemeClr val="bg1"/>
-                </a:solidFill>
-              </a:endParaRPr>
-            </a:p>
-          </p:txBody>
-        </p:sp>
-      </p:grpSp>
-      <p:sp>
-        <p:nvSpPr>
-          <p:cNvPr id="98" name="矩形 97"/>
-          <p:cNvSpPr/>
-          <p:nvPr/>
-        </p:nvSpPr>
-        <p:spPr>
-          <a:xfrm>
-            <a:off x="5541152" y="-2195836"/>
-            <a:ext cx="2438400" cy="2045732"/>
-          </a:xfrm>
-          <a:prstGeom prst="rect">
-            <a:avLst/>
-          </a:prstGeom>
-          <a:noFill/>
+            <a:schemeClr val="tx1"/>
+          </a:fontRef>
+        </p:style>
+      </p:cxnSp>
+      <p:cxnSp>
+        <p:nvCxnSpPr>
+          <p:cNvPr id="13" name="直線單箭頭接點 12"/>
+          <p:cNvCxnSpPr>
+            <a:stCxn id="5" idx="0"/>
+            <a:endCxn id="7" idx="2"/>
+          </p:cNvCxnSpPr>
+          <p:nvPr/>
+        </p:nvCxnSpPr>
+        <p:spPr>
+          <a:xfrm flipV="1">
+            <a:off x="3899400" y="3768000"/>
+            <a:ext cx="0" cy="346800"/>
+          </a:xfrm>
+          <a:prstGeom prst="straightConnector1">
+            <a:avLst/>
+          </a:prstGeom>
           <a:ln w="19050">
             <a:solidFill>
               <a:schemeClr val="tx1"/>
             </a:solidFill>
-            <a:prstDash val="dashDot"/>
+            <a:prstDash val="sysDash"/>
+            <a:headEnd type="none" w="med" len="med"/>
+            <a:tailEnd type="arrow" w="med" len="med"/>
           </a:ln>
         </p:spPr>
         <p:style>
-          <a:lnRef idx="0">
+          <a:lnRef idx="1">
             <a:schemeClr val="accent1"/>
           </a:lnRef>
-          <a:fillRef idx="3">
+          <a:fillRef idx="0">
             <a:schemeClr val="accent1"/>
           </a:fillRef>
-          <a:effectRef idx="3">
+          <a:effectRef idx="0">
             <a:schemeClr val="accent1"/>
           </a:effectRef>
           <a:fontRef idx="minor">
-            <a:schemeClr val="lt1"/>
-          </a:fontRef>
-        </p:style>
-        <p:txBody>
-          <a:bodyPr rtlCol="0" anchor="ctr"/>
-          <a:lstStyle/>
-          <a:p>
-            <a:pPr algn="ctr"/>
-            <a:endParaRPr lang="zh-TW" altLang="en-US">
-              <a:solidFill>
-                <a:schemeClr val="tx1"/>
-              </a:solidFill>
-            </a:endParaRPr>
-          </a:p>
-        </p:txBody>
-      </p:sp>
-      <p:sp>
-        <p:nvSpPr>
-          <p:cNvPr id="99" name="矩形 98"/>
-          <p:cNvSpPr/>
-          <p:nvPr/>
-        </p:nvSpPr>
-        <p:spPr>
-          <a:xfrm>
-            <a:off x="6116177" y="-2195836"/>
-            <a:ext cx="1338251" cy="369332"/>
-          </a:xfrm>
-          <a:prstGeom prst="rect">
-            <a:avLst/>
-          </a:prstGeom>
-          <a:noFill/>
-          <a:ln>
-            <a:noFill/>
-          </a:ln>
-        </p:spPr>
-        <p:txBody>
-          <a:bodyPr wrap="none">
-            <a:spAutoFit/>
-          </a:bodyPr>
-          <a:lstStyle/>
-          <a:p>
-            <a:pPr algn="ctr"/>
-            <a:r>
-              <a:rPr lang="en-US" altLang="zh-TW" b="1" dirty="0" err="1" smtClean="0"/>
-              <a:t>FirstModule</a:t>
-            </a:r>
-            <a:endParaRPr lang="zh-TW" altLang="en-US" b="1" dirty="0"/>
-          </a:p>
-        </p:txBody>
-      </p:sp>
-      <p:sp>
-        <p:nvSpPr>
-          <p:cNvPr id="106" name="矩形 105"/>
-          <p:cNvSpPr/>
-          <p:nvPr/>
-        </p:nvSpPr>
-        <p:spPr>
-          <a:xfrm>
-            <a:off x="5753069" y="-1748092"/>
-            <a:ext cx="2064466" cy="695256"/>
-          </a:xfrm>
-          <a:prstGeom prst="rect">
-            <a:avLst/>
-          </a:prstGeom>
-        </p:spPr>
-        <p:style>
-          <a:lnRef idx="0">
-            <a:schemeClr val="accent5"/>
-          </a:lnRef>
-          <a:fillRef idx="3">
-            <a:schemeClr val="accent5"/>
-          </a:fillRef>
-          <a:effectRef idx="3">
-            <a:schemeClr val="accent5"/>
-          </a:effectRef>
-          <a:fontRef idx="minor">
-            <a:schemeClr val="lt1"/>
-          </a:fontRef>
-        </p:style>
-        <p:txBody>
-          <a:bodyPr rtlCol="0" anchor="ctr"/>
-          <a:lstStyle/>
-          <a:p>
-            <a:pPr algn="ctr"/>
-            <a:endParaRPr lang="zh-TW" altLang="en-US" sz="1400" dirty="0">
-              <a:solidFill>
-                <a:schemeClr val="bg1"/>
-              </a:solidFill>
-            </a:endParaRPr>
-          </a:p>
-        </p:txBody>
-      </p:sp>
-      <p:sp>
-        <p:nvSpPr>
-          <p:cNvPr id="107" name="矩形 106"/>
-          <p:cNvSpPr/>
-          <p:nvPr/>
-        </p:nvSpPr>
-        <p:spPr>
-          <a:xfrm>
-            <a:off x="5939876" y="-1713081"/>
-            <a:ext cx="1690849" cy="369332"/>
-          </a:xfrm>
-          <a:prstGeom prst="rect">
-            <a:avLst/>
-          </a:prstGeom>
-        </p:spPr>
-        <p:txBody>
-          <a:bodyPr wrap="none">
-            <a:spAutoFit/>
-          </a:bodyPr>
-          <a:lstStyle/>
-          <a:p>
-            <a:pPr algn="ctr"/>
-            <a:r>
-              <a:rPr lang="en-US" altLang="zh-TW" dirty="0" err="1" smtClean="0">
-                <a:solidFill>
-                  <a:schemeClr val="bg1"/>
-                </a:solidFill>
-              </a:rPr>
-              <a:t>FirstComponent</a:t>
-            </a:r>
-            <a:endParaRPr lang="zh-TW" altLang="en-US" dirty="0">
-              <a:solidFill>
-                <a:schemeClr val="bg1"/>
-              </a:solidFill>
-            </a:endParaRPr>
-          </a:p>
-        </p:txBody>
-      </p:sp>
-      <p:sp>
-        <p:nvSpPr>
-          <p:cNvPr id="20" name="矩形 19"/>
-          <p:cNvSpPr/>
-          <p:nvPr/>
-        </p:nvSpPr>
-        <p:spPr>
-          <a:xfrm>
-            <a:off x="2182124" y="1127646"/>
-            <a:ext cx="6047476" cy="5730354"/>
-          </a:xfrm>
-          <a:prstGeom prst="rect">
-            <a:avLst/>
-          </a:prstGeom>
-          <a:noFill/>
+            <a:schemeClr val="tx1"/>
+          </a:fontRef>
+        </p:style>
+      </p:cxnSp>
+      <p:cxnSp>
+        <p:nvCxnSpPr>
+          <p:cNvPr id="15" name="肘形接點 14"/>
+          <p:cNvCxnSpPr>
+            <a:stCxn id="5" idx="3"/>
+            <a:endCxn id="8" idx="2"/>
+          </p:cNvCxnSpPr>
+          <p:nvPr/>
+        </p:nvCxnSpPr>
+        <p:spPr>
+          <a:xfrm flipV="1">
+            <a:off x="4979400" y="3768000"/>
+            <a:ext cx="1587000" cy="706800"/>
+          </a:xfrm>
+          <a:prstGeom prst="bentConnector2">
+            <a:avLst/>
+          </a:prstGeom>
           <a:ln w="19050">
             <a:solidFill>
               <a:schemeClr val="tx1"/>
             </a:solidFill>
-            <a:prstDash val="dashDot"/>
+            <a:prstDash val="sysDash"/>
+            <a:headEnd type="none" w="med" len="med"/>
+            <a:tailEnd type="arrow" w="med" len="med"/>
           </a:ln>
         </p:spPr>
         <p:style>
-          <a:lnRef idx="0">
+          <a:lnRef idx="1">
             <a:schemeClr val="accent1"/>
           </a:lnRef>
-          <a:fillRef idx="3">
+          <a:fillRef idx="0">
             <a:schemeClr val="accent1"/>
           </a:fillRef>
-          <a:effectRef idx="3">
+          <a:effectRef idx="0">
             <a:schemeClr val="accent1"/>
           </a:effectRef>
           <a:fontRef idx="minor">
-            <a:schemeClr val="lt1"/>
-          </a:fontRef>
-        </p:style>
-        <p:txBody>
-          <a:bodyPr rtlCol="0" anchor="ctr"/>
-          <a:lstStyle/>
-          <a:p>
-            <a:pPr algn="ctr"/>
-            <a:endParaRPr lang="zh-TW" altLang="en-US">
-              <a:solidFill>
-                <a:schemeClr val="tx1"/>
-              </a:solidFill>
-            </a:endParaRPr>
-          </a:p>
-        </p:txBody>
-      </p:sp>
-      <p:sp>
-        <p:nvSpPr>
-          <p:cNvPr id="21" name="矩形 20"/>
-          <p:cNvSpPr/>
-          <p:nvPr/>
-        </p:nvSpPr>
-        <p:spPr>
-          <a:xfrm>
-            <a:off x="4551321" y="1128891"/>
-            <a:ext cx="1314782" cy="369332"/>
-          </a:xfrm>
-          <a:prstGeom prst="rect">
-            <a:avLst/>
-          </a:prstGeom>
-          <a:noFill/>
-          <a:ln>
-            <a:noFill/>
-          </a:ln>
-        </p:spPr>
-        <p:txBody>
-          <a:bodyPr wrap="none">
-            <a:spAutoFit/>
-          </a:bodyPr>
-          <a:lstStyle/>
-          <a:p>
-            <a:pPr algn="ctr"/>
-            <a:r>
-              <a:rPr lang="en-US" altLang="zh-TW" b="1" dirty="0" err="1" smtClean="0"/>
-              <a:t>AppModule</a:t>
-            </a:r>
-            <a:endParaRPr lang="zh-TW" altLang="en-US" b="1" dirty="0"/>
-          </a:p>
-        </p:txBody>
-      </p:sp>
-      <p:grpSp>
-        <p:nvGrpSpPr>
-          <p:cNvPr id="5" name="群組 4"/>
-          <p:cNvGrpSpPr/>
-          <p:nvPr/>
-        </p:nvGrpSpPr>
-        <p:grpSpPr>
-          <a:xfrm>
-            <a:off x="2504792" y="1525278"/>
-            <a:ext cx="3048000" cy="1682843"/>
-            <a:chOff x="2590800" y="3041557"/>
-            <a:chExt cx="3048000" cy="1682843"/>
-          </a:xfrm>
-        </p:grpSpPr>
-        <p:sp>
-          <p:nvSpPr>
-            <p:cNvPr id="2" name="矩形 1"/>
-            <p:cNvSpPr/>
-            <p:nvPr/>
-          </p:nvSpPr>
-          <p:spPr>
-            <a:xfrm>
-              <a:off x="2590800" y="3045294"/>
-              <a:ext cx="3048000" cy="1679106"/>
-            </a:xfrm>
-            <a:prstGeom prst="rect">
-              <a:avLst/>
-            </a:prstGeom>
-          </p:spPr>
-          <p:style>
-            <a:lnRef idx="1">
-              <a:schemeClr val="accent6"/>
-            </a:lnRef>
-            <a:fillRef idx="2">
-              <a:schemeClr val="accent6"/>
-            </a:fillRef>
-            <a:effectRef idx="1">
-              <a:schemeClr val="accent6"/>
-            </a:effectRef>
-            <a:fontRef idx="minor">
-              <a:schemeClr val="dk1"/>
-            </a:fontRef>
-          </p:style>
-          <p:txBody>
-            <a:bodyPr rtlCol="0" anchor="ctr"/>
-            <a:lstStyle/>
-            <a:p>
-              <a:pPr algn="ctr"/>
-              <a:endParaRPr lang="zh-TW" altLang="en-US"/>
-            </a:p>
-          </p:txBody>
-        </p:sp>
-        <p:sp>
-          <p:nvSpPr>
-            <p:cNvPr id="25" name="矩形 24"/>
-            <p:cNvSpPr/>
-            <p:nvPr/>
-          </p:nvSpPr>
-          <p:spPr>
-            <a:xfrm>
-              <a:off x="3445674" y="3041557"/>
-              <a:ext cx="1338251" cy="369332"/>
-            </a:xfrm>
-            <a:prstGeom prst="rect">
-              <a:avLst/>
-            </a:prstGeom>
-            <a:noFill/>
-            <a:ln>
-              <a:noFill/>
-            </a:ln>
-          </p:spPr>
-          <p:txBody>
-            <a:bodyPr wrap="none">
-              <a:spAutoFit/>
-            </a:bodyPr>
-            <a:lstStyle/>
-            <a:p>
-              <a:pPr algn="ctr"/>
-              <a:r>
-                <a:rPr lang="en-US" altLang="zh-TW" b="1" dirty="0" err="1" smtClean="0"/>
-                <a:t>FirstModule</a:t>
-              </a:r>
-              <a:endParaRPr lang="zh-TW" altLang="en-US" b="1" dirty="0"/>
-            </a:p>
-          </p:txBody>
-        </p:sp>
-        <p:sp>
-          <p:nvSpPr>
-            <p:cNvPr id="26" name="橢圓 25"/>
-            <p:cNvSpPr/>
-            <p:nvPr/>
-          </p:nvSpPr>
-          <p:spPr>
-            <a:xfrm>
-              <a:off x="4492254" y="3734947"/>
-              <a:ext cx="1085449" cy="647980"/>
-            </a:xfrm>
-            <a:prstGeom prst="ellipse">
-              <a:avLst/>
-            </a:prstGeom>
-          </p:spPr>
-          <p:style>
-            <a:lnRef idx="0">
-              <a:schemeClr val="accent2"/>
-            </a:lnRef>
-            <a:fillRef idx="3">
-              <a:schemeClr val="accent2"/>
-            </a:fillRef>
-            <a:effectRef idx="3">
-              <a:schemeClr val="accent2"/>
-            </a:effectRef>
-            <a:fontRef idx="minor">
-              <a:schemeClr val="lt1"/>
-            </a:fontRef>
-          </p:style>
-          <p:txBody>
-            <a:bodyPr rtlCol="0" anchor="t"/>
-            <a:lstStyle/>
-            <a:p>
-              <a:pPr algn="ctr"/>
-              <a:r>
-                <a:rPr lang="en-US" altLang="zh-TW" sz="1400" dirty="0" smtClean="0"/>
-                <a:t>Module</a:t>
-              </a:r>
-              <a:br>
-                <a:rPr lang="en-US" altLang="zh-TW" sz="1400" dirty="0" smtClean="0"/>
-              </a:br>
-              <a:r>
-                <a:rPr lang="en-US" altLang="zh-TW" sz="1400" dirty="0" smtClean="0"/>
-                <a:t>Service </a:t>
-              </a:r>
-              <a:endParaRPr lang="zh-TW" altLang="en-US" sz="1400" dirty="0">
-                <a:solidFill>
-                  <a:schemeClr val="bg1"/>
-                </a:solidFill>
-              </a:endParaRPr>
-            </a:p>
-          </p:txBody>
-        </p:sp>
-        <p:grpSp>
-          <p:nvGrpSpPr>
-            <p:cNvPr id="3" name="群組 2"/>
-            <p:cNvGrpSpPr/>
-            <p:nvPr/>
-          </p:nvGrpSpPr>
-          <p:grpSpPr>
-            <a:xfrm>
-              <a:off x="2660385" y="3464639"/>
-              <a:ext cx="1821960" cy="1143000"/>
-              <a:chOff x="-284817" y="2895600"/>
-              <a:chExt cx="1821960" cy="1143000"/>
-            </a:xfrm>
-          </p:grpSpPr>
-          <p:sp>
-            <p:nvSpPr>
-              <p:cNvPr id="22" name="矩形 21"/>
-              <p:cNvSpPr/>
-              <p:nvPr/>
-            </p:nvSpPr>
-            <p:spPr>
-              <a:xfrm>
-                <a:off x="-228600" y="2895600"/>
-                <a:ext cx="1709527" cy="1143000"/>
-              </a:xfrm>
-              <a:prstGeom prst="rect">
-                <a:avLst/>
-              </a:prstGeom>
-            </p:spPr>
-            <p:style>
-              <a:lnRef idx="0">
-                <a:schemeClr val="accent5"/>
-              </a:lnRef>
-              <a:fillRef idx="3">
-                <a:schemeClr val="accent5"/>
-              </a:fillRef>
-              <a:effectRef idx="3">
-                <a:schemeClr val="accent5"/>
-              </a:effectRef>
-              <a:fontRef idx="minor">
-                <a:schemeClr val="lt1"/>
-              </a:fontRef>
-            </p:style>
-            <p:txBody>
-              <a:bodyPr rtlCol="0" anchor="ctr"/>
-              <a:lstStyle/>
-              <a:p>
-                <a:pPr algn="ctr"/>
-                <a:endParaRPr lang="zh-TW" altLang="en-US" sz="1400" dirty="0">
-                  <a:solidFill>
-                    <a:schemeClr val="bg1"/>
-                  </a:solidFill>
-                </a:endParaRPr>
-              </a:p>
-            </p:txBody>
-          </p:sp>
-          <p:sp>
-            <p:nvSpPr>
-              <p:cNvPr id="23" name="矩形 22"/>
-              <p:cNvSpPr/>
-              <p:nvPr/>
-            </p:nvSpPr>
-            <p:spPr>
-              <a:xfrm>
-                <a:off x="-284817" y="2932141"/>
-                <a:ext cx="1821960" cy="338554"/>
-              </a:xfrm>
-              <a:prstGeom prst="rect">
-                <a:avLst/>
-              </a:prstGeom>
-            </p:spPr>
-            <p:txBody>
-              <a:bodyPr wrap="square">
-                <a:spAutoFit/>
-              </a:bodyPr>
-              <a:lstStyle/>
-              <a:p>
-                <a:pPr algn="ctr"/>
-                <a:r>
-                  <a:rPr lang="en-US" altLang="zh-TW" sz="1600" dirty="0" err="1" smtClean="0">
-                    <a:solidFill>
-                      <a:schemeClr val="bg1"/>
-                    </a:solidFill>
-                  </a:rPr>
-                  <a:t>SampleComponent</a:t>
-                </a:r>
-                <a:endParaRPr lang="zh-TW" altLang="en-US" sz="1600" dirty="0">
-                  <a:solidFill>
-                    <a:schemeClr val="bg1"/>
-                  </a:solidFill>
-                </a:endParaRPr>
-              </a:p>
-            </p:txBody>
-          </p:sp>
-          <p:sp>
-            <p:nvSpPr>
-              <p:cNvPr id="27" name="橢圓 26"/>
-              <p:cNvSpPr/>
-              <p:nvPr/>
-            </p:nvSpPr>
-            <p:spPr>
-              <a:xfrm>
-                <a:off x="-68249" y="3265223"/>
-                <a:ext cx="1388824" cy="644463"/>
-              </a:xfrm>
-              <a:prstGeom prst="ellipse">
-                <a:avLst/>
-              </a:prstGeom>
-            </p:spPr>
-            <p:style>
-              <a:lnRef idx="0">
-                <a:schemeClr val="accent2"/>
-              </a:lnRef>
-              <a:fillRef idx="3">
-                <a:schemeClr val="accent2"/>
-              </a:fillRef>
-              <a:effectRef idx="3">
-                <a:schemeClr val="accent2"/>
-              </a:effectRef>
-              <a:fontRef idx="minor">
-                <a:schemeClr val="lt1"/>
-              </a:fontRef>
-            </p:style>
-            <p:txBody>
-              <a:bodyPr rtlCol="0" anchor="t"/>
-              <a:lstStyle/>
-              <a:p>
-                <a:pPr algn="ctr"/>
-                <a:r>
-                  <a:rPr lang="en-US" altLang="zh-TW" sz="1400" dirty="0" smtClean="0"/>
-                  <a:t>Controller</a:t>
-                </a:r>
-              </a:p>
-              <a:p>
-                <a:pPr algn="ctr"/>
-                <a:r>
-                  <a:rPr lang="en-US" altLang="zh-TW" sz="1400" dirty="0" smtClean="0"/>
-                  <a:t>Service</a:t>
-                </a:r>
-                <a:endParaRPr lang="zh-TW" altLang="en-US" sz="1400" dirty="0">
-                  <a:solidFill>
-                    <a:schemeClr val="bg1"/>
-                  </a:solidFill>
-                </a:endParaRPr>
-              </a:p>
-            </p:txBody>
-          </p:sp>
-        </p:grpSp>
-      </p:grpSp>
-      <p:grpSp>
-        <p:nvGrpSpPr>
-          <p:cNvPr id="30" name="群組 29"/>
-          <p:cNvGrpSpPr/>
-          <p:nvPr/>
-        </p:nvGrpSpPr>
-        <p:grpSpPr>
-          <a:xfrm>
-            <a:off x="2496454" y="3292063"/>
-            <a:ext cx="3048000" cy="1682843"/>
-            <a:chOff x="2590800" y="3041557"/>
-            <a:chExt cx="3048000" cy="1682843"/>
-          </a:xfrm>
-        </p:grpSpPr>
-        <p:sp>
-          <p:nvSpPr>
-            <p:cNvPr id="31" name="矩形 30"/>
-            <p:cNvSpPr/>
-            <p:nvPr/>
-          </p:nvSpPr>
-          <p:spPr>
-            <a:xfrm>
-              <a:off x="2590800" y="3045294"/>
-              <a:ext cx="3048000" cy="1679106"/>
-            </a:xfrm>
-            <a:prstGeom prst="rect">
-              <a:avLst/>
-            </a:prstGeom>
-          </p:spPr>
-          <p:style>
-            <a:lnRef idx="1">
-              <a:schemeClr val="accent6"/>
-            </a:lnRef>
-            <a:fillRef idx="2">
-              <a:schemeClr val="accent6"/>
-            </a:fillRef>
-            <a:effectRef idx="1">
-              <a:schemeClr val="accent6"/>
-            </a:effectRef>
-            <a:fontRef idx="minor">
-              <a:schemeClr val="dk1"/>
-            </a:fontRef>
-          </p:style>
-          <p:txBody>
-            <a:bodyPr rtlCol="0" anchor="ctr"/>
-            <a:lstStyle/>
-            <a:p>
-              <a:pPr algn="ctr"/>
-              <a:endParaRPr lang="zh-TW" altLang="en-US"/>
-            </a:p>
-          </p:txBody>
-        </p:sp>
-        <p:sp>
-          <p:nvSpPr>
-            <p:cNvPr id="32" name="矩形 31"/>
-            <p:cNvSpPr/>
-            <p:nvPr/>
-          </p:nvSpPr>
-          <p:spPr>
-            <a:xfrm>
-              <a:off x="3305701" y="3041557"/>
-              <a:ext cx="1618200" cy="369332"/>
-            </a:xfrm>
-            <a:prstGeom prst="rect">
-              <a:avLst/>
-            </a:prstGeom>
-            <a:noFill/>
-            <a:ln>
-              <a:noFill/>
-            </a:ln>
-          </p:spPr>
-          <p:txBody>
-            <a:bodyPr wrap="none">
-              <a:spAutoFit/>
-            </a:bodyPr>
-            <a:lstStyle/>
-            <a:p>
-              <a:pPr algn="ctr"/>
-              <a:r>
-                <a:rPr lang="en-US" altLang="zh-TW" b="1" dirty="0" err="1" smtClean="0"/>
-                <a:t>SecondModule</a:t>
-              </a:r>
-              <a:endParaRPr lang="zh-TW" altLang="en-US" b="1" dirty="0"/>
-            </a:p>
-          </p:txBody>
-        </p:sp>
-        <p:sp>
-          <p:nvSpPr>
-            <p:cNvPr id="33" name="橢圓 32"/>
-            <p:cNvSpPr/>
-            <p:nvPr/>
-          </p:nvSpPr>
-          <p:spPr>
-            <a:xfrm>
-              <a:off x="4492254" y="3734947"/>
-              <a:ext cx="1085449" cy="647980"/>
-            </a:xfrm>
-            <a:prstGeom prst="ellipse">
-              <a:avLst/>
-            </a:prstGeom>
-          </p:spPr>
-          <p:style>
-            <a:lnRef idx="0">
-              <a:schemeClr val="accent2"/>
-            </a:lnRef>
-            <a:fillRef idx="3">
-              <a:schemeClr val="accent2"/>
-            </a:fillRef>
-            <a:effectRef idx="3">
-              <a:schemeClr val="accent2"/>
-            </a:effectRef>
-            <a:fontRef idx="minor">
-              <a:schemeClr val="lt1"/>
-            </a:fontRef>
-          </p:style>
-          <p:txBody>
-            <a:bodyPr rtlCol="0" anchor="t"/>
-            <a:lstStyle/>
-            <a:p>
-              <a:pPr algn="ctr"/>
-              <a:r>
-                <a:rPr lang="en-US" altLang="zh-TW" sz="1400" dirty="0" smtClean="0"/>
-                <a:t>Module</a:t>
-              </a:r>
-              <a:br>
-                <a:rPr lang="en-US" altLang="zh-TW" sz="1400" dirty="0" smtClean="0"/>
-              </a:br>
-              <a:r>
-                <a:rPr lang="en-US" altLang="zh-TW" sz="1400" dirty="0" smtClean="0"/>
-                <a:t>Service </a:t>
-              </a:r>
-              <a:endParaRPr lang="zh-TW" altLang="en-US" sz="1400" dirty="0">
-                <a:solidFill>
-                  <a:schemeClr val="bg1"/>
-                </a:solidFill>
-              </a:endParaRPr>
-            </a:p>
-          </p:txBody>
-        </p:sp>
-        <p:grpSp>
-          <p:nvGrpSpPr>
-            <p:cNvPr id="34" name="群組 33"/>
-            <p:cNvGrpSpPr/>
-            <p:nvPr/>
-          </p:nvGrpSpPr>
-          <p:grpSpPr>
-            <a:xfrm>
-              <a:off x="2660385" y="3464639"/>
-              <a:ext cx="1821960" cy="1143000"/>
-              <a:chOff x="-284817" y="2895600"/>
-              <a:chExt cx="1821960" cy="1143000"/>
-            </a:xfrm>
-          </p:grpSpPr>
-          <p:sp>
-            <p:nvSpPr>
-              <p:cNvPr id="35" name="矩形 34"/>
-              <p:cNvSpPr/>
-              <p:nvPr/>
-            </p:nvSpPr>
-            <p:spPr>
-              <a:xfrm>
-                <a:off x="-228600" y="2895600"/>
-                <a:ext cx="1709527" cy="1143000"/>
-              </a:xfrm>
-              <a:prstGeom prst="rect">
-                <a:avLst/>
-              </a:prstGeom>
-            </p:spPr>
-            <p:style>
-              <a:lnRef idx="0">
-                <a:schemeClr val="accent5"/>
-              </a:lnRef>
-              <a:fillRef idx="3">
-                <a:schemeClr val="accent5"/>
-              </a:fillRef>
-              <a:effectRef idx="3">
-                <a:schemeClr val="accent5"/>
-              </a:effectRef>
-              <a:fontRef idx="minor">
-                <a:schemeClr val="lt1"/>
-              </a:fontRef>
-            </p:style>
-            <p:txBody>
-              <a:bodyPr rtlCol="0" anchor="ctr"/>
-              <a:lstStyle/>
-              <a:p>
-                <a:pPr algn="ctr"/>
-                <a:endParaRPr lang="zh-TW" altLang="en-US" sz="1400" dirty="0">
-                  <a:solidFill>
-                    <a:schemeClr val="bg1"/>
-                  </a:solidFill>
-                </a:endParaRPr>
-              </a:p>
-            </p:txBody>
-          </p:sp>
-          <p:sp>
-            <p:nvSpPr>
-              <p:cNvPr id="36" name="矩形 35"/>
-              <p:cNvSpPr/>
-              <p:nvPr/>
-            </p:nvSpPr>
-            <p:spPr>
-              <a:xfrm>
-                <a:off x="-284817" y="2932141"/>
-                <a:ext cx="1821960" cy="338554"/>
-              </a:xfrm>
-              <a:prstGeom prst="rect">
-                <a:avLst/>
-              </a:prstGeom>
-            </p:spPr>
-            <p:txBody>
-              <a:bodyPr wrap="square">
-                <a:spAutoFit/>
-              </a:bodyPr>
-              <a:lstStyle/>
-              <a:p>
-                <a:pPr algn="ctr"/>
-                <a:r>
-                  <a:rPr lang="en-US" altLang="zh-TW" sz="1600" dirty="0" err="1" smtClean="0">
-                    <a:solidFill>
-                      <a:schemeClr val="bg1"/>
-                    </a:solidFill>
-                  </a:rPr>
-                  <a:t>SampleComponent</a:t>
-                </a:r>
-                <a:endParaRPr lang="zh-TW" altLang="en-US" sz="1600" dirty="0">
-                  <a:solidFill>
-                    <a:schemeClr val="bg1"/>
-                  </a:solidFill>
-                </a:endParaRPr>
-              </a:p>
-            </p:txBody>
-          </p:sp>
-          <p:sp>
-            <p:nvSpPr>
-              <p:cNvPr id="37" name="橢圓 36"/>
-              <p:cNvSpPr/>
-              <p:nvPr/>
-            </p:nvSpPr>
-            <p:spPr>
-              <a:xfrm>
-                <a:off x="-68249" y="3265223"/>
-                <a:ext cx="1388824" cy="644463"/>
-              </a:xfrm>
-              <a:prstGeom prst="ellipse">
-                <a:avLst/>
-              </a:prstGeom>
-            </p:spPr>
-            <p:style>
-              <a:lnRef idx="0">
-                <a:schemeClr val="accent2"/>
-              </a:lnRef>
-              <a:fillRef idx="3">
-                <a:schemeClr val="accent2"/>
-              </a:fillRef>
-              <a:effectRef idx="3">
-                <a:schemeClr val="accent2"/>
-              </a:effectRef>
-              <a:fontRef idx="minor">
-                <a:schemeClr val="lt1"/>
-              </a:fontRef>
-            </p:style>
-            <p:txBody>
-              <a:bodyPr rtlCol="0" anchor="t"/>
-              <a:lstStyle/>
-              <a:p>
-                <a:pPr algn="ctr"/>
-                <a:r>
-                  <a:rPr lang="en-US" altLang="zh-TW" sz="1400" dirty="0" smtClean="0"/>
-                  <a:t>Controller</a:t>
-                </a:r>
-              </a:p>
-              <a:p>
-                <a:pPr algn="ctr"/>
-                <a:r>
-                  <a:rPr lang="en-US" altLang="zh-TW" sz="1400" dirty="0" smtClean="0"/>
-                  <a:t>Service</a:t>
-                </a:r>
-                <a:endParaRPr lang="zh-TW" altLang="en-US" sz="1400" dirty="0">
-                  <a:solidFill>
-                    <a:schemeClr val="bg1"/>
-                  </a:solidFill>
-                </a:endParaRPr>
-              </a:p>
-            </p:txBody>
-          </p:sp>
-        </p:grpSp>
-      </p:grpSp>
-      <p:grpSp>
-        <p:nvGrpSpPr>
-          <p:cNvPr id="38" name="群組 37"/>
-          <p:cNvGrpSpPr/>
-          <p:nvPr/>
-        </p:nvGrpSpPr>
-        <p:grpSpPr>
-          <a:xfrm>
-            <a:off x="2496454" y="5062313"/>
-            <a:ext cx="3048000" cy="1682843"/>
-            <a:chOff x="2590800" y="3041557"/>
-            <a:chExt cx="3048000" cy="1682843"/>
-          </a:xfrm>
-        </p:grpSpPr>
-        <p:sp>
-          <p:nvSpPr>
-            <p:cNvPr id="39" name="矩形 38"/>
-            <p:cNvSpPr/>
-            <p:nvPr/>
-          </p:nvSpPr>
-          <p:spPr>
-            <a:xfrm>
-              <a:off x="2590800" y="3045294"/>
-              <a:ext cx="3048000" cy="1679106"/>
-            </a:xfrm>
-            <a:prstGeom prst="rect">
-              <a:avLst/>
-            </a:prstGeom>
-          </p:spPr>
-          <p:style>
-            <a:lnRef idx="1">
-              <a:schemeClr val="accent6"/>
-            </a:lnRef>
-            <a:fillRef idx="2">
-              <a:schemeClr val="accent6"/>
-            </a:fillRef>
-            <a:effectRef idx="1">
-              <a:schemeClr val="accent6"/>
-            </a:effectRef>
-            <a:fontRef idx="minor">
-              <a:schemeClr val="dk1"/>
-            </a:fontRef>
-          </p:style>
-          <p:txBody>
-            <a:bodyPr rtlCol="0" anchor="ctr"/>
-            <a:lstStyle/>
-            <a:p>
-              <a:pPr algn="ctr"/>
-              <a:endParaRPr lang="zh-TW" altLang="en-US"/>
-            </a:p>
-          </p:txBody>
-        </p:sp>
-        <p:sp>
-          <p:nvSpPr>
-            <p:cNvPr id="40" name="矩形 39"/>
-            <p:cNvSpPr/>
-            <p:nvPr/>
-          </p:nvSpPr>
-          <p:spPr>
-            <a:xfrm>
-              <a:off x="3402714" y="3041557"/>
-              <a:ext cx="1424172" cy="369332"/>
-            </a:xfrm>
-            <a:prstGeom prst="rect">
-              <a:avLst/>
-            </a:prstGeom>
-            <a:noFill/>
-            <a:ln>
-              <a:noFill/>
-            </a:ln>
-          </p:spPr>
-          <p:txBody>
-            <a:bodyPr wrap="none">
-              <a:spAutoFit/>
-            </a:bodyPr>
-            <a:lstStyle/>
-            <a:p>
-              <a:pPr algn="ctr"/>
-              <a:r>
-                <a:rPr lang="en-US" altLang="zh-TW" b="1" dirty="0" err="1" smtClean="0"/>
-                <a:t>ThirdModule</a:t>
-              </a:r>
-              <a:endParaRPr lang="zh-TW" altLang="en-US" b="1" dirty="0"/>
-            </a:p>
-          </p:txBody>
-        </p:sp>
-        <p:sp>
-          <p:nvSpPr>
-            <p:cNvPr id="41" name="橢圓 40"/>
-            <p:cNvSpPr/>
-            <p:nvPr/>
-          </p:nvSpPr>
-          <p:spPr>
-            <a:xfrm>
-              <a:off x="4492254" y="3734947"/>
-              <a:ext cx="1085449" cy="647980"/>
-            </a:xfrm>
-            <a:prstGeom prst="ellipse">
-              <a:avLst/>
-            </a:prstGeom>
-          </p:spPr>
-          <p:style>
-            <a:lnRef idx="0">
-              <a:schemeClr val="accent2"/>
-            </a:lnRef>
-            <a:fillRef idx="3">
-              <a:schemeClr val="accent2"/>
-            </a:fillRef>
-            <a:effectRef idx="3">
-              <a:schemeClr val="accent2"/>
-            </a:effectRef>
-            <a:fontRef idx="minor">
-              <a:schemeClr val="lt1"/>
-            </a:fontRef>
-          </p:style>
-          <p:txBody>
-            <a:bodyPr rtlCol="0" anchor="t"/>
-            <a:lstStyle/>
-            <a:p>
-              <a:pPr algn="ctr"/>
-              <a:r>
-                <a:rPr lang="en-US" altLang="zh-TW" sz="1400" dirty="0" smtClean="0"/>
-                <a:t>Module</a:t>
-              </a:r>
-              <a:br>
-                <a:rPr lang="en-US" altLang="zh-TW" sz="1400" dirty="0" smtClean="0"/>
-              </a:br>
-              <a:r>
-                <a:rPr lang="en-US" altLang="zh-TW" sz="1400" dirty="0" smtClean="0"/>
-                <a:t>Service </a:t>
-              </a:r>
-              <a:endParaRPr lang="zh-TW" altLang="en-US" sz="1400" dirty="0">
-                <a:solidFill>
-                  <a:schemeClr val="bg1"/>
-                </a:solidFill>
-              </a:endParaRPr>
-            </a:p>
-          </p:txBody>
-        </p:sp>
-        <p:grpSp>
-          <p:nvGrpSpPr>
-            <p:cNvPr id="42" name="群組 41"/>
-            <p:cNvGrpSpPr/>
-            <p:nvPr/>
-          </p:nvGrpSpPr>
-          <p:grpSpPr>
-            <a:xfrm>
-              <a:off x="2660385" y="3464639"/>
-              <a:ext cx="1821960" cy="1143000"/>
-              <a:chOff x="-284817" y="2895600"/>
-              <a:chExt cx="1821960" cy="1143000"/>
-            </a:xfrm>
-          </p:grpSpPr>
-          <p:sp>
-            <p:nvSpPr>
-              <p:cNvPr id="43" name="矩形 42"/>
-              <p:cNvSpPr/>
-              <p:nvPr/>
-            </p:nvSpPr>
-            <p:spPr>
-              <a:xfrm>
-                <a:off x="-228600" y="2895600"/>
-                <a:ext cx="1709527" cy="1143000"/>
-              </a:xfrm>
-              <a:prstGeom prst="rect">
-                <a:avLst/>
-              </a:prstGeom>
-            </p:spPr>
-            <p:style>
-              <a:lnRef idx="0">
-                <a:schemeClr val="accent5"/>
-              </a:lnRef>
-              <a:fillRef idx="3">
-                <a:schemeClr val="accent5"/>
-              </a:fillRef>
-              <a:effectRef idx="3">
-                <a:schemeClr val="accent5"/>
-              </a:effectRef>
-              <a:fontRef idx="minor">
-                <a:schemeClr val="lt1"/>
-              </a:fontRef>
-            </p:style>
-            <p:txBody>
-              <a:bodyPr rtlCol="0" anchor="ctr"/>
-              <a:lstStyle/>
-              <a:p>
-                <a:pPr algn="ctr"/>
-                <a:endParaRPr lang="zh-TW" altLang="en-US" sz="1400" dirty="0">
-                  <a:solidFill>
-                    <a:schemeClr val="bg1"/>
-                  </a:solidFill>
-                </a:endParaRPr>
-              </a:p>
-            </p:txBody>
-          </p:sp>
-          <p:sp>
-            <p:nvSpPr>
-              <p:cNvPr id="44" name="矩形 43"/>
-              <p:cNvSpPr/>
-              <p:nvPr/>
-            </p:nvSpPr>
-            <p:spPr>
-              <a:xfrm>
-                <a:off x="-284817" y="2932141"/>
-                <a:ext cx="1821960" cy="338554"/>
-              </a:xfrm>
-              <a:prstGeom prst="rect">
-                <a:avLst/>
-              </a:prstGeom>
-            </p:spPr>
-            <p:txBody>
-              <a:bodyPr wrap="square">
-                <a:spAutoFit/>
-              </a:bodyPr>
-              <a:lstStyle/>
-              <a:p>
-                <a:pPr algn="ctr"/>
-                <a:r>
-                  <a:rPr lang="en-US" altLang="zh-TW" sz="1600" dirty="0" err="1" smtClean="0">
-                    <a:solidFill>
-                      <a:schemeClr val="bg1"/>
-                    </a:solidFill>
-                  </a:rPr>
-                  <a:t>SampleComponent</a:t>
-                </a:r>
-                <a:endParaRPr lang="zh-TW" altLang="en-US" sz="1600" dirty="0">
-                  <a:solidFill>
-                    <a:schemeClr val="bg1"/>
-                  </a:solidFill>
-                </a:endParaRPr>
-              </a:p>
-            </p:txBody>
-          </p:sp>
-          <p:sp>
-            <p:nvSpPr>
-              <p:cNvPr id="45" name="橢圓 44"/>
-              <p:cNvSpPr/>
-              <p:nvPr/>
-            </p:nvSpPr>
-            <p:spPr>
-              <a:xfrm>
-                <a:off x="-68249" y="3265223"/>
-                <a:ext cx="1388824" cy="644463"/>
-              </a:xfrm>
-              <a:prstGeom prst="ellipse">
-                <a:avLst/>
-              </a:prstGeom>
-            </p:spPr>
-            <p:style>
-              <a:lnRef idx="0">
-                <a:schemeClr val="accent2"/>
-              </a:lnRef>
-              <a:fillRef idx="3">
-                <a:schemeClr val="accent2"/>
-              </a:fillRef>
-              <a:effectRef idx="3">
-                <a:schemeClr val="accent2"/>
-              </a:effectRef>
-              <a:fontRef idx="minor">
-                <a:schemeClr val="lt1"/>
-              </a:fontRef>
-            </p:style>
-            <p:txBody>
-              <a:bodyPr rtlCol="0" anchor="t"/>
-              <a:lstStyle/>
-              <a:p>
-                <a:pPr algn="ctr"/>
-                <a:r>
-                  <a:rPr lang="en-US" altLang="zh-TW" sz="1400" dirty="0" smtClean="0"/>
-                  <a:t>Controller</a:t>
-                </a:r>
-              </a:p>
-              <a:p>
-                <a:pPr algn="ctr"/>
-                <a:r>
-                  <a:rPr lang="en-US" altLang="zh-TW" sz="1400" dirty="0" smtClean="0"/>
-                  <a:t>Service</a:t>
-                </a:r>
-                <a:endParaRPr lang="zh-TW" altLang="en-US" sz="1400" dirty="0">
-                  <a:solidFill>
-                    <a:schemeClr val="bg1"/>
-                  </a:solidFill>
-                </a:endParaRPr>
-              </a:p>
-            </p:txBody>
-          </p:sp>
-        </p:grpSp>
-      </p:grpSp>
-      <p:grpSp>
-        <p:nvGrpSpPr>
-          <p:cNvPr id="46" name="群組 45"/>
-          <p:cNvGrpSpPr/>
-          <p:nvPr/>
-        </p:nvGrpSpPr>
-        <p:grpSpPr>
-          <a:xfrm>
-            <a:off x="5922152" y="2782660"/>
-            <a:ext cx="2057400" cy="1217922"/>
-            <a:chOff x="2945082" y="3041557"/>
-            <a:chExt cx="2057400" cy="1217922"/>
-          </a:xfrm>
-        </p:grpSpPr>
-        <p:sp>
-          <p:nvSpPr>
-            <p:cNvPr id="47" name="矩形 46"/>
-            <p:cNvSpPr/>
-            <p:nvPr/>
-          </p:nvSpPr>
-          <p:spPr>
-            <a:xfrm>
-              <a:off x="2945082" y="3045294"/>
-              <a:ext cx="2057400" cy="1214185"/>
-            </a:xfrm>
-            <a:prstGeom prst="rect">
-              <a:avLst/>
-            </a:prstGeom>
-          </p:spPr>
-          <p:style>
-            <a:lnRef idx="1">
-              <a:schemeClr val="accent6"/>
-            </a:lnRef>
-            <a:fillRef idx="2">
-              <a:schemeClr val="accent6"/>
-            </a:fillRef>
-            <a:effectRef idx="1">
-              <a:schemeClr val="accent6"/>
-            </a:effectRef>
-            <a:fontRef idx="minor">
-              <a:schemeClr val="dk1"/>
-            </a:fontRef>
-          </p:style>
-          <p:txBody>
-            <a:bodyPr rtlCol="0" anchor="ctr"/>
-            <a:lstStyle/>
-            <a:p>
-              <a:pPr algn="ctr"/>
-              <a:endParaRPr lang="zh-TW" altLang="en-US"/>
-            </a:p>
-          </p:txBody>
-        </p:sp>
-        <p:sp>
-          <p:nvSpPr>
-            <p:cNvPr id="48" name="矩形 47"/>
-            <p:cNvSpPr/>
-            <p:nvPr/>
-          </p:nvSpPr>
-          <p:spPr>
-            <a:xfrm>
-              <a:off x="3177409" y="3041557"/>
-              <a:ext cx="1592745" cy="369332"/>
-            </a:xfrm>
-            <a:prstGeom prst="rect">
-              <a:avLst/>
-            </a:prstGeom>
-            <a:noFill/>
-            <a:ln>
-              <a:noFill/>
-            </a:ln>
-          </p:spPr>
-          <p:txBody>
-            <a:bodyPr wrap="none">
-              <a:spAutoFit/>
-            </a:bodyPr>
-            <a:lstStyle/>
-            <a:p>
-              <a:pPr algn="ctr"/>
-              <a:r>
-                <a:rPr lang="en-US" altLang="zh-TW" b="1" dirty="0" err="1" smtClean="0"/>
-                <a:t>SharedModule</a:t>
-              </a:r>
-              <a:endParaRPr lang="zh-TW" altLang="en-US" b="1" dirty="0"/>
-            </a:p>
-          </p:txBody>
-        </p:sp>
-        <p:sp>
-          <p:nvSpPr>
-            <p:cNvPr id="49" name="橢圓 48"/>
-            <p:cNvSpPr/>
-            <p:nvPr/>
-          </p:nvSpPr>
-          <p:spPr>
-            <a:xfrm>
-              <a:off x="3056130" y="3429667"/>
-              <a:ext cx="1863375" cy="647980"/>
-            </a:xfrm>
-            <a:prstGeom prst="ellipse">
-              <a:avLst/>
-            </a:prstGeom>
-          </p:spPr>
-          <p:style>
-            <a:lnRef idx="0">
-              <a:schemeClr val="accent2"/>
-            </a:lnRef>
-            <a:fillRef idx="3">
-              <a:schemeClr val="accent2"/>
-            </a:fillRef>
-            <a:effectRef idx="3">
-              <a:schemeClr val="accent2"/>
-            </a:effectRef>
-            <a:fontRef idx="minor">
-              <a:schemeClr val="lt1"/>
-            </a:fontRef>
-          </p:style>
-          <p:txBody>
-            <a:bodyPr rtlCol="0" anchor="t"/>
-            <a:lstStyle/>
-            <a:p>
-              <a:pPr algn="ctr"/>
-              <a:r>
-                <a:rPr lang="en-US" altLang="zh-TW" sz="1400" dirty="0" err="1" smtClean="0"/>
-                <a:t>SharedModule</a:t>
-              </a:r>
-              <a:endParaRPr lang="en-US" altLang="zh-TW" sz="1400" dirty="0" smtClean="0"/>
-            </a:p>
-            <a:p>
-              <a:pPr algn="ctr"/>
-              <a:r>
-                <a:rPr lang="en-US" altLang="zh-TW" sz="1400" dirty="0" smtClean="0"/>
-                <a:t>Service </a:t>
-              </a:r>
-              <a:endParaRPr lang="zh-TW" altLang="en-US" sz="1400" dirty="0">
-                <a:solidFill>
-                  <a:schemeClr val="bg1"/>
-                </a:solidFill>
-              </a:endParaRPr>
-            </a:p>
-          </p:txBody>
-        </p:sp>
-      </p:grpSp>
-      <p:grpSp>
-        <p:nvGrpSpPr>
-          <p:cNvPr id="9" name="群組 8"/>
-          <p:cNvGrpSpPr/>
-          <p:nvPr/>
-        </p:nvGrpSpPr>
-        <p:grpSpPr>
-          <a:xfrm>
-            <a:off x="5201835" y="2707155"/>
-            <a:ext cx="869667" cy="465651"/>
-            <a:chOff x="5194995" y="1688527"/>
-            <a:chExt cx="869667" cy="465651"/>
-          </a:xfrm>
-        </p:grpSpPr>
-        <p:sp>
-          <p:nvSpPr>
-            <p:cNvPr id="6" name="向左箭號 5"/>
-            <p:cNvSpPr/>
-            <p:nvPr/>
-          </p:nvSpPr>
-          <p:spPr>
-            <a:xfrm>
-              <a:off x="5194995" y="1894610"/>
-              <a:ext cx="796667" cy="259568"/>
-            </a:xfrm>
-            <a:prstGeom prst="leftArrow">
-              <a:avLst/>
-            </a:prstGeom>
-          </p:spPr>
-          <p:style>
-            <a:lnRef idx="0">
-              <a:schemeClr val="accent4"/>
-            </a:lnRef>
-            <a:fillRef idx="3">
-              <a:schemeClr val="accent4"/>
-            </a:fillRef>
-            <a:effectRef idx="3">
-              <a:schemeClr val="accent4"/>
-            </a:effectRef>
-            <a:fontRef idx="minor">
-              <a:schemeClr val="lt1"/>
-            </a:fontRef>
-          </p:style>
-          <p:txBody>
-            <a:bodyPr rtlCol="0" anchor="ctr"/>
-            <a:lstStyle/>
-            <a:p>
-              <a:pPr algn="ctr"/>
-              <a:endParaRPr lang="zh-TW" altLang="en-US"/>
-            </a:p>
-          </p:txBody>
-        </p:sp>
-        <p:sp>
-          <p:nvSpPr>
-            <p:cNvPr id="55" name="矩形 54"/>
-            <p:cNvSpPr/>
-            <p:nvPr/>
-          </p:nvSpPr>
-          <p:spPr>
-            <a:xfrm>
-              <a:off x="5222764" y="1688527"/>
-              <a:ext cx="841898" cy="369332"/>
-            </a:xfrm>
-            <a:prstGeom prst="rect">
-              <a:avLst/>
-            </a:prstGeom>
-            <a:noFill/>
-            <a:ln>
-              <a:noFill/>
-            </a:ln>
-          </p:spPr>
-          <p:txBody>
-            <a:bodyPr wrap="none">
-              <a:spAutoFit/>
-            </a:bodyPr>
-            <a:lstStyle/>
-            <a:p>
-              <a:pPr algn="ctr"/>
-              <a:r>
-                <a:rPr lang="en-US" altLang="zh-TW" b="1" dirty="0" smtClean="0"/>
-                <a:t>Import</a:t>
-              </a:r>
-              <a:endParaRPr lang="zh-TW" altLang="en-US" b="1" dirty="0"/>
-            </a:p>
-          </p:txBody>
-        </p:sp>
-      </p:grpSp>
-      <p:grpSp>
-        <p:nvGrpSpPr>
-          <p:cNvPr id="57" name="群組 56"/>
-          <p:cNvGrpSpPr/>
-          <p:nvPr/>
-        </p:nvGrpSpPr>
-        <p:grpSpPr>
-          <a:xfrm>
-            <a:off x="5924052" y="4144182"/>
-            <a:ext cx="2057400" cy="1217922"/>
-            <a:chOff x="2945082" y="3041557"/>
-            <a:chExt cx="2057400" cy="1217922"/>
-          </a:xfrm>
-        </p:grpSpPr>
-        <p:sp>
-          <p:nvSpPr>
-            <p:cNvPr id="58" name="矩形 57"/>
-            <p:cNvSpPr/>
-            <p:nvPr/>
-          </p:nvSpPr>
-          <p:spPr>
-            <a:xfrm>
-              <a:off x="2945082" y="3045294"/>
-              <a:ext cx="2057400" cy="1214185"/>
-            </a:xfrm>
-            <a:prstGeom prst="rect">
-              <a:avLst/>
-            </a:prstGeom>
-          </p:spPr>
-          <p:style>
-            <a:lnRef idx="1">
-              <a:schemeClr val="accent6"/>
-            </a:lnRef>
-            <a:fillRef idx="2">
-              <a:schemeClr val="accent6"/>
-            </a:fillRef>
-            <a:effectRef idx="1">
-              <a:schemeClr val="accent6"/>
-            </a:effectRef>
-            <a:fontRef idx="minor">
-              <a:schemeClr val="dk1"/>
-            </a:fontRef>
-          </p:style>
-          <p:txBody>
-            <a:bodyPr rtlCol="0" anchor="ctr"/>
-            <a:lstStyle/>
-            <a:p>
-              <a:pPr algn="ctr"/>
-              <a:endParaRPr lang="zh-TW" altLang="en-US"/>
-            </a:p>
-          </p:txBody>
-        </p:sp>
-        <p:sp>
-          <p:nvSpPr>
-            <p:cNvPr id="59" name="矩形 58"/>
-            <p:cNvSpPr/>
-            <p:nvPr/>
-          </p:nvSpPr>
-          <p:spPr>
-            <a:xfrm>
-              <a:off x="3177409" y="3041557"/>
-              <a:ext cx="1592745" cy="369332"/>
-            </a:xfrm>
-            <a:prstGeom prst="rect">
-              <a:avLst/>
-            </a:prstGeom>
-            <a:noFill/>
-            <a:ln>
-              <a:noFill/>
-            </a:ln>
-          </p:spPr>
-          <p:txBody>
-            <a:bodyPr wrap="none">
-              <a:spAutoFit/>
-            </a:bodyPr>
-            <a:lstStyle/>
-            <a:p>
-              <a:pPr algn="ctr"/>
-              <a:r>
-                <a:rPr lang="en-US" altLang="zh-TW" b="1" dirty="0" err="1" smtClean="0"/>
-                <a:t>SharedModule</a:t>
-              </a:r>
-              <a:endParaRPr lang="zh-TW" altLang="en-US" b="1" dirty="0"/>
-            </a:p>
-          </p:txBody>
-        </p:sp>
-        <p:sp>
-          <p:nvSpPr>
-            <p:cNvPr id="62" name="橢圓 61"/>
-            <p:cNvSpPr/>
-            <p:nvPr/>
-          </p:nvSpPr>
-          <p:spPr>
-            <a:xfrm>
-              <a:off x="3056130" y="3429667"/>
-              <a:ext cx="1863375" cy="647980"/>
-            </a:xfrm>
-            <a:prstGeom prst="ellipse">
-              <a:avLst/>
-            </a:prstGeom>
-          </p:spPr>
-          <p:style>
-            <a:lnRef idx="0">
-              <a:schemeClr val="accent2"/>
-            </a:lnRef>
-            <a:fillRef idx="3">
-              <a:schemeClr val="accent2"/>
-            </a:fillRef>
-            <a:effectRef idx="3">
-              <a:schemeClr val="accent2"/>
-            </a:effectRef>
-            <a:fontRef idx="minor">
-              <a:schemeClr val="lt1"/>
-            </a:fontRef>
-          </p:style>
-          <p:txBody>
-            <a:bodyPr rtlCol="0" anchor="t"/>
-            <a:lstStyle/>
-            <a:p>
-              <a:pPr algn="ctr"/>
-              <a:r>
-                <a:rPr lang="en-US" altLang="zh-TW" sz="1400" dirty="0" err="1" smtClean="0"/>
-                <a:t>SharedModule</a:t>
-              </a:r>
-              <a:endParaRPr lang="en-US" altLang="zh-TW" sz="1400" dirty="0" smtClean="0"/>
-            </a:p>
-            <a:p>
-              <a:pPr algn="ctr"/>
-              <a:r>
-                <a:rPr lang="en-US" altLang="zh-TW" sz="1400" dirty="0" smtClean="0"/>
-                <a:t>Service </a:t>
-              </a:r>
-              <a:endParaRPr lang="zh-TW" altLang="en-US" sz="1400" dirty="0">
-                <a:solidFill>
-                  <a:schemeClr val="bg1"/>
-                </a:solidFill>
-              </a:endParaRPr>
-            </a:p>
-          </p:txBody>
-        </p:sp>
-      </p:grpSp>
-      <p:grpSp>
-        <p:nvGrpSpPr>
-          <p:cNvPr id="63" name="群組 62"/>
-          <p:cNvGrpSpPr/>
-          <p:nvPr/>
-        </p:nvGrpSpPr>
-        <p:grpSpPr>
-          <a:xfrm>
-            <a:off x="5910017" y="5511550"/>
-            <a:ext cx="2057400" cy="1217922"/>
-            <a:chOff x="2945082" y="3041557"/>
-            <a:chExt cx="2057400" cy="1217922"/>
-          </a:xfrm>
-        </p:grpSpPr>
-        <p:sp>
-          <p:nvSpPr>
-            <p:cNvPr id="64" name="矩形 63"/>
-            <p:cNvSpPr/>
-            <p:nvPr/>
-          </p:nvSpPr>
-          <p:spPr>
-            <a:xfrm>
-              <a:off x="2945082" y="3045294"/>
-              <a:ext cx="2057400" cy="1214185"/>
-            </a:xfrm>
-            <a:prstGeom prst="rect">
-              <a:avLst/>
-            </a:prstGeom>
-          </p:spPr>
-          <p:style>
-            <a:lnRef idx="1">
-              <a:schemeClr val="accent6"/>
-            </a:lnRef>
-            <a:fillRef idx="2">
-              <a:schemeClr val="accent6"/>
-            </a:fillRef>
-            <a:effectRef idx="1">
-              <a:schemeClr val="accent6"/>
-            </a:effectRef>
-            <a:fontRef idx="minor">
-              <a:schemeClr val="dk1"/>
-            </a:fontRef>
-          </p:style>
-          <p:txBody>
-            <a:bodyPr rtlCol="0" anchor="ctr"/>
-            <a:lstStyle/>
-            <a:p>
-              <a:pPr algn="ctr"/>
-              <a:endParaRPr lang="zh-TW" altLang="en-US"/>
-            </a:p>
-          </p:txBody>
-        </p:sp>
-        <p:sp>
-          <p:nvSpPr>
-            <p:cNvPr id="65" name="矩形 64"/>
-            <p:cNvSpPr/>
-            <p:nvPr/>
-          </p:nvSpPr>
-          <p:spPr>
-            <a:xfrm>
-              <a:off x="3177409" y="3041557"/>
-              <a:ext cx="1592745" cy="369332"/>
-            </a:xfrm>
-            <a:prstGeom prst="rect">
-              <a:avLst/>
-            </a:prstGeom>
-            <a:noFill/>
-            <a:ln>
-              <a:noFill/>
-            </a:ln>
-          </p:spPr>
-          <p:txBody>
-            <a:bodyPr wrap="none">
-              <a:spAutoFit/>
-            </a:bodyPr>
-            <a:lstStyle/>
-            <a:p>
-              <a:pPr algn="ctr"/>
-              <a:r>
-                <a:rPr lang="en-US" altLang="zh-TW" b="1" dirty="0" err="1" smtClean="0"/>
-                <a:t>SharedModule</a:t>
-              </a:r>
-              <a:endParaRPr lang="zh-TW" altLang="en-US" b="1" dirty="0"/>
-            </a:p>
-          </p:txBody>
-        </p:sp>
-        <p:sp>
-          <p:nvSpPr>
-            <p:cNvPr id="66" name="橢圓 65"/>
-            <p:cNvSpPr/>
-            <p:nvPr/>
-          </p:nvSpPr>
-          <p:spPr>
-            <a:xfrm>
-              <a:off x="3056130" y="3429667"/>
-              <a:ext cx="1863375" cy="647980"/>
-            </a:xfrm>
-            <a:prstGeom prst="ellipse">
-              <a:avLst/>
-            </a:prstGeom>
-          </p:spPr>
-          <p:style>
-            <a:lnRef idx="0">
-              <a:schemeClr val="accent2"/>
-            </a:lnRef>
-            <a:fillRef idx="3">
-              <a:schemeClr val="accent2"/>
-            </a:fillRef>
-            <a:effectRef idx="3">
-              <a:schemeClr val="accent2"/>
-            </a:effectRef>
-            <a:fontRef idx="minor">
-              <a:schemeClr val="lt1"/>
-            </a:fontRef>
-          </p:style>
-          <p:txBody>
-            <a:bodyPr rtlCol="0" anchor="t"/>
-            <a:lstStyle/>
-            <a:p>
-              <a:pPr algn="ctr"/>
-              <a:r>
-                <a:rPr lang="en-US" altLang="zh-TW" sz="1400" dirty="0" err="1" smtClean="0"/>
-                <a:t>SharedModule</a:t>
-              </a:r>
-              <a:endParaRPr lang="en-US" altLang="zh-TW" sz="1400" dirty="0" smtClean="0"/>
-            </a:p>
-            <a:p>
-              <a:pPr algn="ctr"/>
-              <a:r>
-                <a:rPr lang="en-US" altLang="zh-TW" sz="1400" dirty="0" smtClean="0"/>
-                <a:t>Service </a:t>
-              </a:r>
-              <a:endParaRPr lang="zh-TW" altLang="en-US" sz="1400" dirty="0">
-                <a:solidFill>
-                  <a:schemeClr val="bg1"/>
-                </a:solidFill>
-              </a:endParaRPr>
-            </a:p>
-          </p:txBody>
-        </p:sp>
-      </p:grpSp>
-      <p:sp>
-        <p:nvSpPr>
-          <p:cNvPr id="70" name="橢圓 69"/>
-          <p:cNvSpPr/>
-          <p:nvPr/>
-        </p:nvSpPr>
-        <p:spPr>
-          <a:xfrm>
-            <a:off x="6021065" y="1675875"/>
-            <a:ext cx="1863375" cy="647980"/>
-          </a:xfrm>
-          <a:prstGeom prst="ellipse">
-            <a:avLst/>
-          </a:prstGeom>
-        </p:spPr>
-        <p:style>
-          <a:lnRef idx="0">
-            <a:schemeClr val="accent2"/>
-          </a:lnRef>
-          <a:fillRef idx="3">
-            <a:schemeClr val="accent2"/>
-          </a:fillRef>
-          <a:effectRef idx="3">
-            <a:schemeClr val="accent2"/>
-          </a:effectRef>
-          <a:fontRef idx="minor">
-            <a:schemeClr val="lt1"/>
-          </a:fontRef>
-        </p:style>
-        <p:txBody>
-          <a:bodyPr rtlCol="0" anchor="t"/>
-          <a:lstStyle/>
-          <a:p>
-            <a:pPr algn="ctr"/>
-            <a:r>
-              <a:rPr lang="en-US" altLang="zh-TW" sz="1400" dirty="0" err="1" smtClean="0"/>
-              <a:t>AppModule</a:t>
-            </a:r>
-            <a:endParaRPr lang="en-US" altLang="zh-TW" sz="1400" dirty="0" smtClean="0"/>
-          </a:p>
-          <a:p>
-            <a:pPr algn="ctr"/>
-            <a:r>
-              <a:rPr lang="en-US" altLang="zh-TW" sz="1400" dirty="0" smtClean="0"/>
-              <a:t>Service</a:t>
-            </a:r>
-            <a:endParaRPr lang="zh-TW" altLang="en-US" sz="1400" dirty="0">
-              <a:solidFill>
-                <a:schemeClr val="bg1"/>
-              </a:solidFill>
-            </a:endParaRPr>
-          </a:p>
-        </p:txBody>
-      </p:sp>
-      <p:sp>
-        <p:nvSpPr>
-          <p:cNvPr id="71" name="橢圓 70"/>
-          <p:cNvSpPr/>
-          <p:nvPr/>
-        </p:nvSpPr>
-        <p:spPr>
-          <a:xfrm>
-            <a:off x="8434193" y="1675875"/>
-            <a:ext cx="1863375" cy="647980"/>
-          </a:xfrm>
-          <a:prstGeom prst="ellipse">
-            <a:avLst/>
-          </a:prstGeom>
-        </p:spPr>
-        <p:style>
-          <a:lnRef idx="0">
-            <a:schemeClr val="accent2"/>
-          </a:lnRef>
-          <a:fillRef idx="3">
-            <a:schemeClr val="accent2"/>
-          </a:fillRef>
-          <a:effectRef idx="3">
-            <a:schemeClr val="accent2"/>
-          </a:effectRef>
-          <a:fontRef idx="minor">
-            <a:schemeClr val="lt1"/>
-          </a:fontRef>
-        </p:style>
-        <p:txBody>
-          <a:bodyPr rtlCol="0" anchor="t"/>
-          <a:lstStyle/>
-          <a:p>
-            <a:pPr algn="ctr"/>
-            <a:r>
-              <a:rPr lang="en-US" altLang="zh-TW" sz="1400" dirty="0" smtClean="0"/>
-              <a:t>Singleton</a:t>
-            </a:r>
-          </a:p>
-          <a:p>
-            <a:pPr algn="ctr"/>
-            <a:r>
-              <a:rPr lang="en-US" altLang="zh-TW" sz="1400" dirty="0" smtClean="0"/>
-              <a:t>Service</a:t>
-            </a:r>
-            <a:endParaRPr lang="zh-TW" altLang="en-US" sz="1400" dirty="0">
-              <a:solidFill>
-                <a:schemeClr val="bg1"/>
-              </a:solidFill>
-            </a:endParaRPr>
-          </a:p>
-        </p:txBody>
-      </p:sp>
-      <p:grpSp>
-        <p:nvGrpSpPr>
-          <p:cNvPr id="72" name="群組 71"/>
-          <p:cNvGrpSpPr/>
-          <p:nvPr/>
-        </p:nvGrpSpPr>
-        <p:grpSpPr>
-          <a:xfrm>
-            <a:off x="5205862" y="4492766"/>
-            <a:ext cx="869667" cy="465651"/>
-            <a:chOff x="5194995" y="1688527"/>
-            <a:chExt cx="869667" cy="465651"/>
-          </a:xfrm>
-        </p:grpSpPr>
-        <p:sp>
-          <p:nvSpPr>
-            <p:cNvPr id="73" name="向左箭號 72"/>
-            <p:cNvSpPr/>
-            <p:nvPr/>
-          </p:nvSpPr>
-          <p:spPr>
-            <a:xfrm>
-              <a:off x="5194995" y="1894610"/>
-              <a:ext cx="796667" cy="259568"/>
-            </a:xfrm>
-            <a:prstGeom prst="leftArrow">
-              <a:avLst/>
-            </a:prstGeom>
-          </p:spPr>
-          <p:style>
-            <a:lnRef idx="0">
-              <a:schemeClr val="accent4"/>
-            </a:lnRef>
-            <a:fillRef idx="3">
-              <a:schemeClr val="accent4"/>
-            </a:fillRef>
-            <a:effectRef idx="3">
-              <a:schemeClr val="accent4"/>
-            </a:effectRef>
-            <a:fontRef idx="minor">
-              <a:schemeClr val="lt1"/>
-            </a:fontRef>
-          </p:style>
-          <p:txBody>
-            <a:bodyPr rtlCol="0" anchor="ctr"/>
-            <a:lstStyle/>
-            <a:p>
-              <a:pPr algn="ctr"/>
-              <a:endParaRPr lang="zh-TW" altLang="en-US"/>
-            </a:p>
-          </p:txBody>
-        </p:sp>
-        <p:sp>
-          <p:nvSpPr>
-            <p:cNvPr id="74" name="矩形 73"/>
-            <p:cNvSpPr/>
-            <p:nvPr/>
-          </p:nvSpPr>
-          <p:spPr>
-            <a:xfrm>
-              <a:off x="5222764" y="1688527"/>
-              <a:ext cx="841898" cy="369332"/>
-            </a:xfrm>
-            <a:prstGeom prst="rect">
-              <a:avLst/>
-            </a:prstGeom>
-            <a:noFill/>
-            <a:ln>
-              <a:noFill/>
-            </a:ln>
-          </p:spPr>
-          <p:txBody>
-            <a:bodyPr wrap="none">
-              <a:spAutoFit/>
-            </a:bodyPr>
-            <a:lstStyle/>
-            <a:p>
-              <a:pPr algn="ctr"/>
-              <a:r>
-                <a:rPr lang="en-US" altLang="zh-TW" b="1" dirty="0" smtClean="0"/>
-                <a:t>Import</a:t>
-              </a:r>
-              <a:endParaRPr lang="zh-TW" altLang="en-US" b="1" dirty="0"/>
-            </a:p>
-          </p:txBody>
-        </p:sp>
-      </p:grpSp>
-      <p:grpSp>
-        <p:nvGrpSpPr>
-          <p:cNvPr id="75" name="群組 74"/>
-          <p:cNvGrpSpPr/>
-          <p:nvPr/>
-        </p:nvGrpSpPr>
-        <p:grpSpPr>
-          <a:xfrm>
-            <a:off x="5219746" y="5332534"/>
-            <a:ext cx="869667" cy="465651"/>
-            <a:chOff x="5194995" y="1688527"/>
-            <a:chExt cx="869667" cy="465651"/>
-          </a:xfrm>
-        </p:grpSpPr>
-        <p:sp>
-          <p:nvSpPr>
-            <p:cNvPr id="76" name="向左箭號 75"/>
-            <p:cNvSpPr/>
-            <p:nvPr/>
-          </p:nvSpPr>
-          <p:spPr>
-            <a:xfrm>
-              <a:off x="5194995" y="1894610"/>
-              <a:ext cx="796667" cy="259568"/>
-            </a:xfrm>
-            <a:prstGeom prst="leftArrow">
-              <a:avLst/>
-            </a:prstGeom>
-          </p:spPr>
-          <p:style>
-            <a:lnRef idx="0">
-              <a:schemeClr val="accent4"/>
-            </a:lnRef>
-            <a:fillRef idx="3">
-              <a:schemeClr val="accent4"/>
-            </a:fillRef>
-            <a:effectRef idx="3">
-              <a:schemeClr val="accent4"/>
-            </a:effectRef>
-            <a:fontRef idx="minor">
-              <a:schemeClr val="lt1"/>
-            </a:fontRef>
-          </p:style>
-          <p:txBody>
-            <a:bodyPr rtlCol="0" anchor="ctr"/>
-            <a:lstStyle/>
-            <a:p>
-              <a:pPr algn="ctr"/>
-              <a:endParaRPr lang="zh-TW" altLang="en-US"/>
-            </a:p>
-          </p:txBody>
-        </p:sp>
-        <p:sp>
-          <p:nvSpPr>
-            <p:cNvPr id="77" name="矩形 76"/>
-            <p:cNvSpPr/>
-            <p:nvPr/>
-          </p:nvSpPr>
-          <p:spPr>
-            <a:xfrm>
-              <a:off x="5222764" y="1688527"/>
-              <a:ext cx="841898" cy="369332"/>
-            </a:xfrm>
-            <a:prstGeom prst="rect">
-              <a:avLst/>
-            </a:prstGeom>
-            <a:noFill/>
-            <a:ln>
-              <a:noFill/>
-            </a:ln>
-          </p:spPr>
-          <p:txBody>
-            <a:bodyPr wrap="none">
-              <a:spAutoFit/>
-            </a:bodyPr>
-            <a:lstStyle/>
-            <a:p>
-              <a:pPr algn="ctr"/>
-              <a:r>
-                <a:rPr lang="en-US" altLang="zh-TW" b="1" dirty="0" smtClean="0"/>
-                <a:t>Import</a:t>
-              </a:r>
-              <a:endParaRPr lang="zh-TW" altLang="en-US" b="1" dirty="0"/>
-            </a:p>
-          </p:txBody>
-        </p:sp>
-      </p:grpSp>
-      <p:sp>
-        <p:nvSpPr>
-          <p:cNvPr id="78" name="矩形 77"/>
-          <p:cNvSpPr/>
-          <p:nvPr/>
-        </p:nvSpPr>
-        <p:spPr>
-          <a:xfrm>
-            <a:off x="2002022" y="617554"/>
-            <a:ext cx="8455004" cy="6392845"/>
-          </a:xfrm>
-          <a:prstGeom prst="rect">
-            <a:avLst/>
-          </a:prstGeom>
-          <a:noFill/>
+            <a:schemeClr val="tx1"/>
+          </a:fontRef>
+        </p:style>
+      </p:cxnSp>
+      <p:cxnSp>
+        <p:nvCxnSpPr>
+          <p:cNvPr id="17" name="肘形接點 16"/>
+          <p:cNvCxnSpPr>
+            <a:stCxn id="6" idx="3"/>
+            <a:endCxn id="8" idx="0"/>
+          </p:cNvCxnSpPr>
+          <p:nvPr/>
+        </p:nvCxnSpPr>
+        <p:spPr>
+          <a:xfrm>
+            <a:off x="4979400" y="2340140"/>
+            <a:ext cx="1587000" cy="707860"/>
+          </a:xfrm>
+          <a:prstGeom prst="bentConnector2">
+            <a:avLst/>
+          </a:prstGeom>
           <a:ln w="19050">
             <a:solidFill>
               <a:schemeClr val="tx1"/>
             </a:solidFill>
-            <a:prstDash val="solid"/>
+            <a:prstDash val="sysDash"/>
+            <a:headEnd type="none" w="med" len="med"/>
+            <a:tailEnd type="arrow" w="med" len="med"/>
           </a:ln>
         </p:spPr>
         <p:style>
-          <a:lnRef idx="0">
+          <a:lnRef idx="1">
             <a:schemeClr val="accent1"/>
           </a:lnRef>
-          <a:fillRef idx="3">
+          <a:fillRef idx="0">
             <a:schemeClr val="accent1"/>
           </a:fillRef>
-          <a:effectRef idx="3">
+          <a:effectRef idx="0">
             <a:schemeClr val="accent1"/>
           </a:effectRef>
           <a:fontRef idx="minor">
-            <a:schemeClr val="lt1"/>
-          </a:fontRef>
-        </p:style>
-        <p:txBody>
-          <a:bodyPr rtlCol="0" anchor="ctr"/>
-          <a:lstStyle/>
-          <a:p>
-            <a:pPr algn="ctr"/>
-            <a:endParaRPr lang="zh-TW" altLang="en-US">
-              <a:solidFill>
-                <a:schemeClr val="tx1"/>
-              </a:solidFill>
-            </a:endParaRPr>
-          </a:p>
-        </p:txBody>
-      </p:sp>
-      <p:sp>
-        <p:nvSpPr>
-          <p:cNvPr id="79" name="矩形 78"/>
-          <p:cNvSpPr/>
-          <p:nvPr/>
-        </p:nvSpPr>
-        <p:spPr>
-          <a:xfrm>
-            <a:off x="5660874" y="617554"/>
-            <a:ext cx="1137299" cy="369332"/>
-          </a:xfrm>
-          <a:prstGeom prst="rect">
-            <a:avLst/>
-          </a:prstGeom>
-          <a:noFill/>
-          <a:ln>
-            <a:noFill/>
+            <a:schemeClr val="tx1"/>
+          </a:fontRef>
+        </p:style>
+      </p:cxnSp>
+      <p:cxnSp>
+        <p:nvCxnSpPr>
+          <p:cNvPr id="19" name="直線單箭頭接點 18"/>
+          <p:cNvCxnSpPr>
+            <a:stCxn id="7" idx="3"/>
+            <a:endCxn id="8" idx="1"/>
+          </p:cNvCxnSpPr>
+          <p:nvPr/>
+        </p:nvCxnSpPr>
+        <p:spPr>
+          <a:xfrm>
+            <a:off x="4979400" y="3408000"/>
+            <a:ext cx="507000" cy="0"/>
+          </a:xfrm>
+          <a:prstGeom prst="straightConnector1">
+            <a:avLst/>
+          </a:prstGeom>
+          <a:ln w="19050">
+            <a:solidFill>
+              <a:schemeClr val="tx1"/>
+            </a:solidFill>
+            <a:prstDash val="sysDash"/>
+            <a:headEnd type="none" w="med" len="med"/>
+            <a:tailEnd type="arrow" w="med" len="med"/>
           </a:ln>
         </p:spPr>
-        <p:txBody>
-          <a:bodyPr wrap="none">
-            <a:spAutoFit/>
-          </a:bodyPr>
-          <a:lstStyle/>
-          <a:p>
-            <a:pPr algn="ctr"/>
-            <a:r>
-              <a:rPr lang="en-US" altLang="zh-TW" b="1" dirty="0" smtClean="0"/>
-              <a:t>JavaScript</a:t>
-            </a:r>
-            <a:endParaRPr lang="zh-TW" altLang="en-US" b="1" dirty="0"/>
-          </a:p>
-        </p:txBody>
-      </p:sp>
+        <p:style>
+          <a:lnRef idx="1">
+            <a:schemeClr val="accent1"/>
+          </a:lnRef>
+          <a:fillRef idx="0">
+            <a:schemeClr val="accent1"/>
+          </a:fillRef>
+          <a:effectRef idx="0">
+            <a:schemeClr val="accent1"/>
+          </a:effectRef>
+          <a:fontRef idx="minor">
+            <a:schemeClr val="tx1"/>
+          </a:fontRef>
+        </p:style>
+      </p:cxnSp>
     </p:spTree>
     <p:extLst>
       <p:ext uri="{BB962C8B-B14F-4D97-AF65-F5344CB8AC3E}">
-        <p14:creationId xmlns:p14="http://schemas.microsoft.com/office/powerpoint/2010/main" val="1024617178"/>
+        <p14:creationId xmlns:p14="http://schemas.microsoft.com/office/powerpoint/2010/main" val="2453471979"/>
       </p:ext>
     </p:extLst>
   </p:cSld>
@@ -16100,196 +13967,9 @@
   <p:timing>
     <p:tnLst>
       <p:par>
-        <p:cTn id="1" dur="indefinite" restart="never" nodeType="tmRoot">
-          <p:childTnLst>
-            <p:seq concurrent="1" nextAc="seek">
-              <p:cTn id="2" dur="indefinite" nodeType="mainSeq">
-                <p:childTnLst>
-                  <p:par>
-                    <p:cTn id="3" fill="hold">
-                      <p:stCondLst>
-                        <p:cond delay="indefinite"/>
-                      </p:stCondLst>
-                      <p:childTnLst>
-                        <p:par>
-                          <p:cTn id="4" fill="hold">
-                            <p:stCondLst>
-                              <p:cond delay="0"/>
-                            </p:stCondLst>
-                            <p:childTnLst>
-                              <p:par>
-                                <p:cTn id="5" presetID="10" presetClass="entr" presetSubtype="0" fill="hold" grpId="0" nodeType="clickEffect">
-                                  <p:stCondLst>
-                                    <p:cond delay="0"/>
-                                  </p:stCondLst>
-                                  <p:childTnLst>
-                                    <p:set>
-                                      <p:cBhvr>
-                                        <p:cTn id="6" dur="1" fill="hold">
-                                          <p:stCondLst>
-                                            <p:cond delay="0"/>
-                                          </p:stCondLst>
-                                        </p:cTn>
-                                        <p:tgtEl>
-                                          <p:spTgt spid="67"/>
-                                        </p:tgtEl>
-                                        <p:attrNameLst>
-                                          <p:attrName>style.visibility</p:attrName>
-                                        </p:attrNameLst>
-                                      </p:cBhvr>
-                                      <p:to>
-                                        <p:strVal val="visible"/>
-                                      </p:to>
-                                    </p:set>
-                                    <p:animEffect transition="in" filter="fade">
-                                      <p:cBhvr>
-                                        <p:cTn id="7" dur="500"/>
-                                        <p:tgtEl>
-                                          <p:spTgt spid="67"/>
-                                        </p:tgtEl>
-                                      </p:cBhvr>
-                                    </p:animEffect>
-                                  </p:childTnLst>
-                                </p:cTn>
-                              </p:par>
-                            </p:childTnLst>
-                          </p:cTn>
-                        </p:par>
-                      </p:childTnLst>
-                    </p:cTn>
-                  </p:par>
-                  <p:par>
-                    <p:cTn id="8" fill="hold">
-                      <p:stCondLst>
-                        <p:cond delay="indefinite"/>
-                      </p:stCondLst>
-                      <p:childTnLst>
-                        <p:par>
-                          <p:cTn id="9" fill="hold">
-                            <p:stCondLst>
-                              <p:cond delay="0"/>
-                            </p:stCondLst>
-                            <p:childTnLst>
-                              <p:par>
-                                <p:cTn id="10" presetID="10" presetClass="entr" presetSubtype="0" fill="hold" grpId="0" nodeType="clickEffect">
-                                  <p:stCondLst>
-                                    <p:cond delay="0"/>
-                                  </p:stCondLst>
-                                  <p:childTnLst>
-                                    <p:set>
-                                      <p:cBhvr>
-                                        <p:cTn id="11" dur="1" fill="hold">
-                                          <p:stCondLst>
-                                            <p:cond delay="0"/>
-                                          </p:stCondLst>
-                                        </p:cTn>
-                                        <p:tgtEl>
-                                          <p:spTgt spid="92"/>
-                                        </p:tgtEl>
-                                        <p:attrNameLst>
-                                          <p:attrName>style.visibility</p:attrName>
-                                        </p:attrNameLst>
-                                      </p:cBhvr>
-                                      <p:to>
-                                        <p:strVal val="visible"/>
-                                      </p:to>
-                                    </p:set>
-                                    <p:animEffect transition="in" filter="fade">
-                                      <p:cBhvr>
-                                        <p:cTn id="12" dur="500"/>
-                                        <p:tgtEl>
-                                          <p:spTgt spid="92"/>
-                                        </p:tgtEl>
-                                      </p:cBhvr>
-                                    </p:animEffect>
-                                  </p:childTnLst>
-                                </p:cTn>
-                              </p:par>
-                            </p:childTnLst>
-                          </p:cTn>
-                        </p:par>
-                      </p:childTnLst>
-                    </p:cTn>
-                  </p:par>
-                  <p:par>
-                    <p:cTn id="13" fill="hold">
-                      <p:stCondLst>
-                        <p:cond delay="indefinite"/>
-                      </p:stCondLst>
-                      <p:childTnLst>
-                        <p:par>
-                          <p:cTn id="14" fill="hold">
-                            <p:stCondLst>
-                              <p:cond delay="0"/>
-                            </p:stCondLst>
-                            <p:childTnLst>
-                              <p:par>
-                                <p:cTn id="15" presetID="10" presetClass="entr" presetSubtype="0" fill="hold" grpId="0" nodeType="clickEffect">
-                                  <p:stCondLst>
-                                    <p:cond delay="0"/>
-                                  </p:stCondLst>
-                                  <p:childTnLst>
-                                    <p:set>
-                                      <p:cBhvr>
-                                        <p:cTn id="16" dur="1" fill="hold">
-                                          <p:stCondLst>
-                                            <p:cond delay="0"/>
-                                          </p:stCondLst>
-                                        </p:cTn>
-                                        <p:tgtEl>
-                                          <p:spTgt spid="106"/>
-                                        </p:tgtEl>
-                                        <p:attrNameLst>
-                                          <p:attrName>style.visibility</p:attrName>
-                                        </p:attrNameLst>
-                                      </p:cBhvr>
-                                      <p:to>
-                                        <p:strVal val="visible"/>
-                                      </p:to>
-                                    </p:set>
-                                    <p:animEffect transition="in" filter="fade">
-                                      <p:cBhvr>
-                                        <p:cTn id="17" dur="500"/>
-                                        <p:tgtEl>
-                                          <p:spTgt spid="106"/>
-                                        </p:tgtEl>
-                                      </p:cBhvr>
-                                    </p:animEffect>
-                                  </p:childTnLst>
-                                </p:cTn>
-                              </p:par>
-                            </p:childTnLst>
-                          </p:cTn>
-                        </p:par>
-                      </p:childTnLst>
-                    </p:cTn>
-                  </p:par>
-                </p:childTnLst>
-              </p:cTn>
-              <p:prevCondLst>
-                <p:cond evt="onPrev" delay="0">
-                  <p:tgtEl>
-                    <p:sldTgt/>
-                  </p:tgtEl>
-                </p:cond>
-              </p:prevCondLst>
-              <p:nextCondLst>
-                <p:cond evt="onNext" delay="0">
-                  <p:tgtEl>
-                    <p:sldTgt/>
-                  </p:tgtEl>
-                </p:cond>
-              </p:nextCondLst>
-            </p:seq>
-          </p:childTnLst>
-        </p:cTn>
+        <p:cTn id="1" dur="indefinite" restart="never" nodeType="tmRoot"/>
       </p:par>
     </p:tnLst>
-    <p:bldLst>
-      <p:bldP spid="67" grpId="0" animBg="1"/>
-      <p:bldP spid="92" grpId="0" animBg="1"/>
-      <p:bldP spid="106" grpId="0" animBg="1"/>
-    </p:bldLst>
   </p:timing>
 </p:sld>
 </file>
@@ -16319,435 +13999,6 @@
         </p:nvSpPr>
         <p:spPr>
           <a:xfrm>
-            <a:off x="2819400" y="4114800"/>
-            <a:ext cx="2160000" cy="720000"/>
-          </a:xfrm>
-          <a:prstGeom prst="rect">
-            <a:avLst/>
-          </a:prstGeom>
-        </p:spPr>
-        <p:style>
-          <a:lnRef idx="0">
-            <a:schemeClr val="accent5"/>
-          </a:lnRef>
-          <a:fillRef idx="3">
-            <a:schemeClr val="accent5"/>
-          </a:fillRef>
-          <a:effectRef idx="3">
-            <a:schemeClr val="accent5"/>
-          </a:effectRef>
-          <a:fontRef idx="minor">
-            <a:schemeClr val="lt1"/>
-          </a:fontRef>
-        </p:style>
-        <p:txBody>
-          <a:bodyPr rtlCol="0" anchor="ctr"/>
-          <a:lstStyle/>
-          <a:p>
-            <a:pPr algn="ctr"/>
-            <a:r>
-              <a:rPr lang="en-US" altLang="zh-TW"/>
-              <a:t>MyWebsite</a:t>
-            </a:r>
-            <a:endParaRPr lang="zh-TW" altLang="en-US"/>
-          </a:p>
-        </p:txBody>
-      </p:sp>
-      <p:sp>
-        <p:nvSpPr>
-          <p:cNvPr id="6" name="矩形 5"/>
-          <p:cNvSpPr/>
-          <p:nvPr/>
-        </p:nvSpPr>
-        <p:spPr>
-          <a:xfrm>
-            <a:off x="2819400" y="1980140"/>
-            <a:ext cx="2160000" cy="720000"/>
-          </a:xfrm>
-          <a:prstGeom prst="rect">
-            <a:avLst/>
-          </a:prstGeom>
-        </p:spPr>
-        <p:style>
-          <a:lnRef idx="0">
-            <a:schemeClr val="accent4"/>
-          </a:lnRef>
-          <a:fillRef idx="3">
-            <a:schemeClr val="accent4"/>
-          </a:fillRef>
-          <a:effectRef idx="3">
-            <a:schemeClr val="accent4"/>
-          </a:effectRef>
-          <a:fontRef idx="minor">
-            <a:schemeClr val="lt1"/>
-          </a:fontRef>
-        </p:style>
-        <p:txBody>
-          <a:bodyPr rtlCol="0" anchor="ctr"/>
-          <a:lstStyle/>
-          <a:p>
-            <a:pPr algn="ctr"/>
-            <a:r>
-              <a:rPr lang="en-US" altLang="zh-TW" dirty="0" smtClean="0"/>
-              <a:t>DAL</a:t>
-            </a:r>
-            <a:endParaRPr lang="en-US" altLang="zh-TW" dirty="0"/>
-          </a:p>
-          <a:p>
-            <a:pPr algn="ctr"/>
-            <a:r>
-              <a:rPr lang="en-US" altLang="zh-TW" dirty="0" smtClean="0"/>
-              <a:t>(Data Access Layer)</a:t>
-            </a:r>
-            <a:endParaRPr lang="zh-TW" altLang="en-US" dirty="0"/>
-          </a:p>
-        </p:txBody>
-      </p:sp>
-      <p:sp>
-        <p:nvSpPr>
-          <p:cNvPr id="7" name="矩形 6"/>
-          <p:cNvSpPr/>
-          <p:nvPr/>
-        </p:nvSpPr>
-        <p:spPr>
-          <a:xfrm>
-            <a:off x="2819400" y="3048000"/>
-            <a:ext cx="2160000" cy="720000"/>
-          </a:xfrm>
-          <a:prstGeom prst="rect">
-            <a:avLst/>
-          </a:prstGeom>
-        </p:spPr>
-        <p:style>
-          <a:lnRef idx="0">
-            <a:schemeClr val="accent2"/>
-          </a:lnRef>
-          <a:fillRef idx="3">
-            <a:schemeClr val="accent2"/>
-          </a:fillRef>
-          <a:effectRef idx="3">
-            <a:schemeClr val="accent2"/>
-          </a:effectRef>
-          <a:fontRef idx="minor">
-            <a:schemeClr val="lt1"/>
-          </a:fontRef>
-        </p:style>
-        <p:txBody>
-          <a:bodyPr rtlCol="0" anchor="ctr"/>
-          <a:lstStyle/>
-          <a:p>
-            <a:pPr algn="ctr"/>
-            <a:r>
-              <a:rPr lang="en-US" altLang="zh-TW" dirty="0" smtClean="0"/>
-              <a:t>BLL</a:t>
-            </a:r>
-          </a:p>
-          <a:p>
-            <a:pPr algn="ctr"/>
-            <a:r>
-              <a:rPr lang="en-US" altLang="zh-TW" dirty="0"/>
-              <a:t>(Business Logic Layer</a:t>
-            </a:r>
-            <a:r>
-              <a:rPr lang="en-US" altLang="zh-TW" dirty="0" smtClean="0"/>
-              <a:t>)</a:t>
-            </a:r>
-            <a:endParaRPr lang="zh-TW" altLang="en-US" dirty="0"/>
-          </a:p>
-        </p:txBody>
-      </p:sp>
-      <p:sp>
-        <p:nvSpPr>
-          <p:cNvPr id="8" name="矩形 7"/>
-          <p:cNvSpPr/>
-          <p:nvPr/>
-        </p:nvSpPr>
-        <p:spPr>
-          <a:xfrm>
-            <a:off x="5486400" y="3048000"/>
-            <a:ext cx="2160000" cy="720000"/>
-          </a:xfrm>
-          <a:prstGeom prst="rect">
-            <a:avLst/>
-          </a:prstGeom>
-        </p:spPr>
-        <p:style>
-          <a:lnRef idx="0">
-            <a:schemeClr val="accent6"/>
-          </a:lnRef>
-          <a:fillRef idx="3">
-            <a:schemeClr val="accent6"/>
-          </a:fillRef>
-          <a:effectRef idx="3">
-            <a:schemeClr val="accent6"/>
-          </a:effectRef>
-          <a:fontRef idx="minor">
-            <a:schemeClr val="lt1"/>
-          </a:fontRef>
-        </p:style>
-        <p:txBody>
-          <a:bodyPr rtlCol="0" anchor="ctr"/>
-          <a:lstStyle/>
-          <a:p>
-            <a:pPr algn="ctr"/>
-            <a:r>
-              <a:rPr lang="en-US" altLang="zh-TW" dirty="0"/>
-              <a:t>Entities</a:t>
-            </a:r>
-            <a:endParaRPr lang="zh-TW" altLang="en-US" dirty="0"/>
-          </a:p>
-        </p:txBody>
-      </p:sp>
-      <p:cxnSp>
-        <p:nvCxnSpPr>
-          <p:cNvPr id="11" name="直線單箭頭接點 10"/>
-          <p:cNvCxnSpPr>
-            <a:stCxn id="7" idx="0"/>
-            <a:endCxn id="6" idx="2"/>
-          </p:cNvCxnSpPr>
-          <p:nvPr/>
-        </p:nvCxnSpPr>
-        <p:spPr>
-          <a:xfrm flipV="1">
-            <a:off x="3899400" y="2700140"/>
-            <a:ext cx="0" cy="347860"/>
-          </a:xfrm>
-          <a:prstGeom prst="straightConnector1">
-            <a:avLst/>
-          </a:prstGeom>
-          <a:ln w="19050">
-            <a:solidFill>
-              <a:schemeClr val="tx1"/>
-            </a:solidFill>
-            <a:prstDash val="sysDash"/>
-            <a:headEnd type="none" w="med" len="med"/>
-            <a:tailEnd type="arrow" w="med" len="med"/>
-          </a:ln>
-        </p:spPr>
-        <p:style>
-          <a:lnRef idx="1">
-            <a:schemeClr val="accent1"/>
-          </a:lnRef>
-          <a:fillRef idx="0">
-            <a:schemeClr val="accent1"/>
-          </a:fillRef>
-          <a:effectRef idx="0">
-            <a:schemeClr val="accent1"/>
-          </a:effectRef>
-          <a:fontRef idx="minor">
-            <a:schemeClr val="tx1"/>
-          </a:fontRef>
-        </p:style>
-      </p:cxnSp>
-      <p:cxnSp>
-        <p:nvCxnSpPr>
-          <p:cNvPr id="13" name="直線單箭頭接點 12"/>
-          <p:cNvCxnSpPr>
-            <a:stCxn id="5" idx="0"/>
-            <a:endCxn id="7" idx="2"/>
-          </p:cNvCxnSpPr>
-          <p:nvPr/>
-        </p:nvCxnSpPr>
-        <p:spPr>
-          <a:xfrm flipV="1">
-            <a:off x="3899400" y="3768000"/>
-            <a:ext cx="0" cy="346800"/>
-          </a:xfrm>
-          <a:prstGeom prst="straightConnector1">
-            <a:avLst/>
-          </a:prstGeom>
-          <a:ln w="19050">
-            <a:solidFill>
-              <a:schemeClr val="tx1"/>
-            </a:solidFill>
-            <a:prstDash val="sysDash"/>
-            <a:headEnd type="none" w="med" len="med"/>
-            <a:tailEnd type="arrow" w="med" len="med"/>
-          </a:ln>
-        </p:spPr>
-        <p:style>
-          <a:lnRef idx="1">
-            <a:schemeClr val="accent1"/>
-          </a:lnRef>
-          <a:fillRef idx="0">
-            <a:schemeClr val="accent1"/>
-          </a:fillRef>
-          <a:effectRef idx="0">
-            <a:schemeClr val="accent1"/>
-          </a:effectRef>
-          <a:fontRef idx="minor">
-            <a:schemeClr val="tx1"/>
-          </a:fontRef>
-        </p:style>
-      </p:cxnSp>
-      <p:cxnSp>
-        <p:nvCxnSpPr>
-          <p:cNvPr id="15" name="肘形接點 14"/>
-          <p:cNvCxnSpPr>
-            <a:stCxn id="5" idx="3"/>
-            <a:endCxn id="8" idx="2"/>
-          </p:cNvCxnSpPr>
-          <p:nvPr/>
-        </p:nvCxnSpPr>
-        <p:spPr>
-          <a:xfrm flipV="1">
-            <a:off x="4979400" y="3768000"/>
-            <a:ext cx="1587000" cy="706800"/>
-          </a:xfrm>
-          <a:prstGeom prst="bentConnector2">
-            <a:avLst/>
-          </a:prstGeom>
-          <a:ln w="19050">
-            <a:solidFill>
-              <a:schemeClr val="tx1"/>
-            </a:solidFill>
-            <a:prstDash val="sysDash"/>
-            <a:headEnd type="none" w="med" len="med"/>
-            <a:tailEnd type="arrow" w="med" len="med"/>
-          </a:ln>
-        </p:spPr>
-        <p:style>
-          <a:lnRef idx="1">
-            <a:schemeClr val="accent1"/>
-          </a:lnRef>
-          <a:fillRef idx="0">
-            <a:schemeClr val="accent1"/>
-          </a:fillRef>
-          <a:effectRef idx="0">
-            <a:schemeClr val="accent1"/>
-          </a:effectRef>
-          <a:fontRef idx="minor">
-            <a:schemeClr val="tx1"/>
-          </a:fontRef>
-        </p:style>
-      </p:cxnSp>
-      <p:cxnSp>
-        <p:nvCxnSpPr>
-          <p:cNvPr id="17" name="肘形接點 16"/>
-          <p:cNvCxnSpPr>
-            <a:stCxn id="6" idx="3"/>
-            <a:endCxn id="8" idx="0"/>
-          </p:cNvCxnSpPr>
-          <p:nvPr/>
-        </p:nvCxnSpPr>
-        <p:spPr>
-          <a:xfrm>
-            <a:off x="4979400" y="2340140"/>
-            <a:ext cx="1587000" cy="707860"/>
-          </a:xfrm>
-          <a:prstGeom prst="bentConnector2">
-            <a:avLst/>
-          </a:prstGeom>
-          <a:ln w="19050">
-            <a:solidFill>
-              <a:schemeClr val="tx1"/>
-            </a:solidFill>
-            <a:prstDash val="sysDash"/>
-            <a:headEnd type="none" w="med" len="med"/>
-            <a:tailEnd type="arrow" w="med" len="med"/>
-          </a:ln>
-        </p:spPr>
-        <p:style>
-          <a:lnRef idx="1">
-            <a:schemeClr val="accent1"/>
-          </a:lnRef>
-          <a:fillRef idx="0">
-            <a:schemeClr val="accent1"/>
-          </a:fillRef>
-          <a:effectRef idx="0">
-            <a:schemeClr val="accent1"/>
-          </a:effectRef>
-          <a:fontRef idx="minor">
-            <a:schemeClr val="tx1"/>
-          </a:fontRef>
-        </p:style>
-      </p:cxnSp>
-      <p:cxnSp>
-        <p:nvCxnSpPr>
-          <p:cNvPr id="19" name="直線單箭頭接點 18"/>
-          <p:cNvCxnSpPr>
-            <a:stCxn id="7" idx="3"/>
-            <a:endCxn id="8" idx="1"/>
-          </p:cNvCxnSpPr>
-          <p:nvPr/>
-        </p:nvCxnSpPr>
-        <p:spPr>
-          <a:xfrm>
-            <a:off x="4979400" y="3408000"/>
-            <a:ext cx="507000" cy="0"/>
-          </a:xfrm>
-          <a:prstGeom prst="straightConnector1">
-            <a:avLst/>
-          </a:prstGeom>
-          <a:ln w="19050">
-            <a:solidFill>
-              <a:schemeClr val="tx1"/>
-            </a:solidFill>
-            <a:prstDash val="sysDash"/>
-            <a:headEnd type="none" w="med" len="med"/>
-            <a:tailEnd type="arrow" w="med" len="med"/>
-          </a:ln>
-        </p:spPr>
-        <p:style>
-          <a:lnRef idx="1">
-            <a:schemeClr val="accent1"/>
-          </a:lnRef>
-          <a:fillRef idx="0">
-            <a:schemeClr val="accent1"/>
-          </a:fillRef>
-          <a:effectRef idx="0">
-            <a:schemeClr val="accent1"/>
-          </a:effectRef>
-          <a:fontRef idx="minor">
-            <a:schemeClr val="tx1"/>
-          </a:fontRef>
-        </p:style>
-      </p:cxnSp>
-    </p:spTree>
-    <p:extLst>
-      <p:ext uri="{BB962C8B-B14F-4D97-AF65-F5344CB8AC3E}">
-        <p14:creationId xmlns:p14="http://schemas.microsoft.com/office/powerpoint/2010/main" val="2453471979"/>
-      </p:ext>
-    </p:extLst>
-  </p:cSld>
-  <p:clrMapOvr>
-    <a:masterClrMapping/>
-  </p:clrMapOvr>
-  <p:timing>
-    <p:tnLst>
-      <p:par>
-        <p:cTn id="1" dur="indefinite" restart="never" nodeType="tmRoot"/>
-      </p:par>
-    </p:tnLst>
-  </p:timing>
-</p:sld>
-</file>
-
-<file path=ppt/slides/slide17.xml><?xml version="1.0" encoding="utf-8"?>
-<p:sld xmlns:a="http://schemas.openxmlformats.org/drawingml/2006/main" xmlns:r="http://schemas.openxmlformats.org/officeDocument/2006/relationships" xmlns:p="http://schemas.openxmlformats.org/presentationml/2006/main">
-  <p:cSld>
-    <p:spTree>
-      <p:nvGrpSpPr>
-        <p:cNvPr id="1" name=""/>
-        <p:cNvGrpSpPr/>
-        <p:nvPr/>
-      </p:nvGrpSpPr>
-      <p:grpSpPr>
-        <a:xfrm>
-          <a:off x="0" y="0"/>
-          <a:ext cx="0" cy="0"/>
-          <a:chOff x="0" y="0"/>
-          <a:chExt cx="0" cy="0"/>
-        </a:xfrm>
-      </p:grpSpPr>
-      <p:sp>
-        <p:nvSpPr>
-          <p:cNvPr id="5" name="矩形 4"/>
-          <p:cNvSpPr/>
-          <p:nvPr/>
-        </p:nvSpPr>
-        <p:spPr>
-          <a:xfrm>
             <a:off x="4953000" y="3794338"/>
             <a:ext cx="1440000" cy="720000"/>
           </a:xfrm>
@@ -17340,7 +14591,7 @@
 </p:sld>
 </file>
 
-<file path=ppt/slides/slide18.xml><?xml version="1.0" encoding="utf-8"?>
+<file path=ppt/slides/slide17.xml><?xml version="1.0" encoding="utf-8"?>
 <p:sld xmlns:a="http://schemas.openxmlformats.org/drawingml/2006/main" xmlns:r="http://schemas.openxmlformats.org/officeDocument/2006/relationships" xmlns:p="http://schemas.openxmlformats.org/presentationml/2006/main">
   <p:cSld>
     <p:spTree>
@@ -18082,7 +15333,7 @@
 </p:sld>
 </file>
 
-<file path=ppt/slides/slide19.xml><?xml version="1.0" encoding="utf-8"?>
+<file path=ppt/slides/slide18.xml><?xml version="1.0" encoding="utf-8"?>
 <p:sld xmlns:a="http://schemas.openxmlformats.org/drawingml/2006/main" xmlns:r="http://schemas.openxmlformats.org/officeDocument/2006/relationships" xmlns:p="http://schemas.openxmlformats.org/presentationml/2006/main">
   <p:cSld>
     <p:spTree>
@@ -18982,6 +16233,868 @@
       <p:bldP spid="8" grpId="0" animBg="1"/>
       <p:bldP spid="8" grpId="1" animBg="1"/>
     </p:bldLst>
+  </p:timing>
+</p:sld>
+</file>
+
+<file path=ppt/slides/slide19.xml><?xml version="1.0" encoding="utf-8"?>
+<p:sld xmlns:a="http://schemas.openxmlformats.org/drawingml/2006/main" xmlns:r="http://schemas.openxmlformats.org/officeDocument/2006/relationships" xmlns:p="http://schemas.openxmlformats.org/presentationml/2006/main">
+  <p:cSld>
+    <p:spTree>
+      <p:nvGrpSpPr>
+        <p:cNvPr id="1" name=""/>
+        <p:cNvGrpSpPr/>
+        <p:nvPr/>
+      </p:nvGrpSpPr>
+      <p:grpSpPr>
+        <a:xfrm>
+          <a:off x="0" y="0"/>
+          <a:ext cx="0" cy="0"/>
+          <a:chOff x="0" y="0"/>
+          <a:chExt cx="0" cy="0"/>
+        </a:xfrm>
+      </p:grpSpPr>
+      <p:sp>
+        <p:nvSpPr>
+          <p:cNvPr id="3" name="矩形 2"/>
+          <p:cNvSpPr/>
+          <p:nvPr/>
+        </p:nvSpPr>
+        <p:spPr>
+          <a:xfrm>
+            <a:off x="433235" y="-4014395"/>
+            <a:ext cx="7634668" cy="4294501"/>
+          </a:xfrm>
+          <a:prstGeom prst="rect">
+            <a:avLst/>
+          </a:prstGeom>
+        </p:spPr>
+        <p:style>
+          <a:lnRef idx="2">
+            <a:schemeClr val="dk1">
+              <a:shade val="50000"/>
+            </a:schemeClr>
+          </a:lnRef>
+          <a:fillRef idx="1">
+            <a:schemeClr val="dk1"/>
+          </a:fillRef>
+          <a:effectRef idx="0">
+            <a:schemeClr val="dk1"/>
+          </a:effectRef>
+          <a:fontRef idx="minor">
+            <a:schemeClr val="lt1"/>
+          </a:fontRef>
+        </p:style>
+        <p:txBody>
+          <a:bodyPr rtlCol="0" anchor="ctr"/>
+          <a:lstStyle/>
+          <a:p>
+            <a:pPr algn="ctr"/>
+            <a:endParaRPr lang="zh-TW" altLang="en-US"/>
+          </a:p>
+        </p:txBody>
+      </p:sp>
+      <p:sp>
+        <p:nvSpPr>
+          <p:cNvPr id="13" name="矩形 12"/>
+          <p:cNvSpPr/>
+          <p:nvPr/>
+        </p:nvSpPr>
+        <p:spPr>
+          <a:xfrm>
+            <a:off x="6784603" y="1769146"/>
+            <a:ext cx="1467582" cy="3904552"/>
+          </a:xfrm>
+          <a:prstGeom prst="rect">
+            <a:avLst/>
+          </a:prstGeom>
+        </p:spPr>
+        <p:style>
+          <a:lnRef idx="1">
+            <a:schemeClr val="accent6"/>
+          </a:lnRef>
+          <a:fillRef idx="3">
+            <a:schemeClr val="accent6"/>
+          </a:fillRef>
+          <a:effectRef idx="2">
+            <a:schemeClr val="accent6"/>
+          </a:effectRef>
+          <a:fontRef idx="minor">
+            <a:schemeClr val="lt1"/>
+          </a:fontRef>
+        </p:style>
+        <p:txBody>
+          <a:bodyPr rtlCol="0" anchor="ctr"/>
+          <a:lstStyle/>
+          <a:p>
+            <a:pPr algn="ctr"/>
+            <a:r>
+              <a:rPr lang="en-US" altLang="zh-TW" sz="1600" b="1" dirty="0" smtClean="0"/>
+              <a:t>Action</a:t>
+            </a:r>
+            <a:endParaRPr lang="zh-TW" altLang="en-US" sz="1600" b="1" dirty="0"/>
+          </a:p>
+        </p:txBody>
+      </p:sp>
+      <p:sp>
+        <p:nvSpPr>
+          <p:cNvPr id="16" name="矩形 15"/>
+          <p:cNvSpPr/>
+          <p:nvPr/>
+        </p:nvSpPr>
+        <p:spPr>
+          <a:xfrm rot="5400000">
+            <a:off x="-29173" y="3361421"/>
+            <a:ext cx="3904550" cy="720000"/>
+          </a:xfrm>
+          <a:prstGeom prst="rect">
+            <a:avLst/>
+          </a:prstGeom>
+        </p:spPr>
+        <p:style>
+          <a:lnRef idx="0">
+            <a:schemeClr val="accent2"/>
+          </a:lnRef>
+          <a:fillRef idx="3">
+            <a:schemeClr val="accent2"/>
+          </a:fillRef>
+          <a:effectRef idx="3">
+            <a:schemeClr val="accent2"/>
+          </a:effectRef>
+          <a:fontRef idx="minor">
+            <a:schemeClr val="lt1"/>
+          </a:fontRef>
+        </p:style>
+        <p:txBody>
+          <a:bodyPr rtlCol="0" anchor="ctr"/>
+          <a:lstStyle/>
+          <a:p>
+            <a:pPr algn="ctr"/>
+            <a:r>
+              <a:rPr lang="en-US" altLang="zh-TW" sz="1600" b="1" dirty="0" smtClean="0"/>
+              <a:t>HTTP</a:t>
+            </a:r>
+            <a:r>
+              <a:rPr lang="zh-TW" altLang="en-US" sz="1600" b="1" dirty="0" smtClean="0"/>
+              <a:t> </a:t>
+            </a:r>
+            <a:r>
+              <a:rPr lang="en-US" altLang="zh-TW" sz="1600" b="1" dirty="0" smtClean="0"/>
+              <a:t>Module 1</a:t>
+            </a:r>
+            <a:endParaRPr lang="zh-TW" altLang="en-US" sz="1600" b="1" dirty="0"/>
+          </a:p>
+        </p:txBody>
+      </p:sp>
+      <p:sp>
+        <p:nvSpPr>
+          <p:cNvPr id="19" name="矩形 18"/>
+          <p:cNvSpPr/>
+          <p:nvPr/>
+        </p:nvSpPr>
+        <p:spPr>
+          <a:xfrm rot="5400000">
+            <a:off x="4148025" y="3361423"/>
+            <a:ext cx="3904553" cy="720000"/>
+          </a:xfrm>
+          <a:prstGeom prst="rect">
+            <a:avLst/>
+          </a:prstGeom>
+        </p:spPr>
+        <p:style>
+          <a:lnRef idx="1">
+            <a:schemeClr val="accent1"/>
+          </a:lnRef>
+          <a:fillRef idx="3">
+            <a:schemeClr val="accent1"/>
+          </a:fillRef>
+          <a:effectRef idx="2">
+            <a:schemeClr val="accent1"/>
+          </a:effectRef>
+          <a:fontRef idx="minor">
+            <a:schemeClr val="lt1"/>
+          </a:fontRef>
+        </p:style>
+        <p:txBody>
+          <a:bodyPr rtlCol="0" anchor="ctr"/>
+          <a:lstStyle/>
+          <a:p>
+            <a:pPr algn="ctr"/>
+            <a:r>
+              <a:rPr lang="en-US" altLang="zh-TW" sz="1600" b="1" dirty="0" smtClean="0"/>
+              <a:t>Action Filters</a:t>
+            </a:r>
+            <a:endParaRPr lang="zh-TW" altLang="en-US" sz="1600" b="1" dirty="0"/>
+          </a:p>
+        </p:txBody>
+      </p:sp>
+      <p:sp>
+        <p:nvSpPr>
+          <p:cNvPr id="24" name="Send Log F2L"/>
+          <p:cNvSpPr/>
+          <p:nvPr/>
+        </p:nvSpPr>
+        <p:spPr>
+          <a:xfrm>
+            <a:off x="693546" y="2081489"/>
+            <a:ext cx="1080000" cy="540000"/>
+          </a:xfrm>
+          <a:prstGeom prst="rightArrow">
+            <a:avLst/>
+          </a:prstGeom>
+        </p:spPr>
+        <p:style>
+          <a:lnRef idx="1">
+            <a:schemeClr val="accent4"/>
+          </a:lnRef>
+          <a:fillRef idx="2">
+            <a:schemeClr val="accent4"/>
+          </a:fillRef>
+          <a:effectRef idx="1">
+            <a:schemeClr val="accent4"/>
+          </a:effectRef>
+          <a:fontRef idx="minor">
+            <a:schemeClr val="dk1"/>
+          </a:fontRef>
+        </p:style>
+        <p:txBody>
+          <a:bodyPr rtlCol="0" anchor="ctr"/>
+          <a:lstStyle/>
+          <a:p>
+            <a:pPr algn="ctr"/>
+            <a:r>
+              <a:rPr lang="en-US" altLang="zh-TW" sz="1400" b="1" dirty="0" smtClean="0"/>
+              <a:t>Request</a:t>
+            </a:r>
+            <a:endParaRPr lang="zh-TW" altLang="en-US" sz="1400" b="1" dirty="0"/>
+          </a:p>
+        </p:txBody>
+      </p:sp>
+      <p:sp>
+        <p:nvSpPr>
+          <p:cNvPr id="28" name="Send Log F2L"/>
+          <p:cNvSpPr/>
+          <p:nvPr/>
+        </p:nvSpPr>
+        <p:spPr>
+          <a:xfrm flipH="1">
+            <a:off x="693546" y="4785700"/>
+            <a:ext cx="1080000" cy="540000"/>
+          </a:xfrm>
+          <a:prstGeom prst="rightArrow">
+            <a:avLst/>
+          </a:prstGeom>
+        </p:spPr>
+        <p:style>
+          <a:lnRef idx="1">
+            <a:schemeClr val="accent4"/>
+          </a:lnRef>
+          <a:fillRef idx="2">
+            <a:schemeClr val="accent4"/>
+          </a:fillRef>
+          <a:effectRef idx="1">
+            <a:schemeClr val="accent4"/>
+          </a:effectRef>
+          <a:fontRef idx="minor">
+            <a:schemeClr val="dk1"/>
+          </a:fontRef>
+        </p:style>
+        <p:txBody>
+          <a:bodyPr rtlCol="0" anchor="ctr"/>
+          <a:lstStyle/>
+          <a:p>
+            <a:pPr algn="ctr"/>
+            <a:r>
+              <a:rPr lang="en-US" altLang="zh-TW" sz="1400" b="1" dirty="0" err="1"/>
+              <a:t>Respose</a:t>
+            </a:r>
+            <a:endParaRPr lang="zh-TW" altLang="en-US" sz="1400" b="1" dirty="0"/>
+          </a:p>
+        </p:txBody>
+      </p:sp>
+      <p:sp>
+        <p:nvSpPr>
+          <p:cNvPr id="32" name="矩形 31"/>
+          <p:cNvSpPr/>
+          <p:nvPr/>
+        </p:nvSpPr>
+        <p:spPr>
+          <a:xfrm rot="5400000">
+            <a:off x="1021687" y="3361421"/>
+            <a:ext cx="3904550" cy="720000"/>
+          </a:xfrm>
+          <a:prstGeom prst="rect">
+            <a:avLst/>
+          </a:prstGeom>
+        </p:spPr>
+        <p:style>
+          <a:lnRef idx="0">
+            <a:schemeClr val="accent2"/>
+          </a:lnRef>
+          <a:fillRef idx="3">
+            <a:schemeClr val="accent2"/>
+          </a:fillRef>
+          <a:effectRef idx="3">
+            <a:schemeClr val="accent2"/>
+          </a:effectRef>
+          <a:fontRef idx="minor">
+            <a:schemeClr val="lt1"/>
+          </a:fontRef>
+        </p:style>
+        <p:txBody>
+          <a:bodyPr rtlCol="0" anchor="ctr"/>
+          <a:lstStyle/>
+          <a:p>
+            <a:pPr algn="ctr"/>
+            <a:r>
+              <a:rPr lang="en-US" altLang="zh-TW" sz="1600" b="1" dirty="0" smtClean="0"/>
+              <a:t>HTTP</a:t>
+            </a:r>
+            <a:r>
+              <a:rPr lang="zh-TW" altLang="en-US" sz="1600" b="1" dirty="0" smtClean="0"/>
+              <a:t> </a:t>
+            </a:r>
+            <a:r>
+              <a:rPr lang="en-US" altLang="zh-TW" sz="1600" b="1" dirty="0" smtClean="0"/>
+              <a:t>Module 2</a:t>
+            </a:r>
+            <a:endParaRPr lang="zh-TW" altLang="en-US" sz="1600" b="1" dirty="0"/>
+          </a:p>
+        </p:txBody>
+      </p:sp>
+      <p:sp>
+        <p:nvSpPr>
+          <p:cNvPr id="33" name="矩形 32"/>
+          <p:cNvSpPr/>
+          <p:nvPr/>
+        </p:nvSpPr>
+        <p:spPr>
+          <a:xfrm rot="5400000">
+            <a:off x="2055656" y="3361421"/>
+            <a:ext cx="3904550" cy="720000"/>
+          </a:xfrm>
+          <a:prstGeom prst="rect">
+            <a:avLst/>
+          </a:prstGeom>
+        </p:spPr>
+        <p:style>
+          <a:lnRef idx="0">
+            <a:schemeClr val="accent2"/>
+          </a:lnRef>
+          <a:fillRef idx="3">
+            <a:schemeClr val="accent2"/>
+          </a:fillRef>
+          <a:effectRef idx="3">
+            <a:schemeClr val="accent2"/>
+          </a:effectRef>
+          <a:fontRef idx="minor">
+            <a:schemeClr val="lt1"/>
+          </a:fontRef>
+        </p:style>
+        <p:txBody>
+          <a:bodyPr rtlCol="0" anchor="ctr"/>
+          <a:lstStyle/>
+          <a:p>
+            <a:pPr algn="ctr"/>
+            <a:r>
+              <a:rPr lang="en-US" altLang="zh-TW" sz="1600" b="1" dirty="0" smtClean="0"/>
+              <a:t>HTTP</a:t>
+            </a:r>
+            <a:r>
+              <a:rPr lang="zh-TW" altLang="en-US" sz="1600" b="1" dirty="0" smtClean="0"/>
+              <a:t> </a:t>
+            </a:r>
+            <a:r>
+              <a:rPr lang="en-US" altLang="zh-TW" sz="1600" b="1" dirty="0" smtClean="0"/>
+              <a:t>Module n</a:t>
+            </a:r>
+            <a:endParaRPr lang="zh-TW" altLang="en-US" sz="1600" b="1" dirty="0"/>
+          </a:p>
+        </p:txBody>
+      </p:sp>
+      <p:sp>
+        <p:nvSpPr>
+          <p:cNvPr id="34" name="矩形 33"/>
+          <p:cNvSpPr/>
+          <p:nvPr/>
+        </p:nvSpPr>
+        <p:spPr>
+          <a:xfrm rot="5400000">
+            <a:off x="3110557" y="3361420"/>
+            <a:ext cx="3904553" cy="720000"/>
+          </a:xfrm>
+          <a:prstGeom prst="rect">
+            <a:avLst/>
+          </a:prstGeom>
+        </p:spPr>
+        <p:style>
+          <a:lnRef idx="1">
+            <a:schemeClr val="accent1"/>
+          </a:lnRef>
+          <a:fillRef idx="3">
+            <a:schemeClr val="accent1"/>
+          </a:fillRef>
+          <a:effectRef idx="2">
+            <a:schemeClr val="accent1"/>
+          </a:effectRef>
+          <a:fontRef idx="minor">
+            <a:schemeClr val="lt1"/>
+          </a:fontRef>
+        </p:style>
+        <p:txBody>
+          <a:bodyPr rtlCol="0" anchor="ctr"/>
+          <a:lstStyle/>
+          <a:p>
+            <a:pPr algn="ctr"/>
+            <a:r>
+              <a:rPr lang="en-US" altLang="zh-TW" sz="1600" b="1" dirty="0" smtClean="0"/>
+              <a:t>HTTP Handlers</a:t>
+            </a:r>
+            <a:endParaRPr lang="zh-TW" altLang="en-US" sz="1600" b="1" dirty="0"/>
+          </a:p>
+        </p:txBody>
+      </p:sp>
+      <p:sp>
+        <p:nvSpPr>
+          <p:cNvPr id="45" name="Send Log F2L"/>
+          <p:cNvSpPr/>
+          <p:nvPr/>
+        </p:nvSpPr>
+        <p:spPr>
+          <a:xfrm>
+            <a:off x="4252687" y="2077190"/>
+            <a:ext cx="585919" cy="540000"/>
+          </a:xfrm>
+          <a:prstGeom prst="rightArrow">
+            <a:avLst/>
+          </a:prstGeom>
+        </p:spPr>
+        <p:style>
+          <a:lnRef idx="1">
+            <a:schemeClr val="accent4"/>
+          </a:lnRef>
+          <a:fillRef idx="2">
+            <a:schemeClr val="accent4"/>
+          </a:fillRef>
+          <a:effectRef idx="1">
+            <a:schemeClr val="accent4"/>
+          </a:effectRef>
+          <a:fontRef idx="minor">
+            <a:schemeClr val="dk1"/>
+          </a:fontRef>
+        </p:style>
+        <p:txBody>
+          <a:bodyPr rtlCol="0" anchor="ctr"/>
+          <a:lstStyle/>
+          <a:p>
+            <a:pPr algn="ctr"/>
+            <a:endParaRPr lang="zh-TW" altLang="en-US" sz="1400" b="1" dirty="0"/>
+          </a:p>
+        </p:txBody>
+      </p:sp>
+      <p:sp>
+        <p:nvSpPr>
+          <p:cNvPr id="46" name="Send Log F2L"/>
+          <p:cNvSpPr/>
+          <p:nvPr/>
+        </p:nvSpPr>
+        <p:spPr>
+          <a:xfrm>
+            <a:off x="5288607" y="2072479"/>
+            <a:ext cx="585919" cy="540000"/>
+          </a:xfrm>
+          <a:prstGeom prst="rightArrow">
+            <a:avLst/>
+          </a:prstGeom>
+        </p:spPr>
+        <p:style>
+          <a:lnRef idx="1">
+            <a:schemeClr val="accent4"/>
+          </a:lnRef>
+          <a:fillRef idx="2">
+            <a:schemeClr val="accent4"/>
+          </a:fillRef>
+          <a:effectRef idx="1">
+            <a:schemeClr val="accent4"/>
+          </a:effectRef>
+          <a:fontRef idx="minor">
+            <a:schemeClr val="dk1"/>
+          </a:fontRef>
+        </p:style>
+        <p:txBody>
+          <a:bodyPr rtlCol="0" anchor="ctr"/>
+          <a:lstStyle/>
+          <a:p>
+            <a:pPr algn="ctr"/>
+            <a:endParaRPr lang="zh-TW" altLang="en-US" sz="1400" b="1" dirty="0"/>
+          </a:p>
+        </p:txBody>
+      </p:sp>
+      <p:sp>
+        <p:nvSpPr>
+          <p:cNvPr id="47" name="Send Log F2L"/>
+          <p:cNvSpPr/>
+          <p:nvPr/>
+        </p:nvSpPr>
+        <p:spPr>
+          <a:xfrm>
+            <a:off x="6324529" y="2081489"/>
+            <a:ext cx="585919" cy="540000"/>
+          </a:xfrm>
+          <a:prstGeom prst="rightArrow">
+            <a:avLst/>
+          </a:prstGeom>
+        </p:spPr>
+        <p:style>
+          <a:lnRef idx="1">
+            <a:schemeClr val="accent4"/>
+          </a:lnRef>
+          <a:fillRef idx="2">
+            <a:schemeClr val="accent4"/>
+          </a:fillRef>
+          <a:effectRef idx="1">
+            <a:schemeClr val="accent4"/>
+          </a:effectRef>
+          <a:fontRef idx="minor">
+            <a:schemeClr val="dk1"/>
+          </a:fontRef>
+        </p:style>
+        <p:txBody>
+          <a:bodyPr rtlCol="0" anchor="ctr"/>
+          <a:lstStyle/>
+          <a:p>
+            <a:pPr algn="ctr"/>
+            <a:endParaRPr lang="zh-TW" altLang="en-US" sz="1400" b="1" dirty="0"/>
+          </a:p>
+        </p:txBody>
+      </p:sp>
+      <p:sp>
+        <p:nvSpPr>
+          <p:cNvPr id="48" name="Send Log F2L"/>
+          <p:cNvSpPr/>
+          <p:nvPr/>
+        </p:nvSpPr>
+        <p:spPr>
+          <a:xfrm>
+            <a:off x="3216767" y="2081489"/>
+            <a:ext cx="585919" cy="540000"/>
+          </a:xfrm>
+          <a:prstGeom prst="rightArrow">
+            <a:avLst/>
+          </a:prstGeom>
+        </p:spPr>
+        <p:style>
+          <a:lnRef idx="1">
+            <a:schemeClr val="accent4"/>
+          </a:lnRef>
+          <a:fillRef idx="2">
+            <a:schemeClr val="accent4"/>
+          </a:fillRef>
+          <a:effectRef idx="1">
+            <a:schemeClr val="accent4"/>
+          </a:effectRef>
+          <a:fontRef idx="minor">
+            <a:schemeClr val="dk1"/>
+          </a:fontRef>
+        </p:style>
+        <p:txBody>
+          <a:bodyPr rtlCol="0" anchor="ctr"/>
+          <a:lstStyle/>
+          <a:p>
+            <a:pPr algn="ctr"/>
+            <a:endParaRPr lang="zh-TW" altLang="en-US" sz="1400" b="1" dirty="0"/>
+          </a:p>
+        </p:txBody>
+      </p:sp>
+      <p:sp>
+        <p:nvSpPr>
+          <p:cNvPr id="49" name="Send Log F2L"/>
+          <p:cNvSpPr/>
+          <p:nvPr/>
+        </p:nvSpPr>
+        <p:spPr>
+          <a:xfrm>
+            <a:off x="2180847" y="2081489"/>
+            <a:ext cx="585919" cy="540000"/>
+          </a:xfrm>
+          <a:prstGeom prst="rightArrow">
+            <a:avLst/>
+          </a:prstGeom>
+        </p:spPr>
+        <p:style>
+          <a:lnRef idx="1">
+            <a:schemeClr val="accent4"/>
+          </a:lnRef>
+          <a:fillRef idx="2">
+            <a:schemeClr val="accent4"/>
+          </a:fillRef>
+          <a:effectRef idx="1">
+            <a:schemeClr val="accent4"/>
+          </a:effectRef>
+          <a:fontRef idx="minor">
+            <a:schemeClr val="dk1"/>
+          </a:fontRef>
+        </p:style>
+        <p:txBody>
+          <a:bodyPr rtlCol="0" anchor="ctr"/>
+          <a:lstStyle/>
+          <a:p>
+            <a:pPr algn="ctr"/>
+            <a:endParaRPr lang="zh-TW" altLang="en-US" sz="1400" b="1" dirty="0"/>
+          </a:p>
+        </p:txBody>
+      </p:sp>
+      <p:sp>
+        <p:nvSpPr>
+          <p:cNvPr id="35" name="Send Log F2L"/>
+          <p:cNvSpPr/>
+          <p:nvPr/>
+        </p:nvSpPr>
+        <p:spPr>
+          <a:xfrm rot="10800000">
+            <a:off x="4255333" y="4774992"/>
+            <a:ext cx="585919" cy="540000"/>
+          </a:xfrm>
+          <a:prstGeom prst="rightArrow">
+            <a:avLst/>
+          </a:prstGeom>
+        </p:spPr>
+        <p:style>
+          <a:lnRef idx="1">
+            <a:schemeClr val="accent4"/>
+          </a:lnRef>
+          <a:fillRef idx="2">
+            <a:schemeClr val="accent4"/>
+          </a:fillRef>
+          <a:effectRef idx="1">
+            <a:schemeClr val="accent4"/>
+          </a:effectRef>
+          <a:fontRef idx="minor">
+            <a:schemeClr val="dk1"/>
+          </a:fontRef>
+        </p:style>
+        <p:txBody>
+          <a:bodyPr rtlCol="0" anchor="ctr"/>
+          <a:lstStyle/>
+          <a:p>
+            <a:pPr algn="ctr"/>
+            <a:endParaRPr lang="zh-TW" altLang="en-US" sz="1400" b="1" dirty="0"/>
+          </a:p>
+        </p:txBody>
+      </p:sp>
+      <p:sp>
+        <p:nvSpPr>
+          <p:cNvPr id="36" name="Send Log F2L"/>
+          <p:cNvSpPr/>
+          <p:nvPr/>
+        </p:nvSpPr>
+        <p:spPr>
+          <a:xfrm rot="10800000">
+            <a:off x="5291253" y="4770281"/>
+            <a:ext cx="585919" cy="540000"/>
+          </a:xfrm>
+          <a:prstGeom prst="rightArrow">
+            <a:avLst/>
+          </a:prstGeom>
+        </p:spPr>
+        <p:style>
+          <a:lnRef idx="1">
+            <a:schemeClr val="accent4"/>
+          </a:lnRef>
+          <a:fillRef idx="2">
+            <a:schemeClr val="accent4"/>
+          </a:fillRef>
+          <a:effectRef idx="1">
+            <a:schemeClr val="accent4"/>
+          </a:effectRef>
+          <a:fontRef idx="minor">
+            <a:schemeClr val="dk1"/>
+          </a:fontRef>
+        </p:style>
+        <p:txBody>
+          <a:bodyPr rtlCol="0" anchor="ctr"/>
+          <a:lstStyle/>
+          <a:p>
+            <a:pPr algn="ctr"/>
+            <a:endParaRPr lang="zh-TW" altLang="en-US" sz="1400" b="1" dirty="0"/>
+          </a:p>
+        </p:txBody>
+      </p:sp>
+      <p:sp>
+        <p:nvSpPr>
+          <p:cNvPr id="39" name="Send Log F2L"/>
+          <p:cNvSpPr/>
+          <p:nvPr/>
+        </p:nvSpPr>
+        <p:spPr>
+          <a:xfrm rot="10800000">
+            <a:off x="6327175" y="4779291"/>
+            <a:ext cx="585919" cy="540000"/>
+          </a:xfrm>
+          <a:prstGeom prst="rightArrow">
+            <a:avLst/>
+          </a:prstGeom>
+        </p:spPr>
+        <p:style>
+          <a:lnRef idx="1">
+            <a:schemeClr val="accent4"/>
+          </a:lnRef>
+          <a:fillRef idx="2">
+            <a:schemeClr val="accent4"/>
+          </a:fillRef>
+          <a:effectRef idx="1">
+            <a:schemeClr val="accent4"/>
+          </a:effectRef>
+          <a:fontRef idx="minor">
+            <a:schemeClr val="dk1"/>
+          </a:fontRef>
+        </p:style>
+        <p:txBody>
+          <a:bodyPr rtlCol="0" anchor="ctr"/>
+          <a:lstStyle/>
+          <a:p>
+            <a:pPr algn="ctr"/>
+            <a:endParaRPr lang="zh-TW" altLang="en-US" sz="1400" b="1" dirty="0"/>
+          </a:p>
+        </p:txBody>
+      </p:sp>
+      <p:sp>
+        <p:nvSpPr>
+          <p:cNvPr id="40" name="Send Log F2L"/>
+          <p:cNvSpPr/>
+          <p:nvPr/>
+        </p:nvSpPr>
+        <p:spPr>
+          <a:xfrm rot="10800000">
+            <a:off x="3219413" y="4779291"/>
+            <a:ext cx="585919" cy="540000"/>
+          </a:xfrm>
+          <a:prstGeom prst="rightArrow">
+            <a:avLst/>
+          </a:prstGeom>
+        </p:spPr>
+        <p:style>
+          <a:lnRef idx="1">
+            <a:schemeClr val="accent4"/>
+          </a:lnRef>
+          <a:fillRef idx="2">
+            <a:schemeClr val="accent4"/>
+          </a:fillRef>
+          <a:effectRef idx="1">
+            <a:schemeClr val="accent4"/>
+          </a:effectRef>
+          <a:fontRef idx="minor">
+            <a:schemeClr val="dk1"/>
+          </a:fontRef>
+        </p:style>
+        <p:txBody>
+          <a:bodyPr rtlCol="0" anchor="ctr"/>
+          <a:lstStyle/>
+          <a:p>
+            <a:pPr algn="ctr"/>
+            <a:endParaRPr lang="zh-TW" altLang="en-US" sz="1400" b="1" dirty="0"/>
+          </a:p>
+        </p:txBody>
+      </p:sp>
+      <p:sp>
+        <p:nvSpPr>
+          <p:cNvPr id="51" name="Send Log F2L"/>
+          <p:cNvSpPr/>
+          <p:nvPr/>
+        </p:nvSpPr>
+        <p:spPr>
+          <a:xfrm rot="10800000">
+            <a:off x="2183493" y="4779291"/>
+            <a:ext cx="585919" cy="540000"/>
+          </a:xfrm>
+          <a:prstGeom prst="rightArrow">
+            <a:avLst/>
+          </a:prstGeom>
+        </p:spPr>
+        <p:style>
+          <a:lnRef idx="1">
+            <a:schemeClr val="accent4"/>
+          </a:lnRef>
+          <a:fillRef idx="2">
+            <a:schemeClr val="accent4"/>
+          </a:fillRef>
+          <a:effectRef idx="1">
+            <a:schemeClr val="accent4"/>
+          </a:effectRef>
+          <a:fontRef idx="minor">
+            <a:schemeClr val="dk1"/>
+          </a:fontRef>
+        </p:style>
+        <p:txBody>
+          <a:bodyPr rtlCol="0" anchor="ctr"/>
+          <a:lstStyle/>
+          <a:p>
+            <a:pPr algn="ctr"/>
+            <a:endParaRPr lang="zh-TW" altLang="en-US" sz="1400" b="1" dirty="0"/>
+          </a:p>
+        </p:txBody>
+      </p:sp>
+      <p:sp>
+        <p:nvSpPr>
+          <p:cNvPr id="15" name="標題 2"/>
+          <p:cNvSpPr>
+            <a:spLocks noGrp="1"/>
+          </p:cNvSpPr>
+          <p:nvPr>
+            <p:ph type="title"/>
+          </p:nvPr>
+        </p:nvSpPr>
+        <p:spPr>
+          <a:xfrm>
+            <a:off x="1726638" y="3058638"/>
+            <a:ext cx="5638015" cy="1325563"/>
+          </a:xfrm>
+          <a:noFill/>
+        </p:spPr>
+        <p:txBody>
+          <a:bodyPr>
+            <a:noAutofit/>
+          </a:bodyPr>
+          <a:lstStyle/>
+          <a:p>
+            <a:r>
+              <a:rPr lang="en-US" altLang="zh-TW" sz="6600" b="1" dirty="0" smtClean="0">
+                <a:solidFill>
+                  <a:schemeClr val="tx1">
+                    <a:alpha val="8000"/>
+                  </a:schemeClr>
+                </a:solidFill>
+                <a:latin typeface="+mn-lt"/>
+              </a:rPr>
+              <a:t>blog.johnwu.cc</a:t>
+            </a:r>
+            <a:endParaRPr lang="zh-TW" altLang="en-US" sz="6600" b="1" dirty="0">
+              <a:solidFill>
+                <a:schemeClr val="tx1">
+                  <a:alpha val="8000"/>
+                </a:schemeClr>
+              </a:solidFill>
+              <a:latin typeface="+mn-lt"/>
+            </a:endParaRPr>
+          </a:p>
+        </p:txBody>
+      </p:sp>
+    </p:spTree>
+    <p:extLst>
+      <p:ext uri="{BB962C8B-B14F-4D97-AF65-F5344CB8AC3E}">
+        <p14:creationId xmlns:p14="http://schemas.microsoft.com/office/powerpoint/2010/main" val="4015888149"/>
+      </p:ext>
+    </p:extLst>
+  </p:cSld>
+  <p:clrMapOvr>
+    <a:masterClrMapping/>
+  </p:clrMapOvr>
+  <p:timing>
+    <p:tnLst>
+      <p:par>
+        <p:cTn id="1" dur="indefinite" restart="never" nodeType="tmRoot"/>
+      </p:par>
+    </p:tnLst>
   </p:timing>
 </p:sld>
 </file>
@@ -21220,30 +19333,72 @@
       </p:grpSpPr>
       <p:sp>
         <p:nvSpPr>
-          <p:cNvPr id="3" name="矩形 2"/>
+          <p:cNvPr id="5" name="矩形 4"/>
           <p:cNvSpPr/>
           <p:nvPr/>
         </p:nvSpPr>
         <p:spPr>
           <a:xfrm>
-            <a:off x="433235" y="-4014395"/>
-            <a:ext cx="7634668" cy="4294501"/>
+            <a:off x="3657600" y="990600"/>
+            <a:ext cx="1440000" cy="540000"/>
           </a:xfrm>
           <a:prstGeom prst="rect">
             <a:avLst/>
           </a:prstGeom>
         </p:spPr>
         <p:style>
+          <a:lnRef idx="0">
+            <a:schemeClr val="accent4"/>
+          </a:lnRef>
+          <a:fillRef idx="3">
+            <a:schemeClr val="accent4"/>
+          </a:fillRef>
+          <a:effectRef idx="3">
+            <a:schemeClr val="accent4"/>
+          </a:effectRef>
+          <a:fontRef idx="minor">
+            <a:schemeClr val="lt1"/>
+          </a:fontRef>
+        </p:style>
+        <p:txBody>
+          <a:bodyPr rtlCol="0" anchor="ctr"/>
+          <a:lstStyle/>
+          <a:p>
+            <a:pPr algn="ctr"/>
+            <a:r>
+              <a:rPr lang="en-US" altLang="zh-TW" dirty="0" smtClean="0"/>
+              <a:t>Module A</a:t>
+            </a:r>
+            <a:endParaRPr lang="zh-TW" altLang="en-US" dirty="0"/>
+          </a:p>
+        </p:txBody>
+      </p:sp>
+      <p:sp>
+        <p:nvSpPr>
+          <p:cNvPr id="6" name="矩形 5"/>
+          <p:cNvSpPr/>
+          <p:nvPr/>
+        </p:nvSpPr>
+        <p:spPr>
+          <a:xfrm>
+            <a:off x="2751000" y="1964122"/>
+            <a:ext cx="1440000" cy="540000"/>
+          </a:xfrm>
+          <a:prstGeom prst="rect">
+            <a:avLst/>
+          </a:prstGeom>
+        </p:spPr>
+        <p:style>
           <a:lnRef idx="2">
-            <a:schemeClr val="dk1">
+            <a:schemeClr val="accent6">
               <a:shade val="50000"/>
             </a:schemeClr>
           </a:lnRef>
           <a:fillRef idx="1">
-            <a:schemeClr val="dk1"/>
+            <a:schemeClr val="accent6"/>
           </a:fillRef>
           <a:effectRef idx="0">
-            <a:schemeClr val="dk1"/>
+            <a:schemeClr val="accent6"/>
           </a:effectRef>
           <a:fontRef idx="minor">
             <a:schemeClr val="lt1"/>
@@ -21254,34 +19409,44 @@
           <a:lstStyle/>
           <a:p>
             <a:pPr algn="ctr"/>
-            <a:endParaRPr lang="zh-TW" altLang="en-US"/>
-          </a:p>
-        </p:txBody>
-      </p:sp>
-      <p:sp>
-        <p:nvSpPr>
-          <p:cNvPr id="13" name="矩形 12"/>
+            <a:r>
+              <a:rPr lang="en-US" altLang="zh-TW" dirty="0"/>
+              <a:t>Module </a:t>
+            </a:r>
+            <a:r>
+              <a:rPr lang="en-US" altLang="zh-TW" dirty="0" smtClean="0"/>
+              <a:t>B</a:t>
+            </a:r>
+            <a:endParaRPr lang="zh-TW" altLang="en-US" dirty="0"/>
+          </a:p>
+        </p:txBody>
+      </p:sp>
+      <p:sp>
+        <p:nvSpPr>
+          <p:cNvPr id="7" name="矩形 6"/>
           <p:cNvSpPr/>
           <p:nvPr/>
         </p:nvSpPr>
         <p:spPr>
           <a:xfrm>
-            <a:off x="6784603" y="1769146"/>
-            <a:ext cx="1467582" cy="3904552"/>
+            <a:off x="4572000" y="1978886"/>
+            <a:ext cx="1440000" cy="540000"/>
           </a:xfrm>
           <a:prstGeom prst="rect">
             <a:avLst/>
           </a:prstGeom>
         </p:spPr>
         <p:style>
-          <a:lnRef idx="1">
+          <a:lnRef idx="2">
+            <a:schemeClr val="accent6">
+              <a:shade val="50000"/>
+            </a:schemeClr>
+          </a:lnRef>
+          <a:fillRef idx="1">
             <a:schemeClr val="accent6"/>
-          </a:lnRef>
-          <a:fillRef idx="3">
+          </a:fillRef>
+          <a:effectRef idx="0">
             <a:schemeClr val="accent6"/>
-          </a:fillRef>
-          <a:effectRef idx="2">
-            <a:schemeClr val="accent6"/>
           </a:effectRef>
           <a:fontRef idx="minor">
             <a:schemeClr val="lt1"/>
@@ -21293,23 +19458,27 @@
           <a:p>
             <a:pPr algn="ctr"/>
             <a:r>
-              <a:rPr lang="en-US" altLang="zh-TW" sz="1600" b="1" dirty="0" smtClean="0"/>
-              <a:t>Action</a:t>
-            </a:r>
-            <a:endParaRPr lang="zh-TW" altLang="en-US" sz="1600" b="1" dirty="0"/>
-          </a:p>
-        </p:txBody>
-      </p:sp>
-      <p:sp>
-        <p:nvSpPr>
-          <p:cNvPr id="16" name="矩形 15"/>
+              <a:rPr lang="en-US" altLang="zh-TW" dirty="0"/>
+              <a:t>Module </a:t>
+            </a:r>
+            <a:r>
+              <a:rPr lang="en-US" altLang="zh-TW" dirty="0" smtClean="0"/>
+              <a:t>C</a:t>
+            </a:r>
+            <a:endParaRPr lang="zh-TW" altLang="en-US" dirty="0"/>
+          </a:p>
+        </p:txBody>
+      </p:sp>
+      <p:sp>
+        <p:nvSpPr>
+          <p:cNvPr id="8" name="矩形 7"/>
           <p:cNvSpPr/>
           <p:nvPr/>
         </p:nvSpPr>
         <p:spPr>
-          <a:xfrm rot="5400000">
-            <a:off x="-29173" y="3361421"/>
-            <a:ext cx="3904550" cy="720000"/>
+          <a:xfrm>
+            <a:off x="1836600" y="2971800"/>
+            <a:ext cx="1440000" cy="540000"/>
           </a:xfrm>
           <a:prstGeom prst="rect">
             <a:avLst/>
@@ -21335,718 +19504,523 @@
           <a:p>
             <a:pPr algn="ctr"/>
             <a:r>
-              <a:rPr lang="en-US" altLang="zh-TW" sz="1600" b="1" dirty="0" smtClean="0"/>
-              <a:t>HTTP</a:t>
-            </a:r>
-            <a:r>
-              <a:rPr lang="zh-TW" altLang="en-US" sz="1600" b="1" dirty="0" smtClean="0"/>
-              <a:t> </a:t>
-            </a:r>
-            <a:r>
-              <a:rPr lang="en-US" altLang="zh-TW" sz="1600" b="1" dirty="0" smtClean="0"/>
-              <a:t>Module 1</a:t>
-            </a:r>
-            <a:endParaRPr lang="zh-TW" altLang="en-US" sz="1600" b="1" dirty="0"/>
-          </a:p>
-        </p:txBody>
-      </p:sp>
-      <p:sp>
-        <p:nvSpPr>
-          <p:cNvPr id="19" name="矩形 18"/>
+              <a:rPr lang="en-US" altLang="zh-TW" dirty="0"/>
+              <a:t>Module </a:t>
+            </a:r>
+            <a:r>
+              <a:rPr lang="en-US" altLang="zh-TW" dirty="0" smtClean="0"/>
+              <a:t>D</a:t>
+            </a:r>
+            <a:endParaRPr lang="zh-TW" altLang="en-US" dirty="0"/>
+          </a:p>
+        </p:txBody>
+      </p:sp>
+      <p:sp>
+        <p:nvSpPr>
+          <p:cNvPr id="9" name="矩形 8"/>
           <p:cNvSpPr/>
           <p:nvPr/>
         </p:nvSpPr>
         <p:spPr>
-          <a:xfrm rot="5400000">
-            <a:off x="4148025" y="3361423"/>
-            <a:ext cx="3904553" cy="720000"/>
+          <a:xfrm>
+            <a:off x="5478600" y="2971800"/>
+            <a:ext cx="1440000" cy="540000"/>
           </a:xfrm>
           <a:prstGeom prst="rect">
             <a:avLst/>
           </a:prstGeom>
+        </p:spPr>
+        <p:style>
+          <a:lnRef idx="0">
+            <a:schemeClr val="accent2"/>
+          </a:lnRef>
+          <a:fillRef idx="3">
+            <a:schemeClr val="accent2"/>
+          </a:fillRef>
+          <a:effectRef idx="3">
+            <a:schemeClr val="accent2"/>
+          </a:effectRef>
+          <a:fontRef idx="minor">
+            <a:schemeClr val="lt1"/>
+          </a:fontRef>
+        </p:style>
+        <p:txBody>
+          <a:bodyPr rtlCol="0" anchor="ctr"/>
+          <a:lstStyle/>
+          <a:p>
+            <a:pPr algn="ctr"/>
+            <a:r>
+              <a:rPr lang="en-US" altLang="zh-TW" dirty="0"/>
+              <a:t>Module </a:t>
+            </a:r>
+            <a:r>
+              <a:rPr lang="en-US" altLang="zh-TW" dirty="0" smtClean="0"/>
+              <a:t>F</a:t>
+            </a:r>
+            <a:endParaRPr lang="zh-TW" altLang="en-US" dirty="0"/>
+          </a:p>
+        </p:txBody>
+      </p:sp>
+      <p:sp>
+        <p:nvSpPr>
+          <p:cNvPr id="10" name="矩形 9"/>
+          <p:cNvSpPr/>
+          <p:nvPr/>
+        </p:nvSpPr>
+        <p:spPr>
+          <a:xfrm>
+            <a:off x="3657600" y="2971800"/>
+            <a:ext cx="1440000" cy="540000"/>
+          </a:xfrm>
+          <a:prstGeom prst="rect">
+            <a:avLst/>
+          </a:prstGeom>
+        </p:spPr>
+        <p:style>
+          <a:lnRef idx="0">
+            <a:schemeClr val="accent2"/>
+          </a:lnRef>
+          <a:fillRef idx="3">
+            <a:schemeClr val="accent2"/>
+          </a:fillRef>
+          <a:effectRef idx="3">
+            <a:schemeClr val="accent2"/>
+          </a:effectRef>
+          <a:fontRef idx="minor">
+            <a:schemeClr val="lt1"/>
+          </a:fontRef>
+        </p:style>
+        <p:txBody>
+          <a:bodyPr rtlCol="0" anchor="ctr"/>
+          <a:lstStyle/>
+          <a:p>
+            <a:pPr algn="ctr"/>
+            <a:r>
+              <a:rPr lang="en-US" altLang="zh-TW" dirty="0"/>
+              <a:t>Module E</a:t>
+            </a:r>
+            <a:endParaRPr lang="zh-TW" altLang="en-US" dirty="0"/>
+          </a:p>
+        </p:txBody>
+      </p:sp>
+      <p:sp>
+        <p:nvSpPr>
+          <p:cNvPr id="11" name="矩形 10"/>
+          <p:cNvSpPr/>
+          <p:nvPr/>
+        </p:nvSpPr>
+        <p:spPr>
+          <a:xfrm>
+            <a:off x="1836600" y="3954328"/>
+            <a:ext cx="1440000" cy="540000"/>
+          </a:xfrm>
+          <a:prstGeom prst="rect">
+            <a:avLst/>
+          </a:prstGeom>
+        </p:spPr>
+        <p:style>
+          <a:lnRef idx="0">
+            <a:schemeClr val="accent5"/>
+          </a:lnRef>
+          <a:fillRef idx="3">
+            <a:schemeClr val="accent5"/>
+          </a:fillRef>
+          <a:effectRef idx="3">
+            <a:schemeClr val="accent5"/>
+          </a:effectRef>
+          <a:fontRef idx="minor">
+            <a:schemeClr val="lt1"/>
+          </a:fontRef>
+        </p:style>
+        <p:txBody>
+          <a:bodyPr rtlCol="0" anchor="ctr"/>
+          <a:lstStyle/>
+          <a:p>
+            <a:pPr algn="ctr"/>
+            <a:r>
+              <a:rPr lang="en-US" altLang="zh-TW" dirty="0" smtClean="0"/>
+              <a:t>Application</a:t>
+            </a:r>
+            <a:endParaRPr lang="zh-TW" altLang="en-US" dirty="0"/>
+          </a:p>
+        </p:txBody>
+      </p:sp>
+      <p:sp>
+        <p:nvSpPr>
+          <p:cNvPr id="12" name="矩形 11"/>
+          <p:cNvSpPr/>
+          <p:nvPr/>
+        </p:nvSpPr>
+        <p:spPr>
+          <a:xfrm>
+            <a:off x="4572000" y="3964714"/>
+            <a:ext cx="1440000" cy="540000"/>
+          </a:xfrm>
+          <a:prstGeom prst="rect">
+            <a:avLst/>
+          </a:prstGeom>
+        </p:spPr>
+        <p:style>
+          <a:lnRef idx="0">
+            <a:schemeClr val="accent5"/>
+          </a:lnRef>
+          <a:fillRef idx="3">
+            <a:schemeClr val="accent5"/>
+          </a:fillRef>
+          <a:effectRef idx="3">
+            <a:schemeClr val="accent5"/>
+          </a:effectRef>
+          <a:fontRef idx="minor">
+            <a:schemeClr val="lt1"/>
+          </a:fontRef>
+        </p:style>
+        <p:txBody>
+          <a:bodyPr rtlCol="0" anchor="ctr"/>
+          <a:lstStyle/>
+          <a:p>
+            <a:pPr algn="ctr"/>
+            <a:r>
+              <a:rPr lang="en-US" altLang="zh-TW" dirty="0" smtClean="0"/>
+              <a:t>Website</a:t>
+            </a:r>
+            <a:endParaRPr lang="zh-TW" altLang="en-US" dirty="0"/>
+          </a:p>
+        </p:txBody>
+      </p:sp>
+      <p:cxnSp>
+        <p:nvCxnSpPr>
+          <p:cNvPr id="14" name="肘形接點 13"/>
+          <p:cNvCxnSpPr>
+            <a:stCxn id="6" idx="0"/>
+            <a:endCxn id="5" idx="2"/>
+          </p:cNvCxnSpPr>
+          <p:nvPr/>
+        </p:nvCxnSpPr>
+        <p:spPr>
+          <a:xfrm rot="5400000" flipH="1" flipV="1">
+            <a:off x="3707539" y="1294061"/>
+            <a:ext cx="433522" cy="906600"/>
+          </a:xfrm>
+          <a:prstGeom prst="bentConnector3">
+            <a:avLst/>
+          </a:prstGeom>
+          <a:ln w="19050">
+            <a:solidFill>
+              <a:schemeClr val="tx1"/>
+            </a:solidFill>
+            <a:prstDash val="sysDash"/>
+            <a:headEnd type="none" w="med" len="med"/>
+            <a:tailEnd type="arrow" w="med" len="med"/>
+          </a:ln>
         </p:spPr>
         <p:style>
           <a:lnRef idx="1">
             <a:schemeClr val="accent1"/>
           </a:lnRef>
-          <a:fillRef idx="3">
+          <a:fillRef idx="0">
             <a:schemeClr val="accent1"/>
           </a:fillRef>
-          <a:effectRef idx="2">
+          <a:effectRef idx="0">
             <a:schemeClr val="accent1"/>
           </a:effectRef>
           <a:fontRef idx="minor">
-            <a:schemeClr val="lt1"/>
-          </a:fontRef>
-        </p:style>
-        <p:txBody>
-          <a:bodyPr rtlCol="0" anchor="ctr"/>
-          <a:lstStyle/>
-          <a:p>
-            <a:pPr algn="ctr"/>
-            <a:r>
-              <a:rPr lang="en-US" altLang="zh-TW" sz="1600" b="1" dirty="0" smtClean="0"/>
-              <a:t>Action Filters</a:t>
-            </a:r>
-            <a:endParaRPr lang="zh-TW" altLang="en-US" sz="1600" b="1" dirty="0"/>
-          </a:p>
-        </p:txBody>
-      </p:sp>
-      <p:sp>
-        <p:nvSpPr>
-          <p:cNvPr id="24" name="Send Log F2L"/>
-          <p:cNvSpPr/>
-          <p:nvPr/>
-        </p:nvSpPr>
-        <p:spPr>
-          <a:xfrm>
-            <a:off x="693546" y="2081489"/>
-            <a:ext cx="1080000" cy="540000"/>
-          </a:xfrm>
-          <a:prstGeom prst="rightArrow">
-            <a:avLst/>
-          </a:prstGeom>
-        </p:spPr>
-        <p:style>
-          <a:lnRef idx="1">
-            <a:schemeClr val="accent4"/>
-          </a:lnRef>
-          <a:fillRef idx="2">
-            <a:schemeClr val="accent4"/>
-          </a:fillRef>
-          <a:effectRef idx="1">
-            <a:schemeClr val="accent4"/>
-          </a:effectRef>
-          <a:fontRef idx="minor">
-            <a:schemeClr val="dk1"/>
-          </a:fontRef>
-        </p:style>
-        <p:txBody>
-          <a:bodyPr rtlCol="0" anchor="ctr"/>
-          <a:lstStyle/>
-          <a:p>
-            <a:pPr algn="ctr"/>
-            <a:r>
-              <a:rPr lang="en-US" altLang="zh-TW" sz="1400" b="1" dirty="0" smtClean="0"/>
-              <a:t>Request</a:t>
-            </a:r>
-            <a:endParaRPr lang="zh-TW" altLang="en-US" sz="1400" b="1" dirty="0"/>
-          </a:p>
-        </p:txBody>
-      </p:sp>
-      <p:sp>
-        <p:nvSpPr>
-          <p:cNvPr id="28" name="Send Log F2L"/>
-          <p:cNvSpPr/>
-          <p:nvPr/>
-        </p:nvSpPr>
-        <p:spPr>
-          <a:xfrm flipH="1">
-            <a:off x="693546" y="4785700"/>
-            <a:ext cx="1080000" cy="540000"/>
-          </a:xfrm>
-          <a:prstGeom prst="rightArrow">
-            <a:avLst/>
-          </a:prstGeom>
-        </p:spPr>
-        <p:style>
-          <a:lnRef idx="1">
-            <a:schemeClr val="accent4"/>
-          </a:lnRef>
-          <a:fillRef idx="2">
-            <a:schemeClr val="accent4"/>
-          </a:fillRef>
-          <a:effectRef idx="1">
-            <a:schemeClr val="accent4"/>
-          </a:effectRef>
-          <a:fontRef idx="minor">
-            <a:schemeClr val="dk1"/>
-          </a:fontRef>
-        </p:style>
-        <p:txBody>
-          <a:bodyPr rtlCol="0" anchor="ctr"/>
-          <a:lstStyle/>
-          <a:p>
-            <a:pPr algn="ctr"/>
-            <a:r>
-              <a:rPr lang="en-US" altLang="zh-TW" sz="1400" b="1" dirty="0" err="1"/>
-              <a:t>Respose</a:t>
-            </a:r>
-            <a:endParaRPr lang="zh-TW" altLang="en-US" sz="1400" b="1" dirty="0"/>
-          </a:p>
-        </p:txBody>
-      </p:sp>
-      <p:sp>
-        <p:nvSpPr>
-          <p:cNvPr id="32" name="矩形 31"/>
-          <p:cNvSpPr/>
-          <p:nvPr/>
-        </p:nvSpPr>
-        <p:spPr>
-          <a:xfrm rot="5400000">
-            <a:off x="1021687" y="3361421"/>
-            <a:ext cx="3904550" cy="720000"/>
-          </a:xfrm>
-          <a:prstGeom prst="rect">
-            <a:avLst/>
-          </a:prstGeom>
-        </p:spPr>
-        <p:style>
-          <a:lnRef idx="0">
-            <a:schemeClr val="accent2"/>
-          </a:lnRef>
-          <a:fillRef idx="3">
-            <a:schemeClr val="accent2"/>
-          </a:fillRef>
-          <a:effectRef idx="3">
-            <a:schemeClr val="accent2"/>
-          </a:effectRef>
-          <a:fontRef idx="minor">
-            <a:schemeClr val="lt1"/>
-          </a:fontRef>
-        </p:style>
-        <p:txBody>
-          <a:bodyPr rtlCol="0" anchor="ctr"/>
-          <a:lstStyle/>
-          <a:p>
-            <a:pPr algn="ctr"/>
-            <a:r>
-              <a:rPr lang="en-US" altLang="zh-TW" sz="1600" b="1" dirty="0" smtClean="0"/>
-              <a:t>HTTP</a:t>
-            </a:r>
-            <a:r>
-              <a:rPr lang="zh-TW" altLang="en-US" sz="1600" b="1" dirty="0" smtClean="0"/>
-              <a:t> </a:t>
-            </a:r>
-            <a:r>
-              <a:rPr lang="en-US" altLang="zh-TW" sz="1600" b="1" dirty="0" smtClean="0"/>
-              <a:t>Module 2</a:t>
-            </a:r>
-            <a:endParaRPr lang="zh-TW" altLang="en-US" sz="1600" b="1" dirty="0"/>
-          </a:p>
-        </p:txBody>
-      </p:sp>
-      <p:sp>
-        <p:nvSpPr>
-          <p:cNvPr id="33" name="矩形 32"/>
-          <p:cNvSpPr/>
-          <p:nvPr/>
-        </p:nvSpPr>
-        <p:spPr>
-          <a:xfrm rot="5400000">
-            <a:off x="2055656" y="3361421"/>
-            <a:ext cx="3904550" cy="720000"/>
-          </a:xfrm>
-          <a:prstGeom prst="rect">
-            <a:avLst/>
-          </a:prstGeom>
-        </p:spPr>
-        <p:style>
-          <a:lnRef idx="0">
-            <a:schemeClr val="accent2"/>
-          </a:lnRef>
-          <a:fillRef idx="3">
-            <a:schemeClr val="accent2"/>
-          </a:fillRef>
-          <a:effectRef idx="3">
-            <a:schemeClr val="accent2"/>
-          </a:effectRef>
-          <a:fontRef idx="minor">
-            <a:schemeClr val="lt1"/>
-          </a:fontRef>
-        </p:style>
-        <p:txBody>
-          <a:bodyPr rtlCol="0" anchor="ctr"/>
-          <a:lstStyle/>
-          <a:p>
-            <a:pPr algn="ctr"/>
-            <a:r>
-              <a:rPr lang="en-US" altLang="zh-TW" sz="1600" b="1" dirty="0" smtClean="0"/>
-              <a:t>HTTP</a:t>
-            </a:r>
-            <a:r>
-              <a:rPr lang="zh-TW" altLang="en-US" sz="1600" b="1" dirty="0" smtClean="0"/>
-              <a:t> </a:t>
-            </a:r>
-            <a:r>
-              <a:rPr lang="en-US" altLang="zh-TW" sz="1600" b="1" dirty="0" smtClean="0"/>
-              <a:t>Module n</a:t>
-            </a:r>
-            <a:endParaRPr lang="zh-TW" altLang="en-US" sz="1600" b="1" dirty="0"/>
-          </a:p>
-        </p:txBody>
-      </p:sp>
-      <p:sp>
-        <p:nvSpPr>
-          <p:cNvPr id="34" name="矩形 33"/>
-          <p:cNvSpPr/>
-          <p:nvPr/>
-        </p:nvSpPr>
-        <p:spPr>
-          <a:xfrm rot="5400000">
-            <a:off x="3110557" y="3361420"/>
-            <a:ext cx="3904553" cy="720000"/>
-          </a:xfrm>
-          <a:prstGeom prst="rect">
-            <a:avLst/>
-          </a:prstGeom>
+            <a:schemeClr val="tx1"/>
+          </a:fontRef>
+        </p:style>
+      </p:cxnSp>
+      <p:cxnSp>
+        <p:nvCxnSpPr>
+          <p:cNvPr id="16" name="肘形接點 15"/>
+          <p:cNvCxnSpPr>
+            <a:stCxn id="7" idx="0"/>
+            <a:endCxn id="5" idx="2"/>
+          </p:cNvCxnSpPr>
+          <p:nvPr/>
+        </p:nvCxnSpPr>
+        <p:spPr>
+          <a:xfrm rot="16200000" flipV="1">
+            <a:off x="4610657" y="1297543"/>
+            <a:ext cx="448286" cy="914400"/>
+          </a:xfrm>
+          <a:prstGeom prst="bentConnector3">
+            <a:avLst>
+              <a:gd name="adj1" fmla="val 52125"/>
+            </a:avLst>
+          </a:prstGeom>
+          <a:ln w="19050">
+            <a:solidFill>
+              <a:schemeClr val="tx1"/>
+            </a:solidFill>
+            <a:prstDash val="sysDash"/>
+            <a:headEnd type="none" w="med" len="med"/>
+            <a:tailEnd type="arrow" w="med" len="med"/>
+          </a:ln>
         </p:spPr>
         <p:style>
           <a:lnRef idx="1">
             <a:schemeClr val="accent1"/>
           </a:lnRef>
-          <a:fillRef idx="3">
+          <a:fillRef idx="0">
             <a:schemeClr val="accent1"/>
           </a:fillRef>
-          <a:effectRef idx="2">
+          <a:effectRef idx="0">
             <a:schemeClr val="accent1"/>
           </a:effectRef>
           <a:fontRef idx="minor">
-            <a:schemeClr val="lt1"/>
-          </a:fontRef>
-        </p:style>
-        <p:txBody>
-          <a:bodyPr rtlCol="0" anchor="ctr"/>
-          <a:lstStyle/>
-          <a:p>
-            <a:pPr algn="ctr"/>
-            <a:r>
-              <a:rPr lang="en-US" altLang="zh-TW" sz="1600" b="1" dirty="0" smtClean="0"/>
-              <a:t>HTTP Handlers</a:t>
-            </a:r>
-            <a:endParaRPr lang="zh-TW" altLang="en-US" sz="1600" b="1" dirty="0"/>
-          </a:p>
-        </p:txBody>
-      </p:sp>
-      <p:sp>
-        <p:nvSpPr>
-          <p:cNvPr id="45" name="Send Log F2L"/>
-          <p:cNvSpPr/>
-          <p:nvPr/>
-        </p:nvSpPr>
-        <p:spPr>
-          <a:xfrm>
-            <a:off x="4252687" y="2077190"/>
-            <a:ext cx="585919" cy="540000"/>
-          </a:xfrm>
-          <a:prstGeom prst="rightArrow">
-            <a:avLst/>
-          </a:prstGeom>
+            <a:schemeClr val="tx1"/>
+          </a:fontRef>
+        </p:style>
+      </p:cxnSp>
+      <p:cxnSp>
+        <p:nvCxnSpPr>
+          <p:cNvPr id="18" name="肘形接點 17"/>
+          <p:cNvCxnSpPr>
+            <a:stCxn id="8" idx="0"/>
+            <a:endCxn id="6" idx="2"/>
+          </p:cNvCxnSpPr>
+          <p:nvPr/>
+        </p:nvCxnSpPr>
+        <p:spPr>
+          <a:xfrm rot="5400000" flipH="1" flipV="1">
+            <a:off x="2779961" y="2280761"/>
+            <a:ext cx="467678" cy="914400"/>
+          </a:xfrm>
+          <a:prstGeom prst="bentConnector3">
+            <a:avLst/>
+          </a:prstGeom>
+          <a:ln w="19050">
+            <a:solidFill>
+              <a:schemeClr val="tx1"/>
+            </a:solidFill>
+            <a:prstDash val="sysDash"/>
+            <a:headEnd type="none" w="med" len="med"/>
+            <a:tailEnd type="arrow" w="med" len="med"/>
+          </a:ln>
         </p:spPr>
         <p:style>
           <a:lnRef idx="1">
-            <a:schemeClr val="accent4"/>
-          </a:lnRef>
-          <a:fillRef idx="2">
-            <a:schemeClr val="accent4"/>
-          </a:fillRef>
-          <a:effectRef idx="1">
-            <a:schemeClr val="accent4"/>
-          </a:effectRef>
-          <a:fontRef idx="minor">
-            <a:schemeClr val="dk1"/>
-          </a:fontRef>
-        </p:style>
-        <p:txBody>
-          <a:bodyPr rtlCol="0" anchor="ctr"/>
-          <a:lstStyle/>
-          <a:p>
-            <a:pPr algn="ctr"/>
-            <a:endParaRPr lang="zh-TW" altLang="en-US" sz="1400" b="1" dirty="0"/>
-          </a:p>
-        </p:txBody>
-      </p:sp>
-      <p:sp>
-        <p:nvSpPr>
-          <p:cNvPr id="46" name="Send Log F2L"/>
-          <p:cNvSpPr/>
-          <p:nvPr/>
-        </p:nvSpPr>
-        <p:spPr>
-          <a:xfrm>
-            <a:off x="5288607" y="2072479"/>
-            <a:ext cx="585919" cy="540000"/>
-          </a:xfrm>
-          <a:prstGeom prst="rightArrow">
-            <a:avLst/>
-          </a:prstGeom>
+            <a:schemeClr val="accent1"/>
+          </a:lnRef>
+          <a:fillRef idx="0">
+            <a:schemeClr val="accent1"/>
+          </a:fillRef>
+          <a:effectRef idx="0">
+            <a:schemeClr val="accent1"/>
+          </a:effectRef>
+          <a:fontRef idx="minor">
+            <a:schemeClr val="tx1"/>
+          </a:fontRef>
+        </p:style>
+      </p:cxnSp>
+      <p:cxnSp>
+        <p:nvCxnSpPr>
+          <p:cNvPr id="20" name="肘形接點 19"/>
+          <p:cNvCxnSpPr>
+            <a:stCxn id="10" idx="0"/>
+            <a:endCxn id="6" idx="2"/>
+          </p:cNvCxnSpPr>
+          <p:nvPr/>
+        </p:nvCxnSpPr>
+        <p:spPr>
+          <a:xfrm rot="16200000" flipV="1">
+            <a:off x="3690461" y="2284661"/>
+            <a:ext cx="467678" cy="906600"/>
+          </a:xfrm>
+          <a:prstGeom prst="bentConnector3">
+            <a:avLst/>
+          </a:prstGeom>
+          <a:ln w="19050">
+            <a:solidFill>
+              <a:schemeClr val="tx1"/>
+            </a:solidFill>
+            <a:prstDash val="sysDash"/>
+            <a:headEnd type="none" w="med" len="med"/>
+            <a:tailEnd type="arrow" w="med" len="med"/>
+          </a:ln>
         </p:spPr>
         <p:style>
           <a:lnRef idx="1">
-            <a:schemeClr val="accent4"/>
-          </a:lnRef>
-          <a:fillRef idx="2">
-            <a:schemeClr val="accent4"/>
-          </a:fillRef>
-          <a:effectRef idx="1">
-            <a:schemeClr val="accent4"/>
-          </a:effectRef>
-          <a:fontRef idx="minor">
-            <a:schemeClr val="dk1"/>
-          </a:fontRef>
-        </p:style>
-        <p:txBody>
-          <a:bodyPr rtlCol="0" anchor="ctr"/>
-          <a:lstStyle/>
-          <a:p>
-            <a:pPr algn="ctr"/>
-            <a:endParaRPr lang="zh-TW" altLang="en-US" sz="1400" b="1" dirty="0"/>
-          </a:p>
-        </p:txBody>
-      </p:sp>
-      <p:sp>
-        <p:nvSpPr>
-          <p:cNvPr id="47" name="Send Log F2L"/>
-          <p:cNvSpPr/>
-          <p:nvPr/>
-        </p:nvSpPr>
-        <p:spPr>
-          <a:xfrm>
-            <a:off x="6324529" y="2081489"/>
-            <a:ext cx="585919" cy="540000"/>
-          </a:xfrm>
-          <a:prstGeom prst="rightArrow">
-            <a:avLst/>
-          </a:prstGeom>
+            <a:schemeClr val="accent1"/>
+          </a:lnRef>
+          <a:fillRef idx="0">
+            <a:schemeClr val="accent1"/>
+          </a:fillRef>
+          <a:effectRef idx="0">
+            <a:schemeClr val="accent1"/>
+          </a:effectRef>
+          <a:fontRef idx="minor">
+            <a:schemeClr val="tx1"/>
+          </a:fontRef>
+        </p:style>
+      </p:cxnSp>
+      <p:cxnSp>
+        <p:nvCxnSpPr>
+          <p:cNvPr id="22" name="肘形接點 21"/>
+          <p:cNvCxnSpPr>
+            <a:stCxn id="9" idx="0"/>
+            <a:endCxn id="7" idx="2"/>
+          </p:cNvCxnSpPr>
+          <p:nvPr/>
+        </p:nvCxnSpPr>
+        <p:spPr>
+          <a:xfrm rot="16200000" flipV="1">
+            <a:off x="5518843" y="2292043"/>
+            <a:ext cx="452914" cy="906600"/>
+          </a:xfrm>
+          <a:prstGeom prst="bentConnector3">
+            <a:avLst/>
+          </a:prstGeom>
+          <a:ln w="19050">
+            <a:solidFill>
+              <a:schemeClr val="tx1"/>
+            </a:solidFill>
+            <a:prstDash val="sysDash"/>
+            <a:headEnd type="none" w="med" len="med"/>
+            <a:tailEnd type="arrow" w="med" len="med"/>
+          </a:ln>
         </p:spPr>
         <p:style>
           <a:lnRef idx="1">
-            <a:schemeClr val="accent4"/>
-          </a:lnRef>
-          <a:fillRef idx="2">
-            <a:schemeClr val="accent4"/>
-          </a:fillRef>
-          <a:effectRef idx="1">
-            <a:schemeClr val="accent4"/>
-          </a:effectRef>
-          <a:fontRef idx="minor">
-            <a:schemeClr val="dk1"/>
-          </a:fontRef>
-        </p:style>
-        <p:txBody>
-          <a:bodyPr rtlCol="0" anchor="ctr"/>
-          <a:lstStyle/>
-          <a:p>
-            <a:pPr algn="ctr"/>
-            <a:endParaRPr lang="zh-TW" altLang="en-US" sz="1400" b="1" dirty="0"/>
-          </a:p>
-        </p:txBody>
-      </p:sp>
-      <p:sp>
-        <p:nvSpPr>
-          <p:cNvPr id="48" name="Send Log F2L"/>
-          <p:cNvSpPr/>
-          <p:nvPr/>
-        </p:nvSpPr>
-        <p:spPr>
-          <a:xfrm>
-            <a:off x="3216767" y="2081489"/>
-            <a:ext cx="585919" cy="540000"/>
-          </a:xfrm>
-          <a:prstGeom prst="rightArrow">
-            <a:avLst/>
-          </a:prstGeom>
+            <a:schemeClr val="accent1"/>
+          </a:lnRef>
+          <a:fillRef idx="0">
+            <a:schemeClr val="accent1"/>
+          </a:fillRef>
+          <a:effectRef idx="0">
+            <a:schemeClr val="accent1"/>
+          </a:effectRef>
+          <a:fontRef idx="minor">
+            <a:schemeClr val="tx1"/>
+          </a:fontRef>
+        </p:style>
+      </p:cxnSp>
+      <p:cxnSp>
+        <p:nvCxnSpPr>
+          <p:cNvPr id="24" name="肘形接點 23"/>
+          <p:cNvCxnSpPr>
+            <a:stCxn id="12" idx="0"/>
+            <a:endCxn id="9" idx="2"/>
+          </p:cNvCxnSpPr>
+          <p:nvPr/>
+        </p:nvCxnSpPr>
+        <p:spPr>
+          <a:xfrm rot="5400000" flipH="1" flipV="1">
+            <a:off x="5518843" y="3284957"/>
+            <a:ext cx="452914" cy="906600"/>
+          </a:xfrm>
+          <a:prstGeom prst="bentConnector3">
+            <a:avLst/>
+          </a:prstGeom>
+          <a:ln w="19050">
+            <a:solidFill>
+              <a:schemeClr val="tx1"/>
+            </a:solidFill>
+            <a:prstDash val="sysDash"/>
+            <a:headEnd type="none" w="med" len="med"/>
+            <a:tailEnd type="arrow" w="med" len="med"/>
+          </a:ln>
         </p:spPr>
         <p:style>
           <a:lnRef idx="1">
-            <a:schemeClr val="accent4"/>
-          </a:lnRef>
-          <a:fillRef idx="2">
-            <a:schemeClr val="accent4"/>
-          </a:fillRef>
-          <a:effectRef idx="1">
-            <a:schemeClr val="accent4"/>
-          </a:effectRef>
-          <a:fontRef idx="minor">
-            <a:schemeClr val="dk1"/>
-          </a:fontRef>
-        </p:style>
-        <p:txBody>
-          <a:bodyPr rtlCol="0" anchor="ctr"/>
-          <a:lstStyle/>
-          <a:p>
-            <a:pPr algn="ctr"/>
-            <a:endParaRPr lang="zh-TW" altLang="en-US" sz="1400" b="1" dirty="0"/>
-          </a:p>
-        </p:txBody>
-      </p:sp>
-      <p:sp>
-        <p:nvSpPr>
-          <p:cNvPr id="49" name="Send Log F2L"/>
-          <p:cNvSpPr/>
-          <p:nvPr/>
-        </p:nvSpPr>
-        <p:spPr>
-          <a:xfrm>
-            <a:off x="2180847" y="2081489"/>
-            <a:ext cx="585919" cy="540000"/>
-          </a:xfrm>
-          <a:prstGeom prst="rightArrow">
-            <a:avLst/>
-          </a:prstGeom>
+            <a:schemeClr val="accent1"/>
+          </a:lnRef>
+          <a:fillRef idx="0">
+            <a:schemeClr val="accent1"/>
+          </a:fillRef>
+          <a:effectRef idx="0">
+            <a:schemeClr val="accent1"/>
+          </a:effectRef>
+          <a:fontRef idx="minor">
+            <a:schemeClr val="tx1"/>
+          </a:fontRef>
+        </p:style>
+      </p:cxnSp>
+      <p:cxnSp>
+        <p:nvCxnSpPr>
+          <p:cNvPr id="30" name="肘形接點 29"/>
+          <p:cNvCxnSpPr>
+            <a:stCxn id="12" idx="0"/>
+            <a:endCxn id="10" idx="2"/>
+          </p:cNvCxnSpPr>
+          <p:nvPr/>
+        </p:nvCxnSpPr>
+        <p:spPr>
+          <a:xfrm rot="16200000" flipV="1">
+            <a:off x="4608343" y="3281057"/>
+            <a:ext cx="452914" cy="914400"/>
+          </a:xfrm>
+          <a:prstGeom prst="bentConnector3">
+            <a:avLst/>
+          </a:prstGeom>
+          <a:ln w="19050">
+            <a:solidFill>
+              <a:schemeClr val="tx1"/>
+            </a:solidFill>
+            <a:prstDash val="sysDash"/>
+            <a:headEnd type="none" w="med" len="med"/>
+            <a:tailEnd type="arrow" w="med" len="med"/>
+          </a:ln>
         </p:spPr>
         <p:style>
           <a:lnRef idx="1">
-            <a:schemeClr val="accent4"/>
-          </a:lnRef>
-          <a:fillRef idx="2">
-            <a:schemeClr val="accent4"/>
-          </a:fillRef>
-          <a:effectRef idx="1">
-            <a:schemeClr val="accent4"/>
-          </a:effectRef>
-          <a:fontRef idx="minor">
-            <a:schemeClr val="dk1"/>
-          </a:fontRef>
-        </p:style>
-        <p:txBody>
-          <a:bodyPr rtlCol="0" anchor="ctr"/>
-          <a:lstStyle/>
-          <a:p>
-            <a:pPr algn="ctr"/>
-            <a:endParaRPr lang="zh-TW" altLang="en-US" sz="1400" b="1" dirty="0"/>
-          </a:p>
-        </p:txBody>
-      </p:sp>
-      <p:sp>
-        <p:nvSpPr>
-          <p:cNvPr id="35" name="Send Log F2L"/>
-          <p:cNvSpPr/>
-          <p:nvPr/>
-        </p:nvSpPr>
-        <p:spPr>
-          <a:xfrm rot="10800000">
-            <a:off x="4255333" y="4774992"/>
-            <a:ext cx="585919" cy="540000"/>
-          </a:xfrm>
-          <a:prstGeom prst="rightArrow">
-            <a:avLst/>
-          </a:prstGeom>
+            <a:schemeClr val="accent1"/>
+          </a:lnRef>
+          <a:fillRef idx="0">
+            <a:schemeClr val="accent1"/>
+          </a:fillRef>
+          <a:effectRef idx="0">
+            <a:schemeClr val="accent1"/>
+          </a:effectRef>
+          <a:fontRef idx="minor">
+            <a:schemeClr val="tx1"/>
+          </a:fontRef>
+        </p:style>
+      </p:cxnSp>
+      <p:cxnSp>
+        <p:nvCxnSpPr>
+          <p:cNvPr id="61" name="直線單箭頭接點 60"/>
+          <p:cNvCxnSpPr>
+            <a:stCxn id="11" idx="0"/>
+            <a:endCxn id="8" idx="2"/>
+          </p:cNvCxnSpPr>
+          <p:nvPr/>
+        </p:nvCxnSpPr>
+        <p:spPr>
+          <a:xfrm flipV="1">
+            <a:off x="2556600" y="3511800"/>
+            <a:ext cx="0" cy="442528"/>
+          </a:xfrm>
+          <a:prstGeom prst="straightConnector1">
+            <a:avLst/>
+          </a:prstGeom>
+          <a:ln w="19050">
+            <a:solidFill>
+              <a:schemeClr val="tx1"/>
+            </a:solidFill>
+            <a:prstDash val="sysDash"/>
+            <a:headEnd type="none" w="med" len="med"/>
+            <a:tailEnd type="arrow" w="med" len="med"/>
+          </a:ln>
         </p:spPr>
         <p:style>
           <a:lnRef idx="1">
-            <a:schemeClr val="accent4"/>
-          </a:lnRef>
-          <a:fillRef idx="2">
-            <a:schemeClr val="accent4"/>
-          </a:fillRef>
-          <a:effectRef idx="1">
-            <a:schemeClr val="accent4"/>
-          </a:effectRef>
-          <a:fontRef idx="minor">
-            <a:schemeClr val="dk1"/>
-          </a:fontRef>
-        </p:style>
-        <p:txBody>
-          <a:bodyPr rtlCol="0" anchor="ctr"/>
-          <a:lstStyle/>
-          <a:p>
-            <a:pPr algn="ctr"/>
-            <a:endParaRPr lang="zh-TW" altLang="en-US" sz="1400" b="1" dirty="0"/>
-          </a:p>
-        </p:txBody>
-      </p:sp>
-      <p:sp>
-        <p:nvSpPr>
-          <p:cNvPr id="36" name="Send Log F2L"/>
-          <p:cNvSpPr/>
-          <p:nvPr/>
-        </p:nvSpPr>
-        <p:spPr>
-          <a:xfrm rot="10800000">
-            <a:off x="5291253" y="4770281"/>
-            <a:ext cx="585919" cy="540000"/>
-          </a:xfrm>
-          <a:prstGeom prst="rightArrow">
-            <a:avLst/>
-          </a:prstGeom>
-        </p:spPr>
-        <p:style>
-          <a:lnRef idx="1">
-            <a:schemeClr val="accent4"/>
-          </a:lnRef>
-          <a:fillRef idx="2">
-            <a:schemeClr val="accent4"/>
-          </a:fillRef>
-          <a:effectRef idx="1">
-            <a:schemeClr val="accent4"/>
-          </a:effectRef>
-          <a:fontRef idx="minor">
-            <a:schemeClr val="dk1"/>
-          </a:fontRef>
-        </p:style>
-        <p:txBody>
-          <a:bodyPr rtlCol="0" anchor="ctr"/>
-          <a:lstStyle/>
-          <a:p>
-            <a:pPr algn="ctr"/>
-            <a:endParaRPr lang="zh-TW" altLang="en-US" sz="1400" b="1" dirty="0"/>
-          </a:p>
-        </p:txBody>
-      </p:sp>
-      <p:sp>
-        <p:nvSpPr>
-          <p:cNvPr id="39" name="Send Log F2L"/>
-          <p:cNvSpPr/>
-          <p:nvPr/>
-        </p:nvSpPr>
-        <p:spPr>
-          <a:xfrm rot="10800000">
-            <a:off x="6327175" y="4779291"/>
-            <a:ext cx="585919" cy="540000"/>
-          </a:xfrm>
-          <a:prstGeom prst="rightArrow">
-            <a:avLst/>
-          </a:prstGeom>
-        </p:spPr>
-        <p:style>
-          <a:lnRef idx="1">
-            <a:schemeClr val="accent4"/>
-          </a:lnRef>
-          <a:fillRef idx="2">
-            <a:schemeClr val="accent4"/>
-          </a:fillRef>
-          <a:effectRef idx="1">
-            <a:schemeClr val="accent4"/>
-          </a:effectRef>
-          <a:fontRef idx="minor">
-            <a:schemeClr val="dk1"/>
-          </a:fontRef>
-        </p:style>
-        <p:txBody>
-          <a:bodyPr rtlCol="0" anchor="ctr"/>
-          <a:lstStyle/>
-          <a:p>
-            <a:pPr algn="ctr"/>
-            <a:endParaRPr lang="zh-TW" altLang="en-US" sz="1400" b="1" dirty="0"/>
-          </a:p>
-        </p:txBody>
-      </p:sp>
-      <p:sp>
-        <p:nvSpPr>
-          <p:cNvPr id="40" name="Send Log F2L"/>
-          <p:cNvSpPr/>
-          <p:nvPr/>
-        </p:nvSpPr>
-        <p:spPr>
-          <a:xfrm rot="10800000">
-            <a:off x="3219413" y="4779291"/>
-            <a:ext cx="585919" cy="540000"/>
-          </a:xfrm>
-          <a:prstGeom prst="rightArrow">
-            <a:avLst/>
-          </a:prstGeom>
-        </p:spPr>
-        <p:style>
-          <a:lnRef idx="1">
-            <a:schemeClr val="accent4"/>
-          </a:lnRef>
-          <a:fillRef idx="2">
-            <a:schemeClr val="accent4"/>
-          </a:fillRef>
-          <a:effectRef idx="1">
-            <a:schemeClr val="accent4"/>
-          </a:effectRef>
-          <a:fontRef idx="minor">
-            <a:schemeClr val="dk1"/>
-          </a:fontRef>
-        </p:style>
-        <p:txBody>
-          <a:bodyPr rtlCol="0" anchor="ctr"/>
-          <a:lstStyle/>
-          <a:p>
-            <a:pPr algn="ctr"/>
-            <a:endParaRPr lang="zh-TW" altLang="en-US" sz="1400" b="1" dirty="0"/>
-          </a:p>
-        </p:txBody>
-      </p:sp>
-      <p:sp>
-        <p:nvSpPr>
-          <p:cNvPr id="51" name="Send Log F2L"/>
-          <p:cNvSpPr/>
-          <p:nvPr/>
-        </p:nvSpPr>
-        <p:spPr>
-          <a:xfrm rot="10800000">
-            <a:off x="2183493" y="4779291"/>
-            <a:ext cx="585919" cy="540000"/>
-          </a:xfrm>
-          <a:prstGeom prst="rightArrow">
-            <a:avLst/>
-          </a:prstGeom>
-        </p:spPr>
-        <p:style>
-          <a:lnRef idx="1">
-            <a:schemeClr val="accent4"/>
-          </a:lnRef>
-          <a:fillRef idx="2">
-            <a:schemeClr val="accent4"/>
-          </a:fillRef>
-          <a:effectRef idx="1">
-            <a:schemeClr val="accent4"/>
-          </a:effectRef>
-          <a:fontRef idx="minor">
-            <a:schemeClr val="dk1"/>
-          </a:fontRef>
-        </p:style>
-        <p:txBody>
-          <a:bodyPr rtlCol="0" anchor="ctr"/>
-          <a:lstStyle/>
-          <a:p>
-            <a:pPr algn="ctr"/>
-            <a:endParaRPr lang="zh-TW" altLang="en-US" sz="1400" b="1" dirty="0"/>
-          </a:p>
-        </p:txBody>
-      </p:sp>
-      <p:sp>
-        <p:nvSpPr>
-          <p:cNvPr id="15" name="標題 2"/>
-          <p:cNvSpPr>
-            <a:spLocks noGrp="1"/>
-          </p:cNvSpPr>
-          <p:nvPr>
-            <p:ph type="title"/>
-          </p:nvPr>
-        </p:nvSpPr>
-        <p:spPr>
-          <a:xfrm>
-            <a:off x="1726638" y="3058638"/>
-            <a:ext cx="5638015" cy="1325563"/>
-          </a:xfrm>
-          <a:noFill/>
-        </p:spPr>
-        <p:txBody>
-          <a:bodyPr>
-            <a:noAutofit/>
-          </a:bodyPr>
-          <a:lstStyle/>
-          <a:p>
-            <a:r>
-              <a:rPr lang="en-US" altLang="zh-TW" sz="6600" b="1" dirty="0" smtClean="0">
-                <a:solidFill>
-                  <a:schemeClr val="tx1">
-                    <a:alpha val="8000"/>
-                  </a:schemeClr>
-                </a:solidFill>
-                <a:latin typeface="+mn-lt"/>
-              </a:rPr>
-              <a:t>blog.johnwu.cc</a:t>
-            </a:r>
-            <a:endParaRPr lang="zh-TW" altLang="en-US" sz="6600" b="1" dirty="0">
-              <a:solidFill>
-                <a:schemeClr val="tx1">
-                  <a:alpha val="8000"/>
-                </a:schemeClr>
-              </a:solidFill>
-              <a:latin typeface="+mn-lt"/>
-            </a:endParaRPr>
-          </a:p>
-        </p:txBody>
-      </p:sp>
+            <a:schemeClr val="accent1"/>
+          </a:lnRef>
+          <a:fillRef idx="0">
+            <a:schemeClr val="accent1"/>
+          </a:fillRef>
+          <a:effectRef idx="0">
+            <a:schemeClr val="accent1"/>
+          </a:effectRef>
+          <a:fontRef idx="minor">
+            <a:schemeClr val="tx1"/>
+          </a:fontRef>
+        </p:style>
+      </p:cxnSp>
     </p:spTree>
     <p:extLst>
       <p:ext uri="{BB962C8B-B14F-4D97-AF65-F5344CB8AC3E}">
-        <p14:creationId xmlns:p14="http://schemas.microsoft.com/office/powerpoint/2010/main" val="4015888149"/>
+        <p14:creationId xmlns:p14="http://schemas.microsoft.com/office/powerpoint/2010/main" val="2387380010"/>
       </p:ext>
     </p:extLst>
   </p:cSld>
@@ -22088,8 +20062,8 @@
         </p:nvSpPr>
         <p:spPr>
           <a:xfrm>
-            <a:off x="3657600" y="990600"/>
-            <a:ext cx="1440000" cy="540000"/>
+            <a:off x="3662250" y="1219200"/>
+            <a:ext cx="1440000" cy="720000"/>
           </a:xfrm>
           <a:prstGeom prst="rect">
             <a:avLst/>
@@ -22116,7 +20090,14 @@
             <a:pPr algn="ctr"/>
             <a:r>
               <a:rPr lang="en-US" altLang="zh-TW" dirty="0" smtClean="0"/>
-              <a:t>Module A</a:t>
+              <a:t>Example</a:t>
+            </a:r>
+            <a:br>
+              <a:rPr lang="en-US" altLang="zh-TW" dirty="0" smtClean="0"/>
+            </a:br>
+            <a:r>
+              <a:rPr lang="en-US" altLang="zh-TW" dirty="0" smtClean="0"/>
+              <a:t>(DLL)</a:t>
             </a:r>
             <a:endParaRPr lang="zh-TW" altLang="en-US" dirty="0"/>
           </a:p>
@@ -22130,8 +20111,8 @@
         </p:nvSpPr>
         <p:spPr>
           <a:xfrm>
-            <a:off x="2751000" y="1964122"/>
-            <a:ext cx="1440000" cy="540000"/>
+            <a:off x="3662250" y="2362200"/>
+            <a:ext cx="1440000" cy="720000"/>
           </a:xfrm>
           <a:prstGeom prst="rect">
             <a:avLst/>
@@ -22159,278 +20140,19 @@
           <a:p>
             <a:pPr algn="ctr"/>
             <a:r>
+              <a:rPr lang="en-US" altLang="zh-TW" dirty="0" err="1" smtClean="0"/>
+              <a:t>ExampleApp</a:t>
+            </a:r>
+            <a:r>
               <a:rPr lang="en-US" altLang="zh-TW" dirty="0"/>
-              <a:t>Module </a:t>
-            </a:r>
+              <a:t/>
+            </a:r>
+            <a:br>
+              <a:rPr lang="en-US" altLang="zh-TW" dirty="0"/>
+            </a:br>
             <a:r>
               <a:rPr lang="en-US" altLang="zh-TW" dirty="0" smtClean="0"/>
-              <a:t>B</a:t>
-            </a:r>
-            <a:endParaRPr lang="zh-TW" altLang="en-US" dirty="0"/>
-          </a:p>
-        </p:txBody>
-      </p:sp>
-      <p:sp>
-        <p:nvSpPr>
-          <p:cNvPr id="7" name="矩形 6"/>
-          <p:cNvSpPr/>
-          <p:nvPr/>
-        </p:nvSpPr>
-        <p:spPr>
-          <a:xfrm>
-            <a:off x="4572000" y="1978886"/>
-            <a:ext cx="1440000" cy="540000"/>
-          </a:xfrm>
-          <a:prstGeom prst="rect">
-            <a:avLst/>
-          </a:prstGeom>
-        </p:spPr>
-        <p:style>
-          <a:lnRef idx="2">
-            <a:schemeClr val="accent6">
-              <a:shade val="50000"/>
-            </a:schemeClr>
-          </a:lnRef>
-          <a:fillRef idx="1">
-            <a:schemeClr val="accent6"/>
-          </a:fillRef>
-          <a:effectRef idx="0">
-            <a:schemeClr val="accent6"/>
-          </a:effectRef>
-          <a:fontRef idx="minor">
-            <a:schemeClr val="lt1"/>
-          </a:fontRef>
-        </p:style>
-        <p:txBody>
-          <a:bodyPr rtlCol="0" anchor="ctr"/>
-          <a:lstStyle/>
-          <a:p>
-            <a:pPr algn="ctr"/>
-            <a:r>
-              <a:rPr lang="en-US" altLang="zh-TW" dirty="0"/>
-              <a:t>Module </a:t>
-            </a:r>
-            <a:r>
-              <a:rPr lang="en-US" altLang="zh-TW" dirty="0" smtClean="0"/>
-              <a:t>C</a:t>
-            </a:r>
-            <a:endParaRPr lang="zh-TW" altLang="en-US" dirty="0"/>
-          </a:p>
-        </p:txBody>
-      </p:sp>
-      <p:sp>
-        <p:nvSpPr>
-          <p:cNvPr id="8" name="矩形 7"/>
-          <p:cNvSpPr/>
-          <p:nvPr/>
-        </p:nvSpPr>
-        <p:spPr>
-          <a:xfrm>
-            <a:off x="1836600" y="2971800"/>
-            <a:ext cx="1440000" cy="540000"/>
-          </a:xfrm>
-          <a:prstGeom prst="rect">
-            <a:avLst/>
-          </a:prstGeom>
-        </p:spPr>
-        <p:style>
-          <a:lnRef idx="0">
-            <a:schemeClr val="accent2"/>
-          </a:lnRef>
-          <a:fillRef idx="3">
-            <a:schemeClr val="accent2"/>
-          </a:fillRef>
-          <a:effectRef idx="3">
-            <a:schemeClr val="accent2"/>
-          </a:effectRef>
-          <a:fontRef idx="minor">
-            <a:schemeClr val="lt1"/>
-          </a:fontRef>
-        </p:style>
-        <p:txBody>
-          <a:bodyPr rtlCol="0" anchor="ctr"/>
-          <a:lstStyle/>
-          <a:p>
-            <a:pPr algn="ctr"/>
-            <a:r>
-              <a:rPr lang="en-US" altLang="zh-TW" dirty="0"/>
-              <a:t>Module </a:t>
-            </a:r>
-            <a:r>
-              <a:rPr lang="en-US" altLang="zh-TW" dirty="0" smtClean="0"/>
-              <a:t>D</a:t>
-            </a:r>
-            <a:endParaRPr lang="zh-TW" altLang="en-US" dirty="0"/>
-          </a:p>
-        </p:txBody>
-      </p:sp>
-      <p:sp>
-        <p:nvSpPr>
-          <p:cNvPr id="9" name="矩形 8"/>
-          <p:cNvSpPr/>
-          <p:nvPr/>
-        </p:nvSpPr>
-        <p:spPr>
-          <a:xfrm>
-            <a:off x="5478600" y="2971800"/>
-            <a:ext cx="1440000" cy="540000"/>
-          </a:xfrm>
-          <a:prstGeom prst="rect">
-            <a:avLst/>
-          </a:prstGeom>
-        </p:spPr>
-        <p:style>
-          <a:lnRef idx="0">
-            <a:schemeClr val="accent2"/>
-          </a:lnRef>
-          <a:fillRef idx="3">
-            <a:schemeClr val="accent2"/>
-          </a:fillRef>
-          <a:effectRef idx="3">
-            <a:schemeClr val="accent2"/>
-          </a:effectRef>
-          <a:fontRef idx="minor">
-            <a:schemeClr val="lt1"/>
-          </a:fontRef>
-        </p:style>
-        <p:txBody>
-          <a:bodyPr rtlCol="0" anchor="ctr"/>
-          <a:lstStyle/>
-          <a:p>
-            <a:pPr algn="ctr"/>
-            <a:r>
-              <a:rPr lang="en-US" altLang="zh-TW" dirty="0"/>
-              <a:t>Module </a:t>
-            </a:r>
-            <a:r>
-              <a:rPr lang="en-US" altLang="zh-TW" dirty="0" smtClean="0"/>
-              <a:t>F</a:t>
-            </a:r>
-            <a:endParaRPr lang="zh-TW" altLang="en-US" dirty="0"/>
-          </a:p>
-        </p:txBody>
-      </p:sp>
-      <p:sp>
-        <p:nvSpPr>
-          <p:cNvPr id="10" name="矩形 9"/>
-          <p:cNvSpPr/>
-          <p:nvPr/>
-        </p:nvSpPr>
-        <p:spPr>
-          <a:xfrm>
-            <a:off x="3657600" y="2971800"/>
-            <a:ext cx="1440000" cy="540000"/>
-          </a:xfrm>
-          <a:prstGeom prst="rect">
-            <a:avLst/>
-          </a:prstGeom>
-        </p:spPr>
-        <p:style>
-          <a:lnRef idx="0">
-            <a:schemeClr val="accent2"/>
-          </a:lnRef>
-          <a:fillRef idx="3">
-            <a:schemeClr val="accent2"/>
-          </a:fillRef>
-          <a:effectRef idx="3">
-            <a:schemeClr val="accent2"/>
-          </a:effectRef>
-          <a:fontRef idx="minor">
-            <a:schemeClr val="lt1"/>
-          </a:fontRef>
-        </p:style>
-        <p:txBody>
-          <a:bodyPr rtlCol="0" anchor="ctr"/>
-          <a:lstStyle/>
-          <a:p>
-            <a:pPr algn="ctr"/>
-            <a:r>
-              <a:rPr lang="en-US" altLang="zh-TW" dirty="0"/>
-              <a:t>Module E</a:t>
-            </a:r>
-            <a:endParaRPr lang="zh-TW" altLang="en-US" dirty="0"/>
-          </a:p>
-        </p:txBody>
-      </p:sp>
-      <p:sp>
-        <p:nvSpPr>
-          <p:cNvPr id="11" name="矩形 10"/>
-          <p:cNvSpPr/>
-          <p:nvPr/>
-        </p:nvSpPr>
-        <p:spPr>
-          <a:xfrm>
-            <a:off x="1836600" y="3954328"/>
-            <a:ext cx="1440000" cy="540000"/>
-          </a:xfrm>
-          <a:prstGeom prst="rect">
-            <a:avLst/>
-          </a:prstGeom>
-        </p:spPr>
-        <p:style>
-          <a:lnRef idx="0">
-            <a:schemeClr val="accent5"/>
-          </a:lnRef>
-          <a:fillRef idx="3">
-            <a:schemeClr val="accent5"/>
-          </a:fillRef>
-          <a:effectRef idx="3">
-            <a:schemeClr val="accent5"/>
-          </a:effectRef>
-          <a:fontRef idx="minor">
-            <a:schemeClr val="lt1"/>
-          </a:fontRef>
-        </p:style>
-        <p:txBody>
-          <a:bodyPr rtlCol="0" anchor="ctr"/>
-          <a:lstStyle/>
-          <a:p>
-            <a:pPr algn="ctr"/>
-            <a:r>
-              <a:rPr lang="en-US" altLang="zh-TW" dirty="0" smtClean="0"/>
-              <a:t>Application</a:t>
-            </a:r>
-            <a:endParaRPr lang="zh-TW" altLang="en-US" dirty="0"/>
-          </a:p>
-        </p:txBody>
-      </p:sp>
-      <p:sp>
-        <p:nvSpPr>
-          <p:cNvPr id="12" name="矩形 11"/>
-          <p:cNvSpPr/>
-          <p:nvPr/>
-        </p:nvSpPr>
-        <p:spPr>
-          <a:xfrm>
-            <a:off x="4572000" y="3964714"/>
-            <a:ext cx="1440000" cy="540000"/>
-          </a:xfrm>
-          <a:prstGeom prst="rect">
-            <a:avLst/>
-          </a:prstGeom>
-        </p:spPr>
-        <p:style>
-          <a:lnRef idx="0">
-            <a:schemeClr val="accent5"/>
-          </a:lnRef>
-          <a:fillRef idx="3">
-            <a:schemeClr val="accent5"/>
-          </a:fillRef>
-          <a:effectRef idx="3">
-            <a:schemeClr val="accent5"/>
-          </a:effectRef>
-          <a:fontRef idx="minor">
-            <a:schemeClr val="lt1"/>
-          </a:fontRef>
-        </p:style>
-        <p:txBody>
-          <a:bodyPr rtlCol="0" anchor="ctr"/>
-          <a:lstStyle/>
-          <a:p>
-            <a:pPr algn="ctr"/>
-            <a:r>
-              <a:rPr lang="en-US" altLang="zh-TW" dirty="0" smtClean="0"/>
-              <a:t>Website</a:t>
+              <a:t>(EXE)</a:t>
             </a:r>
             <a:endParaRPr lang="zh-TW" altLang="en-US" dirty="0"/>
           </a:p>
@@ -22438,7 +20160,7 @@
       </p:sp>
       <p:cxnSp>
         <p:nvCxnSpPr>
-          <p:cNvPr id="14" name="肘形接點 13"/>
+          <p:cNvPr id="21" name="直線單箭頭接點 20"/>
           <p:cNvCxnSpPr>
             <a:stCxn id="6" idx="0"/>
             <a:endCxn id="5" idx="2"/>
@@ -22446,14 +20168,14 @@
           <p:nvPr/>
         </p:nvCxnSpPr>
         <p:spPr>
-          <a:xfrm rot="5400000" flipH="1" flipV="1">
-            <a:off x="3707539" y="1294061"/>
-            <a:ext cx="433522" cy="906600"/>
-          </a:xfrm>
-          <a:prstGeom prst="bentConnector3">
-            <a:avLst/>
-          </a:prstGeom>
-          <a:ln w="19050">
+          <a:xfrm flipV="1">
+            <a:off x="4382250" y="1939200"/>
+            <a:ext cx="0" cy="423000"/>
+          </a:xfrm>
+          <a:prstGeom prst="straightConnector1">
+            <a:avLst/>
+          </a:prstGeom>
+          <a:ln w="28575">
             <a:solidFill>
               <a:schemeClr val="tx1"/>
             </a:solidFill>
@@ -22477,26 +20199,177 @@
           </a:fontRef>
         </p:style>
       </p:cxnSp>
+      <p:sp>
+        <p:nvSpPr>
+          <p:cNvPr id="29" name="矩形 28"/>
+          <p:cNvSpPr/>
+          <p:nvPr/>
+        </p:nvSpPr>
+        <p:spPr>
+          <a:xfrm>
+            <a:off x="6858000" y="1219200"/>
+            <a:ext cx="1440000" cy="720000"/>
+          </a:xfrm>
+          <a:prstGeom prst="rect">
+            <a:avLst/>
+          </a:prstGeom>
+        </p:spPr>
+        <p:style>
+          <a:lnRef idx="0">
+            <a:schemeClr val="accent4"/>
+          </a:lnRef>
+          <a:fillRef idx="3">
+            <a:schemeClr val="accent4"/>
+          </a:fillRef>
+          <a:effectRef idx="3">
+            <a:schemeClr val="accent4"/>
+          </a:effectRef>
+          <a:fontRef idx="minor">
+            <a:schemeClr val="lt1"/>
+          </a:fontRef>
+        </p:style>
+        <p:txBody>
+          <a:bodyPr rtlCol="0" anchor="ctr"/>
+          <a:lstStyle/>
+          <a:p>
+            <a:pPr algn="ctr"/>
+            <a:r>
+              <a:rPr lang="en-US" altLang="zh-TW" dirty="0" smtClean="0"/>
+              <a:t>Example</a:t>
+            </a:r>
+            <a:br>
+              <a:rPr lang="en-US" altLang="zh-TW" dirty="0" smtClean="0"/>
+            </a:br>
+            <a:r>
+              <a:rPr lang="en-US" altLang="zh-TW" dirty="0" smtClean="0"/>
+              <a:t>(DLL)</a:t>
+            </a:r>
+            <a:endParaRPr lang="zh-TW" altLang="en-US" dirty="0"/>
+          </a:p>
+        </p:txBody>
+      </p:sp>
+      <p:sp>
+        <p:nvSpPr>
+          <p:cNvPr id="31" name="矩形 30"/>
+          <p:cNvSpPr/>
+          <p:nvPr/>
+        </p:nvSpPr>
+        <p:spPr>
+          <a:xfrm>
+            <a:off x="6858000" y="2362200"/>
+            <a:ext cx="1440000" cy="720000"/>
+          </a:xfrm>
+          <a:prstGeom prst="rect">
+            <a:avLst/>
+          </a:prstGeom>
+        </p:spPr>
+        <p:style>
+          <a:lnRef idx="2">
+            <a:schemeClr val="accent6">
+              <a:shade val="50000"/>
+            </a:schemeClr>
+          </a:lnRef>
+          <a:fillRef idx="1">
+            <a:schemeClr val="accent6"/>
+          </a:fillRef>
+          <a:effectRef idx="0">
+            <a:schemeClr val="accent6"/>
+          </a:effectRef>
+          <a:fontRef idx="minor">
+            <a:schemeClr val="lt1"/>
+          </a:fontRef>
+        </p:style>
+        <p:txBody>
+          <a:bodyPr rtlCol="0" anchor="ctr"/>
+          <a:lstStyle/>
+          <a:p>
+            <a:pPr algn="ctr"/>
+            <a:r>
+              <a:rPr lang="en-US" altLang="zh-TW" dirty="0" err="1" smtClean="0"/>
+              <a:t>ExampleApp</a:t>
+            </a:r>
+            <a:r>
+              <a:rPr lang="en-US" altLang="zh-TW" dirty="0"/>
+              <a:t/>
+            </a:r>
+            <a:br>
+              <a:rPr lang="en-US" altLang="zh-TW" dirty="0"/>
+            </a:br>
+            <a:r>
+              <a:rPr lang="en-US" altLang="zh-TW" dirty="0" smtClean="0"/>
+              <a:t>(EXE)</a:t>
+            </a:r>
+            <a:endParaRPr lang="zh-TW" altLang="en-US" dirty="0"/>
+          </a:p>
+        </p:txBody>
+      </p:sp>
+      <p:sp>
+        <p:nvSpPr>
+          <p:cNvPr id="33" name="矩形 32"/>
+          <p:cNvSpPr/>
+          <p:nvPr/>
+        </p:nvSpPr>
+        <p:spPr>
+          <a:xfrm>
+            <a:off x="8763000" y="1219200"/>
+            <a:ext cx="1440000" cy="720000"/>
+          </a:xfrm>
+          <a:prstGeom prst="rect">
+            <a:avLst/>
+          </a:prstGeom>
+        </p:spPr>
+        <p:style>
+          <a:lnRef idx="0">
+            <a:schemeClr val="accent5"/>
+          </a:lnRef>
+          <a:fillRef idx="3">
+            <a:schemeClr val="accent5"/>
+          </a:fillRef>
+          <a:effectRef idx="3">
+            <a:schemeClr val="accent5"/>
+          </a:effectRef>
+          <a:fontRef idx="minor">
+            <a:schemeClr val="lt1"/>
+          </a:fontRef>
+        </p:style>
+        <p:txBody>
+          <a:bodyPr rtlCol="0" anchor="ctr"/>
+          <a:lstStyle/>
+          <a:p>
+            <a:pPr algn="ctr"/>
+            <a:r>
+              <a:rPr lang="en-US" altLang="zh-TW" dirty="0" smtClean="0"/>
+              <a:t>Example</a:t>
+            </a:r>
+            <a:br>
+              <a:rPr lang="en-US" altLang="zh-TW" dirty="0" smtClean="0"/>
+            </a:br>
+            <a:r>
+              <a:rPr lang="en-US" altLang="zh-TW" dirty="0" smtClean="0"/>
+              <a:t>(DLL)</a:t>
+            </a:r>
+            <a:endParaRPr lang="zh-TW" altLang="en-US" dirty="0"/>
+          </a:p>
+        </p:txBody>
+      </p:sp>
       <p:cxnSp>
         <p:nvCxnSpPr>
-          <p:cNvPr id="16" name="肘形接點 15"/>
+          <p:cNvPr id="35" name="肘形接點 34"/>
           <p:cNvCxnSpPr>
-            <a:stCxn id="7" idx="0"/>
-            <a:endCxn id="5" idx="2"/>
+            <a:stCxn id="31" idx="3"/>
+            <a:endCxn id="33" idx="2"/>
           </p:cNvCxnSpPr>
           <p:nvPr/>
         </p:nvCxnSpPr>
         <p:spPr>
-          <a:xfrm rot="16200000" flipV="1">
-            <a:off x="4610657" y="1297543"/>
-            <a:ext cx="448286" cy="914400"/>
-          </a:xfrm>
-          <a:prstGeom prst="bentConnector3">
-            <a:avLst>
-              <a:gd name="adj1" fmla="val 52125"/>
-            </a:avLst>
-          </a:prstGeom>
-          <a:ln w="19050">
+          <a:xfrm flipV="1">
+            <a:off x="8298000" y="1939200"/>
+            <a:ext cx="1185000" cy="783000"/>
+          </a:xfrm>
+          <a:prstGeom prst="bentConnector2">
+            <a:avLst/>
+          </a:prstGeom>
+          <a:ln w="28575">
             <a:solidFill>
               <a:schemeClr val="tx1"/>
             </a:solidFill>
@@ -22520,256 +20393,78 @@
           </a:fontRef>
         </p:style>
       </p:cxnSp>
-      <p:cxnSp>
-        <p:nvCxnSpPr>
-          <p:cNvPr id="18" name="肘形接點 17"/>
-          <p:cNvCxnSpPr>
-            <a:stCxn id="8" idx="0"/>
-            <a:endCxn id="6" idx="2"/>
-          </p:cNvCxnSpPr>
-          <p:nvPr/>
-        </p:nvCxnSpPr>
-        <p:spPr>
-          <a:xfrm rot="5400000" flipH="1" flipV="1">
-            <a:off x="2779961" y="2280761"/>
-            <a:ext cx="467678" cy="914400"/>
-          </a:xfrm>
-          <a:prstGeom prst="bentConnector3">
-            <a:avLst/>
-          </a:prstGeom>
-          <a:ln w="19050">
-            <a:solidFill>
-              <a:schemeClr val="tx1"/>
-            </a:solidFill>
-            <a:prstDash val="sysDash"/>
-            <a:headEnd type="none" w="med" len="med"/>
-            <a:tailEnd type="arrow" w="med" len="med"/>
-          </a:ln>
-        </p:spPr>
-        <p:style>
-          <a:lnRef idx="1">
-            <a:schemeClr val="accent1"/>
-          </a:lnRef>
-          <a:fillRef idx="0">
-            <a:schemeClr val="accent1"/>
-          </a:fillRef>
-          <a:effectRef idx="0">
-            <a:schemeClr val="accent1"/>
-          </a:effectRef>
-          <a:fontRef idx="minor">
-            <a:schemeClr val="tx1"/>
-          </a:fontRef>
-        </p:style>
-      </p:cxnSp>
-      <p:cxnSp>
-        <p:nvCxnSpPr>
-          <p:cNvPr id="20" name="肘形接點 19"/>
-          <p:cNvCxnSpPr>
-            <a:stCxn id="10" idx="0"/>
-            <a:endCxn id="6" idx="2"/>
-          </p:cNvCxnSpPr>
-          <p:nvPr/>
-        </p:nvCxnSpPr>
-        <p:spPr>
-          <a:xfrm rot="16200000" flipV="1">
-            <a:off x="3690461" y="2284661"/>
-            <a:ext cx="467678" cy="906600"/>
-          </a:xfrm>
-          <a:prstGeom prst="bentConnector3">
-            <a:avLst/>
-          </a:prstGeom>
-          <a:ln w="19050">
-            <a:solidFill>
-              <a:schemeClr val="tx1"/>
-            </a:solidFill>
-            <a:prstDash val="sysDash"/>
-            <a:headEnd type="none" w="med" len="med"/>
-            <a:tailEnd type="arrow" w="med" len="med"/>
-          </a:ln>
-        </p:spPr>
-        <p:style>
-          <a:lnRef idx="1">
-            <a:schemeClr val="accent1"/>
-          </a:lnRef>
-          <a:fillRef idx="0">
-            <a:schemeClr val="accent1"/>
-          </a:fillRef>
-          <a:effectRef idx="0">
-            <a:schemeClr val="accent1"/>
-          </a:effectRef>
-          <a:fontRef idx="minor">
-            <a:schemeClr val="tx1"/>
-          </a:fontRef>
-        </p:style>
-      </p:cxnSp>
-      <p:cxnSp>
-        <p:nvCxnSpPr>
-          <p:cNvPr id="22" name="肘形接點 21"/>
-          <p:cNvCxnSpPr>
-            <a:stCxn id="9" idx="0"/>
-            <a:endCxn id="7" idx="2"/>
-          </p:cNvCxnSpPr>
-          <p:nvPr/>
-        </p:nvCxnSpPr>
-        <p:spPr>
-          <a:xfrm rot="16200000" flipV="1">
-            <a:off x="5518843" y="2292043"/>
-            <a:ext cx="452914" cy="906600"/>
-          </a:xfrm>
-          <a:prstGeom prst="bentConnector3">
-            <a:avLst/>
-          </a:prstGeom>
-          <a:ln w="19050">
-            <a:solidFill>
-              <a:schemeClr val="tx1"/>
-            </a:solidFill>
-            <a:prstDash val="sysDash"/>
-            <a:headEnd type="none" w="med" len="med"/>
-            <a:tailEnd type="arrow" w="med" len="med"/>
-          </a:ln>
-        </p:spPr>
-        <p:style>
-          <a:lnRef idx="1">
-            <a:schemeClr val="accent1"/>
-          </a:lnRef>
-          <a:fillRef idx="0">
-            <a:schemeClr val="accent1"/>
-          </a:fillRef>
-          <a:effectRef idx="0">
-            <a:schemeClr val="accent1"/>
-          </a:effectRef>
-          <a:fontRef idx="minor">
-            <a:schemeClr val="tx1"/>
-          </a:fontRef>
-        </p:style>
-      </p:cxnSp>
-      <p:cxnSp>
-        <p:nvCxnSpPr>
-          <p:cNvPr id="24" name="肘形接點 23"/>
-          <p:cNvCxnSpPr>
-            <a:stCxn id="12" idx="0"/>
-            <a:endCxn id="9" idx="2"/>
-          </p:cNvCxnSpPr>
-          <p:nvPr/>
-        </p:nvCxnSpPr>
-        <p:spPr>
-          <a:xfrm rot="5400000" flipH="1" flipV="1">
-            <a:off x="5518843" y="3284957"/>
-            <a:ext cx="452914" cy="906600"/>
-          </a:xfrm>
-          <a:prstGeom prst="bentConnector3">
-            <a:avLst/>
-          </a:prstGeom>
-          <a:ln w="19050">
-            <a:solidFill>
-              <a:schemeClr val="tx1"/>
-            </a:solidFill>
-            <a:prstDash val="sysDash"/>
-            <a:headEnd type="none" w="med" len="med"/>
-            <a:tailEnd type="arrow" w="med" len="med"/>
-          </a:ln>
-        </p:spPr>
-        <p:style>
-          <a:lnRef idx="1">
-            <a:schemeClr val="accent1"/>
-          </a:lnRef>
-          <a:fillRef idx="0">
-            <a:schemeClr val="accent1"/>
-          </a:fillRef>
-          <a:effectRef idx="0">
-            <a:schemeClr val="accent1"/>
-          </a:effectRef>
-          <a:fontRef idx="minor">
-            <a:schemeClr val="tx1"/>
-          </a:fontRef>
-        </p:style>
-      </p:cxnSp>
-      <p:cxnSp>
-        <p:nvCxnSpPr>
-          <p:cNvPr id="30" name="肘形接點 29"/>
-          <p:cNvCxnSpPr>
-            <a:stCxn id="12" idx="0"/>
-            <a:endCxn id="10" idx="2"/>
-          </p:cNvCxnSpPr>
-          <p:nvPr/>
-        </p:nvCxnSpPr>
-        <p:spPr>
-          <a:xfrm rot="16200000" flipV="1">
-            <a:off x="4608343" y="3281057"/>
-            <a:ext cx="452914" cy="914400"/>
-          </a:xfrm>
-          <a:prstGeom prst="bentConnector3">
-            <a:avLst/>
-          </a:prstGeom>
-          <a:ln w="19050">
-            <a:solidFill>
-              <a:schemeClr val="tx1"/>
-            </a:solidFill>
-            <a:prstDash val="sysDash"/>
-            <a:headEnd type="none" w="med" len="med"/>
-            <a:tailEnd type="arrow" w="med" len="med"/>
-          </a:ln>
-        </p:spPr>
-        <p:style>
-          <a:lnRef idx="1">
-            <a:schemeClr val="accent1"/>
-          </a:lnRef>
-          <a:fillRef idx="0">
-            <a:schemeClr val="accent1"/>
-          </a:fillRef>
-          <a:effectRef idx="0">
-            <a:schemeClr val="accent1"/>
-          </a:effectRef>
-          <a:fontRef idx="minor">
-            <a:schemeClr val="tx1"/>
-          </a:fontRef>
-        </p:style>
-      </p:cxnSp>
-      <p:cxnSp>
-        <p:nvCxnSpPr>
-          <p:cNvPr id="61" name="直線單箭頭接點 60"/>
-          <p:cNvCxnSpPr>
-            <a:stCxn id="11" idx="0"/>
-            <a:endCxn id="8" idx="2"/>
-          </p:cNvCxnSpPr>
-          <p:nvPr/>
-        </p:nvCxnSpPr>
-        <p:spPr>
-          <a:xfrm flipV="1">
-            <a:off x="2556600" y="3511800"/>
-            <a:ext cx="0" cy="442528"/>
-          </a:xfrm>
-          <a:prstGeom prst="straightConnector1">
-            <a:avLst/>
-          </a:prstGeom>
-          <a:ln w="19050">
-            <a:solidFill>
-              <a:schemeClr val="tx1"/>
-            </a:solidFill>
-            <a:prstDash val="sysDash"/>
-            <a:headEnd type="none" w="med" len="med"/>
-            <a:tailEnd type="arrow" w="med" len="med"/>
-          </a:ln>
-        </p:spPr>
-        <p:style>
-          <a:lnRef idx="1">
-            <a:schemeClr val="accent1"/>
-          </a:lnRef>
-          <a:fillRef idx="0">
-            <a:schemeClr val="accent1"/>
-          </a:fillRef>
-          <a:effectRef idx="0">
-            <a:schemeClr val="accent1"/>
-          </a:effectRef>
-          <a:fontRef idx="minor">
-            <a:schemeClr val="tx1"/>
-          </a:fontRef>
-        </p:style>
-      </p:cxnSp>
+      <p:sp>
+        <p:nvSpPr>
+          <p:cNvPr id="36" name="乘號 35"/>
+          <p:cNvSpPr/>
+          <p:nvPr/>
+        </p:nvSpPr>
+        <p:spPr>
+          <a:xfrm>
+            <a:off x="6176061" y="1007700"/>
+            <a:ext cx="2841937" cy="1202100"/>
+          </a:xfrm>
+          <a:prstGeom prst="mathMultiply">
+            <a:avLst>
+              <a:gd name="adj1" fmla="val 10058"/>
+            </a:avLst>
+          </a:prstGeom>
+          <a:gradFill>
+            <a:gsLst>
+              <a:gs pos="0">
+                <a:schemeClr val="accent2">
+                  <a:satMod val="103000"/>
+                  <a:lumMod val="102000"/>
+                  <a:tint val="94000"/>
+                  <a:alpha val="50000"/>
+                </a:schemeClr>
+              </a:gs>
+              <a:gs pos="50000">
+                <a:schemeClr val="accent2">
+                  <a:satMod val="110000"/>
+                  <a:lumMod val="100000"/>
+                  <a:shade val="100000"/>
+                  <a:alpha val="50000"/>
+                </a:schemeClr>
+              </a:gs>
+              <a:gs pos="100000">
+                <a:schemeClr val="accent2">
+                  <a:lumMod val="99000"/>
+                  <a:satMod val="120000"/>
+                  <a:shade val="78000"/>
+                  <a:alpha val="50000"/>
+                </a:schemeClr>
+              </a:gs>
+            </a:gsLst>
+          </a:gradFill>
+        </p:spPr>
+        <p:style>
+          <a:lnRef idx="0">
+            <a:schemeClr val="accent2"/>
+          </a:lnRef>
+          <a:fillRef idx="3">
+            <a:schemeClr val="accent2"/>
+          </a:fillRef>
+          <a:effectRef idx="3">
+            <a:schemeClr val="accent2"/>
+          </a:effectRef>
+          <a:fontRef idx="minor">
+            <a:schemeClr val="lt1"/>
+          </a:fontRef>
+        </p:style>
+        <p:txBody>
+          <a:bodyPr rtlCol="0" anchor="ctr"/>
+          <a:lstStyle/>
+          <a:p>
+            <a:pPr algn="ctr"/>
+            <a:endParaRPr lang="zh-TW" altLang="en-US"/>
+          </a:p>
+        </p:txBody>
+      </p:sp>
     </p:spTree>
     <p:extLst>
       <p:ext uri="{BB962C8B-B14F-4D97-AF65-F5344CB8AC3E}">
-        <p14:creationId xmlns:p14="http://schemas.microsoft.com/office/powerpoint/2010/main" val="2387380010"/>
+        <p14:creationId xmlns:p14="http://schemas.microsoft.com/office/powerpoint/2010/main" val="3819257950"/>
       </p:ext>
     </p:extLst>
   </p:cSld>
@@ -22805,450 +20500,6 @@
       </p:grpSpPr>
       <p:sp>
         <p:nvSpPr>
-          <p:cNvPr id="5" name="矩形 4"/>
-          <p:cNvSpPr/>
-          <p:nvPr/>
-        </p:nvSpPr>
-        <p:spPr>
-          <a:xfrm>
-            <a:off x="3662250" y="1219200"/>
-            <a:ext cx="1440000" cy="720000"/>
-          </a:xfrm>
-          <a:prstGeom prst="rect">
-            <a:avLst/>
-          </a:prstGeom>
-        </p:spPr>
-        <p:style>
-          <a:lnRef idx="0">
-            <a:schemeClr val="accent4"/>
-          </a:lnRef>
-          <a:fillRef idx="3">
-            <a:schemeClr val="accent4"/>
-          </a:fillRef>
-          <a:effectRef idx="3">
-            <a:schemeClr val="accent4"/>
-          </a:effectRef>
-          <a:fontRef idx="minor">
-            <a:schemeClr val="lt1"/>
-          </a:fontRef>
-        </p:style>
-        <p:txBody>
-          <a:bodyPr rtlCol="0" anchor="ctr"/>
-          <a:lstStyle/>
-          <a:p>
-            <a:pPr algn="ctr"/>
-            <a:r>
-              <a:rPr lang="en-US" altLang="zh-TW" dirty="0" smtClean="0"/>
-              <a:t>Example</a:t>
-            </a:r>
-            <a:br>
-              <a:rPr lang="en-US" altLang="zh-TW" dirty="0" smtClean="0"/>
-            </a:br>
-            <a:r>
-              <a:rPr lang="en-US" altLang="zh-TW" dirty="0" smtClean="0"/>
-              <a:t>(DLL)</a:t>
-            </a:r>
-            <a:endParaRPr lang="zh-TW" altLang="en-US" dirty="0"/>
-          </a:p>
-        </p:txBody>
-      </p:sp>
-      <p:sp>
-        <p:nvSpPr>
-          <p:cNvPr id="6" name="矩形 5"/>
-          <p:cNvSpPr/>
-          <p:nvPr/>
-        </p:nvSpPr>
-        <p:spPr>
-          <a:xfrm>
-            <a:off x="3662250" y="2362200"/>
-            <a:ext cx="1440000" cy="720000"/>
-          </a:xfrm>
-          <a:prstGeom prst="rect">
-            <a:avLst/>
-          </a:prstGeom>
-        </p:spPr>
-        <p:style>
-          <a:lnRef idx="2">
-            <a:schemeClr val="accent6">
-              <a:shade val="50000"/>
-            </a:schemeClr>
-          </a:lnRef>
-          <a:fillRef idx="1">
-            <a:schemeClr val="accent6"/>
-          </a:fillRef>
-          <a:effectRef idx="0">
-            <a:schemeClr val="accent6"/>
-          </a:effectRef>
-          <a:fontRef idx="minor">
-            <a:schemeClr val="lt1"/>
-          </a:fontRef>
-        </p:style>
-        <p:txBody>
-          <a:bodyPr rtlCol="0" anchor="ctr"/>
-          <a:lstStyle/>
-          <a:p>
-            <a:pPr algn="ctr"/>
-            <a:r>
-              <a:rPr lang="en-US" altLang="zh-TW" dirty="0" err="1" smtClean="0"/>
-              <a:t>ExampleApp</a:t>
-            </a:r>
-            <a:r>
-              <a:rPr lang="en-US" altLang="zh-TW" dirty="0"/>
-              <a:t/>
-            </a:r>
-            <a:br>
-              <a:rPr lang="en-US" altLang="zh-TW" dirty="0"/>
-            </a:br>
-            <a:r>
-              <a:rPr lang="en-US" altLang="zh-TW" dirty="0" smtClean="0"/>
-              <a:t>(EXE)</a:t>
-            </a:r>
-            <a:endParaRPr lang="zh-TW" altLang="en-US" dirty="0"/>
-          </a:p>
-        </p:txBody>
-      </p:sp>
-      <p:cxnSp>
-        <p:nvCxnSpPr>
-          <p:cNvPr id="21" name="直線單箭頭接點 20"/>
-          <p:cNvCxnSpPr>
-            <a:stCxn id="6" idx="0"/>
-            <a:endCxn id="5" idx="2"/>
-          </p:cNvCxnSpPr>
-          <p:nvPr/>
-        </p:nvCxnSpPr>
-        <p:spPr>
-          <a:xfrm flipV="1">
-            <a:off x="4382250" y="1939200"/>
-            <a:ext cx="0" cy="423000"/>
-          </a:xfrm>
-          <a:prstGeom prst="straightConnector1">
-            <a:avLst/>
-          </a:prstGeom>
-          <a:ln w="28575">
-            <a:solidFill>
-              <a:schemeClr val="tx1"/>
-            </a:solidFill>
-            <a:prstDash val="sysDash"/>
-            <a:headEnd type="none" w="med" len="med"/>
-            <a:tailEnd type="arrow" w="med" len="med"/>
-          </a:ln>
-        </p:spPr>
-        <p:style>
-          <a:lnRef idx="1">
-            <a:schemeClr val="accent1"/>
-          </a:lnRef>
-          <a:fillRef idx="0">
-            <a:schemeClr val="accent1"/>
-          </a:fillRef>
-          <a:effectRef idx="0">
-            <a:schemeClr val="accent1"/>
-          </a:effectRef>
-          <a:fontRef idx="minor">
-            <a:schemeClr val="tx1"/>
-          </a:fontRef>
-        </p:style>
-      </p:cxnSp>
-      <p:sp>
-        <p:nvSpPr>
-          <p:cNvPr id="29" name="矩形 28"/>
-          <p:cNvSpPr/>
-          <p:nvPr/>
-        </p:nvSpPr>
-        <p:spPr>
-          <a:xfrm>
-            <a:off x="6858000" y="1219200"/>
-            <a:ext cx="1440000" cy="720000"/>
-          </a:xfrm>
-          <a:prstGeom prst="rect">
-            <a:avLst/>
-          </a:prstGeom>
-        </p:spPr>
-        <p:style>
-          <a:lnRef idx="0">
-            <a:schemeClr val="accent4"/>
-          </a:lnRef>
-          <a:fillRef idx="3">
-            <a:schemeClr val="accent4"/>
-          </a:fillRef>
-          <a:effectRef idx="3">
-            <a:schemeClr val="accent4"/>
-          </a:effectRef>
-          <a:fontRef idx="minor">
-            <a:schemeClr val="lt1"/>
-          </a:fontRef>
-        </p:style>
-        <p:txBody>
-          <a:bodyPr rtlCol="0" anchor="ctr"/>
-          <a:lstStyle/>
-          <a:p>
-            <a:pPr algn="ctr"/>
-            <a:r>
-              <a:rPr lang="en-US" altLang="zh-TW" dirty="0" smtClean="0"/>
-              <a:t>Example</a:t>
-            </a:r>
-            <a:br>
-              <a:rPr lang="en-US" altLang="zh-TW" dirty="0" smtClean="0"/>
-            </a:br>
-            <a:r>
-              <a:rPr lang="en-US" altLang="zh-TW" dirty="0" smtClean="0"/>
-              <a:t>(DLL)</a:t>
-            </a:r>
-            <a:endParaRPr lang="zh-TW" altLang="en-US" dirty="0"/>
-          </a:p>
-        </p:txBody>
-      </p:sp>
-      <p:sp>
-        <p:nvSpPr>
-          <p:cNvPr id="31" name="矩形 30"/>
-          <p:cNvSpPr/>
-          <p:nvPr/>
-        </p:nvSpPr>
-        <p:spPr>
-          <a:xfrm>
-            <a:off x="6858000" y="2362200"/>
-            <a:ext cx="1440000" cy="720000"/>
-          </a:xfrm>
-          <a:prstGeom prst="rect">
-            <a:avLst/>
-          </a:prstGeom>
-        </p:spPr>
-        <p:style>
-          <a:lnRef idx="2">
-            <a:schemeClr val="accent6">
-              <a:shade val="50000"/>
-            </a:schemeClr>
-          </a:lnRef>
-          <a:fillRef idx="1">
-            <a:schemeClr val="accent6"/>
-          </a:fillRef>
-          <a:effectRef idx="0">
-            <a:schemeClr val="accent6"/>
-          </a:effectRef>
-          <a:fontRef idx="minor">
-            <a:schemeClr val="lt1"/>
-          </a:fontRef>
-        </p:style>
-        <p:txBody>
-          <a:bodyPr rtlCol="0" anchor="ctr"/>
-          <a:lstStyle/>
-          <a:p>
-            <a:pPr algn="ctr"/>
-            <a:r>
-              <a:rPr lang="en-US" altLang="zh-TW" dirty="0" err="1" smtClean="0"/>
-              <a:t>ExampleApp</a:t>
-            </a:r>
-            <a:r>
-              <a:rPr lang="en-US" altLang="zh-TW" dirty="0"/>
-              <a:t/>
-            </a:r>
-            <a:br>
-              <a:rPr lang="en-US" altLang="zh-TW" dirty="0"/>
-            </a:br>
-            <a:r>
-              <a:rPr lang="en-US" altLang="zh-TW" dirty="0" smtClean="0"/>
-              <a:t>(EXE)</a:t>
-            </a:r>
-            <a:endParaRPr lang="zh-TW" altLang="en-US" dirty="0"/>
-          </a:p>
-        </p:txBody>
-      </p:sp>
-      <p:sp>
-        <p:nvSpPr>
-          <p:cNvPr id="33" name="矩形 32"/>
-          <p:cNvSpPr/>
-          <p:nvPr/>
-        </p:nvSpPr>
-        <p:spPr>
-          <a:xfrm>
-            <a:off x="8763000" y="1219200"/>
-            <a:ext cx="1440000" cy="720000"/>
-          </a:xfrm>
-          <a:prstGeom prst="rect">
-            <a:avLst/>
-          </a:prstGeom>
-        </p:spPr>
-        <p:style>
-          <a:lnRef idx="0">
-            <a:schemeClr val="accent5"/>
-          </a:lnRef>
-          <a:fillRef idx="3">
-            <a:schemeClr val="accent5"/>
-          </a:fillRef>
-          <a:effectRef idx="3">
-            <a:schemeClr val="accent5"/>
-          </a:effectRef>
-          <a:fontRef idx="minor">
-            <a:schemeClr val="lt1"/>
-          </a:fontRef>
-        </p:style>
-        <p:txBody>
-          <a:bodyPr rtlCol="0" anchor="ctr"/>
-          <a:lstStyle/>
-          <a:p>
-            <a:pPr algn="ctr"/>
-            <a:r>
-              <a:rPr lang="en-US" altLang="zh-TW" dirty="0" smtClean="0"/>
-              <a:t>Example</a:t>
-            </a:r>
-            <a:br>
-              <a:rPr lang="en-US" altLang="zh-TW" dirty="0" smtClean="0"/>
-            </a:br>
-            <a:r>
-              <a:rPr lang="en-US" altLang="zh-TW" dirty="0" smtClean="0"/>
-              <a:t>(DLL)</a:t>
-            </a:r>
-            <a:endParaRPr lang="zh-TW" altLang="en-US" dirty="0"/>
-          </a:p>
-        </p:txBody>
-      </p:sp>
-      <p:cxnSp>
-        <p:nvCxnSpPr>
-          <p:cNvPr id="35" name="肘形接點 34"/>
-          <p:cNvCxnSpPr>
-            <a:stCxn id="31" idx="3"/>
-            <a:endCxn id="33" idx="2"/>
-          </p:cNvCxnSpPr>
-          <p:nvPr/>
-        </p:nvCxnSpPr>
-        <p:spPr>
-          <a:xfrm flipV="1">
-            <a:off x="8298000" y="1939200"/>
-            <a:ext cx="1185000" cy="783000"/>
-          </a:xfrm>
-          <a:prstGeom prst="bentConnector2">
-            <a:avLst/>
-          </a:prstGeom>
-          <a:ln w="28575">
-            <a:solidFill>
-              <a:schemeClr val="tx1"/>
-            </a:solidFill>
-            <a:prstDash val="sysDash"/>
-            <a:headEnd type="none" w="med" len="med"/>
-            <a:tailEnd type="arrow" w="med" len="med"/>
-          </a:ln>
-        </p:spPr>
-        <p:style>
-          <a:lnRef idx="1">
-            <a:schemeClr val="accent1"/>
-          </a:lnRef>
-          <a:fillRef idx="0">
-            <a:schemeClr val="accent1"/>
-          </a:fillRef>
-          <a:effectRef idx="0">
-            <a:schemeClr val="accent1"/>
-          </a:effectRef>
-          <a:fontRef idx="minor">
-            <a:schemeClr val="tx1"/>
-          </a:fontRef>
-        </p:style>
-      </p:cxnSp>
-      <p:sp>
-        <p:nvSpPr>
-          <p:cNvPr id="36" name="乘號 35"/>
-          <p:cNvSpPr/>
-          <p:nvPr/>
-        </p:nvSpPr>
-        <p:spPr>
-          <a:xfrm>
-            <a:off x="6176061" y="1007700"/>
-            <a:ext cx="2841937" cy="1202100"/>
-          </a:xfrm>
-          <a:prstGeom prst="mathMultiply">
-            <a:avLst>
-              <a:gd name="adj1" fmla="val 10058"/>
-            </a:avLst>
-          </a:prstGeom>
-          <a:gradFill>
-            <a:gsLst>
-              <a:gs pos="0">
-                <a:schemeClr val="accent2">
-                  <a:satMod val="103000"/>
-                  <a:lumMod val="102000"/>
-                  <a:tint val="94000"/>
-                  <a:alpha val="50000"/>
-                </a:schemeClr>
-              </a:gs>
-              <a:gs pos="50000">
-                <a:schemeClr val="accent2">
-                  <a:satMod val="110000"/>
-                  <a:lumMod val="100000"/>
-                  <a:shade val="100000"/>
-                  <a:alpha val="50000"/>
-                </a:schemeClr>
-              </a:gs>
-              <a:gs pos="100000">
-                <a:schemeClr val="accent2">
-                  <a:lumMod val="99000"/>
-                  <a:satMod val="120000"/>
-                  <a:shade val="78000"/>
-                  <a:alpha val="50000"/>
-                </a:schemeClr>
-              </a:gs>
-            </a:gsLst>
-          </a:gradFill>
-        </p:spPr>
-        <p:style>
-          <a:lnRef idx="0">
-            <a:schemeClr val="accent2"/>
-          </a:lnRef>
-          <a:fillRef idx="3">
-            <a:schemeClr val="accent2"/>
-          </a:fillRef>
-          <a:effectRef idx="3">
-            <a:schemeClr val="accent2"/>
-          </a:effectRef>
-          <a:fontRef idx="minor">
-            <a:schemeClr val="lt1"/>
-          </a:fontRef>
-        </p:style>
-        <p:txBody>
-          <a:bodyPr rtlCol="0" anchor="ctr"/>
-          <a:lstStyle/>
-          <a:p>
-            <a:pPr algn="ctr"/>
-            <a:endParaRPr lang="zh-TW" altLang="en-US"/>
-          </a:p>
-        </p:txBody>
-      </p:sp>
-    </p:spTree>
-    <p:extLst>
-      <p:ext uri="{BB962C8B-B14F-4D97-AF65-F5344CB8AC3E}">
-        <p14:creationId xmlns:p14="http://schemas.microsoft.com/office/powerpoint/2010/main" val="3819257950"/>
-      </p:ext>
-    </p:extLst>
-  </p:cSld>
-  <p:clrMapOvr>
-    <a:masterClrMapping/>
-  </p:clrMapOvr>
-  <p:timing>
-    <p:tnLst>
-      <p:par>
-        <p:cTn id="1" dur="indefinite" restart="never" nodeType="tmRoot"/>
-      </p:par>
-    </p:tnLst>
-  </p:timing>
-</p:sld>
-</file>
-
-<file path=ppt/slides/slide23.xml><?xml version="1.0" encoding="utf-8"?>
-<p:sld xmlns:a="http://schemas.openxmlformats.org/drawingml/2006/main" xmlns:r="http://schemas.openxmlformats.org/officeDocument/2006/relationships" xmlns:p="http://schemas.openxmlformats.org/presentationml/2006/main">
-  <p:cSld>
-    <p:spTree>
-      <p:nvGrpSpPr>
-        <p:cNvPr id="1" name=""/>
-        <p:cNvGrpSpPr/>
-        <p:nvPr/>
-      </p:nvGrpSpPr>
-      <p:grpSpPr>
-        <a:xfrm>
-          <a:off x="0" y="0"/>
-          <a:ext cx="0" cy="0"/>
-          <a:chOff x="0" y="0"/>
-          <a:chExt cx="0" cy="0"/>
-        </a:xfrm>
-      </p:grpSpPr>
-      <p:sp>
-        <p:nvSpPr>
           <p:cNvPr id="3" name="矩形 2"/>
           <p:cNvSpPr/>
           <p:nvPr/>
@@ -25227,7 +22478,7 @@
 </p:sld>
 </file>
 
-<file path=ppt/slides/slide24.xml><?xml version="1.0" encoding="utf-8"?>
+<file path=ppt/slides/slide23.xml><?xml version="1.0" encoding="utf-8"?>
 <p:sld xmlns:a="http://schemas.openxmlformats.org/drawingml/2006/main" xmlns:r="http://schemas.openxmlformats.org/officeDocument/2006/relationships" xmlns:p="http://schemas.openxmlformats.org/presentationml/2006/main">
   <p:cSld>
     <p:spTree>
@@ -25878,6 +23129,213 @@
 </p:sld>
 </file>
 
+<file path=ppt/slides/slide24.xml><?xml version="1.0" encoding="utf-8"?>
+<p:sld xmlns:a="http://schemas.openxmlformats.org/drawingml/2006/main" xmlns:r="http://schemas.openxmlformats.org/officeDocument/2006/relationships" xmlns:p="http://schemas.openxmlformats.org/presentationml/2006/main">
+  <p:cSld>
+    <p:spTree>
+      <p:nvGrpSpPr>
+        <p:cNvPr id="1" name=""/>
+        <p:cNvGrpSpPr/>
+        <p:nvPr/>
+      </p:nvGrpSpPr>
+      <p:grpSpPr>
+        <a:xfrm>
+          <a:off x="0" y="0"/>
+          <a:ext cx="0" cy="0"/>
+          <a:chOff x="0" y="0"/>
+          <a:chExt cx="0" cy="0"/>
+        </a:xfrm>
+      </p:grpSpPr>
+      <p:sp>
+        <p:nvSpPr>
+          <p:cNvPr id="8" name="矩形 7"/>
+          <p:cNvSpPr/>
+          <p:nvPr/>
+        </p:nvSpPr>
+        <p:spPr>
+          <a:xfrm>
+            <a:off x="1447799" y="2064000"/>
+            <a:ext cx="5115969" cy="1605884"/>
+          </a:xfrm>
+          <a:prstGeom prst="rect">
+            <a:avLst/>
+          </a:prstGeom>
+        </p:spPr>
+        <p:style>
+          <a:lnRef idx="0">
+            <a:schemeClr val="accent4"/>
+          </a:lnRef>
+          <a:fillRef idx="3">
+            <a:schemeClr val="accent4"/>
+          </a:fillRef>
+          <a:effectRef idx="3">
+            <a:schemeClr val="accent4"/>
+          </a:effectRef>
+          <a:fontRef idx="minor">
+            <a:schemeClr val="lt1"/>
+          </a:fontRef>
+        </p:style>
+        <p:txBody>
+          <a:bodyPr rtlCol="0" anchor="ctr"/>
+          <a:lstStyle/>
+          <a:p>
+            <a:pPr algn="ctr"/>
+            <a:r>
+              <a:rPr lang="en-US" altLang="zh-TW" dirty="0" smtClean="0"/>
+              <a:t>Content</a:t>
+            </a:r>
+            <a:endParaRPr lang="zh-TW" altLang="en-US" dirty="0"/>
+          </a:p>
+        </p:txBody>
+      </p:sp>
+      <p:sp>
+        <p:nvSpPr>
+          <p:cNvPr id="5" name="矩形 4"/>
+          <p:cNvSpPr/>
+          <p:nvPr/>
+        </p:nvSpPr>
+        <p:spPr>
+          <a:xfrm>
+            <a:off x="6934200" y="451058"/>
+            <a:ext cx="5115969" cy="2685884"/>
+          </a:xfrm>
+          <a:prstGeom prst="rect">
+            <a:avLst/>
+          </a:prstGeom>
+          <a:noFill/>
+          <a:ln w="28575">
+            <a:prstDash val="lgDash"/>
+          </a:ln>
+        </p:spPr>
+        <p:style>
+          <a:lnRef idx="2">
+            <a:schemeClr val="dk1">
+              <a:shade val="50000"/>
+            </a:schemeClr>
+          </a:lnRef>
+          <a:fillRef idx="1">
+            <a:schemeClr val="dk1"/>
+          </a:fillRef>
+          <a:effectRef idx="0">
+            <a:schemeClr val="dk1"/>
+          </a:effectRef>
+          <a:fontRef idx="minor">
+            <a:schemeClr val="lt1"/>
+          </a:fontRef>
+        </p:style>
+        <p:txBody>
+          <a:bodyPr rtlCol="0" anchor="ctr"/>
+          <a:lstStyle/>
+          <a:p>
+            <a:pPr algn="ctr"/>
+            <a:endParaRPr lang="zh-TW" altLang="en-US"/>
+          </a:p>
+        </p:txBody>
+      </p:sp>
+      <p:sp>
+        <p:nvSpPr>
+          <p:cNvPr id="6" name="矩形 5"/>
+          <p:cNvSpPr/>
+          <p:nvPr/>
+        </p:nvSpPr>
+        <p:spPr>
+          <a:xfrm>
+            <a:off x="1447799" y="1524000"/>
+            <a:ext cx="5115969" cy="540000"/>
+          </a:xfrm>
+          <a:prstGeom prst="rect">
+            <a:avLst/>
+          </a:prstGeom>
+        </p:spPr>
+        <p:style>
+          <a:lnRef idx="0">
+            <a:schemeClr val="accent1"/>
+          </a:lnRef>
+          <a:fillRef idx="3">
+            <a:schemeClr val="accent1"/>
+          </a:fillRef>
+          <a:effectRef idx="3">
+            <a:schemeClr val="accent1"/>
+          </a:effectRef>
+          <a:fontRef idx="minor">
+            <a:schemeClr val="lt1"/>
+          </a:fontRef>
+        </p:style>
+        <p:txBody>
+          <a:bodyPr rtlCol="0" anchor="ctr"/>
+          <a:lstStyle/>
+          <a:p>
+            <a:pPr algn="ctr"/>
+            <a:r>
+              <a:rPr lang="en-US" altLang="zh-TW" dirty="0" smtClean="0"/>
+              <a:t>Header</a:t>
+            </a:r>
+            <a:endParaRPr lang="zh-TW" altLang="en-US" dirty="0"/>
+          </a:p>
+        </p:txBody>
+      </p:sp>
+      <p:sp>
+        <p:nvSpPr>
+          <p:cNvPr id="7" name="矩形 6"/>
+          <p:cNvSpPr/>
+          <p:nvPr/>
+        </p:nvSpPr>
+        <p:spPr>
+          <a:xfrm>
+            <a:off x="1447799" y="3669884"/>
+            <a:ext cx="5115969" cy="540000"/>
+          </a:xfrm>
+          <a:prstGeom prst="rect">
+            <a:avLst/>
+          </a:prstGeom>
+        </p:spPr>
+        <p:style>
+          <a:lnRef idx="0">
+            <a:schemeClr val="accent1"/>
+          </a:lnRef>
+          <a:fillRef idx="3">
+            <a:schemeClr val="accent1"/>
+          </a:fillRef>
+          <a:effectRef idx="3">
+            <a:schemeClr val="accent1"/>
+          </a:effectRef>
+          <a:fontRef idx="minor">
+            <a:schemeClr val="lt1"/>
+          </a:fontRef>
+        </p:style>
+        <p:txBody>
+          <a:bodyPr rtlCol="0" anchor="ctr"/>
+          <a:lstStyle/>
+          <a:p>
+            <a:pPr algn="ctr"/>
+            <a:r>
+              <a:rPr lang="en-US" altLang="zh-TW" dirty="0" smtClean="0"/>
+              <a:t>Footer</a:t>
+            </a:r>
+            <a:endParaRPr lang="zh-TW" altLang="en-US" dirty="0"/>
+          </a:p>
+        </p:txBody>
+      </p:sp>
+    </p:spTree>
+    <p:extLst>
+      <p:ext uri="{BB962C8B-B14F-4D97-AF65-F5344CB8AC3E}">
+        <p14:creationId xmlns:p14="http://schemas.microsoft.com/office/powerpoint/2010/main" val="2564765899"/>
+      </p:ext>
+    </p:extLst>
+  </p:cSld>
+  <p:clrMapOvr>
+    <a:masterClrMapping/>
+  </p:clrMapOvr>
+  <p:timing>
+    <p:tnLst>
+      <p:par>
+        <p:cTn id="1" dur="indefinite" restart="never" nodeType="tmRoot"/>
+      </p:par>
+    </p:tnLst>
+  </p:timing>
+</p:sld>
+</file>
+
 <file path=ppt/slides/slide25.xml><?xml version="1.0" encoding="utf-8"?>
 <p:sld xmlns:a="http://schemas.openxmlformats.org/drawingml/2006/main" xmlns:r="http://schemas.openxmlformats.org/officeDocument/2006/relationships" xmlns:p="http://schemas.openxmlformats.org/presentationml/2006/main">
   <p:cSld>
@@ -25897,55 +23355,158 @@
       </p:grpSpPr>
       <p:sp>
         <p:nvSpPr>
+          <p:cNvPr id="77" name="文字方塊 76"/>
+          <p:cNvSpPr txBox="1"/>
+          <p:nvPr/>
+        </p:nvSpPr>
+        <p:spPr>
+          <a:xfrm>
+            <a:off x="6663274" y="2918226"/>
+            <a:ext cx="945067" cy="369332"/>
+          </a:xfrm>
+          <a:prstGeom prst="rect">
+            <a:avLst/>
+          </a:prstGeom>
+          <a:noFill/>
+        </p:spPr>
+        <p:txBody>
+          <a:bodyPr wrap="none" rtlCol="0">
+            <a:spAutoFit/>
+          </a:bodyPr>
+          <a:lstStyle/>
+          <a:p>
+            <a:r>
+              <a:rPr lang="en-US" altLang="zh-TW" dirty="0" smtClean="0"/>
+              <a:t>Internet</a:t>
+            </a:r>
+            <a:endParaRPr lang="en-US" altLang="zh-TW" dirty="0"/>
+          </a:p>
+        </p:txBody>
+      </p:sp>
+      <p:sp>
+        <p:nvSpPr>
+          <p:cNvPr id="51" name="矩形 50"/>
+          <p:cNvSpPr/>
+          <p:nvPr/>
+        </p:nvSpPr>
+        <p:spPr>
+          <a:xfrm>
+            <a:off x="1821888" y="3634977"/>
+            <a:ext cx="900000" cy="2367962"/>
+          </a:xfrm>
+          <a:prstGeom prst="rect">
+            <a:avLst/>
+          </a:prstGeom>
+        </p:spPr>
+        <p:style>
+          <a:lnRef idx="0">
+            <a:schemeClr val="accent2"/>
+          </a:lnRef>
+          <a:fillRef idx="3">
+            <a:schemeClr val="accent2"/>
+          </a:fillRef>
+          <a:effectRef idx="3">
+            <a:schemeClr val="accent2"/>
+          </a:effectRef>
+          <a:fontRef idx="minor">
+            <a:schemeClr val="lt1"/>
+          </a:fontRef>
+        </p:style>
+        <p:txBody>
+          <a:bodyPr rtlCol="0" anchor="ctr"/>
+          <a:lstStyle/>
+          <a:p>
+            <a:pPr algn="ctr"/>
+            <a:r>
+              <a:rPr lang="en-US" altLang="zh-TW" sz="1600" dirty="0" smtClean="0"/>
+              <a:t>IIS</a:t>
+            </a:r>
+          </a:p>
+          <a:p>
+            <a:pPr algn="ctr"/>
+            <a:r>
+              <a:rPr lang="en-US" altLang="zh-TW" sz="1600" dirty="0" smtClean="0"/>
+              <a:t>Nginx</a:t>
+            </a:r>
+          </a:p>
+          <a:p>
+            <a:pPr algn="ctr"/>
+            <a:r>
+              <a:rPr lang="en-US" altLang="zh-TW" sz="1600" dirty="0" smtClean="0"/>
+              <a:t>Apache</a:t>
+            </a:r>
+          </a:p>
+        </p:txBody>
+      </p:sp>
+      <p:pic>
+        <p:nvPicPr>
+          <p:cNvPr id="5" name="圖片 4"/>
+          <p:cNvPicPr>
+            <a:picLocks noChangeAspect="1"/>
+          </p:cNvPicPr>
+          <p:nvPr/>
+        </p:nvPicPr>
+        <p:blipFill>
+          <a:blip r:embed="rId2">
+            <a:extLst>
+              <a:ext uri="{28A0092B-C50C-407E-A947-70E740481C1C}">
+                <a14:useLocalDpi xmlns:a14="http://schemas.microsoft.com/office/drawing/2010/main" val="0"/>
+              </a:ext>
+            </a:extLst>
+          </a:blip>
+          <a:stretch>
+            <a:fillRect/>
+          </a:stretch>
+        </p:blipFill>
+        <p:spPr>
+          <a:xfrm>
+            <a:off x="419324" y="1208864"/>
+            <a:ext cx="720000" cy="720000"/>
+          </a:xfrm>
+          <a:prstGeom prst="rect">
+            <a:avLst/>
+          </a:prstGeom>
+        </p:spPr>
+      </p:pic>
+      <p:sp>
+        <p:nvSpPr>
+          <p:cNvPr id="6" name="文字方塊 5"/>
+          <p:cNvSpPr txBox="1"/>
+          <p:nvPr/>
+        </p:nvSpPr>
+        <p:spPr>
+          <a:xfrm>
+            <a:off x="306790" y="1705306"/>
+            <a:ext cx="945067" cy="369332"/>
+          </a:xfrm>
+          <a:prstGeom prst="rect">
+            <a:avLst/>
+          </a:prstGeom>
+          <a:noFill/>
+        </p:spPr>
+        <p:txBody>
+          <a:bodyPr wrap="none" rtlCol="0">
+            <a:spAutoFit/>
+          </a:bodyPr>
+          <a:lstStyle/>
+          <a:p>
+            <a:r>
+              <a:rPr lang="en-US" altLang="zh-TW" dirty="0" smtClean="0"/>
+              <a:t>Internet</a:t>
+            </a:r>
+            <a:endParaRPr lang="en-US" altLang="zh-TW" dirty="0"/>
+          </a:p>
+        </p:txBody>
+      </p:sp>
+      <p:sp>
+        <p:nvSpPr>
           <p:cNvPr id="8" name="矩形 7"/>
           <p:cNvSpPr/>
           <p:nvPr/>
         </p:nvSpPr>
         <p:spPr>
           <a:xfrm>
-            <a:off x="1447799" y="2064000"/>
-            <a:ext cx="5115969" cy="1605884"/>
-          </a:xfrm>
-          <a:prstGeom prst="rect">
-            <a:avLst/>
-          </a:prstGeom>
-        </p:spPr>
-        <p:style>
-          <a:lnRef idx="0">
-            <a:schemeClr val="accent4"/>
-          </a:lnRef>
-          <a:fillRef idx="3">
-            <a:schemeClr val="accent4"/>
-          </a:fillRef>
-          <a:effectRef idx="3">
-            <a:schemeClr val="accent4"/>
-          </a:effectRef>
-          <a:fontRef idx="minor">
-            <a:schemeClr val="lt1"/>
-          </a:fontRef>
-        </p:style>
-        <p:txBody>
-          <a:bodyPr rtlCol="0" anchor="ctr"/>
-          <a:lstStyle/>
-          <a:p>
-            <a:pPr algn="ctr"/>
-            <a:r>
-              <a:rPr lang="en-US" altLang="zh-TW" dirty="0" smtClean="0"/>
-              <a:t>Content</a:t>
-            </a:r>
-            <a:endParaRPr lang="zh-TW" altLang="en-US" dirty="0"/>
-          </a:p>
-        </p:txBody>
-      </p:sp>
-      <p:sp>
-        <p:nvSpPr>
-          <p:cNvPr id="5" name="矩形 4"/>
-          <p:cNvSpPr/>
-          <p:nvPr/>
-        </p:nvSpPr>
-        <p:spPr>
-          <a:xfrm>
-            <a:off x="6934200" y="451058"/>
+            <a:off x="6782119" y="4238046"/>
             <a:ext cx="5115969" cy="2685884"/>
           </a:xfrm>
           <a:prstGeom prst="rect">
@@ -25983,14 +23544,54 @@
       </p:sp>
       <p:sp>
         <p:nvSpPr>
-          <p:cNvPr id="6" name="矩形 5"/>
+          <p:cNvPr id="9" name="圓角矩形 8"/>
           <p:cNvSpPr/>
           <p:nvPr/>
         </p:nvSpPr>
         <p:spPr>
           <a:xfrm>
-            <a:off x="1447799" y="1524000"/>
-            <a:ext cx="5115969" cy="540000"/>
+            <a:off x="1423040" y="381000"/>
+            <a:ext cx="76074" cy="2375729"/>
+          </a:xfrm>
+          <a:prstGeom prst="roundRect">
+            <a:avLst/>
+          </a:prstGeom>
+        </p:spPr>
+        <p:style>
+          <a:lnRef idx="0">
+            <a:schemeClr val="accent5"/>
+          </a:lnRef>
+          <a:fillRef idx="3">
+            <a:schemeClr val="accent5"/>
+          </a:fillRef>
+          <a:effectRef idx="3">
+            <a:schemeClr val="accent5"/>
+          </a:effectRef>
+          <a:fontRef idx="minor">
+            <a:schemeClr val="lt1"/>
+          </a:fontRef>
+        </p:style>
+        <p:txBody>
+          <a:bodyPr rtlCol="0" anchor="ctr"/>
+          <a:lstStyle/>
+          <a:p>
+            <a:pPr algn="ctr"/>
+            <a:endParaRPr lang="zh-TW" altLang="en-US">
+              <a:ea typeface="微軟正黑體" panose="020B0604030504040204" pitchFamily="34" charset="-120"/>
+            </a:endParaRPr>
+          </a:p>
+        </p:txBody>
+      </p:sp>
+      <p:sp>
+        <p:nvSpPr>
+          <p:cNvPr id="10" name="矩形 9"/>
+          <p:cNvSpPr/>
+          <p:nvPr/>
+        </p:nvSpPr>
+        <p:spPr>
+          <a:xfrm>
+            <a:off x="3048000" y="381000"/>
+            <a:ext cx="2372772" cy="2383563"/>
           </a:xfrm>
           <a:prstGeom prst="rect">
             <a:avLst/>
@@ -26015,24 +23616,408 @@
           <a:lstStyle/>
           <a:p>
             <a:pPr algn="ctr"/>
+            <a:endParaRPr lang="zh-TW" altLang="en-US" dirty="0"/>
+          </a:p>
+        </p:txBody>
+      </p:sp>
+      <p:sp>
+        <p:nvSpPr>
+          <p:cNvPr id="11" name="文字方塊 10"/>
+          <p:cNvSpPr txBox="1"/>
+          <p:nvPr/>
+        </p:nvSpPr>
+        <p:spPr>
+          <a:xfrm>
+            <a:off x="3092310" y="388835"/>
+            <a:ext cx="2284151" cy="338554"/>
+          </a:xfrm>
+          <a:prstGeom prst="rect">
+            <a:avLst/>
+          </a:prstGeom>
+          <a:noFill/>
+        </p:spPr>
+        <p:txBody>
+          <a:bodyPr wrap="none" rtlCol="0">
+            <a:spAutoFit/>
+          </a:bodyPr>
+          <a:lstStyle/>
+          <a:p>
+            <a:r>
+              <a:rPr lang="en-US" altLang="zh-TW" sz="1600" dirty="0" smtClean="0">
+                <a:solidFill>
+                  <a:schemeClr val="bg1"/>
+                </a:solidFill>
+              </a:rPr>
+              <a:t>ASP.NET Core Application</a:t>
+            </a:r>
+            <a:endParaRPr lang="en-US" altLang="zh-TW" sz="1600" dirty="0">
+              <a:solidFill>
+                <a:schemeClr val="bg1"/>
+              </a:solidFill>
+            </a:endParaRPr>
+          </a:p>
+        </p:txBody>
+      </p:sp>
+      <p:sp>
+        <p:nvSpPr>
+          <p:cNvPr id="12" name="矩形 11"/>
+          <p:cNvSpPr/>
+          <p:nvPr/>
+        </p:nvSpPr>
+        <p:spPr>
+          <a:xfrm>
+            <a:off x="3242994" y="741047"/>
+            <a:ext cx="1981200" cy="720000"/>
+          </a:xfrm>
+          <a:prstGeom prst="rect">
+            <a:avLst/>
+          </a:prstGeom>
+        </p:spPr>
+        <p:style>
+          <a:lnRef idx="0">
+            <a:schemeClr val="accent4"/>
+          </a:lnRef>
+          <a:fillRef idx="3">
+            <a:schemeClr val="accent4"/>
+          </a:fillRef>
+          <a:effectRef idx="3">
+            <a:schemeClr val="accent4"/>
+          </a:effectRef>
+          <a:fontRef idx="minor">
+            <a:schemeClr val="lt1"/>
+          </a:fontRef>
+        </p:style>
+        <p:txBody>
+          <a:bodyPr rtlCol="0" anchor="ctr"/>
+          <a:lstStyle/>
+          <a:p>
+            <a:pPr algn="ctr"/>
+            <a:r>
+              <a:rPr lang="en-US" altLang="zh-TW" sz="1600" dirty="0" smtClean="0"/>
+              <a:t>Kestrel Web Server</a:t>
+            </a:r>
+          </a:p>
+          <a:p>
+            <a:pPr algn="ctr"/>
+            <a:r>
+              <a:rPr lang="en-US" altLang="zh-TW" sz="1600" dirty="0" smtClean="0"/>
+              <a:t>Port: 5000</a:t>
+            </a:r>
+            <a:endParaRPr lang="zh-TW" altLang="en-US" sz="1600" dirty="0"/>
+          </a:p>
+        </p:txBody>
+      </p:sp>
+      <p:sp>
+        <p:nvSpPr>
+          <p:cNvPr id="13" name="矩形 12"/>
+          <p:cNvSpPr/>
+          <p:nvPr/>
+        </p:nvSpPr>
+        <p:spPr>
+          <a:xfrm>
+            <a:off x="3242994" y="1889972"/>
+            <a:ext cx="1981200" cy="720000"/>
+          </a:xfrm>
+          <a:prstGeom prst="rect">
+            <a:avLst/>
+          </a:prstGeom>
+        </p:spPr>
+        <p:style>
+          <a:lnRef idx="0">
+            <a:schemeClr val="accent6"/>
+          </a:lnRef>
+          <a:fillRef idx="3">
+            <a:schemeClr val="accent6"/>
+          </a:fillRef>
+          <a:effectRef idx="3">
+            <a:schemeClr val="accent6"/>
+          </a:effectRef>
+          <a:fontRef idx="minor">
+            <a:schemeClr val="lt1"/>
+          </a:fontRef>
+        </p:style>
+        <p:txBody>
+          <a:bodyPr rtlCol="0" anchor="ctr"/>
+          <a:lstStyle/>
+          <a:p>
+            <a:pPr algn="ctr"/>
+            <a:r>
+              <a:rPr lang="en-US" altLang="zh-TW" sz="1600" dirty="0" smtClean="0"/>
+              <a:t>Application Code</a:t>
+            </a:r>
+          </a:p>
+          <a:p>
+            <a:pPr algn="ctr"/>
+            <a:r>
+              <a:rPr lang="en-US" altLang="zh-TW" sz="1600" dirty="0" smtClean="0"/>
+              <a:t>(</a:t>
+            </a:r>
+            <a:r>
+              <a:rPr lang="en-US" altLang="zh-TW" sz="1600" dirty="0" err="1" smtClean="0"/>
+              <a:t>Startup.cs</a:t>
+            </a:r>
+            <a:r>
+              <a:rPr lang="en-US" altLang="zh-TW" sz="1600" dirty="0"/>
+              <a:t> , </a:t>
+            </a:r>
+            <a:r>
+              <a:rPr lang="en-US" altLang="zh-TW" sz="1600" dirty="0" smtClean="0"/>
+              <a:t>…)</a:t>
+            </a:r>
+            <a:endParaRPr lang="zh-TW" altLang="en-US" sz="1600" dirty="0"/>
+          </a:p>
+        </p:txBody>
+      </p:sp>
+      <p:cxnSp>
+        <p:nvCxnSpPr>
+          <p:cNvPr id="15" name="肘形接點 14"/>
+          <p:cNvCxnSpPr>
+            <a:stCxn id="5" idx="3"/>
+            <a:endCxn id="12" idx="1"/>
+          </p:cNvCxnSpPr>
+          <p:nvPr/>
+        </p:nvCxnSpPr>
+        <p:spPr>
+          <a:xfrm flipV="1">
+            <a:off x="1139324" y="1101047"/>
+            <a:ext cx="2103670" cy="467817"/>
+          </a:xfrm>
+          <a:prstGeom prst="bentConnector3">
+            <a:avLst/>
+          </a:prstGeom>
+          <a:ln w="38100">
+            <a:solidFill>
+              <a:schemeClr val="tx1"/>
+            </a:solidFill>
+            <a:headEnd type="triangle" w="med" len="med"/>
+            <a:tailEnd type="triangle" w="med" len="med"/>
+          </a:ln>
+        </p:spPr>
+        <p:style>
+          <a:lnRef idx="1">
+            <a:schemeClr val="accent1"/>
+          </a:lnRef>
+          <a:fillRef idx="0">
+            <a:schemeClr val="accent1"/>
+          </a:fillRef>
+          <a:effectRef idx="0">
+            <a:schemeClr val="accent1"/>
+          </a:effectRef>
+          <a:fontRef idx="minor">
+            <a:schemeClr val="tx1"/>
+          </a:fontRef>
+        </p:style>
+      </p:cxnSp>
+      <p:sp>
+        <p:nvSpPr>
+          <p:cNvPr id="16" name="文字方塊 15"/>
+          <p:cNvSpPr txBox="1"/>
+          <p:nvPr/>
+        </p:nvSpPr>
+        <p:spPr>
+          <a:xfrm>
+            <a:off x="1836632" y="762492"/>
+            <a:ext cx="620298" cy="338554"/>
+          </a:xfrm>
+          <a:prstGeom prst="rect">
+            <a:avLst/>
+          </a:prstGeom>
+          <a:noFill/>
+        </p:spPr>
+        <p:txBody>
+          <a:bodyPr wrap="none" rtlCol="0">
+            <a:spAutoFit/>
+          </a:bodyPr>
+          <a:lstStyle/>
+          <a:p>
+            <a:r>
+              <a:rPr lang="en-US" altLang="zh-TW" sz="1600" dirty="0" smtClean="0"/>
+              <a:t>HTTP</a:t>
+            </a:r>
+            <a:endParaRPr lang="en-US" altLang="zh-TW" sz="1600" dirty="0"/>
+          </a:p>
+        </p:txBody>
+      </p:sp>
+      <p:cxnSp>
+        <p:nvCxnSpPr>
+          <p:cNvPr id="23" name="直線接點 22"/>
+          <p:cNvCxnSpPr>
+            <a:stCxn id="12" idx="2"/>
+            <a:endCxn id="13" idx="0"/>
+          </p:cNvCxnSpPr>
+          <p:nvPr/>
+        </p:nvCxnSpPr>
+        <p:spPr>
+          <a:xfrm>
+            <a:off x="4233594" y="1461047"/>
+            <a:ext cx="0" cy="428925"/>
+          </a:xfrm>
+          <a:prstGeom prst="line">
+            <a:avLst/>
+          </a:prstGeom>
+          <a:ln w="38100">
+            <a:solidFill>
+              <a:schemeClr val="tx1"/>
+            </a:solidFill>
+            <a:headEnd type="triangle" w="med" len="med"/>
+            <a:tailEnd type="triangle" w="med" len="med"/>
+          </a:ln>
+        </p:spPr>
+        <p:style>
+          <a:lnRef idx="1">
+            <a:schemeClr val="accent1"/>
+          </a:lnRef>
+          <a:fillRef idx="0">
+            <a:schemeClr val="accent1"/>
+          </a:fillRef>
+          <a:effectRef idx="0">
+            <a:schemeClr val="accent1"/>
+          </a:effectRef>
+          <a:fontRef idx="minor">
+            <a:schemeClr val="tx1"/>
+          </a:fontRef>
+        </p:style>
+      </p:cxnSp>
+      <p:sp>
+        <p:nvSpPr>
+          <p:cNvPr id="24" name="文字方塊 23"/>
+          <p:cNvSpPr txBox="1"/>
+          <p:nvPr/>
+        </p:nvSpPr>
+        <p:spPr>
+          <a:xfrm>
+            <a:off x="4218070" y="1505813"/>
+            <a:ext cx="1202702" cy="338554"/>
+          </a:xfrm>
+          <a:prstGeom prst="rect">
+            <a:avLst/>
+          </a:prstGeom>
+          <a:noFill/>
+        </p:spPr>
+        <p:txBody>
+          <a:bodyPr wrap="none" rtlCol="0">
+            <a:spAutoFit/>
+          </a:bodyPr>
+          <a:lstStyle/>
+          <a:p>
+            <a:r>
+              <a:rPr lang="en-US" altLang="zh-TW" sz="1600" dirty="0" err="1" smtClean="0"/>
+              <a:t>HttpContext</a:t>
+            </a:r>
+            <a:endParaRPr lang="en-US" altLang="zh-TW" sz="1600" dirty="0"/>
+          </a:p>
+        </p:txBody>
+      </p:sp>
+      <p:pic>
+        <p:nvPicPr>
+          <p:cNvPr id="39" name="圖片 38"/>
+          <p:cNvPicPr>
+            <a:picLocks noChangeAspect="1"/>
+          </p:cNvPicPr>
+          <p:nvPr/>
+        </p:nvPicPr>
+        <p:blipFill>
+          <a:blip r:embed="rId2">
+            <a:extLst>
+              <a:ext uri="{28A0092B-C50C-407E-A947-70E740481C1C}">
+                <a14:useLocalDpi xmlns:a14="http://schemas.microsoft.com/office/drawing/2010/main" val="0"/>
+              </a:ext>
+            </a:extLst>
+          </a:blip>
+          <a:stretch>
+            <a:fillRect/>
+          </a:stretch>
+        </p:blipFill>
+        <p:spPr>
+          <a:xfrm>
+            <a:off x="419324" y="4458958"/>
+            <a:ext cx="720000" cy="720000"/>
+          </a:xfrm>
+          <a:prstGeom prst="rect">
+            <a:avLst/>
+          </a:prstGeom>
+        </p:spPr>
+      </p:pic>
+      <p:sp>
+        <p:nvSpPr>
+          <p:cNvPr id="40" name="文字方塊 39"/>
+          <p:cNvSpPr txBox="1"/>
+          <p:nvPr/>
+        </p:nvSpPr>
+        <p:spPr>
+          <a:xfrm>
+            <a:off x="306790" y="4955400"/>
+            <a:ext cx="945067" cy="369332"/>
+          </a:xfrm>
+          <a:prstGeom prst="rect">
+            <a:avLst/>
+          </a:prstGeom>
+          <a:noFill/>
+        </p:spPr>
+        <p:txBody>
+          <a:bodyPr wrap="none" rtlCol="0">
+            <a:spAutoFit/>
+          </a:bodyPr>
+          <a:lstStyle/>
+          <a:p>
             <a:r>
               <a:rPr lang="en-US" altLang="zh-TW" dirty="0" smtClean="0"/>
-              <a:t>Header</a:t>
-            </a:r>
-            <a:endParaRPr lang="zh-TW" altLang="en-US" dirty="0"/>
-          </a:p>
-        </p:txBody>
-      </p:sp>
-      <p:sp>
-        <p:nvSpPr>
-          <p:cNvPr id="7" name="矩形 6"/>
+              <a:t>Internet</a:t>
+            </a:r>
+            <a:endParaRPr lang="en-US" altLang="zh-TW" dirty="0"/>
+          </a:p>
+        </p:txBody>
+      </p:sp>
+      <p:sp>
+        <p:nvSpPr>
+          <p:cNvPr id="41" name="圓角矩形 40"/>
           <p:cNvSpPr/>
           <p:nvPr/>
         </p:nvSpPr>
         <p:spPr>
           <a:xfrm>
-            <a:off x="1447799" y="3669884"/>
-            <a:ext cx="5115969" cy="540000"/>
+            <a:off x="1422248" y="3634977"/>
+            <a:ext cx="76074" cy="2375729"/>
+          </a:xfrm>
+          <a:prstGeom prst="roundRect">
+            <a:avLst/>
+          </a:prstGeom>
+        </p:spPr>
+        <p:style>
+          <a:lnRef idx="0">
+            <a:schemeClr val="accent5"/>
+          </a:lnRef>
+          <a:fillRef idx="3">
+            <a:schemeClr val="accent5"/>
+          </a:fillRef>
+          <a:effectRef idx="3">
+            <a:schemeClr val="accent5"/>
+          </a:effectRef>
+          <a:fontRef idx="minor">
+            <a:schemeClr val="lt1"/>
+          </a:fontRef>
+        </p:style>
+        <p:txBody>
+          <a:bodyPr rtlCol="0" anchor="ctr"/>
+          <a:lstStyle/>
+          <a:p>
+            <a:pPr algn="ctr"/>
+            <a:endParaRPr lang="zh-TW" altLang="en-US">
+              <a:ea typeface="微軟正黑體" panose="020B0604030504040204" pitchFamily="34" charset="-120"/>
+            </a:endParaRPr>
+          </a:p>
+        </p:txBody>
+      </p:sp>
+      <p:sp>
+        <p:nvSpPr>
+          <p:cNvPr id="42" name="矩形 41"/>
+          <p:cNvSpPr/>
+          <p:nvPr/>
+        </p:nvSpPr>
+        <p:spPr>
+          <a:xfrm>
+            <a:off x="3047208" y="3634977"/>
+            <a:ext cx="2372772" cy="2383563"/>
           </a:xfrm>
           <a:prstGeom prst="rect">
             <a:avLst/>
@@ -26057,18 +24042,1020 @@
           <a:lstStyle/>
           <a:p>
             <a:pPr algn="ctr"/>
-            <a:r>
-              <a:rPr lang="en-US" altLang="zh-TW" dirty="0" smtClean="0"/>
-              <a:t>Footer</a:t>
-            </a:r>
             <a:endParaRPr lang="zh-TW" altLang="en-US" dirty="0"/>
+          </a:p>
+        </p:txBody>
+      </p:sp>
+      <p:sp>
+        <p:nvSpPr>
+          <p:cNvPr id="43" name="文字方塊 42"/>
+          <p:cNvSpPr txBox="1"/>
+          <p:nvPr/>
+        </p:nvSpPr>
+        <p:spPr>
+          <a:xfrm>
+            <a:off x="3091518" y="3642812"/>
+            <a:ext cx="2284151" cy="338554"/>
+          </a:xfrm>
+          <a:prstGeom prst="rect">
+            <a:avLst/>
+          </a:prstGeom>
+          <a:noFill/>
+        </p:spPr>
+        <p:txBody>
+          <a:bodyPr wrap="none" rtlCol="0">
+            <a:spAutoFit/>
+          </a:bodyPr>
+          <a:lstStyle/>
+          <a:p>
+            <a:r>
+              <a:rPr lang="en-US" altLang="zh-TW" sz="1600" dirty="0" smtClean="0">
+                <a:solidFill>
+                  <a:schemeClr val="bg1"/>
+                </a:solidFill>
+              </a:rPr>
+              <a:t>ASP.NET Core Application</a:t>
+            </a:r>
+            <a:endParaRPr lang="en-US" altLang="zh-TW" sz="1600" dirty="0">
+              <a:solidFill>
+                <a:schemeClr val="bg1"/>
+              </a:solidFill>
+            </a:endParaRPr>
+          </a:p>
+        </p:txBody>
+      </p:sp>
+      <p:sp>
+        <p:nvSpPr>
+          <p:cNvPr id="44" name="矩形 43"/>
+          <p:cNvSpPr/>
+          <p:nvPr/>
+        </p:nvSpPr>
+        <p:spPr>
+          <a:xfrm>
+            <a:off x="3242202" y="3995024"/>
+            <a:ext cx="1981200" cy="720000"/>
+          </a:xfrm>
+          <a:prstGeom prst="rect">
+            <a:avLst/>
+          </a:prstGeom>
+        </p:spPr>
+        <p:style>
+          <a:lnRef idx="0">
+            <a:schemeClr val="accent4"/>
+          </a:lnRef>
+          <a:fillRef idx="3">
+            <a:schemeClr val="accent4"/>
+          </a:fillRef>
+          <a:effectRef idx="3">
+            <a:schemeClr val="accent4"/>
+          </a:effectRef>
+          <a:fontRef idx="minor">
+            <a:schemeClr val="lt1"/>
+          </a:fontRef>
+        </p:style>
+        <p:txBody>
+          <a:bodyPr rtlCol="0" anchor="ctr"/>
+          <a:lstStyle/>
+          <a:p>
+            <a:pPr algn="ctr"/>
+            <a:r>
+              <a:rPr lang="en-US" altLang="zh-TW" sz="1600" dirty="0" smtClean="0"/>
+              <a:t>Kestrel Web Server</a:t>
+            </a:r>
+          </a:p>
+          <a:p>
+            <a:pPr algn="ctr"/>
+            <a:r>
+              <a:rPr lang="en-US" altLang="zh-TW" sz="1600" dirty="0" smtClean="0"/>
+              <a:t>Port: 5000</a:t>
+            </a:r>
+            <a:endParaRPr lang="zh-TW" altLang="en-US" sz="1600" dirty="0"/>
+          </a:p>
+        </p:txBody>
+      </p:sp>
+      <p:sp>
+        <p:nvSpPr>
+          <p:cNvPr id="45" name="矩形 44"/>
+          <p:cNvSpPr/>
+          <p:nvPr/>
+        </p:nvSpPr>
+        <p:spPr>
+          <a:xfrm>
+            <a:off x="3242202" y="5143949"/>
+            <a:ext cx="1981200" cy="720000"/>
+          </a:xfrm>
+          <a:prstGeom prst="rect">
+            <a:avLst/>
+          </a:prstGeom>
+        </p:spPr>
+        <p:style>
+          <a:lnRef idx="0">
+            <a:schemeClr val="accent6"/>
+          </a:lnRef>
+          <a:fillRef idx="3">
+            <a:schemeClr val="accent6"/>
+          </a:fillRef>
+          <a:effectRef idx="3">
+            <a:schemeClr val="accent6"/>
+          </a:effectRef>
+          <a:fontRef idx="minor">
+            <a:schemeClr val="lt1"/>
+          </a:fontRef>
+        </p:style>
+        <p:txBody>
+          <a:bodyPr rtlCol="0" anchor="ctr"/>
+          <a:lstStyle/>
+          <a:p>
+            <a:pPr algn="ctr"/>
+            <a:r>
+              <a:rPr lang="en-US" altLang="zh-TW" sz="1600" dirty="0" smtClean="0"/>
+              <a:t>Application Code</a:t>
+            </a:r>
+          </a:p>
+          <a:p>
+            <a:pPr algn="ctr"/>
+            <a:r>
+              <a:rPr lang="en-US" altLang="zh-TW" sz="1600" dirty="0" smtClean="0"/>
+              <a:t>(</a:t>
+            </a:r>
+            <a:r>
+              <a:rPr lang="en-US" altLang="zh-TW" sz="1600" dirty="0" err="1" smtClean="0"/>
+              <a:t>Startup.cs</a:t>
+            </a:r>
+            <a:r>
+              <a:rPr lang="en-US" altLang="zh-TW" sz="1600" dirty="0"/>
+              <a:t> , </a:t>
+            </a:r>
+            <a:r>
+              <a:rPr lang="en-US" altLang="zh-TW" sz="1600" dirty="0" smtClean="0"/>
+              <a:t>…)</a:t>
+            </a:r>
+            <a:endParaRPr lang="zh-TW" altLang="en-US" sz="1600" dirty="0"/>
+          </a:p>
+        </p:txBody>
+      </p:sp>
+      <p:cxnSp>
+        <p:nvCxnSpPr>
+          <p:cNvPr id="46" name="肘形接點 45"/>
+          <p:cNvCxnSpPr>
+            <a:stCxn id="51" idx="3"/>
+            <a:endCxn id="44" idx="1"/>
+          </p:cNvCxnSpPr>
+          <p:nvPr/>
+        </p:nvCxnSpPr>
+        <p:spPr>
+          <a:xfrm flipV="1">
+            <a:off x="2721888" y="4355024"/>
+            <a:ext cx="520314" cy="463934"/>
+          </a:xfrm>
+          <a:prstGeom prst="bentConnector3">
+            <a:avLst>
+              <a:gd name="adj1" fmla="val 50000"/>
+            </a:avLst>
+          </a:prstGeom>
+          <a:ln w="38100">
+            <a:solidFill>
+              <a:schemeClr val="tx1"/>
+            </a:solidFill>
+            <a:headEnd type="triangle" w="med" len="med"/>
+            <a:tailEnd type="triangle" w="med" len="med"/>
+          </a:ln>
+        </p:spPr>
+        <p:style>
+          <a:lnRef idx="1">
+            <a:schemeClr val="accent1"/>
+          </a:lnRef>
+          <a:fillRef idx="0">
+            <a:schemeClr val="accent1"/>
+          </a:fillRef>
+          <a:effectRef idx="0">
+            <a:schemeClr val="accent1"/>
+          </a:effectRef>
+          <a:fontRef idx="minor">
+            <a:schemeClr val="tx1"/>
+          </a:fontRef>
+        </p:style>
+      </p:cxnSp>
+      <p:sp>
+        <p:nvSpPr>
+          <p:cNvPr id="47" name="文字方塊 46"/>
+          <p:cNvSpPr txBox="1"/>
+          <p:nvPr/>
+        </p:nvSpPr>
+        <p:spPr>
+          <a:xfrm>
+            <a:off x="2671896" y="4021609"/>
+            <a:ext cx="620298" cy="338554"/>
+          </a:xfrm>
+          <a:prstGeom prst="rect">
+            <a:avLst/>
+          </a:prstGeom>
+          <a:noFill/>
+        </p:spPr>
+        <p:txBody>
+          <a:bodyPr wrap="none" rtlCol="0">
+            <a:spAutoFit/>
+          </a:bodyPr>
+          <a:lstStyle/>
+          <a:p>
+            <a:r>
+              <a:rPr lang="en-US" altLang="zh-TW" sz="1600" dirty="0" smtClean="0"/>
+              <a:t>HTTP</a:t>
+            </a:r>
+            <a:endParaRPr lang="en-US" altLang="zh-TW" sz="1600" dirty="0"/>
+          </a:p>
+        </p:txBody>
+      </p:sp>
+      <p:cxnSp>
+        <p:nvCxnSpPr>
+          <p:cNvPr id="48" name="直線接點 47"/>
+          <p:cNvCxnSpPr>
+            <a:stCxn id="44" idx="2"/>
+            <a:endCxn id="45" idx="0"/>
+          </p:cNvCxnSpPr>
+          <p:nvPr/>
+        </p:nvCxnSpPr>
+        <p:spPr>
+          <a:xfrm>
+            <a:off x="4232802" y="4715024"/>
+            <a:ext cx="0" cy="428925"/>
+          </a:xfrm>
+          <a:prstGeom prst="line">
+            <a:avLst/>
+          </a:prstGeom>
+          <a:ln w="38100">
+            <a:solidFill>
+              <a:schemeClr val="tx1"/>
+            </a:solidFill>
+            <a:headEnd type="triangle" w="med" len="med"/>
+            <a:tailEnd type="triangle" w="med" len="med"/>
+          </a:ln>
+        </p:spPr>
+        <p:style>
+          <a:lnRef idx="1">
+            <a:schemeClr val="accent1"/>
+          </a:lnRef>
+          <a:fillRef idx="0">
+            <a:schemeClr val="accent1"/>
+          </a:fillRef>
+          <a:effectRef idx="0">
+            <a:schemeClr val="accent1"/>
+          </a:effectRef>
+          <a:fontRef idx="minor">
+            <a:schemeClr val="tx1"/>
+          </a:fontRef>
+        </p:style>
+      </p:cxnSp>
+      <p:sp>
+        <p:nvSpPr>
+          <p:cNvPr id="49" name="文字方塊 48"/>
+          <p:cNvSpPr txBox="1"/>
+          <p:nvPr/>
+        </p:nvSpPr>
+        <p:spPr>
+          <a:xfrm>
+            <a:off x="4217278" y="4759790"/>
+            <a:ext cx="1202702" cy="338554"/>
+          </a:xfrm>
+          <a:prstGeom prst="rect">
+            <a:avLst/>
+          </a:prstGeom>
+          <a:noFill/>
+        </p:spPr>
+        <p:txBody>
+          <a:bodyPr wrap="none" rtlCol="0">
+            <a:spAutoFit/>
+          </a:bodyPr>
+          <a:lstStyle/>
+          <a:p>
+            <a:r>
+              <a:rPr lang="en-US" altLang="zh-TW" sz="1600" dirty="0" err="1" smtClean="0"/>
+              <a:t>HttpContext</a:t>
+            </a:r>
+            <a:endParaRPr lang="en-US" altLang="zh-TW" sz="1600" dirty="0"/>
+          </a:p>
+        </p:txBody>
+      </p:sp>
+      <p:cxnSp>
+        <p:nvCxnSpPr>
+          <p:cNvPr id="54" name="直線接點 53"/>
+          <p:cNvCxnSpPr>
+            <a:stCxn id="39" idx="3"/>
+            <a:endCxn id="51" idx="1"/>
+          </p:cNvCxnSpPr>
+          <p:nvPr/>
+        </p:nvCxnSpPr>
+        <p:spPr>
+          <a:xfrm>
+            <a:off x="1139324" y="4818958"/>
+            <a:ext cx="682564" cy="0"/>
+          </a:xfrm>
+          <a:prstGeom prst="line">
+            <a:avLst/>
+          </a:prstGeom>
+          <a:ln w="38100">
+            <a:solidFill>
+              <a:schemeClr val="tx1"/>
+            </a:solidFill>
+            <a:headEnd type="triangle" w="med" len="med"/>
+            <a:tailEnd type="triangle" w="med" len="med"/>
+          </a:ln>
+        </p:spPr>
+        <p:style>
+          <a:lnRef idx="1">
+            <a:schemeClr val="accent1"/>
+          </a:lnRef>
+          <a:fillRef idx="0">
+            <a:schemeClr val="accent1"/>
+          </a:fillRef>
+          <a:effectRef idx="0">
+            <a:schemeClr val="accent1"/>
+          </a:effectRef>
+          <a:fontRef idx="minor">
+            <a:schemeClr val="tx1"/>
+          </a:fontRef>
+        </p:style>
+      </p:cxnSp>
+      <p:sp>
+        <p:nvSpPr>
+          <p:cNvPr id="60" name="文字方塊 59"/>
+          <p:cNvSpPr txBox="1"/>
+          <p:nvPr/>
+        </p:nvSpPr>
+        <p:spPr>
+          <a:xfrm>
+            <a:off x="1155498" y="4421236"/>
+            <a:ext cx="620298" cy="338554"/>
+          </a:xfrm>
+          <a:prstGeom prst="rect">
+            <a:avLst/>
+          </a:prstGeom>
+          <a:noFill/>
+        </p:spPr>
+        <p:txBody>
+          <a:bodyPr wrap="none" rtlCol="0">
+            <a:spAutoFit/>
+          </a:bodyPr>
+          <a:lstStyle/>
+          <a:p>
+            <a:r>
+              <a:rPr lang="en-US" altLang="zh-TW" sz="1600" dirty="0" smtClean="0"/>
+              <a:t>HTTP</a:t>
+            </a:r>
+            <a:endParaRPr lang="en-US" altLang="zh-TW" sz="1600" dirty="0"/>
+          </a:p>
+        </p:txBody>
+      </p:sp>
+      <p:sp>
+        <p:nvSpPr>
+          <p:cNvPr id="75" name="矩形 74"/>
+          <p:cNvSpPr/>
+          <p:nvPr/>
+        </p:nvSpPr>
+        <p:spPr>
+          <a:xfrm>
+            <a:off x="8178372" y="1597803"/>
+            <a:ext cx="900000" cy="2367962"/>
+          </a:xfrm>
+          <a:prstGeom prst="rect">
+            <a:avLst/>
+          </a:prstGeom>
+        </p:spPr>
+        <p:style>
+          <a:lnRef idx="0">
+            <a:schemeClr val="accent2"/>
+          </a:lnRef>
+          <a:fillRef idx="3">
+            <a:schemeClr val="accent2"/>
+          </a:fillRef>
+          <a:effectRef idx="3">
+            <a:schemeClr val="accent2"/>
+          </a:effectRef>
+          <a:fontRef idx="minor">
+            <a:schemeClr val="lt1"/>
+          </a:fontRef>
+        </p:style>
+        <p:txBody>
+          <a:bodyPr rtlCol="0" anchor="ctr"/>
+          <a:lstStyle/>
+          <a:p>
+            <a:pPr algn="ctr"/>
+            <a:r>
+              <a:rPr lang="en-US" altLang="zh-TW" sz="1600" dirty="0" smtClean="0"/>
+              <a:t>IIS</a:t>
+            </a:r>
+          </a:p>
+          <a:p>
+            <a:pPr algn="ctr"/>
+            <a:r>
+              <a:rPr lang="en-US" altLang="zh-TW" sz="1600" dirty="0" smtClean="0"/>
+              <a:t>Nginx</a:t>
+            </a:r>
+          </a:p>
+          <a:p>
+            <a:pPr algn="ctr"/>
+            <a:r>
+              <a:rPr lang="en-US" altLang="zh-TW" sz="1600" dirty="0" smtClean="0"/>
+              <a:t>Apache</a:t>
+            </a:r>
+          </a:p>
+        </p:txBody>
+      </p:sp>
+      <p:pic>
+        <p:nvPicPr>
+          <p:cNvPr id="76" name="圖片 75"/>
+          <p:cNvPicPr>
+            <a:picLocks noChangeAspect="1"/>
+          </p:cNvPicPr>
+          <p:nvPr/>
+        </p:nvPicPr>
+        <p:blipFill rotWithShape="1">
+          <a:blip r:embed="rId2">
+            <a:extLst>
+              <a:ext uri="{28A0092B-C50C-407E-A947-70E740481C1C}">
+                <a14:useLocalDpi xmlns:a14="http://schemas.microsoft.com/office/drawing/2010/main" val="0"/>
+              </a:ext>
+            </a:extLst>
+          </a:blip>
+          <a:srcRect t="12891" b="-8140"/>
+          <a:stretch/>
+        </p:blipFill>
+        <p:spPr>
+          <a:xfrm>
+            <a:off x="6775808" y="2514600"/>
+            <a:ext cx="720000" cy="685800"/>
+          </a:xfrm>
+          <a:prstGeom prst="rect">
+            <a:avLst/>
+          </a:prstGeom>
+        </p:spPr>
+      </p:pic>
+      <p:sp>
+        <p:nvSpPr>
+          <p:cNvPr id="78" name="圓角矩形 77"/>
+          <p:cNvSpPr/>
+          <p:nvPr/>
+        </p:nvSpPr>
+        <p:spPr>
+          <a:xfrm>
+            <a:off x="7778732" y="1597803"/>
+            <a:ext cx="76074" cy="2375729"/>
+          </a:xfrm>
+          <a:prstGeom prst="roundRect">
+            <a:avLst/>
+          </a:prstGeom>
+        </p:spPr>
+        <p:style>
+          <a:lnRef idx="0">
+            <a:schemeClr val="accent5"/>
+          </a:lnRef>
+          <a:fillRef idx="3">
+            <a:schemeClr val="accent5"/>
+          </a:fillRef>
+          <a:effectRef idx="3">
+            <a:schemeClr val="accent5"/>
+          </a:effectRef>
+          <a:fontRef idx="minor">
+            <a:schemeClr val="lt1"/>
+          </a:fontRef>
+        </p:style>
+        <p:txBody>
+          <a:bodyPr rtlCol="0" anchor="ctr"/>
+          <a:lstStyle/>
+          <a:p>
+            <a:pPr algn="ctr"/>
+            <a:endParaRPr lang="zh-TW" altLang="en-US">
+              <a:ea typeface="微軟正黑體" panose="020B0604030504040204" pitchFamily="34" charset="-120"/>
+            </a:endParaRPr>
+          </a:p>
+        </p:txBody>
+      </p:sp>
+      <p:sp>
+        <p:nvSpPr>
+          <p:cNvPr id="79" name="矩形 78"/>
+          <p:cNvSpPr/>
+          <p:nvPr/>
+        </p:nvSpPr>
+        <p:spPr>
+          <a:xfrm>
+            <a:off x="9403692" y="1597803"/>
+            <a:ext cx="2372772" cy="1183981"/>
+          </a:xfrm>
+          <a:prstGeom prst="rect">
+            <a:avLst/>
+          </a:prstGeom>
+        </p:spPr>
+        <p:style>
+          <a:lnRef idx="0">
+            <a:schemeClr val="accent1"/>
+          </a:lnRef>
+          <a:fillRef idx="3">
+            <a:schemeClr val="accent1"/>
+          </a:fillRef>
+          <a:effectRef idx="3">
+            <a:schemeClr val="accent1"/>
+          </a:effectRef>
+          <a:fontRef idx="minor">
+            <a:schemeClr val="lt1"/>
+          </a:fontRef>
+        </p:style>
+        <p:txBody>
+          <a:bodyPr rtlCol="0" anchor="ctr"/>
+          <a:lstStyle/>
+          <a:p>
+            <a:pPr algn="ctr"/>
+            <a:endParaRPr lang="zh-TW" altLang="en-US" dirty="0"/>
+          </a:p>
+        </p:txBody>
+      </p:sp>
+      <p:sp>
+        <p:nvSpPr>
+          <p:cNvPr id="80" name="文字方塊 79"/>
+          <p:cNvSpPr txBox="1"/>
+          <p:nvPr/>
+        </p:nvSpPr>
+        <p:spPr>
+          <a:xfrm>
+            <a:off x="9454625" y="1612305"/>
+            <a:ext cx="2265813" cy="307777"/>
+          </a:xfrm>
+          <a:prstGeom prst="rect">
+            <a:avLst/>
+          </a:prstGeom>
+          <a:noFill/>
+        </p:spPr>
+        <p:txBody>
+          <a:bodyPr wrap="none" rtlCol="0">
+            <a:spAutoFit/>
+          </a:bodyPr>
+          <a:lstStyle/>
+          <a:p>
+            <a:r>
+              <a:rPr lang="en-US" altLang="zh-TW" sz="1400" dirty="0" smtClean="0">
+                <a:solidFill>
+                  <a:schemeClr val="bg1"/>
+                </a:solidFill>
+              </a:rPr>
+              <a:t>ASP.NET Core Application (1)</a:t>
+            </a:r>
+            <a:endParaRPr lang="en-US" altLang="zh-TW" sz="1400" dirty="0">
+              <a:solidFill>
+                <a:schemeClr val="bg1"/>
+              </a:solidFill>
+            </a:endParaRPr>
+          </a:p>
+        </p:txBody>
+      </p:sp>
+      <p:sp>
+        <p:nvSpPr>
+          <p:cNvPr id="81" name="矩形 80"/>
+          <p:cNvSpPr/>
+          <p:nvPr/>
+        </p:nvSpPr>
+        <p:spPr>
+          <a:xfrm>
+            <a:off x="9598686" y="1957850"/>
+            <a:ext cx="1981200" cy="720000"/>
+          </a:xfrm>
+          <a:prstGeom prst="rect">
+            <a:avLst/>
+          </a:prstGeom>
+        </p:spPr>
+        <p:style>
+          <a:lnRef idx="0">
+            <a:schemeClr val="accent4"/>
+          </a:lnRef>
+          <a:fillRef idx="3">
+            <a:schemeClr val="accent4"/>
+          </a:fillRef>
+          <a:effectRef idx="3">
+            <a:schemeClr val="accent4"/>
+          </a:effectRef>
+          <a:fontRef idx="minor">
+            <a:schemeClr val="lt1"/>
+          </a:fontRef>
+        </p:style>
+        <p:txBody>
+          <a:bodyPr rtlCol="0" anchor="ctr"/>
+          <a:lstStyle/>
+          <a:p>
+            <a:pPr algn="ctr"/>
+            <a:r>
+              <a:rPr lang="en-US" altLang="zh-TW" sz="1600" dirty="0" smtClean="0"/>
+              <a:t>Kestrel Web Server</a:t>
+            </a:r>
+          </a:p>
+          <a:p>
+            <a:pPr algn="ctr"/>
+            <a:r>
+              <a:rPr lang="en-US" altLang="zh-TW" sz="1600" dirty="0" smtClean="0"/>
+              <a:t>Port: 5000</a:t>
+            </a:r>
+            <a:endParaRPr lang="zh-TW" altLang="en-US" sz="1600" dirty="0"/>
+          </a:p>
+        </p:txBody>
+      </p:sp>
+      <p:sp>
+        <p:nvSpPr>
+          <p:cNvPr id="84" name="文字方塊 83"/>
+          <p:cNvSpPr txBox="1"/>
+          <p:nvPr/>
+        </p:nvSpPr>
+        <p:spPr>
+          <a:xfrm>
+            <a:off x="9017810" y="1973377"/>
+            <a:ext cx="620298" cy="338554"/>
+          </a:xfrm>
+          <a:prstGeom prst="rect">
+            <a:avLst/>
+          </a:prstGeom>
+          <a:noFill/>
+        </p:spPr>
+        <p:txBody>
+          <a:bodyPr wrap="none" rtlCol="0">
+            <a:spAutoFit/>
+          </a:bodyPr>
+          <a:lstStyle/>
+          <a:p>
+            <a:r>
+              <a:rPr lang="en-US" altLang="zh-TW" sz="1600" dirty="0" smtClean="0"/>
+              <a:t>HTTP</a:t>
+            </a:r>
+            <a:endParaRPr lang="en-US" altLang="zh-TW" sz="1600" dirty="0"/>
+          </a:p>
+        </p:txBody>
+      </p:sp>
+      <p:cxnSp>
+        <p:nvCxnSpPr>
+          <p:cNvPr id="87" name="直線接點 86"/>
+          <p:cNvCxnSpPr/>
+          <p:nvPr/>
+        </p:nvCxnSpPr>
+        <p:spPr>
+          <a:xfrm>
+            <a:off x="8986677" y="2307587"/>
+            <a:ext cx="682564" cy="0"/>
+          </a:xfrm>
+          <a:prstGeom prst="line">
+            <a:avLst/>
+          </a:prstGeom>
+          <a:ln w="38100">
+            <a:solidFill>
+              <a:schemeClr val="tx1"/>
+            </a:solidFill>
+            <a:headEnd type="triangle" w="med" len="med"/>
+            <a:tailEnd type="triangle" w="med" len="med"/>
+          </a:ln>
+        </p:spPr>
+        <p:style>
+          <a:lnRef idx="1">
+            <a:schemeClr val="accent1"/>
+          </a:lnRef>
+          <a:fillRef idx="0">
+            <a:schemeClr val="accent1"/>
+          </a:fillRef>
+          <a:effectRef idx="0">
+            <a:schemeClr val="accent1"/>
+          </a:effectRef>
+          <a:fontRef idx="minor">
+            <a:schemeClr val="tx1"/>
+          </a:fontRef>
+        </p:style>
+      </p:cxnSp>
+      <p:sp>
+        <p:nvSpPr>
+          <p:cNvPr id="88" name="文字方塊 87"/>
+          <p:cNvSpPr txBox="1"/>
+          <p:nvPr/>
+        </p:nvSpPr>
+        <p:spPr>
+          <a:xfrm>
+            <a:off x="6705600" y="1988765"/>
+            <a:ext cx="1567032" cy="307777"/>
+          </a:xfrm>
+          <a:prstGeom prst="rect">
+            <a:avLst/>
+          </a:prstGeom>
+          <a:noFill/>
+        </p:spPr>
+        <p:txBody>
+          <a:bodyPr wrap="none" rtlCol="0">
+            <a:spAutoFit/>
+          </a:bodyPr>
+          <a:lstStyle/>
+          <a:p>
+            <a:r>
+              <a:rPr lang="en-US" altLang="zh-TW" sz="1400" dirty="0" smtClean="0"/>
+              <a:t>http://domainA:80</a:t>
+            </a:r>
+            <a:endParaRPr lang="en-US" altLang="zh-TW" sz="1400" dirty="0"/>
+          </a:p>
+        </p:txBody>
+      </p:sp>
+      <p:sp>
+        <p:nvSpPr>
+          <p:cNvPr id="89" name="矩形 88"/>
+          <p:cNvSpPr/>
+          <p:nvPr/>
+        </p:nvSpPr>
+        <p:spPr>
+          <a:xfrm>
+            <a:off x="9401938" y="2837355"/>
+            <a:ext cx="2372772" cy="1183981"/>
+          </a:xfrm>
+          <a:prstGeom prst="rect">
+            <a:avLst/>
+          </a:prstGeom>
+        </p:spPr>
+        <p:style>
+          <a:lnRef idx="0">
+            <a:schemeClr val="accent1"/>
+          </a:lnRef>
+          <a:fillRef idx="3">
+            <a:schemeClr val="accent1"/>
+          </a:fillRef>
+          <a:effectRef idx="3">
+            <a:schemeClr val="accent1"/>
+          </a:effectRef>
+          <a:fontRef idx="minor">
+            <a:schemeClr val="lt1"/>
+          </a:fontRef>
+        </p:style>
+        <p:txBody>
+          <a:bodyPr rtlCol="0" anchor="ctr"/>
+          <a:lstStyle/>
+          <a:p>
+            <a:pPr algn="ctr"/>
+            <a:endParaRPr lang="zh-TW" altLang="en-US" dirty="0"/>
+          </a:p>
+        </p:txBody>
+      </p:sp>
+      <p:sp>
+        <p:nvSpPr>
+          <p:cNvPr id="90" name="文字方塊 89"/>
+          <p:cNvSpPr txBox="1"/>
+          <p:nvPr/>
+        </p:nvSpPr>
+        <p:spPr>
+          <a:xfrm>
+            <a:off x="9462459" y="2853664"/>
+            <a:ext cx="2265813" cy="307777"/>
+          </a:xfrm>
+          <a:prstGeom prst="rect">
+            <a:avLst/>
+          </a:prstGeom>
+          <a:noFill/>
+        </p:spPr>
+        <p:txBody>
+          <a:bodyPr wrap="none" rtlCol="0">
+            <a:spAutoFit/>
+          </a:bodyPr>
+          <a:lstStyle/>
+          <a:p>
+            <a:r>
+              <a:rPr lang="en-US" altLang="zh-TW" sz="1400" dirty="0" smtClean="0">
+                <a:solidFill>
+                  <a:schemeClr val="bg1"/>
+                </a:solidFill>
+              </a:rPr>
+              <a:t>ASP.NET Core Application (2)</a:t>
+            </a:r>
+            <a:endParaRPr lang="en-US" altLang="zh-TW" sz="1400" dirty="0">
+              <a:solidFill>
+                <a:schemeClr val="bg1"/>
+              </a:solidFill>
+            </a:endParaRPr>
+          </a:p>
+        </p:txBody>
+      </p:sp>
+      <p:sp>
+        <p:nvSpPr>
+          <p:cNvPr id="91" name="矩形 90"/>
+          <p:cNvSpPr/>
+          <p:nvPr/>
+        </p:nvSpPr>
+        <p:spPr>
+          <a:xfrm>
+            <a:off x="9596932" y="3197402"/>
+            <a:ext cx="1981200" cy="720000"/>
+          </a:xfrm>
+          <a:prstGeom prst="rect">
+            <a:avLst/>
+          </a:prstGeom>
+        </p:spPr>
+        <p:style>
+          <a:lnRef idx="0">
+            <a:schemeClr val="accent4"/>
+          </a:lnRef>
+          <a:fillRef idx="3">
+            <a:schemeClr val="accent4"/>
+          </a:fillRef>
+          <a:effectRef idx="3">
+            <a:schemeClr val="accent4"/>
+          </a:effectRef>
+          <a:fontRef idx="minor">
+            <a:schemeClr val="lt1"/>
+          </a:fontRef>
+        </p:style>
+        <p:txBody>
+          <a:bodyPr rtlCol="0" anchor="ctr"/>
+          <a:lstStyle/>
+          <a:p>
+            <a:pPr algn="ctr"/>
+            <a:r>
+              <a:rPr lang="en-US" altLang="zh-TW" sz="1600" dirty="0" smtClean="0"/>
+              <a:t>Kestrel Web Server</a:t>
+            </a:r>
+          </a:p>
+          <a:p>
+            <a:pPr algn="ctr"/>
+            <a:r>
+              <a:rPr lang="en-US" altLang="zh-TW" sz="1600" dirty="0" smtClean="0"/>
+              <a:t>Port: 5001</a:t>
+            </a:r>
+            <a:endParaRPr lang="zh-TW" altLang="en-US" sz="1600" dirty="0"/>
+          </a:p>
+        </p:txBody>
+      </p:sp>
+      <p:cxnSp>
+        <p:nvCxnSpPr>
+          <p:cNvPr id="96" name="肘形接點 95"/>
+          <p:cNvCxnSpPr>
+            <a:stCxn id="76" idx="0"/>
+          </p:cNvCxnSpPr>
+          <p:nvPr/>
+        </p:nvCxnSpPr>
+        <p:spPr>
+          <a:xfrm rot="5400000" flipH="1" flipV="1">
+            <a:off x="7575663" y="1867733"/>
+            <a:ext cx="207013" cy="1086722"/>
+          </a:xfrm>
+          <a:prstGeom prst="bentConnector2">
+            <a:avLst/>
+          </a:prstGeom>
+          <a:ln w="38100">
+            <a:solidFill>
+              <a:schemeClr val="tx1"/>
+            </a:solidFill>
+            <a:headEnd type="triangle" w="med" len="med"/>
+            <a:tailEnd type="triangle" w="med" len="med"/>
+          </a:ln>
+        </p:spPr>
+        <p:style>
+          <a:lnRef idx="1">
+            <a:schemeClr val="accent1"/>
+          </a:lnRef>
+          <a:fillRef idx="0">
+            <a:schemeClr val="accent1"/>
+          </a:fillRef>
+          <a:effectRef idx="0">
+            <a:schemeClr val="accent1"/>
+          </a:effectRef>
+          <a:fontRef idx="minor">
+            <a:schemeClr val="tx1"/>
+          </a:fontRef>
+        </p:style>
+      </p:cxnSp>
+      <p:cxnSp>
+        <p:nvCxnSpPr>
+          <p:cNvPr id="98" name="肘形接點 97"/>
+          <p:cNvCxnSpPr>
+            <a:stCxn id="76" idx="2"/>
+          </p:cNvCxnSpPr>
+          <p:nvPr/>
+        </p:nvCxnSpPr>
+        <p:spPr>
+          <a:xfrm rot="16200000" flipH="1">
+            <a:off x="7506967" y="2829240"/>
+            <a:ext cx="357000" cy="1099319"/>
+          </a:xfrm>
+          <a:prstGeom prst="bentConnector2">
+            <a:avLst/>
+          </a:prstGeom>
+          <a:ln w="38100">
+            <a:solidFill>
+              <a:schemeClr val="tx1"/>
+            </a:solidFill>
+            <a:headEnd type="triangle" w="med" len="med"/>
+            <a:tailEnd type="triangle" w="med" len="med"/>
+          </a:ln>
+        </p:spPr>
+        <p:style>
+          <a:lnRef idx="1">
+            <a:schemeClr val="accent1"/>
+          </a:lnRef>
+          <a:fillRef idx="0">
+            <a:schemeClr val="accent1"/>
+          </a:fillRef>
+          <a:effectRef idx="0">
+            <a:schemeClr val="accent1"/>
+          </a:effectRef>
+          <a:fontRef idx="minor">
+            <a:schemeClr val="tx1"/>
+          </a:fontRef>
+        </p:style>
+      </p:cxnSp>
+      <p:cxnSp>
+        <p:nvCxnSpPr>
+          <p:cNvPr id="99" name="直線接點 98"/>
+          <p:cNvCxnSpPr/>
+          <p:nvPr/>
+        </p:nvCxnSpPr>
+        <p:spPr>
+          <a:xfrm>
+            <a:off x="8986677" y="3557401"/>
+            <a:ext cx="682564" cy="0"/>
+          </a:xfrm>
+          <a:prstGeom prst="line">
+            <a:avLst/>
+          </a:prstGeom>
+          <a:ln w="38100">
+            <a:solidFill>
+              <a:schemeClr val="tx1"/>
+            </a:solidFill>
+            <a:headEnd type="triangle" w="med" len="med"/>
+            <a:tailEnd type="triangle" w="med" len="med"/>
+          </a:ln>
+        </p:spPr>
+        <p:style>
+          <a:lnRef idx="1">
+            <a:schemeClr val="accent1"/>
+          </a:lnRef>
+          <a:fillRef idx="0">
+            <a:schemeClr val="accent1"/>
+          </a:fillRef>
+          <a:effectRef idx="0">
+            <a:schemeClr val="accent1"/>
+          </a:effectRef>
+          <a:fontRef idx="minor">
+            <a:schemeClr val="tx1"/>
+          </a:fontRef>
+        </p:style>
+      </p:cxnSp>
+      <p:sp>
+        <p:nvSpPr>
+          <p:cNvPr id="100" name="文字方塊 99"/>
+          <p:cNvSpPr txBox="1"/>
+          <p:nvPr/>
+        </p:nvSpPr>
+        <p:spPr>
+          <a:xfrm>
+            <a:off x="9017810" y="3231245"/>
+            <a:ext cx="620298" cy="338554"/>
+          </a:xfrm>
+          <a:prstGeom prst="rect">
+            <a:avLst/>
+          </a:prstGeom>
+          <a:noFill/>
+        </p:spPr>
+        <p:txBody>
+          <a:bodyPr wrap="none" rtlCol="0">
+            <a:spAutoFit/>
+          </a:bodyPr>
+          <a:lstStyle/>
+          <a:p>
+            <a:r>
+              <a:rPr lang="en-US" altLang="zh-TW" sz="1600" dirty="0" smtClean="0"/>
+              <a:t>HTTP</a:t>
+            </a:r>
+            <a:endParaRPr lang="en-US" altLang="zh-TW" sz="1600" dirty="0"/>
+          </a:p>
+        </p:txBody>
+      </p:sp>
+      <p:sp>
+        <p:nvSpPr>
+          <p:cNvPr id="105" name="文字方塊 104"/>
+          <p:cNvSpPr txBox="1"/>
+          <p:nvPr/>
+        </p:nvSpPr>
+        <p:spPr>
+          <a:xfrm>
+            <a:off x="6704808" y="3569731"/>
+            <a:ext cx="1567032" cy="307777"/>
+          </a:xfrm>
+          <a:prstGeom prst="rect">
+            <a:avLst/>
+          </a:prstGeom>
+          <a:noFill/>
+        </p:spPr>
+        <p:txBody>
+          <a:bodyPr wrap="none" rtlCol="0">
+            <a:spAutoFit/>
+          </a:bodyPr>
+          <a:lstStyle/>
+          <a:p>
+            <a:r>
+              <a:rPr lang="en-US" altLang="zh-TW" sz="1400" dirty="0" smtClean="0"/>
+              <a:t>http://domainB:80</a:t>
+            </a:r>
+            <a:endParaRPr lang="en-US" altLang="zh-TW" sz="1400" dirty="0"/>
           </a:p>
         </p:txBody>
       </p:sp>
     </p:spTree>
     <p:extLst>
       <p:ext uri="{BB962C8B-B14F-4D97-AF65-F5344CB8AC3E}">
-        <p14:creationId xmlns:p14="http://schemas.microsoft.com/office/powerpoint/2010/main" val="2564765899"/>
+        <p14:creationId xmlns:p14="http://schemas.microsoft.com/office/powerpoint/2010/main" val="2425526491"/>
       </p:ext>
     </p:extLst>
   </p:cSld>
@@ -36302,18 +35289,18 @@
 </file>
 
 <file path=customXml/item1.xml><?xml version="1.0" encoding="utf-8"?>
-<p:properties xmlns:p="http://schemas.microsoft.com/office/2006/metadata/properties" xmlns:xsi="http://www.w3.org/2001/XMLSchema-instance">
-  <documentManagement/>
-</p:properties>
-</file>
-
-<file path=customXml/item2.xml><?xml version="1.0" encoding="utf-8"?>
 <?mso-contentType ?>
 <FormTemplates xmlns="http://schemas.microsoft.com/sharepoint/v3/contenttype/forms">
   <Display>DocumentLibraryForm</Display>
   <Edit>DocumentLibraryForm</Edit>
   <New>DocumentLibraryForm</New>
 </FormTemplates>
+</file>
+
+<file path=customXml/item2.xml><?xml version="1.0" encoding="utf-8"?>
+<p:properties xmlns:p="http://schemas.microsoft.com/office/2006/metadata/properties" xmlns:xsi="http://www.w3.org/2001/XMLSchema-instance">
+  <documentManagement/>
+</p:properties>
 </file>
 
 <file path=customXml/item3.xml><?xml version="1.0" encoding="utf-8"?>
@@ -36366,6 +35353,14 @@
 </file>
 
 <file path=customXml/itemProps1.xml><?xml version="1.0" encoding="utf-8"?>
+<ds:datastoreItem xmlns:ds="http://schemas.openxmlformats.org/officeDocument/2006/customXml" ds:itemID="{A1770BF7-49D5-46D6-8B76-1D8AF290B450}">
+  <ds:schemaRefs>
+    <ds:schemaRef ds:uri="http://schemas.microsoft.com/sharepoint/v3/contenttype/forms"/>
+  </ds:schemaRefs>
+</ds:datastoreItem>
+</file>
+
+<file path=customXml/itemProps2.xml><?xml version="1.0" encoding="utf-8"?>
 <ds:datastoreItem xmlns:ds="http://schemas.openxmlformats.org/officeDocument/2006/customXml" ds:itemID="{892A9AA9-F261-48C5-9DFB-0929A9F0E540}">
   <ds:schemaRefs>
     <ds:schemaRef ds:uri="http://purl.org/dc/dcmitype/"/>
@@ -36375,14 +35370,6 @@
     <ds:schemaRef ds:uri="http://www.w3.org/XML/1998/namespace"/>
     <ds:schemaRef ds:uri="http://purl.org/dc/terms/"/>
     <ds:schemaRef ds:uri="http://schemas.openxmlformats.org/package/2006/metadata/core-properties"/>
-  </ds:schemaRefs>
-</ds:datastoreItem>
-</file>
-
-<file path=customXml/itemProps2.xml><?xml version="1.0" encoding="utf-8"?>
-<ds:datastoreItem xmlns:ds="http://schemas.openxmlformats.org/officeDocument/2006/customXml" ds:itemID="{A1770BF7-49D5-46D6-8B76-1D8AF290B450}">
-  <ds:schemaRefs>
-    <ds:schemaRef ds:uri="http://schemas.microsoft.com/sharepoint/v3/contenttype/forms"/>
   </ds:schemaRefs>
 </ds:datastoreItem>
 </file>

--- a/source/_assets/ironman.pptx
+++ b/source/_assets/ironman.pptx
@@ -5,10 +5,10 @@
     <p:sldMasterId id="2147483752" r:id="rId4"/>
   </p:sldMasterIdLst>
   <p:notesMasterIdLst>
-    <p:notesMasterId r:id="rId30"/>
+    <p:notesMasterId r:id="rId31"/>
   </p:notesMasterIdLst>
   <p:handoutMasterIdLst>
-    <p:handoutMasterId r:id="rId31"/>
+    <p:handoutMasterId r:id="rId32"/>
   </p:handoutMasterIdLst>
   <p:sldIdLst>
     <p:sldId id="316" r:id="rId5"/>
@@ -36,6 +36,7 @@
     <p:sldId id="339" r:id="rId27"/>
     <p:sldId id="348" r:id="rId28"/>
     <p:sldId id="350" r:id="rId29"/>
+    <p:sldId id="351" r:id="rId30"/>
   </p:sldIdLst>
   <p:sldSz cx="12192000" cy="6858000"/>
   <p:notesSz cx="7099300" cy="10234613"/>
@@ -250,7 +251,7 @@
             <a:fld id="{3CDD3A71-4C75-488C-A8F3-A1F163ED0DB9}" type="datetimeFigureOut">
               <a:rPr lang="en-US" smtClean="0"/>
               <a:pPr/>
-              <a:t>1/7/2018</a:t>
+              <a:t>1/8/2018</a:t>
             </a:fld>
             <a:endParaRPr lang="en-US" dirty="0"/>
           </a:p>
@@ -418,7 +419,7 @@
             <a:fld id="{523CC419-8FB3-4D1C-8127-E63C1A13459D}" type="datetimeFigureOut">
               <a:rPr lang="en-US" smtClean="0"/>
               <a:pPr/>
-              <a:t>1/7/2018</a:t>
+              <a:t>1/8/2018</a:t>
             </a:fld>
             <a:endParaRPr lang="en-US" dirty="0"/>
           </a:p>
@@ -821,7 +822,7 @@
           <a:p>
             <a:fld id="{237FF733-248C-4CF7-A090-89CF012E357B}" type="datetimeFigureOut">
               <a:rPr lang="zh-TW" altLang="en-US" smtClean="0"/>
-              <a:t>2018/1/7</a:t>
+              <a:t>2018/1/8</a:t>
             </a:fld>
             <a:endParaRPr lang="zh-TW" altLang="en-US"/>
           </a:p>
@@ -992,7 +993,7 @@
           <a:p>
             <a:fld id="{237FF733-248C-4CF7-A090-89CF012E357B}" type="datetimeFigureOut">
               <a:rPr lang="zh-TW" altLang="en-US" smtClean="0"/>
-              <a:t>2018/1/7</a:t>
+              <a:t>2018/1/8</a:t>
             </a:fld>
             <a:endParaRPr lang="zh-TW" altLang="en-US"/>
           </a:p>
@@ -1173,7 +1174,7 @@
           <a:p>
             <a:fld id="{237FF733-248C-4CF7-A090-89CF012E357B}" type="datetimeFigureOut">
               <a:rPr lang="zh-TW" altLang="en-US" smtClean="0"/>
-              <a:t>2018/1/7</a:t>
+              <a:t>2018/1/8</a:t>
             </a:fld>
             <a:endParaRPr lang="zh-TW" altLang="en-US"/>
           </a:p>
@@ -1344,7 +1345,7 @@
           <a:p>
             <a:fld id="{237FF733-248C-4CF7-A090-89CF012E357B}" type="datetimeFigureOut">
               <a:rPr lang="zh-TW" altLang="en-US" smtClean="0"/>
-              <a:t>2018/1/7</a:t>
+              <a:t>2018/1/8</a:t>
             </a:fld>
             <a:endParaRPr lang="zh-TW" altLang="en-US"/>
           </a:p>
@@ -1591,7 +1592,7 @@
           <a:p>
             <a:fld id="{237FF733-248C-4CF7-A090-89CF012E357B}" type="datetimeFigureOut">
               <a:rPr lang="zh-TW" altLang="en-US" smtClean="0"/>
-              <a:t>2018/1/7</a:t>
+              <a:t>2018/1/8</a:t>
             </a:fld>
             <a:endParaRPr lang="zh-TW" altLang="en-US"/>
           </a:p>
@@ -1824,7 +1825,7 @@
           <a:p>
             <a:fld id="{237FF733-248C-4CF7-A090-89CF012E357B}" type="datetimeFigureOut">
               <a:rPr lang="zh-TW" altLang="en-US" smtClean="0"/>
-              <a:t>2018/1/7</a:t>
+              <a:t>2018/1/8</a:t>
             </a:fld>
             <a:endParaRPr lang="zh-TW" altLang="en-US"/>
           </a:p>
@@ -2192,7 +2193,7 @@
           <a:p>
             <a:fld id="{237FF733-248C-4CF7-A090-89CF012E357B}" type="datetimeFigureOut">
               <a:rPr lang="zh-TW" altLang="en-US" smtClean="0"/>
-              <a:t>2018/1/7</a:t>
+              <a:t>2018/1/8</a:t>
             </a:fld>
             <a:endParaRPr lang="zh-TW" altLang="en-US"/>
           </a:p>
@@ -2311,7 +2312,7 @@
           <a:p>
             <a:fld id="{237FF733-248C-4CF7-A090-89CF012E357B}" type="datetimeFigureOut">
               <a:rPr lang="zh-TW" altLang="en-US" smtClean="0"/>
-              <a:t>2018/1/7</a:t>
+              <a:t>2018/1/8</a:t>
             </a:fld>
             <a:endParaRPr lang="zh-TW" altLang="en-US"/>
           </a:p>
@@ -2407,7 +2408,7 @@
           <a:p>
             <a:fld id="{237FF733-248C-4CF7-A090-89CF012E357B}" type="datetimeFigureOut">
               <a:rPr lang="zh-TW" altLang="en-US" smtClean="0"/>
-              <a:t>2018/1/7</a:t>
+              <a:t>2018/1/8</a:t>
             </a:fld>
             <a:endParaRPr lang="zh-TW" altLang="en-US"/>
           </a:p>
@@ -2685,7 +2686,7 @@
           <a:p>
             <a:fld id="{237FF733-248C-4CF7-A090-89CF012E357B}" type="datetimeFigureOut">
               <a:rPr lang="zh-TW" altLang="en-US" smtClean="0"/>
-              <a:t>2018/1/7</a:t>
+              <a:t>2018/1/8</a:t>
             </a:fld>
             <a:endParaRPr lang="zh-TW" altLang="en-US"/>
           </a:p>
@@ -2943,7 +2944,7 @@
           <a:p>
             <a:fld id="{237FF733-248C-4CF7-A090-89CF012E357B}" type="datetimeFigureOut">
               <a:rPr lang="zh-TW" altLang="en-US" smtClean="0"/>
-              <a:t>2018/1/7</a:t>
+              <a:t>2018/1/8</a:t>
             </a:fld>
             <a:endParaRPr lang="zh-TW" altLang="en-US"/>
           </a:p>
@@ -3157,7 +3158,7 @@
           <a:p>
             <a:fld id="{237FF733-248C-4CF7-A090-89CF012E357B}" type="datetimeFigureOut">
               <a:rPr lang="zh-TW" altLang="en-US" smtClean="0"/>
-              <a:t>2018/1/7</a:t>
+              <a:t>2018/1/8</a:t>
             </a:fld>
             <a:endParaRPr lang="zh-TW" altLang="en-US"/>
           </a:p>
@@ -25072,6 +25073,1667 @@
 </p:sld>
 </file>
 
+<file path=ppt/slides/slide26.xml><?xml version="1.0" encoding="utf-8"?>
+<p:sld xmlns:a="http://schemas.openxmlformats.org/drawingml/2006/main" xmlns:r="http://schemas.openxmlformats.org/officeDocument/2006/relationships" xmlns:p="http://schemas.openxmlformats.org/presentationml/2006/main">
+  <p:cSld>
+    <p:spTree>
+      <p:nvGrpSpPr>
+        <p:cNvPr id="1" name=""/>
+        <p:cNvGrpSpPr/>
+        <p:nvPr/>
+      </p:nvGrpSpPr>
+      <p:grpSpPr>
+        <a:xfrm>
+          <a:off x="0" y="0"/>
+          <a:ext cx="0" cy="0"/>
+          <a:chOff x="0" y="0"/>
+          <a:chExt cx="0" cy="0"/>
+        </a:xfrm>
+      </p:grpSpPr>
+      <p:grpSp>
+        <p:nvGrpSpPr>
+          <p:cNvPr id="32" name="群組 31"/>
+          <p:cNvGrpSpPr/>
+          <p:nvPr/>
+        </p:nvGrpSpPr>
+        <p:grpSpPr>
+          <a:xfrm>
+            <a:off x="609600" y="990600"/>
+            <a:ext cx="1142999" cy="1035570"/>
+            <a:chOff x="1066801" y="2626549"/>
+            <a:chExt cx="1695654" cy="1536281"/>
+          </a:xfrm>
+        </p:grpSpPr>
+        <p:sp>
+          <p:nvSpPr>
+            <p:cNvPr id="34" name="矩形 33"/>
+            <p:cNvSpPr/>
+            <p:nvPr/>
+          </p:nvSpPr>
+          <p:spPr>
+            <a:xfrm>
+              <a:off x="1155598" y="2628700"/>
+              <a:ext cx="1511402" cy="1164798"/>
+            </a:xfrm>
+            <a:prstGeom prst="rect">
+              <a:avLst/>
+            </a:prstGeom>
+            <a:solidFill>
+              <a:schemeClr val="bg1"/>
+            </a:solidFill>
+            <a:ln>
+              <a:noFill/>
+            </a:ln>
+          </p:spPr>
+          <p:style>
+            <a:lnRef idx="2">
+              <a:schemeClr val="accent1">
+                <a:shade val="50000"/>
+              </a:schemeClr>
+            </a:lnRef>
+            <a:fillRef idx="1">
+              <a:schemeClr val="accent1"/>
+            </a:fillRef>
+            <a:effectRef idx="0">
+              <a:schemeClr val="accent1"/>
+            </a:effectRef>
+            <a:fontRef idx="minor">
+              <a:schemeClr val="lt1"/>
+            </a:fontRef>
+          </p:style>
+          <p:txBody>
+            <a:bodyPr rtlCol="0" anchor="ctr"/>
+            <a:lstStyle/>
+            <a:p>
+              <a:pPr algn="ctr"/>
+              <a:endParaRPr lang="zh-TW" altLang="en-US"/>
+            </a:p>
+          </p:txBody>
+        </p:sp>
+        <p:grpSp>
+          <p:nvGrpSpPr>
+            <p:cNvPr id="36" name="群組 35"/>
+            <p:cNvGrpSpPr/>
+            <p:nvPr/>
+          </p:nvGrpSpPr>
+          <p:grpSpPr>
+            <a:xfrm>
+              <a:off x="1066801" y="2626549"/>
+              <a:ext cx="1695654" cy="1536281"/>
+              <a:chOff x="1141123" y="4728754"/>
+              <a:chExt cx="1695654" cy="1536281"/>
+            </a:xfrm>
+          </p:grpSpPr>
+          <p:pic>
+            <p:nvPicPr>
+              <p:cNvPr id="37" name="圖片 36"/>
+              <p:cNvPicPr>
+                <a:picLocks noChangeAspect="1"/>
+              </p:cNvPicPr>
+              <p:nvPr/>
+            </p:nvPicPr>
+            <p:blipFill>
+              <a:blip r:embed="rId2">
+                <a:extLst>
+                  <a:ext uri="{28A0092B-C50C-407E-A947-70E740481C1C}">
+                    <a14:useLocalDpi xmlns:a14="http://schemas.microsoft.com/office/drawing/2010/main" val="0"/>
+                  </a:ext>
+                </a:extLst>
+              </a:blip>
+              <a:stretch>
+                <a:fillRect/>
+              </a:stretch>
+            </p:blipFill>
+            <p:spPr>
+              <a:xfrm>
+                <a:off x="1541239" y="4974575"/>
+                <a:ext cx="895422" cy="895422"/>
+              </a:xfrm>
+              <a:prstGeom prst="rect">
+                <a:avLst/>
+              </a:prstGeom>
+            </p:spPr>
+          </p:pic>
+          <p:pic>
+            <p:nvPicPr>
+              <p:cNvPr id="38" name="圖片 37"/>
+              <p:cNvPicPr>
+                <a:picLocks noChangeAspect="1"/>
+              </p:cNvPicPr>
+              <p:nvPr/>
+            </p:nvPicPr>
+            <p:blipFill rotWithShape="1">
+              <a:blip r:embed="rId3">
+                <a:extLst>
+                  <a:ext uri="{28A0092B-C50C-407E-A947-70E740481C1C}">
+                    <a14:useLocalDpi xmlns:a14="http://schemas.microsoft.com/office/drawing/2010/main" val="0"/>
+                  </a:ext>
+                </a:extLst>
+              </a:blip>
+              <a:srcRect l="4494" t="15772" r="5630" b="15407"/>
+              <a:stretch/>
+            </p:blipFill>
+            <p:spPr>
+              <a:xfrm>
+                <a:off x="1217321" y="4728754"/>
+                <a:ext cx="1524001" cy="1166949"/>
+              </a:xfrm>
+              <a:prstGeom prst="rect">
+                <a:avLst/>
+              </a:prstGeom>
+            </p:spPr>
+          </p:pic>
+          <p:sp>
+            <p:nvSpPr>
+              <p:cNvPr id="39" name="文字方塊 38"/>
+              <p:cNvSpPr txBox="1"/>
+              <p:nvPr/>
+            </p:nvSpPr>
+            <p:spPr>
+              <a:xfrm>
+                <a:off x="1141123" y="5895703"/>
+                <a:ext cx="1695654" cy="369332"/>
+              </a:xfrm>
+              <a:prstGeom prst="rect">
+                <a:avLst/>
+              </a:prstGeom>
+              <a:noFill/>
+            </p:spPr>
+            <p:txBody>
+              <a:bodyPr wrap="square" rtlCol="0">
+                <a:spAutoFit/>
+              </a:bodyPr>
+              <a:lstStyle/>
+              <a:p>
+                <a:pPr algn="ctr"/>
+                <a:r>
+                  <a:rPr lang="en-US" altLang="zh-TW" dirty="0" smtClean="0"/>
+                  <a:t>User</a:t>
+                </a:r>
+                <a:endParaRPr lang="zh-TW" altLang="en-US" dirty="0"/>
+              </a:p>
+            </p:txBody>
+          </p:sp>
+        </p:grpSp>
+      </p:grpSp>
+      <p:sp>
+        <p:nvSpPr>
+          <p:cNvPr id="5" name="矩形 4"/>
+          <p:cNvSpPr/>
+          <p:nvPr/>
+        </p:nvSpPr>
+        <p:spPr>
+          <a:xfrm>
+            <a:off x="6266976" y="683228"/>
+            <a:ext cx="5115969" cy="2685884"/>
+          </a:xfrm>
+          <a:prstGeom prst="rect">
+            <a:avLst/>
+          </a:prstGeom>
+          <a:noFill/>
+          <a:ln w="28575">
+            <a:prstDash val="lgDash"/>
+          </a:ln>
+        </p:spPr>
+        <p:style>
+          <a:lnRef idx="2">
+            <a:schemeClr val="dk1">
+              <a:shade val="50000"/>
+            </a:schemeClr>
+          </a:lnRef>
+          <a:fillRef idx="1">
+            <a:schemeClr val="dk1"/>
+          </a:fillRef>
+          <a:effectRef idx="0">
+            <a:schemeClr val="dk1"/>
+          </a:effectRef>
+          <a:fontRef idx="minor">
+            <a:schemeClr val="lt1"/>
+          </a:fontRef>
+        </p:style>
+        <p:txBody>
+          <a:bodyPr rtlCol="0" anchor="ctr"/>
+          <a:lstStyle/>
+          <a:p>
+            <a:pPr algn="ctr"/>
+            <a:endParaRPr lang="zh-TW" altLang="en-US"/>
+          </a:p>
+        </p:txBody>
+      </p:sp>
+      <p:grpSp>
+        <p:nvGrpSpPr>
+          <p:cNvPr id="7" name="群組 6"/>
+          <p:cNvGrpSpPr/>
+          <p:nvPr/>
+        </p:nvGrpSpPr>
+        <p:grpSpPr>
+          <a:xfrm>
+            <a:off x="3729014" y="179751"/>
+            <a:ext cx="1676400" cy="1202959"/>
+            <a:chOff x="572186" y="1579980"/>
+            <a:chExt cx="2483866" cy="1858142"/>
+          </a:xfrm>
+        </p:grpSpPr>
+        <p:pic>
+          <p:nvPicPr>
+            <p:cNvPr id="8" name="圖片 7"/>
+            <p:cNvPicPr>
+              <a:picLocks noChangeAspect="1"/>
+            </p:cNvPicPr>
+            <p:nvPr/>
+          </p:nvPicPr>
+          <p:blipFill>
+            <a:blip r:embed="rId4">
+              <a:extLst>
+                <a:ext uri="{28A0092B-C50C-407E-A947-70E740481C1C}">
+                  <a14:useLocalDpi xmlns:a14="http://schemas.microsoft.com/office/drawing/2010/main" val="0"/>
+                </a:ext>
+              </a:extLst>
+            </a:blip>
+            <a:stretch>
+              <a:fillRect/>
+            </a:stretch>
+          </p:blipFill>
+          <p:spPr>
+            <a:xfrm>
+              <a:off x="1241656" y="1579980"/>
+              <a:ext cx="1156879" cy="1287657"/>
+            </a:xfrm>
+            <a:prstGeom prst="rect">
+              <a:avLst/>
+            </a:prstGeom>
+          </p:spPr>
+        </p:pic>
+        <p:sp>
+          <p:nvSpPr>
+            <p:cNvPr id="9" name="文字方塊 8"/>
+            <p:cNvSpPr txBox="1"/>
+            <p:nvPr/>
+          </p:nvSpPr>
+          <p:spPr>
+            <a:xfrm>
+              <a:off x="572186" y="2867636"/>
+              <a:ext cx="2483866" cy="570486"/>
+            </a:xfrm>
+            <a:prstGeom prst="rect">
+              <a:avLst/>
+            </a:prstGeom>
+            <a:noFill/>
+          </p:spPr>
+          <p:txBody>
+            <a:bodyPr wrap="square" rtlCol="0">
+              <a:spAutoFit/>
+            </a:bodyPr>
+            <a:lstStyle/>
+            <a:p>
+              <a:pPr algn="ctr"/>
+              <a:r>
+                <a:rPr lang="en-US" altLang="zh-TW" dirty="0" smtClean="0"/>
+                <a:t>blog.johnwu.cc</a:t>
+              </a:r>
+              <a:endParaRPr lang="zh-TW" altLang="en-US" dirty="0"/>
+            </a:p>
+          </p:txBody>
+        </p:sp>
+      </p:grpSp>
+      <p:grpSp>
+        <p:nvGrpSpPr>
+          <p:cNvPr id="14" name="群組 13"/>
+          <p:cNvGrpSpPr/>
+          <p:nvPr/>
+        </p:nvGrpSpPr>
+        <p:grpSpPr>
+          <a:xfrm>
+            <a:off x="3759648" y="1609356"/>
+            <a:ext cx="1615132" cy="1209807"/>
+            <a:chOff x="628844" y="1579980"/>
+            <a:chExt cx="2393088" cy="1868720"/>
+          </a:xfrm>
+        </p:grpSpPr>
+        <p:pic>
+          <p:nvPicPr>
+            <p:cNvPr id="15" name="圖片 14"/>
+            <p:cNvPicPr>
+              <a:picLocks noChangeAspect="1"/>
+            </p:cNvPicPr>
+            <p:nvPr/>
+          </p:nvPicPr>
+          <p:blipFill>
+            <a:blip r:embed="rId4">
+              <a:extLst>
+                <a:ext uri="{28A0092B-C50C-407E-A947-70E740481C1C}">
+                  <a14:useLocalDpi xmlns:a14="http://schemas.microsoft.com/office/drawing/2010/main" val="0"/>
+                </a:ext>
+              </a:extLst>
+            </a:blip>
+            <a:stretch>
+              <a:fillRect/>
+            </a:stretch>
+          </p:blipFill>
+          <p:spPr>
+            <a:xfrm>
+              <a:off x="1241656" y="1579980"/>
+              <a:ext cx="1156879" cy="1287657"/>
+            </a:xfrm>
+            <a:prstGeom prst="rect">
+              <a:avLst/>
+            </a:prstGeom>
+          </p:spPr>
+        </p:pic>
+        <p:sp>
+          <p:nvSpPr>
+            <p:cNvPr id="16" name="文字方塊 15"/>
+            <p:cNvSpPr txBox="1"/>
+            <p:nvPr/>
+          </p:nvSpPr>
+          <p:spPr>
+            <a:xfrm>
+              <a:off x="628844" y="2878214"/>
+              <a:ext cx="2393088" cy="570486"/>
+            </a:xfrm>
+            <a:prstGeom prst="rect">
+              <a:avLst/>
+            </a:prstGeom>
+            <a:noFill/>
+          </p:spPr>
+          <p:txBody>
+            <a:bodyPr wrap="square" rtlCol="0">
+              <a:spAutoFit/>
+            </a:bodyPr>
+            <a:lstStyle/>
+            <a:p>
+              <a:pPr algn="ctr"/>
+              <a:r>
+                <a:rPr lang="en-US" altLang="zh-TW" dirty="0" smtClean="0"/>
+                <a:t>api.johnwu.cc</a:t>
+              </a:r>
+              <a:endParaRPr lang="zh-TW" altLang="en-US" dirty="0"/>
+            </a:p>
+          </p:txBody>
+        </p:sp>
+      </p:grpSp>
+      <p:pic>
+        <p:nvPicPr>
+          <p:cNvPr id="2" name="圖片 1"/>
+          <p:cNvPicPr>
+            <a:picLocks noChangeAspect="1"/>
+          </p:cNvPicPr>
+          <p:nvPr/>
+        </p:nvPicPr>
+        <p:blipFill>
+          <a:blip r:embed="rId5">
+            <a:extLst>
+              <a:ext uri="{28A0092B-C50C-407E-A947-70E740481C1C}">
+                <a14:useLocalDpi xmlns:a14="http://schemas.microsoft.com/office/drawing/2010/main" val="0"/>
+              </a:ext>
+            </a:extLst>
+          </a:blip>
+          <a:stretch>
+            <a:fillRect/>
+          </a:stretch>
+        </p:blipFill>
+        <p:spPr>
+          <a:xfrm>
+            <a:off x="1074009" y="547344"/>
+            <a:ext cx="557420" cy="720000"/>
+          </a:xfrm>
+          <a:prstGeom prst="rect">
+            <a:avLst/>
+          </a:prstGeom>
+        </p:spPr>
+      </p:pic>
+      <p:cxnSp>
+        <p:nvCxnSpPr>
+          <p:cNvPr id="4" name="直線單箭頭接點 3"/>
+          <p:cNvCxnSpPr>
+            <a:stCxn id="8" idx="1"/>
+            <a:endCxn id="2" idx="3"/>
+          </p:cNvCxnSpPr>
+          <p:nvPr/>
+        </p:nvCxnSpPr>
+        <p:spPr>
+          <a:xfrm flipH="1">
+            <a:off x="1631429" y="596565"/>
+            <a:ext cx="2549421" cy="310779"/>
+          </a:xfrm>
+          <a:prstGeom prst="straightConnector1">
+            <a:avLst/>
+          </a:prstGeom>
+          <a:ln w="38100">
+            <a:solidFill>
+              <a:srgbClr val="00B050"/>
+            </a:solidFill>
+            <a:tailEnd type="triangle"/>
+          </a:ln>
+        </p:spPr>
+        <p:style>
+          <a:lnRef idx="1">
+            <a:schemeClr val="accent1"/>
+          </a:lnRef>
+          <a:fillRef idx="0">
+            <a:schemeClr val="accent1"/>
+          </a:fillRef>
+          <a:effectRef idx="0">
+            <a:schemeClr val="accent1"/>
+          </a:effectRef>
+          <a:fontRef idx="minor">
+            <a:schemeClr val="tx1"/>
+          </a:fontRef>
+        </p:style>
+      </p:cxnSp>
+      <p:sp>
+        <p:nvSpPr>
+          <p:cNvPr id="41" name="橢圓 40"/>
+          <p:cNvSpPr/>
+          <p:nvPr/>
+        </p:nvSpPr>
+        <p:spPr>
+          <a:xfrm>
+            <a:off x="1779157" y="547344"/>
+            <a:ext cx="213212" cy="213212"/>
+          </a:xfrm>
+          <a:prstGeom prst="ellipse">
+            <a:avLst/>
+          </a:prstGeom>
+        </p:spPr>
+        <p:style>
+          <a:lnRef idx="0">
+            <a:schemeClr val="accent2"/>
+          </a:lnRef>
+          <a:fillRef idx="3">
+            <a:schemeClr val="accent2"/>
+          </a:fillRef>
+          <a:effectRef idx="3">
+            <a:schemeClr val="accent2"/>
+          </a:effectRef>
+          <a:fontRef idx="minor">
+            <a:schemeClr val="lt1"/>
+          </a:fontRef>
+        </p:style>
+        <p:txBody>
+          <a:bodyPr rtlCol="0" anchor="ctr"/>
+          <a:lstStyle/>
+          <a:p>
+            <a:pPr algn="ctr"/>
+            <a:r>
+              <a:rPr lang="en-US" altLang="zh-TW" sz="1200" b="1" dirty="0" smtClean="0">
+                <a:ea typeface="微軟正黑體" panose="020B0604030504040204" pitchFamily="34" charset="-120"/>
+              </a:rPr>
+              <a:t>1</a:t>
+            </a:r>
+            <a:endParaRPr lang="zh-TW" altLang="en-US" sz="1200" b="1" dirty="0">
+              <a:ea typeface="微軟正黑體" panose="020B0604030504040204" pitchFamily="34" charset="-120"/>
+            </a:endParaRPr>
+          </a:p>
+        </p:txBody>
+      </p:sp>
+      <p:cxnSp>
+        <p:nvCxnSpPr>
+          <p:cNvPr id="47" name="直線單箭頭接點 46"/>
+          <p:cNvCxnSpPr>
+            <a:stCxn id="2" idx="2"/>
+            <a:endCxn id="15" idx="1"/>
+          </p:cNvCxnSpPr>
+          <p:nvPr/>
+        </p:nvCxnSpPr>
+        <p:spPr>
+          <a:xfrm>
+            <a:off x="1352719" y="1267344"/>
+            <a:ext cx="2820525" cy="758826"/>
+          </a:xfrm>
+          <a:prstGeom prst="straightConnector1">
+            <a:avLst/>
+          </a:prstGeom>
+          <a:ln w="38100">
+            <a:solidFill>
+              <a:srgbClr val="00B050"/>
+            </a:solidFill>
+            <a:tailEnd type="triangle"/>
+          </a:ln>
+        </p:spPr>
+        <p:style>
+          <a:lnRef idx="1">
+            <a:schemeClr val="accent1"/>
+          </a:lnRef>
+          <a:fillRef idx="0">
+            <a:schemeClr val="accent1"/>
+          </a:fillRef>
+          <a:effectRef idx="0">
+            <a:schemeClr val="accent1"/>
+          </a:effectRef>
+          <a:fontRef idx="minor">
+            <a:schemeClr val="tx1"/>
+          </a:fontRef>
+        </p:style>
+      </p:cxnSp>
+      <p:sp>
+        <p:nvSpPr>
+          <p:cNvPr id="13" name="文字方塊 12"/>
+          <p:cNvSpPr txBox="1"/>
+          <p:nvPr/>
+        </p:nvSpPr>
+        <p:spPr>
+          <a:xfrm>
+            <a:off x="2394155" y="1886051"/>
+            <a:ext cx="1199239" cy="584775"/>
+          </a:xfrm>
+          <a:prstGeom prst="rect">
+            <a:avLst/>
+          </a:prstGeom>
+          <a:noFill/>
+        </p:spPr>
+        <p:txBody>
+          <a:bodyPr wrap="none" rtlCol="0">
+            <a:spAutoFit/>
+          </a:bodyPr>
+          <a:lstStyle/>
+          <a:p>
+            <a:pPr algn="ctr"/>
+            <a:r>
+              <a:rPr lang="en-US" altLang="zh-TW" sz="1600" dirty="0" smtClean="0"/>
+              <a:t>Cross-Origin</a:t>
+            </a:r>
+          </a:p>
+          <a:p>
+            <a:pPr algn="ctr"/>
+            <a:r>
+              <a:rPr lang="en-US" altLang="zh-TW" sz="1600" dirty="0" smtClean="0"/>
+              <a:t>Request</a:t>
+            </a:r>
+            <a:endParaRPr lang="zh-TW" altLang="en-US" sz="1600" dirty="0"/>
+          </a:p>
+        </p:txBody>
+      </p:sp>
+      <p:pic>
+        <p:nvPicPr>
+          <p:cNvPr id="30" name="圖片 29"/>
+          <p:cNvPicPr>
+            <a:picLocks noChangeAspect="1"/>
+          </p:cNvPicPr>
+          <p:nvPr/>
+        </p:nvPicPr>
+        <p:blipFill>
+          <a:blip r:embed="rId6">
+            <a:extLst>
+              <a:ext uri="{28A0092B-C50C-407E-A947-70E740481C1C}">
+                <a14:useLocalDpi xmlns:a14="http://schemas.microsoft.com/office/drawing/2010/main" val="0"/>
+              </a:ext>
+            </a:extLst>
+          </a:blip>
+          <a:stretch>
+            <a:fillRect/>
+          </a:stretch>
+        </p:blipFill>
+        <p:spPr>
+          <a:xfrm>
+            <a:off x="2706503" y="1418127"/>
+            <a:ext cx="574545" cy="574545"/>
+          </a:xfrm>
+          <a:prstGeom prst="rect">
+            <a:avLst/>
+          </a:prstGeom>
+        </p:spPr>
+      </p:pic>
+      <p:sp>
+        <p:nvSpPr>
+          <p:cNvPr id="42" name="橢圓 41"/>
+          <p:cNvSpPr/>
+          <p:nvPr/>
+        </p:nvSpPr>
+        <p:spPr>
+          <a:xfrm>
+            <a:off x="1779157" y="1557306"/>
+            <a:ext cx="213212" cy="213212"/>
+          </a:xfrm>
+          <a:prstGeom prst="ellipse">
+            <a:avLst/>
+          </a:prstGeom>
+        </p:spPr>
+        <p:style>
+          <a:lnRef idx="0">
+            <a:schemeClr val="accent2"/>
+          </a:lnRef>
+          <a:fillRef idx="3">
+            <a:schemeClr val="accent2"/>
+          </a:fillRef>
+          <a:effectRef idx="3">
+            <a:schemeClr val="accent2"/>
+          </a:effectRef>
+          <a:fontRef idx="minor">
+            <a:schemeClr val="lt1"/>
+          </a:fontRef>
+        </p:style>
+        <p:txBody>
+          <a:bodyPr rtlCol="0" anchor="ctr"/>
+          <a:lstStyle/>
+          <a:p>
+            <a:pPr algn="ctr"/>
+            <a:r>
+              <a:rPr lang="en-US" altLang="zh-TW" sz="1200" b="1" dirty="0" smtClean="0">
+                <a:ea typeface="微軟正黑體" panose="020B0604030504040204" pitchFamily="34" charset="-120"/>
+              </a:rPr>
+              <a:t>2</a:t>
+            </a:r>
+            <a:endParaRPr lang="zh-TW" altLang="en-US" sz="1200" b="1" dirty="0">
+              <a:ea typeface="微軟正黑體" panose="020B0604030504040204" pitchFamily="34" charset="-120"/>
+            </a:endParaRPr>
+          </a:p>
+        </p:txBody>
+      </p:sp>
+      <p:pic>
+        <p:nvPicPr>
+          <p:cNvPr id="51" name="圖片 50"/>
+          <p:cNvPicPr>
+            <a:picLocks noChangeAspect="1"/>
+          </p:cNvPicPr>
+          <p:nvPr/>
+        </p:nvPicPr>
+        <p:blipFill>
+          <a:blip r:embed="rId7" cstate="print">
+            <a:extLst>
+              <a:ext uri="{28A0092B-C50C-407E-A947-70E740481C1C}">
+                <a14:useLocalDpi xmlns:a14="http://schemas.microsoft.com/office/drawing/2010/main" val="0"/>
+              </a:ext>
+            </a:extLst>
+          </a:blip>
+          <a:stretch>
+            <a:fillRect/>
+          </a:stretch>
+        </p:blipFill>
+        <p:spPr>
+          <a:xfrm>
+            <a:off x="1487419" y="1138173"/>
+            <a:ext cx="443957" cy="443957"/>
+          </a:xfrm>
+          <a:prstGeom prst="rect">
+            <a:avLst/>
+          </a:prstGeom>
+        </p:spPr>
+      </p:pic>
+      <p:grpSp>
+        <p:nvGrpSpPr>
+          <p:cNvPr id="52" name="群組 51"/>
+          <p:cNvGrpSpPr/>
+          <p:nvPr/>
+        </p:nvGrpSpPr>
+        <p:grpSpPr>
+          <a:xfrm>
+            <a:off x="636158" y="4151740"/>
+            <a:ext cx="1142999" cy="1035570"/>
+            <a:chOff x="1066801" y="2626549"/>
+            <a:chExt cx="1695654" cy="1536281"/>
+          </a:xfrm>
+        </p:grpSpPr>
+        <p:sp>
+          <p:nvSpPr>
+            <p:cNvPr id="53" name="矩形 52"/>
+            <p:cNvSpPr/>
+            <p:nvPr/>
+          </p:nvSpPr>
+          <p:spPr>
+            <a:xfrm>
+              <a:off x="1155598" y="2628700"/>
+              <a:ext cx="1511402" cy="1164798"/>
+            </a:xfrm>
+            <a:prstGeom prst="rect">
+              <a:avLst/>
+            </a:prstGeom>
+            <a:solidFill>
+              <a:schemeClr val="bg1"/>
+            </a:solidFill>
+            <a:ln>
+              <a:noFill/>
+            </a:ln>
+          </p:spPr>
+          <p:style>
+            <a:lnRef idx="2">
+              <a:schemeClr val="accent1">
+                <a:shade val="50000"/>
+              </a:schemeClr>
+            </a:lnRef>
+            <a:fillRef idx="1">
+              <a:schemeClr val="accent1"/>
+            </a:fillRef>
+            <a:effectRef idx="0">
+              <a:schemeClr val="accent1"/>
+            </a:effectRef>
+            <a:fontRef idx="minor">
+              <a:schemeClr val="lt1"/>
+            </a:fontRef>
+          </p:style>
+          <p:txBody>
+            <a:bodyPr rtlCol="0" anchor="ctr"/>
+            <a:lstStyle/>
+            <a:p>
+              <a:pPr algn="ctr"/>
+              <a:endParaRPr lang="zh-TW" altLang="en-US"/>
+            </a:p>
+          </p:txBody>
+        </p:sp>
+        <p:grpSp>
+          <p:nvGrpSpPr>
+            <p:cNvPr id="54" name="群組 53"/>
+            <p:cNvGrpSpPr/>
+            <p:nvPr/>
+          </p:nvGrpSpPr>
+          <p:grpSpPr>
+            <a:xfrm>
+              <a:off x="1066801" y="2626549"/>
+              <a:ext cx="1695654" cy="1536281"/>
+              <a:chOff x="1141123" y="4728754"/>
+              <a:chExt cx="1695654" cy="1536281"/>
+            </a:xfrm>
+          </p:grpSpPr>
+          <p:pic>
+            <p:nvPicPr>
+              <p:cNvPr id="55" name="圖片 54"/>
+              <p:cNvPicPr>
+                <a:picLocks noChangeAspect="1"/>
+              </p:cNvPicPr>
+              <p:nvPr/>
+            </p:nvPicPr>
+            <p:blipFill>
+              <a:blip r:embed="rId2">
+                <a:extLst>
+                  <a:ext uri="{28A0092B-C50C-407E-A947-70E740481C1C}">
+                    <a14:useLocalDpi xmlns:a14="http://schemas.microsoft.com/office/drawing/2010/main" val="0"/>
+                  </a:ext>
+                </a:extLst>
+              </a:blip>
+              <a:stretch>
+                <a:fillRect/>
+              </a:stretch>
+            </p:blipFill>
+            <p:spPr>
+              <a:xfrm>
+                <a:off x="1541239" y="4974575"/>
+                <a:ext cx="895422" cy="895422"/>
+              </a:xfrm>
+              <a:prstGeom prst="rect">
+                <a:avLst/>
+              </a:prstGeom>
+            </p:spPr>
+          </p:pic>
+          <p:pic>
+            <p:nvPicPr>
+              <p:cNvPr id="56" name="圖片 55"/>
+              <p:cNvPicPr>
+                <a:picLocks noChangeAspect="1"/>
+              </p:cNvPicPr>
+              <p:nvPr/>
+            </p:nvPicPr>
+            <p:blipFill rotWithShape="1">
+              <a:blip r:embed="rId3">
+                <a:extLst>
+                  <a:ext uri="{28A0092B-C50C-407E-A947-70E740481C1C}">
+                    <a14:useLocalDpi xmlns:a14="http://schemas.microsoft.com/office/drawing/2010/main" val="0"/>
+                  </a:ext>
+                </a:extLst>
+              </a:blip>
+              <a:srcRect l="4494" t="15772" r="5630" b="15407"/>
+              <a:stretch/>
+            </p:blipFill>
+            <p:spPr>
+              <a:xfrm>
+                <a:off x="1217321" y="4728754"/>
+                <a:ext cx="1524001" cy="1166949"/>
+              </a:xfrm>
+              <a:prstGeom prst="rect">
+                <a:avLst/>
+              </a:prstGeom>
+            </p:spPr>
+          </p:pic>
+          <p:sp>
+            <p:nvSpPr>
+              <p:cNvPr id="57" name="文字方塊 56"/>
+              <p:cNvSpPr txBox="1"/>
+              <p:nvPr/>
+            </p:nvSpPr>
+            <p:spPr>
+              <a:xfrm>
+                <a:off x="1141123" y="5895703"/>
+                <a:ext cx="1695654" cy="369332"/>
+              </a:xfrm>
+              <a:prstGeom prst="rect">
+                <a:avLst/>
+              </a:prstGeom>
+              <a:noFill/>
+            </p:spPr>
+            <p:txBody>
+              <a:bodyPr wrap="square" rtlCol="0">
+                <a:spAutoFit/>
+              </a:bodyPr>
+              <a:lstStyle/>
+              <a:p>
+                <a:pPr algn="ctr"/>
+                <a:r>
+                  <a:rPr lang="en-US" altLang="zh-TW" dirty="0" smtClean="0"/>
+                  <a:t>User</a:t>
+                </a:r>
+                <a:endParaRPr lang="zh-TW" altLang="en-US" dirty="0"/>
+              </a:p>
+            </p:txBody>
+          </p:sp>
+        </p:grpSp>
+      </p:grpSp>
+      <p:grpSp>
+        <p:nvGrpSpPr>
+          <p:cNvPr id="58" name="群組 57"/>
+          <p:cNvGrpSpPr/>
+          <p:nvPr/>
+        </p:nvGrpSpPr>
+        <p:grpSpPr>
+          <a:xfrm>
+            <a:off x="3755572" y="3340891"/>
+            <a:ext cx="1676400" cy="1202959"/>
+            <a:chOff x="572186" y="1579980"/>
+            <a:chExt cx="2483866" cy="1858142"/>
+          </a:xfrm>
+        </p:grpSpPr>
+        <p:pic>
+          <p:nvPicPr>
+            <p:cNvPr id="59" name="圖片 58"/>
+            <p:cNvPicPr>
+              <a:picLocks noChangeAspect="1"/>
+            </p:cNvPicPr>
+            <p:nvPr/>
+          </p:nvPicPr>
+          <p:blipFill>
+            <a:blip r:embed="rId4">
+              <a:extLst>
+                <a:ext uri="{28A0092B-C50C-407E-A947-70E740481C1C}">
+                  <a14:useLocalDpi xmlns:a14="http://schemas.microsoft.com/office/drawing/2010/main" val="0"/>
+                </a:ext>
+              </a:extLst>
+            </a:blip>
+            <a:stretch>
+              <a:fillRect/>
+            </a:stretch>
+          </p:blipFill>
+          <p:spPr>
+            <a:xfrm>
+              <a:off x="1241656" y="1579980"/>
+              <a:ext cx="1156879" cy="1287657"/>
+            </a:xfrm>
+            <a:prstGeom prst="rect">
+              <a:avLst/>
+            </a:prstGeom>
+          </p:spPr>
+        </p:pic>
+        <p:sp>
+          <p:nvSpPr>
+            <p:cNvPr id="60" name="文字方塊 59"/>
+            <p:cNvSpPr txBox="1"/>
+            <p:nvPr/>
+          </p:nvSpPr>
+          <p:spPr>
+            <a:xfrm>
+              <a:off x="572186" y="2867636"/>
+              <a:ext cx="2483866" cy="570486"/>
+            </a:xfrm>
+            <a:prstGeom prst="rect">
+              <a:avLst/>
+            </a:prstGeom>
+            <a:noFill/>
+          </p:spPr>
+          <p:txBody>
+            <a:bodyPr wrap="square" rtlCol="0">
+              <a:spAutoFit/>
+            </a:bodyPr>
+            <a:lstStyle/>
+            <a:p>
+              <a:pPr algn="ctr"/>
+              <a:r>
+                <a:rPr lang="en-US" altLang="zh-TW" dirty="0" smtClean="0"/>
+                <a:t>blog.johnwu.cc</a:t>
+              </a:r>
+              <a:endParaRPr lang="zh-TW" altLang="en-US" dirty="0"/>
+            </a:p>
+          </p:txBody>
+        </p:sp>
+      </p:grpSp>
+      <p:grpSp>
+        <p:nvGrpSpPr>
+          <p:cNvPr id="61" name="群組 60"/>
+          <p:cNvGrpSpPr/>
+          <p:nvPr/>
+        </p:nvGrpSpPr>
+        <p:grpSpPr>
+          <a:xfrm>
+            <a:off x="3786206" y="4770496"/>
+            <a:ext cx="1615132" cy="1209807"/>
+            <a:chOff x="628844" y="1579980"/>
+            <a:chExt cx="2393088" cy="1868720"/>
+          </a:xfrm>
+        </p:grpSpPr>
+        <p:pic>
+          <p:nvPicPr>
+            <p:cNvPr id="62" name="圖片 61"/>
+            <p:cNvPicPr>
+              <a:picLocks noChangeAspect="1"/>
+            </p:cNvPicPr>
+            <p:nvPr/>
+          </p:nvPicPr>
+          <p:blipFill>
+            <a:blip r:embed="rId4">
+              <a:extLst>
+                <a:ext uri="{28A0092B-C50C-407E-A947-70E740481C1C}">
+                  <a14:useLocalDpi xmlns:a14="http://schemas.microsoft.com/office/drawing/2010/main" val="0"/>
+                </a:ext>
+              </a:extLst>
+            </a:blip>
+            <a:stretch>
+              <a:fillRect/>
+            </a:stretch>
+          </p:blipFill>
+          <p:spPr>
+            <a:xfrm>
+              <a:off x="1241656" y="1579980"/>
+              <a:ext cx="1156879" cy="1287657"/>
+            </a:xfrm>
+            <a:prstGeom prst="rect">
+              <a:avLst/>
+            </a:prstGeom>
+          </p:spPr>
+        </p:pic>
+        <p:sp>
+          <p:nvSpPr>
+            <p:cNvPr id="63" name="文字方塊 62"/>
+            <p:cNvSpPr txBox="1"/>
+            <p:nvPr/>
+          </p:nvSpPr>
+          <p:spPr>
+            <a:xfrm>
+              <a:off x="628844" y="2878214"/>
+              <a:ext cx="2393088" cy="570486"/>
+            </a:xfrm>
+            <a:prstGeom prst="rect">
+              <a:avLst/>
+            </a:prstGeom>
+            <a:noFill/>
+          </p:spPr>
+          <p:txBody>
+            <a:bodyPr wrap="square" rtlCol="0">
+              <a:spAutoFit/>
+            </a:bodyPr>
+            <a:lstStyle/>
+            <a:p>
+              <a:pPr algn="ctr"/>
+              <a:r>
+                <a:rPr lang="en-US" altLang="zh-TW" dirty="0" smtClean="0"/>
+                <a:t>api.johnwu.cc</a:t>
+              </a:r>
+              <a:endParaRPr lang="zh-TW" altLang="en-US" dirty="0"/>
+            </a:p>
+          </p:txBody>
+        </p:sp>
+      </p:grpSp>
+      <p:cxnSp>
+        <p:nvCxnSpPr>
+          <p:cNvPr id="65" name="直線單箭頭接點 64"/>
+          <p:cNvCxnSpPr>
+            <a:stCxn id="59" idx="1"/>
+            <a:endCxn id="64" idx="3"/>
+          </p:cNvCxnSpPr>
+          <p:nvPr/>
+        </p:nvCxnSpPr>
+        <p:spPr>
+          <a:xfrm flipH="1">
+            <a:off x="1657987" y="3757705"/>
+            <a:ext cx="2549421" cy="310779"/>
+          </a:xfrm>
+          <a:prstGeom prst="straightConnector1">
+            <a:avLst/>
+          </a:prstGeom>
+          <a:ln w="38100">
+            <a:solidFill>
+              <a:srgbClr val="00B050"/>
+            </a:solidFill>
+            <a:tailEnd type="triangle"/>
+          </a:ln>
+        </p:spPr>
+        <p:style>
+          <a:lnRef idx="1">
+            <a:schemeClr val="accent1"/>
+          </a:lnRef>
+          <a:fillRef idx="0">
+            <a:schemeClr val="accent1"/>
+          </a:fillRef>
+          <a:effectRef idx="0">
+            <a:schemeClr val="accent1"/>
+          </a:effectRef>
+          <a:fontRef idx="minor">
+            <a:schemeClr val="tx1"/>
+          </a:fontRef>
+        </p:style>
+      </p:cxnSp>
+      <p:sp>
+        <p:nvSpPr>
+          <p:cNvPr id="66" name="橢圓 65"/>
+          <p:cNvSpPr/>
+          <p:nvPr/>
+        </p:nvSpPr>
+        <p:spPr>
+          <a:xfrm>
+            <a:off x="1805715" y="3708484"/>
+            <a:ext cx="213212" cy="213212"/>
+          </a:xfrm>
+          <a:prstGeom prst="ellipse">
+            <a:avLst/>
+          </a:prstGeom>
+        </p:spPr>
+        <p:style>
+          <a:lnRef idx="0">
+            <a:schemeClr val="accent2"/>
+          </a:lnRef>
+          <a:fillRef idx="3">
+            <a:schemeClr val="accent2"/>
+          </a:fillRef>
+          <a:effectRef idx="3">
+            <a:schemeClr val="accent2"/>
+          </a:effectRef>
+          <a:fontRef idx="minor">
+            <a:schemeClr val="lt1"/>
+          </a:fontRef>
+        </p:style>
+        <p:txBody>
+          <a:bodyPr rtlCol="0" anchor="ctr"/>
+          <a:lstStyle/>
+          <a:p>
+            <a:pPr algn="ctr"/>
+            <a:r>
+              <a:rPr lang="en-US" altLang="zh-TW" sz="1200" b="1" dirty="0" smtClean="0">
+                <a:ea typeface="微軟正黑體" panose="020B0604030504040204" pitchFamily="34" charset="-120"/>
+              </a:rPr>
+              <a:t>1</a:t>
+            </a:r>
+            <a:endParaRPr lang="zh-TW" altLang="en-US" sz="1200" b="1" dirty="0">
+              <a:ea typeface="微軟正黑體" panose="020B0604030504040204" pitchFamily="34" charset="-120"/>
+            </a:endParaRPr>
+          </a:p>
+        </p:txBody>
+      </p:sp>
+      <p:cxnSp>
+        <p:nvCxnSpPr>
+          <p:cNvPr id="67" name="直線單箭頭接點 66"/>
+          <p:cNvCxnSpPr/>
+          <p:nvPr/>
+        </p:nvCxnSpPr>
+        <p:spPr>
+          <a:xfrm>
+            <a:off x="1714813" y="4356979"/>
+            <a:ext cx="2484989" cy="642264"/>
+          </a:xfrm>
+          <a:prstGeom prst="straightConnector1">
+            <a:avLst/>
+          </a:prstGeom>
+          <a:ln w="38100">
+            <a:solidFill>
+              <a:schemeClr val="accent4">
+                <a:lumMod val="60000"/>
+                <a:lumOff val="40000"/>
+              </a:schemeClr>
+            </a:solidFill>
+            <a:tailEnd type="triangle"/>
+          </a:ln>
+        </p:spPr>
+        <p:style>
+          <a:lnRef idx="1">
+            <a:schemeClr val="accent1"/>
+          </a:lnRef>
+          <a:fillRef idx="0">
+            <a:schemeClr val="accent1"/>
+          </a:fillRef>
+          <a:effectRef idx="0">
+            <a:schemeClr val="accent1"/>
+          </a:effectRef>
+          <a:fontRef idx="minor">
+            <a:schemeClr val="tx1"/>
+          </a:fontRef>
+        </p:style>
+      </p:cxnSp>
+      <p:sp>
+        <p:nvSpPr>
+          <p:cNvPr id="68" name="文字方塊 67"/>
+          <p:cNvSpPr txBox="1"/>
+          <p:nvPr/>
+        </p:nvSpPr>
+        <p:spPr>
+          <a:xfrm>
+            <a:off x="1946709" y="4191000"/>
+            <a:ext cx="1729110" cy="307777"/>
+          </a:xfrm>
+          <a:prstGeom prst="rect">
+            <a:avLst/>
+          </a:prstGeom>
+          <a:noFill/>
+        </p:spPr>
+        <p:txBody>
+          <a:bodyPr wrap="square" rtlCol="0">
+            <a:spAutoFit/>
+          </a:bodyPr>
+          <a:lstStyle/>
+          <a:p>
+            <a:pPr algn="ctr"/>
+            <a:r>
+              <a:rPr lang="en-US" altLang="zh-TW" sz="1400" dirty="0" smtClean="0"/>
+              <a:t>Preflight Request</a:t>
+            </a:r>
+            <a:endParaRPr lang="zh-TW" altLang="en-US" sz="1400" dirty="0"/>
+          </a:p>
+        </p:txBody>
+      </p:sp>
+      <p:sp>
+        <p:nvSpPr>
+          <p:cNvPr id="70" name="橢圓 69"/>
+          <p:cNvSpPr/>
+          <p:nvPr/>
+        </p:nvSpPr>
+        <p:spPr>
+          <a:xfrm>
+            <a:off x="1931376" y="4187560"/>
+            <a:ext cx="213212" cy="213212"/>
+          </a:xfrm>
+          <a:prstGeom prst="ellipse">
+            <a:avLst/>
+          </a:prstGeom>
+        </p:spPr>
+        <p:style>
+          <a:lnRef idx="0">
+            <a:schemeClr val="accent2"/>
+          </a:lnRef>
+          <a:fillRef idx="3">
+            <a:schemeClr val="accent2"/>
+          </a:fillRef>
+          <a:effectRef idx="3">
+            <a:schemeClr val="accent2"/>
+          </a:effectRef>
+          <a:fontRef idx="minor">
+            <a:schemeClr val="lt1"/>
+          </a:fontRef>
+        </p:style>
+        <p:txBody>
+          <a:bodyPr rtlCol="0" anchor="ctr"/>
+          <a:lstStyle/>
+          <a:p>
+            <a:pPr algn="ctr"/>
+            <a:r>
+              <a:rPr lang="en-US" altLang="zh-TW" sz="1200" b="1" dirty="0" smtClean="0">
+                <a:ea typeface="微軟正黑體" panose="020B0604030504040204" pitchFamily="34" charset="-120"/>
+              </a:rPr>
+              <a:t>2</a:t>
+            </a:r>
+            <a:endParaRPr lang="zh-TW" altLang="en-US" sz="1200" b="1" dirty="0">
+              <a:ea typeface="微軟正黑體" panose="020B0604030504040204" pitchFamily="34" charset="-120"/>
+            </a:endParaRPr>
+          </a:p>
+        </p:txBody>
+      </p:sp>
+      <p:cxnSp>
+        <p:nvCxnSpPr>
+          <p:cNvPr id="74" name="直線單箭頭接點 73"/>
+          <p:cNvCxnSpPr/>
+          <p:nvPr/>
+        </p:nvCxnSpPr>
+        <p:spPr>
+          <a:xfrm flipH="1" flipV="1">
+            <a:off x="1714813" y="4477440"/>
+            <a:ext cx="2484989" cy="641539"/>
+          </a:xfrm>
+          <a:prstGeom prst="straightConnector1">
+            <a:avLst/>
+          </a:prstGeom>
+          <a:ln w="38100">
+            <a:solidFill>
+              <a:schemeClr val="accent4">
+                <a:lumMod val="60000"/>
+                <a:lumOff val="40000"/>
+              </a:schemeClr>
+            </a:solidFill>
+            <a:tailEnd type="triangle"/>
+          </a:ln>
+        </p:spPr>
+        <p:style>
+          <a:lnRef idx="1">
+            <a:schemeClr val="accent1"/>
+          </a:lnRef>
+          <a:fillRef idx="0">
+            <a:schemeClr val="accent1"/>
+          </a:fillRef>
+          <a:effectRef idx="0">
+            <a:schemeClr val="accent1"/>
+          </a:effectRef>
+          <a:fontRef idx="minor">
+            <a:schemeClr val="tx1"/>
+          </a:fontRef>
+        </p:style>
+      </p:cxnSp>
+      <p:sp>
+        <p:nvSpPr>
+          <p:cNvPr id="78" name="文字方塊 77"/>
+          <p:cNvSpPr txBox="1"/>
+          <p:nvPr/>
+        </p:nvSpPr>
+        <p:spPr>
+          <a:xfrm>
+            <a:off x="3419007" y="4954857"/>
+            <a:ext cx="594329" cy="307777"/>
+          </a:xfrm>
+          <a:prstGeom prst="rect">
+            <a:avLst/>
+          </a:prstGeom>
+          <a:noFill/>
+        </p:spPr>
+        <p:txBody>
+          <a:bodyPr wrap="none" rtlCol="0">
+            <a:spAutoFit/>
+          </a:bodyPr>
+          <a:lstStyle/>
+          <a:p>
+            <a:pPr algn="ctr"/>
+            <a:r>
+              <a:rPr lang="en-US" altLang="zh-TW" sz="1400" dirty="0" smtClean="0"/>
+              <a:t>Allow</a:t>
+            </a:r>
+            <a:endParaRPr lang="zh-TW" altLang="en-US" sz="1400" dirty="0"/>
+          </a:p>
+        </p:txBody>
+      </p:sp>
+      <p:sp>
+        <p:nvSpPr>
+          <p:cNvPr id="79" name="橢圓 78"/>
+          <p:cNvSpPr/>
+          <p:nvPr/>
+        </p:nvSpPr>
+        <p:spPr>
+          <a:xfrm>
+            <a:off x="3258982" y="4950555"/>
+            <a:ext cx="213212" cy="213212"/>
+          </a:xfrm>
+          <a:prstGeom prst="ellipse">
+            <a:avLst/>
+          </a:prstGeom>
+        </p:spPr>
+        <p:style>
+          <a:lnRef idx="0">
+            <a:schemeClr val="accent2"/>
+          </a:lnRef>
+          <a:fillRef idx="3">
+            <a:schemeClr val="accent2"/>
+          </a:fillRef>
+          <a:effectRef idx="3">
+            <a:schemeClr val="accent2"/>
+          </a:effectRef>
+          <a:fontRef idx="minor">
+            <a:schemeClr val="lt1"/>
+          </a:fontRef>
+        </p:style>
+        <p:txBody>
+          <a:bodyPr rtlCol="0" anchor="ctr"/>
+          <a:lstStyle/>
+          <a:p>
+            <a:pPr algn="ctr"/>
+            <a:r>
+              <a:rPr lang="en-US" altLang="zh-TW" sz="1200" b="1" dirty="0" smtClean="0">
+                <a:ea typeface="微軟正黑體" panose="020B0604030504040204" pitchFamily="34" charset="-120"/>
+              </a:rPr>
+              <a:t>3</a:t>
+            </a:r>
+            <a:endParaRPr lang="zh-TW" altLang="en-US" sz="1200" b="1" dirty="0">
+              <a:ea typeface="微軟正黑體" panose="020B0604030504040204" pitchFamily="34" charset="-120"/>
+            </a:endParaRPr>
+          </a:p>
+        </p:txBody>
+      </p:sp>
+      <p:cxnSp>
+        <p:nvCxnSpPr>
+          <p:cNvPr id="84" name="肘形接點 83"/>
+          <p:cNvCxnSpPr/>
+          <p:nvPr/>
+        </p:nvCxnSpPr>
+        <p:spPr>
+          <a:xfrm>
+            <a:off x="1379277" y="3833783"/>
+            <a:ext cx="2828132" cy="1593896"/>
+          </a:xfrm>
+          <a:prstGeom prst="bentConnector3">
+            <a:avLst>
+              <a:gd name="adj1" fmla="val 5279"/>
+            </a:avLst>
+          </a:prstGeom>
+          <a:ln w="38100">
+            <a:solidFill>
+              <a:srgbClr val="00B050"/>
+            </a:solidFill>
+            <a:tailEnd type="triangle"/>
+          </a:ln>
+        </p:spPr>
+        <p:style>
+          <a:lnRef idx="1">
+            <a:schemeClr val="accent1"/>
+          </a:lnRef>
+          <a:fillRef idx="0">
+            <a:schemeClr val="accent1"/>
+          </a:fillRef>
+          <a:effectRef idx="0">
+            <a:schemeClr val="accent1"/>
+          </a:effectRef>
+          <a:fontRef idx="minor">
+            <a:schemeClr val="tx1"/>
+          </a:fontRef>
+        </p:style>
+      </p:cxnSp>
+      <p:pic>
+        <p:nvPicPr>
+          <p:cNvPr id="64" name="圖片 63"/>
+          <p:cNvPicPr>
+            <a:picLocks noChangeAspect="1"/>
+          </p:cNvPicPr>
+          <p:nvPr/>
+        </p:nvPicPr>
+        <p:blipFill>
+          <a:blip r:embed="rId5">
+            <a:extLst>
+              <a:ext uri="{28A0092B-C50C-407E-A947-70E740481C1C}">
+                <a14:useLocalDpi xmlns:a14="http://schemas.microsoft.com/office/drawing/2010/main" val="0"/>
+              </a:ext>
+            </a:extLst>
+          </a:blip>
+          <a:stretch>
+            <a:fillRect/>
+          </a:stretch>
+        </p:blipFill>
+        <p:spPr>
+          <a:xfrm>
+            <a:off x="1100567" y="3708484"/>
+            <a:ext cx="557420" cy="720000"/>
+          </a:xfrm>
+          <a:prstGeom prst="rect">
+            <a:avLst/>
+          </a:prstGeom>
+        </p:spPr>
+      </p:pic>
+      <p:sp>
+        <p:nvSpPr>
+          <p:cNvPr id="96" name="橢圓 95"/>
+          <p:cNvSpPr/>
+          <p:nvPr/>
+        </p:nvSpPr>
+        <p:spPr>
+          <a:xfrm>
+            <a:off x="1551381" y="5163767"/>
+            <a:ext cx="213212" cy="213212"/>
+          </a:xfrm>
+          <a:prstGeom prst="ellipse">
+            <a:avLst/>
+          </a:prstGeom>
+        </p:spPr>
+        <p:style>
+          <a:lnRef idx="0">
+            <a:schemeClr val="accent2"/>
+          </a:lnRef>
+          <a:fillRef idx="3">
+            <a:schemeClr val="accent2"/>
+          </a:fillRef>
+          <a:effectRef idx="3">
+            <a:schemeClr val="accent2"/>
+          </a:effectRef>
+          <a:fontRef idx="minor">
+            <a:schemeClr val="lt1"/>
+          </a:fontRef>
+        </p:style>
+        <p:txBody>
+          <a:bodyPr rtlCol="0" anchor="ctr"/>
+          <a:lstStyle/>
+          <a:p>
+            <a:pPr algn="ctr"/>
+            <a:r>
+              <a:rPr lang="en-US" altLang="zh-TW" sz="1200" b="1" dirty="0" smtClean="0">
+                <a:ea typeface="微軟正黑體" panose="020B0604030504040204" pitchFamily="34" charset="-120"/>
+              </a:rPr>
+              <a:t>4</a:t>
+            </a:r>
+            <a:endParaRPr lang="zh-TW" altLang="en-US" sz="1200" b="1" dirty="0">
+              <a:ea typeface="微軟正黑體" panose="020B0604030504040204" pitchFamily="34" charset="-120"/>
+            </a:endParaRPr>
+          </a:p>
+        </p:txBody>
+      </p:sp>
+      <p:sp>
+        <p:nvSpPr>
+          <p:cNvPr id="97" name="文字方塊 96"/>
+          <p:cNvSpPr txBox="1"/>
+          <p:nvPr/>
+        </p:nvSpPr>
+        <p:spPr>
+          <a:xfrm>
+            <a:off x="1575527" y="5429122"/>
+            <a:ext cx="1199239" cy="584775"/>
+          </a:xfrm>
+          <a:prstGeom prst="rect">
+            <a:avLst/>
+          </a:prstGeom>
+          <a:noFill/>
+        </p:spPr>
+        <p:txBody>
+          <a:bodyPr wrap="none" rtlCol="0">
+            <a:spAutoFit/>
+          </a:bodyPr>
+          <a:lstStyle/>
+          <a:p>
+            <a:pPr algn="ctr"/>
+            <a:r>
+              <a:rPr lang="en-US" altLang="zh-TW" sz="1600" dirty="0" smtClean="0"/>
+              <a:t>Cross-Origin</a:t>
+            </a:r>
+          </a:p>
+          <a:p>
+            <a:pPr algn="ctr"/>
+            <a:r>
+              <a:rPr lang="en-US" altLang="zh-TW" sz="1600" dirty="0" smtClean="0"/>
+              <a:t>Request</a:t>
+            </a:r>
+            <a:endParaRPr lang="zh-TW" altLang="en-US" sz="1600" dirty="0"/>
+          </a:p>
+        </p:txBody>
+      </p:sp>
+      <p:pic>
+        <p:nvPicPr>
+          <p:cNvPr id="98" name="圖片 97"/>
+          <p:cNvPicPr>
+            <a:picLocks noChangeAspect="1"/>
+          </p:cNvPicPr>
+          <p:nvPr/>
+        </p:nvPicPr>
+        <p:blipFill>
+          <a:blip r:embed="rId6">
+            <a:extLst>
+              <a:ext uri="{28A0092B-C50C-407E-A947-70E740481C1C}">
+                <a14:useLocalDpi xmlns:a14="http://schemas.microsoft.com/office/drawing/2010/main" val="0"/>
+              </a:ext>
+            </a:extLst>
+          </a:blip>
+          <a:stretch>
+            <a:fillRect/>
+          </a:stretch>
+        </p:blipFill>
+        <p:spPr>
+          <a:xfrm>
+            <a:off x="1887875" y="4961198"/>
+            <a:ext cx="574545" cy="574545"/>
+          </a:xfrm>
+          <a:prstGeom prst="rect">
+            <a:avLst/>
+          </a:prstGeom>
+        </p:spPr>
+      </p:pic>
+    </p:spTree>
+    <p:extLst>
+      <p:ext uri="{BB962C8B-B14F-4D97-AF65-F5344CB8AC3E}">
+        <p14:creationId xmlns:p14="http://schemas.microsoft.com/office/powerpoint/2010/main" val="1970604619"/>
+      </p:ext>
+    </p:extLst>
+  </p:cSld>
+  <p:clrMapOvr>
+    <a:masterClrMapping/>
+  </p:clrMapOvr>
+  <p:timing>
+    <p:tnLst>
+      <p:par>
+        <p:cTn id="1" dur="indefinite" restart="never" nodeType="tmRoot">
+          <p:childTnLst>
+            <p:seq concurrent="1" nextAc="seek">
+              <p:cTn id="2" dur="indefinite" nodeType="mainSeq">
+                <p:childTnLst>
+                  <p:par>
+                    <p:cTn id="3" fill="hold">
+                      <p:stCondLst>
+                        <p:cond delay="indefinite"/>
+                      </p:stCondLst>
+                      <p:childTnLst>
+                        <p:par>
+                          <p:cTn id="4" fill="hold">
+                            <p:stCondLst>
+                              <p:cond delay="0"/>
+                            </p:stCondLst>
+                            <p:childTnLst>
+                              <p:par>
+                                <p:cTn id="5" presetID="0" presetClass="path" presetSubtype="0" fill="hold" nodeType="clickEffect">
+                                  <p:stCondLst>
+                                    <p:cond delay="0"/>
+                                  </p:stCondLst>
+                                  <p:childTnLst>
+                                    <p:animMotion origin="layout" path="M 0.00013 -0.00023 L 0.18802 -0.00023 L 0.18542 0.20532 L 0.23125 0.2037 L 0.23307 -0.00486 L 0.30365 -0.00348 L 0.30274 0.20532 L 0.34779 0.20532 L 0.34857 -0.00486 L 0.41745 -0.00648 C 0.41719 0.06504 0.4168 0.1368 0.41654 0.20833 L 0.46237 0.20671 L 0.46237 -0.01111 L 0.53216 -0.00973 L 0.53307 0.46713 L 0.48711 0.46713 L 0.48711 0.25694 L 0.41914 0.26018 L 0.41836 0.47037 L 0.3724 0.47037 C 0.37214 0.39861 0.37188 0.32708 0.37162 0.25555 L 0.30534 0.26018 L 0.30274 0.47199 L 0.2569 0.47361 L 0.2586 0.2618 L 0.18893 0.2618 L 0.18633 0.46574 L -0.00247 0.46574 " pathEditMode="relative" rAng="0" ptsTypes="AAAAAAAAAAAAAAAAAAAAAAAAAAAA">
+                                      <p:cBhvr>
+                                        <p:cTn id="6" dur="10000" fill="hold"/>
+                                        <p:tgtEl>
+                                          <p:spTgt spid="30"/>
+                                        </p:tgtEl>
+                                        <p:attrNameLst>
+                                          <p:attrName>ppt_x</p:attrName>
+                                          <p:attrName>ppt_y</p:attrName>
+                                        </p:attrNameLst>
+                                      </p:cBhvr>
+                                      <p:rCtr x="26510" y="23148"/>
+                                    </p:animMotion>
+                                  </p:childTnLst>
+                                </p:cTn>
+                              </p:par>
+                            </p:childTnLst>
+                          </p:cTn>
+                        </p:par>
+                        <p:par>
+                          <p:cTn id="7" fill="hold">
+                            <p:stCondLst>
+                              <p:cond delay="10000"/>
+                            </p:stCondLst>
+                            <p:childTnLst>
+                              <p:par>
+                                <p:cTn id="8" presetID="10" presetClass="entr" presetSubtype="0" fill="hold" nodeType="afterEffect">
+                                  <p:stCondLst>
+                                    <p:cond delay="0"/>
+                                  </p:stCondLst>
+                                  <p:childTnLst>
+                                    <p:set>
+                                      <p:cBhvr>
+                                        <p:cTn id="9" dur="1" fill="hold">
+                                          <p:stCondLst>
+                                            <p:cond delay="0"/>
+                                          </p:stCondLst>
+                                        </p:cTn>
+                                        <p:tgtEl>
+                                          <p:spTgt spid="51"/>
+                                        </p:tgtEl>
+                                        <p:attrNameLst>
+                                          <p:attrName>style.visibility</p:attrName>
+                                        </p:attrNameLst>
+                                      </p:cBhvr>
+                                      <p:to>
+                                        <p:strVal val="visible"/>
+                                      </p:to>
+                                    </p:set>
+                                    <p:animEffect transition="in" filter="fade">
+                                      <p:cBhvr>
+                                        <p:cTn id="10" dur="500"/>
+                                        <p:tgtEl>
+                                          <p:spTgt spid="51"/>
+                                        </p:tgtEl>
+                                      </p:cBhvr>
+                                    </p:animEffect>
+                                  </p:childTnLst>
+                                </p:cTn>
+                              </p:par>
+                            </p:childTnLst>
+                          </p:cTn>
+                        </p:par>
+                      </p:childTnLst>
+                    </p:cTn>
+                  </p:par>
+                  <p:par>
+                    <p:cTn id="11" fill="hold">
+                      <p:stCondLst>
+                        <p:cond delay="indefinite"/>
+                      </p:stCondLst>
+                      <p:childTnLst>
+                        <p:par>
+                          <p:cTn id="12" fill="hold">
+                            <p:stCondLst>
+                              <p:cond delay="0"/>
+                            </p:stCondLst>
+                            <p:childTnLst>
+                              <p:par>
+                                <p:cTn id="13" presetID="0" presetClass="path" presetSubtype="0" fill="hold" nodeType="clickEffect">
+                                  <p:stCondLst>
+                                    <p:cond delay="0"/>
+                                  </p:stCondLst>
+                                  <p:childTnLst>
+                                    <p:animMotion origin="layout" path="M 0.00013 -0.00023 L 0.18802 -0.00023 L 0.18541 0.20532 L 0.23125 0.2037 L 0.23307 -0.00486 L 0.30364 -0.00347 L 0.3026 0.20532 L 0.34778 0.20532 L 0.34856 -0.00486 L 0.41744 -0.00648 C 0.41718 0.06504 0.41679 0.1368 0.41653 0.20833 L 0.46237 0.20671 L 0.46237 -0.01111 L 0.53216 -0.00972 L 0.53307 0.46713 L 0.4871 0.46713 L 0.4871 0.25694 L 0.41914 0.26018 L 0.41835 0.47037 L 0.37239 0.47037 C 0.37213 0.39861 0.37187 0.32708 0.37161 0.25555 L 0.30533 0.26018 L 0.3026 0.47199 L 0.2569 0.47361 L 0.25859 0.2618 L 0.18893 0.2618 L 0.18632 0.46574 L -0.00248 0.46574 " pathEditMode="relative" rAng="0" ptsTypes="AAAAAAAAAAAAAAAAAAAAAAAAAAAA">
+                                      <p:cBhvr>
+                                        <p:cTn id="14" dur="10000" fill="hold"/>
+                                        <p:tgtEl>
+                                          <p:spTgt spid="98"/>
+                                        </p:tgtEl>
+                                        <p:attrNameLst>
+                                          <p:attrName>ppt_x</p:attrName>
+                                          <p:attrName>ppt_y</p:attrName>
+                                        </p:attrNameLst>
+                                      </p:cBhvr>
+                                      <p:rCtr x="26510" y="23148"/>
+                                    </p:animMotion>
+                                  </p:childTnLst>
+                                </p:cTn>
+                              </p:par>
+                            </p:childTnLst>
+                          </p:cTn>
+                        </p:par>
+                      </p:childTnLst>
+                    </p:cTn>
+                  </p:par>
+                </p:childTnLst>
+              </p:cTn>
+              <p:prevCondLst>
+                <p:cond evt="onPrev" delay="0">
+                  <p:tgtEl>
+                    <p:sldTgt/>
+                  </p:tgtEl>
+                </p:cond>
+              </p:prevCondLst>
+              <p:nextCondLst>
+                <p:cond evt="onNext" delay="0">
+                  <p:tgtEl>
+                    <p:sldTgt/>
+                  </p:tgtEl>
+                </p:cond>
+              </p:nextCondLst>
+            </p:seq>
+          </p:childTnLst>
+        </p:cTn>
+      </p:par>
+    </p:tnLst>
+  </p:timing>
+</p:sld>
+</file>
+
 <file path=ppt/slides/slide3.xml><?xml version="1.0" encoding="utf-8"?>
 <p:sld xmlns:a="http://schemas.openxmlformats.org/drawingml/2006/main" xmlns:r="http://schemas.openxmlformats.org/officeDocument/2006/relationships" xmlns:p="http://schemas.openxmlformats.org/presentationml/2006/main">
   <p:cSld>
@@ -35289,18 +36951,18 @@
 </file>
 
 <file path=customXml/item1.xml><?xml version="1.0" encoding="utf-8"?>
+<p:properties xmlns:p="http://schemas.microsoft.com/office/2006/metadata/properties" xmlns:xsi="http://www.w3.org/2001/XMLSchema-instance">
+  <documentManagement/>
+</p:properties>
+</file>
+
+<file path=customXml/item2.xml><?xml version="1.0" encoding="utf-8"?>
 <?mso-contentType ?>
 <FormTemplates xmlns="http://schemas.microsoft.com/sharepoint/v3/contenttype/forms">
   <Display>DocumentLibraryForm</Display>
   <Edit>DocumentLibraryForm</Edit>
   <New>DocumentLibraryForm</New>
 </FormTemplates>
-</file>
-
-<file path=customXml/item2.xml><?xml version="1.0" encoding="utf-8"?>
-<p:properties xmlns:p="http://schemas.microsoft.com/office/2006/metadata/properties" xmlns:xsi="http://www.w3.org/2001/XMLSchema-instance">
-  <documentManagement/>
-</p:properties>
 </file>
 
 <file path=customXml/item3.xml><?xml version="1.0" encoding="utf-8"?>
@@ -35353,14 +37015,6 @@
 </file>
 
 <file path=customXml/itemProps1.xml><?xml version="1.0" encoding="utf-8"?>
-<ds:datastoreItem xmlns:ds="http://schemas.openxmlformats.org/officeDocument/2006/customXml" ds:itemID="{A1770BF7-49D5-46D6-8B76-1D8AF290B450}">
-  <ds:schemaRefs>
-    <ds:schemaRef ds:uri="http://schemas.microsoft.com/sharepoint/v3/contenttype/forms"/>
-  </ds:schemaRefs>
-</ds:datastoreItem>
-</file>
-
-<file path=customXml/itemProps2.xml><?xml version="1.0" encoding="utf-8"?>
 <ds:datastoreItem xmlns:ds="http://schemas.openxmlformats.org/officeDocument/2006/customXml" ds:itemID="{892A9AA9-F261-48C5-9DFB-0929A9F0E540}">
   <ds:schemaRefs>
     <ds:schemaRef ds:uri="http://purl.org/dc/dcmitype/"/>
@@ -35370,6 +37024,14 @@
     <ds:schemaRef ds:uri="http://www.w3.org/XML/1998/namespace"/>
     <ds:schemaRef ds:uri="http://purl.org/dc/terms/"/>
     <ds:schemaRef ds:uri="http://schemas.openxmlformats.org/package/2006/metadata/core-properties"/>
+  </ds:schemaRefs>
+</ds:datastoreItem>
+</file>
+
+<file path=customXml/itemProps2.xml><?xml version="1.0" encoding="utf-8"?>
+<ds:datastoreItem xmlns:ds="http://schemas.openxmlformats.org/officeDocument/2006/customXml" ds:itemID="{A1770BF7-49D5-46D6-8B76-1D8AF290B450}">
+  <ds:schemaRefs>
+    <ds:schemaRef ds:uri="http://schemas.microsoft.com/sharepoint/v3/contenttype/forms"/>
   </ds:schemaRefs>
 </ds:datastoreItem>
 </file>

--- a/source/_assets/ironman.pptx
+++ b/source/_assets/ironman.pptx
@@ -251,7 +251,7 @@
             <a:fld id="{3CDD3A71-4C75-488C-A8F3-A1F163ED0DB9}" type="datetimeFigureOut">
               <a:rPr lang="en-US" smtClean="0"/>
               <a:pPr/>
-              <a:t>1/8/2018</a:t>
+              <a:t>1/12/2018</a:t>
             </a:fld>
             <a:endParaRPr lang="en-US" dirty="0"/>
           </a:p>
@@ -419,7 +419,7 @@
             <a:fld id="{523CC419-8FB3-4D1C-8127-E63C1A13459D}" type="datetimeFigureOut">
               <a:rPr lang="en-US" smtClean="0"/>
               <a:pPr/>
-              <a:t>1/8/2018</a:t>
+              <a:t>1/12/2018</a:t>
             </a:fld>
             <a:endParaRPr lang="en-US" dirty="0"/>
           </a:p>
@@ -822,7 +822,7 @@
           <a:p>
             <a:fld id="{237FF733-248C-4CF7-A090-89CF012E357B}" type="datetimeFigureOut">
               <a:rPr lang="zh-TW" altLang="en-US" smtClean="0"/>
-              <a:t>2018/1/8</a:t>
+              <a:t>2018/1/12</a:t>
             </a:fld>
             <a:endParaRPr lang="zh-TW" altLang="en-US"/>
           </a:p>
@@ -993,7 +993,7 @@
           <a:p>
             <a:fld id="{237FF733-248C-4CF7-A090-89CF012E357B}" type="datetimeFigureOut">
               <a:rPr lang="zh-TW" altLang="en-US" smtClean="0"/>
-              <a:t>2018/1/8</a:t>
+              <a:t>2018/1/12</a:t>
             </a:fld>
             <a:endParaRPr lang="zh-TW" altLang="en-US"/>
           </a:p>
@@ -1174,7 +1174,7 @@
           <a:p>
             <a:fld id="{237FF733-248C-4CF7-A090-89CF012E357B}" type="datetimeFigureOut">
               <a:rPr lang="zh-TW" altLang="en-US" smtClean="0"/>
-              <a:t>2018/1/8</a:t>
+              <a:t>2018/1/12</a:t>
             </a:fld>
             <a:endParaRPr lang="zh-TW" altLang="en-US"/>
           </a:p>
@@ -1345,7 +1345,7 @@
           <a:p>
             <a:fld id="{237FF733-248C-4CF7-A090-89CF012E357B}" type="datetimeFigureOut">
               <a:rPr lang="zh-TW" altLang="en-US" smtClean="0"/>
-              <a:t>2018/1/8</a:t>
+              <a:t>2018/1/12</a:t>
             </a:fld>
             <a:endParaRPr lang="zh-TW" altLang="en-US"/>
           </a:p>
@@ -1592,7 +1592,7 @@
           <a:p>
             <a:fld id="{237FF733-248C-4CF7-A090-89CF012E357B}" type="datetimeFigureOut">
               <a:rPr lang="zh-TW" altLang="en-US" smtClean="0"/>
-              <a:t>2018/1/8</a:t>
+              <a:t>2018/1/12</a:t>
             </a:fld>
             <a:endParaRPr lang="zh-TW" altLang="en-US"/>
           </a:p>
@@ -1825,7 +1825,7 @@
           <a:p>
             <a:fld id="{237FF733-248C-4CF7-A090-89CF012E357B}" type="datetimeFigureOut">
               <a:rPr lang="zh-TW" altLang="en-US" smtClean="0"/>
-              <a:t>2018/1/8</a:t>
+              <a:t>2018/1/12</a:t>
             </a:fld>
             <a:endParaRPr lang="zh-TW" altLang="en-US"/>
           </a:p>
@@ -2193,7 +2193,7 @@
           <a:p>
             <a:fld id="{237FF733-248C-4CF7-A090-89CF012E357B}" type="datetimeFigureOut">
               <a:rPr lang="zh-TW" altLang="en-US" smtClean="0"/>
-              <a:t>2018/1/8</a:t>
+              <a:t>2018/1/12</a:t>
             </a:fld>
             <a:endParaRPr lang="zh-TW" altLang="en-US"/>
           </a:p>
@@ -2312,7 +2312,7 @@
           <a:p>
             <a:fld id="{237FF733-248C-4CF7-A090-89CF012E357B}" type="datetimeFigureOut">
               <a:rPr lang="zh-TW" altLang="en-US" smtClean="0"/>
-              <a:t>2018/1/8</a:t>
+              <a:t>2018/1/12</a:t>
             </a:fld>
             <a:endParaRPr lang="zh-TW" altLang="en-US"/>
           </a:p>
@@ -2408,7 +2408,7 @@
           <a:p>
             <a:fld id="{237FF733-248C-4CF7-A090-89CF012E357B}" type="datetimeFigureOut">
               <a:rPr lang="zh-TW" altLang="en-US" smtClean="0"/>
-              <a:t>2018/1/8</a:t>
+              <a:t>2018/1/12</a:t>
             </a:fld>
             <a:endParaRPr lang="zh-TW" altLang="en-US"/>
           </a:p>
@@ -2686,7 +2686,7 @@
           <a:p>
             <a:fld id="{237FF733-248C-4CF7-A090-89CF012E357B}" type="datetimeFigureOut">
               <a:rPr lang="zh-TW" altLang="en-US" smtClean="0"/>
-              <a:t>2018/1/8</a:t>
+              <a:t>2018/1/12</a:t>
             </a:fld>
             <a:endParaRPr lang="zh-TW" altLang="en-US"/>
           </a:p>
@@ -2944,7 +2944,7 @@
           <a:p>
             <a:fld id="{237FF733-248C-4CF7-A090-89CF012E357B}" type="datetimeFigureOut">
               <a:rPr lang="zh-TW" altLang="en-US" smtClean="0"/>
-              <a:t>2018/1/8</a:t>
+              <a:t>2018/1/12</a:t>
             </a:fld>
             <a:endParaRPr lang="zh-TW" altLang="en-US"/>
           </a:p>
@@ -3158,7 +3158,7 @@
           <a:p>
             <a:fld id="{237FF733-248C-4CF7-A090-89CF012E357B}" type="datetimeFigureOut">
               <a:rPr lang="zh-TW" altLang="en-US" smtClean="0"/>
-              <a:t>2018/1/8</a:t>
+              <a:t>2018/1/12</a:t>
             </a:fld>
             <a:endParaRPr lang="zh-TW" altLang="en-US"/>
           </a:p>
@@ -25264,7 +25264,7 @@
         </p:nvSpPr>
         <p:spPr>
           <a:xfrm>
-            <a:off x="6266976" y="683228"/>
+            <a:off x="5904726" y="3486869"/>
             <a:ext cx="5115969" cy="2685884"/>
           </a:xfrm>
           <a:prstGeom prst="rect">
@@ -26567,6 +26567,856 @@
           </a:prstGeom>
         </p:spPr>
       </p:pic>
+      <p:grpSp>
+        <p:nvGrpSpPr>
+          <p:cNvPr id="48" name="群組 47"/>
+          <p:cNvGrpSpPr/>
+          <p:nvPr/>
+        </p:nvGrpSpPr>
+        <p:grpSpPr>
+          <a:xfrm>
+            <a:off x="6434362" y="1682190"/>
+            <a:ext cx="1142999" cy="1035570"/>
+            <a:chOff x="1066801" y="2626549"/>
+            <a:chExt cx="1695654" cy="1536281"/>
+          </a:xfrm>
+        </p:grpSpPr>
+        <p:sp>
+          <p:nvSpPr>
+            <p:cNvPr id="49" name="矩形 48"/>
+            <p:cNvSpPr/>
+            <p:nvPr/>
+          </p:nvSpPr>
+          <p:spPr>
+            <a:xfrm>
+              <a:off x="1155598" y="2628700"/>
+              <a:ext cx="1511402" cy="1164798"/>
+            </a:xfrm>
+            <a:prstGeom prst="rect">
+              <a:avLst/>
+            </a:prstGeom>
+            <a:solidFill>
+              <a:schemeClr val="bg1"/>
+            </a:solidFill>
+            <a:ln>
+              <a:noFill/>
+            </a:ln>
+          </p:spPr>
+          <p:style>
+            <a:lnRef idx="2">
+              <a:schemeClr val="accent1">
+                <a:shade val="50000"/>
+              </a:schemeClr>
+            </a:lnRef>
+            <a:fillRef idx="1">
+              <a:schemeClr val="accent1"/>
+            </a:fillRef>
+            <a:effectRef idx="0">
+              <a:schemeClr val="accent1"/>
+            </a:effectRef>
+            <a:fontRef idx="minor">
+              <a:schemeClr val="lt1"/>
+            </a:fontRef>
+          </p:style>
+          <p:txBody>
+            <a:bodyPr rtlCol="0" anchor="ctr"/>
+            <a:lstStyle/>
+            <a:p>
+              <a:pPr algn="ctr"/>
+              <a:endParaRPr lang="zh-TW" altLang="en-US"/>
+            </a:p>
+          </p:txBody>
+        </p:sp>
+        <p:grpSp>
+          <p:nvGrpSpPr>
+            <p:cNvPr id="50" name="群組 49"/>
+            <p:cNvGrpSpPr/>
+            <p:nvPr/>
+          </p:nvGrpSpPr>
+          <p:grpSpPr>
+            <a:xfrm>
+              <a:off x="1066801" y="2626549"/>
+              <a:ext cx="1695654" cy="1536281"/>
+              <a:chOff x="1141123" y="4728754"/>
+              <a:chExt cx="1695654" cy="1536281"/>
+            </a:xfrm>
+          </p:grpSpPr>
+          <p:pic>
+            <p:nvPicPr>
+              <p:cNvPr id="69" name="圖片 68"/>
+              <p:cNvPicPr>
+                <a:picLocks noChangeAspect="1"/>
+              </p:cNvPicPr>
+              <p:nvPr/>
+            </p:nvPicPr>
+            <p:blipFill>
+              <a:blip r:embed="rId2">
+                <a:extLst>
+                  <a:ext uri="{28A0092B-C50C-407E-A947-70E740481C1C}">
+                    <a14:useLocalDpi xmlns:a14="http://schemas.microsoft.com/office/drawing/2010/main" val="0"/>
+                  </a:ext>
+                </a:extLst>
+              </a:blip>
+              <a:stretch>
+                <a:fillRect/>
+              </a:stretch>
+            </p:blipFill>
+            <p:spPr>
+              <a:xfrm>
+                <a:off x="1541239" y="4974575"/>
+                <a:ext cx="895422" cy="895422"/>
+              </a:xfrm>
+              <a:prstGeom prst="rect">
+                <a:avLst/>
+              </a:prstGeom>
+            </p:spPr>
+          </p:pic>
+          <p:pic>
+            <p:nvPicPr>
+              <p:cNvPr id="71" name="圖片 70"/>
+              <p:cNvPicPr>
+                <a:picLocks noChangeAspect="1"/>
+              </p:cNvPicPr>
+              <p:nvPr/>
+            </p:nvPicPr>
+            <p:blipFill rotWithShape="1">
+              <a:blip r:embed="rId3">
+                <a:extLst>
+                  <a:ext uri="{28A0092B-C50C-407E-A947-70E740481C1C}">
+                    <a14:useLocalDpi xmlns:a14="http://schemas.microsoft.com/office/drawing/2010/main" val="0"/>
+                  </a:ext>
+                </a:extLst>
+              </a:blip>
+              <a:srcRect l="4494" t="15772" r="5630" b="15407"/>
+              <a:stretch/>
+            </p:blipFill>
+            <p:spPr>
+              <a:xfrm>
+                <a:off x="1217321" y="4728754"/>
+                <a:ext cx="1524001" cy="1166949"/>
+              </a:xfrm>
+              <a:prstGeom prst="rect">
+                <a:avLst/>
+              </a:prstGeom>
+            </p:spPr>
+          </p:pic>
+          <p:sp>
+            <p:nvSpPr>
+              <p:cNvPr id="72" name="文字方塊 71"/>
+              <p:cNvSpPr txBox="1"/>
+              <p:nvPr/>
+            </p:nvSpPr>
+            <p:spPr>
+              <a:xfrm>
+                <a:off x="1141123" y="5895703"/>
+                <a:ext cx="1695654" cy="369332"/>
+              </a:xfrm>
+              <a:prstGeom prst="rect">
+                <a:avLst/>
+              </a:prstGeom>
+              <a:noFill/>
+            </p:spPr>
+            <p:txBody>
+              <a:bodyPr wrap="square" rtlCol="0">
+                <a:spAutoFit/>
+              </a:bodyPr>
+              <a:lstStyle/>
+              <a:p>
+                <a:pPr algn="ctr"/>
+                <a:r>
+                  <a:rPr lang="en-US" altLang="zh-TW" dirty="0" smtClean="0"/>
+                  <a:t>User</a:t>
+                </a:r>
+                <a:endParaRPr lang="zh-TW" altLang="en-US" dirty="0"/>
+              </a:p>
+            </p:txBody>
+          </p:sp>
+        </p:grpSp>
+      </p:grpSp>
+      <p:grpSp>
+        <p:nvGrpSpPr>
+          <p:cNvPr id="73" name="群組 72"/>
+          <p:cNvGrpSpPr/>
+          <p:nvPr/>
+        </p:nvGrpSpPr>
+        <p:grpSpPr>
+          <a:xfrm>
+            <a:off x="8028319" y="698732"/>
+            <a:ext cx="1676400" cy="1202959"/>
+            <a:chOff x="572186" y="1579980"/>
+            <a:chExt cx="2483866" cy="1858142"/>
+          </a:xfrm>
+        </p:grpSpPr>
+        <p:pic>
+          <p:nvPicPr>
+            <p:cNvPr id="75" name="圖片 74"/>
+            <p:cNvPicPr>
+              <a:picLocks noChangeAspect="1"/>
+            </p:cNvPicPr>
+            <p:nvPr/>
+          </p:nvPicPr>
+          <p:blipFill>
+            <a:blip r:embed="rId4">
+              <a:extLst>
+                <a:ext uri="{28A0092B-C50C-407E-A947-70E740481C1C}">
+                  <a14:useLocalDpi xmlns:a14="http://schemas.microsoft.com/office/drawing/2010/main" val="0"/>
+                </a:ext>
+              </a:extLst>
+            </a:blip>
+            <a:stretch>
+              <a:fillRect/>
+            </a:stretch>
+          </p:blipFill>
+          <p:spPr>
+            <a:xfrm>
+              <a:off x="1241656" y="1579980"/>
+              <a:ext cx="1156879" cy="1287657"/>
+            </a:xfrm>
+            <a:prstGeom prst="rect">
+              <a:avLst/>
+            </a:prstGeom>
+          </p:spPr>
+        </p:pic>
+        <p:sp>
+          <p:nvSpPr>
+            <p:cNvPr id="76" name="文字方塊 75"/>
+            <p:cNvSpPr txBox="1"/>
+            <p:nvPr/>
+          </p:nvSpPr>
+          <p:spPr>
+            <a:xfrm>
+              <a:off x="572186" y="2867636"/>
+              <a:ext cx="2483866" cy="570486"/>
+            </a:xfrm>
+            <a:prstGeom prst="rect">
+              <a:avLst/>
+            </a:prstGeom>
+            <a:noFill/>
+          </p:spPr>
+          <p:txBody>
+            <a:bodyPr wrap="square" rtlCol="0">
+              <a:spAutoFit/>
+            </a:bodyPr>
+            <a:lstStyle/>
+            <a:p>
+              <a:pPr algn="ctr"/>
+              <a:r>
+                <a:rPr lang="en-US" altLang="zh-TW" dirty="0" smtClean="0"/>
+                <a:t>blog.johnwu.cc</a:t>
+              </a:r>
+              <a:endParaRPr lang="zh-TW" altLang="en-US" dirty="0"/>
+            </a:p>
+          </p:txBody>
+        </p:sp>
+      </p:grpSp>
+      <p:grpSp>
+        <p:nvGrpSpPr>
+          <p:cNvPr id="77" name="群組 76"/>
+          <p:cNvGrpSpPr/>
+          <p:nvPr/>
+        </p:nvGrpSpPr>
+        <p:grpSpPr>
+          <a:xfrm>
+            <a:off x="7893092" y="2191014"/>
+            <a:ext cx="1963600" cy="1146146"/>
+            <a:chOff x="365393" y="1579980"/>
+            <a:chExt cx="2909402" cy="1770386"/>
+          </a:xfrm>
+        </p:grpSpPr>
+        <p:pic>
+          <p:nvPicPr>
+            <p:cNvPr id="80" name="圖片 79"/>
+            <p:cNvPicPr>
+              <a:picLocks noChangeAspect="1"/>
+            </p:cNvPicPr>
+            <p:nvPr/>
+          </p:nvPicPr>
+          <p:blipFill>
+            <a:blip r:embed="rId4">
+              <a:extLst>
+                <a:ext uri="{28A0092B-C50C-407E-A947-70E740481C1C}">
+                  <a14:useLocalDpi xmlns:a14="http://schemas.microsoft.com/office/drawing/2010/main" val="0"/>
+                </a:ext>
+              </a:extLst>
+            </a:blip>
+            <a:stretch>
+              <a:fillRect/>
+            </a:stretch>
+          </p:blipFill>
+          <p:spPr>
+            <a:xfrm>
+              <a:off x="1241656" y="1579980"/>
+              <a:ext cx="1156879" cy="1287657"/>
+            </a:xfrm>
+            <a:prstGeom prst="rect">
+              <a:avLst/>
+            </a:prstGeom>
+          </p:spPr>
+        </p:pic>
+        <p:sp>
+          <p:nvSpPr>
+            <p:cNvPr id="81" name="文字方塊 80"/>
+            <p:cNvSpPr txBox="1"/>
+            <p:nvPr/>
+          </p:nvSpPr>
+          <p:spPr>
+            <a:xfrm>
+              <a:off x="365393" y="2779880"/>
+              <a:ext cx="2909402" cy="570486"/>
+            </a:xfrm>
+            <a:prstGeom prst="rect">
+              <a:avLst/>
+            </a:prstGeom>
+            <a:noFill/>
+          </p:spPr>
+          <p:txBody>
+            <a:bodyPr wrap="square" rtlCol="0">
+              <a:spAutoFit/>
+            </a:bodyPr>
+            <a:lstStyle/>
+            <a:p>
+              <a:pPr algn="ctr"/>
+              <a:r>
+                <a:rPr lang="en-US" altLang="zh-TW" dirty="0" smtClean="0"/>
+                <a:t>Attacker Server</a:t>
+              </a:r>
+              <a:endParaRPr lang="zh-TW" altLang="en-US" dirty="0"/>
+            </a:p>
+          </p:txBody>
+        </p:sp>
+      </p:grpSp>
+      <p:pic>
+        <p:nvPicPr>
+          <p:cNvPr id="82" name="圖片 81"/>
+          <p:cNvPicPr>
+            <a:picLocks noChangeAspect="1"/>
+          </p:cNvPicPr>
+          <p:nvPr/>
+        </p:nvPicPr>
+        <p:blipFill>
+          <a:blip r:embed="rId5">
+            <a:extLst>
+              <a:ext uri="{28A0092B-C50C-407E-A947-70E740481C1C}">
+                <a14:useLocalDpi xmlns:a14="http://schemas.microsoft.com/office/drawing/2010/main" val="0"/>
+              </a:ext>
+            </a:extLst>
+          </a:blip>
+          <a:stretch>
+            <a:fillRect/>
+          </a:stretch>
+        </p:blipFill>
+        <p:spPr>
+          <a:xfrm>
+            <a:off x="7006960" y="1504422"/>
+            <a:ext cx="557420" cy="720000"/>
+          </a:xfrm>
+          <a:prstGeom prst="rect">
+            <a:avLst/>
+          </a:prstGeom>
+        </p:spPr>
+      </p:pic>
+      <p:sp>
+        <p:nvSpPr>
+          <p:cNvPr id="85" name="橢圓 84"/>
+          <p:cNvSpPr/>
+          <p:nvPr/>
+        </p:nvSpPr>
+        <p:spPr>
+          <a:xfrm>
+            <a:off x="7829092" y="1147000"/>
+            <a:ext cx="213212" cy="213212"/>
+          </a:xfrm>
+          <a:prstGeom prst="ellipse">
+            <a:avLst/>
+          </a:prstGeom>
+        </p:spPr>
+        <p:style>
+          <a:lnRef idx="0">
+            <a:schemeClr val="accent2"/>
+          </a:lnRef>
+          <a:fillRef idx="3">
+            <a:schemeClr val="accent2"/>
+          </a:fillRef>
+          <a:effectRef idx="3">
+            <a:schemeClr val="accent2"/>
+          </a:effectRef>
+          <a:fontRef idx="minor">
+            <a:schemeClr val="lt1"/>
+          </a:fontRef>
+        </p:style>
+        <p:txBody>
+          <a:bodyPr rtlCol="0" anchor="ctr"/>
+          <a:lstStyle/>
+          <a:p>
+            <a:pPr algn="ctr"/>
+            <a:r>
+              <a:rPr lang="en-US" altLang="zh-TW" sz="1200" b="1" dirty="0" smtClean="0">
+                <a:ea typeface="微軟正黑體" panose="020B0604030504040204" pitchFamily="34" charset="-120"/>
+              </a:rPr>
+              <a:t>2</a:t>
+            </a:r>
+            <a:endParaRPr lang="zh-TW" altLang="en-US" sz="1200" b="1" dirty="0">
+              <a:ea typeface="微軟正黑體" panose="020B0604030504040204" pitchFamily="34" charset="-120"/>
+            </a:endParaRPr>
+          </a:p>
+        </p:txBody>
+      </p:sp>
+      <p:cxnSp>
+        <p:nvCxnSpPr>
+          <p:cNvPr id="86" name="直線單箭頭接點 85"/>
+          <p:cNvCxnSpPr>
+            <a:stCxn id="44" idx="3"/>
+            <a:endCxn id="80" idx="1"/>
+          </p:cNvCxnSpPr>
+          <p:nvPr/>
+        </p:nvCxnSpPr>
+        <p:spPr>
+          <a:xfrm>
+            <a:off x="7511918" y="1901691"/>
+            <a:ext cx="972577" cy="706137"/>
+          </a:xfrm>
+          <a:prstGeom prst="straightConnector1">
+            <a:avLst/>
+          </a:prstGeom>
+          <a:ln w="38100">
+            <a:solidFill>
+              <a:srgbClr val="FF0000"/>
+            </a:solidFill>
+            <a:prstDash val="sysDash"/>
+            <a:tailEnd type="triangle"/>
+          </a:ln>
+        </p:spPr>
+        <p:style>
+          <a:lnRef idx="1">
+            <a:schemeClr val="accent1"/>
+          </a:lnRef>
+          <a:fillRef idx="0">
+            <a:schemeClr val="accent1"/>
+          </a:fillRef>
+          <a:effectRef idx="0">
+            <a:schemeClr val="accent1"/>
+          </a:effectRef>
+          <a:fontRef idx="minor">
+            <a:schemeClr val="tx1"/>
+          </a:fontRef>
+        </p:style>
+      </p:cxnSp>
+      <p:sp>
+        <p:nvSpPr>
+          <p:cNvPr id="89" name="橢圓 88"/>
+          <p:cNvSpPr/>
+          <p:nvPr/>
+        </p:nvSpPr>
+        <p:spPr>
+          <a:xfrm>
+            <a:off x="9957172" y="1248632"/>
+            <a:ext cx="213212" cy="213212"/>
+          </a:xfrm>
+          <a:prstGeom prst="ellipse">
+            <a:avLst/>
+          </a:prstGeom>
+        </p:spPr>
+        <p:style>
+          <a:lnRef idx="0">
+            <a:schemeClr val="accent2"/>
+          </a:lnRef>
+          <a:fillRef idx="3">
+            <a:schemeClr val="accent2"/>
+          </a:fillRef>
+          <a:effectRef idx="3">
+            <a:schemeClr val="accent2"/>
+          </a:effectRef>
+          <a:fontRef idx="minor">
+            <a:schemeClr val="lt1"/>
+          </a:fontRef>
+        </p:style>
+        <p:txBody>
+          <a:bodyPr rtlCol="0" anchor="ctr"/>
+          <a:lstStyle/>
+          <a:p>
+            <a:pPr algn="ctr"/>
+            <a:r>
+              <a:rPr lang="en-US" altLang="zh-TW" sz="1200" b="1" dirty="0" smtClean="0">
+                <a:ea typeface="微軟正黑體" panose="020B0604030504040204" pitchFamily="34" charset="-120"/>
+              </a:rPr>
+              <a:t>1</a:t>
+            </a:r>
+            <a:endParaRPr lang="zh-TW" altLang="en-US" sz="1200" b="1" dirty="0">
+              <a:ea typeface="微軟正黑體" panose="020B0604030504040204" pitchFamily="34" charset="-120"/>
+            </a:endParaRPr>
+          </a:p>
+        </p:txBody>
+      </p:sp>
+      <p:grpSp>
+        <p:nvGrpSpPr>
+          <p:cNvPr id="35" name="群組 34"/>
+          <p:cNvGrpSpPr/>
+          <p:nvPr/>
+        </p:nvGrpSpPr>
+        <p:grpSpPr>
+          <a:xfrm>
+            <a:off x="10422583" y="1430093"/>
+            <a:ext cx="960391" cy="943195"/>
+            <a:chOff x="10047997" y="1691302"/>
+            <a:chExt cx="960391" cy="943195"/>
+          </a:xfrm>
+        </p:grpSpPr>
+        <p:pic>
+          <p:nvPicPr>
+            <p:cNvPr id="3" name="圖片 2"/>
+            <p:cNvPicPr>
+              <a:picLocks noChangeAspect="1"/>
+            </p:cNvPicPr>
+            <p:nvPr/>
+          </p:nvPicPr>
+          <p:blipFill rotWithShape="1">
+            <a:blip r:embed="rId8">
+              <a:extLst>
+                <a:ext uri="{28A0092B-C50C-407E-A947-70E740481C1C}">
+                  <a14:useLocalDpi xmlns:a14="http://schemas.microsoft.com/office/drawing/2010/main" val="0"/>
+                </a:ext>
+              </a:extLst>
+            </a:blip>
+            <a:srcRect l="13914" t="21453" r="15531"/>
+            <a:stretch/>
+          </p:blipFill>
+          <p:spPr>
+            <a:xfrm>
+              <a:off x="10147193" y="1691302"/>
+              <a:ext cx="762000" cy="848307"/>
+            </a:xfrm>
+            <a:prstGeom prst="rect">
+              <a:avLst/>
+            </a:prstGeom>
+          </p:spPr>
+        </p:pic>
+        <p:sp>
+          <p:nvSpPr>
+            <p:cNvPr id="6" name="矩形 5"/>
+            <p:cNvSpPr/>
+            <p:nvPr/>
+          </p:nvSpPr>
+          <p:spPr>
+            <a:xfrm>
+              <a:off x="10047997" y="2265165"/>
+              <a:ext cx="960391" cy="369332"/>
+            </a:xfrm>
+            <a:prstGeom prst="rect">
+              <a:avLst/>
+            </a:prstGeom>
+          </p:spPr>
+          <p:txBody>
+            <a:bodyPr wrap="none">
+              <a:spAutoFit/>
+            </a:bodyPr>
+            <a:lstStyle/>
+            <a:p>
+              <a:r>
+                <a:rPr lang="en-US" altLang="zh-TW" dirty="0" smtClean="0"/>
+                <a:t>Attacker</a:t>
+              </a:r>
+              <a:endParaRPr lang="zh-TW" altLang="en-US" dirty="0"/>
+            </a:p>
+          </p:txBody>
+        </p:sp>
+      </p:grpSp>
+      <p:cxnSp>
+        <p:nvCxnSpPr>
+          <p:cNvPr id="83" name="直線單箭頭接點 82"/>
+          <p:cNvCxnSpPr>
+            <a:stCxn id="75" idx="1"/>
+            <a:endCxn id="82" idx="3"/>
+          </p:cNvCxnSpPr>
+          <p:nvPr/>
+        </p:nvCxnSpPr>
+        <p:spPr>
+          <a:xfrm flipH="1">
+            <a:off x="7564380" y="1115546"/>
+            <a:ext cx="915775" cy="748876"/>
+          </a:xfrm>
+          <a:prstGeom prst="straightConnector1">
+            <a:avLst/>
+          </a:prstGeom>
+          <a:ln w="38100">
+            <a:solidFill>
+              <a:srgbClr val="00B050"/>
+            </a:solidFill>
+            <a:tailEnd type="triangle"/>
+          </a:ln>
+        </p:spPr>
+        <p:style>
+          <a:lnRef idx="1">
+            <a:schemeClr val="accent1"/>
+          </a:lnRef>
+          <a:fillRef idx="0">
+            <a:schemeClr val="accent1"/>
+          </a:fillRef>
+          <a:effectRef idx="0">
+            <a:schemeClr val="accent1"/>
+          </a:effectRef>
+          <a:fontRef idx="minor">
+            <a:schemeClr val="tx1"/>
+          </a:fontRef>
+        </p:style>
+      </p:cxnSp>
+      <p:sp>
+        <p:nvSpPr>
+          <p:cNvPr id="91" name="文字方塊 90"/>
+          <p:cNvSpPr txBox="1"/>
+          <p:nvPr/>
+        </p:nvSpPr>
+        <p:spPr>
+          <a:xfrm>
+            <a:off x="6777346" y="1108911"/>
+            <a:ext cx="1107996" cy="276999"/>
+          </a:xfrm>
+          <a:prstGeom prst="rect">
+            <a:avLst/>
+          </a:prstGeom>
+          <a:noFill/>
+        </p:spPr>
+        <p:txBody>
+          <a:bodyPr wrap="none" rtlCol="0">
+            <a:spAutoFit/>
+          </a:bodyPr>
+          <a:lstStyle/>
+          <a:p>
+            <a:pPr algn="ctr"/>
+            <a:r>
+              <a:rPr lang="zh-TW" altLang="en-US" sz="1200" dirty="0" smtClean="0">
+                <a:latin typeface="微軟正黑體" panose="020B0604030504040204" pitchFamily="34" charset="-120"/>
+                <a:ea typeface="微軟正黑體" panose="020B0604030504040204" pitchFamily="34" charset="-120"/>
+              </a:rPr>
+              <a:t>取得網頁內容</a:t>
+            </a:r>
+            <a:endParaRPr lang="zh-TW" altLang="en-US" sz="1200" dirty="0">
+              <a:latin typeface="微軟正黑體" panose="020B0604030504040204" pitchFamily="34" charset="-120"/>
+              <a:ea typeface="微軟正黑體" panose="020B0604030504040204" pitchFamily="34" charset="-120"/>
+            </a:endParaRPr>
+          </a:p>
+        </p:txBody>
+      </p:sp>
+      <p:cxnSp>
+        <p:nvCxnSpPr>
+          <p:cNvPr id="92" name="直線單箭頭接點 91"/>
+          <p:cNvCxnSpPr>
+            <a:stCxn id="3" idx="1"/>
+            <a:endCxn id="75" idx="3"/>
+          </p:cNvCxnSpPr>
+          <p:nvPr/>
+        </p:nvCxnSpPr>
+        <p:spPr>
+          <a:xfrm flipH="1" flipV="1">
+            <a:off x="9260951" y="1115546"/>
+            <a:ext cx="1260828" cy="738701"/>
+          </a:xfrm>
+          <a:prstGeom prst="straightConnector1">
+            <a:avLst/>
+          </a:prstGeom>
+          <a:ln w="38100">
+            <a:solidFill>
+              <a:srgbClr val="FF0000"/>
+            </a:solidFill>
+            <a:prstDash val="solid"/>
+            <a:tailEnd type="triangle"/>
+          </a:ln>
+        </p:spPr>
+        <p:style>
+          <a:lnRef idx="1">
+            <a:schemeClr val="accent1"/>
+          </a:lnRef>
+          <a:fillRef idx="0">
+            <a:schemeClr val="accent1"/>
+          </a:fillRef>
+          <a:effectRef idx="0">
+            <a:schemeClr val="accent1"/>
+          </a:effectRef>
+          <a:fontRef idx="minor">
+            <a:schemeClr val="tx1"/>
+          </a:fontRef>
+        </p:style>
+      </p:cxnSp>
+      <p:sp>
+        <p:nvSpPr>
+          <p:cNvPr id="93" name="文字方塊 92"/>
+          <p:cNvSpPr txBox="1"/>
+          <p:nvPr/>
+        </p:nvSpPr>
+        <p:spPr>
+          <a:xfrm>
+            <a:off x="10139750" y="1216738"/>
+            <a:ext cx="1107996" cy="276999"/>
+          </a:xfrm>
+          <a:prstGeom prst="rect">
+            <a:avLst/>
+          </a:prstGeom>
+          <a:noFill/>
+        </p:spPr>
+        <p:txBody>
+          <a:bodyPr wrap="none" rtlCol="0">
+            <a:spAutoFit/>
+          </a:bodyPr>
+          <a:lstStyle/>
+          <a:p>
+            <a:pPr algn="ctr"/>
+            <a:r>
+              <a:rPr lang="zh-TW" altLang="en-US" sz="1200" dirty="0" smtClean="0">
+                <a:latin typeface="微軟正黑體" panose="020B0604030504040204" pitchFamily="34" charset="-120"/>
+                <a:ea typeface="微軟正黑體" panose="020B0604030504040204" pitchFamily="34" charset="-120"/>
+              </a:rPr>
+              <a:t>注入惡意程式</a:t>
+            </a:r>
+            <a:endParaRPr lang="zh-TW" altLang="en-US" sz="1200" dirty="0">
+              <a:latin typeface="微軟正黑體" panose="020B0604030504040204" pitchFamily="34" charset="-120"/>
+              <a:ea typeface="微軟正黑體" panose="020B0604030504040204" pitchFamily="34" charset="-120"/>
+            </a:endParaRPr>
+          </a:p>
+        </p:txBody>
+      </p:sp>
+      <p:sp>
+        <p:nvSpPr>
+          <p:cNvPr id="94" name="橢圓 93"/>
+          <p:cNvSpPr/>
+          <p:nvPr/>
+        </p:nvSpPr>
+        <p:spPr>
+          <a:xfrm>
+            <a:off x="7955552" y="2444806"/>
+            <a:ext cx="213212" cy="213212"/>
+          </a:xfrm>
+          <a:prstGeom prst="ellipse">
+            <a:avLst/>
+          </a:prstGeom>
+        </p:spPr>
+        <p:style>
+          <a:lnRef idx="0">
+            <a:schemeClr val="accent2"/>
+          </a:lnRef>
+          <a:fillRef idx="3">
+            <a:schemeClr val="accent2"/>
+          </a:fillRef>
+          <a:effectRef idx="3">
+            <a:schemeClr val="accent2"/>
+          </a:effectRef>
+          <a:fontRef idx="minor">
+            <a:schemeClr val="lt1"/>
+          </a:fontRef>
+        </p:style>
+        <p:txBody>
+          <a:bodyPr rtlCol="0" anchor="ctr"/>
+          <a:lstStyle/>
+          <a:p>
+            <a:pPr algn="ctr"/>
+            <a:r>
+              <a:rPr lang="en-US" altLang="zh-TW" sz="1200" b="1" dirty="0" smtClean="0">
+                <a:ea typeface="微軟正黑體" panose="020B0604030504040204" pitchFamily="34" charset="-120"/>
+              </a:rPr>
+              <a:t>3</a:t>
+            </a:r>
+            <a:endParaRPr lang="zh-TW" altLang="en-US" sz="1200" b="1" dirty="0">
+              <a:ea typeface="微軟正黑體" panose="020B0604030504040204" pitchFamily="34" charset="-120"/>
+            </a:endParaRPr>
+          </a:p>
+        </p:txBody>
+      </p:sp>
+      <p:sp>
+        <p:nvSpPr>
+          <p:cNvPr id="95" name="文字方塊 94"/>
+          <p:cNvSpPr txBox="1"/>
+          <p:nvPr/>
+        </p:nvSpPr>
+        <p:spPr>
+          <a:xfrm>
+            <a:off x="7662492" y="2658018"/>
+            <a:ext cx="800219" cy="276999"/>
+          </a:xfrm>
+          <a:prstGeom prst="rect">
+            <a:avLst/>
+          </a:prstGeom>
+          <a:noFill/>
+        </p:spPr>
+        <p:txBody>
+          <a:bodyPr wrap="none" rtlCol="0">
+            <a:spAutoFit/>
+          </a:bodyPr>
+          <a:lstStyle/>
+          <a:p>
+            <a:pPr algn="ctr"/>
+            <a:r>
+              <a:rPr lang="zh-TW" altLang="en-US" sz="1200" dirty="0" smtClean="0">
+                <a:latin typeface="微軟正黑體" panose="020B0604030504040204" pitchFamily="34" charset="-120"/>
+                <a:ea typeface="微軟正黑體" panose="020B0604030504040204" pitchFamily="34" charset="-120"/>
+              </a:rPr>
+              <a:t>回傳資料</a:t>
+            </a:r>
+            <a:endParaRPr lang="zh-TW" altLang="en-US" sz="1200" dirty="0">
+              <a:latin typeface="微軟正黑體" panose="020B0604030504040204" pitchFamily="34" charset="-120"/>
+              <a:ea typeface="微軟正黑體" panose="020B0604030504040204" pitchFamily="34" charset="-120"/>
+            </a:endParaRPr>
+          </a:p>
+        </p:txBody>
+      </p:sp>
+      <p:sp>
+        <p:nvSpPr>
+          <p:cNvPr id="44" name="圓角矩形 43"/>
+          <p:cNvSpPr/>
+          <p:nvPr/>
+        </p:nvSpPr>
+        <p:spPr>
+          <a:xfrm>
+            <a:off x="7059422" y="1805710"/>
+            <a:ext cx="452496" cy="191961"/>
+          </a:xfrm>
+          <a:prstGeom prst="roundRect">
+            <a:avLst/>
+          </a:prstGeom>
+          <a:solidFill>
+            <a:schemeClr val="bg1"/>
+          </a:solidFill>
+          <a:ln w="28575">
+            <a:solidFill>
+              <a:srgbClr val="FF5050"/>
+            </a:solidFill>
+            <a:prstDash val="sysDash"/>
+          </a:ln>
+        </p:spPr>
+        <p:style>
+          <a:lnRef idx="2">
+            <a:schemeClr val="accent1">
+              <a:shade val="50000"/>
+            </a:schemeClr>
+          </a:lnRef>
+          <a:fillRef idx="1">
+            <a:schemeClr val="accent1"/>
+          </a:fillRef>
+          <a:effectRef idx="0">
+            <a:schemeClr val="accent1"/>
+          </a:effectRef>
+          <a:fontRef idx="minor">
+            <a:schemeClr val="lt1"/>
+          </a:fontRef>
+        </p:style>
+        <p:txBody>
+          <a:bodyPr rtlCol="0" anchor="ctr"/>
+          <a:lstStyle/>
+          <a:p>
+            <a:pPr algn="ctr"/>
+            <a:r>
+              <a:rPr lang="en-US" altLang="zh-TW" sz="1200" dirty="0" smtClean="0">
+                <a:solidFill>
+                  <a:srgbClr val="FF0000"/>
+                </a:solidFill>
+              </a:rPr>
+              <a:t>XSS</a:t>
+            </a:r>
+            <a:endParaRPr lang="zh-TW" altLang="en-US" sz="1200" dirty="0">
+              <a:solidFill>
+                <a:srgbClr val="FF0000"/>
+              </a:solidFill>
+            </a:endParaRPr>
+          </a:p>
+        </p:txBody>
+      </p:sp>
     </p:spTree>
     <p:extLst>
       <p:ext uri="{BB962C8B-B14F-4D97-AF65-F5344CB8AC3E}">
@@ -36951,18 +37801,18 @@
 </file>
 
 <file path=customXml/item1.xml><?xml version="1.0" encoding="utf-8"?>
-<p:properties xmlns:p="http://schemas.microsoft.com/office/2006/metadata/properties" xmlns:xsi="http://www.w3.org/2001/XMLSchema-instance">
-  <documentManagement/>
-</p:properties>
-</file>
-
-<file path=customXml/item2.xml><?xml version="1.0" encoding="utf-8"?>
 <?mso-contentType ?>
 <FormTemplates xmlns="http://schemas.microsoft.com/sharepoint/v3/contenttype/forms">
   <Display>DocumentLibraryForm</Display>
   <Edit>DocumentLibraryForm</Edit>
   <New>DocumentLibraryForm</New>
 </FormTemplates>
+</file>
+
+<file path=customXml/item2.xml><?xml version="1.0" encoding="utf-8"?>
+<p:properties xmlns:p="http://schemas.microsoft.com/office/2006/metadata/properties" xmlns:xsi="http://www.w3.org/2001/XMLSchema-instance">
+  <documentManagement/>
+</p:properties>
 </file>
 
 <file path=customXml/item3.xml><?xml version="1.0" encoding="utf-8"?>
@@ -37015,6 +37865,14 @@
 </file>
 
 <file path=customXml/itemProps1.xml><?xml version="1.0" encoding="utf-8"?>
+<ds:datastoreItem xmlns:ds="http://schemas.openxmlformats.org/officeDocument/2006/customXml" ds:itemID="{A1770BF7-49D5-46D6-8B76-1D8AF290B450}">
+  <ds:schemaRefs>
+    <ds:schemaRef ds:uri="http://schemas.microsoft.com/sharepoint/v3/contenttype/forms"/>
+  </ds:schemaRefs>
+</ds:datastoreItem>
+</file>
+
+<file path=customXml/itemProps2.xml><?xml version="1.0" encoding="utf-8"?>
 <ds:datastoreItem xmlns:ds="http://schemas.openxmlformats.org/officeDocument/2006/customXml" ds:itemID="{892A9AA9-F261-48C5-9DFB-0929A9F0E540}">
   <ds:schemaRefs>
     <ds:schemaRef ds:uri="http://purl.org/dc/dcmitype/"/>
@@ -37024,14 +37882,6 @@
     <ds:schemaRef ds:uri="http://www.w3.org/XML/1998/namespace"/>
     <ds:schemaRef ds:uri="http://purl.org/dc/terms/"/>
     <ds:schemaRef ds:uri="http://schemas.openxmlformats.org/package/2006/metadata/core-properties"/>
-  </ds:schemaRefs>
-</ds:datastoreItem>
-</file>
-
-<file path=customXml/itemProps2.xml><?xml version="1.0" encoding="utf-8"?>
-<ds:datastoreItem xmlns:ds="http://schemas.openxmlformats.org/officeDocument/2006/customXml" ds:itemID="{A1770BF7-49D5-46D6-8B76-1D8AF290B450}">
-  <ds:schemaRefs>
-    <ds:schemaRef ds:uri="http://schemas.microsoft.com/sharepoint/v3/contenttype/forms"/>
   </ds:schemaRefs>
 </ds:datastoreItem>
 </file>

--- a/source/_assets/ironman.pptx
+++ b/source/_assets/ironman.pptx
@@ -26878,7 +26878,11 @@
               <a:pPr algn="ctr"/>
               <a:r>
                 <a:rPr lang="en-US" altLang="zh-TW" dirty="0" smtClean="0"/>
-                <a:t>Attacker Server</a:t>
+                <a:t>Attacker’s </a:t>
+              </a:r>
+              <a:r>
+                <a:rPr lang="en-US" altLang="zh-TW" dirty="0" smtClean="0"/>
+                <a:t>Server</a:t>
               </a:r>
               <a:endParaRPr lang="zh-TW" altLang="en-US" dirty="0"/>
             </a:p>
@@ -37801,18 +37805,18 @@
 </file>
 
 <file path=customXml/item1.xml><?xml version="1.0" encoding="utf-8"?>
+<p:properties xmlns:p="http://schemas.microsoft.com/office/2006/metadata/properties" xmlns:xsi="http://www.w3.org/2001/XMLSchema-instance">
+  <documentManagement/>
+</p:properties>
+</file>
+
+<file path=customXml/item2.xml><?xml version="1.0" encoding="utf-8"?>
 <?mso-contentType ?>
 <FormTemplates xmlns="http://schemas.microsoft.com/sharepoint/v3/contenttype/forms">
   <Display>DocumentLibraryForm</Display>
   <Edit>DocumentLibraryForm</Edit>
   <New>DocumentLibraryForm</New>
 </FormTemplates>
-</file>
-
-<file path=customXml/item2.xml><?xml version="1.0" encoding="utf-8"?>
-<p:properties xmlns:p="http://schemas.microsoft.com/office/2006/metadata/properties" xmlns:xsi="http://www.w3.org/2001/XMLSchema-instance">
-  <documentManagement/>
-</p:properties>
 </file>
 
 <file path=customXml/item3.xml><?xml version="1.0" encoding="utf-8"?>
@@ -37865,14 +37869,6 @@
 </file>
 
 <file path=customXml/itemProps1.xml><?xml version="1.0" encoding="utf-8"?>
-<ds:datastoreItem xmlns:ds="http://schemas.openxmlformats.org/officeDocument/2006/customXml" ds:itemID="{A1770BF7-49D5-46D6-8B76-1D8AF290B450}">
-  <ds:schemaRefs>
-    <ds:schemaRef ds:uri="http://schemas.microsoft.com/sharepoint/v3/contenttype/forms"/>
-  </ds:schemaRefs>
-</ds:datastoreItem>
-</file>
-
-<file path=customXml/itemProps2.xml><?xml version="1.0" encoding="utf-8"?>
 <ds:datastoreItem xmlns:ds="http://schemas.openxmlformats.org/officeDocument/2006/customXml" ds:itemID="{892A9AA9-F261-48C5-9DFB-0929A9F0E540}">
   <ds:schemaRefs>
     <ds:schemaRef ds:uri="http://purl.org/dc/dcmitype/"/>
@@ -37882,6 +37878,14 @@
     <ds:schemaRef ds:uri="http://www.w3.org/XML/1998/namespace"/>
     <ds:schemaRef ds:uri="http://purl.org/dc/terms/"/>
     <ds:schemaRef ds:uri="http://schemas.openxmlformats.org/package/2006/metadata/core-properties"/>
+  </ds:schemaRefs>
+</ds:datastoreItem>
+</file>
+
+<file path=customXml/itemProps2.xml><?xml version="1.0" encoding="utf-8"?>
+<ds:datastoreItem xmlns:ds="http://schemas.openxmlformats.org/officeDocument/2006/customXml" ds:itemID="{A1770BF7-49D5-46D6-8B76-1D8AF290B450}">
+  <ds:schemaRefs>
+    <ds:schemaRef ds:uri="http://schemas.microsoft.com/sharepoint/v3/contenttype/forms"/>
   </ds:schemaRefs>
 </ds:datastoreItem>
 </file>

--- a/source/_assets/ironman.pptx
+++ b/source/_assets/ironman.pptx
@@ -5,10 +5,10 @@
     <p:sldMasterId id="2147483752" r:id="rId4"/>
   </p:sldMasterIdLst>
   <p:notesMasterIdLst>
-    <p:notesMasterId r:id="rId31"/>
+    <p:notesMasterId r:id="rId32"/>
   </p:notesMasterIdLst>
   <p:handoutMasterIdLst>
-    <p:handoutMasterId r:id="rId32"/>
+    <p:handoutMasterId r:id="rId33"/>
   </p:handoutMasterIdLst>
   <p:sldIdLst>
     <p:sldId id="316" r:id="rId5"/>
@@ -37,6 +37,7 @@
     <p:sldId id="348" r:id="rId28"/>
     <p:sldId id="350" r:id="rId29"/>
     <p:sldId id="351" r:id="rId30"/>
+    <p:sldId id="352" r:id="rId31"/>
   </p:sldIdLst>
   <p:sldSz cx="12192000" cy="6858000"/>
   <p:notesSz cx="7099300" cy="10234613"/>
@@ -251,7 +252,7 @@
             <a:fld id="{3CDD3A71-4C75-488C-A8F3-A1F163ED0DB9}" type="datetimeFigureOut">
               <a:rPr lang="en-US" smtClean="0"/>
               <a:pPr/>
-              <a:t>1/12/2018</a:t>
+              <a:t>1/15/2018</a:t>
             </a:fld>
             <a:endParaRPr lang="en-US" dirty="0"/>
           </a:p>
@@ -419,7 +420,7 @@
             <a:fld id="{523CC419-8FB3-4D1C-8127-E63C1A13459D}" type="datetimeFigureOut">
               <a:rPr lang="en-US" smtClean="0"/>
               <a:pPr/>
-              <a:t>1/12/2018</a:t>
+              <a:t>1/15/2018</a:t>
             </a:fld>
             <a:endParaRPr lang="en-US" dirty="0"/>
           </a:p>
@@ -822,7 +823,7 @@
           <a:p>
             <a:fld id="{237FF733-248C-4CF7-A090-89CF012E357B}" type="datetimeFigureOut">
               <a:rPr lang="zh-TW" altLang="en-US" smtClean="0"/>
-              <a:t>2018/1/12</a:t>
+              <a:t>2018/1/15</a:t>
             </a:fld>
             <a:endParaRPr lang="zh-TW" altLang="en-US"/>
           </a:p>
@@ -993,7 +994,7 @@
           <a:p>
             <a:fld id="{237FF733-248C-4CF7-A090-89CF012E357B}" type="datetimeFigureOut">
               <a:rPr lang="zh-TW" altLang="en-US" smtClean="0"/>
-              <a:t>2018/1/12</a:t>
+              <a:t>2018/1/15</a:t>
             </a:fld>
             <a:endParaRPr lang="zh-TW" altLang="en-US"/>
           </a:p>
@@ -1174,7 +1175,7 @@
           <a:p>
             <a:fld id="{237FF733-248C-4CF7-A090-89CF012E357B}" type="datetimeFigureOut">
               <a:rPr lang="zh-TW" altLang="en-US" smtClean="0"/>
-              <a:t>2018/1/12</a:t>
+              <a:t>2018/1/15</a:t>
             </a:fld>
             <a:endParaRPr lang="zh-TW" altLang="en-US"/>
           </a:p>
@@ -1345,7 +1346,7 @@
           <a:p>
             <a:fld id="{237FF733-248C-4CF7-A090-89CF012E357B}" type="datetimeFigureOut">
               <a:rPr lang="zh-TW" altLang="en-US" smtClean="0"/>
-              <a:t>2018/1/12</a:t>
+              <a:t>2018/1/15</a:t>
             </a:fld>
             <a:endParaRPr lang="zh-TW" altLang="en-US"/>
           </a:p>
@@ -1592,7 +1593,7 @@
           <a:p>
             <a:fld id="{237FF733-248C-4CF7-A090-89CF012E357B}" type="datetimeFigureOut">
               <a:rPr lang="zh-TW" altLang="en-US" smtClean="0"/>
-              <a:t>2018/1/12</a:t>
+              <a:t>2018/1/15</a:t>
             </a:fld>
             <a:endParaRPr lang="zh-TW" altLang="en-US"/>
           </a:p>
@@ -1825,7 +1826,7 @@
           <a:p>
             <a:fld id="{237FF733-248C-4CF7-A090-89CF012E357B}" type="datetimeFigureOut">
               <a:rPr lang="zh-TW" altLang="en-US" smtClean="0"/>
-              <a:t>2018/1/12</a:t>
+              <a:t>2018/1/15</a:t>
             </a:fld>
             <a:endParaRPr lang="zh-TW" altLang="en-US"/>
           </a:p>
@@ -2193,7 +2194,7 @@
           <a:p>
             <a:fld id="{237FF733-248C-4CF7-A090-89CF012E357B}" type="datetimeFigureOut">
               <a:rPr lang="zh-TW" altLang="en-US" smtClean="0"/>
-              <a:t>2018/1/12</a:t>
+              <a:t>2018/1/15</a:t>
             </a:fld>
             <a:endParaRPr lang="zh-TW" altLang="en-US"/>
           </a:p>
@@ -2312,7 +2313,7 @@
           <a:p>
             <a:fld id="{237FF733-248C-4CF7-A090-89CF012E357B}" type="datetimeFigureOut">
               <a:rPr lang="zh-TW" altLang="en-US" smtClean="0"/>
-              <a:t>2018/1/12</a:t>
+              <a:t>2018/1/15</a:t>
             </a:fld>
             <a:endParaRPr lang="zh-TW" altLang="en-US"/>
           </a:p>
@@ -2408,7 +2409,7 @@
           <a:p>
             <a:fld id="{237FF733-248C-4CF7-A090-89CF012E357B}" type="datetimeFigureOut">
               <a:rPr lang="zh-TW" altLang="en-US" smtClean="0"/>
-              <a:t>2018/1/12</a:t>
+              <a:t>2018/1/15</a:t>
             </a:fld>
             <a:endParaRPr lang="zh-TW" altLang="en-US"/>
           </a:p>
@@ -2686,7 +2687,7 @@
           <a:p>
             <a:fld id="{237FF733-248C-4CF7-A090-89CF012E357B}" type="datetimeFigureOut">
               <a:rPr lang="zh-TW" altLang="en-US" smtClean="0"/>
-              <a:t>2018/1/12</a:t>
+              <a:t>2018/1/15</a:t>
             </a:fld>
             <a:endParaRPr lang="zh-TW" altLang="en-US"/>
           </a:p>
@@ -2944,7 +2945,7 @@
           <a:p>
             <a:fld id="{237FF733-248C-4CF7-A090-89CF012E357B}" type="datetimeFigureOut">
               <a:rPr lang="zh-TW" altLang="en-US" smtClean="0"/>
-              <a:t>2018/1/12</a:t>
+              <a:t>2018/1/15</a:t>
             </a:fld>
             <a:endParaRPr lang="zh-TW" altLang="en-US"/>
           </a:p>
@@ -3158,7 +3159,7 @@
           <a:p>
             <a:fld id="{237FF733-248C-4CF7-A090-89CF012E357B}" type="datetimeFigureOut">
               <a:rPr lang="zh-TW" altLang="en-US" smtClean="0"/>
-              <a:t>2018/1/12</a:t>
+              <a:t>2018/1/15</a:t>
             </a:fld>
             <a:endParaRPr lang="zh-TW" altLang="en-US"/>
           </a:p>
@@ -26878,11 +26879,7 @@
               <a:pPr algn="ctr"/>
               <a:r>
                 <a:rPr lang="en-US" altLang="zh-TW" dirty="0" smtClean="0"/>
-                <a:t>Attacker’s </a:t>
-              </a:r>
-              <a:r>
-                <a:rPr lang="en-US" altLang="zh-TW" dirty="0" smtClean="0"/>
-                <a:t>Server</a:t>
+                <a:t>Attacker’s Server</a:t>
               </a:r>
               <a:endParaRPr lang="zh-TW" altLang="en-US" dirty="0"/>
             </a:p>
@@ -27582,6 +27579,1811 @@
             </p:seq>
           </p:childTnLst>
         </p:cTn>
+      </p:par>
+    </p:tnLst>
+  </p:timing>
+</p:sld>
+</file>
+
+<file path=ppt/slides/slide27.xml><?xml version="1.0" encoding="utf-8"?>
+<p:sld xmlns:a="http://schemas.openxmlformats.org/drawingml/2006/main" xmlns:r="http://schemas.openxmlformats.org/officeDocument/2006/relationships" xmlns:p="http://schemas.openxmlformats.org/presentationml/2006/main">
+  <p:cSld>
+    <p:spTree>
+      <p:nvGrpSpPr>
+        <p:cNvPr id="1" name=""/>
+        <p:cNvGrpSpPr/>
+        <p:nvPr/>
+      </p:nvGrpSpPr>
+      <p:grpSpPr>
+        <a:xfrm>
+          <a:off x="0" y="0"/>
+          <a:ext cx="0" cy="0"/>
+          <a:chOff x="0" y="0"/>
+          <a:chExt cx="0" cy="0"/>
+        </a:xfrm>
+      </p:grpSpPr>
+      <p:cxnSp>
+        <p:nvCxnSpPr>
+          <p:cNvPr id="59" name="肘形接點 58"/>
+          <p:cNvCxnSpPr>
+            <a:stCxn id="37" idx="3"/>
+          </p:cNvCxnSpPr>
+          <p:nvPr/>
+        </p:nvCxnSpPr>
+        <p:spPr>
+          <a:xfrm flipH="1" flipV="1">
+            <a:off x="941294" y="672347"/>
+            <a:ext cx="1736976" cy="1504211"/>
+          </a:xfrm>
+          <a:prstGeom prst="bentConnector3">
+            <a:avLst>
+              <a:gd name="adj1" fmla="val 17343"/>
+            </a:avLst>
+          </a:prstGeom>
+          <a:ln w="38100">
+            <a:solidFill>
+              <a:schemeClr val="tx1"/>
+            </a:solidFill>
+            <a:tailEnd type="triangle"/>
+          </a:ln>
+        </p:spPr>
+        <p:style>
+          <a:lnRef idx="1">
+            <a:schemeClr val="accent1"/>
+          </a:lnRef>
+          <a:fillRef idx="0">
+            <a:schemeClr val="accent1"/>
+          </a:fillRef>
+          <a:effectRef idx="0">
+            <a:schemeClr val="accent1"/>
+          </a:effectRef>
+          <a:fontRef idx="minor">
+            <a:schemeClr val="tx1"/>
+          </a:fontRef>
+        </p:style>
+      </p:cxnSp>
+      <p:sp>
+        <p:nvSpPr>
+          <p:cNvPr id="5" name="矩形 4"/>
+          <p:cNvSpPr/>
+          <p:nvPr/>
+        </p:nvSpPr>
+        <p:spPr>
+          <a:xfrm>
+            <a:off x="5893043" y="79176"/>
+            <a:ext cx="5115969" cy="2685884"/>
+          </a:xfrm>
+          <a:prstGeom prst="rect">
+            <a:avLst/>
+          </a:prstGeom>
+          <a:noFill/>
+          <a:ln w="28575">
+            <a:prstDash val="lgDash"/>
+          </a:ln>
+        </p:spPr>
+        <p:style>
+          <a:lnRef idx="2">
+            <a:schemeClr val="dk1">
+              <a:shade val="50000"/>
+            </a:schemeClr>
+          </a:lnRef>
+          <a:fillRef idx="1">
+            <a:schemeClr val="dk1"/>
+          </a:fillRef>
+          <a:effectRef idx="0">
+            <a:schemeClr val="dk1"/>
+          </a:effectRef>
+          <a:fontRef idx="minor">
+            <a:schemeClr val="lt1"/>
+          </a:fontRef>
+        </p:style>
+        <p:txBody>
+          <a:bodyPr rtlCol="0" anchor="ctr"/>
+          <a:lstStyle/>
+          <a:p>
+            <a:pPr algn="ctr"/>
+            <a:endParaRPr lang="zh-TW" altLang="en-US"/>
+          </a:p>
+        </p:txBody>
+      </p:sp>
+      <p:grpSp>
+        <p:nvGrpSpPr>
+          <p:cNvPr id="7" name="群組 6"/>
+          <p:cNvGrpSpPr/>
+          <p:nvPr/>
+        </p:nvGrpSpPr>
+        <p:grpSpPr>
+          <a:xfrm>
+            <a:off x="4070952" y="1761573"/>
+            <a:ext cx="1194060" cy="1210227"/>
+            <a:chOff x="941473" y="1579980"/>
+            <a:chExt cx="1769199" cy="1869369"/>
+          </a:xfrm>
+        </p:grpSpPr>
+        <p:pic>
+          <p:nvPicPr>
+            <p:cNvPr id="8" name="圖片 7"/>
+            <p:cNvPicPr>
+              <a:picLocks noChangeAspect="1"/>
+            </p:cNvPicPr>
+            <p:nvPr/>
+          </p:nvPicPr>
+          <p:blipFill>
+            <a:blip r:embed="rId2">
+              <a:extLst>
+                <a:ext uri="{28A0092B-C50C-407E-A947-70E740481C1C}">
+                  <a14:useLocalDpi xmlns:a14="http://schemas.microsoft.com/office/drawing/2010/main" val="0"/>
+                </a:ext>
+              </a:extLst>
+            </a:blip>
+            <a:stretch>
+              <a:fillRect/>
+            </a:stretch>
+          </p:blipFill>
+          <p:spPr>
+            <a:xfrm>
+              <a:off x="1241656" y="1579980"/>
+              <a:ext cx="1156879" cy="1287657"/>
+            </a:xfrm>
+            <a:prstGeom prst="rect">
+              <a:avLst/>
+            </a:prstGeom>
+          </p:spPr>
+        </p:pic>
+        <p:sp>
+          <p:nvSpPr>
+            <p:cNvPr id="9" name="文字方塊 8"/>
+            <p:cNvSpPr txBox="1"/>
+            <p:nvPr/>
+          </p:nvSpPr>
+          <p:spPr>
+            <a:xfrm>
+              <a:off x="941473" y="2878863"/>
+              <a:ext cx="1769199" cy="570486"/>
+            </a:xfrm>
+            <a:prstGeom prst="rect">
+              <a:avLst/>
+            </a:prstGeom>
+            <a:noFill/>
+          </p:spPr>
+          <p:txBody>
+            <a:bodyPr wrap="square" rtlCol="0">
+              <a:spAutoFit/>
+            </a:bodyPr>
+            <a:lstStyle/>
+            <a:p>
+              <a:pPr algn="ctr"/>
+              <a:r>
+                <a:rPr lang="en-US" altLang="zh-TW" dirty="0" smtClean="0"/>
+                <a:t>Website</a:t>
+              </a:r>
+              <a:endParaRPr lang="zh-TW" altLang="en-US" dirty="0"/>
+            </a:p>
+          </p:txBody>
+        </p:sp>
+      </p:grpSp>
+      <p:grpSp>
+        <p:nvGrpSpPr>
+          <p:cNvPr id="3" name="群組 2"/>
+          <p:cNvGrpSpPr/>
+          <p:nvPr/>
+        </p:nvGrpSpPr>
+        <p:grpSpPr>
+          <a:xfrm>
+            <a:off x="2154433" y="5203051"/>
+            <a:ext cx="1244380" cy="864807"/>
+            <a:chOff x="4301463" y="4218085"/>
+            <a:chExt cx="1244380" cy="864807"/>
+          </a:xfrm>
+        </p:grpSpPr>
+        <p:pic>
+          <p:nvPicPr>
+            <p:cNvPr id="22" name="圖片 21"/>
+            <p:cNvPicPr>
+              <a:picLocks noChangeAspect="1"/>
+            </p:cNvPicPr>
+            <p:nvPr/>
+          </p:nvPicPr>
+          <p:blipFill>
+            <a:blip r:embed="rId3">
+              <a:extLst>
+                <a:ext uri="{28A0092B-C50C-407E-A947-70E740481C1C}">
+                  <a14:useLocalDpi xmlns:a14="http://schemas.microsoft.com/office/drawing/2010/main" val="0"/>
+                </a:ext>
+              </a:extLst>
+            </a:blip>
+            <a:stretch>
+              <a:fillRect/>
+            </a:stretch>
+          </p:blipFill>
+          <p:spPr>
+            <a:xfrm>
+              <a:off x="4316081" y="4362892"/>
+              <a:ext cx="720000" cy="720000"/>
+            </a:xfrm>
+            <a:prstGeom prst="rect">
+              <a:avLst/>
+            </a:prstGeom>
+          </p:spPr>
+        </p:pic>
+        <p:sp>
+          <p:nvSpPr>
+            <p:cNvPr id="25" name="文字方塊 24"/>
+            <p:cNvSpPr txBox="1"/>
+            <p:nvPr/>
+          </p:nvSpPr>
+          <p:spPr>
+            <a:xfrm>
+              <a:off x="4301463" y="4218085"/>
+              <a:ext cx="1244380" cy="276999"/>
+            </a:xfrm>
+            <a:prstGeom prst="rect">
+              <a:avLst/>
+            </a:prstGeom>
+            <a:noFill/>
+          </p:spPr>
+          <p:txBody>
+            <a:bodyPr wrap="none" rtlCol="0">
+              <a:spAutoFit/>
+            </a:bodyPr>
+            <a:lstStyle/>
+            <a:p>
+              <a:r>
+                <a:rPr lang="en-US" altLang="zh-TW" sz="1200" b="1" dirty="0" smtClean="0">
+                  <a:latin typeface="微軟正黑體" panose="020B0604030504040204" pitchFamily="34" charset="-120"/>
+                  <a:ea typeface="微軟正黑體" panose="020B0604030504040204" pitchFamily="34" charset="-120"/>
+                </a:rPr>
+                <a:t>Response </a:t>
+              </a:r>
+              <a:r>
+                <a:rPr lang="zh-TW" altLang="en-US" sz="1200" b="1" dirty="0" smtClean="0">
+                  <a:latin typeface="微軟正黑體" panose="020B0604030504040204" pitchFamily="34" charset="-120"/>
+                  <a:ea typeface="微軟正黑體" panose="020B0604030504040204" pitchFamily="34" charset="-120"/>
+                </a:rPr>
+                <a:t>快取</a:t>
+              </a:r>
+              <a:endParaRPr lang="zh-TW" altLang="en-US" sz="1200" b="1" dirty="0">
+                <a:latin typeface="微軟正黑體" panose="020B0604030504040204" pitchFamily="34" charset="-120"/>
+                <a:ea typeface="微軟正黑體" panose="020B0604030504040204" pitchFamily="34" charset="-120"/>
+              </a:endParaRPr>
+            </a:p>
+          </p:txBody>
+        </p:sp>
+      </p:grpSp>
+      <p:sp>
+        <p:nvSpPr>
+          <p:cNvPr id="27" name="文字方塊 26"/>
+          <p:cNvSpPr txBox="1"/>
+          <p:nvPr/>
+        </p:nvSpPr>
+        <p:spPr>
+          <a:xfrm>
+            <a:off x="207424" y="304800"/>
+            <a:ext cx="954107" cy="276999"/>
+          </a:xfrm>
+          <a:prstGeom prst="rect">
+            <a:avLst/>
+          </a:prstGeom>
+          <a:noFill/>
+        </p:spPr>
+        <p:txBody>
+          <a:bodyPr wrap="none" rtlCol="0">
+            <a:spAutoFit/>
+          </a:bodyPr>
+          <a:lstStyle/>
+          <a:p>
+            <a:r>
+              <a:rPr lang="zh-TW" altLang="en-US" sz="1200" b="1" dirty="0" smtClean="0">
+                <a:latin typeface="微軟正黑體" panose="020B0604030504040204" pitchFamily="34" charset="-120"/>
+                <a:ea typeface="微軟正黑體" panose="020B0604030504040204" pitchFamily="34" charset="-120"/>
+              </a:rPr>
+              <a:t>瀏覽器</a:t>
+            </a:r>
+            <a:r>
+              <a:rPr lang="zh-TW" altLang="en-US" sz="1200" b="1" dirty="0">
+                <a:latin typeface="微軟正黑體" panose="020B0604030504040204" pitchFamily="34" charset="-120"/>
+                <a:ea typeface="微軟正黑體" panose="020B0604030504040204" pitchFamily="34" charset="-120"/>
+              </a:rPr>
+              <a:t>暫</a:t>
+            </a:r>
+            <a:r>
+              <a:rPr lang="zh-TW" altLang="en-US" sz="1200" b="1" dirty="0" smtClean="0">
+                <a:latin typeface="微軟正黑體" panose="020B0604030504040204" pitchFamily="34" charset="-120"/>
+                <a:ea typeface="微軟正黑體" panose="020B0604030504040204" pitchFamily="34" charset="-120"/>
+              </a:rPr>
+              <a:t>存</a:t>
+            </a:r>
+            <a:endParaRPr lang="zh-TW" altLang="en-US" sz="1200" b="1" dirty="0">
+              <a:latin typeface="微軟正黑體" panose="020B0604030504040204" pitchFamily="34" charset="-120"/>
+              <a:ea typeface="微軟正黑體" panose="020B0604030504040204" pitchFamily="34" charset="-120"/>
+            </a:endParaRPr>
+          </a:p>
+        </p:txBody>
+      </p:sp>
+      <p:grpSp>
+        <p:nvGrpSpPr>
+          <p:cNvPr id="30" name="群組 29"/>
+          <p:cNvGrpSpPr/>
+          <p:nvPr/>
+        </p:nvGrpSpPr>
+        <p:grpSpPr>
+          <a:xfrm>
+            <a:off x="1599615" y="1783252"/>
+            <a:ext cx="1142999" cy="1035570"/>
+            <a:chOff x="1066801" y="2626549"/>
+            <a:chExt cx="1695654" cy="1536281"/>
+          </a:xfrm>
+        </p:grpSpPr>
+        <p:sp>
+          <p:nvSpPr>
+            <p:cNvPr id="32" name="矩形 31"/>
+            <p:cNvSpPr/>
+            <p:nvPr/>
+          </p:nvSpPr>
+          <p:spPr>
+            <a:xfrm>
+              <a:off x="1155598" y="2628700"/>
+              <a:ext cx="1511402" cy="1164798"/>
+            </a:xfrm>
+            <a:prstGeom prst="rect">
+              <a:avLst/>
+            </a:prstGeom>
+            <a:solidFill>
+              <a:schemeClr val="bg1"/>
+            </a:solidFill>
+            <a:ln>
+              <a:noFill/>
+            </a:ln>
+          </p:spPr>
+          <p:style>
+            <a:lnRef idx="2">
+              <a:schemeClr val="accent1">
+                <a:shade val="50000"/>
+              </a:schemeClr>
+            </a:lnRef>
+            <a:fillRef idx="1">
+              <a:schemeClr val="accent1"/>
+            </a:fillRef>
+            <a:effectRef idx="0">
+              <a:schemeClr val="accent1"/>
+            </a:effectRef>
+            <a:fontRef idx="minor">
+              <a:schemeClr val="lt1"/>
+            </a:fontRef>
+          </p:style>
+          <p:txBody>
+            <a:bodyPr rtlCol="0" anchor="ctr"/>
+            <a:lstStyle/>
+            <a:p>
+              <a:pPr algn="ctr"/>
+              <a:endParaRPr lang="zh-TW" altLang="en-US"/>
+            </a:p>
+          </p:txBody>
+        </p:sp>
+        <p:grpSp>
+          <p:nvGrpSpPr>
+            <p:cNvPr id="34" name="群組 33"/>
+            <p:cNvGrpSpPr/>
+            <p:nvPr/>
+          </p:nvGrpSpPr>
+          <p:grpSpPr>
+            <a:xfrm>
+              <a:off x="1066801" y="2626549"/>
+              <a:ext cx="1695654" cy="1536281"/>
+              <a:chOff x="1141123" y="4728754"/>
+              <a:chExt cx="1695654" cy="1536281"/>
+            </a:xfrm>
+          </p:grpSpPr>
+          <p:pic>
+            <p:nvPicPr>
+              <p:cNvPr id="36" name="圖片 35"/>
+              <p:cNvPicPr>
+                <a:picLocks noChangeAspect="1"/>
+              </p:cNvPicPr>
+              <p:nvPr/>
+            </p:nvPicPr>
+            <p:blipFill>
+              <a:blip r:embed="rId4">
+                <a:extLst>
+                  <a:ext uri="{28A0092B-C50C-407E-A947-70E740481C1C}">
+                    <a14:useLocalDpi xmlns:a14="http://schemas.microsoft.com/office/drawing/2010/main" val="0"/>
+                  </a:ext>
+                </a:extLst>
+              </a:blip>
+              <a:stretch>
+                <a:fillRect/>
+              </a:stretch>
+            </p:blipFill>
+            <p:spPr>
+              <a:xfrm>
+                <a:off x="1541239" y="4974575"/>
+                <a:ext cx="895422" cy="895422"/>
+              </a:xfrm>
+              <a:prstGeom prst="rect">
+                <a:avLst/>
+              </a:prstGeom>
+            </p:spPr>
+          </p:pic>
+          <p:pic>
+            <p:nvPicPr>
+              <p:cNvPr id="37" name="圖片 36"/>
+              <p:cNvPicPr>
+                <a:picLocks noChangeAspect="1"/>
+              </p:cNvPicPr>
+              <p:nvPr/>
+            </p:nvPicPr>
+            <p:blipFill rotWithShape="1">
+              <a:blip r:embed="rId5">
+                <a:extLst>
+                  <a:ext uri="{28A0092B-C50C-407E-A947-70E740481C1C}">
+                    <a14:useLocalDpi xmlns:a14="http://schemas.microsoft.com/office/drawing/2010/main" val="0"/>
+                  </a:ext>
+                </a:extLst>
+              </a:blip>
+              <a:srcRect l="4494" t="15772" r="5630" b="15407"/>
+              <a:stretch/>
+            </p:blipFill>
+            <p:spPr>
+              <a:xfrm>
+                <a:off x="1217321" y="4728754"/>
+                <a:ext cx="1524001" cy="1166949"/>
+              </a:xfrm>
+              <a:prstGeom prst="rect">
+                <a:avLst/>
+              </a:prstGeom>
+            </p:spPr>
+          </p:pic>
+          <p:sp>
+            <p:nvSpPr>
+              <p:cNvPr id="38" name="文字方塊 37"/>
+              <p:cNvSpPr txBox="1"/>
+              <p:nvPr/>
+            </p:nvSpPr>
+            <p:spPr>
+              <a:xfrm>
+                <a:off x="1141123" y="5895703"/>
+                <a:ext cx="1695654" cy="369332"/>
+              </a:xfrm>
+              <a:prstGeom prst="rect">
+                <a:avLst/>
+              </a:prstGeom>
+              <a:noFill/>
+            </p:spPr>
+            <p:txBody>
+              <a:bodyPr wrap="square" rtlCol="0">
+                <a:spAutoFit/>
+              </a:bodyPr>
+              <a:lstStyle/>
+              <a:p>
+                <a:pPr algn="ctr"/>
+                <a:r>
+                  <a:rPr lang="en-US" altLang="zh-TW" dirty="0" smtClean="0"/>
+                  <a:t>User</a:t>
+                </a:r>
+                <a:endParaRPr lang="zh-TW" altLang="en-US" dirty="0"/>
+              </a:p>
+            </p:txBody>
+          </p:sp>
+        </p:grpSp>
+      </p:grpSp>
+      <p:pic>
+        <p:nvPicPr>
+          <p:cNvPr id="2" name="圖片 1"/>
+          <p:cNvPicPr>
+            <a:picLocks noChangeAspect="1"/>
+          </p:cNvPicPr>
+          <p:nvPr/>
+        </p:nvPicPr>
+        <p:blipFill>
+          <a:blip r:embed="rId6">
+            <a:extLst>
+              <a:ext uri="{28A0092B-C50C-407E-A947-70E740481C1C}">
+                <a14:useLocalDpi xmlns:a14="http://schemas.microsoft.com/office/drawing/2010/main" val="0"/>
+              </a:ext>
+            </a:extLst>
+          </a:blip>
+          <a:stretch>
+            <a:fillRect/>
+          </a:stretch>
+        </p:blipFill>
+        <p:spPr>
+          <a:xfrm>
+            <a:off x="379678" y="539464"/>
+            <a:ext cx="609600" cy="609600"/>
+          </a:xfrm>
+          <a:prstGeom prst="rect">
+            <a:avLst/>
+          </a:prstGeom>
+        </p:spPr>
+      </p:pic>
+      <p:cxnSp>
+        <p:nvCxnSpPr>
+          <p:cNvPr id="55" name="直線單箭頭接點 54"/>
+          <p:cNvCxnSpPr/>
+          <p:nvPr/>
+        </p:nvCxnSpPr>
+        <p:spPr>
+          <a:xfrm>
+            <a:off x="2669336" y="2361468"/>
+            <a:ext cx="1595280" cy="1829"/>
+          </a:xfrm>
+          <a:prstGeom prst="straightConnector1">
+            <a:avLst/>
+          </a:prstGeom>
+          <a:ln w="38100">
+            <a:solidFill>
+              <a:schemeClr val="tx1"/>
+            </a:solidFill>
+            <a:headEnd type="triangle" w="med" len="med"/>
+            <a:tailEnd type="none" w="med" len="med"/>
+          </a:ln>
+        </p:spPr>
+        <p:style>
+          <a:lnRef idx="1">
+            <a:schemeClr val="accent1"/>
+          </a:lnRef>
+          <a:fillRef idx="0">
+            <a:schemeClr val="accent1"/>
+          </a:fillRef>
+          <a:effectRef idx="0">
+            <a:schemeClr val="accent1"/>
+          </a:effectRef>
+          <a:fontRef idx="minor">
+            <a:schemeClr val="tx1"/>
+          </a:fontRef>
+        </p:style>
+      </p:cxnSp>
+      <p:cxnSp>
+        <p:nvCxnSpPr>
+          <p:cNvPr id="57" name="肘形接點 56"/>
+          <p:cNvCxnSpPr>
+            <a:stCxn id="37" idx="1"/>
+            <a:endCxn id="2" idx="2"/>
+          </p:cNvCxnSpPr>
+          <p:nvPr/>
+        </p:nvCxnSpPr>
+        <p:spPr>
+          <a:xfrm rot="10800000">
+            <a:off x="684478" y="1149064"/>
+            <a:ext cx="966500" cy="1027494"/>
+          </a:xfrm>
+          <a:prstGeom prst="bentConnector2">
+            <a:avLst/>
+          </a:prstGeom>
+          <a:ln w="38100">
+            <a:solidFill>
+              <a:schemeClr val="tx1"/>
+            </a:solidFill>
+            <a:tailEnd type="triangle"/>
+          </a:ln>
+        </p:spPr>
+        <p:style>
+          <a:lnRef idx="1">
+            <a:schemeClr val="accent1"/>
+          </a:lnRef>
+          <a:fillRef idx="0">
+            <a:schemeClr val="accent1"/>
+          </a:fillRef>
+          <a:effectRef idx="0">
+            <a:schemeClr val="accent1"/>
+          </a:effectRef>
+          <a:fontRef idx="minor">
+            <a:schemeClr val="tx1"/>
+          </a:fontRef>
+        </p:style>
+      </p:cxnSp>
+      <p:cxnSp>
+        <p:nvCxnSpPr>
+          <p:cNvPr id="68" name="肘形接點 67"/>
+          <p:cNvCxnSpPr>
+            <a:stCxn id="2" idx="3"/>
+            <a:endCxn id="37" idx="0"/>
+          </p:cNvCxnSpPr>
+          <p:nvPr/>
+        </p:nvCxnSpPr>
+        <p:spPr>
+          <a:xfrm>
+            <a:off x="989278" y="844264"/>
+            <a:ext cx="1175346" cy="938988"/>
+          </a:xfrm>
+          <a:prstGeom prst="bentConnector2">
+            <a:avLst/>
+          </a:prstGeom>
+          <a:ln w="38100">
+            <a:solidFill>
+              <a:schemeClr val="tx1"/>
+            </a:solidFill>
+            <a:tailEnd type="triangle"/>
+          </a:ln>
+        </p:spPr>
+        <p:style>
+          <a:lnRef idx="1">
+            <a:schemeClr val="accent1"/>
+          </a:lnRef>
+          <a:fillRef idx="0">
+            <a:schemeClr val="accent1"/>
+          </a:fillRef>
+          <a:effectRef idx="0">
+            <a:schemeClr val="accent1"/>
+          </a:effectRef>
+          <a:fontRef idx="minor">
+            <a:schemeClr val="tx1"/>
+          </a:fontRef>
+        </p:style>
+      </p:cxnSp>
+      <p:cxnSp>
+        <p:nvCxnSpPr>
+          <p:cNvPr id="72" name="直線單箭頭接點 71"/>
+          <p:cNvCxnSpPr/>
+          <p:nvPr/>
+        </p:nvCxnSpPr>
+        <p:spPr>
+          <a:xfrm>
+            <a:off x="2678270" y="2052859"/>
+            <a:ext cx="1595280" cy="1829"/>
+          </a:xfrm>
+          <a:prstGeom prst="straightConnector1">
+            <a:avLst/>
+          </a:prstGeom>
+          <a:ln w="38100">
+            <a:solidFill>
+              <a:schemeClr val="tx1"/>
+            </a:solidFill>
+            <a:headEnd type="none" w="med" len="med"/>
+            <a:tailEnd type="triangle" w="med" len="med"/>
+          </a:ln>
+        </p:spPr>
+        <p:style>
+          <a:lnRef idx="1">
+            <a:schemeClr val="accent1"/>
+          </a:lnRef>
+          <a:fillRef idx="0">
+            <a:schemeClr val="accent1"/>
+          </a:fillRef>
+          <a:effectRef idx="0">
+            <a:schemeClr val="accent1"/>
+          </a:effectRef>
+          <a:fontRef idx="minor">
+            <a:schemeClr val="tx1"/>
+          </a:fontRef>
+        </p:style>
+      </p:cxnSp>
+      <p:sp>
+        <p:nvSpPr>
+          <p:cNvPr id="74" name="橢圓 73"/>
+          <p:cNvSpPr/>
+          <p:nvPr/>
+        </p:nvSpPr>
+        <p:spPr>
+          <a:xfrm>
+            <a:off x="2763775" y="1704844"/>
+            <a:ext cx="213212" cy="213212"/>
+          </a:xfrm>
+          <a:prstGeom prst="ellipse">
+            <a:avLst/>
+          </a:prstGeom>
+        </p:spPr>
+        <p:style>
+          <a:lnRef idx="0">
+            <a:schemeClr val="accent2"/>
+          </a:lnRef>
+          <a:fillRef idx="3">
+            <a:schemeClr val="accent2"/>
+          </a:fillRef>
+          <a:effectRef idx="3">
+            <a:schemeClr val="accent2"/>
+          </a:effectRef>
+          <a:fontRef idx="minor">
+            <a:schemeClr val="lt1"/>
+          </a:fontRef>
+        </p:style>
+        <p:txBody>
+          <a:bodyPr rtlCol="0" anchor="ctr"/>
+          <a:lstStyle/>
+          <a:p>
+            <a:pPr algn="ctr"/>
+            <a:r>
+              <a:rPr lang="en-US" altLang="zh-TW" sz="1200" b="1" dirty="0" smtClean="0">
+                <a:ea typeface="微軟正黑體" panose="020B0604030504040204" pitchFamily="34" charset="-120"/>
+              </a:rPr>
+              <a:t>1</a:t>
+            </a:r>
+            <a:endParaRPr lang="zh-TW" altLang="en-US" sz="1200" b="1" dirty="0">
+              <a:ea typeface="微軟正黑體" panose="020B0604030504040204" pitchFamily="34" charset="-120"/>
+            </a:endParaRPr>
+          </a:p>
+        </p:txBody>
+      </p:sp>
+      <p:sp>
+        <p:nvSpPr>
+          <p:cNvPr id="75" name="橢圓 74"/>
+          <p:cNvSpPr/>
+          <p:nvPr/>
+        </p:nvSpPr>
+        <p:spPr>
+          <a:xfrm>
+            <a:off x="2781516" y="2456865"/>
+            <a:ext cx="213212" cy="213212"/>
+          </a:xfrm>
+          <a:prstGeom prst="ellipse">
+            <a:avLst/>
+          </a:prstGeom>
+        </p:spPr>
+        <p:style>
+          <a:lnRef idx="0">
+            <a:schemeClr val="accent2"/>
+          </a:lnRef>
+          <a:fillRef idx="3">
+            <a:schemeClr val="accent2"/>
+          </a:fillRef>
+          <a:effectRef idx="3">
+            <a:schemeClr val="accent2"/>
+          </a:effectRef>
+          <a:fontRef idx="minor">
+            <a:schemeClr val="lt1"/>
+          </a:fontRef>
+        </p:style>
+        <p:txBody>
+          <a:bodyPr rtlCol="0" anchor="ctr"/>
+          <a:lstStyle/>
+          <a:p>
+            <a:pPr algn="ctr"/>
+            <a:r>
+              <a:rPr lang="en-US" altLang="zh-TW" sz="1200" b="1" dirty="0" smtClean="0">
+                <a:ea typeface="微軟正黑體" panose="020B0604030504040204" pitchFamily="34" charset="-120"/>
+              </a:rPr>
+              <a:t>2</a:t>
+            </a:r>
+            <a:endParaRPr lang="zh-TW" altLang="en-US" sz="1200" b="1" dirty="0">
+              <a:ea typeface="微軟正黑體" panose="020B0604030504040204" pitchFamily="34" charset="-120"/>
+            </a:endParaRPr>
+          </a:p>
+        </p:txBody>
+      </p:sp>
+      <p:sp>
+        <p:nvSpPr>
+          <p:cNvPr id="76" name="橢圓 75"/>
+          <p:cNvSpPr/>
+          <p:nvPr/>
+        </p:nvSpPr>
+        <p:spPr>
+          <a:xfrm>
+            <a:off x="467243" y="2229666"/>
+            <a:ext cx="213212" cy="213212"/>
+          </a:xfrm>
+          <a:prstGeom prst="ellipse">
+            <a:avLst/>
+          </a:prstGeom>
+        </p:spPr>
+        <p:style>
+          <a:lnRef idx="0">
+            <a:schemeClr val="accent2"/>
+          </a:lnRef>
+          <a:fillRef idx="3">
+            <a:schemeClr val="accent2"/>
+          </a:fillRef>
+          <a:effectRef idx="3">
+            <a:schemeClr val="accent2"/>
+          </a:effectRef>
+          <a:fontRef idx="minor">
+            <a:schemeClr val="lt1"/>
+          </a:fontRef>
+        </p:style>
+        <p:txBody>
+          <a:bodyPr rtlCol="0" anchor="ctr"/>
+          <a:lstStyle/>
+          <a:p>
+            <a:pPr algn="ctr"/>
+            <a:r>
+              <a:rPr lang="en-US" altLang="zh-TW" sz="1200" b="1" dirty="0" smtClean="0">
+                <a:ea typeface="微軟正黑體" panose="020B0604030504040204" pitchFamily="34" charset="-120"/>
+              </a:rPr>
+              <a:t>3</a:t>
+            </a:r>
+            <a:endParaRPr lang="zh-TW" altLang="en-US" sz="1200" b="1" dirty="0">
+              <a:ea typeface="微軟正黑體" panose="020B0604030504040204" pitchFamily="34" charset="-120"/>
+            </a:endParaRPr>
+          </a:p>
+        </p:txBody>
+      </p:sp>
+      <p:sp>
+        <p:nvSpPr>
+          <p:cNvPr id="77" name="橢圓 76"/>
+          <p:cNvSpPr/>
+          <p:nvPr/>
+        </p:nvSpPr>
+        <p:spPr>
+          <a:xfrm>
+            <a:off x="1227179" y="372046"/>
+            <a:ext cx="213212" cy="213212"/>
+          </a:xfrm>
+          <a:prstGeom prst="ellipse">
+            <a:avLst/>
+          </a:prstGeom>
+        </p:spPr>
+        <p:style>
+          <a:lnRef idx="0">
+            <a:schemeClr val="accent2"/>
+          </a:lnRef>
+          <a:fillRef idx="3">
+            <a:schemeClr val="accent2"/>
+          </a:fillRef>
+          <a:effectRef idx="3">
+            <a:schemeClr val="accent2"/>
+          </a:effectRef>
+          <a:fontRef idx="minor">
+            <a:schemeClr val="lt1"/>
+          </a:fontRef>
+        </p:style>
+        <p:txBody>
+          <a:bodyPr rtlCol="0" anchor="ctr"/>
+          <a:lstStyle/>
+          <a:p>
+            <a:pPr algn="ctr"/>
+            <a:r>
+              <a:rPr lang="en-US" altLang="zh-TW" sz="1200" b="1" dirty="0">
+                <a:ea typeface="微軟正黑體" panose="020B0604030504040204" pitchFamily="34" charset="-120"/>
+              </a:rPr>
+              <a:t>4</a:t>
+            </a:r>
+            <a:endParaRPr lang="zh-TW" altLang="en-US" sz="1200" b="1" dirty="0">
+              <a:ea typeface="微軟正黑體" panose="020B0604030504040204" pitchFamily="34" charset="-120"/>
+            </a:endParaRPr>
+          </a:p>
+        </p:txBody>
+      </p:sp>
+      <p:sp>
+        <p:nvSpPr>
+          <p:cNvPr id="78" name="橢圓 77"/>
+          <p:cNvSpPr/>
+          <p:nvPr/>
+        </p:nvSpPr>
+        <p:spPr>
+          <a:xfrm>
+            <a:off x="989278" y="908839"/>
+            <a:ext cx="213212" cy="213212"/>
+          </a:xfrm>
+          <a:prstGeom prst="ellipse">
+            <a:avLst/>
+          </a:prstGeom>
+        </p:spPr>
+        <p:style>
+          <a:lnRef idx="0">
+            <a:schemeClr val="accent2"/>
+          </a:lnRef>
+          <a:fillRef idx="3">
+            <a:schemeClr val="accent2"/>
+          </a:fillRef>
+          <a:effectRef idx="3">
+            <a:schemeClr val="accent2"/>
+          </a:effectRef>
+          <a:fontRef idx="minor">
+            <a:schemeClr val="lt1"/>
+          </a:fontRef>
+        </p:style>
+        <p:txBody>
+          <a:bodyPr rtlCol="0" anchor="ctr"/>
+          <a:lstStyle/>
+          <a:p>
+            <a:pPr algn="ctr"/>
+            <a:r>
+              <a:rPr lang="en-US" altLang="zh-TW" sz="1200" b="1" dirty="0" smtClean="0">
+                <a:ea typeface="微軟正黑體" panose="020B0604030504040204" pitchFamily="34" charset="-120"/>
+              </a:rPr>
+              <a:t>5</a:t>
+            </a:r>
+            <a:endParaRPr lang="zh-TW" altLang="en-US" sz="1200" b="1" dirty="0">
+              <a:ea typeface="微軟正黑體" panose="020B0604030504040204" pitchFamily="34" charset="-120"/>
+            </a:endParaRPr>
+          </a:p>
+        </p:txBody>
+      </p:sp>
+      <p:sp>
+        <p:nvSpPr>
+          <p:cNvPr id="79" name="文字方塊 78"/>
+          <p:cNvSpPr txBox="1"/>
+          <p:nvPr/>
+        </p:nvSpPr>
+        <p:spPr>
+          <a:xfrm>
+            <a:off x="2923392" y="1675188"/>
+            <a:ext cx="1107996" cy="276999"/>
+          </a:xfrm>
+          <a:prstGeom prst="rect">
+            <a:avLst/>
+          </a:prstGeom>
+          <a:noFill/>
+        </p:spPr>
+        <p:txBody>
+          <a:bodyPr wrap="none" rtlCol="0">
+            <a:spAutoFit/>
+          </a:bodyPr>
+          <a:lstStyle/>
+          <a:p>
+            <a:pPr algn="ctr"/>
+            <a:r>
+              <a:rPr lang="zh-TW" altLang="en-US" sz="1200" dirty="0" smtClean="0">
+                <a:latin typeface="微軟正黑體" panose="020B0604030504040204" pitchFamily="34" charset="-120"/>
+                <a:ea typeface="微軟正黑體" panose="020B0604030504040204" pitchFamily="34" charset="-120"/>
+              </a:rPr>
+              <a:t>請</a:t>
+            </a:r>
+            <a:r>
+              <a:rPr lang="zh-TW" altLang="en-US" sz="1200" dirty="0">
+                <a:latin typeface="微軟正黑體" panose="020B0604030504040204" pitchFamily="34" charset="-120"/>
+                <a:ea typeface="微軟正黑體" panose="020B0604030504040204" pitchFamily="34" charset="-120"/>
+              </a:rPr>
+              <a:t>求</a:t>
+            </a:r>
+            <a:r>
+              <a:rPr lang="zh-TW" altLang="en-US" sz="1200" dirty="0" smtClean="0">
+                <a:latin typeface="微軟正黑體" panose="020B0604030504040204" pitchFamily="34" charset="-120"/>
+                <a:ea typeface="微軟正黑體" panose="020B0604030504040204" pitchFamily="34" charset="-120"/>
+              </a:rPr>
+              <a:t>網頁內容</a:t>
+            </a:r>
+            <a:endParaRPr lang="zh-TW" altLang="en-US" sz="1200" dirty="0">
+              <a:latin typeface="微軟正黑體" panose="020B0604030504040204" pitchFamily="34" charset="-120"/>
+              <a:ea typeface="微軟正黑體" panose="020B0604030504040204" pitchFamily="34" charset="-120"/>
+            </a:endParaRPr>
+          </a:p>
+        </p:txBody>
+      </p:sp>
+      <p:sp>
+        <p:nvSpPr>
+          <p:cNvPr id="80" name="文字方塊 79"/>
+          <p:cNvSpPr txBox="1"/>
+          <p:nvPr/>
+        </p:nvSpPr>
+        <p:spPr>
+          <a:xfrm>
+            <a:off x="2923392" y="2424971"/>
+            <a:ext cx="1107996" cy="276999"/>
+          </a:xfrm>
+          <a:prstGeom prst="rect">
+            <a:avLst/>
+          </a:prstGeom>
+          <a:noFill/>
+        </p:spPr>
+        <p:txBody>
+          <a:bodyPr wrap="none" rtlCol="0">
+            <a:spAutoFit/>
+          </a:bodyPr>
+          <a:lstStyle/>
+          <a:p>
+            <a:pPr algn="ctr"/>
+            <a:r>
+              <a:rPr lang="zh-TW" altLang="en-US" sz="1200" dirty="0" smtClean="0">
+                <a:latin typeface="微軟正黑體" panose="020B0604030504040204" pitchFamily="34" charset="-120"/>
+                <a:ea typeface="微軟正黑體" panose="020B0604030504040204" pitchFamily="34" charset="-120"/>
+              </a:rPr>
+              <a:t>取得網頁內容</a:t>
+            </a:r>
+            <a:endParaRPr lang="zh-TW" altLang="en-US" sz="1200" dirty="0">
+              <a:latin typeface="微軟正黑體" panose="020B0604030504040204" pitchFamily="34" charset="-120"/>
+              <a:ea typeface="微軟正黑體" panose="020B0604030504040204" pitchFamily="34" charset="-120"/>
+            </a:endParaRPr>
+          </a:p>
+        </p:txBody>
+      </p:sp>
+      <p:sp>
+        <p:nvSpPr>
+          <p:cNvPr id="81" name="文字方塊 80"/>
+          <p:cNvSpPr txBox="1"/>
+          <p:nvPr/>
+        </p:nvSpPr>
+        <p:spPr>
+          <a:xfrm>
+            <a:off x="628050" y="2204359"/>
+            <a:ext cx="954107" cy="276999"/>
+          </a:xfrm>
+          <a:prstGeom prst="rect">
+            <a:avLst/>
+          </a:prstGeom>
+          <a:noFill/>
+        </p:spPr>
+        <p:txBody>
+          <a:bodyPr wrap="none" rtlCol="0">
+            <a:spAutoFit/>
+          </a:bodyPr>
+          <a:lstStyle/>
+          <a:p>
+            <a:pPr algn="ctr"/>
+            <a:r>
+              <a:rPr lang="zh-TW" altLang="en-US" sz="1200" dirty="0" smtClean="0">
+                <a:latin typeface="微軟正黑體" panose="020B0604030504040204" pitchFamily="34" charset="-120"/>
+                <a:ea typeface="微軟正黑體" panose="020B0604030504040204" pitchFamily="34" charset="-120"/>
+              </a:rPr>
+              <a:t>存到</a:t>
+            </a:r>
+            <a:r>
+              <a:rPr lang="zh-TW" altLang="en-US" sz="1200" dirty="0"/>
+              <a:t>暫存</a:t>
+            </a:r>
+            <a:r>
+              <a:rPr lang="zh-TW" altLang="en-US" sz="1200" dirty="0" smtClean="0"/>
+              <a:t>區</a:t>
+            </a:r>
+            <a:endParaRPr lang="zh-TW" altLang="en-US" sz="1200" dirty="0"/>
+          </a:p>
+        </p:txBody>
+      </p:sp>
+      <p:sp>
+        <p:nvSpPr>
+          <p:cNvPr id="82" name="文字方塊 81"/>
+          <p:cNvSpPr txBox="1"/>
+          <p:nvPr/>
+        </p:nvSpPr>
+        <p:spPr>
+          <a:xfrm>
+            <a:off x="1290939" y="340985"/>
+            <a:ext cx="1604076" cy="276999"/>
+          </a:xfrm>
+          <a:prstGeom prst="rect">
+            <a:avLst/>
+          </a:prstGeom>
+          <a:noFill/>
+        </p:spPr>
+        <p:txBody>
+          <a:bodyPr wrap="square" rtlCol="0">
+            <a:spAutoFit/>
+          </a:bodyPr>
+          <a:lstStyle/>
+          <a:p>
+            <a:pPr algn="ctr"/>
+            <a:r>
+              <a:rPr lang="zh-TW" altLang="en-US" sz="1200" dirty="0" smtClean="0">
+                <a:latin typeface="微軟正黑體" panose="020B0604030504040204" pitchFamily="34" charset="-120"/>
+                <a:ea typeface="微軟正黑體" panose="020B0604030504040204" pitchFamily="34" charset="-120"/>
+              </a:rPr>
+              <a:t>再次請求網頁內容</a:t>
+            </a:r>
+            <a:endParaRPr lang="zh-TW" altLang="en-US" sz="1200" dirty="0">
+              <a:latin typeface="微軟正黑體" panose="020B0604030504040204" pitchFamily="34" charset="-120"/>
+              <a:ea typeface="微軟正黑體" panose="020B0604030504040204" pitchFamily="34" charset="-120"/>
+            </a:endParaRPr>
+          </a:p>
+        </p:txBody>
+      </p:sp>
+      <p:sp>
+        <p:nvSpPr>
+          <p:cNvPr id="83" name="文字方塊 82"/>
+          <p:cNvSpPr txBox="1"/>
+          <p:nvPr/>
+        </p:nvSpPr>
+        <p:spPr>
+          <a:xfrm>
+            <a:off x="1116778" y="888056"/>
+            <a:ext cx="1107996" cy="276999"/>
+          </a:xfrm>
+          <a:prstGeom prst="rect">
+            <a:avLst/>
+          </a:prstGeom>
+          <a:noFill/>
+        </p:spPr>
+        <p:txBody>
+          <a:bodyPr wrap="none" rtlCol="0">
+            <a:spAutoFit/>
+          </a:bodyPr>
+          <a:lstStyle/>
+          <a:p>
+            <a:pPr algn="ctr"/>
+            <a:r>
+              <a:rPr lang="zh-TW" altLang="en-US" sz="1200" dirty="0" smtClean="0"/>
+              <a:t>從暫</a:t>
+            </a:r>
+            <a:r>
+              <a:rPr lang="zh-TW" altLang="en-US" sz="1200" dirty="0"/>
+              <a:t>存</a:t>
+            </a:r>
+            <a:r>
+              <a:rPr lang="zh-TW" altLang="en-US" sz="1200" dirty="0" smtClean="0"/>
+              <a:t>區取出</a:t>
+            </a:r>
+            <a:endParaRPr lang="zh-TW" altLang="en-US" sz="1200" dirty="0"/>
+          </a:p>
+        </p:txBody>
+      </p:sp>
+      <p:grpSp>
+        <p:nvGrpSpPr>
+          <p:cNvPr id="138" name="群組 137"/>
+          <p:cNvGrpSpPr/>
+          <p:nvPr/>
+        </p:nvGrpSpPr>
+        <p:grpSpPr>
+          <a:xfrm>
+            <a:off x="1019201" y="3499921"/>
+            <a:ext cx="900000" cy="2604752"/>
+            <a:chOff x="2438400" y="1178074"/>
+            <a:chExt cx="1440000" cy="720000"/>
+          </a:xfrm>
+        </p:grpSpPr>
+        <p:sp>
+          <p:nvSpPr>
+            <p:cNvPr id="139" name="圓柱 138"/>
+            <p:cNvSpPr/>
+            <p:nvPr/>
+          </p:nvSpPr>
+          <p:spPr>
+            <a:xfrm rot="16200000">
+              <a:off x="2798400" y="818074"/>
+              <a:ext cx="720000" cy="1440000"/>
+            </a:xfrm>
+            <a:prstGeom prst="can">
+              <a:avLst/>
+            </a:prstGeom>
+          </p:spPr>
+          <p:style>
+            <a:lnRef idx="0">
+              <a:schemeClr val="accent5"/>
+            </a:lnRef>
+            <a:fillRef idx="3">
+              <a:schemeClr val="accent5"/>
+            </a:fillRef>
+            <a:effectRef idx="3">
+              <a:schemeClr val="accent5"/>
+            </a:effectRef>
+            <a:fontRef idx="minor">
+              <a:schemeClr val="lt1"/>
+            </a:fontRef>
+          </p:style>
+          <p:txBody>
+            <a:bodyPr rtlCol="0" anchor="ctr"/>
+            <a:lstStyle/>
+            <a:p>
+              <a:pPr algn="ctr"/>
+              <a:endParaRPr lang="zh-TW" altLang="en-US"/>
+            </a:p>
+          </p:txBody>
+        </p:sp>
+        <p:sp>
+          <p:nvSpPr>
+            <p:cNvPr id="140" name="矩形 139"/>
+            <p:cNvSpPr/>
+            <p:nvPr/>
+          </p:nvSpPr>
+          <p:spPr>
+            <a:xfrm rot="16200000">
+              <a:off x="2855551" y="1021010"/>
+              <a:ext cx="681900" cy="1034129"/>
+            </a:xfrm>
+            <a:prstGeom prst="rect">
+              <a:avLst/>
+            </a:prstGeom>
+          </p:spPr>
+          <p:txBody>
+            <a:bodyPr wrap="square" anchor="ctr">
+              <a:spAutoFit/>
+            </a:bodyPr>
+            <a:lstStyle/>
+            <a:p>
+              <a:pPr algn="ctr"/>
+              <a:r>
+                <a:rPr lang="en-US" altLang="zh-TW" dirty="0" smtClean="0">
+                  <a:solidFill>
+                    <a:schemeClr val="bg1"/>
+                  </a:solidFill>
+                </a:rPr>
+                <a:t>Response</a:t>
+              </a:r>
+              <a:r>
+                <a:rPr lang="zh-TW" altLang="en-US" dirty="0" smtClean="0">
+                  <a:solidFill>
+                    <a:schemeClr val="bg1"/>
+                  </a:solidFill>
+                </a:rPr>
+                <a:t> </a:t>
+              </a:r>
+              <a:r>
+                <a:rPr lang="en-US" altLang="zh-TW" dirty="0" smtClean="0">
+                  <a:solidFill>
+                    <a:schemeClr val="bg1"/>
+                  </a:solidFill>
+                </a:rPr>
+                <a:t>Caching</a:t>
+              </a:r>
+              <a:br>
+                <a:rPr lang="en-US" altLang="zh-TW" dirty="0" smtClean="0">
+                  <a:solidFill>
+                    <a:schemeClr val="bg1"/>
+                  </a:solidFill>
+                </a:rPr>
+              </a:br>
+              <a:r>
+                <a:rPr lang="en-US" altLang="zh-TW" dirty="0" smtClean="0">
+                  <a:solidFill>
+                    <a:schemeClr val="bg1"/>
+                  </a:solidFill>
+                </a:rPr>
+                <a:t>Middleware</a:t>
+              </a:r>
+              <a:endParaRPr lang="zh-TW" altLang="en-US" dirty="0">
+                <a:solidFill>
+                  <a:schemeClr val="bg1"/>
+                </a:solidFill>
+              </a:endParaRPr>
+            </a:p>
+          </p:txBody>
+        </p:sp>
+      </p:grpSp>
+      <p:sp>
+        <p:nvSpPr>
+          <p:cNvPr id="157" name="向右箭號 156"/>
+          <p:cNvSpPr/>
+          <p:nvPr/>
+        </p:nvSpPr>
+        <p:spPr>
+          <a:xfrm rot="10800000">
+            <a:off x="387011" y="5498596"/>
+            <a:ext cx="720000" cy="360000"/>
+          </a:xfrm>
+          <a:prstGeom prst="rightArrow">
+            <a:avLst/>
+          </a:prstGeom>
+        </p:spPr>
+        <p:style>
+          <a:lnRef idx="0">
+            <a:schemeClr val="accent2"/>
+          </a:lnRef>
+          <a:fillRef idx="3">
+            <a:schemeClr val="accent2"/>
+          </a:fillRef>
+          <a:effectRef idx="3">
+            <a:schemeClr val="accent2"/>
+          </a:effectRef>
+          <a:fontRef idx="minor">
+            <a:schemeClr val="lt1"/>
+          </a:fontRef>
+        </p:style>
+        <p:txBody>
+          <a:bodyPr rtlCol="0" anchor="ctr"/>
+          <a:lstStyle/>
+          <a:p>
+            <a:pPr algn="ctr"/>
+            <a:endParaRPr lang="zh-TW" altLang="en-US"/>
+          </a:p>
+        </p:txBody>
+      </p:sp>
+      <p:sp>
+        <p:nvSpPr>
+          <p:cNvPr id="158" name="向右箭號 157"/>
+          <p:cNvSpPr/>
+          <p:nvPr/>
+        </p:nvSpPr>
+        <p:spPr>
+          <a:xfrm>
+            <a:off x="402988" y="3959059"/>
+            <a:ext cx="720000" cy="360000"/>
+          </a:xfrm>
+          <a:prstGeom prst="rightArrow">
+            <a:avLst/>
+          </a:prstGeom>
+        </p:spPr>
+        <p:style>
+          <a:lnRef idx="0">
+            <a:schemeClr val="accent2"/>
+          </a:lnRef>
+          <a:fillRef idx="3">
+            <a:schemeClr val="accent2"/>
+          </a:fillRef>
+          <a:effectRef idx="3">
+            <a:schemeClr val="accent2"/>
+          </a:effectRef>
+          <a:fontRef idx="minor">
+            <a:schemeClr val="lt1"/>
+          </a:fontRef>
+        </p:style>
+        <p:txBody>
+          <a:bodyPr rtlCol="0" anchor="ctr"/>
+          <a:lstStyle/>
+          <a:p>
+            <a:pPr algn="ctr"/>
+            <a:endParaRPr lang="zh-TW" altLang="en-US"/>
+          </a:p>
+        </p:txBody>
+      </p:sp>
+      <p:sp>
+        <p:nvSpPr>
+          <p:cNvPr id="159" name="矩形 158"/>
+          <p:cNvSpPr/>
+          <p:nvPr/>
+        </p:nvSpPr>
+        <p:spPr>
+          <a:xfrm>
+            <a:off x="284722" y="3649405"/>
+            <a:ext cx="944297" cy="369332"/>
+          </a:xfrm>
+          <a:prstGeom prst="rect">
+            <a:avLst/>
+          </a:prstGeom>
+        </p:spPr>
+        <p:txBody>
+          <a:bodyPr wrap="none">
+            <a:spAutoFit/>
+          </a:bodyPr>
+          <a:lstStyle/>
+          <a:p>
+            <a:r>
+              <a:rPr lang="en-US" altLang="zh-TW" dirty="0"/>
+              <a:t>Request</a:t>
+            </a:r>
+            <a:endParaRPr lang="zh-TW" altLang="en-US" dirty="0"/>
+          </a:p>
+        </p:txBody>
+      </p:sp>
+      <p:sp>
+        <p:nvSpPr>
+          <p:cNvPr id="160" name="矩形 159"/>
+          <p:cNvSpPr/>
+          <p:nvPr/>
+        </p:nvSpPr>
+        <p:spPr>
+          <a:xfrm>
+            <a:off x="227012" y="5225193"/>
+            <a:ext cx="1081514" cy="369332"/>
+          </a:xfrm>
+          <a:prstGeom prst="rect">
+            <a:avLst/>
+          </a:prstGeom>
+        </p:spPr>
+        <p:txBody>
+          <a:bodyPr wrap="none">
+            <a:spAutoFit/>
+          </a:bodyPr>
+          <a:lstStyle/>
+          <a:p>
+            <a:r>
+              <a:rPr lang="en-US" altLang="zh-TW" dirty="0"/>
+              <a:t>Response</a:t>
+            </a:r>
+            <a:endParaRPr lang="zh-TW" altLang="en-US" dirty="0"/>
+          </a:p>
+        </p:txBody>
+      </p:sp>
+      <p:sp>
+        <p:nvSpPr>
+          <p:cNvPr id="162" name="矩形 161"/>
+          <p:cNvSpPr/>
+          <p:nvPr/>
+        </p:nvSpPr>
+        <p:spPr>
+          <a:xfrm rot="16200000">
+            <a:off x="1718051" y="3948027"/>
+            <a:ext cx="1603550" cy="720000"/>
+          </a:xfrm>
+          <a:prstGeom prst="rect">
+            <a:avLst/>
+          </a:prstGeom>
+        </p:spPr>
+        <p:style>
+          <a:lnRef idx="0">
+            <a:schemeClr val="accent5"/>
+          </a:lnRef>
+          <a:fillRef idx="3">
+            <a:schemeClr val="accent5"/>
+          </a:fillRef>
+          <a:effectRef idx="3">
+            <a:schemeClr val="accent5"/>
+          </a:effectRef>
+          <a:fontRef idx="minor">
+            <a:schemeClr val="lt1"/>
+          </a:fontRef>
+        </p:style>
+        <p:txBody>
+          <a:bodyPr rtlCol="0" anchor="ctr"/>
+          <a:lstStyle/>
+          <a:p>
+            <a:pPr algn="ctr"/>
+            <a:r>
+              <a:rPr lang="en-US" altLang="zh-TW" sz="1600" b="1" dirty="0" err="1" smtClean="0"/>
+              <a:t>Middlewares</a:t>
+            </a:r>
+            <a:endParaRPr lang="zh-TW" altLang="en-US" sz="1600" b="1" dirty="0"/>
+          </a:p>
+        </p:txBody>
+      </p:sp>
+      <p:sp>
+        <p:nvSpPr>
+          <p:cNvPr id="163" name="矩形 162"/>
+          <p:cNvSpPr/>
+          <p:nvPr/>
+        </p:nvSpPr>
+        <p:spPr>
+          <a:xfrm rot="16200000">
+            <a:off x="2878161" y="3948027"/>
+            <a:ext cx="1603550" cy="720000"/>
+          </a:xfrm>
+          <a:prstGeom prst="rect">
+            <a:avLst/>
+          </a:prstGeom>
+        </p:spPr>
+        <p:style>
+          <a:lnRef idx="1">
+            <a:schemeClr val="accent1"/>
+          </a:lnRef>
+          <a:fillRef idx="3">
+            <a:schemeClr val="accent1"/>
+          </a:fillRef>
+          <a:effectRef idx="2">
+            <a:schemeClr val="accent1"/>
+          </a:effectRef>
+          <a:fontRef idx="minor">
+            <a:schemeClr val="lt1"/>
+          </a:fontRef>
+        </p:style>
+        <p:txBody>
+          <a:bodyPr rtlCol="0" anchor="ctr"/>
+          <a:lstStyle/>
+          <a:p>
+            <a:pPr algn="ctr"/>
+            <a:r>
+              <a:rPr lang="en-US" altLang="zh-TW" sz="1600" b="1" dirty="0" smtClean="0"/>
+              <a:t>Action Filters</a:t>
+            </a:r>
+            <a:endParaRPr lang="zh-TW" altLang="en-US" sz="1600" b="1" dirty="0"/>
+          </a:p>
+        </p:txBody>
+      </p:sp>
+      <p:sp>
+        <p:nvSpPr>
+          <p:cNvPr id="164" name="矩形 163"/>
+          <p:cNvSpPr/>
+          <p:nvPr/>
+        </p:nvSpPr>
+        <p:spPr>
+          <a:xfrm rot="16200000">
+            <a:off x="4033484" y="3940118"/>
+            <a:ext cx="1603550" cy="720000"/>
+          </a:xfrm>
+          <a:prstGeom prst="rect">
+            <a:avLst/>
+          </a:prstGeom>
+        </p:spPr>
+        <p:style>
+          <a:lnRef idx="1">
+            <a:schemeClr val="accent6"/>
+          </a:lnRef>
+          <a:fillRef idx="3">
+            <a:schemeClr val="accent6"/>
+          </a:fillRef>
+          <a:effectRef idx="2">
+            <a:schemeClr val="accent6"/>
+          </a:effectRef>
+          <a:fontRef idx="minor">
+            <a:schemeClr val="lt1"/>
+          </a:fontRef>
+        </p:style>
+        <p:txBody>
+          <a:bodyPr rtlCol="0" anchor="ctr"/>
+          <a:lstStyle/>
+          <a:p>
+            <a:pPr algn="ctr"/>
+            <a:r>
+              <a:rPr lang="en-US" altLang="zh-TW" sz="1600" b="1" dirty="0" smtClean="0"/>
+              <a:t>Action</a:t>
+            </a:r>
+            <a:endParaRPr lang="zh-TW" altLang="en-US" sz="1600" b="1" dirty="0"/>
+          </a:p>
+        </p:txBody>
+      </p:sp>
+      <p:sp>
+        <p:nvSpPr>
+          <p:cNvPr id="173" name="向右箭號 172"/>
+          <p:cNvSpPr/>
+          <p:nvPr/>
+        </p:nvSpPr>
+        <p:spPr>
+          <a:xfrm rot="10800000">
+            <a:off x="2734237" y="4527247"/>
+            <a:ext cx="720000" cy="360000"/>
+          </a:xfrm>
+          <a:prstGeom prst="rightArrow">
+            <a:avLst/>
+          </a:prstGeom>
+        </p:spPr>
+        <p:style>
+          <a:lnRef idx="0">
+            <a:schemeClr val="accent2"/>
+          </a:lnRef>
+          <a:fillRef idx="3">
+            <a:schemeClr val="accent2"/>
+          </a:fillRef>
+          <a:effectRef idx="3">
+            <a:schemeClr val="accent2"/>
+          </a:effectRef>
+          <a:fontRef idx="minor">
+            <a:schemeClr val="lt1"/>
+          </a:fontRef>
+        </p:style>
+        <p:txBody>
+          <a:bodyPr rtlCol="0" anchor="ctr"/>
+          <a:lstStyle/>
+          <a:p>
+            <a:pPr algn="ctr"/>
+            <a:endParaRPr lang="zh-TW" altLang="en-US"/>
+          </a:p>
+        </p:txBody>
+      </p:sp>
+      <p:sp>
+        <p:nvSpPr>
+          <p:cNvPr id="174" name="向右箭號 173"/>
+          <p:cNvSpPr/>
+          <p:nvPr/>
+        </p:nvSpPr>
+        <p:spPr>
+          <a:xfrm>
+            <a:off x="2767064" y="3750831"/>
+            <a:ext cx="720000" cy="360000"/>
+          </a:xfrm>
+          <a:prstGeom prst="rightArrow">
+            <a:avLst/>
+          </a:prstGeom>
+        </p:spPr>
+        <p:style>
+          <a:lnRef idx="0">
+            <a:schemeClr val="accent2"/>
+          </a:lnRef>
+          <a:fillRef idx="3">
+            <a:schemeClr val="accent2"/>
+          </a:fillRef>
+          <a:effectRef idx="3">
+            <a:schemeClr val="accent2"/>
+          </a:effectRef>
+          <a:fontRef idx="minor">
+            <a:schemeClr val="lt1"/>
+          </a:fontRef>
+        </p:style>
+        <p:txBody>
+          <a:bodyPr rtlCol="0" anchor="ctr"/>
+          <a:lstStyle/>
+          <a:p>
+            <a:pPr algn="ctr"/>
+            <a:endParaRPr lang="zh-TW" altLang="en-US"/>
+          </a:p>
+        </p:txBody>
+      </p:sp>
+      <p:sp>
+        <p:nvSpPr>
+          <p:cNvPr id="175" name="向右箭號 174"/>
+          <p:cNvSpPr/>
+          <p:nvPr/>
+        </p:nvSpPr>
+        <p:spPr>
+          <a:xfrm rot="10800000">
+            <a:off x="3868074" y="4510136"/>
+            <a:ext cx="720000" cy="360000"/>
+          </a:xfrm>
+          <a:prstGeom prst="rightArrow">
+            <a:avLst/>
+          </a:prstGeom>
+        </p:spPr>
+        <p:style>
+          <a:lnRef idx="0">
+            <a:schemeClr val="accent2"/>
+          </a:lnRef>
+          <a:fillRef idx="3">
+            <a:schemeClr val="accent2"/>
+          </a:fillRef>
+          <a:effectRef idx="3">
+            <a:schemeClr val="accent2"/>
+          </a:effectRef>
+          <a:fontRef idx="minor">
+            <a:schemeClr val="lt1"/>
+          </a:fontRef>
+        </p:style>
+        <p:txBody>
+          <a:bodyPr rtlCol="0" anchor="ctr"/>
+          <a:lstStyle/>
+          <a:p>
+            <a:pPr algn="ctr"/>
+            <a:endParaRPr lang="zh-TW" altLang="en-US"/>
+          </a:p>
+        </p:txBody>
+      </p:sp>
+      <p:sp>
+        <p:nvSpPr>
+          <p:cNvPr id="176" name="向右箭號 175"/>
+          <p:cNvSpPr/>
+          <p:nvPr/>
+        </p:nvSpPr>
+        <p:spPr>
+          <a:xfrm>
+            <a:off x="3900901" y="3733720"/>
+            <a:ext cx="720000" cy="360000"/>
+          </a:xfrm>
+          <a:prstGeom prst="rightArrow">
+            <a:avLst/>
+          </a:prstGeom>
+        </p:spPr>
+        <p:style>
+          <a:lnRef idx="0">
+            <a:schemeClr val="accent2"/>
+          </a:lnRef>
+          <a:fillRef idx="3">
+            <a:schemeClr val="accent2"/>
+          </a:fillRef>
+          <a:effectRef idx="3">
+            <a:schemeClr val="accent2"/>
+          </a:effectRef>
+          <a:fontRef idx="minor">
+            <a:schemeClr val="lt1"/>
+          </a:fontRef>
+        </p:style>
+        <p:txBody>
+          <a:bodyPr rtlCol="0" anchor="ctr"/>
+          <a:lstStyle/>
+          <a:p>
+            <a:pPr algn="ctr"/>
+            <a:endParaRPr lang="zh-TW" altLang="en-US"/>
+          </a:p>
+        </p:txBody>
+      </p:sp>
+      <p:sp>
+        <p:nvSpPr>
+          <p:cNvPr id="177" name="向右箭號 176"/>
+          <p:cNvSpPr/>
+          <p:nvPr/>
+        </p:nvSpPr>
+        <p:spPr>
+          <a:xfrm rot="10800000">
+            <a:off x="1800835" y="4515796"/>
+            <a:ext cx="540000" cy="360000"/>
+          </a:xfrm>
+          <a:prstGeom prst="rightArrow">
+            <a:avLst/>
+          </a:prstGeom>
+        </p:spPr>
+        <p:style>
+          <a:lnRef idx="0">
+            <a:schemeClr val="accent2"/>
+          </a:lnRef>
+          <a:fillRef idx="3">
+            <a:schemeClr val="accent2"/>
+          </a:fillRef>
+          <a:effectRef idx="3">
+            <a:schemeClr val="accent2"/>
+          </a:effectRef>
+          <a:fontRef idx="minor">
+            <a:schemeClr val="lt1"/>
+          </a:fontRef>
+        </p:style>
+        <p:txBody>
+          <a:bodyPr rtlCol="0" anchor="ctr"/>
+          <a:lstStyle/>
+          <a:p>
+            <a:pPr algn="ctr"/>
+            <a:endParaRPr lang="zh-TW" altLang="en-US"/>
+          </a:p>
+        </p:txBody>
+      </p:sp>
+      <p:sp>
+        <p:nvSpPr>
+          <p:cNvPr id="178" name="向右箭號 177"/>
+          <p:cNvSpPr/>
+          <p:nvPr/>
+        </p:nvSpPr>
+        <p:spPr>
+          <a:xfrm>
+            <a:off x="1800835" y="3739380"/>
+            <a:ext cx="540000" cy="360000"/>
+          </a:xfrm>
+          <a:prstGeom prst="rightArrow">
+            <a:avLst/>
+          </a:prstGeom>
+        </p:spPr>
+        <p:style>
+          <a:lnRef idx="0">
+            <a:schemeClr val="accent2"/>
+          </a:lnRef>
+          <a:fillRef idx="3">
+            <a:schemeClr val="accent2"/>
+          </a:fillRef>
+          <a:effectRef idx="3">
+            <a:schemeClr val="accent2"/>
+          </a:effectRef>
+          <a:fontRef idx="minor">
+            <a:schemeClr val="lt1"/>
+          </a:fontRef>
+        </p:style>
+        <p:txBody>
+          <a:bodyPr rtlCol="0" anchor="ctr"/>
+          <a:lstStyle/>
+          <a:p>
+            <a:pPr algn="ctr"/>
+            <a:endParaRPr lang="zh-TW" altLang="en-US"/>
+          </a:p>
+        </p:txBody>
+      </p:sp>
+      <p:sp>
+        <p:nvSpPr>
+          <p:cNvPr id="179" name="向右箭號 178"/>
+          <p:cNvSpPr/>
+          <p:nvPr/>
+        </p:nvSpPr>
+        <p:spPr>
+          <a:xfrm rot="10800000">
+            <a:off x="1701945" y="5639697"/>
+            <a:ext cx="540000" cy="360000"/>
+          </a:xfrm>
+          <a:prstGeom prst="rightArrow">
+            <a:avLst/>
+          </a:prstGeom>
+        </p:spPr>
+        <p:style>
+          <a:lnRef idx="0">
+            <a:schemeClr val="accent4"/>
+          </a:lnRef>
+          <a:fillRef idx="3">
+            <a:schemeClr val="accent4"/>
+          </a:fillRef>
+          <a:effectRef idx="3">
+            <a:schemeClr val="accent4"/>
+          </a:effectRef>
+          <a:fontRef idx="minor">
+            <a:schemeClr val="lt1"/>
+          </a:fontRef>
+        </p:style>
+        <p:txBody>
+          <a:bodyPr rtlCol="0" anchor="ctr"/>
+          <a:lstStyle/>
+          <a:p>
+            <a:pPr algn="ctr"/>
+            <a:endParaRPr lang="zh-TW" altLang="en-US"/>
+          </a:p>
+        </p:txBody>
+      </p:sp>
+      <p:sp>
+        <p:nvSpPr>
+          <p:cNvPr id="180" name="向右箭號 179"/>
+          <p:cNvSpPr/>
+          <p:nvPr/>
+        </p:nvSpPr>
+        <p:spPr>
+          <a:xfrm>
+            <a:off x="1730497" y="5349619"/>
+            <a:ext cx="540000" cy="360000"/>
+          </a:xfrm>
+          <a:prstGeom prst="rightArrow">
+            <a:avLst/>
+          </a:prstGeom>
+        </p:spPr>
+        <p:style>
+          <a:lnRef idx="0">
+            <a:schemeClr val="accent4"/>
+          </a:lnRef>
+          <a:fillRef idx="3">
+            <a:schemeClr val="accent4"/>
+          </a:fillRef>
+          <a:effectRef idx="3">
+            <a:schemeClr val="accent4"/>
+          </a:effectRef>
+          <a:fontRef idx="minor">
+            <a:schemeClr val="lt1"/>
+          </a:fontRef>
+        </p:style>
+        <p:txBody>
+          <a:bodyPr rtlCol="0" anchor="ctr"/>
+          <a:lstStyle/>
+          <a:p>
+            <a:pPr algn="ctr"/>
+            <a:endParaRPr lang="zh-TW" altLang="en-US"/>
+          </a:p>
+        </p:txBody>
+      </p:sp>
+    </p:spTree>
+    <p:extLst>
+      <p:ext uri="{BB962C8B-B14F-4D97-AF65-F5344CB8AC3E}">
+        <p14:creationId xmlns:p14="http://schemas.microsoft.com/office/powerpoint/2010/main" val="2985661171"/>
+      </p:ext>
+    </p:extLst>
+  </p:cSld>
+  <p:clrMapOvr>
+    <a:masterClrMapping/>
+  </p:clrMapOvr>
+  <p:timing>
+    <p:tnLst>
+      <p:par>
+        <p:cTn id="1" dur="indefinite" restart="never" nodeType="tmRoot"/>
       </p:par>
     </p:tnLst>
   </p:timing>
@@ -37811,15 +39613,6 @@
 </file>
 
 <file path=customXml/item2.xml><?xml version="1.0" encoding="utf-8"?>
-<?mso-contentType ?>
-<FormTemplates xmlns="http://schemas.microsoft.com/sharepoint/v3/contenttype/forms">
-  <Display>DocumentLibraryForm</Display>
-  <Edit>DocumentLibraryForm</Edit>
-  <New>DocumentLibraryForm</New>
-</FormTemplates>
-</file>
-
-<file path=customXml/item3.xml><?xml version="1.0" encoding="utf-8"?>
 <ct:contentTypeSchema xmlns:ct="http://schemas.microsoft.com/office/2006/metadata/contentType" xmlns:ma="http://schemas.microsoft.com/office/2006/metadata/properties/metaAttributes" ct:_="" ma:_="" ma:contentTypeName="Document" ma:contentTypeID="0x0101000AA0115B54226D469CC0FAAE38E5F61C" ma:contentTypeVersion="3" ma:contentTypeDescription="Create a new document." ma:contentTypeScope="" ma:versionID="0ae424bb0065d3a2a055b165aca25ec5">
   <xsd:schema xmlns:xsd="http://www.w3.org/2001/XMLSchema" xmlns:p="http://schemas.microsoft.com/office/2006/metadata/properties" targetNamespace="http://schemas.microsoft.com/office/2006/metadata/properties" ma:root="true" ma:fieldsID="4aeb20c0e3442673af7ee10786458764">
     <xsd:element name="properties">
@@ -37868,6 +39661,15 @@
 </ct:contentTypeSchema>
 </file>
 
+<file path=customXml/item3.xml><?xml version="1.0" encoding="utf-8"?>
+<?mso-contentType ?>
+<FormTemplates xmlns="http://schemas.microsoft.com/sharepoint/v3/contenttype/forms">
+  <Display>DocumentLibraryForm</Display>
+  <Edit>DocumentLibraryForm</Edit>
+  <New>DocumentLibraryForm</New>
+</FormTemplates>
+</file>
+
 <file path=customXml/itemProps1.xml><?xml version="1.0" encoding="utf-8"?>
 <ds:datastoreItem xmlns:ds="http://schemas.openxmlformats.org/officeDocument/2006/customXml" ds:itemID="{892A9AA9-F261-48C5-9DFB-0929A9F0E540}">
   <ds:schemaRefs>
@@ -37883,14 +39685,6 @@
 </file>
 
 <file path=customXml/itemProps2.xml><?xml version="1.0" encoding="utf-8"?>
-<ds:datastoreItem xmlns:ds="http://schemas.openxmlformats.org/officeDocument/2006/customXml" ds:itemID="{A1770BF7-49D5-46D6-8B76-1D8AF290B450}">
-  <ds:schemaRefs>
-    <ds:schemaRef ds:uri="http://schemas.microsoft.com/sharepoint/v3/contenttype/forms"/>
-  </ds:schemaRefs>
-</ds:datastoreItem>
-</file>
-
-<file path=customXml/itemProps3.xml><?xml version="1.0" encoding="utf-8"?>
 <ds:datastoreItem xmlns:ds="http://schemas.openxmlformats.org/officeDocument/2006/customXml" ds:itemID="{FE6BB287-9CB7-4AA6-A5A5-8D1CE03643F3}">
   <ds:schemaRefs>
     <ds:schemaRef ds:uri="http://schemas.microsoft.com/office/2006/metadata/contentType"/>
@@ -37903,4 +39697,12 @@
     <ds:schemaRef ds:uri="http://schemas.microsoft.com/office/internal/2005/internalDocumentation"/>
   </ds:schemaRefs>
 </ds:datastoreItem>
+</file>
+
+<file path=customXml/itemProps3.xml><?xml version="1.0" encoding="utf-8"?>
+<ds:datastoreItem xmlns:ds="http://schemas.openxmlformats.org/officeDocument/2006/customXml" ds:itemID="{A1770BF7-49D5-46D6-8B76-1D8AF290B450}">
+  <ds:schemaRefs>
+    <ds:schemaRef ds:uri="http://schemas.microsoft.com/sharepoint/v3/contenttype/forms"/>
+  </ds:schemaRefs>
+</ds:datastoreItem>
 </file>
--- a/source/_assets/ironman.pptx
+++ b/source/_assets/ironman.pptx
@@ -252,7 +252,7 @@
             <a:fld id="{3CDD3A71-4C75-488C-A8F3-A1F163ED0DB9}" type="datetimeFigureOut">
               <a:rPr lang="en-US" smtClean="0"/>
               <a:pPr/>
-              <a:t>1/15/2018</a:t>
+              <a:t>6/26/18</a:t>
             </a:fld>
             <a:endParaRPr lang="en-US" dirty="0"/>
           </a:p>
@@ -420,7 +420,7 @@
             <a:fld id="{523CC419-8FB3-4D1C-8127-E63C1A13459D}" type="datetimeFigureOut">
               <a:rPr lang="en-US" smtClean="0"/>
               <a:pPr/>
-              <a:t>1/15/2018</a:t>
+              <a:t>6/26/18</a:t>
             </a:fld>
             <a:endParaRPr lang="en-US" dirty="0"/>
           </a:p>
@@ -486,38 +486,37 @@
           <a:p>
             <a:pPr lvl="0"/>
             <a:r>
-              <a:rPr lang="en-US" smtClean="0"/>
+              <a:rPr lang="en-US"/>
               <a:t>Click to edit Master text styles</a:t>
             </a:r>
           </a:p>
           <a:p>
             <a:pPr lvl="1"/>
             <a:r>
-              <a:rPr lang="en-US" smtClean="0"/>
+              <a:rPr lang="en-US"/>
               <a:t>Second level</a:t>
             </a:r>
           </a:p>
           <a:p>
             <a:pPr lvl="2"/>
             <a:r>
-              <a:rPr lang="en-US" smtClean="0"/>
+              <a:rPr lang="en-US"/>
               <a:t>Third level</a:t>
             </a:r>
           </a:p>
           <a:p>
             <a:pPr lvl="3"/>
             <a:r>
-              <a:rPr lang="en-US" smtClean="0"/>
+              <a:rPr lang="en-US"/>
               <a:t>Fourth level</a:t>
             </a:r>
           </a:p>
           <a:p>
             <a:pPr lvl="4"/>
             <a:r>
-              <a:rPr lang="en-US" smtClean="0"/>
+              <a:rPr lang="en-US"/>
               <a:t>Fifth level</a:t>
             </a:r>
-            <a:endParaRPr lang="en-US"/>
           </a:p>
         </p:txBody>
       </p:sp>
@@ -734,7 +733,7 @@
           </a:lstStyle>
           <a:p>
             <a:r>
-              <a:rPr lang="zh-TW" altLang="en-US" smtClean="0"/>
+              <a:rPr lang="zh-TW" altLang="en-US"/>
               <a:t>按一下以編輯母片標題樣式</a:t>
             </a:r>
             <a:endParaRPr lang="en-US" dirty="0"/>
@@ -799,7 +798,7 @@
           </a:lstStyle>
           <a:p>
             <a:r>
-              <a:rPr lang="zh-TW" altLang="en-US" smtClean="0"/>
+              <a:rPr lang="zh-TW" altLang="en-US"/>
               <a:t>按一下以編輯母片副標題樣式</a:t>
             </a:r>
             <a:endParaRPr lang="en-US" dirty="0"/>
@@ -823,7 +822,7 @@
           <a:p>
             <a:fld id="{237FF733-248C-4CF7-A090-89CF012E357B}" type="datetimeFigureOut">
               <a:rPr lang="zh-TW" altLang="en-US" smtClean="0"/>
-              <a:t>2018/1/15</a:t>
+              <a:t>2018/6/26</a:t>
             </a:fld>
             <a:endParaRPr lang="zh-TW" altLang="en-US"/>
           </a:p>
@@ -918,7 +917,7 @@
           <a:lstStyle/>
           <a:p>
             <a:r>
-              <a:rPr lang="zh-TW" altLang="en-US" smtClean="0"/>
+              <a:rPr lang="zh-TW" altLang="en-US"/>
               <a:t>按一下以編輯母片標題樣式</a:t>
             </a:r>
             <a:endParaRPr lang="en-US" dirty="0"/>
@@ -942,35 +941,35 @@
           <a:p>
             <a:pPr lvl="0"/>
             <a:r>
-              <a:rPr lang="zh-TW" altLang="en-US" smtClean="0"/>
+              <a:rPr lang="zh-TW" altLang="en-US"/>
               <a:t>按一下以編輯母片文字樣式</a:t>
             </a:r>
           </a:p>
           <a:p>
             <a:pPr lvl="1"/>
             <a:r>
-              <a:rPr lang="zh-TW" altLang="en-US" smtClean="0"/>
+              <a:rPr lang="zh-TW" altLang="en-US"/>
               <a:t>第二層</a:t>
             </a:r>
           </a:p>
           <a:p>
             <a:pPr lvl="2"/>
             <a:r>
-              <a:rPr lang="zh-TW" altLang="en-US" smtClean="0"/>
+              <a:rPr lang="zh-TW" altLang="en-US"/>
               <a:t>第三層</a:t>
             </a:r>
           </a:p>
           <a:p>
             <a:pPr lvl="3"/>
             <a:r>
-              <a:rPr lang="zh-TW" altLang="en-US" smtClean="0"/>
+              <a:rPr lang="zh-TW" altLang="en-US"/>
               <a:t>第四層</a:t>
             </a:r>
           </a:p>
           <a:p>
             <a:pPr lvl="4"/>
             <a:r>
-              <a:rPr lang="zh-TW" altLang="en-US" smtClean="0"/>
+              <a:rPr lang="zh-TW" altLang="en-US"/>
               <a:t>第五層</a:t>
             </a:r>
             <a:endParaRPr lang="en-US" dirty="0"/>
@@ -994,7 +993,7 @@
           <a:p>
             <a:fld id="{237FF733-248C-4CF7-A090-89CF012E357B}" type="datetimeFigureOut">
               <a:rPr lang="zh-TW" altLang="en-US" smtClean="0"/>
-              <a:t>2018/1/15</a:t>
+              <a:t>2018/6/26</a:t>
             </a:fld>
             <a:endParaRPr lang="zh-TW" altLang="en-US"/>
           </a:p>
@@ -1094,7 +1093,7 @@
           <a:lstStyle/>
           <a:p>
             <a:r>
-              <a:rPr lang="zh-TW" altLang="en-US" smtClean="0"/>
+              <a:rPr lang="zh-TW" altLang="en-US"/>
               <a:t>按一下以編輯母片標題樣式</a:t>
             </a:r>
             <a:endParaRPr lang="en-US" dirty="0"/>
@@ -1123,35 +1122,35 @@
           <a:p>
             <a:pPr lvl="0"/>
             <a:r>
-              <a:rPr lang="zh-TW" altLang="en-US" smtClean="0"/>
+              <a:rPr lang="zh-TW" altLang="en-US"/>
               <a:t>按一下以編輯母片文字樣式</a:t>
             </a:r>
           </a:p>
           <a:p>
             <a:pPr lvl="1"/>
             <a:r>
-              <a:rPr lang="zh-TW" altLang="en-US" smtClean="0"/>
+              <a:rPr lang="zh-TW" altLang="en-US"/>
               <a:t>第二層</a:t>
             </a:r>
           </a:p>
           <a:p>
             <a:pPr lvl="2"/>
             <a:r>
-              <a:rPr lang="zh-TW" altLang="en-US" smtClean="0"/>
+              <a:rPr lang="zh-TW" altLang="en-US"/>
               <a:t>第三層</a:t>
             </a:r>
           </a:p>
           <a:p>
             <a:pPr lvl="3"/>
             <a:r>
-              <a:rPr lang="zh-TW" altLang="en-US" smtClean="0"/>
+              <a:rPr lang="zh-TW" altLang="en-US"/>
               <a:t>第四層</a:t>
             </a:r>
           </a:p>
           <a:p>
             <a:pPr lvl="4"/>
             <a:r>
-              <a:rPr lang="zh-TW" altLang="en-US" smtClean="0"/>
+              <a:rPr lang="zh-TW" altLang="en-US"/>
               <a:t>第五層</a:t>
             </a:r>
             <a:endParaRPr lang="en-US" dirty="0"/>
@@ -1175,7 +1174,7 @@
           <a:p>
             <a:fld id="{237FF733-248C-4CF7-A090-89CF012E357B}" type="datetimeFigureOut">
               <a:rPr lang="zh-TW" altLang="en-US" smtClean="0"/>
-              <a:t>2018/1/15</a:t>
+              <a:t>2018/6/26</a:t>
             </a:fld>
             <a:endParaRPr lang="zh-TW" altLang="en-US"/>
           </a:p>
@@ -1270,7 +1269,7 @@
           <a:lstStyle/>
           <a:p>
             <a:r>
-              <a:rPr lang="zh-TW" altLang="en-US" smtClean="0"/>
+              <a:rPr lang="zh-TW" altLang="en-US"/>
               <a:t>按一下以編輯母片標題樣式</a:t>
             </a:r>
             <a:endParaRPr lang="en-US" dirty="0"/>
@@ -1294,35 +1293,35 @@
           <a:p>
             <a:pPr lvl="0"/>
             <a:r>
-              <a:rPr lang="zh-TW" altLang="en-US" smtClean="0"/>
+              <a:rPr lang="zh-TW" altLang="en-US"/>
               <a:t>按一下以編輯母片文字樣式</a:t>
             </a:r>
           </a:p>
           <a:p>
             <a:pPr lvl="1"/>
             <a:r>
-              <a:rPr lang="zh-TW" altLang="en-US" smtClean="0"/>
+              <a:rPr lang="zh-TW" altLang="en-US"/>
               <a:t>第二層</a:t>
             </a:r>
           </a:p>
           <a:p>
             <a:pPr lvl="2"/>
             <a:r>
-              <a:rPr lang="zh-TW" altLang="en-US" smtClean="0"/>
+              <a:rPr lang="zh-TW" altLang="en-US"/>
               <a:t>第三層</a:t>
             </a:r>
           </a:p>
           <a:p>
             <a:pPr lvl="3"/>
             <a:r>
-              <a:rPr lang="zh-TW" altLang="en-US" smtClean="0"/>
+              <a:rPr lang="zh-TW" altLang="en-US"/>
               <a:t>第四層</a:t>
             </a:r>
           </a:p>
           <a:p>
             <a:pPr lvl="4"/>
             <a:r>
-              <a:rPr lang="zh-TW" altLang="en-US" smtClean="0"/>
+              <a:rPr lang="zh-TW" altLang="en-US"/>
               <a:t>第五層</a:t>
             </a:r>
             <a:endParaRPr lang="en-US" dirty="0"/>
@@ -1346,7 +1345,7 @@
           <a:p>
             <a:fld id="{237FF733-248C-4CF7-A090-89CF012E357B}" type="datetimeFigureOut">
               <a:rPr lang="zh-TW" altLang="en-US" smtClean="0"/>
-              <a:t>2018/1/15</a:t>
+              <a:t>2018/6/26</a:t>
             </a:fld>
             <a:endParaRPr lang="zh-TW" altLang="en-US"/>
           </a:p>
@@ -1450,7 +1449,7 @@
           </a:lstStyle>
           <a:p>
             <a:r>
-              <a:rPr lang="zh-TW" altLang="en-US" smtClean="0"/>
+              <a:rPr lang="zh-TW" altLang="en-US"/>
               <a:t>按一下以編輯母片標題樣式</a:t>
             </a:r>
             <a:endParaRPr lang="en-US" dirty="0"/>
@@ -1570,7 +1569,7 @@
           <a:p>
             <a:pPr lvl="0"/>
             <a:r>
-              <a:rPr lang="zh-TW" altLang="en-US" smtClean="0"/>
+              <a:rPr lang="zh-TW" altLang="en-US"/>
               <a:t>按一下以編輯母片文字樣式</a:t>
             </a:r>
           </a:p>
@@ -1593,7 +1592,7 @@
           <a:p>
             <a:fld id="{237FF733-248C-4CF7-A090-89CF012E357B}" type="datetimeFigureOut">
               <a:rPr lang="zh-TW" altLang="en-US" smtClean="0"/>
-              <a:t>2018/1/15</a:t>
+              <a:t>2018/6/26</a:t>
             </a:fld>
             <a:endParaRPr lang="zh-TW" altLang="en-US"/>
           </a:p>
@@ -1688,7 +1687,7 @@
           <a:lstStyle/>
           <a:p>
             <a:r>
-              <a:rPr lang="zh-TW" altLang="en-US" smtClean="0"/>
+              <a:rPr lang="zh-TW" altLang="en-US"/>
               <a:t>按一下以編輯母片標題樣式</a:t>
             </a:r>
             <a:endParaRPr lang="en-US" dirty="0"/>
@@ -1717,35 +1716,35 @@
           <a:p>
             <a:pPr lvl="0"/>
             <a:r>
-              <a:rPr lang="zh-TW" altLang="en-US" smtClean="0"/>
+              <a:rPr lang="zh-TW" altLang="en-US"/>
               <a:t>按一下以編輯母片文字樣式</a:t>
             </a:r>
           </a:p>
           <a:p>
             <a:pPr lvl="1"/>
             <a:r>
-              <a:rPr lang="zh-TW" altLang="en-US" smtClean="0"/>
+              <a:rPr lang="zh-TW" altLang="en-US"/>
               <a:t>第二層</a:t>
             </a:r>
           </a:p>
           <a:p>
             <a:pPr lvl="2"/>
             <a:r>
-              <a:rPr lang="zh-TW" altLang="en-US" smtClean="0"/>
+              <a:rPr lang="zh-TW" altLang="en-US"/>
               <a:t>第三層</a:t>
             </a:r>
           </a:p>
           <a:p>
             <a:pPr lvl="3"/>
             <a:r>
-              <a:rPr lang="zh-TW" altLang="en-US" smtClean="0"/>
+              <a:rPr lang="zh-TW" altLang="en-US"/>
               <a:t>第四層</a:t>
             </a:r>
           </a:p>
           <a:p>
             <a:pPr lvl="4"/>
             <a:r>
-              <a:rPr lang="zh-TW" altLang="en-US" smtClean="0"/>
+              <a:rPr lang="zh-TW" altLang="en-US"/>
               <a:t>第五層</a:t>
             </a:r>
             <a:endParaRPr lang="en-US" dirty="0"/>
@@ -1774,35 +1773,35 @@
           <a:p>
             <a:pPr lvl="0"/>
             <a:r>
-              <a:rPr lang="zh-TW" altLang="en-US" smtClean="0"/>
+              <a:rPr lang="zh-TW" altLang="en-US"/>
               <a:t>按一下以編輯母片文字樣式</a:t>
             </a:r>
           </a:p>
           <a:p>
             <a:pPr lvl="1"/>
             <a:r>
-              <a:rPr lang="zh-TW" altLang="en-US" smtClean="0"/>
+              <a:rPr lang="zh-TW" altLang="en-US"/>
               <a:t>第二層</a:t>
             </a:r>
           </a:p>
           <a:p>
             <a:pPr lvl="2"/>
             <a:r>
-              <a:rPr lang="zh-TW" altLang="en-US" smtClean="0"/>
+              <a:rPr lang="zh-TW" altLang="en-US"/>
               <a:t>第三層</a:t>
             </a:r>
           </a:p>
           <a:p>
             <a:pPr lvl="3"/>
             <a:r>
-              <a:rPr lang="zh-TW" altLang="en-US" smtClean="0"/>
+              <a:rPr lang="zh-TW" altLang="en-US"/>
               <a:t>第四層</a:t>
             </a:r>
           </a:p>
           <a:p>
             <a:pPr lvl="4"/>
             <a:r>
-              <a:rPr lang="zh-TW" altLang="en-US" smtClean="0"/>
+              <a:rPr lang="zh-TW" altLang="en-US"/>
               <a:t>第五層</a:t>
             </a:r>
             <a:endParaRPr lang="en-US" dirty="0"/>
@@ -1826,7 +1825,7 @@
           <a:p>
             <a:fld id="{237FF733-248C-4CF7-A090-89CF012E357B}" type="datetimeFigureOut">
               <a:rPr lang="zh-TW" altLang="en-US" smtClean="0"/>
-              <a:t>2018/1/15</a:t>
+              <a:t>2018/6/26</a:t>
             </a:fld>
             <a:endParaRPr lang="zh-TW" altLang="en-US"/>
           </a:p>
@@ -1926,7 +1925,7 @@
           <a:lstStyle/>
           <a:p>
             <a:r>
-              <a:rPr lang="zh-TW" altLang="en-US" smtClean="0"/>
+              <a:rPr lang="zh-TW" altLang="en-US"/>
               <a:t>按一下以編輯母片標題樣式</a:t>
             </a:r>
             <a:endParaRPr lang="en-US" dirty="0"/>
@@ -1992,7 +1991,7 @@
           <a:p>
             <a:pPr lvl="0"/>
             <a:r>
-              <a:rPr lang="zh-TW" altLang="en-US" smtClean="0"/>
+              <a:rPr lang="zh-TW" altLang="en-US"/>
               <a:t>按一下以編輯母片文字樣式</a:t>
             </a:r>
           </a:p>
@@ -2020,35 +2019,35 @@
           <a:p>
             <a:pPr lvl="0"/>
             <a:r>
-              <a:rPr lang="zh-TW" altLang="en-US" smtClean="0"/>
+              <a:rPr lang="zh-TW" altLang="en-US"/>
               <a:t>按一下以編輯母片文字樣式</a:t>
             </a:r>
           </a:p>
           <a:p>
             <a:pPr lvl="1"/>
             <a:r>
-              <a:rPr lang="zh-TW" altLang="en-US" smtClean="0"/>
+              <a:rPr lang="zh-TW" altLang="en-US"/>
               <a:t>第二層</a:t>
             </a:r>
           </a:p>
           <a:p>
             <a:pPr lvl="2"/>
             <a:r>
-              <a:rPr lang="zh-TW" altLang="en-US" smtClean="0"/>
+              <a:rPr lang="zh-TW" altLang="en-US"/>
               <a:t>第三層</a:t>
             </a:r>
           </a:p>
           <a:p>
             <a:pPr lvl="3"/>
             <a:r>
-              <a:rPr lang="zh-TW" altLang="en-US" smtClean="0"/>
+              <a:rPr lang="zh-TW" altLang="en-US"/>
               <a:t>第四層</a:t>
             </a:r>
           </a:p>
           <a:p>
             <a:pPr lvl="4"/>
             <a:r>
-              <a:rPr lang="zh-TW" altLang="en-US" smtClean="0"/>
+              <a:rPr lang="zh-TW" altLang="en-US"/>
               <a:t>第五層</a:t>
             </a:r>
             <a:endParaRPr lang="en-US" dirty="0"/>
@@ -2114,7 +2113,7 @@
           <a:p>
             <a:pPr lvl="0"/>
             <a:r>
-              <a:rPr lang="zh-TW" altLang="en-US" smtClean="0"/>
+              <a:rPr lang="zh-TW" altLang="en-US"/>
               <a:t>按一下以編輯母片文字樣式</a:t>
             </a:r>
           </a:p>
@@ -2142,35 +2141,35 @@
           <a:p>
             <a:pPr lvl="0"/>
             <a:r>
-              <a:rPr lang="zh-TW" altLang="en-US" smtClean="0"/>
+              <a:rPr lang="zh-TW" altLang="en-US"/>
               <a:t>按一下以編輯母片文字樣式</a:t>
             </a:r>
           </a:p>
           <a:p>
             <a:pPr lvl="1"/>
             <a:r>
-              <a:rPr lang="zh-TW" altLang="en-US" smtClean="0"/>
+              <a:rPr lang="zh-TW" altLang="en-US"/>
               <a:t>第二層</a:t>
             </a:r>
           </a:p>
           <a:p>
             <a:pPr lvl="2"/>
             <a:r>
-              <a:rPr lang="zh-TW" altLang="en-US" smtClean="0"/>
+              <a:rPr lang="zh-TW" altLang="en-US"/>
               <a:t>第三層</a:t>
             </a:r>
           </a:p>
           <a:p>
             <a:pPr lvl="3"/>
             <a:r>
-              <a:rPr lang="zh-TW" altLang="en-US" smtClean="0"/>
+              <a:rPr lang="zh-TW" altLang="en-US"/>
               <a:t>第四層</a:t>
             </a:r>
           </a:p>
           <a:p>
             <a:pPr lvl="4"/>
             <a:r>
-              <a:rPr lang="zh-TW" altLang="en-US" smtClean="0"/>
+              <a:rPr lang="zh-TW" altLang="en-US"/>
               <a:t>第五層</a:t>
             </a:r>
             <a:endParaRPr lang="en-US" dirty="0"/>
@@ -2194,7 +2193,7 @@
           <a:p>
             <a:fld id="{237FF733-248C-4CF7-A090-89CF012E357B}" type="datetimeFigureOut">
               <a:rPr lang="zh-TW" altLang="en-US" smtClean="0"/>
-              <a:t>2018/1/15</a:t>
+              <a:t>2018/6/26</a:t>
             </a:fld>
             <a:endParaRPr lang="zh-TW" altLang="en-US"/>
           </a:p>
@@ -2289,7 +2288,7 @@
           <a:lstStyle/>
           <a:p>
             <a:r>
-              <a:rPr lang="zh-TW" altLang="en-US" smtClean="0"/>
+              <a:rPr lang="zh-TW" altLang="en-US"/>
               <a:t>按一下以編輯母片標題樣式</a:t>
             </a:r>
             <a:endParaRPr lang="en-US" dirty="0"/>
@@ -2313,7 +2312,7 @@
           <a:p>
             <a:fld id="{237FF733-248C-4CF7-A090-89CF012E357B}" type="datetimeFigureOut">
               <a:rPr lang="zh-TW" altLang="en-US" smtClean="0"/>
-              <a:t>2018/1/15</a:t>
+              <a:t>2018/6/26</a:t>
             </a:fld>
             <a:endParaRPr lang="zh-TW" altLang="en-US"/>
           </a:p>
@@ -2409,7 +2408,7 @@
           <a:p>
             <a:fld id="{237FF733-248C-4CF7-A090-89CF012E357B}" type="datetimeFigureOut">
               <a:rPr lang="zh-TW" altLang="en-US" smtClean="0"/>
-              <a:t>2018/1/15</a:t>
+              <a:t>2018/6/26</a:t>
             </a:fld>
             <a:endParaRPr lang="zh-TW" altLang="en-US"/>
           </a:p>
@@ -2513,7 +2512,7 @@
           </a:lstStyle>
           <a:p>
             <a:r>
-              <a:rPr lang="zh-TW" altLang="en-US" smtClean="0"/>
+              <a:rPr lang="zh-TW" altLang="en-US"/>
               <a:t>按一下以編輯母片標題樣式</a:t>
             </a:r>
             <a:endParaRPr lang="en-US" dirty="0"/>
@@ -2570,35 +2569,35 @@
           <a:p>
             <a:pPr lvl="0"/>
             <a:r>
-              <a:rPr lang="zh-TW" altLang="en-US" smtClean="0"/>
+              <a:rPr lang="zh-TW" altLang="en-US"/>
               <a:t>按一下以編輯母片文字樣式</a:t>
             </a:r>
           </a:p>
           <a:p>
             <a:pPr lvl="1"/>
             <a:r>
-              <a:rPr lang="zh-TW" altLang="en-US" smtClean="0"/>
+              <a:rPr lang="zh-TW" altLang="en-US"/>
               <a:t>第二層</a:t>
             </a:r>
           </a:p>
           <a:p>
             <a:pPr lvl="2"/>
             <a:r>
-              <a:rPr lang="zh-TW" altLang="en-US" smtClean="0"/>
+              <a:rPr lang="zh-TW" altLang="en-US"/>
               <a:t>第三層</a:t>
             </a:r>
           </a:p>
           <a:p>
             <a:pPr lvl="3"/>
             <a:r>
-              <a:rPr lang="zh-TW" altLang="en-US" smtClean="0"/>
+              <a:rPr lang="zh-TW" altLang="en-US"/>
               <a:t>第四層</a:t>
             </a:r>
           </a:p>
           <a:p>
             <a:pPr lvl="4"/>
             <a:r>
-              <a:rPr lang="zh-TW" altLang="en-US" smtClean="0"/>
+              <a:rPr lang="zh-TW" altLang="en-US"/>
               <a:t>第五層</a:t>
             </a:r>
             <a:endParaRPr lang="en-US" dirty="0"/>
@@ -2664,7 +2663,7 @@
           <a:p>
             <a:pPr lvl="0"/>
             <a:r>
-              <a:rPr lang="zh-TW" altLang="en-US" smtClean="0"/>
+              <a:rPr lang="zh-TW" altLang="en-US"/>
               <a:t>按一下以編輯母片文字樣式</a:t>
             </a:r>
           </a:p>
@@ -2687,7 +2686,7 @@
           <a:p>
             <a:fld id="{237FF733-248C-4CF7-A090-89CF012E357B}" type="datetimeFigureOut">
               <a:rPr lang="zh-TW" altLang="en-US" smtClean="0"/>
-              <a:t>2018/1/15</a:t>
+              <a:t>2018/6/26</a:t>
             </a:fld>
             <a:endParaRPr lang="zh-TW" altLang="en-US"/>
           </a:p>
@@ -2791,7 +2790,7 @@
           </a:lstStyle>
           <a:p>
             <a:r>
-              <a:rPr lang="zh-TW" altLang="en-US" smtClean="0"/>
+              <a:rPr lang="zh-TW" altLang="en-US"/>
               <a:t>按一下以編輯母片標題樣式</a:t>
             </a:r>
             <a:endParaRPr lang="en-US" dirty="0"/>
@@ -2856,7 +2855,7 @@
           </a:lstStyle>
           <a:p>
             <a:r>
-              <a:rPr lang="zh-TW" altLang="en-US" smtClean="0"/>
+              <a:rPr lang="zh-TW" altLang="en-US"/>
               <a:t>按一下圖示以新增圖片</a:t>
             </a:r>
             <a:endParaRPr lang="en-US" dirty="0"/>
@@ -2922,7 +2921,7 @@
           <a:p>
             <a:pPr lvl="0"/>
             <a:r>
-              <a:rPr lang="zh-TW" altLang="en-US" smtClean="0"/>
+              <a:rPr lang="zh-TW" altLang="en-US"/>
               <a:t>按一下以編輯母片文字樣式</a:t>
             </a:r>
           </a:p>
@@ -2945,7 +2944,7 @@
           <a:p>
             <a:fld id="{237FF733-248C-4CF7-A090-89CF012E357B}" type="datetimeFigureOut">
               <a:rPr lang="zh-TW" altLang="en-US" smtClean="0"/>
-              <a:t>2018/1/15</a:t>
+              <a:t>2018/6/26</a:t>
             </a:fld>
             <a:endParaRPr lang="zh-TW" altLang="en-US"/>
           </a:p>
@@ -3055,7 +3054,7 @@
           <a:lstStyle/>
           <a:p>
             <a:r>
-              <a:rPr lang="zh-TW" altLang="en-US" smtClean="0"/>
+              <a:rPr lang="zh-TW" altLang="en-US"/>
               <a:t>按一下以編輯母片標題樣式</a:t>
             </a:r>
             <a:endParaRPr lang="en-US" dirty="0"/>
@@ -3089,35 +3088,35 @@
           <a:p>
             <a:pPr lvl="0"/>
             <a:r>
-              <a:rPr lang="zh-TW" altLang="en-US" smtClean="0"/>
+              <a:rPr lang="zh-TW" altLang="en-US"/>
               <a:t>按一下以編輯母片文字樣式</a:t>
             </a:r>
           </a:p>
           <a:p>
             <a:pPr lvl="1"/>
             <a:r>
-              <a:rPr lang="zh-TW" altLang="en-US" smtClean="0"/>
+              <a:rPr lang="zh-TW" altLang="en-US"/>
               <a:t>第二層</a:t>
             </a:r>
           </a:p>
           <a:p>
             <a:pPr lvl="2"/>
             <a:r>
-              <a:rPr lang="zh-TW" altLang="en-US" smtClean="0"/>
+              <a:rPr lang="zh-TW" altLang="en-US"/>
               <a:t>第三層</a:t>
             </a:r>
           </a:p>
           <a:p>
             <a:pPr lvl="3"/>
             <a:r>
-              <a:rPr lang="zh-TW" altLang="en-US" smtClean="0"/>
+              <a:rPr lang="zh-TW" altLang="en-US"/>
               <a:t>第四層</a:t>
             </a:r>
           </a:p>
           <a:p>
             <a:pPr lvl="4"/>
             <a:r>
-              <a:rPr lang="zh-TW" altLang="en-US" smtClean="0"/>
+              <a:rPr lang="zh-TW" altLang="en-US"/>
               <a:t>第五層</a:t>
             </a:r>
             <a:endParaRPr lang="en-US" dirty="0"/>
@@ -3159,7 +3158,7 @@
           <a:p>
             <a:fld id="{237FF733-248C-4CF7-A090-89CF012E357B}" type="datetimeFigureOut">
               <a:rPr lang="zh-TW" altLang="en-US" smtClean="0"/>
-              <a:t>2018/1/15</a:t>
+              <a:t>2018/6/26</a:t>
             </a:fld>
             <a:endParaRPr lang="zh-TW" altLang="en-US"/>
           </a:p>
@@ -3600,7 +3599,7 @@
           <a:p>
             <a:pPr algn="ctr"/>
             <a:r>
-              <a:rPr lang="en-US" altLang="zh-TW" sz="2000" dirty="0" smtClean="0"/>
+              <a:rPr lang="en-US" altLang="zh-TW" sz="2000" dirty="0"/>
               <a:t>Request - 3</a:t>
             </a:r>
             <a:endParaRPr lang="zh-TW" altLang="en-US" sz="2000" dirty="0"/>
@@ -3642,7 +3641,7 @@
           <a:p>
             <a:pPr algn="ctr"/>
             <a:r>
-              <a:rPr lang="en-US" altLang="zh-TW" sz="2000" dirty="0" smtClean="0"/>
+              <a:rPr lang="en-US" altLang="zh-TW" sz="2000" dirty="0"/>
               <a:t>Request - 1</a:t>
             </a:r>
             <a:endParaRPr lang="zh-TW" altLang="en-US" sz="2000" dirty="0"/>
@@ -3673,7 +3672,7 @@
           <a:p>
             <a:pPr algn="ctr"/>
             <a:r>
-              <a:rPr lang="en-US" altLang="zh-TW" dirty="0" smtClean="0"/>
+              <a:rPr lang="en-US" altLang="zh-TW" dirty="0"/>
               <a:t>Session: 1</a:t>
             </a:r>
             <a:endParaRPr lang="zh-TW" altLang="en-US" dirty="0"/>
@@ -3704,7 +3703,7 @@
           <a:p>
             <a:pPr algn="ctr"/>
             <a:r>
-              <a:rPr lang="en-US" altLang="zh-TW" dirty="0" smtClean="0"/>
+              <a:rPr lang="en-US" altLang="zh-TW" dirty="0"/>
               <a:t>Session: 1</a:t>
             </a:r>
             <a:endParaRPr lang="zh-TW" altLang="en-US" dirty="0"/>
@@ -3868,7 +3867,7 @@
               <a:p>
                 <a:pPr algn="ctr"/>
                 <a:r>
-                  <a:rPr lang="en-US" altLang="zh-TW" dirty="0" smtClean="0"/>
+                  <a:rPr lang="en-US" altLang="zh-TW" dirty="0"/>
                   <a:t>User</a:t>
                 </a:r>
                 <a:endParaRPr lang="zh-TW" altLang="en-US" dirty="0"/>
@@ -3912,7 +3911,7 @@
           <a:p>
             <a:pPr algn="ctr"/>
             <a:r>
-              <a:rPr lang="en-US" altLang="zh-TW" sz="2000" dirty="0" smtClean="0"/>
+              <a:rPr lang="en-US" altLang="zh-TW" sz="2000" dirty="0"/>
               <a:t>Request Session</a:t>
             </a:r>
             <a:endParaRPr lang="zh-TW" altLang="en-US" sz="2000" dirty="0"/>
@@ -3954,7 +3953,7 @@
           <a:p>
             <a:pPr algn="ctr"/>
             <a:r>
-              <a:rPr lang="en-US" altLang="zh-TW" sz="2000" dirty="0" smtClean="0"/>
+              <a:rPr lang="en-US" altLang="zh-TW" sz="2000" dirty="0"/>
               <a:t>Get Session</a:t>
             </a:r>
             <a:endParaRPr lang="zh-TW" altLang="en-US" sz="2000" dirty="0"/>
@@ -3996,7 +3995,7 @@
           <a:p>
             <a:pPr algn="ctr"/>
             <a:r>
-              <a:rPr lang="en-US" altLang="zh-TW" sz="2000" dirty="0" smtClean="0"/>
+              <a:rPr lang="en-US" altLang="zh-TW" sz="2000" dirty="0"/>
               <a:t>Clone</a:t>
             </a:r>
             <a:endParaRPr lang="zh-TW" altLang="en-US" sz="2000" dirty="0"/>
@@ -4071,7 +4070,7 @@
             <a:p>
               <a:pPr algn="ctr"/>
               <a:r>
-                <a:rPr lang="en-US" altLang="zh-TW" sz="1200" dirty="0" smtClean="0"/>
+                <a:rPr lang="en-US" altLang="zh-TW" sz="1200" dirty="0"/>
                 <a:t>Session: 1</a:t>
               </a:r>
               <a:endParaRPr lang="zh-TW" altLang="en-US" sz="1200" dirty="0"/>
@@ -4147,7 +4146,7 @@
             <a:p>
               <a:pPr algn="ctr"/>
               <a:r>
-                <a:rPr lang="en-US" altLang="zh-TW" sz="1200" dirty="0" smtClean="0"/>
+                <a:rPr lang="en-US" altLang="zh-TW" sz="1200" dirty="0"/>
                 <a:t>Session: 1</a:t>
               </a:r>
               <a:endParaRPr lang="zh-TW" altLang="en-US" sz="1200" dirty="0"/>
@@ -4223,7 +4222,7 @@
             <a:p>
               <a:pPr algn="ctr"/>
               <a:r>
-                <a:rPr lang="en-US" altLang="zh-TW" dirty="0" smtClean="0"/>
+                <a:rPr lang="en-US" altLang="zh-TW" dirty="0"/>
                 <a:t>Website A</a:t>
               </a:r>
               <a:endParaRPr lang="zh-TW" altLang="en-US" dirty="0"/>
@@ -4322,7 +4321,7 @@
             <a:p>
               <a:pPr algn="ctr"/>
               <a:r>
-                <a:rPr lang="en-US" altLang="zh-TW" dirty="0" smtClean="0"/>
+                <a:rPr lang="en-US" altLang="zh-TW" dirty="0"/>
                 <a:t>Website B</a:t>
               </a:r>
               <a:endParaRPr lang="zh-TW" altLang="en-US" dirty="0"/>
@@ -4398,7 +4397,7 @@
             <a:p>
               <a:pPr algn="ctr"/>
               <a:r>
-                <a:rPr lang="en-US" altLang="zh-TW" dirty="0" smtClean="0"/>
+                <a:rPr lang="en-US" altLang="zh-TW" dirty="0"/>
                 <a:t>Redis</a:t>
               </a:r>
               <a:endParaRPr lang="zh-TW" altLang="en-US" dirty="0"/>
@@ -4475,20 +4474,12 @@
           <a:p>
             <a:pPr algn="ctr"/>
             <a:r>
-              <a:rPr lang="en-US" altLang="zh-TW" dirty="0" smtClean="0">
+              <a:rPr lang="en-US" altLang="zh-TW" dirty="0">
                 <a:solidFill>
                   <a:schemeClr val="tx1"/>
                 </a:solidFill>
               </a:rPr>
               <a:t>Session: 1</a:t>
-            </a:r>
-            <a:r>
-              <a:rPr lang="en-US" altLang="zh-TW" dirty="0">
-                <a:solidFill>
-                  <a:schemeClr val="tx1"/>
-                </a:solidFill>
-              </a:rPr>
-              <a:t/>
             </a:r>
             <a:br>
               <a:rPr lang="en-US" altLang="zh-TW" dirty="0">
@@ -4548,7 +4539,7 @@
           <a:p>
             <a:pPr algn="ctr"/>
             <a:r>
-              <a:rPr lang="en-US" altLang="zh-TW" sz="2000" dirty="0" smtClean="0"/>
+              <a:rPr lang="en-US" altLang="zh-TW" sz="2000" dirty="0"/>
               <a:t>Request - 2</a:t>
             </a:r>
             <a:endParaRPr lang="zh-TW" altLang="en-US" sz="2000" dirty="0"/>
@@ -4594,7 +4585,7 @@
           <a:p>
             <a:pPr algn="ctr"/>
             <a:r>
-              <a:rPr lang="en-US" altLang="zh-TW" dirty="0" smtClean="0">
+              <a:rPr lang="en-US" altLang="zh-TW" dirty="0">
                 <a:solidFill>
                   <a:schemeClr val="tx1"/>
                 </a:solidFill>
@@ -4602,14 +4593,14 @@
               <a:t>Session: 1</a:t>
             </a:r>
             <a:br>
-              <a:rPr lang="en-US" altLang="zh-TW" dirty="0" smtClean="0">
+              <a:rPr lang="en-US" altLang="zh-TW" dirty="0">
                 <a:solidFill>
                   <a:schemeClr val="tx1"/>
                 </a:solidFill>
               </a:rPr>
             </a:br>
             <a:r>
-              <a:rPr lang="en-US" altLang="zh-TW" dirty="0" smtClean="0">
+              <a:rPr lang="en-US" altLang="zh-TW" dirty="0">
                 <a:solidFill>
                   <a:schemeClr val="tx1"/>
                 </a:solidFill>
@@ -4659,7 +4650,7 @@
           <a:p>
             <a:pPr algn="ctr"/>
             <a:r>
-              <a:rPr lang="en-US" altLang="zh-TW" sz="2000" dirty="0" smtClean="0"/>
+              <a:rPr lang="en-US" altLang="zh-TW" sz="2000" dirty="0"/>
               <a:t>Response</a:t>
             </a:r>
             <a:endParaRPr lang="zh-TW" altLang="en-US" sz="2000" dirty="0"/>
@@ -4701,7 +4692,7 @@
           <a:p>
             <a:pPr algn="ctr"/>
             <a:r>
-              <a:rPr lang="en-US" altLang="zh-TW" sz="2000" dirty="0" smtClean="0"/>
+              <a:rPr lang="en-US" altLang="zh-TW" sz="2000" dirty="0"/>
               <a:t>Response</a:t>
             </a:r>
             <a:endParaRPr lang="zh-TW" altLang="en-US" sz="2000" dirty="0"/>
@@ -4732,7 +4723,7 @@
           <a:lstStyle/>
           <a:p>
             <a:r>
-              <a:rPr lang="en-US" altLang="zh-TW" sz="10000" b="1" dirty="0" smtClean="0">
+              <a:rPr lang="en-US" altLang="zh-TW" sz="10000" b="1" dirty="0">
                 <a:solidFill>
                   <a:schemeClr val="tx1">
                     <a:alpha val="8000"/>
@@ -5996,7 +5987,7 @@
           <a:p>
             <a:pPr algn="ctr"/>
             <a:r>
-              <a:rPr lang="en-US" altLang="zh-TW" dirty="0" smtClean="0">
+              <a:rPr lang="en-US" altLang="zh-TW" dirty="0">
                 <a:solidFill>
                   <a:schemeClr val="bg1"/>
                 </a:solidFill>
@@ -6122,7 +6113,7 @@
           <a:p>
             <a:pPr algn="ctr"/>
             <a:r>
-              <a:rPr lang="en-US" altLang="zh-TW" dirty="0" smtClean="0">
+              <a:rPr lang="en-US" altLang="zh-TW" dirty="0">
                 <a:solidFill>
                   <a:schemeClr val="bg1"/>
                 </a:solidFill>
@@ -6210,7 +6201,7 @@
           <a:p>
             <a:pPr algn="ctr"/>
             <a:r>
-              <a:rPr lang="en-US" altLang="zh-TW" dirty="0" smtClean="0">
+              <a:rPr lang="en-US" altLang="zh-TW" dirty="0">
                 <a:solidFill>
                   <a:schemeClr val="bg1"/>
                 </a:solidFill>
@@ -6221,7 +6212,7 @@
           <a:p>
             <a:pPr algn="ctr"/>
             <a:r>
-              <a:rPr lang="en-US" altLang="zh-TW" dirty="0" smtClean="0">
+              <a:rPr lang="en-US" altLang="zh-TW" dirty="0">
                 <a:solidFill>
                   <a:schemeClr val="bg1"/>
                 </a:solidFill>
@@ -6259,7 +6250,7 @@
           <a:p>
             <a:pPr algn="ctr"/>
             <a:r>
-              <a:rPr lang="en-US" altLang="zh-TW" dirty="0" smtClean="0">
+              <a:rPr lang="en-US" altLang="zh-TW" dirty="0">
                 <a:solidFill>
                   <a:schemeClr val="bg1"/>
                 </a:solidFill>
@@ -6270,7 +6261,7 @@
           <a:p>
             <a:pPr algn="ctr"/>
             <a:r>
-              <a:rPr lang="en-US" altLang="zh-TW" dirty="0" smtClean="0">
+              <a:rPr lang="en-US" altLang="zh-TW" dirty="0">
                 <a:solidFill>
                   <a:schemeClr val="bg1"/>
                 </a:solidFill>
@@ -6295,13 +6286,6 @@
   <p:clrMapOvr>
     <a:masterClrMapping/>
   </p:clrMapOvr>
-  <p:timing>
-    <p:tnLst>
-      <p:par>
-        <p:cTn id="1" dur="indefinite" restart="never" nodeType="tmRoot"/>
-      </p:par>
-    </p:tnLst>
-  </p:timing>
 </p:sld>
 </file>
 
@@ -6468,22 +6452,10 @@
               <a:rPr lang="zh-TW" altLang="en-US" sz="1200" dirty="0">
                 <a:ea typeface="微軟正黑體" panose="020B0604030504040204" pitchFamily="34" charset="-120"/>
               </a:rPr>
-              <a:t>我</a:t>
-            </a:r>
-            <a:r>
-              <a:rPr lang="zh-TW" altLang="en-US" sz="1200" dirty="0" smtClean="0">
-                <a:ea typeface="微軟正黑體" panose="020B0604030504040204" pitchFamily="34" charset="-120"/>
-              </a:rPr>
-              <a:t>要</a:t>
-            </a:r>
-            <a:r>
-              <a:rPr lang="zh-TW" altLang="en-US" sz="1200" dirty="0">
-                <a:ea typeface="微軟正黑體" panose="020B0604030504040204" pitchFamily="34" charset="-120"/>
-              </a:rPr>
-              <a:t>建立</a:t>
-            </a:r>
-            <a:r>
-              <a:rPr lang="en-US" altLang="zh-TW" sz="1200" dirty="0" smtClean="0">
+              <a:t>我要建立</a:t>
+            </a:r>
+            <a:r>
+              <a:rPr lang="en-US" altLang="zh-TW" sz="1200" dirty="0">
                 <a:ea typeface="微軟正黑體" panose="020B0604030504040204" pitchFamily="34" charset="-120"/>
               </a:rPr>
               <a:t> </a:t>
@@ -6507,7 +6479,7 @@
               <a:t>需要 </a:t>
             </a:r>
             <a:r>
-              <a:rPr lang="en-US" altLang="zh-TW" sz="1200" dirty="0" err="1" smtClean="0">
+              <a:rPr lang="en-US" altLang="zh-TW" sz="1200" dirty="0" err="1">
                 <a:ea typeface="微軟正黑體" panose="020B0604030504040204" pitchFamily="34" charset="-120"/>
               </a:rPr>
               <a:t>ISample</a:t>
@@ -6543,7 +6515,13 @@
                 <a:tableStyleId>{69CF1AB2-1976-4502-BF36-3FF5EA218861}</a:tableStyleId>
               </a:tblPr>
               <a:tblGrid>
-                <a:gridCol w="1224000"/>
+                <a:gridCol w="1224000">
+                  <a:extLst>
+                    <a:ext uri="{9D8B030D-6E8A-4147-A177-3AD203B41FA5}">
+                      <a16:colId xmlns:a16="http://schemas.microsoft.com/office/drawing/2014/main" val="20000"/>
+                    </a:ext>
+                  </a:extLst>
+                </a:gridCol>
               </a:tblGrid>
               <a:tr h="812131">
                 <a:tc>
@@ -6552,7 +6530,7 @@
                     <a:lstStyle/>
                     <a:p>
                       <a:r>
-                        <a:rPr lang="zh-TW" altLang="en-US" sz="1200" b="0" i="0" kern="1200" dirty="0" smtClean="0">
+                        <a:rPr lang="zh-TW" altLang="en-US" sz="1200" b="0" i="0" kern="1200" dirty="0">
                           <a:solidFill>
                             <a:schemeClr val="dk1"/>
                           </a:solidFill>
@@ -6564,7 +6542,7 @@
                         <a:t>代碼：</a:t>
                       </a:r>
                       <a:r>
-                        <a:rPr lang="en-US" altLang="zh-TW" sz="1400" b="0" i="0" kern="1200" dirty="0" err="1" smtClean="0">
+                        <a:rPr lang="en-US" altLang="zh-TW" sz="1400" b="0" i="0" kern="1200" dirty="0" err="1">
                           <a:solidFill>
                             <a:schemeClr val="dk1"/>
                           </a:solidFill>
@@ -6575,7 +6553,7 @@
                         </a:rPr>
                         <a:t>ISample</a:t>
                       </a:r>
-                      <a:endParaRPr lang="en-US" altLang="zh-TW" sz="1400" b="0" i="0" kern="1200" dirty="0" smtClean="0">
+                      <a:endParaRPr lang="en-US" altLang="zh-TW" sz="1400" b="0" i="0" kern="1200" dirty="0">
                         <a:solidFill>
                           <a:schemeClr val="dk1"/>
                         </a:solidFill>
@@ -6587,7 +6565,7 @@
                     </a:p>
                     <a:p>
                       <a:r>
-                        <a:rPr lang="zh-TW" altLang="en-US" sz="1200" b="0" i="0" kern="1200" dirty="0" smtClean="0">
+                        <a:rPr lang="zh-TW" altLang="en-US" sz="1200" b="0" i="0" kern="1200" dirty="0">
                           <a:solidFill>
                             <a:schemeClr val="dk1"/>
                           </a:solidFill>
@@ -6599,7 +6577,7 @@
                         <a:t>商品：</a:t>
                       </a:r>
                       <a:r>
-                        <a:rPr lang="en-US" altLang="zh-TW" sz="1400" b="0" i="0" kern="1200" dirty="0" smtClean="0">
+                        <a:rPr lang="en-US" altLang="zh-TW" sz="1400" b="0" i="0" kern="1200" dirty="0">
                           <a:solidFill>
                             <a:schemeClr val="dk1"/>
                           </a:solidFill>
@@ -6618,6 +6596,11 @@
                   </a:txBody>
                   <a:tcPr anchor="ctr"/>
                 </a:tc>
+                <a:extLst>
+                  <a:ext uri="{0D108BD9-81ED-4DB2-BD59-A6C34878D82A}">
+                    <a16:rowId xmlns:a16="http://schemas.microsoft.com/office/drawing/2014/main" val="10000"/>
+                  </a:ext>
+                </a:extLst>
               </a:tr>
               <a:tr h="700898">
                 <a:tc>
@@ -6633,6 +6616,11 @@
                   </a:txBody>
                   <a:tcPr anchor="ctr"/>
                 </a:tc>
+                <a:extLst>
+                  <a:ext uri="{0D108BD9-81ED-4DB2-BD59-A6C34878D82A}">
+                    <a16:rowId xmlns:a16="http://schemas.microsoft.com/office/drawing/2014/main" val="10001"/>
+                  </a:ext>
+                </a:extLst>
               </a:tr>
               <a:tr h="700898">
                 <a:tc>
@@ -6648,6 +6636,11 @@
                   </a:txBody>
                   <a:tcPr anchor="ctr"/>
                 </a:tc>
+                <a:extLst>
+                  <a:ext uri="{0D108BD9-81ED-4DB2-BD59-A6C34878D82A}">
+                    <a16:rowId xmlns:a16="http://schemas.microsoft.com/office/drawing/2014/main" val="10002"/>
+                  </a:ext>
+                </a:extLst>
               </a:tr>
             </a:tbl>
           </a:graphicData>
@@ -6735,17 +6728,8 @@
               <a:rPr lang="zh-TW" altLang="en-US" sz="1200" dirty="0">
                 <a:ea typeface="微軟正黑體" panose="020B0604030504040204" pitchFamily="34" charset="-120"/>
               </a:rPr>
-              <a:t>好</a:t>
-            </a:r>
-            <a:r>
-              <a:rPr lang="zh-TW" altLang="en-US" sz="1200" dirty="0" smtClean="0">
-                <a:ea typeface="微軟正黑體" panose="020B0604030504040204" pitchFamily="34" charset="-120"/>
-              </a:rPr>
-              <a:t>的，給你</a:t>
-            </a:r>
-            <a:endParaRPr lang="zh-TW" altLang="en-US" sz="1200" dirty="0">
-              <a:ea typeface="微軟正黑體" panose="020B0604030504040204" pitchFamily="34" charset="-120"/>
-            </a:endParaRPr>
+              <a:t>好的，給你</a:t>
+            </a:r>
           </a:p>
         </p:txBody>
       </p:sp>
@@ -6784,7 +6768,7 @@
           <a:p>
             <a:pPr algn="ctr"/>
             <a:r>
-              <a:rPr lang="en-US" altLang="zh-TW" sz="1200" b="1" dirty="0" smtClean="0">
+              <a:rPr lang="en-US" altLang="zh-TW" sz="1200" b="1" dirty="0">
                 <a:ea typeface="微軟正黑體" panose="020B0604030504040204" pitchFamily="34" charset="-120"/>
               </a:rPr>
               <a:t>Sample</a:t>
@@ -6861,19 +6845,19 @@
           <a:p>
             <a:pPr algn="ctr"/>
             <a:r>
-              <a:rPr lang="en-US" altLang="zh-TW" sz="1200" b="1" dirty="0" smtClean="0">
+              <a:rPr lang="en-US" altLang="zh-TW" sz="1200" b="1" dirty="0">
                 <a:ea typeface="微軟正黑體" panose="020B0604030504040204" pitchFamily="34" charset="-120"/>
               </a:rPr>
               <a:t>DI</a:t>
             </a:r>
             <a:r>
-              <a:rPr lang="zh-TW" altLang="en-US" sz="1200" b="1" dirty="0" smtClean="0">
+              <a:rPr lang="zh-TW" altLang="en-US" sz="1200" b="1" dirty="0">
                 <a:ea typeface="微軟正黑體" panose="020B0604030504040204" pitchFamily="34" charset="-120"/>
               </a:rPr>
               <a:t> </a:t>
             </a:r>
             <a:r>
-              <a:rPr lang="en-US" altLang="zh-TW" sz="1200" b="1" dirty="0" smtClean="0">
+              <a:rPr lang="en-US" altLang="zh-TW" sz="1200" b="1" dirty="0">
                 <a:ea typeface="微軟正黑體" panose="020B0604030504040204" pitchFamily="34" charset="-120"/>
               </a:rPr>
               <a:t>Container</a:t>
@@ -6911,16 +6895,10 @@
           <a:p>
             <a:pPr algn="ctr"/>
             <a:r>
-              <a:rPr lang="zh-TW" altLang="en-US" sz="1200" b="1" dirty="0" smtClean="0">
-                <a:ea typeface="微軟正黑體" panose="020B0604030504040204" pitchFamily="34" charset="-120"/>
-              </a:rPr>
-              <a:t>商品</a:t>
-            </a:r>
-            <a:r>
               <a:rPr lang="zh-TW" altLang="en-US" sz="1200" b="1" dirty="0">
                 <a:ea typeface="微軟正黑體" panose="020B0604030504040204" pitchFamily="34" charset="-120"/>
               </a:rPr>
-              <a:t>櫃</a:t>
+              <a:t>商品櫃</a:t>
             </a:r>
           </a:p>
         </p:txBody>
@@ -6987,13 +6965,13 @@
           <a:lstStyle/>
           <a:p>
             <a:r>
-              <a:rPr lang="zh-TW" altLang="en-US" sz="1200" dirty="0" smtClean="0">
+              <a:rPr lang="zh-TW" altLang="en-US" sz="1200" dirty="0">
                 <a:ea typeface="微軟正黑體" panose="020B0604030504040204" pitchFamily="34" charset="-120"/>
               </a:rPr>
               <a:t>找 </a:t>
             </a:r>
             <a:r>
-              <a:rPr lang="en-US" altLang="zh-TW" sz="1200" dirty="0" err="1" smtClean="0">
+              <a:rPr lang="en-US" altLang="zh-TW" sz="1200" dirty="0" err="1">
                 <a:ea typeface="微軟正黑體" panose="020B0604030504040204" pitchFamily="34" charset="-120"/>
               </a:rPr>
               <a:t>ISample</a:t>
@@ -7039,7 +7017,7 @@
           <a:p>
             <a:pPr algn="ctr"/>
             <a:r>
-              <a:rPr lang="en-US" altLang="zh-TW" sz="1200" b="1" dirty="0" smtClean="0">
+              <a:rPr lang="en-US" altLang="zh-TW" sz="1200" b="1" dirty="0">
                 <a:ea typeface="微軟正黑體" panose="020B0604030504040204" pitchFamily="34" charset="-120"/>
               </a:rPr>
               <a:t>1</a:t>
@@ -7085,7 +7063,7 @@
           <a:p>
             <a:pPr algn="ctr"/>
             <a:r>
-              <a:rPr lang="en-US" altLang="zh-TW" sz="1200" b="1" dirty="0" smtClean="0">
+              <a:rPr lang="en-US" altLang="zh-TW" sz="1200" b="1" dirty="0">
                 <a:ea typeface="微軟正黑體" panose="020B0604030504040204" pitchFamily="34" charset="-120"/>
               </a:rPr>
               <a:t>2</a:t>
@@ -7131,7 +7109,7 @@
           <a:p>
             <a:pPr algn="ctr"/>
             <a:r>
-              <a:rPr lang="en-US" altLang="zh-TW" sz="1200" b="1" dirty="0" smtClean="0">
+              <a:rPr lang="en-US" altLang="zh-TW" sz="1200" b="1" dirty="0">
                 <a:ea typeface="微軟正黑體" panose="020B0604030504040204" pitchFamily="34" charset="-120"/>
               </a:rPr>
               <a:t>3</a:t>
@@ -7152,13 +7130,6 @@
   <p:clrMapOvr>
     <a:masterClrMapping/>
   </p:clrMapOvr>
-  <p:timing>
-    <p:tnLst>
-      <p:par>
-        <p:cTn id="1" dur="indefinite" restart="never" nodeType="tmRoot"/>
-      </p:par>
-    </p:tnLst>
-  </p:timing>
 </p:sld>
 </file>
 
@@ -7321,20 +7292,17 @@
           <a:lstStyle/>
           <a:p>
             <a:r>
-              <a:rPr lang="zh-TW" altLang="en-US" sz="1200" dirty="0" smtClean="0">
+              <a:rPr lang="zh-TW" altLang="en-US" sz="1200" dirty="0">
                 <a:ea typeface="微軟正黑體" panose="020B0604030504040204" pitchFamily="34" charset="-120"/>
               </a:rPr>
               <a:t>我要 </a:t>
             </a:r>
             <a:r>
-              <a:rPr lang="en-US" altLang="zh-TW" sz="1200" dirty="0" smtClean="0">
+              <a:rPr lang="en-US" altLang="zh-TW" sz="1200" dirty="0">
                 <a:ea typeface="微軟正黑體" panose="020B0604030504040204" pitchFamily="34" charset="-120"/>
               </a:rPr>
               <a:t>/about.aspx</a:t>
             </a:r>
-            <a:endParaRPr lang="en-US" altLang="zh-TW" sz="1200" dirty="0">
-              <a:ea typeface="微軟正黑體" panose="020B0604030504040204" pitchFamily="34" charset="-120"/>
-            </a:endParaRPr>
           </a:p>
         </p:txBody>
       </p:sp>
@@ -7417,19 +7385,19 @@
           <a:p>
             <a:pPr algn="ctr"/>
             <a:r>
-              <a:rPr lang="zh-TW" altLang="en-US" sz="1200" dirty="0" smtClean="0">
+              <a:rPr lang="zh-TW" altLang="en-US" sz="1200" dirty="0">
                 <a:ea typeface="微軟正黑體" panose="020B0604030504040204" pitchFamily="34" charset="-120"/>
               </a:rPr>
               <a:t>好的，給你</a:t>
             </a:r>
-            <a:endParaRPr lang="en-US" altLang="zh-TW" sz="1200" dirty="0" smtClean="0">
+            <a:endParaRPr lang="en-US" altLang="zh-TW" sz="1200" dirty="0">
               <a:ea typeface="微軟正黑體" panose="020B0604030504040204" pitchFamily="34" charset="-120"/>
             </a:endParaRPr>
           </a:p>
           <a:p>
             <a:pPr algn="ctr"/>
             <a:r>
-              <a:rPr lang="en-US" altLang="zh-TW" sz="1100" i="1" dirty="0" smtClean="0">
+              <a:rPr lang="en-US" altLang="zh-TW" sz="1100" i="1" dirty="0">
                 <a:ea typeface="微軟正黑體" panose="020B0604030504040204" pitchFamily="34" charset="-120"/>
               </a:rPr>
               <a:t>Code: 200 (OK)</a:t>
@@ -7438,7 +7406,7 @@
           <a:p>
             <a:pPr algn="ctr"/>
             <a:r>
-              <a:rPr lang="en-US" altLang="zh-TW" sz="1100" i="1" dirty="0" smtClean="0">
+              <a:rPr lang="en-US" altLang="zh-TW" sz="1100" i="1" dirty="0">
                 <a:ea typeface="微軟正黑體" panose="020B0604030504040204" pitchFamily="34" charset="-120"/>
               </a:rPr>
               <a:t>URL: /about.aspx</a:t>
@@ -7515,7 +7483,7 @@
           <a:p>
             <a:pPr algn="ctr"/>
             <a:r>
-              <a:rPr lang="en-US" altLang="zh-TW" sz="1200" b="1" dirty="0" smtClean="0">
+              <a:rPr lang="en-US" altLang="zh-TW" sz="1200" b="1" dirty="0">
                 <a:ea typeface="微軟正黑體" panose="020B0604030504040204" pitchFamily="34" charset="-120"/>
               </a:rPr>
               <a:t>Server</a:t>
@@ -7561,7 +7529,7 @@
           <a:p>
             <a:pPr algn="ctr"/>
             <a:r>
-              <a:rPr lang="en-US" altLang="zh-TW" sz="1200" b="1" dirty="0" smtClean="0">
+              <a:rPr lang="en-US" altLang="zh-TW" sz="1200" b="1" dirty="0">
                 <a:ea typeface="微軟正黑體" panose="020B0604030504040204" pitchFamily="34" charset="-120"/>
               </a:rPr>
               <a:t>1</a:t>
@@ -7607,7 +7575,7 @@
           <a:p>
             <a:pPr algn="ctr"/>
             <a:r>
-              <a:rPr lang="en-US" altLang="zh-TW" sz="1200" b="1" dirty="0" smtClean="0">
+              <a:rPr lang="en-US" altLang="zh-TW" sz="1200" b="1" dirty="0">
                 <a:ea typeface="微軟正黑體" panose="020B0604030504040204" pitchFamily="34" charset="-120"/>
               </a:rPr>
               <a:t>2</a:t>
@@ -7720,7 +7688,7 @@
           <a:p>
             <a:pPr algn="ctr"/>
             <a:r>
-              <a:rPr lang="en-US" altLang="zh-TW" sz="1200" b="1" dirty="0" smtClean="0"/>
+              <a:rPr lang="en-US" altLang="zh-TW" sz="1200" b="1" dirty="0"/>
               <a:t>URL Rewriter</a:t>
             </a:r>
             <a:endParaRPr lang="zh-TW" altLang="en-US" sz="1200" b="1" dirty="0">
@@ -7791,24 +7759,24 @@
           <a:lstStyle/>
           <a:p>
             <a:r>
-              <a:rPr lang="zh-TW" altLang="en-US" sz="1200" b="1" dirty="0" smtClean="0">
+              <a:rPr lang="zh-TW" altLang="en-US" sz="1200" b="1" dirty="0">
                 <a:latin typeface="Consolas" panose="020B0609020204030204" pitchFamily="49" charset="0"/>
               </a:rPr>
               <a:t>客人要</a:t>
             </a:r>
             <a:r>
-              <a:rPr lang="en-US" altLang="zh-TW" sz="1200" b="1" dirty="0" smtClean="0">
+              <a:rPr lang="en-US" altLang="zh-TW" sz="1200" b="1" dirty="0">
                 <a:latin typeface="Consolas" panose="020B0609020204030204" pitchFamily="49" charset="0"/>
               </a:rPr>
               <a:t>/about.aspx</a:t>
             </a:r>
             <a:r>
-              <a:rPr lang="zh-TW" altLang="en-US" sz="1200" b="1" dirty="0" smtClean="0">
+              <a:rPr lang="zh-TW" altLang="en-US" sz="1200" b="1" dirty="0">
                 <a:latin typeface="Consolas" panose="020B0609020204030204" pitchFamily="49" charset="0"/>
               </a:rPr>
               <a:t> </a:t>
             </a:r>
-            <a:endParaRPr lang="en-US" altLang="zh-TW" sz="1200" b="1" dirty="0" smtClean="0">
+            <a:endParaRPr lang="en-US" altLang="zh-TW" sz="1200" b="1" dirty="0">
               <a:latin typeface="Consolas" panose="020B0609020204030204" pitchFamily="49" charset="0"/>
             </a:endParaRPr>
           </a:p>
@@ -7970,7 +7938,7 @@
           <a:p>
             <a:pPr algn="ctr"/>
             <a:r>
-              <a:rPr lang="en-US" altLang="zh-TW" sz="1200" b="1" dirty="0" smtClean="0">
+              <a:rPr lang="en-US" altLang="zh-TW" sz="1200" b="1" dirty="0">
                 <a:ea typeface="微軟正黑體" panose="020B0604030504040204" pitchFamily="34" charset="-120"/>
               </a:rPr>
               <a:t>3</a:t>
@@ -8079,20 +8047,17 @@
           <a:lstStyle/>
           <a:p>
             <a:r>
-              <a:rPr lang="zh-TW" altLang="en-US" sz="1200" dirty="0" smtClean="0">
+              <a:rPr lang="zh-TW" altLang="en-US" sz="1200" dirty="0">
                 <a:ea typeface="微軟正黑體" panose="020B0604030504040204" pitchFamily="34" charset="-120"/>
               </a:rPr>
               <a:t>我要 </a:t>
             </a:r>
             <a:r>
-              <a:rPr lang="en-US" altLang="zh-TW" sz="1200" dirty="0" smtClean="0">
+              <a:rPr lang="en-US" altLang="zh-TW" sz="1200" dirty="0">
                 <a:ea typeface="微軟正黑體" panose="020B0604030504040204" pitchFamily="34" charset="-120"/>
               </a:rPr>
               <a:t>/first</a:t>
             </a:r>
-            <a:endParaRPr lang="en-US" altLang="zh-TW" sz="1200" dirty="0">
-              <a:ea typeface="微軟正黑體" panose="020B0604030504040204" pitchFamily="34" charset="-120"/>
-            </a:endParaRPr>
           </a:p>
         </p:txBody>
       </p:sp>
@@ -8175,19 +8140,19 @@
           <a:p>
             <a:pPr algn="ctr"/>
             <a:r>
-              <a:rPr lang="zh-TW" altLang="en-US" sz="1200" dirty="0" smtClean="0">
+              <a:rPr lang="zh-TW" altLang="en-US" sz="1200" dirty="0">
                 <a:ea typeface="微軟正黑體" panose="020B0604030504040204" pitchFamily="34" charset="-120"/>
               </a:rPr>
               <a:t>好的，給你</a:t>
             </a:r>
-            <a:endParaRPr lang="en-US" altLang="zh-TW" sz="1200" dirty="0" smtClean="0">
+            <a:endParaRPr lang="en-US" altLang="zh-TW" sz="1200" dirty="0">
               <a:ea typeface="微軟正黑體" panose="020B0604030504040204" pitchFamily="34" charset="-120"/>
             </a:endParaRPr>
           </a:p>
           <a:p>
             <a:pPr algn="ctr"/>
             <a:r>
-              <a:rPr lang="en-US" altLang="zh-TW" sz="1100" i="1" dirty="0" smtClean="0">
+              <a:rPr lang="en-US" altLang="zh-TW" sz="1100" i="1" dirty="0">
                 <a:ea typeface="微軟正黑體" panose="020B0604030504040204" pitchFamily="34" charset="-120"/>
               </a:rPr>
               <a:t>Code: 200 (OK)</a:t>
@@ -8196,7 +8161,7 @@
           <a:p>
             <a:pPr algn="ctr"/>
             <a:r>
-              <a:rPr lang="en-US" altLang="zh-TW" sz="1100" i="1" dirty="0" smtClean="0">
+              <a:rPr lang="en-US" altLang="zh-TW" sz="1100" i="1" dirty="0">
                 <a:ea typeface="微軟正黑體" panose="020B0604030504040204" pitchFamily="34" charset="-120"/>
               </a:rPr>
               <a:t>URL: /home/index</a:t>
@@ -8273,7 +8238,7 @@
           <a:p>
             <a:pPr algn="ctr"/>
             <a:r>
-              <a:rPr lang="en-US" altLang="zh-TW" sz="1200" b="1" dirty="0" smtClean="0">
+              <a:rPr lang="en-US" altLang="zh-TW" sz="1200" b="1" dirty="0">
                 <a:ea typeface="微軟正黑體" panose="020B0604030504040204" pitchFamily="34" charset="-120"/>
               </a:rPr>
               <a:t>Server</a:t>
@@ -8319,7 +8284,7 @@
           <a:p>
             <a:pPr algn="ctr"/>
             <a:r>
-              <a:rPr lang="en-US" altLang="zh-TW" sz="1200" b="1" dirty="0" smtClean="0">
+              <a:rPr lang="en-US" altLang="zh-TW" sz="1200" b="1" dirty="0">
                 <a:ea typeface="微軟正黑體" panose="020B0604030504040204" pitchFamily="34" charset="-120"/>
               </a:rPr>
               <a:t>1</a:t>
@@ -8365,7 +8330,7 @@
           <a:p>
             <a:pPr algn="ctr"/>
             <a:r>
-              <a:rPr lang="en-US" altLang="zh-TW" sz="1200" b="1" dirty="0" smtClean="0">
+              <a:rPr lang="en-US" altLang="zh-TW" sz="1200" b="1" dirty="0">
                 <a:ea typeface="微軟正黑體" panose="020B0604030504040204" pitchFamily="34" charset="-120"/>
               </a:rPr>
               <a:t>2</a:t>
@@ -8411,7 +8376,7 @@
           <a:p>
             <a:pPr algn="ctr"/>
             <a:r>
-              <a:rPr lang="en-US" altLang="zh-TW" sz="1200" b="1" dirty="0" smtClean="0">
+              <a:rPr lang="en-US" altLang="zh-TW" sz="1200" b="1" dirty="0">
                 <a:ea typeface="微軟正黑體" panose="020B0604030504040204" pitchFamily="34" charset="-120"/>
               </a:rPr>
               <a:t>6</a:t>
@@ -8478,7 +8443,7 @@
           <a:p>
             <a:pPr algn="ctr"/>
             <a:r>
-              <a:rPr lang="en-US" altLang="zh-TW" sz="1200" b="1" dirty="0" smtClean="0"/>
+              <a:rPr lang="en-US" altLang="zh-TW" sz="1200" b="1" dirty="0"/>
               <a:t>URL Rewriter</a:t>
             </a:r>
             <a:endParaRPr lang="zh-TW" altLang="en-US" sz="1200" b="1" dirty="0">
@@ -8549,13 +8514,13 @@
           <a:lstStyle/>
           <a:p>
             <a:r>
-              <a:rPr lang="zh-TW" altLang="en-US" sz="1200" b="1" dirty="0" smtClean="0">
+              <a:rPr lang="zh-TW" altLang="en-US" sz="1200" b="1" dirty="0">
                 <a:latin typeface="Consolas" panose="020B0609020204030204" pitchFamily="49" charset="0"/>
               </a:rPr>
               <a:t>客人要</a:t>
             </a:r>
             <a:r>
-              <a:rPr lang="en-US" altLang="zh-TW" sz="1200" b="1" dirty="0" smtClean="0">
+              <a:rPr lang="en-US" altLang="zh-TW" sz="1200" b="1" dirty="0">
                 <a:latin typeface="Consolas" panose="020B0609020204030204" pitchFamily="49" charset="0"/>
               </a:rPr>
               <a:t>/first</a:t>
@@ -8637,17 +8602,8 @@
               <a:rPr lang="en-US" altLang="zh-TW" sz="1200" b="1" dirty="0">
                 <a:latin typeface="Consolas" panose="020B0609020204030204" pitchFamily="49" charset="0"/>
               </a:rPr>
-              <a:t>/</a:t>
-            </a:r>
-            <a:r>
-              <a:rPr lang="en-US" altLang="zh-TW" sz="1200" b="1" dirty="0" smtClean="0">
-                <a:latin typeface="Consolas" panose="020B0609020204030204" pitchFamily="49" charset="0"/>
-              </a:rPr>
-              <a:t>home/index</a:t>
-            </a:r>
-            <a:endParaRPr lang="en-US" altLang="zh-TW" sz="1200" b="1" dirty="0">
-              <a:latin typeface="Consolas" panose="020B0609020204030204" pitchFamily="49" charset="0"/>
-            </a:endParaRPr>
+              <a:t>/home/index</a:t>
+            </a:r>
           </a:p>
         </p:txBody>
       </p:sp>
@@ -8686,7 +8642,7 @@
           <a:p>
             <a:pPr algn="ctr"/>
             <a:r>
-              <a:rPr lang="en-US" altLang="zh-TW" sz="1200" b="1" dirty="0" smtClean="0">
+              <a:rPr lang="en-US" altLang="zh-TW" sz="1200" b="1" dirty="0">
                 <a:ea typeface="微軟正黑體" panose="020B0604030504040204" pitchFamily="34" charset="-120"/>
               </a:rPr>
               <a:t>3</a:t>
@@ -8719,13 +8675,13 @@
           <a:lstStyle/>
           <a:p>
             <a:r>
-              <a:rPr lang="zh-TW" altLang="en-US" sz="1200" b="1" dirty="0" smtClean="0">
+              <a:rPr lang="zh-TW" altLang="en-US" sz="1200" b="1" dirty="0">
                 <a:latin typeface="Consolas" panose="020B0609020204030204" pitchFamily="49" charset="0"/>
               </a:rPr>
               <a:t>沒有了，已改成</a:t>
             </a:r>
             <a:r>
-              <a:rPr lang="en-US" altLang="zh-TW" sz="1200" b="1" dirty="0" smtClean="0">
+              <a:rPr lang="en-US" altLang="zh-TW" sz="1200" b="1" dirty="0">
                 <a:latin typeface="Consolas" panose="020B0609020204030204" pitchFamily="49" charset="0"/>
               </a:rPr>
               <a:t>/home/index</a:t>
@@ -8775,34 +8731,28 @@
               <a:rPr lang="zh-TW" altLang="en-US" sz="1200" dirty="0">
                 <a:ea typeface="微軟正黑體" panose="020B0604030504040204" pitchFamily="34" charset="-120"/>
               </a:rPr>
-              <a:t>沒有了</a:t>
-            </a:r>
-            <a:r>
-              <a:rPr lang="zh-TW" altLang="en-US" sz="1200" dirty="0" smtClean="0">
-                <a:ea typeface="微軟正黑體" panose="020B0604030504040204" pitchFamily="34" charset="-120"/>
-              </a:rPr>
-              <a:t>，改成　</a:t>
-            </a:r>
-            <a:r>
-              <a:rPr lang="en-US" altLang="zh-TW" sz="1200" dirty="0" smtClean="0">
+              <a:t>沒有了，改成　</a:t>
+            </a:r>
+            <a:r>
+              <a:rPr lang="en-US" altLang="zh-TW" sz="1200" dirty="0">
                 <a:ea typeface="微軟正黑體" panose="020B0604030504040204" pitchFamily="34" charset="-120"/>
               </a:rPr>
               <a:t>/home/index </a:t>
             </a:r>
             <a:r>
-              <a:rPr lang="zh-TW" altLang="en-US" sz="1200" dirty="0" smtClean="0">
+              <a:rPr lang="zh-TW" altLang="en-US" sz="1200" dirty="0">
                 <a:ea typeface="微軟正黑體" panose="020B0604030504040204" pitchFamily="34" charset="-120"/>
               </a:rPr>
               <a:t>可以嗎？ </a:t>
             </a:r>
-            <a:endParaRPr lang="en-US" altLang="zh-TW" sz="1200" dirty="0" smtClean="0">
+            <a:endParaRPr lang="en-US" altLang="zh-TW" sz="1200" dirty="0">
               <a:ea typeface="微軟正黑體" panose="020B0604030504040204" pitchFamily="34" charset="-120"/>
             </a:endParaRPr>
           </a:p>
           <a:p>
             <a:pPr algn="ctr"/>
             <a:r>
-              <a:rPr lang="en-US" altLang="zh-TW" sz="1100" i="1" dirty="0" smtClean="0">
+              <a:rPr lang="en-US" altLang="zh-TW" sz="1100" i="1" dirty="0">
                 <a:ea typeface="微軟正黑體" panose="020B0604030504040204" pitchFamily="34" charset="-120"/>
               </a:rPr>
               <a:t>Code: 302 (Found)</a:t>
@@ -8811,7 +8761,7 @@
           <a:p>
             <a:pPr algn="ctr"/>
             <a:r>
-              <a:rPr lang="en-US" altLang="zh-TW" sz="1100" i="1" dirty="0" smtClean="0">
+              <a:rPr lang="en-US" altLang="zh-TW" sz="1100" i="1" dirty="0">
                 <a:ea typeface="微軟正黑體" panose="020B0604030504040204" pitchFamily="34" charset="-120"/>
               </a:rPr>
               <a:t>URL: /first</a:t>
@@ -8860,32 +8810,29 @@
           <a:lstStyle/>
           <a:p>
             <a:r>
-              <a:rPr lang="zh-TW" altLang="en-US" sz="1200" dirty="0" smtClean="0">
+              <a:rPr lang="zh-TW" altLang="en-US" sz="1200" dirty="0">
                 <a:ea typeface="微軟正黑體" panose="020B0604030504040204" pitchFamily="34" charset="-120"/>
               </a:rPr>
               <a:t>好吧</a:t>
             </a:r>
             <a:r>
-              <a:rPr lang="en-US" altLang="zh-TW" sz="1200" dirty="0" smtClean="0">
+              <a:rPr lang="en-US" altLang="zh-TW" sz="1200" dirty="0">
                 <a:ea typeface="微軟正黑體" panose="020B0604030504040204" pitchFamily="34" charset="-120"/>
               </a:rPr>
               <a:t>!</a:t>
             </a:r>
             <a:r>
-              <a:rPr lang="zh-TW" altLang="en-US" sz="1200" dirty="0" smtClean="0">
+              <a:rPr lang="zh-TW" altLang="en-US" sz="1200" dirty="0">
                 <a:ea typeface="微軟正黑體" panose="020B0604030504040204" pitchFamily="34" charset="-120"/>
               </a:rPr>
               <a:t> 給我</a:t>
             </a:r>
             <a:r>
-              <a:rPr lang="en-US" altLang="zh-TW" sz="1200" dirty="0" smtClean="0">
+              <a:rPr lang="en-US" altLang="zh-TW" sz="1200" dirty="0">
                 <a:ea typeface="微軟正黑體" panose="020B0604030504040204" pitchFamily="34" charset="-120"/>
               </a:rPr>
               <a:t>/home/index</a:t>
             </a:r>
-            <a:endParaRPr lang="en-US" altLang="zh-TW" sz="1200" dirty="0">
-              <a:ea typeface="微軟正黑體" panose="020B0604030504040204" pitchFamily="34" charset="-120"/>
-            </a:endParaRPr>
           </a:p>
         </p:txBody>
       </p:sp>
@@ -8924,7 +8871,7 @@
           <a:p>
             <a:pPr algn="ctr"/>
             <a:r>
-              <a:rPr lang="en-US" altLang="zh-TW" sz="1200" b="1" dirty="0" smtClean="0">
+              <a:rPr lang="en-US" altLang="zh-TW" sz="1200" b="1" dirty="0">
                 <a:ea typeface="微軟正黑體" panose="020B0604030504040204" pitchFamily="34" charset="-120"/>
               </a:rPr>
               <a:t>5</a:t>
@@ -8970,7 +8917,7 @@
           <a:p>
             <a:pPr algn="ctr"/>
             <a:r>
-              <a:rPr lang="en-US" altLang="zh-TW" sz="1200" b="1" dirty="0" smtClean="0">
+              <a:rPr lang="en-US" altLang="zh-TW" sz="1200" b="1" dirty="0">
                 <a:ea typeface="微軟正黑體" panose="020B0604030504040204" pitchFamily="34" charset="-120"/>
               </a:rPr>
               <a:t>4</a:t>
@@ -8991,13 +8938,6 @@
   <p:clrMapOvr>
     <a:masterClrMapping/>
   </p:clrMapOvr>
-  <p:timing>
-    <p:tnLst>
-      <p:par>
-        <p:cTn id="1" dur="indefinite" restart="never" nodeType="tmRoot"/>
-      </p:par>
-    </p:tnLst>
-  </p:timing>
 </p:sld>
 </file>
 
@@ -9144,15 +9084,15 @@
               <a:p>
                 <a:pPr algn="ctr"/>
                 <a:r>
-                  <a:rPr lang="en-US" altLang="zh-TW" dirty="0" smtClean="0"/>
+                  <a:rPr lang="en-US" altLang="zh-TW" dirty="0"/>
                   <a:t>Website</a:t>
                 </a:r>
                 <a:r>
-                  <a:rPr lang="zh-TW" altLang="en-US" dirty="0" smtClean="0"/>
+                  <a:rPr lang="zh-TW" altLang="en-US" dirty="0"/>
                   <a:t> </a:t>
                 </a:r>
                 <a:r>
-                  <a:rPr lang="en-US" altLang="zh-TW" dirty="0" smtClean="0"/>
+                  <a:rPr lang="en-US" altLang="zh-TW" dirty="0"/>
                   <a:t>A</a:t>
                 </a:r>
                 <a:endParaRPr lang="zh-TW" altLang="en-US" dirty="0"/>
@@ -9273,15 +9213,15 @@
               <a:p>
                 <a:pPr algn="ctr"/>
                 <a:r>
-                  <a:rPr lang="en-US" altLang="zh-TW" dirty="0" smtClean="0"/>
+                  <a:rPr lang="en-US" altLang="zh-TW" dirty="0"/>
                   <a:t>Website</a:t>
                 </a:r>
                 <a:r>
-                  <a:rPr lang="zh-TW" altLang="en-US" dirty="0" smtClean="0"/>
+                  <a:rPr lang="zh-TW" altLang="en-US" dirty="0"/>
                   <a:t> </a:t>
                 </a:r>
                 <a:r>
-                  <a:rPr lang="en-US" altLang="zh-TW" dirty="0" smtClean="0"/>
+                  <a:rPr lang="en-US" altLang="zh-TW" dirty="0"/>
                   <a:t>B</a:t>
                 </a:r>
                 <a:endParaRPr lang="zh-TW" altLang="en-US" dirty="0"/>
@@ -9402,15 +9342,15 @@
               <a:p>
                 <a:pPr algn="ctr"/>
                 <a:r>
-                  <a:rPr lang="en-US" altLang="zh-TW" dirty="0" smtClean="0"/>
+                  <a:rPr lang="en-US" altLang="zh-TW" dirty="0"/>
                   <a:t>Website</a:t>
                 </a:r>
                 <a:r>
-                  <a:rPr lang="zh-TW" altLang="en-US" dirty="0" smtClean="0"/>
+                  <a:rPr lang="zh-TW" altLang="en-US" dirty="0"/>
                   <a:t> </a:t>
                 </a:r>
                 <a:r>
-                  <a:rPr lang="en-US" altLang="zh-TW" dirty="0" smtClean="0"/>
+                  <a:rPr lang="en-US" altLang="zh-TW" dirty="0"/>
                   <a:t>C</a:t>
                 </a:r>
                 <a:endParaRPr lang="zh-TW" altLang="en-US" dirty="0"/>
@@ -9472,16 +9412,12 @@
           <a:lstStyle/>
           <a:p>
             <a:r>
-              <a:rPr lang="zh-TW" altLang="en-US" sz="1200" b="1" dirty="0" smtClean="0">
+              <a:rPr lang="zh-TW" altLang="en-US" sz="1200" b="1" dirty="0">
                 <a:latin typeface="微軟正黑體" panose="020B0604030504040204" pitchFamily="34" charset="-120"/>
                 <a:ea typeface="微軟正黑體" panose="020B0604030504040204" pitchFamily="34" charset="-120"/>
               </a:rPr>
               <a:t>本機快取</a:t>
             </a:r>
-            <a:endParaRPr lang="zh-TW" altLang="en-US" sz="1200" b="1" dirty="0">
-              <a:latin typeface="微軟正黑體" panose="020B0604030504040204" pitchFamily="34" charset="-120"/>
-              <a:ea typeface="微軟正黑體" panose="020B0604030504040204" pitchFamily="34" charset="-120"/>
-            </a:endParaRPr>
           </a:p>
         </p:txBody>
       </p:sp>
@@ -9508,16 +9444,12 @@
           <a:lstStyle/>
           <a:p>
             <a:r>
-              <a:rPr lang="zh-TW" altLang="en-US" sz="1200" b="1" dirty="0" smtClean="0">
+              <a:rPr lang="zh-TW" altLang="en-US" sz="1200" b="1" dirty="0">
                 <a:latin typeface="微軟正黑體" panose="020B0604030504040204" pitchFamily="34" charset="-120"/>
                 <a:ea typeface="微軟正黑體" panose="020B0604030504040204" pitchFamily="34" charset="-120"/>
               </a:rPr>
               <a:t>本機快取</a:t>
             </a:r>
-            <a:endParaRPr lang="zh-TW" altLang="en-US" sz="1200" b="1" dirty="0">
-              <a:latin typeface="微軟正黑體" panose="020B0604030504040204" pitchFamily="34" charset="-120"/>
-              <a:ea typeface="微軟正黑體" panose="020B0604030504040204" pitchFamily="34" charset="-120"/>
-            </a:endParaRPr>
           </a:p>
         </p:txBody>
       </p:sp>
@@ -9544,16 +9476,12 @@
           <a:lstStyle/>
           <a:p>
             <a:r>
-              <a:rPr lang="zh-TW" altLang="en-US" sz="1200" b="1" dirty="0" smtClean="0">
+              <a:rPr lang="zh-TW" altLang="en-US" sz="1200" b="1" dirty="0">
                 <a:latin typeface="微軟正黑體" panose="020B0604030504040204" pitchFamily="34" charset="-120"/>
                 <a:ea typeface="微軟正黑體" panose="020B0604030504040204" pitchFamily="34" charset="-120"/>
               </a:rPr>
               <a:t>本機快取</a:t>
             </a:r>
-            <a:endParaRPr lang="zh-TW" altLang="en-US" sz="1200" b="1" dirty="0">
-              <a:latin typeface="微軟正黑體" panose="020B0604030504040204" pitchFamily="34" charset="-120"/>
-              <a:ea typeface="微軟正黑體" panose="020B0604030504040204" pitchFamily="34" charset="-120"/>
-            </a:endParaRPr>
           </a:p>
         </p:txBody>
       </p:sp>
@@ -9609,16 +9537,12 @@
           <a:lstStyle/>
           <a:p>
             <a:r>
-              <a:rPr lang="zh-TW" altLang="en-US" sz="1200" b="1" dirty="0" smtClean="0">
+              <a:rPr lang="zh-TW" altLang="en-US" sz="1200" b="1" dirty="0">
                 <a:latin typeface="微軟正黑體" panose="020B0604030504040204" pitchFamily="34" charset="-120"/>
                 <a:ea typeface="微軟正黑體" panose="020B0604030504040204" pitchFamily="34" charset="-120"/>
               </a:rPr>
               <a:t>分散式快取</a:t>
             </a:r>
-            <a:endParaRPr lang="zh-TW" altLang="en-US" sz="1200" b="1" dirty="0">
-              <a:latin typeface="微軟正黑體" panose="020B0604030504040204" pitchFamily="34" charset="-120"/>
-              <a:ea typeface="微軟正黑體" panose="020B0604030504040204" pitchFamily="34" charset="-120"/>
-            </a:endParaRPr>
           </a:p>
         </p:txBody>
       </p:sp>
@@ -9740,13 +9664,6 @@
   <p:clrMapOvr>
     <a:masterClrMapping/>
   </p:clrMapOvr>
-  <p:timing>
-    <p:tnLst>
-      <p:par>
-        <p:cTn id="1" dur="indefinite" restart="never" nodeType="tmRoot"/>
-      </p:par>
-    </p:tnLst>
-  </p:timing>
 </p:sld>
 </file>
 
@@ -9843,15 +9760,15 @@
           <a:p>
             <a:pPr algn="ctr"/>
             <a:r>
-              <a:rPr lang="en-US" altLang="zh-TW" b="1" dirty="0" smtClean="0"/>
+              <a:rPr lang="en-US" altLang="zh-TW" b="1" dirty="0"/>
               <a:t>DI</a:t>
             </a:r>
             <a:r>
-              <a:rPr lang="zh-TW" altLang="en-US" b="1" dirty="0" smtClean="0"/>
+              <a:rPr lang="zh-TW" altLang="en-US" b="1" dirty="0"/>
               <a:t> </a:t>
             </a:r>
             <a:r>
-              <a:rPr lang="en-US" altLang="zh-TW" b="1" dirty="0" smtClean="0"/>
+              <a:rPr lang="en-US" altLang="zh-TW" b="1" dirty="0"/>
               <a:t>Container</a:t>
             </a:r>
             <a:endParaRPr lang="zh-TW" altLang="en-US" b="1" dirty="0"/>
@@ -9935,7 +9852,7 @@
           <a:p>
             <a:pPr algn="ctr"/>
             <a:r>
-              <a:rPr lang="en-US" altLang="zh-TW" dirty="0" smtClean="0">
+              <a:rPr lang="en-US" altLang="zh-TW" dirty="0">
                 <a:solidFill>
                   <a:schemeClr val="bg1"/>
                 </a:solidFill>
@@ -9985,7 +9902,7 @@
           <a:p>
             <a:pPr algn="ctr"/>
             <a:r>
-              <a:rPr lang="en-US" altLang="zh-TW" dirty="0" smtClean="0">
+              <a:rPr lang="en-US" altLang="zh-TW" dirty="0">
                 <a:solidFill>
                   <a:schemeClr val="bg1"/>
                 </a:solidFill>
@@ -10023,7 +9940,7 @@
           <a:p>
             <a:pPr algn="ctr"/>
             <a:r>
-              <a:rPr lang="en-US" altLang="zh-TW" dirty="0" smtClean="0">
+              <a:rPr lang="en-US" altLang="zh-TW" dirty="0">
                 <a:solidFill>
                   <a:schemeClr val="bg1"/>
                 </a:solidFill>
@@ -10034,18 +9951,13 @@
           <a:p>
             <a:pPr algn="ctr"/>
             <a:r>
-              <a:rPr lang="en-US" altLang="zh-TW" dirty="0" smtClean="0">
+              <a:rPr lang="en-US" altLang="zh-TW" dirty="0">
                 <a:solidFill>
                   <a:schemeClr val="bg1"/>
                 </a:solidFill>
               </a:rPr>
               <a:t>Pool</a:t>
             </a:r>
-            <a:endParaRPr lang="en-US" altLang="zh-TW" dirty="0">
-              <a:solidFill>
-                <a:schemeClr val="bg1"/>
-              </a:solidFill>
-            </a:endParaRPr>
           </a:p>
         </p:txBody>
       </p:sp>
@@ -10084,15 +9996,15 @@
           <a:p>
             <a:pPr algn="ctr"/>
             <a:r>
-              <a:rPr lang="en-US" altLang="zh-TW" sz="1400" b="1" dirty="0" smtClean="0"/>
+              <a:rPr lang="en-US" altLang="zh-TW" sz="1400" b="1" dirty="0"/>
               <a:t>1</a:t>
             </a:r>
             <a:r>
-              <a:rPr lang="en-US" altLang="zh-TW" sz="1400" b="1" baseline="30000" dirty="0" smtClean="0"/>
+              <a:rPr lang="en-US" altLang="zh-TW" sz="1400" b="1" baseline="30000" dirty="0"/>
               <a:t>st</a:t>
             </a:r>
             <a:r>
-              <a:rPr lang="en-US" altLang="zh-TW" sz="1400" b="1" dirty="0" smtClean="0"/>
+              <a:rPr lang="en-US" altLang="zh-TW" sz="1400" b="1" dirty="0"/>
               <a:t> Request</a:t>
             </a:r>
             <a:endParaRPr lang="zh-TW" altLang="en-US" sz="1400" b="1" dirty="0"/>
@@ -10134,15 +10046,15 @@
           <a:p>
             <a:pPr algn="ctr"/>
             <a:r>
-              <a:rPr lang="en-US" altLang="zh-TW" sz="1400" b="1" dirty="0" smtClean="0"/>
+              <a:rPr lang="en-US" altLang="zh-TW" sz="1400" b="1" dirty="0"/>
               <a:t>2</a:t>
             </a:r>
             <a:r>
-              <a:rPr lang="en-US" altLang="zh-TW" sz="1400" b="1" baseline="30000" dirty="0" smtClean="0"/>
+              <a:rPr lang="en-US" altLang="zh-TW" sz="1400" b="1" baseline="30000" dirty="0"/>
               <a:t>nd</a:t>
             </a:r>
             <a:r>
-              <a:rPr lang="en-US" altLang="zh-TW" sz="1400" b="1" dirty="0" smtClean="0"/>
+              <a:rPr lang="en-US" altLang="zh-TW" sz="1400" b="1" dirty="0"/>
               <a:t> Request</a:t>
             </a:r>
             <a:endParaRPr lang="zh-TW" altLang="en-US" sz="1400" b="1" dirty="0"/>
@@ -10235,27 +10147,17 @@
                 </a:rPr>
                 <a:t>Scoped </a:t>
               </a:r>
-              <a:endParaRPr lang="en-US" altLang="zh-TW" dirty="0" smtClean="0">
-                <a:solidFill>
-                  <a:schemeClr val="bg1"/>
-                </a:solidFill>
-              </a:endParaRPr>
             </a:p>
             <a:p>
               <a:pPr algn="ctr"/>
               <a:r>
-                <a:rPr lang="en-US" altLang="zh-TW" dirty="0" smtClean="0">
+                <a:rPr lang="en-US" altLang="zh-TW" dirty="0">
                   <a:solidFill>
                     <a:schemeClr val="bg1"/>
                   </a:solidFill>
                 </a:rPr>
                 <a:t>Pool</a:t>
               </a:r>
-              <a:endParaRPr lang="en-US" altLang="zh-TW" dirty="0">
-                <a:solidFill>
-                  <a:schemeClr val="bg1"/>
-                </a:solidFill>
-              </a:endParaRPr>
             </a:p>
           </p:txBody>
         </p:sp>
@@ -10294,7 +10196,7 @@
             <a:p>
               <a:pPr algn="ctr"/>
               <a:r>
-                <a:rPr lang="en-US" altLang="zh-TW" dirty="0" smtClean="0">
+                <a:rPr lang="en-US" altLang="zh-TW" dirty="0">
                   <a:solidFill>
                     <a:schemeClr val="bg1"/>
                   </a:solidFill>
@@ -10345,18 +10247,13 @@
           <a:p>
             <a:pPr algn="ctr"/>
             <a:r>
-              <a:rPr lang="en-US" altLang="zh-TW" sz="1400" dirty="0" smtClean="0">
+              <a:rPr lang="en-US" altLang="zh-TW" sz="1400" dirty="0">
                 <a:solidFill>
                   <a:schemeClr val="bg1"/>
                 </a:solidFill>
               </a:rPr>
               <a:t>View</a:t>
             </a:r>
-            <a:endParaRPr lang="en-US" altLang="zh-TW" sz="1400" dirty="0">
-              <a:solidFill>
-                <a:schemeClr val="bg1"/>
-              </a:solidFill>
-            </a:endParaRPr>
           </a:p>
           <a:p>
             <a:pPr algn="ctr"/>
@@ -10654,7 +10551,7 @@
           <a:p>
             <a:pPr algn="ctr"/>
             <a:r>
-              <a:rPr lang="en-US" altLang="zh-TW" dirty="0" smtClean="0">
+              <a:rPr lang="en-US" altLang="zh-TW" dirty="0">
                 <a:solidFill>
                   <a:schemeClr val="bg1"/>
                 </a:solidFill>
@@ -10848,18 +10745,13 @@
           <a:p>
             <a:pPr algn="ctr"/>
             <a:r>
-              <a:rPr lang="en-US" altLang="zh-TW" sz="1400" dirty="0" smtClean="0">
+              <a:rPr lang="en-US" altLang="zh-TW" sz="1400" dirty="0">
                 <a:solidFill>
                   <a:schemeClr val="bg1"/>
                 </a:solidFill>
               </a:rPr>
               <a:t>View</a:t>
             </a:r>
-            <a:endParaRPr lang="en-US" altLang="zh-TW" sz="1400" dirty="0">
-              <a:solidFill>
-                <a:schemeClr val="bg1"/>
-              </a:solidFill>
-            </a:endParaRPr>
           </a:p>
           <a:p>
             <a:pPr algn="ctr"/>
@@ -10925,36 +10817,12 @@
           <a:p>
             <a:pPr algn="ctr"/>
             <a:r>
-              <a:rPr lang="en-US" altLang="zh-TW" sz="1400" dirty="0" smtClean="0">
-                <a:solidFill>
-                  <a:schemeClr val="bg1"/>
-                </a:solidFill>
-              </a:rPr>
-              <a:t>DI: A , </a:t>
-            </a:r>
-            <a:r>
               <a:rPr lang="en-US" altLang="zh-TW" sz="1400" dirty="0">
                 <a:solidFill>
                   <a:schemeClr val="bg1"/>
                 </a:solidFill>
               </a:rPr>
-              <a:t>B </a:t>
-            </a:r>
-            <a:r>
-              <a:rPr lang="en-US" altLang="zh-TW" sz="1400" dirty="0" smtClean="0">
-                <a:solidFill>
-                  <a:schemeClr val="bg1"/>
-                </a:solidFill>
-              </a:rPr>
-              <a:t>, </a:t>
-            </a:r>
-            <a:r>
-              <a:rPr lang="en-US" altLang="zh-TW" sz="1400" dirty="0">
-                <a:solidFill>
-                  <a:schemeClr val="bg1"/>
-                </a:solidFill>
-              </a:rPr>
-              <a:t>C </a:t>
+              <a:t>DI: A , B , C </a:t>
             </a:r>
             <a:endParaRPr lang="zh-TW" altLang="en-US" sz="1400" dirty="0">
               <a:solidFill>
@@ -11093,7 +10961,7 @@
             <a:p>
               <a:pPr algn="ctr"/>
               <a:r>
-                <a:rPr lang="en-US" altLang="zh-TW" dirty="0" smtClean="0">
+                <a:rPr lang="en-US" altLang="zh-TW" dirty="0">
                   <a:solidFill>
                     <a:schemeClr val="bg1"/>
                   </a:solidFill>
@@ -11138,27 +11006,17 @@
                 </a:rPr>
                 <a:t>Scoped </a:t>
               </a:r>
-              <a:endParaRPr lang="en-US" altLang="zh-TW" dirty="0" smtClean="0">
-                <a:solidFill>
-                  <a:schemeClr val="bg1"/>
-                </a:solidFill>
-              </a:endParaRPr>
             </a:p>
             <a:p>
               <a:pPr algn="ctr"/>
               <a:r>
-                <a:rPr lang="en-US" altLang="zh-TW" dirty="0" smtClean="0">
+                <a:rPr lang="en-US" altLang="zh-TW" dirty="0">
                   <a:solidFill>
                     <a:schemeClr val="bg1"/>
                   </a:solidFill>
                 </a:rPr>
                 <a:t>Pool</a:t>
               </a:r>
-              <a:endParaRPr lang="en-US" altLang="zh-TW" dirty="0">
-                <a:solidFill>
-                  <a:schemeClr val="bg1"/>
-                </a:solidFill>
-              </a:endParaRPr>
             </a:p>
           </p:txBody>
         </p:sp>
@@ -11390,7 +11248,7 @@
           <a:p>
             <a:pPr algn="ctr"/>
             <a:r>
-              <a:rPr lang="en-US" altLang="zh-TW" dirty="0" smtClean="0">
+              <a:rPr lang="en-US" altLang="zh-TW" dirty="0">
                 <a:solidFill>
                   <a:schemeClr val="bg1"/>
                 </a:solidFill>
@@ -11440,7 +11298,7 @@
           <a:p>
             <a:pPr algn="ctr"/>
             <a:r>
-              <a:rPr lang="en-US" altLang="zh-TW" dirty="0" smtClean="0">
+              <a:rPr lang="en-US" altLang="zh-TW" dirty="0">
                 <a:solidFill>
                   <a:schemeClr val="bg1"/>
                 </a:solidFill>
@@ -11575,7 +11433,7 @@
           <a:lstStyle/>
           <a:p>
             <a:r>
-              <a:rPr lang="en-US" altLang="zh-TW" sz="8000" b="1" dirty="0" smtClean="0">
+              <a:rPr lang="en-US" altLang="zh-TW" sz="8000" b="1" dirty="0">
                 <a:solidFill>
                   <a:schemeClr val="tx1">
                     <a:alpha val="8000"/>
@@ -13641,15 +13499,14 @@
           <a:p>
             <a:pPr algn="ctr"/>
             <a:r>
-              <a:rPr lang="en-US" altLang="zh-TW" dirty="0" smtClean="0"/>
+              <a:rPr lang="en-US" altLang="zh-TW" dirty="0"/>
               <a:t>DAL</a:t>
             </a:r>
-            <a:endParaRPr lang="en-US" altLang="zh-TW" dirty="0"/>
           </a:p>
           <a:p>
             <a:pPr algn="ctr"/>
             <a:r>
-              <a:rPr lang="en-US" altLang="zh-TW" dirty="0" smtClean="0"/>
+              <a:rPr lang="en-US" altLang="zh-TW" dirty="0"/>
               <a:t>(Data Access Layer)</a:t>
             </a:r>
             <a:endParaRPr lang="zh-TW" altLang="en-US" dirty="0"/>
@@ -13691,7 +13548,7 @@
           <a:p>
             <a:pPr algn="ctr"/>
             <a:r>
-              <a:rPr lang="en-US" altLang="zh-TW" dirty="0" smtClean="0"/>
+              <a:rPr lang="en-US" altLang="zh-TW" dirty="0"/>
               <a:t>BLL</a:t>
             </a:r>
           </a:p>
@@ -13699,11 +13556,7 @@
             <a:pPr algn="ctr"/>
             <a:r>
               <a:rPr lang="en-US" altLang="zh-TW" dirty="0"/>
-              <a:t>(Business Logic Layer</a:t>
-            </a:r>
-            <a:r>
-              <a:rPr lang="en-US" altLang="zh-TW" dirty="0" smtClean="0"/>
-              <a:t>)</a:t>
+              <a:t>(Business Logic Layer)</a:t>
             </a:r>
             <a:endParaRPr lang="zh-TW" altLang="en-US" dirty="0"/>
           </a:p>
@@ -13966,13 +13819,6 @@
   <p:clrMapOvr>
     <a:masterClrMapping/>
   </p:clrMapOvr>
-  <p:timing>
-    <p:tnLst>
-      <p:par>
-        <p:cTn id="1" dur="indefinite" restart="never" nodeType="tmRoot"/>
-      </p:par>
-    </p:tnLst>
-  </p:timing>
 </p:sld>
 </file>
 
@@ -14028,7 +13874,7 @@
           <a:p>
             <a:pPr algn="ctr"/>
             <a:r>
-              <a:rPr lang="en-US" altLang="zh-TW" sz="1600" b="1" dirty="0" err="1" smtClean="0"/>
+              <a:rPr lang="en-US" altLang="zh-TW" sz="1600" b="1" dirty="0" err="1"/>
               <a:t>TearDown</a:t>
             </a:r>
             <a:endParaRPr lang="en-US" altLang="zh-TW" sz="1600" dirty="0"/>
@@ -14112,15 +13958,15 @@
           <a:p>
             <a:pPr algn="ctr"/>
             <a:r>
-              <a:rPr lang="en-US" altLang="zh-TW" sz="1600" b="1" dirty="0" err="1" smtClean="0"/>
+              <a:rPr lang="en-US" altLang="zh-TW" sz="1600" b="1" dirty="0" err="1"/>
               <a:t>OneTime</a:t>
             </a:r>
-            <a:endParaRPr lang="en-US" altLang="zh-TW" sz="1600" b="1" dirty="0" smtClean="0"/>
+            <a:endParaRPr lang="en-US" altLang="zh-TW" sz="1600" b="1" dirty="0"/>
           </a:p>
           <a:p>
             <a:pPr algn="ctr"/>
             <a:r>
-              <a:rPr lang="en-US" altLang="zh-TW" sz="1600" b="1" dirty="0" err="1" smtClean="0"/>
+              <a:rPr lang="en-US" altLang="zh-TW" sz="1600" b="1" dirty="0" err="1"/>
               <a:t>SetUp</a:t>
             </a:r>
             <a:endParaRPr lang="en-US" altLang="zh-TW" sz="1600" dirty="0"/>
@@ -14162,7 +14008,7 @@
           <a:p>
             <a:pPr algn="ctr"/>
             <a:r>
-              <a:rPr lang="en-US" altLang="zh-TW" sz="1600" b="1" dirty="0" smtClean="0"/>
+              <a:rPr lang="en-US" altLang="zh-TW" sz="1600" b="1" dirty="0"/>
               <a:t>Test</a:t>
             </a:r>
             <a:endParaRPr lang="en-US" altLang="zh-TW" sz="1600" dirty="0"/>
@@ -14204,7 +14050,7 @@
           <a:p>
             <a:pPr algn="ctr"/>
             <a:r>
-              <a:rPr lang="en-US" altLang="zh-TW" sz="1600" b="1" dirty="0" smtClean="0"/>
+              <a:rPr lang="en-US" altLang="zh-TW" sz="1600" b="1" dirty="0"/>
               <a:t>Dispose</a:t>
             </a:r>
             <a:endParaRPr lang="en-US" altLang="zh-TW" sz="1600" dirty="0"/>
@@ -14246,15 +14092,15 @@
           <a:p>
             <a:pPr algn="ctr"/>
             <a:r>
-              <a:rPr lang="en-US" altLang="zh-TW" sz="1600" b="1" dirty="0" err="1" smtClean="0"/>
+              <a:rPr lang="en-US" altLang="zh-TW" sz="1600" b="1" dirty="0" err="1"/>
               <a:t>OneTime</a:t>
             </a:r>
-            <a:endParaRPr lang="en-US" altLang="zh-TW" sz="1600" b="1" dirty="0" smtClean="0"/>
+            <a:endParaRPr lang="en-US" altLang="zh-TW" sz="1600" b="1" dirty="0"/>
           </a:p>
           <a:p>
             <a:pPr algn="ctr"/>
             <a:r>
-              <a:rPr lang="en-US" altLang="zh-TW" sz="1600" b="1" dirty="0" err="1" smtClean="0"/>
+              <a:rPr lang="en-US" altLang="zh-TW" sz="1600" b="1" dirty="0" err="1"/>
               <a:t>TearDown</a:t>
             </a:r>
             <a:endParaRPr lang="en-US" altLang="zh-TW" sz="1600" dirty="0"/>
@@ -14583,13 +14429,6 @@
   <p:clrMapOvr>
     <a:masterClrMapping/>
   </p:clrMapOvr>
-  <p:timing>
-    <p:tnLst>
-      <p:par>
-        <p:cTn id="1" dur="indefinite" restart="never" nodeType="tmRoot"/>
-      </p:par>
-    </p:tnLst>
-  </p:timing>
 </p:sld>
 </file>
 
@@ -14674,7 +14513,7 @@
           <a:lstStyle/>
           <a:p>
             <a:r>
-              <a:rPr lang="en-US" altLang="zh-TW" b="1" dirty="0" smtClean="0">
+              <a:rPr lang="en-US" altLang="zh-TW" b="1" dirty="0">
                 <a:solidFill>
                   <a:schemeClr val="bg1"/>
                 </a:solidFill>
@@ -14731,16 +14570,11 @@
               </a:rPr>
               <a:t>First</a:t>
             </a:r>
-            <a:endParaRPr lang="en-US" altLang="zh-TW" dirty="0" smtClean="0">
-              <a:solidFill>
-                <a:schemeClr val="bg1"/>
-              </a:solidFill>
-            </a:endParaRPr>
           </a:p>
           <a:p>
             <a:pPr algn="ctr"/>
             <a:r>
-              <a:rPr lang="en-US" altLang="zh-TW" dirty="0" smtClean="0">
+              <a:rPr lang="en-US" altLang="zh-TW" dirty="0">
                 <a:solidFill>
                   <a:schemeClr val="bg1"/>
                 </a:solidFill>
@@ -14790,7 +14624,7 @@
           <a:p>
             <a:pPr algn="ctr"/>
             <a:r>
-              <a:rPr lang="en-US" altLang="zh-TW" dirty="0" smtClean="0">
+              <a:rPr lang="en-US" altLang="zh-TW" dirty="0">
                 <a:solidFill>
                   <a:schemeClr val="bg1"/>
                 </a:solidFill>
@@ -14801,7 +14635,7 @@
           <a:p>
             <a:pPr algn="ctr"/>
             <a:r>
-              <a:rPr lang="en-US" altLang="zh-TW" dirty="0" smtClean="0">
+              <a:rPr lang="en-US" altLang="zh-TW" dirty="0">
                 <a:solidFill>
                   <a:schemeClr val="bg1"/>
                 </a:solidFill>
@@ -14851,7 +14685,7 @@
           <a:p>
             <a:pPr algn="ctr"/>
             <a:r>
-              <a:rPr lang="en-US" altLang="zh-TW" dirty="0" smtClean="0">
+              <a:rPr lang="en-US" altLang="zh-TW" dirty="0">
                 <a:solidFill>
                   <a:schemeClr val="bg1"/>
                 </a:solidFill>
@@ -14862,7 +14696,7 @@
           <a:p>
             <a:pPr algn="ctr"/>
             <a:r>
-              <a:rPr lang="en-US" altLang="zh-TW" dirty="0" smtClean="0">
+              <a:rPr lang="en-US" altLang="zh-TW" dirty="0">
                 <a:solidFill>
                   <a:schemeClr val="bg1"/>
                 </a:solidFill>
@@ -14956,23 +14790,18 @@
             <a:p>
               <a:pPr algn="ctr"/>
               <a:r>
-                <a:rPr lang="en-US" altLang="zh-TW" b="1" dirty="0" smtClean="0">
+                <a:rPr lang="en-US" altLang="zh-TW" b="1" dirty="0">
                   <a:solidFill>
                     <a:schemeClr val="bg1"/>
                   </a:solidFill>
                 </a:rPr>
                 <a:t>Ignore Global</a:t>
               </a:r>
-              <a:endParaRPr lang="en-US" altLang="zh-TW" b="1" dirty="0">
-                <a:solidFill>
-                  <a:schemeClr val="bg1"/>
-                </a:solidFill>
-              </a:endParaRPr>
             </a:p>
             <a:p>
               <a:pPr algn="ctr"/>
               <a:r>
-                <a:rPr lang="en-US" altLang="zh-TW" b="1" dirty="0" smtClean="0">
+                <a:rPr lang="en-US" altLang="zh-TW" b="1" dirty="0">
                   <a:solidFill>
                     <a:schemeClr val="bg1"/>
                   </a:solidFill>
@@ -15022,7 +14851,7 @@
             <a:p>
               <a:pPr algn="ctr"/>
               <a:r>
-                <a:rPr lang="en-US" altLang="zh-TW" dirty="0" smtClean="0">
+                <a:rPr lang="en-US" altLang="zh-TW" dirty="0">
                   <a:solidFill>
                     <a:schemeClr val="bg1"/>
                   </a:solidFill>
@@ -15033,7 +14862,7 @@
             <a:p>
               <a:pPr algn="ctr"/>
               <a:r>
-                <a:rPr lang="en-US" altLang="zh-TW" dirty="0" smtClean="0">
+                <a:rPr lang="en-US" altLang="zh-TW" dirty="0">
                   <a:solidFill>
                     <a:schemeClr val="bg1"/>
                   </a:solidFill>
@@ -15084,7 +14913,7 @@
           <a:p>
             <a:pPr algn="ctr"/>
             <a:r>
-              <a:rPr lang="en-US" altLang="zh-TW" dirty="0" smtClean="0">
+              <a:rPr lang="en-US" altLang="zh-TW" dirty="0">
                 <a:solidFill>
                   <a:schemeClr val="bg1"/>
                 </a:solidFill>
@@ -15095,7 +14924,7 @@
           <a:p>
             <a:pPr algn="ctr"/>
             <a:r>
-              <a:rPr lang="en-US" altLang="zh-TW" dirty="0" smtClean="0">
+              <a:rPr lang="en-US" altLang="zh-TW" dirty="0">
                 <a:solidFill>
                   <a:schemeClr val="bg1"/>
                 </a:solidFill>
@@ -15145,7 +14974,7 @@
           <a:p>
             <a:pPr algn="ctr"/>
             <a:r>
-              <a:rPr lang="en-US" altLang="zh-TW" sz="1400" b="1" dirty="0" smtClean="0"/>
+              <a:rPr lang="en-US" altLang="zh-TW" sz="1400" b="1" dirty="0"/>
               <a:t>Request</a:t>
             </a:r>
             <a:endParaRPr lang="zh-TW" altLang="en-US" sz="1400" b="1" dirty="0"/>
@@ -15225,7 +15054,7 @@
           <a:p>
             <a:pPr algn="ctr"/>
             <a:r>
-              <a:rPr lang="en-US" altLang="zh-TW" sz="1400" b="1" dirty="0" smtClean="0"/>
+              <a:rPr lang="en-US" altLang="zh-TW" sz="1400" b="1" dirty="0"/>
               <a:t>Request</a:t>
             </a:r>
             <a:endParaRPr lang="zh-TW" altLang="en-US" sz="1400" b="1" dirty="0"/>
@@ -15294,7 +15123,7 @@
           <a:lstStyle/>
           <a:p>
             <a:r>
-              <a:rPr lang="en-US" altLang="zh-TW" sz="6600" b="1" dirty="0" smtClean="0">
+              <a:rPr lang="en-US" altLang="zh-TW" sz="6600" b="1" dirty="0">
                 <a:solidFill>
                   <a:schemeClr val="tx1">
                     <a:alpha val="8000"/>
@@ -15325,13 +15154,6 @@
   <p:clrMapOvr>
     <a:masterClrMapping/>
   </p:clrMapOvr>
-  <p:timing>
-    <p:tnLst>
-      <p:par>
-        <p:cTn id="1" dur="indefinite" restart="never" nodeType="tmRoot"/>
-      </p:par>
-    </p:tnLst>
-  </p:timing>
 </p:sld>
 </file>
 
@@ -16331,7 +16153,7 @@
           <a:p>
             <a:pPr algn="ctr"/>
             <a:r>
-              <a:rPr lang="en-US" altLang="zh-TW" sz="1600" b="1" dirty="0" smtClean="0"/>
+              <a:rPr lang="en-US" altLang="zh-TW" sz="1600" b="1" dirty="0"/>
               <a:t>Action</a:t>
             </a:r>
             <a:endParaRPr lang="zh-TW" altLang="en-US" sz="1600" b="1" dirty="0"/>
@@ -16373,15 +16195,15 @@
           <a:p>
             <a:pPr algn="ctr"/>
             <a:r>
-              <a:rPr lang="en-US" altLang="zh-TW" sz="1600" b="1" dirty="0" smtClean="0"/>
+              <a:rPr lang="en-US" altLang="zh-TW" sz="1600" b="1" dirty="0"/>
               <a:t>HTTP</a:t>
             </a:r>
             <a:r>
-              <a:rPr lang="zh-TW" altLang="en-US" sz="1600" b="1" dirty="0" smtClean="0"/>
+              <a:rPr lang="zh-TW" altLang="en-US" sz="1600" b="1" dirty="0"/>
               <a:t> </a:t>
             </a:r>
             <a:r>
-              <a:rPr lang="en-US" altLang="zh-TW" sz="1600" b="1" dirty="0" smtClean="0"/>
+              <a:rPr lang="en-US" altLang="zh-TW" sz="1600" b="1" dirty="0"/>
               <a:t>Module 1</a:t>
             </a:r>
             <a:endParaRPr lang="zh-TW" altLang="en-US" sz="1600" b="1" dirty="0"/>
@@ -16423,7 +16245,7 @@
           <a:p>
             <a:pPr algn="ctr"/>
             <a:r>
-              <a:rPr lang="en-US" altLang="zh-TW" sz="1600" b="1" dirty="0" smtClean="0"/>
+              <a:rPr lang="en-US" altLang="zh-TW" sz="1600" b="1" dirty="0"/>
               <a:t>Action Filters</a:t>
             </a:r>
             <a:endParaRPr lang="zh-TW" altLang="en-US" sz="1600" b="1" dirty="0"/>
@@ -16465,7 +16287,7 @@
           <a:p>
             <a:pPr algn="ctr"/>
             <a:r>
-              <a:rPr lang="en-US" altLang="zh-TW" sz="1400" b="1" dirty="0" smtClean="0"/>
+              <a:rPr lang="en-US" altLang="zh-TW" sz="1400" b="1" dirty="0"/>
               <a:t>Request</a:t>
             </a:r>
             <a:endParaRPr lang="zh-TW" altLang="en-US" sz="1400" b="1" dirty="0"/>
@@ -16549,15 +16371,15 @@
           <a:p>
             <a:pPr algn="ctr"/>
             <a:r>
-              <a:rPr lang="en-US" altLang="zh-TW" sz="1600" b="1" dirty="0" smtClean="0"/>
+              <a:rPr lang="en-US" altLang="zh-TW" sz="1600" b="1" dirty="0"/>
               <a:t>HTTP</a:t>
             </a:r>
             <a:r>
-              <a:rPr lang="zh-TW" altLang="en-US" sz="1600" b="1" dirty="0" smtClean="0"/>
+              <a:rPr lang="zh-TW" altLang="en-US" sz="1600" b="1" dirty="0"/>
               <a:t> </a:t>
             </a:r>
             <a:r>
-              <a:rPr lang="en-US" altLang="zh-TW" sz="1600" b="1" dirty="0" smtClean="0"/>
+              <a:rPr lang="en-US" altLang="zh-TW" sz="1600" b="1" dirty="0"/>
               <a:t>Module 2</a:t>
             </a:r>
             <a:endParaRPr lang="zh-TW" altLang="en-US" sz="1600" b="1" dirty="0"/>
@@ -16599,15 +16421,15 @@
           <a:p>
             <a:pPr algn="ctr"/>
             <a:r>
-              <a:rPr lang="en-US" altLang="zh-TW" sz="1600" b="1" dirty="0" smtClean="0"/>
+              <a:rPr lang="en-US" altLang="zh-TW" sz="1600" b="1" dirty="0"/>
               <a:t>HTTP</a:t>
             </a:r>
             <a:r>
-              <a:rPr lang="zh-TW" altLang="en-US" sz="1600" b="1" dirty="0" smtClean="0"/>
+              <a:rPr lang="zh-TW" altLang="en-US" sz="1600" b="1" dirty="0"/>
               <a:t> </a:t>
             </a:r>
             <a:r>
-              <a:rPr lang="en-US" altLang="zh-TW" sz="1600" b="1" dirty="0" smtClean="0"/>
+              <a:rPr lang="en-US" altLang="zh-TW" sz="1600" b="1" dirty="0"/>
               <a:t>Module n</a:t>
             </a:r>
             <a:endParaRPr lang="zh-TW" altLang="en-US" sz="1600" b="1" dirty="0"/>
@@ -16649,7 +16471,7 @@
           <a:p>
             <a:pPr algn="ctr"/>
             <a:r>
-              <a:rPr lang="en-US" altLang="zh-TW" sz="1600" b="1" dirty="0" smtClean="0"/>
+              <a:rPr lang="en-US" altLang="zh-TW" sz="1600" b="1" dirty="0"/>
               <a:t>HTTP Handlers</a:t>
             </a:r>
             <a:endParaRPr lang="zh-TW" altLang="en-US" sz="1600" b="1" dirty="0"/>
@@ -17060,7 +16882,7 @@
           <a:lstStyle/>
           <a:p>
             <a:r>
-              <a:rPr lang="en-US" altLang="zh-TW" sz="6600" b="1" dirty="0" smtClean="0">
+              <a:rPr lang="en-US" altLang="zh-TW" sz="6600" b="1" dirty="0">
                 <a:solidFill>
                   <a:schemeClr val="tx1">
                     <a:alpha val="8000"/>
@@ -17091,13 +16913,6 @@
   <p:clrMapOvr>
     <a:masterClrMapping/>
   </p:clrMapOvr>
-  <p:timing>
-    <p:tnLst>
-      <p:par>
-        <p:cTn id="1" dur="indefinite" restart="never" nodeType="tmRoot"/>
-      </p:par>
-    </p:tnLst>
-  </p:timing>
 </p:sld>
 </file>
 
@@ -17153,7 +16968,7 @@
           <a:p>
             <a:pPr algn="ctr"/>
             <a:r>
-              <a:rPr lang="en-US" altLang="zh-TW" sz="2000" dirty="0" smtClean="0"/>
+              <a:rPr lang="en-US" altLang="zh-TW" sz="2000" dirty="0"/>
               <a:t>Request - 3</a:t>
             </a:r>
             <a:endParaRPr lang="zh-TW" altLang="en-US" sz="2000" dirty="0"/>
@@ -17195,7 +17010,7 @@
           <a:p>
             <a:pPr algn="ctr"/>
             <a:r>
-              <a:rPr lang="en-US" altLang="zh-TW" sz="2000" dirty="0" smtClean="0"/>
+              <a:rPr lang="en-US" altLang="zh-TW" sz="2000" dirty="0"/>
               <a:t>Request - 1</a:t>
             </a:r>
             <a:endParaRPr lang="zh-TW" altLang="en-US" sz="2000" dirty="0"/>
@@ -17226,7 +17041,7 @@
           <a:p>
             <a:pPr algn="ctr"/>
             <a:r>
-              <a:rPr lang="en-US" altLang="zh-TW" dirty="0" smtClean="0"/>
+              <a:rPr lang="en-US" altLang="zh-TW" dirty="0"/>
               <a:t>Session: 1</a:t>
             </a:r>
             <a:endParaRPr lang="zh-TW" altLang="en-US" dirty="0"/>
@@ -17257,7 +17072,7 @@
           <a:p>
             <a:pPr algn="ctr"/>
             <a:r>
-              <a:rPr lang="en-US" altLang="zh-TW" dirty="0" smtClean="0"/>
+              <a:rPr lang="en-US" altLang="zh-TW" dirty="0"/>
               <a:t>Session: 1</a:t>
             </a:r>
             <a:endParaRPr lang="zh-TW" altLang="en-US" dirty="0"/>
@@ -17421,7 +17236,7 @@
               <a:p>
                 <a:pPr algn="ctr"/>
                 <a:r>
-                  <a:rPr lang="en-US" altLang="zh-TW" dirty="0" smtClean="0"/>
+                  <a:rPr lang="en-US" altLang="zh-TW" dirty="0"/>
                   <a:t>User</a:t>
                 </a:r>
                 <a:endParaRPr lang="zh-TW" altLang="en-US" dirty="0"/>
@@ -17465,7 +17280,7 @@
           <a:p>
             <a:pPr algn="ctr"/>
             <a:r>
-              <a:rPr lang="en-US" altLang="zh-TW" sz="2000" dirty="0" smtClean="0"/>
+              <a:rPr lang="en-US" altLang="zh-TW" sz="2000" dirty="0"/>
               <a:t>Request Session</a:t>
             </a:r>
             <a:endParaRPr lang="zh-TW" altLang="en-US" sz="2000" dirty="0"/>
@@ -17507,7 +17322,7 @@
           <a:p>
             <a:pPr algn="ctr"/>
             <a:r>
-              <a:rPr lang="en-US" altLang="zh-TW" sz="2000" dirty="0" smtClean="0"/>
+              <a:rPr lang="en-US" altLang="zh-TW" sz="2000" dirty="0"/>
               <a:t>Get Session</a:t>
             </a:r>
             <a:endParaRPr lang="zh-TW" altLang="en-US" sz="2000" dirty="0"/>
@@ -17549,7 +17364,7 @@
           <a:p>
             <a:pPr algn="ctr"/>
             <a:r>
-              <a:rPr lang="en-US" altLang="zh-TW" sz="2000" dirty="0" smtClean="0"/>
+              <a:rPr lang="en-US" altLang="zh-TW" sz="2000" dirty="0"/>
               <a:t>Save Session</a:t>
             </a:r>
             <a:endParaRPr lang="zh-TW" altLang="en-US" sz="2000" dirty="0"/>
@@ -17624,7 +17439,7 @@
             <a:p>
               <a:pPr algn="ctr"/>
               <a:r>
-                <a:rPr lang="en-US" altLang="zh-TW" sz="1200" dirty="0" smtClean="0"/>
+                <a:rPr lang="en-US" altLang="zh-TW" sz="1200" dirty="0"/>
                 <a:t>Session: 1</a:t>
               </a:r>
               <a:endParaRPr lang="zh-TW" altLang="en-US" sz="1200" dirty="0"/>
@@ -17700,7 +17515,7 @@
             <a:p>
               <a:pPr algn="ctr"/>
               <a:r>
-                <a:rPr lang="en-US" altLang="zh-TW" sz="1200" dirty="0" smtClean="0"/>
+                <a:rPr lang="en-US" altLang="zh-TW" sz="1200" dirty="0"/>
                 <a:t>Session: 1</a:t>
               </a:r>
               <a:endParaRPr lang="zh-TW" altLang="en-US" sz="1200" dirty="0"/>
@@ -17799,7 +17614,7 @@
             <a:p>
               <a:pPr algn="ctr"/>
               <a:r>
-                <a:rPr lang="en-US" altLang="zh-TW" dirty="0" smtClean="0"/>
+                <a:rPr lang="en-US" altLang="zh-TW" dirty="0"/>
                 <a:t>Website B</a:t>
               </a:r>
               <a:endParaRPr lang="zh-TW" altLang="en-US" dirty="0"/>
@@ -17842,7 +17657,7 @@
           <a:p>
             <a:pPr algn="ctr"/>
             <a:r>
-              <a:rPr lang="en-US" altLang="zh-TW" sz="2000" dirty="0" smtClean="0"/>
+              <a:rPr lang="en-US" altLang="zh-TW" sz="2000" dirty="0"/>
               <a:t>Request - 2</a:t>
             </a:r>
             <a:endParaRPr lang="zh-TW" altLang="en-US" sz="2000" dirty="0"/>
@@ -17884,7 +17699,7 @@
           <a:p>
             <a:pPr algn="ctr"/>
             <a:r>
-              <a:rPr lang="en-US" altLang="zh-TW" sz="2000" dirty="0" smtClean="0"/>
+              <a:rPr lang="en-US" altLang="zh-TW" sz="2000" dirty="0"/>
               <a:t>Response</a:t>
             </a:r>
             <a:endParaRPr lang="zh-TW" altLang="en-US" sz="2000" dirty="0"/>
@@ -17926,7 +17741,7 @@
           <a:p>
             <a:pPr algn="ctr"/>
             <a:r>
-              <a:rPr lang="en-US" altLang="zh-TW" sz="2000" dirty="0" smtClean="0"/>
+              <a:rPr lang="en-US" altLang="zh-TW" sz="2000" dirty="0"/>
               <a:t>Response</a:t>
             </a:r>
             <a:endParaRPr lang="zh-TW" altLang="en-US" sz="2000" dirty="0"/>
@@ -17968,7 +17783,7 @@
           <a:p>
             <a:pPr algn="ctr"/>
             <a:r>
-              <a:rPr lang="en-US" altLang="zh-TW" sz="2000" dirty="0" smtClean="0"/>
+              <a:rPr lang="en-US" altLang="zh-TW" sz="2000" dirty="0"/>
               <a:t>Request Session</a:t>
             </a:r>
             <a:endParaRPr lang="zh-TW" altLang="en-US" sz="2000" dirty="0"/>
@@ -18010,7 +17825,7 @@
           <a:p>
             <a:pPr algn="ctr"/>
             <a:r>
-              <a:rPr lang="en-US" altLang="zh-TW" sz="2000" dirty="0" smtClean="0"/>
+              <a:rPr lang="en-US" altLang="zh-TW" sz="2000" dirty="0"/>
               <a:t>Get Session</a:t>
             </a:r>
             <a:endParaRPr lang="zh-TW" altLang="en-US" sz="2000" dirty="0"/>
@@ -18085,7 +17900,7 @@
             <a:p>
               <a:pPr algn="ctr"/>
               <a:r>
-                <a:rPr lang="en-US" altLang="zh-TW" sz="1200" dirty="0" smtClean="0"/>
+                <a:rPr lang="en-US" altLang="zh-TW" sz="1200" dirty="0"/>
                 <a:t>Session: 1</a:t>
               </a:r>
               <a:endParaRPr lang="zh-TW" altLang="en-US" sz="1200" dirty="0"/>
@@ -18161,7 +17976,7 @@
             <a:p>
               <a:pPr algn="ctr"/>
               <a:r>
-                <a:rPr lang="en-US" altLang="zh-TW" dirty="0" smtClean="0"/>
+                <a:rPr lang="en-US" altLang="zh-TW" dirty="0"/>
                 <a:t>Redis</a:t>
               </a:r>
               <a:endParaRPr lang="zh-TW" altLang="en-US" dirty="0"/>
@@ -18237,7 +18052,7 @@
             <a:p>
               <a:pPr algn="ctr"/>
               <a:r>
-                <a:rPr lang="en-US" altLang="zh-TW" dirty="0" smtClean="0"/>
+                <a:rPr lang="en-US" altLang="zh-TW" dirty="0"/>
                 <a:t>Website A</a:t>
               </a:r>
               <a:endParaRPr lang="zh-TW" altLang="en-US" dirty="0"/>
@@ -18299,7 +18114,7 @@
           <a:lstStyle/>
           <a:p>
             <a:r>
-              <a:rPr lang="en-US" altLang="zh-TW" sz="10000" b="1" dirty="0" smtClean="0">
+              <a:rPr lang="en-US" altLang="zh-TW" sz="10000" b="1" dirty="0">
                 <a:solidFill>
                   <a:schemeClr val="tx1">
                     <a:alpha val="8000"/>
@@ -19368,7 +19183,7 @@
           <a:p>
             <a:pPr algn="ctr"/>
             <a:r>
-              <a:rPr lang="en-US" altLang="zh-TW" dirty="0" smtClean="0"/>
+              <a:rPr lang="en-US" altLang="zh-TW" dirty="0"/>
               <a:t>Module A</a:t>
             </a:r>
             <a:endParaRPr lang="zh-TW" altLang="en-US" dirty="0"/>
@@ -19413,11 +19228,7 @@
             <a:pPr algn="ctr"/>
             <a:r>
               <a:rPr lang="en-US" altLang="zh-TW" dirty="0"/>
-              <a:t>Module </a:t>
-            </a:r>
-            <a:r>
-              <a:rPr lang="en-US" altLang="zh-TW" dirty="0" smtClean="0"/>
-              <a:t>B</a:t>
+              <a:t>Module B</a:t>
             </a:r>
             <a:endParaRPr lang="zh-TW" altLang="en-US" dirty="0"/>
           </a:p>
@@ -19461,11 +19272,7 @@
             <a:pPr algn="ctr"/>
             <a:r>
               <a:rPr lang="en-US" altLang="zh-TW" dirty="0"/>
-              <a:t>Module </a:t>
-            </a:r>
-            <a:r>
-              <a:rPr lang="en-US" altLang="zh-TW" dirty="0" smtClean="0"/>
-              <a:t>C</a:t>
+              <a:t>Module C</a:t>
             </a:r>
             <a:endParaRPr lang="zh-TW" altLang="en-US" dirty="0"/>
           </a:p>
@@ -19507,11 +19314,7 @@
             <a:pPr algn="ctr"/>
             <a:r>
               <a:rPr lang="en-US" altLang="zh-TW" dirty="0"/>
-              <a:t>Module </a:t>
-            </a:r>
-            <a:r>
-              <a:rPr lang="en-US" altLang="zh-TW" dirty="0" smtClean="0"/>
-              <a:t>D</a:t>
+              <a:t>Module D</a:t>
             </a:r>
             <a:endParaRPr lang="zh-TW" altLang="en-US" dirty="0"/>
           </a:p>
@@ -19553,11 +19356,7 @@
             <a:pPr algn="ctr"/>
             <a:r>
               <a:rPr lang="en-US" altLang="zh-TW" dirty="0"/>
-              <a:t>Module </a:t>
-            </a:r>
-            <a:r>
-              <a:rPr lang="en-US" altLang="zh-TW" dirty="0" smtClean="0"/>
-              <a:t>F</a:t>
+              <a:t>Module F</a:t>
             </a:r>
             <a:endParaRPr lang="zh-TW" altLang="en-US" dirty="0"/>
           </a:p>
@@ -19640,7 +19439,7 @@
           <a:p>
             <a:pPr algn="ctr"/>
             <a:r>
-              <a:rPr lang="en-US" altLang="zh-TW" dirty="0" smtClean="0"/>
+              <a:rPr lang="en-US" altLang="zh-TW" dirty="0"/>
               <a:t>Application</a:t>
             </a:r>
             <a:endParaRPr lang="zh-TW" altLang="en-US" dirty="0"/>
@@ -19682,7 +19481,7 @@
           <a:p>
             <a:pPr algn="ctr"/>
             <a:r>
-              <a:rPr lang="en-US" altLang="zh-TW" dirty="0" smtClean="0"/>
+              <a:rPr lang="en-US" altLang="zh-TW" dirty="0"/>
               <a:t>Website</a:t>
             </a:r>
             <a:endParaRPr lang="zh-TW" altLang="en-US" dirty="0"/>
@@ -20029,13 +19828,6 @@
   <p:clrMapOvr>
     <a:masterClrMapping/>
   </p:clrMapOvr>
-  <p:timing>
-    <p:tnLst>
-      <p:par>
-        <p:cTn id="1" dur="indefinite" restart="never" nodeType="tmRoot"/>
-      </p:par>
-    </p:tnLst>
-  </p:timing>
 </p:sld>
 </file>
 
@@ -20091,14 +19883,14 @@
           <a:p>
             <a:pPr algn="ctr"/>
             <a:r>
-              <a:rPr lang="en-US" altLang="zh-TW" dirty="0" smtClean="0"/>
+              <a:rPr lang="en-US" altLang="zh-TW" dirty="0"/>
               <a:t>Example</a:t>
             </a:r>
             <a:br>
-              <a:rPr lang="en-US" altLang="zh-TW" dirty="0" smtClean="0"/>
+              <a:rPr lang="en-US" altLang="zh-TW" dirty="0"/>
             </a:br>
             <a:r>
-              <a:rPr lang="en-US" altLang="zh-TW" dirty="0" smtClean="0"/>
+              <a:rPr lang="en-US" altLang="zh-TW" dirty="0"/>
               <a:t>(DLL)</a:t>
             </a:r>
             <a:endParaRPr lang="zh-TW" altLang="en-US" dirty="0"/>
@@ -20142,18 +19934,14 @@
           <a:p>
             <a:pPr algn="ctr"/>
             <a:r>
-              <a:rPr lang="en-US" altLang="zh-TW" dirty="0" err="1" smtClean="0"/>
+              <a:rPr lang="en-US" altLang="zh-TW" dirty="0" err="1"/>
               <a:t>ExampleApp</a:t>
-            </a:r>
-            <a:r>
-              <a:rPr lang="en-US" altLang="zh-TW" dirty="0"/>
-              <a:t/>
             </a:r>
             <a:br>
               <a:rPr lang="en-US" altLang="zh-TW" dirty="0"/>
             </a:br>
             <a:r>
-              <a:rPr lang="en-US" altLang="zh-TW" dirty="0" smtClean="0"/>
+              <a:rPr lang="en-US" altLang="zh-TW" dirty="0"/>
               <a:t>(EXE)</a:t>
             </a:r>
             <a:endParaRPr lang="zh-TW" altLang="en-US" dirty="0"/>
@@ -20236,14 +20024,14 @@
           <a:p>
             <a:pPr algn="ctr"/>
             <a:r>
-              <a:rPr lang="en-US" altLang="zh-TW" dirty="0" smtClean="0"/>
+              <a:rPr lang="en-US" altLang="zh-TW" dirty="0"/>
               <a:t>Example</a:t>
             </a:r>
             <a:br>
-              <a:rPr lang="en-US" altLang="zh-TW" dirty="0" smtClean="0"/>
+              <a:rPr lang="en-US" altLang="zh-TW" dirty="0"/>
             </a:br>
             <a:r>
-              <a:rPr lang="en-US" altLang="zh-TW" dirty="0" smtClean="0"/>
+              <a:rPr lang="en-US" altLang="zh-TW" dirty="0"/>
               <a:t>(DLL)</a:t>
             </a:r>
             <a:endParaRPr lang="zh-TW" altLang="en-US" dirty="0"/>
@@ -20287,18 +20075,14 @@
           <a:p>
             <a:pPr algn="ctr"/>
             <a:r>
-              <a:rPr lang="en-US" altLang="zh-TW" dirty="0" err="1" smtClean="0"/>
+              <a:rPr lang="en-US" altLang="zh-TW" dirty="0" err="1"/>
               <a:t>ExampleApp</a:t>
-            </a:r>
-            <a:r>
-              <a:rPr lang="en-US" altLang="zh-TW" dirty="0"/>
-              <a:t/>
             </a:r>
             <a:br>
               <a:rPr lang="en-US" altLang="zh-TW" dirty="0"/>
             </a:br>
             <a:r>
-              <a:rPr lang="en-US" altLang="zh-TW" dirty="0" smtClean="0"/>
+              <a:rPr lang="en-US" altLang="zh-TW" dirty="0"/>
               <a:t>(EXE)</a:t>
             </a:r>
             <a:endParaRPr lang="zh-TW" altLang="en-US" dirty="0"/>
@@ -20340,14 +20124,14 @@
           <a:p>
             <a:pPr algn="ctr"/>
             <a:r>
-              <a:rPr lang="en-US" altLang="zh-TW" dirty="0" smtClean="0"/>
+              <a:rPr lang="en-US" altLang="zh-TW" dirty="0"/>
               <a:t>Example</a:t>
             </a:r>
             <a:br>
-              <a:rPr lang="en-US" altLang="zh-TW" dirty="0" smtClean="0"/>
+              <a:rPr lang="en-US" altLang="zh-TW" dirty="0"/>
             </a:br>
             <a:r>
-              <a:rPr lang="en-US" altLang="zh-TW" dirty="0" smtClean="0"/>
+              <a:rPr lang="en-US" altLang="zh-TW" dirty="0"/>
               <a:t>(DLL)</a:t>
             </a:r>
             <a:endParaRPr lang="zh-TW" altLang="en-US" dirty="0"/>
@@ -20473,13 +20257,6 @@
   <p:clrMapOvr>
     <a:masterClrMapping/>
   </p:clrMapOvr>
-  <p:timing>
-    <p:tnLst>
-      <p:par>
-        <p:cTn id="1" dur="indefinite" restart="never" nodeType="tmRoot"/>
-      </p:par>
-    </p:tnLst>
-  </p:timing>
 </p:sld>
 </file>
 
@@ -20575,11 +20352,7 @@
           <a:p>
             <a:r>
               <a:rPr lang="en-US" altLang="zh-TW" sz="1600" b="1" dirty="0"/>
-              <a:t>Presentation </a:t>
-            </a:r>
-            <a:r>
-              <a:rPr lang="en-US" altLang="zh-TW" sz="1600" b="1" dirty="0" smtClean="0"/>
-              <a:t>Layer</a:t>
+              <a:t>Presentation Layer</a:t>
             </a:r>
             <a:endParaRPr lang="en-US" altLang="zh-TW" sz="1600" dirty="0"/>
           </a:p>
@@ -20619,7 +20392,7 @@
           <a:lstStyle/>
           <a:p>
             <a:r>
-              <a:rPr lang="en-US" altLang="zh-TW" sz="1600" b="1" dirty="0" smtClean="0"/>
+              <a:rPr lang="en-US" altLang="zh-TW" sz="1600" b="1" dirty="0"/>
               <a:t>Users</a:t>
             </a:r>
             <a:endParaRPr lang="en-US" altLang="zh-TW" sz="1600" dirty="0"/>
@@ -20660,7 +20433,7 @@
           <a:lstStyle/>
           <a:p>
             <a:r>
-              <a:rPr lang="en-US" altLang="zh-TW" sz="1600" b="1" dirty="0" smtClean="0"/>
+              <a:rPr lang="en-US" altLang="zh-TW" sz="1600" b="1" dirty="0"/>
               <a:t>Data Layer</a:t>
             </a:r>
             <a:endParaRPr lang="en-US" altLang="zh-TW" sz="1600" dirty="0"/>
@@ -20717,56 +20490,6 @@
         <p:spPr>
           <a:xfrm>
             <a:off x="2563852" y="2251289"/>
-            <a:ext cx="1332000" cy="360000"/>
-          </a:xfrm>
-          <a:prstGeom prst="roundRect">
-            <a:avLst/>
-          </a:prstGeom>
-        </p:spPr>
-        <p:style>
-          <a:lnRef idx="0">
-            <a:schemeClr val="accent4"/>
-          </a:lnRef>
-          <a:fillRef idx="3">
-            <a:schemeClr val="accent4"/>
-          </a:fillRef>
-          <a:effectRef idx="3">
-            <a:schemeClr val="accent4"/>
-          </a:effectRef>
-          <a:fontRef idx="minor">
-            <a:schemeClr val="lt1"/>
-          </a:fontRef>
-        </p:style>
-        <p:txBody>
-          <a:bodyPr rtlCol="0" anchor="ctr"/>
-          <a:lstStyle/>
-          <a:p>
-            <a:pPr algn="ctr"/>
-            <a:r>
-              <a:rPr lang="en-US" altLang="zh-TW" sz="1600" dirty="0" smtClean="0">
-                <a:solidFill>
-                  <a:schemeClr val="tx1"/>
-                </a:solidFill>
-              </a:rPr>
-              <a:t>Component</a:t>
-            </a:r>
-            <a:endParaRPr lang="zh-TW" altLang="en-US" sz="1600" dirty="0">
-              <a:solidFill>
-                <a:schemeClr val="tx1"/>
-              </a:solidFill>
-            </a:endParaRPr>
-          </a:p>
-        </p:txBody>
-      </p:sp>
-      <p:sp>
-        <p:nvSpPr>
-          <p:cNvPr id="29" name="圓角矩形 28"/>
-          <p:cNvSpPr/>
-          <p:nvPr/>
-        </p:nvSpPr>
-        <p:spPr>
-          <a:xfrm>
-            <a:off x="4158093" y="2251289"/>
             <a:ext cx="1332000" cy="360000"/>
           </a:xfrm>
           <a:prstGeom prst="roundRect">
@@ -20810,13 +20533,13 @@
       </p:sp>
       <p:sp>
         <p:nvSpPr>
-          <p:cNvPr id="30" name="圓角矩形 29"/>
+          <p:cNvPr id="29" name="圓角矩形 28"/>
           <p:cNvSpPr/>
           <p:nvPr/>
         </p:nvSpPr>
         <p:spPr>
           <a:xfrm>
-            <a:off x="2563852" y="2934179"/>
+            <a:off x="4158093" y="2251289"/>
             <a:ext cx="1332000" cy="360000"/>
           </a:xfrm>
           <a:prstGeom prst="roundRect">
@@ -20860,13 +20583,13 @@
       </p:sp>
       <p:sp>
         <p:nvSpPr>
-          <p:cNvPr id="31" name="圓角矩形 30"/>
+          <p:cNvPr id="30" name="圓角矩形 29"/>
           <p:cNvSpPr/>
           <p:nvPr/>
         </p:nvSpPr>
         <p:spPr>
           <a:xfrm>
-            <a:off x="4158093" y="2934179"/>
+            <a:off x="2563852" y="2934179"/>
             <a:ext cx="1332000" cy="360000"/>
           </a:xfrm>
           <a:prstGeom prst="roundRect">
@@ -20910,13 +20633,13 @@
       </p:sp>
       <p:sp>
         <p:nvSpPr>
-          <p:cNvPr id="37" name="圓角矩形 36"/>
+          <p:cNvPr id="31" name="圓角矩形 30"/>
           <p:cNvSpPr/>
           <p:nvPr/>
         </p:nvSpPr>
         <p:spPr>
           <a:xfrm>
-            <a:off x="2563852" y="3625018"/>
+            <a:off x="4158093" y="2934179"/>
             <a:ext cx="1332000" cy="360000"/>
           </a:xfrm>
           <a:prstGeom prst="roundRect">
@@ -20960,13 +20683,13 @@
       </p:sp>
       <p:sp>
         <p:nvSpPr>
-          <p:cNvPr id="38" name="圓角矩形 37"/>
+          <p:cNvPr id="37" name="圓角矩形 36"/>
           <p:cNvSpPr/>
           <p:nvPr/>
         </p:nvSpPr>
         <p:spPr>
           <a:xfrm>
-            <a:off x="4158093" y="3625018"/>
+            <a:off x="2563852" y="3625018"/>
             <a:ext cx="1332000" cy="360000"/>
           </a:xfrm>
           <a:prstGeom prst="roundRect">
@@ -21010,6 +20733,56 @@
       </p:sp>
       <p:sp>
         <p:nvSpPr>
+          <p:cNvPr id="38" name="圓角矩形 37"/>
+          <p:cNvSpPr/>
+          <p:nvPr/>
+        </p:nvSpPr>
+        <p:spPr>
+          <a:xfrm>
+            <a:off x="4158093" y="3625018"/>
+            <a:ext cx="1332000" cy="360000"/>
+          </a:xfrm>
+          <a:prstGeom prst="roundRect">
+            <a:avLst/>
+          </a:prstGeom>
+        </p:spPr>
+        <p:style>
+          <a:lnRef idx="0">
+            <a:schemeClr val="accent4"/>
+          </a:lnRef>
+          <a:fillRef idx="3">
+            <a:schemeClr val="accent4"/>
+          </a:fillRef>
+          <a:effectRef idx="3">
+            <a:schemeClr val="accent4"/>
+          </a:effectRef>
+          <a:fontRef idx="minor">
+            <a:schemeClr val="lt1"/>
+          </a:fontRef>
+        </p:style>
+        <p:txBody>
+          <a:bodyPr rtlCol="0" anchor="ctr"/>
+          <a:lstStyle/>
+          <a:p>
+            <a:pPr algn="ctr"/>
+            <a:r>
+              <a:rPr lang="en-US" altLang="zh-TW" sz="1600" dirty="0">
+                <a:solidFill>
+                  <a:schemeClr val="tx1"/>
+                </a:solidFill>
+              </a:rPr>
+              <a:t>Component</a:t>
+            </a:r>
+            <a:endParaRPr lang="zh-TW" altLang="en-US" sz="1600" dirty="0">
+              <a:solidFill>
+                <a:schemeClr val="tx1"/>
+              </a:solidFill>
+            </a:endParaRPr>
+          </a:p>
+        </p:txBody>
+      </p:sp>
+      <p:sp>
+        <p:nvSpPr>
           <p:cNvPr id="44" name="矩形 43"/>
           <p:cNvSpPr/>
           <p:nvPr/>
@@ -21043,7 +20816,7 @@
           <a:p>
             <a:pPr algn="ctr"/>
             <a:r>
-              <a:rPr lang="en-US" altLang="zh-TW" sz="1600" b="1" dirty="0" smtClean="0"/>
+              <a:rPr lang="en-US" altLang="zh-TW" sz="1600" b="1" dirty="0"/>
               <a:t>Database</a:t>
             </a:r>
             <a:endParaRPr lang="en-US" altLang="zh-TW" sz="1600" dirty="0"/>
@@ -21086,11 +20859,7 @@
             <a:pPr algn="ctr"/>
             <a:r>
               <a:rPr lang="en-US" altLang="zh-TW" sz="1600" b="1" dirty="0"/>
-              <a:t>External </a:t>
-            </a:r>
-            <a:r>
-              <a:rPr lang="en-US" altLang="zh-TW" sz="1600" b="1" dirty="0" smtClean="0"/>
-              <a:t>Services</a:t>
+              <a:t>External Services</a:t>
             </a:r>
             <a:endParaRPr lang="en-US" altLang="zh-TW" sz="1600" dirty="0"/>
           </a:p>
@@ -21257,7 +21026,7 @@
           <a:lstStyle/>
           <a:p>
             <a:r>
-              <a:rPr lang="en-US" altLang="zh-TW" sz="1400" b="1" dirty="0" smtClean="0">
+              <a:rPr lang="en-US" altLang="zh-TW" sz="1400" b="1" dirty="0">
                 <a:solidFill>
                   <a:srgbClr val="C00000"/>
                 </a:solidFill>
@@ -21404,7 +21173,7 @@
           <a:lstStyle/>
           <a:p>
             <a:r>
-              <a:rPr lang="en-US" altLang="zh-TW" sz="1600" b="1" dirty="0" smtClean="0"/>
+              <a:rPr lang="en-US" altLang="zh-TW" sz="1600" b="1" dirty="0"/>
               <a:t>Service Layer</a:t>
             </a:r>
             <a:endParaRPr lang="en-US" altLang="zh-TW" sz="1600" dirty="0"/>
@@ -21446,11 +21215,7 @@
           <a:p>
             <a:r>
               <a:rPr lang="en-US" altLang="zh-TW" sz="1600" b="1" dirty="0"/>
-              <a:t>Presentation </a:t>
-            </a:r>
-            <a:r>
-              <a:rPr lang="en-US" altLang="zh-TW" sz="1600" b="1" dirty="0" smtClean="0"/>
-              <a:t>Layer</a:t>
+              <a:t>Presentation Layer</a:t>
             </a:r>
             <a:endParaRPr lang="en-US" altLang="zh-TW" sz="1600" dirty="0"/>
           </a:p>
@@ -21490,7 +21255,7 @@
           <a:lstStyle/>
           <a:p>
             <a:r>
-              <a:rPr lang="en-US" altLang="zh-TW" sz="1600" b="1" dirty="0" smtClean="0"/>
+              <a:rPr lang="en-US" altLang="zh-TW" sz="1600" b="1" dirty="0"/>
               <a:t>Users</a:t>
             </a:r>
             <a:endParaRPr lang="en-US" altLang="zh-TW" sz="1600" dirty="0"/>
@@ -21531,7 +21296,7 @@
           <a:lstStyle/>
           <a:p>
             <a:r>
-              <a:rPr lang="en-US" altLang="zh-TW" sz="1600" b="1" dirty="0" smtClean="0"/>
+              <a:rPr lang="en-US" altLang="zh-TW" sz="1600" b="1" dirty="0"/>
               <a:t>Data Layer</a:t>
             </a:r>
             <a:endParaRPr lang="en-US" altLang="zh-TW" sz="1600" dirty="0"/>
@@ -21614,7 +21379,7 @@
           <a:p>
             <a:pPr algn="ctr"/>
             <a:r>
-              <a:rPr lang="en-US" altLang="zh-TW" sz="1600" dirty="0" smtClean="0">
+              <a:rPr lang="en-US" altLang="zh-TW" sz="1600" dirty="0">
                 <a:solidFill>
                   <a:schemeClr val="tx1"/>
                 </a:solidFill>
@@ -21864,7 +21629,7 @@
           <a:p>
             <a:pPr algn="ctr"/>
             <a:r>
-              <a:rPr lang="en-US" altLang="zh-TW" sz="1600" b="1" dirty="0" smtClean="0"/>
+              <a:rPr lang="en-US" altLang="zh-TW" sz="1600" b="1" dirty="0"/>
               <a:t>Database</a:t>
             </a:r>
             <a:endParaRPr lang="en-US" altLang="zh-TW" sz="1600" dirty="0"/>
@@ -21907,11 +21672,7 @@
             <a:pPr algn="ctr"/>
             <a:r>
               <a:rPr lang="en-US" altLang="zh-TW" sz="1600" b="1" dirty="0"/>
-              <a:t>External </a:t>
-            </a:r>
-            <a:r>
-              <a:rPr lang="en-US" altLang="zh-TW" sz="1600" b="1" dirty="0" smtClean="0"/>
-              <a:t>Services</a:t>
+              <a:t>External Services</a:t>
             </a:r>
             <a:endParaRPr lang="en-US" altLang="zh-TW" sz="1600" dirty="0"/>
           </a:p>
@@ -22078,7 +21839,7 @@
           <a:lstStyle/>
           <a:p>
             <a:r>
-              <a:rPr lang="en-US" altLang="zh-TW" sz="1400" b="1" dirty="0" smtClean="0">
+              <a:rPr lang="en-US" altLang="zh-TW" sz="1400" b="1" dirty="0">
                 <a:solidFill>
                   <a:srgbClr val="C00000"/>
                 </a:solidFill>
@@ -22320,11 +22081,7 @@
           <a:p>
             <a:r>
               <a:rPr lang="en-US" altLang="zh-TW" sz="1600" b="1" dirty="0"/>
-              <a:t>External </a:t>
-            </a:r>
-            <a:r>
-              <a:rPr lang="en-US" altLang="zh-TW" sz="1600" b="1" dirty="0" smtClean="0"/>
-              <a:t>Systems</a:t>
+              <a:t>External Systems</a:t>
             </a:r>
             <a:endParaRPr lang="en-US" altLang="zh-TW" sz="1600" dirty="0"/>
           </a:p>
@@ -22399,7 +22156,7 @@
           <a:lstStyle/>
           <a:p>
             <a:r>
-              <a:rPr lang="en-US" altLang="zh-TW" sz="1400" b="1" dirty="0" smtClean="0">
+              <a:rPr lang="en-US" altLang="zh-TW" sz="1400" b="1" dirty="0">
                 <a:solidFill>
                   <a:srgbClr val="C00000"/>
                 </a:solidFill>
@@ -22470,13 +22227,6 @@
   <p:clrMapOvr>
     <a:masterClrMapping/>
   </p:clrMapOvr>
-  <p:timing>
-    <p:tnLst>
-      <p:par>
-        <p:cTn id="1" dur="indefinite" restart="never" nodeType="tmRoot"/>
-      </p:par>
-    </p:tnLst>
-  </p:timing>
 </p:sld>
 </file>
 
@@ -22564,10 +22314,9 @@
             <a:lstStyle/>
             <a:p>
               <a:r>
-                <a:rPr lang="en-US" altLang="zh-TW" dirty="0" smtClean="0"/>
+                <a:rPr lang="en-US" altLang="zh-TW" dirty="0"/>
                 <a:t>Domain.dll</a:t>
               </a:r>
-              <a:endParaRPr lang="en-US" altLang="zh-TW" dirty="0"/>
             </a:p>
           </p:txBody>
         </p:sp>
@@ -22758,10 +22507,9 @@
             <a:lstStyle/>
             <a:p>
               <a:r>
-                <a:rPr lang="en-US" altLang="zh-TW" dirty="0" smtClean="0"/>
+                <a:rPr lang="en-US" altLang="zh-TW" dirty="0"/>
                 <a:t>DataLayer.dll</a:t>
               </a:r>
-              <a:endParaRPr lang="en-US" altLang="zh-TW" dirty="0"/>
             </a:p>
           </p:txBody>
         </p:sp>
@@ -22833,10 +22581,9 @@
             <a:lstStyle/>
             <a:p>
               <a:r>
-                <a:rPr lang="en-US" altLang="zh-TW" dirty="0" smtClean="0"/>
+                <a:rPr lang="en-US" altLang="zh-TW" dirty="0"/>
                 <a:t>BusinessLayer.dll</a:t>
               </a:r>
-              <a:endParaRPr lang="en-US" altLang="zh-TW" dirty="0"/>
             </a:p>
           </p:txBody>
         </p:sp>
@@ -23121,13 +22868,6 @@
   <p:clrMapOvr>
     <a:masterClrMapping/>
   </p:clrMapOvr>
-  <p:timing>
-    <p:tnLst>
-      <p:par>
-        <p:cTn id="1" dur="indefinite" restart="never" nodeType="tmRoot"/>
-      </p:par>
-    </p:tnLst>
-  </p:timing>
 </p:sld>
 </file>
 
@@ -23183,7 +22923,7 @@
           <a:p>
             <a:pPr algn="ctr"/>
             <a:r>
-              <a:rPr lang="en-US" altLang="zh-TW" dirty="0" smtClean="0"/>
+              <a:rPr lang="en-US" altLang="zh-TW" dirty="0"/>
               <a:t>Content</a:t>
             </a:r>
             <a:endParaRPr lang="zh-TW" altLang="en-US" dirty="0"/>
@@ -23269,7 +23009,7 @@
           <a:p>
             <a:pPr algn="ctr"/>
             <a:r>
-              <a:rPr lang="en-US" altLang="zh-TW" dirty="0" smtClean="0"/>
+              <a:rPr lang="en-US" altLang="zh-TW" dirty="0"/>
               <a:t>Header</a:t>
             </a:r>
             <a:endParaRPr lang="zh-TW" altLang="en-US" dirty="0"/>
@@ -23311,7 +23051,7 @@
           <a:p>
             <a:pPr algn="ctr"/>
             <a:r>
-              <a:rPr lang="en-US" altLang="zh-TW" dirty="0" smtClean="0"/>
+              <a:rPr lang="en-US" altLang="zh-TW" dirty="0"/>
               <a:t>Footer</a:t>
             </a:r>
             <a:endParaRPr lang="zh-TW" altLang="en-US" dirty="0"/>
@@ -23328,13 +23068,6 @@
   <p:clrMapOvr>
     <a:masterClrMapping/>
   </p:clrMapOvr>
-  <p:timing>
-    <p:tnLst>
-      <p:par>
-        <p:cTn id="1" dur="indefinite" restart="never" nodeType="tmRoot"/>
-      </p:par>
-    </p:tnLst>
-  </p:timing>
 </p:sld>
 </file>
 
@@ -23378,10 +23111,9 @@
           <a:lstStyle/>
           <a:p>
             <a:r>
-              <a:rPr lang="en-US" altLang="zh-TW" dirty="0" smtClean="0"/>
+              <a:rPr lang="en-US" altLang="zh-TW" dirty="0"/>
               <a:t>Internet</a:t>
             </a:r>
-            <a:endParaRPr lang="en-US" altLang="zh-TW" dirty="0"/>
           </a:p>
         </p:txBody>
       </p:sp>
@@ -23420,21 +23152,21 @@
           <a:p>
             <a:pPr algn="ctr"/>
             <a:r>
-              <a:rPr lang="en-US" altLang="zh-TW" sz="1600" dirty="0" smtClean="0"/>
+              <a:rPr lang="en-US" altLang="zh-TW" sz="1600" dirty="0"/>
               <a:t>IIS</a:t>
             </a:r>
           </a:p>
           <a:p>
             <a:pPr algn="ctr"/>
             <a:r>
-              <a:rPr lang="en-US" altLang="zh-TW" sz="1600" dirty="0" smtClean="0"/>
+              <a:rPr lang="en-US" altLang="zh-TW" sz="1600" dirty="0"/>
               <a:t>Nginx</a:t>
             </a:r>
           </a:p>
           <a:p>
             <a:pPr algn="ctr"/>
             <a:r>
-              <a:rPr lang="en-US" altLang="zh-TW" sz="1600" dirty="0" smtClean="0"/>
+              <a:rPr lang="en-US" altLang="zh-TW" sz="1600" dirty="0"/>
               <a:t>Apache</a:t>
             </a:r>
           </a:p>
@@ -23493,10 +23225,9 @@
           <a:lstStyle/>
           <a:p>
             <a:r>
-              <a:rPr lang="en-US" altLang="zh-TW" dirty="0" smtClean="0"/>
+              <a:rPr lang="en-US" altLang="zh-TW" dirty="0"/>
               <a:t>Internet</a:t>
             </a:r>
-            <a:endParaRPr lang="en-US" altLang="zh-TW" dirty="0"/>
           </a:p>
         </p:txBody>
       </p:sp>
@@ -23645,18 +23376,13 @@
           <a:lstStyle/>
           <a:p>
             <a:r>
-              <a:rPr lang="en-US" altLang="zh-TW" sz="1600" dirty="0" smtClean="0">
+              <a:rPr lang="en-US" altLang="zh-TW" sz="1600" dirty="0">
                 <a:solidFill>
                   <a:schemeClr val="bg1"/>
                 </a:solidFill>
               </a:rPr>
               <a:t>ASP.NET Core Application</a:t>
             </a:r>
-            <a:endParaRPr lang="en-US" altLang="zh-TW" sz="1600" dirty="0">
-              <a:solidFill>
-                <a:schemeClr val="bg1"/>
-              </a:solidFill>
-            </a:endParaRPr>
           </a:p>
         </p:txBody>
       </p:sp>
@@ -23695,14 +23421,14 @@
           <a:p>
             <a:pPr algn="ctr"/>
             <a:r>
-              <a:rPr lang="en-US" altLang="zh-TW" sz="1600" dirty="0" smtClean="0"/>
+              <a:rPr lang="en-US" altLang="zh-TW" sz="1600" dirty="0"/>
               <a:t>Kestrel Web Server</a:t>
             </a:r>
           </a:p>
           <a:p>
             <a:pPr algn="ctr"/>
             <a:r>
-              <a:rPr lang="en-US" altLang="zh-TW" sz="1600" dirty="0" smtClean="0"/>
+              <a:rPr lang="en-US" altLang="zh-TW" sz="1600" dirty="0"/>
               <a:t>Port: 5000</a:t>
             </a:r>
             <a:endParaRPr lang="zh-TW" altLang="en-US" sz="1600" dirty="0"/>
@@ -23744,27 +23470,23 @@
           <a:p>
             <a:pPr algn="ctr"/>
             <a:r>
-              <a:rPr lang="en-US" altLang="zh-TW" sz="1600" dirty="0" smtClean="0"/>
+              <a:rPr lang="en-US" altLang="zh-TW" sz="1600" dirty="0"/>
               <a:t>Application Code</a:t>
             </a:r>
           </a:p>
           <a:p>
             <a:pPr algn="ctr"/>
             <a:r>
-              <a:rPr lang="en-US" altLang="zh-TW" sz="1600" dirty="0" smtClean="0"/>
+              <a:rPr lang="en-US" altLang="zh-TW" sz="1600" dirty="0"/>
               <a:t>(</a:t>
             </a:r>
             <a:r>
-              <a:rPr lang="en-US" altLang="zh-TW" sz="1600" dirty="0" err="1" smtClean="0"/>
+              <a:rPr lang="en-US" altLang="zh-TW" sz="1600" dirty="0" err="1"/>
               <a:t>Startup.cs</a:t>
             </a:r>
             <a:r>
               <a:rPr lang="en-US" altLang="zh-TW" sz="1600" dirty="0"/>
-              <a:t> , </a:t>
-            </a:r>
-            <a:r>
-              <a:rPr lang="en-US" altLang="zh-TW" sz="1600" dirty="0" smtClean="0"/>
-              <a:t>…)</a:t>
+              <a:t> , …)</a:t>
             </a:r>
             <a:endParaRPr lang="zh-TW" altLang="en-US" sz="1600" dirty="0"/>
           </a:p>
@@ -23833,10 +23555,9 @@
           <a:lstStyle/>
           <a:p>
             <a:r>
-              <a:rPr lang="en-US" altLang="zh-TW" sz="1600" dirty="0" smtClean="0"/>
+              <a:rPr lang="en-US" altLang="zh-TW" sz="1600" dirty="0"/>
               <a:t>HTTP</a:t>
             </a:r>
-            <a:endParaRPr lang="en-US" altLang="zh-TW" sz="1600" dirty="0"/>
           </a:p>
         </p:txBody>
       </p:sp>
@@ -23903,7 +23624,7 @@
           <a:lstStyle/>
           <a:p>
             <a:r>
-              <a:rPr lang="en-US" altLang="zh-TW" sz="1600" dirty="0" err="1" smtClean="0"/>
+              <a:rPr lang="en-US" altLang="zh-TW" sz="1600" dirty="0" err="1"/>
               <a:t>HttpContext</a:t>
             </a:r>
             <a:endParaRPr lang="en-US" altLang="zh-TW" sz="1600" dirty="0"/>
@@ -23963,10 +23684,9 @@
           <a:lstStyle/>
           <a:p>
             <a:r>
-              <a:rPr lang="en-US" altLang="zh-TW" dirty="0" smtClean="0"/>
+              <a:rPr lang="en-US" altLang="zh-TW" dirty="0"/>
               <a:t>Internet</a:t>
             </a:r>
-            <a:endParaRPr lang="en-US" altLang="zh-TW" dirty="0"/>
           </a:p>
         </p:txBody>
       </p:sp>
@@ -24071,18 +23791,13 @@
           <a:lstStyle/>
           <a:p>
             <a:r>
-              <a:rPr lang="en-US" altLang="zh-TW" sz="1600" dirty="0" smtClean="0">
+              <a:rPr lang="en-US" altLang="zh-TW" sz="1600" dirty="0">
                 <a:solidFill>
                   <a:schemeClr val="bg1"/>
                 </a:solidFill>
               </a:rPr>
               <a:t>ASP.NET Core Application</a:t>
             </a:r>
-            <a:endParaRPr lang="en-US" altLang="zh-TW" sz="1600" dirty="0">
-              <a:solidFill>
-                <a:schemeClr val="bg1"/>
-              </a:solidFill>
-            </a:endParaRPr>
           </a:p>
         </p:txBody>
       </p:sp>
@@ -24121,14 +23836,14 @@
           <a:p>
             <a:pPr algn="ctr"/>
             <a:r>
-              <a:rPr lang="en-US" altLang="zh-TW" sz="1600" dirty="0" smtClean="0"/>
+              <a:rPr lang="en-US" altLang="zh-TW" sz="1600" dirty="0"/>
               <a:t>Kestrel Web Server</a:t>
             </a:r>
           </a:p>
           <a:p>
             <a:pPr algn="ctr"/>
             <a:r>
-              <a:rPr lang="en-US" altLang="zh-TW" sz="1600" dirty="0" smtClean="0"/>
+              <a:rPr lang="en-US" altLang="zh-TW" sz="1600" dirty="0"/>
               <a:t>Port: 5000</a:t>
             </a:r>
             <a:endParaRPr lang="zh-TW" altLang="en-US" sz="1600" dirty="0"/>
@@ -24170,27 +23885,23 @@
           <a:p>
             <a:pPr algn="ctr"/>
             <a:r>
-              <a:rPr lang="en-US" altLang="zh-TW" sz="1600" dirty="0" smtClean="0"/>
+              <a:rPr lang="en-US" altLang="zh-TW" sz="1600" dirty="0"/>
               <a:t>Application Code</a:t>
             </a:r>
           </a:p>
           <a:p>
             <a:pPr algn="ctr"/>
             <a:r>
-              <a:rPr lang="en-US" altLang="zh-TW" sz="1600" dirty="0" smtClean="0"/>
+              <a:rPr lang="en-US" altLang="zh-TW" sz="1600" dirty="0"/>
               <a:t>(</a:t>
             </a:r>
             <a:r>
-              <a:rPr lang="en-US" altLang="zh-TW" sz="1600" dirty="0" err="1" smtClean="0"/>
+              <a:rPr lang="en-US" altLang="zh-TW" sz="1600" dirty="0" err="1"/>
               <a:t>Startup.cs</a:t>
             </a:r>
             <a:r>
               <a:rPr lang="en-US" altLang="zh-TW" sz="1600" dirty="0"/>
-              <a:t> , </a:t>
-            </a:r>
-            <a:r>
-              <a:rPr lang="en-US" altLang="zh-TW" sz="1600" dirty="0" smtClean="0"/>
-              <a:t>…)</a:t>
+              <a:t> , …)</a:t>
             </a:r>
             <a:endParaRPr lang="zh-TW" altLang="en-US" sz="1600" dirty="0"/>
           </a:p>
@@ -24261,10 +23972,9 @@
           <a:lstStyle/>
           <a:p>
             <a:r>
-              <a:rPr lang="en-US" altLang="zh-TW" sz="1600" dirty="0" smtClean="0"/>
+              <a:rPr lang="en-US" altLang="zh-TW" sz="1600" dirty="0"/>
               <a:t>HTTP</a:t>
             </a:r>
-            <a:endParaRPr lang="en-US" altLang="zh-TW" sz="1600" dirty="0"/>
           </a:p>
         </p:txBody>
       </p:sp>
@@ -24331,7 +24041,7 @@
           <a:lstStyle/>
           <a:p>
             <a:r>
-              <a:rPr lang="en-US" altLang="zh-TW" sz="1600" dirty="0" err="1" smtClean="0"/>
+              <a:rPr lang="en-US" altLang="zh-TW" sz="1600" dirty="0" err="1"/>
               <a:t>HttpContext</a:t>
             </a:r>
             <a:endParaRPr lang="en-US" altLang="zh-TW" sz="1600" dirty="0"/>
@@ -24401,10 +24111,9 @@
           <a:lstStyle/>
           <a:p>
             <a:r>
-              <a:rPr lang="en-US" altLang="zh-TW" sz="1600" dirty="0" smtClean="0"/>
+              <a:rPr lang="en-US" altLang="zh-TW" sz="1600" dirty="0"/>
               <a:t>HTTP</a:t>
             </a:r>
-            <a:endParaRPr lang="en-US" altLang="zh-TW" sz="1600" dirty="0"/>
           </a:p>
         </p:txBody>
       </p:sp>
@@ -24443,21 +24152,21 @@
           <a:p>
             <a:pPr algn="ctr"/>
             <a:r>
-              <a:rPr lang="en-US" altLang="zh-TW" sz="1600" dirty="0" smtClean="0"/>
+              <a:rPr lang="en-US" altLang="zh-TW" sz="1600" dirty="0"/>
               <a:t>IIS</a:t>
             </a:r>
           </a:p>
           <a:p>
             <a:pPr algn="ctr"/>
             <a:r>
-              <a:rPr lang="en-US" altLang="zh-TW" sz="1600" dirty="0" smtClean="0"/>
+              <a:rPr lang="en-US" altLang="zh-TW" sz="1600" dirty="0"/>
               <a:t>Nginx</a:t>
             </a:r>
           </a:p>
           <a:p>
             <a:pPr algn="ctr"/>
             <a:r>
-              <a:rPr lang="en-US" altLang="zh-TW" sz="1600" dirty="0" smtClean="0"/>
+              <a:rPr lang="en-US" altLang="zh-TW" sz="1600" dirty="0"/>
               <a:t>Apache</a:t>
             </a:r>
           </a:p>
@@ -24593,18 +24302,13 @@
           <a:lstStyle/>
           <a:p>
             <a:r>
-              <a:rPr lang="en-US" altLang="zh-TW" sz="1400" dirty="0" smtClean="0">
+              <a:rPr lang="en-US" altLang="zh-TW" sz="1400" dirty="0">
                 <a:solidFill>
                   <a:schemeClr val="bg1"/>
                 </a:solidFill>
               </a:rPr>
               <a:t>ASP.NET Core Application (1)</a:t>
             </a:r>
-            <a:endParaRPr lang="en-US" altLang="zh-TW" sz="1400" dirty="0">
-              <a:solidFill>
-                <a:schemeClr val="bg1"/>
-              </a:solidFill>
-            </a:endParaRPr>
           </a:p>
         </p:txBody>
       </p:sp>
@@ -24643,14 +24347,14 @@
           <a:p>
             <a:pPr algn="ctr"/>
             <a:r>
-              <a:rPr lang="en-US" altLang="zh-TW" sz="1600" dirty="0" smtClean="0"/>
+              <a:rPr lang="en-US" altLang="zh-TW" sz="1600" dirty="0"/>
               <a:t>Kestrel Web Server</a:t>
             </a:r>
           </a:p>
           <a:p>
             <a:pPr algn="ctr"/>
             <a:r>
-              <a:rPr lang="en-US" altLang="zh-TW" sz="1600" dirty="0" smtClean="0"/>
+              <a:rPr lang="en-US" altLang="zh-TW" sz="1600" dirty="0"/>
               <a:t>Port: 5000</a:t>
             </a:r>
             <a:endParaRPr lang="zh-TW" altLang="en-US" sz="1600" dirty="0"/>
@@ -24680,10 +24384,9 @@
           <a:lstStyle/>
           <a:p>
             <a:r>
-              <a:rPr lang="en-US" altLang="zh-TW" sz="1600" dirty="0" smtClean="0"/>
+              <a:rPr lang="en-US" altLang="zh-TW" sz="1600" dirty="0"/>
               <a:t>HTTP</a:t>
             </a:r>
-            <a:endParaRPr lang="en-US" altLang="zh-TW" sz="1600" dirty="0"/>
           </a:p>
         </p:txBody>
       </p:sp>
@@ -24747,10 +24450,9 @@
           <a:lstStyle/>
           <a:p>
             <a:r>
-              <a:rPr lang="en-US" altLang="zh-TW" sz="1400" dirty="0" smtClean="0"/>
+              <a:rPr lang="en-US" altLang="zh-TW" sz="1400" dirty="0"/>
               <a:t>http://domainA:80</a:t>
             </a:r>
-            <a:endParaRPr lang="en-US" altLang="zh-TW" sz="1400" dirty="0"/>
           </a:p>
         </p:txBody>
       </p:sp>
@@ -24815,18 +24517,13 @@
           <a:lstStyle/>
           <a:p>
             <a:r>
-              <a:rPr lang="en-US" altLang="zh-TW" sz="1400" dirty="0" smtClean="0">
+              <a:rPr lang="en-US" altLang="zh-TW" sz="1400" dirty="0">
                 <a:solidFill>
                   <a:schemeClr val="bg1"/>
                 </a:solidFill>
               </a:rPr>
               <a:t>ASP.NET Core Application (2)</a:t>
             </a:r>
-            <a:endParaRPr lang="en-US" altLang="zh-TW" sz="1400" dirty="0">
-              <a:solidFill>
-                <a:schemeClr val="bg1"/>
-              </a:solidFill>
-            </a:endParaRPr>
           </a:p>
         </p:txBody>
       </p:sp>
@@ -24865,14 +24562,14 @@
           <a:p>
             <a:pPr algn="ctr"/>
             <a:r>
-              <a:rPr lang="en-US" altLang="zh-TW" sz="1600" dirty="0" smtClean="0"/>
+              <a:rPr lang="en-US" altLang="zh-TW" sz="1600" dirty="0"/>
               <a:t>Kestrel Web Server</a:t>
             </a:r>
           </a:p>
           <a:p>
             <a:pPr algn="ctr"/>
             <a:r>
-              <a:rPr lang="en-US" altLang="zh-TW" sz="1600" dirty="0" smtClean="0"/>
+              <a:rPr lang="en-US" altLang="zh-TW" sz="1600" dirty="0"/>
               <a:t>Port: 5001</a:t>
             </a:r>
             <a:endParaRPr lang="zh-TW" altLang="en-US" sz="1600" dirty="0"/>
@@ -25017,10 +24714,9 @@
           <a:lstStyle/>
           <a:p>
             <a:r>
-              <a:rPr lang="en-US" altLang="zh-TW" sz="1600" dirty="0" smtClean="0"/>
+              <a:rPr lang="en-US" altLang="zh-TW" sz="1600" dirty="0"/>
               <a:t>HTTP</a:t>
             </a:r>
-            <a:endParaRPr lang="en-US" altLang="zh-TW" sz="1600" dirty="0"/>
           </a:p>
         </p:txBody>
       </p:sp>
@@ -25047,10 +24743,9 @@
           <a:lstStyle/>
           <a:p>
             <a:r>
-              <a:rPr lang="en-US" altLang="zh-TW" sz="1400" dirty="0" smtClean="0"/>
+              <a:rPr lang="en-US" altLang="zh-TW" sz="1400" dirty="0"/>
               <a:t>http://domainB:80</a:t>
             </a:r>
-            <a:endParaRPr lang="en-US" altLang="zh-TW" sz="1400" dirty="0"/>
           </a:p>
         </p:txBody>
       </p:sp>
@@ -25064,13 +24759,6 @@
   <p:clrMapOvr>
     <a:masterClrMapping/>
   </p:clrMapOvr>
-  <p:timing>
-    <p:tnLst>
-      <p:par>
-        <p:cTn id="1" dur="indefinite" restart="never" nodeType="tmRoot"/>
-      </p:par>
-    </p:tnLst>
-  </p:timing>
 </p:sld>
 </file>
 
@@ -25248,7 +24936,7 @@
               <a:p>
                 <a:pPr algn="ctr"/>
                 <a:r>
-                  <a:rPr lang="en-US" altLang="zh-TW" dirty="0" smtClean="0"/>
+                  <a:rPr lang="en-US" altLang="zh-TW" dirty="0"/>
                   <a:t>User</a:t>
                 </a:r>
                 <a:endParaRPr lang="zh-TW" altLang="en-US" dirty="0"/>
@@ -25369,7 +25057,7 @@
             <a:p>
               <a:pPr algn="ctr"/>
               <a:r>
-                <a:rPr lang="en-US" altLang="zh-TW" dirty="0" smtClean="0"/>
+                <a:rPr lang="en-US" altLang="zh-TW" dirty="0"/>
                 <a:t>blog.johnwu.cc</a:t>
               </a:r>
               <a:endParaRPr lang="zh-TW" altLang="en-US" dirty="0"/>
@@ -25445,7 +25133,7 @@
             <a:p>
               <a:pPr algn="ctr"/>
               <a:r>
-                <a:rPr lang="en-US" altLang="zh-TW" dirty="0" smtClean="0"/>
+                <a:rPr lang="en-US" altLang="zh-TW" dirty="0"/>
                 <a:t>api.johnwu.cc</a:t>
               </a:r>
               <a:endParaRPr lang="zh-TW" altLang="en-US" dirty="0"/>
@@ -25557,7 +25245,7 @@
           <a:p>
             <a:pPr algn="ctr"/>
             <a:r>
-              <a:rPr lang="en-US" altLang="zh-TW" sz="1200" b="1" dirty="0" smtClean="0">
+              <a:rPr lang="en-US" altLang="zh-TW" sz="1200" b="1" dirty="0">
                 <a:ea typeface="微軟正黑體" panose="020B0604030504040204" pitchFamily="34" charset="-120"/>
               </a:rPr>
               <a:t>1</a:t>
@@ -25631,14 +25319,14 @@
           <a:p>
             <a:pPr algn="ctr"/>
             <a:r>
-              <a:rPr lang="en-US" altLang="zh-TW" sz="1600" dirty="0" smtClean="0"/>
+              <a:rPr lang="en-US" altLang="zh-TW" sz="1600" dirty="0"/>
               <a:t>Cross-Origin</a:t>
             </a:r>
           </a:p>
           <a:p>
             <a:pPr algn="ctr"/>
             <a:r>
-              <a:rPr lang="en-US" altLang="zh-TW" sz="1600" dirty="0" smtClean="0"/>
+              <a:rPr lang="en-US" altLang="zh-TW" sz="1600" dirty="0"/>
               <a:t>Request</a:t>
             </a:r>
             <a:endParaRPr lang="zh-TW" altLang="en-US" sz="1600" dirty="0"/>
@@ -25710,7 +25398,7 @@
           <a:p>
             <a:pPr algn="ctr"/>
             <a:r>
-              <a:rPr lang="en-US" altLang="zh-TW" sz="1200" b="1" dirty="0" smtClean="0">
+              <a:rPr lang="en-US" altLang="zh-TW" sz="1200" b="1" dirty="0">
                 <a:ea typeface="微軟正黑體" panose="020B0604030504040204" pitchFamily="34" charset="-120"/>
               </a:rPr>
               <a:t>2</a:t>
@@ -25908,7 +25596,7 @@
               <a:p>
                 <a:pPr algn="ctr"/>
                 <a:r>
-                  <a:rPr lang="en-US" altLang="zh-TW" dirty="0" smtClean="0"/>
+                  <a:rPr lang="en-US" altLang="zh-TW" dirty="0"/>
                   <a:t>User</a:t>
                 </a:r>
                 <a:endParaRPr lang="zh-TW" altLang="en-US" dirty="0"/>
@@ -25985,7 +25673,7 @@
             <a:p>
               <a:pPr algn="ctr"/>
               <a:r>
-                <a:rPr lang="en-US" altLang="zh-TW" dirty="0" smtClean="0"/>
+                <a:rPr lang="en-US" altLang="zh-TW" dirty="0"/>
                 <a:t>blog.johnwu.cc</a:t>
               </a:r>
               <a:endParaRPr lang="zh-TW" altLang="en-US" dirty="0"/>
@@ -26061,7 +25749,7 @@
             <a:p>
               <a:pPr algn="ctr"/>
               <a:r>
-                <a:rPr lang="en-US" altLang="zh-TW" dirty="0" smtClean="0"/>
+                <a:rPr lang="en-US" altLang="zh-TW" dirty="0"/>
                 <a:t>api.johnwu.cc</a:t>
               </a:r>
               <a:endParaRPr lang="zh-TW" altLang="en-US" dirty="0"/>
@@ -26143,7 +25831,7 @@
           <a:p>
             <a:pPr algn="ctr"/>
             <a:r>
-              <a:rPr lang="en-US" altLang="zh-TW" sz="1200" b="1" dirty="0" smtClean="0">
+              <a:rPr lang="en-US" altLang="zh-TW" sz="1200" b="1" dirty="0">
                 <a:ea typeface="微軟正黑體" panose="020B0604030504040204" pitchFamily="34" charset="-120"/>
               </a:rPr>
               <a:t>1</a:t>
@@ -26217,7 +25905,7 @@
           <a:p>
             <a:pPr algn="ctr"/>
             <a:r>
-              <a:rPr lang="en-US" altLang="zh-TW" sz="1400" dirty="0" smtClean="0"/>
+              <a:rPr lang="en-US" altLang="zh-TW" sz="1400" dirty="0"/>
               <a:t>Preflight Request</a:t>
             </a:r>
             <a:endParaRPr lang="zh-TW" altLang="en-US" sz="1400" dirty="0"/>
@@ -26259,7 +25947,7 @@
           <a:p>
             <a:pPr algn="ctr"/>
             <a:r>
-              <a:rPr lang="en-US" altLang="zh-TW" sz="1200" b="1" dirty="0" smtClean="0">
+              <a:rPr lang="en-US" altLang="zh-TW" sz="1200" b="1" dirty="0">
                 <a:ea typeface="微軟正黑體" panose="020B0604030504040204" pitchFamily="34" charset="-120"/>
               </a:rPr>
               <a:t>2</a:t>
@@ -26333,7 +26021,7 @@
           <a:p>
             <a:pPr algn="ctr"/>
             <a:r>
-              <a:rPr lang="en-US" altLang="zh-TW" sz="1400" dirty="0" smtClean="0"/>
+              <a:rPr lang="en-US" altLang="zh-TW" sz="1400" dirty="0"/>
               <a:t>Allow</a:t>
             </a:r>
             <a:endParaRPr lang="zh-TW" altLang="en-US" sz="1400" dirty="0"/>
@@ -26375,7 +26063,7 @@
           <a:p>
             <a:pPr algn="ctr"/>
             <a:r>
-              <a:rPr lang="en-US" altLang="zh-TW" sz="1200" b="1" dirty="0" smtClean="0">
+              <a:rPr lang="en-US" altLang="zh-TW" sz="1200" b="1" dirty="0">
                 <a:ea typeface="微軟正黑體" panose="020B0604030504040204" pitchFamily="34" charset="-120"/>
               </a:rPr>
               <a:t>3</a:t>
@@ -26489,7 +26177,7 @@
           <a:p>
             <a:pPr algn="ctr"/>
             <a:r>
-              <a:rPr lang="en-US" altLang="zh-TW" sz="1200" b="1" dirty="0" smtClean="0">
+              <a:rPr lang="en-US" altLang="zh-TW" sz="1200" b="1" dirty="0">
                 <a:ea typeface="微軟正黑體" panose="020B0604030504040204" pitchFamily="34" charset="-120"/>
               </a:rPr>
               <a:t>4</a:t>
@@ -26524,14 +26212,14 @@
           <a:p>
             <a:pPr algn="ctr"/>
             <a:r>
-              <a:rPr lang="en-US" altLang="zh-TW" sz="1600" dirty="0" smtClean="0"/>
+              <a:rPr lang="en-US" altLang="zh-TW" sz="1600" dirty="0"/>
               <a:t>Cross-Origin</a:t>
             </a:r>
           </a:p>
           <a:p>
             <a:pPr algn="ctr"/>
             <a:r>
-              <a:rPr lang="en-US" altLang="zh-TW" sz="1600" dirty="0" smtClean="0"/>
+              <a:rPr lang="en-US" altLang="zh-TW" sz="1600" dirty="0"/>
               <a:t>Request</a:t>
             </a:r>
             <a:endParaRPr lang="zh-TW" altLang="en-US" sz="1600" dirty="0"/>
@@ -26725,7 +26413,7 @@
               <a:p>
                 <a:pPr algn="ctr"/>
                 <a:r>
-                  <a:rPr lang="en-US" altLang="zh-TW" dirty="0" smtClean="0"/>
+                  <a:rPr lang="en-US" altLang="zh-TW" dirty="0"/>
                   <a:t>User</a:t>
                 </a:r>
                 <a:endParaRPr lang="zh-TW" altLang="en-US" dirty="0"/>
@@ -26802,7 +26490,7 @@
             <a:p>
               <a:pPr algn="ctr"/>
               <a:r>
-                <a:rPr lang="en-US" altLang="zh-TW" dirty="0" smtClean="0"/>
+                <a:rPr lang="en-US" altLang="zh-TW" dirty="0"/>
                 <a:t>blog.johnwu.cc</a:t>
               </a:r>
               <a:endParaRPr lang="zh-TW" altLang="en-US" dirty="0"/>
@@ -26878,7 +26566,7 @@
             <a:p>
               <a:pPr algn="ctr"/>
               <a:r>
-                <a:rPr lang="en-US" altLang="zh-TW" dirty="0" smtClean="0"/>
+                <a:rPr lang="en-US" altLang="zh-TW" dirty="0"/>
                 <a:t>Attacker’s Server</a:t>
               </a:r>
               <a:endParaRPr lang="zh-TW" altLang="en-US" dirty="0"/>
@@ -26951,7 +26639,7 @@
           <a:p>
             <a:pPr algn="ctr"/>
             <a:r>
-              <a:rPr lang="en-US" altLang="zh-TW" sz="1200" b="1" dirty="0" smtClean="0">
+              <a:rPr lang="en-US" altLang="zh-TW" sz="1200" b="1" dirty="0">
                 <a:ea typeface="微軟正黑體" panose="020B0604030504040204" pitchFamily="34" charset="-120"/>
               </a:rPr>
               <a:t>2</a:t>
@@ -27037,7 +26725,7 @@
           <a:p>
             <a:pPr algn="ctr"/>
             <a:r>
-              <a:rPr lang="en-US" altLang="zh-TW" sz="1200" b="1" dirty="0" smtClean="0">
+              <a:rPr lang="en-US" altLang="zh-TW" sz="1200" b="1" dirty="0">
                 <a:ea typeface="微軟正黑體" panose="020B0604030504040204" pitchFamily="34" charset="-120"/>
               </a:rPr>
               <a:t>1</a:t>
@@ -27113,7 +26801,7 @@
             <a:lstStyle/>
             <a:p>
               <a:r>
-                <a:rPr lang="en-US" altLang="zh-TW" dirty="0" smtClean="0"/>
+                <a:rPr lang="en-US" altLang="zh-TW" dirty="0"/>
                 <a:t>Attacker</a:t>
               </a:r>
               <a:endParaRPr lang="zh-TW" altLang="en-US" dirty="0"/>
@@ -27184,16 +26872,12 @@
           <a:p>
             <a:pPr algn="ctr"/>
             <a:r>
-              <a:rPr lang="zh-TW" altLang="en-US" sz="1200" dirty="0" smtClean="0">
+              <a:rPr lang="zh-TW" altLang="en-US" sz="1200" dirty="0">
                 <a:latin typeface="微軟正黑體" panose="020B0604030504040204" pitchFamily="34" charset="-120"/>
                 <a:ea typeface="微軟正黑體" panose="020B0604030504040204" pitchFamily="34" charset="-120"/>
               </a:rPr>
               <a:t>取得網頁內容</a:t>
             </a:r>
-            <a:endParaRPr lang="zh-TW" altLang="en-US" sz="1200" dirty="0">
-              <a:latin typeface="微軟正黑體" panose="020B0604030504040204" pitchFamily="34" charset="-120"/>
-              <a:ea typeface="微軟正黑體" panose="020B0604030504040204" pitchFamily="34" charset="-120"/>
-            </a:endParaRPr>
           </a:p>
         </p:txBody>
       </p:sp>
@@ -27261,16 +26945,12 @@
           <a:p>
             <a:pPr algn="ctr"/>
             <a:r>
-              <a:rPr lang="zh-TW" altLang="en-US" sz="1200" dirty="0" smtClean="0">
+              <a:rPr lang="zh-TW" altLang="en-US" sz="1200" dirty="0">
                 <a:latin typeface="微軟正黑體" panose="020B0604030504040204" pitchFamily="34" charset="-120"/>
                 <a:ea typeface="微軟正黑體" panose="020B0604030504040204" pitchFamily="34" charset="-120"/>
               </a:rPr>
               <a:t>注入惡意程式</a:t>
             </a:r>
-            <a:endParaRPr lang="zh-TW" altLang="en-US" sz="1200" dirty="0">
-              <a:latin typeface="微軟正黑體" panose="020B0604030504040204" pitchFamily="34" charset="-120"/>
-              <a:ea typeface="微軟正黑體" panose="020B0604030504040204" pitchFamily="34" charset="-120"/>
-            </a:endParaRPr>
           </a:p>
         </p:txBody>
       </p:sp>
@@ -27309,7 +26989,7 @@
           <a:p>
             <a:pPr algn="ctr"/>
             <a:r>
-              <a:rPr lang="en-US" altLang="zh-TW" sz="1200" b="1" dirty="0" smtClean="0">
+              <a:rPr lang="en-US" altLang="zh-TW" sz="1200" b="1" dirty="0">
                 <a:ea typeface="微軟正黑體" panose="020B0604030504040204" pitchFamily="34" charset="-120"/>
               </a:rPr>
               <a:t>3</a:t>
@@ -27344,16 +27024,12 @@
           <a:p>
             <a:pPr algn="ctr"/>
             <a:r>
-              <a:rPr lang="zh-TW" altLang="en-US" sz="1200" dirty="0" smtClean="0">
+              <a:rPr lang="zh-TW" altLang="en-US" sz="1200" dirty="0">
                 <a:latin typeface="微軟正黑體" panose="020B0604030504040204" pitchFamily="34" charset="-120"/>
                 <a:ea typeface="微軟正黑體" panose="020B0604030504040204" pitchFamily="34" charset="-120"/>
               </a:rPr>
               <a:t>回傳資料</a:t>
             </a:r>
-            <a:endParaRPr lang="zh-TW" altLang="en-US" sz="1200" dirty="0">
-              <a:latin typeface="微軟正黑體" panose="020B0604030504040204" pitchFamily="34" charset="-120"/>
-              <a:ea typeface="微軟正黑體" panose="020B0604030504040204" pitchFamily="34" charset="-120"/>
-            </a:endParaRPr>
           </a:p>
         </p:txBody>
       </p:sp>
@@ -27403,7 +27079,7 @@
           <a:p>
             <a:pPr algn="ctr"/>
             <a:r>
-              <a:rPr lang="en-US" altLang="zh-TW" sz="1200" dirty="0" smtClean="0">
+              <a:rPr lang="en-US" altLang="zh-TW" sz="1200" dirty="0">
                 <a:solidFill>
                   <a:srgbClr val="FF0000"/>
                 </a:solidFill>
@@ -27754,7 +27430,7 @@
             <a:p>
               <a:pPr algn="ctr"/>
               <a:r>
-                <a:rPr lang="en-US" altLang="zh-TW" dirty="0" smtClean="0"/>
+                <a:rPr lang="en-US" altLang="zh-TW" dirty="0"/>
                 <a:t>Website</a:t>
               </a:r>
               <a:endParaRPr lang="zh-TW" altLang="en-US" dirty="0"/>
@@ -27829,23 +27505,19 @@
             <a:lstStyle/>
             <a:p>
               <a:r>
-                <a:rPr lang="en-US" altLang="zh-TW" sz="1200" b="1" dirty="0" smtClean="0">
+                <a:rPr lang="en-US" altLang="zh-TW" sz="1200" b="1" dirty="0">
                   <a:latin typeface="微軟正黑體" panose="020B0604030504040204" pitchFamily="34" charset="-120"/>
                   <a:ea typeface="微軟正黑體" panose="020B0604030504040204" pitchFamily="34" charset="-120"/>
                 </a:rPr>
                 <a:t>Response </a:t>
               </a:r>
               <a:r>
-                <a:rPr lang="zh-TW" altLang="en-US" sz="1200" b="1" dirty="0" smtClean="0">
+                <a:rPr lang="zh-TW" altLang="en-US" sz="1200" b="1" dirty="0">
                   <a:latin typeface="微軟正黑體" panose="020B0604030504040204" pitchFamily="34" charset="-120"/>
                   <a:ea typeface="微軟正黑體" panose="020B0604030504040204" pitchFamily="34" charset="-120"/>
                 </a:rPr>
                 <a:t>快取</a:t>
               </a:r>
-              <a:endParaRPr lang="zh-TW" altLang="en-US" sz="1200" b="1" dirty="0">
-                <a:latin typeface="微軟正黑體" panose="020B0604030504040204" pitchFamily="34" charset="-120"/>
-                <a:ea typeface="微軟正黑體" panose="020B0604030504040204" pitchFamily="34" charset="-120"/>
-              </a:endParaRPr>
             </a:p>
           </p:txBody>
         </p:sp>
@@ -27873,30 +27545,12 @@
           <a:lstStyle/>
           <a:p>
             <a:r>
-              <a:rPr lang="zh-TW" altLang="en-US" sz="1200" b="1" dirty="0" smtClean="0">
-                <a:latin typeface="微軟正黑體" panose="020B0604030504040204" pitchFamily="34" charset="-120"/>
-                <a:ea typeface="微軟正黑體" panose="020B0604030504040204" pitchFamily="34" charset="-120"/>
-              </a:rPr>
-              <a:t>瀏覽器</a:t>
-            </a:r>
-            <a:r>
               <a:rPr lang="zh-TW" altLang="en-US" sz="1200" b="1" dirty="0">
                 <a:latin typeface="微軟正黑體" panose="020B0604030504040204" pitchFamily="34" charset="-120"/>
                 <a:ea typeface="微軟正黑體" panose="020B0604030504040204" pitchFamily="34" charset="-120"/>
               </a:rPr>
-              <a:t>暫</a:t>
-            </a:r>
-            <a:r>
-              <a:rPr lang="zh-TW" altLang="en-US" sz="1200" b="1" dirty="0" smtClean="0">
-                <a:latin typeface="微軟正黑體" panose="020B0604030504040204" pitchFamily="34" charset="-120"/>
-                <a:ea typeface="微軟正黑體" panose="020B0604030504040204" pitchFamily="34" charset="-120"/>
-              </a:rPr>
-              <a:t>存</a:t>
-            </a:r>
-            <a:endParaRPr lang="zh-TW" altLang="en-US" sz="1200" b="1" dirty="0">
-              <a:latin typeface="微軟正黑體" panose="020B0604030504040204" pitchFamily="34" charset="-120"/>
-              <a:ea typeface="微軟正黑體" panose="020B0604030504040204" pitchFamily="34" charset="-120"/>
-            </a:endParaRPr>
+              <a:t>瀏覽器暫存</a:t>
+            </a:r>
           </a:p>
         </p:txBody>
       </p:sp>
@@ -28057,7 +27711,7 @@
               <a:p>
                 <a:pPr algn="ctr"/>
                 <a:r>
-                  <a:rPr lang="en-US" altLang="zh-TW" dirty="0" smtClean="0"/>
+                  <a:rPr lang="en-US" altLang="zh-TW" dirty="0"/>
                   <a:t>User</a:t>
                 </a:r>
                 <a:endParaRPr lang="zh-TW" altLang="en-US" dirty="0"/>
@@ -28283,7 +27937,7 @@
           <a:p>
             <a:pPr algn="ctr"/>
             <a:r>
-              <a:rPr lang="en-US" altLang="zh-TW" sz="1200" b="1" dirty="0" smtClean="0">
+              <a:rPr lang="en-US" altLang="zh-TW" sz="1200" b="1" dirty="0">
                 <a:ea typeface="微軟正黑體" panose="020B0604030504040204" pitchFamily="34" charset="-120"/>
               </a:rPr>
               <a:t>1</a:t>
@@ -28329,7 +27983,7 @@
           <a:p>
             <a:pPr algn="ctr"/>
             <a:r>
-              <a:rPr lang="en-US" altLang="zh-TW" sz="1200" b="1" dirty="0" smtClean="0">
+              <a:rPr lang="en-US" altLang="zh-TW" sz="1200" b="1" dirty="0">
                 <a:ea typeface="微軟正黑體" panose="020B0604030504040204" pitchFamily="34" charset="-120"/>
               </a:rPr>
               <a:t>2</a:t>
@@ -28375,7 +28029,7 @@
           <a:p>
             <a:pPr algn="ctr"/>
             <a:r>
-              <a:rPr lang="en-US" altLang="zh-TW" sz="1200" b="1" dirty="0" smtClean="0">
+              <a:rPr lang="en-US" altLang="zh-TW" sz="1200" b="1" dirty="0">
                 <a:ea typeface="微軟正黑體" panose="020B0604030504040204" pitchFamily="34" charset="-120"/>
               </a:rPr>
               <a:t>3</a:t>
@@ -28467,7 +28121,7 @@
           <a:p>
             <a:pPr algn="ctr"/>
             <a:r>
-              <a:rPr lang="en-US" altLang="zh-TW" sz="1200" b="1" dirty="0" smtClean="0">
+              <a:rPr lang="en-US" altLang="zh-TW" sz="1200" b="1" dirty="0">
                 <a:ea typeface="微軟正黑體" panose="020B0604030504040204" pitchFamily="34" charset="-120"/>
               </a:rPr>
               <a:t>5</a:t>
@@ -28501,31 +28155,13 @@
           <a:lstStyle/>
           <a:p>
             <a:pPr algn="ctr"/>
-            <a:r>
-              <a:rPr lang="zh-TW" altLang="en-US" sz="1200" dirty="0" smtClean="0">
-                <a:latin typeface="微軟正黑體" panose="020B0604030504040204" pitchFamily="34" charset="-120"/>
-                <a:ea typeface="微軟正黑體" panose="020B0604030504040204" pitchFamily="34" charset="-120"/>
-              </a:rPr>
-              <a:t>請</a:t>
-            </a:r>
             <a:r>
               <a:rPr lang="zh-TW" altLang="en-US" sz="1200" dirty="0">
                 <a:latin typeface="微軟正黑體" panose="020B0604030504040204" pitchFamily="34" charset="-120"/>
                 <a:ea typeface="微軟正黑體" panose="020B0604030504040204" pitchFamily="34" charset="-120"/>
               </a:rPr>
-              <a:t>求</a:t>
-            </a:r>
-            <a:r>
-              <a:rPr lang="zh-TW" altLang="en-US" sz="1200" dirty="0" smtClean="0">
-                <a:latin typeface="微軟正黑體" panose="020B0604030504040204" pitchFamily="34" charset="-120"/>
-                <a:ea typeface="微軟正黑體" panose="020B0604030504040204" pitchFamily="34" charset="-120"/>
-              </a:rPr>
-              <a:t>網頁內容</a:t>
-            </a:r>
-            <a:endParaRPr lang="zh-TW" altLang="en-US" sz="1200" dirty="0">
-              <a:latin typeface="微軟正黑體" panose="020B0604030504040204" pitchFamily="34" charset="-120"/>
-              <a:ea typeface="微軟正黑體" panose="020B0604030504040204" pitchFamily="34" charset="-120"/>
-            </a:endParaRPr>
+              <a:t>請求網頁內容</a:t>
+            </a:r>
           </a:p>
         </p:txBody>
       </p:sp>
@@ -28553,16 +28189,12 @@
           <a:p>
             <a:pPr algn="ctr"/>
             <a:r>
-              <a:rPr lang="zh-TW" altLang="en-US" sz="1200" dirty="0" smtClean="0">
+              <a:rPr lang="zh-TW" altLang="en-US" sz="1200" dirty="0">
                 <a:latin typeface="微軟正黑體" panose="020B0604030504040204" pitchFamily="34" charset="-120"/>
                 <a:ea typeface="微軟正黑體" panose="020B0604030504040204" pitchFamily="34" charset="-120"/>
               </a:rPr>
               <a:t>取得網頁內容</a:t>
             </a:r>
-            <a:endParaRPr lang="zh-TW" altLang="en-US" sz="1200" dirty="0">
-              <a:latin typeface="微軟正黑體" panose="020B0604030504040204" pitchFamily="34" charset="-120"/>
-              <a:ea typeface="微軟正黑體" panose="020B0604030504040204" pitchFamily="34" charset="-120"/>
-            </a:endParaRPr>
           </a:p>
         </p:txBody>
       </p:sp>
@@ -28590,7 +28222,7 @@
           <a:p>
             <a:pPr algn="ctr"/>
             <a:r>
-              <a:rPr lang="zh-TW" altLang="en-US" sz="1200" dirty="0" smtClean="0">
+              <a:rPr lang="zh-TW" altLang="en-US" sz="1200" dirty="0">
                 <a:latin typeface="微軟正黑體" panose="020B0604030504040204" pitchFamily="34" charset="-120"/>
                 <a:ea typeface="微軟正黑體" panose="020B0604030504040204" pitchFamily="34" charset="-120"/>
               </a:rPr>
@@ -28598,13 +28230,8 @@
             </a:r>
             <a:r>
               <a:rPr lang="zh-TW" altLang="en-US" sz="1200" dirty="0"/>
-              <a:t>暫存</a:t>
-            </a:r>
-            <a:r>
-              <a:rPr lang="zh-TW" altLang="en-US" sz="1200" dirty="0" smtClean="0"/>
-              <a:t>區</a:t>
-            </a:r>
-            <a:endParaRPr lang="zh-TW" altLang="en-US" sz="1200" dirty="0"/>
+              <a:t>暫存區</a:t>
+            </a:r>
           </a:p>
         </p:txBody>
       </p:sp>
@@ -28632,16 +28259,12 @@
           <a:p>
             <a:pPr algn="ctr"/>
             <a:r>
-              <a:rPr lang="zh-TW" altLang="en-US" sz="1200" dirty="0" smtClean="0">
+              <a:rPr lang="zh-TW" altLang="en-US" sz="1200" dirty="0">
                 <a:latin typeface="微軟正黑體" panose="020B0604030504040204" pitchFamily="34" charset="-120"/>
                 <a:ea typeface="微軟正黑體" panose="020B0604030504040204" pitchFamily="34" charset="-120"/>
               </a:rPr>
               <a:t>再次請求網頁內容</a:t>
             </a:r>
-            <a:endParaRPr lang="zh-TW" altLang="en-US" sz="1200" dirty="0">
-              <a:latin typeface="微軟正黑體" panose="020B0604030504040204" pitchFamily="34" charset="-120"/>
-              <a:ea typeface="微軟正黑體" panose="020B0604030504040204" pitchFamily="34" charset="-120"/>
-            </a:endParaRPr>
           </a:p>
         </p:txBody>
       </p:sp>
@@ -28669,18 +28292,9 @@
           <a:p>
             <a:pPr algn="ctr"/>
             <a:r>
-              <a:rPr lang="zh-TW" altLang="en-US" sz="1200" dirty="0" smtClean="0"/>
-              <a:t>從暫</a:t>
-            </a:r>
-            <a:r>
               <a:rPr lang="zh-TW" altLang="en-US" sz="1200" dirty="0"/>
-              <a:t>存</a:t>
-            </a:r>
-            <a:r>
-              <a:rPr lang="zh-TW" altLang="en-US" sz="1200" dirty="0" smtClean="0"/>
-              <a:t>區取出</a:t>
-            </a:r>
-            <a:endParaRPr lang="zh-TW" altLang="en-US" sz="1200" dirty="0"/>
+              <a:t>從暫存區取出</a:t>
+            </a:r>
           </a:p>
         </p:txBody>
       </p:sp>
@@ -28759,7 +28373,7 @@
             <a:p>
               <a:pPr algn="ctr"/>
               <a:r>
-                <a:rPr lang="en-US" altLang="zh-TW" dirty="0" smtClean="0">
+                <a:rPr lang="en-US" altLang="zh-TW" dirty="0">
                   <a:solidFill>
                     <a:schemeClr val="bg1"/>
                   </a:solidFill>
@@ -28767,7 +28381,7 @@
                 <a:t>Response</a:t>
               </a:r>
               <a:r>
-                <a:rPr lang="zh-TW" altLang="en-US" dirty="0" smtClean="0">
+                <a:rPr lang="zh-TW" altLang="en-US" dirty="0">
                   <a:solidFill>
                     <a:schemeClr val="bg1"/>
                   </a:solidFill>
@@ -28775,7 +28389,7 @@
                 <a:t> </a:t>
               </a:r>
               <a:r>
-                <a:rPr lang="en-US" altLang="zh-TW" dirty="0" smtClean="0">
+                <a:rPr lang="en-US" altLang="zh-TW" dirty="0">
                   <a:solidFill>
                     <a:schemeClr val="bg1"/>
                   </a:solidFill>
@@ -28783,14 +28397,14 @@
                 <a:t>Caching</a:t>
               </a:r>
               <a:br>
-                <a:rPr lang="en-US" altLang="zh-TW" dirty="0" smtClean="0">
+                <a:rPr lang="en-US" altLang="zh-TW" dirty="0">
                   <a:solidFill>
                     <a:schemeClr val="bg1"/>
                   </a:solidFill>
                 </a:rPr>
               </a:br>
               <a:r>
-                <a:rPr lang="en-US" altLang="zh-TW" dirty="0" smtClean="0">
+                <a:rPr lang="en-US" altLang="zh-TW" dirty="0">
                   <a:solidFill>
                     <a:schemeClr val="bg1"/>
                   </a:solidFill>
@@ -28975,7 +28589,7 @@
           <a:p>
             <a:pPr algn="ctr"/>
             <a:r>
-              <a:rPr lang="en-US" altLang="zh-TW" sz="1600" b="1" dirty="0" err="1" smtClean="0"/>
+              <a:rPr lang="en-US" altLang="zh-TW" sz="1600" b="1" dirty="0" err="1"/>
               <a:t>Middlewares</a:t>
             </a:r>
             <a:endParaRPr lang="zh-TW" altLang="en-US" sz="1600" b="1" dirty="0"/>
@@ -29017,7 +28631,7 @@
           <a:p>
             <a:pPr algn="ctr"/>
             <a:r>
-              <a:rPr lang="en-US" altLang="zh-TW" sz="1600" b="1" dirty="0" smtClean="0"/>
+              <a:rPr lang="en-US" altLang="zh-TW" sz="1600" b="1" dirty="0"/>
               <a:t>Action Filters</a:t>
             </a:r>
             <a:endParaRPr lang="zh-TW" altLang="en-US" sz="1600" b="1" dirty="0"/>
@@ -29059,7 +28673,7 @@
           <a:p>
             <a:pPr algn="ctr"/>
             <a:r>
-              <a:rPr lang="en-US" altLang="zh-TW" sz="1600" b="1" dirty="0" smtClean="0"/>
+              <a:rPr lang="en-US" altLang="zh-TW" sz="1600" b="1" dirty="0"/>
               <a:t>Action</a:t>
             </a:r>
             <a:endParaRPr lang="zh-TW" altLang="en-US" sz="1600" b="1" dirty="0"/>
@@ -29380,13 +28994,6 @@
   <p:clrMapOvr>
     <a:masterClrMapping/>
   </p:clrMapOvr>
-  <p:timing>
-    <p:tnLst>
-      <p:par>
-        <p:cTn id="1" dur="indefinite" restart="never" nodeType="tmRoot"/>
-      </p:par>
-    </p:tnLst>
-  </p:timing>
 </p:sld>
 </file>
 
@@ -29483,14 +29090,14 @@
             <a:p>
               <a:pPr algn="ctr"/>
               <a:r>
-                <a:rPr lang="en-US" altLang="zh-TW" sz="1600" dirty="0" smtClean="0"/>
+                <a:rPr lang="en-US" altLang="zh-TW" sz="1600" dirty="0"/>
                 <a:t>Second</a:t>
               </a:r>
             </a:p>
             <a:p>
               <a:pPr algn="ctr"/>
               <a:r>
-                <a:rPr lang="en-US" altLang="zh-TW" sz="1600" dirty="0" smtClean="0"/>
+                <a:rPr lang="en-US" altLang="zh-TW" sz="1600" dirty="0"/>
                 <a:t>Middleware</a:t>
               </a:r>
               <a:endParaRPr lang="zh-TW" altLang="en-US" sz="1600" dirty="0"/>
@@ -29574,14 +29181,14 @@
             <a:p>
               <a:pPr algn="ctr"/>
               <a:r>
-                <a:rPr lang="en-US" altLang="zh-TW" sz="1600" dirty="0" smtClean="0"/>
+                <a:rPr lang="en-US" altLang="zh-TW" sz="1600" dirty="0"/>
                 <a:t>First</a:t>
               </a:r>
             </a:p>
             <a:p>
               <a:pPr algn="ctr"/>
               <a:r>
-                <a:rPr lang="en-US" altLang="zh-TW" sz="1600" dirty="0" smtClean="0"/>
+                <a:rPr lang="en-US" altLang="zh-TW" sz="1600" dirty="0"/>
                 <a:t>Middleware</a:t>
               </a:r>
               <a:endParaRPr lang="zh-TW" altLang="en-US" sz="1600" dirty="0"/>
@@ -29665,14 +29272,14 @@
             <a:p>
               <a:pPr algn="ctr"/>
               <a:r>
-                <a:rPr lang="en-US" altLang="zh-TW" sz="1600" dirty="0" smtClean="0"/>
+                <a:rPr lang="en-US" altLang="zh-TW" sz="1600" dirty="0"/>
                 <a:t>Third</a:t>
               </a:r>
             </a:p>
             <a:p>
               <a:pPr algn="ctr"/>
               <a:r>
-                <a:rPr lang="en-US" altLang="zh-TW" sz="1600" dirty="0" smtClean="0"/>
+                <a:rPr lang="en-US" altLang="zh-TW" sz="1600" dirty="0"/>
                 <a:t>Middleware</a:t>
               </a:r>
               <a:endParaRPr lang="zh-TW" altLang="en-US" sz="1600" dirty="0"/>
@@ -29703,16 +29310,16 @@
           <a:lstStyle/>
           <a:p>
             <a:r>
-              <a:rPr lang="en-US" altLang="zh-TW" sz="1600" dirty="0" smtClean="0"/>
+              <a:rPr lang="en-US" altLang="zh-TW" sz="1600" dirty="0"/>
               <a:t>{</a:t>
             </a:r>
           </a:p>
           <a:p>
-            <a:endParaRPr lang="en-US" altLang="zh-TW" sz="1600" dirty="0" smtClean="0"/>
-          </a:p>
-          <a:p>
-            <a:r>
-              <a:rPr lang="en-US" altLang="zh-TW" sz="1600" dirty="0" smtClean="0"/>
+            <a:endParaRPr lang="en-US" altLang="zh-TW" sz="1600" dirty="0"/>
+          </a:p>
+          <a:p>
+            <a:r>
+              <a:rPr lang="en-US" altLang="zh-TW" sz="1600" dirty="0"/>
               <a:t>    // Logic</a:t>
             </a:r>
           </a:p>
@@ -29720,14 +29327,14 @@
             <a:endParaRPr lang="en-US" altLang="zh-TW" sz="1600" dirty="0"/>
           </a:p>
           <a:p>
-            <a:endParaRPr lang="en-US" altLang="zh-TW" sz="1600" dirty="0" smtClean="0"/>
-          </a:p>
-          <a:p>
             <a:endParaRPr lang="en-US" altLang="zh-TW" sz="1600" dirty="0"/>
           </a:p>
           <a:p>
-            <a:r>
-              <a:rPr lang="en-US" altLang="zh-TW" sz="1600" dirty="0" smtClean="0"/>
+            <a:endParaRPr lang="en-US" altLang="zh-TW" sz="1600" dirty="0"/>
+          </a:p>
+          <a:p>
+            <a:r>
+              <a:rPr lang="en-US" altLang="zh-TW" sz="1600" dirty="0"/>
               <a:t>    next();</a:t>
             </a:r>
           </a:p>
@@ -29738,27 +29345,23 @@
             <a:endParaRPr lang="en-US" altLang="zh-TW" sz="1600" dirty="0"/>
           </a:p>
           <a:p>
-            <a:endParaRPr lang="en-US" altLang="zh-TW" sz="1600" dirty="0" smtClean="0"/>
+            <a:endParaRPr lang="en-US" altLang="zh-TW" sz="1600" dirty="0"/>
           </a:p>
           <a:p>
             <a:r>
               <a:rPr lang="en-US" altLang="zh-TW" sz="1600" dirty="0"/>
-              <a:t> </a:t>
-            </a:r>
-            <a:r>
-              <a:rPr lang="en-US" altLang="zh-TW" sz="1600" dirty="0" smtClean="0"/>
-              <a:t>   // Logic</a:t>
-            </a:r>
-          </a:p>
-          <a:p>
-            <a:endParaRPr lang="en-US" altLang="zh-TW" sz="1600" dirty="0" smtClean="0"/>
-          </a:p>
-          <a:p>
-            <a:endParaRPr lang="en-US" altLang="zh-TW" sz="1600" dirty="0" smtClean="0"/>
-          </a:p>
-          <a:p>
-            <a:r>
-              <a:rPr lang="en-US" altLang="zh-TW" sz="1600" dirty="0" smtClean="0"/>
+              <a:t>    // Logic</a:t>
+            </a:r>
+          </a:p>
+          <a:p>
+            <a:endParaRPr lang="en-US" altLang="zh-TW" sz="1600" dirty="0"/>
+          </a:p>
+          <a:p>
+            <a:endParaRPr lang="en-US" altLang="zh-TW" sz="1600" dirty="0"/>
+          </a:p>
+          <a:p>
+            <a:r>
+              <a:rPr lang="en-US" altLang="zh-TW" sz="1600" dirty="0"/>
               <a:t>}</a:t>
             </a:r>
             <a:endParaRPr lang="zh-TW" altLang="en-US" sz="1600" dirty="0"/>
@@ -29841,7 +29444,7 @@
             <a:p>
               <a:pPr algn="ctr"/>
               <a:r>
-                <a:rPr lang="en-US" altLang="zh-TW" sz="1600" dirty="0" smtClean="0"/>
+                <a:rPr lang="en-US" altLang="zh-TW" sz="1600" dirty="0"/>
                 <a:t>Action</a:t>
               </a:r>
               <a:endParaRPr lang="zh-TW" altLang="en-US" sz="1600" dirty="0"/>
@@ -29872,16 +29475,16 @@
           <a:lstStyle/>
           <a:p>
             <a:r>
-              <a:rPr lang="en-US" altLang="zh-TW" sz="1600" dirty="0" smtClean="0"/>
+              <a:rPr lang="en-US" altLang="zh-TW" sz="1600" dirty="0"/>
               <a:t>{</a:t>
             </a:r>
           </a:p>
           <a:p>
-            <a:endParaRPr lang="en-US" altLang="zh-TW" sz="1600" dirty="0" smtClean="0"/>
-          </a:p>
-          <a:p>
-            <a:r>
-              <a:rPr lang="en-US" altLang="zh-TW" sz="1600" dirty="0" smtClean="0"/>
+            <a:endParaRPr lang="en-US" altLang="zh-TW" sz="1600" dirty="0"/>
+          </a:p>
+          <a:p>
+            <a:r>
+              <a:rPr lang="en-US" altLang="zh-TW" sz="1600" dirty="0"/>
               <a:t>    // Logic</a:t>
             </a:r>
           </a:p>
@@ -29889,14 +29492,14 @@
             <a:endParaRPr lang="en-US" altLang="zh-TW" sz="1600" dirty="0"/>
           </a:p>
           <a:p>
-            <a:endParaRPr lang="en-US" altLang="zh-TW" sz="1600" dirty="0" smtClean="0"/>
-          </a:p>
-          <a:p>
             <a:endParaRPr lang="en-US" altLang="zh-TW" sz="1600" dirty="0"/>
           </a:p>
           <a:p>
-            <a:r>
-              <a:rPr lang="en-US" altLang="zh-TW" sz="1600" dirty="0" smtClean="0"/>
+            <a:endParaRPr lang="en-US" altLang="zh-TW" sz="1600" dirty="0"/>
+          </a:p>
+          <a:p>
+            <a:r>
+              <a:rPr lang="en-US" altLang="zh-TW" sz="1600" dirty="0"/>
               <a:t>    next();</a:t>
             </a:r>
           </a:p>
@@ -29907,27 +29510,23 @@
             <a:endParaRPr lang="en-US" altLang="zh-TW" sz="1600" dirty="0"/>
           </a:p>
           <a:p>
-            <a:endParaRPr lang="en-US" altLang="zh-TW" sz="1600" dirty="0" smtClean="0"/>
+            <a:endParaRPr lang="en-US" altLang="zh-TW" sz="1600" dirty="0"/>
           </a:p>
           <a:p>
             <a:r>
               <a:rPr lang="en-US" altLang="zh-TW" sz="1600" dirty="0"/>
-              <a:t> </a:t>
-            </a:r>
-            <a:r>
-              <a:rPr lang="en-US" altLang="zh-TW" sz="1600" dirty="0" smtClean="0"/>
-              <a:t>   // Logic</a:t>
-            </a:r>
-          </a:p>
-          <a:p>
-            <a:endParaRPr lang="en-US" altLang="zh-TW" sz="1600" dirty="0" smtClean="0"/>
-          </a:p>
-          <a:p>
-            <a:endParaRPr lang="en-US" altLang="zh-TW" sz="1600" dirty="0" smtClean="0"/>
-          </a:p>
-          <a:p>
-            <a:r>
-              <a:rPr lang="en-US" altLang="zh-TW" sz="1600" dirty="0" smtClean="0"/>
+              <a:t>    // Logic</a:t>
+            </a:r>
+          </a:p>
+          <a:p>
+            <a:endParaRPr lang="en-US" altLang="zh-TW" sz="1600" dirty="0"/>
+          </a:p>
+          <a:p>
+            <a:endParaRPr lang="en-US" altLang="zh-TW" sz="1600" dirty="0"/>
+          </a:p>
+          <a:p>
+            <a:r>
+              <a:rPr lang="en-US" altLang="zh-TW" sz="1600" dirty="0"/>
               <a:t>}</a:t>
             </a:r>
             <a:endParaRPr lang="zh-TW" altLang="en-US" sz="1600" dirty="0"/>
@@ -29957,16 +29556,16 @@
           <a:lstStyle/>
           <a:p>
             <a:r>
-              <a:rPr lang="en-US" altLang="zh-TW" sz="1600" dirty="0" smtClean="0"/>
+              <a:rPr lang="en-US" altLang="zh-TW" sz="1600" dirty="0"/>
               <a:t>{</a:t>
             </a:r>
           </a:p>
           <a:p>
-            <a:endParaRPr lang="en-US" altLang="zh-TW" sz="1600" dirty="0" smtClean="0"/>
-          </a:p>
-          <a:p>
-            <a:r>
-              <a:rPr lang="en-US" altLang="zh-TW" sz="1600" dirty="0" smtClean="0"/>
+            <a:endParaRPr lang="en-US" altLang="zh-TW" sz="1600" dirty="0"/>
+          </a:p>
+          <a:p>
+            <a:r>
+              <a:rPr lang="en-US" altLang="zh-TW" sz="1600" dirty="0"/>
               <a:t>    // Logic</a:t>
             </a:r>
           </a:p>
@@ -29974,14 +29573,14 @@
             <a:endParaRPr lang="en-US" altLang="zh-TW" sz="1600" dirty="0"/>
           </a:p>
           <a:p>
-            <a:endParaRPr lang="en-US" altLang="zh-TW" sz="1600" dirty="0" smtClean="0"/>
-          </a:p>
-          <a:p>
             <a:endParaRPr lang="en-US" altLang="zh-TW" sz="1600" dirty="0"/>
           </a:p>
           <a:p>
-            <a:r>
-              <a:rPr lang="en-US" altLang="zh-TW" sz="1600" dirty="0" smtClean="0"/>
+            <a:endParaRPr lang="en-US" altLang="zh-TW" sz="1600" dirty="0"/>
+          </a:p>
+          <a:p>
+            <a:r>
+              <a:rPr lang="en-US" altLang="zh-TW" sz="1600" dirty="0"/>
               <a:t>    next();</a:t>
             </a:r>
           </a:p>
@@ -29992,27 +29591,23 @@
             <a:endParaRPr lang="en-US" altLang="zh-TW" sz="1600" dirty="0"/>
           </a:p>
           <a:p>
-            <a:endParaRPr lang="en-US" altLang="zh-TW" sz="1600" dirty="0" smtClean="0"/>
+            <a:endParaRPr lang="en-US" altLang="zh-TW" sz="1600" dirty="0"/>
           </a:p>
           <a:p>
             <a:r>
               <a:rPr lang="en-US" altLang="zh-TW" sz="1600" dirty="0"/>
-              <a:t> </a:t>
-            </a:r>
-            <a:r>
-              <a:rPr lang="en-US" altLang="zh-TW" sz="1600" dirty="0" smtClean="0"/>
-              <a:t>   // Logic</a:t>
-            </a:r>
-          </a:p>
-          <a:p>
-            <a:endParaRPr lang="en-US" altLang="zh-TW" sz="1600" dirty="0" smtClean="0"/>
-          </a:p>
-          <a:p>
-            <a:endParaRPr lang="en-US" altLang="zh-TW" sz="1600" dirty="0" smtClean="0"/>
-          </a:p>
-          <a:p>
-            <a:r>
-              <a:rPr lang="en-US" altLang="zh-TW" sz="1600" dirty="0" smtClean="0"/>
+              <a:t>    // Logic</a:t>
+            </a:r>
+          </a:p>
+          <a:p>
+            <a:endParaRPr lang="en-US" altLang="zh-TW" sz="1600" dirty="0"/>
+          </a:p>
+          <a:p>
+            <a:endParaRPr lang="en-US" altLang="zh-TW" sz="1600" dirty="0"/>
+          </a:p>
+          <a:p>
+            <a:r>
+              <a:rPr lang="en-US" altLang="zh-TW" sz="1600" dirty="0"/>
               <a:t>}</a:t>
             </a:r>
             <a:endParaRPr lang="zh-TW" altLang="en-US" sz="1600" dirty="0"/>
@@ -30042,16 +29637,16 @@
           <a:lstStyle/>
           <a:p>
             <a:r>
-              <a:rPr lang="en-US" altLang="zh-TW" sz="1600" dirty="0" smtClean="0"/>
+              <a:rPr lang="en-US" altLang="zh-TW" sz="1600" dirty="0"/>
               <a:t>{</a:t>
             </a:r>
           </a:p>
           <a:p>
-            <a:endParaRPr lang="en-US" altLang="zh-TW" sz="1600" dirty="0" smtClean="0"/>
-          </a:p>
-          <a:p>
-            <a:r>
-              <a:rPr lang="en-US" altLang="zh-TW" sz="1600" dirty="0" smtClean="0"/>
+            <a:endParaRPr lang="en-US" altLang="zh-TW" sz="1600" dirty="0"/>
+          </a:p>
+          <a:p>
+            <a:r>
+              <a:rPr lang="en-US" altLang="zh-TW" sz="1600" dirty="0"/>
               <a:t>    </a:t>
             </a:r>
           </a:p>
@@ -30059,23 +29654,16 @@
             <a:endParaRPr lang="en-US" altLang="zh-TW" sz="1600" dirty="0"/>
           </a:p>
           <a:p>
-            <a:endParaRPr lang="en-US" altLang="zh-TW" sz="1600" dirty="0" smtClean="0"/>
-          </a:p>
-          <a:p>
             <a:endParaRPr lang="en-US" altLang="zh-TW" sz="1600" dirty="0"/>
           </a:p>
           <a:p>
-            <a:r>
-              <a:rPr lang="en-US" altLang="zh-TW" sz="1600" dirty="0" smtClean="0"/>
-              <a:t>    </a:t>
-            </a:r>
+            <a:endParaRPr lang="en-US" altLang="zh-TW" sz="1600" dirty="0"/>
+          </a:p>
+          <a:p>
             <a:r>
               <a:rPr lang="en-US" altLang="zh-TW" sz="1600" dirty="0"/>
-              <a:t>// Logic</a:t>
-            </a:r>
-          </a:p>
-          <a:p>
-            <a:endParaRPr lang="en-US" altLang="zh-TW" sz="1600" dirty="0" smtClean="0"/>
+              <a:t>    // Logic</a:t>
+            </a:r>
           </a:p>
           <a:p>
             <a:endParaRPr lang="en-US" altLang="zh-TW" sz="1600" dirty="0"/>
@@ -30084,17 +29672,20 @@
             <a:endParaRPr lang="en-US" altLang="zh-TW" sz="1600" dirty="0"/>
           </a:p>
           <a:p>
-            <a:endParaRPr lang="en-US" altLang="zh-TW" sz="1600" dirty="0" smtClean="0"/>
-          </a:p>
-          <a:p>
-            <a:endParaRPr lang="en-US" altLang="zh-TW" sz="1600" dirty="0" smtClean="0"/>
-          </a:p>
-          <a:p>
-            <a:endParaRPr lang="en-US" altLang="zh-TW" sz="1600" dirty="0" smtClean="0"/>
-          </a:p>
-          <a:p>
-            <a:r>
-              <a:rPr lang="en-US" altLang="zh-TW" sz="1600" dirty="0" smtClean="0"/>
+            <a:endParaRPr lang="en-US" altLang="zh-TW" sz="1600" dirty="0"/>
+          </a:p>
+          <a:p>
+            <a:endParaRPr lang="en-US" altLang="zh-TW" sz="1600" dirty="0"/>
+          </a:p>
+          <a:p>
+            <a:endParaRPr lang="en-US" altLang="zh-TW" sz="1600" dirty="0"/>
+          </a:p>
+          <a:p>
+            <a:endParaRPr lang="en-US" altLang="zh-TW" sz="1600" dirty="0"/>
+          </a:p>
+          <a:p>
+            <a:r>
+              <a:rPr lang="en-US" altLang="zh-TW" sz="1600" dirty="0"/>
               <a:t>}</a:t>
             </a:r>
             <a:endParaRPr lang="zh-TW" altLang="en-US" sz="1600" dirty="0"/>
@@ -30159,7 +29750,7 @@
           <a:p>
             <a:pPr algn="ctr"/>
             <a:r>
-              <a:rPr lang="en-US" altLang="zh-TW" sz="2000" dirty="0" smtClean="0"/>
+              <a:rPr lang="en-US" altLang="zh-TW" sz="2000" dirty="0"/>
               <a:t>Response</a:t>
             </a:r>
             <a:endParaRPr lang="zh-TW" altLang="en-US" sz="2000" dirty="0"/>
@@ -30201,7 +29792,7 @@
           <a:p>
             <a:pPr algn="ctr"/>
             <a:r>
-              <a:rPr lang="en-US" altLang="zh-TW" sz="2000" dirty="0" smtClean="0"/>
+              <a:rPr lang="en-US" altLang="zh-TW" sz="2000" dirty="0"/>
               <a:t>Request</a:t>
             </a:r>
             <a:endParaRPr lang="zh-TW" altLang="en-US" sz="2000" dirty="0"/>
@@ -30550,7 +30141,7 @@
           <a:lstStyle/>
           <a:p>
             <a:r>
-              <a:rPr lang="en-US" altLang="zh-TW" sz="10000" b="1" dirty="0" smtClean="0">
+              <a:rPr lang="en-US" altLang="zh-TW" sz="10000" b="1" dirty="0">
                 <a:solidFill>
                   <a:schemeClr val="tx1">
                     <a:alpha val="8000"/>
@@ -31139,38 +30730,22 @@
           <a:p>
             <a:r>
               <a:rPr lang="en-US" altLang="zh-TW" dirty="0"/>
-              <a:t>Application </a:t>
-            </a:r>
-            <a:r>
-              <a:rPr lang="en-US" altLang="zh-TW" dirty="0" smtClean="0"/>
-              <a:t>– Start</a:t>
+              <a:t>Application – Start</a:t>
             </a:r>
           </a:p>
           <a:p>
             <a:endParaRPr lang="en-US" altLang="zh-TW" dirty="0"/>
           </a:p>
           <a:p>
-            <a:endParaRPr lang="en-US" altLang="zh-TW" dirty="0" smtClean="0"/>
-          </a:p>
-          <a:p>
             <a:endParaRPr lang="en-US" altLang="zh-TW" dirty="0"/>
           </a:p>
           <a:p>
-            <a:endParaRPr lang="en-US" altLang="zh-TW" dirty="0" smtClean="0"/>
-          </a:p>
-          <a:p>
             <a:endParaRPr lang="en-US" altLang="zh-TW" dirty="0"/>
           </a:p>
           <a:p>
-            <a:endParaRPr lang="en-US" altLang="zh-TW" dirty="0" smtClean="0"/>
-          </a:p>
-          <a:p>
             <a:endParaRPr lang="en-US" altLang="zh-TW" dirty="0"/>
           </a:p>
           <a:p>
-            <a:endParaRPr lang="en-US" altLang="zh-TW" dirty="0" smtClean="0"/>
-          </a:p>
-          <a:p>
             <a:endParaRPr lang="en-US" altLang="zh-TW" dirty="0"/>
           </a:p>
           <a:p>
@@ -31180,15 +30755,22 @@
             <a:endParaRPr lang="en-US" altLang="zh-TW" dirty="0"/>
           </a:p>
           <a:p>
+            <a:endParaRPr lang="en-US" altLang="zh-TW" dirty="0"/>
+          </a:p>
+          <a:p>
+            <a:endParaRPr lang="en-US" altLang="zh-TW" dirty="0"/>
+          </a:p>
+          <a:p>
+            <a:endParaRPr lang="en-US" altLang="zh-TW" dirty="0"/>
+          </a:p>
+          <a:p>
+            <a:endParaRPr lang="en-US" altLang="zh-TW" dirty="0"/>
+          </a:p>
+          <a:p>
             <a:r>
               <a:rPr lang="en-US" altLang="zh-TW" dirty="0"/>
-              <a:t>Application – </a:t>
-            </a:r>
-            <a:r>
-              <a:rPr lang="en-US" altLang="zh-TW" dirty="0" smtClean="0"/>
-              <a:t>End</a:t>
-            </a:r>
-            <a:endParaRPr lang="en-US" altLang="zh-TW" dirty="0"/>
+              <a:t>Application – End</a:t>
+            </a:r>
           </a:p>
         </p:txBody>
       </p:sp>
@@ -31214,7 +30796,7 @@
           <a:lstStyle/>
           <a:p>
             <a:r>
-              <a:rPr lang="en-US" altLang="zh-TW" b="1" dirty="0" smtClean="0"/>
+              <a:rPr lang="en-US" altLang="zh-TW" b="1" dirty="0"/>
               <a:t>Program</a:t>
             </a:r>
             <a:endParaRPr lang="zh-TW" altLang="en-US" b="1" dirty="0"/>
@@ -31243,7 +30825,7 @@
           <a:lstStyle/>
           <a:p>
             <a:r>
-              <a:rPr lang="en-US" altLang="zh-TW" b="1" dirty="0" smtClean="0"/>
+              <a:rPr lang="en-US" altLang="zh-TW" b="1" dirty="0"/>
               <a:t>Startup</a:t>
             </a:r>
             <a:endParaRPr lang="zh-TW" altLang="en-US" b="1" dirty="0"/>
@@ -31357,10 +30939,10 @@
           <a:lstStyle/>
           <a:p>
             <a:r>
-              <a:rPr lang="en-US" altLang="zh-TW" dirty="0" err="1" smtClean="0"/>
+              <a:rPr lang="en-US" altLang="zh-TW" dirty="0" err="1"/>
               <a:t>ConfigureServices</a:t>
             </a:r>
-            <a:endParaRPr lang="en-US" altLang="zh-TW" dirty="0" smtClean="0"/>
+            <a:endParaRPr lang="en-US" altLang="zh-TW" dirty="0"/>
           </a:p>
           <a:p>
             <a:r>
@@ -31405,39 +30987,39 @@
           <a:p>
             <a:pPr marL="72000"/>
             <a:r>
-              <a:rPr lang="en-US" altLang="zh-TW" dirty="0" smtClean="0"/>
+              <a:rPr lang="en-US" altLang="zh-TW" dirty="0"/>
               <a:t>Started</a:t>
             </a:r>
           </a:p>
           <a:p>
             <a:pPr marL="72000"/>
             <a:r>
-              <a:rPr lang="en-US" altLang="zh-TW" dirty="0" smtClean="0"/>
+              <a:rPr lang="en-US" altLang="zh-TW" dirty="0"/>
               <a:t>…</a:t>
             </a:r>
           </a:p>
           <a:p>
             <a:pPr marL="72000"/>
             <a:r>
-              <a:rPr lang="en-US" altLang="zh-TW" dirty="0" err="1" smtClean="0"/>
+              <a:rPr lang="en-US" altLang="zh-TW" dirty="0" err="1"/>
               <a:t>Stoping</a:t>
             </a:r>
-            <a:endParaRPr lang="en-US" altLang="zh-TW" dirty="0" smtClean="0"/>
+            <a:endParaRPr lang="en-US" altLang="zh-TW" dirty="0"/>
           </a:p>
           <a:p>
             <a:pPr marL="72000"/>
             <a:r>
-              <a:rPr lang="en-US" altLang="zh-TW" dirty="0" smtClean="0"/>
+              <a:rPr lang="en-US" altLang="zh-TW" dirty="0"/>
               <a:t>…</a:t>
             </a:r>
+          </a:p>
+          <a:p>
+            <a:pPr marL="72000"/>
+            <a:r>
+              <a:rPr lang="en" altLang="zh-TW"/>
+              <a:t>Stopped</a:t>
+            </a:r>
             <a:endParaRPr lang="en-US" altLang="zh-TW" dirty="0"/>
-          </a:p>
-          <a:p>
-            <a:pPr marL="72000"/>
-            <a:r>
-              <a:rPr lang="en-US" altLang="zh-TW" dirty="0" smtClean="0"/>
-              <a:t>Started</a:t>
-            </a:r>
           </a:p>
         </p:txBody>
       </p:sp>
@@ -31636,13 +31218,6 @@
   <p:clrMapOvr>
     <a:masterClrMapping/>
   </p:clrMapOvr>
-  <p:timing>
-    <p:tnLst>
-      <p:par>
-        <p:cTn id="1" dur="indefinite" restart="never" nodeType="tmRoot"/>
-      </p:par>
-    </p:tnLst>
-  </p:timing>
 </p:sld>
 </file>
 
@@ -31738,7 +31313,7 @@
             <a:p>
               <a:pPr algn="ctr"/>
               <a:r>
-                <a:rPr lang="en-US" altLang="zh-TW" dirty="0" smtClean="0">
+                <a:rPr lang="en-US" altLang="zh-TW" dirty="0">
                   <a:solidFill>
                     <a:schemeClr val="bg1"/>
                   </a:solidFill>
@@ -31836,16 +31411,11 @@
                 </a:rPr>
                 <a:t>Third</a:t>
               </a:r>
-              <a:endParaRPr lang="en-US" altLang="zh-TW" dirty="0" smtClean="0">
-                <a:solidFill>
-                  <a:schemeClr val="bg1"/>
-                </a:solidFill>
-              </a:endParaRPr>
             </a:p>
             <a:p>
               <a:pPr algn="ctr"/>
               <a:r>
-                <a:rPr lang="en-US" altLang="zh-TW" dirty="0" smtClean="0">
+                <a:rPr lang="en-US" altLang="zh-TW" dirty="0">
                   <a:solidFill>
                     <a:schemeClr val="bg1"/>
                   </a:solidFill>
@@ -31943,16 +31513,11 @@
                 </a:rPr>
                 <a:t>Second</a:t>
               </a:r>
-              <a:endParaRPr lang="en-US" altLang="zh-TW" dirty="0" smtClean="0">
-                <a:solidFill>
-                  <a:schemeClr val="bg1"/>
-                </a:solidFill>
-              </a:endParaRPr>
             </a:p>
             <a:p>
               <a:pPr algn="ctr"/>
               <a:r>
-                <a:rPr lang="en-US" altLang="zh-TW" dirty="0" smtClean="0">
+                <a:rPr lang="en-US" altLang="zh-TW" dirty="0">
                   <a:solidFill>
                     <a:schemeClr val="bg1"/>
                   </a:solidFill>
@@ -32043,7 +31608,7 @@
             <a:p>
               <a:pPr algn="ctr"/>
               <a:r>
-                <a:rPr lang="en-US" altLang="zh-TW" dirty="0" smtClean="0">
+                <a:rPr lang="en-US" altLang="zh-TW" dirty="0">
                   <a:solidFill>
                     <a:schemeClr val="bg1"/>
                   </a:solidFill>
@@ -32054,7 +31619,7 @@
             <a:p>
               <a:pPr algn="ctr"/>
               <a:r>
-                <a:rPr lang="en-US" altLang="zh-TW" dirty="0" smtClean="0">
+                <a:rPr lang="en-US" altLang="zh-TW" dirty="0">
                   <a:solidFill>
                     <a:schemeClr val="bg1"/>
                   </a:solidFill>
@@ -32507,7 +32072,7 @@
             <a:p>
               <a:pPr algn="ctr"/>
               <a:r>
-                <a:rPr lang="en-US" altLang="zh-TW" dirty="0" smtClean="0">
+                <a:rPr lang="en-US" altLang="zh-TW" dirty="0">
                   <a:solidFill>
                     <a:schemeClr val="bg1"/>
                   </a:solidFill>
@@ -32605,16 +32170,11 @@
                 </a:rPr>
                 <a:t>Third</a:t>
               </a:r>
-              <a:endParaRPr lang="en-US" altLang="zh-TW" dirty="0" smtClean="0">
-                <a:solidFill>
-                  <a:schemeClr val="bg1"/>
-                </a:solidFill>
-              </a:endParaRPr>
             </a:p>
             <a:p>
               <a:pPr algn="ctr"/>
               <a:r>
-                <a:rPr lang="en-US" altLang="zh-TW" dirty="0" smtClean="0">
+                <a:rPr lang="en-US" altLang="zh-TW" dirty="0">
                   <a:solidFill>
                     <a:schemeClr val="bg1"/>
                   </a:solidFill>
@@ -32712,16 +32272,11 @@
                 </a:rPr>
                 <a:t>Second</a:t>
               </a:r>
-              <a:endParaRPr lang="en-US" altLang="zh-TW" dirty="0" smtClean="0">
-                <a:solidFill>
-                  <a:schemeClr val="bg1"/>
-                </a:solidFill>
-              </a:endParaRPr>
             </a:p>
             <a:p>
               <a:pPr algn="ctr"/>
               <a:r>
-                <a:rPr lang="en-US" altLang="zh-TW" dirty="0" smtClean="0">
+                <a:rPr lang="en-US" altLang="zh-TW" dirty="0">
                   <a:solidFill>
                     <a:schemeClr val="bg1"/>
                   </a:solidFill>
@@ -32812,7 +32367,7 @@
             <a:p>
               <a:pPr algn="ctr"/>
               <a:r>
-                <a:rPr lang="en-US" altLang="zh-TW" dirty="0" smtClean="0">
+                <a:rPr lang="en-US" altLang="zh-TW" dirty="0">
                   <a:solidFill>
                     <a:schemeClr val="bg1"/>
                   </a:solidFill>
@@ -32823,7 +32378,7 @@
             <a:p>
               <a:pPr algn="ctr"/>
               <a:r>
-                <a:rPr lang="en-US" altLang="zh-TW" dirty="0" smtClean="0">
+                <a:rPr lang="en-US" altLang="zh-TW" dirty="0">
                   <a:solidFill>
                     <a:schemeClr val="bg1"/>
                   </a:solidFill>
@@ -33107,13 +32662,6 @@
   <p:clrMapOvr>
     <a:masterClrMapping/>
   </p:clrMapOvr>
-  <p:timing>
-    <p:tnLst>
-      <p:par>
-        <p:cTn id="1" dur="indefinite" restart="never" nodeType="tmRoot"/>
-      </p:par>
-    </p:tnLst>
-  </p:timing>
 </p:sld>
 </file>
 
@@ -33249,7 +32797,7 @@
             <a:p>
               <a:pPr algn="ctr"/>
               <a:r>
-                <a:rPr lang="en-US" altLang="zh-TW" dirty="0" smtClean="0">
+                <a:rPr lang="en-US" altLang="zh-TW" dirty="0">
                   <a:solidFill>
                     <a:schemeClr val="bg1"/>
                   </a:solidFill>
@@ -33340,7 +32888,7 @@
             <a:p>
               <a:pPr algn="ctr"/>
               <a:r>
-                <a:rPr lang="en-US" altLang="zh-TW" dirty="0" smtClean="0">
+                <a:rPr lang="en-US" altLang="zh-TW" dirty="0">
                   <a:solidFill>
                     <a:schemeClr val="bg1"/>
                   </a:solidFill>
@@ -33348,7 +32896,7 @@
                 <a:t>Static</a:t>
               </a:r>
               <a:r>
-                <a:rPr lang="zh-TW" altLang="en-US" dirty="0" smtClean="0">
+                <a:rPr lang="zh-TW" altLang="en-US" dirty="0">
                   <a:solidFill>
                     <a:schemeClr val="bg1"/>
                   </a:solidFill>
@@ -33356,7 +32904,7 @@
                 <a:t> </a:t>
               </a:r>
               <a:r>
-                <a:rPr lang="en-US" altLang="zh-TW" dirty="0" smtClean="0">
+                <a:rPr lang="en-US" altLang="zh-TW" dirty="0">
                   <a:solidFill>
                     <a:schemeClr val="bg1"/>
                   </a:solidFill>
@@ -33367,7 +32915,7 @@
             <a:p>
               <a:pPr algn="ctr"/>
               <a:r>
-                <a:rPr lang="en-US" altLang="zh-TW" dirty="0" smtClean="0">
+                <a:rPr lang="en-US" altLang="zh-TW" dirty="0">
                   <a:solidFill>
                     <a:schemeClr val="bg1"/>
                   </a:solidFill>
@@ -33458,7 +33006,7 @@
             <a:p>
               <a:pPr algn="ctr"/>
               <a:r>
-                <a:rPr lang="en-US" altLang="zh-TW" dirty="0" smtClean="0">
+                <a:rPr lang="en-US" altLang="zh-TW" dirty="0">
                   <a:solidFill>
                     <a:schemeClr val="bg1"/>
                   </a:solidFill>
@@ -33549,18 +33097,13 @@
             <a:p>
               <a:pPr algn="ctr"/>
               <a:r>
-                <a:rPr lang="en-US" altLang="zh-TW" dirty="0" smtClean="0">
+                <a:rPr lang="en-US" altLang="zh-TW" dirty="0">
                   <a:solidFill>
                     <a:schemeClr val="bg1"/>
                   </a:solidFill>
                 </a:rPr>
                 <a:t>Other</a:t>
               </a:r>
-              <a:endParaRPr lang="en-US" altLang="zh-TW" dirty="0">
-                <a:solidFill>
-                  <a:schemeClr val="bg1"/>
-                </a:solidFill>
-              </a:endParaRPr>
             </a:p>
             <a:p>
               <a:pPr algn="ctr"/>
@@ -33978,7 +33521,7 @@
           <a:p>
             <a:pPr algn="ctr"/>
             <a:r>
-              <a:rPr lang="en-US" altLang="zh-TW" dirty="0" smtClean="0"/>
+              <a:rPr lang="en-US" altLang="zh-TW" dirty="0"/>
               <a:t>Model</a:t>
             </a:r>
             <a:endParaRPr lang="zh-TW" altLang="en-US" dirty="0"/>
@@ -34020,7 +33563,7 @@
           <a:p>
             <a:pPr algn="ctr"/>
             <a:r>
-              <a:rPr lang="en-US" altLang="zh-TW" dirty="0" smtClean="0"/>
+              <a:rPr lang="en-US" altLang="zh-TW" dirty="0"/>
               <a:t>View</a:t>
             </a:r>
             <a:endParaRPr lang="zh-TW" altLang="en-US" dirty="0"/>
@@ -34062,7 +33605,7 @@
           <a:p>
             <a:pPr algn="ctr"/>
             <a:r>
-              <a:rPr lang="en-US" altLang="zh-TW" dirty="0" smtClean="0"/>
+              <a:rPr lang="en-US" altLang="zh-TW" dirty="0"/>
               <a:t>Controller</a:t>
             </a:r>
             <a:endParaRPr lang="zh-TW" altLang="en-US" dirty="0"/>
@@ -34302,20 +33845,12 @@
             <a:p>
               <a:pPr algn="ctr"/>
               <a:r>
-                <a:rPr lang="en-US" altLang="zh-TW" dirty="0" smtClean="0">
+                <a:rPr lang="en-US" altLang="zh-TW" dirty="0">
                   <a:solidFill>
                     <a:schemeClr val="bg1"/>
                   </a:solidFill>
                 </a:rPr>
                 <a:t>Router</a:t>
-              </a:r>
-              <a:r>
-                <a:rPr lang="en-US" altLang="zh-TW" dirty="0">
-                  <a:solidFill>
-                    <a:schemeClr val="bg1"/>
-                  </a:solidFill>
-                </a:rPr>
-                <a:t/>
               </a:r>
               <a:br>
                 <a:rPr lang="en-US" altLang="zh-TW" dirty="0">
@@ -34325,7 +33860,7 @@
                 </a:rPr>
               </a:br>
               <a:r>
-                <a:rPr lang="en-US" altLang="zh-TW" dirty="0" smtClean="0">
+                <a:rPr lang="en-US" altLang="zh-TW" dirty="0">
                   <a:solidFill>
                     <a:schemeClr val="bg1"/>
                   </a:solidFill>
@@ -34416,7 +33951,7 @@
             <a:p>
               <a:pPr algn="ctr"/>
               <a:r>
-                <a:rPr lang="en-US" altLang="zh-TW" dirty="0" smtClean="0">
+                <a:rPr lang="en-US" altLang="zh-TW" dirty="0">
                   <a:solidFill>
                     <a:schemeClr val="bg1"/>
                   </a:solidFill>
@@ -34677,7 +34212,7 @@
           <a:p>
             <a:pPr algn="ctr"/>
             <a:r>
-              <a:rPr lang="en-US" altLang="zh-TW" dirty="0" smtClean="0"/>
+              <a:rPr lang="en-US" altLang="zh-TW" dirty="0"/>
               <a:t>Model</a:t>
             </a:r>
             <a:endParaRPr lang="zh-TW" altLang="en-US" dirty="0"/>
@@ -35554,20 +35089,12 @@
             <a:p>
               <a:pPr algn="ctr"/>
               <a:r>
-                <a:rPr lang="en-US" altLang="zh-TW" dirty="0" smtClean="0">
+                <a:rPr lang="en-US" altLang="zh-TW" dirty="0">
                   <a:solidFill>
                     <a:schemeClr val="bg1"/>
                   </a:solidFill>
                 </a:rPr>
                 <a:t>Router</a:t>
-              </a:r>
-              <a:r>
-                <a:rPr lang="en-US" altLang="zh-TW" dirty="0">
-                  <a:solidFill>
-                    <a:schemeClr val="bg1"/>
-                  </a:solidFill>
-                </a:rPr>
-                <a:t/>
               </a:r>
               <a:br>
                 <a:rPr lang="en-US" altLang="zh-TW" dirty="0">
@@ -35577,7 +35104,7 @@
                 </a:rPr>
               </a:br>
               <a:r>
-                <a:rPr lang="en-US" altLang="zh-TW" dirty="0" smtClean="0">
+                <a:rPr lang="en-US" altLang="zh-TW" dirty="0">
                   <a:solidFill>
                     <a:schemeClr val="bg1"/>
                   </a:solidFill>
@@ -35668,7 +35195,7 @@
             <a:p>
               <a:pPr algn="ctr"/>
               <a:r>
-                <a:rPr lang="en-US" altLang="zh-TW" dirty="0" smtClean="0">
+                <a:rPr lang="en-US" altLang="zh-TW" dirty="0">
                   <a:solidFill>
                     <a:schemeClr val="bg1"/>
                   </a:solidFill>
@@ -35929,7 +35456,7 @@
           <a:p>
             <a:pPr algn="ctr"/>
             <a:r>
-              <a:rPr lang="en-US" altLang="zh-TW" dirty="0" smtClean="0"/>
+              <a:rPr lang="en-US" altLang="zh-TW" dirty="0"/>
               <a:t>Model</a:t>
             </a:r>
             <a:endParaRPr lang="zh-TW" altLang="en-US" dirty="0"/>
@@ -36123,14 +35650,14 @@
           <a:p>
             <a:pPr algn="ctr"/>
             <a:r>
-              <a:rPr lang="en-US" altLang="zh-TW" dirty="0" smtClean="0"/>
+              <a:rPr lang="en-US" altLang="zh-TW" dirty="0"/>
               <a:t>Route</a:t>
             </a:r>
           </a:p>
           <a:p>
             <a:pPr algn="ctr"/>
             <a:r>
-              <a:rPr lang="en-US" altLang="zh-TW" dirty="0" smtClean="0"/>
+              <a:rPr lang="en-US" altLang="zh-TW" dirty="0"/>
               <a:t>Attribute</a:t>
             </a:r>
             <a:endParaRPr lang="zh-TW" altLang="en-US" dirty="0"/>
@@ -36172,17 +35699,16 @@
           <a:p>
             <a:pPr algn="ctr"/>
             <a:r>
-              <a:rPr lang="en-US" altLang="zh-TW" dirty="0" smtClean="0"/>
+              <a:rPr lang="en-US" altLang="zh-TW" dirty="0"/>
               <a:t>Map</a:t>
             </a:r>
           </a:p>
           <a:p>
             <a:pPr algn="ctr"/>
             <a:r>
-              <a:rPr lang="en-US" altLang="zh-TW" dirty="0" smtClean="0"/>
+              <a:rPr lang="en-US" altLang="zh-TW" dirty="0"/>
               <a:t>Route</a:t>
             </a:r>
-            <a:endParaRPr lang="en-US" altLang="zh-TW" dirty="0"/>
           </a:p>
         </p:txBody>
       </p:sp>
@@ -36300,7 +35826,7 @@
             <a:p>
               <a:pPr algn="ctr"/>
               <a:r>
-                <a:rPr lang="en-US" altLang="zh-TW" dirty="0" smtClean="0">
+                <a:rPr lang="en-US" altLang="zh-TW" dirty="0">
                   <a:solidFill>
                     <a:schemeClr val="bg1"/>
                   </a:solidFill>
@@ -36433,7 +35959,7 @@
             <a:p>
               <a:pPr algn="ctr"/>
               <a:r>
-                <a:rPr lang="en-US" altLang="zh-TW" dirty="0" smtClean="0">
+                <a:rPr lang="en-US" altLang="zh-TW" dirty="0">
                   <a:solidFill>
                     <a:schemeClr val="bg1"/>
                   </a:solidFill>
@@ -37152,7 +36678,7 @@
           <a:p>
             <a:pPr algn="ctr"/>
             <a:r>
-              <a:rPr lang="en-US" altLang="zh-TW" sz="1600" b="1" dirty="0" smtClean="0"/>
+              <a:rPr lang="en-US" altLang="zh-TW" sz="1600" b="1" dirty="0"/>
               <a:t>Action</a:t>
             </a:r>
             <a:endParaRPr lang="zh-TW" altLang="en-US" sz="1600" b="1" dirty="0"/>
@@ -37194,7 +36720,7 @@
           <a:p>
             <a:pPr algn="ctr"/>
             <a:r>
-              <a:rPr lang="en-US" altLang="zh-TW" sz="1600" b="1" dirty="0" smtClean="0"/>
+              <a:rPr lang="en-US" altLang="zh-TW" sz="1600" b="1" dirty="0"/>
               <a:t>Middleware</a:t>
             </a:r>
             <a:endParaRPr lang="zh-TW" altLang="en-US" sz="1600" b="1" dirty="0"/>
@@ -37237,11 +36763,7 @@
             <a:pPr algn="ctr"/>
             <a:r>
               <a:rPr lang="en-US" altLang="zh-TW" sz="1600" b="1" dirty="0"/>
-              <a:t>Authorization </a:t>
-            </a:r>
-            <a:r>
-              <a:rPr lang="en-US" altLang="zh-TW" sz="1600" b="1" dirty="0" smtClean="0"/>
-              <a:t>Filters</a:t>
+              <a:t>Authorization Filters</a:t>
             </a:r>
             <a:endParaRPr lang="zh-TW" altLang="en-US" sz="1600" b="1" dirty="0"/>
           </a:p>
@@ -37282,7 +36804,7 @@
           <a:p>
             <a:pPr algn="ctr"/>
             <a:r>
-              <a:rPr lang="en-US" altLang="zh-TW" sz="1600" b="1" dirty="0" smtClean="0"/>
+              <a:rPr lang="en-US" altLang="zh-TW" sz="1600" b="1" dirty="0"/>
               <a:t>Resource Filters</a:t>
             </a:r>
             <a:endParaRPr lang="zh-TW" altLang="en-US" sz="1600" b="1" dirty="0"/>
@@ -37327,7 +36849,7 @@
           <a:p>
             <a:pPr algn="ctr"/>
             <a:r>
-              <a:rPr lang="en-US" altLang="zh-TW" sz="1600" b="1" dirty="0" smtClean="0"/>
+              <a:rPr lang="en-US" altLang="zh-TW" sz="1600" b="1" dirty="0"/>
               <a:t>Model Binding</a:t>
             </a:r>
             <a:endParaRPr lang="zh-TW" altLang="en-US" sz="1600" b="1" dirty="0"/>
@@ -37369,7 +36891,7 @@
           <a:p>
             <a:pPr algn="ctr"/>
             <a:r>
-              <a:rPr lang="en-US" altLang="zh-TW" sz="1600" b="1" dirty="0" smtClean="0"/>
+              <a:rPr lang="en-US" altLang="zh-TW" sz="1600" b="1" dirty="0"/>
               <a:t>Action Filters</a:t>
             </a:r>
             <a:endParaRPr lang="zh-TW" altLang="en-US" sz="1600" b="1" dirty="0"/>
@@ -37411,14 +36933,14 @@
           <a:p>
             <a:pPr algn="ctr"/>
             <a:r>
-              <a:rPr lang="en-US" altLang="zh-TW" sz="1600" b="1" dirty="0" smtClean="0"/>
+              <a:rPr lang="en-US" altLang="zh-TW" sz="1600" b="1" dirty="0"/>
               <a:t>Exception</a:t>
             </a:r>
             <a:br>
-              <a:rPr lang="en-US" altLang="zh-TW" sz="1600" b="1" dirty="0" smtClean="0"/>
+              <a:rPr lang="en-US" altLang="zh-TW" sz="1600" b="1" dirty="0"/>
             </a:br>
             <a:r>
-              <a:rPr lang="en-US" altLang="zh-TW" sz="1600" b="1" dirty="0" smtClean="0"/>
+              <a:rPr lang="en-US" altLang="zh-TW" sz="1600" b="1" dirty="0"/>
               <a:t>Filters</a:t>
             </a:r>
             <a:endParaRPr lang="zh-TW" altLang="en-US" sz="1600" b="1" dirty="0"/>
@@ -37460,7 +36982,7 @@
           <a:p>
             <a:pPr algn="ctr"/>
             <a:r>
-              <a:rPr lang="en-US" altLang="zh-TW" sz="1600" b="1" dirty="0" smtClean="0"/>
+              <a:rPr lang="en-US" altLang="zh-TW" sz="1600" b="1" dirty="0"/>
               <a:t>Result Filters</a:t>
             </a:r>
             <a:endParaRPr lang="zh-TW" altLang="en-US" sz="1600" b="1" dirty="0"/>
@@ -37502,7 +37024,7 @@
           <a:p>
             <a:pPr algn="ctr"/>
             <a:r>
-              <a:rPr lang="en-US" altLang="zh-TW" sz="1400" b="1" dirty="0" smtClean="0"/>
+              <a:rPr lang="en-US" altLang="zh-TW" sz="1400" b="1" dirty="0"/>
               <a:t>Request</a:t>
             </a:r>
             <a:endParaRPr lang="zh-TW" altLang="en-US" sz="1400" b="1" dirty="0"/>
@@ -37586,7 +37108,7 @@
           <a:p>
             <a:pPr algn="ctr"/>
             <a:r>
-              <a:rPr lang="en-US" altLang="zh-TW" sz="1400" b="1" dirty="0" smtClean="0"/>
+              <a:rPr lang="en-US" altLang="zh-TW" sz="1400" b="1" dirty="0"/>
               <a:t>Response</a:t>
             </a:r>
             <a:endParaRPr lang="zh-TW" altLang="en-US" sz="1400" b="1" dirty="0"/>
@@ -37704,14 +37226,14 @@
           <a:p>
             <a:pPr algn="ctr"/>
             <a:r>
-              <a:rPr lang="en-US" altLang="zh-TW" sz="1600" b="1" dirty="0" smtClean="0"/>
+              <a:rPr lang="en-US" altLang="zh-TW" sz="1600" b="1" dirty="0"/>
               <a:t>Throw</a:t>
             </a:r>
           </a:p>
           <a:p>
             <a:pPr algn="ctr"/>
             <a:r>
-              <a:rPr lang="en-US" altLang="zh-TW" sz="1600" b="1" dirty="0" smtClean="0"/>
+              <a:rPr lang="en-US" altLang="zh-TW" sz="1600" b="1" dirty="0"/>
               <a:t>Exception</a:t>
             </a:r>
             <a:endParaRPr lang="zh-TW" altLang="en-US" sz="1600" b="1" dirty="0"/>
@@ -38160,7 +37682,7 @@
           <a:lstStyle/>
           <a:p>
             <a:r>
-              <a:rPr lang="en-US" altLang="zh-TW" sz="6600" b="1" dirty="0" smtClean="0">
+              <a:rPr lang="en-US" altLang="zh-TW" sz="6600" b="1" dirty="0">
                 <a:solidFill>
                   <a:schemeClr val="tx1">
                     <a:alpha val="8000"/>
@@ -38191,13 +37713,6 @@
   <p:clrMapOvr>
     <a:masterClrMapping/>
   </p:clrMapOvr>
-  <p:timing>
-    <p:tnLst>
-      <p:par>
-        <p:cTn id="1" dur="indefinite" restart="never" nodeType="tmRoot"/>
-      </p:par>
-    </p:tnLst>
-  </p:timing>
 </p:sld>
 </file>
 
@@ -38424,7 +37939,7 @@
             <a:p>
               <a:pPr algn="ctr"/>
               <a:r>
-                <a:rPr lang="en-US" altLang="zh-TW" dirty="0" smtClean="0">
+                <a:rPr lang="en-US" altLang="zh-TW" dirty="0">
                   <a:solidFill>
                     <a:schemeClr val="bg1"/>
                   </a:solidFill>
@@ -38515,7 +38030,7 @@
             <a:p>
               <a:pPr algn="ctr"/>
               <a:r>
-                <a:rPr lang="en-US" altLang="zh-TW" dirty="0" smtClean="0">
+                <a:rPr lang="en-US" altLang="zh-TW" dirty="0">
                   <a:solidFill>
                     <a:schemeClr val="bg1"/>
                   </a:solidFill>
@@ -38769,13 +38284,6 @@
   <p:clrMapOvr>
     <a:masterClrMapping/>
   </p:clrMapOvr>
-  <p:timing>
-    <p:tnLst>
-      <p:par>
-        <p:cTn id="1" dur="indefinite" restart="never" nodeType="tmRoot"/>
-      </p:par>
-    </p:tnLst>
-  </p:timing>
 </p:sld>
 </file>
 
@@ -39607,12 +39115,6 @@
 </file>
 
 <file path=customXml/item1.xml><?xml version="1.0" encoding="utf-8"?>
-<p:properties xmlns:p="http://schemas.microsoft.com/office/2006/metadata/properties" xmlns:xsi="http://www.w3.org/2001/XMLSchema-instance">
-  <documentManagement/>
-</p:properties>
-</file>
-
-<file path=customXml/item2.xml><?xml version="1.0" encoding="utf-8"?>
 <ct:contentTypeSchema xmlns:ct="http://schemas.microsoft.com/office/2006/metadata/contentType" xmlns:ma="http://schemas.microsoft.com/office/2006/metadata/properties/metaAttributes" ct:_="" ma:_="" ma:contentTypeName="Document" ma:contentTypeID="0x0101000AA0115B54226D469CC0FAAE38E5F61C" ma:contentTypeVersion="3" ma:contentTypeDescription="Create a new document." ma:contentTypeScope="" ma:versionID="0ae424bb0065d3a2a055b165aca25ec5">
   <xsd:schema xmlns:xsd="http://www.w3.org/2001/XMLSchema" xmlns:p="http://schemas.microsoft.com/office/2006/metadata/properties" targetNamespace="http://schemas.microsoft.com/office/2006/metadata/properties" ma:root="true" ma:fieldsID="4aeb20c0e3442673af7ee10786458764">
     <xsd:element name="properties">
@@ -39661,6 +39163,12 @@
 </ct:contentTypeSchema>
 </file>
 
+<file path=customXml/item2.xml><?xml version="1.0" encoding="utf-8"?>
+<p:properties xmlns:p="http://schemas.microsoft.com/office/2006/metadata/properties" xmlns:xsi="http://www.w3.org/2001/XMLSchema-instance">
+  <documentManagement/>
+</p:properties>
+</file>
+
 <file path=customXml/item3.xml><?xml version="1.0" encoding="utf-8"?>
 <?mso-contentType ?>
 <FormTemplates xmlns="http://schemas.microsoft.com/sharepoint/v3/contenttype/forms">
@@ -39671,20 +39179,6 @@
 </file>
 
 <file path=customXml/itemProps1.xml><?xml version="1.0" encoding="utf-8"?>
-<ds:datastoreItem xmlns:ds="http://schemas.openxmlformats.org/officeDocument/2006/customXml" ds:itemID="{892A9AA9-F261-48C5-9DFB-0929A9F0E540}">
-  <ds:schemaRefs>
-    <ds:schemaRef ds:uri="http://purl.org/dc/dcmitype/"/>
-    <ds:schemaRef ds:uri="http://schemas.microsoft.com/office/2006/documentManagement/types"/>
-    <ds:schemaRef ds:uri="http://schemas.microsoft.com/office/2006/metadata/properties"/>
-    <ds:schemaRef ds:uri="http://purl.org/dc/elements/1.1/"/>
-    <ds:schemaRef ds:uri="http://www.w3.org/XML/1998/namespace"/>
-    <ds:schemaRef ds:uri="http://purl.org/dc/terms/"/>
-    <ds:schemaRef ds:uri="http://schemas.openxmlformats.org/package/2006/metadata/core-properties"/>
-  </ds:schemaRefs>
-</ds:datastoreItem>
-</file>
-
-<file path=customXml/itemProps2.xml><?xml version="1.0" encoding="utf-8"?>
 <ds:datastoreItem xmlns:ds="http://schemas.openxmlformats.org/officeDocument/2006/customXml" ds:itemID="{FE6BB287-9CB7-4AA6-A5A5-8D1CE03643F3}">
   <ds:schemaRefs>
     <ds:schemaRef ds:uri="http://schemas.microsoft.com/office/2006/metadata/contentType"/>
@@ -39699,6 +39193,20 @@
 </ds:datastoreItem>
 </file>
 
+<file path=customXml/itemProps2.xml><?xml version="1.0" encoding="utf-8"?>
+<ds:datastoreItem xmlns:ds="http://schemas.openxmlformats.org/officeDocument/2006/customXml" ds:itemID="{892A9AA9-F261-48C5-9DFB-0929A9F0E540}">
+  <ds:schemaRefs>
+    <ds:schemaRef ds:uri="http://purl.org/dc/dcmitype/"/>
+    <ds:schemaRef ds:uri="http://schemas.microsoft.com/office/2006/documentManagement/types"/>
+    <ds:schemaRef ds:uri="http://schemas.microsoft.com/office/2006/metadata/properties"/>
+    <ds:schemaRef ds:uri="http://purl.org/dc/elements/1.1/"/>
+    <ds:schemaRef ds:uri="http://www.w3.org/XML/1998/namespace"/>
+    <ds:schemaRef ds:uri="http://purl.org/dc/terms/"/>
+    <ds:schemaRef ds:uri="http://schemas.openxmlformats.org/package/2006/metadata/core-properties"/>
+  </ds:schemaRefs>
+</ds:datastoreItem>
+</file>
+
 <file path=customXml/itemProps3.xml><?xml version="1.0" encoding="utf-8"?>
 <ds:datastoreItem xmlns:ds="http://schemas.openxmlformats.org/officeDocument/2006/customXml" ds:itemID="{A1770BF7-49D5-46D6-8B76-1D8AF290B450}">
   <ds:schemaRefs>

--- a/source/_assets/ironman.pptx
+++ b/source/_assets/ironman.pptx
@@ -254,7 +254,7 @@
             <a:fld id="{3CDD3A71-4C75-488C-A8F3-A1F163ED0DB9}" type="datetimeFigureOut">
               <a:rPr lang="en-US" smtClean="0"/>
               <a:pPr/>
-              <a:t>10/25/2019</a:t>
+              <a:t>10/28/2019</a:t>
             </a:fld>
             <a:endParaRPr lang="en-US" dirty="0"/>
           </a:p>
@@ -422,7 +422,7 @@
             <a:fld id="{523CC419-8FB3-4D1C-8127-E63C1A13459D}" type="datetimeFigureOut">
               <a:rPr lang="en-US" smtClean="0"/>
               <a:pPr/>
-              <a:t>10/25/2019</a:t>
+              <a:t>10/28/2019</a:t>
             </a:fld>
             <a:endParaRPr lang="en-US" dirty="0"/>
           </a:p>
@@ -824,7 +824,7 @@
           <a:p>
             <a:fld id="{237FF733-248C-4CF7-A090-89CF012E357B}" type="datetimeFigureOut">
               <a:rPr lang="zh-TW" altLang="en-US" smtClean="0"/>
-              <a:t>2019/10/25</a:t>
+              <a:t>2019/10/28</a:t>
             </a:fld>
             <a:endParaRPr lang="zh-TW" altLang="en-US"/>
           </a:p>
@@ -995,7 +995,7 @@
           <a:p>
             <a:fld id="{237FF733-248C-4CF7-A090-89CF012E357B}" type="datetimeFigureOut">
               <a:rPr lang="zh-TW" altLang="en-US" smtClean="0"/>
-              <a:t>2019/10/25</a:t>
+              <a:t>2019/10/28</a:t>
             </a:fld>
             <a:endParaRPr lang="zh-TW" altLang="en-US"/>
           </a:p>
@@ -1176,7 +1176,7 @@
           <a:p>
             <a:fld id="{237FF733-248C-4CF7-A090-89CF012E357B}" type="datetimeFigureOut">
               <a:rPr lang="zh-TW" altLang="en-US" smtClean="0"/>
-              <a:t>2019/10/25</a:t>
+              <a:t>2019/10/28</a:t>
             </a:fld>
             <a:endParaRPr lang="zh-TW" altLang="en-US"/>
           </a:p>
@@ -1347,7 +1347,7 @@
           <a:p>
             <a:fld id="{237FF733-248C-4CF7-A090-89CF012E357B}" type="datetimeFigureOut">
               <a:rPr lang="zh-TW" altLang="en-US" smtClean="0"/>
-              <a:t>2019/10/25</a:t>
+              <a:t>2019/10/28</a:t>
             </a:fld>
             <a:endParaRPr lang="zh-TW" altLang="en-US"/>
           </a:p>
@@ -1594,7 +1594,7 @@
           <a:p>
             <a:fld id="{237FF733-248C-4CF7-A090-89CF012E357B}" type="datetimeFigureOut">
               <a:rPr lang="zh-TW" altLang="en-US" smtClean="0"/>
-              <a:t>2019/10/25</a:t>
+              <a:t>2019/10/28</a:t>
             </a:fld>
             <a:endParaRPr lang="zh-TW" altLang="en-US"/>
           </a:p>
@@ -1827,7 +1827,7 @@
           <a:p>
             <a:fld id="{237FF733-248C-4CF7-A090-89CF012E357B}" type="datetimeFigureOut">
               <a:rPr lang="zh-TW" altLang="en-US" smtClean="0"/>
-              <a:t>2019/10/25</a:t>
+              <a:t>2019/10/28</a:t>
             </a:fld>
             <a:endParaRPr lang="zh-TW" altLang="en-US"/>
           </a:p>
@@ -2195,7 +2195,7 @@
           <a:p>
             <a:fld id="{237FF733-248C-4CF7-A090-89CF012E357B}" type="datetimeFigureOut">
               <a:rPr lang="zh-TW" altLang="en-US" smtClean="0"/>
-              <a:t>2019/10/25</a:t>
+              <a:t>2019/10/28</a:t>
             </a:fld>
             <a:endParaRPr lang="zh-TW" altLang="en-US"/>
           </a:p>
@@ -2314,7 +2314,7 @@
           <a:p>
             <a:fld id="{237FF733-248C-4CF7-A090-89CF012E357B}" type="datetimeFigureOut">
               <a:rPr lang="zh-TW" altLang="en-US" smtClean="0"/>
-              <a:t>2019/10/25</a:t>
+              <a:t>2019/10/28</a:t>
             </a:fld>
             <a:endParaRPr lang="zh-TW" altLang="en-US"/>
           </a:p>
@@ -2410,7 +2410,7 @@
           <a:p>
             <a:fld id="{237FF733-248C-4CF7-A090-89CF012E357B}" type="datetimeFigureOut">
               <a:rPr lang="zh-TW" altLang="en-US" smtClean="0"/>
-              <a:t>2019/10/25</a:t>
+              <a:t>2019/10/28</a:t>
             </a:fld>
             <a:endParaRPr lang="zh-TW" altLang="en-US"/>
           </a:p>
@@ -2688,7 +2688,7 @@
           <a:p>
             <a:fld id="{237FF733-248C-4CF7-A090-89CF012E357B}" type="datetimeFigureOut">
               <a:rPr lang="zh-TW" altLang="en-US" smtClean="0"/>
-              <a:t>2019/10/25</a:t>
+              <a:t>2019/10/28</a:t>
             </a:fld>
             <a:endParaRPr lang="zh-TW" altLang="en-US"/>
           </a:p>
@@ -2946,7 +2946,7 @@
           <a:p>
             <a:fld id="{237FF733-248C-4CF7-A090-89CF012E357B}" type="datetimeFigureOut">
               <a:rPr lang="zh-TW" altLang="en-US" smtClean="0"/>
-              <a:t>2019/10/25</a:t>
+              <a:t>2019/10/28</a:t>
             </a:fld>
             <a:endParaRPr lang="zh-TW" altLang="en-US"/>
           </a:p>
@@ -3160,7 +3160,7 @@
           <a:p>
             <a:fld id="{237FF733-248C-4CF7-A090-89CF012E357B}" type="datetimeFigureOut">
               <a:rPr lang="zh-TW" altLang="en-US" smtClean="0"/>
-              <a:t>2019/10/25</a:t>
+              <a:t>2019/10/28</a:t>
             </a:fld>
             <a:endParaRPr lang="zh-TW" altLang="en-US"/>
           </a:p>
@@ -8075,7 +8075,7 @@
         </p:blipFill>
         <p:spPr>
           <a:xfrm>
-            <a:off x="4075649" y="3084501"/>
+            <a:off x="4206584" y="3090642"/>
             <a:ext cx="630000" cy="720000"/>
           </a:xfrm>
           <a:prstGeom prst="rect">
@@ -8529,8 +8529,8 @@
         </p:nvSpPr>
         <p:spPr>
           <a:xfrm>
-            <a:off x="3893398" y="3767358"/>
-            <a:ext cx="986489" cy="276999"/>
+            <a:off x="3794653" y="3767358"/>
+            <a:ext cx="1438857" cy="276999"/>
           </a:xfrm>
           <a:prstGeom prst="rect">
             <a:avLst/>
@@ -8541,7 +8541,7 @@
           </a:ln>
         </p:spPr>
         <p:txBody>
-          <a:bodyPr wrap="none">
+          <a:bodyPr wrap="square">
             <a:spAutoFit/>
           </a:bodyPr>
           <a:lstStyle/>
@@ -8551,7 +8551,7 @@
               <a:rPr lang="en-US" altLang="zh-TW" sz="1200" b="1" dirty="0">
                 <a:ea typeface="微軟正黑體" panose="020B0604030504040204" pitchFamily="34" charset="-120"/>
               </a:rPr>
-              <a:t>DI</a:t>
+              <a:t>Service</a:t>
             </a:r>
             <a:r>
               <a:rPr lang="zh-TW" altLang="en-US" sz="1200" b="1" dirty="0">
@@ -8563,7 +8563,7 @@
               <a:rPr lang="en-US" altLang="zh-TW" sz="1200" b="1" dirty="0">
                 <a:ea typeface="微軟正黑體" panose="020B0604030504040204" pitchFamily="34" charset="-120"/>
               </a:rPr>
-              <a:t>Container</a:t>
+              <a:t>Provider</a:t>
             </a:r>
             <a:endParaRPr lang="zh-TW" altLang="en-US" sz="1200" b="1" dirty="0">
               <a:ea typeface="微軟正黑體" panose="020B0604030504040204" pitchFamily="34" charset="-120"/>
@@ -8616,7 +8616,7 @@
         </p:nvCxnSpPr>
         <p:spPr>
           <a:xfrm flipV="1">
-            <a:off x="4705649" y="2167670"/>
+            <a:off x="4836584" y="2173811"/>
             <a:ext cx="527862" cy="1276831"/>
           </a:xfrm>
           <a:prstGeom prst="bentConnector3">
@@ -8653,7 +8653,7 @@
         </p:nvSpPr>
         <p:spPr>
           <a:xfrm>
-            <a:off x="4116966" y="2349086"/>
+            <a:off x="4044693" y="2716935"/>
             <a:ext cx="872355" cy="276999"/>
           </a:xfrm>
           <a:prstGeom prst="rect">
@@ -8739,7 +8739,7 @@
         </p:nvSpPr>
         <p:spPr>
           <a:xfrm>
-            <a:off x="3962400" y="2371367"/>
+            <a:off x="4851132" y="2698540"/>
             <a:ext cx="213212" cy="213212"/>
           </a:xfrm>
           <a:prstGeom prst="ellipse">
@@ -11444,8 +11444,8 @@
         </p:nvSpPr>
         <p:spPr>
           <a:xfrm>
-            <a:off x="6669452" y="956709"/>
-            <a:ext cx="1379352" cy="369332"/>
+            <a:off x="6492481" y="956709"/>
+            <a:ext cx="1733295" cy="369332"/>
           </a:xfrm>
           <a:prstGeom prst="rect">
             <a:avLst/>
@@ -11463,18 +11463,26 @@
           <a:p>
             <a:pPr algn="ctr"/>
             <a:r>
-              <a:rPr lang="en-US" altLang="zh-TW" b="1" dirty="0"/>
-              <a:t>DI</a:t>
-            </a:r>
-            <a:r>
-              <a:rPr lang="zh-TW" altLang="en-US" b="1" dirty="0"/>
+              <a:rPr lang="en-US" altLang="zh-TW" b="1" dirty="0">
+                <a:ea typeface="微軟正黑體" panose="020B0604030504040204" pitchFamily="34" charset="-120"/>
+              </a:rPr>
+              <a:t>Service</a:t>
+            </a:r>
+            <a:r>
+              <a:rPr lang="zh-TW" altLang="en-US" b="1" dirty="0">
+                <a:ea typeface="微軟正黑體" panose="020B0604030504040204" pitchFamily="34" charset="-120"/>
+              </a:rPr>
               <a:t> </a:t>
             </a:r>
             <a:r>
-              <a:rPr lang="en-US" altLang="zh-TW" b="1" dirty="0"/>
-              <a:t>Container</a:t>
-            </a:r>
-            <a:endParaRPr lang="zh-TW" altLang="en-US" b="1" dirty="0"/>
+              <a:rPr lang="en-US" altLang="zh-TW" b="1" dirty="0">
+                <a:ea typeface="微軟正黑體" panose="020B0604030504040204" pitchFamily="34" charset="-120"/>
+              </a:rPr>
+              <a:t>Provider</a:t>
+            </a:r>
+            <a:endParaRPr lang="zh-TW" altLang="en-US" b="1" dirty="0">
+              <a:ea typeface="微軟正黑體" panose="020B0604030504040204" pitchFamily="34" charset="-120"/>
+            </a:endParaRPr>
           </a:p>
         </p:txBody>
       </p:sp>
@@ -42218,12 +42226,6 @@
 </file>
 
 <file path=customXml/item1.xml><?xml version="1.0" encoding="utf-8"?>
-<p:properties xmlns:p="http://schemas.microsoft.com/office/2006/metadata/properties" xmlns:xsi="http://www.w3.org/2001/XMLSchema-instance">
-  <documentManagement/>
-</p:properties>
-</file>
-
-<file path=customXml/item2.xml><?xml version="1.0" encoding="utf-8"?>
 <ct:contentTypeSchema xmlns:ct="http://schemas.microsoft.com/office/2006/metadata/contentType" xmlns:ma="http://schemas.microsoft.com/office/2006/metadata/properties/metaAttributes" ct:_="" ma:_="" ma:contentTypeName="Document" ma:contentTypeID="0x0101000AA0115B54226D469CC0FAAE38E5F61C" ma:contentTypeVersion="3" ma:contentTypeDescription="Create a new document." ma:contentTypeScope="" ma:versionID="0ae424bb0065d3a2a055b165aca25ec5">
   <xsd:schema xmlns:xsd="http://www.w3.org/2001/XMLSchema" xmlns:p="http://schemas.microsoft.com/office/2006/metadata/properties" targetNamespace="http://schemas.microsoft.com/office/2006/metadata/properties" ma:root="true" ma:fieldsID="4aeb20c0e3442673af7ee10786458764">
     <xsd:element name="properties">
@@ -42272,6 +42274,12 @@
 </ct:contentTypeSchema>
 </file>
 
+<file path=customXml/item2.xml><?xml version="1.0" encoding="utf-8"?>
+<p:properties xmlns:p="http://schemas.microsoft.com/office/2006/metadata/properties" xmlns:xsi="http://www.w3.org/2001/XMLSchema-instance">
+  <documentManagement/>
+</p:properties>
+</file>
+
 <file path=customXml/item3.xml><?xml version="1.0" encoding="utf-8"?>
 <?mso-contentType ?>
 <FormTemplates xmlns="http://schemas.microsoft.com/sharepoint/v3/contenttype/forms">
@@ -42282,20 +42290,6 @@
 </file>
 
 <file path=customXml/itemProps1.xml><?xml version="1.0" encoding="utf-8"?>
-<ds:datastoreItem xmlns:ds="http://schemas.openxmlformats.org/officeDocument/2006/customXml" ds:itemID="{892A9AA9-F261-48C5-9DFB-0929A9F0E540}">
-  <ds:schemaRefs>
-    <ds:schemaRef ds:uri="http://purl.org/dc/elements/1.1/"/>
-    <ds:schemaRef ds:uri="http://schemas.microsoft.com/office/2006/documentManagement/types"/>
-    <ds:schemaRef ds:uri="http://purl.org/dc/terms/"/>
-    <ds:schemaRef ds:uri="http://schemas.openxmlformats.org/package/2006/metadata/core-properties"/>
-    <ds:schemaRef ds:uri="http://purl.org/dc/dcmitype/"/>
-    <ds:schemaRef ds:uri="http://schemas.microsoft.com/office/2006/metadata/properties"/>
-    <ds:schemaRef ds:uri="http://www.w3.org/XML/1998/namespace"/>
-  </ds:schemaRefs>
-</ds:datastoreItem>
-</file>
-
-<file path=customXml/itemProps2.xml><?xml version="1.0" encoding="utf-8"?>
 <ds:datastoreItem xmlns:ds="http://schemas.openxmlformats.org/officeDocument/2006/customXml" ds:itemID="{FE6BB287-9CB7-4AA6-A5A5-8D1CE03643F3}">
   <ds:schemaRefs>
     <ds:schemaRef ds:uri="http://schemas.microsoft.com/office/2006/metadata/contentType"/>
@@ -42310,6 +42304,20 @@
 </ds:datastoreItem>
 </file>
 
+<file path=customXml/itemProps2.xml><?xml version="1.0" encoding="utf-8"?>
+<ds:datastoreItem xmlns:ds="http://schemas.openxmlformats.org/officeDocument/2006/customXml" ds:itemID="{892A9AA9-F261-48C5-9DFB-0929A9F0E540}">
+  <ds:schemaRefs>
+    <ds:schemaRef ds:uri="http://purl.org/dc/elements/1.1/"/>
+    <ds:schemaRef ds:uri="http://schemas.microsoft.com/office/2006/documentManagement/types"/>
+    <ds:schemaRef ds:uri="http://purl.org/dc/terms/"/>
+    <ds:schemaRef ds:uri="http://schemas.openxmlformats.org/package/2006/metadata/core-properties"/>
+    <ds:schemaRef ds:uri="http://purl.org/dc/dcmitype/"/>
+    <ds:schemaRef ds:uri="http://schemas.microsoft.com/office/2006/metadata/properties"/>
+    <ds:schemaRef ds:uri="http://www.w3.org/XML/1998/namespace"/>
+  </ds:schemaRefs>
+</ds:datastoreItem>
+</file>
+
 <file path=customXml/itemProps3.xml><?xml version="1.0" encoding="utf-8"?>
 <ds:datastoreItem xmlns:ds="http://schemas.openxmlformats.org/officeDocument/2006/customXml" ds:itemID="{A1770BF7-49D5-46D6-8B76-1D8AF290B450}">
   <ds:schemaRefs>
